--- a/defesa.pptx
+++ b/defesa.pptx
@@ -1,12 +1,18 @@
 
 <file path=ppt/presentation.xml><?xml version="1.0" encoding="utf-8"?>
-<p:presentation xmlns:a="http://schemas.openxmlformats.org/drawingml/2006/main" xmlns:r="http://schemas.openxmlformats.org/officeDocument/2006/relationships" xmlns:p="http://schemas.openxmlformats.org/presentationml/2006/main" saveSubsetFonts="1" autoCompressPictures="0">
+<p:presentation xmlns:a="http://schemas.openxmlformats.org/drawingml/2006/main" xmlns:r="http://schemas.openxmlformats.org/officeDocument/2006/relationships" xmlns:p="http://schemas.openxmlformats.org/presentationml/2006/main" showSpecialPlsOnTitleSld="0" saveSubsetFonts="1" autoCompressPictures="0">
   <p:sldMasterIdLst>
     <p:sldMasterId id="2147483648" r:id="rId1"/>
   </p:sldMasterIdLst>
+  <p:notesMasterIdLst>
+    <p:notesMasterId r:id="rId7"/>
+  </p:notesMasterIdLst>
   <p:sldIdLst>
     <p:sldId id="256" r:id="rId2"/>
-    <p:sldId id="257" r:id="rId3"/>
+    <p:sldId id="258" r:id="rId3"/>
+    <p:sldId id="259" r:id="rId4"/>
+    <p:sldId id="260" r:id="rId5"/>
+    <p:sldId id="257" r:id="rId6"/>
   </p:sldIdLst>
   <p:sldSz cx="12192000" cy="6858000"/>
   <p:notesSz cx="6858000" cy="9144000"/>
@@ -105,7 +111,362 @@
       </a:defRPr>
     </a:lvl9pPr>
   </p:defaultTextStyle>
+  <p:extLst>
+    <p:ext uri="{EFAFB233-063F-42B5-8137-9DF3F51BA10A}">
+      <p15:sldGuideLst xmlns:p15="http://schemas.microsoft.com/office/powerpoint/2012/main"/>
+    </p:ext>
+  </p:extLst>
 </p:presentation>
+</file>
+
+<file path=ppt/notesMasters/notesMaster1.xml><?xml version="1.0" encoding="utf-8"?>
+<p:notesMaster xmlns:a="http://schemas.openxmlformats.org/drawingml/2006/main" xmlns:r="http://schemas.openxmlformats.org/officeDocument/2006/relationships" xmlns:p="http://schemas.openxmlformats.org/presentationml/2006/main">
+  <p:cSld>
+    <p:bg>
+      <p:bgRef idx="1001">
+        <a:schemeClr val="bg1"/>
+      </p:bgRef>
+    </p:bg>
+    <p:spTree>
+      <p:nvGrpSpPr>
+        <p:cNvPr id="1" name=""/>
+        <p:cNvGrpSpPr/>
+        <p:nvPr/>
+      </p:nvGrpSpPr>
+      <p:grpSpPr>
+        <a:xfrm>
+          <a:off x="0" y="0"/>
+          <a:ext cx="0" cy="0"/>
+          <a:chOff x="0" y="0"/>
+          <a:chExt cx="0" cy="0"/>
+        </a:xfrm>
+      </p:grpSpPr>
+      <p:sp>
+        <p:nvSpPr>
+          <p:cNvPr id="2" name="Header Placeholder 1"/>
+          <p:cNvSpPr>
+            <a:spLocks noGrp="1"/>
+          </p:cNvSpPr>
+          <p:nvPr>
+            <p:ph type="hdr" sz="quarter"/>
+          </p:nvPr>
+        </p:nvSpPr>
+        <p:spPr>
+          <a:xfrm>
+            <a:off x="0" y="0"/>
+            <a:ext cx="2971800" cy="458788"/>
+          </a:xfrm>
+          <a:prstGeom prst="rect">
+            <a:avLst/>
+          </a:prstGeom>
+        </p:spPr>
+        <p:txBody>
+          <a:bodyPr vert="horz" lIns="91440" tIns="45720" rIns="91440" bIns="45720" rtlCol="0"/>
+          <a:lstStyle>
+            <a:lvl1pPr algn="l">
+              <a:defRPr sz="1200"/>
+            </a:lvl1pPr>
+          </a:lstStyle>
+          <a:p>
+            <a:endParaRPr lang="pt-BR"/>
+          </a:p>
+        </p:txBody>
+      </p:sp>
+      <p:sp>
+        <p:nvSpPr>
+          <p:cNvPr id="3" name="Date Placeholder 2"/>
+          <p:cNvSpPr>
+            <a:spLocks noGrp="1"/>
+          </p:cNvSpPr>
+          <p:nvPr>
+            <p:ph type="dt" idx="1"/>
+          </p:nvPr>
+        </p:nvSpPr>
+        <p:spPr>
+          <a:xfrm>
+            <a:off x="3884613" y="0"/>
+            <a:ext cx="2971800" cy="458788"/>
+          </a:xfrm>
+          <a:prstGeom prst="rect">
+            <a:avLst/>
+          </a:prstGeom>
+        </p:spPr>
+        <p:txBody>
+          <a:bodyPr vert="horz" lIns="91440" tIns="45720" rIns="91440" bIns="45720" rtlCol="0"/>
+          <a:lstStyle>
+            <a:lvl1pPr algn="r">
+              <a:defRPr sz="1200"/>
+            </a:lvl1pPr>
+          </a:lstStyle>
+          <a:p>
+            <a:fld id="{B6A12C11-4C9D-1F4A-951A-CE97512F563C}" type="datetimeFigureOut">
+              <a:rPr lang="pt-BR" smtClean="0"/>
+              <a:t>03/07/2023</a:t>
+            </a:fld>
+            <a:endParaRPr lang="pt-BR"/>
+          </a:p>
+        </p:txBody>
+      </p:sp>
+      <p:sp>
+        <p:nvSpPr>
+          <p:cNvPr id="4" name="Slide Image Placeholder 3"/>
+          <p:cNvSpPr>
+            <a:spLocks noGrp="1" noRot="1" noChangeAspect="1"/>
+          </p:cNvSpPr>
+          <p:nvPr>
+            <p:ph type="sldImg" idx="2"/>
+          </p:nvPr>
+        </p:nvSpPr>
+        <p:spPr>
+          <a:xfrm>
+            <a:off x="685800" y="1143000"/>
+            <a:ext cx="5486400" cy="3086100"/>
+          </a:xfrm>
+          <a:prstGeom prst="rect">
+            <a:avLst/>
+          </a:prstGeom>
+          <a:noFill/>
+          <a:ln w="12700">
+            <a:solidFill>
+              <a:prstClr val="black"/>
+            </a:solidFill>
+          </a:ln>
+        </p:spPr>
+        <p:txBody>
+          <a:bodyPr vert="horz" lIns="91440" tIns="45720" rIns="91440" bIns="45720" rtlCol="0" anchor="ctr"/>
+          <a:lstStyle/>
+          <a:p>
+            <a:endParaRPr lang="pt-BR"/>
+          </a:p>
+        </p:txBody>
+      </p:sp>
+      <p:sp>
+        <p:nvSpPr>
+          <p:cNvPr id="5" name="Notes Placeholder 4"/>
+          <p:cNvSpPr>
+            <a:spLocks noGrp="1"/>
+          </p:cNvSpPr>
+          <p:nvPr>
+            <p:ph type="body" sz="quarter" idx="3"/>
+          </p:nvPr>
+        </p:nvSpPr>
+        <p:spPr>
+          <a:xfrm>
+            <a:off x="685800" y="4400550"/>
+            <a:ext cx="5486400" cy="3600450"/>
+          </a:xfrm>
+          <a:prstGeom prst="rect">
+            <a:avLst/>
+          </a:prstGeom>
+        </p:spPr>
+        <p:txBody>
+          <a:bodyPr vert="horz" lIns="91440" tIns="45720" rIns="91440" bIns="45720" rtlCol="0"/>
+          <a:lstStyle/>
+          <a:p>
+            <a:pPr lvl="0"/>
+            <a:r>
+              <a:rPr lang="en-US"/>
+              <a:t>Click to edit Master text styles</a:t>
+            </a:r>
+          </a:p>
+          <a:p>
+            <a:pPr lvl="1"/>
+            <a:r>
+              <a:rPr lang="en-US"/>
+              <a:t>Second level</a:t>
+            </a:r>
+          </a:p>
+          <a:p>
+            <a:pPr lvl="2"/>
+            <a:r>
+              <a:rPr lang="en-US"/>
+              <a:t>Third level</a:t>
+            </a:r>
+          </a:p>
+          <a:p>
+            <a:pPr lvl="3"/>
+            <a:r>
+              <a:rPr lang="en-US"/>
+              <a:t>Fourth level</a:t>
+            </a:r>
+          </a:p>
+          <a:p>
+            <a:pPr lvl="4"/>
+            <a:r>
+              <a:rPr lang="en-US"/>
+              <a:t>Fifth level</a:t>
+            </a:r>
+            <a:endParaRPr lang="pt-BR"/>
+          </a:p>
+        </p:txBody>
+      </p:sp>
+      <p:sp>
+        <p:nvSpPr>
+          <p:cNvPr id="6" name="Footer Placeholder 5"/>
+          <p:cNvSpPr>
+            <a:spLocks noGrp="1"/>
+          </p:cNvSpPr>
+          <p:nvPr>
+            <p:ph type="ftr" sz="quarter" idx="4"/>
+          </p:nvPr>
+        </p:nvSpPr>
+        <p:spPr>
+          <a:xfrm>
+            <a:off x="0" y="8685213"/>
+            <a:ext cx="2971800" cy="458787"/>
+          </a:xfrm>
+          <a:prstGeom prst="rect">
+            <a:avLst/>
+          </a:prstGeom>
+        </p:spPr>
+        <p:txBody>
+          <a:bodyPr vert="horz" lIns="91440" tIns="45720" rIns="91440" bIns="45720" rtlCol="0" anchor="b"/>
+          <a:lstStyle>
+            <a:lvl1pPr algn="l">
+              <a:defRPr sz="1200"/>
+            </a:lvl1pPr>
+          </a:lstStyle>
+          <a:p>
+            <a:endParaRPr lang="pt-BR"/>
+          </a:p>
+        </p:txBody>
+      </p:sp>
+      <p:sp>
+        <p:nvSpPr>
+          <p:cNvPr id="7" name="Slide Number Placeholder 6"/>
+          <p:cNvSpPr>
+            <a:spLocks noGrp="1"/>
+          </p:cNvSpPr>
+          <p:nvPr>
+            <p:ph type="sldNum" sz="quarter" idx="5"/>
+          </p:nvPr>
+        </p:nvSpPr>
+        <p:spPr>
+          <a:xfrm>
+            <a:off x="3884613" y="8685213"/>
+            <a:ext cx="2971800" cy="458787"/>
+          </a:xfrm>
+          <a:prstGeom prst="rect">
+            <a:avLst/>
+          </a:prstGeom>
+        </p:spPr>
+        <p:txBody>
+          <a:bodyPr vert="horz" lIns="91440" tIns="45720" rIns="91440" bIns="45720" rtlCol="0" anchor="b"/>
+          <a:lstStyle>
+            <a:lvl1pPr algn="r">
+              <a:defRPr sz="1200"/>
+            </a:lvl1pPr>
+          </a:lstStyle>
+          <a:p>
+            <a:fld id="{11A34663-90A1-D846-8898-3C9F8D7E3213}" type="slidenum">
+              <a:rPr lang="pt-BR" smtClean="0"/>
+              <a:t>‹#›</a:t>
+            </a:fld>
+            <a:endParaRPr lang="pt-BR"/>
+          </a:p>
+        </p:txBody>
+      </p:sp>
+    </p:spTree>
+    <p:extLst>
+      <p:ext uri="{BB962C8B-B14F-4D97-AF65-F5344CB8AC3E}">
+        <p14:creationId xmlns:p14="http://schemas.microsoft.com/office/powerpoint/2010/main" val="1080487989"/>
+      </p:ext>
+    </p:extLst>
+  </p:cSld>
+  <p:clrMap bg1="lt1" tx1="dk1" bg2="lt2" tx2="dk2" accent1="accent1" accent2="accent2" accent3="accent3" accent4="accent4" accent5="accent5" accent6="accent6" hlink="hlink" folHlink="folHlink"/>
+  <p:notesStyle>
+    <a:lvl1pPr marL="0" algn="l" defTabSz="914400" rtl="0" eaLnBrk="1" latinLnBrk="0" hangingPunct="1">
+      <a:defRPr sz="1200" kern="1200">
+        <a:solidFill>
+          <a:schemeClr val="tx1"/>
+        </a:solidFill>
+        <a:latin typeface="+mn-lt"/>
+        <a:ea typeface="+mn-ea"/>
+        <a:cs typeface="+mn-cs"/>
+      </a:defRPr>
+    </a:lvl1pPr>
+    <a:lvl2pPr marL="457200" algn="l" defTabSz="914400" rtl="0" eaLnBrk="1" latinLnBrk="0" hangingPunct="1">
+      <a:defRPr sz="1200" kern="1200">
+        <a:solidFill>
+          <a:schemeClr val="tx1"/>
+        </a:solidFill>
+        <a:latin typeface="+mn-lt"/>
+        <a:ea typeface="+mn-ea"/>
+        <a:cs typeface="+mn-cs"/>
+      </a:defRPr>
+    </a:lvl2pPr>
+    <a:lvl3pPr marL="914400" algn="l" defTabSz="914400" rtl="0" eaLnBrk="1" latinLnBrk="0" hangingPunct="1">
+      <a:defRPr sz="1200" kern="1200">
+        <a:solidFill>
+          <a:schemeClr val="tx1"/>
+        </a:solidFill>
+        <a:latin typeface="+mn-lt"/>
+        <a:ea typeface="+mn-ea"/>
+        <a:cs typeface="+mn-cs"/>
+      </a:defRPr>
+    </a:lvl3pPr>
+    <a:lvl4pPr marL="1371600" algn="l" defTabSz="914400" rtl="0" eaLnBrk="1" latinLnBrk="0" hangingPunct="1">
+      <a:defRPr sz="1200" kern="1200">
+        <a:solidFill>
+          <a:schemeClr val="tx1"/>
+        </a:solidFill>
+        <a:latin typeface="+mn-lt"/>
+        <a:ea typeface="+mn-ea"/>
+        <a:cs typeface="+mn-cs"/>
+      </a:defRPr>
+    </a:lvl4pPr>
+    <a:lvl5pPr marL="1828800" algn="l" defTabSz="914400" rtl="0" eaLnBrk="1" latinLnBrk="0" hangingPunct="1">
+      <a:defRPr sz="1200" kern="1200">
+        <a:solidFill>
+          <a:schemeClr val="tx1"/>
+        </a:solidFill>
+        <a:latin typeface="+mn-lt"/>
+        <a:ea typeface="+mn-ea"/>
+        <a:cs typeface="+mn-cs"/>
+      </a:defRPr>
+    </a:lvl5pPr>
+    <a:lvl6pPr marL="2286000" algn="l" defTabSz="914400" rtl="0" eaLnBrk="1" latinLnBrk="0" hangingPunct="1">
+      <a:defRPr sz="1200" kern="1200">
+        <a:solidFill>
+          <a:schemeClr val="tx1"/>
+        </a:solidFill>
+        <a:latin typeface="+mn-lt"/>
+        <a:ea typeface="+mn-ea"/>
+        <a:cs typeface="+mn-cs"/>
+      </a:defRPr>
+    </a:lvl6pPr>
+    <a:lvl7pPr marL="2743200" algn="l" defTabSz="914400" rtl="0" eaLnBrk="1" latinLnBrk="0" hangingPunct="1">
+      <a:defRPr sz="1200" kern="1200">
+        <a:solidFill>
+          <a:schemeClr val="tx1"/>
+        </a:solidFill>
+        <a:latin typeface="+mn-lt"/>
+        <a:ea typeface="+mn-ea"/>
+        <a:cs typeface="+mn-cs"/>
+      </a:defRPr>
+    </a:lvl7pPr>
+    <a:lvl8pPr marL="3200400" algn="l" defTabSz="914400" rtl="0" eaLnBrk="1" latinLnBrk="0" hangingPunct="1">
+      <a:defRPr sz="1200" kern="1200">
+        <a:solidFill>
+          <a:schemeClr val="tx1"/>
+        </a:solidFill>
+        <a:latin typeface="+mn-lt"/>
+        <a:ea typeface="+mn-ea"/>
+        <a:cs typeface="+mn-cs"/>
+      </a:defRPr>
+    </a:lvl8pPr>
+    <a:lvl9pPr marL="3657600" algn="l" defTabSz="914400" rtl="0" eaLnBrk="1" latinLnBrk="0" hangingPunct="1">
+      <a:defRPr sz="1200" kern="1200">
+        <a:solidFill>
+          <a:schemeClr val="tx1"/>
+        </a:solidFill>
+        <a:latin typeface="+mn-lt"/>
+        <a:ea typeface="+mn-ea"/>
+        <a:cs typeface="+mn-cs"/>
+      </a:defRPr>
+    </a:lvl9pPr>
+  </p:notesStyle>
+</p:notesMaster>
 </file>
 
 <file path=ppt/slideLayouts/slideLayout1.xml><?xml version="1.0" encoding="utf-8"?>
@@ -255,9 +616,9 @@
           <a:bodyPr/>
           <a:lstStyle/>
           <a:p>
-            <a:fld id="{408457B0-5371-8B4B-B1C2-419F69B1EDC3}" type="datetimeFigureOut">
-              <a:rPr lang="pt-BR" smtClean="0"/>
-              <a:t>29/06/2023</a:t>
+            <a:fld id="{B7D7292B-FE83-8149-80C4-91AAECDA12E5}" type="datetime1">
+              <a:rPr lang="en-US" smtClean="0"/>
+              <a:t>7/3/23</a:t>
             </a:fld>
             <a:endParaRPr lang="pt-BR"/>
           </a:p>
@@ -284,7 +645,10 @@
           <a:bodyPr/>
           <a:lstStyle/>
           <a:p>
-            <a:endParaRPr lang="pt-BR"/>
+            <a:r>
+              <a:rPr lang="pt-BR"/>
+              <a:t>A Mobile Traffic Predictor Enhanced by Neighboring Transportation Data (MTP-NT)</a:t>
+            </a:r>
           </a:p>
         </p:txBody>
       </p:sp>
@@ -455,9 +819,9 @@
           <a:bodyPr/>
           <a:lstStyle/>
           <a:p>
-            <a:fld id="{408457B0-5371-8B4B-B1C2-419F69B1EDC3}" type="datetimeFigureOut">
-              <a:rPr lang="pt-BR" smtClean="0"/>
-              <a:t>29/06/2023</a:t>
+            <a:fld id="{F727921A-E0AD-844D-AD8F-CAC84CE426DD}" type="datetime1">
+              <a:rPr lang="en-US" smtClean="0"/>
+              <a:t>7/3/23</a:t>
             </a:fld>
             <a:endParaRPr lang="pt-BR"/>
           </a:p>
@@ -484,7 +848,10 @@
           <a:bodyPr/>
           <a:lstStyle/>
           <a:p>
-            <a:endParaRPr lang="pt-BR"/>
+            <a:r>
+              <a:rPr lang="pt-BR"/>
+              <a:t>A Mobile Traffic Predictor Enhanced by Neighboring Transportation Data (MTP-NT)</a:t>
+            </a:r>
           </a:p>
         </p:txBody>
       </p:sp>
@@ -665,9 +1032,9 @@
           <a:bodyPr/>
           <a:lstStyle/>
           <a:p>
-            <a:fld id="{408457B0-5371-8B4B-B1C2-419F69B1EDC3}" type="datetimeFigureOut">
-              <a:rPr lang="pt-BR" smtClean="0"/>
-              <a:t>29/06/2023</a:t>
+            <a:fld id="{9CD9CF61-6AC0-B04A-8A79-63823834CBEC}" type="datetime1">
+              <a:rPr lang="en-US" smtClean="0"/>
+              <a:t>7/3/23</a:t>
             </a:fld>
             <a:endParaRPr lang="pt-BR"/>
           </a:p>
@@ -694,7 +1061,10 @@
           <a:bodyPr/>
           <a:lstStyle/>
           <a:p>
-            <a:endParaRPr lang="pt-BR"/>
+            <a:r>
+              <a:rPr lang="pt-BR"/>
+              <a:t>A Mobile Traffic Predictor Enhanced by Neighboring Transportation Data (MTP-NT)</a:t>
+            </a:r>
           </a:p>
         </p:txBody>
       </p:sp>
@@ -865,9 +1235,9 @@
           <a:bodyPr/>
           <a:lstStyle/>
           <a:p>
-            <a:fld id="{408457B0-5371-8B4B-B1C2-419F69B1EDC3}" type="datetimeFigureOut">
-              <a:rPr lang="pt-BR" smtClean="0"/>
-              <a:t>29/06/2023</a:t>
+            <a:fld id="{CC831FFB-6350-8C44-9E91-19D97611BEA9}" type="datetime1">
+              <a:rPr lang="en-US" smtClean="0"/>
+              <a:t>7/3/23</a:t>
             </a:fld>
             <a:endParaRPr lang="pt-BR"/>
           </a:p>
@@ -894,7 +1264,10 @@
           <a:bodyPr/>
           <a:lstStyle/>
           <a:p>
-            <a:endParaRPr lang="pt-BR"/>
+            <a:r>
+              <a:rPr lang="pt-BR"/>
+              <a:t>A Mobile Traffic Predictor Enhanced by Neighboring Transportation Data (MTP-NT)</a:t>
+            </a:r>
           </a:p>
         </p:txBody>
       </p:sp>
@@ -1141,9 +1514,9 @@
           <a:bodyPr/>
           <a:lstStyle/>
           <a:p>
-            <a:fld id="{408457B0-5371-8B4B-B1C2-419F69B1EDC3}" type="datetimeFigureOut">
-              <a:rPr lang="pt-BR" smtClean="0"/>
-              <a:t>29/06/2023</a:t>
+            <a:fld id="{4EF76644-9B79-9F49-B469-1DC73161FED8}" type="datetime1">
+              <a:rPr lang="en-US" smtClean="0"/>
+              <a:t>7/3/23</a:t>
             </a:fld>
             <a:endParaRPr lang="pt-BR"/>
           </a:p>
@@ -1170,7 +1543,10 @@
           <a:bodyPr/>
           <a:lstStyle/>
           <a:p>
-            <a:endParaRPr lang="pt-BR"/>
+            <a:r>
+              <a:rPr lang="pt-BR"/>
+              <a:t>A Mobile Traffic Predictor Enhanced by Neighboring Transportation Data (MTP-NT)</a:t>
+            </a:r>
           </a:p>
         </p:txBody>
       </p:sp>
@@ -1409,9 +1785,9 @@
           <a:bodyPr/>
           <a:lstStyle/>
           <a:p>
-            <a:fld id="{408457B0-5371-8B4B-B1C2-419F69B1EDC3}" type="datetimeFigureOut">
-              <a:rPr lang="pt-BR" smtClean="0"/>
-              <a:t>29/06/2023</a:t>
+            <a:fld id="{A6A5F312-EAA7-7D48-88BA-9918EFBF56FA}" type="datetime1">
+              <a:rPr lang="en-US" smtClean="0"/>
+              <a:t>7/3/23</a:t>
             </a:fld>
             <a:endParaRPr lang="pt-BR"/>
           </a:p>
@@ -1438,7 +1814,10 @@
           <a:bodyPr/>
           <a:lstStyle/>
           <a:p>
-            <a:endParaRPr lang="pt-BR"/>
+            <a:r>
+              <a:rPr lang="pt-BR"/>
+              <a:t>A Mobile Traffic Predictor Enhanced by Neighboring Transportation Data (MTP-NT)</a:t>
+            </a:r>
           </a:p>
         </p:txBody>
       </p:sp>
@@ -1824,9 +2203,9 @@
           <a:bodyPr/>
           <a:lstStyle/>
           <a:p>
-            <a:fld id="{408457B0-5371-8B4B-B1C2-419F69B1EDC3}" type="datetimeFigureOut">
-              <a:rPr lang="pt-BR" smtClean="0"/>
-              <a:t>29/06/2023</a:t>
+            <a:fld id="{619E78BB-BB23-6E49-9BDB-7472C1355587}" type="datetime1">
+              <a:rPr lang="en-US" smtClean="0"/>
+              <a:t>7/3/23</a:t>
             </a:fld>
             <a:endParaRPr lang="pt-BR"/>
           </a:p>
@@ -1853,7 +2232,10 @@
           <a:bodyPr/>
           <a:lstStyle/>
           <a:p>
-            <a:endParaRPr lang="pt-BR"/>
+            <a:r>
+              <a:rPr lang="pt-BR"/>
+              <a:t>A Mobile Traffic Predictor Enhanced by Neighboring Transportation Data (MTP-NT)</a:t>
+            </a:r>
           </a:p>
         </p:txBody>
       </p:sp>
@@ -1966,9 +2348,9 @@
           <a:bodyPr/>
           <a:lstStyle/>
           <a:p>
-            <a:fld id="{408457B0-5371-8B4B-B1C2-419F69B1EDC3}" type="datetimeFigureOut">
-              <a:rPr lang="pt-BR" smtClean="0"/>
-              <a:t>29/06/2023</a:t>
+            <a:fld id="{6ABA3EEC-C7DD-1B40-8728-972E1C9136C0}" type="datetime1">
+              <a:rPr lang="en-US" smtClean="0"/>
+              <a:t>7/3/23</a:t>
             </a:fld>
             <a:endParaRPr lang="pt-BR"/>
           </a:p>
@@ -1995,7 +2377,10 @@
           <a:bodyPr/>
           <a:lstStyle/>
           <a:p>
-            <a:endParaRPr lang="pt-BR"/>
+            <a:r>
+              <a:rPr lang="pt-BR"/>
+              <a:t>A Mobile Traffic Predictor Enhanced by Neighboring Transportation Data (MTP-NT)</a:t>
+            </a:r>
           </a:p>
         </p:txBody>
       </p:sp>
@@ -2079,9 +2464,9 @@
           <a:bodyPr/>
           <a:lstStyle/>
           <a:p>
-            <a:fld id="{408457B0-5371-8B4B-B1C2-419F69B1EDC3}" type="datetimeFigureOut">
-              <a:rPr lang="pt-BR" smtClean="0"/>
-              <a:t>29/06/2023</a:t>
+            <a:fld id="{728EB19E-60F9-E347-B916-E0C6BA076179}" type="datetime1">
+              <a:rPr lang="en-US" smtClean="0"/>
+              <a:t>7/3/23</a:t>
             </a:fld>
             <a:endParaRPr lang="pt-BR"/>
           </a:p>
@@ -2108,7 +2493,10 @@
           <a:bodyPr/>
           <a:lstStyle/>
           <a:p>
-            <a:endParaRPr lang="pt-BR"/>
+            <a:r>
+              <a:rPr lang="pt-BR"/>
+              <a:t>A Mobile Traffic Predictor Enhanced by Neighboring Transportation Data (MTP-NT)</a:t>
+            </a:r>
           </a:p>
         </p:txBody>
       </p:sp>
@@ -2392,9 +2780,9 @@
           <a:bodyPr/>
           <a:lstStyle/>
           <a:p>
-            <a:fld id="{408457B0-5371-8B4B-B1C2-419F69B1EDC3}" type="datetimeFigureOut">
-              <a:rPr lang="pt-BR" smtClean="0"/>
-              <a:t>29/06/2023</a:t>
+            <a:fld id="{15B4D956-4AC8-404F-A7CF-EC008BDE51B6}" type="datetime1">
+              <a:rPr lang="en-US" smtClean="0"/>
+              <a:t>7/3/23</a:t>
             </a:fld>
             <a:endParaRPr lang="pt-BR"/>
           </a:p>
@@ -2421,7 +2809,10 @@
           <a:bodyPr/>
           <a:lstStyle/>
           <a:p>
-            <a:endParaRPr lang="pt-BR"/>
+            <a:r>
+              <a:rPr lang="pt-BR"/>
+              <a:t>A Mobile Traffic Predictor Enhanced by Neighboring Transportation Data (MTP-NT)</a:t>
+            </a:r>
           </a:p>
         </p:txBody>
       </p:sp>
@@ -2681,9 +3072,9 @@
           <a:bodyPr/>
           <a:lstStyle/>
           <a:p>
-            <a:fld id="{408457B0-5371-8B4B-B1C2-419F69B1EDC3}" type="datetimeFigureOut">
-              <a:rPr lang="pt-BR" smtClean="0"/>
-              <a:t>29/06/2023</a:t>
+            <a:fld id="{0939231F-1418-9A44-976B-E0F4BFB8DF25}" type="datetime1">
+              <a:rPr lang="en-US" smtClean="0"/>
+              <a:t>7/3/23</a:t>
             </a:fld>
             <a:endParaRPr lang="pt-BR"/>
           </a:p>
@@ -2710,7 +3101,10 @@
           <a:bodyPr/>
           <a:lstStyle/>
           <a:p>
-            <a:endParaRPr lang="pt-BR"/>
+            <a:r>
+              <a:rPr lang="pt-BR"/>
+              <a:t>A Mobile Traffic Predictor Enhanced by Neighboring Transportation Data (MTP-NT)</a:t>
+            </a:r>
           </a:p>
         </p:txBody>
       </p:sp>
@@ -2924,9 +3318,9 @@
             </a:lvl1pPr>
           </a:lstStyle>
           <a:p>
-            <a:fld id="{408457B0-5371-8B4B-B1C2-419F69B1EDC3}" type="datetimeFigureOut">
-              <a:rPr lang="pt-BR" smtClean="0"/>
-              <a:t>29/06/2023</a:t>
+            <a:fld id="{488104F5-6E01-7F45-A19D-27FA7BCF2A7A}" type="datetime1">
+              <a:rPr lang="en-US" smtClean="0"/>
+              <a:t>7/3/23</a:t>
             </a:fld>
             <a:endParaRPr lang="pt-BR"/>
           </a:p>
@@ -2971,7 +3365,10 @@
             </a:lvl1pPr>
           </a:lstStyle>
           <a:p>
-            <a:endParaRPr lang="pt-BR"/>
+            <a:r>
+              <a:rPr lang="pt-BR"/>
+              <a:t>A Mobile Traffic Predictor Enhanced by Neighboring Transportation Data (MTP-NT)</a:t>
+            </a:r>
           </a:p>
         </p:txBody>
       </p:sp>
@@ -3043,6 +3440,7 @@
     <p:sldLayoutId id="2147483658" r:id="rId10"/>
     <p:sldLayoutId id="2147483659" r:id="rId11"/>
   </p:sldLayoutIdLst>
+  <p:hf hdr="0" dt="0"/>
   <p:txStyles>
     <p:titleStyle>
       <a:lvl1pPr algn="l" defTabSz="914400" rtl="0" eaLnBrk="1" latinLnBrk="0" hangingPunct="1">
@@ -3430,8 +3828,8 @@
         </p:nvSpPr>
         <p:spPr>
           <a:xfrm>
-            <a:off x="2860734" y="231963"/>
-            <a:ext cx="6281111" cy="612650"/>
+            <a:off x="2860734" y="231962"/>
+            <a:ext cx="6281111" cy="894025"/>
           </a:xfrm>
           <a:prstGeom prst="rect">
             <a:avLst/>
@@ -3610,7 +4008,7 @@
               <a:rPr lang="pt-BR" b="1" dirty="0">
                 <a:latin typeface="+mj-lt"/>
               </a:rPr>
-              <a:t>Programa de Pós-Graduação em Computação</a:t>
+              <a:t>Programa de Pós-Graduação em Ciência da Computação</a:t>
             </a:r>
           </a:p>
         </p:txBody>
@@ -3953,6 +4351,3776 @@
       </p:grpSpPr>
       <p:sp>
         <p:nvSpPr>
+          <p:cNvPr id="2" name="Title 1">
+            <a:extLst>
+              <a:ext uri="{FF2B5EF4-FFF2-40B4-BE49-F238E27FC236}">
+                <a16:creationId xmlns:a16="http://schemas.microsoft.com/office/drawing/2014/main" id="{CE4FF00A-1E98-87D1-4D8D-2603FC510239}"/>
+              </a:ext>
+            </a:extLst>
+          </p:cNvPr>
+          <p:cNvSpPr>
+            <a:spLocks noGrp="1"/>
+          </p:cNvSpPr>
+          <p:nvPr>
+            <p:ph type="title"/>
+          </p:nvPr>
+        </p:nvSpPr>
+        <p:spPr/>
+        <p:txBody>
+          <a:bodyPr/>
+          <a:lstStyle/>
+          <a:p>
+            <a:pPr algn="ctr"/>
+            <a:r>
+              <a:rPr lang="pt-BR" dirty="0" err="1"/>
+              <a:t>Contents</a:t>
+            </a:r>
+            <a:endParaRPr lang="pt-BR" dirty="0"/>
+          </a:p>
+        </p:txBody>
+      </p:sp>
+      <p:sp>
+        <p:nvSpPr>
+          <p:cNvPr id="3" name="Content Placeholder 2">
+            <a:extLst>
+              <a:ext uri="{FF2B5EF4-FFF2-40B4-BE49-F238E27FC236}">
+                <a16:creationId xmlns:a16="http://schemas.microsoft.com/office/drawing/2014/main" id="{5CC0BE7E-BBDD-73E9-E46F-0185B0BA8C22}"/>
+              </a:ext>
+            </a:extLst>
+          </p:cNvPr>
+          <p:cNvSpPr>
+            <a:spLocks noGrp="1"/>
+          </p:cNvSpPr>
+          <p:nvPr>
+            <p:ph idx="1"/>
+          </p:nvPr>
+        </p:nvSpPr>
+        <p:spPr/>
+        <p:txBody>
+          <a:bodyPr/>
+          <a:lstStyle/>
+          <a:p>
+            <a:pPr marL="514350" indent="-514350">
+              <a:buFont typeface="+mj-lt"/>
+              <a:buAutoNum type="arabicPeriod"/>
+            </a:pPr>
+            <a:r>
+              <a:rPr lang="pt-BR" dirty="0" err="1"/>
+              <a:t>Introduction</a:t>
+            </a:r>
+            <a:endParaRPr lang="pt-BR" dirty="0"/>
+          </a:p>
+          <a:p>
+            <a:pPr marL="514350" indent="-514350">
+              <a:buFont typeface="+mj-lt"/>
+              <a:buAutoNum type="arabicPeriod"/>
+            </a:pPr>
+            <a:r>
+              <a:rPr lang="pt-BR" dirty="0" err="1"/>
+              <a:t>Related</a:t>
+            </a:r>
+            <a:r>
+              <a:rPr lang="pt-BR" dirty="0"/>
+              <a:t> </a:t>
+            </a:r>
+            <a:r>
+              <a:rPr lang="pt-BR" dirty="0" err="1"/>
+              <a:t>Work</a:t>
+            </a:r>
+            <a:endParaRPr lang="pt-BR" dirty="0"/>
+          </a:p>
+          <a:p>
+            <a:pPr marL="514350" indent="-514350">
+              <a:buFont typeface="+mj-lt"/>
+              <a:buAutoNum type="arabicPeriod"/>
+            </a:pPr>
+            <a:r>
+              <a:rPr lang="pt-BR" dirty="0" err="1"/>
+              <a:t>Preliminaries</a:t>
+            </a:r>
+            <a:r>
+              <a:rPr lang="pt-BR" dirty="0"/>
+              <a:t> </a:t>
+            </a:r>
+            <a:r>
+              <a:rPr lang="pt-BR" dirty="0" err="1"/>
+              <a:t>on</a:t>
+            </a:r>
+            <a:r>
+              <a:rPr lang="pt-BR" dirty="0"/>
+              <a:t> data </a:t>
+            </a:r>
+            <a:r>
+              <a:rPr lang="pt-BR" dirty="0" err="1"/>
+              <a:t>collection</a:t>
+            </a:r>
+            <a:r>
+              <a:rPr lang="pt-BR" dirty="0"/>
+              <a:t> for MTP-NT</a:t>
+            </a:r>
+          </a:p>
+          <a:p>
+            <a:pPr marL="514350" indent="-514350">
+              <a:buFont typeface="+mj-lt"/>
+              <a:buAutoNum type="arabicPeriod"/>
+            </a:pPr>
+            <a:r>
+              <a:rPr lang="pt-BR" dirty="0"/>
+              <a:t>Framework </a:t>
+            </a:r>
+            <a:r>
+              <a:rPr lang="pt-BR" dirty="0" err="1"/>
+              <a:t>structure</a:t>
+            </a:r>
+            <a:r>
+              <a:rPr lang="pt-BR" dirty="0"/>
+              <a:t> </a:t>
+            </a:r>
+            <a:r>
+              <a:rPr lang="pt-BR" dirty="0" err="1"/>
+              <a:t>and</a:t>
+            </a:r>
+            <a:r>
+              <a:rPr lang="pt-BR" dirty="0"/>
+              <a:t> </a:t>
+            </a:r>
+            <a:r>
+              <a:rPr lang="pt-BR" dirty="0" err="1"/>
+              <a:t>fundamentation</a:t>
+            </a:r>
+            <a:endParaRPr lang="pt-BR" dirty="0"/>
+          </a:p>
+          <a:p>
+            <a:pPr marL="514350" indent="-514350">
+              <a:buFont typeface="+mj-lt"/>
+              <a:buAutoNum type="arabicPeriod"/>
+            </a:pPr>
+            <a:r>
+              <a:rPr lang="pt-BR" dirty="0"/>
+              <a:t>Experimental </a:t>
+            </a:r>
+            <a:r>
+              <a:rPr lang="pt-BR" dirty="0" err="1"/>
+              <a:t>results</a:t>
+            </a:r>
+            <a:endParaRPr lang="pt-BR" dirty="0"/>
+          </a:p>
+          <a:p>
+            <a:pPr marL="514350" indent="-514350">
+              <a:buFont typeface="+mj-lt"/>
+              <a:buAutoNum type="arabicPeriod"/>
+            </a:pPr>
+            <a:r>
+              <a:rPr lang="pt-BR" dirty="0"/>
+              <a:t>Final </a:t>
+            </a:r>
+            <a:r>
+              <a:rPr lang="pt-BR" dirty="0" err="1"/>
+              <a:t>considerations</a:t>
+            </a:r>
+            <a:r>
+              <a:rPr lang="pt-BR" dirty="0"/>
+              <a:t> </a:t>
+            </a:r>
+            <a:r>
+              <a:rPr lang="pt-BR" dirty="0" err="1"/>
+              <a:t>and</a:t>
+            </a:r>
+            <a:r>
+              <a:rPr lang="pt-BR" dirty="0"/>
+              <a:t> future </a:t>
+            </a:r>
+            <a:r>
+              <a:rPr lang="pt-BR" dirty="0" err="1"/>
+              <a:t>work</a:t>
+            </a:r>
+            <a:endParaRPr lang="pt-BR" dirty="0"/>
+          </a:p>
+        </p:txBody>
+      </p:sp>
+      <p:sp>
+        <p:nvSpPr>
+          <p:cNvPr id="6" name="Footer Placeholder 5">
+            <a:extLst>
+              <a:ext uri="{FF2B5EF4-FFF2-40B4-BE49-F238E27FC236}">
+                <a16:creationId xmlns:a16="http://schemas.microsoft.com/office/drawing/2014/main" id="{182D6A0A-E745-679D-60FF-B7C463A93737}"/>
+              </a:ext>
+            </a:extLst>
+          </p:cNvPr>
+          <p:cNvSpPr>
+            <a:spLocks noGrp="1"/>
+          </p:cNvSpPr>
+          <p:nvPr>
+            <p:ph type="ftr" sz="quarter" idx="11"/>
+          </p:nvPr>
+        </p:nvSpPr>
+        <p:spPr/>
+        <p:txBody>
+          <a:bodyPr/>
+          <a:lstStyle/>
+          <a:p>
+            <a:r>
+              <a:rPr lang="pt-BR"/>
+              <a:t>A Mobile Traffic Predictor Enhanced by Neighboring Transportation Data (MTP-NT)</a:t>
+            </a:r>
+          </a:p>
+        </p:txBody>
+      </p:sp>
+      <p:sp>
+        <p:nvSpPr>
+          <p:cNvPr id="7" name="Slide Number Placeholder 6">
+            <a:extLst>
+              <a:ext uri="{FF2B5EF4-FFF2-40B4-BE49-F238E27FC236}">
+                <a16:creationId xmlns:a16="http://schemas.microsoft.com/office/drawing/2014/main" id="{36E45A6A-468F-0755-DC86-F673816E518A}"/>
+              </a:ext>
+            </a:extLst>
+          </p:cNvPr>
+          <p:cNvSpPr>
+            <a:spLocks noGrp="1"/>
+          </p:cNvSpPr>
+          <p:nvPr>
+            <p:ph type="sldNum" sz="quarter" idx="12"/>
+          </p:nvPr>
+        </p:nvSpPr>
+        <p:spPr/>
+        <p:txBody>
+          <a:bodyPr/>
+          <a:lstStyle/>
+          <a:p>
+            <a:fld id="{C16D1434-241F-3E4A-8778-0F70095E40C3}" type="slidenum">
+              <a:rPr lang="pt-BR" smtClean="0"/>
+              <a:t>2</a:t>
+            </a:fld>
+            <a:endParaRPr lang="pt-BR"/>
+          </a:p>
+        </p:txBody>
+      </p:sp>
+    </p:spTree>
+    <p:extLst>
+      <p:ext uri="{BB962C8B-B14F-4D97-AF65-F5344CB8AC3E}">
+        <p14:creationId xmlns:p14="http://schemas.microsoft.com/office/powerpoint/2010/main" val="1714397077"/>
+      </p:ext>
+    </p:extLst>
+  </p:cSld>
+  <p:clrMapOvr>
+    <a:masterClrMapping/>
+  </p:clrMapOvr>
+</p:sld>
+</file>
+
+<file path=ppt/slides/slide3.xml><?xml version="1.0" encoding="utf-8"?>
+<p:sld xmlns:a="http://schemas.openxmlformats.org/drawingml/2006/main" xmlns:r="http://schemas.openxmlformats.org/officeDocument/2006/relationships" xmlns:p="http://schemas.openxmlformats.org/presentationml/2006/main">
+  <p:cSld>
+    <p:spTree>
+      <p:nvGrpSpPr>
+        <p:cNvPr id="1" name=""/>
+        <p:cNvGrpSpPr/>
+        <p:nvPr/>
+      </p:nvGrpSpPr>
+      <p:grpSpPr>
+        <a:xfrm>
+          <a:off x="0" y="0"/>
+          <a:ext cx="0" cy="0"/>
+          <a:chOff x="0" y="0"/>
+          <a:chExt cx="0" cy="0"/>
+        </a:xfrm>
+      </p:grpSpPr>
+      <p:sp>
+        <p:nvSpPr>
+          <p:cNvPr id="4" name="Footer Placeholder 3">
+            <a:extLst>
+              <a:ext uri="{FF2B5EF4-FFF2-40B4-BE49-F238E27FC236}">
+                <a16:creationId xmlns:a16="http://schemas.microsoft.com/office/drawing/2014/main" id="{ABC5BB99-6713-EE89-3895-F3148FABAE18}"/>
+              </a:ext>
+            </a:extLst>
+          </p:cNvPr>
+          <p:cNvSpPr>
+            <a:spLocks noGrp="1"/>
+          </p:cNvSpPr>
+          <p:nvPr>
+            <p:ph type="ftr" sz="quarter" idx="11"/>
+          </p:nvPr>
+        </p:nvSpPr>
+        <p:spPr/>
+        <p:txBody>
+          <a:bodyPr/>
+          <a:lstStyle/>
+          <a:p>
+            <a:r>
+              <a:rPr lang="pt-BR" dirty="0"/>
+              <a:t>A Mobile </a:t>
+            </a:r>
+            <a:r>
+              <a:rPr lang="pt-BR" dirty="0" err="1"/>
+              <a:t>Traffic</a:t>
+            </a:r>
+            <a:r>
+              <a:rPr lang="pt-BR" dirty="0"/>
+              <a:t> </a:t>
+            </a:r>
+            <a:r>
+              <a:rPr lang="pt-BR" dirty="0" err="1"/>
+              <a:t>Predictor</a:t>
+            </a:r>
+            <a:r>
+              <a:rPr lang="pt-BR" dirty="0"/>
+              <a:t> </a:t>
+            </a:r>
+            <a:r>
+              <a:rPr lang="pt-BR" dirty="0" err="1"/>
+              <a:t>Enhanced</a:t>
+            </a:r>
+            <a:r>
+              <a:rPr lang="pt-BR" dirty="0"/>
+              <a:t> </a:t>
+            </a:r>
+            <a:r>
+              <a:rPr lang="pt-BR" dirty="0" err="1"/>
+              <a:t>by</a:t>
+            </a:r>
+            <a:r>
+              <a:rPr lang="pt-BR" dirty="0"/>
+              <a:t> </a:t>
+            </a:r>
+            <a:r>
+              <a:rPr lang="pt-BR" dirty="0" err="1"/>
+              <a:t>Neighboring</a:t>
+            </a:r>
+            <a:r>
+              <a:rPr lang="pt-BR" dirty="0"/>
+              <a:t> </a:t>
+            </a:r>
+            <a:r>
+              <a:rPr lang="pt-BR" dirty="0" err="1"/>
+              <a:t>Transportation</a:t>
+            </a:r>
+            <a:r>
+              <a:rPr lang="pt-BR" dirty="0"/>
+              <a:t> Data (MTP-NT)</a:t>
+            </a:r>
+          </a:p>
+        </p:txBody>
+      </p:sp>
+      <p:sp>
+        <p:nvSpPr>
+          <p:cNvPr id="5" name="Slide Number Placeholder 4">
+            <a:extLst>
+              <a:ext uri="{FF2B5EF4-FFF2-40B4-BE49-F238E27FC236}">
+                <a16:creationId xmlns:a16="http://schemas.microsoft.com/office/drawing/2014/main" id="{DE4D7978-95DF-1BFB-E341-3759F4762F0C}"/>
+              </a:ext>
+            </a:extLst>
+          </p:cNvPr>
+          <p:cNvSpPr>
+            <a:spLocks noGrp="1"/>
+          </p:cNvSpPr>
+          <p:nvPr>
+            <p:ph type="sldNum" sz="quarter" idx="12"/>
+          </p:nvPr>
+        </p:nvSpPr>
+        <p:spPr/>
+        <p:txBody>
+          <a:bodyPr/>
+          <a:lstStyle/>
+          <a:p>
+            <a:fld id="{C16D1434-241F-3E4A-8778-0F70095E40C3}" type="slidenum">
+              <a:rPr lang="pt-BR" smtClean="0"/>
+              <a:t>3</a:t>
+            </a:fld>
+            <a:endParaRPr lang="pt-BR"/>
+          </a:p>
+        </p:txBody>
+      </p:sp>
+      <p:sp>
+        <p:nvSpPr>
+          <p:cNvPr id="6" name="Title">
+            <a:extLst>
+              <a:ext uri="{FF2B5EF4-FFF2-40B4-BE49-F238E27FC236}">
+                <a16:creationId xmlns:a16="http://schemas.microsoft.com/office/drawing/2014/main" id="{553BFD3D-F48D-9BE9-BD7B-4F0F45E163CA}"/>
+              </a:ext>
+            </a:extLst>
+          </p:cNvPr>
+          <p:cNvSpPr>
+            <a:spLocks noGrp="1"/>
+          </p:cNvSpPr>
+          <p:nvPr>
+            <p:ph type="title"/>
+          </p:nvPr>
+        </p:nvSpPr>
+        <p:spPr>
+          <a:xfrm>
+            <a:off x="686852" y="2777130"/>
+            <a:ext cx="4133088" cy="804672"/>
+          </a:xfrm>
+        </p:spPr>
+        <p:txBody>
+          <a:bodyPr>
+            <a:normAutofit/>
+          </a:bodyPr>
+          <a:lstStyle/>
+          <a:p>
+            <a:r>
+              <a:rPr lang="en-US" sz="1400" dirty="0"/>
+              <a:t>Data per month, per smartphone in 2028</a:t>
+            </a:r>
+          </a:p>
+        </p:txBody>
+      </p:sp>
+      <p:sp>
+        <p:nvSpPr>
+          <p:cNvPr id="7" name="Text Placeholder">
+            <a:extLst>
+              <a:ext uri="{FF2B5EF4-FFF2-40B4-BE49-F238E27FC236}">
+                <a16:creationId xmlns:a16="http://schemas.microsoft.com/office/drawing/2014/main" id="{577D8326-2FE1-C9E1-B2ED-80788CD0224C}"/>
+              </a:ext>
+            </a:extLst>
+          </p:cNvPr>
+          <p:cNvSpPr txBox="1">
+            <a:spLocks/>
+          </p:cNvSpPr>
+          <p:nvPr/>
+        </p:nvSpPr>
+        <p:spPr>
+          <a:xfrm>
+            <a:off x="491646" y="2441858"/>
+            <a:ext cx="4206240" cy="633222"/>
+          </a:xfrm>
+          <a:prstGeom prst="rect">
+            <a:avLst/>
+          </a:prstGeom>
+        </p:spPr>
+        <p:txBody>
+          <a:bodyPr vert="horz" lIns="91440" tIns="45720" rIns="91440" bIns="45720" rtlCol="0" anchor="ctr"/>
+          <a:lstStyle>
+            <a:defPPr>
+              <a:defRPr lang="en-BR"/>
+            </a:defPPr>
+            <a:lvl1pPr marL="0" algn="r" defTabSz="914400" rtl="0" eaLnBrk="1" latinLnBrk="0" hangingPunct="1">
+              <a:defRPr sz="1200" kern="1200">
+                <a:solidFill>
+                  <a:schemeClr val="tx1">
+                    <a:tint val="75000"/>
+                  </a:schemeClr>
+                </a:solidFill>
+                <a:latin typeface="+mn-lt"/>
+                <a:ea typeface="+mn-ea"/>
+                <a:cs typeface="+mn-cs"/>
+              </a:defRPr>
+            </a:lvl1pPr>
+            <a:lvl2pPr marL="457200" algn="l" defTabSz="914400" rtl="0" eaLnBrk="1" latinLnBrk="0" hangingPunct="1">
+              <a:defRPr sz="1800" kern="1200">
+                <a:solidFill>
+                  <a:schemeClr val="tx1"/>
+                </a:solidFill>
+                <a:latin typeface="+mn-lt"/>
+                <a:ea typeface="+mn-ea"/>
+                <a:cs typeface="+mn-cs"/>
+              </a:defRPr>
+            </a:lvl2pPr>
+            <a:lvl3pPr marL="914400" algn="l" defTabSz="914400" rtl="0" eaLnBrk="1" latinLnBrk="0" hangingPunct="1">
+              <a:defRPr sz="1800" kern="1200">
+                <a:solidFill>
+                  <a:schemeClr val="tx1"/>
+                </a:solidFill>
+                <a:latin typeface="+mn-lt"/>
+                <a:ea typeface="+mn-ea"/>
+                <a:cs typeface="+mn-cs"/>
+              </a:defRPr>
+            </a:lvl3pPr>
+            <a:lvl4pPr marL="1371600" algn="l" defTabSz="914400" rtl="0" eaLnBrk="1" latinLnBrk="0" hangingPunct="1">
+              <a:defRPr sz="1800" kern="1200">
+                <a:solidFill>
+                  <a:schemeClr val="tx1"/>
+                </a:solidFill>
+                <a:latin typeface="+mn-lt"/>
+                <a:ea typeface="+mn-ea"/>
+                <a:cs typeface="+mn-cs"/>
+              </a:defRPr>
+            </a:lvl4pPr>
+            <a:lvl5pPr marL="1828800" algn="l" defTabSz="914400" rtl="0" eaLnBrk="1" latinLnBrk="0" hangingPunct="1">
+              <a:defRPr sz="1800" kern="1200">
+                <a:solidFill>
+                  <a:schemeClr val="tx1"/>
+                </a:solidFill>
+                <a:latin typeface="+mn-lt"/>
+                <a:ea typeface="+mn-ea"/>
+                <a:cs typeface="+mn-cs"/>
+              </a:defRPr>
+            </a:lvl5pPr>
+            <a:lvl6pPr marL="2286000" algn="l" defTabSz="914400" rtl="0" eaLnBrk="1" latinLnBrk="0" hangingPunct="1">
+              <a:defRPr sz="1800" kern="1200">
+                <a:solidFill>
+                  <a:schemeClr val="tx1"/>
+                </a:solidFill>
+                <a:latin typeface="+mn-lt"/>
+                <a:ea typeface="+mn-ea"/>
+                <a:cs typeface="+mn-cs"/>
+              </a:defRPr>
+            </a:lvl6pPr>
+            <a:lvl7pPr marL="2743200" algn="l" defTabSz="914400" rtl="0" eaLnBrk="1" latinLnBrk="0" hangingPunct="1">
+              <a:defRPr sz="1800" kern="1200">
+                <a:solidFill>
+                  <a:schemeClr val="tx1"/>
+                </a:solidFill>
+                <a:latin typeface="+mn-lt"/>
+                <a:ea typeface="+mn-ea"/>
+                <a:cs typeface="+mn-cs"/>
+              </a:defRPr>
+            </a:lvl7pPr>
+            <a:lvl8pPr marL="3200400" algn="l" defTabSz="914400" rtl="0" eaLnBrk="1" latinLnBrk="0" hangingPunct="1">
+              <a:defRPr sz="1800" kern="1200">
+                <a:solidFill>
+                  <a:schemeClr val="tx1"/>
+                </a:solidFill>
+                <a:latin typeface="+mn-lt"/>
+                <a:ea typeface="+mn-ea"/>
+                <a:cs typeface="+mn-cs"/>
+              </a:defRPr>
+            </a:lvl8pPr>
+            <a:lvl9pPr marL="3657600" algn="l" defTabSz="914400" rtl="0" eaLnBrk="1" latinLnBrk="0" hangingPunct="1">
+              <a:defRPr sz="1800" kern="1200">
+                <a:solidFill>
+                  <a:schemeClr val="tx1"/>
+                </a:solidFill>
+                <a:latin typeface="+mn-lt"/>
+                <a:ea typeface="+mn-ea"/>
+                <a:cs typeface="+mn-cs"/>
+              </a:defRPr>
+            </a:lvl9pPr>
+          </a:lstStyle>
+          <a:p>
+            <a:r>
+              <a:rPr lang="en-US" sz="5400" b="1" dirty="0">
+                <a:solidFill>
+                  <a:schemeClr val="tx1"/>
+                </a:solidFill>
+              </a:rPr>
+              <a:t>19 GB/month</a:t>
+            </a:r>
+          </a:p>
+        </p:txBody>
+      </p:sp>
+      <p:sp>
+        <p:nvSpPr>
+          <p:cNvPr id="8" name="Title">
+            <a:extLst>
+              <a:ext uri="{FF2B5EF4-FFF2-40B4-BE49-F238E27FC236}">
+                <a16:creationId xmlns:a16="http://schemas.microsoft.com/office/drawing/2014/main" id="{AFA5BBFE-E212-360B-180C-B1B626851FF8}"/>
+              </a:ext>
+            </a:extLst>
+          </p:cNvPr>
+          <p:cNvSpPr txBox="1">
+            <a:spLocks/>
+          </p:cNvSpPr>
+          <p:nvPr/>
+        </p:nvSpPr>
+        <p:spPr>
+          <a:xfrm>
+            <a:off x="7176529" y="1837460"/>
+            <a:ext cx="4133088" cy="804672"/>
+          </a:xfrm>
+          <a:prstGeom prst="rect">
+            <a:avLst/>
+          </a:prstGeom>
+        </p:spPr>
+        <p:txBody>
+          <a:bodyPr vert="horz" lIns="0" tIns="0" rIns="0" bIns="0" rtlCol="0" anchor="t">
+            <a:noAutofit/>
+          </a:bodyPr>
+          <a:lstStyle>
+            <a:lvl1pPr algn="l" rtl="0" eaLnBrk="1" fontAlgn="base" hangingPunct="1">
+              <a:lnSpc>
+                <a:spcPct val="90000"/>
+              </a:lnSpc>
+              <a:spcBef>
+                <a:spcPct val="0"/>
+              </a:spcBef>
+              <a:spcAft>
+                <a:spcPct val="0"/>
+              </a:spcAft>
+              <a:defRPr sz="1600" b="0">
+                <a:solidFill>
+                  <a:schemeClr val="bg1"/>
+                </a:solidFill>
+                <a:latin typeface="IBM Plex Sans" panose="020B0503050203000203" pitchFamily="34" charset="0"/>
+                <a:ea typeface="IBM Plex Sans" panose="020B0503050203000203" pitchFamily="34" charset="0"/>
+                <a:cs typeface="IBM Plex Sans" panose="020B0503050203000203" pitchFamily="34" charset="0"/>
+              </a:defRPr>
+            </a:lvl1pPr>
+            <a:lvl2pPr algn="l" rtl="0" eaLnBrk="1" fontAlgn="base" hangingPunct="1">
+              <a:lnSpc>
+                <a:spcPct val="90000"/>
+              </a:lnSpc>
+              <a:spcBef>
+                <a:spcPct val="0"/>
+              </a:spcBef>
+              <a:spcAft>
+                <a:spcPct val="0"/>
+              </a:spcAft>
+              <a:defRPr sz="2220">
+                <a:solidFill>
+                  <a:srgbClr val="191919"/>
+                </a:solidFill>
+                <a:latin typeface="IBM Plex Sans" pitchFamily="34" charset="0"/>
+              </a:defRPr>
+            </a:lvl2pPr>
+            <a:lvl3pPr algn="l" rtl="0" eaLnBrk="1" fontAlgn="base" hangingPunct="1">
+              <a:lnSpc>
+                <a:spcPct val="90000"/>
+              </a:lnSpc>
+              <a:spcBef>
+                <a:spcPct val="0"/>
+              </a:spcBef>
+              <a:spcAft>
+                <a:spcPct val="0"/>
+              </a:spcAft>
+              <a:defRPr sz="2220">
+                <a:solidFill>
+                  <a:srgbClr val="191919"/>
+                </a:solidFill>
+                <a:latin typeface="IBM Plex Sans" pitchFamily="34" charset="0"/>
+              </a:defRPr>
+            </a:lvl3pPr>
+            <a:lvl4pPr algn="l" rtl="0" eaLnBrk="1" fontAlgn="base" hangingPunct="1">
+              <a:lnSpc>
+                <a:spcPct val="90000"/>
+              </a:lnSpc>
+              <a:spcBef>
+                <a:spcPct val="0"/>
+              </a:spcBef>
+              <a:spcAft>
+                <a:spcPct val="0"/>
+              </a:spcAft>
+              <a:defRPr sz="2220">
+                <a:solidFill>
+                  <a:srgbClr val="191919"/>
+                </a:solidFill>
+                <a:latin typeface="IBM Plex Sans" pitchFamily="34" charset="0"/>
+              </a:defRPr>
+            </a:lvl4pPr>
+            <a:lvl5pPr algn="l" rtl="0" eaLnBrk="1" fontAlgn="base" hangingPunct="1">
+              <a:lnSpc>
+                <a:spcPct val="90000"/>
+              </a:lnSpc>
+              <a:spcBef>
+                <a:spcPct val="0"/>
+              </a:spcBef>
+              <a:spcAft>
+                <a:spcPct val="0"/>
+              </a:spcAft>
+              <a:defRPr sz="2220">
+                <a:solidFill>
+                  <a:srgbClr val="191919"/>
+                </a:solidFill>
+                <a:latin typeface="IBM Plex Sans" pitchFamily="34" charset="0"/>
+              </a:defRPr>
+            </a:lvl5pPr>
+            <a:lvl6pPr marL="362568" algn="l" rtl="0" eaLnBrk="1" fontAlgn="base" hangingPunct="1">
+              <a:lnSpc>
+                <a:spcPct val="90000"/>
+              </a:lnSpc>
+              <a:spcBef>
+                <a:spcPct val="0"/>
+              </a:spcBef>
+              <a:spcAft>
+                <a:spcPct val="0"/>
+              </a:spcAft>
+              <a:defRPr sz="2220">
+                <a:solidFill>
+                  <a:srgbClr val="191919"/>
+                </a:solidFill>
+                <a:latin typeface="IBM Plex Sans" pitchFamily="34" charset="0"/>
+              </a:defRPr>
+            </a:lvl6pPr>
+            <a:lvl7pPr marL="725139" algn="l" rtl="0" eaLnBrk="1" fontAlgn="base" hangingPunct="1">
+              <a:lnSpc>
+                <a:spcPct val="90000"/>
+              </a:lnSpc>
+              <a:spcBef>
+                <a:spcPct val="0"/>
+              </a:spcBef>
+              <a:spcAft>
+                <a:spcPct val="0"/>
+              </a:spcAft>
+              <a:defRPr sz="2220">
+                <a:solidFill>
+                  <a:srgbClr val="191919"/>
+                </a:solidFill>
+                <a:latin typeface="IBM Plex Sans" pitchFamily="34" charset="0"/>
+              </a:defRPr>
+            </a:lvl7pPr>
+            <a:lvl8pPr marL="1087707" algn="l" rtl="0" eaLnBrk="1" fontAlgn="base" hangingPunct="1">
+              <a:lnSpc>
+                <a:spcPct val="90000"/>
+              </a:lnSpc>
+              <a:spcBef>
+                <a:spcPct val="0"/>
+              </a:spcBef>
+              <a:spcAft>
+                <a:spcPct val="0"/>
+              </a:spcAft>
+              <a:defRPr sz="2220">
+                <a:solidFill>
+                  <a:srgbClr val="191919"/>
+                </a:solidFill>
+                <a:latin typeface="IBM Plex Sans" pitchFamily="34" charset="0"/>
+              </a:defRPr>
+            </a:lvl8pPr>
+            <a:lvl9pPr marL="1450276" algn="l" rtl="0" eaLnBrk="1" fontAlgn="base" hangingPunct="1">
+              <a:lnSpc>
+                <a:spcPct val="90000"/>
+              </a:lnSpc>
+              <a:spcBef>
+                <a:spcPct val="0"/>
+              </a:spcBef>
+              <a:spcAft>
+                <a:spcPct val="0"/>
+              </a:spcAft>
+              <a:defRPr sz="2220">
+                <a:solidFill>
+                  <a:srgbClr val="191919"/>
+                </a:solidFill>
+                <a:latin typeface="IBM Plex Sans" pitchFamily="34" charset="0"/>
+              </a:defRPr>
+            </a:lvl9pPr>
+          </a:lstStyle>
+          <a:p>
+            <a:pPr defTabSz="914400"/>
+            <a:r>
+              <a:rPr lang="en-US" sz="1400" kern="0" dirty="0">
+                <a:solidFill>
+                  <a:schemeClr val="tx1"/>
+                </a:solidFill>
+              </a:rPr>
+              <a:t>5G subscribers in 2028</a:t>
+            </a:r>
+          </a:p>
+        </p:txBody>
+      </p:sp>
+      <p:sp>
+        <p:nvSpPr>
+          <p:cNvPr id="9" name="Text Placeholder">
+            <a:extLst>
+              <a:ext uri="{FF2B5EF4-FFF2-40B4-BE49-F238E27FC236}">
+                <a16:creationId xmlns:a16="http://schemas.microsoft.com/office/drawing/2014/main" id="{36CACADF-AFC4-3E06-C1B5-D73BE58CA672}"/>
+              </a:ext>
+            </a:extLst>
+          </p:cNvPr>
+          <p:cNvSpPr txBox="1">
+            <a:spLocks/>
+          </p:cNvSpPr>
+          <p:nvPr/>
+        </p:nvSpPr>
+        <p:spPr>
+          <a:xfrm>
+            <a:off x="7176529" y="1204238"/>
+            <a:ext cx="4206240" cy="633222"/>
+          </a:xfrm>
+          <a:prstGeom prst="rect">
+            <a:avLst/>
+          </a:prstGeom>
+        </p:spPr>
+        <p:txBody>
+          <a:bodyPr vert="horz" lIns="0" tIns="0" rIns="0" bIns="0" rtlCol="0">
+            <a:noAutofit/>
+          </a:bodyPr>
+          <a:lstStyle>
+            <a:lvl1pPr marL="0" indent="0" algn="l" rtl="0" eaLnBrk="1" fontAlgn="base" hangingPunct="1">
+              <a:lnSpc>
+                <a:spcPct val="90000"/>
+              </a:lnSpc>
+              <a:spcBef>
+                <a:spcPts val="1100"/>
+              </a:spcBef>
+              <a:spcAft>
+                <a:spcPct val="0"/>
+              </a:spcAft>
+              <a:buClr>
+                <a:srgbClr val="6D6E70"/>
+              </a:buClr>
+              <a:buSzPct val="90000"/>
+              <a:buFont typeface="IBM Plex Sans" pitchFamily="2" charset="2"/>
+              <a:buNone/>
+              <a:defRPr sz="9600" b="1" i="0">
+                <a:solidFill>
+                  <a:schemeClr val="bg1"/>
+                </a:solidFill>
+                <a:latin typeface="IBM Plex Sans" panose="020B0503050203000203" pitchFamily="34" charset="0"/>
+                <a:ea typeface="IBM Plex Sans" panose="020B0503050203000203" pitchFamily="34" charset="0"/>
+                <a:cs typeface="IBM Plex Sans" panose="020B0503050203000203" pitchFamily="34" charset="0"/>
+              </a:defRPr>
+            </a:lvl1pPr>
+            <a:lvl2pPr marL="171452" indent="-173736" algn="l" rtl="0" eaLnBrk="1" fontAlgn="base" hangingPunct="1">
+              <a:lnSpc>
+                <a:spcPct val="100000"/>
+              </a:lnSpc>
+              <a:spcBef>
+                <a:spcPts val="1100"/>
+              </a:spcBef>
+              <a:spcAft>
+                <a:spcPct val="0"/>
+              </a:spcAft>
+              <a:buClr>
+                <a:schemeClr val="bg1"/>
+              </a:buClr>
+              <a:buSzPct val="100000"/>
+              <a:buFont typeface="IBM Plex Sans" charset="-120"/>
+              <a:buChar char="–"/>
+              <a:tabLst/>
+              <a:defRPr sz="1400">
+                <a:solidFill>
+                  <a:schemeClr val="bg1"/>
+                </a:solidFill>
+                <a:latin typeface="IBM Plex Sans" panose="020B0503050203000203" pitchFamily="34" charset="0"/>
+                <a:ea typeface="IBM Plex Sans" panose="020B0503050203000203" pitchFamily="34" charset="0"/>
+                <a:cs typeface="IBM Plex Sans" panose="020B0503050203000203" pitchFamily="34" charset="0"/>
+              </a:defRPr>
+            </a:lvl2pPr>
+            <a:lvl3pPr marL="342905" indent="-173736" algn="l" rtl="0" eaLnBrk="1" fontAlgn="base" hangingPunct="1">
+              <a:lnSpc>
+                <a:spcPct val="100000"/>
+              </a:lnSpc>
+              <a:spcBef>
+                <a:spcPts val="1100"/>
+              </a:spcBef>
+              <a:spcAft>
+                <a:spcPct val="0"/>
+              </a:spcAft>
+              <a:buClr>
+                <a:schemeClr val="bg1"/>
+              </a:buClr>
+              <a:buSzPct val="100000"/>
+              <a:buFont typeface="Arial" panose="020B0604020202020204" pitchFamily="34" charset="0"/>
+              <a:buChar char="•"/>
+              <a:tabLst/>
+              <a:defRPr sz="1400">
+                <a:solidFill>
+                  <a:schemeClr val="bg1"/>
+                </a:solidFill>
+                <a:latin typeface="IBM Plex Sans" panose="020B0503050203000203" pitchFamily="34" charset="0"/>
+                <a:ea typeface="IBM Plex Sans" panose="020B0503050203000203" pitchFamily="34" charset="0"/>
+                <a:cs typeface="IBM Plex Sans" panose="020B0503050203000203" pitchFamily="34" charset="0"/>
+              </a:defRPr>
+            </a:lvl3pPr>
+            <a:lvl4pPr marL="628658" indent="-173736" algn="l" rtl="0" eaLnBrk="1" fontAlgn="base" hangingPunct="1">
+              <a:lnSpc>
+                <a:spcPct val="100000"/>
+              </a:lnSpc>
+              <a:spcBef>
+                <a:spcPts val="1100"/>
+              </a:spcBef>
+              <a:spcAft>
+                <a:spcPct val="0"/>
+              </a:spcAft>
+              <a:buClr>
+                <a:schemeClr val="bg1"/>
+              </a:buClr>
+              <a:buSzPct val="100000"/>
+              <a:buFont typeface="IBM Plex Sans" charset="-120"/>
+              <a:buChar char="–"/>
+              <a:tabLst/>
+              <a:defRPr sz="1400" baseline="0">
+                <a:solidFill>
+                  <a:schemeClr val="bg1"/>
+                </a:solidFill>
+                <a:latin typeface="IBM Plex Sans" panose="020B0503050203000203" pitchFamily="34" charset="0"/>
+                <a:ea typeface="IBM Plex Sans" panose="020B0503050203000203" pitchFamily="34" charset="0"/>
+                <a:cs typeface="IBM Plex Sans" panose="020B0503050203000203" pitchFamily="34" charset="0"/>
+              </a:defRPr>
+            </a:lvl4pPr>
+            <a:lvl5pPr marL="803285" indent="-173736" algn="l" rtl="0" eaLnBrk="1" fontAlgn="base" hangingPunct="1">
+              <a:lnSpc>
+                <a:spcPct val="100000"/>
+              </a:lnSpc>
+              <a:spcBef>
+                <a:spcPts val="1100"/>
+              </a:spcBef>
+              <a:spcAft>
+                <a:spcPct val="0"/>
+              </a:spcAft>
+              <a:buClr>
+                <a:schemeClr val="bg1"/>
+              </a:buClr>
+              <a:buFont typeface="IBM Plex Sans" charset="-120"/>
+              <a:buChar char="»"/>
+              <a:tabLst/>
+              <a:defRPr sz="1400">
+                <a:solidFill>
+                  <a:schemeClr val="bg1"/>
+                </a:solidFill>
+                <a:latin typeface="IBM Plex Sans" panose="020B0503050203000203" pitchFamily="34" charset="0"/>
+                <a:ea typeface="IBM Plex Sans" panose="020B0503050203000203" pitchFamily="34" charset="0"/>
+                <a:cs typeface="IBM Plex Sans" panose="020B0503050203000203" pitchFamily="34" charset="0"/>
+              </a:defRPr>
+            </a:lvl5pPr>
+            <a:lvl6pPr marL="1583721" indent="-129670" algn="l" rtl="0" eaLnBrk="1" fontAlgn="base" hangingPunct="1">
+              <a:spcBef>
+                <a:spcPct val="20000"/>
+              </a:spcBef>
+              <a:spcAft>
+                <a:spcPct val="0"/>
+              </a:spcAft>
+              <a:buClr>
+                <a:schemeClr val="bg1"/>
+              </a:buClr>
+              <a:buChar char="»"/>
+              <a:defRPr sz="1269">
+                <a:solidFill>
+                  <a:schemeClr val="bg1"/>
+                </a:solidFill>
+                <a:latin typeface="IBM Plex Sans" charset="0"/>
+              </a:defRPr>
+            </a:lvl6pPr>
+            <a:lvl7pPr marL="1946291" indent="-129670" algn="l" rtl="0" eaLnBrk="1" fontAlgn="base" hangingPunct="1">
+              <a:spcBef>
+                <a:spcPct val="20000"/>
+              </a:spcBef>
+              <a:spcAft>
+                <a:spcPct val="0"/>
+              </a:spcAft>
+              <a:buClr>
+                <a:schemeClr val="bg1"/>
+              </a:buClr>
+              <a:buChar char="»"/>
+              <a:defRPr sz="1269">
+                <a:solidFill>
+                  <a:schemeClr val="bg1"/>
+                </a:solidFill>
+                <a:latin typeface="IBM Plex Sans" charset="0"/>
+              </a:defRPr>
+            </a:lvl7pPr>
+            <a:lvl8pPr marL="2308860" indent="-129670" algn="l" rtl="0" eaLnBrk="1" fontAlgn="base" hangingPunct="1">
+              <a:spcBef>
+                <a:spcPct val="20000"/>
+              </a:spcBef>
+              <a:spcAft>
+                <a:spcPct val="0"/>
+              </a:spcAft>
+              <a:buClr>
+                <a:schemeClr val="bg1"/>
+              </a:buClr>
+              <a:buChar char="»"/>
+              <a:defRPr sz="1269">
+                <a:solidFill>
+                  <a:schemeClr val="bg1"/>
+                </a:solidFill>
+                <a:latin typeface="IBM Plex Sans" charset="0"/>
+              </a:defRPr>
+            </a:lvl8pPr>
+            <a:lvl9pPr marL="2671430" indent="-129670" algn="l" rtl="0" eaLnBrk="1" fontAlgn="base" hangingPunct="1">
+              <a:spcBef>
+                <a:spcPct val="20000"/>
+              </a:spcBef>
+              <a:spcAft>
+                <a:spcPct val="0"/>
+              </a:spcAft>
+              <a:buClr>
+                <a:schemeClr val="bg1"/>
+              </a:buClr>
+              <a:buChar char="»"/>
+              <a:defRPr sz="1269">
+                <a:solidFill>
+                  <a:schemeClr val="bg1"/>
+                </a:solidFill>
+                <a:latin typeface="IBM Plex Sans" charset="0"/>
+              </a:defRPr>
+            </a:lvl9pPr>
+          </a:lstStyle>
+          <a:p>
+            <a:pPr defTabSz="914400"/>
+            <a:r>
+              <a:rPr lang="en-US" sz="5400" kern="0" dirty="0">
+                <a:solidFill>
+                  <a:schemeClr val="tx1"/>
+                </a:solidFill>
+              </a:rPr>
+              <a:t>5 billion</a:t>
+            </a:r>
+          </a:p>
+        </p:txBody>
+      </p:sp>
+      <p:sp>
+        <p:nvSpPr>
+          <p:cNvPr id="10" name="Title">
+            <a:extLst>
+              <a:ext uri="{FF2B5EF4-FFF2-40B4-BE49-F238E27FC236}">
+                <a16:creationId xmlns:a16="http://schemas.microsoft.com/office/drawing/2014/main" id="{24406B87-64CF-B67A-544C-E1706CF773D2}"/>
+              </a:ext>
+            </a:extLst>
+          </p:cNvPr>
+          <p:cNvSpPr txBox="1">
+            <a:spLocks/>
+          </p:cNvSpPr>
+          <p:nvPr/>
+        </p:nvSpPr>
+        <p:spPr>
+          <a:xfrm>
+            <a:off x="6071541" y="5037800"/>
+            <a:ext cx="4133088" cy="804672"/>
+          </a:xfrm>
+          <a:prstGeom prst="rect">
+            <a:avLst/>
+          </a:prstGeom>
+        </p:spPr>
+        <p:txBody>
+          <a:bodyPr vert="horz" lIns="0" tIns="0" rIns="0" bIns="0" rtlCol="0" anchor="t">
+            <a:noAutofit/>
+          </a:bodyPr>
+          <a:lstStyle>
+            <a:lvl1pPr algn="l" rtl="0" eaLnBrk="1" fontAlgn="base" hangingPunct="1">
+              <a:lnSpc>
+                <a:spcPct val="90000"/>
+              </a:lnSpc>
+              <a:spcBef>
+                <a:spcPct val="0"/>
+              </a:spcBef>
+              <a:spcAft>
+                <a:spcPct val="0"/>
+              </a:spcAft>
+              <a:defRPr sz="1600" b="0">
+                <a:solidFill>
+                  <a:schemeClr val="bg1"/>
+                </a:solidFill>
+                <a:latin typeface="IBM Plex Sans" panose="020B0503050203000203" pitchFamily="34" charset="0"/>
+                <a:ea typeface="IBM Plex Sans" panose="020B0503050203000203" pitchFamily="34" charset="0"/>
+                <a:cs typeface="IBM Plex Sans" panose="020B0503050203000203" pitchFamily="34" charset="0"/>
+              </a:defRPr>
+            </a:lvl1pPr>
+            <a:lvl2pPr algn="l" rtl="0" eaLnBrk="1" fontAlgn="base" hangingPunct="1">
+              <a:lnSpc>
+                <a:spcPct val="90000"/>
+              </a:lnSpc>
+              <a:spcBef>
+                <a:spcPct val="0"/>
+              </a:spcBef>
+              <a:spcAft>
+                <a:spcPct val="0"/>
+              </a:spcAft>
+              <a:defRPr sz="2220">
+                <a:solidFill>
+                  <a:srgbClr val="191919"/>
+                </a:solidFill>
+                <a:latin typeface="IBM Plex Sans" pitchFamily="34" charset="0"/>
+              </a:defRPr>
+            </a:lvl2pPr>
+            <a:lvl3pPr algn="l" rtl="0" eaLnBrk="1" fontAlgn="base" hangingPunct="1">
+              <a:lnSpc>
+                <a:spcPct val="90000"/>
+              </a:lnSpc>
+              <a:spcBef>
+                <a:spcPct val="0"/>
+              </a:spcBef>
+              <a:spcAft>
+                <a:spcPct val="0"/>
+              </a:spcAft>
+              <a:defRPr sz="2220">
+                <a:solidFill>
+                  <a:srgbClr val="191919"/>
+                </a:solidFill>
+                <a:latin typeface="IBM Plex Sans" pitchFamily="34" charset="0"/>
+              </a:defRPr>
+            </a:lvl3pPr>
+            <a:lvl4pPr algn="l" rtl="0" eaLnBrk="1" fontAlgn="base" hangingPunct="1">
+              <a:lnSpc>
+                <a:spcPct val="90000"/>
+              </a:lnSpc>
+              <a:spcBef>
+                <a:spcPct val="0"/>
+              </a:spcBef>
+              <a:spcAft>
+                <a:spcPct val="0"/>
+              </a:spcAft>
+              <a:defRPr sz="2220">
+                <a:solidFill>
+                  <a:srgbClr val="191919"/>
+                </a:solidFill>
+                <a:latin typeface="IBM Plex Sans" pitchFamily="34" charset="0"/>
+              </a:defRPr>
+            </a:lvl4pPr>
+            <a:lvl5pPr algn="l" rtl="0" eaLnBrk="1" fontAlgn="base" hangingPunct="1">
+              <a:lnSpc>
+                <a:spcPct val="90000"/>
+              </a:lnSpc>
+              <a:spcBef>
+                <a:spcPct val="0"/>
+              </a:spcBef>
+              <a:spcAft>
+                <a:spcPct val="0"/>
+              </a:spcAft>
+              <a:defRPr sz="2220">
+                <a:solidFill>
+                  <a:srgbClr val="191919"/>
+                </a:solidFill>
+                <a:latin typeface="IBM Plex Sans" pitchFamily="34" charset="0"/>
+              </a:defRPr>
+            </a:lvl5pPr>
+            <a:lvl6pPr marL="362568" algn="l" rtl="0" eaLnBrk="1" fontAlgn="base" hangingPunct="1">
+              <a:lnSpc>
+                <a:spcPct val="90000"/>
+              </a:lnSpc>
+              <a:spcBef>
+                <a:spcPct val="0"/>
+              </a:spcBef>
+              <a:spcAft>
+                <a:spcPct val="0"/>
+              </a:spcAft>
+              <a:defRPr sz="2220">
+                <a:solidFill>
+                  <a:srgbClr val="191919"/>
+                </a:solidFill>
+                <a:latin typeface="IBM Plex Sans" pitchFamily="34" charset="0"/>
+              </a:defRPr>
+            </a:lvl6pPr>
+            <a:lvl7pPr marL="725139" algn="l" rtl="0" eaLnBrk="1" fontAlgn="base" hangingPunct="1">
+              <a:lnSpc>
+                <a:spcPct val="90000"/>
+              </a:lnSpc>
+              <a:spcBef>
+                <a:spcPct val="0"/>
+              </a:spcBef>
+              <a:spcAft>
+                <a:spcPct val="0"/>
+              </a:spcAft>
+              <a:defRPr sz="2220">
+                <a:solidFill>
+                  <a:srgbClr val="191919"/>
+                </a:solidFill>
+                <a:latin typeface="IBM Plex Sans" pitchFamily="34" charset="0"/>
+              </a:defRPr>
+            </a:lvl7pPr>
+            <a:lvl8pPr marL="1087707" algn="l" rtl="0" eaLnBrk="1" fontAlgn="base" hangingPunct="1">
+              <a:lnSpc>
+                <a:spcPct val="90000"/>
+              </a:lnSpc>
+              <a:spcBef>
+                <a:spcPct val="0"/>
+              </a:spcBef>
+              <a:spcAft>
+                <a:spcPct val="0"/>
+              </a:spcAft>
+              <a:defRPr sz="2220">
+                <a:solidFill>
+                  <a:srgbClr val="191919"/>
+                </a:solidFill>
+                <a:latin typeface="IBM Plex Sans" pitchFamily="34" charset="0"/>
+              </a:defRPr>
+            </a:lvl8pPr>
+            <a:lvl9pPr marL="1450276" algn="l" rtl="0" eaLnBrk="1" fontAlgn="base" hangingPunct="1">
+              <a:lnSpc>
+                <a:spcPct val="90000"/>
+              </a:lnSpc>
+              <a:spcBef>
+                <a:spcPct val="0"/>
+              </a:spcBef>
+              <a:spcAft>
+                <a:spcPct val="0"/>
+              </a:spcAft>
+              <a:defRPr sz="2220">
+                <a:solidFill>
+                  <a:srgbClr val="191919"/>
+                </a:solidFill>
+                <a:latin typeface="IBM Plex Sans" pitchFamily="34" charset="0"/>
+              </a:defRPr>
+            </a:lvl9pPr>
+          </a:lstStyle>
+          <a:p>
+            <a:pPr defTabSz="914400"/>
+            <a:r>
+              <a:rPr lang="en-US" sz="1200" kern="0" dirty="0">
+                <a:solidFill>
+                  <a:schemeClr val="tx1"/>
+                </a:solidFill>
+              </a:rPr>
+              <a:t>Data per quarter in 2028</a:t>
+            </a:r>
+          </a:p>
+        </p:txBody>
+      </p:sp>
+      <p:sp>
+        <p:nvSpPr>
+          <p:cNvPr id="11" name="Text Placeholder">
+            <a:extLst>
+              <a:ext uri="{FF2B5EF4-FFF2-40B4-BE49-F238E27FC236}">
+                <a16:creationId xmlns:a16="http://schemas.microsoft.com/office/drawing/2014/main" id="{65079F3F-D2E5-FBC2-1747-119744FDBF1D}"/>
+              </a:ext>
+            </a:extLst>
+          </p:cNvPr>
+          <p:cNvSpPr txBox="1">
+            <a:spLocks/>
+          </p:cNvSpPr>
+          <p:nvPr/>
+        </p:nvSpPr>
+        <p:spPr>
+          <a:xfrm>
+            <a:off x="6071540" y="4404578"/>
+            <a:ext cx="4757421" cy="633222"/>
+          </a:xfrm>
+          <a:prstGeom prst="rect">
+            <a:avLst/>
+          </a:prstGeom>
+        </p:spPr>
+        <p:txBody>
+          <a:bodyPr vert="horz" lIns="0" tIns="0" rIns="0" bIns="0" rtlCol="0">
+            <a:noAutofit/>
+          </a:bodyPr>
+          <a:lstStyle>
+            <a:lvl1pPr marL="0" indent="0" algn="l" rtl="0" eaLnBrk="1" fontAlgn="base" hangingPunct="1">
+              <a:lnSpc>
+                <a:spcPct val="90000"/>
+              </a:lnSpc>
+              <a:spcBef>
+                <a:spcPts val="1100"/>
+              </a:spcBef>
+              <a:spcAft>
+                <a:spcPct val="0"/>
+              </a:spcAft>
+              <a:buClr>
+                <a:srgbClr val="6D6E70"/>
+              </a:buClr>
+              <a:buSzPct val="90000"/>
+              <a:buFont typeface="IBM Plex Sans" pitchFamily="2" charset="2"/>
+              <a:buNone/>
+              <a:defRPr sz="9600" b="1" i="0">
+                <a:solidFill>
+                  <a:schemeClr val="bg1"/>
+                </a:solidFill>
+                <a:latin typeface="IBM Plex Sans" panose="020B0503050203000203" pitchFamily="34" charset="0"/>
+                <a:ea typeface="IBM Plex Sans" panose="020B0503050203000203" pitchFamily="34" charset="0"/>
+                <a:cs typeface="IBM Plex Sans" panose="020B0503050203000203" pitchFamily="34" charset="0"/>
+              </a:defRPr>
+            </a:lvl1pPr>
+            <a:lvl2pPr marL="171452" indent="-173736" algn="l" rtl="0" eaLnBrk="1" fontAlgn="base" hangingPunct="1">
+              <a:lnSpc>
+                <a:spcPct val="100000"/>
+              </a:lnSpc>
+              <a:spcBef>
+                <a:spcPts val="1100"/>
+              </a:spcBef>
+              <a:spcAft>
+                <a:spcPct val="0"/>
+              </a:spcAft>
+              <a:buClr>
+                <a:schemeClr val="bg1"/>
+              </a:buClr>
+              <a:buSzPct val="100000"/>
+              <a:buFont typeface="IBM Plex Sans" charset="-120"/>
+              <a:buChar char="–"/>
+              <a:tabLst/>
+              <a:defRPr sz="1400">
+                <a:solidFill>
+                  <a:schemeClr val="bg1"/>
+                </a:solidFill>
+                <a:latin typeface="IBM Plex Sans" panose="020B0503050203000203" pitchFamily="34" charset="0"/>
+                <a:ea typeface="IBM Plex Sans" panose="020B0503050203000203" pitchFamily="34" charset="0"/>
+                <a:cs typeface="IBM Plex Sans" panose="020B0503050203000203" pitchFamily="34" charset="0"/>
+              </a:defRPr>
+            </a:lvl2pPr>
+            <a:lvl3pPr marL="342905" indent="-173736" algn="l" rtl="0" eaLnBrk="1" fontAlgn="base" hangingPunct="1">
+              <a:lnSpc>
+                <a:spcPct val="100000"/>
+              </a:lnSpc>
+              <a:spcBef>
+                <a:spcPts val="1100"/>
+              </a:spcBef>
+              <a:spcAft>
+                <a:spcPct val="0"/>
+              </a:spcAft>
+              <a:buClr>
+                <a:schemeClr val="bg1"/>
+              </a:buClr>
+              <a:buSzPct val="100000"/>
+              <a:buFont typeface="Arial" panose="020B0604020202020204" pitchFamily="34" charset="0"/>
+              <a:buChar char="•"/>
+              <a:tabLst/>
+              <a:defRPr sz="1400">
+                <a:solidFill>
+                  <a:schemeClr val="bg1"/>
+                </a:solidFill>
+                <a:latin typeface="IBM Plex Sans" panose="020B0503050203000203" pitchFamily="34" charset="0"/>
+                <a:ea typeface="IBM Plex Sans" panose="020B0503050203000203" pitchFamily="34" charset="0"/>
+                <a:cs typeface="IBM Plex Sans" panose="020B0503050203000203" pitchFamily="34" charset="0"/>
+              </a:defRPr>
+            </a:lvl3pPr>
+            <a:lvl4pPr marL="628658" indent="-173736" algn="l" rtl="0" eaLnBrk="1" fontAlgn="base" hangingPunct="1">
+              <a:lnSpc>
+                <a:spcPct val="100000"/>
+              </a:lnSpc>
+              <a:spcBef>
+                <a:spcPts val="1100"/>
+              </a:spcBef>
+              <a:spcAft>
+                <a:spcPct val="0"/>
+              </a:spcAft>
+              <a:buClr>
+                <a:schemeClr val="bg1"/>
+              </a:buClr>
+              <a:buSzPct val="100000"/>
+              <a:buFont typeface="IBM Plex Sans" charset="-120"/>
+              <a:buChar char="–"/>
+              <a:tabLst/>
+              <a:defRPr sz="1400" baseline="0">
+                <a:solidFill>
+                  <a:schemeClr val="bg1"/>
+                </a:solidFill>
+                <a:latin typeface="IBM Plex Sans" panose="020B0503050203000203" pitchFamily="34" charset="0"/>
+                <a:ea typeface="IBM Plex Sans" panose="020B0503050203000203" pitchFamily="34" charset="0"/>
+                <a:cs typeface="IBM Plex Sans" panose="020B0503050203000203" pitchFamily="34" charset="0"/>
+              </a:defRPr>
+            </a:lvl4pPr>
+            <a:lvl5pPr marL="803285" indent="-173736" algn="l" rtl="0" eaLnBrk="1" fontAlgn="base" hangingPunct="1">
+              <a:lnSpc>
+                <a:spcPct val="100000"/>
+              </a:lnSpc>
+              <a:spcBef>
+                <a:spcPts val="1100"/>
+              </a:spcBef>
+              <a:spcAft>
+                <a:spcPct val="0"/>
+              </a:spcAft>
+              <a:buClr>
+                <a:schemeClr val="bg1"/>
+              </a:buClr>
+              <a:buFont typeface="IBM Plex Sans" charset="-120"/>
+              <a:buChar char="»"/>
+              <a:tabLst/>
+              <a:defRPr sz="1400">
+                <a:solidFill>
+                  <a:schemeClr val="bg1"/>
+                </a:solidFill>
+                <a:latin typeface="IBM Plex Sans" panose="020B0503050203000203" pitchFamily="34" charset="0"/>
+                <a:ea typeface="IBM Plex Sans" panose="020B0503050203000203" pitchFamily="34" charset="0"/>
+                <a:cs typeface="IBM Plex Sans" panose="020B0503050203000203" pitchFamily="34" charset="0"/>
+              </a:defRPr>
+            </a:lvl5pPr>
+            <a:lvl6pPr marL="1583721" indent="-129670" algn="l" rtl="0" eaLnBrk="1" fontAlgn="base" hangingPunct="1">
+              <a:spcBef>
+                <a:spcPct val="20000"/>
+              </a:spcBef>
+              <a:spcAft>
+                <a:spcPct val="0"/>
+              </a:spcAft>
+              <a:buClr>
+                <a:schemeClr val="bg1"/>
+              </a:buClr>
+              <a:buChar char="»"/>
+              <a:defRPr sz="1269">
+                <a:solidFill>
+                  <a:schemeClr val="bg1"/>
+                </a:solidFill>
+                <a:latin typeface="IBM Plex Sans" charset="0"/>
+              </a:defRPr>
+            </a:lvl6pPr>
+            <a:lvl7pPr marL="1946291" indent="-129670" algn="l" rtl="0" eaLnBrk="1" fontAlgn="base" hangingPunct="1">
+              <a:spcBef>
+                <a:spcPct val="20000"/>
+              </a:spcBef>
+              <a:spcAft>
+                <a:spcPct val="0"/>
+              </a:spcAft>
+              <a:buClr>
+                <a:schemeClr val="bg1"/>
+              </a:buClr>
+              <a:buChar char="»"/>
+              <a:defRPr sz="1269">
+                <a:solidFill>
+                  <a:schemeClr val="bg1"/>
+                </a:solidFill>
+                <a:latin typeface="IBM Plex Sans" charset="0"/>
+              </a:defRPr>
+            </a:lvl7pPr>
+            <a:lvl8pPr marL="2308860" indent="-129670" algn="l" rtl="0" eaLnBrk="1" fontAlgn="base" hangingPunct="1">
+              <a:spcBef>
+                <a:spcPct val="20000"/>
+              </a:spcBef>
+              <a:spcAft>
+                <a:spcPct val="0"/>
+              </a:spcAft>
+              <a:buClr>
+                <a:schemeClr val="bg1"/>
+              </a:buClr>
+              <a:buChar char="»"/>
+              <a:defRPr sz="1269">
+                <a:solidFill>
+                  <a:schemeClr val="bg1"/>
+                </a:solidFill>
+                <a:latin typeface="IBM Plex Sans" charset="0"/>
+              </a:defRPr>
+            </a:lvl8pPr>
+            <a:lvl9pPr marL="2671430" indent="-129670" algn="l" rtl="0" eaLnBrk="1" fontAlgn="base" hangingPunct="1">
+              <a:spcBef>
+                <a:spcPct val="20000"/>
+              </a:spcBef>
+              <a:spcAft>
+                <a:spcPct val="0"/>
+              </a:spcAft>
+              <a:buClr>
+                <a:schemeClr val="bg1"/>
+              </a:buClr>
+              <a:buChar char="»"/>
+              <a:defRPr sz="1269">
+                <a:solidFill>
+                  <a:schemeClr val="bg1"/>
+                </a:solidFill>
+                <a:latin typeface="IBM Plex Sans" charset="0"/>
+              </a:defRPr>
+            </a:lvl9pPr>
+          </a:lstStyle>
+          <a:p>
+            <a:pPr defTabSz="914400"/>
+            <a:r>
+              <a:rPr lang="en-US" sz="5400" kern="0" dirty="0">
+                <a:solidFill>
+                  <a:schemeClr val="tx1"/>
+                </a:solidFill>
+              </a:rPr>
+              <a:t>100 exabytes</a:t>
+            </a:r>
+          </a:p>
+        </p:txBody>
+      </p:sp>
+      <p:sp>
+        <p:nvSpPr>
+          <p:cNvPr id="12" name="Rectangle">
+            <a:extLst>
+              <a:ext uri="{FF2B5EF4-FFF2-40B4-BE49-F238E27FC236}">
+                <a16:creationId xmlns:a16="http://schemas.microsoft.com/office/drawing/2014/main" id="{E9224679-6319-2434-203B-77D3CEB54055}"/>
+              </a:ext>
+            </a:extLst>
+          </p:cNvPr>
+          <p:cNvSpPr>
+            <a:spLocks noChangeArrowheads="1"/>
+          </p:cNvSpPr>
+          <p:nvPr/>
+        </p:nvSpPr>
+        <p:spPr bwMode="auto">
+          <a:xfrm>
+            <a:off x="10277781" y="0"/>
+            <a:ext cx="1914219" cy="480523"/>
+          </a:xfrm>
+          <a:prstGeom prst="rect">
+            <a:avLst/>
+          </a:prstGeom>
+          <a:noFill/>
+          <a:ln>
+            <a:noFill/>
+          </a:ln>
+          <a:extLst>
+            <a:ext uri="{909E8E84-426E-40DD-AFC4-6F175D3DCCD1}">
+              <a14:hiddenFill xmlns:a14="http://schemas.microsoft.com/office/drawing/2010/main">
+                <a:solidFill>
+                  <a:srgbClr val="FFFFFF"/>
+                </a:solidFill>
+              </a14:hiddenFill>
+            </a:ext>
+            <a:ext uri="{91240B29-F687-4F45-9708-019B960494DF}">
+              <a14:hiddenLine xmlns:a14="http://schemas.microsoft.com/office/drawing/2010/main" w="9525">
+                <a:solidFill>
+                  <a:srgbClr val="000000"/>
+                </a:solidFill>
+                <a:miter lim="800000"/>
+                <a:headEnd/>
+                <a:tailEnd/>
+              </a14:hiddenLine>
+            </a:ext>
+          </a:extLst>
+        </p:spPr>
+        <p:txBody>
+          <a:bodyPr tIns="34529" rIns="91440" bIns="34529" anchor="t" anchorCtr="0"/>
+          <a:lstStyle>
+            <a:lvl1pPr marL="400050" indent="-400050">
+              <a:defRPr sz="1400">
+                <a:solidFill>
+                  <a:schemeClr val="tx1"/>
+                </a:solidFill>
+                <a:latin typeface="Arial" charset="0"/>
+                <a:ea typeface="ＭＳ Ｐゴシック" charset="-128"/>
+              </a:defRPr>
+            </a:lvl1pPr>
+            <a:lvl2pPr marL="742950" indent="-285750">
+              <a:defRPr sz="1400">
+                <a:solidFill>
+                  <a:schemeClr val="tx1"/>
+                </a:solidFill>
+                <a:latin typeface="Arial" charset="0"/>
+                <a:ea typeface="ＭＳ Ｐゴシック" charset="-128"/>
+              </a:defRPr>
+            </a:lvl2pPr>
+            <a:lvl3pPr marL="1143000" indent="-228600">
+              <a:defRPr sz="1400">
+                <a:solidFill>
+                  <a:schemeClr val="tx1"/>
+                </a:solidFill>
+                <a:latin typeface="Arial" charset="0"/>
+                <a:ea typeface="ＭＳ Ｐゴシック" charset="-128"/>
+              </a:defRPr>
+            </a:lvl3pPr>
+            <a:lvl4pPr marL="1600200" indent="-228600">
+              <a:defRPr sz="1400">
+                <a:solidFill>
+                  <a:schemeClr val="tx1"/>
+                </a:solidFill>
+                <a:latin typeface="Arial" charset="0"/>
+                <a:ea typeface="ＭＳ Ｐゴシック" charset="-128"/>
+              </a:defRPr>
+            </a:lvl4pPr>
+            <a:lvl5pPr marL="2057400" indent="-228600">
+              <a:defRPr sz="1400">
+                <a:solidFill>
+                  <a:schemeClr val="tx1"/>
+                </a:solidFill>
+                <a:latin typeface="Arial" charset="0"/>
+                <a:ea typeface="ＭＳ Ｐゴシック" charset="-128"/>
+              </a:defRPr>
+            </a:lvl5pPr>
+            <a:lvl6pPr marL="2514600" indent="-228600" eaLnBrk="0" fontAlgn="base" hangingPunct="0">
+              <a:spcBef>
+                <a:spcPct val="0"/>
+              </a:spcBef>
+              <a:spcAft>
+                <a:spcPct val="0"/>
+              </a:spcAft>
+              <a:defRPr sz="1400">
+                <a:solidFill>
+                  <a:schemeClr val="tx1"/>
+                </a:solidFill>
+                <a:latin typeface="Arial" charset="0"/>
+                <a:ea typeface="ＭＳ Ｐゴシック" charset="-128"/>
+              </a:defRPr>
+            </a:lvl6pPr>
+            <a:lvl7pPr marL="2971800" indent="-228600" eaLnBrk="0" fontAlgn="base" hangingPunct="0">
+              <a:spcBef>
+                <a:spcPct val="0"/>
+              </a:spcBef>
+              <a:spcAft>
+                <a:spcPct val="0"/>
+              </a:spcAft>
+              <a:defRPr sz="1400">
+                <a:solidFill>
+                  <a:schemeClr val="tx1"/>
+                </a:solidFill>
+                <a:latin typeface="Arial" charset="0"/>
+                <a:ea typeface="ＭＳ Ｐゴシック" charset="-128"/>
+              </a:defRPr>
+            </a:lvl7pPr>
+            <a:lvl8pPr marL="3429000" indent="-228600" eaLnBrk="0" fontAlgn="base" hangingPunct="0">
+              <a:spcBef>
+                <a:spcPct val="0"/>
+              </a:spcBef>
+              <a:spcAft>
+                <a:spcPct val="0"/>
+              </a:spcAft>
+              <a:defRPr sz="1400">
+                <a:solidFill>
+                  <a:schemeClr val="tx1"/>
+                </a:solidFill>
+                <a:latin typeface="Arial" charset="0"/>
+                <a:ea typeface="ＭＳ Ｐゴシック" charset="-128"/>
+              </a:defRPr>
+            </a:lvl8pPr>
+            <a:lvl9pPr marL="3886200" indent="-228600" eaLnBrk="0" fontAlgn="base" hangingPunct="0">
+              <a:spcBef>
+                <a:spcPct val="0"/>
+              </a:spcBef>
+              <a:spcAft>
+                <a:spcPct val="0"/>
+              </a:spcAft>
+              <a:defRPr sz="1400">
+                <a:solidFill>
+                  <a:schemeClr val="tx1"/>
+                </a:solidFill>
+                <a:latin typeface="Arial" charset="0"/>
+                <a:ea typeface="ＭＳ Ｐゴシック" charset="-128"/>
+              </a:defRPr>
+            </a:lvl9pPr>
+          </a:lstStyle>
+          <a:p>
+            <a:pPr marL="288929" indent="-288929"/>
+            <a:endParaRPr lang="en-US" altLang="en-US" sz="600" dirty="0">
+              <a:latin typeface="IBM Plex Sans" charset="0"/>
+              <a:ea typeface="IBM Plex Sans" charset="0"/>
+              <a:cs typeface="IBM Plex Sans" charset="0"/>
+            </a:endParaRPr>
+          </a:p>
+        </p:txBody>
+      </p:sp>
+      <p:sp>
+        <p:nvSpPr>
+          <p:cNvPr id="13" name="Text Placeholder">
+            <a:extLst>
+              <a:ext uri="{FF2B5EF4-FFF2-40B4-BE49-F238E27FC236}">
+                <a16:creationId xmlns:a16="http://schemas.microsoft.com/office/drawing/2014/main" id="{4D1EB361-A84D-E1BA-5887-29346BE14147}"/>
+              </a:ext>
+            </a:extLst>
+          </p:cNvPr>
+          <p:cNvSpPr txBox="1">
+            <a:spLocks/>
+          </p:cNvSpPr>
+          <p:nvPr/>
+        </p:nvSpPr>
+        <p:spPr>
+          <a:xfrm>
+            <a:off x="0" y="104751"/>
+            <a:ext cx="4206240" cy="633222"/>
+          </a:xfrm>
+          <a:prstGeom prst="rect">
+            <a:avLst/>
+          </a:prstGeom>
+        </p:spPr>
+        <p:txBody>
+          <a:bodyPr vert="horz" lIns="91440" tIns="45720" rIns="91440" bIns="45720" rtlCol="0" anchor="ctr"/>
+          <a:lstStyle>
+            <a:defPPr>
+              <a:defRPr lang="en-BR"/>
+            </a:defPPr>
+            <a:lvl1pPr marL="0" algn="r" defTabSz="914400" rtl="0" eaLnBrk="1" latinLnBrk="0" hangingPunct="1">
+              <a:defRPr sz="1200" kern="1200">
+                <a:solidFill>
+                  <a:schemeClr val="tx1">
+                    <a:tint val="75000"/>
+                  </a:schemeClr>
+                </a:solidFill>
+                <a:latin typeface="+mn-lt"/>
+                <a:ea typeface="+mn-ea"/>
+                <a:cs typeface="+mn-cs"/>
+              </a:defRPr>
+            </a:lvl1pPr>
+            <a:lvl2pPr marL="457200" algn="l" defTabSz="914400" rtl="0" eaLnBrk="1" latinLnBrk="0" hangingPunct="1">
+              <a:defRPr sz="1800" kern="1200">
+                <a:solidFill>
+                  <a:schemeClr val="tx1"/>
+                </a:solidFill>
+                <a:latin typeface="+mn-lt"/>
+                <a:ea typeface="+mn-ea"/>
+                <a:cs typeface="+mn-cs"/>
+              </a:defRPr>
+            </a:lvl2pPr>
+            <a:lvl3pPr marL="914400" algn="l" defTabSz="914400" rtl="0" eaLnBrk="1" latinLnBrk="0" hangingPunct="1">
+              <a:defRPr sz="1800" kern="1200">
+                <a:solidFill>
+                  <a:schemeClr val="tx1"/>
+                </a:solidFill>
+                <a:latin typeface="+mn-lt"/>
+                <a:ea typeface="+mn-ea"/>
+                <a:cs typeface="+mn-cs"/>
+              </a:defRPr>
+            </a:lvl3pPr>
+            <a:lvl4pPr marL="1371600" algn="l" defTabSz="914400" rtl="0" eaLnBrk="1" latinLnBrk="0" hangingPunct="1">
+              <a:defRPr sz="1800" kern="1200">
+                <a:solidFill>
+                  <a:schemeClr val="tx1"/>
+                </a:solidFill>
+                <a:latin typeface="+mn-lt"/>
+                <a:ea typeface="+mn-ea"/>
+                <a:cs typeface="+mn-cs"/>
+              </a:defRPr>
+            </a:lvl4pPr>
+            <a:lvl5pPr marL="1828800" algn="l" defTabSz="914400" rtl="0" eaLnBrk="1" latinLnBrk="0" hangingPunct="1">
+              <a:defRPr sz="1800" kern="1200">
+                <a:solidFill>
+                  <a:schemeClr val="tx1"/>
+                </a:solidFill>
+                <a:latin typeface="+mn-lt"/>
+                <a:ea typeface="+mn-ea"/>
+                <a:cs typeface="+mn-cs"/>
+              </a:defRPr>
+            </a:lvl5pPr>
+            <a:lvl6pPr marL="2286000" algn="l" defTabSz="914400" rtl="0" eaLnBrk="1" latinLnBrk="0" hangingPunct="1">
+              <a:defRPr sz="1800" kern="1200">
+                <a:solidFill>
+                  <a:schemeClr val="tx1"/>
+                </a:solidFill>
+                <a:latin typeface="+mn-lt"/>
+                <a:ea typeface="+mn-ea"/>
+                <a:cs typeface="+mn-cs"/>
+              </a:defRPr>
+            </a:lvl6pPr>
+            <a:lvl7pPr marL="2743200" algn="l" defTabSz="914400" rtl="0" eaLnBrk="1" latinLnBrk="0" hangingPunct="1">
+              <a:defRPr sz="1800" kern="1200">
+                <a:solidFill>
+                  <a:schemeClr val="tx1"/>
+                </a:solidFill>
+                <a:latin typeface="+mn-lt"/>
+                <a:ea typeface="+mn-ea"/>
+                <a:cs typeface="+mn-cs"/>
+              </a:defRPr>
+            </a:lvl7pPr>
+            <a:lvl8pPr marL="3200400" algn="l" defTabSz="914400" rtl="0" eaLnBrk="1" latinLnBrk="0" hangingPunct="1">
+              <a:defRPr sz="1800" kern="1200">
+                <a:solidFill>
+                  <a:schemeClr val="tx1"/>
+                </a:solidFill>
+                <a:latin typeface="+mn-lt"/>
+                <a:ea typeface="+mn-ea"/>
+                <a:cs typeface="+mn-cs"/>
+              </a:defRPr>
+            </a:lvl8pPr>
+            <a:lvl9pPr marL="3657600" algn="l" defTabSz="914400" rtl="0" eaLnBrk="1" latinLnBrk="0" hangingPunct="1">
+              <a:defRPr sz="1800" kern="1200">
+                <a:solidFill>
+                  <a:schemeClr val="tx1"/>
+                </a:solidFill>
+                <a:latin typeface="+mn-lt"/>
+                <a:ea typeface="+mn-ea"/>
+                <a:cs typeface="+mn-cs"/>
+              </a:defRPr>
+            </a:lvl9pPr>
+          </a:lstStyle>
+          <a:p>
+            <a:r>
+              <a:rPr lang="en-US" sz="5400" b="1" dirty="0">
+                <a:solidFill>
+                  <a:schemeClr val="tx1"/>
+                </a:solidFill>
+              </a:rPr>
+              <a:t>Introduction</a:t>
+            </a:r>
+          </a:p>
+        </p:txBody>
+      </p:sp>
+      <p:sp>
+        <p:nvSpPr>
+          <p:cNvPr id="14" name="TextBox 13">
+            <a:extLst>
+              <a:ext uri="{FF2B5EF4-FFF2-40B4-BE49-F238E27FC236}">
+                <a16:creationId xmlns:a16="http://schemas.microsoft.com/office/drawing/2014/main" id="{B6228230-3133-5772-AAB1-1AB360BE24B2}"/>
+              </a:ext>
+            </a:extLst>
+          </p:cNvPr>
+          <p:cNvSpPr txBox="1"/>
+          <p:nvPr/>
+        </p:nvSpPr>
+        <p:spPr>
+          <a:xfrm>
+            <a:off x="6096000" y="5515500"/>
+            <a:ext cx="5257800" cy="276999"/>
+          </a:xfrm>
+          <a:prstGeom prst="rect">
+            <a:avLst/>
+          </a:prstGeom>
+          <a:noFill/>
+        </p:spPr>
+        <p:txBody>
+          <a:bodyPr wrap="square" rtlCol="0">
+            <a:spAutoFit/>
+          </a:bodyPr>
+          <a:lstStyle/>
+          <a:p>
+            <a:pPr marL="288929" indent="-288929"/>
+            <a:r>
+              <a:rPr lang="en-US" altLang="en-US" sz="1200" dirty="0">
+                <a:solidFill>
+                  <a:srgbClr val="898989"/>
+                </a:solidFill>
+                <a:ea typeface="IBM Plex Sans" charset="0"/>
+                <a:cs typeface="IBM Plex Sans" charset="0"/>
+              </a:rPr>
+              <a:t>Fonte: </a:t>
+            </a:r>
+            <a:r>
+              <a:rPr lang="en-US" altLang="en-US" sz="1200" dirty="0">
+                <a:solidFill>
+                  <a:srgbClr val="898989"/>
+                </a:solidFill>
+                <a:ea typeface="IBM Plex Sans" charset="0"/>
+                <a:cs typeface="IBM Plex Sans" charset="0"/>
+                <a:hlinkClick r:id="rId2">
+                  <a:extLst>
+                    <a:ext uri="{A12FA001-AC4F-418D-AE19-62706E023703}">
+                      <ahyp:hlinkClr xmlns:ahyp="http://schemas.microsoft.com/office/drawing/2018/hyperlinkcolor" val="tx"/>
+                    </a:ext>
+                  </a:extLst>
+                </a:hlinkClick>
+              </a:rPr>
+              <a:t>Ericsson Mobility Report, November 2022</a:t>
+            </a:r>
+            <a:endParaRPr lang="en-US" altLang="en-US" sz="1200" dirty="0">
+              <a:solidFill>
+                <a:srgbClr val="898989"/>
+              </a:solidFill>
+              <a:ea typeface="IBM Plex Sans" charset="0"/>
+              <a:cs typeface="IBM Plex Sans" charset="0"/>
+            </a:endParaRPr>
+          </a:p>
+        </p:txBody>
+      </p:sp>
+    </p:spTree>
+    <p:extLst>
+      <p:ext uri="{BB962C8B-B14F-4D97-AF65-F5344CB8AC3E}">
+        <p14:creationId xmlns:p14="http://schemas.microsoft.com/office/powerpoint/2010/main" val="2153896958"/>
+      </p:ext>
+    </p:extLst>
+  </p:cSld>
+  <p:clrMapOvr>
+    <a:masterClrMapping/>
+  </p:clrMapOvr>
+</p:sld>
+</file>
+
+<file path=ppt/slides/slide4.xml><?xml version="1.0" encoding="utf-8"?>
+<p:sld xmlns:a="http://schemas.openxmlformats.org/drawingml/2006/main" xmlns:r="http://schemas.openxmlformats.org/officeDocument/2006/relationships" xmlns:p="http://schemas.openxmlformats.org/presentationml/2006/main">
+  <p:cSld>
+    <p:spTree>
+      <p:nvGrpSpPr>
+        <p:cNvPr id="1" name=""/>
+        <p:cNvGrpSpPr/>
+        <p:nvPr/>
+      </p:nvGrpSpPr>
+      <p:grpSpPr>
+        <a:xfrm>
+          <a:off x="0" y="0"/>
+          <a:ext cx="0" cy="0"/>
+          <a:chOff x="0" y="0"/>
+          <a:chExt cx="0" cy="0"/>
+        </a:xfrm>
+      </p:grpSpPr>
+      <p:sp>
+        <p:nvSpPr>
+          <p:cNvPr id="4" name="Footer Placeholder 3">
+            <a:extLst>
+              <a:ext uri="{FF2B5EF4-FFF2-40B4-BE49-F238E27FC236}">
+                <a16:creationId xmlns:a16="http://schemas.microsoft.com/office/drawing/2014/main" id="{ABC5BB99-6713-EE89-3895-F3148FABAE18}"/>
+              </a:ext>
+            </a:extLst>
+          </p:cNvPr>
+          <p:cNvSpPr>
+            <a:spLocks noGrp="1"/>
+          </p:cNvSpPr>
+          <p:nvPr>
+            <p:ph type="ftr" sz="quarter" idx="11"/>
+          </p:nvPr>
+        </p:nvSpPr>
+        <p:spPr/>
+        <p:txBody>
+          <a:bodyPr/>
+          <a:lstStyle/>
+          <a:p>
+            <a:r>
+              <a:rPr lang="pt-BR"/>
+              <a:t>A Mobile Traffic Predictor Enhanced by Neighboring Transportation Data (MTP-NT)</a:t>
+            </a:r>
+          </a:p>
+        </p:txBody>
+      </p:sp>
+      <p:sp>
+        <p:nvSpPr>
+          <p:cNvPr id="5" name="Slide Number Placeholder 4">
+            <a:extLst>
+              <a:ext uri="{FF2B5EF4-FFF2-40B4-BE49-F238E27FC236}">
+                <a16:creationId xmlns:a16="http://schemas.microsoft.com/office/drawing/2014/main" id="{DE4D7978-95DF-1BFB-E341-3759F4762F0C}"/>
+              </a:ext>
+            </a:extLst>
+          </p:cNvPr>
+          <p:cNvSpPr>
+            <a:spLocks noGrp="1"/>
+          </p:cNvSpPr>
+          <p:nvPr>
+            <p:ph type="sldNum" sz="quarter" idx="12"/>
+          </p:nvPr>
+        </p:nvSpPr>
+        <p:spPr/>
+        <p:txBody>
+          <a:bodyPr/>
+          <a:lstStyle/>
+          <a:p>
+            <a:fld id="{C16D1434-241F-3E4A-8778-0F70095E40C3}" type="slidenum">
+              <a:rPr lang="pt-BR" smtClean="0"/>
+              <a:t>4</a:t>
+            </a:fld>
+            <a:endParaRPr lang="pt-BR"/>
+          </a:p>
+        </p:txBody>
+      </p:sp>
+      <p:sp>
+        <p:nvSpPr>
+          <p:cNvPr id="10" name="Title">
+            <a:extLst>
+              <a:ext uri="{FF2B5EF4-FFF2-40B4-BE49-F238E27FC236}">
+                <a16:creationId xmlns:a16="http://schemas.microsoft.com/office/drawing/2014/main" id="{24406B87-64CF-B67A-544C-E1706CF773D2}"/>
+              </a:ext>
+            </a:extLst>
+          </p:cNvPr>
+          <p:cNvSpPr txBox="1">
+            <a:spLocks/>
+          </p:cNvSpPr>
+          <p:nvPr/>
+        </p:nvSpPr>
+        <p:spPr>
+          <a:xfrm>
+            <a:off x="739253" y="1401237"/>
+            <a:ext cx="4133088" cy="263177"/>
+          </a:xfrm>
+          <a:prstGeom prst="rect">
+            <a:avLst/>
+          </a:prstGeom>
+        </p:spPr>
+        <p:txBody>
+          <a:bodyPr vert="horz" lIns="0" tIns="0" rIns="0" bIns="0" rtlCol="0" anchor="t">
+            <a:noAutofit/>
+          </a:bodyPr>
+          <a:lstStyle>
+            <a:lvl1pPr algn="l" rtl="0" eaLnBrk="1" fontAlgn="base" hangingPunct="1">
+              <a:lnSpc>
+                <a:spcPct val="90000"/>
+              </a:lnSpc>
+              <a:spcBef>
+                <a:spcPct val="0"/>
+              </a:spcBef>
+              <a:spcAft>
+                <a:spcPct val="0"/>
+              </a:spcAft>
+              <a:defRPr sz="1600" b="0">
+                <a:solidFill>
+                  <a:schemeClr val="bg1"/>
+                </a:solidFill>
+                <a:latin typeface="IBM Plex Sans" panose="020B0503050203000203" pitchFamily="34" charset="0"/>
+                <a:ea typeface="IBM Plex Sans" panose="020B0503050203000203" pitchFamily="34" charset="0"/>
+                <a:cs typeface="IBM Plex Sans" panose="020B0503050203000203" pitchFamily="34" charset="0"/>
+              </a:defRPr>
+            </a:lvl1pPr>
+            <a:lvl2pPr algn="l" rtl="0" eaLnBrk="1" fontAlgn="base" hangingPunct="1">
+              <a:lnSpc>
+                <a:spcPct val="90000"/>
+              </a:lnSpc>
+              <a:spcBef>
+                <a:spcPct val="0"/>
+              </a:spcBef>
+              <a:spcAft>
+                <a:spcPct val="0"/>
+              </a:spcAft>
+              <a:defRPr sz="2220">
+                <a:solidFill>
+                  <a:srgbClr val="191919"/>
+                </a:solidFill>
+                <a:latin typeface="IBM Plex Sans" pitchFamily="34" charset="0"/>
+              </a:defRPr>
+            </a:lvl2pPr>
+            <a:lvl3pPr algn="l" rtl="0" eaLnBrk="1" fontAlgn="base" hangingPunct="1">
+              <a:lnSpc>
+                <a:spcPct val="90000"/>
+              </a:lnSpc>
+              <a:spcBef>
+                <a:spcPct val="0"/>
+              </a:spcBef>
+              <a:spcAft>
+                <a:spcPct val="0"/>
+              </a:spcAft>
+              <a:defRPr sz="2220">
+                <a:solidFill>
+                  <a:srgbClr val="191919"/>
+                </a:solidFill>
+                <a:latin typeface="IBM Plex Sans" pitchFamily="34" charset="0"/>
+              </a:defRPr>
+            </a:lvl3pPr>
+            <a:lvl4pPr algn="l" rtl="0" eaLnBrk="1" fontAlgn="base" hangingPunct="1">
+              <a:lnSpc>
+                <a:spcPct val="90000"/>
+              </a:lnSpc>
+              <a:spcBef>
+                <a:spcPct val="0"/>
+              </a:spcBef>
+              <a:spcAft>
+                <a:spcPct val="0"/>
+              </a:spcAft>
+              <a:defRPr sz="2220">
+                <a:solidFill>
+                  <a:srgbClr val="191919"/>
+                </a:solidFill>
+                <a:latin typeface="IBM Plex Sans" pitchFamily="34" charset="0"/>
+              </a:defRPr>
+            </a:lvl4pPr>
+            <a:lvl5pPr algn="l" rtl="0" eaLnBrk="1" fontAlgn="base" hangingPunct="1">
+              <a:lnSpc>
+                <a:spcPct val="90000"/>
+              </a:lnSpc>
+              <a:spcBef>
+                <a:spcPct val="0"/>
+              </a:spcBef>
+              <a:spcAft>
+                <a:spcPct val="0"/>
+              </a:spcAft>
+              <a:defRPr sz="2220">
+                <a:solidFill>
+                  <a:srgbClr val="191919"/>
+                </a:solidFill>
+                <a:latin typeface="IBM Plex Sans" pitchFamily="34" charset="0"/>
+              </a:defRPr>
+            </a:lvl5pPr>
+            <a:lvl6pPr marL="362568" algn="l" rtl="0" eaLnBrk="1" fontAlgn="base" hangingPunct="1">
+              <a:lnSpc>
+                <a:spcPct val="90000"/>
+              </a:lnSpc>
+              <a:spcBef>
+                <a:spcPct val="0"/>
+              </a:spcBef>
+              <a:spcAft>
+                <a:spcPct val="0"/>
+              </a:spcAft>
+              <a:defRPr sz="2220">
+                <a:solidFill>
+                  <a:srgbClr val="191919"/>
+                </a:solidFill>
+                <a:latin typeface="IBM Plex Sans" pitchFamily="34" charset="0"/>
+              </a:defRPr>
+            </a:lvl6pPr>
+            <a:lvl7pPr marL="725139" algn="l" rtl="0" eaLnBrk="1" fontAlgn="base" hangingPunct="1">
+              <a:lnSpc>
+                <a:spcPct val="90000"/>
+              </a:lnSpc>
+              <a:spcBef>
+                <a:spcPct val="0"/>
+              </a:spcBef>
+              <a:spcAft>
+                <a:spcPct val="0"/>
+              </a:spcAft>
+              <a:defRPr sz="2220">
+                <a:solidFill>
+                  <a:srgbClr val="191919"/>
+                </a:solidFill>
+                <a:latin typeface="IBM Plex Sans" pitchFamily="34" charset="0"/>
+              </a:defRPr>
+            </a:lvl7pPr>
+            <a:lvl8pPr marL="1087707" algn="l" rtl="0" eaLnBrk="1" fontAlgn="base" hangingPunct="1">
+              <a:lnSpc>
+                <a:spcPct val="90000"/>
+              </a:lnSpc>
+              <a:spcBef>
+                <a:spcPct val="0"/>
+              </a:spcBef>
+              <a:spcAft>
+                <a:spcPct val="0"/>
+              </a:spcAft>
+              <a:defRPr sz="2220">
+                <a:solidFill>
+                  <a:srgbClr val="191919"/>
+                </a:solidFill>
+                <a:latin typeface="IBM Plex Sans" pitchFamily="34" charset="0"/>
+              </a:defRPr>
+            </a:lvl8pPr>
+            <a:lvl9pPr marL="1450276" algn="l" rtl="0" eaLnBrk="1" fontAlgn="base" hangingPunct="1">
+              <a:lnSpc>
+                <a:spcPct val="90000"/>
+              </a:lnSpc>
+              <a:spcBef>
+                <a:spcPct val="0"/>
+              </a:spcBef>
+              <a:spcAft>
+                <a:spcPct val="0"/>
+              </a:spcAft>
+              <a:defRPr sz="2220">
+                <a:solidFill>
+                  <a:srgbClr val="191919"/>
+                </a:solidFill>
+                <a:latin typeface="IBM Plex Sans" pitchFamily="34" charset="0"/>
+              </a:defRPr>
+            </a:lvl9pPr>
+          </a:lstStyle>
+          <a:p>
+            <a:pPr defTabSz="914400"/>
+            <a:r>
+              <a:rPr lang="en-US" sz="1200" kern="0" dirty="0">
+                <a:solidFill>
+                  <a:schemeClr val="tx1"/>
+                </a:solidFill>
+              </a:rPr>
+              <a:t>To</a:t>
+            </a:r>
+          </a:p>
+        </p:txBody>
+      </p:sp>
+      <p:sp>
+        <p:nvSpPr>
+          <p:cNvPr id="11" name="Text Placeholder">
+            <a:extLst>
+              <a:ext uri="{FF2B5EF4-FFF2-40B4-BE49-F238E27FC236}">
+                <a16:creationId xmlns:a16="http://schemas.microsoft.com/office/drawing/2014/main" id="{65079F3F-D2E5-FBC2-1747-119744FDBF1D}"/>
+              </a:ext>
+            </a:extLst>
+          </p:cNvPr>
+          <p:cNvSpPr txBox="1">
+            <a:spLocks/>
+          </p:cNvSpPr>
+          <p:nvPr/>
+        </p:nvSpPr>
+        <p:spPr>
+          <a:xfrm>
+            <a:off x="739253" y="1694456"/>
+            <a:ext cx="4757421" cy="263177"/>
+          </a:xfrm>
+          <a:prstGeom prst="rect">
+            <a:avLst/>
+          </a:prstGeom>
+        </p:spPr>
+        <p:txBody>
+          <a:bodyPr vert="horz" lIns="0" tIns="0" rIns="0" bIns="0" rtlCol="0">
+            <a:noAutofit/>
+          </a:bodyPr>
+          <a:lstStyle>
+            <a:lvl1pPr marL="0" indent="0" algn="l" rtl="0" eaLnBrk="1" fontAlgn="base" hangingPunct="1">
+              <a:lnSpc>
+                <a:spcPct val="90000"/>
+              </a:lnSpc>
+              <a:spcBef>
+                <a:spcPts val="1100"/>
+              </a:spcBef>
+              <a:spcAft>
+                <a:spcPct val="0"/>
+              </a:spcAft>
+              <a:buClr>
+                <a:srgbClr val="6D6E70"/>
+              </a:buClr>
+              <a:buSzPct val="90000"/>
+              <a:buFont typeface="IBM Plex Sans" pitchFamily="2" charset="2"/>
+              <a:buNone/>
+              <a:defRPr sz="9600" b="1" i="0">
+                <a:solidFill>
+                  <a:schemeClr val="bg1"/>
+                </a:solidFill>
+                <a:latin typeface="IBM Plex Sans" panose="020B0503050203000203" pitchFamily="34" charset="0"/>
+                <a:ea typeface="IBM Plex Sans" panose="020B0503050203000203" pitchFamily="34" charset="0"/>
+                <a:cs typeface="IBM Plex Sans" panose="020B0503050203000203" pitchFamily="34" charset="0"/>
+              </a:defRPr>
+            </a:lvl1pPr>
+            <a:lvl2pPr marL="171452" indent="-173736" algn="l" rtl="0" eaLnBrk="1" fontAlgn="base" hangingPunct="1">
+              <a:lnSpc>
+                <a:spcPct val="100000"/>
+              </a:lnSpc>
+              <a:spcBef>
+                <a:spcPts val="1100"/>
+              </a:spcBef>
+              <a:spcAft>
+                <a:spcPct val="0"/>
+              </a:spcAft>
+              <a:buClr>
+                <a:schemeClr val="bg1"/>
+              </a:buClr>
+              <a:buSzPct val="100000"/>
+              <a:buFont typeface="IBM Plex Sans" charset="-120"/>
+              <a:buChar char="–"/>
+              <a:tabLst/>
+              <a:defRPr sz="1400">
+                <a:solidFill>
+                  <a:schemeClr val="bg1"/>
+                </a:solidFill>
+                <a:latin typeface="IBM Plex Sans" panose="020B0503050203000203" pitchFamily="34" charset="0"/>
+                <a:ea typeface="IBM Plex Sans" panose="020B0503050203000203" pitchFamily="34" charset="0"/>
+                <a:cs typeface="IBM Plex Sans" panose="020B0503050203000203" pitchFamily="34" charset="0"/>
+              </a:defRPr>
+            </a:lvl2pPr>
+            <a:lvl3pPr marL="342905" indent="-173736" algn="l" rtl="0" eaLnBrk="1" fontAlgn="base" hangingPunct="1">
+              <a:lnSpc>
+                <a:spcPct val="100000"/>
+              </a:lnSpc>
+              <a:spcBef>
+                <a:spcPts val="1100"/>
+              </a:spcBef>
+              <a:spcAft>
+                <a:spcPct val="0"/>
+              </a:spcAft>
+              <a:buClr>
+                <a:schemeClr val="bg1"/>
+              </a:buClr>
+              <a:buSzPct val="100000"/>
+              <a:buFont typeface="Arial" panose="020B0604020202020204" pitchFamily="34" charset="0"/>
+              <a:buChar char="•"/>
+              <a:tabLst/>
+              <a:defRPr sz="1400">
+                <a:solidFill>
+                  <a:schemeClr val="bg1"/>
+                </a:solidFill>
+                <a:latin typeface="IBM Plex Sans" panose="020B0503050203000203" pitchFamily="34" charset="0"/>
+                <a:ea typeface="IBM Plex Sans" panose="020B0503050203000203" pitchFamily="34" charset="0"/>
+                <a:cs typeface="IBM Plex Sans" panose="020B0503050203000203" pitchFamily="34" charset="0"/>
+              </a:defRPr>
+            </a:lvl3pPr>
+            <a:lvl4pPr marL="628658" indent="-173736" algn="l" rtl="0" eaLnBrk="1" fontAlgn="base" hangingPunct="1">
+              <a:lnSpc>
+                <a:spcPct val="100000"/>
+              </a:lnSpc>
+              <a:spcBef>
+                <a:spcPts val="1100"/>
+              </a:spcBef>
+              <a:spcAft>
+                <a:spcPct val="0"/>
+              </a:spcAft>
+              <a:buClr>
+                <a:schemeClr val="bg1"/>
+              </a:buClr>
+              <a:buSzPct val="100000"/>
+              <a:buFont typeface="IBM Plex Sans" charset="-120"/>
+              <a:buChar char="–"/>
+              <a:tabLst/>
+              <a:defRPr sz="1400" baseline="0">
+                <a:solidFill>
+                  <a:schemeClr val="bg1"/>
+                </a:solidFill>
+                <a:latin typeface="IBM Plex Sans" panose="020B0503050203000203" pitchFamily="34" charset="0"/>
+                <a:ea typeface="IBM Plex Sans" panose="020B0503050203000203" pitchFamily="34" charset="0"/>
+                <a:cs typeface="IBM Plex Sans" panose="020B0503050203000203" pitchFamily="34" charset="0"/>
+              </a:defRPr>
+            </a:lvl4pPr>
+            <a:lvl5pPr marL="803285" indent="-173736" algn="l" rtl="0" eaLnBrk="1" fontAlgn="base" hangingPunct="1">
+              <a:lnSpc>
+                <a:spcPct val="100000"/>
+              </a:lnSpc>
+              <a:spcBef>
+                <a:spcPts val="1100"/>
+              </a:spcBef>
+              <a:spcAft>
+                <a:spcPct val="0"/>
+              </a:spcAft>
+              <a:buClr>
+                <a:schemeClr val="bg1"/>
+              </a:buClr>
+              <a:buFont typeface="IBM Plex Sans" charset="-120"/>
+              <a:buChar char="»"/>
+              <a:tabLst/>
+              <a:defRPr sz="1400">
+                <a:solidFill>
+                  <a:schemeClr val="bg1"/>
+                </a:solidFill>
+                <a:latin typeface="IBM Plex Sans" panose="020B0503050203000203" pitchFamily="34" charset="0"/>
+                <a:ea typeface="IBM Plex Sans" panose="020B0503050203000203" pitchFamily="34" charset="0"/>
+                <a:cs typeface="IBM Plex Sans" panose="020B0503050203000203" pitchFamily="34" charset="0"/>
+              </a:defRPr>
+            </a:lvl5pPr>
+            <a:lvl6pPr marL="1583721" indent="-129670" algn="l" rtl="0" eaLnBrk="1" fontAlgn="base" hangingPunct="1">
+              <a:spcBef>
+                <a:spcPct val="20000"/>
+              </a:spcBef>
+              <a:spcAft>
+                <a:spcPct val="0"/>
+              </a:spcAft>
+              <a:buClr>
+                <a:schemeClr val="bg1"/>
+              </a:buClr>
+              <a:buChar char="»"/>
+              <a:defRPr sz="1269">
+                <a:solidFill>
+                  <a:schemeClr val="bg1"/>
+                </a:solidFill>
+                <a:latin typeface="IBM Plex Sans" charset="0"/>
+              </a:defRPr>
+            </a:lvl6pPr>
+            <a:lvl7pPr marL="1946291" indent="-129670" algn="l" rtl="0" eaLnBrk="1" fontAlgn="base" hangingPunct="1">
+              <a:spcBef>
+                <a:spcPct val="20000"/>
+              </a:spcBef>
+              <a:spcAft>
+                <a:spcPct val="0"/>
+              </a:spcAft>
+              <a:buClr>
+                <a:schemeClr val="bg1"/>
+              </a:buClr>
+              <a:buChar char="»"/>
+              <a:defRPr sz="1269">
+                <a:solidFill>
+                  <a:schemeClr val="bg1"/>
+                </a:solidFill>
+                <a:latin typeface="IBM Plex Sans" charset="0"/>
+              </a:defRPr>
+            </a:lvl7pPr>
+            <a:lvl8pPr marL="2308860" indent="-129670" algn="l" rtl="0" eaLnBrk="1" fontAlgn="base" hangingPunct="1">
+              <a:spcBef>
+                <a:spcPct val="20000"/>
+              </a:spcBef>
+              <a:spcAft>
+                <a:spcPct val="0"/>
+              </a:spcAft>
+              <a:buClr>
+                <a:schemeClr val="bg1"/>
+              </a:buClr>
+              <a:buChar char="»"/>
+              <a:defRPr sz="1269">
+                <a:solidFill>
+                  <a:schemeClr val="bg1"/>
+                </a:solidFill>
+                <a:latin typeface="IBM Plex Sans" charset="0"/>
+              </a:defRPr>
+            </a:lvl8pPr>
+            <a:lvl9pPr marL="2671430" indent="-129670" algn="l" rtl="0" eaLnBrk="1" fontAlgn="base" hangingPunct="1">
+              <a:spcBef>
+                <a:spcPct val="20000"/>
+              </a:spcBef>
+              <a:spcAft>
+                <a:spcPct val="0"/>
+              </a:spcAft>
+              <a:buClr>
+                <a:schemeClr val="bg1"/>
+              </a:buClr>
+              <a:buChar char="»"/>
+              <a:defRPr sz="1269">
+                <a:solidFill>
+                  <a:schemeClr val="bg1"/>
+                </a:solidFill>
+                <a:latin typeface="IBM Plex Sans" charset="0"/>
+              </a:defRPr>
+            </a:lvl9pPr>
+          </a:lstStyle>
+          <a:p>
+            <a:pPr defTabSz="914400"/>
+            <a:r>
+              <a:rPr lang="en-US" sz="1600" kern="0" dirty="0">
+                <a:solidFill>
+                  <a:schemeClr val="tx1"/>
+                </a:solidFill>
+              </a:rPr>
+              <a:t>Allocate the maximum amount of users</a:t>
+            </a:r>
+          </a:p>
+        </p:txBody>
+      </p:sp>
+      <p:sp>
+        <p:nvSpPr>
+          <p:cNvPr id="13" name="Text Placeholder">
+            <a:extLst>
+              <a:ext uri="{FF2B5EF4-FFF2-40B4-BE49-F238E27FC236}">
+                <a16:creationId xmlns:a16="http://schemas.microsoft.com/office/drawing/2014/main" id="{4D1EB361-A84D-E1BA-5887-29346BE14147}"/>
+              </a:ext>
+            </a:extLst>
+          </p:cNvPr>
+          <p:cNvSpPr txBox="1">
+            <a:spLocks/>
+          </p:cNvSpPr>
+          <p:nvPr/>
+        </p:nvSpPr>
+        <p:spPr>
+          <a:xfrm>
+            <a:off x="0" y="104751"/>
+            <a:ext cx="4206240" cy="633222"/>
+          </a:xfrm>
+          <a:prstGeom prst="rect">
+            <a:avLst/>
+          </a:prstGeom>
+        </p:spPr>
+        <p:txBody>
+          <a:bodyPr vert="horz" lIns="91440" tIns="45720" rIns="91440" bIns="45720" rtlCol="0" anchor="ctr"/>
+          <a:lstStyle>
+            <a:defPPr>
+              <a:defRPr lang="en-BR"/>
+            </a:defPPr>
+            <a:lvl1pPr marL="0" algn="r" defTabSz="914400" rtl="0" eaLnBrk="1" latinLnBrk="0" hangingPunct="1">
+              <a:defRPr sz="1200" kern="1200">
+                <a:solidFill>
+                  <a:schemeClr val="tx1">
+                    <a:tint val="75000"/>
+                  </a:schemeClr>
+                </a:solidFill>
+                <a:latin typeface="+mn-lt"/>
+                <a:ea typeface="+mn-ea"/>
+                <a:cs typeface="+mn-cs"/>
+              </a:defRPr>
+            </a:lvl1pPr>
+            <a:lvl2pPr marL="457200" algn="l" defTabSz="914400" rtl="0" eaLnBrk="1" latinLnBrk="0" hangingPunct="1">
+              <a:defRPr sz="1800" kern="1200">
+                <a:solidFill>
+                  <a:schemeClr val="tx1"/>
+                </a:solidFill>
+                <a:latin typeface="+mn-lt"/>
+                <a:ea typeface="+mn-ea"/>
+                <a:cs typeface="+mn-cs"/>
+              </a:defRPr>
+            </a:lvl2pPr>
+            <a:lvl3pPr marL="914400" algn="l" defTabSz="914400" rtl="0" eaLnBrk="1" latinLnBrk="0" hangingPunct="1">
+              <a:defRPr sz="1800" kern="1200">
+                <a:solidFill>
+                  <a:schemeClr val="tx1"/>
+                </a:solidFill>
+                <a:latin typeface="+mn-lt"/>
+                <a:ea typeface="+mn-ea"/>
+                <a:cs typeface="+mn-cs"/>
+              </a:defRPr>
+            </a:lvl3pPr>
+            <a:lvl4pPr marL="1371600" algn="l" defTabSz="914400" rtl="0" eaLnBrk="1" latinLnBrk="0" hangingPunct="1">
+              <a:defRPr sz="1800" kern="1200">
+                <a:solidFill>
+                  <a:schemeClr val="tx1"/>
+                </a:solidFill>
+                <a:latin typeface="+mn-lt"/>
+                <a:ea typeface="+mn-ea"/>
+                <a:cs typeface="+mn-cs"/>
+              </a:defRPr>
+            </a:lvl4pPr>
+            <a:lvl5pPr marL="1828800" algn="l" defTabSz="914400" rtl="0" eaLnBrk="1" latinLnBrk="0" hangingPunct="1">
+              <a:defRPr sz="1800" kern="1200">
+                <a:solidFill>
+                  <a:schemeClr val="tx1"/>
+                </a:solidFill>
+                <a:latin typeface="+mn-lt"/>
+                <a:ea typeface="+mn-ea"/>
+                <a:cs typeface="+mn-cs"/>
+              </a:defRPr>
+            </a:lvl5pPr>
+            <a:lvl6pPr marL="2286000" algn="l" defTabSz="914400" rtl="0" eaLnBrk="1" latinLnBrk="0" hangingPunct="1">
+              <a:defRPr sz="1800" kern="1200">
+                <a:solidFill>
+                  <a:schemeClr val="tx1"/>
+                </a:solidFill>
+                <a:latin typeface="+mn-lt"/>
+                <a:ea typeface="+mn-ea"/>
+                <a:cs typeface="+mn-cs"/>
+              </a:defRPr>
+            </a:lvl6pPr>
+            <a:lvl7pPr marL="2743200" algn="l" defTabSz="914400" rtl="0" eaLnBrk="1" latinLnBrk="0" hangingPunct="1">
+              <a:defRPr sz="1800" kern="1200">
+                <a:solidFill>
+                  <a:schemeClr val="tx1"/>
+                </a:solidFill>
+                <a:latin typeface="+mn-lt"/>
+                <a:ea typeface="+mn-ea"/>
+                <a:cs typeface="+mn-cs"/>
+              </a:defRPr>
+            </a:lvl7pPr>
+            <a:lvl8pPr marL="3200400" algn="l" defTabSz="914400" rtl="0" eaLnBrk="1" latinLnBrk="0" hangingPunct="1">
+              <a:defRPr sz="1800" kern="1200">
+                <a:solidFill>
+                  <a:schemeClr val="tx1"/>
+                </a:solidFill>
+                <a:latin typeface="+mn-lt"/>
+                <a:ea typeface="+mn-ea"/>
+                <a:cs typeface="+mn-cs"/>
+              </a:defRPr>
+            </a:lvl8pPr>
+            <a:lvl9pPr marL="3657600" algn="l" defTabSz="914400" rtl="0" eaLnBrk="1" latinLnBrk="0" hangingPunct="1">
+              <a:defRPr sz="1800" kern="1200">
+                <a:solidFill>
+                  <a:schemeClr val="tx1"/>
+                </a:solidFill>
+                <a:latin typeface="+mn-lt"/>
+                <a:ea typeface="+mn-ea"/>
+                <a:cs typeface="+mn-cs"/>
+              </a:defRPr>
+            </a:lvl9pPr>
+          </a:lstStyle>
+          <a:p>
+            <a:r>
+              <a:rPr lang="en-US" sz="5400" b="1" dirty="0">
+                <a:solidFill>
+                  <a:schemeClr val="tx1"/>
+                </a:solidFill>
+              </a:rPr>
+              <a:t>Introduction</a:t>
+            </a:r>
+          </a:p>
+        </p:txBody>
+      </p:sp>
+      <p:sp>
+        <p:nvSpPr>
+          <p:cNvPr id="14" name="Title">
+            <a:extLst>
+              <a:ext uri="{FF2B5EF4-FFF2-40B4-BE49-F238E27FC236}">
+                <a16:creationId xmlns:a16="http://schemas.microsoft.com/office/drawing/2014/main" id="{50DDFA4D-4E9F-7C03-2EB6-9F109AB7D976}"/>
+              </a:ext>
+            </a:extLst>
+          </p:cNvPr>
+          <p:cNvSpPr txBox="1">
+            <a:spLocks/>
+          </p:cNvSpPr>
+          <p:nvPr/>
+        </p:nvSpPr>
+        <p:spPr>
+          <a:xfrm>
+            <a:off x="6984228" y="1401237"/>
+            <a:ext cx="4133088" cy="263177"/>
+          </a:xfrm>
+          <a:prstGeom prst="rect">
+            <a:avLst/>
+          </a:prstGeom>
+        </p:spPr>
+        <p:txBody>
+          <a:bodyPr vert="horz" lIns="0" tIns="0" rIns="0" bIns="0" rtlCol="0" anchor="t">
+            <a:noAutofit/>
+          </a:bodyPr>
+          <a:lstStyle>
+            <a:lvl1pPr algn="l" rtl="0" eaLnBrk="1" fontAlgn="base" hangingPunct="1">
+              <a:lnSpc>
+                <a:spcPct val="90000"/>
+              </a:lnSpc>
+              <a:spcBef>
+                <a:spcPct val="0"/>
+              </a:spcBef>
+              <a:spcAft>
+                <a:spcPct val="0"/>
+              </a:spcAft>
+              <a:defRPr sz="1600" b="0">
+                <a:solidFill>
+                  <a:schemeClr val="bg1"/>
+                </a:solidFill>
+                <a:latin typeface="IBM Plex Sans" panose="020B0503050203000203" pitchFamily="34" charset="0"/>
+                <a:ea typeface="IBM Plex Sans" panose="020B0503050203000203" pitchFamily="34" charset="0"/>
+                <a:cs typeface="IBM Plex Sans" panose="020B0503050203000203" pitchFamily="34" charset="0"/>
+              </a:defRPr>
+            </a:lvl1pPr>
+            <a:lvl2pPr algn="l" rtl="0" eaLnBrk="1" fontAlgn="base" hangingPunct="1">
+              <a:lnSpc>
+                <a:spcPct val="90000"/>
+              </a:lnSpc>
+              <a:spcBef>
+                <a:spcPct val="0"/>
+              </a:spcBef>
+              <a:spcAft>
+                <a:spcPct val="0"/>
+              </a:spcAft>
+              <a:defRPr sz="2220">
+                <a:solidFill>
+                  <a:srgbClr val="191919"/>
+                </a:solidFill>
+                <a:latin typeface="IBM Plex Sans" pitchFamily="34" charset="0"/>
+              </a:defRPr>
+            </a:lvl2pPr>
+            <a:lvl3pPr algn="l" rtl="0" eaLnBrk="1" fontAlgn="base" hangingPunct="1">
+              <a:lnSpc>
+                <a:spcPct val="90000"/>
+              </a:lnSpc>
+              <a:spcBef>
+                <a:spcPct val="0"/>
+              </a:spcBef>
+              <a:spcAft>
+                <a:spcPct val="0"/>
+              </a:spcAft>
+              <a:defRPr sz="2220">
+                <a:solidFill>
+                  <a:srgbClr val="191919"/>
+                </a:solidFill>
+                <a:latin typeface="IBM Plex Sans" pitchFamily="34" charset="0"/>
+              </a:defRPr>
+            </a:lvl3pPr>
+            <a:lvl4pPr algn="l" rtl="0" eaLnBrk="1" fontAlgn="base" hangingPunct="1">
+              <a:lnSpc>
+                <a:spcPct val="90000"/>
+              </a:lnSpc>
+              <a:spcBef>
+                <a:spcPct val="0"/>
+              </a:spcBef>
+              <a:spcAft>
+                <a:spcPct val="0"/>
+              </a:spcAft>
+              <a:defRPr sz="2220">
+                <a:solidFill>
+                  <a:srgbClr val="191919"/>
+                </a:solidFill>
+                <a:latin typeface="IBM Plex Sans" pitchFamily="34" charset="0"/>
+              </a:defRPr>
+            </a:lvl4pPr>
+            <a:lvl5pPr algn="l" rtl="0" eaLnBrk="1" fontAlgn="base" hangingPunct="1">
+              <a:lnSpc>
+                <a:spcPct val="90000"/>
+              </a:lnSpc>
+              <a:spcBef>
+                <a:spcPct val="0"/>
+              </a:spcBef>
+              <a:spcAft>
+                <a:spcPct val="0"/>
+              </a:spcAft>
+              <a:defRPr sz="2220">
+                <a:solidFill>
+                  <a:srgbClr val="191919"/>
+                </a:solidFill>
+                <a:latin typeface="IBM Plex Sans" pitchFamily="34" charset="0"/>
+              </a:defRPr>
+            </a:lvl5pPr>
+            <a:lvl6pPr marL="362568" algn="l" rtl="0" eaLnBrk="1" fontAlgn="base" hangingPunct="1">
+              <a:lnSpc>
+                <a:spcPct val="90000"/>
+              </a:lnSpc>
+              <a:spcBef>
+                <a:spcPct val="0"/>
+              </a:spcBef>
+              <a:spcAft>
+                <a:spcPct val="0"/>
+              </a:spcAft>
+              <a:defRPr sz="2220">
+                <a:solidFill>
+                  <a:srgbClr val="191919"/>
+                </a:solidFill>
+                <a:latin typeface="IBM Plex Sans" pitchFamily="34" charset="0"/>
+              </a:defRPr>
+            </a:lvl6pPr>
+            <a:lvl7pPr marL="725139" algn="l" rtl="0" eaLnBrk="1" fontAlgn="base" hangingPunct="1">
+              <a:lnSpc>
+                <a:spcPct val="90000"/>
+              </a:lnSpc>
+              <a:spcBef>
+                <a:spcPct val="0"/>
+              </a:spcBef>
+              <a:spcAft>
+                <a:spcPct val="0"/>
+              </a:spcAft>
+              <a:defRPr sz="2220">
+                <a:solidFill>
+                  <a:srgbClr val="191919"/>
+                </a:solidFill>
+                <a:latin typeface="IBM Plex Sans" pitchFamily="34" charset="0"/>
+              </a:defRPr>
+            </a:lvl7pPr>
+            <a:lvl8pPr marL="1087707" algn="l" rtl="0" eaLnBrk="1" fontAlgn="base" hangingPunct="1">
+              <a:lnSpc>
+                <a:spcPct val="90000"/>
+              </a:lnSpc>
+              <a:spcBef>
+                <a:spcPct val="0"/>
+              </a:spcBef>
+              <a:spcAft>
+                <a:spcPct val="0"/>
+              </a:spcAft>
+              <a:defRPr sz="2220">
+                <a:solidFill>
+                  <a:srgbClr val="191919"/>
+                </a:solidFill>
+                <a:latin typeface="IBM Plex Sans" pitchFamily="34" charset="0"/>
+              </a:defRPr>
+            </a:lvl8pPr>
+            <a:lvl9pPr marL="1450276" algn="l" rtl="0" eaLnBrk="1" fontAlgn="base" hangingPunct="1">
+              <a:lnSpc>
+                <a:spcPct val="90000"/>
+              </a:lnSpc>
+              <a:spcBef>
+                <a:spcPct val="0"/>
+              </a:spcBef>
+              <a:spcAft>
+                <a:spcPct val="0"/>
+              </a:spcAft>
+              <a:defRPr sz="2220">
+                <a:solidFill>
+                  <a:srgbClr val="191919"/>
+                </a:solidFill>
+                <a:latin typeface="IBM Plex Sans" pitchFamily="34" charset="0"/>
+              </a:defRPr>
+            </a:lvl9pPr>
+          </a:lstStyle>
+          <a:p>
+            <a:pPr defTabSz="914400"/>
+            <a:r>
+              <a:rPr lang="en-US" sz="1200" kern="0" dirty="0">
+                <a:solidFill>
+                  <a:schemeClr val="tx1"/>
+                </a:solidFill>
+              </a:rPr>
+              <a:t>New 5G networks will have to</a:t>
+            </a:r>
+          </a:p>
+        </p:txBody>
+      </p:sp>
+      <p:sp>
+        <p:nvSpPr>
+          <p:cNvPr id="15" name="Text Placeholder">
+            <a:extLst>
+              <a:ext uri="{FF2B5EF4-FFF2-40B4-BE49-F238E27FC236}">
+                <a16:creationId xmlns:a16="http://schemas.microsoft.com/office/drawing/2014/main" id="{7E35D6A1-7422-B3CC-CFAB-0ABF8CEB7BE4}"/>
+              </a:ext>
+            </a:extLst>
+          </p:cNvPr>
+          <p:cNvSpPr txBox="1">
+            <a:spLocks/>
+          </p:cNvSpPr>
+          <p:nvPr/>
+        </p:nvSpPr>
+        <p:spPr>
+          <a:xfrm>
+            <a:off x="6984228" y="1694456"/>
+            <a:ext cx="4757421" cy="2106982"/>
+          </a:xfrm>
+          <a:prstGeom prst="rect">
+            <a:avLst/>
+          </a:prstGeom>
+        </p:spPr>
+        <p:txBody>
+          <a:bodyPr vert="horz" lIns="0" tIns="0" rIns="0" bIns="0" rtlCol="0">
+            <a:noAutofit/>
+          </a:bodyPr>
+          <a:lstStyle>
+            <a:lvl1pPr marL="0" indent="0" algn="l" rtl="0" eaLnBrk="1" fontAlgn="base" hangingPunct="1">
+              <a:lnSpc>
+                <a:spcPct val="90000"/>
+              </a:lnSpc>
+              <a:spcBef>
+                <a:spcPts val="1100"/>
+              </a:spcBef>
+              <a:spcAft>
+                <a:spcPct val="0"/>
+              </a:spcAft>
+              <a:buClr>
+                <a:srgbClr val="6D6E70"/>
+              </a:buClr>
+              <a:buSzPct val="90000"/>
+              <a:buFont typeface="IBM Plex Sans" pitchFamily="2" charset="2"/>
+              <a:buNone/>
+              <a:defRPr sz="9600" b="1" i="0">
+                <a:solidFill>
+                  <a:schemeClr val="bg1"/>
+                </a:solidFill>
+                <a:latin typeface="IBM Plex Sans" panose="020B0503050203000203" pitchFamily="34" charset="0"/>
+                <a:ea typeface="IBM Plex Sans" panose="020B0503050203000203" pitchFamily="34" charset="0"/>
+                <a:cs typeface="IBM Plex Sans" panose="020B0503050203000203" pitchFamily="34" charset="0"/>
+              </a:defRPr>
+            </a:lvl1pPr>
+            <a:lvl2pPr marL="171452" indent="-173736" algn="l" rtl="0" eaLnBrk="1" fontAlgn="base" hangingPunct="1">
+              <a:lnSpc>
+                <a:spcPct val="100000"/>
+              </a:lnSpc>
+              <a:spcBef>
+                <a:spcPts val="1100"/>
+              </a:spcBef>
+              <a:spcAft>
+                <a:spcPct val="0"/>
+              </a:spcAft>
+              <a:buClr>
+                <a:schemeClr val="bg1"/>
+              </a:buClr>
+              <a:buSzPct val="100000"/>
+              <a:buFont typeface="IBM Plex Sans" charset="-120"/>
+              <a:buChar char="–"/>
+              <a:tabLst/>
+              <a:defRPr sz="1400">
+                <a:solidFill>
+                  <a:schemeClr val="bg1"/>
+                </a:solidFill>
+                <a:latin typeface="IBM Plex Sans" panose="020B0503050203000203" pitchFamily="34" charset="0"/>
+                <a:ea typeface="IBM Plex Sans" panose="020B0503050203000203" pitchFamily="34" charset="0"/>
+                <a:cs typeface="IBM Plex Sans" panose="020B0503050203000203" pitchFamily="34" charset="0"/>
+              </a:defRPr>
+            </a:lvl2pPr>
+            <a:lvl3pPr marL="342905" indent="-173736" algn="l" rtl="0" eaLnBrk="1" fontAlgn="base" hangingPunct="1">
+              <a:lnSpc>
+                <a:spcPct val="100000"/>
+              </a:lnSpc>
+              <a:spcBef>
+                <a:spcPts val="1100"/>
+              </a:spcBef>
+              <a:spcAft>
+                <a:spcPct val="0"/>
+              </a:spcAft>
+              <a:buClr>
+                <a:schemeClr val="bg1"/>
+              </a:buClr>
+              <a:buSzPct val="100000"/>
+              <a:buFont typeface="Arial" panose="020B0604020202020204" pitchFamily="34" charset="0"/>
+              <a:buChar char="•"/>
+              <a:tabLst/>
+              <a:defRPr sz="1400">
+                <a:solidFill>
+                  <a:schemeClr val="bg1"/>
+                </a:solidFill>
+                <a:latin typeface="IBM Plex Sans" panose="020B0503050203000203" pitchFamily="34" charset="0"/>
+                <a:ea typeface="IBM Plex Sans" panose="020B0503050203000203" pitchFamily="34" charset="0"/>
+                <a:cs typeface="IBM Plex Sans" panose="020B0503050203000203" pitchFamily="34" charset="0"/>
+              </a:defRPr>
+            </a:lvl3pPr>
+            <a:lvl4pPr marL="628658" indent="-173736" algn="l" rtl="0" eaLnBrk="1" fontAlgn="base" hangingPunct="1">
+              <a:lnSpc>
+                <a:spcPct val="100000"/>
+              </a:lnSpc>
+              <a:spcBef>
+                <a:spcPts val="1100"/>
+              </a:spcBef>
+              <a:spcAft>
+                <a:spcPct val="0"/>
+              </a:spcAft>
+              <a:buClr>
+                <a:schemeClr val="bg1"/>
+              </a:buClr>
+              <a:buSzPct val="100000"/>
+              <a:buFont typeface="IBM Plex Sans" charset="-120"/>
+              <a:buChar char="–"/>
+              <a:tabLst/>
+              <a:defRPr sz="1400" baseline="0">
+                <a:solidFill>
+                  <a:schemeClr val="bg1"/>
+                </a:solidFill>
+                <a:latin typeface="IBM Plex Sans" panose="020B0503050203000203" pitchFamily="34" charset="0"/>
+                <a:ea typeface="IBM Plex Sans" panose="020B0503050203000203" pitchFamily="34" charset="0"/>
+                <a:cs typeface="IBM Plex Sans" panose="020B0503050203000203" pitchFamily="34" charset="0"/>
+              </a:defRPr>
+            </a:lvl4pPr>
+            <a:lvl5pPr marL="803285" indent="-173736" algn="l" rtl="0" eaLnBrk="1" fontAlgn="base" hangingPunct="1">
+              <a:lnSpc>
+                <a:spcPct val="100000"/>
+              </a:lnSpc>
+              <a:spcBef>
+                <a:spcPts val="1100"/>
+              </a:spcBef>
+              <a:spcAft>
+                <a:spcPct val="0"/>
+              </a:spcAft>
+              <a:buClr>
+                <a:schemeClr val="bg1"/>
+              </a:buClr>
+              <a:buFont typeface="IBM Plex Sans" charset="-120"/>
+              <a:buChar char="»"/>
+              <a:tabLst/>
+              <a:defRPr sz="1400">
+                <a:solidFill>
+                  <a:schemeClr val="bg1"/>
+                </a:solidFill>
+                <a:latin typeface="IBM Plex Sans" panose="020B0503050203000203" pitchFamily="34" charset="0"/>
+                <a:ea typeface="IBM Plex Sans" panose="020B0503050203000203" pitchFamily="34" charset="0"/>
+                <a:cs typeface="IBM Plex Sans" panose="020B0503050203000203" pitchFamily="34" charset="0"/>
+              </a:defRPr>
+            </a:lvl5pPr>
+            <a:lvl6pPr marL="1583721" indent="-129670" algn="l" rtl="0" eaLnBrk="1" fontAlgn="base" hangingPunct="1">
+              <a:spcBef>
+                <a:spcPct val="20000"/>
+              </a:spcBef>
+              <a:spcAft>
+                <a:spcPct val="0"/>
+              </a:spcAft>
+              <a:buClr>
+                <a:schemeClr val="bg1"/>
+              </a:buClr>
+              <a:buChar char="»"/>
+              <a:defRPr sz="1269">
+                <a:solidFill>
+                  <a:schemeClr val="bg1"/>
+                </a:solidFill>
+                <a:latin typeface="IBM Plex Sans" charset="0"/>
+              </a:defRPr>
+            </a:lvl6pPr>
+            <a:lvl7pPr marL="1946291" indent="-129670" algn="l" rtl="0" eaLnBrk="1" fontAlgn="base" hangingPunct="1">
+              <a:spcBef>
+                <a:spcPct val="20000"/>
+              </a:spcBef>
+              <a:spcAft>
+                <a:spcPct val="0"/>
+              </a:spcAft>
+              <a:buClr>
+                <a:schemeClr val="bg1"/>
+              </a:buClr>
+              <a:buChar char="»"/>
+              <a:defRPr sz="1269">
+                <a:solidFill>
+                  <a:schemeClr val="bg1"/>
+                </a:solidFill>
+                <a:latin typeface="IBM Plex Sans" charset="0"/>
+              </a:defRPr>
+            </a:lvl7pPr>
+            <a:lvl8pPr marL="2308860" indent="-129670" algn="l" rtl="0" eaLnBrk="1" fontAlgn="base" hangingPunct="1">
+              <a:spcBef>
+                <a:spcPct val="20000"/>
+              </a:spcBef>
+              <a:spcAft>
+                <a:spcPct val="0"/>
+              </a:spcAft>
+              <a:buClr>
+                <a:schemeClr val="bg1"/>
+              </a:buClr>
+              <a:buChar char="»"/>
+              <a:defRPr sz="1269">
+                <a:solidFill>
+                  <a:schemeClr val="bg1"/>
+                </a:solidFill>
+                <a:latin typeface="IBM Plex Sans" charset="0"/>
+              </a:defRPr>
+            </a:lvl8pPr>
+            <a:lvl9pPr marL="2671430" indent="-129670" algn="l" rtl="0" eaLnBrk="1" fontAlgn="base" hangingPunct="1">
+              <a:spcBef>
+                <a:spcPct val="20000"/>
+              </a:spcBef>
+              <a:spcAft>
+                <a:spcPct val="0"/>
+              </a:spcAft>
+              <a:buClr>
+                <a:schemeClr val="bg1"/>
+              </a:buClr>
+              <a:buChar char="»"/>
+              <a:defRPr sz="1269">
+                <a:solidFill>
+                  <a:schemeClr val="bg1"/>
+                </a:solidFill>
+                <a:latin typeface="IBM Plex Sans" charset="0"/>
+              </a:defRPr>
+            </a:lvl9pPr>
+          </a:lstStyle>
+          <a:p>
+            <a:pPr defTabSz="914400"/>
+            <a:r>
+              <a:rPr lang="en-US" sz="1600" kern="0" dirty="0">
+                <a:solidFill>
+                  <a:schemeClr val="tx1"/>
+                </a:solidFill>
+              </a:rPr>
+              <a:t>Be based on Virtual Network Functions (VNF)</a:t>
+            </a:r>
+            <a:r>
+              <a:rPr lang="en-US" sz="1600" kern="0" baseline="30000" dirty="0">
+                <a:solidFill>
+                  <a:schemeClr val="tx1"/>
+                </a:solidFill>
+              </a:rPr>
+              <a:t>2</a:t>
+            </a:r>
+            <a:r>
+              <a:rPr lang="en-US" sz="1600" kern="0" dirty="0">
+                <a:solidFill>
+                  <a:schemeClr val="tx1"/>
+                </a:solidFill>
+              </a:rPr>
+              <a:t> over a Network Function Virtualization (NFV)</a:t>
+            </a:r>
+            <a:r>
+              <a:rPr lang="en-US" sz="1600" kern="0" baseline="30000" dirty="0">
+                <a:solidFill>
+                  <a:schemeClr val="tx1"/>
+                </a:solidFill>
+              </a:rPr>
+              <a:t>3</a:t>
+            </a:r>
+            <a:r>
+              <a:rPr lang="en-US" sz="1600" kern="0" dirty="0">
+                <a:solidFill>
+                  <a:schemeClr val="tx1"/>
+                </a:solidFill>
+              </a:rPr>
+              <a:t> topology </a:t>
+            </a:r>
+          </a:p>
+          <a:p>
+            <a:pPr defTabSz="914400"/>
+            <a:r>
+              <a:rPr lang="en-US" sz="1600" kern="0" dirty="0">
+                <a:solidFill>
+                  <a:schemeClr val="tx1"/>
+                </a:solidFill>
+              </a:rPr>
+              <a:t>Use Machine Learning (ML) and other predictive tools</a:t>
+            </a:r>
+          </a:p>
+          <a:p>
+            <a:pPr defTabSz="914400"/>
+            <a:endParaRPr lang="en-US" sz="1600" kern="0" dirty="0">
+              <a:solidFill>
+                <a:schemeClr val="tx1"/>
+              </a:solidFill>
+            </a:endParaRPr>
+          </a:p>
+        </p:txBody>
+      </p:sp>
+      <p:sp>
+        <p:nvSpPr>
+          <p:cNvPr id="16" name="Text Placeholder">
+            <a:extLst>
+              <a:ext uri="{FF2B5EF4-FFF2-40B4-BE49-F238E27FC236}">
+                <a16:creationId xmlns:a16="http://schemas.microsoft.com/office/drawing/2014/main" id="{7C8CD687-744C-E231-6C10-FD4199DA6307}"/>
+              </a:ext>
+            </a:extLst>
+          </p:cNvPr>
+          <p:cNvSpPr txBox="1">
+            <a:spLocks/>
+          </p:cNvSpPr>
+          <p:nvPr/>
+        </p:nvSpPr>
+        <p:spPr>
+          <a:xfrm>
+            <a:off x="739252" y="1981212"/>
+            <a:ext cx="4757421" cy="184520"/>
+          </a:xfrm>
+          <a:prstGeom prst="rect">
+            <a:avLst/>
+          </a:prstGeom>
+        </p:spPr>
+        <p:txBody>
+          <a:bodyPr vert="horz" lIns="0" tIns="0" rIns="0" bIns="0" rtlCol="0">
+            <a:noAutofit/>
+          </a:bodyPr>
+          <a:lstStyle>
+            <a:lvl1pPr marL="0" indent="0" algn="l" rtl="0" eaLnBrk="1" fontAlgn="base" hangingPunct="1">
+              <a:lnSpc>
+                <a:spcPct val="90000"/>
+              </a:lnSpc>
+              <a:spcBef>
+                <a:spcPts val="1100"/>
+              </a:spcBef>
+              <a:spcAft>
+                <a:spcPct val="0"/>
+              </a:spcAft>
+              <a:buClr>
+                <a:srgbClr val="6D6E70"/>
+              </a:buClr>
+              <a:buSzPct val="90000"/>
+              <a:buFont typeface="IBM Plex Sans" pitchFamily="2" charset="2"/>
+              <a:buNone/>
+              <a:defRPr sz="9600" b="1" i="0">
+                <a:solidFill>
+                  <a:schemeClr val="bg1"/>
+                </a:solidFill>
+                <a:latin typeface="IBM Plex Sans" panose="020B0503050203000203" pitchFamily="34" charset="0"/>
+                <a:ea typeface="IBM Plex Sans" panose="020B0503050203000203" pitchFamily="34" charset="0"/>
+                <a:cs typeface="IBM Plex Sans" panose="020B0503050203000203" pitchFamily="34" charset="0"/>
+              </a:defRPr>
+            </a:lvl1pPr>
+            <a:lvl2pPr marL="171452" indent="-173736" algn="l" rtl="0" eaLnBrk="1" fontAlgn="base" hangingPunct="1">
+              <a:lnSpc>
+                <a:spcPct val="100000"/>
+              </a:lnSpc>
+              <a:spcBef>
+                <a:spcPts val="1100"/>
+              </a:spcBef>
+              <a:spcAft>
+                <a:spcPct val="0"/>
+              </a:spcAft>
+              <a:buClr>
+                <a:schemeClr val="bg1"/>
+              </a:buClr>
+              <a:buSzPct val="100000"/>
+              <a:buFont typeface="IBM Plex Sans" charset="-120"/>
+              <a:buChar char="–"/>
+              <a:tabLst/>
+              <a:defRPr sz="1400">
+                <a:solidFill>
+                  <a:schemeClr val="bg1"/>
+                </a:solidFill>
+                <a:latin typeface="IBM Plex Sans" panose="020B0503050203000203" pitchFamily="34" charset="0"/>
+                <a:ea typeface="IBM Plex Sans" panose="020B0503050203000203" pitchFamily="34" charset="0"/>
+                <a:cs typeface="IBM Plex Sans" panose="020B0503050203000203" pitchFamily="34" charset="0"/>
+              </a:defRPr>
+            </a:lvl2pPr>
+            <a:lvl3pPr marL="342905" indent="-173736" algn="l" rtl="0" eaLnBrk="1" fontAlgn="base" hangingPunct="1">
+              <a:lnSpc>
+                <a:spcPct val="100000"/>
+              </a:lnSpc>
+              <a:spcBef>
+                <a:spcPts val="1100"/>
+              </a:spcBef>
+              <a:spcAft>
+                <a:spcPct val="0"/>
+              </a:spcAft>
+              <a:buClr>
+                <a:schemeClr val="bg1"/>
+              </a:buClr>
+              <a:buSzPct val="100000"/>
+              <a:buFont typeface="Arial" panose="020B0604020202020204" pitchFamily="34" charset="0"/>
+              <a:buChar char="•"/>
+              <a:tabLst/>
+              <a:defRPr sz="1400">
+                <a:solidFill>
+                  <a:schemeClr val="bg1"/>
+                </a:solidFill>
+                <a:latin typeface="IBM Plex Sans" panose="020B0503050203000203" pitchFamily="34" charset="0"/>
+                <a:ea typeface="IBM Plex Sans" panose="020B0503050203000203" pitchFamily="34" charset="0"/>
+                <a:cs typeface="IBM Plex Sans" panose="020B0503050203000203" pitchFamily="34" charset="0"/>
+              </a:defRPr>
+            </a:lvl3pPr>
+            <a:lvl4pPr marL="628658" indent="-173736" algn="l" rtl="0" eaLnBrk="1" fontAlgn="base" hangingPunct="1">
+              <a:lnSpc>
+                <a:spcPct val="100000"/>
+              </a:lnSpc>
+              <a:spcBef>
+                <a:spcPts val="1100"/>
+              </a:spcBef>
+              <a:spcAft>
+                <a:spcPct val="0"/>
+              </a:spcAft>
+              <a:buClr>
+                <a:schemeClr val="bg1"/>
+              </a:buClr>
+              <a:buSzPct val="100000"/>
+              <a:buFont typeface="IBM Plex Sans" charset="-120"/>
+              <a:buChar char="–"/>
+              <a:tabLst/>
+              <a:defRPr sz="1400" baseline="0">
+                <a:solidFill>
+                  <a:schemeClr val="bg1"/>
+                </a:solidFill>
+                <a:latin typeface="IBM Plex Sans" panose="020B0503050203000203" pitchFamily="34" charset="0"/>
+                <a:ea typeface="IBM Plex Sans" panose="020B0503050203000203" pitchFamily="34" charset="0"/>
+                <a:cs typeface="IBM Plex Sans" panose="020B0503050203000203" pitchFamily="34" charset="0"/>
+              </a:defRPr>
+            </a:lvl4pPr>
+            <a:lvl5pPr marL="803285" indent="-173736" algn="l" rtl="0" eaLnBrk="1" fontAlgn="base" hangingPunct="1">
+              <a:lnSpc>
+                <a:spcPct val="100000"/>
+              </a:lnSpc>
+              <a:spcBef>
+                <a:spcPts val="1100"/>
+              </a:spcBef>
+              <a:spcAft>
+                <a:spcPct val="0"/>
+              </a:spcAft>
+              <a:buClr>
+                <a:schemeClr val="bg1"/>
+              </a:buClr>
+              <a:buFont typeface="IBM Plex Sans" charset="-120"/>
+              <a:buChar char="»"/>
+              <a:tabLst/>
+              <a:defRPr sz="1400">
+                <a:solidFill>
+                  <a:schemeClr val="bg1"/>
+                </a:solidFill>
+                <a:latin typeface="IBM Plex Sans" panose="020B0503050203000203" pitchFamily="34" charset="0"/>
+                <a:ea typeface="IBM Plex Sans" panose="020B0503050203000203" pitchFamily="34" charset="0"/>
+                <a:cs typeface="IBM Plex Sans" panose="020B0503050203000203" pitchFamily="34" charset="0"/>
+              </a:defRPr>
+            </a:lvl5pPr>
+            <a:lvl6pPr marL="1583721" indent="-129670" algn="l" rtl="0" eaLnBrk="1" fontAlgn="base" hangingPunct="1">
+              <a:spcBef>
+                <a:spcPct val="20000"/>
+              </a:spcBef>
+              <a:spcAft>
+                <a:spcPct val="0"/>
+              </a:spcAft>
+              <a:buClr>
+                <a:schemeClr val="bg1"/>
+              </a:buClr>
+              <a:buChar char="»"/>
+              <a:defRPr sz="1269">
+                <a:solidFill>
+                  <a:schemeClr val="bg1"/>
+                </a:solidFill>
+                <a:latin typeface="IBM Plex Sans" charset="0"/>
+              </a:defRPr>
+            </a:lvl6pPr>
+            <a:lvl7pPr marL="1946291" indent="-129670" algn="l" rtl="0" eaLnBrk="1" fontAlgn="base" hangingPunct="1">
+              <a:spcBef>
+                <a:spcPct val="20000"/>
+              </a:spcBef>
+              <a:spcAft>
+                <a:spcPct val="0"/>
+              </a:spcAft>
+              <a:buClr>
+                <a:schemeClr val="bg1"/>
+              </a:buClr>
+              <a:buChar char="»"/>
+              <a:defRPr sz="1269">
+                <a:solidFill>
+                  <a:schemeClr val="bg1"/>
+                </a:solidFill>
+                <a:latin typeface="IBM Plex Sans" charset="0"/>
+              </a:defRPr>
+            </a:lvl7pPr>
+            <a:lvl8pPr marL="2308860" indent="-129670" algn="l" rtl="0" eaLnBrk="1" fontAlgn="base" hangingPunct="1">
+              <a:spcBef>
+                <a:spcPct val="20000"/>
+              </a:spcBef>
+              <a:spcAft>
+                <a:spcPct val="0"/>
+              </a:spcAft>
+              <a:buClr>
+                <a:schemeClr val="bg1"/>
+              </a:buClr>
+              <a:buChar char="»"/>
+              <a:defRPr sz="1269">
+                <a:solidFill>
+                  <a:schemeClr val="bg1"/>
+                </a:solidFill>
+                <a:latin typeface="IBM Plex Sans" charset="0"/>
+              </a:defRPr>
+            </a:lvl8pPr>
+            <a:lvl9pPr marL="2671430" indent="-129670" algn="l" rtl="0" eaLnBrk="1" fontAlgn="base" hangingPunct="1">
+              <a:spcBef>
+                <a:spcPct val="20000"/>
+              </a:spcBef>
+              <a:spcAft>
+                <a:spcPct val="0"/>
+              </a:spcAft>
+              <a:buClr>
+                <a:schemeClr val="bg1"/>
+              </a:buClr>
+              <a:buChar char="»"/>
+              <a:defRPr sz="1269">
+                <a:solidFill>
+                  <a:schemeClr val="bg1"/>
+                </a:solidFill>
+                <a:latin typeface="IBM Plex Sans" charset="0"/>
+              </a:defRPr>
+            </a:lvl9pPr>
+          </a:lstStyle>
+          <a:p>
+            <a:pPr defTabSz="914400"/>
+            <a:r>
+              <a:rPr lang="en-US" sz="1600" kern="0" dirty="0">
+                <a:solidFill>
+                  <a:schemeClr val="tx1"/>
+                </a:solidFill>
+              </a:rPr>
+              <a:t>Optimize network operability</a:t>
+            </a:r>
+          </a:p>
+        </p:txBody>
+      </p:sp>
+      <p:sp>
+        <p:nvSpPr>
+          <p:cNvPr id="17" name="Text Placeholder">
+            <a:extLst>
+              <a:ext uri="{FF2B5EF4-FFF2-40B4-BE49-F238E27FC236}">
+                <a16:creationId xmlns:a16="http://schemas.microsoft.com/office/drawing/2014/main" id="{6E25DB23-83D2-02B9-6180-AD3269ED96DA}"/>
+              </a:ext>
+            </a:extLst>
+          </p:cNvPr>
+          <p:cNvSpPr txBox="1">
+            <a:spLocks/>
+          </p:cNvSpPr>
+          <p:nvPr/>
+        </p:nvSpPr>
+        <p:spPr>
+          <a:xfrm>
+            <a:off x="739251" y="2274431"/>
+            <a:ext cx="4757421" cy="263177"/>
+          </a:xfrm>
+          <a:prstGeom prst="rect">
+            <a:avLst/>
+          </a:prstGeom>
+        </p:spPr>
+        <p:txBody>
+          <a:bodyPr vert="horz" lIns="0" tIns="0" rIns="0" bIns="0" rtlCol="0">
+            <a:noAutofit/>
+          </a:bodyPr>
+          <a:lstStyle>
+            <a:lvl1pPr marL="0" indent="0" algn="l" rtl="0" eaLnBrk="1" fontAlgn="base" hangingPunct="1">
+              <a:lnSpc>
+                <a:spcPct val="90000"/>
+              </a:lnSpc>
+              <a:spcBef>
+                <a:spcPts val="1100"/>
+              </a:spcBef>
+              <a:spcAft>
+                <a:spcPct val="0"/>
+              </a:spcAft>
+              <a:buClr>
+                <a:srgbClr val="6D6E70"/>
+              </a:buClr>
+              <a:buSzPct val="90000"/>
+              <a:buFont typeface="IBM Plex Sans" pitchFamily="2" charset="2"/>
+              <a:buNone/>
+              <a:defRPr sz="9600" b="1" i="0">
+                <a:solidFill>
+                  <a:schemeClr val="bg1"/>
+                </a:solidFill>
+                <a:latin typeface="IBM Plex Sans" panose="020B0503050203000203" pitchFamily="34" charset="0"/>
+                <a:ea typeface="IBM Plex Sans" panose="020B0503050203000203" pitchFamily="34" charset="0"/>
+                <a:cs typeface="IBM Plex Sans" panose="020B0503050203000203" pitchFamily="34" charset="0"/>
+              </a:defRPr>
+            </a:lvl1pPr>
+            <a:lvl2pPr marL="171452" indent="-173736" algn="l" rtl="0" eaLnBrk="1" fontAlgn="base" hangingPunct="1">
+              <a:lnSpc>
+                <a:spcPct val="100000"/>
+              </a:lnSpc>
+              <a:spcBef>
+                <a:spcPts val="1100"/>
+              </a:spcBef>
+              <a:spcAft>
+                <a:spcPct val="0"/>
+              </a:spcAft>
+              <a:buClr>
+                <a:schemeClr val="bg1"/>
+              </a:buClr>
+              <a:buSzPct val="100000"/>
+              <a:buFont typeface="IBM Plex Sans" charset="-120"/>
+              <a:buChar char="–"/>
+              <a:tabLst/>
+              <a:defRPr sz="1400">
+                <a:solidFill>
+                  <a:schemeClr val="bg1"/>
+                </a:solidFill>
+                <a:latin typeface="IBM Plex Sans" panose="020B0503050203000203" pitchFamily="34" charset="0"/>
+                <a:ea typeface="IBM Plex Sans" panose="020B0503050203000203" pitchFamily="34" charset="0"/>
+                <a:cs typeface="IBM Plex Sans" panose="020B0503050203000203" pitchFamily="34" charset="0"/>
+              </a:defRPr>
+            </a:lvl2pPr>
+            <a:lvl3pPr marL="342905" indent="-173736" algn="l" rtl="0" eaLnBrk="1" fontAlgn="base" hangingPunct="1">
+              <a:lnSpc>
+                <a:spcPct val="100000"/>
+              </a:lnSpc>
+              <a:spcBef>
+                <a:spcPts val="1100"/>
+              </a:spcBef>
+              <a:spcAft>
+                <a:spcPct val="0"/>
+              </a:spcAft>
+              <a:buClr>
+                <a:schemeClr val="bg1"/>
+              </a:buClr>
+              <a:buSzPct val="100000"/>
+              <a:buFont typeface="Arial" panose="020B0604020202020204" pitchFamily="34" charset="0"/>
+              <a:buChar char="•"/>
+              <a:tabLst/>
+              <a:defRPr sz="1400">
+                <a:solidFill>
+                  <a:schemeClr val="bg1"/>
+                </a:solidFill>
+                <a:latin typeface="IBM Plex Sans" panose="020B0503050203000203" pitchFamily="34" charset="0"/>
+                <a:ea typeface="IBM Plex Sans" panose="020B0503050203000203" pitchFamily="34" charset="0"/>
+                <a:cs typeface="IBM Plex Sans" panose="020B0503050203000203" pitchFamily="34" charset="0"/>
+              </a:defRPr>
+            </a:lvl3pPr>
+            <a:lvl4pPr marL="628658" indent="-173736" algn="l" rtl="0" eaLnBrk="1" fontAlgn="base" hangingPunct="1">
+              <a:lnSpc>
+                <a:spcPct val="100000"/>
+              </a:lnSpc>
+              <a:spcBef>
+                <a:spcPts val="1100"/>
+              </a:spcBef>
+              <a:spcAft>
+                <a:spcPct val="0"/>
+              </a:spcAft>
+              <a:buClr>
+                <a:schemeClr val="bg1"/>
+              </a:buClr>
+              <a:buSzPct val="100000"/>
+              <a:buFont typeface="IBM Plex Sans" charset="-120"/>
+              <a:buChar char="–"/>
+              <a:tabLst/>
+              <a:defRPr sz="1400" baseline="0">
+                <a:solidFill>
+                  <a:schemeClr val="bg1"/>
+                </a:solidFill>
+                <a:latin typeface="IBM Plex Sans" panose="020B0503050203000203" pitchFamily="34" charset="0"/>
+                <a:ea typeface="IBM Plex Sans" panose="020B0503050203000203" pitchFamily="34" charset="0"/>
+                <a:cs typeface="IBM Plex Sans" panose="020B0503050203000203" pitchFamily="34" charset="0"/>
+              </a:defRPr>
+            </a:lvl4pPr>
+            <a:lvl5pPr marL="803285" indent="-173736" algn="l" rtl="0" eaLnBrk="1" fontAlgn="base" hangingPunct="1">
+              <a:lnSpc>
+                <a:spcPct val="100000"/>
+              </a:lnSpc>
+              <a:spcBef>
+                <a:spcPts val="1100"/>
+              </a:spcBef>
+              <a:spcAft>
+                <a:spcPct val="0"/>
+              </a:spcAft>
+              <a:buClr>
+                <a:schemeClr val="bg1"/>
+              </a:buClr>
+              <a:buFont typeface="IBM Plex Sans" charset="-120"/>
+              <a:buChar char="»"/>
+              <a:tabLst/>
+              <a:defRPr sz="1400">
+                <a:solidFill>
+                  <a:schemeClr val="bg1"/>
+                </a:solidFill>
+                <a:latin typeface="IBM Plex Sans" panose="020B0503050203000203" pitchFamily="34" charset="0"/>
+                <a:ea typeface="IBM Plex Sans" panose="020B0503050203000203" pitchFamily="34" charset="0"/>
+                <a:cs typeface="IBM Plex Sans" panose="020B0503050203000203" pitchFamily="34" charset="0"/>
+              </a:defRPr>
+            </a:lvl5pPr>
+            <a:lvl6pPr marL="1583721" indent="-129670" algn="l" rtl="0" eaLnBrk="1" fontAlgn="base" hangingPunct="1">
+              <a:spcBef>
+                <a:spcPct val="20000"/>
+              </a:spcBef>
+              <a:spcAft>
+                <a:spcPct val="0"/>
+              </a:spcAft>
+              <a:buClr>
+                <a:schemeClr val="bg1"/>
+              </a:buClr>
+              <a:buChar char="»"/>
+              <a:defRPr sz="1269">
+                <a:solidFill>
+                  <a:schemeClr val="bg1"/>
+                </a:solidFill>
+                <a:latin typeface="IBM Plex Sans" charset="0"/>
+              </a:defRPr>
+            </a:lvl6pPr>
+            <a:lvl7pPr marL="1946291" indent="-129670" algn="l" rtl="0" eaLnBrk="1" fontAlgn="base" hangingPunct="1">
+              <a:spcBef>
+                <a:spcPct val="20000"/>
+              </a:spcBef>
+              <a:spcAft>
+                <a:spcPct val="0"/>
+              </a:spcAft>
+              <a:buClr>
+                <a:schemeClr val="bg1"/>
+              </a:buClr>
+              <a:buChar char="»"/>
+              <a:defRPr sz="1269">
+                <a:solidFill>
+                  <a:schemeClr val="bg1"/>
+                </a:solidFill>
+                <a:latin typeface="IBM Plex Sans" charset="0"/>
+              </a:defRPr>
+            </a:lvl7pPr>
+            <a:lvl8pPr marL="2308860" indent="-129670" algn="l" rtl="0" eaLnBrk="1" fontAlgn="base" hangingPunct="1">
+              <a:spcBef>
+                <a:spcPct val="20000"/>
+              </a:spcBef>
+              <a:spcAft>
+                <a:spcPct val="0"/>
+              </a:spcAft>
+              <a:buClr>
+                <a:schemeClr val="bg1"/>
+              </a:buClr>
+              <a:buChar char="»"/>
+              <a:defRPr sz="1269">
+                <a:solidFill>
+                  <a:schemeClr val="bg1"/>
+                </a:solidFill>
+                <a:latin typeface="IBM Plex Sans" charset="0"/>
+              </a:defRPr>
+            </a:lvl8pPr>
+            <a:lvl9pPr marL="2671430" indent="-129670" algn="l" rtl="0" eaLnBrk="1" fontAlgn="base" hangingPunct="1">
+              <a:spcBef>
+                <a:spcPct val="20000"/>
+              </a:spcBef>
+              <a:spcAft>
+                <a:spcPct val="0"/>
+              </a:spcAft>
+              <a:buClr>
+                <a:schemeClr val="bg1"/>
+              </a:buClr>
+              <a:buChar char="»"/>
+              <a:defRPr sz="1269">
+                <a:solidFill>
+                  <a:schemeClr val="bg1"/>
+                </a:solidFill>
+                <a:latin typeface="IBM Plex Sans" charset="0"/>
+              </a:defRPr>
+            </a:lvl9pPr>
+          </a:lstStyle>
+          <a:p>
+            <a:pPr defTabSz="914400"/>
+            <a:r>
+              <a:rPr lang="en-US" sz="1600" kern="0" dirty="0">
+                <a:solidFill>
+                  <a:schemeClr val="tx1"/>
+                </a:solidFill>
+              </a:rPr>
+              <a:t>Reach 5G QoS/</a:t>
+            </a:r>
+            <a:r>
+              <a:rPr lang="en-US" sz="1600" kern="0" dirty="0" err="1">
+                <a:solidFill>
+                  <a:schemeClr val="tx1"/>
+                </a:solidFill>
+              </a:rPr>
+              <a:t>QoE</a:t>
+            </a:r>
+            <a:r>
+              <a:rPr lang="en-US" sz="1600" kern="0" dirty="0">
+                <a:solidFill>
+                  <a:schemeClr val="tx1"/>
+                </a:solidFill>
+              </a:rPr>
+              <a:t> metrics</a:t>
+            </a:r>
+            <a:r>
+              <a:rPr lang="en-US" sz="1600" kern="0" baseline="30000" dirty="0">
+                <a:solidFill>
+                  <a:schemeClr val="tx1"/>
+                </a:solidFill>
+              </a:rPr>
+              <a:t>1</a:t>
+            </a:r>
+            <a:endParaRPr lang="en-US" sz="1600" kern="0" dirty="0">
+              <a:solidFill>
+                <a:schemeClr val="tx1"/>
+              </a:solidFill>
+            </a:endParaRPr>
+          </a:p>
+        </p:txBody>
+      </p:sp>
+      <p:sp>
+        <p:nvSpPr>
+          <p:cNvPr id="18" name="Title">
+            <a:extLst>
+              <a:ext uri="{FF2B5EF4-FFF2-40B4-BE49-F238E27FC236}">
+                <a16:creationId xmlns:a16="http://schemas.microsoft.com/office/drawing/2014/main" id="{2DB5D33C-FE6C-B48A-CD2D-32A724B0ACA0}"/>
+              </a:ext>
+            </a:extLst>
+          </p:cNvPr>
+          <p:cNvSpPr txBox="1">
+            <a:spLocks/>
+          </p:cNvSpPr>
+          <p:nvPr/>
+        </p:nvSpPr>
+        <p:spPr>
+          <a:xfrm>
+            <a:off x="739253" y="2537608"/>
+            <a:ext cx="4133088" cy="610017"/>
+          </a:xfrm>
+          <a:prstGeom prst="rect">
+            <a:avLst/>
+          </a:prstGeom>
+        </p:spPr>
+        <p:txBody>
+          <a:bodyPr vert="horz" lIns="0" tIns="0" rIns="0" bIns="0" rtlCol="0" anchor="t">
+            <a:noAutofit/>
+          </a:bodyPr>
+          <a:lstStyle>
+            <a:lvl1pPr algn="l" rtl="0" eaLnBrk="1" fontAlgn="base" hangingPunct="1">
+              <a:lnSpc>
+                <a:spcPct val="90000"/>
+              </a:lnSpc>
+              <a:spcBef>
+                <a:spcPct val="0"/>
+              </a:spcBef>
+              <a:spcAft>
+                <a:spcPct val="0"/>
+              </a:spcAft>
+              <a:defRPr sz="1600" b="0">
+                <a:solidFill>
+                  <a:schemeClr val="bg1"/>
+                </a:solidFill>
+                <a:latin typeface="IBM Plex Sans" panose="020B0503050203000203" pitchFamily="34" charset="0"/>
+                <a:ea typeface="IBM Plex Sans" panose="020B0503050203000203" pitchFamily="34" charset="0"/>
+                <a:cs typeface="IBM Plex Sans" panose="020B0503050203000203" pitchFamily="34" charset="0"/>
+              </a:defRPr>
+            </a:lvl1pPr>
+            <a:lvl2pPr algn="l" rtl="0" eaLnBrk="1" fontAlgn="base" hangingPunct="1">
+              <a:lnSpc>
+                <a:spcPct val="90000"/>
+              </a:lnSpc>
+              <a:spcBef>
+                <a:spcPct val="0"/>
+              </a:spcBef>
+              <a:spcAft>
+                <a:spcPct val="0"/>
+              </a:spcAft>
+              <a:defRPr sz="2220">
+                <a:solidFill>
+                  <a:srgbClr val="191919"/>
+                </a:solidFill>
+                <a:latin typeface="IBM Plex Sans" pitchFamily="34" charset="0"/>
+              </a:defRPr>
+            </a:lvl2pPr>
+            <a:lvl3pPr algn="l" rtl="0" eaLnBrk="1" fontAlgn="base" hangingPunct="1">
+              <a:lnSpc>
+                <a:spcPct val="90000"/>
+              </a:lnSpc>
+              <a:spcBef>
+                <a:spcPct val="0"/>
+              </a:spcBef>
+              <a:spcAft>
+                <a:spcPct val="0"/>
+              </a:spcAft>
+              <a:defRPr sz="2220">
+                <a:solidFill>
+                  <a:srgbClr val="191919"/>
+                </a:solidFill>
+                <a:latin typeface="IBM Plex Sans" pitchFamily="34" charset="0"/>
+              </a:defRPr>
+            </a:lvl3pPr>
+            <a:lvl4pPr algn="l" rtl="0" eaLnBrk="1" fontAlgn="base" hangingPunct="1">
+              <a:lnSpc>
+                <a:spcPct val="90000"/>
+              </a:lnSpc>
+              <a:spcBef>
+                <a:spcPct val="0"/>
+              </a:spcBef>
+              <a:spcAft>
+                <a:spcPct val="0"/>
+              </a:spcAft>
+              <a:defRPr sz="2220">
+                <a:solidFill>
+                  <a:srgbClr val="191919"/>
+                </a:solidFill>
+                <a:latin typeface="IBM Plex Sans" pitchFamily="34" charset="0"/>
+              </a:defRPr>
+            </a:lvl4pPr>
+            <a:lvl5pPr algn="l" rtl="0" eaLnBrk="1" fontAlgn="base" hangingPunct="1">
+              <a:lnSpc>
+                <a:spcPct val="90000"/>
+              </a:lnSpc>
+              <a:spcBef>
+                <a:spcPct val="0"/>
+              </a:spcBef>
+              <a:spcAft>
+                <a:spcPct val="0"/>
+              </a:spcAft>
+              <a:defRPr sz="2220">
+                <a:solidFill>
+                  <a:srgbClr val="191919"/>
+                </a:solidFill>
+                <a:latin typeface="IBM Plex Sans" pitchFamily="34" charset="0"/>
+              </a:defRPr>
+            </a:lvl5pPr>
+            <a:lvl6pPr marL="362568" algn="l" rtl="0" eaLnBrk="1" fontAlgn="base" hangingPunct="1">
+              <a:lnSpc>
+                <a:spcPct val="90000"/>
+              </a:lnSpc>
+              <a:spcBef>
+                <a:spcPct val="0"/>
+              </a:spcBef>
+              <a:spcAft>
+                <a:spcPct val="0"/>
+              </a:spcAft>
+              <a:defRPr sz="2220">
+                <a:solidFill>
+                  <a:srgbClr val="191919"/>
+                </a:solidFill>
+                <a:latin typeface="IBM Plex Sans" pitchFamily="34" charset="0"/>
+              </a:defRPr>
+            </a:lvl6pPr>
+            <a:lvl7pPr marL="725139" algn="l" rtl="0" eaLnBrk="1" fontAlgn="base" hangingPunct="1">
+              <a:lnSpc>
+                <a:spcPct val="90000"/>
+              </a:lnSpc>
+              <a:spcBef>
+                <a:spcPct val="0"/>
+              </a:spcBef>
+              <a:spcAft>
+                <a:spcPct val="0"/>
+              </a:spcAft>
+              <a:defRPr sz="2220">
+                <a:solidFill>
+                  <a:srgbClr val="191919"/>
+                </a:solidFill>
+                <a:latin typeface="IBM Plex Sans" pitchFamily="34" charset="0"/>
+              </a:defRPr>
+            </a:lvl7pPr>
+            <a:lvl8pPr marL="1087707" algn="l" rtl="0" eaLnBrk="1" fontAlgn="base" hangingPunct="1">
+              <a:lnSpc>
+                <a:spcPct val="90000"/>
+              </a:lnSpc>
+              <a:spcBef>
+                <a:spcPct val="0"/>
+              </a:spcBef>
+              <a:spcAft>
+                <a:spcPct val="0"/>
+              </a:spcAft>
+              <a:defRPr sz="2220">
+                <a:solidFill>
+                  <a:srgbClr val="191919"/>
+                </a:solidFill>
+                <a:latin typeface="IBM Plex Sans" pitchFamily="34" charset="0"/>
+              </a:defRPr>
+            </a:lvl8pPr>
+            <a:lvl9pPr marL="1450276" algn="l" rtl="0" eaLnBrk="1" fontAlgn="base" hangingPunct="1">
+              <a:lnSpc>
+                <a:spcPct val="90000"/>
+              </a:lnSpc>
+              <a:spcBef>
+                <a:spcPct val="0"/>
+              </a:spcBef>
+              <a:spcAft>
+                <a:spcPct val="0"/>
+              </a:spcAft>
+              <a:defRPr sz="2220">
+                <a:solidFill>
+                  <a:srgbClr val="191919"/>
+                </a:solidFill>
+                <a:latin typeface="IBM Plex Sans" pitchFamily="34" charset="0"/>
+              </a:defRPr>
+            </a:lvl9pPr>
+          </a:lstStyle>
+          <a:p>
+            <a:pPr defTabSz="914400"/>
+            <a:r>
+              <a:rPr lang="en-US" sz="1200" kern="0" dirty="0">
+                <a:solidFill>
+                  <a:schemeClr val="tx1"/>
+                </a:solidFill>
+              </a:rPr>
+              <a:t>1ms latency</a:t>
+            </a:r>
+          </a:p>
+          <a:p>
+            <a:pPr defTabSz="914400"/>
+            <a:r>
+              <a:rPr lang="en-US" sz="1200" kern="0" dirty="0">
+                <a:solidFill>
+                  <a:schemeClr val="tx1"/>
+                </a:solidFill>
+              </a:rPr>
+              <a:t>low energy consumption</a:t>
+            </a:r>
+          </a:p>
+          <a:p>
+            <a:pPr defTabSz="914400"/>
+            <a:r>
+              <a:rPr lang="en-US" sz="1200" kern="0" dirty="0">
+                <a:solidFill>
+                  <a:schemeClr val="tx1"/>
+                </a:solidFill>
+              </a:rPr>
+              <a:t>High coverage</a:t>
+            </a:r>
+          </a:p>
+        </p:txBody>
+      </p:sp>
+      <p:sp>
+        <p:nvSpPr>
+          <p:cNvPr id="19" name="TextBox 18">
+            <a:extLst>
+              <a:ext uri="{FF2B5EF4-FFF2-40B4-BE49-F238E27FC236}">
+                <a16:creationId xmlns:a16="http://schemas.microsoft.com/office/drawing/2014/main" id="{FF44DE63-77EA-941B-0C64-E2B91AC638DE}"/>
+              </a:ext>
+            </a:extLst>
+          </p:cNvPr>
+          <p:cNvSpPr txBox="1"/>
+          <p:nvPr/>
+        </p:nvSpPr>
+        <p:spPr>
+          <a:xfrm>
+            <a:off x="6096000" y="4790658"/>
+            <a:ext cx="5257800" cy="1384995"/>
+          </a:xfrm>
+          <a:prstGeom prst="rect">
+            <a:avLst/>
+          </a:prstGeom>
+          <a:noFill/>
+        </p:spPr>
+        <p:txBody>
+          <a:bodyPr wrap="square" rtlCol="0">
+            <a:spAutoFit/>
+          </a:bodyPr>
+          <a:lstStyle/>
+          <a:p>
+            <a:r>
+              <a:rPr lang="pt-BR" sz="1200" dirty="0">
+                <a:solidFill>
+                  <a:srgbClr val="898989"/>
+                </a:solidFill>
+              </a:rPr>
+              <a:t>[1]</a:t>
+            </a:r>
+            <a:r>
+              <a:rPr lang="en-US" sz="1200" b="0" i="0" dirty="0">
+                <a:solidFill>
+                  <a:srgbClr val="898989"/>
+                </a:solidFill>
+                <a:effectLst/>
+              </a:rPr>
+              <a:t> AGIWAL, M.; ROY, A.; SAXENA, N. Next generation 5g wireless networks: A comprehensive survey. IEEE Communications Surveys Tutorials, v. 18, n. 3, p. 1617–1655, 2016.</a:t>
+            </a:r>
+          </a:p>
+          <a:p>
+            <a:r>
+              <a:rPr lang="en-US" sz="1200" dirty="0">
+                <a:solidFill>
+                  <a:srgbClr val="898989"/>
+                </a:solidFill>
+              </a:rPr>
+              <a:t>[2] Sun, Y. et al. Application of machine learning in wireless networks: Key techniques and open issues. IEEE Communications Surveys Tutorials, v. 21, n. 4, p. 3072–3108, 2019. </a:t>
+            </a:r>
+          </a:p>
+          <a:p>
+            <a:endParaRPr lang="pt-BR" sz="1200" dirty="0">
+              <a:solidFill>
+                <a:srgbClr val="898989"/>
+              </a:solidFill>
+            </a:endParaRPr>
+          </a:p>
+        </p:txBody>
+      </p:sp>
+    </p:spTree>
+    <p:extLst>
+      <p:ext uri="{BB962C8B-B14F-4D97-AF65-F5344CB8AC3E}">
+        <p14:creationId xmlns:p14="http://schemas.microsoft.com/office/powerpoint/2010/main" val="2776336194"/>
+      </p:ext>
+    </p:extLst>
+  </p:cSld>
+  <p:clrMapOvr>
+    <a:masterClrMapping/>
+  </p:clrMapOvr>
+</p:sld>
+</file>
+
+<file path=ppt/slides/slide5.xml><?xml version="1.0" encoding="utf-8"?>
+<p:sld xmlns:a="http://schemas.openxmlformats.org/drawingml/2006/main" xmlns:r="http://schemas.openxmlformats.org/officeDocument/2006/relationships" xmlns:p="http://schemas.openxmlformats.org/presentationml/2006/main">
+  <p:cSld>
+    <p:spTree>
+      <p:nvGrpSpPr>
+        <p:cNvPr id="1" name=""/>
+        <p:cNvGrpSpPr/>
+        <p:nvPr/>
+      </p:nvGrpSpPr>
+      <p:grpSpPr>
+        <a:xfrm>
+          <a:off x="0" y="0"/>
+          <a:ext cx="0" cy="0"/>
+          <a:chOff x="0" y="0"/>
+          <a:chExt cx="0" cy="0"/>
+        </a:xfrm>
+      </p:grpSpPr>
+      <p:sp>
+        <p:nvSpPr>
           <p:cNvPr id="7" name="Title 1">
             <a:extLst>
               <a:ext uri="{FF2B5EF4-FFF2-40B4-BE49-F238E27FC236}">
@@ -4575,6 +8743,35 @@
               <a:t>A Mobile Traffic Predictor Enhanced by Neighboring Transportation Data (MTP-NT)</a:t>
             </a:r>
             <a:endParaRPr lang="pt-BR" b="1" dirty="0"/>
+          </a:p>
+        </p:txBody>
+      </p:sp>
+      <p:sp>
+        <p:nvSpPr>
+          <p:cNvPr id="3" name="Slide Number Placeholder 2">
+            <a:extLst>
+              <a:ext uri="{FF2B5EF4-FFF2-40B4-BE49-F238E27FC236}">
+                <a16:creationId xmlns:a16="http://schemas.microsoft.com/office/drawing/2014/main" id="{A3A1D4C2-A873-78C4-5BB9-10481FBEC11D}"/>
+              </a:ext>
+            </a:extLst>
+          </p:cNvPr>
+          <p:cNvSpPr>
+            <a:spLocks noGrp="1"/>
+          </p:cNvSpPr>
+          <p:nvPr>
+            <p:ph type="sldNum" sz="quarter" idx="12"/>
+          </p:nvPr>
+        </p:nvSpPr>
+        <p:spPr/>
+        <p:txBody>
+          <a:bodyPr/>
+          <a:lstStyle/>
+          <a:p>
+            <a:fld id="{C16D1434-241F-3E4A-8778-0F70095E40C3}" type="slidenum">
+              <a:rPr lang="pt-BR" smtClean="0"/>
+              <a:t>5</a:t>
+            </a:fld>
+            <a:endParaRPr lang="pt-BR"/>
           </a:p>
         </p:txBody>
       </p:sp>
@@ -4884,4 +9081,299 @@
     </a:ext>
   </a:extLst>
 </a:theme>
+</file>
+
+<file path=ppt/theme/theme2.xml><?xml version="1.0" encoding="utf-8"?>
+<a:theme xmlns:a="http://schemas.openxmlformats.org/drawingml/2006/main" name="Office Theme">
+  <a:themeElements>
+    <a:clrScheme name="Office">
+      <a:dk1>
+        <a:sysClr val="windowText" lastClr="000000"/>
+      </a:dk1>
+      <a:lt1>
+        <a:sysClr val="window" lastClr="FFFFFF"/>
+      </a:lt1>
+      <a:dk2>
+        <a:srgbClr val="44546A"/>
+      </a:dk2>
+      <a:lt2>
+        <a:srgbClr val="E7E6E6"/>
+      </a:lt2>
+      <a:accent1>
+        <a:srgbClr val="4472C4"/>
+      </a:accent1>
+      <a:accent2>
+        <a:srgbClr val="ED7D31"/>
+      </a:accent2>
+      <a:accent3>
+        <a:srgbClr val="A5A5A5"/>
+      </a:accent3>
+      <a:accent4>
+        <a:srgbClr val="FFC000"/>
+      </a:accent4>
+      <a:accent5>
+        <a:srgbClr val="5B9BD5"/>
+      </a:accent5>
+      <a:accent6>
+        <a:srgbClr val="70AD47"/>
+      </a:accent6>
+      <a:hlink>
+        <a:srgbClr val="0563C1"/>
+      </a:hlink>
+      <a:folHlink>
+        <a:srgbClr val="954F72"/>
+      </a:folHlink>
+    </a:clrScheme>
+    <a:fontScheme name="Office">
+      <a:majorFont>
+        <a:latin typeface="Calibri Light" panose="020F0302020204030204"/>
+        <a:ea typeface=""/>
+        <a:cs typeface=""/>
+        <a:font script="Jpan" typeface="游ゴシック Light"/>
+        <a:font script="Hang" typeface="맑은 고딕"/>
+        <a:font script="Hans" typeface="等线 Light"/>
+        <a:font script="Hant" typeface="新細明體"/>
+        <a:font script="Arab" typeface="Times New Roman"/>
+        <a:font script="Hebr" typeface="Times New Roman"/>
+        <a:font script="Thai" typeface="Angsana New"/>
+        <a:font script="Ethi" typeface="Nyala"/>
+        <a:font script="Beng" typeface="Vrinda"/>
+        <a:font script="Gujr" typeface="Shruti"/>
+        <a:font script="Khmr" typeface="MoolBoran"/>
+        <a:font script="Knda" typeface="Tunga"/>
+        <a:font script="Guru" typeface="Raavi"/>
+        <a:font script="Cans" typeface="Euphemia"/>
+        <a:font script="Cher" typeface="Plantagenet Cherokee"/>
+        <a:font script="Yiii" typeface="Microsoft Yi Baiti"/>
+        <a:font script="Tibt" typeface="Microsoft Himalaya"/>
+        <a:font script="Thaa" typeface="MV Boli"/>
+        <a:font script="Deva" typeface="Mangal"/>
+        <a:font script="Telu" typeface="Gautami"/>
+        <a:font script="Taml" typeface="Latha"/>
+        <a:font script="Syrc" typeface="Estrangelo Edessa"/>
+        <a:font script="Orya" typeface="Kalinga"/>
+        <a:font script="Mlym" typeface="Kartika"/>
+        <a:font script="Laoo" typeface="DokChampa"/>
+        <a:font script="Sinh" typeface="Iskoola Pota"/>
+        <a:font script="Mong" typeface="Mongolian Baiti"/>
+        <a:font script="Viet" typeface="Times New Roman"/>
+        <a:font script="Uigh" typeface="Microsoft Uighur"/>
+        <a:font script="Geor" typeface="Sylfaen"/>
+        <a:font script="Armn" typeface="Arial"/>
+        <a:font script="Bugi" typeface="Leelawadee UI"/>
+        <a:font script="Bopo" typeface="Microsoft JhengHei"/>
+        <a:font script="Java" typeface="Javanese Text"/>
+        <a:font script="Lisu" typeface="Segoe UI"/>
+        <a:font script="Mymr" typeface="Myanmar Text"/>
+        <a:font script="Nkoo" typeface="Ebrima"/>
+        <a:font script="Olck" typeface="Nirmala UI"/>
+        <a:font script="Osma" typeface="Ebrima"/>
+        <a:font script="Phag" typeface="Phagspa"/>
+        <a:font script="Syrn" typeface="Estrangelo Edessa"/>
+        <a:font script="Syrj" typeface="Estrangelo Edessa"/>
+        <a:font script="Syre" typeface="Estrangelo Edessa"/>
+        <a:font script="Sora" typeface="Nirmala UI"/>
+        <a:font script="Tale" typeface="Microsoft Tai Le"/>
+        <a:font script="Talu" typeface="Microsoft New Tai Lue"/>
+        <a:font script="Tfng" typeface="Ebrima"/>
+      </a:majorFont>
+      <a:minorFont>
+        <a:latin typeface="Calibri" panose="020F0502020204030204"/>
+        <a:ea typeface=""/>
+        <a:cs typeface=""/>
+        <a:font script="Jpan" typeface="游ゴシック"/>
+        <a:font script="Hang" typeface="맑은 고딕"/>
+        <a:font script="Hans" typeface="等线"/>
+        <a:font script="Hant" typeface="新細明體"/>
+        <a:font script="Arab" typeface="Arial"/>
+        <a:font script="Hebr" typeface="Arial"/>
+        <a:font script="Thai" typeface="Cordia New"/>
+        <a:font script="Ethi" typeface="Nyala"/>
+        <a:font script="Beng" typeface="Vrinda"/>
+        <a:font script="Gujr" typeface="Shruti"/>
+        <a:font script="Khmr" typeface="DaunPenh"/>
+        <a:font script="Knda" typeface="Tunga"/>
+        <a:font script="Guru" typeface="Raavi"/>
+        <a:font script="Cans" typeface="Euphemia"/>
+        <a:font script="Cher" typeface="Plantagenet Cherokee"/>
+        <a:font script="Yiii" typeface="Microsoft Yi Baiti"/>
+        <a:font script="Tibt" typeface="Microsoft Himalaya"/>
+        <a:font script="Thaa" typeface="MV Boli"/>
+        <a:font script="Deva" typeface="Mangal"/>
+        <a:font script="Telu" typeface="Gautami"/>
+        <a:font script="Taml" typeface="Latha"/>
+        <a:font script="Syrc" typeface="Estrangelo Edessa"/>
+        <a:font script="Orya" typeface="Kalinga"/>
+        <a:font script="Mlym" typeface="Kartika"/>
+        <a:font script="Laoo" typeface="DokChampa"/>
+        <a:font script="Sinh" typeface="Iskoola Pota"/>
+        <a:font script="Mong" typeface="Mongolian Baiti"/>
+        <a:font script="Viet" typeface="Arial"/>
+        <a:font script="Uigh" typeface="Microsoft Uighur"/>
+        <a:font script="Geor" typeface="Sylfaen"/>
+        <a:font script="Armn" typeface="Arial"/>
+        <a:font script="Bugi" typeface="Leelawadee UI"/>
+        <a:font script="Bopo" typeface="Microsoft JhengHei"/>
+        <a:font script="Java" typeface="Javanese Text"/>
+        <a:font script="Lisu" typeface="Segoe UI"/>
+        <a:font script="Mymr" typeface="Myanmar Text"/>
+        <a:font script="Nkoo" typeface="Ebrima"/>
+        <a:font script="Olck" typeface="Nirmala UI"/>
+        <a:font script="Osma" typeface="Ebrima"/>
+        <a:font script="Phag" typeface="Phagspa"/>
+        <a:font script="Syrn" typeface="Estrangelo Edessa"/>
+        <a:font script="Syrj" typeface="Estrangelo Edessa"/>
+        <a:font script="Syre" typeface="Estrangelo Edessa"/>
+        <a:font script="Sora" typeface="Nirmala UI"/>
+        <a:font script="Tale" typeface="Microsoft Tai Le"/>
+        <a:font script="Talu" typeface="Microsoft New Tai Lue"/>
+        <a:font script="Tfng" typeface="Ebrima"/>
+      </a:minorFont>
+    </a:fontScheme>
+    <a:fmtScheme name="Office">
+      <a:fillStyleLst>
+        <a:solidFill>
+          <a:schemeClr val="phClr"/>
+        </a:solidFill>
+        <a:gradFill rotWithShape="1">
+          <a:gsLst>
+            <a:gs pos="0">
+              <a:schemeClr val="phClr">
+                <a:lumMod val="110000"/>
+                <a:satMod val="105000"/>
+                <a:tint val="67000"/>
+              </a:schemeClr>
+            </a:gs>
+            <a:gs pos="50000">
+              <a:schemeClr val="phClr">
+                <a:lumMod val="105000"/>
+                <a:satMod val="103000"/>
+                <a:tint val="73000"/>
+              </a:schemeClr>
+            </a:gs>
+            <a:gs pos="100000">
+              <a:schemeClr val="phClr">
+                <a:lumMod val="105000"/>
+                <a:satMod val="109000"/>
+                <a:tint val="81000"/>
+              </a:schemeClr>
+            </a:gs>
+          </a:gsLst>
+          <a:lin ang="5400000" scaled="0"/>
+        </a:gradFill>
+        <a:gradFill rotWithShape="1">
+          <a:gsLst>
+            <a:gs pos="0">
+              <a:schemeClr val="phClr">
+                <a:satMod val="103000"/>
+                <a:lumMod val="102000"/>
+                <a:tint val="94000"/>
+              </a:schemeClr>
+            </a:gs>
+            <a:gs pos="50000">
+              <a:schemeClr val="phClr">
+                <a:satMod val="110000"/>
+                <a:lumMod val="100000"/>
+                <a:shade val="100000"/>
+              </a:schemeClr>
+            </a:gs>
+            <a:gs pos="100000">
+              <a:schemeClr val="phClr">
+                <a:lumMod val="99000"/>
+                <a:satMod val="120000"/>
+                <a:shade val="78000"/>
+              </a:schemeClr>
+            </a:gs>
+          </a:gsLst>
+          <a:lin ang="5400000" scaled="0"/>
+        </a:gradFill>
+      </a:fillStyleLst>
+      <a:lnStyleLst>
+        <a:ln w="6350" cap="flat" cmpd="sng" algn="ctr">
+          <a:solidFill>
+            <a:schemeClr val="phClr"/>
+          </a:solidFill>
+          <a:prstDash val="solid"/>
+          <a:miter lim="800000"/>
+        </a:ln>
+        <a:ln w="12700" cap="flat" cmpd="sng" algn="ctr">
+          <a:solidFill>
+            <a:schemeClr val="phClr"/>
+          </a:solidFill>
+          <a:prstDash val="solid"/>
+          <a:miter lim="800000"/>
+        </a:ln>
+        <a:ln w="19050" cap="flat" cmpd="sng" algn="ctr">
+          <a:solidFill>
+            <a:schemeClr val="phClr"/>
+          </a:solidFill>
+          <a:prstDash val="solid"/>
+          <a:miter lim="800000"/>
+        </a:ln>
+      </a:lnStyleLst>
+      <a:effectStyleLst>
+        <a:effectStyle>
+          <a:effectLst/>
+        </a:effectStyle>
+        <a:effectStyle>
+          <a:effectLst/>
+        </a:effectStyle>
+        <a:effectStyle>
+          <a:effectLst>
+            <a:outerShdw blurRad="57150" dist="19050" dir="5400000" algn="ctr" rotWithShape="0">
+              <a:srgbClr val="000000">
+                <a:alpha val="63000"/>
+              </a:srgbClr>
+            </a:outerShdw>
+          </a:effectLst>
+        </a:effectStyle>
+      </a:effectStyleLst>
+      <a:bgFillStyleLst>
+        <a:solidFill>
+          <a:schemeClr val="phClr"/>
+        </a:solidFill>
+        <a:solidFill>
+          <a:schemeClr val="phClr">
+            <a:tint val="95000"/>
+            <a:satMod val="170000"/>
+          </a:schemeClr>
+        </a:solidFill>
+        <a:gradFill rotWithShape="1">
+          <a:gsLst>
+            <a:gs pos="0">
+              <a:schemeClr val="phClr">
+                <a:tint val="93000"/>
+                <a:satMod val="150000"/>
+                <a:shade val="98000"/>
+                <a:lumMod val="102000"/>
+              </a:schemeClr>
+            </a:gs>
+            <a:gs pos="50000">
+              <a:schemeClr val="phClr">
+                <a:tint val="98000"/>
+                <a:satMod val="130000"/>
+                <a:shade val="90000"/>
+                <a:lumMod val="103000"/>
+              </a:schemeClr>
+            </a:gs>
+            <a:gs pos="100000">
+              <a:schemeClr val="phClr">
+                <a:shade val="63000"/>
+                <a:satMod val="120000"/>
+              </a:schemeClr>
+            </a:gs>
+          </a:gsLst>
+          <a:lin ang="5400000" scaled="0"/>
+        </a:gradFill>
+      </a:bgFillStyleLst>
+    </a:fmtScheme>
+  </a:themeElements>
+  <a:objectDefaults/>
+  <a:extraClrSchemeLst/>
+  <a:extLst>
+    <a:ext uri="{05A4C25C-085E-4340-85A3-A5531E510DB2}">
+      <thm15:themeFamily xmlns:thm15="http://schemas.microsoft.com/office/thememl/2012/main" name="Office Theme" id="{62F939B6-93AF-4DB8-9C6B-D6C7DFDC589F}" vid="{4A3C46E8-61CC-4603-A589-7422A47A8E4A}"/>
+    </a:ext>
+  </a:extLst>
+</a:theme>
 </file>
--- a/defesa.pptx
+++ b/defesa.pptx
@@ -5,14 +5,17 @@
     <p:sldMasterId id="2147483648" r:id="rId1"/>
   </p:sldMasterIdLst>
   <p:notesMasterIdLst>
-    <p:notesMasterId r:id="rId7"/>
+    <p:notesMasterId r:id="rId10"/>
   </p:notesMasterIdLst>
   <p:sldIdLst>
     <p:sldId id="256" r:id="rId2"/>
     <p:sldId id="258" r:id="rId3"/>
     <p:sldId id="259" r:id="rId4"/>
     <p:sldId id="260" r:id="rId5"/>
-    <p:sldId id="257" r:id="rId6"/>
+    <p:sldId id="261" r:id="rId6"/>
+    <p:sldId id="369" r:id="rId7"/>
+    <p:sldId id="370" r:id="rId8"/>
+    <p:sldId id="257" r:id="rId9"/>
   </p:sldIdLst>
   <p:sldSz cx="12192000" cy="6858000"/>
   <p:notesSz cx="6858000" cy="9144000"/>
@@ -469,6 +472,688 @@
 </p:notesMaster>
 </file>
 
+<file path=ppt/notesSlides/notesSlide1.xml><?xml version="1.0" encoding="utf-8"?>
+<p:notes xmlns:a="http://schemas.openxmlformats.org/drawingml/2006/main" xmlns:r="http://schemas.openxmlformats.org/officeDocument/2006/relationships" xmlns:p="http://schemas.openxmlformats.org/presentationml/2006/main">
+  <p:cSld>
+    <p:spTree>
+      <p:nvGrpSpPr>
+        <p:cNvPr id="1" name=""/>
+        <p:cNvGrpSpPr/>
+        <p:nvPr/>
+      </p:nvGrpSpPr>
+      <p:grpSpPr>
+        <a:xfrm>
+          <a:off x="0" y="0"/>
+          <a:ext cx="0" cy="0"/>
+          <a:chOff x="0" y="0"/>
+          <a:chExt cx="0" cy="0"/>
+        </a:xfrm>
+      </p:grpSpPr>
+      <p:sp>
+        <p:nvSpPr>
+          <p:cNvPr id="2" name="Slide Image Placeholder 1"/>
+          <p:cNvSpPr>
+            <a:spLocks noGrp="1" noRot="1" noChangeAspect="1"/>
+          </p:cNvSpPr>
+          <p:nvPr>
+            <p:ph type="sldImg"/>
+          </p:nvPr>
+        </p:nvSpPr>
+        <p:spPr/>
+      </p:sp>
+      <p:sp>
+        <p:nvSpPr>
+          <p:cNvPr id="3" name="Notes Placeholder 2"/>
+          <p:cNvSpPr>
+            <a:spLocks noGrp="1"/>
+          </p:cNvSpPr>
+          <p:nvPr>
+            <p:ph type="body" idx="1"/>
+          </p:nvPr>
+        </p:nvSpPr>
+        <p:spPr/>
+        <p:txBody>
+          <a:bodyPr/>
+          <a:lstStyle/>
+          <a:p>
+            <a:r>
+              <a:rPr lang="pt-BR" dirty="0"/>
+              <a:t>NFV: topologia usando cloud e/ou </a:t>
+            </a:r>
+            <a:r>
+              <a:rPr lang="pt-BR" dirty="0" err="1"/>
+              <a:t>edge</a:t>
+            </a:r>
+            <a:endParaRPr lang="pt-BR" dirty="0"/>
+          </a:p>
+          <a:p>
+            <a:r>
+              <a:rPr lang="pt-BR" dirty="0"/>
+              <a:t>Estruturas com a capacidade que necessitam, economizando recursos</a:t>
+            </a:r>
+          </a:p>
+          <a:p>
+            <a:r>
+              <a:rPr lang="pt-BR" dirty="0"/>
+              <a:t>Vai passar a ter gerenciamento de rede unificado</a:t>
+            </a:r>
+          </a:p>
+        </p:txBody>
+      </p:sp>
+      <p:sp>
+        <p:nvSpPr>
+          <p:cNvPr id="4" name="Slide Number Placeholder 3"/>
+          <p:cNvSpPr>
+            <a:spLocks noGrp="1"/>
+          </p:cNvSpPr>
+          <p:nvPr>
+            <p:ph type="sldNum" sz="quarter" idx="5"/>
+          </p:nvPr>
+        </p:nvSpPr>
+        <p:spPr/>
+        <p:txBody>
+          <a:bodyPr/>
+          <a:lstStyle/>
+          <a:p>
+            <a:fld id="{11A34663-90A1-D846-8898-3C9F8D7E3213}" type="slidenum">
+              <a:rPr lang="pt-BR" smtClean="0"/>
+              <a:t>4</a:t>
+            </a:fld>
+            <a:endParaRPr lang="pt-BR"/>
+          </a:p>
+        </p:txBody>
+      </p:sp>
+    </p:spTree>
+    <p:extLst>
+      <p:ext uri="{BB962C8B-B14F-4D97-AF65-F5344CB8AC3E}">
+        <p14:creationId xmlns:p14="http://schemas.microsoft.com/office/powerpoint/2010/main" val="3123105294"/>
+      </p:ext>
+    </p:extLst>
+  </p:cSld>
+  <p:clrMapOvr>
+    <a:masterClrMapping/>
+  </p:clrMapOvr>
+</p:notes>
+</file>
+
+<file path=ppt/notesSlides/notesSlide2.xml><?xml version="1.0" encoding="utf-8"?>
+<p:notes xmlns:a="http://schemas.openxmlformats.org/drawingml/2006/main" xmlns:r="http://schemas.openxmlformats.org/officeDocument/2006/relationships" xmlns:p="http://schemas.openxmlformats.org/presentationml/2006/main">
+  <p:cSld>
+    <p:spTree>
+      <p:nvGrpSpPr>
+        <p:cNvPr id="1" name=""/>
+        <p:cNvGrpSpPr/>
+        <p:nvPr/>
+      </p:nvGrpSpPr>
+      <p:grpSpPr>
+        <a:xfrm>
+          <a:off x="0" y="0"/>
+          <a:ext cx="0" cy="0"/>
+          <a:chOff x="0" y="0"/>
+          <a:chExt cx="0" cy="0"/>
+        </a:xfrm>
+      </p:grpSpPr>
+      <p:sp>
+        <p:nvSpPr>
+          <p:cNvPr id="2" name="Slide Image Placeholder 1"/>
+          <p:cNvSpPr>
+            <a:spLocks noGrp="1" noRot="1" noChangeAspect="1"/>
+          </p:cNvSpPr>
+          <p:nvPr>
+            <p:ph type="sldImg"/>
+          </p:nvPr>
+        </p:nvSpPr>
+        <p:spPr/>
+      </p:sp>
+      <p:sp>
+        <p:nvSpPr>
+          <p:cNvPr id="3" name="Notes Placeholder 2"/>
+          <p:cNvSpPr>
+            <a:spLocks noGrp="1"/>
+          </p:cNvSpPr>
+          <p:nvPr>
+            <p:ph type="body" idx="1"/>
+          </p:nvPr>
+        </p:nvSpPr>
+        <p:spPr/>
+        <p:txBody>
+          <a:bodyPr/>
+          <a:lstStyle/>
+          <a:p>
+            <a:r>
+              <a:rPr lang="pt-BR" dirty="0"/>
+              <a:t>Modelos de IA</a:t>
+            </a:r>
+          </a:p>
+          <a:p>
+            <a:r>
+              <a:rPr lang="pt-BR" dirty="0"/>
+              <a:t>	Dependem de dados históricos</a:t>
+            </a:r>
+          </a:p>
+          <a:p>
+            <a:r>
+              <a:rPr lang="pt-BR" dirty="0"/>
+              <a:t>	Menos complexos: implementação de um alocador de potência menos complexo que o </a:t>
+            </a:r>
+            <a:r>
+              <a:rPr lang="pt-BR" dirty="0" err="1"/>
+              <a:t>Weighted</a:t>
+            </a:r>
+            <a:r>
+              <a:rPr lang="pt-BR" dirty="0"/>
+              <a:t> </a:t>
+            </a:r>
+            <a:r>
+              <a:rPr lang="pt-BR" dirty="0" err="1"/>
+              <a:t>Minimum</a:t>
+            </a:r>
+            <a:r>
+              <a:rPr lang="pt-BR" dirty="0"/>
+              <a:t> </a:t>
+            </a:r>
+            <a:r>
+              <a:rPr lang="pt-BR" dirty="0" err="1"/>
+              <a:t>Mean</a:t>
+            </a:r>
+            <a:r>
+              <a:rPr lang="pt-BR" dirty="0"/>
+              <a:t>-Square </a:t>
+            </a:r>
+            <a:r>
+              <a:rPr lang="pt-BR" dirty="0" err="1"/>
+              <a:t>Error</a:t>
+            </a:r>
+            <a:r>
+              <a:rPr lang="pt-BR" dirty="0"/>
+              <a:t> (WMMSE)</a:t>
+            </a:r>
+          </a:p>
+        </p:txBody>
+      </p:sp>
+      <p:sp>
+        <p:nvSpPr>
+          <p:cNvPr id="4" name="Slide Number Placeholder 3"/>
+          <p:cNvSpPr>
+            <a:spLocks noGrp="1"/>
+          </p:cNvSpPr>
+          <p:nvPr>
+            <p:ph type="sldNum" sz="quarter" idx="5"/>
+          </p:nvPr>
+        </p:nvSpPr>
+        <p:spPr/>
+        <p:txBody>
+          <a:bodyPr/>
+          <a:lstStyle/>
+          <a:p>
+            <a:fld id="{11A34663-90A1-D846-8898-3C9F8D7E3213}" type="slidenum">
+              <a:rPr lang="pt-BR" smtClean="0"/>
+              <a:t>5</a:t>
+            </a:fld>
+            <a:endParaRPr lang="pt-BR"/>
+          </a:p>
+        </p:txBody>
+      </p:sp>
+    </p:spTree>
+    <p:extLst>
+      <p:ext uri="{BB962C8B-B14F-4D97-AF65-F5344CB8AC3E}">
+        <p14:creationId xmlns:p14="http://schemas.microsoft.com/office/powerpoint/2010/main" val="1797925592"/>
+      </p:ext>
+    </p:extLst>
+  </p:cSld>
+  <p:clrMapOvr>
+    <a:masterClrMapping/>
+  </p:clrMapOvr>
+</p:notes>
+</file>
+
+<file path=ppt/notesSlides/notesSlide3.xml><?xml version="1.0" encoding="utf-8"?>
+<p:notes xmlns:a="http://schemas.openxmlformats.org/drawingml/2006/main" xmlns:r="http://schemas.openxmlformats.org/officeDocument/2006/relationships" xmlns:p="http://schemas.openxmlformats.org/presentationml/2006/main">
+  <p:cSld>
+    <p:spTree>
+      <p:nvGrpSpPr>
+        <p:cNvPr id="1" name=""/>
+        <p:cNvGrpSpPr/>
+        <p:nvPr/>
+      </p:nvGrpSpPr>
+      <p:grpSpPr>
+        <a:xfrm>
+          <a:off x="0" y="0"/>
+          <a:ext cx="0" cy="0"/>
+          <a:chOff x="0" y="0"/>
+          <a:chExt cx="0" cy="0"/>
+        </a:xfrm>
+      </p:grpSpPr>
+      <p:sp>
+        <p:nvSpPr>
+          <p:cNvPr id="2" name="Espaço Reservado para Imagem de Slide 1"/>
+          <p:cNvSpPr>
+            <a:spLocks noGrp="1" noRot="1" noChangeAspect="1"/>
+          </p:cNvSpPr>
+          <p:nvPr>
+            <p:ph type="sldImg"/>
+          </p:nvPr>
+        </p:nvSpPr>
+        <p:spPr>
+          <a:xfrm>
+            <a:off x="1822450" y="228600"/>
+            <a:ext cx="3213100" cy="1808163"/>
+          </a:xfrm>
+        </p:spPr>
+      </p:sp>
+      <p:sp>
+        <p:nvSpPr>
+          <p:cNvPr id="3" name="Espaço Reservado para Anotações 2"/>
+          <p:cNvSpPr>
+            <a:spLocks noGrp="1"/>
+          </p:cNvSpPr>
+          <p:nvPr>
+            <p:ph type="body" idx="1"/>
+          </p:nvPr>
+        </p:nvSpPr>
+        <p:spPr/>
+        <p:txBody>
+          <a:bodyPr/>
+          <a:lstStyle/>
+          <a:p>
+            <a:r>
+              <a:rPr lang="pt-BR" dirty="0"/>
+              <a:t>Estes são os desafios a atentar-se em uma implementação de ML em 5G</a:t>
+            </a:r>
+          </a:p>
+        </p:txBody>
+      </p:sp>
+      <p:sp>
+        <p:nvSpPr>
+          <p:cNvPr id="4" name="Espaço Reservado para Número de Slide 3"/>
+          <p:cNvSpPr>
+            <a:spLocks noGrp="1"/>
+          </p:cNvSpPr>
+          <p:nvPr>
+            <p:ph type="sldNum" sz="quarter" idx="5"/>
+          </p:nvPr>
+        </p:nvSpPr>
+        <p:spPr/>
+        <p:txBody>
+          <a:bodyPr/>
+          <a:lstStyle/>
+          <a:p>
+            <a:fld id="{6E2E38B8-B0B4-AD41-AC6E-B781F46A9FD3}" type="slidenum">
+              <a:rPr lang="en-US" smtClean="0"/>
+              <a:pPr/>
+              <a:t>6</a:t>
+            </a:fld>
+            <a:endParaRPr lang="en-US" dirty="0"/>
+          </a:p>
+        </p:txBody>
+      </p:sp>
+      <p:sp>
+        <p:nvSpPr>
+          <p:cNvPr id="5" name="Espaço Reservado para Rodapé 4"/>
+          <p:cNvSpPr>
+            <a:spLocks noGrp="1"/>
+          </p:cNvSpPr>
+          <p:nvPr>
+            <p:ph type="ftr" sz="quarter" idx="4"/>
+          </p:nvPr>
+        </p:nvSpPr>
+        <p:spPr/>
+        <p:txBody>
+          <a:bodyPr/>
+          <a:lstStyle/>
+          <a:p>
+            <a:r>
+              <a:rPr lang="en-US"/>
+              <a:t>Group Name / DOC ID / Month XX, 2020 / © 2020 IBM Corporation</a:t>
+            </a:r>
+            <a:endParaRPr lang="en-US" dirty="0"/>
+          </a:p>
+        </p:txBody>
+      </p:sp>
+    </p:spTree>
+    <p:extLst>
+      <p:ext uri="{BB962C8B-B14F-4D97-AF65-F5344CB8AC3E}">
+        <p14:creationId xmlns:p14="http://schemas.microsoft.com/office/powerpoint/2010/main" val="946091543"/>
+      </p:ext>
+    </p:extLst>
+  </p:cSld>
+  <p:clrMapOvr>
+    <a:masterClrMapping/>
+  </p:clrMapOvr>
+</p:notes>
+</file>
+
+<file path=ppt/notesSlides/notesSlide4.xml><?xml version="1.0" encoding="utf-8"?>
+<p:notes xmlns:a="http://schemas.openxmlformats.org/drawingml/2006/main" xmlns:r="http://schemas.openxmlformats.org/officeDocument/2006/relationships" xmlns:p="http://schemas.openxmlformats.org/presentationml/2006/main">
+  <p:cSld>
+    <p:spTree>
+      <p:nvGrpSpPr>
+        <p:cNvPr id="1" name=""/>
+        <p:cNvGrpSpPr/>
+        <p:nvPr/>
+      </p:nvGrpSpPr>
+      <p:grpSpPr>
+        <a:xfrm>
+          <a:off x="0" y="0"/>
+          <a:ext cx="0" cy="0"/>
+          <a:chOff x="0" y="0"/>
+          <a:chExt cx="0" cy="0"/>
+        </a:xfrm>
+      </p:grpSpPr>
+      <p:sp>
+        <p:nvSpPr>
+          <p:cNvPr id="2" name="Espaço Reservado para Imagem de Slide 1"/>
+          <p:cNvSpPr>
+            <a:spLocks noGrp="1" noRot="1" noChangeAspect="1"/>
+          </p:cNvSpPr>
+          <p:nvPr>
+            <p:ph type="sldImg"/>
+          </p:nvPr>
+        </p:nvSpPr>
+        <p:spPr>
+          <a:xfrm>
+            <a:off x="1822450" y="228600"/>
+            <a:ext cx="3213100" cy="1808163"/>
+          </a:xfrm>
+        </p:spPr>
+      </p:sp>
+      <p:sp>
+        <p:nvSpPr>
+          <p:cNvPr id="3" name="Espaço Reservado para Anotações 2"/>
+          <p:cNvSpPr>
+            <a:spLocks noGrp="1"/>
+          </p:cNvSpPr>
+          <p:nvPr>
+            <p:ph type="body" idx="1"/>
+          </p:nvPr>
+        </p:nvSpPr>
+        <p:spPr/>
+        <p:txBody>
+          <a:bodyPr/>
+          <a:lstStyle/>
+          <a:p>
+            <a:pPr marL="0" marR="0" lvl="0" indent="0" algn="l" defTabSz="914400" rtl="0" eaLnBrk="1" fontAlgn="auto" latinLnBrk="0" hangingPunct="1">
+              <a:lnSpc>
+                <a:spcPct val="100000"/>
+              </a:lnSpc>
+              <a:spcBef>
+                <a:spcPts val="0"/>
+              </a:spcBef>
+              <a:spcAft>
+                <a:spcPts val="0"/>
+              </a:spcAft>
+              <a:buClrTx/>
+              <a:buSzTx/>
+              <a:buFontTx/>
+              <a:buNone/>
+              <a:tabLst/>
+              <a:defRPr/>
+            </a:pPr>
+            <a:r>
+              <a:rPr lang="pt-BR" dirty="0"/>
+              <a:t>GDPR: </a:t>
+            </a:r>
+            <a:r>
+              <a:rPr lang="pt-BR" dirty="0" err="1"/>
+              <a:t>most</a:t>
+            </a:r>
+            <a:r>
+              <a:rPr lang="pt-BR" dirty="0"/>
+              <a:t> </a:t>
+            </a:r>
+            <a:r>
+              <a:rPr lang="pt-BR" dirty="0" err="1"/>
+              <a:t>robust</a:t>
+            </a:r>
+            <a:r>
+              <a:rPr lang="pt-BR" dirty="0"/>
+              <a:t> data </a:t>
+            </a:r>
+            <a:r>
+              <a:rPr lang="pt-BR" dirty="0" err="1"/>
+              <a:t>policy</a:t>
+            </a:r>
+            <a:endParaRPr lang="pt-BR" dirty="0"/>
+          </a:p>
+          <a:p>
+            <a:endParaRPr lang="pt-BR" dirty="0"/>
+          </a:p>
+          <a:p>
+            <a:r>
+              <a:rPr lang="pt-BR" dirty="0" err="1"/>
+              <a:t>Designed</a:t>
+            </a:r>
+            <a:r>
+              <a:rPr lang="pt-BR" dirty="0"/>
+              <a:t> </a:t>
+            </a:r>
+            <a:r>
+              <a:rPr lang="pt-BR" dirty="0" err="1"/>
+              <a:t>to</a:t>
+            </a:r>
+            <a:r>
+              <a:rPr lang="pt-BR" dirty="0"/>
+              <a:t> help </a:t>
+            </a:r>
+            <a:r>
+              <a:rPr lang="pt-BR" dirty="0" err="1"/>
+              <a:t>the</a:t>
+            </a:r>
+            <a:r>
+              <a:rPr lang="pt-BR" dirty="0"/>
+              <a:t> </a:t>
+            </a:r>
+            <a:r>
+              <a:rPr lang="pt-BR" dirty="0" err="1"/>
+              <a:t>scheduler</a:t>
+            </a:r>
+            <a:r>
+              <a:rPr lang="pt-BR" dirty="0"/>
+              <a:t> </a:t>
+            </a:r>
+            <a:r>
+              <a:rPr lang="pt-BR" dirty="0" err="1"/>
+              <a:t>to</a:t>
+            </a:r>
+            <a:r>
+              <a:rPr lang="pt-BR" dirty="0"/>
+              <a:t> cloud </a:t>
+            </a:r>
+            <a:r>
+              <a:rPr lang="pt-BR" dirty="0" err="1"/>
+              <a:t>optimization</a:t>
+            </a:r>
+            <a:endParaRPr lang="pt-BR" dirty="0"/>
+          </a:p>
+          <a:p>
+            <a:pPr lvl="1"/>
+            <a:r>
+              <a:rPr lang="pt-BR" dirty="0" err="1"/>
+              <a:t>Resources</a:t>
+            </a:r>
+            <a:r>
+              <a:rPr lang="pt-BR" dirty="0"/>
+              <a:t> </a:t>
+            </a:r>
+            <a:r>
+              <a:rPr lang="pt-BR" dirty="0" err="1"/>
+              <a:t>to</a:t>
+            </a:r>
+            <a:r>
+              <a:rPr lang="pt-BR" dirty="0"/>
+              <a:t>  </a:t>
+            </a:r>
+          </a:p>
+          <a:p>
+            <a:endParaRPr lang="pt-BR" dirty="0"/>
+          </a:p>
+          <a:p>
+            <a:r>
+              <a:rPr lang="pt-BR" dirty="0" err="1"/>
+              <a:t>Ingestion</a:t>
+            </a:r>
+            <a:r>
+              <a:rPr lang="pt-BR" dirty="0"/>
+              <a:t> </a:t>
+            </a:r>
+            <a:r>
+              <a:rPr lang="pt-BR" dirty="0" err="1"/>
+              <a:t>of</a:t>
+            </a:r>
+            <a:r>
+              <a:rPr lang="pt-BR" dirty="0"/>
+              <a:t> </a:t>
+            </a:r>
+            <a:r>
+              <a:rPr lang="pt-BR" dirty="0" err="1"/>
+              <a:t>public</a:t>
+            </a:r>
+            <a:r>
+              <a:rPr lang="pt-BR" dirty="0"/>
+              <a:t> </a:t>
+            </a:r>
+            <a:r>
+              <a:rPr lang="pt-BR" dirty="0" err="1"/>
+              <a:t>transport</a:t>
+            </a:r>
+            <a:r>
+              <a:rPr lang="pt-BR" dirty="0"/>
+              <a:t> data</a:t>
+            </a:r>
+          </a:p>
+          <a:p>
+            <a:endParaRPr lang="pt-BR" dirty="0"/>
+          </a:p>
+          <a:p>
+            <a:r>
+              <a:rPr lang="pt-BR" dirty="0" err="1"/>
+              <a:t>Lightweight</a:t>
+            </a:r>
+            <a:r>
+              <a:rPr lang="pt-BR" dirty="0"/>
+              <a:t>: </a:t>
+            </a:r>
+            <a:r>
+              <a:rPr lang="pt-BR" dirty="0" err="1"/>
+              <a:t>can</a:t>
+            </a:r>
+            <a:r>
+              <a:rPr lang="pt-BR" dirty="0"/>
+              <a:t> </a:t>
+            </a:r>
+            <a:r>
+              <a:rPr lang="pt-BR" dirty="0" err="1"/>
+              <a:t>have</a:t>
+            </a:r>
+            <a:r>
+              <a:rPr lang="pt-BR" dirty="0"/>
+              <a:t> </a:t>
+            </a:r>
+            <a:r>
+              <a:rPr lang="pt-BR" dirty="0" err="1"/>
+              <a:t>multiple</a:t>
+            </a:r>
+            <a:r>
+              <a:rPr lang="pt-BR" dirty="0"/>
+              <a:t> </a:t>
+            </a:r>
+            <a:r>
+              <a:rPr lang="pt-BR" dirty="0" err="1"/>
+              <a:t>sizes</a:t>
+            </a:r>
+            <a:endParaRPr lang="pt-BR" dirty="0"/>
+          </a:p>
+          <a:p>
+            <a:endParaRPr lang="pt-BR" dirty="0"/>
+          </a:p>
+          <a:p>
+            <a:r>
+              <a:rPr lang="pt-BR" dirty="0" err="1"/>
+              <a:t>State</a:t>
+            </a:r>
+            <a:r>
+              <a:rPr lang="pt-BR" dirty="0"/>
+              <a:t> </a:t>
+            </a:r>
+            <a:r>
+              <a:rPr lang="pt-BR" dirty="0" err="1"/>
+              <a:t>of</a:t>
+            </a:r>
+            <a:r>
+              <a:rPr lang="pt-BR" dirty="0"/>
+              <a:t> </a:t>
+            </a:r>
+            <a:r>
+              <a:rPr lang="pt-BR" dirty="0" err="1"/>
+              <a:t>art</a:t>
+            </a:r>
+            <a:r>
+              <a:rPr lang="pt-BR" dirty="0"/>
+              <a:t> performance</a:t>
+            </a:r>
+          </a:p>
+        </p:txBody>
+      </p:sp>
+      <p:sp>
+        <p:nvSpPr>
+          <p:cNvPr id="4" name="Espaço Reservado para Número de Slide 3"/>
+          <p:cNvSpPr>
+            <a:spLocks noGrp="1"/>
+          </p:cNvSpPr>
+          <p:nvPr>
+            <p:ph type="sldNum" sz="quarter" idx="5"/>
+          </p:nvPr>
+        </p:nvSpPr>
+        <p:spPr/>
+        <p:txBody>
+          <a:bodyPr/>
+          <a:lstStyle/>
+          <a:p>
+            <a:fld id="{6E2E38B8-B0B4-AD41-AC6E-B781F46A9FD3}" type="slidenum">
+              <a:rPr lang="en-US" smtClean="0"/>
+              <a:pPr/>
+              <a:t>7</a:t>
+            </a:fld>
+            <a:endParaRPr lang="en-US" dirty="0"/>
+          </a:p>
+        </p:txBody>
+      </p:sp>
+      <p:sp>
+        <p:nvSpPr>
+          <p:cNvPr id="5" name="Espaço Reservado para Rodapé 4"/>
+          <p:cNvSpPr>
+            <a:spLocks noGrp="1"/>
+          </p:cNvSpPr>
+          <p:nvPr>
+            <p:ph type="ftr" sz="quarter" idx="4"/>
+          </p:nvPr>
+        </p:nvSpPr>
+        <p:spPr/>
+        <p:txBody>
+          <a:bodyPr/>
+          <a:lstStyle/>
+          <a:p>
+            <a:r>
+              <a:rPr lang="en-US"/>
+              <a:t>Group Name / DOC ID / Month XX, 2020 / © 2020 IBM Corporation</a:t>
+            </a:r>
+            <a:endParaRPr lang="en-US" dirty="0"/>
+          </a:p>
+        </p:txBody>
+      </p:sp>
+    </p:spTree>
+    <p:extLst>
+      <p:ext uri="{BB962C8B-B14F-4D97-AF65-F5344CB8AC3E}">
+        <p14:creationId xmlns:p14="http://schemas.microsoft.com/office/powerpoint/2010/main" val="1192632188"/>
+      </p:ext>
+    </p:extLst>
+  </p:cSld>
+  <p:clrMapOvr>
+    <a:masterClrMapping/>
+  </p:clrMapOvr>
+</p:notes>
+</file>
+
 <file path=ppt/slideLayouts/slideLayout1.xml><?xml version="1.0" encoding="utf-8"?>
 <p:sldLayout xmlns:a="http://schemas.openxmlformats.org/drawingml/2006/main" xmlns:r="http://schemas.openxmlformats.org/officeDocument/2006/relationships" xmlns:p="http://schemas.openxmlformats.org/presentationml/2006/main" type="title" preserve="1">
   <p:cSld name="Title Slide">
@@ -1110,6 +1795,297 @@
 </p:sldLayout>
 </file>
 
+<file path=ppt/slideLayouts/slideLayout12.xml><?xml version="1.0" encoding="utf-8"?>
+<p:sldLayout xmlns:a="http://schemas.openxmlformats.org/drawingml/2006/main" xmlns:r="http://schemas.openxmlformats.org/officeDocument/2006/relationships" xmlns:p="http://schemas.openxmlformats.org/presentationml/2006/main" userDrawn="1">
+  <p:cSld name="boxes (1 large, 4 small)">
+    <p:spTree>
+      <p:nvGrpSpPr>
+        <p:cNvPr id="1" name=""/>
+        <p:cNvGrpSpPr/>
+        <p:nvPr/>
+      </p:nvGrpSpPr>
+      <p:grpSpPr>
+        <a:xfrm>
+          <a:off x="0" y="0"/>
+          <a:ext cx="0" cy="0"/>
+          <a:chOff x="0" y="0"/>
+          <a:chExt cx="0" cy="0"/>
+        </a:xfrm>
+      </p:grpSpPr>
+      <p:sp>
+        <p:nvSpPr>
+          <p:cNvPr id="2" name="Title"/>
+          <p:cNvSpPr>
+            <a:spLocks noGrp="1"/>
+          </p:cNvSpPr>
+          <p:nvPr>
+            <p:ph type="title"/>
+          </p:nvPr>
+        </p:nvSpPr>
+        <p:spPr>
+          <a:xfrm>
+            <a:off x="0" y="-1"/>
+            <a:ext cx="12192000" cy="3425951"/>
+          </a:xfrm>
+          <a:noFill/>
+        </p:spPr>
+        <p:txBody>
+          <a:bodyPr lIns="182880" tIns="164592" rIns="228600" bIns="228600"/>
+          <a:lstStyle>
+            <a:lvl1pPr>
+              <a:defRPr sz="6400"/>
+            </a:lvl1pPr>
+          </a:lstStyle>
+          <a:p>
+            <a:r>
+              <a:rPr lang="en-US"/>
+              <a:t>Click to edit Master title style</a:t>
+            </a:r>
+            <a:endParaRPr lang="en-US" dirty="0"/>
+          </a:p>
+        </p:txBody>
+      </p:sp>
+      <p:sp>
+        <p:nvSpPr>
+          <p:cNvPr id="7" name="Content Placeholder 1"/>
+          <p:cNvSpPr>
+            <a:spLocks noGrp="1"/>
+          </p:cNvSpPr>
+          <p:nvPr>
+            <p:ph sz="quarter" idx="20"/>
+          </p:nvPr>
+        </p:nvSpPr>
+        <p:spPr>
+          <a:xfrm>
+            <a:off x="0" y="3426885"/>
+            <a:ext cx="3048000" cy="3431116"/>
+          </a:xfrm>
+          <a:solidFill>
+            <a:srgbClr val="061F80"/>
+          </a:solidFill>
+        </p:spPr>
+        <p:txBody>
+          <a:bodyPr lIns="219456" tIns="201168" rIns="228600" bIns="228600"/>
+          <a:lstStyle>
+            <a:lvl1pPr>
+              <a:defRPr>
+                <a:solidFill>
+                  <a:schemeClr val="bg1"/>
+                </a:solidFill>
+              </a:defRPr>
+            </a:lvl1pPr>
+          </a:lstStyle>
+          <a:p>
+            <a:pPr lvl="0"/>
+            <a:r>
+              <a:rPr lang="en-US"/>
+              <a:t>Click to edit Master text styles</a:t>
+            </a:r>
+          </a:p>
+        </p:txBody>
+      </p:sp>
+      <p:sp>
+        <p:nvSpPr>
+          <p:cNvPr id="14" name="Content Placeholder 2"/>
+          <p:cNvSpPr>
+            <a:spLocks noGrp="1"/>
+          </p:cNvSpPr>
+          <p:nvPr>
+            <p:ph sz="quarter" idx="19"/>
+          </p:nvPr>
+        </p:nvSpPr>
+        <p:spPr>
+          <a:xfrm>
+            <a:off x="3048001" y="3426885"/>
+            <a:ext cx="3048000" cy="3431116"/>
+          </a:xfrm>
+          <a:solidFill>
+            <a:srgbClr val="054ADA"/>
+          </a:solidFill>
+          <a:ln>
+            <a:noFill/>
+          </a:ln>
+        </p:spPr>
+        <p:txBody>
+          <a:bodyPr lIns="219456" tIns="201168" rIns="228600" bIns="228600"/>
+          <a:lstStyle>
+            <a:lvl1pPr>
+              <a:defRPr>
+                <a:solidFill>
+                  <a:schemeClr val="bg1"/>
+                </a:solidFill>
+              </a:defRPr>
+            </a:lvl1pPr>
+          </a:lstStyle>
+          <a:p>
+            <a:pPr lvl="0"/>
+            <a:r>
+              <a:rPr lang="en-US"/>
+              <a:t>Click to edit Master text styles</a:t>
+            </a:r>
+          </a:p>
+        </p:txBody>
+      </p:sp>
+      <p:sp>
+        <p:nvSpPr>
+          <p:cNvPr id="6" name="Content Placeholder 3"/>
+          <p:cNvSpPr>
+            <a:spLocks noGrp="1"/>
+          </p:cNvSpPr>
+          <p:nvPr>
+            <p:ph sz="quarter" idx="17"/>
+          </p:nvPr>
+        </p:nvSpPr>
+        <p:spPr>
+          <a:xfrm>
+            <a:off x="6096000" y="3426883"/>
+            <a:ext cx="3048000" cy="3431117"/>
+          </a:xfrm>
+          <a:solidFill>
+            <a:schemeClr val="accent2"/>
+          </a:solidFill>
+          <a:ln>
+            <a:noFill/>
+          </a:ln>
+        </p:spPr>
+        <p:txBody>
+          <a:bodyPr lIns="219456" tIns="201168" rIns="228600" bIns="228600"/>
+          <a:lstStyle>
+            <a:lvl1pPr>
+              <a:defRPr>
+                <a:solidFill>
+                  <a:schemeClr val="bg1"/>
+                </a:solidFill>
+              </a:defRPr>
+            </a:lvl1pPr>
+          </a:lstStyle>
+          <a:p>
+            <a:pPr lvl="0"/>
+            <a:r>
+              <a:rPr lang="en-US"/>
+              <a:t>Click to edit Master text styles</a:t>
+            </a:r>
+          </a:p>
+        </p:txBody>
+      </p:sp>
+      <p:sp>
+        <p:nvSpPr>
+          <p:cNvPr id="11" name="Content Placeholder 4"/>
+          <p:cNvSpPr>
+            <a:spLocks noGrp="1"/>
+          </p:cNvSpPr>
+          <p:nvPr>
+            <p:ph sz="quarter" idx="18"/>
+          </p:nvPr>
+        </p:nvSpPr>
+        <p:spPr>
+          <a:xfrm>
+            <a:off x="9144000" y="3426883"/>
+            <a:ext cx="3048000" cy="3431117"/>
+          </a:xfrm>
+          <a:solidFill>
+            <a:srgbClr val="6EA6FF"/>
+          </a:solidFill>
+          <a:ln>
+            <a:noFill/>
+          </a:ln>
+        </p:spPr>
+        <p:txBody>
+          <a:bodyPr lIns="219456" tIns="201168" rIns="228600" bIns="228600"/>
+          <a:lstStyle>
+            <a:lvl1pPr>
+              <a:defRPr>
+                <a:solidFill>
+                  <a:schemeClr val="tx1"/>
+                </a:solidFill>
+              </a:defRPr>
+            </a:lvl1pPr>
+          </a:lstStyle>
+          <a:p>
+            <a:pPr lvl="0"/>
+            <a:r>
+              <a:rPr lang="en-US"/>
+              <a:t>Click to edit Master text styles</a:t>
+            </a:r>
+          </a:p>
+        </p:txBody>
+      </p:sp>
+      <p:sp>
+        <p:nvSpPr>
+          <p:cNvPr id="3" name="Footer Placeholder"/>
+          <p:cNvSpPr>
+            <a:spLocks noGrp="1"/>
+          </p:cNvSpPr>
+          <p:nvPr>
+            <p:ph type="ftr" sz="quarter" idx="10"/>
+          </p:nvPr>
+        </p:nvSpPr>
+        <p:spPr/>
+        <p:txBody>
+          <a:bodyPr/>
+          <a:lstStyle>
+            <a:lvl1pPr>
+              <a:defRPr>
+                <a:solidFill>
+                  <a:schemeClr val="bg1"/>
+                </a:solidFill>
+              </a:defRPr>
+            </a:lvl1pPr>
+          </a:lstStyle>
+          <a:p>
+            <a:r>
+              <a:rPr lang="en-US"/>
+              <a:t>Group Name / DOC ID / Month XX, 2020 / © 2020 IBM Corporation</a:t>
+            </a:r>
+            <a:endParaRPr lang="en-US" dirty="0"/>
+          </a:p>
+        </p:txBody>
+      </p:sp>
+      <p:sp>
+        <p:nvSpPr>
+          <p:cNvPr id="4" name="Slide Number Placeholder"/>
+          <p:cNvSpPr>
+            <a:spLocks noGrp="1"/>
+          </p:cNvSpPr>
+          <p:nvPr>
+            <p:ph type="sldNum" sz="quarter" idx="11"/>
+          </p:nvPr>
+        </p:nvSpPr>
+        <p:spPr/>
+        <p:txBody>
+          <a:bodyPr/>
+          <a:lstStyle>
+            <a:lvl1pPr>
+              <a:defRPr>
+                <a:solidFill>
+                  <a:schemeClr val="tx1"/>
+                </a:solidFill>
+              </a:defRPr>
+            </a:lvl1pPr>
+          </a:lstStyle>
+          <a:p>
+            <a:fld id="{59395FB3-9C97-154F-86B2-7E381B951268}" type="slidenum">
+              <a:rPr lang="en-US" smtClean="0"/>
+              <a:pPr/>
+              <a:t>‹#›</a:t>
+            </a:fld>
+            <a:endParaRPr lang="en-US" dirty="0"/>
+          </a:p>
+        </p:txBody>
+      </p:sp>
+    </p:spTree>
+    <p:extLst>
+      <p:ext uri="{BB962C8B-B14F-4D97-AF65-F5344CB8AC3E}">
+        <p14:creationId xmlns:p14="http://schemas.microsoft.com/office/powerpoint/2010/main" val="486078663"/>
+      </p:ext>
+    </p:extLst>
+  </p:cSld>
+  <p:clrMapOvr>
+    <a:masterClrMapping/>
+  </p:clrMapOvr>
+</p:sldLayout>
+</file>
+
 <file path=ppt/slideLayouts/slideLayout2.xml><?xml version="1.0" encoding="utf-8"?>
 <p:sldLayout xmlns:a="http://schemas.openxmlformats.org/drawingml/2006/main" xmlns:r="http://schemas.openxmlformats.org/officeDocument/2006/relationships" xmlns:p="http://schemas.openxmlformats.org/presentationml/2006/main" type="obj" preserve="1">
   <p:cSld name="Title and Content">
@@ -3439,6 +4415,7 @@
     <p:sldLayoutId id="2147483657" r:id="rId9"/>
     <p:sldLayoutId id="2147483658" r:id="rId10"/>
     <p:sldLayoutId id="2147483659" r:id="rId11"/>
+    <p:sldLayoutId id="2147483660" r:id="rId12"/>
   </p:sldLayoutIdLst>
   <p:hf hdr="0" dt="0"/>
   <p:txStyles>
@@ -3765,17 +4742,20 @@
         </p:spPr>
         <p:txBody>
           <a:bodyPr>
-            <a:normAutofit fontScale="90000"/>
+            <a:normAutofit/>
           </a:bodyPr>
           <a:lstStyle/>
           <a:p>
             <a:r>
-              <a:rPr lang="en-US" b="1" i="0" dirty="0">
+              <a:rPr lang="en-US" sz="4800" b="1" i="0" dirty="0">
                 <a:effectLst/>
+                <a:latin typeface="IBM Plex Sans" panose="020B0503050203000203" pitchFamily="34" charset="0"/>
               </a:rPr>
               <a:t>A Mobile Traffic Predictor Enhanced by Neighboring Transportation Data (MTP-NT)</a:t>
             </a:r>
-            <a:endParaRPr lang="pt-BR" dirty="0"/>
+            <a:endParaRPr lang="pt-BR" sz="4800" dirty="0">
+              <a:latin typeface="IBM Plex Sans" panose="020B0503050203000203" pitchFamily="34" charset="0"/>
+            </a:endParaRPr>
           </a:p>
         </p:txBody>
       </p:sp>
@@ -3802,11 +4782,15 @@
           </a:xfrm>
         </p:spPr>
         <p:txBody>
-          <a:bodyPr/>
+          <a:bodyPr>
+            <a:normAutofit/>
+          </a:bodyPr>
           <a:lstStyle/>
           <a:p>
             <a:r>
-              <a:rPr lang="pt-BR" dirty="0"/>
+              <a:rPr lang="pt-BR" sz="2000" dirty="0">
+                <a:latin typeface="IBM Plex Sans" panose="020B0503050203000203" pitchFamily="34" charset="0"/>
+              </a:rPr>
               <a:t>Patrick Luiz de Araújo</a:t>
             </a:r>
           </a:p>
@@ -4005,8 +4989,8 @@
           </a:lstStyle>
           <a:p>
             <a:r>
-              <a:rPr lang="pt-BR" b="1" dirty="0">
-                <a:latin typeface="+mj-lt"/>
+              <a:rPr lang="pt-BR" sz="2000" b="1" dirty="0">
+                <a:latin typeface="IBM Plex Sans" panose="020B0503050203000203" pitchFamily="34" charset="0"/>
               </a:rPr>
               <a:t>Programa de Pós-Graduação em Ciência da Computação</a:t>
             </a:r>
@@ -4098,7 +5082,7 @@
         </p:spPr>
         <p:txBody>
           <a:bodyPr vert="horz" lIns="91440" tIns="45720" rIns="91440" bIns="45720" rtlCol="0" anchor="ctr">
-            <a:normAutofit fontScale="77500" lnSpcReduction="20000"/>
+            <a:normAutofit/>
           </a:bodyPr>
           <a:lstStyle>
             <a:lvl1pPr marL="0" indent="0" algn="ctr" defTabSz="914400" rtl="0" eaLnBrk="1" latinLnBrk="0" hangingPunct="1">
@@ -4266,7 +5250,9 @@
           </a:lstStyle>
           <a:p>
             <a:r>
-              <a:rPr lang="pt-BR" sz="2800" b="1" dirty="0"/>
+              <a:rPr lang="pt-BR" sz="1800" b="1" dirty="0">
+                <a:latin typeface="IBM Plex Sans" panose="020B0503050203000203" pitchFamily="34" charset="0"/>
+              </a:rPr>
               <a:t>Defesa de dissertação de mestrado em  ??/??/????  </a:t>
             </a:r>
           </a:p>
@@ -4367,15 +5353,21 @@
         </p:nvSpPr>
         <p:spPr/>
         <p:txBody>
-          <a:bodyPr/>
+          <a:bodyPr>
+            <a:normAutofit/>
+          </a:bodyPr>
           <a:lstStyle/>
           <a:p>
             <a:pPr algn="ctr"/>
             <a:r>
-              <a:rPr lang="pt-BR" dirty="0" err="1"/>
+              <a:rPr lang="pt-BR" sz="4800" b="1" dirty="0" err="1">
+                <a:latin typeface="IBM Plex Sans" panose="020B0503050203000203" pitchFamily="34" charset="0"/>
+              </a:rPr>
               <a:t>Contents</a:t>
             </a:r>
-            <a:endParaRPr lang="pt-BR" dirty="0"/>
+            <a:endParaRPr lang="pt-BR" sz="4800" b="1" dirty="0">
+              <a:latin typeface="IBM Plex Sans" panose="020B0503050203000203" pitchFamily="34" charset="0"/>
+            </a:endParaRPr>
           </a:p>
         </p:txBody>
       </p:sp>
@@ -4405,10 +5397,14 @@
               <a:buAutoNum type="arabicPeriod"/>
             </a:pPr>
             <a:r>
-              <a:rPr lang="pt-BR" dirty="0" err="1"/>
+              <a:rPr lang="pt-BR" dirty="0" err="1">
+                <a:latin typeface="IBM Plex Sans" panose="020B0503050203000203" pitchFamily="34" charset="0"/>
+              </a:rPr>
               <a:t>Introduction</a:t>
             </a:r>
-            <a:endParaRPr lang="pt-BR" dirty="0"/>
+            <a:endParaRPr lang="pt-BR" dirty="0">
+              <a:latin typeface="IBM Plex Sans" panose="020B0503050203000203" pitchFamily="34" charset="0"/>
+            </a:endParaRPr>
           </a:p>
           <a:p>
             <a:pPr marL="514350" indent="-514350">
@@ -4416,18 +5412,26 @@
               <a:buAutoNum type="arabicPeriod"/>
             </a:pPr>
             <a:r>
-              <a:rPr lang="pt-BR" dirty="0" err="1"/>
+              <a:rPr lang="pt-BR" dirty="0" err="1">
+                <a:latin typeface="IBM Plex Sans" panose="020B0503050203000203" pitchFamily="34" charset="0"/>
+              </a:rPr>
               <a:t>Related</a:t>
             </a:r>
             <a:r>
-              <a:rPr lang="pt-BR" dirty="0"/>
+              <a:rPr lang="pt-BR" dirty="0">
+                <a:latin typeface="IBM Plex Sans" panose="020B0503050203000203" pitchFamily="34" charset="0"/>
+              </a:rPr>
               <a:t> </a:t>
             </a:r>
             <a:r>
-              <a:rPr lang="pt-BR" dirty="0" err="1"/>
+              <a:rPr lang="pt-BR" dirty="0" err="1">
+                <a:latin typeface="IBM Plex Sans" panose="020B0503050203000203" pitchFamily="34" charset="0"/>
+              </a:rPr>
               <a:t>Work</a:t>
             </a:r>
-            <a:endParaRPr lang="pt-BR" dirty="0"/>
+            <a:endParaRPr lang="pt-BR" dirty="0">
+              <a:latin typeface="IBM Plex Sans" panose="020B0503050203000203" pitchFamily="34" charset="0"/>
+            </a:endParaRPr>
           </a:p>
           <a:p>
             <a:pPr marL="514350" indent="-514350">
@@ -4435,27 +5439,39 @@
               <a:buAutoNum type="arabicPeriod"/>
             </a:pPr>
             <a:r>
-              <a:rPr lang="pt-BR" dirty="0" err="1"/>
+              <a:rPr lang="pt-BR" dirty="0" err="1">
+                <a:latin typeface="IBM Plex Sans" panose="020B0503050203000203" pitchFamily="34" charset="0"/>
+              </a:rPr>
               <a:t>Preliminaries</a:t>
             </a:r>
             <a:r>
-              <a:rPr lang="pt-BR" dirty="0"/>
+              <a:rPr lang="pt-BR" dirty="0">
+                <a:latin typeface="IBM Plex Sans" panose="020B0503050203000203" pitchFamily="34" charset="0"/>
+              </a:rPr>
               <a:t> </a:t>
             </a:r>
             <a:r>
-              <a:rPr lang="pt-BR" dirty="0" err="1"/>
+              <a:rPr lang="pt-BR" dirty="0" err="1">
+                <a:latin typeface="IBM Plex Sans" panose="020B0503050203000203" pitchFamily="34" charset="0"/>
+              </a:rPr>
               <a:t>on</a:t>
             </a:r>
             <a:r>
-              <a:rPr lang="pt-BR" dirty="0"/>
+              <a:rPr lang="pt-BR" dirty="0">
+                <a:latin typeface="IBM Plex Sans" panose="020B0503050203000203" pitchFamily="34" charset="0"/>
+              </a:rPr>
               <a:t> data </a:t>
             </a:r>
             <a:r>
-              <a:rPr lang="pt-BR" dirty="0" err="1"/>
+              <a:rPr lang="pt-BR" dirty="0" err="1">
+                <a:latin typeface="IBM Plex Sans" panose="020B0503050203000203" pitchFamily="34" charset="0"/>
+              </a:rPr>
               <a:t>collection</a:t>
             </a:r>
             <a:r>
-              <a:rPr lang="pt-BR" dirty="0"/>
+              <a:rPr lang="pt-BR" dirty="0">
+                <a:latin typeface="IBM Plex Sans" panose="020B0503050203000203" pitchFamily="34" charset="0"/>
+              </a:rPr>
               <a:t> for MTP-NT</a:t>
             </a:r>
           </a:p>
@@ -4465,30 +5481,44 @@
               <a:buAutoNum type="arabicPeriod"/>
             </a:pPr>
             <a:r>
-              <a:rPr lang="pt-BR" dirty="0"/>
+              <a:rPr lang="pt-BR" dirty="0">
+                <a:latin typeface="IBM Plex Sans" panose="020B0503050203000203" pitchFamily="34" charset="0"/>
+              </a:rPr>
               <a:t>Framework </a:t>
             </a:r>
             <a:r>
-              <a:rPr lang="pt-BR" dirty="0" err="1"/>
+              <a:rPr lang="pt-BR" dirty="0" err="1">
+                <a:latin typeface="IBM Plex Sans" panose="020B0503050203000203" pitchFamily="34" charset="0"/>
+              </a:rPr>
               <a:t>structure</a:t>
             </a:r>
             <a:r>
-              <a:rPr lang="pt-BR" dirty="0"/>
+              <a:rPr lang="pt-BR" dirty="0">
+                <a:latin typeface="IBM Plex Sans" panose="020B0503050203000203" pitchFamily="34" charset="0"/>
+              </a:rPr>
               <a:t> </a:t>
             </a:r>
             <a:r>
-              <a:rPr lang="pt-BR" dirty="0" err="1"/>
+              <a:rPr lang="pt-BR" dirty="0" err="1">
+                <a:latin typeface="IBM Plex Sans" panose="020B0503050203000203" pitchFamily="34" charset="0"/>
+              </a:rPr>
               <a:t>and</a:t>
             </a:r>
             <a:r>
-              <a:rPr lang="pt-BR" dirty="0"/>
+              <a:rPr lang="pt-BR" dirty="0">
+                <a:latin typeface="IBM Plex Sans" panose="020B0503050203000203" pitchFamily="34" charset="0"/>
+              </a:rPr>
               <a:t> </a:t>
             </a:r>
             <a:r>
-              <a:rPr lang="pt-BR" dirty="0" err="1"/>
+              <a:rPr lang="pt-BR" dirty="0" err="1">
+                <a:latin typeface="IBM Plex Sans" panose="020B0503050203000203" pitchFamily="34" charset="0"/>
+              </a:rPr>
               <a:t>fundamentation</a:t>
             </a:r>
-            <a:endParaRPr lang="pt-BR" dirty="0"/>
+            <a:endParaRPr lang="pt-BR" dirty="0">
+              <a:latin typeface="IBM Plex Sans" panose="020B0503050203000203" pitchFamily="34" charset="0"/>
+            </a:endParaRPr>
           </a:p>
           <a:p>
             <a:pPr marL="514350" indent="-514350">
@@ -4496,14 +5526,20 @@
               <a:buAutoNum type="arabicPeriod"/>
             </a:pPr>
             <a:r>
-              <a:rPr lang="pt-BR" dirty="0"/>
+              <a:rPr lang="pt-BR" dirty="0">
+                <a:latin typeface="IBM Plex Sans" panose="020B0503050203000203" pitchFamily="34" charset="0"/>
+              </a:rPr>
               <a:t>Experimental </a:t>
             </a:r>
             <a:r>
-              <a:rPr lang="pt-BR" dirty="0" err="1"/>
+              <a:rPr lang="pt-BR" dirty="0" err="1">
+                <a:latin typeface="IBM Plex Sans" panose="020B0503050203000203" pitchFamily="34" charset="0"/>
+              </a:rPr>
               <a:t>results</a:t>
             </a:r>
-            <a:endParaRPr lang="pt-BR" dirty="0"/>
+            <a:endParaRPr lang="pt-BR" dirty="0">
+              <a:latin typeface="IBM Plex Sans" panose="020B0503050203000203" pitchFamily="34" charset="0"/>
+            </a:endParaRPr>
           </a:p>
           <a:p>
             <a:pPr marL="514350" indent="-514350">
@@ -4511,30 +5547,44 @@
               <a:buAutoNum type="arabicPeriod"/>
             </a:pPr>
             <a:r>
-              <a:rPr lang="pt-BR" dirty="0"/>
+              <a:rPr lang="pt-BR" dirty="0">
+                <a:latin typeface="IBM Plex Sans" panose="020B0503050203000203" pitchFamily="34" charset="0"/>
+              </a:rPr>
               <a:t>Final </a:t>
             </a:r>
             <a:r>
-              <a:rPr lang="pt-BR" dirty="0" err="1"/>
+              <a:rPr lang="pt-BR" dirty="0" err="1">
+                <a:latin typeface="IBM Plex Sans" panose="020B0503050203000203" pitchFamily="34" charset="0"/>
+              </a:rPr>
               <a:t>considerations</a:t>
             </a:r>
             <a:r>
-              <a:rPr lang="pt-BR" dirty="0"/>
+              <a:rPr lang="pt-BR" dirty="0">
+                <a:latin typeface="IBM Plex Sans" panose="020B0503050203000203" pitchFamily="34" charset="0"/>
+              </a:rPr>
               <a:t> </a:t>
             </a:r>
             <a:r>
-              <a:rPr lang="pt-BR" dirty="0" err="1"/>
+              <a:rPr lang="pt-BR" dirty="0" err="1">
+                <a:latin typeface="IBM Plex Sans" panose="020B0503050203000203" pitchFamily="34" charset="0"/>
+              </a:rPr>
               <a:t>and</a:t>
             </a:r>
             <a:r>
-              <a:rPr lang="pt-BR" dirty="0"/>
+              <a:rPr lang="pt-BR" dirty="0">
+                <a:latin typeface="IBM Plex Sans" panose="020B0503050203000203" pitchFamily="34" charset="0"/>
+              </a:rPr>
               <a:t> future </a:t>
             </a:r>
             <a:r>
-              <a:rPr lang="pt-BR" dirty="0" err="1"/>
+              <a:rPr lang="pt-BR" dirty="0" err="1">
+                <a:latin typeface="IBM Plex Sans" panose="020B0503050203000203" pitchFamily="34" charset="0"/>
+              </a:rPr>
               <a:t>work</a:t>
             </a:r>
-            <a:endParaRPr lang="pt-BR" dirty="0"/>
+            <a:endParaRPr lang="pt-BR" dirty="0">
+              <a:latin typeface="IBM Plex Sans" panose="020B0503050203000203" pitchFamily="34" charset="0"/>
+            </a:endParaRPr>
           </a:p>
         </p:txBody>
       </p:sp>
@@ -4647,55 +5697,81 @@
           <a:lstStyle/>
           <a:p>
             <a:r>
-              <a:rPr lang="pt-BR" dirty="0"/>
+              <a:rPr lang="pt-BR" sz="1100" dirty="0">
+                <a:latin typeface="IBM Plex Sans" panose="020B0503050203000203" pitchFamily="34" charset="0"/>
+              </a:rPr>
               <a:t>A Mobile </a:t>
             </a:r>
             <a:r>
-              <a:rPr lang="pt-BR" dirty="0" err="1"/>
+              <a:rPr lang="pt-BR" sz="1100" dirty="0" err="1">
+                <a:latin typeface="IBM Plex Sans" panose="020B0503050203000203" pitchFamily="34" charset="0"/>
+              </a:rPr>
               <a:t>Traffic</a:t>
             </a:r>
             <a:r>
-              <a:rPr lang="pt-BR" dirty="0"/>
+              <a:rPr lang="pt-BR" sz="1100" dirty="0">
+                <a:latin typeface="IBM Plex Sans" panose="020B0503050203000203" pitchFamily="34" charset="0"/>
+              </a:rPr>
               <a:t> </a:t>
             </a:r>
             <a:r>
-              <a:rPr lang="pt-BR" dirty="0" err="1"/>
+              <a:rPr lang="pt-BR" sz="1100" dirty="0" err="1">
+                <a:latin typeface="IBM Plex Sans" panose="020B0503050203000203" pitchFamily="34" charset="0"/>
+              </a:rPr>
               <a:t>Predictor</a:t>
             </a:r>
             <a:r>
-              <a:rPr lang="pt-BR" dirty="0"/>
+              <a:rPr lang="pt-BR" sz="1100" dirty="0">
+                <a:latin typeface="IBM Plex Sans" panose="020B0503050203000203" pitchFamily="34" charset="0"/>
+              </a:rPr>
               <a:t> </a:t>
             </a:r>
             <a:r>
-              <a:rPr lang="pt-BR" dirty="0" err="1"/>
+              <a:rPr lang="pt-BR" sz="1100" dirty="0" err="1">
+                <a:latin typeface="IBM Plex Sans" panose="020B0503050203000203" pitchFamily="34" charset="0"/>
+              </a:rPr>
               <a:t>Enhanced</a:t>
             </a:r>
             <a:r>
-              <a:rPr lang="pt-BR" dirty="0"/>
+              <a:rPr lang="pt-BR" sz="1100" dirty="0">
+                <a:latin typeface="IBM Plex Sans" panose="020B0503050203000203" pitchFamily="34" charset="0"/>
+              </a:rPr>
               <a:t> </a:t>
             </a:r>
             <a:r>
-              <a:rPr lang="pt-BR" dirty="0" err="1"/>
+              <a:rPr lang="pt-BR" sz="1100" dirty="0" err="1">
+                <a:latin typeface="IBM Plex Sans" panose="020B0503050203000203" pitchFamily="34" charset="0"/>
+              </a:rPr>
               <a:t>by</a:t>
             </a:r>
             <a:r>
-              <a:rPr lang="pt-BR" dirty="0"/>
+              <a:rPr lang="pt-BR" sz="1100" dirty="0">
+                <a:latin typeface="IBM Plex Sans" panose="020B0503050203000203" pitchFamily="34" charset="0"/>
+              </a:rPr>
               <a:t> </a:t>
             </a:r>
             <a:r>
-              <a:rPr lang="pt-BR" dirty="0" err="1"/>
+              <a:rPr lang="pt-BR" sz="1100" dirty="0" err="1">
+                <a:latin typeface="IBM Plex Sans" panose="020B0503050203000203" pitchFamily="34" charset="0"/>
+              </a:rPr>
               <a:t>Neighboring</a:t>
             </a:r>
             <a:r>
-              <a:rPr lang="pt-BR" dirty="0"/>
+              <a:rPr lang="pt-BR" sz="1100" dirty="0">
+                <a:latin typeface="IBM Plex Sans" panose="020B0503050203000203" pitchFamily="34" charset="0"/>
+              </a:rPr>
               <a:t> </a:t>
             </a:r>
             <a:r>
-              <a:rPr lang="pt-BR" dirty="0" err="1"/>
+              <a:rPr lang="pt-BR" sz="1100" dirty="0" err="1">
+                <a:latin typeface="IBM Plex Sans" panose="020B0503050203000203" pitchFamily="34" charset="0"/>
+              </a:rPr>
               <a:t>Transportation</a:t>
             </a:r>
             <a:r>
-              <a:rPr lang="pt-BR" dirty="0"/>
+              <a:rPr lang="pt-BR" sz="1100" dirty="0">
+                <a:latin typeface="IBM Plex Sans" panose="020B0503050203000203" pitchFamily="34" charset="0"/>
+              </a:rPr>
               <a:t> Data (MTP-NT)</a:t>
             </a:r>
           </a:p>
@@ -4723,10 +5799,14 @@
           <a:lstStyle/>
           <a:p>
             <a:fld id="{C16D1434-241F-3E4A-8778-0F70095E40C3}" type="slidenum">
-              <a:rPr lang="pt-BR" smtClean="0"/>
+              <a:rPr lang="pt-BR" sz="1100" smtClean="0">
+                <a:latin typeface="IBM Plex Sans" panose="020B0503050203000203" pitchFamily="34" charset="0"/>
+              </a:rPr>
               <a:t>3</a:t>
             </a:fld>
-            <a:endParaRPr lang="pt-BR"/>
+            <a:endParaRPr lang="pt-BR" sz="1100">
+              <a:latin typeface="IBM Plex Sans" panose="020B0503050203000203" pitchFamily="34" charset="0"/>
+            </a:endParaRPr>
           </a:p>
         </p:txBody>
       </p:sp>
@@ -4759,7 +5839,9 @@
           <a:lstStyle/>
           <a:p>
             <a:r>
-              <a:rPr lang="en-US" sz="1400" dirty="0"/>
+              <a:rPr lang="en-US" sz="1200" b="1" dirty="0">
+                <a:latin typeface="IBM Plex Sans" panose="020B0503050203000203" pitchFamily="34" charset="0"/>
+              </a:rPr>
               <a:t>Data per month, per smartphone in 2028</a:t>
             </a:r>
           </a:p>
@@ -4889,10 +5971,11 @@
           </a:lstStyle>
           <a:p>
             <a:r>
-              <a:rPr lang="en-US" sz="5400" b="1" dirty="0">
+              <a:rPr lang="en-US" sz="4800" b="1" dirty="0">
                 <a:solidFill>
                   <a:schemeClr val="tx1"/>
                 </a:solidFill>
+                <a:latin typeface="IBM Plex Sans" panose="020B0503050203000203" pitchFamily="34" charset="0"/>
               </a:rPr>
               <a:t>19 GB/month</a:t>
             </a:r>
@@ -5086,7 +6169,7 @@
           <a:p>
             <a:pPr defTabSz="914400"/>
             <a:r>
-              <a:rPr lang="en-US" sz="1400" kern="0" dirty="0">
+              <a:rPr lang="en-US" sz="1200" b="1" kern="0" dirty="0">
                 <a:solidFill>
                   <a:schemeClr val="tx1"/>
                 </a:solidFill>
@@ -5328,7 +6411,7 @@
           <a:p>
             <a:pPr defTabSz="914400"/>
             <a:r>
-              <a:rPr lang="en-US" sz="5400" kern="0" dirty="0">
+              <a:rPr lang="en-US" sz="4800" kern="0" dirty="0">
                 <a:solidFill>
                   <a:schemeClr val="tx1"/>
                 </a:solidFill>
@@ -5525,7 +6608,7 @@
           <a:p>
             <a:pPr defTabSz="914400"/>
             <a:r>
-              <a:rPr lang="en-US" sz="1200" kern="0" dirty="0">
+              <a:rPr lang="en-US" sz="1100" b="1" kern="0" dirty="0">
                 <a:solidFill>
                   <a:schemeClr val="tx1"/>
                 </a:solidFill>
@@ -5767,7 +6850,7 @@
           <a:p>
             <a:pPr defTabSz="914400"/>
             <a:r>
-              <a:rPr lang="en-US" sz="5400" kern="0" dirty="0">
+              <a:rPr lang="en-US" sz="4800" kern="0" dirty="0">
                 <a:solidFill>
                   <a:schemeClr val="tx1"/>
                 </a:solidFill>
@@ -5934,8 +7017,8 @@
           </a:lstStyle>
           <a:p>
             <a:pPr marL="288929" indent="-288929"/>
-            <a:endParaRPr lang="en-US" altLang="en-US" sz="600" dirty="0">
-              <a:latin typeface="IBM Plex Sans" charset="0"/>
+            <a:endParaRPr lang="en-US" altLang="en-US" sz="500" dirty="0">
+              <a:latin typeface="IBM Plex Sans" panose="020B0503050203000203" pitchFamily="34" charset="0"/>
               <a:ea typeface="IBM Plex Sans" charset="0"/>
               <a:cs typeface="IBM Plex Sans" charset="0"/>
             </a:endParaRPr>
@@ -6066,10 +7149,11 @@
           </a:lstStyle>
           <a:p>
             <a:r>
-              <a:rPr lang="en-US" sz="5400" b="1" dirty="0">
+              <a:rPr lang="en-US" sz="4800" b="1" dirty="0">
                 <a:solidFill>
                   <a:schemeClr val="tx1"/>
                 </a:solidFill>
+                <a:latin typeface="IBM Plex Sans" panose="020B0503050203000203" pitchFamily="34" charset="0"/>
               </a:rPr>
               <a:t>Introduction</a:t>
             </a:r>
@@ -6091,7 +7175,7 @@
         <p:spPr>
           <a:xfrm>
             <a:off x="6096000" y="5515500"/>
-            <a:ext cx="5257800" cy="276999"/>
+            <a:ext cx="5257800" cy="261610"/>
           </a:xfrm>
           <a:prstGeom prst="rect">
             <a:avLst/>
@@ -6106,20 +7190,22 @@
           <a:p>
             <a:pPr marL="288929" indent="-288929"/>
             <a:r>
-              <a:rPr lang="en-US" altLang="en-US" sz="1200" dirty="0">
+              <a:rPr lang="en-US" altLang="en-US" sz="1100" dirty="0">
                 <a:solidFill>
                   <a:srgbClr val="898989"/>
                 </a:solidFill>
+                <a:latin typeface="IBM Plex Sans" panose="020B0503050203000203" pitchFamily="34" charset="0"/>
                 <a:ea typeface="IBM Plex Sans" charset="0"/>
                 <a:cs typeface="IBM Plex Sans" charset="0"/>
               </a:rPr>
               <a:t>Fonte: </a:t>
             </a:r>
             <a:r>
-              <a:rPr lang="en-US" altLang="en-US" sz="1200" dirty="0">
+              <a:rPr lang="en-US" altLang="en-US" sz="1100" dirty="0">
                 <a:solidFill>
                   <a:srgbClr val="898989"/>
                 </a:solidFill>
+                <a:latin typeface="IBM Plex Sans" panose="020B0503050203000203" pitchFamily="34" charset="0"/>
                 <a:ea typeface="IBM Plex Sans" charset="0"/>
                 <a:cs typeface="IBM Plex Sans" charset="0"/>
                 <a:hlinkClick r:id="rId2">
@@ -6132,10 +7218,11 @@
               </a:rPr>
               <a:t>Ericsson Mobility Report, November 2022</a:t>
             </a:r>
-            <a:endParaRPr lang="en-US" altLang="en-US" sz="1200" dirty="0">
+            <a:endParaRPr lang="en-US" altLang="en-US" sz="1100" dirty="0">
               <a:solidFill>
                 <a:srgbClr val="898989"/>
               </a:solidFill>
+              <a:latin typeface="IBM Plex Sans" panose="020B0503050203000203" pitchFamily="34" charset="0"/>
               <a:ea typeface="IBM Plex Sans" charset="0"/>
               <a:cs typeface="IBM Plex Sans" charset="0"/>
             </a:endParaRPr>
@@ -6194,8 +7281,82 @@
           <a:lstStyle/>
           <a:p>
             <a:r>
-              <a:rPr lang="pt-BR"/>
-              <a:t>A Mobile Traffic Predictor Enhanced by Neighboring Transportation Data (MTP-NT)</a:t>
+              <a:rPr lang="pt-BR" dirty="0">
+                <a:latin typeface="IBM Plex Sans" panose="020B0503050203000203" pitchFamily="34" charset="0"/>
+              </a:rPr>
+              <a:t>A Mobile </a:t>
+            </a:r>
+            <a:r>
+              <a:rPr lang="pt-BR" dirty="0" err="1">
+                <a:latin typeface="IBM Plex Sans" panose="020B0503050203000203" pitchFamily="34" charset="0"/>
+              </a:rPr>
+              <a:t>Traffic</a:t>
+            </a:r>
+            <a:r>
+              <a:rPr lang="pt-BR" dirty="0">
+                <a:latin typeface="IBM Plex Sans" panose="020B0503050203000203" pitchFamily="34" charset="0"/>
+              </a:rPr>
+              <a:t> </a:t>
+            </a:r>
+            <a:r>
+              <a:rPr lang="pt-BR" dirty="0" err="1">
+                <a:latin typeface="IBM Plex Sans" panose="020B0503050203000203" pitchFamily="34" charset="0"/>
+              </a:rPr>
+              <a:t>Predictor</a:t>
+            </a:r>
+            <a:r>
+              <a:rPr lang="pt-BR" dirty="0">
+                <a:latin typeface="IBM Plex Sans" panose="020B0503050203000203" pitchFamily="34" charset="0"/>
+              </a:rPr>
+              <a:t> </a:t>
+            </a:r>
+            <a:r>
+              <a:rPr lang="pt-BR" dirty="0" err="1">
+                <a:latin typeface="IBM Plex Sans" panose="020B0503050203000203" pitchFamily="34" charset="0"/>
+              </a:rPr>
+              <a:t>Enhanced</a:t>
+            </a:r>
+            <a:r>
+              <a:rPr lang="pt-BR" dirty="0">
+                <a:latin typeface="IBM Plex Sans" panose="020B0503050203000203" pitchFamily="34" charset="0"/>
+              </a:rPr>
+              <a:t> </a:t>
+            </a:r>
+            <a:r>
+              <a:rPr lang="pt-BR" dirty="0" err="1">
+                <a:latin typeface="IBM Plex Sans" panose="020B0503050203000203" pitchFamily="34" charset="0"/>
+              </a:rPr>
+              <a:t>by</a:t>
+            </a:r>
+            <a:r>
+              <a:rPr lang="pt-BR" dirty="0">
+                <a:latin typeface="IBM Plex Sans" panose="020B0503050203000203" pitchFamily="34" charset="0"/>
+              </a:rPr>
+              <a:t> </a:t>
+            </a:r>
+            <a:r>
+              <a:rPr lang="pt-BR" dirty="0" err="1">
+                <a:latin typeface="IBM Plex Sans" panose="020B0503050203000203" pitchFamily="34" charset="0"/>
+              </a:rPr>
+              <a:t>Neighboring</a:t>
+            </a:r>
+            <a:r>
+              <a:rPr lang="pt-BR" dirty="0">
+                <a:latin typeface="IBM Plex Sans" panose="020B0503050203000203" pitchFamily="34" charset="0"/>
+              </a:rPr>
+              <a:t> </a:t>
+            </a:r>
+            <a:r>
+              <a:rPr lang="pt-BR" dirty="0" err="1">
+                <a:latin typeface="IBM Plex Sans" panose="020B0503050203000203" pitchFamily="34" charset="0"/>
+              </a:rPr>
+              <a:t>Transportation</a:t>
+            </a:r>
+            <a:r>
+              <a:rPr lang="pt-BR" dirty="0">
+                <a:latin typeface="IBM Plex Sans" panose="020B0503050203000203" pitchFamily="34" charset="0"/>
+              </a:rPr>
+              <a:t> Data (MTP-NT)</a:t>
             </a:r>
           </a:p>
         </p:txBody>
@@ -6222,10 +7383,14 @@
           <a:lstStyle/>
           <a:p>
             <a:fld id="{C16D1434-241F-3E4A-8778-0F70095E40C3}" type="slidenum">
-              <a:rPr lang="pt-BR" smtClean="0"/>
+              <a:rPr lang="pt-BR" smtClean="0">
+                <a:latin typeface="IBM Plex Sans" panose="020B0503050203000203" pitchFamily="34" charset="0"/>
+              </a:rPr>
               <a:t>4</a:t>
             </a:fld>
-            <a:endParaRPr lang="pt-BR"/>
+            <a:endParaRPr lang="pt-BR">
+              <a:latin typeface="IBM Plex Sans" panose="020B0503050203000203" pitchFamily="34" charset="0"/>
+            </a:endParaRPr>
           </a:p>
         </p:txBody>
       </p:sp>
@@ -6792,10 +7957,11 @@
           </a:lstStyle>
           <a:p>
             <a:r>
-              <a:rPr lang="en-US" sz="5400" b="1" dirty="0">
+              <a:rPr lang="en-US" sz="4800" b="1" dirty="0">
                 <a:solidFill>
                   <a:schemeClr val="tx1"/>
                 </a:solidFill>
+                <a:latin typeface="IBM Plex Sans" panose="020B0503050203000203" pitchFamily="34" charset="0"/>
               </a:rPr>
               <a:t>Introduction</a:t>
             </a:r>
@@ -6994,7 +8160,7 @@
                   <a:schemeClr val="tx1"/>
                 </a:solidFill>
               </a:rPr>
-              <a:t>New 5G networks will have to</a:t>
+              <a:t>New 5G networks will count on</a:t>
             </a:r>
           </a:p>
         </p:txBody>
@@ -7236,7 +8402,7 @@
                   <a:schemeClr val="tx1"/>
                 </a:solidFill>
               </a:rPr>
-              <a:t>Be based on Virtual Network Functions (VNF)</a:t>
+              <a:t>Core Network (CN) based on Virtual Network Functions (VNF) over a Network Function Virtualization (NFV)</a:t>
             </a:r>
             <a:r>
               <a:rPr lang="en-US" sz="1600" kern="0" baseline="30000" dirty="0">
@@ -7252,7 +8418,18 @@
                   <a:schemeClr val="tx1"/>
                 </a:solidFill>
               </a:rPr>
-              <a:t> over a Network Function Virtualization (NFV)</a:t>
+              <a:t> topology </a:t>
+            </a:r>
+          </a:p>
+          <a:p>
+            <a:pPr defTabSz="914400"/>
+            <a:r>
+              <a:rPr lang="en-US" sz="1600" kern="0" dirty="0">
+                <a:solidFill>
+                  <a:schemeClr val="tx1"/>
+                </a:solidFill>
+              </a:rPr>
+              <a:t>Cloud and edge computing</a:t>
             </a:r>
             <a:r>
               <a:rPr lang="en-US" sz="1600" kern="0" baseline="30000" dirty="0">
@@ -7262,22 +8439,22 @@
               </a:rPr>
               <a:t>3</a:t>
             </a:r>
+            <a:endParaRPr lang="en-US" sz="1600" kern="0" dirty="0">
+              <a:solidFill>
+                <a:schemeClr val="tx1"/>
+              </a:solidFill>
+            </a:endParaRPr>
+          </a:p>
+          <a:p>
+            <a:pPr defTabSz="914400"/>
             <a:r>
               <a:rPr lang="en-US" sz="1600" kern="0" dirty="0">
                 <a:solidFill>
                   <a:schemeClr val="tx1"/>
                 </a:solidFill>
-              </a:rPr>
-              <a:t> topology </a:t>
-            </a:r>
-          </a:p>
-          <a:p>
-            <a:pPr defTabSz="914400"/>
-            <a:r>
-              <a:rPr lang="en-US" sz="1600" kern="0" dirty="0">
-                <a:solidFill>
-                  <a:schemeClr val="tx1"/>
-                </a:solidFill>
+                <a:highlight>
+                  <a:srgbClr val="FFFF00"/>
+                </a:highlight>
               </a:rPr>
               <a:t>Use Machine Learning (ML) and other predictive tools</a:t>
             </a:r>
@@ -7821,7 +8998,7 @@
         </p:nvSpPr>
         <p:spPr>
           <a:xfrm>
-            <a:off x="739253" y="2537608"/>
+            <a:off x="1074685" y="2537608"/>
             <a:ext cx="4133088" cy="610017"/>
           </a:xfrm>
           <a:prstGeom prst="rect">
@@ -7992,7 +9169,7 @@
           <a:p>
             <a:pPr defTabSz="914400"/>
             <a:r>
-              <a:rPr lang="en-US" sz="1200" kern="0" dirty="0">
+              <a:rPr lang="en-US" sz="1200" b="1" kern="0" dirty="0">
                 <a:solidFill>
                   <a:schemeClr val="tx1"/>
                 </a:solidFill>
@@ -8003,7 +9180,7 @@
           <a:p>
             <a:pPr defTabSz="914400"/>
             <a:r>
-              <a:rPr lang="en-US" sz="1200" kern="0" dirty="0">
+              <a:rPr lang="en-US" sz="1200" b="1" kern="0" dirty="0">
                 <a:solidFill>
                   <a:schemeClr val="tx1"/>
                 </a:solidFill>
@@ -8014,7 +9191,7 @@
           <a:p>
             <a:pPr defTabSz="914400"/>
             <a:r>
-              <a:rPr lang="en-US" sz="1200" kern="0" dirty="0">
+              <a:rPr lang="en-US" sz="1200" b="1" kern="0" dirty="0">
                 <a:solidFill>
                   <a:schemeClr val="tx1"/>
                 </a:solidFill>
@@ -8038,8 +9215,8 @@
         </p:nvSpPr>
         <p:spPr>
           <a:xfrm>
-            <a:off x="6096000" y="4790658"/>
-            <a:ext cx="5257800" cy="1384995"/>
+            <a:off x="6096000" y="4636548"/>
+            <a:ext cx="5257800" cy="1615827"/>
           </a:xfrm>
           <a:prstGeom prst="rect">
             <a:avLst/>
@@ -8053,39 +9230,265 @@
           <a:lstStyle/>
           <a:p>
             <a:r>
-              <a:rPr lang="pt-BR" sz="1200" dirty="0">
+              <a:rPr lang="pt-BR" sz="1100" dirty="0">
                 <a:solidFill>
                   <a:srgbClr val="898989"/>
                 </a:solidFill>
+                <a:latin typeface="IBM Plex Sans" panose="020B0503050203000203" pitchFamily="34" charset="0"/>
               </a:rPr>
               <a:t>[1]</a:t>
             </a:r>
             <a:r>
-              <a:rPr lang="en-US" sz="1200" b="0" i="0" dirty="0">
+              <a:rPr lang="en-US" sz="1100" b="0" i="0" dirty="0">
                 <a:solidFill>
                   <a:srgbClr val="898989"/>
                 </a:solidFill>
                 <a:effectLst/>
+                <a:latin typeface="IBM Plex Sans" panose="020B0503050203000203" pitchFamily="34" charset="0"/>
               </a:rPr>
               <a:t> AGIWAL, M.; ROY, A.; SAXENA, N. Next generation 5g wireless networks: A comprehensive survey. IEEE Communications Surveys Tutorials, v. 18, n. 3, p. 1617–1655, 2016.</a:t>
             </a:r>
           </a:p>
           <a:p>
             <a:r>
-              <a:rPr lang="en-US" sz="1200" dirty="0">
+              <a:rPr lang="en-US" sz="1100" dirty="0">
                 <a:solidFill>
                   <a:srgbClr val="898989"/>
                 </a:solidFill>
+                <a:latin typeface="IBM Plex Sans" panose="020B0503050203000203" pitchFamily="34" charset="0"/>
               </a:rPr>
               <a:t>[2] Sun, Y. et al. Application of machine learning in wireless networks: Key techniques and open issues. IEEE Communications Surveys Tutorials, v. 21, n. 4, p. 3072–3108, 2019. </a:t>
             </a:r>
           </a:p>
           <a:p>
-            <a:endParaRPr lang="pt-BR" sz="1200" dirty="0">
+            <a:r>
+              <a:rPr lang="en-US" sz="1100" dirty="0">
+                <a:solidFill>
+                  <a:srgbClr val="898989"/>
+                </a:solidFill>
+                <a:latin typeface="IBM Plex Sans" panose="020B0503050203000203" pitchFamily="34" charset="0"/>
+              </a:rPr>
+              <a:t>[3] ALAWE, I. et al. Improving traffic forecasting for 5g core network scalability: A machine learning approach. IEEE Network, v. 32, n. 6, p. 42–49, 2018. </a:t>
+            </a:r>
+          </a:p>
+          <a:p>
+            <a:endParaRPr lang="pt-BR" sz="1100" dirty="0">
               <a:solidFill>
                 <a:srgbClr val="898989"/>
               </a:solidFill>
+              <a:latin typeface="IBM Plex Sans" panose="020B0503050203000203" pitchFamily="34" charset="0"/>
             </a:endParaRPr>
+          </a:p>
+        </p:txBody>
+      </p:sp>
+      <p:sp>
+        <p:nvSpPr>
+          <p:cNvPr id="20" name="Title">
+            <a:extLst>
+              <a:ext uri="{FF2B5EF4-FFF2-40B4-BE49-F238E27FC236}">
+                <a16:creationId xmlns:a16="http://schemas.microsoft.com/office/drawing/2014/main" id="{BCF4C3E0-9132-32DD-6C6E-45E764D6C940}"/>
+              </a:ext>
+            </a:extLst>
+          </p:cNvPr>
+          <p:cNvSpPr txBox="1">
+            <a:spLocks/>
+          </p:cNvSpPr>
+          <p:nvPr/>
+        </p:nvSpPr>
+        <p:spPr>
+          <a:xfrm>
+            <a:off x="7399135" y="3333672"/>
+            <a:ext cx="4133088" cy="610017"/>
+          </a:xfrm>
+          <a:prstGeom prst="rect">
+            <a:avLst/>
+          </a:prstGeom>
+        </p:spPr>
+        <p:txBody>
+          <a:bodyPr vert="horz" lIns="0" tIns="0" rIns="0" bIns="0" rtlCol="0" anchor="t">
+            <a:noAutofit/>
+          </a:bodyPr>
+          <a:lstStyle>
+            <a:lvl1pPr algn="l" rtl="0" eaLnBrk="1" fontAlgn="base" hangingPunct="1">
+              <a:lnSpc>
+                <a:spcPct val="90000"/>
+              </a:lnSpc>
+              <a:spcBef>
+                <a:spcPct val="0"/>
+              </a:spcBef>
+              <a:spcAft>
+                <a:spcPct val="0"/>
+              </a:spcAft>
+              <a:defRPr sz="1600" b="0">
+                <a:solidFill>
+                  <a:schemeClr val="bg1"/>
+                </a:solidFill>
+                <a:latin typeface="IBM Plex Sans" panose="020B0503050203000203" pitchFamily="34" charset="0"/>
+                <a:ea typeface="IBM Plex Sans" panose="020B0503050203000203" pitchFamily="34" charset="0"/>
+                <a:cs typeface="IBM Plex Sans" panose="020B0503050203000203" pitchFamily="34" charset="0"/>
+              </a:defRPr>
+            </a:lvl1pPr>
+            <a:lvl2pPr algn="l" rtl="0" eaLnBrk="1" fontAlgn="base" hangingPunct="1">
+              <a:lnSpc>
+                <a:spcPct val="90000"/>
+              </a:lnSpc>
+              <a:spcBef>
+                <a:spcPct val="0"/>
+              </a:spcBef>
+              <a:spcAft>
+                <a:spcPct val="0"/>
+              </a:spcAft>
+              <a:defRPr sz="2220">
+                <a:solidFill>
+                  <a:srgbClr val="191919"/>
+                </a:solidFill>
+                <a:latin typeface="IBM Plex Sans" pitchFamily="34" charset="0"/>
+              </a:defRPr>
+            </a:lvl2pPr>
+            <a:lvl3pPr algn="l" rtl="0" eaLnBrk="1" fontAlgn="base" hangingPunct="1">
+              <a:lnSpc>
+                <a:spcPct val="90000"/>
+              </a:lnSpc>
+              <a:spcBef>
+                <a:spcPct val="0"/>
+              </a:spcBef>
+              <a:spcAft>
+                <a:spcPct val="0"/>
+              </a:spcAft>
+              <a:defRPr sz="2220">
+                <a:solidFill>
+                  <a:srgbClr val="191919"/>
+                </a:solidFill>
+                <a:latin typeface="IBM Plex Sans" pitchFamily="34" charset="0"/>
+              </a:defRPr>
+            </a:lvl3pPr>
+            <a:lvl4pPr algn="l" rtl="0" eaLnBrk="1" fontAlgn="base" hangingPunct="1">
+              <a:lnSpc>
+                <a:spcPct val="90000"/>
+              </a:lnSpc>
+              <a:spcBef>
+                <a:spcPct val="0"/>
+              </a:spcBef>
+              <a:spcAft>
+                <a:spcPct val="0"/>
+              </a:spcAft>
+              <a:defRPr sz="2220">
+                <a:solidFill>
+                  <a:srgbClr val="191919"/>
+                </a:solidFill>
+                <a:latin typeface="IBM Plex Sans" pitchFamily="34" charset="0"/>
+              </a:defRPr>
+            </a:lvl4pPr>
+            <a:lvl5pPr algn="l" rtl="0" eaLnBrk="1" fontAlgn="base" hangingPunct="1">
+              <a:lnSpc>
+                <a:spcPct val="90000"/>
+              </a:lnSpc>
+              <a:spcBef>
+                <a:spcPct val="0"/>
+              </a:spcBef>
+              <a:spcAft>
+                <a:spcPct val="0"/>
+              </a:spcAft>
+              <a:defRPr sz="2220">
+                <a:solidFill>
+                  <a:srgbClr val="191919"/>
+                </a:solidFill>
+                <a:latin typeface="IBM Plex Sans" pitchFamily="34" charset="0"/>
+              </a:defRPr>
+            </a:lvl5pPr>
+            <a:lvl6pPr marL="362568" algn="l" rtl="0" eaLnBrk="1" fontAlgn="base" hangingPunct="1">
+              <a:lnSpc>
+                <a:spcPct val="90000"/>
+              </a:lnSpc>
+              <a:spcBef>
+                <a:spcPct val="0"/>
+              </a:spcBef>
+              <a:spcAft>
+                <a:spcPct val="0"/>
+              </a:spcAft>
+              <a:defRPr sz="2220">
+                <a:solidFill>
+                  <a:srgbClr val="191919"/>
+                </a:solidFill>
+                <a:latin typeface="IBM Plex Sans" pitchFamily="34" charset="0"/>
+              </a:defRPr>
+            </a:lvl6pPr>
+            <a:lvl7pPr marL="725139" algn="l" rtl="0" eaLnBrk="1" fontAlgn="base" hangingPunct="1">
+              <a:lnSpc>
+                <a:spcPct val="90000"/>
+              </a:lnSpc>
+              <a:spcBef>
+                <a:spcPct val="0"/>
+              </a:spcBef>
+              <a:spcAft>
+                <a:spcPct val="0"/>
+              </a:spcAft>
+              <a:defRPr sz="2220">
+                <a:solidFill>
+                  <a:srgbClr val="191919"/>
+                </a:solidFill>
+                <a:latin typeface="IBM Plex Sans" pitchFamily="34" charset="0"/>
+              </a:defRPr>
+            </a:lvl7pPr>
+            <a:lvl8pPr marL="1087707" algn="l" rtl="0" eaLnBrk="1" fontAlgn="base" hangingPunct="1">
+              <a:lnSpc>
+                <a:spcPct val="90000"/>
+              </a:lnSpc>
+              <a:spcBef>
+                <a:spcPct val="0"/>
+              </a:spcBef>
+              <a:spcAft>
+                <a:spcPct val="0"/>
+              </a:spcAft>
+              <a:defRPr sz="2220">
+                <a:solidFill>
+                  <a:srgbClr val="191919"/>
+                </a:solidFill>
+                <a:latin typeface="IBM Plex Sans" pitchFamily="34" charset="0"/>
+              </a:defRPr>
+            </a:lvl8pPr>
+            <a:lvl9pPr marL="1450276" algn="l" rtl="0" eaLnBrk="1" fontAlgn="base" hangingPunct="1">
+              <a:lnSpc>
+                <a:spcPct val="90000"/>
+              </a:lnSpc>
+              <a:spcBef>
+                <a:spcPct val="0"/>
+              </a:spcBef>
+              <a:spcAft>
+                <a:spcPct val="0"/>
+              </a:spcAft>
+              <a:defRPr sz="2220">
+                <a:solidFill>
+                  <a:srgbClr val="191919"/>
+                </a:solidFill>
+                <a:latin typeface="IBM Plex Sans" pitchFamily="34" charset="0"/>
+              </a:defRPr>
+            </a:lvl9pPr>
+          </a:lstStyle>
+          <a:p>
+            <a:pPr defTabSz="914400"/>
+            <a:r>
+              <a:rPr lang="en-US" sz="1200" kern="0" dirty="0">
+                <a:solidFill>
+                  <a:schemeClr val="tx1"/>
+                </a:solidFill>
+              </a:rPr>
+              <a:t>Intelligent caching in network edge</a:t>
+            </a:r>
+          </a:p>
+          <a:p>
+            <a:pPr defTabSz="914400"/>
+            <a:r>
+              <a:rPr lang="en-US" sz="1200" kern="0" dirty="0">
+                <a:solidFill>
+                  <a:schemeClr val="tx1"/>
+                </a:solidFill>
+                <a:highlight>
+                  <a:srgbClr val="FFFF00"/>
+                </a:highlight>
+              </a:rPr>
+              <a:t>Cloud computing optimization</a:t>
+            </a:r>
           </a:p>
         </p:txBody>
       </p:sp>
@@ -8121,6 +9524,2288 @@
       </p:grpSpPr>
       <p:sp>
         <p:nvSpPr>
+          <p:cNvPr id="4" name="Footer Placeholder 3">
+            <a:extLst>
+              <a:ext uri="{FF2B5EF4-FFF2-40B4-BE49-F238E27FC236}">
+                <a16:creationId xmlns:a16="http://schemas.microsoft.com/office/drawing/2014/main" id="{ABC5BB99-6713-EE89-3895-F3148FABAE18}"/>
+              </a:ext>
+            </a:extLst>
+          </p:cNvPr>
+          <p:cNvSpPr>
+            <a:spLocks noGrp="1"/>
+          </p:cNvSpPr>
+          <p:nvPr>
+            <p:ph type="ftr" sz="quarter" idx="11"/>
+          </p:nvPr>
+        </p:nvSpPr>
+        <p:spPr/>
+        <p:txBody>
+          <a:bodyPr/>
+          <a:lstStyle/>
+          <a:p>
+            <a:r>
+              <a:rPr lang="pt-BR">
+                <a:latin typeface="IBM Plex Sans" panose="020B0503050203000203" pitchFamily="34" charset="0"/>
+              </a:rPr>
+              <a:t>A Mobile Traffic Predictor Enhanced by Neighboring Transportation Data (MTP-NT)</a:t>
+            </a:r>
+          </a:p>
+        </p:txBody>
+      </p:sp>
+      <p:sp>
+        <p:nvSpPr>
+          <p:cNvPr id="5" name="Slide Number Placeholder 4">
+            <a:extLst>
+              <a:ext uri="{FF2B5EF4-FFF2-40B4-BE49-F238E27FC236}">
+                <a16:creationId xmlns:a16="http://schemas.microsoft.com/office/drawing/2014/main" id="{DE4D7978-95DF-1BFB-E341-3759F4762F0C}"/>
+              </a:ext>
+            </a:extLst>
+          </p:cNvPr>
+          <p:cNvSpPr>
+            <a:spLocks noGrp="1"/>
+          </p:cNvSpPr>
+          <p:nvPr>
+            <p:ph type="sldNum" sz="quarter" idx="12"/>
+          </p:nvPr>
+        </p:nvSpPr>
+        <p:spPr/>
+        <p:txBody>
+          <a:bodyPr/>
+          <a:lstStyle/>
+          <a:p>
+            <a:fld id="{C16D1434-241F-3E4A-8778-0F70095E40C3}" type="slidenum">
+              <a:rPr lang="pt-BR" smtClean="0">
+                <a:latin typeface="IBM Plex Sans" panose="020B0503050203000203" pitchFamily="34" charset="0"/>
+              </a:rPr>
+              <a:t>5</a:t>
+            </a:fld>
+            <a:endParaRPr lang="pt-BR">
+              <a:latin typeface="IBM Plex Sans" panose="020B0503050203000203" pitchFamily="34" charset="0"/>
+            </a:endParaRPr>
+          </a:p>
+        </p:txBody>
+      </p:sp>
+      <p:sp>
+        <p:nvSpPr>
+          <p:cNvPr id="11" name="Text Placeholder">
+            <a:extLst>
+              <a:ext uri="{FF2B5EF4-FFF2-40B4-BE49-F238E27FC236}">
+                <a16:creationId xmlns:a16="http://schemas.microsoft.com/office/drawing/2014/main" id="{65079F3F-D2E5-FBC2-1747-119744FDBF1D}"/>
+              </a:ext>
+            </a:extLst>
+          </p:cNvPr>
+          <p:cNvSpPr txBox="1">
+            <a:spLocks/>
+          </p:cNvSpPr>
+          <p:nvPr/>
+        </p:nvSpPr>
+        <p:spPr>
+          <a:xfrm>
+            <a:off x="739253" y="1694456"/>
+            <a:ext cx="4757421" cy="843152"/>
+          </a:xfrm>
+          <a:prstGeom prst="rect">
+            <a:avLst/>
+          </a:prstGeom>
+        </p:spPr>
+        <p:txBody>
+          <a:bodyPr vert="horz" lIns="0" tIns="0" rIns="0" bIns="0" rtlCol="0">
+            <a:noAutofit/>
+          </a:bodyPr>
+          <a:lstStyle>
+            <a:lvl1pPr marL="0" indent="0" algn="l" rtl="0" eaLnBrk="1" fontAlgn="base" hangingPunct="1">
+              <a:lnSpc>
+                <a:spcPct val="90000"/>
+              </a:lnSpc>
+              <a:spcBef>
+                <a:spcPts val="1100"/>
+              </a:spcBef>
+              <a:spcAft>
+                <a:spcPct val="0"/>
+              </a:spcAft>
+              <a:buClr>
+                <a:srgbClr val="6D6E70"/>
+              </a:buClr>
+              <a:buSzPct val="90000"/>
+              <a:buFont typeface="IBM Plex Sans" pitchFamily="2" charset="2"/>
+              <a:buNone/>
+              <a:defRPr sz="9600" b="1" i="0">
+                <a:solidFill>
+                  <a:schemeClr val="bg1"/>
+                </a:solidFill>
+                <a:latin typeface="IBM Plex Sans" panose="020B0503050203000203" pitchFamily="34" charset="0"/>
+                <a:ea typeface="IBM Plex Sans" panose="020B0503050203000203" pitchFamily="34" charset="0"/>
+                <a:cs typeface="IBM Plex Sans" panose="020B0503050203000203" pitchFamily="34" charset="0"/>
+              </a:defRPr>
+            </a:lvl1pPr>
+            <a:lvl2pPr marL="171452" indent="-173736" algn="l" rtl="0" eaLnBrk="1" fontAlgn="base" hangingPunct="1">
+              <a:lnSpc>
+                <a:spcPct val="100000"/>
+              </a:lnSpc>
+              <a:spcBef>
+                <a:spcPts val="1100"/>
+              </a:spcBef>
+              <a:spcAft>
+                <a:spcPct val="0"/>
+              </a:spcAft>
+              <a:buClr>
+                <a:schemeClr val="bg1"/>
+              </a:buClr>
+              <a:buSzPct val="100000"/>
+              <a:buFont typeface="IBM Plex Sans" charset="-120"/>
+              <a:buChar char="–"/>
+              <a:tabLst/>
+              <a:defRPr sz="1400">
+                <a:solidFill>
+                  <a:schemeClr val="bg1"/>
+                </a:solidFill>
+                <a:latin typeface="IBM Plex Sans" panose="020B0503050203000203" pitchFamily="34" charset="0"/>
+                <a:ea typeface="IBM Plex Sans" panose="020B0503050203000203" pitchFamily="34" charset="0"/>
+                <a:cs typeface="IBM Plex Sans" panose="020B0503050203000203" pitchFamily="34" charset="0"/>
+              </a:defRPr>
+            </a:lvl2pPr>
+            <a:lvl3pPr marL="342905" indent="-173736" algn="l" rtl="0" eaLnBrk="1" fontAlgn="base" hangingPunct="1">
+              <a:lnSpc>
+                <a:spcPct val="100000"/>
+              </a:lnSpc>
+              <a:spcBef>
+                <a:spcPts val="1100"/>
+              </a:spcBef>
+              <a:spcAft>
+                <a:spcPct val="0"/>
+              </a:spcAft>
+              <a:buClr>
+                <a:schemeClr val="bg1"/>
+              </a:buClr>
+              <a:buSzPct val="100000"/>
+              <a:buFont typeface="Arial" panose="020B0604020202020204" pitchFamily="34" charset="0"/>
+              <a:buChar char="•"/>
+              <a:tabLst/>
+              <a:defRPr sz="1400">
+                <a:solidFill>
+                  <a:schemeClr val="bg1"/>
+                </a:solidFill>
+                <a:latin typeface="IBM Plex Sans" panose="020B0503050203000203" pitchFamily="34" charset="0"/>
+                <a:ea typeface="IBM Plex Sans" panose="020B0503050203000203" pitchFamily="34" charset="0"/>
+                <a:cs typeface="IBM Plex Sans" panose="020B0503050203000203" pitchFamily="34" charset="0"/>
+              </a:defRPr>
+            </a:lvl3pPr>
+            <a:lvl4pPr marL="628658" indent="-173736" algn="l" rtl="0" eaLnBrk="1" fontAlgn="base" hangingPunct="1">
+              <a:lnSpc>
+                <a:spcPct val="100000"/>
+              </a:lnSpc>
+              <a:spcBef>
+                <a:spcPts val="1100"/>
+              </a:spcBef>
+              <a:spcAft>
+                <a:spcPct val="0"/>
+              </a:spcAft>
+              <a:buClr>
+                <a:schemeClr val="bg1"/>
+              </a:buClr>
+              <a:buSzPct val="100000"/>
+              <a:buFont typeface="IBM Plex Sans" charset="-120"/>
+              <a:buChar char="–"/>
+              <a:tabLst/>
+              <a:defRPr sz="1400" baseline="0">
+                <a:solidFill>
+                  <a:schemeClr val="bg1"/>
+                </a:solidFill>
+                <a:latin typeface="IBM Plex Sans" panose="020B0503050203000203" pitchFamily="34" charset="0"/>
+                <a:ea typeface="IBM Plex Sans" panose="020B0503050203000203" pitchFamily="34" charset="0"/>
+                <a:cs typeface="IBM Plex Sans" panose="020B0503050203000203" pitchFamily="34" charset="0"/>
+              </a:defRPr>
+            </a:lvl4pPr>
+            <a:lvl5pPr marL="803285" indent="-173736" algn="l" rtl="0" eaLnBrk="1" fontAlgn="base" hangingPunct="1">
+              <a:lnSpc>
+                <a:spcPct val="100000"/>
+              </a:lnSpc>
+              <a:spcBef>
+                <a:spcPts val="1100"/>
+              </a:spcBef>
+              <a:spcAft>
+                <a:spcPct val="0"/>
+              </a:spcAft>
+              <a:buClr>
+                <a:schemeClr val="bg1"/>
+              </a:buClr>
+              <a:buFont typeface="IBM Plex Sans" charset="-120"/>
+              <a:buChar char="»"/>
+              <a:tabLst/>
+              <a:defRPr sz="1400">
+                <a:solidFill>
+                  <a:schemeClr val="bg1"/>
+                </a:solidFill>
+                <a:latin typeface="IBM Plex Sans" panose="020B0503050203000203" pitchFamily="34" charset="0"/>
+                <a:ea typeface="IBM Plex Sans" panose="020B0503050203000203" pitchFamily="34" charset="0"/>
+                <a:cs typeface="IBM Plex Sans" panose="020B0503050203000203" pitchFamily="34" charset="0"/>
+              </a:defRPr>
+            </a:lvl5pPr>
+            <a:lvl6pPr marL="1583721" indent="-129670" algn="l" rtl="0" eaLnBrk="1" fontAlgn="base" hangingPunct="1">
+              <a:spcBef>
+                <a:spcPct val="20000"/>
+              </a:spcBef>
+              <a:spcAft>
+                <a:spcPct val="0"/>
+              </a:spcAft>
+              <a:buClr>
+                <a:schemeClr val="bg1"/>
+              </a:buClr>
+              <a:buChar char="»"/>
+              <a:defRPr sz="1269">
+                <a:solidFill>
+                  <a:schemeClr val="bg1"/>
+                </a:solidFill>
+                <a:latin typeface="IBM Plex Sans" charset="0"/>
+              </a:defRPr>
+            </a:lvl6pPr>
+            <a:lvl7pPr marL="1946291" indent="-129670" algn="l" rtl="0" eaLnBrk="1" fontAlgn="base" hangingPunct="1">
+              <a:spcBef>
+                <a:spcPct val="20000"/>
+              </a:spcBef>
+              <a:spcAft>
+                <a:spcPct val="0"/>
+              </a:spcAft>
+              <a:buClr>
+                <a:schemeClr val="bg1"/>
+              </a:buClr>
+              <a:buChar char="»"/>
+              <a:defRPr sz="1269">
+                <a:solidFill>
+                  <a:schemeClr val="bg1"/>
+                </a:solidFill>
+                <a:latin typeface="IBM Plex Sans" charset="0"/>
+              </a:defRPr>
+            </a:lvl7pPr>
+            <a:lvl8pPr marL="2308860" indent="-129670" algn="l" rtl="0" eaLnBrk="1" fontAlgn="base" hangingPunct="1">
+              <a:spcBef>
+                <a:spcPct val="20000"/>
+              </a:spcBef>
+              <a:spcAft>
+                <a:spcPct val="0"/>
+              </a:spcAft>
+              <a:buClr>
+                <a:schemeClr val="bg1"/>
+              </a:buClr>
+              <a:buChar char="»"/>
+              <a:defRPr sz="1269">
+                <a:solidFill>
+                  <a:schemeClr val="bg1"/>
+                </a:solidFill>
+                <a:latin typeface="IBM Plex Sans" charset="0"/>
+              </a:defRPr>
+            </a:lvl8pPr>
+            <a:lvl9pPr marL="2671430" indent="-129670" algn="l" rtl="0" eaLnBrk="1" fontAlgn="base" hangingPunct="1">
+              <a:spcBef>
+                <a:spcPct val="20000"/>
+              </a:spcBef>
+              <a:spcAft>
+                <a:spcPct val="0"/>
+              </a:spcAft>
+              <a:buClr>
+                <a:schemeClr val="bg1"/>
+              </a:buClr>
+              <a:buChar char="»"/>
+              <a:defRPr sz="1269">
+                <a:solidFill>
+                  <a:schemeClr val="bg1"/>
+                </a:solidFill>
+                <a:latin typeface="IBM Plex Sans" charset="0"/>
+              </a:defRPr>
+            </a:lvl9pPr>
+          </a:lstStyle>
+          <a:p>
+            <a:pPr defTabSz="914400"/>
+            <a:r>
+              <a:rPr lang="en-US" sz="1600" kern="0" dirty="0">
+                <a:solidFill>
+                  <a:schemeClr val="tx1"/>
+                </a:solidFill>
+              </a:rPr>
+              <a:t>AI models advantages</a:t>
+            </a:r>
+          </a:p>
+        </p:txBody>
+      </p:sp>
+      <p:sp>
+        <p:nvSpPr>
+          <p:cNvPr id="13" name="Text Placeholder">
+            <a:extLst>
+              <a:ext uri="{FF2B5EF4-FFF2-40B4-BE49-F238E27FC236}">
+                <a16:creationId xmlns:a16="http://schemas.microsoft.com/office/drawing/2014/main" id="{4D1EB361-A84D-E1BA-5887-29346BE14147}"/>
+              </a:ext>
+            </a:extLst>
+          </p:cNvPr>
+          <p:cNvSpPr txBox="1">
+            <a:spLocks/>
+          </p:cNvSpPr>
+          <p:nvPr/>
+        </p:nvSpPr>
+        <p:spPr>
+          <a:xfrm>
+            <a:off x="0" y="104751"/>
+            <a:ext cx="4206240" cy="633222"/>
+          </a:xfrm>
+          <a:prstGeom prst="rect">
+            <a:avLst/>
+          </a:prstGeom>
+        </p:spPr>
+        <p:txBody>
+          <a:bodyPr vert="horz" lIns="91440" tIns="45720" rIns="91440" bIns="45720" rtlCol="0" anchor="ctr"/>
+          <a:lstStyle>
+            <a:defPPr>
+              <a:defRPr lang="en-BR"/>
+            </a:defPPr>
+            <a:lvl1pPr marL="0" algn="r" defTabSz="914400" rtl="0" eaLnBrk="1" latinLnBrk="0" hangingPunct="1">
+              <a:defRPr sz="1200" kern="1200">
+                <a:solidFill>
+                  <a:schemeClr val="tx1">
+                    <a:tint val="75000"/>
+                  </a:schemeClr>
+                </a:solidFill>
+                <a:latin typeface="+mn-lt"/>
+                <a:ea typeface="+mn-ea"/>
+                <a:cs typeface="+mn-cs"/>
+              </a:defRPr>
+            </a:lvl1pPr>
+            <a:lvl2pPr marL="457200" algn="l" defTabSz="914400" rtl="0" eaLnBrk="1" latinLnBrk="0" hangingPunct="1">
+              <a:defRPr sz="1800" kern="1200">
+                <a:solidFill>
+                  <a:schemeClr val="tx1"/>
+                </a:solidFill>
+                <a:latin typeface="+mn-lt"/>
+                <a:ea typeface="+mn-ea"/>
+                <a:cs typeface="+mn-cs"/>
+              </a:defRPr>
+            </a:lvl2pPr>
+            <a:lvl3pPr marL="914400" algn="l" defTabSz="914400" rtl="0" eaLnBrk="1" latinLnBrk="0" hangingPunct="1">
+              <a:defRPr sz="1800" kern="1200">
+                <a:solidFill>
+                  <a:schemeClr val="tx1"/>
+                </a:solidFill>
+                <a:latin typeface="+mn-lt"/>
+                <a:ea typeface="+mn-ea"/>
+                <a:cs typeface="+mn-cs"/>
+              </a:defRPr>
+            </a:lvl3pPr>
+            <a:lvl4pPr marL="1371600" algn="l" defTabSz="914400" rtl="0" eaLnBrk="1" latinLnBrk="0" hangingPunct="1">
+              <a:defRPr sz="1800" kern="1200">
+                <a:solidFill>
+                  <a:schemeClr val="tx1"/>
+                </a:solidFill>
+                <a:latin typeface="+mn-lt"/>
+                <a:ea typeface="+mn-ea"/>
+                <a:cs typeface="+mn-cs"/>
+              </a:defRPr>
+            </a:lvl4pPr>
+            <a:lvl5pPr marL="1828800" algn="l" defTabSz="914400" rtl="0" eaLnBrk="1" latinLnBrk="0" hangingPunct="1">
+              <a:defRPr sz="1800" kern="1200">
+                <a:solidFill>
+                  <a:schemeClr val="tx1"/>
+                </a:solidFill>
+                <a:latin typeface="+mn-lt"/>
+                <a:ea typeface="+mn-ea"/>
+                <a:cs typeface="+mn-cs"/>
+              </a:defRPr>
+            </a:lvl5pPr>
+            <a:lvl6pPr marL="2286000" algn="l" defTabSz="914400" rtl="0" eaLnBrk="1" latinLnBrk="0" hangingPunct="1">
+              <a:defRPr sz="1800" kern="1200">
+                <a:solidFill>
+                  <a:schemeClr val="tx1"/>
+                </a:solidFill>
+                <a:latin typeface="+mn-lt"/>
+                <a:ea typeface="+mn-ea"/>
+                <a:cs typeface="+mn-cs"/>
+              </a:defRPr>
+            </a:lvl6pPr>
+            <a:lvl7pPr marL="2743200" algn="l" defTabSz="914400" rtl="0" eaLnBrk="1" latinLnBrk="0" hangingPunct="1">
+              <a:defRPr sz="1800" kern="1200">
+                <a:solidFill>
+                  <a:schemeClr val="tx1"/>
+                </a:solidFill>
+                <a:latin typeface="+mn-lt"/>
+                <a:ea typeface="+mn-ea"/>
+                <a:cs typeface="+mn-cs"/>
+              </a:defRPr>
+            </a:lvl7pPr>
+            <a:lvl8pPr marL="3200400" algn="l" defTabSz="914400" rtl="0" eaLnBrk="1" latinLnBrk="0" hangingPunct="1">
+              <a:defRPr sz="1800" kern="1200">
+                <a:solidFill>
+                  <a:schemeClr val="tx1"/>
+                </a:solidFill>
+                <a:latin typeface="+mn-lt"/>
+                <a:ea typeface="+mn-ea"/>
+                <a:cs typeface="+mn-cs"/>
+              </a:defRPr>
+            </a:lvl8pPr>
+            <a:lvl9pPr marL="3657600" algn="l" defTabSz="914400" rtl="0" eaLnBrk="1" latinLnBrk="0" hangingPunct="1">
+              <a:defRPr sz="1800" kern="1200">
+                <a:solidFill>
+                  <a:schemeClr val="tx1"/>
+                </a:solidFill>
+                <a:latin typeface="+mn-lt"/>
+                <a:ea typeface="+mn-ea"/>
+                <a:cs typeface="+mn-cs"/>
+              </a:defRPr>
+            </a:lvl9pPr>
+          </a:lstStyle>
+          <a:p>
+            <a:r>
+              <a:rPr lang="en-US" sz="4800" b="1" dirty="0">
+                <a:solidFill>
+                  <a:schemeClr val="tx1"/>
+                </a:solidFill>
+                <a:latin typeface="IBM Plex Sans" panose="020B0503050203000203" pitchFamily="34" charset="0"/>
+              </a:rPr>
+              <a:t>Introduction</a:t>
+            </a:r>
+          </a:p>
+        </p:txBody>
+      </p:sp>
+      <p:sp>
+        <p:nvSpPr>
+          <p:cNvPr id="15" name="Text Placeholder">
+            <a:extLst>
+              <a:ext uri="{FF2B5EF4-FFF2-40B4-BE49-F238E27FC236}">
+                <a16:creationId xmlns:a16="http://schemas.microsoft.com/office/drawing/2014/main" id="{7E35D6A1-7422-B3CC-CFAB-0ABF8CEB7BE4}"/>
+              </a:ext>
+            </a:extLst>
+          </p:cNvPr>
+          <p:cNvSpPr txBox="1">
+            <a:spLocks/>
+          </p:cNvSpPr>
+          <p:nvPr/>
+        </p:nvSpPr>
+        <p:spPr>
+          <a:xfrm>
+            <a:off x="6984228" y="1694456"/>
+            <a:ext cx="4757421" cy="2106982"/>
+          </a:xfrm>
+          <a:prstGeom prst="rect">
+            <a:avLst/>
+          </a:prstGeom>
+        </p:spPr>
+        <p:txBody>
+          <a:bodyPr vert="horz" lIns="0" tIns="0" rIns="0" bIns="0" rtlCol="0">
+            <a:noAutofit/>
+          </a:bodyPr>
+          <a:lstStyle>
+            <a:lvl1pPr marL="0" indent="0" algn="l" rtl="0" eaLnBrk="1" fontAlgn="base" hangingPunct="1">
+              <a:lnSpc>
+                <a:spcPct val="90000"/>
+              </a:lnSpc>
+              <a:spcBef>
+                <a:spcPts val="1100"/>
+              </a:spcBef>
+              <a:spcAft>
+                <a:spcPct val="0"/>
+              </a:spcAft>
+              <a:buClr>
+                <a:srgbClr val="6D6E70"/>
+              </a:buClr>
+              <a:buSzPct val="90000"/>
+              <a:buFont typeface="IBM Plex Sans" pitchFamily="2" charset="2"/>
+              <a:buNone/>
+              <a:defRPr sz="9600" b="1" i="0">
+                <a:solidFill>
+                  <a:schemeClr val="bg1"/>
+                </a:solidFill>
+                <a:latin typeface="IBM Plex Sans" panose="020B0503050203000203" pitchFamily="34" charset="0"/>
+                <a:ea typeface="IBM Plex Sans" panose="020B0503050203000203" pitchFamily="34" charset="0"/>
+                <a:cs typeface="IBM Plex Sans" panose="020B0503050203000203" pitchFamily="34" charset="0"/>
+              </a:defRPr>
+            </a:lvl1pPr>
+            <a:lvl2pPr marL="171452" indent="-173736" algn="l" rtl="0" eaLnBrk="1" fontAlgn="base" hangingPunct="1">
+              <a:lnSpc>
+                <a:spcPct val="100000"/>
+              </a:lnSpc>
+              <a:spcBef>
+                <a:spcPts val="1100"/>
+              </a:spcBef>
+              <a:spcAft>
+                <a:spcPct val="0"/>
+              </a:spcAft>
+              <a:buClr>
+                <a:schemeClr val="bg1"/>
+              </a:buClr>
+              <a:buSzPct val="100000"/>
+              <a:buFont typeface="IBM Plex Sans" charset="-120"/>
+              <a:buChar char="–"/>
+              <a:tabLst/>
+              <a:defRPr sz="1400">
+                <a:solidFill>
+                  <a:schemeClr val="bg1"/>
+                </a:solidFill>
+                <a:latin typeface="IBM Plex Sans" panose="020B0503050203000203" pitchFamily="34" charset="0"/>
+                <a:ea typeface="IBM Plex Sans" panose="020B0503050203000203" pitchFamily="34" charset="0"/>
+                <a:cs typeface="IBM Plex Sans" panose="020B0503050203000203" pitchFamily="34" charset="0"/>
+              </a:defRPr>
+            </a:lvl2pPr>
+            <a:lvl3pPr marL="342905" indent="-173736" algn="l" rtl="0" eaLnBrk="1" fontAlgn="base" hangingPunct="1">
+              <a:lnSpc>
+                <a:spcPct val="100000"/>
+              </a:lnSpc>
+              <a:spcBef>
+                <a:spcPts val="1100"/>
+              </a:spcBef>
+              <a:spcAft>
+                <a:spcPct val="0"/>
+              </a:spcAft>
+              <a:buClr>
+                <a:schemeClr val="bg1"/>
+              </a:buClr>
+              <a:buSzPct val="100000"/>
+              <a:buFont typeface="Arial" panose="020B0604020202020204" pitchFamily="34" charset="0"/>
+              <a:buChar char="•"/>
+              <a:tabLst/>
+              <a:defRPr sz="1400">
+                <a:solidFill>
+                  <a:schemeClr val="bg1"/>
+                </a:solidFill>
+                <a:latin typeface="IBM Plex Sans" panose="020B0503050203000203" pitchFamily="34" charset="0"/>
+                <a:ea typeface="IBM Plex Sans" panose="020B0503050203000203" pitchFamily="34" charset="0"/>
+                <a:cs typeface="IBM Plex Sans" panose="020B0503050203000203" pitchFamily="34" charset="0"/>
+              </a:defRPr>
+            </a:lvl3pPr>
+            <a:lvl4pPr marL="628658" indent="-173736" algn="l" rtl="0" eaLnBrk="1" fontAlgn="base" hangingPunct="1">
+              <a:lnSpc>
+                <a:spcPct val="100000"/>
+              </a:lnSpc>
+              <a:spcBef>
+                <a:spcPts val="1100"/>
+              </a:spcBef>
+              <a:spcAft>
+                <a:spcPct val="0"/>
+              </a:spcAft>
+              <a:buClr>
+                <a:schemeClr val="bg1"/>
+              </a:buClr>
+              <a:buSzPct val="100000"/>
+              <a:buFont typeface="IBM Plex Sans" charset="-120"/>
+              <a:buChar char="–"/>
+              <a:tabLst/>
+              <a:defRPr sz="1400" baseline="0">
+                <a:solidFill>
+                  <a:schemeClr val="bg1"/>
+                </a:solidFill>
+                <a:latin typeface="IBM Plex Sans" panose="020B0503050203000203" pitchFamily="34" charset="0"/>
+                <a:ea typeface="IBM Plex Sans" panose="020B0503050203000203" pitchFamily="34" charset="0"/>
+                <a:cs typeface="IBM Plex Sans" panose="020B0503050203000203" pitchFamily="34" charset="0"/>
+              </a:defRPr>
+            </a:lvl4pPr>
+            <a:lvl5pPr marL="803285" indent="-173736" algn="l" rtl="0" eaLnBrk="1" fontAlgn="base" hangingPunct="1">
+              <a:lnSpc>
+                <a:spcPct val="100000"/>
+              </a:lnSpc>
+              <a:spcBef>
+                <a:spcPts val="1100"/>
+              </a:spcBef>
+              <a:spcAft>
+                <a:spcPct val="0"/>
+              </a:spcAft>
+              <a:buClr>
+                <a:schemeClr val="bg1"/>
+              </a:buClr>
+              <a:buFont typeface="IBM Plex Sans" charset="-120"/>
+              <a:buChar char="»"/>
+              <a:tabLst/>
+              <a:defRPr sz="1400">
+                <a:solidFill>
+                  <a:schemeClr val="bg1"/>
+                </a:solidFill>
+                <a:latin typeface="IBM Plex Sans" panose="020B0503050203000203" pitchFamily="34" charset="0"/>
+                <a:ea typeface="IBM Plex Sans" panose="020B0503050203000203" pitchFamily="34" charset="0"/>
+                <a:cs typeface="IBM Plex Sans" panose="020B0503050203000203" pitchFamily="34" charset="0"/>
+              </a:defRPr>
+            </a:lvl5pPr>
+            <a:lvl6pPr marL="1583721" indent="-129670" algn="l" rtl="0" eaLnBrk="1" fontAlgn="base" hangingPunct="1">
+              <a:spcBef>
+                <a:spcPct val="20000"/>
+              </a:spcBef>
+              <a:spcAft>
+                <a:spcPct val="0"/>
+              </a:spcAft>
+              <a:buClr>
+                <a:schemeClr val="bg1"/>
+              </a:buClr>
+              <a:buChar char="»"/>
+              <a:defRPr sz="1269">
+                <a:solidFill>
+                  <a:schemeClr val="bg1"/>
+                </a:solidFill>
+                <a:latin typeface="IBM Plex Sans" charset="0"/>
+              </a:defRPr>
+            </a:lvl6pPr>
+            <a:lvl7pPr marL="1946291" indent="-129670" algn="l" rtl="0" eaLnBrk="1" fontAlgn="base" hangingPunct="1">
+              <a:spcBef>
+                <a:spcPct val="20000"/>
+              </a:spcBef>
+              <a:spcAft>
+                <a:spcPct val="0"/>
+              </a:spcAft>
+              <a:buClr>
+                <a:schemeClr val="bg1"/>
+              </a:buClr>
+              <a:buChar char="»"/>
+              <a:defRPr sz="1269">
+                <a:solidFill>
+                  <a:schemeClr val="bg1"/>
+                </a:solidFill>
+                <a:latin typeface="IBM Plex Sans" charset="0"/>
+              </a:defRPr>
+            </a:lvl7pPr>
+            <a:lvl8pPr marL="2308860" indent="-129670" algn="l" rtl="0" eaLnBrk="1" fontAlgn="base" hangingPunct="1">
+              <a:spcBef>
+                <a:spcPct val="20000"/>
+              </a:spcBef>
+              <a:spcAft>
+                <a:spcPct val="0"/>
+              </a:spcAft>
+              <a:buClr>
+                <a:schemeClr val="bg1"/>
+              </a:buClr>
+              <a:buChar char="»"/>
+              <a:defRPr sz="1269">
+                <a:solidFill>
+                  <a:schemeClr val="bg1"/>
+                </a:solidFill>
+                <a:latin typeface="IBM Plex Sans" charset="0"/>
+              </a:defRPr>
+            </a:lvl8pPr>
+            <a:lvl9pPr marL="2671430" indent="-129670" algn="l" rtl="0" eaLnBrk="1" fontAlgn="base" hangingPunct="1">
+              <a:spcBef>
+                <a:spcPct val="20000"/>
+              </a:spcBef>
+              <a:spcAft>
+                <a:spcPct val="0"/>
+              </a:spcAft>
+              <a:buClr>
+                <a:schemeClr val="bg1"/>
+              </a:buClr>
+              <a:buChar char="»"/>
+              <a:defRPr sz="1269">
+                <a:solidFill>
+                  <a:schemeClr val="bg1"/>
+                </a:solidFill>
+                <a:latin typeface="IBM Plex Sans" charset="0"/>
+              </a:defRPr>
+            </a:lvl9pPr>
+          </a:lstStyle>
+          <a:p>
+            <a:pPr defTabSz="914400"/>
+            <a:r>
+              <a:rPr lang="en-US" sz="1600" kern="0" dirty="0" err="1">
+                <a:solidFill>
+                  <a:schemeClr val="tx1"/>
+                </a:solidFill>
+              </a:rPr>
+              <a:t>Limitants</a:t>
+            </a:r>
+            <a:endParaRPr lang="en-US" sz="1600" kern="0" dirty="0">
+              <a:solidFill>
+                <a:schemeClr val="tx1"/>
+              </a:solidFill>
+            </a:endParaRPr>
+          </a:p>
+          <a:p>
+            <a:pPr marL="342900" indent="-342900" defTabSz="914400">
+              <a:buFont typeface="+mj-lt"/>
+              <a:buAutoNum type="arabicPeriod"/>
+            </a:pPr>
+            <a:r>
+              <a:rPr lang="en-US" sz="1600" kern="0" dirty="0">
+                <a:solidFill>
+                  <a:schemeClr val="tx1"/>
+                </a:solidFill>
+              </a:rPr>
+              <a:t>Enough data?</a:t>
+            </a:r>
+          </a:p>
+          <a:p>
+            <a:pPr marL="342900" indent="-342900" defTabSz="914400">
+              <a:buFont typeface="+mj-lt"/>
+              <a:buAutoNum type="arabicPeriod"/>
+            </a:pPr>
+            <a:r>
+              <a:rPr lang="en-US" sz="1600" kern="0" dirty="0">
+                <a:solidFill>
+                  <a:schemeClr val="tx1"/>
+                </a:solidFill>
+              </a:rPr>
+              <a:t>Pertinent information?</a:t>
+            </a:r>
+          </a:p>
+          <a:p>
+            <a:pPr marL="342900" indent="-342900" defTabSz="914400">
+              <a:buFont typeface="+mj-lt"/>
+              <a:buAutoNum type="arabicPeriod"/>
+            </a:pPr>
+            <a:r>
+              <a:rPr lang="en-US" sz="1600" kern="0" dirty="0">
+                <a:solidFill>
+                  <a:schemeClr val="tx1"/>
+                </a:solidFill>
+              </a:rPr>
+              <a:t>Response time</a:t>
+            </a:r>
+          </a:p>
+          <a:p>
+            <a:pPr marL="342900" indent="-342900" defTabSz="914400">
+              <a:buFont typeface="+mj-lt"/>
+              <a:buAutoNum type="arabicPeriod"/>
+            </a:pPr>
+            <a:r>
+              <a:rPr lang="en-US" sz="1600" kern="0" dirty="0">
+                <a:solidFill>
+                  <a:schemeClr val="tx1"/>
+                </a:solidFill>
+              </a:rPr>
+              <a:t>Return Over </a:t>
+            </a:r>
+            <a:r>
+              <a:rPr lang="en-US" sz="1600" kern="0" dirty="0" err="1">
+                <a:solidFill>
+                  <a:schemeClr val="tx1"/>
+                </a:solidFill>
+              </a:rPr>
+              <a:t>Investiment</a:t>
+            </a:r>
+            <a:r>
+              <a:rPr lang="en-US" sz="1600" kern="0" dirty="0">
+                <a:solidFill>
+                  <a:schemeClr val="tx1"/>
+                </a:solidFill>
+              </a:rPr>
+              <a:t> – ROI</a:t>
+            </a:r>
+          </a:p>
+          <a:p>
+            <a:pPr defTabSz="914400"/>
+            <a:endParaRPr lang="en-US" sz="1600" kern="0" dirty="0">
+              <a:solidFill>
+                <a:schemeClr val="tx1"/>
+              </a:solidFill>
+            </a:endParaRPr>
+          </a:p>
+        </p:txBody>
+      </p:sp>
+      <p:sp>
+        <p:nvSpPr>
+          <p:cNvPr id="18" name="Title">
+            <a:extLst>
+              <a:ext uri="{FF2B5EF4-FFF2-40B4-BE49-F238E27FC236}">
+                <a16:creationId xmlns:a16="http://schemas.microsoft.com/office/drawing/2014/main" id="{2DB5D33C-FE6C-B48A-CD2D-32A724B0ACA0}"/>
+              </a:ext>
+            </a:extLst>
+          </p:cNvPr>
+          <p:cNvSpPr txBox="1">
+            <a:spLocks/>
+          </p:cNvSpPr>
+          <p:nvPr/>
+        </p:nvSpPr>
+        <p:spPr>
+          <a:xfrm>
+            <a:off x="1002764" y="2050216"/>
+            <a:ext cx="4421989" cy="1833415"/>
+          </a:xfrm>
+          <a:prstGeom prst="rect">
+            <a:avLst/>
+          </a:prstGeom>
+        </p:spPr>
+        <p:txBody>
+          <a:bodyPr vert="horz" lIns="0" tIns="0" rIns="0" bIns="0" rtlCol="0" anchor="t">
+            <a:noAutofit/>
+          </a:bodyPr>
+          <a:lstStyle>
+            <a:lvl1pPr algn="l" rtl="0" eaLnBrk="1" fontAlgn="base" hangingPunct="1">
+              <a:lnSpc>
+                <a:spcPct val="90000"/>
+              </a:lnSpc>
+              <a:spcBef>
+                <a:spcPct val="0"/>
+              </a:spcBef>
+              <a:spcAft>
+                <a:spcPct val="0"/>
+              </a:spcAft>
+              <a:defRPr sz="1600" b="0">
+                <a:solidFill>
+                  <a:schemeClr val="bg1"/>
+                </a:solidFill>
+                <a:latin typeface="IBM Plex Sans" panose="020B0503050203000203" pitchFamily="34" charset="0"/>
+                <a:ea typeface="IBM Plex Sans" panose="020B0503050203000203" pitchFamily="34" charset="0"/>
+                <a:cs typeface="IBM Plex Sans" panose="020B0503050203000203" pitchFamily="34" charset="0"/>
+              </a:defRPr>
+            </a:lvl1pPr>
+            <a:lvl2pPr algn="l" rtl="0" eaLnBrk="1" fontAlgn="base" hangingPunct="1">
+              <a:lnSpc>
+                <a:spcPct val="90000"/>
+              </a:lnSpc>
+              <a:spcBef>
+                <a:spcPct val="0"/>
+              </a:spcBef>
+              <a:spcAft>
+                <a:spcPct val="0"/>
+              </a:spcAft>
+              <a:defRPr sz="2220">
+                <a:solidFill>
+                  <a:srgbClr val="191919"/>
+                </a:solidFill>
+                <a:latin typeface="IBM Plex Sans" pitchFamily="34" charset="0"/>
+              </a:defRPr>
+            </a:lvl2pPr>
+            <a:lvl3pPr algn="l" rtl="0" eaLnBrk="1" fontAlgn="base" hangingPunct="1">
+              <a:lnSpc>
+                <a:spcPct val="90000"/>
+              </a:lnSpc>
+              <a:spcBef>
+                <a:spcPct val="0"/>
+              </a:spcBef>
+              <a:spcAft>
+                <a:spcPct val="0"/>
+              </a:spcAft>
+              <a:defRPr sz="2220">
+                <a:solidFill>
+                  <a:srgbClr val="191919"/>
+                </a:solidFill>
+                <a:latin typeface="IBM Plex Sans" pitchFamily="34" charset="0"/>
+              </a:defRPr>
+            </a:lvl3pPr>
+            <a:lvl4pPr algn="l" rtl="0" eaLnBrk="1" fontAlgn="base" hangingPunct="1">
+              <a:lnSpc>
+                <a:spcPct val="90000"/>
+              </a:lnSpc>
+              <a:spcBef>
+                <a:spcPct val="0"/>
+              </a:spcBef>
+              <a:spcAft>
+                <a:spcPct val="0"/>
+              </a:spcAft>
+              <a:defRPr sz="2220">
+                <a:solidFill>
+                  <a:srgbClr val="191919"/>
+                </a:solidFill>
+                <a:latin typeface="IBM Plex Sans" pitchFamily="34" charset="0"/>
+              </a:defRPr>
+            </a:lvl4pPr>
+            <a:lvl5pPr algn="l" rtl="0" eaLnBrk="1" fontAlgn="base" hangingPunct="1">
+              <a:lnSpc>
+                <a:spcPct val="90000"/>
+              </a:lnSpc>
+              <a:spcBef>
+                <a:spcPct val="0"/>
+              </a:spcBef>
+              <a:spcAft>
+                <a:spcPct val="0"/>
+              </a:spcAft>
+              <a:defRPr sz="2220">
+                <a:solidFill>
+                  <a:srgbClr val="191919"/>
+                </a:solidFill>
+                <a:latin typeface="IBM Plex Sans" pitchFamily="34" charset="0"/>
+              </a:defRPr>
+            </a:lvl5pPr>
+            <a:lvl6pPr marL="362568" algn="l" rtl="0" eaLnBrk="1" fontAlgn="base" hangingPunct="1">
+              <a:lnSpc>
+                <a:spcPct val="90000"/>
+              </a:lnSpc>
+              <a:spcBef>
+                <a:spcPct val="0"/>
+              </a:spcBef>
+              <a:spcAft>
+                <a:spcPct val="0"/>
+              </a:spcAft>
+              <a:defRPr sz="2220">
+                <a:solidFill>
+                  <a:srgbClr val="191919"/>
+                </a:solidFill>
+                <a:latin typeface="IBM Plex Sans" pitchFamily="34" charset="0"/>
+              </a:defRPr>
+            </a:lvl6pPr>
+            <a:lvl7pPr marL="725139" algn="l" rtl="0" eaLnBrk="1" fontAlgn="base" hangingPunct="1">
+              <a:lnSpc>
+                <a:spcPct val="90000"/>
+              </a:lnSpc>
+              <a:spcBef>
+                <a:spcPct val="0"/>
+              </a:spcBef>
+              <a:spcAft>
+                <a:spcPct val="0"/>
+              </a:spcAft>
+              <a:defRPr sz="2220">
+                <a:solidFill>
+                  <a:srgbClr val="191919"/>
+                </a:solidFill>
+                <a:latin typeface="IBM Plex Sans" pitchFamily="34" charset="0"/>
+              </a:defRPr>
+            </a:lvl7pPr>
+            <a:lvl8pPr marL="1087707" algn="l" rtl="0" eaLnBrk="1" fontAlgn="base" hangingPunct="1">
+              <a:lnSpc>
+                <a:spcPct val="90000"/>
+              </a:lnSpc>
+              <a:spcBef>
+                <a:spcPct val="0"/>
+              </a:spcBef>
+              <a:spcAft>
+                <a:spcPct val="0"/>
+              </a:spcAft>
+              <a:defRPr sz="2220">
+                <a:solidFill>
+                  <a:srgbClr val="191919"/>
+                </a:solidFill>
+                <a:latin typeface="IBM Plex Sans" pitchFamily="34" charset="0"/>
+              </a:defRPr>
+            </a:lvl8pPr>
+            <a:lvl9pPr marL="1450276" algn="l" rtl="0" eaLnBrk="1" fontAlgn="base" hangingPunct="1">
+              <a:lnSpc>
+                <a:spcPct val="90000"/>
+              </a:lnSpc>
+              <a:spcBef>
+                <a:spcPct val="0"/>
+              </a:spcBef>
+              <a:spcAft>
+                <a:spcPct val="0"/>
+              </a:spcAft>
+              <a:defRPr sz="2220">
+                <a:solidFill>
+                  <a:srgbClr val="191919"/>
+                </a:solidFill>
+                <a:latin typeface="IBM Plex Sans" pitchFamily="34" charset="0"/>
+              </a:defRPr>
+            </a:lvl9pPr>
+          </a:lstStyle>
+          <a:p>
+            <a:pPr defTabSz="914400">
+              <a:lnSpc>
+                <a:spcPct val="100000"/>
+              </a:lnSpc>
+            </a:pPr>
+            <a:r>
+              <a:rPr lang="en-US" b="1" kern="0" dirty="0">
+                <a:solidFill>
+                  <a:schemeClr val="tx1"/>
+                </a:solidFill>
+              </a:rPr>
+              <a:t>Rely on historical data</a:t>
+            </a:r>
+            <a:r>
+              <a:rPr lang="en-US" b="1" kern="0" baseline="30000" dirty="0">
+                <a:solidFill>
+                  <a:schemeClr val="tx1"/>
+                </a:solidFill>
+              </a:rPr>
+              <a:t>123</a:t>
+            </a:r>
+          </a:p>
+          <a:p>
+            <a:pPr defTabSz="914400">
+              <a:lnSpc>
+                <a:spcPct val="100000"/>
+              </a:lnSpc>
+            </a:pPr>
+            <a:endParaRPr lang="en-US" b="1" kern="0" baseline="30000" dirty="0">
+              <a:solidFill>
+                <a:schemeClr val="tx1"/>
+              </a:solidFill>
+            </a:endParaRPr>
+          </a:p>
+          <a:p>
+            <a:pPr defTabSz="914400">
+              <a:lnSpc>
+                <a:spcPct val="100000"/>
+              </a:lnSpc>
+            </a:pPr>
+            <a:r>
+              <a:rPr lang="en-US" b="1" kern="0" dirty="0">
+                <a:solidFill>
+                  <a:schemeClr val="tx1"/>
+                </a:solidFill>
+              </a:rPr>
+              <a:t>Can be less complex than conventional approaches</a:t>
+            </a:r>
+            <a:r>
+              <a:rPr lang="en-US" b="1" kern="0" baseline="30000" dirty="0">
+                <a:solidFill>
+                  <a:schemeClr val="tx1"/>
+                </a:solidFill>
+              </a:rPr>
+              <a:t>4</a:t>
+            </a:r>
+          </a:p>
+          <a:p>
+            <a:pPr defTabSz="914400">
+              <a:lnSpc>
+                <a:spcPct val="100000"/>
+              </a:lnSpc>
+            </a:pPr>
+            <a:endParaRPr lang="en-US" b="1" kern="0" dirty="0">
+              <a:solidFill>
+                <a:schemeClr val="tx1"/>
+              </a:solidFill>
+            </a:endParaRPr>
+          </a:p>
+          <a:p>
+            <a:pPr defTabSz="914400">
+              <a:lnSpc>
+                <a:spcPct val="100000"/>
+              </a:lnSpc>
+            </a:pPr>
+            <a:r>
+              <a:rPr lang="en-US" b="1" kern="0" dirty="0">
+                <a:solidFill>
+                  <a:schemeClr val="tx1"/>
+                </a:solidFill>
+              </a:rPr>
+              <a:t>Robust patterns and best overall performance</a:t>
+            </a:r>
+            <a:r>
+              <a:rPr lang="en-US" b="1" kern="0" baseline="30000" dirty="0">
+                <a:solidFill>
+                  <a:schemeClr val="tx1"/>
+                </a:solidFill>
+              </a:rPr>
+              <a:t>5</a:t>
+            </a:r>
+            <a:endParaRPr lang="en-US" b="1" kern="0" dirty="0">
+              <a:solidFill>
+                <a:schemeClr val="tx1"/>
+              </a:solidFill>
+            </a:endParaRPr>
+          </a:p>
+        </p:txBody>
+      </p:sp>
+      <p:sp>
+        <p:nvSpPr>
+          <p:cNvPr id="19" name="TextBox 18">
+            <a:extLst>
+              <a:ext uri="{FF2B5EF4-FFF2-40B4-BE49-F238E27FC236}">
+                <a16:creationId xmlns:a16="http://schemas.microsoft.com/office/drawing/2014/main" id="{FF44DE63-77EA-941B-0C64-E2B91AC638DE}"/>
+              </a:ext>
+            </a:extLst>
+          </p:cNvPr>
+          <p:cNvSpPr txBox="1"/>
+          <p:nvPr/>
+        </p:nvSpPr>
+        <p:spPr>
+          <a:xfrm>
+            <a:off x="5034337" y="3760887"/>
+            <a:ext cx="6319463" cy="2462213"/>
+          </a:xfrm>
+          <a:prstGeom prst="rect">
+            <a:avLst/>
+          </a:prstGeom>
+          <a:noFill/>
+        </p:spPr>
+        <p:txBody>
+          <a:bodyPr wrap="square" rtlCol="0">
+            <a:spAutoFit/>
+          </a:bodyPr>
+          <a:lstStyle/>
+          <a:p>
+            <a:r>
+              <a:rPr lang="pt-BR" sz="1100" dirty="0">
+                <a:solidFill>
+                  <a:srgbClr val="898989"/>
+                </a:solidFill>
+                <a:latin typeface="IBM Plex Sans" panose="020B0503050203000203" pitchFamily="34" charset="0"/>
+              </a:rPr>
+              <a:t>[1]</a:t>
+            </a:r>
+            <a:r>
+              <a:rPr lang="en-US" sz="1100" b="0" i="0" dirty="0">
+                <a:solidFill>
+                  <a:srgbClr val="898989"/>
+                </a:solidFill>
+                <a:effectLst/>
+                <a:latin typeface="IBM Plex Sans" panose="020B0503050203000203" pitchFamily="34" charset="0"/>
+              </a:rPr>
+              <a:t> Wang, X. et al. </a:t>
+            </a:r>
+            <a:r>
+              <a:rPr lang="en-US" sz="1100" b="0" i="0" dirty="0" err="1">
+                <a:solidFill>
+                  <a:srgbClr val="898989"/>
+                </a:solidFill>
+                <a:effectLst/>
+                <a:latin typeface="IBM Plex Sans" panose="020B0503050203000203" pitchFamily="34" charset="0"/>
+              </a:rPr>
+              <a:t>Spatio</a:t>
+            </a:r>
+            <a:r>
+              <a:rPr lang="en-US" sz="1100" b="0" i="0" dirty="0">
+                <a:solidFill>
+                  <a:srgbClr val="898989"/>
+                </a:solidFill>
+                <a:effectLst/>
+                <a:latin typeface="IBM Plex Sans" panose="020B0503050203000203" pitchFamily="34" charset="0"/>
+              </a:rPr>
+              <a:t>-temporal analysis and prediction of cellular traffic in metropolis. In: 2017 IEEE 25th International Conference on Network Protocols (ICNP). [</a:t>
+            </a:r>
+            <a:r>
+              <a:rPr lang="en-US" sz="1100" b="0" i="0" dirty="0" err="1">
+                <a:solidFill>
+                  <a:srgbClr val="898989"/>
+                </a:solidFill>
+                <a:effectLst/>
+                <a:latin typeface="IBM Plex Sans" panose="020B0503050203000203" pitchFamily="34" charset="0"/>
+              </a:rPr>
+              <a:t>S.l.</a:t>
+            </a:r>
+            <a:r>
+              <a:rPr lang="en-US" sz="1100" b="0" i="0" dirty="0">
+                <a:solidFill>
+                  <a:srgbClr val="898989"/>
+                </a:solidFill>
+                <a:effectLst/>
+                <a:latin typeface="IBM Plex Sans" panose="020B0503050203000203" pitchFamily="34" charset="0"/>
+              </a:rPr>
+              <a:t>: </a:t>
+            </a:r>
+            <a:r>
+              <a:rPr lang="en-US" sz="1100" b="0" i="0" dirty="0" err="1">
+                <a:solidFill>
+                  <a:srgbClr val="898989"/>
+                </a:solidFill>
+                <a:effectLst/>
+                <a:latin typeface="IBM Plex Sans" panose="020B0503050203000203" pitchFamily="34" charset="0"/>
+              </a:rPr>
+              <a:t>s.n</a:t>
+            </a:r>
+            <a:r>
+              <a:rPr lang="en-US" sz="1100" b="0" i="0" dirty="0">
+                <a:solidFill>
+                  <a:srgbClr val="898989"/>
+                </a:solidFill>
+                <a:effectLst/>
+                <a:latin typeface="IBM Plex Sans" panose="020B0503050203000203" pitchFamily="34" charset="0"/>
+              </a:rPr>
+              <a:t>.], 2017. p. 1–10 </a:t>
+            </a:r>
+          </a:p>
+          <a:p>
+            <a:r>
+              <a:rPr lang="en-US" sz="1100" dirty="0">
+                <a:solidFill>
+                  <a:srgbClr val="898989"/>
+                </a:solidFill>
+                <a:latin typeface="IBM Plex Sans" panose="020B0503050203000203" pitchFamily="34" charset="0"/>
+              </a:rPr>
+              <a:t>[2] Wang, J. et al. Spatiotemporal modeling and prediction in cellular networks: A big data enabled deep learning approach. In: IEEE INFOCOM 2017 - IEEE Conference on Computer Communications. [</a:t>
+            </a:r>
+            <a:r>
+              <a:rPr lang="en-US" sz="1100" dirty="0" err="1">
+                <a:solidFill>
+                  <a:srgbClr val="898989"/>
+                </a:solidFill>
+                <a:latin typeface="IBM Plex Sans" panose="020B0503050203000203" pitchFamily="34" charset="0"/>
+              </a:rPr>
+              <a:t>S.l.</a:t>
+            </a:r>
+            <a:r>
+              <a:rPr lang="en-US" sz="1100" dirty="0">
+                <a:solidFill>
+                  <a:srgbClr val="898989"/>
+                </a:solidFill>
+                <a:latin typeface="IBM Plex Sans" panose="020B0503050203000203" pitchFamily="34" charset="0"/>
+              </a:rPr>
+              <a:t>: </a:t>
+            </a:r>
+            <a:r>
+              <a:rPr lang="en-US" sz="1100" dirty="0" err="1">
+                <a:solidFill>
+                  <a:srgbClr val="898989"/>
+                </a:solidFill>
+                <a:latin typeface="IBM Plex Sans" panose="020B0503050203000203" pitchFamily="34" charset="0"/>
+              </a:rPr>
+              <a:t>s.n</a:t>
+            </a:r>
+            <a:r>
+              <a:rPr lang="en-US" sz="1100" dirty="0">
+                <a:solidFill>
+                  <a:srgbClr val="898989"/>
+                </a:solidFill>
+                <a:latin typeface="IBM Plex Sans" panose="020B0503050203000203" pitchFamily="34" charset="0"/>
+              </a:rPr>
+              <a:t>.], 2017. p. 1–9. </a:t>
+            </a:r>
+          </a:p>
+          <a:p>
+            <a:r>
+              <a:rPr lang="en-US" sz="1100" dirty="0">
+                <a:solidFill>
+                  <a:srgbClr val="898989"/>
+                </a:solidFill>
+                <a:latin typeface="IBM Plex Sans" panose="020B0503050203000203" pitchFamily="34" charset="0"/>
+              </a:rPr>
+              <a:t>[3] CHEN, X. et al. Analyzing and modeling </a:t>
+            </a:r>
+            <a:r>
+              <a:rPr lang="en-US" sz="1100" dirty="0" err="1">
+                <a:solidFill>
+                  <a:srgbClr val="898989"/>
+                </a:solidFill>
+                <a:latin typeface="IBM Plex Sans" panose="020B0503050203000203" pitchFamily="34" charset="0"/>
+              </a:rPr>
+              <a:t>spatio</a:t>
+            </a:r>
+            <a:r>
+              <a:rPr lang="en-US" sz="1100" dirty="0">
+                <a:solidFill>
+                  <a:srgbClr val="898989"/>
+                </a:solidFill>
+                <a:latin typeface="IBM Plex Sans" panose="020B0503050203000203" pitchFamily="34" charset="0"/>
+              </a:rPr>
+              <a:t>-temporal dependence of cellular traffic at city scale. In: 2015 IEEE International Conference on Communications (ICC). [</a:t>
+            </a:r>
+            <a:r>
+              <a:rPr lang="en-US" sz="1100" dirty="0" err="1">
+                <a:solidFill>
+                  <a:srgbClr val="898989"/>
+                </a:solidFill>
+                <a:latin typeface="IBM Plex Sans" panose="020B0503050203000203" pitchFamily="34" charset="0"/>
+              </a:rPr>
+              <a:t>S.l.</a:t>
+            </a:r>
+            <a:r>
+              <a:rPr lang="en-US" sz="1100" dirty="0">
+                <a:solidFill>
+                  <a:srgbClr val="898989"/>
+                </a:solidFill>
+                <a:latin typeface="IBM Plex Sans" panose="020B0503050203000203" pitchFamily="34" charset="0"/>
+              </a:rPr>
+              <a:t>: </a:t>
+            </a:r>
+            <a:r>
+              <a:rPr lang="en-US" sz="1100" dirty="0" err="1">
+                <a:solidFill>
+                  <a:srgbClr val="898989"/>
+                </a:solidFill>
+                <a:latin typeface="IBM Plex Sans" panose="020B0503050203000203" pitchFamily="34" charset="0"/>
+              </a:rPr>
+              <a:t>s.n</a:t>
+            </a:r>
+            <a:r>
+              <a:rPr lang="en-US" sz="1100" dirty="0">
+                <a:solidFill>
+                  <a:srgbClr val="898989"/>
+                </a:solidFill>
+                <a:latin typeface="IBM Plex Sans" panose="020B0503050203000203" pitchFamily="34" charset="0"/>
+              </a:rPr>
+              <a:t>.], 2015. p. 3585–3591. </a:t>
+            </a:r>
+          </a:p>
+          <a:p>
+            <a:r>
+              <a:rPr lang="en-US" sz="1100" dirty="0">
+                <a:solidFill>
+                  <a:srgbClr val="898989"/>
+                </a:solidFill>
+                <a:latin typeface="IBM Plex Sans" panose="020B0503050203000203" pitchFamily="34" charset="0"/>
+              </a:rPr>
+              <a:t>[4] SUN, H. et al. Learning to optimize: Training deep neural networks for wireless resource management. In: 2017 IEEE 18th International Workshop on Signal Processing Advances in Wireless Communications (SPAWC). [</a:t>
+            </a:r>
+            <a:r>
+              <a:rPr lang="en-US" sz="1100" dirty="0" err="1">
+                <a:solidFill>
+                  <a:srgbClr val="898989"/>
+                </a:solidFill>
+                <a:latin typeface="IBM Plex Sans" panose="020B0503050203000203" pitchFamily="34" charset="0"/>
+              </a:rPr>
+              <a:t>S.l.</a:t>
+            </a:r>
+            <a:r>
+              <a:rPr lang="en-US" sz="1100" dirty="0">
+                <a:solidFill>
+                  <a:srgbClr val="898989"/>
+                </a:solidFill>
+                <a:latin typeface="IBM Plex Sans" panose="020B0503050203000203" pitchFamily="34" charset="0"/>
+              </a:rPr>
+              <a:t>: </a:t>
+            </a:r>
+            <a:r>
+              <a:rPr lang="en-US" sz="1100" dirty="0" err="1">
+                <a:solidFill>
+                  <a:srgbClr val="898989"/>
+                </a:solidFill>
+                <a:latin typeface="IBM Plex Sans" panose="020B0503050203000203" pitchFamily="34" charset="0"/>
+              </a:rPr>
+              <a:t>s.n</a:t>
+            </a:r>
+            <a:r>
+              <a:rPr lang="en-US" sz="1100" dirty="0">
+                <a:solidFill>
+                  <a:srgbClr val="898989"/>
+                </a:solidFill>
+                <a:latin typeface="IBM Plex Sans" panose="020B0503050203000203" pitchFamily="34" charset="0"/>
+              </a:rPr>
+              <a:t>.], 2017. p. 1–6. </a:t>
+            </a:r>
+          </a:p>
+          <a:p>
+            <a:r>
+              <a:rPr lang="en-US" sz="1100" dirty="0">
+                <a:solidFill>
+                  <a:srgbClr val="898989"/>
+                </a:solidFill>
+                <a:latin typeface="IBM Plex Sans" panose="020B0503050203000203" pitchFamily="34" charset="0"/>
+              </a:rPr>
+              <a:t>[5] Sun, Y. et al. Application of machine learning in wireless networks: Key techniques and open issues. IEEE Communications Surveys Tutorials, v. 21, n. 4, p. 3072–3108, 2019. </a:t>
+            </a:r>
+          </a:p>
+          <a:p>
+            <a:endParaRPr lang="pt-BR" sz="1100" dirty="0">
+              <a:solidFill>
+                <a:srgbClr val="898989"/>
+              </a:solidFill>
+              <a:latin typeface="IBM Plex Sans" panose="020B0503050203000203" pitchFamily="34" charset="0"/>
+            </a:endParaRPr>
+          </a:p>
+        </p:txBody>
+      </p:sp>
+    </p:spTree>
+    <p:extLst>
+      <p:ext uri="{BB962C8B-B14F-4D97-AF65-F5344CB8AC3E}">
+        <p14:creationId xmlns:p14="http://schemas.microsoft.com/office/powerpoint/2010/main" val="1259801225"/>
+      </p:ext>
+    </p:extLst>
+  </p:cSld>
+  <p:clrMapOvr>
+    <a:masterClrMapping/>
+  </p:clrMapOvr>
+</p:sld>
+</file>
+
+<file path=ppt/slides/slide6.xml><?xml version="1.0" encoding="utf-8"?>
+<p:sld xmlns:a="http://schemas.openxmlformats.org/drawingml/2006/main" xmlns:r="http://schemas.openxmlformats.org/officeDocument/2006/relationships" xmlns:p="http://schemas.openxmlformats.org/presentationml/2006/main">
+  <p:cSld>
+    <p:spTree>
+      <p:nvGrpSpPr>
+        <p:cNvPr id="1" name=""/>
+        <p:cNvGrpSpPr/>
+        <p:nvPr/>
+      </p:nvGrpSpPr>
+      <p:grpSpPr>
+        <a:xfrm>
+          <a:off x="0" y="0"/>
+          <a:ext cx="0" cy="0"/>
+          <a:chOff x="0" y="0"/>
+          <a:chExt cx="0" cy="0"/>
+        </a:xfrm>
+      </p:grpSpPr>
+      <p:sp>
+        <p:nvSpPr>
+          <p:cNvPr id="3" name="Title"/>
+          <p:cNvSpPr>
+            <a:spLocks noGrp="1"/>
+          </p:cNvSpPr>
+          <p:nvPr>
+            <p:ph type="title"/>
+          </p:nvPr>
+        </p:nvSpPr>
+        <p:spPr/>
+        <p:txBody>
+          <a:bodyPr/>
+          <a:lstStyle/>
+          <a:p>
+            <a:r>
+              <a:rPr lang="en-US" b="1" dirty="0" err="1">
+                <a:latin typeface="IBM Plex Sans" panose="020B0503050203000203" pitchFamily="34" charset="0"/>
+              </a:rPr>
+              <a:t>tl;dr</a:t>
+            </a:r>
+            <a:endParaRPr lang="en-US" b="1" dirty="0">
+              <a:latin typeface="IBM Plex Sans" panose="020B0503050203000203" pitchFamily="34" charset="0"/>
+            </a:endParaRPr>
+          </a:p>
+        </p:txBody>
+      </p:sp>
+      <p:sp>
+        <p:nvSpPr>
+          <p:cNvPr id="6" name="Content Placeholder 1"/>
+          <p:cNvSpPr>
+            <a:spLocks noGrp="1"/>
+          </p:cNvSpPr>
+          <p:nvPr>
+            <p:ph sz="quarter" idx="20"/>
+          </p:nvPr>
+        </p:nvSpPr>
+        <p:spPr/>
+        <p:txBody>
+          <a:bodyPr/>
+          <a:lstStyle/>
+          <a:p>
+            <a:pPr marL="0" indent="0">
+              <a:buNone/>
+            </a:pPr>
+            <a:r>
+              <a:rPr lang="en-US" b="1" dirty="0">
+                <a:latin typeface="IBM Plex Sans" panose="020B0503050203000203" pitchFamily="34" charset="0"/>
+              </a:rPr>
+              <a:t>Enough Data</a:t>
+            </a:r>
+          </a:p>
+        </p:txBody>
+      </p:sp>
+      <p:sp>
+        <p:nvSpPr>
+          <p:cNvPr id="5" name="Content Placeholder 2"/>
+          <p:cNvSpPr>
+            <a:spLocks noGrp="1"/>
+          </p:cNvSpPr>
+          <p:nvPr>
+            <p:ph sz="quarter" idx="19"/>
+          </p:nvPr>
+        </p:nvSpPr>
+        <p:spPr>
+          <a:solidFill>
+            <a:schemeClr val="accent1">
+              <a:lumMod val="75000"/>
+            </a:schemeClr>
+          </a:solidFill>
+        </p:spPr>
+        <p:txBody>
+          <a:bodyPr/>
+          <a:lstStyle/>
+          <a:p>
+            <a:pPr marL="0" indent="0">
+              <a:buNone/>
+            </a:pPr>
+            <a:r>
+              <a:rPr lang="en-US" b="1" dirty="0">
+                <a:latin typeface="IBM Plex Sans" panose="020B0503050203000203" pitchFamily="34" charset="0"/>
+              </a:rPr>
+              <a:t>Innovation</a:t>
+            </a:r>
+          </a:p>
+        </p:txBody>
+      </p:sp>
+      <p:sp>
+        <p:nvSpPr>
+          <p:cNvPr id="2" name="Content Placeholder 3"/>
+          <p:cNvSpPr>
+            <a:spLocks noGrp="1"/>
+          </p:cNvSpPr>
+          <p:nvPr>
+            <p:ph sz="quarter" idx="17"/>
+          </p:nvPr>
+        </p:nvSpPr>
+        <p:spPr>
+          <a:solidFill>
+            <a:schemeClr val="accent1"/>
+          </a:solidFill>
+        </p:spPr>
+        <p:txBody>
+          <a:bodyPr/>
+          <a:lstStyle/>
+          <a:p>
+            <a:pPr marL="0" indent="0">
+              <a:buNone/>
+            </a:pPr>
+            <a:r>
+              <a:rPr lang="en-US" b="1" dirty="0">
+                <a:latin typeface="IBM Plex Sans" panose="020B0503050203000203" pitchFamily="34" charset="0"/>
+              </a:rPr>
+              <a:t>Compatible responsiveness</a:t>
+            </a:r>
+          </a:p>
+        </p:txBody>
+      </p:sp>
+      <p:sp>
+        <p:nvSpPr>
+          <p:cNvPr id="4" name="Content Placeholder 4"/>
+          <p:cNvSpPr>
+            <a:spLocks noGrp="1"/>
+          </p:cNvSpPr>
+          <p:nvPr>
+            <p:ph sz="quarter" idx="18"/>
+          </p:nvPr>
+        </p:nvSpPr>
+        <p:spPr/>
+        <p:txBody>
+          <a:bodyPr/>
+          <a:lstStyle/>
+          <a:p>
+            <a:pPr marL="0" indent="0">
+              <a:buNone/>
+            </a:pPr>
+            <a:r>
+              <a:rPr lang="en-US" b="1" dirty="0">
+                <a:latin typeface="IBM Plex Sans" panose="020B0503050203000203" pitchFamily="34" charset="0"/>
+              </a:rPr>
+              <a:t>Performance</a:t>
+            </a:r>
+          </a:p>
+        </p:txBody>
+      </p:sp>
+      <p:sp>
+        <p:nvSpPr>
+          <p:cNvPr id="8" name="Slide Number Placeholder"/>
+          <p:cNvSpPr>
+            <a:spLocks noGrp="1"/>
+          </p:cNvSpPr>
+          <p:nvPr>
+            <p:ph type="sldNum" sz="quarter" idx="11"/>
+          </p:nvPr>
+        </p:nvSpPr>
+        <p:spPr/>
+        <p:txBody>
+          <a:bodyPr/>
+          <a:lstStyle/>
+          <a:p>
+            <a:fld id="{59395FB3-9C97-154F-86B2-7E381B951268}" type="slidenum">
+              <a:rPr lang="en-US" smtClean="0">
+                <a:latin typeface="IBM Plex Sans" panose="020B0503050203000203" pitchFamily="34" charset="0"/>
+              </a:rPr>
+              <a:pPr/>
+              <a:t>6</a:t>
+            </a:fld>
+            <a:endParaRPr lang="en-US" dirty="0">
+              <a:latin typeface="IBM Plex Sans" panose="020B0503050203000203" pitchFamily="34" charset="0"/>
+            </a:endParaRPr>
+          </a:p>
+        </p:txBody>
+      </p:sp>
+    </p:spTree>
+    <p:extLst>
+      <p:ext uri="{BB962C8B-B14F-4D97-AF65-F5344CB8AC3E}">
+        <p14:creationId xmlns:p14="http://schemas.microsoft.com/office/powerpoint/2010/main" val="4279534488"/>
+      </p:ext>
+    </p:extLst>
+  </p:cSld>
+  <p:clrMapOvr>
+    <a:masterClrMapping/>
+  </p:clrMapOvr>
+</p:sld>
+</file>
+
+<file path=ppt/slides/slide7.xml><?xml version="1.0" encoding="utf-8"?>
+<p:sld xmlns:a="http://schemas.openxmlformats.org/drawingml/2006/main" xmlns:r="http://schemas.openxmlformats.org/officeDocument/2006/relationships" xmlns:p="http://schemas.openxmlformats.org/presentationml/2006/main">
+  <p:cSld>
+    <p:spTree>
+      <p:nvGrpSpPr>
+        <p:cNvPr id="1" name=""/>
+        <p:cNvGrpSpPr/>
+        <p:nvPr/>
+      </p:nvGrpSpPr>
+      <p:grpSpPr>
+        <a:xfrm>
+          <a:off x="0" y="0"/>
+          <a:ext cx="0" cy="0"/>
+          <a:chOff x="0" y="0"/>
+          <a:chExt cx="0" cy="0"/>
+        </a:xfrm>
+      </p:grpSpPr>
+      <p:sp>
+        <p:nvSpPr>
+          <p:cNvPr id="3" name="Title"/>
+          <p:cNvSpPr>
+            <a:spLocks noGrp="1"/>
+          </p:cNvSpPr>
+          <p:nvPr>
+            <p:ph type="title"/>
+          </p:nvPr>
+        </p:nvSpPr>
+        <p:spPr/>
+        <p:txBody>
+          <a:bodyPr/>
+          <a:lstStyle/>
+          <a:p>
+            <a:r>
+              <a:rPr lang="en-US" b="1" dirty="0">
+                <a:latin typeface="IBM Plex Sans" panose="020B0503050203000203" pitchFamily="34" charset="0"/>
+              </a:rPr>
+              <a:t>Mobile Traffic Predictor Enhanced by Neighboring Transportation Data </a:t>
+            </a:r>
+            <a:r>
+              <a:rPr lang="en-US" b="1" dirty="0">
+                <a:solidFill>
+                  <a:schemeClr val="accent1"/>
+                </a:solidFill>
+                <a:latin typeface="IBM Plex Sans" panose="020B0503050203000203" pitchFamily="34" charset="0"/>
+              </a:rPr>
+              <a:t>MTP-NT</a:t>
+            </a:r>
+            <a:endParaRPr lang="en-US" b="1" dirty="0">
+              <a:latin typeface="IBM Plex Sans" panose="020B0503050203000203" pitchFamily="34" charset="0"/>
+            </a:endParaRPr>
+          </a:p>
+        </p:txBody>
+      </p:sp>
+      <p:sp>
+        <p:nvSpPr>
+          <p:cNvPr id="6" name="Content Placeholder 1"/>
+          <p:cNvSpPr>
+            <a:spLocks noGrp="1"/>
+          </p:cNvSpPr>
+          <p:nvPr>
+            <p:ph sz="quarter" idx="20"/>
+          </p:nvPr>
+        </p:nvSpPr>
+        <p:spPr/>
+        <p:txBody>
+          <a:bodyPr/>
+          <a:lstStyle/>
+          <a:p>
+            <a:pPr marL="0" indent="0">
+              <a:buNone/>
+            </a:pPr>
+            <a:r>
+              <a:rPr lang="en-US" b="1" dirty="0">
+                <a:latin typeface="IBM Plex Sans" panose="020B0503050203000203" pitchFamily="34" charset="0"/>
+              </a:rPr>
+              <a:t>City of Milan Dataset</a:t>
+            </a:r>
+            <a:r>
+              <a:rPr lang="en-US" b="1" baseline="30000" dirty="0">
+                <a:latin typeface="IBM Plex Sans" panose="020B0503050203000203" pitchFamily="34" charset="0"/>
+              </a:rPr>
+              <a:t>1</a:t>
+            </a:r>
+            <a:endParaRPr lang="en-US" b="1" dirty="0">
+              <a:latin typeface="IBM Plex Sans" panose="020B0503050203000203" pitchFamily="34" charset="0"/>
+            </a:endParaRPr>
+          </a:p>
+        </p:txBody>
+      </p:sp>
+      <p:sp>
+        <p:nvSpPr>
+          <p:cNvPr id="5" name="Content Placeholder 2"/>
+          <p:cNvSpPr>
+            <a:spLocks noGrp="1"/>
+          </p:cNvSpPr>
+          <p:nvPr>
+            <p:ph sz="quarter" idx="19"/>
+          </p:nvPr>
+        </p:nvSpPr>
+        <p:spPr>
+          <a:solidFill>
+            <a:schemeClr val="accent1">
+              <a:lumMod val="75000"/>
+            </a:schemeClr>
+          </a:solidFill>
+        </p:spPr>
+        <p:txBody>
+          <a:bodyPr/>
+          <a:lstStyle/>
+          <a:p>
+            <a:pPr marL="0" indent="0">
+              <a:buNone/>
+            </a:pPr>
+            <a:r>
+              <a:rPr lang="en-US" b="1" dirty="0">
+                <a:latin typeface="IBM Plex Sans" panose="020B0503050203000203" pitchFamily="34" charset="0"/>
+              </a:rPr>
+              <a:t>Scalable public transport and neighboring data</a:t>
+            </a:r>
+          </a:p>
+          <a:p>
+            <a:pPr marL="0" indent="0">
+              <a:buNone/>
+            </a:pPr>
+            <a:endParaRPr lang="en-US" b="1" dirty="0">
+              <a:latin typeface="IBM Plex Sans" panose="020B0503050203000203" pitchFamily="34" charset="0"/>
+            </a:endParaRPr>
+          </a:p>
+          <a:p>
+            <a:pPr marL="0" indent="0">
+              <a:buNone/>
+            </a:pPr>
+            <a:r>
+              <a:rPr lang="en-US" b="1" dirty="0">
+                <a:latin typeface="IBM Plex Sans" panose="020B0503050203000203" pitchFamily="34" charset="0"/>
+              </a:rPr>
+              <a:t>Open source</a:t>
+            </a:r>
+          </a:p>
+        </p:txBody>
+      </p:sp>
+      <p:sp>
+        <p:nvSpPr>
+          <p:cNvPr id="2" name="Content Placeholder 3"/>
+          <p:cNvSpPr>
+            <a:spLocks noGrp="1"/>
+          </p:cNvSpPr>
+          <p:nvPr>
+            <p:ph sz="quarter" idx="17"/>
+          </p:nvPr>
+        </p:nvSpPr>
+        <p:spPr>
+          <a:solidFill>
+            <a:schemeClr val="accent1"/>
+          </a:solidFill>
+        </p:spPr>
+        <p:txBody>
+          <a:bodyPr/>
+          <a:lstStyle/>
+          <a:p>
+            <a:pPr marL="0" indent="0">
+              <a:buNone/>
+            </a:pPr>
+            <a:r>
+              <a:rPr lang="en-US" b="1" dirty="0">
+                <a:latin typeface="IBM Plex Sans" panose="020B0503050203000203" pitchFamily="34" charset="0"/>
+              </a:rPr>
+              <a:t>Lightweight, adaptable and highly performant</a:t>
+            </a:r>
+          </a:p>
+        </p:txBody>
+      </p:sp>
+      <p:sp>
+        <p:nvSpPr>
+          <p:cNvPr id="4" name="Content Placeholder 4"/>
+          <p:cNvSpPr>
+            <a:spLocks noGrp="1"/>
+          </p:cNvSpPr>
+          <p:nvPr>
+            <p:ph sz="quarter" idx="18"/>
+          </p:nvPr>
+        </p:nvSpPr>
+        <p:spPr/>
+        <p:txBody>
+          <a:bodyPr/>
+          <a:lstStyle/>
+          <a:p>
+            <a:pPr marL="0" indent="0">
+              <a:buNone/>
+            </a:pPr>
+            <a:r>
+              <a:rPr lang="en-US" b="1" dirty="0">
+                <a:latin typeface="IBM Plex Sans" panose="020B0503050203000203" pitchFamily="34" charset="0"/>
+              </a:rPr>
+              <a:t>State-of-art performance</a:t>
+            </a:r>
+          </a:p>
+        </p:txBody>
+      </p:sp>
+      <p:sp>
+        <p:nvSpPr>
+          <p:cNvPr id="8" name="Slide Number Placeholder"/>
+          <p:cNvSpPr>
+            <a:spLocks noGrp="1"/>
+          </p:cNvSpPr>
+          <p:nvPr>
+            <p:ph type="sldNum" sz="quarter" idx="11"/>
+          </p:nvPr>
+        </p:nvSpPr>
+        <p:spPr/>
+        <p:txBody>
+          <a:bodyPr/>
+          <a:lstStyle/>
+          <a:p>
+            <a:fld id="{59395FB3-9C97-154F-86B2-7E381B951268}" type="slidenum">
+              <a:rPr lang="en-US" smtClean="0">
+                <a:latin typeface="IBM Plex Sans" panose="020B0503050203000203" pitchFamily="34" charset="0"/>
+              </a:rPr>
+              <a:pPr/>
+              <a:t>7</a:t>
+            </a:fld>
+            <a:endParaRPr lang="en-US" dirty="0">
+              <a:latin typeface="IBM Plex Sans" panose="020B0503050203000203" pitchFamily="34" charset="0"/>
+            </a:endParaRPr>
+          </a:p>
+        </p:txBody>
+      </p:sp>
+      <p:sp>
+        <p:nvSpPr>
+          <p:cNvPr id="7" name="Title">
+            <a:extLst>
+              <a:ext uri="{FF2B5EF4-FFF2-40B4-BE49-F238E27FC236}">
+                <a16:creationId xmlns:a16="http://schemas.microsoft.com/office/drawing/2014/main" id="{414FFA5D-2314-C9F4-29F1-D455883F659E}"/>
+              </a:ext>
+            </a:extLst>
+          </p:cNvPr>
+          <p:cNvSpPr txBox="1">
+            <a:spLocks/>
+          </p:cNvSpPr>
+          <p:nvPr/>
+        </p:nvSpPr>
+        <p:spPr>
+          <a:xfrm>
+            <a:off x="533401" y="4542698"/>
+            <a:ext cx="2514599" cy="1539603"/>
+          </a:xfrm>
+          <a:prstGeom prst="rect">
+            <a:avLst/>
+          </a:prstGeom>
+        </p:spPr>
+        <p:txBody>
+          <a:bodyPr vert="horz" lIns="0" tIns="0" rIns="0" bIns="0" rtlCol="0" anchor="t">
+            <a:noAutofit/>
+          </a:bodyPr>
+          <a:lstStyle>
+            <a:lvl1pPr algn="l" rtl="0" eaLnBrk="1" fontAlgn="base" hangingPunct="1">
+              <a:lnSpc>
+                <a:spcPct val="90000"/>
+              </a:lnSpc>
+              <a:spcBef>
+                <a:spcPct val="0"/>
+              </a:spcBef>
+              <a:spcAft>
+                <a:spcPct val="0"/>
+              </a:spcAft>
+              <a:defRPr sz="1600" b="0">
+                <a:solidFill>
+                  <a:schemeClr val="bg1"/>
+                </a:solidFill>
+                <a:latin typeface="IBM Plex Sans" panose="020B0503050203000203" pitchFamily="34" charset="0"/>
+                <a:ea typeface="IBM Plex Sans" panose="020B0503050203000203" pitchFamily="34" charset="0"/>
+                <a:cs typeface="IBM Plex Sans" panose="020B0503050203000203" pitchFamily="34" charset="0"/>
+              </a:defRPr>
+            </a:lvl1pPr>
+            <a:lvl2pPr algn="l" rtl="0" eaLnBrk="1" fontAlgn="base" hangingPunct="1">
+              <a:lnSpc>
+                <a:spcPct val="90000"/>
+              </a:lnSpc>
+              <a:spcBef>
+                <a:spcPct val="0"/>
+              </a:spcBef>
+              <a:spcAft>
+                <a:spcPct val="0"/>
+              </a:spcAft>
+              <a:defRPr sz="2220">
+                <a:solidFill>
+                  <a:srgbClr val="191919"/>
+                </a:solidFill>
+                <a:latin typeface="IBM Plex Sans" pitchFamily="34" charset="0"/>
+              </a:defRPr>
+            </a:lvl2pPr>
+            <a:lvl3pPr algn="l" rtl="0" eaLnBrk="1" fontAlgn="base" hangingPunct="1">
+              <a:lnSpc>
+                <a:spcPct val="90000"/>
+              </a:lnSpc>
+              <a:spcBef>
+                <a:spcPct val="0"/>
+              </a:spcBef>
+              <a:spcAft>
+                <a:spcPct val="0"/>
+              </a:spcAft>
+              <a:defRPr sz="2220">
+                <a:solidFill>
+                  <a:srgbClr val="191919"/>
+                </a:solidFill>
+                <a:latin typeface="IBM Plex Sans" pitchFamily="34" charset="0"/>
+              </a:defRPr>
+            </a:lvl3pPr>
+            <a:lvl4pPr algn="l" rtl="0" eaLnBrk="1" fontAlgn="base" hangingPunct="1">
+              <a:lnSpc>
+                <a:spcPct val="90000"/>
+              </a:lnSpc>
+              <a:spcBef>
+                <a:spcPct val="0"/>
+              </a:spcBef>
+              <a:spcAft>
+                <a:spcPct val="0"/>
+              </a:spcAft>
+              <a:defRPr sz="2220">
+                <a:solidFill>
+                  <a:srgbClr val="191919"/>
+                </a:solidFill>
+                <a:latin typeface="IBM Plex Sans" pitchFamily="34" charset="0"/>
+              </a:defRPr>
+            </a:lvl4pPr>
+            <a:lvl5pPr algn="l" rtl="0" eaLnBrk="1" fontAlgn="base" hangingPunct="1">
+              <a:lnSpc>
+                <a:spcPct val="90000"/>
+              </a:lnSpc>
+              <a:spcBef>
+                <a:spcPct val="0"/>
+              </a:spcBef>
+              <a:spcAft>
+                <a:spcPct val="0"/>
+              </a:spcAft>
+              <a:defRPr sz="2220">
+                <a:solidFill>
+                  <a:srgbClr val="191919"/>
+                </a:solidFill>
+                <a:latin typeface="IBM Plex Sans" pitchFamily="34" charset="0"/>
+              </a:defRPr>
+            </a:lvl5pPr>
+            <a:lvl6pPr marL="362568" algn="l" rtl="0" eaLnBrk="1" fontAlgn="base" hangingPunct="1">
+              <a:lnSpc>
+                <a:spcPct val="90000"/>
+              </a:lnSpc>
+              <a:spcBef>
+                <a:spcPct val="0"/>
+              </a:spcBef>
+              <a:spcAft>
+                <a:spcPct val="0"/>
+              </a:spcAft>
+              <a:defRPr sz="2220">
+                <a:solidFill>
+                  <a:srgbClr val="191919"/>
+                </a:solidFill>
+                <a:latin typeface="IBM Plex Sans" pitchFamily="34" charset="0"/>
+              </a:defRPr>
+            </a:lvl6pPr>
+            <a:lvl7pPr marL="725139" algn="l" rtl="0" eaLnBrk="1" fontAlgn="base" hangingPunct="1">
+              <a:lnSpc>
+                <a:spcPct val="90000"/>
+              </a:lnSpc>
+              <a:spcBef>
+                <a:spcPct val="0"/>
+              </a:spcBef>
+              <a:spcAft>
+                <a:spcPct val="0"/>
+              </a:spcAft>
+              <a:defRPr sz="2220">
+                <a:solidFill>
+                  <a:srgbClr val="191919"/>
+                </a:solidFill>
+                <a:latin typeface="IBM Plex Sans" pitchFamily="34" charset="0"/>
+              </a:defRPr>
+            </a:lvl7pPr>
+            <a:lvl8pPr marL="1087707" algn="l" rtl="0" eaLnBrk="1" fontAlgn="base" hangingPunct="1">
+              <a:lnSpc>
+                <a:spcPct val="90000"/>
+              </a:lnSpc>
+              <a:spcBef>
+                <a:spcPct val="0"/>
+              </a:spcBef>
+              <a:spcAft>
+                <a:spcPct val="0"/>
+              </a:spcAft>
+              <a:defRPr sz="2220">
+                <a:solidFill>
+                  <a:srgbClr val="191919"/>
+                </a:solidFill>
+                <a:latin typeface="IBM Plex Sans" pitchFamily="34" charset="0"/>
+              </a:defRPr>
+            </a:lvl8pPr>
+            <a:lvl9pPr marL="1450276" algn="l" rtl="0" eaLnBrk="1" fontAlgn="base" hangingPunct="1">
+              <a:lnSpc>
+                <a:spcPct val="90000"/>
+              </a:lnSpc>
+              <a:spcBef>
+                <a:spcPct val="0"/>
+              </a:spcBef>
+              <a:spcAft>
+                <a:spcPct val="0"/>
+              </a:spcAft>
+              <a:defRPr sz="2220">
+                <a:solidFill>
+                  <a:srgbClr val="191919"/>
+                </a:solidFill>
+                <a:latin typeface="IBM Plex Sans" pitchFamily="34" charset="0"/>
+              </a:defRPr>
+            </a:lvl9pPr>
+          </a:lstStyle>
+          <a:p>
+            <a:pPr defTabSz="914400"/>
+            <a:r>
+              <a:rPr lang="en-US" sz="1200" b="1" kern="0" dirty="0"/>
+              <a:t>Network usage</a:t>
+            </a:r>
+          </a:p>
+          <a:p>
+            <a:pPr defTabSz="914400"/>
+            <a:endParaRPr lang="en-US" sz="1200" b="1" kern="0" dirty="0"/>
+          </a:p>
+          <a:p>
+            <a:pPr defTabSz="914400"/>
+            <a:r>
+              <a:rPr lang="en-US" sz="1200" b="1" kern="0" dirty="0" err="1"/>
+              <a:t>Geolocalized</a:t>
+            </a:r>
+            <a:r>
+              <a:rPr lang="en-US" sz="1200" b="1" kern="0" dirty="0"/>
+              <a:t> tweets</a:t>
+            </a:r>
+          </a:p>
+          <a:p>
+            <a:pPr defTabSz="914400"/>
+            <a:endParaRPr lang="en-US" sz="1200" b="1" kern="0" dirty="0"/>
+          </a:p>
+          <a:p>
+            <a:pPr defTabSz="914400"/>
+            <a:r>
+              <a:rPr lang="en-US" sz="1200" b="1" kern="0" dirty="0"/>
+              <a:t>Weather</a:t>
+            </a:r>
+          </a:p>
+          <a:p>
+            <a:pPr defTabSz="914400"/>
+            <a:endParaRPr lang="en-US" sz="1200" b="1" kern="0" dirty="0"/>
+          </a:p>
+          <a:p>
+            <a:pPr defTabSz="914400"/>
+            <a:r>
+              <a:rPr lang="en-US" sz="1200" b="1" kern="0" dirty="0"/>
+              <a:t>Electricity</a:t>
+            </a:r>
+          </a:p>
+          <a:p>
+            <a:pPr defTabSz="914400"/>
+            <a:endParaRPr lang="en-US" sz="1200" b="1" kern="0" dirty="0"/>
+          </a:p>
+          <a:p>
+            <a:pPr defTabSz="914400"/>
+            <a:r>
+              <a:rPr lang="en-US" sz="1200" b="1" kern="0" dirty="0"/>
+              <a:t>News</a:t>
+            </a:r>
+          </a:p>
+        </p:txBody>
+      </p:sp>
+      <p:sp>
+        <p:nvSpPr>
+          <p:cNvPr id="9" name="TextBox 8">
+            <a:extLst>
+              <a:ext uri="{FF2B5EF4-FFF2-40B4-BE49-F238E27FC236}">
+                <a16:creationId xmlns:a16="http://schemas.microsoft.com/office/drawing/2014/main" id="{7F3ED445-8FF3-F549-069E-9EE3720EAEE9}"/>
+              </a:ext>
+            </a:extLst>
+          </p:cNvPr>
+          <p:cNvSpPr txBox="1"/>
+          <p:nvPr/>
+        </p:nvSpPr>
+        <p:spPr>
+          <a:xfrm>
+            <a:off x="9144000" y="5755253"/>
+            <a:ext cx="3048000" cy="600164"/>
+          </a:xfrm>
+          <a:prstGeom prst="rect">
+            <a:avLst/>
+          </a:prstGeom>
+          <a:noFill/>
+        </p:spPr>
+        <p:txBody>
+          <a:bodyPr wrap="square" rtlCol="0">
+            <a:spAutoFit/>
+          </a:bodyPr>
+          <a:lstStyle/>
+          <a:p>
+            <a:r>
+              <a:rPr lang="pt-BR" sz="1100" dirty="0">
+                <a:latin typeface="IBM Plex Sans" panose="020B0503050203000203" pitchFamily="34" charset="0"/>
+              </a:rPr>
+              <a:t>[1] </a:t>
+            </a:r>
+            <a:r>
+              <a:rPr lang="pt-BR" sz="1100" dirty="0" err="1">
+                <a:latin typeface="IBM Plex Sans" panose="020B0503050203000203" pitchFamily="34" charset="0"/>
+              </a:rPr>
+              <a:t>Barlacchi</a:t>
+            </a:r>
+            <a:r>
+              <a:rPr lang="pt-BR" sz="1100" dirty="0">
+                <a:latin typeface="IBM Plex Sans" panose="020B0503050203000203" pitchFamily="34" charset="0"/>
+              </a:rPr>
+              <a:t>, G. et al. A </a:t>
+            </a:r>
+            <a:r>
+              <a:rPr lang="pt-BR" sz="1100" dirty="0" err="1">
+                <a:latin typeface="IBM Plex Sans" panose="020B0503050203000203" pitchFamily="34" charset="0"/>
+              </a:rPr>
+              <a:t>multi-source</a:t>
+            </a:r>
+            <a:r>
+              <a:rPr lang="pt-BR" sz="1100" dirty="0">
+                <a:latin typeface="IBM Plex Sans" panose="020B0503050203000203" pitchFamily="34" charset="0"/>
+              </a:rPr>
+              <a:t> </a:t>
+            </a:r>
+            <a:r>
+              <a:rPr lang="pt-BR" sz="1100" dirty="0" err="1">
+                <a:latin typeface="IBM Plex Sans" panose="020B0503050203000203" pitchFamily="34" charset="0"/>
+              </a:rPr>
+              <a:t>dataset</a:t>
+            </a:r>
+            <a:r>
+              <a:rPr lang="pt-BR" sz="1100" dirty="0">
+                <a:latin typeface="IBM Plex Sans" panose="020B0503050203000203" pitchFamily="34" charset="0"/>
+              </a:rPr>
+              <a:t> </a:t>
+            </a:r>
+            <a:r>
+              <a:rPr lang="pt-BR" sz="1100" dirty="0" err="1">
+                <a:latin typeface="IBM Plex Sans" panose="020B0503050203000203" pitchFamily="34" charset="0"/>
+              </a:rPr>
+              <a:t>of</a:t>
+            </a:r>
+            <a:r>
+              <a:rPr lang="pt-BR" sz="1100" dirty="0">
+                <a:latin typeface="IBM Plex Sans" panose="020B0503050203000203" pitchFamily="34" charset="0"/>
+              </a:rPr>
+              <a:t> </a:t>
+            </a:r>
+            <a:r>
+              <a:rPr lang="pt-BR" sz="1100" dirty="0" err="1">
+                <a:latin typeface="IBM Plex Sans" panose="020B0503050203000203" pitchFamily="34" charset="0"/>
+              </a:rPr>
+              <a:t>urban</a:t>
+            </a:r>
+            <a:r>
+              <a:rPr lang="pt-BR" sz="1100" dirty="0">
+                <a:latin typeface="IBM Plex Sans" panose="020B0503050203000203" pitchFamily="34" charset="0"/>
+              </a:rPr>
+              <a:t> </a:t>
+            </a:r>
+            <a:r>
+              <a:rPr lang="pt-BR" sz="1100" dirty="0" err="1">
+                <a:latin typeface="IBM Plex Sans" panose="020B0503050203000203" pitchFamily="34" charset="0"/>
+              </a:rPr>
+              <a:t>life</a:t>
+            </a:r>
+            <a:r>
+              <a:rPr lang="pt-BR" sz="1100" dirty="0">
+                <a:latin typeface="IBM Plex Sans" panose="020B0503050203000203" pitchFamily="34" charset="0"/>
+              </a:rPr>
+              <a:t> in </a:t>
+            </a:r>
+            <a:r>
+              <a:rPr lang="pt-BR" sz="1100" dirty="0" err="1">
+                <a:latin typeface="IBM Plex Sans" panose="020B0503050203000203" pitchFamily="34" charset="0"/>
+              </a:rPr>
+              <a:t>the</a:t>
+            </a:r>
+            <a:r>
+              <a:rPr lang="pt-BR" sz="1100" dirty="0">
+                <a:latin typeface="IBM Plex Sans" panose="020B0503050203000203" pitchFamily="34" charset="0"/>
+              </a:rPr>
+              <a:t> </a:t>
+            </a:r>
+            <a:r>
+              <a:rPr lang="pt-BR" sz="1100" dirty="0" err="1">
+                <a:latin typeface="IBM Plex Sans" panose="020B0503050203000203" pitchFamily="34" charset="0"/>
+              </a:rPr>
+              <a:t>city</a:t>
+            </a:r>
+            <a:r>
+              <a:rPr lang="pt-BR" sz="1100" dirty="0">
+                <a:latin typeface="IBM Plex Sans" panose="020B0503050203000203" pitchFamily="34" charset="0"/>
+              </a:rPr>
+              <a:t> </a:t>
+            </a:r>
+            <a:r>
+              <a:rPr lang="pt-BR" sz="1100" dirty="0" err="1">
+                <a:latin typeface="IBM Plex Sans" panose="020B0503050203000203" pitchFamily="34" charset="0"/>
+              </a:rPr>
+              <a:t>of</a:t>
+            </a:r>
+            <a:r>
+              <a:rPr lang="pt-BR" sz="1100" dirty="0">
+                <a:latin typeface="IBM Plex Sans" panose="020B0503050203000203" pitchFamily="34" charset="0"/>
+              </a:rPr>
+              <a:t> </a:t>
+            </a:r>
+            <a:r>
+              <a:rPr lang="pt-BR" sz="1100" dirty="0" err="1">
+                <a:latin typeface="IBM Plex Sans" panose="020B0503050203000203" pitchFamily="34" charset="0"/>
+              </a:rPr>
+              <a:t>milan</a:t>
+            </a:r>
+            <a:r>
+              <a:rPr lang="pt-BR" sz="1100" dirty="0">
+                <a:latin typeface="IBM Plex Sans" panose="020B0503050203000203" pitchFamily="34" charset="0"/>
+              </a:rPr>
+              <a:t> </a:t>
+            </a:r>
+            <a:r>
+              <a:rPr lang="pt-BR" sz="1100" dirty="0" err="1">
+                <a:latin typeface="IBM Plex Sans" panose="020B0503050203000203" pitchFamily="34" charset="0"/>
+              </a:rPr>
+              <a:t>and</a:t>
+            </a:r>
+            <a:r>
+              <a:rPr lang="pt-BR" sz="1100" dirty="0">
+                <a:latin typeface="IBM Plex Sans" panose="020B0503050203000203" pitchFamily="34" charset="0"/>
+              </a:rPr>
+              <a:t> </a:t>
+            </a:r>
+            <a:r>
+              <a:rPr lang="pt-BR" sz="1100" dirty="0" err="1">
+                <a:latin typeface="IBM Plex Sans" panose="020B0503050203000203" pitchFamily="34" charset="0"/>
+              </a:rPr>
+              <a:t>the</a:t>
+            </a:r>
+            <a:r>
+              <a:rPr lang="pt-BR" sz="1100" dirty="0">
+                <a:latin typeface="IBM Plex Sans" panose="020B0503050203000203" pitchFamily="34" charset="0"/>
+              </a:rPr>
+              <a:t> </a:t>
+            </a:r>
+            <a:r>
+              <a:rPr lang="pt-BR" sz="1100" dirty="0" err="1">
+                <a:latin typeface="IBM Plex Sans" panose="020B0503050203000203" pitchFamily="34" charset="0"/>
+              </a:rPr>
+              <a:t>province</a:t>
+            </a:r>
+            <a:r>
+              <a:rPr lang="pt-BR" sz="1100" dirty="0">
+                <a:latin typeface="IBM Plex Sans" panose="020B0503050203000203" pitchFamily="34" charset="0"/>
+              </a:rPr>
+              <a:t> </a:t>
+            </a:r>
+            <a:r>
+              <a:rPr lang="pt-BR" sz="1100" dirty="0" err="1">
+                <a:latin typeface="IBM Plex Sans" panose="020B0503050203000203" pitchFamily="34" charset="0"/>
+              </a:rPr>
+              <a:t>of</a:t>
+            </a:r>
+            <a:r>
+              <a:rPr lang="pt-BR" sz="1100" dirty="0">
+                <a:latin typeface="IBM Plex Sans" panose="020B0503050203000203" pitchFamily="34" charset="0"/>
+              </a:rPr>
+              <a:t> </a:t>
+            </a:r>
+            <a:r>
+              <a:rPr lang="pt-BR" sz="1100" dirty="0" err="1">
+                <a:latin typeface="IBM Plex Sans" panose="020B0503050203000203" pitchFamily="34" charset="0"/>
+              </a:rPr>
+              <a:t>trentino</a:t>
+            </a:r>
+            <a:r>
+              <a:rPr lang="pt-BR" sz="1100" dirty="0">
+                <a:latin typeface="IBM Plex Sans" panose="020B0503050203000203" pitchFamily="34" charset="0"/>
+              </a:rPr>
+              <a:t>. </a:t>
+            </a:r>
+            <a:r>
+              <a:rPr lang="pt-BR" sz="1100" dirty="0" err="1">
+                <a:latin typeface="IBM Plex Sans" panose="020B0503050203000203" pitchFamily="34" charset="0"/>
+              </a:rPr>
+              <a:t>Sci</a:t>
+            </a:r>
+            <a:r>
+              <a:rPr lang="pt-BR" sz="1100" dirty="0">
+                <a:latin typeface="IBM Plex Sans" panose="020B0503050203000203" pitchFamily="34" charset="0"/>
+              </a:rPr>
+              <a:t> Data 2, 2015. </a:t>
+            </a:r>
+          </a:p>
+        </p:txBody>
+      </p:sp>
+    </p:spTree>
+    <p:extLst>
+      <p:ext uri="{BB962C8B-B14F-4D97-AF65-F5344CB8AC3E}">
+        <p14:creationId xmlns:p14="http://schemas.microsoft.com/office/powerpoint/2010/main" val="22484859"/>
+      </p:ext>
+    </p:extLst>
+  </p:cSld>
+  <p:clrMapOvr>
+    <a:masterClrMapping/>
+  </p:clrMapOvr>
+</p:sld>
+</file>
+
+<file path=ppt/slides/slide8.xml><?xml version="1.0" encoding="utf-8"?>
+<p:sld xmlns:a="http://schemas.openxmlformats.org/drawingml/2006/main" xmlns:r="http://schemas.openxmlformats.org/officeDocument/2006/relationships" xmlns:p="http://schemas.openxmlformats.org/presentationml/2006/main">
+  <p:cSld>
+    <p:spTree>
+      <p:nvGrpSpPr>
+        <p:cNvPr id="1" name=""/>
+        <p:cNvGrpSpPr/>
+        <p:nvPr/>
+      </p:nvGrpSpPr>
+      <p:grpSpPr>
+        <a:xfrm>
+          <a:off x="0" y="0"/>
+          <a:ext cx="0" cy="0"/>
+          <a:chOff x="0" y="0"/>
+          <a:chExt cx="0" cy="0"/>
+        </a:xfrm>
+      </p:grpSpPr>
+      <p:sp>
+        <p:nvSpPr>
           <p:cNvPr id="7" name="Title 1">
             <a:extLst>
               <a:ext uri="{FF2B5EF4-FFF2-40B4-BE49-F238E27FC236}">
@@ -8156,15 +11841,16 @@
               </a:spcBef>
             </a:pPr>
             <a:r>
-              <a:rPr lang="pt-BR" sz="4000" b="1" dirty="0">
+              <a:rPr lang="pt-BR" sz="4000" b="1" dirty="0" err="1">
+                <a:latin typeface="IBM Plex Sans" panose="020B0503050203000203" pitchFamily="34" charset="0"/>
                 <a:ea typeface="+mn-ea"/>
                 <a:cs typeface="+mn-cs"/>
               </a:rPr>
-              <a:t>Obrigado</a:t>
+              <a:t>Thanks</a:t>
             </a:r>
             <a:r>
               <a:rPr lang="pt-BR" sz="4000" b="1" dirty="0">
-                <a:latin typeface="+mn-lt"/>
+                <a:latin typeface="IBM Plex Sans" panose="020B0503050203000203" pitchFamily="34" charset="0"/>
                 <a:ea typeface="+mn-ea"/>
                 <a:cs typeface="+mn-cs"/>
               </a:rPr>
@@ -8376,6 +12062,7 @@
                     <a:lumOff val="35000"/>
                   </a:schemeClr>
                 </a:solidFill>
+                <a:latin typeface="IBM Plex Sans" panose="020B0503050203000203" pitchFamily="34" charset="0"/>
               </a:rPr>
               <a:t>Patrick Luiz de Araújo</a:t>
             </a:r>
@@ -8392,6 +12079,7 @@
                     <a:lumOff val="35000"/>
                   </a:schemeClr>
                 </a:solidFill>
+                <a:latin typeface="IBM Plex Sans" panose="020B0503050203000203" pitchFamily="34" charset="0"/>
                 <a:hlinkClick r:id="rId2"/>
               </a:rPr>
               <a:t>patrick@ufu.br</a:t>
@@ -8403,6 +12091,7 @@
                   <a:lumOff val="35000"/>
                 </a:schemeClr>
               </a:solidFill>
+              <a:latin typeface="IBM Plex Sans" panose="020B0503050203000203" pitchFamily="34" charset="0"/>
             </a:endParaRPr>
           </a:p>
           <a:p>
@@ -8416,6 +12105,7 @@
                   <a:lumOff val="35000"/>
                 </a:schemeClr>
               </a:solidFill>
+              <a:latin typeface="IBM Plex Sans" panose="020B0503050203000203" pitchFamily="34" charset="0"/>
             </a:endParaRPr>
           </a:p>
           <a:p>
@@ -8430,8 +12120,9 @@
                     <a:lumOff val="35000"/>
                   </a:schemeClr>
                 </a:solidFill>
-              </a:rPr>
-              <a:t>Orientador: Prof. Dr. Rafael Pasquini</a:t>
+                <a:latin typeface="IBM Plex Sans" panose="020B0503050203000203" pitchFamily="34" charset="0"/>
+              </a:rPr>
+              <a:t>Prof. Dr. Rafael Pasquini</a:t>
             </a:r>
           </a:p>
           <a:p>
@@ -8446,6 +12137,7 @@
                     <a:lumOff val="35000"/>
                   </a:schemeClr>
                 </a:solidFill>
+                <a:latin typeface="IBM Plex Sans" panose="020B0503050203000203" pitchFamily="34" charset="0"/>
                 <a:hlinkClick r:id="rId3"/>
               </a:rPr>
               <a:t>rafael.pasquini@ufu.br</a:t>
@@ -8457,6 +12149,7 @@
                   <a:lumOff val="35000"/>
                 </a:schemeClr>
               </a:solidFill>
+              <a:latin typeface="IBM Plex Sans" panose="020B0503050203000203" pitchFamily="34" charset="0"/>
             </a:endParaRPr>
           </a:p>
           <a:p>
@@ -8470,6 +12163,7 @@
                   <a:lumOff val="35000"/>
                 </a:schemeClr>
               </a:solidFill>
+              <a:latin typeface="IBM Plex Sans" panose="020B0503050203000203" pitchFamily="34" charset="0"/>
             </a:endParaRPr>
           </a:p>
           <a:p>
@@ -8484,8 +12178,9 @@
                     <a:lumOff val="35000"/>
                   </a:schemeClr>
                 </a:solidFill>
-              </a:rPr>
-              <a:t>Coorientador: Prof. Dr. Murillo Guimarães Carneiro</a:t>
+                <a:latin typeface="IBM Plex Sans" panose="020B0503050203000203" pitchFamily="34" charset="0"/>
+              </a:rPr>
+              <a:t>Prof. Dr. Murillo Guimarães Carneiro</a:t>
             </a:r>
           </a:p>
           <a:p>
@@ -8500,6 +12195,7 @@
                     <a:lumOff val="35000"/>
                   </a:schemeClr>
                 </a:solidFill>
+                <a:latin typeface="IBM Plex Sans" panose="020B0503050203000203" pitchFamily="34" charset="0"/>
                 <a:hlinkClick r:id="rId4"/>
               </a:rPr>
               <a:t>mgcarneiro@ufu.br</a:t>
@@ -8511,6 +12207,7 @@
                   <a:lumOff val="35000"/>
                 </a:schemeClr>
               </a:solidFill>
+              <a:latin typeface="IBM Plex Sans" panose="020B0503050203000203" pitchFamily="34" charset="0"/>
             </a:endParaRPr>
           </a:p>
           <a:p>
@@ -8524,6 +12221,7 @@
                   <a:lumOff val="35000"/>
                 </a:schemeClr>
               </a:solidFill>
+              <a:latin typeface="IBM Plex Sans" panose="020B0503050203000203" pitchFamily="34" charset="0"/>
             </a:endParaRPr>
           </a:p>
           <a:p>
@@ -8537,6 +12235,7 @@
                   <a:lumOff val="35000"/>
                 </a:schemeClr>
               </a:solidFill>
+              <a:latin typeface="IBM Plex Sans" panose="020B0503050203000203" pitchFamily="34" charset="0"/>
             </a:endParaRPr>
           </a:p>
         </p:txBody>
@@ -8739,10 +12438,13 @@
             <a:r>
               <a:rPr lang="en-US" b="1" i="0" dirty="0">
                 <a:effectLst/>
+                <a:latin typeface="IBM Plex Sans" panose="020B0503050203000203" pitchFamily="34" charset="0"/>
               </a:rPr>
               <a:t>A Mobile Traffic Predictor Enhanced by Neighboring Transportation Data (MTP-NT)</a:t>
             </a:r>
-            <a:endParaRPr lang="pt-BR" b="1" dirty="0"/>
+            <a:endParaRPr lang="pt-BR" b="1" dirty="0">
+              <a:latin typeface="IBM Plex Sans" panose="020B0503050203000203" pitchFamily="34" charset="0"/>
+            </a:endParaRPr>
           </a:p>
         </p:txBody>
       </p:sp>
@@ -8769,7 +12471,7 @@
           <a:p>
             <a:fld id="{C16D1434-241F-3E4A-8778-0F70095E40C3}" type="slidenum">
               <a:rPr lang="pt-BR" smtClean="0"/>
-              <a:t>5</a:t>
+              <a:t>8</a:t>
             </a:fld>
             <a:endParaRPr lang="pt-BR"/>
           </a:p>

--- a/defesa.pptx
+++ b/defesa.pptx
@@ -5,7 +5,7 @@
     <p:sldMasterId id="2147483648" r:id="rId1"/>
   </p:sldMasterIdLst>
   <p:notesMasterIdLst>
-    <p:notesMasterId r:id="rId10"/>
+    <p:notesMasterId r:id="rId15"/>
   </p:notesMasterIdLst>
   <p:sldIdLst>
     <p:sldId id="256" r:id="rId2"/>
@@ -13,9 +13,14 @@
     <p:sldId id="259" r:id="rId4"/>
     <p:sldId id="260" r:id="rId5"/>
     <p:sldId id="261" r:id="rId6"/>
-    <p:sldId id="369" r:id="rId7"/>
-    <p:sldId id="370" r:id="rId8"/>
-    <p:sldId id="257" r:id="rId9"/>
+    <p:sldId id="372" r:id="rId7"/>
+    <p:sldId id="369" r:id="rId8"/>
+    <p:sldId id="370" r:id="rId9"/>
+    <p:sldId id="371" r:id="rId10"/>
+    <p:sldId id="375" r:id="rId11"/>
+    <p:sldId id="373" r:id="rId12"/>
+    <p:sldId id="374" r:id="rId13"/>
+    <p:sldId id="257" r:id="rId14"/>
   </p:sldIdLst>
   <p:sldSz cx="12192000" cy="6858000"/>
   <p:notesSz cx="6858000" cy="9144000"/>
@@ -204,7 +209,7 @@
           <a:p>
             <a:fld id="{B6A12C11-4C9D-1F4A-951A-CE97512F563C}" type="datetimeFigureOut">
               <a:rPr lang="pt-BR" smtClean="0"/>
-              <a:t>03/07/2023</a:t>
+              <a:t>15/07/2023</a:t>
             </a:fld>
             <a:endParaRPr lang="pt-BR"/>
           </a:p>
@@ -726,7 +731,7 @@
       </p:grpSpPr>
       <p:sp>
         <p:nvSpPr>
-          <p:cNvPr id="2" name="Espaço Reservado para Imagem de Slide 1"/>
+          <p:cNvPr id="2" name="Slide Image Placeholder 1"/>
           <p:cNvSpPr>
             <a:spLocks noGrp="1" noRot="1" noChangeAspect="1"/>
           </p:cNvSpPr>
@@ -734,16 +739,11 @@
             <p:ph type="sldImg"/>
           </p:nvPr>
         </p:nvSpPr>
-        <p:spPr>
-          <a:xfrm>
-            <a:off x="1822450" y="228600"/>
-            <a:ext cx="3213100" cy="1808163"/>
-          </a:xfrm>
-        </p:spPr>
-      </p:sp>
-      <p:sp>
-        <p:nvSpPr>
-          <p:cNvPr id="3" name="Espaço Reservado para Anotações 2"/>
+        <p:spPr/>
+      </p:sp>
+      <p:sp>
+        <p:nvSpPr>
+          <p:cNvPr id="3" name="Notes Placeholder 2"/>
           <p:cNvSpPr>
             <a:spLocks noGrp="1"/>
           </p:cNvSpPr>
@@ -758,14 +758,58 @@
           <a:p>
             <a:r>
               <a:rPr lang="pt-BR" dirty="0"/>
-              <a:t>Estes são os desafios a atentar-se em uma implementação de ML em 5G</a:t>
-            </a:r>
-          </a:p>
-        </p:txBody>
-      </p:sp>
-      <p:sp>
-        <p:nvSpPr>
-          <p:cNvPr id="4" name="Espaço Reservado para Número de Slide 3"/>
+              <a:t>Modelos de IA</a:t>
+            </a:r>
+          </a:p>
+          <a:p>
+            <a:r>
+              <a:rPr lang="pt-BR" dirty="0"/>
+              <a:t>	Dependem de dados históricos</a:t>
+            </a:r>
+          </a:p>
+          <a:p>
+            <a:r>
+              <a:rPr lang="pt-BR" dirty="0"/>
+              <a:t>	Menos complexos: implementação de um alocador de potência menos complexo que o </a:t>
+            </a:r>
+            <a:r>
+              <a:rPr lang="pt-BR" dirty="0" err="1"/>
+              <a:t>Weighted</a:t>
+            </a:r>
+            <a:r>
+              <a:rPr lang="pt-BR" dirty="0"/>
+              <a:t> </a:t>
+            </a:r>
+            <a:r>
+              <a:rPr lang="pt-BR" dirty="0" err="1"/>
+              <a:t>Minimum</a:t>
+            </a:r>
+            <a:r>
+              <a:rPr lang="pt-BR" dirty="0"/>
+              <a:t> </a:t>
+            </a:r>
+            <a:r>
+              <a:rPr lang="pt-BR" dirty="0" err="1"/>
+              <a:t>Mean</a:t>
+            </a:r>
+            <a:r>
+              <a:rPr lang="pt-BR" dirty="0"/>
+              <a:t>-Square </a:t>
+            </a:r>
+            <a:r>
+              <a:rPr lang="pt-BR" dirty="0" err="1"/>
+              <a:t>Error</a:t>
+            </a:r>
+            <a:r>
+              <a:rPr lang="pt-BR" dirty="0"/>
+              <a:t> (WMMSE)</a:t>
+            </a:r>
+          </a:p>
+        </p:txBody>
+      </p:sp>
+      <p:sp>
+        <p:nvSpPr>
+          <p:cNvPr id="4" name="Slide Number Placeholder 3"/>
           <p:cNvSpPr>
             <a:spLocks noGrp="1"/>
           </p:cNvSpPr>
@@ -778,42 +822,18 @@
           <a:bodyPr/>
           <a:lstStyle/>
           <a:p>
-            <a:fld id="{6E2E38B8-B0B4-AD41-AC6E-B781F46A9FD3}" type="slidenum">
-              <a:rPr lang="en-US" smtClean="0"/>
-              <a:pPr/>
+            <a:fld id="{11A34663-90A1-D846-8898-3C9F8D7E3213}" type="slidenum">
+              <a:rPr lang="pt-BR" smtClean="0"/>
               <a:t>6</a:t>
             </a:fld>
-            <a:endParaRPr lang="en-US" dirty="0"/>
-          </a:p>
-        </p:txBody>
-      </p:sp>
-      <p:sp>
-        <p:nvSpPr>
-          <p:cNvPr id="5" name="Espaço Reservado para Rodapé 4"/>
-          <p:cNvSpPr>
-            <a:spLocks noGrp="1"/>
-          </p:cNvSpPr>
-          <p:nvPr>
-            <p:ph type="ftr" sz="quarter" idx="4"/>
-          </p:nvPr>
-        </p:nvSpPr>
-        <p:spPr/>
-        <p:txBody>
-          <a:bodyPr/>
-          <a:lstStyle/>
-          <a:p>
-            <a:r>
-              <a:rPr lang="en-US"/>
-              <a:t>Group Name / DOC ID / Month XX, 2020 / © 2020 IBM Corporation</a:t>
-            </a:r>
-            <a:endParaRPr lang="en-US" dirty="0"/>
+            <a:endParaRPr lang="pt-BR"/>
           </a:p>
         </p:txBody>
       </p:sp>
     </p:spTree>
     <p:extLst>
       <p:ext uri="{BB962C8B-B14F-4D97-AF65-F5344CB8AC3E}">
-        <p14:creationId xmlns:p14="http://schemas.microsoft.com/office/powerpoint/2010/main" val="946091543"/>
+        <p14:creationId xmlns:p14="http://schemas.microsoft.com/office/powerpoint/2010/main" val="3530442620"/>
       </p:ext>
     </p:extLst>
   </p:cSld>
@@ -872,6 +892,122 @@
           <a:bodyPr/>
           <a:lstStyle/>
           <a:p>
+            <a:r>
+              <a:rPr lang="pt-BR" dirty="0"/>
+              <a:t>Estes são os desafios a atentar-se em uma implementação de ML em 5G</a:t>
+            </a:r>
+          </a:p>
+        </p:txBody>
+      </p:sp>
+      <p:sp>
+        <p:nvSpPr>
+          <p:cNvPr id="4" name="Espaço Reservado para Número de Slide 3"/>
+          <p:cNvSpPr>
+            <a:spLocks noGrp="1"/>
+          </p:cNvSpPr>
+          <p:nvPr>
+            <p:ph type="sldNum" sz="quarter" idx="5"/>
+          </p:nvPr>
+        </p:nvSpPr>
+        <p:spPr/>
+        <p:txBody>
+          <a:bodyPr/>
+          <a:lstStyle/>
+          <a:p>
+            <a:fld id="{6E2E38B8-B0B4-AD41-AC6E-B781F46A9FD3}" type="slidenum">
+              <a:rPr lang="en-US" smtClean="0"/>
+              <a:pPr/>
+              <a:t>7</a:t>
+            </a:fld>
+            <a:endParaRPr lang="en-US" dirty="0"/>
+          </a:p>
+        </p:txBody>
+      </p:sp>
+      <p:sp>
+        <p:nvSpPr>
+          <p:cNvPr id="5" name="Espaço Reservado para Rodapé 4"/>
+          <p:cNvSpPr>
+            <a:spLocks noGrp="1"/>
+          </p:cNvSpPr>
+          <p:nvPr>
+            <p:ph type="ftr" sz="quarter" idx="4"/>
+          </p:nvPr>
+        </p:nvSpPr>
+        <p:spPr/>
+        <p:txBody>
+          <a:bodyPr/>
+          <a:lstStyle/>
+          <a:p>
+            <a:r>
+              <a:rPr lang="en-US"/>
+              <a:t>Group Name / DOC ID / Month XX, 2020 / © 2020 IBM Corporation</a:t>
+            </a:r>
+            <a:endParaRPr lang="en-US" dirty="0"/>
+          </a:p>
+        </p:txBody>
+      </p:sp>
+    </p:spTree>
+    <p:extLst>
+      <p:ext uri="{BB962C8B-B14F-4D97-AF65-F5344CB8AC3E}">
+        <p14:creationId xmlns:p14="http://schemas.microsoft.com/office/powerpoint/2010/main" val="946091543"/>
+      </p:ext>
+    </p:extLst>
+  </p:cSld>
+  <p:clrMapOvr>
+    <a:masterClrMapping/>
+  </p:clrMapOvr>
+</p:notes>
+</file>
+
+<file path=ppt/notesSlides/notesSlide5.xml><?xml version="1.0" encoding="utf-8"?>
+<p:notes xmlns:a="http://schemas.openxmlformats.org/drawingml/2006/main" xmlns:r="http://schemas.openxmlformats.org/officeDocument/2006/relationships" xmlns:p="http://schemas.openxmlformats.org/presentationml/2006/main">
+  <p:cSld>
+    <p:spTree>
+      <p:nvGrpSpPr>
+        <p:cNvPr id="1" name=""/>
+        <p:cNvGrpSpPr/>
+        <p:nvPr/>
+      </p:nvGrpSpPr>
+      <p:grpSpPr>
+        <a:xfrm>
+          <a:off x="0" y="0"/>
+          <a:ext cx="0" cy="0"/>
+          <a:chOff x="0" y="0"/>
+          <a:chExt cx="0" cy="0"/>
+        </a:xfrm>
+      </p:grpSpPr>
+      <p:sp>
+        <p:nvSpPr>
+          <p:cNvPr id="2" name="Espaço Reservado para Imagem de Slide 1"/>
+          <p:cNvSpPr>
+            <a:spLocks noGrp="1" noRot="1" noChangeAspect="1"/>
+          </p:cNvSpPr>
+          <p:nvPr>
+            <p:ph type="sldImg"/>
+          </p:nvPr>
+        </p:nvSpPr>
+        <p:spPr>
+          <a:xfrm>
+            <a:off x="1822450" y="228600"/>
+            <a:ext cx="3213100" cy="1808163"/>
+          </a:xfrm>
+        </p:spPr>
+      </p:sp>
+      <p:sp>
+        <p:nvSpPr>
+          <p:cNvPr id="3" name="Espaço Reservado para Anotações 2"/>
+          <p:cNvSpPr>
+            <a:spLocks noGrp="1"/>
+          </p:cNvSpPr>
+          <p:nvPr>
+            <p:ph type="body" idx="1"/>
+          </p:nvPr>
+        </p:nvSpPr>
+        <p:spPr/>
+        <p:txBody>
+          <a:bodyPr/>
+          <a:lstStyle/>
+          <a:p>
             <a:pPr marL="0" marR="0" lvl="0" indent="0" algn="l" defTabSz="914400" rtl="0" eaLnBrk="1" fontAlgn="auto" latinLnBrk="0" hangingPunct="1">
               <a:lnSpc>
                 <a:spcPct val="100000"/>
@@ -891,205 +1027,142 @@
             </a:pPr>
             <a:r>
               <a:rPr lang="pt-BR" dirty="0"/>
-              <a:t>GDPR: </a:t>
+              <a:t>Dados</a:t>
+            </a:r>
+          </a:p>
+          <a:p>
+            <a:pPr marL="0" marR="0" lvl="0" indent="0" algn="l" defTabSz="914400" rtl="0" eaLnBrk="1" fontAlgn="auto" latinLnBrk="0" hangingPunct="1">
+              <a:lnSpc>
+                <a:spcPct val="100000"/>
+              </a:lnSpc>
+              <a:spcBef>
+                <a:spcPts val="0"/>
+              </a:spcBef>
+              <a:spcAft>
+                <a:spcPts val="0"/>
+              </a:spcAft>
+              <a:buClrTx/>
+              <a:buSzTx/>
+              <a:buFontTx/>
+              <a:buNone/>
+              <a:tabLst/>
+              <a:defRPr/>
+            </a:pPr>
+            <a:r>
+              <a:rPr lang="pt-BR" dirty="0"/>
+              <a:t>	GDPR: politica de dados robusta</a:t>
+            </a:r>
+          </a:p>
+          <a:p>
+            <a:pPr marL="0" marR="0" lvl="0" indent="0" algn="l" defTabSz="914400" rtl="0" eaLnBrk="1" fontAlgn="auto" latinLnBrk="0" hangingPunct="1">
+              <a:lnSpc>
+                <a:spcPct val="100000"/>
+              </a:lnSpc>
+              <a:spcBef>
+                <a:spcPts val="0"/>
+              </a:spcBef>
+              <a:spcAft>
+                <a:spcPts val="0"/>
+              </a:spcAft>
+              <a:buClrTx/>
+              <a:buSzTx/>
+              <a:buFontTx/>
+              <a:buNone/>
+              <a:tabLst/>
+              <a:defRPr/>
+            </a:pPr>
+            <a:r>
+              <a:rPr lang="pt-BR" dirty="0"/>
+              <a:t>	Dados de 1/</a:t>
             </a:r>
             <a:r>
               <a:rPr lang="pt-BR" dirty="0" err="1"/>
-              <a:t>most</a:t>
+              <a:t>nov</a:t>
             </a:r>
             <a:r>
               <a:rPr lang="pt-BR" dirty="0"/>
-              <a:t> </a:t>
-            </a:r>
-            <a:r>
-              <a:rPr lang="pt-BR" dirty="0" err="1"/>
-              <a:t>robust</a:t>
-            </a:r>
+              <a:t>/2013 até 31/dez/2013</a:t>
+            </a:r>
+          </a:p>
+          <a:p>
+            <a:endParaRPr lang="pt-BR" dirty="0"/>
+          </a:p>
+          <a:p>
             <a:r>
               <a:rPr lang="pt-BR" dirty="0"/>
-              <a:t> data </a:t>
-            </a:r>
-            <a:r>
-              <a:rPr lang="pt-BR" dirty="0" err="1"/>
-              <a:t>policy</a:t>
-            </a:r>
+              <a:t>Inovação</a:t>
+            </a:r>
+          </a:p>
+          <a:p>
+            <a:r>
+              <a:rPr lang="pt-BR" dirty="0"/>
+              <a:t>	Uso pioneiro de dados de transporte público</a:t>
+            </a:r>
+          </a:p>
+          <a:p>
+            <a:r>
+              <a:rPr lang="pt-BR" dirty="0"/>
+              <a:t>	Dados e modelagem abertas</a:t>
+            </a:r>
+          </a:p>
+          <a:p>
             <a:endParaRPr lang="pt-BR" dirty="0"/>
           </a:p>
           <a:p>
+            <a:r>
+              <a:rPr lang="pt-BR" dirty="0"/>
+              <a:t>Leve</a:t>
+            </a:r>
+          </a:p>
+          <a:p>
+            <a:r>
+              <a:rPr lang="pt-BR" dirty="0"/>
+              <a:t>	Escalável através do volume de dados ingeridos</a:t>
+            </a:r>
+          </a:p>
+          <a:p>
+            <a:r>
+              <a:rPr lang="pt-BR" dirty="0"/>
+              <a:t>	Vários volumes validados</a:t>
+            </a:r>
+          </a:p>
+          <a:p>
             <a:endParaRPr lang="pt-BR" dirty="0"/>
           </a:p>
           <a:p>
             <a:r>
-              <a:rPr lang="pt-BR" dirty="0" err="1"/>
-              <a:t>Designed</a:t>
-            </a:r>
-            <a:r>
               <a:rPr lang="pt-BR" dirty="0"/>
-              <a:t> </a:t>
-            </a:r>
-            <a:r>
-              <a:rPr lang="pt-BR" dirty="0" err="1"/>
-              <a:t>to</a:t>
-            </a:r>
+              <a:t>Performático</a:t>
+            </a:r>
+          </a:p>
+          <a:p>
             <a:r>
               <a:rPr lang="pt-BR" dirty="0"/>
-              <a:t> help </a:t>
-            </a:r>
-            <a:r>
-              <a:rPr lang="pt-BR" dirty="0" err="1"/>
-              <a:t>the</a:t>
-            </a:r>
+              <a:t>	Performance</a:t>
+            </a:r>
+          </a:p>
+          <a:p>
             <a:r>
               <a:rPr lang="pt-BR" dirty="0"/>
-              <a:t> </a:t>
-            </a:r>
-            <a:r>
-              <a:rPr lang="pt-BR" dirty="0" err="1"/>
-              <a:t>scheduler</a:t>
-            </a:r>
+              <a:t>	Mas também oportunidade</a:t>
+            </a:r>
+          </a:p>
+          <a:p>
             <a:r>
               <a:rPr lang="pt-BR" dirty="0"/>
-              <a:t> </a:t>
-            </a:r>
-            <a:r>
-              <a:rPr lang="pt-BR" dirty="0" err="1"/>
-              <a:t>to</a:t>
-            </a:r>
+              <a:t>		80% das torres carregam 20% do tráfego; </a:t>
+            </a:r>
+          </a:p>
+          <a:p>
             <a:r>
               <a:rPr lang="pt-BR" dirty="0"/>
-              <a:t> cloud </a:t>
-            </a:r>
-            <a:r>
-              <a:rPr lang="pt-BR" dirty="0" err="1"/>
-              <a:t>optimization</a:t>
-            </a:r>
-            <a:endParaRPr lang="pt-BR" dirty="0"/>
-          </a:p>
-          <a:p>
-            <a:pPr lvl="1"/>
-            <a:r>
-              <a:rPr lang="pt-BR" dirty="0" err="1"/>
-              <a:t>Resources</a:t>
-            </a:r>
+              <a:t>		50% carregam 5%;</a:t>
+            </a:r>
+          </a:p>
+          <a:p>
             <a:r>
               <a:rPr lang="pt-BR" dirty="0"/>
-              <a:t> </a:t>
-            </a:r>
-            <a:r>
-              <a:rPr lang="pt-BR" dirty="0" err="1"/>
-              <a:t>to</a:t>
-            </a:r>
-            <a:r>
-              <a:rPr lang="pt-BR" dirty="0"/>
-              <a:t>  </a:t>
-            </a:r>
-          </a:p>
-          <a:p>
-            <a:endParaRPr lang="pt-BR" dirty="0"/>
-          </a:p>
-          <a:p>
-            <a:r>
-              <a:rPr lang="pt-BR" dirty="0" err="1"/>
-              <a:t>Ingestion</a:t>
-            </a:r>
-            <a:r>
-              <a:rPr lang="pt-BR" dirty="0"/>
-              <a:t> </a:t>
-            </a:r>
-            <a:r>
-              <a:rPr lang="pt-BR" dirty="0" err="1"/>
-              <a:t>of</a:t>
-            </a:r>
-            <a:r>
-              <a:rPr lang="pt-BR" dirty="0"/>
-              <a:t> </a:t>
-            </a:r>
-            <a:r>
-              <a:rPr lang="pt-BR" dirty="0" err="1"/>
-              <a:t>public</a:t>
-            </a:r>
-            <a:r>
-              <a:rPr lang="pt-BR" dirty="0"/>
-              <a:t> </a:t>
-            </a:r>
-            <a:r>
-              <a:rPr lang="pt-BR" dirty="0" err="1"/>
-              <a:t>transport</a:t>
-            </a:r>
-            <a:r>
-              <a:rPr lang="pt-BR" dirty="0"/>
-              <a:t> data</a:t>
-            </a:r>
-          </a:p>
-          <a:p>
-            <a:endParaRPr lang="pt-BR" dirty="0"/>
-          </a:p>
-          <a:p>
-            <a:r>
-              <a:rPr lang="pt-BR" dirty="0" err="1"/>
-              <a:t>Lightweight</a:t>
-            </a:r>
-            <a:r>
-              <a:rPr lang="pt-BR" dirty="0"/>
-              <a:t>: </a:t>
-            </a:r>
-            <a:r>
-              <a:rPr lang="pt-BR" dirty="0" err="1"/>
-              <a:t>can</a:t>
-            </a:r>
-            <a:r>
-              <a:rPr lang="pt-BR" dirty="0"/>
-              <a:t> </a:t>
-            </a:r>
-            <a:r>
-              <a:rPr lang="pt-BR" dirty="0" err="1"/>
-              <a:t>have</a:t>
-            </a:r>
-            <a:r>
-              <a:rPr lang="pt-BR" dirty="0"/>
-              <a:t> </a:t>
-            </a:r>
-            <a:r>
-              <a:rPr lang="pt-BR" dirty="0" err="1"/>
-              <a:t>multiple</a:t>
-            </a:r>
-            <a:r>
-              <a:rPr lang="pt-BR" dirty="0"/>
-              <a:t> </a:t>
-            </a:r>
-            <a:r>
-              <a:rPr lang="pt-BR" dirty="0" err="1"/>
-              <a:t>sizes</a:t>
-            </a:r>
-            <a:endParaRPr lang="pt-BR" dirty="0"/>
-          </a:p>
-          <a:p>
-            <a:endParaRPr lang="pt-BR" dirty="0"/>
-          </a:p>
-          <a:p>
-            <a:r>
-              <a:rPr lang="pt-BR" dirty="0" err="1"/>
-              <a:t>State</a:t>
-            </a:r>
-            <a:r>
-              <a:rPr lang="pt-BR" dirty="0"/>
-              <a:t> </a:t>
-            </a:r>
-            <a:r>
-              <a:rPr lang="pt-BR" dirty="0" err="1"/>
-              <a:t>of</a:t>
-            </a:r>
-            <a:r>
-              <a:rPr lang="pt-BR" dirty="0"/>
-              <a:t> </a:t>
-            </a:r>
-            <a:r>
-              <a:rPr lang="pt-BR" dirty="0" err="1"/>
-              <a:t>art</a:t>
-            </a:r>
-            <a:r>
-              <a:rPr lang="pt-BR" dirty="0"/>
-              <a:t> performance</a:t>
+              <a:t>		0,35% carregam 50% de todo o volume</a:t>
             </a:r>
           </a:p>
         </p:txBody>
@@ -1112,7 +1185,7 @@
             <a:fld id="{6E2E38B8-B0B4-AD41-AC6E-B781F46A9FD3}" type="slidenum">
               <a:rPr lang="en-US" smtClean="0"/>
               <a:pPr/>
-              <a:t>7</a:t>
+              <a:t>8</a:t>
             </a:fld>
             <a:endParaRPr lang="en-US" dirty="0"/>
           </a:p>
@@ -1145,6 +1218,310 @@
     <p:extLst>
       <p:ext uri="{BB962C8B-B14F-4D97-AF65-F5344CB8AC3E}">
         <p14:creationId xmlns:p14="http://schemas.microsoft.com/office/powerpoint/2010/main" val="1192632188"/>
+      </p:ext>
+    </p:extLst>
+  </p:cSld>
+  <p:clrMapOvr>
+    <a:masterClrMapping/>
+  </p:clrMapOvr>
+</p:notes>
+</file>
+
+<file path=ppt/notesSlides/notesSlide6.xml><?xml version="1.0" encoding="utf-8"?>
+<p:notes xmlns:a="http://schemas.openxmlformats.org/drawingml/2006/main" xmlns:r="http://schemas.openxmlformats.org/officeDocument/2006/relationships" xmlns:p="http://schemas.openxmlformats.org/presentationml/2006/main">
+  <p:cSld>
+    <p:spTree>
+      <p:nvGrpSpPr>
+        <p:cNvPr id="1" name=""/>
+        <p:cNvGrpSpPr/>
+        <p:nvPr/>
+      </p:nvGrpSpPr>
+      <p:grpSpPr>
+        <a:xfrm>
+          <a:off x="0" y="0"/>
+          <a:ext cx="0" cy="0"/>
+          <a:chOff x="0" y="0"/>
+          <a:chExt cx="0" cy="0"/>
+        </a:xfrm>
+      </p:grpSpPr>
+      <p:sp>
+        <p:nvSpPr>
+          <p:cNvPr id="2" name="Slide Image Placeholder 1"/>
+          <p:cNvSpPr>
+            <a:spLocks noGrp="1" noRot="1" noChangeAspect="1"/>
+          </p:cNvSpPr>
+          <p:nvPr>
+            <p:ph type="sldImg"/>
+          </p:nvPr>
+        </p:nvSpPr>
+        <p:spPr/>
+      </p:sp>
+      <p:sp>
+        <p:nvSpPr>
+          <p:cNvPr id="3" name="Notes Placeholder 2"/>
+          <p:cNvSpPr>
+            <a:spLocks noGrp="1"/>
+          </p:cNvSpPr>
+          <p:nvPr>
+            <p:ph type="body" idx="1"/>
+          </p:nvPr>
+        </p:nvSpPr>
+        <p:spPr/>
+        <p:txBody>
+          <a:bodyPr/>
+          <a:lstStyle/>
+          <a:p>
+            <a:endParaRPr lang="pt-BR" dirty="0"/>
+          </a:p>
+        </p:txBody>
+      </p:sp>
+      <p:sp>
+        <p:nvSpPr>
+          <p:cNvPr id="4" name="Slide Number Placeholder 3"/>
+          <p:cNvSpPr>
+            <a:spLocks noGrp="1"/>
+          </p:cNvSpPr>
+          <p:nvPr>
+            <p:ph type="sldNum" sz="quarter" idx="5"/>
+          </p:nvPr>
+        </p:nvSpPr>
+        <p:spPr/>
+        <p:txBody>
+          <a:bodyPr/>
+          <a:lstStyle/>
+          <a:p>
+            <a:fld id="{11A34663-90A1-D846-8898-3C9F8D7E3213}" type="slidenum">
+              <a:rPr lang="pt-BR" smtClean="0"/>
+              <a:t>10</a:t>
+            </a:fld>
+            <a:endParaRPr lang="pt-BR"/>
+          </a:p>
+        </p:txBody>
+      </p:sp>
+    </p:spTree>
+    <p:extLst>
+      <p:ext uri="{BB962C8B-B14F-4D97-AF65-F5344CB8AC3E}">
+        <p14:creationId xmlns:p14="http://schemas.microsoft.com/office/powerpoint/2010/main" val="3801821691"/>
+      </p:ext>
+    </p:extLst>
+  </p:cSld>
+  <p:clrMapOvr>
+    <a:masterClrMapping/>
+  </p:clrMapOvr>
+</p:notes>
+</file>
+
+<file path=ppt/notesSlides/notesSlide7.xml><?xml version="1.0" encoding="utf-8"?>
+<p:notes xmlns:a="http://schemas.openxmlformats.org/drawingml/2006/main" xmlns:r="http://schemas.openxmlformats.org/officeDocument/2006/relationships" xmlns:p="http://schemas.openxmlformats.org/presentationml/2006/main">
+  <p:cSld>
+    <p:spTree>
+      <p:nvGrpSpPr>
+        <p:cNvPr id="1" name=""/>
+        <p:cNvGrpSpPr/>
+        <p:nvPr/>
+      </p:nvGrpSpPr>
+      <p:grpSpPr>
+        <a:xfrm>
+          <a:off x="0" y="0"/>
+          <a:ext cx="0" cy="0"/>
+          <a:chOff x="0" y="0"/>
+          <a:chExt cx="0" cy="0"/>
+        </a:xfrm>
+      </p:grpSpPr>
+      <p:sp>
+        <p:nvSpPr>
+          <p:cNvPr id="2" name="Slide Image Placeholder 1"/>
+          <p:cNvSpPr>
+            <a:spLocks noGrp="1" noRot="1" noChangeAspect="1"/>
+          </p:cNvSpPr>
+          <p:nvPr>
+            <p:ph type="sldImg"/>
+          </p:nvPr>
+        </p:nvSpPr>
+        <p:spPr/>
+      </p:sp>
+      <p:sp>
+        <p:nvSpPr>
+          <p:cNvPr id="3" name="Notes Placeholder 2"/>
+          <p:cNvSpPr>
+            <a:spLocks noGrp="1"/>
+          </p:cNvSpPr>
+          <p:nvPr>
+            <p:ph type="body" idx="1"/>
+          </p:nvPr>
+        </p:nvSpPr>
+        <p:spPr/>
+        <p:txBody>
+          <a:bodyPr/>
+          <a:lstStyle/>
+          <a:p>
+            <a:r>
+              <a:rPr lang="pt-BR" dirty="0"/>
+              <a:t>Em (1)</a:t>
+            </a:r>
+          </a:p>
+          <a:p>
+            <a:r>
+              <a:rPr lang="pt-BR" dirty="0"/>
+              <a:t>	Regiões da cidade são agrupadas com base no seu padrão de uso</a:t>
+            </a:r>
+          </a:p>
+          <a:p>
+            <a:r>
+              <a:rPr lang="pt-BR" dirty="0"/>
+              <a:t>	Padrão de uso evidenciam a natureza organizacional da cidade</a:t>
+            </a:r>
+          </a:p>
+          <a:p>
+            <a:r>
+              <a:rPr lang="pt-BR" dirty="0"/>
+              <a:t>	Indicando correlação e </a:t>
+            </a:r>
+            <a:r>
+              <a:rPr lang="pt-BR" dirty="0" err="1"/>
+              <a:t>causualidade</a:t>
+            </a:r>
+            <a:endParaRPr lang="pt-BR" dirty="0"/>
+          </a:p>
+        </p:txBody>
+      </p:sp>
+      <p:sp>
+        <p:nvSpPr>
+          <p:cNvPr id="4" name="Slide Number Placeholder 3"/>
+          <p:cNvSpPr>
+            <a:spLocks noGrp="1"/>
+          </p:cNvSpPr>
+          <p:nvPr>
+            <p:ph type="sldNum" sz="quarter" idx="5"/>
+          </p:nvPr>
+        </p:nvSpPr>
+        <p:spPr/>
+        <p:txBody>
+          <a:bodyPr/>
+          <a:lstStyle/>
+          <a:p>
+            <a:fld id="{11A34663-90A1-D846-8898-3C9F8D7E3213}" type="slidenum">
+              <a:rPr lang="pt-BR" smtClean="0"/>
+              <a:t>11</a:t>
+            </a:fld>
+            <a:endParaRPr lang="pt-BR"/>
+          </a:p>
+        </p:txBody>
+      </p:sp>
+    </p:spTree>
+    <p:extLst>
+      <p:ext uri="{BB962C8B-B14F-4D97-AF65-F5344CB8AC3E}">
+        <p14:creationId xmlns:p14="http://schemas.microsoft.com/office/powerpoint/2010/main" val="2691335262"/>
+      </p:ext>
+    </p:extLst>
+  </p:cSld>
+  <p:clrMapOvr>
+    <a:masterClrMapping/>
+  </p:clrMapOvr>
+</p:notes>
+</file>
+
+<file path=ppt/notesSlides/notesSlide8.xml><?xml version="1.0" encoding="utf-8"?>
+<p:notes xmlns:a="http://schemas.openxmlformats.org/drawingml/2006/main" xmlns:r="http://schemas.openxmlformats.org/officeDocument/2006/relationships" xmlns:p="http://schemas.openxmlformats.org/presentationml/2006/main">
+  <p:cSld>
+    <p:spTree>
+      <p:nvGrpSpPr>
+        <p:cNvPr id="1" name=""/>
+        <p:cNvGrpSpPr/>
+        <p:nvPr/>
+      </p:nvGrpSpPr>
+      <p:grpSpPr>
+        <a:xfrm>
+          <a:off x="0" y="0"/>
+          <a:ext cx="0" cy="0"/>
+          <a:chOff x="0" y="0"/>
+          <a:chExt cx="0" cy="0"/>
+        </a:xfrm>
+      </p:grpSpPr>
+      <p:sp>
+        <p:nvSpPr>
+          <p:cNvPr id="2" name="Slide Image Placeholder 1"/>
+          <p:cNvSpPr>
+            <a:spLocks noGrp="1" noRot="1" noChangeAspect="1"/>
+          </p:cNvSpPr>
+          <p:nvPr>
+            <p:ph type="sldImg"/>
+          </p:nvPr>
+        </p:nvSpPr>
+        <p:spPr/>
+      </p:sp>
+      <p:sp>
+        <p:nvSpPr>
+          <p:cNvPr id="3" name="Notes Placeholder 2"/>
+          <p:cNvSpPr>
+            <a:spLocks noGrp="1"/>
+          </p:cNvSpPr>
+          <p:nvPr>
+            <p:ph type="body" idx="1"/>
+          </p:nvPr>
+        </p:nvSpPr>
+        <p:spPr/>
+        <p:txBody>
+          <a:bodyPr/>
+          <a:lstStyle/>
+          <a:p>
+            <a:r>
+              <a:rPr lang="pt-BR" dirty="0"/>
+              <a:t>Em (1)</a:t>
+            </a:r>
+          </a:p>
+          <a:p>
+            <a:r>
+              <a:rPr lang="pt-BR" dirty="0"/>
+              <a:t>	Regiões da cidade são agrupadas com base no seu padrão de uso</a:t>
+            </a:r>
+          </a:p>
+          <a:p>
+            <a:r>
+              <a:rPr lang="pt-BR" dirty="0"/>
+              <a:t>	Padrão de uso evidenciam a natureza organizacional da cidade</a:t>
+            </a:r>
+          </a:p>
+          <a:p>
+            <a:r>
+              <a:rPr lang="pt-BR" dirty="0"/>
+              <a:t>	Indicando correlação e </a:t>
+            </a:r>
+            <a:r>
+              <a:rPr lang="pt-BR" dirty="0" err="1"/>
+              <a:t>causualidade</a:t>
+            </a:r>
+            <a:endParaRPr lang="pt-BR" dirty="0"/>
+          </a:p>
+        </p:txBody>
+      </p:sp>
+      <p:sp>
+        <p:nvSpPr>
+          <p:cNvPr id="4" name="Slide Number Placeholder 3"/>
+          <p:cNvSpPr>
+            <a:spLocks noGrp="1"/>
+          </p:cNvSpPr>
+          <p:nvPr>
+            <p:ph type="sldNum" sz="quarter" idx="5"/>
+          </p:nvPr>
+        </p:nvSpPr>
+        <p:spPr/>
+        <p:txBody>
+          <a:bodyPr/>
+          <a:lstStyle/>
+          <a:p>
+            <a:fld id="{11A34663-90A1-D846-8898-3C9F8D7E3213}" type="slidenum">
+              <a:rPr lang="pt-BR" smtClean="0"/>
+              <a:t>12</a:t>
+            </a:fld>
+            <a:endParaRPr lang="pt-BR"/>
+          </a:p>
+        </p:txBody>
+      </p:sp>
+    </p:spTree>
+    <p:extLst>
+      <p:ext uri="{BB962C8B-B14F-4D97-AF65-F5344CB8AC3E}">
+        <p14:creationId xmlns:p14="http://schemas.microsoft.com/office/powerpoint/2010/main" val="1250736510"/>
       </p:ext>
     </p:extLst>
   </p:cSld>
@@ -1303,7 +1680,7 @@
           <a:p>
             <a:fld id="{B7D7292B-FE83-8149-80C4-91AAECDA12E5}" type="datetime1">
               <a:rPr lang="en-US" smtClean="0"/>
-              <a:t>7/3/23</a:t>
+              <a:t>7/15/23</a:t>
             </a:fld>
             <a:endParaRPr lang="pt-BR"/>
           </a:p>
@@ -1506,7 +1883,7 @@
           <a:p>
             <a:fld id="{F727921A-E0AD-844D-AD8F-CAC84CE426DD}" type="datetime1">
               <a:rPr lang="en-US" smtClean="0"/>
-              <a:t>7/3/23</a:t>
+              <a:t>7/15/23</a:t>
             </a:fld>
             <a:endParaRPr lang="pt-BR"/>
           </a:p>
@@ -1719,7 +2096,7 @@
           <a:p>
             <a:fld id="{9CD9CF61-6AC0-B04A-8A79-63823834CBEC}" type="datetime1">
               <a:rPr lang="en-US" smtClean="0"/>
-              <a:t>7/3/23</a:t>
+              <a:t>7/15/23</a:t>
             </a:fld>
             <a:endParaRPr lang="pt-BR"/>
           </a:p>
@@ -2213,7 +2590,7 @@
           <a:p>
             <a:fld id="{CC831FFB-6350-8C44-9E91-19D97611BEA9}" type="datetime1">
               <a:rPr lang="en-US" smtClean="0"/>
-              <a:t>7/3/23</a:t>
+              <a:t>7/15/23</a:t>
             </a:fld>
             <a:endParaRPr lang="pt-BR"/>
           </a:p>
@@ -2492,7 +2869,7 @@
           <a:p>
             <a:fld id="{4EF76644-9B79-9F49-B469-1DC73161FED8}" type="datetime1">
               <a:rPr lang="en-US" smtClean="0"/>
-              <a:t>7/3/23</a:t>
+              <a:t>7/15/23</a:t>
             </a:fld>
             <a:endParaRPr lang="pt-BR"/>
           </a:p>
@@ -2763,7 +3140,7 @@
           <a:p>
             <a:fld id="{A6A5F312-EAA7-7D48-88BA-9918EFBF56FA}" type="datetime1">
               <a:rPr lang="en-US" smtClean="0"/>
-              <a:t>7/3/23</a:t>
+              <a:t>7/15/23</a:t>
             </a:fld>
             <a:endParaRPr lang="pt-BR"/>
           </a:p>
@@ -3181,7 +3558,7 @@
           <a:p>
             <a:fld id="{619E78BB-BB23-6E49-9BDB-7472C1355587}" type="datetime1">
               <a:rPr lang="en-US" smtClean="0"/>
-              <a:t>7/3/23</a:t>
+              <a:t>7/15/23</a:t>
             </a:fld>
             <a:endParaRPr lang="pt-BR"/>
           </a:p>
@@ -3326,7 +3703,7 @@
           <a:p>
             <a:fld id="{6ABA3EEC-C7DD-1B40-8728-972E1C9136C0}" type="datetime1">
               <a:rPr lang="en-US" smtClean="0"/>
-              <a:t>7/3/23</a:t>
+              <a:t>7/15/23</a:t>
             </a:fld>
             <a:endParaRPr lang="pt-BR"/>
           </a:p>
@@ -3442,7 +3819,7 @@
           <a:p>
             <a:fld id="{728EB19E-60F9-E347-B916-E0C6BA076179}" type="datetime1">
               <a:rPr lang="en-US" smtClean="0"/>
-              <a:t>7/3/23</a:t>
+              <a:t>7/15/23</a:t>
             </a:fld>
             <a:endParaRPr lang="pt-BR"/>
           </a:p>
@@ -3758,7 +4135,7 @@
           <a:p>
             <a:fld id="{15B4D956-4AC8-404F-A7CF-EC008BDE51B6}" type="datetime1">
               <a:rPr lang="en-US" smtClean="0"/>
-              <a:t>7/3/23</a:t>
+              <a:t>7/15/23</a:t>
             </a:fld>
             <a:endParaRPr lang="pt-BR"/>
           </a:p>
@@ -4050,7 +4427,7 @@
           <a:p>
             <a:fld id="{0939231F-1418-9A44-976B-E0F4BFB8DF25}" type="datetime1">
               <a:rPr lang="en-US" smtClean="0"/>
-              <a:t>7/3/23</a:t>
+              <a:t>7/15/23</a:t>
             </a:fld>
             <a:endParaRPr lang="pt-BR"/>
           </a:p>
@@ -4296,7 +4673,7 @@
           <a:p>
             <a:fld id="{488104F5-6E01-7F45-A19D-27FA7BCF2A7A}" type="datetime1">
               <a:rPr lang="en-US" smtClean="0"/>
-              <a:t>7/3/23</a:t>
+              <a:t>7/15/23</a:t>
             </a:fld>
             <a:endParaRPr lang="pt-BR"/>
           </a:p>
@@ -5318,6 +5695,2391 @@
 </p:sld>
 </file>
 
+<file path=ppt/slides/slide10.xml><?xml version="1.0" encoding="utf-8"?>
+<p:sld xmlns:a="http://schemas.openxmlformats.org/drawingml/2006/main" xmlns:r="http://schemas.openxmlformats.org/officeDocument/2006/relationships" xmlns:p="http://schemas.openxmlformats.org/presentationml/2006/main">
+  <p:cSld>
+    <p:spTree>
+      <p:nvGrpSpPr>
+        <p:cNvPr id="1" name=""/>
+        <p:cNvGrpSpPr/>
+        <p:nvPr/>
+      </p:nvGrpSpPr>
+      <p:grpSpPr>
+        <a:xfrm>
+          <a:off x="0" y="0"/>
+          <a:ext cx="0" cy="0"/>
+          <a:chOff x="0" y="0"/>
+          <a:chExt cx="0" cy="0"/>
+        </a:xfrm>
+      </p:grpSpPr>
+      <p:sp>
+        <p:nvSpPr>
+          <p:cNvPr id="4" name="Footer Placeholder 3">
+            <a:extLst>
+              <a:ext uri="{FF2B5EF4-FFF2-40B4-BE49-F238E27FC236}">
+                <a16:creationId xmlns:a16="http://schemas.microsoft.com/office/drawing/2014/main" id="{ABC5BB99-6713-EE89-3895-F3148FABAE18}"/>
+              </a:ext>
+            </a:extLst>
+          </p:cNvPr>
+          <p:cNvSpPr>
+            <a:spLocks noGrp="1"/>
+          </p:cNvSpPr>
+          <p:nvPr>
+            <p:ph type="ftr" sz="quarter" idx="11"/>
+          </p:nvPr>
+        </p:nvSpPr>
+        <p:spPr/>
+        <p:txBody>
+          <a:bodyPr/>
+          <a:lstStyle/>
+          <a:p>
+            <a:r>
+              <a:rPr lang="pt-BR" dirty="0">
+                <a:latin typeface="IBM Plex Sans" panose="020B0503050203000203" pitchFamily="34" charset="0"/>
+              </a:rPr>
+              <a:t>A Mobile </a:t>
+            </a:r>
+            <a:r>
+              <a:rPr lang="pt-BR" dirty="0" err="1">
+                <a:latin typeface="IBM Plex Sans" panose="020B0503050203000203" pitchFamily="34" charset="0"/>
+              </a:rPr>
+              <a:t>Traffic</a:t>
+            </a:r>
+            <a:r>
+              <a:rPr lang="pt-BR" dirty="0">
+                <a:latin typeface="IBM Plex Sans" panose="020B0503050203000203" pitchFamily="34" charset="0"/>
+              </a:rPr>
+              <a:t> </a:t>
+            </a:r>
+            <a:r>
+              <a:rPr lang="pt-BR" dirty="0" err="1">
+                <a:latin typeface="IBM Plex Sans" panose="020B0503050203000203" pitchFamily="34" charset="0"/>
+              </a:rPr>
+              <a:t>Predictor</a:t>
+            </a:r>
+            <a:r>
+              <a:rPr lang="pt-BR" dirty="0">
+                <a:latin typeface="IBM Plex Sans" panose="020B0503050203000203" pitchFamily="34" charset="0"/>
+              </a:rPr>
+              <a:t> </a:t>
+            </a:r>
+            <a:r>
+              <a:rPr lang="pt-BR" dirty="0" err="1">
+                <a:latin typeface="IBM Plex Sans" panose="020B0503050203000203" pitchFamily="34" charset="0"/>
+              </a:rPr>
+              <a:t>Enhanced</a:t>
+            </a:r>
+            <a:r>
+              <a:rPr lang="pt-BR" dirty="0">
+                <a:latin typeface="IBM Plex Sans" panose="020B0503050203000203" pitchFamily="34" charset="0"/>
+              </a:rPr>
+              <a:t> </a:t>
+            </a:r>
+            <a:r>
+              <a:rPr lang="pt-BR" dirty="0" err="1">
+                <a:latin typeface="IBM Plex Sans" panose="020B0503050203000203" pitchFamily="34" charset="0"/>
+              </a:rPr>
+              <a:t>by</a:t>
+            </a:r>
+            <a:r>
+              <a:rPr lang="pt-BR" dirty="0">
+                <a:latin typeface="IBM Plex Sans" panose="020B0503050203000203" pitchFamily="34" charset="0"/>
+              </a:rPr>
+              <a:t> </a:t>
+            </a:r>
+            <a:r>
+              <a:rPr lang="pt-BR" dirty="0" err="1">
+                <a:latin typeface="IBM Plex Sans" panose="020B0503050203000203" pitchFamily="34" charset="0"/>
+              </a:rPr>
+              <a:t>Neighboring</a:t>
+            </a:r>
+            <a:r>
+              <a:rPr lang="pt-BR" dirty="0">
+                <a:latin typeface="IBM Plex Sans" panose="020B0503050203000203" pitchFamily="34" charset="0"/>
+              </a:rPr>
+              <a:t> </a:t>
+            </a:r>
+            <a:r>
+              <a:rPr lang="pt-BR" dirty="0" err="1">
+                <a:latin typeface="IBM Plex Sans" panose="020B0503050203000203" pitchFamily="34" charset="0"/>
+              </a:rPr>
+              <a:t>Transportation</a:t>
+            </a:r>
+            <a:r>
+              <a:rPr lang="pt-BR" dirty="0">
+                <a:latin typeface="IBM Plex Sans" panose="020B0503050203000203" pitchFamily="34" charset="0"/>
+              </a:rPr>
+              <a:t> Data (MTP-NT)</a:t>
+            </a:r>
+          </a:p>
+        </p:txBody>
+      </p:sp>
+      <p:sp>
+        <p:nvSpPr>
+          <p:cNvPr id="5" name="Slide Number Placeholder 4">
+            <a:extLst>
+              <a:ext uri="{FF2B5EF4-FFF2-40B4-BE49-F238E27FC236}">
+                <a16:creationId xmlns:a16="http://schemas.microsoft.com/office/drawing/2014/main" id="{DE4D7978-95DF-1BFB-E341-3759F4762F0C}"/>
+              </a:ext>
+            </a:extLst>
+          </p:cNvPr>
+          <p:cNvSpPr>
+            <a:spLocks noGrp="1"/>
+          </p:cNvSpPr>
+          <p:nvPr>
+            <p:ph type="sldNum" sz="quarter" idx="12"/>
+          </p:nvPr>
+        </p:nvSpPr>
+        <p:spPr/>
+        <p:txBody>
+          <a:bodyPr/>
+          <a:lstStyle/>
+          <a:p>
+            <a:fld id="{C16D1434-241F-3E4A-8778-0F70095E40C3}" type="slidenum">
+              <a:rPr lang="pt-BR" smtClean="0">
+                <a:latin typeface="IBM Plex Sans" panose="020B0503050203000203" pitchFamily="34" charset="0"/>
+              </a:rPr>
+              <a:t>10</a:t>
+            </a:fld>
+            <a:endParaRPr lang="pt-BR">
+              <a:latin typeface="IBM Plex Sans" panose="020B0503050203000203" pitchFamily="34" charset="0"/>
+            </a:endParaRPr>
+          </a:p>
+        </p:txBody>
+      </p:sp>
+      <p:sp>
+        <p:nvSpPr>
+          <p:cNvPr id="13" name="Text Placeholder">
+            <a:extLst>
+              <a:ext uri="{FF2B5EF4-FFF2-40B4-BE49-F238E27FC236}">
+                <a16:creationId xmlns:a16="http://schemas.microsoft.com/office/drawing/2014/main" id="{4D1EB361-A84D-E1BA-5887-29346BE14147}"/>
+              </a:ext>
+            </a:extLst>
+          </p:cNvPr>
+          <p:cNvSpPr txBox="1">
+            <a:spLocks/>
+          </p:cNvSpPr>
+          <p:nvPr/>
+        </p:nvSpPr>
+        <p:spPr>
+          <a:xfrm>
+            <a:off x="0" y="104751"/>
+            <a:ext cx="4206240" cy="633222"/>
+          </a:xfrm>
+          <a:prstGeom prst="rect">
+            <a:avLst/>
+          </a:prstGeom>
+        </p:spPr>
+        <p:txBody>
+          <a:bodyPr vert="horz" lIns="91440" tIns="45720" rIns="91440" bIns="45720" rtlCol="0" anchor="ctr"/>
+          <a:lstStyle>
+            <a:defPPr>
+              <a:defRPr lang="en-BR"/>
+            </a:defPPr>
+            <a:lvl1pPr marL="0" algn="r" defTabSz="914400" rtl="0" eaLnBrk="1" latinLnBrk="0" hangingPunct="1">
+              <a:defRPr sz="1200" kern="1200">
+                <a:solidFill>
+                  <a:schemeClr val="tx1">
+                    <a:tint val="75000"/>
+                  </a:schemeClr>
+                </a:solidFill>
+                <a:latin typeface="+mn-lt"/>
+                <a:ea typeface="+mn-ea"/>
+                <a:cs typeface="+mn-cs"/>
+              </a:defRPr>
+            </a:lvl1pPr>
+            <a:lvl2pPr marL="457200" algn="l" defTabSz="914400" rtl="0" eaLnBrk="1" latinLnBrk="0" hangingPunct="1">
+              <a:defRPr sz="1800" kern="1200">
+                <a:solidFill>
+                  <a:schemeClr val="tx1"/>
+                </a:solidFill>
+                <a:latin typeface="+mn-lt"/>
+                <a:ea typeface="+mn-ea"/>
+                <a:cs typeface="+mn-cs"/>
+              </a:defRPr>
+            </a:lvl2pPr>
+            <a:lvl3pPr marL="914400" algn="l" defTabSz="914400" rtl="0" eaLnBrk="1" latinLnBrk="0" hangingPunct="1">
+              <a:defRPr sz="1800" kern="1200">
+                <a:solidFill>
+                  <a:schemeClr val="tx1"/>
+                </a:solidFill>
+                <a:latin typeface="+mn-lt"/>
+                <a:ea typeface="+mn-ea"/>
+                <a:cs typeface="+mn-cs"/>
+              </a:defRPr>
+            </a:lvl3pPr>
+            <a:lvl4pPr marL="1371600" algn="l" defTabSz="914400" rtl="0" eaLnBrk="1" latinLnBrk="0" hangingPunct="1">
+              <a:defRPr sz="1800" kern="1200">
+                <a:solidFill>
+                  <a:schemeClr val="tx1"/>
+                </a:solidFill>
+                <a:latin typeface="+mn-lt"/>
+                <a:ea typeface="+mn-ea"/>
+                <a:cs typeface="+mn-cs"/>
+              </a:defRPr>
+            </a:lvl4pPr>
+            <a:lvl5pPr marL="1828800" algn="l" defTabSz="914400" rtl="0" eaLnBrk="1" latinLnBrk="0" hangingPunct="1">
+              <a:defRPr sz="1800" kern="1200">
+                <a:solidFill>
+                  <a:schemeClr val="tx1"/>
+                </a:solidFill>
+                <a:latin typeface="+mn-lt"/>
+                <a:ea typeface="+mn-ea"/>
+                <a:cs typeface="+mn-cs"/>
+              </a:defRPr>
+            </a:lvl5pPr>
+            <a:lvl6pPr marL="2286000" algn="l" defTabSz="914400" rtl="0" eaLnBrk="1" latinLnBrk="0" hangingPunct="1">
+              <a:defRPr sz="1800" kern="1200">
+                <a:solidFill>
+                  <a:schemeClr val="tx1"/>
+                </a:solidFill>
+                <a:latin typeface="+mn-lt"/>
+                <a:ea typeface="+mn-ea"/>
+                <a:cs typeface="+mn-cs"/>
+              </a:defRPr>
+            </a:lvl6pPr>
+            <a:lvl7pPr marL="2743200" algn="l" defTabSz="914400" rtl="0" eaLnBrk="1" latinLnBrk="0" hangingPunct="1">
+              <a:defRPr sz="1800" kern="1200">
+                <a:solidFill>
+                  <a:schemeClr val="tx1"/>
+                </a:solidFill>
+                <a:latin typeface="+mn-lt"/>
+                <a:ea typeface="+mn-ea"/>
+                <a:cs typeface="+mn-cs"/>
+              </a:defRPr>
+            </a:lvl7pPr>
+            <a:lvl8pPr marL="3200400" algn="l" defTabSz="914400" rtl="0" eaLnBrk="1" latinLnBrk="0" hangingPunct="1">
+              <a:defRPr sz="1800" kern="1200">
+                <a:solidFill>
+                  <a:schemeClr val="tx1"/>
+                </a:solidFill>
+                <a:latin typeface="+mn-lt"/>
+                <a:ea typeface="+mn-ea"/>
+                <a:cs typeface="+mn-cs"/>
+              </a:defRPr>
+            </a:lvl8pPr>
+            <a:lvl9pPr marL="3657600" algn="l" defTabSz="914400" rtl="0" eaLnBrk="1" latinLnBrk="0" hangingPunct="1">
+              <a:defRPr sz="1800" kern="1200">
+                <a:solidFill>
+                  <a:schemeClr val="tx1"/>
+                </a:solidFill>
+                <a:latin typeface="+mn-lt"/>
+                <a:ea typeface="+mn-ea"/>
+                <a:cs typeface="+mn-cs"/>
+              </a:defRPr>
+            </a:lvl9pPr>
+          </a:lstStyle>
+          <a:p>
+            <a:r>
+              <a:rPr lang="en-US" sz="4800" b="1" dirty="0">
+                <a:solidFill>
+                  <a:schemeClr val="tx1"/>
+                </a:solidFill>
+                <a:latin typeface="IBM Plex Sans" panose="020B0503050203000203" pitchFamily="34" charset="0"/>
+              </a:rPr>
+              <a:t>Related work</a:t>
+            </a:r>
+          </a:p>
+        </p:txBody>
+      </p:sp>
+      <p:sp>
+        <p:nvSpPr>
+          <p:cNvPr id="3" name="Text Placeholder">
+            <a:extLst>
+              <a:ext uri="{FF2B5EF4-FFF2-40B4-BE49-F238E27FC236}">
+                <a16:creationId xmlns:a16="http://schemas.microsoft.com/office/drawing/2014/main" id="{A672BC3C-1547-4ABC-32DE-207B50131A32}"/>
+              </a:ext>
+            </a:extLst>
+          </p:cNvPr>
+          <p:cNvSpPr txBox="1">
+            <a:spLocks/>
+          </p:cNvSpPr>
+          <p:nvPr/>
+        </p:nvSpPr>
+        <p:spPr>
+          <a:xfrm>
+            <a:off x="531346" y="1215522"/>
+            <a:ext cx="5170953" cy="633222"/>
+          </a:xfrm>
+          <a:prstGeom prst="rect">
+            <a:avLst/>
+          </a:prstGeom>
+        </p:spPr>
+        <p:txBody>
+          <a:bodyPr vert="horz" lIns="91440" tIns="45720" rIns="91440" bIns="45720" rtlCol="0" anchor="ctr"/>
+          <a:lstStyle>
+            <a:defPPr>
+              <a:defRPr lang="en-BR"/>
+            </a:defPPr>
+            <a:lvl1pPr marL="0" algn="r" defTabSz="914400" rtl="0" eaLnBrk="1" latinLnBrk="0" hangingPunct="1">
+              <a:defRPr sz="1200" kern="1200">
+                <a:solidFill>
+                  <a:schemeClr val="tx1">
+                    <a:tint val="75000"/>
+                  </a:schemeClr>
+                </a:solidFill>
+                <a:latin typeface="+mn-lt"/>
+                <a:ea typeface="+mn-ea"/>
+                <a:cs typeface="+mn-cs"/>
+              </a:defRPr>
+            </a:lvl1pPr>
+            <a:lvl2pPr marL="457200" algn="l" defTabSz="914400" rtl="0" eaLnBrk="1" latinLnBrk="0" hangingPunct="1">
+              <a:defRPr sz="1800" kern="1200">
+                <a:solidFill>
+                  <a:schemeClr val="tx1"/>
+                </a:solidFill>
+                <a:latin typeface="+mn-lt"/>
+                <a:ea typeface="+mn-ea"/>
+                <a:cs typeface="+mn-cs"/>
+              </a:defRPr>
+            </a:lvl2pPr>
+            <a:lvl3pPr marL="914400" algn="l" defTabSz="914400" rtl="0" eaLnBrk="1" latinLnBrk="0" hangingPunct="1">
+              <a:defRPr sz="1800" kern="1200">
+                <a:solidFill>
+                  <a:schemeClr val="tx1"/>
+                </a:solidFill>
+                <a:latin typeface="+mn-lt"/>
+                <a:ea typeface="+mn-ea"/>
+                <a:cs typeface="+mn-cs"/>
+              </a:defRPr>
+            </a:lvl3pPr>
+            <a:lvl4pPr marL="1371600" algn="l" defTabSz="914400" rtl="0" eaLnBrk="1" latinLnBrk="0" hangingPunct="1">
+              <a:defRPr sz="1800" kern="1200">
+                <a:solidFill>
+                  <a:schemeClr val="tx1"/>
+                </a:solidFill>
+                <a:latin typeface="+mn-lt"/>
+                <a:ea typeface="+mn-ea"/>
+                <a:cs typeface="+mn-cs"/>
+              </a:defRPr>
+            </a:lvl4pPr>
+            <a:lvl5pPr marL="1828800" algn="l" defTabSz="914400" rtl="0" eaLnBrk="1" latinLnBrk="0" hangingPunct="1">
+              <a:defRPr sz="1800" kern="1200">
+                <a:solidFill>
+                  <a:schemeClr val="tx1"/>
+                </a:solidFill>
+                <a:latin typeface="+mn-lt"/>
+                <a:ea typeface="+mn-ea"/>
+                <a:cs typeface="+mn-cs"/>
+              </a:defRPr>
+            </a:lvl5pPr>
+            <a:lvl6pPr marL="2286000" algn="l" defTabSz="914400" rtl="0" eaLnBrk="1" latinLnBrk="0" hangingPunct="1">
+              <a:defRPr sz="1800" kern="1200">
+                <a:solidFill>
+                  <a:schemeClr val="tx1"/>
+                </a:solidFill>
+                <a:latin typeface="+mn-lt"/>
+                <a:ea typeface="+mn-ea"/>
+                <a:cs typeface="+mn-cs"/>
+              </a:defRPr>
+            </a:lvl6pPr>
+            <a:lvl7pPr marL="2743200" algn="l" defTabSz="914400" rtl="0" eaLnBrk="1" latinLnBrk="0" hangingPunct="1">
+              <a:defRPr sz="1800" kern="1200">
+                <a:solidFill>
+                  <a:schemeClr val="tx1"/>
+                </a:solidFill>
+                <a:latin typeface="+mn-lt"/>
+                <a:ea typeface="+mn-ea"/>
+                <a:cs typeface="+mn-cs"/>
+              </a:defRPr>
+            </a:lvl7pPr>
+            <a:lvl8pPr marL="3200400" algn="l" defTabSz="914400" rtl="0" eaLnBrk="1" latinLnBrk="0" hangingPunct="1">
+              <a:defRPr sz="1800" kern="1200">
+                <a:solidFill>
+                  <a:schemeClr val="tx1"/>
+                </a:solidFill>
+                <a:latin typeface="+mn-lt"/>
+                <a:ea typeface="+mn-ea"/>
+                <a:cs typeface="+mn-cs"/>
+              </a:defRPr>
+            </a:lvl8pPr>
+            <a:lvl9pPr marL="3657600" algn="l" defTabSz="914400" rtl="0" eaLnBrk="1" latinLnBrk="0" hangingPunct="1">
+              <a:defRPr sz="1800" kern="1200">
+                <a:solidFill>
+                  <a:schemeClr val="tx1"/>
+                </a:solidFill>
+                <a:latin typeface="+mn-lt"/>
+                <a:ea typeface="+mn-ea"/>
+                <a:cs typeface="+mn-cs"/>
+              </a:defRPr>
+            </a:lvl9pPr>
+          </a:lstStyle>
+          <a:p>
+            <a:pPr algn="l"/>
+            <a:r>
+              <a:rPr lang="en-US" sz="3600" b="1" dirty="0">
+                <a:solidFill>
+                  <a:schemeClr val="tx1"/>
+                </a:solidFill>
+                <a:latin typeface="IBM Plex Sans" panose="020B0503050203000203" pitchFamily="34" charset="0"/>
+              </a:rPr>
+              <a:t>Characterization</a:t>
+            </a:r>
+          </a:p>
+        </p:txBody>
+      </p:sp>
+      <p:sp>
+        <p:nvSpPr>
+          <p:cNvPr id="6" name="Text Placeholder">
+            <a:extLst>
+              <a:ext uri="{FF2B5EF4-FFF2-40B4-BE49-F238E27FC236}">
+                <a16:creationId xmlns:a16="http://schemas.microsoft.com/office/drawing/2014/main" id="{8CB44D67-C82B-060B-C614-45807F93950C}"/>
+              </a:ext>
+            </a:extLst>
+          </p:cNvPr>
+          <p:cNvSpPr txBox="1">
+            <a:spLocks/>
+          </p:cNvSpPr>
+          <p:nvPr/>
+        </p:nvSpPr>
+        <p:spPr>
+          <a:xfrm>
+            <a:off x="6096000" y="3296174"/>
+            <a:ext cx="5170953" cy="633222"/>
+          </a:xfrm>
+          <a:prstGeom prst="rect">
+            <a:avLst/>
+          </a:prstGeom>
+        </p:spPr>
+        <p:txBody>
+          <a:bodyPr vert="horz" lIns="91440" tIns="45720" rIns="91440" bIns="45720" rtlCol="0" anchor="ctr"/>
+          <a:lstStyle>
+            <a:defPPr>
+              <a:defRPr lang="en-BR"/>
+            </a:defPPr>
+            <a:lvl1pPr marL="0" algn="r" defTabSz="914400" rtl="0" eaLnBrk="1" latinLnBrk="0" hangingPunct="1">
+              <a:defRPr sz="1200" kern="1200">
+                <a:solidFill>
+                  <a:schemeClr val="tx1">
+                    <a:tint val="75000"/>
+                  </a:schemeClr>
+                </a:solidFill>
+                <a:latin typeface="+mn-lt"/>
+                <a:ea typeface="+mn-ea"/>
+                <a:cs typeface="+mn-cs"/>
+              </a:defRPr>
+            </a:lvl1pPr>
+            <a:lvl2pPr marL="457200" algn="l" defTabSz="914400" rtl="0" eaLnBrk="1" latinLnBrk="0" hangingPunct="1">
+              <a:defRPr sz="1800" kern="1200">
+                <a:solidFill>
+                  <a:schemeClr val="tx1"/>
+                </a:solidFill>
+                <a:latin typeface="+mn-lt"/>
+                <a:ea typeface="+mn-ea"/>
+                <a:cs typeface="+mn-cs"/>
+              </a:defRPr>
+            </a:lvl2pPr>
+            <a:lvl3pPr marL="914400" algn="l" defTabSz="914400" rtl="0" eaLnBrk="1" latinLnBrk="0" hangingPunct="1">
+              <a:defRPr sz="1800" kern="1200">
+                <a:solidFill>
+                  <a:schemeClr val="tx1"/>
+                </a:solidFill>
+                <a:latin typeface="+mn-lt"/>
+                <a:ea typeface="+mn-ea"/>
+                <a:cs typeface="+mn-cs"/>
+              </a:defRPr>
+            </a:lvl3pPr>
+            <a:lvl4pPr marL="1371600" algn="l" defTabSz="914400" rtl="0" eaLnBrk="1" latinLnBrk="0" hangingPunct="1">
+              <a:defRPr sz="1800" kern="1200">
+                <a:solidFill>
+                  <a:schemeClr val="tx1"/>
+                </a:solidFill>
+                <a:latin typeface="+mn-lt"/>
+                <a:ea typeface="+mn-ea"/>
+                <a:cs typeface="+mn-cs"/>
+              </a:defRPr>
+            </a:lvl4pPr>
+            <a:lvl5pPr marL="1828800" algn="l" defTabSz="914400" rtl="0" eaLnBrk="1" latinLnBrk="0" hangingPunct="1">
+              <a:defRPr sz="1800" kern="1200">
+                <a:solidFill>
+                  <a:schemeClr val="tx1"/>
+                </a:solidFill>
+                <a:latin typeface="+mn-lt"/>
+                <a:ea typeface="+mn-ea"/>
+                <a:cs typeface="+mn-cs"/>
+              </a:defRPr>
+            </a:lvl5pPr>
+            <a:lvl6pPr marL="2286000" algn="l" defTabSz="914400" rtl="0" eaLnBrk="1" latinLnBrk="0" hangingPunct="1">
+              <a:defRPr sz="1800" kern="1200">
+                <a:solidFill>
+                  <a:schemeClr val="tx1"/>
+                </a:solidFill>
+                <a:latin typeface="+mn-lt"/>
+                <a:ea typeface="+mn-ea"/>
+                <a:cs typeface="+mn-cs"/>
+              </a:defRPr>
+            </a:lvl6pPr>
+            <a:lvl7pPr marL="2743200" algn="l" defTabSz="914400" rtl="0" eaLnBrk="1" latinLnBrk="0" hangingPunct="1">
+              <a:defRPr sz="1800" kern="1200">
+                <a:solidFill>
+                  <a:schemeClr val="tx1"/>
+                </a:solidFill>
+                <a:latin typeface="+mn-lt"/>
+                <a:ea typeface="+mn-ea"/>
+                <a:cs typeface="+mn-cs"/>
+              </a:defRPr>
+            </a:lvl7pPr>
+            <a:lvl8pPr marL="3200400" algn="l" defTabSz="914400" rtl="0" eaLnBrk="1" latinLnBrk="0" hangingPunct="1">
+              <a:defRPr sz="1800" kern="1200">
+                <a:solidFill>
+                  <a:schemeClr val="tx1"/>
+                </a:solidFill>
+                <a:latin typeface="+mn-lt"/>
+                <a:ea typeface="+mn-ea"/>
+                <a:cs typeface="+mn-cs"/>
+              </a:defRPr>
+            </a:lvl8pPr>
+            <a:lvl9pPr marL="3657600" algn="l" defTabSz="914400" rtl="0" eaLnBrk="1" latinLnBrk="0" hangingPunct="1">
+              <a:defRPr sz="1800" kern="1200">
+                <a:solidFill>
+                  <a:schemeClr val="tx1"/>
+                </a:solidFill>
+                <a:latin typeface="+mn-lt"/>
+                <a:ea typeface="+mn-ea"/>
+                <a:cs typeface="+mn-cs"/>
+              </a:defRPr>
+            </a:lvl9pPr>
+          </a:lstStyle>
+          <a:p>
+            <a:pPr algn="l"/>
+            <a:r>
+              <a:rPr lang="en-US" sz="3600" b="1" dirty="0">
+                <a:solidFill>
+                  <a:schemeClr val="tx1"/>
+                </a:solidFill>
+                <a:latin typeface="IBM Plex Sans" panose="020B0503050203000203" pitchFamily="34" charset="0"/>
+              </a:rPr>
+              <a:t>Prediction</a:t>
+            </a:r>
+          </a:p>
+        </p:txBody>
+      </p:sp>
+      <p:sp>
+        <p:nvSpPr>
+          <p:cNvPr id="9" name="Title">
+            <a:extLst>
+              <a:ext uri="{FF2B5EF4-FFF2-40B4-BE49-F238E27FC236}">
+                <a16:creationId xmlns:a16="http://schemas.microsoft.com/office/drawing/2014/main" id="{FEB6994C-159D-4F85-A1B7-8D40B9C2785F}"/>
+              </a:ext>
+            </a:extLst>
+          </p:cNvPr>
+          <p:cNvSpPr>
+            <a:spLocks noGrp="1"/>
+          </p:cNvSpPr>
+          <p:nvPr>
+            <p:ph type="title"/>
+          </p:nvPr>
+        </p:nvSpPr>
+        <p:spPr>
+          <a:xfrm>
+            <a:off x="531346" y="1923957"/>
+            <a:ext cx="4133088" cy="804672"/>
+          </a:xfrm>
+        </p:spPr>
+        <p:txBody>
+          <a:bodyPr>
+            <a:normAutofit/>
+          </a:bodyPr>
+          <a:lstStyle/>
+          <a:p>
+            <a:r>
+              <a:rPr lang="en-US" sz="1200" b="1" dirty="0">
+                <a:latin typeface="IBM Plex Sans" panose="020B0503050203000203" pitchFamily="34" charset="0"/>
+              </a:rPr>
+              <a:t>Metrics and mathematical characteristics of network usage</a:t>
+            </a:r>
+          </a:p>
+        </p:txBody>
+      </p:sp>
+      <p:sp>
+        <p:nvSpPr>
+          <p:cNvPr id="10" name="Title">
+            <a:extLst>
+              <a:ext uri="{FF2B5EF4-FFF2-40B4-BE49-F238E27FC236}">
+                <a16:creationId xmlns:a16="http://schemas.microsoft.com/office/drawing/2014/main" id="{1BDF527A-BA92-D08F-EAAF-AF9204368BB6}"/>
+              </a:ext>
+            </a:extLst>
+          </p:cNvPr>
+          <p:cNvSpPr txBox="1">
+            <a:spLocks/>
+          </p:cNvSpPr>
+          <p:nvPr/>
+        </p:nvSpPr>
+        <p:spPr>
+          <a:xfrm>
+            <a:off x="6096000" y="3929396"/>
+            <a:ext cx="4133088" cy="804672"/>
+          </a:xfrm>
+          <a:prstGeom prst="rect">
+            <a:avLst/>
+          </a:prstGeom>
+        </p:spPr>
+        <p:txBody>
+          <a:bodyPr vert="horz" lIns="91440" tIns="45720" rIns="91440" bIns="45720" rtlCol="0" anchor="ctr">
+            <a:normAutofit/>
+          </a:bodyPr>
+          <a:lstStyle>
+            <a:lvl1pPr algn="l" defTabSz="914400" rtl="0" eaLnBrk="1" latinLnBrk="0" hangingPunct="1">
+              <a:lnSpc>
+                <a:spcPct val="90000"/>
+              </a:lnSpc>
+              <a:spcBef>
+                <a:spcPct val="0"/>
+              </a:spcBef>
+              <a:buNone/>
+              <a:defRPr sz="4400" kern="1200">
+                <a:solidFill>
+                  <a:schemeClr val="tx1"/>
+                </a:solidFill>
+                <a:latin typeface="+mj-lt"/>
+                <a:ea typeface="+mj-ea"/>
+                <a:cs typeface="+mj-cs"/>
+              </a:defRPr>
+            </a:lvl1pPr>
+          </a:lstStyle>
+          <a:p>
+            <a:r>
+              <a:rPr lang="en-US" sz="1200" b="1" dirty="0">
+                <a:latin typeface="IBM Plex Sans" panose="020B0503050203000203" pitchFamily="34" charset="0"/>
+              </a:rPr>
+              <a:t>Mathematical models to predict network traffic</a:t>
+            </a:r>
+          </a:p>
+        </p:txBody>
+      </p:sp>
+    </p:spTree>
+    <p:extLst>
+      <p:ext uri="{BB962C8B-B14F-4D97-AF65-F5344CB8AC3E}">
+        <p14:creationId xmlns:p14="http://schemas.microsoft.com/office/powerpoint/2010/main" val="3703666682"/>
+      </p:ext>
+    </p:extLst>
+  </p:cSld>
+  <p:clrMapOvr>
+    <a:masterClrMapping/>
+  </p:clrMapOvr>
+</p:sld>
+</file>
+
+<file path=ppt/slides/slide11.xml><?xml version="1.0" encoding="utf-8"?>
+<p:sld xmlns:a="http://schemas.openxmlformats.org/drawingml/2006/main" xmlns:r="http://schemas.openxmlformats.org/officeDocument/2006/relationships" xmlns:p="http://schemas.openxmlformats.org/presentationml/2006/main">
+  <p:cSld>
+    <p:spTree>
+      <p:nvGrpSpPr>
+        <p:cNvPr id="1" name=""/>
+        <p:cNvGrpSpPr/>
+        <p:nvPr/>
+      </p:nvGrpSpPr>
+      <p:grpSpPr>
+        <a:xfrm>
+          <a:off x="0" y="0"/>
+          <a:ext cx="0" cy="0"/>
+          <a:chOff x="0" y="0"/>
+          <a:chExt cx="0" cy="0"/>
+        </a:xfrm>
+      </p:grpSpPr>
+      <p:sp>
+        <p:nvSpPr>
+          <p:cNvPr id="4" name="Footer Placeholder 3">
+            <a:extLst>
+              <a:ext uri="{FF2B5EF4-FFF2-40B4-BE49-F238E27FC236}">
+                <a16:creationId xmlns:a16="http://schemas.microsoft.com/office/drawing/2014/main" id="{ABC5BB99-6713-EE89-3895-F3148FABAE18}"/>
+              </a:ext>
+            </a:extLst>
+          </p:cNvPr>
+          <p:cNvSpPr>
+            <a:spLocks noGrp="1"/>
+          </p:cNvSpPr>
+          <p:nvPr>
+            <p:ph type="ftr" sz="quarter" idx="11"/>
+          </p:nvPr>
+        </p:nvSpPr>
+        <p:spPr/>
+        <p:txBody>
+          <a:bodyPr/>
+          <a:lstStyle/>
+          <a:p>
+            <a:r>
+              <a:rPr lang="pt-BR" dirty="0">
+                <a:latin typeface="IBM Plex Sans" panose="020B0503050203000203" pitchFamily="34" charset="0"/>
+              </a:rPr>
+              <a:t>A Mobile </a:t>
+            </a:r>
+            <a:r>
+              <a:rPr lang="pt-BR" dirty="0" err="1">
+                <a:latin typeface="IBM Plex Sans" panose="020B0503050203000203" pitchFamily="34" charset="0"/>
+              </a:rPr>
+              <a:t>Traffic</a:t>
+            </a:r>
+            <a:r>
+              <a:rPr lang="pt-BR" dirty="0">
+                <a:latin typeface="IBM Plex Sans" panose="020B0503050203000203" pitchFamily="34" charset="0"/>
+              </a:rPr>
+              <a:t> </a:t>
+            </a:r>
+            <a:r>
+              <a:rPr lang="pt-BR" dirty="0" err="1">
+                <a:latin typeface="IBM Plex Sans" panose="020B0503050203000203" pitchFamily="34" charset="0"/>
+              </a:rPr>
+              <a:t>Predictor</a:t>
+            </a:r>
+            <a:r>
+              <a:rPr lang="pt-BR" dirty="0">
+                <a:latin typeface="IBM Plex Sans" panose="020B0503050203000203" pitchFamily="34" charset="0"/>
+              </a:rPr>
+              <a:t> </a:t>
+            </a:r>
+            <a:r>
+              <a:rPr lang="pt-BR" dirty="0" err="1">
+                <a:latin typeface="IBM Plex Sans" panose="020B0503050203000203" pitchFamily="34" charset="0"/>
+              </a:rPr>
+              <a:t>Enhanced</a:t>
+            </a:r>
+            <a:r>
+              <a:rPr lang="pt-BR" dirty="0">
+                <a:latin typeface="IBM Plex Sans" panose="020B0503050203000203" pitchFamily="34" charset="0"/>
+              </a:rPr>
+              <a:t> </a:t>
+            </a:r>
+            <a:r>
+              <a:rPr lang="pt-BR" dirty="0" err="1">
+                <a:latin typeface="IBM Plex Sans" panose="020B0503050203000203" pitchFamily="34" charset="0"/>
+              </a:rPr>
+              <a:t>by</a:t>
+            </a:r>
+            <a:r>
+              <a:rPr lang="pt-BR" dirty="0">
+                <a:latin typeface="IBM Plex Sans" panose="020B0503050203000203" pitchFamily="34" charset="0"/>
+              </a:rPr>
+              <a:t> </a:t>
+            </a:r>
+            <a:r>
+              <a:rPr lang="pt-BR" dirty="0" err="1">
+                <a:latin typeface="IBM Plex Sans" panose="020B0503050203000203" pitchFamily="34" charset="0"/>
+              </a:rPr>
+              <a:t>Neighboring</a:t>
+            </a:r>
+            <a:r>
+              <a:rPr lang="pt-BR" dirty="0">
+                <a:latin typeface="IBM Plex Sans" panose="020B0503050203000203" pitchFamily="34" charset="0"/>
+              </a:rPr>
+              <a:t> </a:t>
+            </a:r>
+            <a:r>
+              <a:rPr lang="pt-BR" dirty="0" err="1">
+                <a:latin typeface="IBM Plex Sans" panose="020B0503050203000203" pitchFamily="34" charset="0"/>
+              </a:rPr>
+              <a:t>Transportation</a:t>
+            </a:r>
+            <a:r>
+              <a:rPr lang="pt-BR" dirty="0">
+                <a:latin typeface="IBM Plex Sans" panose="020B0503050203000203" pitchFamily="34" charset="0"/>
+              </a:rPr>
+              <a:t> Data (MTP-NT)</a:t>
+            </a:r>
+          </a:p>
+        </p:txBody>
+      </p:sp>
+      <p:sp>
+        <p:nvSpPr>
+          <p:cNvPr id="5" name="Slide Number Placeholder 4">
+            <a:extLst>
+              <a:ext uri="{FF2B5EF4-FFF2-40B4-BE49-F238E27FC236}">
+                <a16:creationId xmlns:a16="http://schemas.microsoft.com/office/drawing/2014/main" id="{DE4D7978-95DF-1BFB-E341-3759F4762F0C}"/>
+              </a:ext>
+            </a:extLst>
+          </p:cNvPr>
+          <p:cNvSpPr>
+            <a:spLocks noGrp="1"/>
+          </p:cNvSpPr>
+          <p:nvPr>
+            <p:ph type="sldNum" sz="quarter" idx="12"/>
+          </p:nvPr>
+        </p:nvSpPr>
+        <p:spPr/>
+        <p:txBody>
+          <a:bodyPr/>
+          <a:lstStyle/>
+          <a:p>
+            <a:fld id="{C16D1434-241F-3E4A-8778-0F70095E40C3}" type="slidenum">
+              <a:rPr lang="pt-BR" smtClean="0">
+                <a:latin typeface="IBM Plex Sans" panose="020B0503050203000203" pitchFamily="34" charset="0"/>
+              </a:rPr>
+              <a:t>11</a:t>
+            </a:fld>
+            <a:endParaRPr lang="pt-BR">
+              <a:latin typeface="IBM Plex Sans" panose="020B0503050203000203" pitchFamily="34" charset="0"/>
+            </a:endParaRPr>
+          </a:p>
+        </p:txBody>
+      </p:sp>
+      <p:sp>
+        <p:nvSpPr>
+          <p:cNvPr id="13" name="Text Placeholder">
+            <a:extLst>
+              <a:ext uri="{FF2B5EF4-FFF2-40B4-BE49-F238E27FC236}">
+                <a16:creationId xmlns:a16="http://schemas.microsoft.com/office/drawing/2014/main" id="{4D1EB361-A84D-E1BA-5887-29346BE14147}"/>
+              </a:ext>
+            </a:extLst>
+          </p:cNvPr>
+          <p:cNvSpPr txBox="1">
+            <a:spLocks/>
+          </p:cNvSpPr>
+          <p:nvPr/>
+        </p:nvSpPr>
+        <p:spPr>
+          <a:xfrm>
+            <a:off x="0" y="104751"/>
+            <a:ext cx="9398000" cy="633222"/>
+          </a:xfrm>
+          <a:prstGeom prst="rect">
+            <a:avLst/>
+          </a:prstGeom>
+        </p:spPr>
+        <p:txBody>
+          <a:bodyPr vert="horz" lIns="91440" tIns="45720" rIns="91440" bIns="45720" rtlCol="0" anchor="ctr"/>
+          <a:lstStyle>
+            <a:defPPr>
+              <a:defRPr lang="en-BR"/>
+            </a:defPPr>
+            <a:lvl1pPr marL="0" algn="r" defTabSz="914400" rtl="0" eaLnBrk="1" latinLnBrk="0" hangingPunct="1">
+              <a:defRPr sz="1200" kern="1200">
+                <a:solidFill>
+                  <a:schemeClr val="tx1">
+                    <a:tint val="75000"/>
+                  </a:schemeClr>
+                </a:solidFill>
+                <a:latin typeface="+mn-lt"/>
+                <a:ea typeface="+mn-ea"/>
+                <a:cs typeface="+mn-cs"/>
+              </a:defRPr>
+            </a:lvl1pPr>
+            <a:lvl2pPr marL="457200" algn="l" defTabSz="914400" rtl="0" eaLnBrk="1" latinLnBrk="0" hangingPunct="1">
+              <a:defRPr sz="1800" kern="1200">
+                <a:solidFill>
+                  <a:schemeClr val="tx1"/>
+                </a:solidFill>
+                <a:latin typeface="+mn-lt"/>
+                <a:ea typeface="+mn-ea"/>
+                <a:cs typeface="+mn-cs"/>
+              </a:defRPr>
+            </a:lvl2pPr>
+            <a:lvl3pPr marL="914400" algn="l" defTabSz="914400" rtl="0" eaLnBrk="1" latinLnBrk="0" hangingPunct="1">
+              <a:defRPr sz="1800" kern="1200">
+                <a:solidFill>
+                  <a:schemeClr val="tx1"/>
+                </a:solidFill>
+                <a:latin typeface="+mn-lt"/>
+                <a:ea typeface="+mn-ea"/>
+                <a:cs typeface="+mn-cs"/>
+              </a:defRPr>
+            </a:lvl3pPr>
+            <a:lvl4pPr marL="1371600" algn="l" defTabSz="914400" rtl="0" eaLnBrk="1" latinLnBrk="0" hangingPunct="1">
+              <a:defRPr sz="1800" kern="1200">
+                <a:solidFill>
+                  <a:schemeClr val="tx1"/>
+                </a:solidFill>
+                <a:latin typeface="+mn-lt"/>
+                <a:ea typeface="+mn-ea"/>
+                <a:cs typeface="+mn-cs"/>
+              </a:defRPr>
+            </a:lvl4pPr>
+            <a:lvl5pPr marL="1828800" algn="l" defTabSz="914400" rtl="0" eaLnBrk="1" latinLnBrk="0" hangingPunct="1">
+              <a:defRPr sz="1800" kern="1200">
+                <a:solidFill>
+                  <a:schemeClr val="tx1"/>
+                </a:solidFill>
+                <a:latin typeface="+mn-lt"/>
+                <a:ea typeface="+mn-ea"/>
+                <a:cs typeface="+mn-cs"/>
+              </a:defRPr>
+            </a:lvl5pPr>
+            <a:lvl6pPr marL="2286000" algn="l" defTabSz="914400" rtl="0" eaLnBrk="1" latinLnBrk="0" hangingPunct="1">
+              <a:defRPr sz="1800" kern="1200">
+                <a:solidFill>
+                  <a:schemeClr val="tx1"/>
+                </a:solidFill>
+                <a:latin typeface="+mn-lt"/>
+                <a:ea typeface="+mn-ea"/>
+                <a:cs typeface="+mn-cs"/>
+              </a:defRPr>
+            </a:lvl6pPr>
+            <a:lvl7pPr marL="2743200" algn="l" defTabSz="914400" rtl="0" eaLnBrk="1" latinLnBrk="0" hangingPunct="1">
+              <a:defRPr sz="1800" kern="1200">
+                <a:solidFill>
+                  <a:schemeClr val="tx1"/>
+                </a:solidFill>
+                <a:latin typeface="+mn-lt"/>
+                <a:ea typeface="+mn-ea"/>
+                <a:cs typeface="+mn-cs"/>
+              </a:defRPr>
+            </a:lvl7pPr>
+            <a:lvl8pPr marL="3200400" algn="l" defTabSz="914400" rtl="0" eaLnBrk="1" latinLnBrk="0" hangingPunct="1">
+              <a:defRPr sz="1800" kern="1200">
+                <a:solidFill>
+                  <a:schemeClr val="tx1"/>
+                </a:solidFill>
+                <a:latin typeface="+mn-lt"/>
+                <a:ea typeface="+mn-ea"/>
+                <a:cs typeface="+mn-cs"/>
+              </a:defRPr>
+            </a:lvl8pPr>
+            <a:lvl9pPr marL="3657600" algn="l" defTabSz="914400" rtl="0" eaLnBrk="1" latinLnBrk="0" hangingPunct="1">
+              <a:defRPr sz="1800" kern="1200">
+                <a:solidFill>
+                  <a:schemeClr val="tx1"/>
+                </a:solidFill>
+                <a:latin typeface="+mn-lt"/>
+                <a:ea typeface="+mn-ea"/>
+                <a:cs typeface="+mn-cs"/>
+              </a:defRPr>
+            </a:lvl9pPr>
+          </a:lstStyle>
+          <a:p>
+            <a:r>
+              <a:rPr lang="en-US" sz="4800" b="1" dirty="0">
+                <a:solidFill>
+                  <a:schemeClr val="tx1"/>
+                </a:solidFill>
+                <a:latin typeface="IBM Plex Sans" panose="020B0503050203000203" pitchFamily="34" charset="0"/>
+              </a:rPr>
+              <a:t>Related work - Characterization</a:t>
+            </a:r>
+          </a:p>
+        </p:txBody>
+      </p:sp>
+      <p:sp>
+        <p:nvSpPr>
+          <p:cNvPr id="19" name="TextBox 18">
+            <a:extLst>
+              <a:ext uri="{FF2B5EF4-FFF2-40B4-BE49-F238E27FC236}">
+                <a16:creationId xmlns:a16="http://schemas.microsoft.com/office/drawing/2014/main" id="{FF44DE63-77EA-941B-0C64-E2B91AC638DE}"/>
+              </a:ext>
+            </a:extLst>
+          </p:cNvPr>
+          <p:cNvSpPr txBox="1"/>
+          <p:nvPr/>
+        </p:nvSpPr>
+        <p:spPr>
+          <a:xfrm>
+            <a:off x="6096000" y="4636548"/>
+            <a:ext cx="5257800" cy="600164"/>
+          </a:xfrm>
+          <a:prstGeom prst="rect">
+            <a:avLst/>
+          </a:prstGeom>
+          <a:noFill/>
+        </p:spPr>
+        <p:txBody>
+          <a:bodyPr wrap="square" rtlCol="0">
+            <a:spAutoFit/>
+          </a:bodyPr>
+          <a:lstStyle/>
+          <a:p>
+            <a:r>
+              <a:rPr lang="pt-BR" sz="1100" dirty="0">
+                <a:solidFill>
+                  <a:srgbClr val="898989"/>
+                </a:solidFill>
+                <a:latin typeface="IBM Plex Sans" panose="020B0503050203000203" pitchFamily="34" charset="0"/>
+              </a:rPr>
+              <a:t>[1]</a:t>
+            </a:r>
+            <a:r>
+              <a:rPr lang="en-US" sz="1100" b="0" i="0" dirty="0">
+                <a:solidFill>
+                  <a:srgbClr val="898989"/>
+                </a:solidFill>
+                <a:effectLst/>
+                <a:latin typeface="IBM Plex Sans" panose="020B0503050203000203" pitchFamily="34" charset="0"/>
+              </a:rPr>
+              <a:t> Xu, 2017</a:t>
+            </a:r>
+          </a:p>
+          <a:p>
+            <a:r>
+              <a:rPr lang="en-US" sz="1100" dirty="0">
+                <a:solidFill>
+                  <a:srgbClr val="898989"/>
+                </a:solidFill>
+                <a:latin typeface="IBM Plex Sans" panose="020B0503050203000203" pitchFamily="34" charset="0"/>
+              </a:rPr>
+              <a:t>[2] Wang 2015</a:t>
+            </a:r>
+          </a:p>
+          <a:p>
+            <a:r>
+              <a:rPr lang="en-US" sz="1100" b="0" i="0" dirty="0">
+                <a:solidFill>
+                  <a:srgbClr val="898989"/>
+                </a:solidFill>
+                <a:effectLst/>
+                <a:latin typeface="IBM Plex Sans" panose="020B0503050203000203" pitchFamily="34" charset="0"/>
+              </a:rPr>
+              <a:t>[3] </a:t>
+            </a:r>
+            <a:r>
+              <a:rPr lang="en-US" sz="1100" b="0" i="0" dirty="0" err="1">
+                <a:solidFill>
+                  <a:srgbClr val="898989"/>
+                </a:solidFill>
+                <a:effectLst/>
+                <a:latin typeface="IBM Plex Sans" panose="020B0503050203000203" pitchFamily="34" charset="0"/>
+              </a:rPr>
+              <a:t>Gotzner</a:t>
+            </a:r>
+            <a:endParaRPr lang="en-US" sz="1100" b="0" i="0" dirty="0">
+              <a:solidFill>
+                <a:srgbClr val="898989"/>
+              </a:solidFill>
+              <a:effectLst/>
+              <a:latin typeface="IBM Plex Sans" panose="020B0503050203000203" pitchFamily="34" charset="0"/>
+            </a:endParaRPr>
+          </a:p>
+        </p:txBody>
+      </p:sp>
+      <p:sp>
+        <p:nvSpPr>
+          <p:cNvPr id="2" name="Title">
+            <a:extLst>
+              <a:ext uri="{FF2B5EF4-FFF2-40B4-BE49-F238E27FC236}">
+                <a16:creationId xmlns:a16="http://schemas.microsoft.com/office/drawing/2014/main" id="{8FE29A8C-DA4A-E4E8-59AE-3E42BD56A75B}"/>
+              </a:ext>
+            </a:extLst>
+          </p:cNvPr>
+          <p:cNvSpPr>
+            <a:spLocks noGrp="1"/>
+          </p:cNvSpPr>
+          <p:nvPr>
+            <p:ph type="title"/>
+          </p:nvPr>
+        </p:nvSpPr>
+        <p:spPr>
+          <a:xfrm>
+            <a:off x="531346" y="1784768"/>
+            <a:ext cx="5374154" cy="3346032"/>
+          </a:xfrm>
+        </p:spPr>
+        <p:txBody>
+          <a:bodyPr anchor="t">
+            <a:normAutofit/>
+          </a:bodyPr>
+          <a:lstStyle/>
+          <a:p>
+            <a:r>
+              <a:rPr lang="en-US" sz="1600" b="1" dirty="0">
+                <a:latin typeface="IBM Plex Sans" panose="020B0503050203000203" pitchFamily="34" charset="0"/>
+              </a:rPr>
+              <a:t>[1]</a:t>
+            </a:r>
+            <a:br>
+              <a:rPr lang="en-US" sz="1600" b="1" dirty="0">
+                <a:latin typeface="IBM Plex Sans" panose="020B0503050203000203" pitchFamily="34" charset="0"/>
+              </a:rPr>
+            </a:br>
+            <a:r>
+              <a:rPr lang="en-US" sz="1600" b="1" dirty="0">
+                <a:latin typeface="IBM Plex Sans" panose="020B0503050203000203" pitchFamily="34" charset="0"/>
+              </a:rPr>
+              <a:t>Regions of the city grouped based on </a:t>
+            </a:r>
+            <a:r>
+              <a:rPr lang="en-US" sz="1600" b="1" dirty="0">
+                <a:solidFill>
+                  <a:schemeClr val="accent1"/>
+                </a:solidFill>
+                <a:latin typeface="IBM Plex Sans" panose="020B0503050203000203" pitchFamily="34" charset="0"/>
+              </a:rPr>
+              <a:t>network usage patterns</a:t>
+            </a:r>
+            <a:br>
+              <a:rPr lang="en-US" sz="1600" b="1" dirty="0">
+                <a:latin typeface="IBM Plex Sans" panose="020B0503050203000203" pitchFamily="34" charset="0"/>
+              </a:rPr>
+            </a:br>
+            <a:br>
+              <a:rPr lang="en-US" sz="1600" b="1" dirty="0">
+                <a:latin typeface="IBM Plex Sans" panose="020B0503050203000203" pitchFamily="34" charset="0"/>
+              </a:rPr>
+            </a:br>
+            <a:r>
+              <a:rPr lang="en-US" sz="1600" b="1" dirty="0">
+                <a:latin typeface="IBM Plex Sans" panose="020B0503050203000203" pitchFamily="34" charset="0"/>
+              </a:rPr>
+              <a:t>[2]</a:t>
+            </a:r>
+            <a:br>
+              <a:rPr lang="en-US" sz="1600" b="1" dirty="0">
+                <a:latin typeface="IBM Plex Sans" panose="020B0503050203000203" pitchFamily="34" charset="0"/>
+              </a:rPr>
+            </a:br>
+            <a:r>
+              <a:rPr lang="en-US" sz="1600" b="1" dirty="0">
+                <a:latin typeface="IBM Plex Sans" panose="020B0503050203000203" pitchFamily="34" charset="0"/>
+              </a:rPr>
+              <a:t>Composition of trimodal distributions to </a:t>
+            </a:r>
+            <a:r>
+              <a:rPr lang="en-US" sz="1600" b="1" dirty="0">
+                <a:solidFill>
+                  <a:schemeClr val="accent1"/>
+                </a:solidFill>
+                <a:latin typeface="IBM Plex Sans" panose="020B0503050203000203" pitchFamily="34" charset="0"/>
+              </a:rPr>
+              <a:t>describe the network traffic</a:t>
+            </a:r>
+            <a:br>
+              <a:rPr lang="en-US" sz="1600" b="1" u="sng" dirty="0">
+                <a:latin typeface="IBM Plex Sans" panose="020B0503050203000203" pitchFamily="34" charset="0"/>
+              </a:rPr>
+            </a:br>
+            <a:r>
+              <a:rPr lang="en-US" sz="1600" b="1" dirty="0">
+                <a:latin typeface="IBM Plex Sans" panose="020B0503050203000203" pitchFamily="34" charset="0"/>
+              </a:rPr>
+              <a:t>Sand temporal distribution of the network traffic results into </a:t>
+            </a:r>
+            <a:r>
+              <a:rPr lang="en-US" sz="1600" b="1" dirty="0">
+                <a:solidFill>
+                  <a:schemeClr val="accent1"/>
+                </a:solidFill>
+                <a:latin typeface="IBM Plex Sans" panose="020B0503050203000203" pitchFamily="34" charset="0"/>
+              </a:rPr>
+              <a:t>extremely insufficient utilization of network resources</a:t>
+            </a:r>
+            <a:br>
+              <a:rPr lang="en-US" sz="1600" b="1" dirty="0">
+                <a:latin typeface="IBM Plex Sans" panose="020B0503050203000203" pitchFamily="34" charset="0"/>
+              </a:rPr>
+            </a:br>
+            <a:br>
+              <a:rPr lang="en-US" sz="1600" b="1" dirty="0">
+                <a:latin typeface="IBM Plex Sans" panose="020B0503050203000203" pitchFamily="34" charset="0"/>
+              </a:rPr>
+            </a:br>
+            <a:r>
+              <a:rPr lang="en-US" sz="1600" b="1" dirty="0">
+                <a:latin typeface="IBM Plex Sans" panose="020B0503050203000203" pitchFamily="34" charset="0"/>
+              </a:rPr>
+              <a:t>[3]</a:t>
+            </a:r>
+            <a:br>
+              <a:rPr lang="en-US" sz="1600" b="1" dirty="0">
+                <a:latin typeface="IBM Plex Sans" panose="020B0503050203000203" pitchFamily="34" charset="0"/>
+              </a:rPr>
+            </a:br>
+            <a:r>
+              <a:rPr lang="en-US" sz="1600" b="1" dirty="0">
+                <a:latin typeface="IBM Plex Sans" panose="020B0503050203000203" pitchFamily="34" charset="0"/>
+              </a:rPr>
+              <a:t>Traffic was concentrated in </a:t>
+            </a:r>
+            <a:r>
+              <a:rPr lang="en-US" sz="1600" b="1" dirty="0">
+                <a:solidFill>
+                  <a:schemeClr val="accent1"/>
+                </a:solidFill>
+                <a:latin typeface="IBM Plex Sans" panose="020B0503050203000203" pitchFamily="34" charset="0"/>
+              </a:rPr>
+              <a:t>some regions </a:t>
+            </a:r>
+            <a:r>
+              <a:rPr lang="en-US" sz="1600" b="1" dirty="0">
+                <a:latin typeface="IBM Plex Sans" panose="020B0503050203000203" pitchFamily="34" charset="0"/>
+              </a:rPr>
+              <a:t>(city center) </a:t>
+            </a:r>
+            <a:r>
+              <a:rPr lang="en-US" sz="1600" b="1" dirty="0">
+                <a:solidFill>
+                  <a:schemeClr val="accent1"/>
+                </a:solidFill>
+                <a:latin typeface="IBM Plex Sans" panose="020B0503050203000203" pitchFamily="34" charset="0"/>
+              </a:rPr>
+              <a:t>and in peak hours</a:t>
+            </a:r>
+          </a:p>
+        </p:txBody>
+      </p:sp>
+    </p:spTree>
+    <p:extLst>
+      <p:ext uri="{BB962C8B-B14F-4D97-AF65-F5344CB8AC3E}">
+        <p14:creationId xmlns:p14="http://schemas.microsoft.com/office/powerpoint/2010/main" val="1607187482"/>
+      </p:ext>
+    </p:extLst>
+  </p:cSld>
+  <p:clrMapOvr>
+    <a:masterClrMapping/>
+  </p:clrMapOvr>
+</p:sld>
+</file>
+
+<file path=ppt/slides/slide12.xml><?xml version="1.0" encoding="utf-8"?>
+<p:sld xmlns:a="http://schemas.openxmlformats.org/drawingml/2006/main" xmlns:r="http://schemas.openxmlformats.org/officeDocument/2006/relationships" xmlns:p="http://schemas.openxmlformats.org/presentationml/2006/main">
+  <p:cSld>
+    <p:spTree>
+      <p:nvGrpSpPr>
+        <p:cNvPr id="1" name=""/>
+        <p:cNvGrpSpPr/>
+        <p:nvPr/>
+      </p:nvGrpSpPr>
+      <p:grpSpPr>
+        <a:xfrm>
+          <a:off x="0" y="0"/>
+          <a:ext cx="0" cy="0"/>
+          <a:chOff x="0" y="0"/>
+          <a:chExt cx="0" cy="0"/>
+        </a:xfrm>
+      </p:grpSpPr>
+      <p:sp>
+        <p:nvSpPr>
+          <p:cNvPr id="4" name="Footer Placeholder 3">
+            <a:extLst>
+              <a:ext uri="{FF2B5EF4-FFF2-40B4-BE49-F238E27FC236}">
+                <a16:creationId xmlns:a16="http://schemas.microsoft.com/office/drawing/2014/main" id="{ABC5BB99-6713-EE89-3895-F3148FABAE18}"/>
+              </a:ext>
+            </a:extLst>
+          </p:cNvPr>
+          <p:cNvSpPr>
+            <a:spLocks noGrp="1"/>
+          </p:cNvSpPr>
+          <p:nvPr>
+            <p:ph type="ftr" sz="quarter" idx="11"/>
+          </p:nvPr>
+        </p:nvSpPr>
+        <p:spPr/>
+        <p:txBody>
+          <a:bodyPr/>
+          <a:lstStyle/>
+          <a:p>
+            <a:r>
+              <a:rPr lang="pt-BR" dirty="0">
+                <a:latin typeface="IBM Plex Sans" panose="020B0503050203000203" pitchFamily="34" charset="0"/>
+              </a:rPr>
+              <a:t>A Mobile </a:t>
+            </a:r>
+            <a:r>
+              <a:rPr lang="pt-BR" dirty="0" err="1">
+                <a:latin typeface="IBM Plex Sans" panose="020B0503050203000203" pitchFamily="34" charset="0"/>
+              </a:rPr>
+              <a:t>Traffic</a:t>
+            </a:r>
+            <a:r>
+              <a:rPr lang="pt-BR" dirty="0">
+                <a:latin typeface="IBM Plex Sans" panose="020B0503050203000203" pitchFamily="34" charset="0"/>
+              </a:rPr>
+              <a:t> </a:t>
+            </a:r>
+            <a:r>
+              <a:rPr lang="pt-BR" dirty="0" err="1">
+                <a:latin typeface="IBM Plex Sans" panose="020B0503050203000203" pitchFamily="34" charset="0"/>
+              </a:rPr>
+              <a:t>Predictor</a:t>
+            </a:r>
+            <a:r>
+              <a:rPr lang="pt-BR" dirty="0">
+                <a:latin typeface="IBM Plex Sans" panose="020B0503050203000203" pitchFamily="34" charset="0"/>
+              </a:rPr>
+              <a:t> </a:t>
+            </a:r>
+            <a:r>
+              <a:rPr lang="pt-BR" dirty="0" err="1">
+                <a:latin typeface="IBM Plex Sans" panose="020B0503050203000203" pitchFamily="34" charset="0"/>
+              </a:rPr>
+              <a:t>Enhanced</a:t>
+            </a:r>
+            <a:r>
+              <a:rPr lang="pt-BR" dirty="0">
+                <a:latin typeface="IBM Plex Sans" panose="020B0503050203000203" pitchFamily="34" charset="0"/>
+              </a:rPr>
+              <a:t> </a:t>
+            </a:r>
+            <a:r>
+              <a:rPr lang="pt-BR" dirty="0" err="1">
+                <a:latin typeface="IBM Plex Sans" panose="020B0503050203000203" pitchFamily="34" charset="0"/>
+              </a:rPr>
+              <a:t>by</a:t>
+            </a:r>
+            <a:r>
+              <a:rPr lang="pt-BR" dirty="0">
+                <a:latin typeface="IBM Plex Sans" panose="020B0503050203000203" pitchFamily="34" charset="0"/>
+              </a:rPr>
+              <a:t> </a:t>
+            </a:r>
+            <a:r>
+              <a:rPr lang="pt-BR" dirty="0" err="1">
+                <a:latin typeface="IBM Plex Sans" panose="020B0503050203000203" pitchFamily="34" charset="0"/>
+              </a:rPr>
+              <a:t>Neighboring</a:t>
+            </a:r>
+            <a:r>
+              <a:rPr lang="pt-BR" dirty="0">
+                <a:latin typeface="IBM Plex Sans" panose="020B0503050203000203" pitchFamily="34" charset="0"/>
+              </a:rPr>
+              <a:t> </a:t>
+            </a:r>
+            <a:r>
+              <a:rPr lang="pt-BR" dirty="0" err="1">
+                <a:latin typeface="IBM Plex Sans" panose="020B0503050203000203" pitchFamily="34" charset="0"/>
+              </a:rPr>
+              <a:t>Transportation</a:t>
+            </a:r>
+            <a:r>
+              <a:rPr lang="pt-BR" dirty="0">
+                <a:latin typeface="IBM Plex Sans" panose="020B0503050203000203" pitchFamily="34" charset="0"/>
+              </a:rPr>
+              <a:t> Data (MTP-NT)</a:t>
+            </a:r>
+          </a:p>
+        </p:txBody>
+      </p:sp>
+      <p:sp>
+        <p:nvSpPr>
+          <p:cNvPr id="5" name="Slide Number Placeholder 4">
+            <a:extLst>
+              <a:ext uri="{FF2B5EF4-FFF2-40B4-BE49-F238E27FC236}">
+                <a16:creationId xmlns:a16="http://schemas.microsoft.com/office/drawing/2014/main" id="{DE4D7978-95DF-1BFB-E341-3759F4762F0C}"/>
+              </a:ext>
+            </a:extLst>
+          </p:cNvPr>
+          <p:cNvSpPr>
+            <a:spLocks noGrp="1"/>
+          </p:cNvSpPr>
+          <p:nvPr>
+            <p:ph type="sldNum" sz="quarter" idx="12"/>
+          </p:nvPr>
+        </p:nvSpPr>
+        <p:spPr/>
+        <p:txBody>
+          <a:bodyPr/>
+          <a:lstStyle/>
+          <a:p>
+            <a:fld id="{C16D1434-241F-3E4A-8778-0F70095E40C3}" type="slidenum">
+              <a:rPr lang="pt-BR" smtClean="0">
+                <a:latin typeface="IBM Plex Sans" panose="020B0503050203000203" pitchFamily="34" charset="0"/>
+              </a:rPr>
+              <a:t>12</a:t>
+            </a:fld>
+            <a:endParaRPr lang="pt-BR">
+              <a:latin typeface="IBM Plex Sans" panose="020B0503050203000203" pitchFamily="34" charset="0"/>
+            </a:endParaRPr>
+          </a:p>
+        </p:txBody>
+      </p:sp>
+      <p:sp>
+        <p:nvSpPr>
+          <p:cNvPr id="19" name="TextBox 18">
+            <a:extLst>
+              <a:ext uri="{FF2B5EF4-FFF2-40B4-BE49-F238E27FC236}">
+                <a16:creationId xmlns:a16="http://schemas.microsoft.com/office/drawing/2014/main" id="{FF44DE63-77EA-941B-0C64-E2B91AC638DE}"/>
+              </a:ext>
+            </a:extLst>
+          </p:cNvPr>
+          <p:cNvSpPr txBox="1"/>
+          <p:nvPr/>
+        </p:nvSpPr>
+        <p:spPr>
+          <a:xfrm>
+            <a:off x="6096000" y="4636548"/>
+            <a:ext cx="5257800" cy="430887"/>
+          </a:xfrm>
+          <a:prstGeom prst="rect">
+            <a:avLst/>
+          </a:prstGeom>
+          <a:noFill/>
+        </p:spPr>
+        <p:txBody>
+          <a:bodyPr wrap="square" rtlCol="0">
+            <a:spAutoFit/>
+          </a:bodyPr>
+          <a:lstStyle/>
+          <a:p>
+            <a:r>
+              <a:rPr lang="pt-BR" sz="1100" dirty="0">
+                <a:solidFill>
+                  <a:srgbClr val="898989"/>
+                </a:solidFill>
+                <a:latin typeface="IBM Plex Sans" panose="020B0503050203000203" pitchFamily="34" charset="0"/>
+              </a:rPr>
+              <a:t>[1]</a:t>
+            </a:r>
+            <a:r>
+              <a:rPr lang="en-US" sz="1100" b="0" i="0" dirty="0">
+                <a:solidFill>
+                  <a:srgbClr val="898989"/>
+                </a:solidFill>
+                <a:effectLst/>
+                <a:latin typeface="IBM Plex Sans" panose="020B0503050203000203" pitchFamily="34" charset="0"/>
+              </a:rPr>
+              <a:t> </a:t>
+            </a:r>
+            <a:r>
+              <a:rPr lang="en-US" sz="1100" b="0" i="0" dirty="0" err="1">
+                <a:solidFill>
+                  <a:srgbClr val="898989"/>
+                </a:solidFill>
+                <a:effectLst/>
+                <a:latin typeface="IBM Plex Sans" panose="020B0503050203000203" pitchFamily="34" charset="0"/>
+              </a:rPr>
+              <a:t>Boutaba</a:t>
+            </a:r>
+            <a:r>
+              <a:rPr lang="en-US" sz="1100" b="0" i="0" dirty="0">
+                <a:solidFill>
+                  <a:srgbClr val="898989"/>
+                </a:solidFill>
+                <a:effectLst/>
+                <a:latin typeface="IBM Plex Sans" panose="020B0503050203000203" pitchFamily="34" charset="0"/>
+              </a:rPr>
+              <a:t>, 2018</a:t>
+            </a:r>
+          </a:p>
+          <a:p>
+            <a:endParaRPr lang="pt-BR" sz="1100" dirty="0">
+              <a:solidFill>
+                <a:srgbClr val="898989"/>
+              </a:solidFill>
+              <a:latin typeface="IBM Plex Sans" panose="020B0503050203000203" pitchFamily="34" charset="0"/>
+            </a:endParaRPr>
+          </a:p>
+        </p:txBody>
+      </p:sp>
+      <p:sp>
+        <p:nvSpPr>
+          <p:cNvPr id="6" name="Text Placeholder">
+            <a:extLst>
+              <a:ext uri="{FF2B5EF4-FFF2-40B4-BE49-F238E27FC236}">
+                <a16:creationId xmlns:a16="http://schemas.microsoft.com/office/drawing/2014/main" id="{0C55A29C-FF1D-2972-E3F8-1376A90E99CC}"/>
+              </a:ext>
+            </a:extLst>
+          </p:cNvPr>
+          <p:cNvSpPr txBox="1">
+            <a:spLocks/>
+          </p:cNvSpPr>
+          <p:nvPr/>
+        </p:nvSpPr>
+        <p:spPr>
+          <a:xfrm>
+            <a:off x="0" y="104751"/>
+            <a:ext cx="9398000" cy="633222"/>
+          </a:xfrm>
+          <a:prstGeom prst="rect">
+            <a:avLst/>
+          </a:prstGeom>
+        </p:spPr>
+        <p:txBody>
+          <a:bodyPr vert="horz" lIns="91440" tIns="45720" rIns="91440" bIns="45720" rtlCol="0" anchor="ctr"/>
+          <a:lstStyle>
+            <a:defPPr>
+              <a:defRPr lang="en-BR"/>
+            </a:defPPr>
+            <a:lvl1pPr marL="0" algn="r" defTabSz="914400" rtl="0" eaLnBrk="1" latinLnBrk="0" hangingPunct="1">
+              <a:defRPr sz="1200" kern="1200">
+                <a:solidFill>
+                  <a:schemeClr val="tx1">
+                    <a:tint val="75000"/>
+                  </a:schemeClr>
+                </a:solidFill>
+                <a:latin typeface="+mn-lt"/>
+                <a:ea typeface="+mn-ea"/>
+                <a:cs typeface="+mn-cs"/>
+              </a:defRPr>
+            </a:lvl1pPr>
+            <a:lvl2pPr marL="457200" algn="l" defTabSz="914400" rtl="0" eaLnBrk="1" latinLnBrk="0" hangingPunct="1">
+              <a:defRPr sz="1800" kern="1200">
+                <a:solidFill>
+                  <a:schemeClr val="tx1"/>
+                </a:solidFill>
+                <a:latin typeface="+mn-lt"/>
+                <a:ea typeface="+mn-ea"/>
+                <a:cs typeface="+mn-cs"/>
+              </a:defRPr>
+            </a:lvl2pPr>
+            <a:lvl3pPr marL="914400" algn="l" defTabSz="914400" rtl="0" eaLnBrk="1" latinLnBrk="0" hangingPunct="1">
+              <a:defRPr sz="1800" kern="1200">
+                <a:solidFill>
+                  <a:schemeClr val="tx1"/>
+                </a:solidFill>
+                <a:latin typeface="+mn-lt"/>
+                <a:ea typeface="+mn-ea"/>
+                <a:cs typeface="+mn-cs"/>
+              </a:defRPr>
+            </a:lvl3pPr>
+            <a:lvl4pPr marL="1371600" algn="l" defTabSz="914400" rtl="0" eaLnBrk="1" latinLnBrk="0" hangingPunct="1">
+              <a:defRPr sz="1800" kern="1200">
+                <a:solidFill>
+                  <a:schemeClr val="tx1"/>
+                </a:solidFill>
+                <a:latin typeface="+mn-lt"/>
+                <a:ea typeface="+mn-ea"/>
+                <a:cs typeface="+mn-cs"/>
+              </a:defRPr>
+            </a:lvl4pPr>
+            <a:lvl5pPr marL="1828800" algn="l" defTabSz="914400" rtl="0" eaLnBrk="1" latinLnBrk="0" hangingPunct="1">
+              <a:defRPr sz="1800" kern="1200">
+                <a:solidFill>
+                  <a:schemeClr val="tx1"/>
+                </a:solidFill>
+                <a:latin typeface="+mn-lt"/>
+                <a:ea typeface="+mn-ea"/>
+                <a:cs typeface="+mn-cs"/>
+              </a:defRPr>
+            </a:lvl5pPr>
+            <a:lvl6pPr marL="2286000" algn="l" defTabSz="914400" rtl="0" eaLnBrk="1" latinLnBrk="0" hangingPunct="1">
+              <a:defRPr sz="1800" kern="1200">
+                <a:solidFill>
+                  <a:schemeClr val="tx1"/>
+                </a:solidFill>
+                <a:latin typeface="+mn-lt"/>
+                <a:ea typeface="+mn-ea"/>
+                <a:cs typeface="+mn-cs"/>
+              </a:defRPr>
+            </a:lvl6pPr>
+            <a:lvl7pPr marL="2743200" algn="l" defTabSz="914400" rtl="0" eaLnBrk="1" latinLnBrk="0" hangingPunct="1">
+              <a:defRPr sz="1800" kern="1200">
+                <a:solidFill>
+                  <a:schemeClr val="tx1"/>
+                </a:solidFill>
+                <a:latin typeface="+mn-lt"/>
+                <a:ea typeface="+mn-ea"/>
+                <a:cs typeface="+mn-cs"/>
+              </a:defRPr>
+            </a:lvl7pPr>
+            <a:lvl8pPr marL="3200400" algn="l" defTabSz="914400" rtl="0" eaLnBrk="1" latinLnBrk="0" hangingPunct="1">
+              <a:defRPr sz="1800" kern="1200">
+                <a:solidFill>
+                  <a:schemeClr val="tx1"/>
+                </a:solidFill>
+                <a:latin typeface="+mn-lt"/>
+                <a:ea typeface="+mn-ea"/>
+                <a:cs typeface="+mn-cs"/>
+              </a:defRPr>
+            </a:lvl8pPr>
+            <a:lvl9pPr marL="3657600" algn="l" defTabSz="914400" rtl="0" eaLnBrk="1" latinLnBrk="0" hangingPunct="1">
+              <a:defRPr sz="1800" kern="1200">
+                <a:solidFill>
+                  <a:schemeClr val="tx1"/>
+                </a:solidFill>
+                <a:latin typeface="+mn-lt"/>
+                <a:ea typeface="+mn-ea"/>
+                <a:cs typeface="+mn-cs"/>
+              </a:defRPr>
+            </a:lvl9pPr>
+          </a:lstStyle>
+          <a:p>
+            <a:pPr algn="l"/>
+            <a:r>
+              <a:rPr lang="en-US" sz="4800" b="1" dirty="0">
+                <a:solidFill>
+                  <a:schemeClr val="tx1"/>
+                </a:solidFill>
+                <a:latin typeface="IBM Plex Sans" panose="020B0503050203000203" pitchFamily="34" charset="0"/>
+              </a:rPr>
+              <a:t>Related work - Prediction</a:t>
+            </a:r>
+          </a:p>
+        </p:txBody>
+      </p:sp>
+      <p:sp>
+        <p:nvSpPr>
+          <p:cNvPr id="9" name="Title">
+            <a:extLst>
+              <a:ext uri="{FF2B5EF4-FFF2-40B4-BE49-F238E27FC236}">
+                <a16:creationId xmlns:a16="http://schemas.microsoft.com/office/drawing/2014/main" id="{939A8B86-41E0-8066-FC15-0CD940075DF3}"/>
+              </a:ext>
+            </a:extLst>
+          </p:cNvPr>
+          <p:cNvSpPr txBox="1">
+            <a:spLocks/>
+          </p:cNvSpPr>
+          <p:nvPr/>
+        </p:nvSpPr>
+        <p:spPr>
+          <a:xfrm>
+            <a:off x="531346" y="1784768"/>
+            <a:ext cx="5257800" cy="3346032"/>
+          </a:xfrm>
+          <a:prstGeom prst="rect">
+            <a:avLst/>
+          </a:prstGeom>
+        </p:spPr>
+        <p:txBody>
+          <a:bodyPr vert="horz" lIns="91440" tIns="45720" rIns="91440" bIns="45720" rtlCol="0" anchor="t">
+            <a:normAutofit/>
+          </a:bodyPr>
+          <a:lstStyle>
+            <a:lvl1pPr algn="l" defTabSz="914400" rtl="0" eaLnBrk="1" latinLnBrk="0" hangingPunct="1">
+              <a:lnSpc>
+                <a:spcPct val="90000"/>
+              </a:lnSpc>
+              <a:spcBef>
+                <a:spcPct val="0"/>
+              </a:spcBef>
+              <a:buNone/>
+              <a:defRPr sz="4400" kern="1200">
+                <a:solidFill>
+                  <a:schemeClr val="tx1"/>
+                </a:solidFill>
+                <a:latin typeface="+mj-lt"/>
+                <a:ea typeface="+mj-ea"/>
+                <a:cs typeface="+mj-cs"/>
+              </a:defRPr>
+            </a:lvl1pPr>
+          </a:lstStyle>
+          <a:p>
+            <a:r>
+              <a:rPr lang="en-US" sz="1600" b="1" dirty="0">
+                <a:latin typeface="IBM Plex Sans" panose="020B0503050203000203" pitchFamily="34" charset="0"/>
+              </a:rPr>
+              <a:t>[1]</a:t>
+            </a:r>
+          </a:p>
+          <a:p>
+            <a:r>
+              <a:rPr lang="en-US" sz="1600" b="1" dirty="0">
+                <a:solidFill>
+                  <a:schemeClr val="accent1"/>
+                </a:solidFill>
+                <a:latin typeface="IBM Plex Sans" panose="020B0503050203000203" pitchFamily="34" charset="0"/>
+              </a:rPr>
+              <a:t>Pure Time Series Function (TSF)</a:t>
+            </a:r>
+          </a:p>
+          <a:p>
+            <a:r>
+              <a:rPr lang="en-US" sz="1600" b="1">
+                <a:solidFill>
+                  <a:schemeClr val="accent1"/>
+                </a:solidFill>
+                <a:latin typeface="IBM Plex Sans" panose="020B0503050203000203" pitchFamily="34" charset="0"/>
+              </a:rPr>
+              <a:t>Non-TSF problem</a:t>
+            </a:r>
+            <a:endParaRPr lang="en-US" sz="1600" b="1" dirty="0">
+              <a:solidFill>
+                <a:schemeClr val="accent1"/>
+              </a:solidFill>
+              <a:latin typeface="IBM Plex Sans" panose="020B0503050203000203" pitchFamily="34" charset="0"/>
+            </a:endParaRPr>
+          </a:p>
+        </p:txBody>
+      </p:sp>
+    </p:spTree>
+    <p:extLst>
+      <p:ext uri="{BB962C8B-B14F-4D97-AF65-F5344CB8AC3E}">
+        <p14:creationId xmlns:p14="http://schemas.microsoft.com/office/powerpoint/2010/main" val="1792464797"/>
+      </p:ext>
+    </p:extLst>
+  </p:cSld>
+  <p:clrMapOvr>
+    <a:masterClrMapping/>
+  </p:clrMapOvr>
+</p:sld>
+</file>
+
+<file path=ppt/slides/slide13.xml><?xml version="1.0" encoding="utf-8"?>
+<p:sld xmlns:a="http://schemas.openxmlformats.org/drawingml/2006/main" xmlns:r="http://schemas.openxmlformats.org/officeDocument/2006/relationships" xmlns:p="http://schemas.openxmlformats.org/presentationml/2006/main">
+  <p:cSld>
+    <p:spTree>
+      <p:nvGrpSpPr>
+        <p:cNvPr id="1" name=""/>
+        <p:cNvGrpSpPr/>
+        <p:nvPr/>
+      </p:nvGrpSpPr>
+      <p:grpSpPr>
+        <a:xfrm>
+          <a:off x="0" y="0"/>
+          <a:ext cx="0" cy="0"/>
+          <a:chOff x="0" y="0"/>
+          <a:chExt cx="0" cy="0"/>
+        </a:xfrm>
+      </p:grpSpPr>
+      <p:sp>
+        <p:nvSpPr>
+          <p:cNvPr id="7" name="Title 1">
+            <a:extLst>
+              <a:ext uri="{FF2B5EF4-FFF2-40B4-BE49-F238E27FC236}">
+                <a16:creationId xmlns:a16="http://schemas.microsoft.com/office/drawing/2014/main" id="{5093AA27-F3BD-1820-3163-CF62B9DF394A}"/>
+              </a:ext>
+            </a:extLst>
+          </p:cNvPr>
+          <p:cNvSpPr>
+            <a:spLocks noGrp="1"/>
+          </p:cNvSpPr>
+          <p:nvPr>
+            <p:ph type="title"/>
+          </p:nvPr>
+        </p:nvSpPr>
+        <p:spPr>
+          <a:xfrm>
+            <a:off x="838200" y="365125"/>
+            <a:ext cx="10515600" cy="1325563"/>
+          </a:xfrm>
+        </p:spPr>
+        <p:txBody>
+          <a:bodyPr>
+            <a:normAutofit/>
+          </a:bodyPr>
+          <a:lstStyle/>
+          <a:p>
+            <a:pPr algn="ctr">
+              <a:lnSpc>
+                <a:spcPts val="2400"/>
+              </a:lnSpc>
+              <a:spcBef>
+                <a:spcPct val="20000"/>
+              </a:spcBef>
+            </a:pPr>
+            <a:r>
+              <a:rPr lang="pt-BR" sz="4000" b="1" dirty="0" err="1">
+                <a:latin typeface="IBM Plex Sans" panose="020B0503050203000203" pitchFamily="34" charset="0"/>
+                <a:ea typeface="+mn-ea"/>
+                <a:cs typeface="+mn-cs"/>
+              </a:rPr>
+              <a:t>Thanks</a:t>
+            </a:r>
+            <a:r>
+              <a:rPr lang="pt-BR" sz="4000" b="1" dirty="0">
+                <a:latin typeface="IBM Plex Sans" panose="020B0503050203000203" pitchFamily="34" charset="0"/>
+                <a:ea typeface="+mn-ea"/>
+                <a:cs typeface="+mn-cs"/>
+              </a:rPr>
+              <a:t>!</a:t>
+            </a:r>
+          </a:p>
+        </p:txBody>
+      </p:sp>
+      <p:sp>
+        <p:nvSpPr>
+          <p:cNvPr id="8" name="Subtítulo 2">
+            <a:extLst>
+              <a:ext uri="{FF2B5EF4-FFF2-40B4-BE49-F238E27FC236}">
+                <a16:creationId xmlns:a16="http://schemas.microsoft.com/office/drawing/2014/main" id="{9D04AA28-7C76-CB8E-7EA3-A9E15B100E85}"/>
+              </a:ext>
+            </a:extLst>
+          </p:cNvPr>
+          <p:cNvSpPr txBox="1">
+            <a:spLocks/>
+          </p:cNvSpPr>
+          <p:nvPr/>
+        </p:nvSpPr>
+        <p:spPr>
+          <a:xfrm>
+            <a:off x="3689968" y="3454401"/>
+            <a:ext cx="7873140" cy="3033485"/>
+          </a:xfrm>
+          <a:prstGeom prst="rect">
+            <a:avLst/>
+          </a:prstGeom>
+        </p:spPr>
+        <p:txBody>
+          <a:bodyPr vert="horz" lIns="91440" tIns="45720" rIns="91440" bIns="45720" rtlCol="0">
+            <a:normAutofit fontScale="92500" lnSpcReduction="10000"/>
+          </a:bodyPr>
+          <a:lstStyle>
+            <a:lvl1pPr marL="228600" indent="-228600" algn="l" defTabSz="914400" rtl="0" eaLnBrk="1" latinLnBrk="0" hangingPunct="1">
+              <a:lnSpc>
+                <a:spcPct val="90000"/>
+              </a:lnSpc>
+              <a:spcBef>
+                <a:spcPts val="1000"/>
+              </a:spcBef>
+              <a:buFont typeface="Arial" panose="020B0604020202020204" pitchFamily="34" charset="0"/>
+              <a:buChar char="•"/>
+              <a:defRPr sz="2800" kern="1200">
+                <a:solidFill>
+                  <a:schemeClr val="tx1"/>
+                </a:solidFill>
+                <a:latin typeface="+mn-lt"/>
+                <a:ea typeface="+mn-ea"/>
+                <a:cs typeface="+mn-cs"/>
+              </a:defRPr>
+            </a:lvl1pPr>
+            <a:lvl2pPr marL="685800" indent="-228600" algn="l" defTabSz="914400" rtl="0" eaLnBrk="1" latinLnBrk="0" hangingPunct="1">
+              <a:lnSpc>
+                <a:spcPct val="90000"/>
+              </a:lnSpc>
+              <a:spcBef>
+                <a:spcPts val="500"/>
+              </a:spcBef>
+              <a:buFont typeface="Arial" panose="020B0604020202020204" pitchFamily="34" charset="0"/>
+              <a:buChar char="•"/>
+              <a:defRPr sz="2400" kern="1200">
+                <a:solidFill>
+                  <a:schemeClr val="tx1"/>
+                </a:solidFill>
+                <a:latin typeface="+mn-lt"/>
+                <a:ea typeface="+mn-ea"/>
+                <a:cs typeface="+mn-cs"/>
+              </a:defRPr>
+            </a:lvl2pPr>
+            <a:lvl3pPr marL="1143000" indent="-228600" algn="l" defTabSz="914400" rtl="0" eaLnBrk="1" latinLnBrk="0" hangingPunct="1">
+              <a:lnSpc>
+                <a:spcPct val="90000"/>
+              </a:lnSpc>
+              <a:spcBef>
+                <a:spcPts val="500"/>
+              </a:spcBef>
+              <a:buFont typeface="Arial" panose="020B0604020202020204" pitchFamily="34" charset="0"/>
+              <a:buChar char="•"/>
+              <a:defRPr sz="2000" kern="1200">
+                <a:solidFill>
+                  <a:schemeClr val="tx1"/>
+                </a:solidFill>
+                <a:latin typeface="+mn-lt"/>
+                <a:ea typeface="+mn-ea"/>
+                <a:cs typeface="+mn-cs"/>
+              </a:defRPr>
+            </a:lvl3pPr>
+            <a:lvl4pPr marL="1600200" indent="-228600" algn="l" defTabSz="914400" rtl="0" eaLnBrk="1" latinLnBrk="0" hangingPunct="1">
+              <a:lnSpc>
+                <a:spcPct val="90000"/>
+              </a:lnSpc>
+              <a:spcBef>
+                <a:spcPts val="500"/>
+              </a:spcBef>
+              <a:buFont typeface="Arial" panose="020B0604020202020204" pitchFamily="34" charset="0"/>
+              <a:buChar char="•"/>
+              <a:defRPr sz="1800" kern="1200">
+                <a:solidFill>
+                  <a:schemeClr val="tx1"/>
+                </a:solidFill>
+                <a:latin typeface="+mn-lt"/>
+                <a:ea typeface="+mn-ea"/>
+                <a:cs typeface="+mn-cs"/>
+              </a:defRPr>
+            </a:lvl4pPr>
+            <a:lvl5pPr marL="2057400" indent="-228600" algn="l" defTabSz="914400" rtl="0" eaLnBrk="1" latinLnBrk="0" hangingPunct="1">
+              <a:lnSpc>
+                <a:spcPct val="90000"/>
+              </a:lnSpc>
+              <a:spcBef>
+                <a:spcPts val="500"/>
+              </a:spcBef>
+              <a:buFont typeface="Arial" panose="020B0604020202020204" pitchFamily="34" charset="0"/>
+              <a:buChar char="•"/>
+              <a:defRPr sz="1800" kern="1200">
+                <a:solidFill>
+                  <a:schemeClr val="tx1"/>
+                </a:solidFill>
+                <a:latin typeface="+mn-lt"/>
+                <a:ea typeface="+mn-ea"/>
+                <a:cs typeface="+mn-cs"/>
+              </a:defRPr>
+            </a:lvl5pPr>
+            <a:lvl6pPr marL="2514600" indent="-228600" algn="l" defTabSz="914400" rtl="0" eaLnBrk="1" latinLnBrk="0" hangingPunct="1">
+              <a:lnSpc>
+                <a:spcPct val="90000"/>
+              </a:lnSpc>
+              <a:spcBef>
+                <a:spcPts val="500"/>
+              </a:spcBef>
+              <a:buFont typeface="Arial" panose="020B0604020202020204" pitchFamily="34" charset="0"/>
+              <a:buChar char="•"/>
+              <a:defRPr sz="1800" kern="1200">
+                <a:solidFill>
+                  <a:schemeClr val="tx1"/>
+                </a:solidFill>
+                <a:latin typeface="+mn-lt"/>
+                <a:ea typeface="+mn-ea"/>
+                <a:cs typeface="+mn-cs"/>
+              </a:defRPr>
+            </a:lvl6pPr>
+            <a:lvl7pPr marL="2971800" indent="-228600" algn="l" defTabSz="914400" rtl="0" eaLnBrk="1" latinLnBrk="0" hangingPunct="1">
+              <a:lnSpc>
+                <a:spcPct val="90000"/>
+              </a:lnSpc>
+              <a:spcBef>
+                <a:spcPts val="500"/>
+              </a:spcBef>
+              <a:buFont typeface="Arial" panose="020B0604020202020204" pitchFamily="34" charset="0"/>
+              <a:buChar char="•"/>
+              <a:defRPr sz="1800" kern="1200">
+                <a:solidFill>
+                  <a:schemeClr val="tx1"/>
+                </a:solidFill>
+                <a:latin typeface="+mn-lt"/>
+                <a:ea typeface="+mn-ea"/>
+                <a:cs typeface="+mn-cs"/>
+              </a:defRPr>
+            </a:lvl7pPr>
+            <a:lvl8pPr marL="3429000" indent="-228600" algn="l" defTabSz="914400" rtl="0" eaLnBrk="1" latinLnBrk="0" hangingPunct="1">
+              <a:lnSpc>
+                <a:spcPct val="90000"/>
+              </a:lnSpc>
+              <a:spcBef>
+                <a:spcPts val="500"/>
+              </a:spcBef>
+              <a:buFont typeface="Arial" panose="020B0604020202020204" pitchFamily="34" charset="0"/>
+              <a:buChar char="•"/>
+              <a:defRPr sz="1800" kern="1200">
+                <a:solidFill>
+                  <a:schemeClr val="tx1"/>
+                </a:solidFill>
+                <a:latin typeface="+mn-lt"/>
+                <a:ea typeface="+mn-ea"/>
+                <a:cs typeface="+mn-cs"/>
+              </a:defRPr>
+            </a:lvl8pPr>
+            <a:lvl9pPr marL="3886200" indent="-228600" algn="l" defTabSz="914400" rtl="0" eaLnBrk="1" latinLnBrk="0" hangingPunct="1">
+              <a:lnSpc>
+                <a:spcPct val="90000"/>
+              </a:lnSpc>
+              <a:spcBef>
+                <a:spcPts val="500"/>
+              </a:spcBef>
+              <a:buFont typeface="Arial" panose="020B0604020202020204" pitchFamily="34" charset="0"/>
+              <a:buChar char="•"/>
+              <a:defRPr sz="1800" kern="1200">
+                <a:solidFill>
+                  <a:schemeClr val="tx1"/>
+                </a:solidFill>
+                <a:latin typeface="+mn-lt"/>
+                <a:ea typeface="+mn-ea"/>
+                <a:cs typeface="+mn-cs"/>
+              </a:defRPr>
+            </a:lvl9pPr>
+          </a:lstStyle>
+          <a:p>
+            <a:pPr marL="0" indent="0" algn="r">
+              <a:buNone/>
+            </a:pPr>
+            <a:r>
+              <a:rPr lang="pt-BR" dirty="0">
+                <a:solidFill>
+                  <a:schemeClr val="tx1">
+                    <a:lumMod val="65000"/>
+                    <a:lumOff val="35000"/>
+                  </a:schemeClr>
+                </a:solidFill>
+                <a:latin typeface="IBM Plex Sans" panose="020B0503050203000203" pitchFamily="34" charset="0"/>
+              </a:rPr>
+              <a:t>Patrick Luiz de Araújo</a:t>
+            </a:r>
+          </a:p>
+          <a:p>
+            <a:pPr marL="0" indent="0" algn="r">
+              <a:buNone/>
+            </a:pPr>
+            <a:r>
+              <a:rPr lang="pt-BR" sz="1500" dirty="0">
+                <a:solidFill>
+                  <a:schemeClr val="tx1">
+                    <a:lumMod val="65000"/>
+                    <a:lumOff val="35000"/>
+                  </a:schemeClr>
+                </a:solidFill>
+                <a:latin typeface="IBM Plex Sans" panose="020B0503050203000203" pitchFamily="34" charset="0"/>
+                <a:hlinkClick r:id="rId2"/>
+              </a:rPr>
+              <a:t>patrick@ufu.br</a:t>
+            </a:r>
+            <a:endParaRPr lang="pt-BR" sz="1500" dirty="0">
+              <a:solidFill>
+                <a:schemeClr val="tx1">
+                  <a:lumMod val="65000"/>
+                  <a:lumOff val="35000"/>
+                </a:schemeClr>
+              </a:solidFill>
+              <a:latin typeface="IBM Plex Sans" panose="020B0503050203000203" pitchFamily="34" charset="0"/>
+            </a:endParaRPr>
+          </a:p>
+          <a:p>
+            <a:pPr marL="0" indent="0" algn="r">
+              <a:buNone/>
+            </a:pPr>
+            <a:endParaRPr lang="pt-BR" sz="1600" dirty="0">
+              <a:solidFill>
+                <a:schemeClr val="tx1">
+                  <a:lumMod val="65000"/>
+                  <a:lumOff val="35000"/>
+                </a:schemeClr>
+              </a:solidFill>
+              <a:latin typeface="IBM Plex Sans" panose="020B0503050203000203" pitchFamily="34" charset="0"/>
+            </a:endParaRPr>
+          </a:p>
+          <a:p>
+            <a:pPr marL="0" indent="0" algn="r">
+              <a:buNone/>
+            </a:pPr>
+            <a:r>
+              <a:rPr lang="pt-BR" dirty="0">
+                <a:solidFill>
+                  <a:schemeClr val="tx1">
+                    <a:lumMod val="65000"/>
+                    <a:lumOff val="35000"/>
+                  </a:schemeClr>
+                </a:solidFill>
+                <a:latin typeface="IBM Plex Sans" panose="020B0503050203000203" pitchFamily="34" charset="0"/>
+              </a:rPr>
+              <a:t>Prof. Dr. Rafael Pasquini</a:t>
+            </a:r>
+          </a:p>
+          <a:p>
+            <a:pPr marL="0" indent="0" algn="r">
+              <a:buNone/>
+            </a:pPr>
+            <a:r>
+              <a:rPr lang="pt-BR" sz="1500" dirty="0">
+                <a:solidFill>
+                  <a:schemeClr val="tx1">
+                    <a:lumMod val="65000"/>
+                    <a:lumOff val="35000"/>
+                  </a:schemeClr>
+                </a:solidFill>
+                <a:latin typeface="IBM Plex Sans" panose="020B0503050203000203" pitchFamily="34" charset="0"/>
+                <a:hlinkClick r:id="rId3"/>
+              </a:rPr>
+              <a:t>rafael.pasquini@ufu.br</a:t>
+            </a:r>
+            <a:endParaRPr lang="pt-BR" sz="1500" dirty="0">
+              <a:solidFill>
+                <a:schemeClr val="tx1">
+                  <a:lumMod val="65000"/>
+                  <a:lumOff val="35000"/>
+                </a:schemeClr>
+              </a:solidFill>
+              <a:latin typeface="IBM Plex Sans" panose="020B0503050203000203" pitchFamily="34" charset="0"/>
+            </a:endParaRPr>
+          </a:p>
+          <a:p>
+            <a:pPr marL="0" indent="0" algn="r">
+              <a:buNone/>
+            </a:pPr>
+            <a:endParaRPr lang="pt-BR" sz="1800" dirty="0">
+              <a:solidFill>
+                <a:schemeClr val="tx1">
+                  <a:lumMod val="65000"/>
+                  <a:lumOff val="35000"/>
+                </a:schemeClr>
+              </a:solidFill>
+              <a:latin typeface="IBM Plex Sans" panose="020B0503050203000203" pitchFamily="34" charset="0"/>
+            </a:endParaRPr>
+          </a:p>
+          <a:p>
+            <a:pPr marL="0" indent="0" algn="r">
+              <a:buNone/>
+            </a:pPr>
+            <a:r>
+              <a:rPr lang="pt-BR" dirty="0">
+                <a:solidFill>
+                  <a:schemeClr val="tx1">
+                    <a:lumMod val="65000"/>
+                    <a:lumOff val="35000"/>
+                  </a:schemeClr>
+                </a:solidFill>
+                <a:latin typeface="IBM Plex Sans" panose="020B0503050203000203" pitchFamily="34" charset="0"/>
+              </a:rPr>
+              <a:t>Prof. Dr. Murillo Guimarães Carneiro</a:t>
+            </a:r>
+          </a:p>
+          <a:p>
+            <a:pPr marL="0" indent="0" algn="r">
+              <a:buNone/>
+            </a:pPr>
+            <a:r>
+              <a:rPr lang="pt-BR" sz="1500" dirty="0">
+                <a:solidFill>
+                  <a:schemeClr val="tx1">
+                    <a:lumMod val="65000"/>
+                    <a:lumOff val="35000"/>
+                  </a:schemeClr>
+                </a:solidFill>
+                <a:latin typeface="IBM Plex Sans" panose="020B0503050203000203" pitchFamily="34" charset="0"/>
+                <a:hlinkClick r:id="rId4"/>
+              </a:rPr>
+              <a:t>mgcarneiro@ufu.br</a:t>
+            </a:r>
+            <a:endParaRPr lang="pt-BR" sz="1500" dirty="0">
+              <a:solidFill>
+                <a:schemeClr val="tx1">
+                  <a:lumMod val="65000"/>
+                  <a:lumOff val="35000"/>
+                </a:schemeClr>
+              </a:solidFill>
+              <a:latin typeface="IBM Plex Sans" panose="020B0503050203000203" pitchFamily="34" charset="0"/>
+            </a:endParaRPr>
+          </a:p>
+          <a:p>
+            <a:pPr marL="0" indent="0" algn="r">
+              <a:buNone/>
+            </a:pPr>
+            <a:endParaRPr lang="pt-BR" sz="1800" dirty="0">
+              <a:solidFill>
+                <a:schemeClr val="tx1">
+                  <a:lumMod val="65000"/>
+                  <a:lumOff val="35000"/>
+                </a:schemeClr>
+              </a:solidFill>
+              <a:latin typeface="IBM Plex Sans" panose="020B0503050203000203" pitchFamily="34" charset="0"/>
+            </a:endParaRPr>
+          </a:p>
+          <a:p>
+            <a:pPr marL="0" indent="0" algn="r">
+              <a:buNone/>
+            </a:pPr>
+            <a:endParaRPr lang="pt-BR" sz="1800" dirty="0">
+              <a:solidFill>
+                <a:schemeClr val="tx1">
+                  <a:lumMod val="65000"/>
+                  <a:lumOff val="35000"/>
+                </a:schemeClr>
+              </a:solidFill>
+              <a:latin typeface="IBM Plex Sans" panose="020B0503050203000203" pitchFamily="34" charset="0"/>
+            </a:endParaRPr>
+          </a:p>
+        </p:txBody>
+      </p:sp>
+      <p:sp>
+        <p:nvSpPr>
+          <p:cNvPr id="9" name="Subtitle 2">
+            <a:extLst>
+              <a:ext uri="{FF2B5EF4-FFF2-40B4-BE49-F238E27FC236}">
+                <a16:creationId xmlns:a16="http://schemas.microsoft.com/office/drawing/2014/main" id="{DF5869F0-7AB5-C3CD-7AA5-73BAFA20B1CD}"/>
+              </a:ext>
+            </a:extLst>
+          </p:cNvPr>
+          <p:cNvSpPr txBox="1">
+            <a:spLocks/>
+          </p:cNvSpPr>
+          <p:nvPr/>
+        </p:nvSpPr>
+        <p:spPr>
+          <a:xfrm>
+            <a:off x="794658" y="1959846"/>
+            <a:ext cx="10681366" cy="1494555"/>
+          </a:xfrm>
+          <a:prstGeom prst="rect">
+            <a:avLst/>
+          </a:prstGeom>
+        </p:spPr>
+        <p:txBody>
+          <a:bodyPr vert="horz" lIns="91440" tIns="45720" rIns="91440" bIns="45720" rtlCol="0">
+            <a:noAutofit/>
+          </a:bodyPr>
+          <a:lstStyle>
+            <a:lvl1pPr marL="228600" indent="-228600" algn="l" defTabSz="914400" rtl="0" eaLnBrk="1" latinLnBrk="0" hangingPunct="1">
+              <a:lnSpc>
+                <a:spcPct val="90000"/>
+              </a:lnSpc>
+              <a:spcBef>
+                <a:spcPts val="1000"/>
+              </a:spcBef>
+              <a:buFont typeface="Arial" panose="020B0604020202020204" pitchFamily="34" charset="0"/>
+              <a:buChar char="•"/>
+              <a:defRPr sz="2800" kern="1200">
+                <a:solidFill>
+                  <a:schemeClr val="tx1"/>
+                </a:solidFill>
+                <a:latin typeface="+mn-lt"/>
+                <a:ea typeface="+mn-ea"/>
+                <a:cs typeface="+mn-cs"/>
+              </a:defRPr>
+            </a:lvl1pPr>
+            <a:lvl2pPr marL="685800" indent="-228600" algn="l" defTabSz="914400" rtl="0" eaLnBrk="1" latinLnBrk="0" hangingPunct="1">
+              <a:lnSpc>
+                <a:spcPct val="90000"/>
+              </a:lnSpc>
+              <a:spcBef>
+                <a:spcPts val="500"/>
+              </a:spcBef>
+              <a:buFont typeface="Arial" panose="020B0604020202020204" pitchFamily="34" charset="0"/>
+              <a:buChar char="•"/>
+              <a:defRPr sz="2400" kern="1200">
+                <a:solidFill>
+                  <a:schemeClr val="tx1"/>
+                </a:solidFill>
+                <a:latin typeface="+mn-lt"/>
+                <a:ea typeface="+mn-ea"/>
+                <a:cs typeface="+mn-cs"/>
+              </a:defRPr>
+            </a:lvl2pPr>
+            <a:lvl3pPr marL="1143000" indent="-228600" algn="l" defTabSz="914400" rtl="0" eaLnBrk="1" latinLnBrk="0" hangingPunct="1">
+              <a:lnSpc>
+                <a:spcPct val="90000"/>
+              </a:lnSpc>
+              <a:spcBef>
+                <a:spcPts val="500"/>
+              </a:spcBef>
+              <a:buFont typeface="Arial" panose="020B0604020202020204" pitchFamily="34" charset="0"/>
+              <a:buChar char="•"/>
+              <a:defRPr sz="2000" kern="1200">
+                <a:solidFill>
+                  <a:schemeClr val="tx1"/>
+                </a:solidFill>
+                <a:latin typeface="+mn-lt"/>
+                <a:ea typeface="+mn-ea"/>
+                <a:cs typeface="+mn-cs"/>
+              </a:defRPr>
+            </a:lvl3pPr>
+            <a:lvl4pPr marL="1600200" indent="-228600" algn="l" defTabSz="914400" rtl="0" eaLnBrk="1" latinLnBrk="0" hangingPunct="1">
+              <a:lnSpc>
+                <a:spcPct val="90000"/>
+              </a:lnSpc>
+              <a:spcBef>
+                <a:spcPts val="500"/>
+              </a:spcBef>
+              <a:buFont typeface="Arial" panose="020B0604020202020204" pitchFamily="34" charset="0"/>
+              <a:buChar char="•"/>
+              <a:defRPr sz="1800" kern="1200">
+                <a:solidFill>
+                  <a:schemeClr val="tx1"/>
+                </a:solidFill>
+                <a:latin typeface="+mn-lt"/>
+                <a:ea typeface="+mn-ea"/>
+                <a:cs typeface="+mn-cs"/>
+              </a:defRPr>
+            </a:lvl4pPr>
+            <a:lvl5pPr marL="2057400" indent="-228600" algn="l" defTabSz="914400" rtl="0" eaLnBrk="1" latinLnBrk="0" hangingPunct="1">
+              <a:lnSpc>
+                <a:spcPct val="90000"/>
+              </a:lnSpc>
+              <a:spcBef>
+                <a:spcPts val="500"/>
+              </a:spcBef>
+              <a:buFont typeface="Arial" panose="020B0604020202020204" pitchFamily="34" charset="0"/>
+              <a:buChar char="•"/>
+              <a:defRPr sz="1800" kern="1200">
+                <a:solidFill>
+                  <a:schemeClr val="tx1"/>
+                </a:solidFill>
+                <a:latin typeface="+mn-lt"/>
+                <a:ea typeface="+mn-ea"/>
+                <a:cs typeface="+mn-cs"/>
+              </a:defRPr>
+            </a:lvl5pPr>
+            <a:lvl6pPr marL="2514600" indent="-228600" algn="l" defTabSz="914400" rtl="0" eaLnBrk="1" latinLnBrk="0" hangingPunct="1">
+              <a:lnSpc>
+                <a:spcPct val="90000"/>
+              </a:lnSpc>
+              <a:spcBef>
+                <a:spcPts val="500"/>
+              </a:spcBef>
+              <a:buFont typeface="Arial" panose="020B0604020202020204" pitchFamily="34" charset="0"/>
+              <a:buChar char="•"/>
+              <a:defRPr sz="1800" kern="1200">
+                <a:solidFill>
+                  <a:schemeClr val="tx1"/>
+                </a:solidFill>
+                <a:latin typeface="+mn-lt"/>
+                <a:ea typeface="+mn-ea"/>
+                <a:cs typeface="+mn-cs"/>
+              </a:defRPr>
+            </a:lvl6pPr>
+            <a:lvl7pPr marL="2971800" indent="-228600" algn="l" defTabSz="914400" rtl="0" eaLnBrk="1" latinLnBrk="0" hangingPunct="1">
+              <a:lnSpc>
+                <a:spcPct val="90000"/>
+              </a:lnSpc>
+              <a:spcBef>
+                <a:spcPts val="500"/>
+              </a:spcBef>
+              <a:buFont typeface="Arial" panose="020B0604020202020204" pitchFamily="34" charset="0"/>
+              <a:buChar char="•"/>
+              <a:defRPr sz="1800" kern="1200">
+                <a:solidFill>
+                  <a:schemeClr val="tx1"/>
+                </a:solidFill>
+                <a:latin typeface="+mn-lt"/>
+                <a:ea typeface="+mn-ea"/>
+                <a:cs typeface="+mn-cs"/>
+              </a:defRPr>
+            </a:lvl7pPr>
+            <a:lvl8pPr marL="3429000" indent="-228600" algn="l" defTabSz="914400" rtl="0" eaLnBrk="1" latinLnBrk="0" hangingPunct="1">
+              <a:lnSpc>
+                <a:spcPct val="90000"/>
+              </a:lnSpc>
+              <a:spcBef>
+                <a:spcPts val="500"/>
+              </a:spcBef>
+              <a:buFont typeface="Arial" panose="020B0604020202020204" pitchFamily="34" charset="0"/>
+              <a:buChar char="•"/>
+              <a:defRPr sz="1800" kern="1200">
+                <a:solidFill>
+                  <a:schemeClr val="tx1"/>
+                </a:solidFill>
+                <a:latin typeface="+mn-lt"/>
+                <a:ea typeface="+mn-ea"/>
+                <a:cs typeface="+mn-cs"/>
+              </a:defRPr>
+            </a:lvl8pPr>
+            <a:lvl9pPr marL="3886200" indent="-228600" algn="l" defTabSz="914400" rtl="0" eaLnBrk="1" latinLnBrk="0" hangingPunct="1">
+              <a:lnSpc>
+                <a:spcPct val="90000"/>
+              </a:lnSpc>
+              <a:spcBef>
+                <a:spcPts val="500"/>
+              </a:spcBef>
+              <a:buFont typeface="Arial" panose="020B0604020202020204" pitchFamily="34" charset="0"/>
+              <a:buChar char="•"/>
+              <a:defRPr sz="1800" kern="1200">
+                <a:solidFill>
+                  <a:schemeClr val="tx1"/>
+                </a:solidFill>
+                <a:latin typeface="+mn-lt"/>
+                <a:ea typeface="+mn-ea"/>
+                <a:cs typeface="+mn-cs"/>
+              </a:defRPr>
+            </a:lvl9pPr>
+          </a:lstStyle>
+          <a:p>
+            <a:pPr marL="0" indent="0" algn="ctr">
+              <a:buNone/>
+            </a:pPr>
+            <a:r>
+              <a:rPr lang="en-US" b="1" i="0" dirty="0">
+                <a:effectLst/>
+                <a:latin typeface="IBM Plex Sans" panose="020B0503050203000203" pitchFamily="34" charset="0"/>
+              </a:rPr>
+              <a:t>A Mobile Traffic Predictor Enhanced by Neighboring Transportation Data (MTP-NT)</a:t>
+            </a:r>
+            <a:endParaRPr lang="pt-BR" b="1" dirty="0">
+              <a:latin typeface="IBM Plex Sans" panose="020B0503050203000203" pitchFamily="34" charset="0"/>
+            </a:endParaRPr>
+          </a:p>
+        </p:txBody>
+      </p:sp>
+      <p:sp>
+        <p:nvSpPr>
+          <p:cNvPr id="3" name="Slide Number Placeholder 2">
+            <a:extLst>
+              <a:ext uri="{FF2B5EF4-FFF2-40B4-BE49-F238E27FC236}">
+                <a16:creationId xmlns:a16="http://schemas.microsoft.com/office/drawing/2014/main" id="{A3A1D4C2-A873-78C4-5BB9-10481FBEC11D}"/>
+              </a:ext>
+            </a:extLst>
+          </p:cNvPr>
+          <p:cNvSpPr>
+            <a:spLocks noGrp="1"/>
+          </p:cNvSpPr>
+          <p:nvPr>
+            <p:ph type="sldNum" sz="quarter" idx="12"/>
+          </p:nvPr>
+        </p:nvSpPr>
+        <p:spPr/>
+        <p:txBody>
+          <a:bodyPr/>
+          <a:lstStyle/>
+          <a:p>
+            <a:fld id="{C16D1434-241F-3E4A-8778-0F70095E40C3}" type="slidenum">
+              <a:rPr lang="pt-BR" smtClean="0"/>
+              <a:t>13</a:t>
+            </a:fld>
+            <a:endParaRPr lang="pt-BR"/>
+          </a:p>
+        </p:txBody>
+      </p:sp>
+    </p:spTree>
+    <p:extLst>
+      <p:ext uri="{BB962C8B-B14F-4D97-AF65-F5344CB8AC3E}">
+        <p14:creationId xmlns:p14="http://schemas.microsoft.com/office/powerpoint/2010/main" val="4280972039"/>
+      </p:ext>
+    </p:extLst>
+  </p:cSld>
+  <p:clrMapOvr>
+    <a:masterClrMapping/>
+  </p:clrMapOvr>
+</p:sld>
+</file>
+
 <file path=ppt/slides/slide2.xml><?xml version="1.0" encoding="utf-8"?>
 <p:sld xmlns:a="http://schemas.openxmlformats.org/drawingml/2006/main" xmlns:r="http://schemas.openxmlformats.org/officeDocument/2006/relationships" xmlns:p="http://schemas.openxmlformats.org/presentationml/2006/main">
   <p:cSld>
@@ -5397,12 +8159,12 @@
               <a:buAutoNum type="arabicPeriod"/>
             </a:pPr>
             <a:r>
-              <a:rPr lang="pt-BR" dirty="0" err="1">
+              <a:rPr lang="pt-BR" u="sng" dirty="0" err="1">
                 <a:latin typeface="IBM Plex Sans" panose="020B0503050203000203" pitchFamily="34" charset="0"/>
               </a:rPr>
               <a:t>Introduction</a:t>
             </a:r>
-            <a:endParaRPr lang="pt-BR" dirty="0">
+            <a:endParaRPr lang="pt-BR" u="sng" dirty="0">
               <a:latin typeface="IBM Plex Sans" panose="020B0503050203000203" pitchFamily="34" charset="0"/>
             </a:endParaRPr>
           </a:p>
@@ -10893,12 +13655,18 @@
       </p:grpSpPr>
       <p:sp>
         <p:nvSpPr>
-          <p:cNvPr id="3" name="Title"/>
+          <p:cNvPr id="4" name="Footer Placeholder 3">
+            <a:extLst>
+              <a:ext uri="{FF2B5EF4-FFF2-40B4-BE49-F238E27FC236}">
+                <a16:creationId xmlns:a16="http://schemas.microsoft.com/office/drawing/2014/main" id="{ABC5BB99-6713-EE89-3895-F3148FABAE18}"/>
+              </a:ext>
+            </a:extLst>
+          </p:cNvPr>
           <p:cNvSpPr>
             <a:spLocks noGrp="1"/>
           </p:cNvSpPr>
           <p:nvPr>
-            <p:ph type="title"/>
+            <p:ph type="ftr" sz="quarter" idx="11"/>
           </p:nvPr>
         </p:nvSpPr>
         <p:spPr/>
@@ -10907,12 +13675,42 @@
           <a:lstStyle/>
           <a:p>
             <a:r>
-              <a:rPr lang="en-US" b="1" dirty="0" err="1">
-                <a:latin typeface="IBM Plex Sans" panose="020B0503050203000203" pitchFamily="34" charset="0"/>
-              </a:rPr>
-              <a:t>tl;dr</a:t>
-            </a:r>
-            <a:endParaRPr lang="en-US" b="1" dirty="0">
+              <a:rPr lang="pt-BR">
+                <a:latin typeface="IBM Plex Sans" panose="020B0503050203000203" pitchFamily="34" charset="0"/>
+              </a:rPr>
+              <a:t>A Mobile Traffic Predictor Enhanced by Neighboring Transportation Data (MTP-NT)</a:t>
+            </a:r>
+          </a:p>
+        </p:txBody>
+      </p:sp>
+      <p:sp>
+        <p:nvSpPr>
+          <p:cNvPr id="5" name="Slide Number Placeholder 4">
+            <a:extLst>
+              <a:ext uri="{FF2B5EF4-FFF2-40B4-BE49-F238E27FC236}">
+                <a16:creationId xmlns:a16="http://schemas.microsoft.com/office/drawing/2014/main" id="{DE4D7978-95DF-1BFB-E341-3759F4762F0C}"/>
+              </a:ext>
+            </a:extLst>
+          </p:cNvPr>
+          <p:cNvSpPr>
+            <a:spLocks noGrp="1"/>
+          </p:cNvSpPr>
+          <p:nvPr>
+            <p:ph type="sldNum" sz="quarter" idx="12"/>
+          </p:nvPr>
+        </p:nvSpPr>
+        <p:spPr/>
+        <p:txBody>
+          <a:bodyPr/>
+          <a:lstStyle/>
+          <a:p>
+            <a:fld id="{C16D1434-241F-3E4A-8778-0F70095E40C3}" type="slidenum">
+              <a:rPr lang="pt-BR" smtClean="0">
+                <a:latin typeface="IBM Plex Sans" panose="020B0503050203000203" pitchFamily="34" charset="0"/>
+              </a:rPr>
+              <a:t>6</a:t>
+            </a:fld>
+            <a:endParaRPr lang="pt-BR">
               <a:latin typeface="IBM Plex Sans" panose="020B0503050203000203" pitchFamily="34" charset="0"/>
             </a:endParaRPr>
           </a:p>
@@ -10920,145 +13718,1275 @@
       </p:sp>
       <p:sp>
         <p:nvSpPr>
-          <p:cNvPr id="6" name="Content Placeholder 1"/>
-          <p:cNvSpPr>
-            <a:spLocks noGrp="1"/>
-          </p:cNvSpPr>
-          <p:nvPr>
-            <p:ph sz="quarter" idx="20"/>
-          </p:nvPr>
-        </p:nvSpPr>
-        <p:spPr/>
-        <p:txBody>
-          <a:bodyPr/>
+          <p:cNvPr id="11" name="Text Placeholder">
+            <a:extLst>
+              <a:ext uri="{FF2B5EF4-FFF2-40B4-BE49-F238E27FC236}">
+                <a16:creationId xmlns:a16="http://schemas.microsoft.com/office/drawing/2014/main" id="{65079F3F-D2E5-FBC2-1747-119744FDBF1D}"/>
+              </a:ext>
+            </a:extLst>
+          </p:cNvPr>
+          <p:cNvSpPr txBox="1">
+            <a:spLocks/>
+          </p:cNvSpPr>
+          <p:nvPr/>
+        </p:nvSpPr>
+        <p:spPr>
+          <a:xfrm>
+            <a:off x="739253" y="1694456"/>
+            <a:ext cx="4757421" cy="843152"/>
+          </a:xfrm>
+          <a:prstGeom prst="rect">
+            <a:avLst/>
+          </a:prstGeom>
+        </p:spPr>
+        <p:txBody>
+          <a:bodyPr vert="horz" lIns="0" tIns="0" rIns="0" bIns="0" rtlCol="0">
+            <a:noAutofit/>
+          </a:bodyPr>
+          <a:lstStyle>
+            <a:lvl1pPr marL="0" indent="0" algn="l" rtl="0" eaLnBrk="1" fontAlgn="base" hangingPunct="1">
+              <a:lnSpc>
+                <a:spcPct val="90000"/>
+              </a:lnSpc>
+              <a:spcBef>
+                <a:spcPts val="1100"/>
+              </a:spcBef>
+              <a:spcAft>
+                <a:spcPct val="0"/>
+              </a:spcAft>
+              <a:buClr>
+                <a:srgbClr val="6D6E70"/>
+              </a:buClr>
+              <a:buSzPct val="90000"/>
+              <a:buFont typeface="IBM Plex Sans" pitchFamily="2" charset="2"/>
+              <a:buNone/>
+              <a:defRPr sz="9600" b="1" i="0">
+                <a:solidFill>
+                  <a:schemeClr val="bg1"/>
+                </a:solidFill>
+                <a:latin typeface="IBM Plex Sans" panose="020B0503050203000203" pitchFamily="34" charset="0"/>
+                <a:ea typeface="IBM Plex Sans" panose="020B0503050203000203" pitchFamily="34" charset="0"/>
+                <a:cs typeface="IBM Plex Sans" panose="020B0503050203000203" pitchFamily="34" charset="0"/>
+              </a:defRPr>
+            </a:lvl1pPr>
+            <a:lvl2pPr marL="171452" indent="-173736" algn="l" rtl="0" eaLnBrk="1" fontAlgn="base" hangingPunct="1">
+              <a:lnSpc>
+                <a:spcPct val="100000"/>
+              </a:lnSpc>
+              <a:spcBef>
+                <a:spcPts val="1100"/>
+              </a:spcBef>
+              <a:spcAft>
+                <a:spcPct val="0"/>
+              </a:spcAft>
+              <a:buClr>
+                <a:schemeClr val="bg1"/>
+              </a:buClr>
+              <a:buSzPct val="100000"/>
+              <a:buFont typeface="IBM Plex Sans" charset="-120"/>
+              <a:buChar char="–"/>
+              <a:tabLst/>
+              <a:defRPr sz="1400">
+                <a:solidFill>
+                  <a:schemeClr val="bg1"/>
+                </a:solidFill>
+                <a:latin typeface="IBM Plex Sans" panose="020B0503050203000203" pitchFamily="34" charset="0"/>
+                <a:ea typeface="IBM Plex Sans" panose="020B0503050203000203" pitchFamily="34" charset="0"/>
+                <a:cs typeface="IBM Plex Sans" panose="020B0503050203000203" pitchFamily="34" charset="0"/>
+              </a:defRPr>
+            </a:lvl2pPr>
+            <a:lvl3pPr marL="342905" indent="-173736" algn="l" rtl="0" eaLnBrk="1" fontAlgn="base" hangingPunct="1">
+              <a:lnSpc>
+                <a:spcPct val="100000"/>
+              </a:lnSpc>
+              <a:spcBef>
+                <a:spcPts val="1100"/>
+              </a:spcBef>
+              <a:spcAft>
+                <a:spcPct val="0"/>
+              </a:spcAft>
+              <a:buClr>
+                <a:schemeClr val="bg1"/>
+              </a:buClr>
+              <a:buSzPct val="100000"/>
+              <a:buFont typeface="Arial" panose="020B0604020202020204" pitchFamily="34" charset="0"/>
+              <a:buChar char="•"/>
+              <a:tabLst/>
+              <a:defRPr sz="1400">
+                <a:solidFill>
+                  <a:schemeClr val="bg1"/>
+                </a:solidFill>
+                <a:latin typeface="IBM Plex Sans" panose="020B0503050203000203" pitchFamily="34" charset="0"/>
+                <a:ea typeface="IBM Plex Sans" panose="020B0503050203000203" pitchFamily="34" charset="0"/>
+                <a:cs typeface="IBM Plex Sans" panose="020B0503050203000203" pitchFamily="34" charset="0"/>
+              </a:defRPr>
+            </a:lvl3pPr>
+            <a:lvl4pPr marL="628658" indent="-173736" algn="l" rtl="0" eaLnBrk="1" fontAlgn="base" hangingPunct="1">
+              <a:lnSpc>
+                <a:spcPct val="100000"/>
+              </a:lnSpc>
+              <a:spcBef>
+                <a:spcPts val="1100"/>
+              </a:spcBef>
+              <a:spcAft>
+                <a:spcPct val="0"/>
+              </a:spcAft>
+              <a:buClr>
+                <a:schemeClr val="bg1"/>
+              </a:buClr>
+              <a:buSzPct val="100000"/>
+              <a:buFont typeface="IBM Plex Sans" charset="-120"/>
+              <a:buChar char="–"/>
+              <a:tabLst/>
+              <a:defRPr sz="1400" baseline="0">
+                <a:solidFill>
+                  <a:schemeClr val="bg1"/>
+                </a:solidFill>
+                <a:latin typeface="IBM Plex Sans" panose="020B0503050203000203" pitchFamily="34" charset="0"/>
+                <a:ea typeface="IBM Plex Sans" panose="020B0503050203000203" pitchFamily="34" charset="0"/>
+                <a:cs typeface="IBM Plex Sans" panose="020B0503050203000203" pitchFamily="34" charset="0"/>
+              </a:defRPr>
+            </a:lvl4pPr>
+            <a:lvl5pPr marL="803285" indent="-173736" algn="l" rtl="0" eaLnBrk="1" fontAlgn="base" hangingPunct="1">
+              <a:lnSpc>
+                <a:spcPct val="100000"/>
+              </a:lnSpc>
+              <a:spcBef>
+                <a:spcPts val="1100"/>
+              </a:spcBef>
+              <a:spcAft>
+                <a:spcPct val="0"/>
+              </a:spcAft>
+              <a:buClr>
+                <a:schemeClr val="bg1"/>
+              </a:buClr>
+              <a:buFont typeface="IBM Plex Sans" charset="-120"/>
+              <a:buChar char="»"/>
+              <a:tabLst/>
+              <a:defRPr sz="1400">
+                <a:solidFill>
+                  <a:schemeClr val="bg1"/>
+                </a:solidFill>
+                <a:latin typeface="IBM Plex Sans" panose="020B0503050203000203" pitchFamily="34" charset="0"/>
+                <a:ea typeface="IBM Plex Sans" panose="020B0503050203000203" pitchFamily="34" charset="0"/>
+                <a:cs typeface="IBM Plex Sans" panose="020B0503050203000203" pitchFamily="34" charset="0"/>
+              </a:defRPr>
+            </a:lvl5pPr>
+            <a:lvl6pPr marL="1583721" indent="-129670" algn="l" rtl="0" eaLnBrk="1" fontAlgn="base" hangingPunct="1">
+              <a:spcBef>
+                <a:spcPct val="20000"/>
+              </a:spcBef>
+              <a:spcAft>
+                <a:spcPct val="0"/>
+              </a:spcAft>
+              <a:buClr>
+                <a:schemeClr val="bg1"/>
+              </a:buClr>
+              <a:buChar char="»"/>
+              <a:defRPr sz="1269">
+                <a:solidFill>
+                  <a:schemeClr val="bg1"/>
+                </a:solidFill>
+                <a:latin typeface="IBM Plex Sans" charset="0"/>
+              </a:defRPr>
+            </a:lvl6pPr>
+            <a:lvl7pPr marL="1946291" indent="-129670" algn="l" rtl="0" eaLnBrk="1" fontAlgn="base" hangingPunct="1">
+              <a:spcBef>
+                <a:spcPct val="20000"/>
+              </a:spcBef>
+              <a:spcAft>
+                <a:spcPct val="0"/>
+              </a:spcAft>
+              <a:buClr>
+                <a:schemeClr val="bg1"/>
+              </a:buClr>
+              <a:buChar char="»"/>
+              <a:defRPr sz="1269">
+                <a:solidFill>
+                  <a:schemeClr val="bg1"/>
+                </a:solidFill>
+                <a:latin typeface="IBM Plex Sans" charset="0"/>
+              </a:defRPr>
+            </a:lvl7pPr>
+            <a:lvl8pPr marL="2308860" indent="-129670" algn="l" rtl="0" eaLnBrk="1" fontAlgn="base" hangingPunct="1">
+              <a:spcBef>
+                <a:spcPct val="20000"/>
+              </a:spcBef>
+              <a:spcAft>
+                <a:spcPct val="0"/>
+              </a:spcAft>
+              <a:buClr>
+                <a:schemeClr val="bg1"/>
+              </a:buClr>
+              <a:buChar char="»"/>
+              <a:defRPr sz="1269">
+                <a:solidFill>
+                  <a:schemeClr val="bg1"/>
+                </a:solidFill>
+                <a:latin typeface="IBM Plex Sans" charset="0"/>
+              </a:defRPr>
+            </a:lvl8pPr>
+            <a:lvl9pPr marL="2671430" indent="-129670" algn="l" rtl="0" eaLnBrk="1" fontAlgn="base" hangingPunct="1">
+              <a:spcBef>
+                <a:spcPct val="20000"/>
+              </a:spcBef>
+              <a:spcAft>
+                <a:spcPct val="0"/>
+              </a:spcAft>
+              <a:buClr>
+                <a:schemeClr val="bg1"/>
+              </a:buClr>
+              <a:buChar char="»"/>
+              <a:defRPr sz="1269">
+                <a:solidFill>
+                  <a:schemeClr val="bg1"/>
+                </a:solidFill>
+                <a:latin typeface="IBM Plex Sans" charset="0"/>
+              </a:defRPr>
+            </a:lvl9pPr>
+          </a:lstStyle>
+          <a:p>
+            <a:pPr defTabSz="914400"/>
+            <a:r>
+              <a:rPr lang="en-US" sz="1600" kern="0" dirty="0">
+                <a:solidFill>
+                  <a:schemeClr val="tx1"/>
+                </a:solidFill>
+              </a:rPr>
+              <a:t>Opportunities</a:t>
+            </a:r>
+          </a:p>
+        </p:txBody>
+      </p:sp>
+      <p:sp>
+        <p:nvSpPr>
+          <p:cNvPr id="13" name="Text Placeholder">
+            <a:extLst>
+              <a:ext uri="{FF2B5EF4-FFF2-40B4-BE49-F238E27FC236}">
+                <a16:creationId xmlns:a16="http://schemas.microsoft.com/office/drawing/2014/main" id="{4D1EB361-A84D-E1BA-5887-29346BE14147}"/>
+              </a:ext>
+            </a:extLst>
+          </p:cNvPr>
+          <p:cNvSpPr txBox="1">
+            <a:spLocks/>
+          </p:cNvSpPr>
+          <p:nvPr/>
+        </p:nvSpPr>
+        <p:spPr>
+          <a:xfrm>
+            <a:off x="0" y="104751"/>
+            <a:ext cx="4206240" cy="633222"/>
+          </a:xfrm>
+          <a:prstGeom prst="rect">
+            <a:avLst/>
+          </a:prstGeom>
+        </p:spPr>
+        <p:txBody>
+          <a:bodyPr vert="horz" lIns="91440" tIns="45720" rIns="91440" bIns="45720" rtlCol="0" anchor="ctr"/>
+          <a:lstStyle>
+            <a:defPPr>
+              <a:defRPr lang="en-BR"/>
+            </a:defPPr>
+            <a:lvl1pPr marL="0" algn="r" defTabSz="914400" rtl="0" eaLnBrk="1" latinLnBrk="0" hangingPunct="1">
+              <a:defRPr sz="1200" kern="1200">
+                <a:solidFill>
+                  <a:schemeClr val="tx1">
+                    <a:tint val="75000"/>
+                  </a:schemeClr>
+                </a:solidFill>
+                <a:latin typeface="+mn-lt"/>
+                <a:ea typeface="+mn-ea"/>
+                <a:cs typeface="+mn-cs"/>
+              </a:defRPr>
+            </a:lvl1pPr>
+            <a:lvl2pPr marL="457200" algn="l" defTabSz="914400" rtl="0" eaLnBrk="1" latinLnBrk="0" hangingPunct="1">
+              <a:defRPr sz="1800" kern="1200">
+                <a:solidFill>
+                  <a:schemeClr val="tx1"/>
+                </a:solidFill>
+                <a:latin typeface="+mn-lt"/>
+                <a:ea typeface="+mn-ea"/>
+                <a:cs typeface="+mn-cs"/>
+              </a:defRPr>
+            </a:lvl2pPr>
+            <a:lvl3pPr marL="914400" algn="l" defTabSz="914400" rtl="0" eaLnBrk="1" latinLnBrk="0" hangingPunct="1">
+              <a:defRPr sz="1800" kern="1200">
+                <a:solidFill>
+                  <a:schemeClr val="tx1"/>
+                </a:solidFill>
+                <a:latin typeface="+mn-lt"/>
+                <a:ea typeface="+mn-ea"/>
+                <a:cs typeface="+mn-cs"/>
+              </a:defRPr>
+            </a:lvl3pPr>
+            <a:lvl4pPr marL="1371600" algn="l" defTabSz="914400" rtl="0" eaLnBrk="1" latinLnBrk="0" hangingPunct="1">
+              <a:defRPr sz="1800" kern="1200">
+                <a:solidFill>
+                  <a:schemeClr val="tx1"/>
+                </a:solidFill>
+                <a:latin typeface="+mn-lt"/>
+                <a:ea typeface="+mn-ea"/>
+                <a:cs typeface="+mn-cs"/>
+              </a:defRPr>
+            </a:lvl4pPr>
+            <a:lvl5pPr marL="1828800" algn="l" defTabSz="914400" rtl="0" eaLnBrk="1" latinLnBrk="0" hangingPunct="1">
+              <a:defRPr sz="1800" kern="1200">
+                <a:solidFill>
+                  <a:schemeClr val="tx1"/>
+                </a:solidFill>
+                <a:latin typeface="+mn-lt"/>
+                <a:ea typeface="+mn-ea"/>
+                <a:cs typeface="+mn-cs"/>
+              </a:defRPr>
+            </a:lvl5pPr>
+            <a:lvl6pPr marL="2286000" algn="l" defTabSz="914400" rtl="0" eaLnBrk="1" latinLnBrk="0" hangingPunct="1">
+              <a:defRPr sz="1800" kern="1200">
+                <a:solidFill>
+                  <a:schemeClr val="tx1"/>
+                </a:solidFill>
+                <a:latin typeface="+mn-lt"/>
+                <a:ea typeface="+mn-ea"/>
+                <a:cs typeface="+mn-cs"/>
+              </a:defRPr>
+            </a:lvl6pPr>
+            <a:lvl7pPr marL="2743200" algn="l" defTabSz="914400" rtl="0" eaLnBrk="1" latinLnBrk="0" hangingPunct="1">
+              <a:defRPr sz="1800" kern="1200">
+                <a:solidFill>
+                  <a:schemeClr val="tx1"/>
+                </a:solidFill>
+                <a:latin typeface="+mn-lt"/>
+                <a:ea typeface="+mn-ea"/>
+                <a:cs typeface="+mn-cs"/>
+              </a:defRPr>
+            </a:lvl7pPr>
+            <a:lvl8pPr marL="3200400" algn="l" defTabSz="914400" rtl="0" eaLnBrk="1" latinLnBrk="0" hangingPunct="1">
+              <a:defRPr sz="1800" kern="1200">
+                <a:solidFill>
+                  <a:schemeClr val="tx1"/>
+                </a:solidFill>
+                <a:latin typeface="+mn-lt"/>
+                <a:ea typeface="+mn-ea"/>
+                <a:cs typeface="+mn-cs"/>
+              </a:defRPr>
+            </a:lvl8pPr>
+            <a:lvl9pPr marL="3657600" algn="l" defTabSz="914400" rtl="0" eaLnBrk="1" latinLnBrk="0" hangingPunct="1">
+              <a:defRPr sz="1800" kern="1200">
+                <a:solidFill>
+                  <a:schemeClr val="tx1"/>
+                </a:solidFill>
+                <a:latin typeface="+mn-lt"/>
+                <a:ea typeface="+mn-ea"/>
+                <a:cs typeface="+mn-cs"/>
+              </a:defRPr>
+            </a:lvl9pPr>
+          </a:lstStyle>
+          <a:p>
+            <a:r>
+              <a:rPr lang="en-US" sz="4800" b="1" dirty="0">
+                <a:solidFill>
+                  <a:schemeClr val="tx1"/>
+                </a:solidFill>
+                <a:latin typeface="IBM Plex Sans" panose="020B0503050203000203" pitchFamily="34" charset="0"/>
+              </a:rPr>
+              <a:t>Introduction</a:t>
+            </a:r>
+          </a:p>
+        </p:txBody>
+      </p:sp>
+      <p:sp>
+        <p:nvSpPr>
+          <p:cNvPr id="15" name="Text Placeholder">
+            <a:extLst>
+              <a:ext uri="{FF2B5EF4-FFF2-40B4-BE49-F238E27FC236}">
+                <a16:creationId xmlns:a16="http://schemas.microsoft.com/office/drawing/2014/main" id="{7E35D6A1-7422-B3CC-CFAB-0ABF8CEB7BE4}"/>
+              </a:ext>
+            </a:extLst>
+          </p:cNvPr>
+          <p:cNvSpPr txBox="1">
+            <a:spLocks/>
+          </p:cNvSpPr>
+          <p:nvPr/>
+        </p:nvSpPr>
+        <p:spPr>
+          <a:xfrm>
+            <a:off x="6984228" y="1694456"/>
+            <a:ext cx="4757421" cy="2106982"/>
+          </a:xfrm>
+          <a:prstGeom prst="rect">
+            <a:avLst/>
+          </a:prstGeom>
+        </p:spPr>
+        <p:txBody>
+          <a:bodyPr vert="horz" lIns="0" tIns="0" rIns="0" bIns="0" rtlCol="0">
+            <a:noAutofit/>
+          </a:bodyPr>
+          <a:lstStyle>
+            <a:lvl1pPr marL="0" indent="0" algn="l" rtl="0" eaLnBrk="1" fontAlgn="base" hangingPunct="1">
+              <a:lnSpc>
+                <a:spcPct val="90000"/>
+              </a:lnSpc>
+              <a:spcBef>
+                <a:spcPts val="1100"/>
+              </a:spcBef>
+              <a:spcAft>
+                <a:spcPct val="0"/>
+              </a:spcAft>
+              <a:buClr>
+                <a:srgbClr val="6D6E70"/>
+              </a:buClr>
+              <a:buSzPct val="90000"/>
+              <a:buFont typeface="IBM Plex Sans" pitchFamily="2" charset="2"/>
+              <a:buNone/>
+              <a:defRPr sz="9600" b="1" i="0">
+                <a:solidFill>
+                  <a:schemeClr val="bg1"/>
+                </a:solidFill>
+                <a:latin typeface="IBM Plex Sans" panose="020B0503050203000203" pitchFamily="34" charset="0"/>
+                <a:ea typeface="IBM Plex Sans" panose="020B0503050203000203" pitchFamily="34" charset="0"/>
+                <a:cs typeface="IBM Plex Sans" panose="020B0503050203000203" pitchFamily="34" charset="0"/>
+              </a:defRPr>
+            </a:lvl1pPr>
+            <a:lvl2pPr marL="171452" indent="-173736" algn="l" rtl="0" eaLnBrk="1" fontAlgn="base" hangingPunct="1">
+              <a:lnSpc>
+                <a:spcPct val="100000"/>
+              </a:lnSpc>
+              <a:spcBef>
+                <a:spcPts val="1100"/>
+              </a:spcBef>
+              <a:spcAft>
+                <a:spcPct val="0"/>
+              </a:spcAft>
+              <a:buClr>
+                <a:schemeClr val="bg1"/>
+              </a:buClr>
+              <a:buSzPct val="100000"/>
+              <a:buFont typeface="IBM Plex Sans" charset="-120"/>
+              <a:buChar char="–"/>
+              <a:tabLst/>
+              <a:defRPr sz="1400">
+                <a:solidFill>
+                  <a:schemeClr val="bg1"/>
+                </a:solidFill>
+                <a:latin typeface="IBM Plex Sans" panose="020B0503050203000203" pitchFamily="34" charset="0"/>
+                <a:ea typeface="IBM Plex Sans" panose="020B0503050203000203" pitchFamily="34" charset="0"/>
+                <a:cs typeface="IBM Plex Sans" panose="020B0503050203000203" pitchFamily="34" charset="0"/>
+              </a:defRPr>
+            </a:lvl2pPr>
+            <a:lvl3pPr marL="342905" indent="-173736" algn="l" rtl="0" eaLnBrk="1" fontAlgn="base" hangingPunct="1">
+              <a:lnSpc>
+                <a:spcPct val="100000"/>
+              </a:lnSpc>
+              <a:spcBef>
+                <a:spcPts val="1100"/>
+              </a:spcBef>
+              <a:spcAft>
+                <a:spcPct val="0"/>
+              </a:spcAft>
+              <a:buClr>
+                <a:schemeClr val="bg1"/>
+              </a:buClr>
+              <a:buSzPct val="100000"/>
+              <a:buFont typeface="Arial" panose="020B0604020202020204" pitchFamily="34" charset="0"/>
+              <a:buChar char="•"/>
+              <a:tabLst/>
+              <a:defRPr sz="1400">
+                <a:solidFill>
+                  <a:schemeClr val="bg1"/>
+                </a:solidFill>
+                <a:latin typeface="IBM Plex Sans" panose="020B0503050203000203" pitchFamily="34" charset="0"/>
+                <a:ea typeface="IBM Plex Sans" panose="020B0503050203000203" pitchFamily="34" charset="0"/>
+                <a:cs typeface="IBM Plex Sans" panose="020B0503050203000203" pitchFamily="34" charset="0"/>
+              </a:defRPr>
+            </a:lvl3pPr>
+            <a:lvl4pPr marL="628658" indent="-173736" algn="l" rtl="0" eaLnBrk="1" fontAlgn="base" hangingPunct="1">
+              <a:lnSpc>
+                <a:spcPct val="100000"/>
+              </a:lnSpc>
+              <a:spcBef>
+                <a:spcPts val="1100"/>
+              </a:spcBef>
+              <a:spcAft>
+                <a:spcPct val="0"/>
+              </a:spcAft>
+              <a:buClr>
+                <a:schemeClr val="bg1"/>
+              </a:buClr>
+              <a:buSzPct val="100000"/>
+              <a:buFont typeface="IBM Plex Sans" charset="-120"/>
+              <a:buChar char="–"/>
+              <a:tabLst/>
+              <a:defRPr sz="1400" baseline="0">
+                <a:solidFill>
+                  <a:schemeClr val="bg1"/>
+                </a:solidFill>
+                <a:latin typeface="IBM Plex Sans" panose="020B0503050203000203" pitchFamily="34" charset="0"/>
+                <a:ea typeface="IBM Plex Sans" panose="020B0503050203000203" pitchFamily="34" charset="0"/>
+                <a:cs typeface="IBM Plex Sans" panose="020B0503050203000203" pitchFamily="34" charset="0"/>
+              </a:defRPr>
+            </a:lvl4pPr>
+            <a:lvl5pPr marL="803285" indent="-173736" algn="l" rtl="0" eaLnBrk="1" fontAlgn="base" hangingPunct="1">
+              <a:lnSpc>
+                <a:spcPct val="100000"/>
+              </a:lnSpc>
+              <a:spcBef>
+                <a:spcPts val="1100"/>
+              </a:spcBef>
+              <a:spcAft>
+                <a:spcPct val="0"/>
+              </a:spcAft>
+              <a:buClr>
+                <a:schemeClr val="bg1"/>
+              </a:buClr>
+              <a:buFont typeface="IBM Plex Sans" charset="-120"/>
+              <a:buChar char="»"/>
+              <a:tabLst/>
+              <a:defRPr sz="1400">
+                <a:solidFill>
+                  <a:schemeClr val="bg1"/>
+                </a:solidFill>
+                <a:latin typeface="IBM Plex Sans" panose="020B0503050203000203" pitchFamily="34" charset="0"/>
+                <a:ea typeface="IBM Plex Sans" panose="020B0503050203000203" pitchFamily="34" charset="0"/>
+                <a:cs typeface="IBM Plex Sans" panose="020B0503050203000203" pitchFamily="34" charset="0"/>
+              </a:defRPr>
+            </a:lvl5pPr>
+            <a:lvl6pPr marL="1583721" indent="-129670" algn="l" rtl="0" eaLnBrk="1" fontAlgn="base" hangingPunct="1">
+              <a:spcBef>
+                <a:spcPct val="20000"/>
+              </a:spcBef>
+              <a:spcAft>
+                <a:spcPct val="0"/>
+              </a:spcAft>
+              <a:buClr>
+                <a:schemeClr val="bg1"/>
+              </a:buClr>
+              <a:buChar char="»"/>
+              <a:defRPr sz="1269">
+                <a:solidFill>
+                  <a:schemeClr val="bg1"/>
+                </a:solidFill>
+                <a:latin typeface="IBM Plex Sans" charset="0"/>
+              </a:defRPr>
+            </a:lvl6pPr>
+            <a:lvl7pPr marL="1946291" indent="-129670" algn="l" rtl="0" eaLnBrk="1" fontAlgn="base" hangingPunct="1">
+              <a:spcBef>
+                <a:spcPct val="20000"/>
+              </a:spcBef>
+              <a:spcAft>
+                <a:spcPct val="0"/>
+              </a:spcAft>
+              <a:buClr>
+                <a:schemeClr val="bg1"/>
+              </a:buClr>
+              <a:buChar char="»"/>
+              <a:defRPr sz="1269">
+                <a:solidFill>
+                  <a:schemeClr val="bg1"/>
+                </a:solidFill>
+                <a:latin typeface="IBM Plex Sans" charset="0"/>
+              </a:defRPr>
+            </a:lvl7pPr>
+            <a:lvl8pPr marL="2308860" indent="-129670" algn="l" rtl="0" eaLnBrk="1" fontAlgn="base" hangingPunct="1">
+              <a:spcBef>
+                <a:spcPct val="20000"/>
+              </a:spcBef>
+              <a:spcAft>
+                <a:spcPct val="0"/>
+              </a:spcAft>
+              <a:buClr>
+                <a:schemeClr val="bg1"/>
+              </a:buClr>
+              <a:buChar char="»"/>
+              <a:defRPr sz="1269">
+                <a:solidFill>
+                  <a:schemeClr val="bg1"/>
+                </a:solidFill>
+                <a:latin typeface="IBM Plex Sans" charset="0"/>
+              </a:defRPr>
+            </a:lvl8pPr>
+            <a:lvl9pPr marL="2671430" indent="-129670" algn="l" rtl="0" eaLnBrk="1" fontAlgn="base" hangingPunct="1">
+              <a:spcBef>
+                <a:spcPct val="20000"/>
+              </a:spcBef>
+              <a:spcAft>
+                <a:spcPct val="0"/>
+              </a:spcAft>
+              <a:buClr>
+                <a:schemeClr val="bg1"/>
+              </a:buClr>
+              <a:buChar char="»"/>
+              <a:defRPr sz="1269">
+                <a:solidFill>
+                  <a:schemeClr val="bg1"/>
+                </a:solidFill>
+                <a:latin typeface="IBM Plex Sans" charset="0"/>
+              </a:defRPr>
+            </a:lvl9pPr>
+          </a:lstStyle>
+          <a:p>
+            <a:pPr defTabSz="914400"/>
+            <a:r>
+              <a:rPr lang="en-US" sz="1600" kern="0" dirty="0" err="1">
+                <a:solidFill>
+                  <a:schemeClr val="tx1"/>
+                </a:solidFill>
+              </a:rPr>
+              <a:t>Limitants</a:t>
+            </a:r>
+            <a:endParaRPr lang="en-US" sz="1600" kern="0" dirty="0">
+              <a:solidFill>
+                <a:schemeClr val="tx1"/>
+              </a:solidFill>
+            </a:endParaRPr>
+          </a:p>
+          <a:p>
+            <a:pPr marL="342900" indent="-342900" defTabSz="914400">
+              <a:buFont typeface="+mj-lt"/>
+              <a:buAutoNum type="arabicPeriod"/>
+            </a:pPr>
+            <a:r>
+              <a:rPr lang="en-US" sz="1600" kern="0" dirty="0">
+                <a:solidFill>
+                  <a:schemeClr val="tx1"/>
+                </a:solidFill>
+              </a:rPr>
+              <a:t>Enough data?</a:t>
+            </a:r>
+          </a:p>
+          <a:p>
+            <a:pPr marL="342900" indent="-342900" defTabSz="914400">
+              <a:buFont typeface="+mj-lt"/>
+              <a:buAutoNum type="arabicPeriod"/>
+            </a:pPr>
+            <a:r>
+              <a:rPr lang="en-US" sz="1600" kern="0" dirty="0">
+                <a:solidFill>
+                  <a:schemeClr val="tx1"/>
+                </a:solidFill>
+              </a:rPr>
+              <a:t>Pertinent information?</a:t>
+            </a:r>
+          </a:p>
+          <a:p>
+            <a:pPr marL="342900" indent="-342900" defTabSz="914400">
+              <a:buFont typeface="+mj-lt"/>
+              <a:buAutoNum type="arabicPeriod"/>
+            </a:pPr>
+            <a:r>
+              <a:rPr lang="en-US" sz="1600" kern="0" dirty="0">
+                <a:solidFill>
+                  <a:schemeClr val="tx1"/>
+                </a:solidFill>
+              </a:rPr>
+              <a:t>Response time</a:t>
+            </a:r>
+          </a:p>
+          <a:p>
+            <a:pPr marL="342900" indent="-342900" defTabSz="914400">
+              <a:buFont typeface="+mj-lt"/>
+              <a:buAutoNum type="arabicPeriod"/>
+            </a:pPr>
+            <a:r>
+              <a:rPr lang="en-US" sz="1600" kern="0" dirty="0">
+                <a:solidFill>
+                  <a:schemeClr val="tx1"/>
+                </a:solidFill>
+              </a:rPr>
+              <a:t>Return Over </a:t>
+            </a:r>
+            <a:r>
+              <a:rPr lang="en-US" sz="1600" kern="0" dirty="0" err="1">
+                <a:solidFill>
+                  <a:schemeClr val="tx1"/>
+                </a:solidFill>
+              </a:rPr>
+              <a:t>Investiment</a:t>
+            </a:r>
+            <a:r>
+              <a:rPr lang="en-US" sz="1600" kern="0" dirty="0">
+                <a:solidFill>
+                  <a:schemeClr val="tx1"/>
+                </a:solidFill>
+              </a:rPr>
+              <a:t> – ROI</a:t>
+            </a:r>
+          </a:p>
+          <a:p>
+            <a:pPr defTabSz="914400"/>
+            <a:endParaRPr lang="en-US" sz="1600" kern="0" dirty="0">
+              <a:solidFill>
+                <a:schemeClr val="tx1"/>
+              </a:solidFill>
+            </a:endParaRPr>
+          </a:p>
+        </p:txBody>
+      </p:sp>
+      <p:sp>
+        <p:nvSpPr>
+          <p:cNvPr id="18" name="Title">
+            <a:extLst>
+              <a:ext uri="{FF2B5EF4-FFF2-40B4-BE49-F238E27FC236}">
+                <a16:creationId xmlns:a16="http://schemas.microsoft.com/office/drawing/2014/main" id="{2DB5D33C-FE6C-B48A-CD2D-32A724B0ACA0}"/>
+              </a:ext>
+            </a:extLst>
+          </p:cNvPr>
+          <p:cNvSpPr txBox="1">
+            <a:spLocks/>
+          </p:cNvSpPr>
+          <p:nvPr/>
+        </p:nvSpPr>
+        <p:spPr>
+          <a:xfrm>
+            <a:off x="1002764" y="2050216"/>
+            <a:ext cx="4421989" cy="1833415"/>
+          </a:xfrm>
+          <a:prstGeom prst="rect">
+            <a:avLst/>
+          </a:prstGeom>
+        </p:spPr>
+        <p:txBody>
+          <a:bodyPr vert="horz" lIns="0" tIns="0" rIns="0" bIns="0" rtlCol="0" anchor="t">
+            <a:noAutofit/>
+          </a:bodyPr>
+          <a:lstStyle>
+            <a:lvl1pPr algn="l" rtl="0" eaLnBrk="1" fontAlgn="base" hangingPunct="1">
+              <a:lnSpc>
+                <a:spcPct val="90000"/>
+              </a:lnSpc>
+              <a:spcBef>
+                <a:spcPct val="0"/>
+              </a:spcBef>
+              <a:spcAft>
+                <a:spcPct val="0"/>
+              </a:spcAft>
+              <a:defRPr sz="1600" b="0">
+                <a:solidFill>
+                  <a:schemeClr val="bg1"/>
+                </a:solidFill>
+                <a:latin typeface="IBM Plex Sans" panose="020B0503050203000203" pitchFamily="34" charset="0"/>
+                <a:ea typeface="IBM Plex Sans" panose="020B0503050203000203" pitchFamily="34" charset="0"/>
+                <a:cs typeface="IBM Plex Sans" panose="020B0503050203000203" pitchFamily="34" charset="0"/>
+              </a:defRPr>
+            </a:lvl1pPr>
+            <a:lvl2pPr algn="l" rtl="0" eaLnBrk="1" fontAlgn="base" hangingPunct="1">
+              <a:lnSpc>
+                <a:spcPct val="90000"/>
+              </a:lnSpc>
+              <a:spcBef>
+                <a:spcPct val="0"/>
+              </a:spcBef>
+              <a:spcAft>
+                <a:spcPct val="0"/>
+              </a:spcAft>
+              <a:defRPr sz="2220">
+                <a:solidFill>
+                  <a:srgbClr val="191919"/>
+                </a:solidFill>
+                <a:latin typeface="IBM Plex Sans" pitchFamily="34" charset="0"/>
+              </a:defRPr>
+            </a:lvl2pPr>
+            <a:lvl3pPr algn="l" rtl="0" eaLnBrk="1" fontAlgn="base" hangingPunct="1">
+              <a:lnSpc>
+                <a:spcPct val="90000"/>
+              </a:lnSpc>
+              <a:spcBef>
+                <a:spcPct val="0"/>
+              </a:spcBef>
+              <a:spcAft>
+                <a:spcPct val="0"/>
+              </a:spcAft>
+              <a:defRPr sz="2220">
+                <a:solidFill>
+                  <a:srgbClr val="191919"/>
+                </a:solidFill>
+                <a:latin typeface="IBM Plex Sans" pitchFamily="34" charset="0"/>
+              </a:defRPr>
+            </a:lvl3pPr>
+            <a:lvl4pPr algn="l" rtl="0" eaLnBrk="1" fontAlgn="base" hangingPunct="1">
+              <a:lnSpc>
+                <a:spcPct val="90000"/>
+              </a:lnSpc>
+              <a:spcBef>
+                <a:spcPct val="0"/>
+              </a:spcBef>
+              <a:spcAft>
+                <a:spcPct val="0"/>
+              </a:spcAft>
+              <a:defRPr sz="2220">
+                <a:solidFill>
+                  <a:srgbClr val="191919"/>
+                </a:solidFill>
+                <a:latin typeface="IBM Plex Sans" pitchFamily="34" charset="0"/>
+              </a:defRPr>
+            </a:lvl4pPr>
+            <a:lvl5pPr algn="l" rtl="0" eaLnBrk="1" fontAlgn="base" hangingPunct="1">
+              <a:lnSpc>
+                <a:spcPct val="90000"/>
+              </a:lnSpc>
+              <a:spcBef>
+                <a:spcPct val="0"/>
+              </a:spcBef>
+              <a:spcAft>
+                <a:spcPct val="0"/>
+              </a:spcAft>
+              <a:defRPr sz="2220">
+                <a:solidFill>
+                  <a:srgbClr val="191919"/>
+                </a:solidFill>
+                <a:latin typeface="IBM Plex Sans" pitchFamily="34" charset="0"/>
+              </a:defRPr>
+            </a:lvl5pPr>
+            <a:lvl6pPr marL="362568" algn="l" rtl="0" eaLnBrk="1" fontAlgn="base" hangingPunct="1">
+              <a:lnSpc>
+                <a:spcPct val="90000"/>
+              </a:lnSpc>
+              <a:spcBef>
+                <a:spcPct val="0"/>
+              </a:spcBef>
+              <a:spcAft>
+                <a:spcPct val="0"/>
+              </a:spcAft>
+              <a:defRPr sz="2220">
+                <a:solidFill>
+                  <a:srgbClr val="191919"/>
+                </a:solidFill>
+                <a:latin typeface="IBM Plex Sans" pitchFamily="34" charset="0"/>
+              </a:defRPr>
+            </a:lvl6pPr>
+            <a:lvl7pPr marL="725139" algn="l" rtl="0" eaLnBrk="1" fontAlgn="base" hangingPunct="1">
+              <a:lnSpc>
+                <a:spcPct val="90000"/>
+              </a:lnSpc>
+              <a:spcBef>
+                <a:spcPct val="0"/>
+              </a:spcBef>
+              <a:spcAft>
+                <a:spcPct val="0"/>
+              </a:spcAft>
+              <a:defRPr sz="2220">
+                <a:solidFill>
+                  <a:srgbClr val="191919"/>
+                </a:solidFill>
+                <a:latin typeface="IBM Plex Sans" pitchFamily="34" charset="0"/>
+              </a:defRPr>
+            </a:lvl7pPr>
+            <a:lvl8pPr marL="1087707" algn="l" rtl="0" eaLnBrk="1" fontAlgn="base" hangingPunct="1">
+              <a:lnSpc>
+                <a:spcPct val="90000"/>
+              </a:lnSpc>
+              <a:spcBef>
+                <a:spcPct val="0"/>
+              </a:spcBef>
+              <a:spcAft>
+                <a:spcPct val="0"/>
+              </a:spcAft>
+              <a:defRPr sz="2220">
+                <a:solidFill>
+                  <a:srgbClr val="191919"/>
+                </a:solidFill>
+                <a:latin typeface="IBM Plex Sans" pitchFamily="34" charset="0"/>
+              </a:defRPr>
+            </a:lvl8pPr>
+            <a:lvl9pPr marL="1450276" algn="l" rtl="0" eaLnBrk="1" fontAlgn="base" hangingPunct="1">
+              <a:lnSpc>
+                <a:spcPct val="90000"/>
+              </a:lnSpc>
+              <a:spcBef>
+                <a:spcPct val="0"/>
+              </a:spcBef>
+              <a:spcAft>
+                <a:spcPct val="0"/>
+              </a:spcAft>
+              <a:defRPr sz="2220">
+                <a:solidFill>
+                  <a:srgbClr val="191919"/>
+                </a:solidFill>
+                <a:latin typeface="IBM Plex Sans" pitchFamily="34" charset="0"/>
+              </a:defRPr>
+            </a:lvl9pPr>
+          </a:lstStyle>
+          <a:p>
+            <a:pPr defTabSz="914400">
+              <a:lnSpc>
+                <a:spcPct val="100000"/>
+              </a:lnSpc>
+            </a:pPr>
+            <a:r>
+              <a:rPr lang="en-US" b="1" kern="0" dirty="0">
+                <a:solidFill>
+                  <a:schemeClr val="tx1"/>
+                </a:solidFill>
+              </a:rPr>
+              <a:t>Rely on historical data</a:t>
+            </a:r>
+            <a:r>
+              <a:rPr lang="en-US" b="1" kern="0" baseline="30000" dirty="0">
+                <a:solidFill>
+                  <a:schemeClr val="tx1"/>
+                </a:solidFill>
+              </a:rPr>
+              <a:t>123</a:t>
+            </a:r>
+          </a:p>
+          <a:p>
+            <a:pPr defTabSz="914400">
+              <a:lnSpc>
+                <a:spcPct val="100000"/>
+              </a:lnSpc>
+            </a:pPr>
+            <a:endParaRPr lang="en-US" b="1" kern="0" baseline="30000" dirty="0">
+              <a:solidFill>
+                <a:schemeClr val="tx1"/>
+              </a:solidFill>
+            </a:endParaRPr>
+          </a:p>
+          <a:p>
+            <a:pPr defTabSz="914400">
+              <a:lnSpc>
+                <a:spcPct val="100000"/>
+              </a:lnSpc>
+            </a:pPr>
+            <a:r>
+              <a:rPr lang="en-US" b="1" kern="0" dirty="0">
+                <a:solidFill>
+                  <a:schemeClr val="tx1"/>
+                </a:solidFill>
+              </a:rPr>
+              <a:t>Can be less complex than conventional approaches</a:t>
+            </a:r>
+            <a:r>
+              <a:rPr lang="en-US" b="1" kern="0" baseline="30000" dirty="0">
+                <a:solidFill>
+                  <a:schemeClr val="tx1"/>
+                </a:solidFill>
+              </a:rPr>
+              <a:t>4</a:t>
+            </a:r>
+          </a:p>
+          <a:p>
+            <a:pPr defTabSz="914400">
+              <a:lnSpc>
+                <a:spcPct val="100000"/>
+              </a:lnSpc>
+            </a:pPr>
+            <a:endParaRPr lang="en-US" b="1" kern="0" dirty="0">
+              <a:solidFill>
+                <a:schemeClr val="tx1"/>
+              </a:solidFill>
+            </a:endParaRPr>
+          </a:p>
+          <a:p>
+            <a:pPr defTabSz="914400">
+              <a:lnSpc>
+                <a:spcPct val="100000"/>
+              </a:lnSpc>
+            </a:pPr>
+            <a:r>
+              <a:rPr lang="en-US" b="1" kern="0" dirty="0">
+                <a:solidFill>
+                  <a:schemeClr val="tx1"/>
+                </a:solidFill>
+              </a:rPr>
+              <a:t>Robust patterns and best overall performance</a:t>
+            </a:r>
+            <a:r>
+              <a:rPr lang="en-US" b="1" kern="0" baseline="30000" dirty="0">
+                <a:solidFill>
+                  <a:schemeClr val="tx1"/>
+                </a:solidFill>
+              </a:rPr>
+              <a:t>5</a:t>
+            </a:r>
+            <a:endParaRPr lang="en-US" b="1" kern="0" dirty="0">
+              <a:solidFill>
+                <a:schemeClr val="tx1"/>
+              </a:solidFill>
+            </a:endParaRPr>
+          </a:p>
+        </p:txBody>
+      </p:sp>
+      <p:sp>
+        <p:nvSpPr>
+          <p:cNvPr id="19" name="TextBox 18">
+            <a:extLst>
+              <a:ext uri="{FF2B5EF4-FFF2-40B4-BE49-F238E27FC236}">
+                <a16:creationId xmlns:a16="http://schemas.microsoft.com/office/drawing/2014/main" id="{FF44DE63-77EA-941B-0C64-E2B91AC638DE}"/>
+              </a:ext>
+            </a:extLst>
+          </p:cNvPr>
+          <p:cNvSpPr txBox="1"/>
+          <p:nvPr/>
+        </p:nvSpPr>
+        <p:spPr>
+          <a:xfrm>
+            <a:off x="5034337" y="3760887"/>
+            <a:ext cx="6319463" cy="2462213"/>
+          </a:xfrm>
+          <a:prstGeom prst="rect">
+            <a:avLst/>
+          </a:prstGeom>
+          <a:noFill/>
+        </p:spPr>
+        <p:txBody>
+          <a:bodyPr wrap="square" rtlCol="0">
+            <a:spAutoFit/>
+          </a:bodyPr>
           <a:lstStyle/>
           <a:p>
-            <a:pPr marL="0" indent="0">
-              <a:buNone/>
-            </a:pPr>
-            <a:r>
-              <a:rPr lang="en-US" b="1" dirty="0">
-                <a:latin typeface="IBM Plex Sans" panose="020B0503050203000203" pitchFamily="34" charset="0"/>
-              </a:rPr>
-              <a:t>Enough Data</a:t>
-            </a:r>
-          </a:p>
-        </p:txBody>
-      </p:sp>
-      <p:sp>
-        <p:nvSpPr>
-          <p:cNvPr id="5" name="Content Placeholder 2"/>
-          <p:cNvSpPr>
-            <a:spLocks noGrp="1"/>
-          </p:cNvSpPr>
-          <p:nvPr>
-            <p:ph sz="quarter" idx="19"/>
-          </p:nvPr>
-        </p:nvSpPr>
-        <p:spPr>
-          <a:solidFill>
-            <a:schemeClr val="accent1">
-              <a:lumMod val="75000"/>
-            </a:schemeClr>
-          </a:solidFill>
-        </p:spPr>
-        <p:txBody>
-          <a:bodyPr/>
-          <a:lstStyle/>
-          <a:p>
-            <a:pPr marL="0" indent="0">
-              <a:buNone/>
-            </a:pPr>
-            <a:r>
-              <a:rPr lang="en-US" b="1" dirty="0">
-                <a:latin typeface="IBM Plex Sans" panose="020B0503050203000203" pitchFamily="34" charset="0"/>
-              </a:rPr>
-              <a:t>Innovation</a:t>
-            </a:r>
-          </a:p>
-        </p:txBody>
-      </p:sp>
-      <p:sp>
-        <p:nvSpPr>
-          <p:cNvPr id="2" name="Content Placeholder 3"/>
-          <p:cNvSpPr>
-            <a:spLocks noGrp="1"/>
-          </p:cNvSpPr>
-          <p:nvPr>
-            <p:ph sz="quarter" idx="17"/>
-          </p:nvPr>
-        </p:nvSpPr>
-        <p:spPr>
-          <a:solidFill>
-            <a:schemeClr val="accent1"/>
-          </a:solidFill>
-        </p:spPr>
-        <p:txBody>
-          <a:bodyPr/>
-          <a:lstStyle/>
-          <a:p>
-            <a:pPr marL="0" indent="0">
-              <a:buNone/>
-            </a:pPr>
-            <a:r>
-              <a:rPr lang="en-US" b="1" dirty="0">
-                <a:latin typeface="IBM Plex Sans" panose="020B0503050203000203" pitchFamily="34" charset="0"/>
-              </a:rPr>
-              <a:t>Compatible responsiveness</a:t>
-            </a:r>
-          </a:p>
-        </p:txBody>
-      </p:sp>
-      <p:sp>
-        <p:nvSpPr>
-          <p:cNvPr id="4" name="Content Placeholder 4"/>
-          <p:cNvSpPr>
-            <a:spLocks noGrp="1"/>
-          </p:cNvSpPr>
-          <p:nvPr>
-            <p:ph sz="quarter" idx="18"/>
-          </p:nvPr>
-        </p:nvSpPr>
-        <p:spPr/>
-        <p:txBody>
-          <a:bodyPr/>
-          <a:lstStyle/>
-          <a:p>
-            <a:pPr marL="0" indent="0">
-              <a:buNone/>
-            </a:pPr>
-            <a:r>
-              <a:rPr lang="en-US" b="1" dirty="0">
-                <a:latin typeface="IBM Plex Sans" panose="020B0503050203000203" pitchFamily="34" charset="0"/>
-              </a:rPr>
-              <a:t>Performance</a:t>
-            </a:r>
-          </a:p>
-        </p:txBody>
-      </p:sp>
-      <p:sp>
-        <p:nvSpPr>
-          <p:cNvPr id="8" name="Slide Number Placeholder"/>
-          <p:cNvSpPr>
-            <a:spLocks noGrp="1"/>
-          </p:cNvSpPr>
-          <p:nvPr>
-            <p:ph type="sldNum" sz="quarter" idx="11"/>
-          </p:nvPr>
-        </p:nvSpPr>
-        <p:spPr/>
-        <p:txBody>
-          <a:bodyPr/>
-          <a:lstStyle/>
-          <a:p>
-            <a:fld id="{59395FB3-9C97-154F-86B2-7E381B951268}" type="slidenum">
-              <a:rPr lang="en-US" smtClean="0">
-                <a:latin typeface="IBM Plex Sans" panose="020B0503050203000203" pitchFamily="34" charset="0"/>
-              </a:rPr>
-              <a:pPr/>
-              <a:t>6</a:t>
-            </a:fld>
-            <a:endParaRPr lang="en-US" dirty="0">
+            <a:r>
+              <a:rPr lang="pt-BR" sz="1100" dirty="0">
+                <a:solidFill>
+                  <a:srgbClr val="898989"/>
+                </a:solidFill>
+                <a:latin typeface="IBM Plex Sans" panose="020B0503050203000203" pitchFamily="34" charset="0"/>
+              </a:rPr>
+              <a:t>[1]</a:t>
+            </a:r>
+            <a:r>
+              <a:rPr lang="en-US" sz="1100" b="0" i="0" dirty="0">
+                <a:solidFill>
+                  <a:srgbClr val="898989"/>
+                </a:solidFill>
+                <a:effectLst/>
+                <a:latin typeface="IBM Plex Sans" panose="020B0503050203000203" pitchFamily="34" charset="0"/>
+              </a:rPr>
+              <a:t> Wang, X. et al. </a:t>
+            </a:r>
+            <a:r>
+              <a:rPr lang="en-US" sz="1100" b="0" i="0" dirty="0" err="1">
+                <a:solidFill>
+                  <a:srgbClr val="898989"/>
+                </a:solidFill>
+                <a:effectLst/>
+                <a:latin typeface="IBM Plex Sans" panose="020B0503050203000203" pitchFamily="34" charset="0"/>
+              </a:rPr>
+              <a:t>Spatio</a:t>
+            </a:r>
+            <a:r>
+              <a:rPr lang="en-US" sz="1100" b="0" i="0" dirty="0">
+                <a:solidFill>
+                  <a:srgbClr val="898989"/>
+                </a:solidFill>
+                <a:effectLst/>
+                <a:latin typeface="IBM Plex Sans" panose="020B0503050203000203" pitchFamily="34" charset="0"/>
+              </a:rPr>
+              <a:t>-temporal analysis and prediction of cellular traffic in metropolis. In: 2017 IEEE 25th International Conference on Network Protocols (ICNP). [</a:t>
+            </a:r>
+            <a:r>
+              <a:rPr lang="en-US" sz="1100" b="0" i="0" dirty="0" err="1">
+                <a:solidFill>
+                  <a:srgbClr val="898989"/>
+                </a:solidFill>
+                <a:effectLst/>
+                <a:latin typeface="IBM Plex Sans" panose="020B0503050203000203" pitchFamily="34" charset="0"/>
+              </a:rPr>
+              <a:t>S.l.</a:t>
+            </a:r>
+            <a:r>
+              <a:rPr lang="en-US" sz="1100" b="0" i="0" dirty="0">
+                <a:solidFill>
+                  <a:srgbClr val="898989"/>
+                </a:solidFill>
+                <a:effectLst/>
+                <a:latin typeface="IBM Plex Sans" panose="020B0503050203000203" pitchFamily="34" charset="0"/>
+              </a:rPr>
+              <a:t>: </a:t>
+            </a:r>
+            <a:r>
+              <a:rPr lang="en-US" sz="1100" b="0" i="0" dirty="0" err="1">
+                <a:solidFill>
+                  <a:srgbClr val="898989"/>
+                </a:solidFill>
+                <a:effectLst/>
+                <a:latin typeface="IBM Plex Sans" panose="020B0503050203000203" pitchFamily="34" charset="0"/>
+              </a:rPr>
+              <a:t>s.n</a:t>
+            </a:r>
+            <a:r>
+              <a:rPr lang="en-US" sz="1100" b="0" i="0" dirty="0">
+                <a:solidFill>
+                  <a:srgbClr val="898989"/>
+                </a:solidFill>
+                <a:effectLst/>
+                <a:latin typeface="IBM Plex Sans" panose="020B0503050203000203" pitchFamily="34" charset="0"/>
+              </a:rPr>
+              <a:t>.], 2017. p. 1–10 </a:t>
+            </a:r>
+          </a:p>
+          <a:p>
+            <a:r>
+              <a:rPr lang="en-US" sz="1100" dirty="0">
+                <a:solidFill>
+                  <a:srgbClr val="898989"/>
+                </a:solidFill>
+                <a:latin typeface="IBM Plex Sans" panose="020B0503050203000203" pitchFamily="34" charset="0"/>
+              </a:rPr>
+              <a:t>[2] Wang, J. et al. Spatiotemporal modeling and prediction in cellular networks: A big data enabled deep learning approach. In: IEEE INFOCOM 2017 - IEEE Conference on Computer Communications. [</a:t>
+            </a:r>
+            <a:r>
+              <a:rPr lang="en-US" sz="1100" dirty="0" err="1">
+                <a:solidFill>
+                  <a:srgbClr val="898989"/>
+                </a:solidFill>
+                <a:latin typeface="IBM Plex Sans" panose="020B0503050203000203" pitchFamily="34" charset="0"/>
+              </a:rPr>
+              <a:t>S.l.</a:t>
+            </a:r>
+            <a:r>
+              <a:rPr lang="en-US" sz="1100" dirty="0">
+                <a:solidFill>
+                  <a:srgbClr val="898989"/>
+                </a:solidFill>
+                <a:latin typeface="IBM Plex Sans" panose="020B0503050203000203" pitchFamily="34" charset="0"/>
+              </a:rPr>
+              <a:t>: </a:t>
+            </a:r>
+            <a:r>
+              <a:rPr lang="en-US" sz="1100" dirty="0" err="1">
+                <a:solidFill>
+                  <a:srgbClr val="898989"/>
+                </a:solidFill>
+                <a:latin typeface="IBM Plex Sans" panose="020B0503050203000203" pitchFamily="34" charset="0"/>
+              </a:rPr>
+              <a:t>s.n</a:t>
+            </a:r>
+            <a:r>
+              <a:rPr lang="en-US" sz="1100" dirty="0">
+                <a:solidFill>
+                  <a:srgbClr val="898989"/>
+                </a:solidFill>
+                <a:latin typeface="IBM Plex Sans" panose="020B0503050203000203" pitchFamily="34" charset="0"/>
+              </a:rPr>
+              <a:t>.], 2017. p. 1–9. </a:t>
+            </a:r>
+          </a:p>
+          <a:p>
+            <a:r>
+              <a:rPr lang="en-US" sz="1100" dirty="0">
+                <a:solidFill>
+                  <a:srgbClr val="898989"/>
+                </a:solidFill>
+                <a:latin typeface="IBM Plex Sans" panose="020B0503050203000203" pitchFamily="34" charset="0"/>
+              </a:rPr>
+              <a:t>[3] CHEN, X. et al. Analyzing and modeling </a:t>
+            </a:r>
+            <a:r>
+              <a:rPr lang="en-US" sz="1100" dirty="0" err="1">
+                <a:solidFill>
+                  <a:srgbClr val="898989"/>
+                </a:solidFill>
+                <a:latin typeface="IBM Plex Sans" panose="020B0503050203000203" pitchFamily="34" charset="0"/>
+              </a:rPr>
+              <a:t>spatio</a:t>
+            </a:r>
+            <a:r>
+              <a:rPr lang="en-US" sz="1100" dirty="0">
+                <a:solidFill>
+                  <a:srgbClr val="898989"/>
+                </a:solidFill>
+                <a:latin typeface="IBM Plex Sans" panose="020B0503050203000203" pitchFamily="34" charset="0"/>
+              </a:rPr>
+              <a:t>-temporal dependence of cellular traffic at city scale. In: 2015 IEEE International Conference on Communications (ICC). [</a:t>
+            </a:r>
+            <a:r>
+              <a:rPr lang="en-US" sz="1100" dirty="0" err="1">
+                <a:solidFill>
+                  <a:srgbClr val="898989"/>
+                </a:solidFill>
+                <a:latin typeface="IBM Plex Sans" panose="020B0503050203000203" pitchFamily="34" charset="0"/>
+              </a:rPr>
+              <a:t>S.l.</a:t>
+            </a:r>
+            <a:r>
+              <a:rPr lang="en-US" sz="1100" dirty="0">
+                <a:solidFill>
+                  <a:srgbClr val="898989"/>
+                </a:solidFill>
+                <a:latin typeface="IBM Plex Sans" panose="020B0503050203000203" pitchFamily="34" charset="0"/>
+              </a:rPr>
+              <a:t>: </a:t>
+            </a:r>
+            <a:r>
+              <a:rPr lang="en-US" sz="1100" dirty="0" err="1">
+                <a:solidFill>
+                  <a:srgbClr val="898989"/>
+                </a:solidFill>
+                <a:latin typeface="IBM Plex Sans" panose="020B0503050203000203" pitchFamily="34" charset="0"/>
+              </a:rPr>
+              <a:t>s.n</a:t>
+            </a:r>
+            <a:r>
+              <a:rPr lang="en-US" sz="1100" dirty="0">
+                <a:solidFill>
+                  <a:srgbClr val="898989"/>
+                </a:solidFill>
+                <a:latin typeface="IBM Plex Sans" panose="020B0503050203000203" pitchFamily="34" charset="0"/>
+              </a:rPr>
+              <a:t>.], 2015. p. 3585–3591. </a:t>
+            </a:r>
+          </a:p>
+          <a:p>
+            <a:r>
+              <a:rPr lang="en-US" sz="1100" dirty="0">
+                <a:solidFill>
+                  <a:srgbClr val="898989"/>
+                </a:solidFill>
+                <a:latin typeface="IBM Plex Sans" panose="020B0503050203000203" pitchFamily="34" charset="0"/>
+              </a:rPr>
+              <a:t>[4] SUN, H. et al. Learning to optimize: Training deep neural networks for wireless resource management. In: 2017 IEEE 18th International Workshop on Signal Processing Advances in Wireless Communications (SPAWC). [</a:t>
+            </a:r>
+            <a:r>
+              <a:rPr lang="en-US" sz="1100" dirty="0" err="1">
+                <a:solidFill>
+                  <a:srgbClr val="898989"/>
+                </a:solidFill>
+                <a:latin typeface="IBM Plex Sans" panose="020B0503050203000203" pitchFamily="34" charset="0"/>
+              </a:rPr>
+              <a:t>S.l.</a:t>
+            </a:r>
+            <a:r>
+              <a:rPr lang="en-US" sz="1100" dirty="0">
+                <a:solidFill>
+                  <a:srgbClr val="898989"/>
+                </a:solidFill>
+                <a:latin typeface="IBM Plex Sans" panose="020B0503050203000203" pitchFamily="34" charset="0"/>
+              </a:rPr>
+              <a:t>: </a:t>
+            </a:r>
+            <a:r>
+              <a:rPr lang="en-US" sz="1100" dirty="0" err="1">
+                <a:solidFill>
+                  <a:srgbClr val="898989"/>
+                </a:solidFill>
+                <a:latin typeface="IBM Plex Sans" panose="020B0503050203000203" pitchFamily="34" charset="0"/>
+              </a:rPr>
+              <a:t>s.n</a:t>
+            </a:r>
+            <a:r>
+              <a:rPr lang="en-US" sz="1100" dirty="0">
+                <a:solidFill>
+                  <a:srgbClr val="898989"/>
+                </a:solidFill>
+                <a:latin typeface="IBM Plex Sans" panose="020B0503050203000203" pitchFamily="34" charset="0"/>
+              </a:rPr>
+              <a:t>.], 2017. p. 1–6. </a:t>
+            </a:r>
+          </a:p>
+          <a:p>
+            <a:r>
+              <a:rPr lang="en-US" sz="1100" dirty="0">
+                <a:solidFill>
+                  <a:srgbClr val="898989"/>
+                </a:solidFill>
+                <a:latin typeface="IBM Plex Sans" panose="020B0503050203000203" pitchFamily="34" charset="0"/>
+              </a:rPr>
+              <a:t>[5] Sun, Y. et al. Application of machine learning in wireless networks: Key techniques and open issues. IEEE Communications Surveys Tutorials, v. 21, n. 4, p. 3072–3108, 2019. </a:t>
+            </a:r>
+          </a:p>
+          <a:p>
+            <a:endParaRPr lang="pt-BR" sz="1100" dirty="0">
+              <a:solidFill>
+                <a:srgbClr val="898989"/>
+              </a:solidFill>
               <a:latin typeface="IBM Plex Sans" panose="020B0503050203000203" pitchFamily="34" charset="0"/>
             </a:endParaRPr>
           </a:p>
@@ -11067,7 +14995,7 @@
     </p:spTree>
     <p:extLst>
       <p:ext uri="{BB962C8B-B14F-4D97-AF65-F5344CB8AC3E}">
-        <p14:creationId xmlns:p14="http://schemas.microsoft.com/office/powerpoint/2010/main" val="4279534488"/>
+        <p14:creationId xmlns:p14="http://schemas.microsoft.com/office/powerpoint/2010/main" val="196701665"/>
       </p:ext>
     </p:extLst>
   </p:cSld>
@@ -11110,19 +15038,10 @@
           <a:lstStyle/>
           <a:p>
             <a:r>
-              <a:rPr lang="en-US" b="1" dirty="0">
-                <a:latin typeface="IBM Plex Sans" panose="020B0503050203000203" pitchFamily="34" charset="0"/>
-              </a:rPr>
-              <a:t>Mobile Traffic Predictor Enhanced by Neighboring Transportation Data </a:t>
-            </a:r>
-            <a:r>
-              <a:rPr lang="en-US" b="1" dirty="0">
-                <a:solidFill>
-                  <a:schemeClr val="accent1"/>
-                </a:solidFill>
-                <a:latin typeface="IBM Plex Sans" panose="020B0503050203000203" pitchFamily="34" charset="0"/>
-              </a:rPr>
-              <a:t>MTP-NT</a:t>
+              <a:rPr lang="en-US" b="1" dirty="0" err="1">
+                <a:latin typeface="IBM Plex Sans" panose="020B0503050203000203" pitchFamily="34" charset="0"/>
+              </a:rPr>
+              <a:t>tl;dr</a:t>
             </a:r>
             <a:endParaRPr lang="en-US" b="1" dirty="0">
               <a:latin typeface="IBM Plex Sans" panose="020B0503050203000203" pitchFamily="34" charset="0"/>
@@ -11152,17 +15071,8 @@
               <a:rPr lang="en-US" b="1" dirty="0">
                 <a:latin typeface="IBM Plex Sans" panose="020B0503050203000203" pitchFamily="34" charset="0"/>
               </a:rPr>
-              <a:t>City of Milan Dataset</a:t>
-            </a:r>
-            <a:r>
-              <a:rPr lang="en-US" b="1" baseline="30000" dirty="0">
-                <a:latin typeface="IBM Plex Sans" panose="020B0503050203000203" pitchFamily="34" charset="0"/>
-              </a:rPr>
-              <a:t>1</a:t>
-            </a:r>
-            <a:endParaRPr lang="en-US" b="1" dirty="0">
-              <a:latin typeface="IBM Plex Sans" panose="020B0503050203000203" pitchFamily="34" charset="0"/>
-            </a:endParaRPr>
+              <a:t>Enough Data</a:t>
+            </a:r>
           </a:p>
         </p:txBody>
       </p:sp>
@@ -11194,26 +15104,7 @@
               <a:rPr lang="en-US" b="1" dirty="0">
                 <a:latin typeface="IBM Plex Sans" panose="020B0503050203000203" pitchFamily="34" charset="0"/>
               </a:rPr>
-              <a:t>Scalable public transport and neighboring data</a:t>
-            </a:r>
-          </a:p>
-          <a:p>
-            <a:pPr marL="0" indent="0">
-              <a:buNone/>
-            </a:pPr>
-            <a:endParaRPr lang="en-US" b="1" dirty="0">
-              <a:latin typeface="IBM Plex Sans" panose="020B0503050203000203" pitchFamily="34" charset="0"/>
-            </a:endParaRPr>
-          </a:p>
-          <a:p>
-            <a:pPr marL="0" indent="0">
-              <a:buNone/>
-            </a:pPr>
-            <a:r>
-              <a:rPr lang="en-US" b="1" dirty="0">
-                <a:latin typeface="IBM Plex Sans" panose="020B0503050203000203" pitchFamily="34" charset="0"/>
-              </a:rPr>
-              <a:t>Open source</a:t>
+              <a:t>Innovation</a:t>
             </a:r>
           </a:p>
         </p:txBody>
@@ -11244,7 +15135,7 @@
               <a:rPr lang="en-US" b="1" dirty="0">
                 <a:latin typeface="IBM Plex Sans" panose="020B0503050203000203" pitchFamily="34" charset="0"/>
               </a:rPr>
-              <a:t>Lightweight, adaptable and highly performant</a:t>
+              <a:t>Compatible responsiveness</a:t>
             </a:r>
           </a:p>
         </p:txBody>
@@ -11271,7 +15162,7 @@
               <a:rPr lang="en-US" b="1" dirty="0">
                 <a:latin typeface="IBM Plex Sans" panose="020B0503050203000203" pitchFamily="34" charset="0"/>
               </a:rPr>
-              <a:t>State-of-art performance</a:t>
+              <a:t>Performance</a:t>
             </a:r>
           </a:p>
         </p:txBody>
@@ -11304,480 +15195,10 @@
           </a:p>
         </p:txBody>
       </p:sp>
-      <p:sp>
-        <p:nvSpPr>
-          <p:cNvPr id="7" name="Title">
-            <a:extLst>
-              <a:ext uri="{FF2B5EF4-FFF2-40B4-BE49-F238E27FC236}">
-                <a16:creationId xmlns:a16="http://schemas.microsoft.com/office/drawing/2014/main" id="{414FFA5D-2314-C9F4-29F1-D455883F659E}"/>
-              </a:ext>
-            </a:extLst>
-          </p:cNvPr>
-          <p:cNvSpPr txBox="1">
-            <a:spLocks/>
-          </p:cNvSpPr>
-          <p:nvPr/>
-        </p:nvSpPr>
-        <p:spPr>
-          <a:xfrm>
-            <a:off x="533401" y="4542698"/>
-            <a:ext cx="2514599" cy="1539603"/>
-          </a:xfrm>
-          <a:prstGeom prst="rect">
-            <a:avLst/>
-          </a:prstGeom>
-        </p:spPr>
-        <p:txBody>
-          <a:bodyPr vert="horz" lIns="0" tIns="0" rIns="0" bIns="0" rtlCol="0" anchor="t">
-            <a:noAutofit/>
-          </a:bodyPr>
-          <a:lstStyle>
-            <a:lvl1pPr algn="l" rtl="0" eaLnBrk="1" fontAlgn="base" hangingPunct="1">
-              <a:lnSpc>
-                <a:spcPct val="90000"/>
-              </a:lnSpc>
-              <a:spcBef>
-                <a:spcPct val="0"/>
-              </a:spcBef>
-              <a:spcAft>
-                <a:spcPct val="0"/>
-              </a:spcAft>
-              <a:defRPr sz="1600" b="0">
-                <a:solidFill>
-                  <a:schemeClr val="bg1"/>
-                </a:solidFill>
-                <a:latin typeface="IBM Plex Sans" panose="020B0503050203000203" pitchFamily="34" charset="0"/>
-                <a:ea typeface="IBM Plex Sans" panose="020B0503050203000203" pitchFamily="34" charset="0"/>
-                <a:cs typeface="IBM Plex Sans" panose="020B0503050203000203" pitchFamily="34" charset="0"/>
-              </a:defRPr>
-            </a:lvl1pPr>
-            <a:lvl2pPr algn="l" rtl="0" eaLnBrk="1" fontAlgn="base" hangingPunct="1">
-              <a:lnSpc>
-                <a:spcPct val="90000"/>
-              </a:lnSpc>
-              <a:spcBef>
-                <a:spcPct val="0"/>
-              </a:spcBef>
-              <a:spcAft>
-                <a:spcPct val="0"/>
-              </a:spcAft>
-              <a:defRPr sz="2220">
-                <a:solidFill>
-                  <a:srgbClr val="191919"/>
-                </a:solidFill>
-                <a:latin typeface="IBM Plex Sans" pitchFamily="34" charset="0"/>
-              </a:defRPr>
-            </a:lvl2pPr>
-            <a:lvl3pPr algn="l" rtl="0" eaLnBrk="1" fontAlgn="base" hangingPunct="1">
-              <a:lnSpc>
-                <a:spcPct val="90000"/>
-              </a:lnSpc>
-              <a:spcBef>
-                <a:spcPct val="0"/>
-              </a:spcBef>
-              <a:spcAft>
-                <a:spcPct val="0"/>
-              </a:spcAft>
-              <a:defRPr sz="2220">
-                <a:solidFill>
-                  <a:srgbClr val="191919"/>
-                </a:solidFill>
-                <a:latin typeface="IBM Plex Sans" pitchFamily="34" charset="0"/>
-              </a:defRPr>
-            </a:lvl3pPr>
-            <a:lvl4pPr algn="l" rtl="0" eaLnBrk="1" fontAlgn="base" hangingPunct="1">
-              <a:lnSpc>
-                <a:spcPct val="90000"/>
-              </a:lnSpc>
-              <a:spcBef>
-                <a:spcPct val="0"/>
-              </a:spcBef>
-              <a:spcAft>
-                <a:spcPct val="0"/>
-              </a:spcAft>
-              <a:defRPr sz="2220">
-                <a:solidFill>
-                  <a:srgbClr val="191919"/>
-                </a:solidFill>
-                <a:latin typeface="IBM Plex Sans" pitchFamily="34" charset="0"/>
-              </a:defRPr>
-            </a:lvl4pPr>
-            <a:lvl5pPr algn="l" rtl="0" eaLnBrk="1" fontAlgn="base" hangingPunct="1">
-              <a:lnSpc>
-                <a:spcPct val="90000"/>
-              </a:lnSpc>
-              <a:spcBef>
-                <a:spcPct val="0"/>
-              </a:spcBef>
-              <a:spcAft>
-                <a:spcPct val="0"/>
-              </a:spcAft>
-              <a:defRPr sz="2220">
-                <a:solidFill>
-                  <a:srgbClr val="191919"/>
-                </a:solidFill>
-                <a:latin typeface="IBM Plex Sans" pitchFamily="34" charset="0"/>
-              </a:defRPr>
-            </a:lvl5pPr>
-            <a:lvl6pPr marL="362568" algn="l" rtl="0" eaLnBrk="1" fontAlgn="base" hangingPunct="1">
-              <a:lnSpc>
-                <a:spcPct val="90000"/>
-              </a:lnSpc>
-              <a:spcBef>
-                <a:spcPct val="0"/>
-              </a:spcBef>
-              <a:spcAft>
-                <a:spcPct val="0"/>
-              </a:spcAft>
-              <a:defRPr sz="2220">
-                <a:solidFill>
-                  <a:srgbClr val="191919"/>
-                </a:solidFill>
-                <a:latin typeface="IBM Plex Sans" pitchFamily="34" charset="0"/>
-              </a:defRPr>
-            </a:lvl6pPr>
-            <a:lvl7pPr marL="725139" algn="l" rtl="0" eaLnBrk="1" fontAlgn="base" hangingPunct="1">
-              <a:lnSpc>
-                <a:spcPct val="90000"/>
-              </a:lnSpc>
-              <a:spcBef>
-                <a:spcPct val="0"/>
-              </a:spcBef>
-              <a:spcAft>
-                <a:spcPct val="0"/>
-              </a:spcAft>
-              <a:defRPr sz="2220">
-                <a:solidFill>
-                  <a:srgbClr val="191919"/>
-                </a:solidFill>
-                <a:latin typeface="IBM Plex Sans" pitchFamily="34" charset="0"/>
-              </a:defRPr>
-            </a:lvl7pPr>
-            <a:lvl8pPr marL="1087707" algn="l" rtl="0" eaLnBrk="1" fontAlgn="base" hangingPunct="1">
-              <a:lnSpc>
-                <a:spcPct val="90000"/>
-              </a:lnSpc>
-              <a:spcBef>
-                <a:spcPct val="0"/>
-              </a:spcBef>
-              <a:spcAft>
-                <a:spcPct val="0"/>
-              </a:spcAft>
-              <a:defRPr sz="2220">
-                <a:solidFill>
-                  <a:srgbClr val="191919"/>
-                </a:solidFill>
-                <a:latin typeface="IBM Plex Sans" pitchFamily="34" charset="0"/>
-              </a:defRPr>
-            </a:lvl8pPr>
-            <a:lvl9pPr marL="1450276" algn="l" rtl="0" eaLnBrk="1" fontAlgn="base" hangingPunct="1">
-              <a:lnSpc>
-                <a:spcPct val="90000"/>
-              </a:lnSpc>
-              <a:spcBef>
-                <a:spcPct val="0"/>
-              </a:spcBef>
-              <a:spcAft>
-                <a:spcPct val="0"/>
-              </a:spcAft>
-              <a:defRPr sz="2220">
-                <a:solidFill>
-                  <a:srgbClr val="191919"/>
-                </a:solidFill>
-                <a:latin typeface="IBM Plex Sans" pitchFamily="34" charset="0"/>
-              </a:defRPr>
-            </a:lvl9pPr>
-          </a:lstStyle>
-          <a:p>
-            <a:pPr defTabSz="914400"/>
-            <a:r>
-              <a:rPr lang="en-US" sz="1200" b="1" kern="0" dirty="0"/>
-              <a:t>Network usage</a:t>
-            </a:r>
-          </a:p>
-          <a:p>
-            <a:pPr defTabSz="914400"/>
-            <a:endParaRPr lang="en-US" sz="1200" b="1" kern="0" dirty="0"/>
-          </a:p>
-          <a:p>
-            <a:pPr defTabSz="914400"/>
-            <a:r>
-              <a:rPr lang="en-US" sz="1200" b="1" kern="0" dirty="0" err="1"/>
-              <a:t>Geolocalized</a:t>
-            </a:r>
-            <a:r>
-              <a:rPr lang="en-US" sz="1200" b="1" kern="0" dirty="0"/>
-              <a:t> tweets</a:t>
-            </a:r>
-          </a:p>
-          <a:p>
-            <a:pPr defTabSz="914400"/>
-            <a:endParaRPr lang="en-US" sz="1200" b="1" kern="0" dirty="0"/>
-          </a:p>
-          <a:p>
-            <a:pPr defTabSz="914400"/>
-            <a:r>
-              <a:rPr lang="en-US" sz="1200" b="1" kern="0" dirty="0"/>
-              <a:t>Weather</a:t>
-            </a:r>
-          </a:p>
-          <a:p>
-            <a:pPr defTabSz="914400"/>
-            <a:endParaRPr lang="en-US" sz="1200" b="1" kern="0" dirty="0"/>
-          </a:p>
-          <a:p>
-            <a:pPr defTabSz="914400"/>
-            <a:r>
-              <a:rPr lang="en-US" sz="1200" b="1" kern="0" dirty="0"/>
-              <a:t>Electricity</a:t>
-            </a:r>
-          </a:p>
-          <a:p>
-            <a:pPr defTabSz="914400"/>
-            <a:endParaRPr lang="en-US" sz="1200" b="1" kern="0" dirty="0"/>
-          </a:p>
-          <a:p>
-            <a:pPr defTabSz="914400"/>
-            <a:r>
-              <a:rPr lang="en-US" sz="1200" b="1" kern="0" dirty="0"/>
-              <a:t>News</a:t>
-            </a:r>
-          </a:p>
-        </p:txBody>
-      </p:sp>
-      <p:sp>
-        <p:nvSpPr>
-          <p:cNvPr id="9" name="TextBox 8">
-            <a:extLst>
-              <a:ext uri="{FF2B5EF4-FFF2-40B4-BE49-F238E27FC236}">
-                <a16:creationId xmlns:a16="http://schemas.microsoft.com/office/drawing/2014/main" id="{7F3ED445-8FF3-F549-069E-9EE3720EAEE9}"/>
-              </a:ext>
-            </a:extLst>
-          </p:cNvPr>
-          <p:cNvSpPr txBox="1"/>
-          <p:nvPr/>
-        </p:nvSpPr>
-        <p:spPr>
-          <a:xfrm>
-            <a:off x="9144000" y="5755253"/>
-            <a:ext cx="3048000" cy="600164"/>
-          </a:xfrm>
-          <a:prstGeom prst="rect">
-            <a:avLst/>
-          </a:prstGeom>
-          <a:noFill/>
-        </p:spPr>
-        <p:txBody>
-          <a:bodyPr wrap="square" rtlCol="0">
-            <a:spAutoFit/>
-          </a:bodyPr>
-          <a:lstStyle/>
-          <a:p>
-            <a:r>
-              <a:rPr lang="pt-BR" sz="1100" dirty="0">
-                <a:latin typeface="IBM Plex Sans" panose="020B0503050203000203" pitchFamily="34" charset="0"/>
-              </a:rPr>
-              <a:t>[1] </a:t>
-            </a:r>
-            <a:r>
-              <a:rPr lang="pt-BR" sz="1100" dirty="0" err="1">
-                <a:latin typeface="IBM Plex Sans" panose="020B0503050203000203" pitchFamily="34" charset="0"/>
-              </a:rPr>
-              <a:t>Barlacchi</a:t>
-            </a:r>
-            <a:r>
-              <a:rPr lang="pt-BR" sz="1100" dirty="0">
-                <a:latin typeface="IBM Plex Sans" panose="020B0503050203000203" pitchFamily="34" charset="0"/>
-              </a:rPr>
-              <a:t>, G. et al. A </a:t>
-            </a:r>
-            <a:r>
-              <a:rPr lang="pt-BR" sz="1100" dirty="0" err="1">
-                <a:latin typeface="IBM Plex Sans" panose="020B0503050203000203" pitchFamily="34" charset="0"/>
-              </a:rPr>
-              <a:t>multi-source</a:t>
-            </a:r>
-            <a:r>
-              <a:rPr lang="pt-BR" sz="1100" dirty="0">
-                <a:latin typeface="IBM Plex Sans" panose="020B0503050203000203" pitchFamily="34" charset="0"/>
-              </a:rPr>
-              <a:t> </a:t>
-            </a:r>
-            <a:r>
-              <a:rPr lang="pt-BR" sz="1100" dirty="0" err="1">
-                <a:latin typeface="IBM Plex Sans" panose="020B0503050203000203" pitchFamily="34" charset="0"/>
-              </a:rPr>
-              <a:t>dataset</a:t>
-            </a:r>
-            <a:r>
-              <a:rPr lang="pt-BR" sz="1100" dirty="0">
-                <a:latin typeface="IBM Plex Sans" panose="020B0503050203000203" pitchFamily="34" charset="0"/>
-              </a:rPr>
-              <a:t> </a:t>
-            </a:r>
-            <a:r>
-              <a:rPr lang="pt-BR" sz="1100" dirty="0" err="1">
-                <a:latin typeface="IBM Plex Sans" panose="020B0503050203000203" pitchFamily="34" charset="0"/>
-              </a:rPr>
-              <a:t>of</a:t>
-            </a:r>
-            <a:r>
-              <a:rPr lang="pt-BR" sz="1100" dirty="0">
-                <a:latin typeface="IBM Plex Sans" panose="020B0503050203000203" pitchFamily="34" charset="0"/>
-              </a:rPr>
-              <a:t> </a:t>
-            </a:r>
-            <a:r>
-              <a:rPr lang="pt-BR" sz="1100" dirty="0" err="1">
-                <a:latin typeface="IBM Plex Sans" panose="020B0503050203000203" pitchFamily="34" charset="0"/>
-              </a:rPr>
-              <a:t>urban</a:t>
-            </a:r>
-            <a:r>
-              <a:rPr lang="pt-BR" sz="1100" dirty="0">
-                <a:latin typeface="IBM Plex Sans" panose="020B0503050203000203" pitchFamily="34" charset="0"/>
-              </a:rPr>
-              <a:t> </a:t>
-            </a:r>
-            <a:r>
-              <a:rPr lang="pt-BR" sz="1100" dirty="0" err="1">
-                <a:latin typeface="IBM Plex Sans" panose="020B0503050203000203" pitchFamily="34" charset="0"/>
-              </a:rPr>
-              <a:t>life</a:t>
-            </a:r>
-            <a:r>
-              <a:rPr lang="pt-BR" sz="1100" dirty="0">
-                <a:latin typeface="IBM Plex Sans" panose="020B0503050203000203" pitchFamily="34" charset="0"/>
-              </a:rPr>
-              <a:t> in </a:t>
-            </a:r>
-            <a:r>
-              <a:rPr lang="pt-BR" sz="1100" dirty="0" err="1">
-                <a:latin typeface="IBM Plex Sans" panose="020B0503050203000203" pitchFamily="34" charset="0"/>
-              </a:rPr>
-              <a:t>the</a:t>
-            </a:r>
-            <a:r>
-              <a:rPr lang="pt-BR" sz="1100" dirty="0">
-                <a:latin typeface="IBM Plex Sans" panose="020B0503050203000203" pitchFamily="34" charset="0"/>
-              </a:rPr>
-              <a:t> </a:t>
-            </a:r>
-            <a:r>
-              <a:rPr lang="pt-BR" sz="1100" dirty="0" err="1">
-                <a:latin typeface="IBM Plex Sans" panose="020B0503050203000203" pitchFamily="34" charset="0"/>
-              </a:rPr>
-              <a:t>city</a:t>
-            </a:r>
-            <a:r>
-              <a:rPr lang="pt-BR" sz="1100" dirty="0">
-                <a:latin typeface="IBM Plex Sans" panose="020B0503050203000203" pitchFamily="34" charset="0"/>
-              </a:rPr>
-              <a:t> </a:t>
-            </a:r>
-            <a:r>
-              <a:rPr lang="pt-BR" sz="1100" dirty="0" err="1">
-                <a:latin typeface="IBM Plex Sans" panose="020B0503050203000203" pitchFamily="34" charset="0"/>
-              </a:rPr>
-              <a:t>of</a:t>
-            </a:r>
-            <a:r>
-              <a:rPr lang="pt-BR" sz="1100" dirty="0">
-                <a:latin typeface="IBM Plex Sans" panose="020B0503050203000203" pitchFamily="34" charset="0"/>
-              </a:rPr>
-              <a:t> </a:t>
-            </a:r>
-            <a:r>
-              <a:rPr lang="pt-BR" sz="1100" dirty="0" err="1">
-                <a:latin typeface="IBM Plex Sans" panose="020B0503050203000203" pitchFamily="34" charset="0"/>
-              </a:rPr>
-              <a:t>milan</a:t>
-            </a:r>
-            <a:r>
-              <a:rPr lang="pt-BR" sz="1100" dirty="0">
-                <a:latin typeface="IBM Plex Sans" panose="020B0503050203000203" pitchFamily="34" charset="0"/>
-              </a:rPr>
-              <a:t> </a:t>
-            </a:r>
-            <a:r>
-              <a:rPr lang="pt-BR" sz="1100" dirty="0" err="1">
-                <a:latin typeface="IBM Plex Sans" panose="020B0503050203000203" pitchFamily="34" charset="0"/>
-              </a:rPr>
-              <a:t>and</a:t>
-            </a:r>
-            <a:r>
-              <a:rPr lang="pt-BR" sz="1100" dirty="0">
-                <a:latin typeface="IBM Plex Sans" panose="020B0503050203000203" pitchFamily="34" charset="0"/>
-              </a:rPr>
-              <a:t> </a:t>
-            </a:r>
-            <a:r>
-              <a:rPr lang="pt-BR" sz="1100" dirty="0" err="1">
-                <a:latin typeface="IBM Plex Sans" panose="020B0503050203000203" pitchFamily="34" charset="0"/>
-              </a:rPr>
-              <a:t>the</a:t>
-            </a:r>
-            <a:r>
-              <a:rPr lang="pt-BR" sz="1100" dirty="0">
-                <a:latin typeface="IBM Plex Sans" panose="020B0503050203000203" pitchFamily="34" charset="0"/>
-              </a:rPr>
-              <a:t> </a:t>
-            </a:r>
-            <a:r>
-              <a:rPr lang="pt-BR" sz="1100" dirty="0" err="1">
-                <a:latin typeface="IBM Plex Sans" panose="020B0503050203000203" pitchFamily="34" charset="0"/>
-              </a:rPr>
-              <a:t>province</a:t>
-            </a:r>
-            <a:r>
-              <a:rPr lang="pt-BR" sz="1100" dirty="0">
-                <a:latin typeface="IBM Plex Sans" panose="020B0503050203000203" pitchFamily="34" charset="0"/>
-              </a:rPr>
-              <a:t> </a:t>
-            </a:r>
-            <a:r>
-              <a:rPr lang="pt-BR" sz="1100" dirty="0" err="1">
-                <a:latin typeface="IBM Plex Sans" panose="020B0503050203000203" pitchFamily="34" charset="0"/>
-              </a:rPr>
-              <a:t>of</a:t>
-            </a:r>
-            <a:r>
-              <a:rPr lang="pt-BR" sz="1100" dirty="0">
-                <a:latin typeface="IBM Plex Sans" panose="020B0503050203000203" pitchFamily="34" charset="0"/>
-              </a:rPr>
-              <a:t> </a:t>
-            </a:r>
-            <a:r>
-              <a:rPr lang="pt-BR" sz="1100" dirty="0" err="1">
-                <a:latin typeface="IBM Plex Sans" panose="020B0503050203000203" pitchFamily="34" charset="0"/>
-              </a:rPr>
-              <a:t>trentino</a:t>
-            </a:r>
-            <a:r>
-              <a:rPr lang="pt-BR" sz="1100" dirty="0">
-                <a:latin typeface="IBM Plex Sans" panose="020B0503050203000203" pitchFamily="34" charset="0"/>
-              </a:rPr>
-              <a:t>. </a:t>
-            </a:r>
-            <a:r>
-              <a:rPr lang="pt-BR" sz="1100" dirty="0" err="1">
-                <a:latin typeface="IBM Plex Sans" panose="020B0503050203000203" pitchFamily="34" charset="0"/>
-              </a:rPr>
-              <a:t>Sci</a:t>
-            </a:r>
-            <a:r>
-              <a:rPr lang="pt-BR" sz="1100" dirty="0">
-                <a:latin typeface="IBM Plex Sans" panose="020B0503050203000203" pitchFamily="34" charset="0"/>
-              </a:rPr>
-              <a:t> Data 2, 2015. </a:t>
-            </a:r>
-          </a:p>
-        </p:txBody>
-      </p:sp>
     </p:spTree>
     <p:extLst>
       <p:ext uri="{BB962C8B-B14F-4D97-AF65-F5344CB8AC3E}">
-        <p14:creationId xmlns:p14="http://schemas.microsoft.com/office/powerpoint/2010/main" val="22484859"/>
+        <p14:creationId xmlns:p14="http://schemas.microsoft.com/office/powerpoint/2010/main" val="4279534488"/>
       </p:ext>
     </p:extLst>
   </p:cSld>
@@ -11806,10 +15227,720 @@
       </p:grpSpPr>
       <p:sp>
         <p:nvSpPr>
-          <p:cNvPr id="7" name="Title 1">
+          <p:cNvPr id="3" name="Title"/>
+          <p:cNvSpPr>
+            <a:spLocks noGrp="1"/>
+          </p:cNvSpPr>
+          <p:nvPr>
+            <p:ph type="title"/>
+          </p:nvPr>
+        </p:nvSpPr>
+        <p:spPr/>
+        <p:txBody>
+          <a:bodyPr/>
+          <a:lstStyle/>
+          <a:p>
+            <a:r>
+              <a:rPr lang="en-US" b="1" dirty="0">
+                <a:latin typeface="IBM Plex Sans" panose="020B0503050203000203" pitchFamily="34" charset="0"/>
+              </a:rPr>
+              <a:t>Mobile Traffic Predictor Enhanced by Neighboring Transportation Data </a:t>
+            </a:r>
+            <a:r>
+              <a:rPr lang="en-US" b="1" dirty="0">
+                <a:solidFill>
+                  <a:schemeClr val="accent1"/>
+                </a:solidFill>
+                <a:latin typeface="IBM Plex Sans" panose="020B0503050203000203" pitchFamily="34" charset="0"/>
+              </a:rPr>
+              <a:t>MTP-NT</a:t>
+            </a:r>
+            <a:endParaRPr lang="en-US" b="1" dirty="0">
+              <a:latin typeface="IBM Plex Sans" panose="020B0503050203000203" pitchFamily="34" charset="0"/>
+            </a:endParaRPr>
+          </a:p>
+        </p:txBody>
+      </p:sp>
+      <p:sp>
+        <p:nvSpPr>
+          <p:cNvPr id="6" name="Content Placeholder 1"/>
+          <p:cNvSpPr>
+            <a:spLocks noGrp="1"/>
+          </p:cNvSpPr>
+          <p:nvPr>
+            <p:ph sz="quarter" idx="20"/>
+          </p:nvPr>
+        </p:nvSpPr>
+        <p:spPr/>
+        <p:txBody>
+          <a:bodyPr/>
+          <a:lstStyle/>
+          <a:p>
+            <a:pPr marL="0" indent="0">
+              <a:buNone/>
+            </a:pPr>
+            <a:r>
+              <a:rPr lang="en-US" b="1" dirty="0">
+                <a:latin typeface="IBM Plex Sans" panose="020B0503050203000203" pitchFamily="34" charset="0"/>
+              </a:rPr>
+              <a:t>City of Milan Dataset</a:t>
+            </a:r>
+            <a:r>
+              <a:rPr lang="en-US" b="1" baseline="30000" dirty="0">
+                <a:latin typeface="IBM Plex Sans" panose="020B0503050203000203" pitchFamily="34" charset="0"/>
+              </a:rPr>
+              <a:t>1</a:t>
+            </a:r>
+            <a:endParaRPr lang="en-US" b="1" dirty="0">
+              <a:latin typeface="IBM Plex Sans" panose="020B0503050203000203" pitchFamily="34" charset="0"/>
+            </a:endParaRPr>
+          </a:p>
+        </p:txBody>
+      </p:sp>
+      <p:sp>
+        <p:nvSpPr>
+          <p:cNvPr id="5" name="Content Placeholder 2"/>
+          <p:cNvSpPr>
+            <a:spLocks noGrp="1"/>
+          </p:cNvSpPr>
+          <p:nvPr>
+            <p:ph sz="quarter" idx="19"/>
+          </p:nvPr>
+        </p:nvSpPr>
+        <p:spPr>
+          <a:solidFill>
+            <a:schemeClr val="accent1">
+              <a:lumMod val="75000"/>
+            </a:schemeClr>
+          </a:solidFill>
+        </p:spPr>
+        <p:txBody>
+          <a:bodyPr/>
+          <a:lstStyle/>
+          <a:p>
+            <a:pPr marL="0" indent="0">
+              <a:buNone/>
+            </a:pPr>
+            <a:r>
+              <a:rPr lang="en-US" b="1" dirty="0">
+                <a:latin typeface="IBM Plex Sans" panose="020B0503050203000203" pitchFamily="34" charset="0"/>
+              </a:rPr>
+              <a:t>Scalable public transport and neighboring data</a:t>
+            </a:r>
+          </a:p>
+          <a:p>
+            <a:pPr marL="0" indent="0">
+              <a:buNone/>
+            </a:pPr>
+            <a:endParaRPr lang="en-US" b="1" dirty="0">
+              <a:latin typeface="IBM Plex Sans" panose="020B0503050203000203" pitchFamily="34" charset="0"/>
+            </a:endParaRPr>
+          </a:p>
+          <a:p>
+            <a:pPr marL="0" indent="0">
+              <a:buNone/>
+            </a:pPr>
+            <a:r>
+              <a:rPr lang="en-US" b="1" dirty="0">
+                <a:latin typeface="IBM Plex Sans" panose="020B0503050203000203" pitchFamily="34" charset="0"/>
+              </a:rPr>
+              <a:t>Open source</a:t>
+            </a:r>
+          </a:p>
+        </p:txBody>
+      </p:sp>
+      <p:sp>
+        <p:nvSpPr>
+          <p:cNvPr id="2" name="Content Placeholder 3"/>
+          <p:cNvSpPr>
+            <a:spLocks noGrp="1"/>
+          </p:cNvSpPr>
+          <p:nvPr>
+            <p:ph sz="quarter" idx="17"/>
+          </p:nvPr>
+        </p:nvSpPr>
+        <p:spPr>
+          <a:solidFill>
+            <a:schemeClr val="accent1"/>
+          </a:solidFill>
+        </p:spPr>
+        <p:txBody>
+          <a:bodyPr/>
+          <a:lstStyle/>
+          <a:p>
+            <a:pPr marL="0" indent="0">
+              <a:buNone/>
+            </a:pPr>
+            <a:r>
+              <a:rPr lang="en-US" b="1" dirty="0">
+                <a:latin typeface="IBM Plex Sans" panose="020B0503050203000203" pitchFamily="34" charset="0"/>
+              </a:rPr>
+              <a:t>Lightweight, adaptable and highly performant</a:t>
+            </a:r>
+          </a:p>
+        </p:txBody>
+      </p:sp>
+      <p:sp>
+        <p:nvSpPr>
+          <p:cNvPr id="4" name="Content Placeholder 4"/>
+          <p:cNvSpPr>
+            <a:spLocks noGrp="1"/>
+          </p:cNvSpPr>
+          <p:nvPr>
+            <p:ph sz="quarter" idx="18"/>
+          </p:nvPr>
+        </p:nvSpPr>
+        <p:spPr/>
+        <p:txBody>
+          <a:bodyPr/>
+          <a:lstStyle/>
+          <a:p>
+            <a:pPr marL="0" indent="0">
+              <a:buNone/>
+            </a:pPr>
+            <a:r>
+              <a:rPr lang="en-US" b="1" dirty="0">
+                <a:latin typeface="IBM Plex Sans" panose="020B0503050203000203" pitchFamily="34" charset="0"/>
+              </a:rPr>
+              <a:t>State-of-art performance</a:t>
+            </a:r>
+          </a:p>
+        </p:txBody>
+      </p:sp>
+      <p:sp>
+        <p:nvSpPr>
+          <p:cNvPr id="8" name="Slide Number Placeholder"/>
+          <p:cNvSpPr>
+            <a:spLocks noGrp="1"/>
+          </p:cNvSpPr>
+          <p:nvPr>
+            <p:ph type="sldNum" sz="quarter" idx="11"/>
+          </p:nvPr>
+        </p:nvSpPr>
+        <p:spPr/>
+        <p:txBody>
+          <a:bodyPr/>
+          <a:lstStyle/>
+          <a:p>
+            <a:fld id="{59395FB3-9C97-154F-86B2-7E381B951268}" type="slidenum">
+              <a:rPr lang="en-US" smtClean="0">
+                <a:latin typeface="IBM Plex Sans" panose="020B0503050203000203" pitchFamily="34" charset="0"/>
+              </a:rPr>
+              <a:pPr/>
+              <a:t>8</a:t>
+            </a:fld>
+            <a:endParaRPr lang="en-US" dirty="0">
+              <a:latin typeface="IBM Plex Sans" panose="020B0503050203000203" pitchFamily="34" charset="0"/>
+            </a:endParaRPr>
+          </a:p>
+        </p:txBody>
+      </p:sp>
+      <p:sp>
+        <p:nvSpPr>
+          <p:cNvPr id="7" name="Title">
             <a:extLst>
               <a:ext uri="{FF2B5EF4-FFF2-40B4-BE49-F238E27FC236}">
-                <a16:creationId xmlns:a16="http://schemas.microsoft.com/office/drawing/2014/main" id="{5093AA27-F3BD-1820-3163-CF62B9DF394A}"/>
+                <a16:creationId xmlns:a16="http://schemas.microsoft.com/office/drawing/2014/main" id="{414FFA5D-2314-C9F4-29F1-D455883F659E}"/>
+              </a:ext>
+            </a:extLst>
+          </p:cNvPr>
+          <p:cNvSpPr txBox="1">
+            <a:spLocks/>
+          </p:cNvSpPr>
+          <p:nvPr/>
+        </p:nvSpPr>
+        <p:spPr>
+          <a:xfrm>
+            <a:off x="533401" y="4542698"/>
+            <a:ext cx="2514599" cy="1539603"/>
+          </a:xfrm>
+          <a:prstGeom prst="rect">
+            <a:avLst/>
+          </a:prstGeom>
+        </p:spPr>
+        <p:txBody>
+          <a:bodyPr vert="horz" lIns="0" tIns="0" rIns="0" bIns="0" rtlCol="0" anchor="t">
+            <a:noAutofit/>
+          </a:bodyPr>
+          <a:lstStyle>
+            <a:lvl1pPr algn="l" rtl="0" eaLnBrk="1" fontAlgn="base" hangingPunct="1">
+              <a:lnSpc>
+                <a:spcPct val="90000"/>
+              </a:lnSpc>
+              <a:spcBef>
+                <a:spcPct val="0"/>
+              </a:spcBef>
+              <a:spcAft>
+                <a:spcPct val="0"/>
+              </a:spcAft>
+              <a:defRPr sz="1600" b="0">
+                <a:solidFill>
+                  <a:schemeClr val="bg1"/>
+                </a:solidFill>
+                <a:latin typeface="IBM Plex Sans" panose="020B0503050203000203" pitchFamily="34" charset="0"/>
+                <a:ea typeface="IBM Plex Sans" panose="020B0503050203000203" pitchFamily="34" charset="0"/>
+                <a:cs typeface="IBM Plex Sans" panose="020B0503050203000203" pitchFamily="34" charset="0"/>
+              </a:defRPr>
+            </a:lvl1pPr>
+            <a:lvl2pPr algn="l" rtl="0" eaLnBrk="1" fontAlgn="base" hangingPunct="1">
+              <a:lnSpc>
+                <a:spcPct val="90000"/>
+              </a:lnSpc>
+              <a:spcBef>
+                <a:spcPct val="0"/>
+              </a:spcBef>
+              <a:spcAft>
+                <a:spcPct val="0"/>
+              </a:spcAft>
+              <a:defRPr sz="2220">
+                <a:solidFill>
+                  <a:srgbClr val="191919"/>
+                </a:solidFill>
+                <a:latin typeface="IBM Plex Sans" pitchFamily="34" charset="0"/>
+              </a:defRPr>
+            </a:lvl2pPr>
+            <a:lvl3pPr algn="l" rtl="0" eaLnBrk="1" fontAlgn="base" hangingPunct="1">
+              <a:lnSpc>
+                <a:spcPct val="90000"/>
+              </a:lnSpc>
+              <a:spcBef>
+                <a:spcPct val="0"/>
+              </a:spcBef>
+              <a:spcAft>
+                <a:spcPct val="0"/>
+              </a:spcAft>
+              <a:defRPr sz="2220">
+                <a:solidFill>
+                  <a:srgbClr val="191919"/>
+                </a:solidFill>
+                <a:latin typeface="IBM Plex Sans" pitchFamily="34" charset="0"/>
+              </a:defRPr>
+            </a:lvl3pPr>
+            <a:lvl4pPr algn="l" rtl="0" eaLnBrk="1" fontAlgn="base" hangingPunct="1">
+              <a:lnSpc>
+                <a:spcPct val="90000"/>
+              </a:lnSpc>
+              <a:spcBef>
+                <a:spcPct val="0"/>
+              </a:spcBef>
+              <a:spcAft>
+                <a:spcPct val="0"/>
+              </a:spcAft>
+              <a:defRPr sz="2220">
+                <a:solidFill>
+                  <a:srgbClr val="191919"/>
+                </a:solidFill>
+                <a:latin typeface="IBM Plex Sans" pitchFamily="34" charset="0"/>
+              </a:defRPr>
+            </a:lvl4pPr>
+            <a:lvl5pPr algn="l" rtl="0" eaLnBrk="1" fontAlgn="base" hangingPunct="1">
+              <a:lnSpc>
+                <a:spcPct val="90000"/>
+              </a:lnSpc>
+              <a:spcBef>
+                <a:spcPct val="0"/>
+              </a:spcBef>
+              <a:spcAft>
+                <a:spcPct val="0"/>
+              </a:spcAft>
+              <a:defRPr sz="2220">
+                <a:solidFill>
+                  <a:srgbClr val="191919"/>
+                </a:solidFill>
+                <a:latin typeface="IBM Plex Sans" pitchFamily="34" charset="0"/>
+              </a:defRPr>
+            </a:lvl5pPr>
+            <a:lvl6pPr marL="362568" algn="l" rtl="0" eaLnBrk="1" fontAlgn="base" hangingPunct="1">
+              <a:lnSpc>
+                <a:spcPct val="90000"/>
+              </a:lnSpc>
+              <a:spcBef>
+                <a:spcPct val="0"/>
+              </a:spcBef>
+              <a:spcAft>
+                <a:spcPct val="0"/>
+              </a:spcAft>
+              <a:defRPr sz="2220">
+                <a:solidFill>
+                  <a:srgbClr val="191919"/>
+                </a:solidFill>
+                <a:latin typeface="IBM Plex Sans" pitchFamily="34" charset="0"/>
+              </a:defRPr>
+            </a:lvl6pPr>
+            <a:lvl7pPr marL="725139" algn="l" rtl="0" eaLnBrk="1" fontAlgn="base" hangingPunct="1">
+              <a:lnSpc>
+                <a:spcPct val="90000"/>
+              </a:lnSpc>
+              <a:spcBef>
+                <a:spcPct val="0"/>
+              </a:spcBef>
+              <a:spcAft>
+                <a:spcPct val="0"/>
+              </a:spcAft>
+              <a:defRPr sz="2220">
+                <a:solidFill>
+                  <a:srgbClr val="191919"/>
+                </a:solidFill>
+                <a:latin typeface="IBM Plex Sans" pitchFamily="34" charset="0"/>
+              </a:defRPr>
+            </a:lvl7pPr>
+            <a:lvl8pPr marL="1087707" algn="l" rtl="0" eaLnBrk="1" fontAlgn="base" hangingPunct="1">
+              <a:lnSpc>
+                <a:spcPct val="90000"/>
+              </a:lnSpc>
+              <a:spcBef>
+                <a:spcPct val="0"/>
+              </a:spcBef>
+              <a:spcAft>
+                <a:spcPct val="0"/>
+              </a:spcAft>
+              <a:defRPr sz="2220">
+                <a:solidFill>
+                  <a:srgbClr val="191919"/>
+                </a:solidFill>
+                <a:latin typeface="IBM Plex Sans" pitchFamily="34" charset="0"/>
+              </a:defRPr>
+            </a:lvl8pPr>
+            <a:lvl9pPr marL="1450276" algn="l" rtl="0" eaLnBrk="1" fontAlgn="base" hangingPunct="1">
+              <a:lnSpc>
+                <a:spcPct val="90000"/>
+              </a:lnSpc>
+              <a:spcBef>
+                <a:spcPct val="0"/>
+              </a:spcBef>
+              <a:spcAft>
+                <a:spcPct val="0"/>
+              </a:spcAft>
+              <a:defRPr sz="2220">
+                <a:solidFill>
+                  <a:srgbClr val="191919"/>
+                </a:solidFill>
+                <a:latin typeface="IBM Plex Sans" pitchFamily="34" charset="0"/>
+              </a:defRPr>
+            </a:lvl9pPr>
+          </a:lstStyle>
+          <a:p>
+            <a:pPr defTabSz="914400"/>
+            <a:r>
+              <a:rPr lang="en-US" sz="1200" b="1" kern="0" dirty="0"/>
+              <a:t>Network usage</a:t>
+            </a:r>
+          </a:p>
+          <a:p>
+            <a:pPr defTabSz="914400"/>
+            <a:endParaRPr lang="en-US" sz="1200" b="1" kern="0" dirty="0"/>
+          </a:p>
+          <a:p>
+            <a:pPr defTabSz="914400"/>
+            <a:r>
+              <a:rPr lang="en-US" sz="1200" b="1" kern="0" dirty="0" err="1"/>
+              <a:t>Geolocalized</a:t>
+            </a:r>
+            <a:r>
+              <a:rPr lang="en-US" sz="1200" b="1" kern="0" dirty="0"/>
+              <a:t> tweets</a:t>
+            </a:r>
+          </a:p>
+          <a:p>
+            <a:pPr defTabSz="914400"/>
+            <a:endParaRPr lang="en-US" sz="1200" b="1" kern="0" dirty="0"/>
+          </a:p>
+          <a:p>
+            <a:pPr defTabSz="914400"/>
+            <a:r>
+              <a:rPr lang="en-US" sz="1200" b="1" kern="0" dirty="0"/>
+              <a:t>Weather</a:t>
+            </a:r>
+          </a:p>
+          <a:p>
+            <a:pPr defTabSz="914400"/>
+            <a:endParaRPr lang="en-US" sz="1200" b="1" kern="0" dirty="0"/>
+          </a:p>
+          <a:p>
+            <a:pPr defTabSz="914400"/>
+            <a:r>
+              <a:rPr lang="en-US" sz="1200" b="1" kern="0" dirty="0"/>
+              <a:t>Electricity</a:t>
+            </a:r>
+          </a:p>
+          <a:p>
+            <a:pPr defTabSz="914400"/>
+            <a:endParaRPr lang="en-US" sz="1200" b="1" kern="0" dirty="0"/>
+          </a:p>
+          <a:p>
+            <a:pPr defTabSz="914400"/>
+            <a:r>
+              <a:rPr lang="en-US" sz="1200" b="1" kern="0" dirty="0"/>
+              <a:t>News</a:t>
+            </a:r>
+          </a:p>
+        </p:txBody>
+      </p:sp>
+      <p:sp>
+        <p:nvSpPr>
+          <p:cNvPr id="9" name="TextBox 8">
+            <a:extLst>
+              <a:ext uri="{FF2B5EF4-FFF2-40B4-BE49-F238E27FC236}">
+                <a16:creationId xmlns:a16="http://schemas.microsoft.com/office/drawing/2014/main" id="{7F3ED445-8FF3-F549-069E-9EE3720EAEE9}"/>
+              </a:ext>
+            </a:extLst>
+          </p:cNvPr>
+          <p:cNvSpPr txBox="1"/>
+          <p:nvPr/>
+        </p:nvSpPr>
+        <p:spPr>
+          <a:xfrm>
+            <a:off x="9144000" y="5755253"/>
+            <a:ext cx="3048000" cy="600164"/>
+          </a:xfrm>
+          <a:prstGeom prst="rect">
+            <a:avLst/>
+          </a:prstGeom>
+          <a:noFill/>
+        </p:spPr>
+        <p:txBody>
+          <a:bodyPr wrap="square" rtlCol="0">
+            <a:spAutoFit/>
+          </a:bodyPr>
+          <a:lstStyle/>
+          <a:p>
+            <a:r>
+              <a:rPr lang="pt-BR" sz="1100" dirty="0">
+                <a:latin typeface="IBM Plex Sans" panose="020B0503050203000203" pitchFamily="34" charset="0"/>
+              </a:rPr>
+              <a:t>[1] </a:t>
+            </a:r>
+            <a:r>
+              <a:rPr lang="pt-BR" sz="1100" dirty="0" err="1">
+                <a:latin typeface="IBM Plex Sans" panose="020B0503050203000203" pitchFamily="34" charset="0"/>
+              </a:rPr>
+              <a:t>Barlacchi</a:t>
+            </a:r>
+            <a:r>
+              <a:rPr lang="pt-BR" sz="1100" dirty="0">
+                <a:latin typeface="IBM Plex Sans" panose="020B0503050203000203" pitchFamily="34" charset="0"/>
+              </a:rPr>
+              <a:t>, G. et al. A </a:t>
+            </a:r>
+            <a:r>
+              <a:rPr lang="pt-BR" sz="1100" dirty="0" err="1">
+                <a:latin typeface="IBM Plex Sans" panose="020B0503050203000203" pitchFamily="34" charset="0"/>
+              </a:rPr>
+              <a:t>multi-source</a:t>
+            </a:r>
+            <a:r>
+              <a:rPr lang="pt-BR" sz="1100" dirty="0">
+                <a:latin typeface="IBM Plex Sans" panose="020B0503050203000203" pitchFamily="34" charset="0"/>
+              </a:rPr>
+              <a:t> </a:t>
+            </a:r>
+            <a:r>
+              <a:rPr lang="pt-BR" sz="1100" dirty="0" err="1">
+                <a:latin typeface="IBM Plex Sans" panose="020B0503050203000203" pitchFamily="34" charset="0"/>
+              </a:rPr>
+              <a:t>dataset</a:t>
+            </a:r>
+            <a:r>
+              <a:rPr lang="pt-BR" sz="1100" dirty="0">
+                <a:latin typeface="IBM Plex Sans" panose="020B0503050203000203" pitchFamily="34" charset="0"/>
+              </a:rPr>
+              <a:t> </a:t>
+            </a:r>
+            <a:r>
+              <a:rPr lang="pt-BR" sz="1100" dirty="0" err="1">
+                <a:latin typeface="IBM Plex Sans" panose="020B0503050203000203" pitchFamily="34" charset="0"/>
+              </a:rPr>
+              <a:t>of</a:t>
+            </a:r>
+            <a:r>
+              <a:rPr lang="pt-BR" sz="1100" dirty="0">
+                <a:latin typeface="IBM Plex Sans" panose="020B0503050203000203" pitchFamily="34" charset="0"/>
+              </a:rPr>
+              <a:t> </a:t>
+            </a:r>
+            <a:r>
+              <a:rPr lang="pt-BR" sz="1100" dirty="0" err="1">
+                <a:latin typeface="IBM Plex Sans" panose="020B0503050203000203" pitchFamily="34" charset="0"/>
+              </a:rPr>
+              <a:t>urban</a:t>
+            </a:r>
+            <a:r>
+              <a:rPr lang="pt-BR" sz="1100" dirty="0">
+                <a:latin typeface="IBM Plex Sans" panose="020B0503050203000203" pitchFamily="34" charset="0"/>
+              </a:rPr>
+              <a:t> </a:t>
+            </a:r>
+            <a:r>
+              <a:rPr lang="pt-BR" sz="1100" dirty="0" err="1">
+                <a:latin typeface="IBM Plex Sans" panose="020B0503050203000203" pitchFamily="34" charset="0"/>
+              </a:rPr>
+              <a:t>life</a:t>
+            </a:r>
+            <a:r>
+              <a:rPr lang="pt-BR" sz="1100" dirty="0">
+                <a:latin typeface="IBM Plex Sans" panose="020B0503050203000203" pitchFamily="34" charset="0"/>
+              </a:rPr>
+              <a:t> in </a:t>
+            </a:r>
+            <a:r>
+              <a:rPr lang="pt-BR" sz="1100" dirty="0" err="1">
+                <a:latin typeface="IBM Plex Sans" panose="020B0503050203000203" pitchFamily="34" charset="0"/>
+              </a:rPr>
+              <a:t>the</a:t>
+            </a:r>
+            <a:r>
+              <a:rPr lang="pt-BR" sz="1100" dirty="0">
+                <a:latin typeface="IBM Plex Sans" panose="020B0503050203000203" pitchFamily="34" charset="0"/>
+              </a:rPr>
+              <a:t> </a:t>
+            </a:r>
+            <a:r>
+              <a:rPr lang="pt-BR" sz="1100" dirty="0" err="1">
+                <a:latin typeface="IBM Plex Sans" panose="020B0503050203000203" pitchFamily="34" charset="0"/>
+              </a:rPr>
+              <a:t>city</a:t>
+            </a:r>
+            <a:r>
+              <a:rPr lang="pt-BR" sz="1100" dirty="0">
+                <a:latin typeface="IBM Plex Sans" panose="020B0503050203000203" pitchFamily="34" charset="0"/>
+              </a:rPr>
+              <a:t> </a:t>
+            </a:r>
+            <a:r>
+              <a:rPr lang="pt-BR" sz="1100" dirty="0" err="1">
+                <a:latin typeface="IBM Plex Sans" panose="020B0503050203000203" pitchFamily="34" charset="0"/>
+              </a:rPr>
+              <a:t>of</a:t>
+            </a:r>
+            <a:r>
+              <a:rPr lang="pt-BR" sz="1100" dirty="0">
+                <a:latin typeface="IBM Plex Sans" panose="020B0503050203000203" pitchFamily="34" charset="0"/>
+              </a:rPr>
+              <a:t> </a:t>
+            </a:r>
+            <a:r>
+              <a:rPr lang="pt-BR" sz="1100" dirty="0" err="1">
+                <a:latin typeface="IBM Plex Sans" panose="020B0503050203000203" pitchFamily="34" charset="0"/>
+              </a:rPr>
+              <a:t>milan</a:t>
+            </a:r>
+            <a:r>
+              <a:rPr lang="pt-BR" sz="1100" dirty="0">
+                <a:latin typeface="IBM Plex Sans" panose="020B0503050203000203" pitchFamily="34" charset="0"/>
+              </a:rPr>
+              <a:t> </a:t>
+            </a:r>
+            <a:r>
+              <a:rPr lang="pt-BR" sz="1100" dirty="0" err="1">
+                <a:latin typeface="IBM Plex Sans" panose="020B0503050203000203" pitchFamily="34" charset="0"/>
+              </a:rPr>
+              <a:t>and</a:t>
+            </a:r>
+            <a:r>
+              <a:rPr lang="pt-BR" sz="1100" dirty="0">
+                <a:latin typeface="IBM Plex Sans" panose="020B0503050203000203" pitchFamily="34" charset="0"/>
+              </a:rPr>
+              <a:t> </a:t>
+            </a:r>
+            <a:r>
+              <a:rPr lang="pt-BR" sz="1100" dirty="0" err="1">
+                <a:latin typeface="IBM Plex Sans" panose="020B0503050203000203" pitchFamily="34" charset="0"/>
+              </a:rPr>
+              <a:t>the</a:t>
+            </a:r>
+            <a:r>
+              <a:rPr lang="pt-BR" sz="1100" dirty="0">
+                <a:latin typeface="IBM Plex Sans" panose="020B0503050203000203" pitchFamily="34" charset="0"/>
+              </a:rPr>
+              <a:t> </a:t>
+            </a:r>
+            <a:r>
+              <a:rPr lang="pt-BR" sz="1100" dirty="0" err="1">
+                <a:latin typeface="IBM Plex Sans" panose="020B0503050203000203" pitchFamily="34" charset="0"/>
+              </a:rPr>
+              <a:t>province</a:t>
+            </a:r>
+            <a:r>
+              <a:rPr lang="pt-BR" sz="1100" dirty="0">
+                <a:latin typeface="IBM Plex Sans" panose="020B0503050203000203" pitchFamily="34" charset="0"/>
+              </a:rPr>
+              <a:t> </a:t>
+            </a:r>
+            <a:r>
+              <a:rPr lang="pt-BR" sz="1100" dirty="0" err="1">
+                <a:latin typeface="IBM Plex Sans" panose="020B0503050203000203" pitchFamily="34" charset="0"/>
+              </a:rPr>
+              <a:t>of</a:t>
+            </a:r>
+            <a:r>
+              <a:rPr lang="pt-BR" sz="1100" dirty="0">
+                <a:latin typeface="IBM Plex Sans" panose="020B0503050203000203" pitchFamily="34" charset="0"/>
+              </a:rPr>
+              <a:t> </a:t>
+            </a:r>
+            <a:r>
+              <a:rPr lang="pt-BR" sz="1100" dirty="0" err="1">
+                <a:latin typeface="IBM Plex Sans" panose="020B0503050203000203" pitchFamily="34" charset="0"/>
+              </a:rPr>
+              <a:t>trentino</a:t>
+            </a:r>
+            <a:r>
+              <a:rPr lang="pt-BR" sz="1100" dirty="0">
+                <a:latin typeface="IBM Plex Sans" panose="020B0503050203000203" pitchFamily="34" charset="0"/>
+              </a:rPr>
+              <a:t>. </a:t>
+            </a:r>
+            <a:r>
+              <a:rPr lang="pt-BR" sz="1100" dirty="0" err="1">
+                <a:latin typeface="IBM Plex Sans" panose="020B0503050203000203" pitchFamily="34" charset="0"/>
+              </a:rPr>
+              <a:t>Sci</a:t>
+            </a:r>
+            <a:r>
+              <a:rPr lang="pt-BR" sz="1100" dirty="0">
+                <a:latin typeface="IBM Plex Sans" panose="020B0503050203000203" pitchFamily="34" charset="0"/>
+              </a:rPr>
+              <a:t> Data 2, 2015. </a:t>
+            </a:r>
+          </a:p>
+        </p:txBody>
+      </p:sp>
+    </p:spTree>
+    <p:extLst>
+      <p:ext uri="{BB962C8B-B14F-4D97-AF65-F5344CB8AC3E}">
+        <p14:creationId xmlns:p14="http://schemas.microsoft.com/office/powerpoint/2010/main" val="22484859"/>
+      </p:ext>
+    </p:extLst>
+  </p:cSld>
+  <p:clrMapOvr>
+    <a:masterClrMapping/>
+  </p:clrMapOvr>
+</p:sld>
+</file>
+
+<file path=ppt/slides/slide9.xml><?xml version="1.0" encoding="utf-8"?>
+<p:sld xmlns:a="http://schemas.openxmlformats.org/drawingml/2006/main" xmlns:r="http://schemas.openxmlformats.org/officeDocument/2006/relationships" xmlns:p="http://schemas.openxmlformats.org/presentationml/2006/main">
+  <p:cSld>
+    <p:spTree>
+      <p:nvGrpSpPr>
+        <p:cNvPr id="1" name=""/>
+        <p:cNvGrpSpPr/>
+        <p:nvPr/>
+      </p:nvGrpSpPr>
+      <p:grpSpPr>
+        <a:xfrm>
+          <a:off x="0" y="0"/>
+          <a:ext cx="0" cy="0"/>
+          <a:chOff x="0" y="0"/>
+          <a:chExt cx="0" cy="0"/>
+        </a:xfrm>
+      </p:grpSpPr>
+      <p:sp>
+        <p:nvSpPr>
+          <p:cNvPr id="2" name="Title 1">
+            <a:extLst>
+              <a:ext uri="{FF2B5EF4-FFF2-40B4-BE49-F238E27FC236}">
+                <a16:creationId xmlns:a16="http://schemas.microsoft.com/office/drawing/2014/main" id="{CE4FF00A-1E98-87D1-4D8D-2603FC510239}"/>
               </a:ext>
             </a:extLst>
           </p:cNvPr>
@@ -11820,640 +15951,32 @@
             <p:ph type="title"/>
           </p:nvPr>
         </p:nvSpPr>
-        <p:spPr>
-          <a:xfrm>
-            <a:off x="838200" y="365125"/>
-            <a:ext cx="10515600" cy="1325563"/>
-          </a:xfrm>
-        </p:spPr>
+        <p:spPr/>
         <p:txBody>
           <a:bodyPr>
             <a:normAutofit/>
           </a:bodyPr>
           <a:lstStyle/>
           <a:p>
-            <a:pPr algn="ctr">
-              <a:lnSpc>
-                <a:spcPts val="2400"/>
-              </a:lnSpc>
-              <a:spcBef>
-                <a:spcPct val="20000"/>
-              </a:spcBef>
-            </a:pPr>
-            <a:r>
-              <a:rPr lang="pt-BR" sz="4000" b="1" dirty="0" err="1">
-                <a:latin typeface="IBM Plex Sans" panose="020B0503050203000203" pitchFamily="34" charset="0"/>
-                <a:ea typeface="+mn-ea"/>
-                <a:cs typeface="+mn-cs"/>
-              </a:rPr>
-              <a:t>Thanks</a:t>
-            </a:r>
-            <a:r>
-              <a:rPr lang="pt-BR" sz="4000" b="1" dirty="0">
-                <a:latin typeface="IBM Plex Sans" panose="020B0503050203000203" pitchFamily="34" charset="0"/>
-                <a:ea typeface="+mn-ea"/>
-                <a:cs typeface="+mn-cs"/>
-              </a:rPr>
-              <a:t>!</a:t>
-            </a:r>
-          </a:p>
-        </p:txBody>
-      </p:sp>
-      <p:sp>
-        <p:nvSpPr>
-          <p:cNvPr id="8" name="Subtítulo 2">
+            <a:pPr algn="ctr"/>
+            <a:r>
+              <a:rPr lang="pt-BR" sz="4800" b="1" dirty="0" err="1">
+                <a:latin typeface="IBM Plex Sans" panose="020B0503050203000203" pitchFamily="34" charset="0"/>
+              </a:rPr>
+              <a:t>Contents</a:t>
+            </a:r>
+            <a:endParaRPr lang="pt-BR" sz="4800" b="1" dirty="0">
+              <a:latin typeface="IBM Plex Sans" panose="020B0503050203000203" pitchFamily="34" charset="0"/>
+            </a:endParaRPr>
+          </a:p>
+        </p:txBody>
+      </p:sp>
+      <p:sp>
+        <p:nvSpPr>
+          <p:cNvPr id="3" name="Content Placeholder 2">
             <a:extLst>
               <a:ext uri="{FF2B5EF4-FFF2-40B4-BE49-F238E27FC236}">
-                <a16:creationId xmlns:a16="http://schemas.microsoft.com/office/drawing/2014/main" id="{9D04AA28-7C76-CB8E-7EA3-A9E15B100E85}"/>
-              </a:ext>
-            </a:extLst>
-          </p:cNvPr>
-          <p:cNvSpPr txBox="1">
-            <a:spLocks/>
-          </p:cNvSpPr>
-          <p:nvPr/>
-        </p:nvSpPr>
-        <p:spPr>
-          <a:xfrm>
-            <a:off x="3689968" y="3454401"/>
-            <a:ext cx="7873140" cy="3033485"/>
-          </a:xfrm>
-          <a:prstGeom prst="rect">
-            <a:avLst/>
-          </a:prstGeom>
-        </p:spPr>
-        <p:txBody>
-          <a:bodyPr vert="horz" lIns="91440" tIns="45720" rIns="91440" bIns="45720" rtlCol="0">
-            <a:normAutofit fontScale="92500" lnSpcReduction="10000"/>
-          </a:bodyPr>
-          <a:lstStyle>
-            <a:lvl1pPr marL="228600" indent="-228600" algn="l" defTabSz="914400" rtl="0" eaLnBrk="1" latinLnBrk="0" hangingPunct="1">
-              <a:lnSpc>
-                <a:spcPct val="90000"/>
-              </a:lnSpc>
-              <a:spcBef>
-                <a:spcPts val="1000"/>
-              </a:spcBef>
-              <a:buFont typeface="Arial" panose="020B0604020202020204" pitchFamily="34" charset="0"/>
-              <a:buChar char="•"/>
-              <a:defRPr sz="2800" kern="1200">
-                <a:solidFill>
-                  <a:schemeClr val="tx1"/>
-                </a:solidFill>
-                <a:latin typeface="+mn-lt"/>
-                <a:ea typeface="+mn-ea"/>
-                <a:cs typeface="+mn-cs"/>
-              </a:defRPr>
-            </a:lvl1pPr>
-            <a:lvl2pPr marL="685800" indent="-228600" algn="l" defTabSz="914400" rtl="0" eaLnBrk="1" latinLnBrk="0" hangingPunct="1">
-              <a:lnSpc>
-                <a:spcPct val="90000"/>
-              </a:lnSpc>
-              <a:spcBef>
-                <a:spcPts val="500"/>
-              </a:spcBef>
-              <a:buFont typeface="Arial" panose="020B0604020202020204" pitchFamily="34" charset="0"/>
-              <a:buChar char="•"/>
-              <a:defRPr sz="2400" kern="1200">
-                <a:solidFill>
-                  <a:schemeClr val="tx1"/>
-                </a:solidFill>
-                <a:latin typeface="+mn-lt"/>
-                <a:ea typeface="+mn-ea"/>
-                <a:cs typeface="+mn-cs"/>
-              </a:defRPr>
-            </a:lvl2pPr>
-            <a:lvl3pPr marL="1143000" indent="-228600" algn="l" defTabSz="914400" rtl="0" eaLnBrk="1" latinLnBrk="0" hangingPunct="1">
-              <a:lnSpc>
-                <a:spcPct val="90000"/>
-              </a:lnSpc>
-              <a:spcBef>
-                <a:spcPts val="500"/>
-              </a:spcBef>
-              <a:buFont typeface="Arial" panose="020B0604020202020204" pitchFamily="34" charset="0"/>
-              <a:buChar char="•"/>
-              <a:defRPr sz="2000" kern="1200">
-                <a:solidFill>
-                  <a:schemeClr val="tx1"/>
-                </a:solidFill>
-                <a:latin typeface="+mn-lt"/>
-                <a:ea typeface="+mn-ea"/>
-                <a:cs typeface="+mn-cs"/>
-              </a:defRPr>
-            </a:lvl3pPr>
-            <a:lvl4pPr marL="1600200" indent="-228600" algn="l" defTabSz="914400" rtl="0" eaLnBrk="1" latinLnBrk="0" hangingPunct="1">
-              <a:lnSpc>
-                <a:spcPct val="90000"/>
-              </a:lnSpc>
-              <a:spcBef>
-                <a:spcPts val="500"/>
-              </a:spcBef>
-              <a:buFont typeface="Arial" panose="020B0604020202020204" pitchFamily="34" charset="0"/>
-              <a:buChar char="•"/>
-              <a:defRPr sz="1800" kern="1200">
-                <a:solidFill>
-                  <a:schemeClr val="tx1"/>
-                </a:solidFill>
-                <a:latin typeface="+mn-lt"/>
-                <a:ea typeface="+mn-ea"/>
-                <a:cs typeface="+mn-cs"/>
-              </a:defRPr>
-            </a:lvl4pPr>
-            <a:lvl5pPr marL="2057400" indent="-228600" algn="l" defTabSz="914400" rtl="0" eaLnBrk="1" latinLnBrk="0" hangingPunct="1">
-              <a:lnSpc>
-                <a:spcPct val="90000"/>
-              </a:lnSpc>
-              <a:spcBef>
-                <a:spcPts val="500"/>
-              </a:spcBef>
-              <a:buFont typeface="Arial" panose="020B0604020202020204" pitchFamily="34" charset="0"/>
-              <a:buChar char="•"/>
-              <a:defRPr sz="1800" kern="1200">
-                <a:solidFill>
-                  <a:schemeClr val="tx1"/>
-                </a:solidFill>
-                <a:latin typeface="+mn-lt"/>
-                <a:ea typeface="+mn-ea"/>
-                <a:cs typeface="+mn-cs"/>
-              </a:defRPr>
-            </a:lvl5pPr>
-            <a:lvl6pPr marL="2514600" indent="-228600" algn="l" defTabSz="914400" rtl="0" eaLnBrk="1" latinLnBrk="0" hangingPunct="1">
-              <a:lnSpc>
-                <a:spcPct val="90000"/>
-              </a:lnSpc>
-              <a:spcBef>
-                <a:spcPts val="500"/>
-              </a:spcBef>
-              <a:buFont typeface="Arial" panose="020B0604020202020204" pitchFamily="34" charset="0"/>
-              <a:buChar char="•"/>
-              <a:defRPr sz="1800" kern="1200">
-                <a:solidFill>
-                  <a:schemeClr val="tx1"/>
-                </a:solidFill>
-                <a:latin typeface="+mn-lt"/>
-                <a:ea typeface="+mn-ea"/>
-                <a:cs typeface="+mn-cs"/>
-              </a:defRPr>
-            </a:lvl6pPr>
-            <a:lvl7pPr marL="2971800" indent="-228600" algn="l" defTabSz="914400" rtl="0" eaLnBrk="1" latinLnBrk="0" hangingPunct="1">
-              <a:lnSpc>
-                <a:spcPct val="90000"/>
-              </a:lnSpc>
-              <a:spcBef>
-                <a:spcPts val="500"/>
-              </a:spcBef>
-              <a:buFont typeface="Arial" panose="020B0604020202020204" pitchFamily="34" charset="0"/>
-              <a:buChar char="•"/>
-              <a:defRPr sz="1800" kern="1200">
-                <a:solidFill>
-                  <a:schemeClr val="tx1"/>
-                </a:solidFill>
-                <a:latin typeface="+mn-lt"/>
-                <a:ea typeface="+mn-ea"/>
-                <a:cs typeface="+mn-cs"/>
-              </a:defRPr>
-            </a:lvl7pPr>
-            <a:lvl8pPr marL="3429000" indent="-228600" algn="l" defTabSz="914400" rtl="0" eaLnBrk="1" latinLnBrk="0" hangingPunct="1">
-              <a:lnSpc>
-                <a:spcPct val="90000"/>
-              </a:lnSpc>
-              <a:spcBef>
-                <a:spcPts val="500"/>
-              </a:spcBef>
-              <a:buFont typeface="Arial" panose="020B0604020202020204" pitchFamily="34" charset="0"/>
-              <a:buChar char="•"/>
-              <a:defRPr sz="1800" kern="1200">
-                <a:solidFill>
-                  <a:schemeClr val="tx1"/>
-                </a:solidFill>
-                <a:latin typeface="+mn-lt"/>
-                <a:ea typeface="+mn-ea"/>
-                <a:cs typeface="+mn-cs"/>
-              </a:defRPr>
-            </a:lvl8pPr>
-            <a:lvl9pPr marL="3886200" indent="-228600" algn="l" defTabSz="914400" rtl="0" eaLnBrk="1" latinLnBrk="0" hangingPunct="1">
-              <a:lnSpc>
-                <a:spcPct val="90000"/>
-              </a:lnSpc>
-              <a:spcBef>
-                <a:spcPts val="500"/>
-              </a:spcBef>
-              <a:buFont typeface="Arial" panose="020B0604020202020204" pitchFamily="34" charset="0"/>
-              <a:buChar char="•"/>
-              <a:defRPr sz="1800" kern="1200">
-                <a:solidFill>
-                  <a:schemeClr val="tx1"/>
-                </a:solidFill>
-                <a:latin typeface="+mn-lt"/>
-                <a:ea typeface="+mn-ea"/>
-                <a:cs typeface="+mn-cs"/>
-              </a:defRPr>
-            </a:lvl9pPr>
-          </a:lstStyle>
-          <a:p>
-            <a:pPr marL="0" indent="0" algn="r">
-              <a:buNone/>
-            </a:pPr>
-            <a:r>
-              <a:rPr lang="pt-BR" dirty="0">
-                <a:solidFill>
-                  <a:schemeClr val="tx1">
-                    <a:lumMod val="65000"/>
-                    <a:lumOff val="35000"/>
-                  </a:schemeClr>
-                </a:solidFill>
-                <a:latin typeface="IBM Plex Sans" panose="020B0503050203000203" pitchFamily="34" charset="0"/>
-              </a:rPr>
-              <a:t>Patrick Luiz de Araújo</a:t>
-            </a:r>
-          </a:p>
-          <a:p>
-            <a:pPr marL="0" indent="0" algn="r">
-              <a:buNone/>
-            </a:pPr>
-            <a:r>
-              <a:rPr lang="pt-BR" sz="1500" dirty="0">
-                <a:solidFill>
-                  <a:schemeClr val="tx1">
-                    <a:lumMod val="65000"/>
-                    <a:lumOff val="35000"/>
-                  </a:schemeClr>
-                </a:solidFill>
-                <a:latin typeface="IBM Plex Sans" panose="020B0503050203000203" pitchFamily="34" charset="0"/>
-                <a:hlinkClick r:id="rId2"/>
-              </a:rPr>
-              <a:t>patrick@ufu.br</a:t>
-            </a:r>
-            <a:endParaRPr lang="pt-BR" sz="1500" dirty="0">
-              <a:solidFill>
-                <a:schemeClr val="tx1">
-                  <a:lumMod val="65000"/>
-                  <a:lumOff val="35000"/>
-                </a:schemeClr>
-              </a:solidFill>
-              <a:latin typeface="IBM Plex Sans" panose="020B0503050203000203" pitchFamily="34" charset="0"/>
-            </a:endParaRPr>
-          </a:p>
-          <a:p>
-            <a:pPr marL="0" indent="0" algn="r">
-              <a:buNone/>
-            </a:pPr>
-            <a:endParaRPr lang="pt-BR" sz="1600" dirty="0">
-              <a:solidFill>
-                <a:schemeClr val="tx1">
-                  <a:lumMod val="65000"/>
-                  <a:lumOff val="35000"/>
-                </a:schemeClr>
-              </a:solidFill>
-              <a:latin typeface="IBM Plex Sans" panose="020B0503050203000203" pitchFamily="34" charset="0"/>
-            </a:endParaRPr>
-          </a:p>
-          <a:p>
-            <a:pPr marL="0" indent="0" algn="r">
-              <a:buNone/>
-            </a:pPr>
-            <a:r>
-              <a:rPr lang="pt-BR" dirty="0">
-                <a:solidFill>
-                  <a:schemeClr val="tx1">
-                    <a:lumMod val="65000"/>
-                    <a:lumOff val="35000"/>
-                  </a:schemeClr>
-                </a:solidFill>
-                <a:latin typeface="IBM Plex Sans" panose="020B0503050203000203" pitchFamily="34" charset="0"/>
-              </a:rPr>
-              <a:t>Prof. Dr. Rafael Pasquini</a:t>
-            </a:r>
-          </a:p>
-          <a:p>
-            <a:pPr marL="0" indent="0" algn="r">
-              <a:buNone/>
-            </a:pPr>
-            <a:r>
-              <a:rPr lang="pt-BR" sz="1500" dirty="0">
-                <a:solidFill>
-                  <a:schemeClr val="tx1">
-                    <a:lumMod val="65000"/>
-                    <a:lumOff val="35000"/>
-                  </a:schemeClr>
-                </a:solidFill>
-                <a:latin typeface="IBM Plex Sans" panose="020B0503050203000203" pitchFamily="34" charset="0"/>
-                <a:hlinkClick r:id="rId3"/>
-              </a:rPr>
-              <a:t>rafael.pasquini@ufu.br</a:t>
-            </a:r>
-            <a:endParaRPr lang="pt-BR" sz="1500" dirty="0">
-              <a:solidFill>
-                <a:schemeClr val="tx1">
-                  <a:lumMod val="65000"/>
-                  <a:lumOff val="35000"/>
-                </a:schemeClr>
-              </a:solidFill>
-              <a:latin typeface="IBM Plex Sans" panose="020B0503050203000203" pitchFamily="34" charset="0"/>
-            </a:endParaRPr>
-          </a:p>
-          <a:p>
-            <a:pPr marL="0" indent="0" algn="r">
-              <a:buNone/>
-            </a:pPr>
-            <a:endParaRPr lang="pt-BR" sz="1800" dirty="0">
-              <a:solidFill>
-                <a:schemeClr val="tx1">
-                  <a:lumMod val="65000"/>
-                  <a:lumOff val="35000"/>
-                </a:schemeClr>
-              </a:solidFill>
-              <a:latin typeface="IBM Plex Sans" panose="020B0503050203000203" pitchFamily="34" charset="0"/>
-            </a:endParaRPr>
-          </a:p>
-          <a:p>
-            <a:pPr marL="0" indent="0" algn="r">
-              <a:buNone/>
-            </a:pPr>
-            <a:r>
-              <a:rPr lang="pt-BR" dirty="0">
-                <a:solidFill>
-                  <a:schemeClr val="tx1">
-                    <a:lumMod val="65000"/>
-                    <a:lumOff val="35000"/>
-                  </a:schemeClr>
-                </a:solidFill>
-                <a:latin typeface="IBM Plex Sans" panose="020B0503050203000203" pitchFamily="34" charset="0"/>
-              </a:rPr>
-              <a:t>Prof. Dr. Murillo Guimarães Carneiro</a:t>
-            </a:r>
-          </a:p>
-          <a:p>
-            <a:pPr marL="0" indent="0" algn="r">
-              <a:buNone/>
-            </a:pPr>
-            <a:r>
-              <a:rPr lang="pt-BR" sz="1500" dirty="0">
-                <a:solidFill>
-                  <a:schemeClr val="tx1">
-                    <a:lumMod val="65000"/>
-                    <a:lumOff val="35000"/>
-                  </a:schemeClr>
-                </a:solidFill>
-                <a:latin typeface="IBM Plex Sans" panose="020B0503050203000203" pitchFamily="34" charset="0"/>
-                <a:hlinkClick r:id="rId4"/>
-              </a:rPr>
-              <a:t>mgcarneiro@ufu.br</a:t>
-            </a:r>
-            <a:endParaRPr lang="pt-BR" sz="1500" dirty="0">
-              <a:solidFill>
-                <a:schemeClr val="tx1">
-                  <a:lumMod val="65000"/>
-                  <a:lumOff val="35000"/>
-                </a:schemeClr>
-              </a:solidFill>
-              <a:latin typeface="IBM Plex Sans" panose="020B0503050203000203" pitchFamily="34" charset="0"/>
-            </a:endParaRPr>
-          </a:p>
-          <a:p>
-            <a:pPr marL="0" indent="0" algn="r">
-              <a:buNone/>
-            </a:pPr>
-            <a:endParaRPr lang="pt-BR" sz="1800" dirty="0">
-              <a:solidFill>
-                <a:schemeClr val="tx1">
-                  <a:lumMod val="65000"/>
-                  <a:lumOff val="35000"/>
-                </a:schemeClr>
-              </a:solidFill>
-              <a:latin typeface="IBM Plex Sans" panose="020B0503050203000203" pitchFamily="34" charset="0"/>
-            </a:endParaRPr>
-          </a:p>
-          <a:p>
-            <a:pPr marL="0" indent="0" algn="r">
-              <a:buNone/>
-            </a:pPr>
-            <a:endParaRPr lang="pt-BR" sz="1800" dirty="0">
-              <a:solidFill>
-                <a:schemeClr val="tx1">
-                  <a:lumMod val="65000"/>
-                  <a:lumOff val="35000"/>
-                </a:schemeClr>
-              </a:solidFill>
-              <a:latin typeface="IBM Plex Sans" panose="020B0503050203000203" pitchFamily="34" charset="0"/>
-            </a:endParaRPr>
-          </a:p>
-        </p:txBody>
-      </p:sp>
-      <p:sp>
-        <p:nvSpPr>
-          <p:cNvPr id="9" name="Subtitle 2">
-            <a:extLst>
-              <a:ext uri="{FF2B5EF4-FFF2-40B4-BE49-F238E27FC236}">
-                <a16:creationId xmlns:a16="http://schemas.microsoft.com/office/drawing/2014/main" id="{DF5869F0-7AB5-C3CD-7AA5-73BAFA20B1CD}"/>
-              </a:ext>
-            </a:extLst>
-          </p:cNvPr>
-          <p:cNvSpPr txBox="1">
-            <a:spLocks/>
-          </p:cNvSpPr>
-          <p:nvPr/>
-        </p:nvSpPr>
-        <p:spPr>
-          <a:xfrm>
-            <a:off x="794658" y="1959846"/>
-            <a:ext cx="10681366" cy="1494555"/>
-          </a:xfrm>
-          <a:prstGeom prst="rect">
-            <a:avLst/>
-          </a:prstGeom>
-        </p:spPr>
-        <p:txBody>
-          <a:bodyPr vert="horz" lIns="91440" tIns="45720" rIns="91440" bIns="45720" rtlCol="0">
-            <a:noAutofit/>
-          </a:bodyPr>
-          <a:lstStyle>
-            <a:lvl1pPr marL="228600" indent="-228600" algn="l" defTabSz="914400" rtl="0" eaLnBrk="1" latinLnBrk="0" hangingPunct="1">
-              <a:lnSpc>
-                <a:spcPct val="90000"/>
-              </a:lnSpc>
-              <a:spcBef>
-                <a:spcPts val="1000"/>
-              </a:spcBef>
-              <a:buFont typeface="Arial" panose="020B0604020202020204" pitchFamily="34" charset="0"/>
-              <a:buChar char="•"/>
-              <a:defRPr sz="2800" kern="1200">
-                <a:solidFill>
-                  <a:schemeClr val="tx1"/>
-                </a:solidFill>
-                <a:latin typeface="+mn-lt"/>
-                <a:ea typeface="+mn-ea"/>
-                <a:cs typeface="+mn-cs"/>
-              </a:defRPr>
-            </a:lvl1pPr>
-            <a:lvl2pPr marL="685800" indent="-228600" algn="l" defTabSz="914400" rtl="0" eaLnBrk="1" latinLnBrk="0" hangingPunct="1">
-              <a:lnSpc>
-                <a:spcPct val="90000"/>
-              </a:lnSpc>
-              <a:spcBef>
-                <a:spcPts val="500"/>
-              </a:spcBef>
-              <a:buFont typeface="Arial" panose="020B0604020202020204" pitchFamily="34" charset="0"/>
-              <a:buChar char="•"/>
-              <a:defRPr sz="2400" kern="1200">
-                <a:solidFill>
-                  <a:schemeClr val="tx1"/>
-                </a:solidFill>
-                <a:latin typeface="+mn-lt"/>
-                <a:ea typeface="+mn-ea"/>
-                <a:cs typeface="+mn-cs"/>
-              </a:defRPr>
-            </a:lvl2pPr>
-            <a:lvl3pPr marL="1143000" indent="-228600" algn="l" defTabSz="914400" rtl="0" eaLnBrk="1" latinLnBrk="0" hangingPunct="1">
-              <a:lnSpc>
-                <a:spcPct val="90000"/>
-              </a:lnSpc>
-              <a:spcBef>
-                <a:spcPts val="500"/>
-              </a:spcBef>
-              <a:buFont typeface="Arial" panose="020B0604020202020204" pitchFamily="34" charset="0"/>
-              <a:buChar char="•"/>
-              <a:defRPr sz="2000" kern="1200">
-                <a:solidFill>
-                  <a:schemeClr val="tx1"/>
-                </a:solidFill>
-                <a:latin typeface="+mn-lt"/>
-                <a:ea typeface="+mn-ea"/>
-                <a:cs typeface="+mn-cs"/>
-              </a:defRPr>
-            </a:lvl3pPr>
-            <a:lvl4pPr marL="1600200" indent="-228600" algn="l" defTabSz="914400" rtl="0" eaLnBrk="1" latinLnBrk="0" hangingPunct="1">
-              <a:lnSpc>
-                <a:spcPct val="90000"/>
-              </a:lnSpc>
-              <a:spcBef>
-                <a:spcPts val="500"/>
-              </a:spcBef>
-              <a:buFont typeface="Arial" panose="020B0604020202020204" pitchFamily="34" charset="0"/>
-              <a:buChar char="•"/>
-              <a:defRPr sz="1800" kern="1200">
-                <a:solidFill>
-                  <a:schemeClr val="tx1"/>
-                </a:solidFill>
-                <a:latin typeface="+mn-lt"/>
-                <a:ea typeface="+mn-ea"/>
-                <a:cs typeface="+mn-cs"/>
-              </a:defRPr>
-            </a:lvl4pPr>
-            <a:lvl5pPr marL="2057400" indent="-228600" algn="l" defTabSz="914400" rtl="0" eaLnBrk="1" latinLnBrk="0" hangingPunct="1">
-              <a:lnSpc>
-                <a:spcPct val="90000"/>
-              </a:lnSpc>
-              <a:spcBef>
-                <a:spcPts val="500"/>
-              </a:spcBef>
-              <a:buFont typeface="Arial" panose="020B0604020202020204" pitchFamily="34" charset="0"/>
-              <a:buChar char="•"/>
-              <a:defRPr sz="1800" kern="1200">
-                <a:solidFill>
-                  <a:schemeClr val="tx1"/>
-                </a:solidFill>
-                <a:latin typeface="+mn-lt"/>
-                <a:ea typeface="+mn-ea"/>
-                <a:cs typeface="+mn-cs"/>
-              </a:defRPr>
-            </a:lvl5pPr>
-            <a:lvl6pPr marL="2514600" indent="-228600" algn="l" defTabSz="914400" rtl="0" eaLnBrk="1" latinLnBrk="0" hangingPunct="1">
-              <a:lnSpc>
-                <a:spcPct val="90000"/>
-              </a:lnSpc>
-              <a:spcBef>
-                <a:spcPts val="500"/>
-              </a:spcBef>
-              <a:buFont typeface="Arial" panose="020B0604020202020204" pitchFamily="34" charset="0"/>
-              <a:buChar char="•"/>
-              <a:defRPr sz="1800" kern="1200">
-                <a:solidFill>
-                  <a:schemeClr val="tx1"/>
-                </a:solidFill>
-                <a:latin typeface="+mn-lt"/>
-                <a:ea typeface="+mn-ea"/>
-                <a:cs typeface="+mn-cs"/>
-              </a:defRPr>
-            </a:lvl6pPr>
-            <a:lvl7pPr marL="2971800" indent="-228600" algn="l" defTabSz="914400" rtl="0" eaLnBrk="1" latinLnBrk="0" hangingPunct="1">
-              <a:lnSpc>
-                <a:spcPct val="90000"/>
-              </a:lnSpc>
-              <a:spcBef>
-                <a:spcPts val="500"/>
-              </a:spcBef>
-              <a:buFont typeface="Arial" panose="020B0604020202020204" pitchFamily="34" charset="0"/>
-              <a:buChar char="•"/>
-              <a:defRPr sz="1800" kern="1200">
-                <a:solidFill>
-                  <a:schemeClr val="tx1"/>
-                </a:solidFill>
-                <a:latin typeface="+mn-lt"/>
-                <a:ea typeface="+mn-ea"/>
-                <a:cs typeface="+mn-cs"/>
-              </a:defRPr>
-            </a:lvl7pPr>
-            <a:lvl8pPr marL="3429000" indent="-228600" algn="l" defTabSz="914400" rtl="0" eaLnBrk="1" latinLnBrk="0" hangingPunct="1">
-              <a:lnSpc>
-                <a:spcPct val="90000"/>
-              </a:lnSpc>
-              <a:spcBef>
-                <a:spcPts val="500"/>
-              </a:spcBef>
-              <a:buFont typeface="Arial" panose="020B0604020202020204" pitchFamily="34" charset="0"/>
-              <a:buChar char="•"/>
-              <a:defRPr sz="1800" kern="1200">
-                <a:solidFill>
-                  <a:schemeClr val="tx1"/>
-                </a:solidFill>
-                <a:latin typeface="+mn-lt"/>
-                <a:ea typeface="+mn-ea"/>
-                <a:cs typeface="+mn-cs"/>
-              </a:defRPr>
-            </a:lvl8pPr>
-            <a:lvl9pPr marL="3886200" indent="-228600" algn="l" defTabSz="914400" rtl="0" eaLnBrk="1" latinLnBrk="0" hangingPunct="1">
-              <a:lnSpc>
-                <a:spcPct val="90000"/>
-              </a:lnSpc>
-              <a:spcBef>
-                <a:spcPts val="500"/>
-              </a:spcBef>
-              <a:buFont typeface="Arial" panose="020B0604020202020204" pitchFamily="34" charset="0"/>
-              <a:buChar char="•"/>
-              <a:defRPr sz="1800" kern="1200">
-                <a:solidFill>
-                  <a:schemeClr val="tx1"/>
-                </a:solidFill>
-                <a:latin typeface="+mn-lt"/>
-                <a:ea typeface="+mn-ea"/>
-                <a:cs typeface="+mn-cs"/>
-              </a:defRPr>
-            </a:lvl9pPr>
-          </a:lstStyle>
-          <a:p>
-            <a:pPr marL="0" indent="0" algn="ctr">
-              <a:buNone/>
-            </a:pPr>
-            <a:r>
-              <a:rPr lang="en-US" b="1" i="0" dirty="0">
-                <a:effectLst/>
-                <a:latin typeface="IBM Plex Sans" panose="020B0503050203000203" pitchFamily="34" charset="0"/>
-              </a:rPr>
-              <a:t>A Mobile Traffic Predictor Enhanced by Neighboring Transportation Data (MTP-NT)</a:t>
-            </a:r>
-            <a:endParaRPr lang="pt-BR" b="1" dirty="0">
-              <a:latin typeface="IBM Plex Sans" panose="020B0503050203000203" pitchFamily="34" charset="0"/>
-            </a:endParaRPr>
-          </a:p>
-        </p:txBody>
-      </p:sp>
-      <p:sp>
-        <p:nvSpPr>
-          <p:cNvPr id="3" name="Slide Number Placeholder 2">
-            <a:extLst>
-              <a:ext uri="{FF2B5EF4-FFF2-40B4-BE49-F238E27FC236}">
-                <a16:creationId xmlns:a16="http://schemas.microsoft.com/office/drawing/2014/main" id="{A3A1D4C2-A873-78C4-5BB9-10481FBEC11D}"/>
+                <a16:creationId xmlns:a16="http://schemas.microsoft.com/office/drawing/2014/main" id="{5CC0BE7E-BBDD-73E9-E46F-0185B0BA8C22}"/>
               </a:ext>
             </a:extLst>
           </p:cNvPr>
@@ -12461,6 +15984,251 @@
             <a:spLocks noGrp="1"/>
           </p:cNvSpPr>
           <p:nvPr>
+            <p:ph idx="1"/>
+          </p:nvPr>
+        </p:nvSpPr>
+        <p:spPr/>
+        <p:txBody>
+          <a:bodyPr/>
+          <a:lstStyle/>
+          <a:p>
+            <a:pPr marL="514350" indent="-514350">
+              <a:buFont typeface="+mj-lt"/>
+              <a:buAutoNum type="arabicPeriod"/>
+            </a:pPr>
+            <a:r>
+              <a:rPr lang="pt-BR" dirty="0" err="1">
+                <a:latin typeface="IBM Plex Sans" panose="020B0503050203000203" pitchFamily="34" charset="0"/>
+              </a:rPr>
+              <a:t>Introduction</a:t>
+            </a:r>
+            <a:endParaRPr lang="pt-BR" dirty="0">
+              <a:latin typeface="IBM Plex Sans" panose="020B0503050203000203" pitchFamily="34" charset="0"/>
+            </a:endParaRPr>
+          </a:p>
+          <a:p>
+            <a:pPr marL="514350" indent="-514350">
+              <a:buFont typeface="+mj-lt"/>
+              <a:buAutoNum type="arabicPeriod"/>
+            </a:pPr>
+            <a:r>
+              <a:rPr lang="pt-BR" u="sng" dirty="0" err="1">
+                <a:latin typeface="IBM Plex Sans" panose="020B0503050203000203" pitchFamily="34" charset="0"/>
+              </a:rPr>
+              <a:t>Related</a:t>
+            </a:r>
+            <a:r>
+              <a:rPr lang="pt-BR" u="sng" dirty="0">
+                <a:latin typeface="IBM Plex Sans" panose="020B0503050203000203" pitchFamily="34" charset="0"/>
+              </a:rPr>
+              <a:t> </a:t>
+            </a:r>
+            <a:r>
+              <a:rPr lang="pt-BR" u="sng" dirty="0" err="1">
+                <a:latin typeface="IBM Plex Sans" panose="020B0503050203000203" pitchFamily="34" charset="0"/>
+              </a:rPr>
+              <a:t>Work</a:t>
+            </a:r>
+            <a:endParaRPr lang="pt-BR" u="sng" dirty="0">
+              <a:latin typeface="IBM Plex Sans" panose="020B0503050203000203" pitchFamily="34" charset="0"/>
+            </a:endParaRPr>
+          </a:p>
+          <a:p>
+            <a:pPr marL="514350" indent="-514350">
+              <a:buFont typeface="+mj-lt"/>
+              <a:buAutoNum type="arabicPeriod"/>
+            </a:pPr>
+            <a:r>
+              <a:rPr lang="pt-BR" dirty="0" err="1">
+                <a:latin typeface="IBM Plex Sans" panose="020B0503050203000203" pitchFamily="34" charset="0"/>
+              </a:rPr>
+              <a:t>Preliminaries</a:t>
+            </a:r>
+            <a:r>
+              <a:rPr lang="pt-BR" dirty="0">
+                <a:latin typeface="IBM Plex Sans" panose="020B0503050203000203" pitchFamily="34" charset="0"/>
+              </a:rPr>
+              <a:t> </a:t>
+            </a:r>
+            <a:r>
+              <a:rPr lang="pt-BR" dirty="0" err="1">
+                <a:latin typeface="IBM Plex Sans" panose="020B0503050203000203" pitchFamily="34" charset="0"/>
+              </a:rPr>
+              <a:t>on</a:t>
+            </a:r>
+            <a:r>
+              <a:rPr lang="pt-BR" dirty="0">
+                <a:latin typeface="IBM Plex Sans" panose="020B0503050203000203" pitchFamily="34" charset="0"/>
+              </a:rPr>
+              <a:t> data </a:t>
+            </a:r>
+            <a:r>
+              <a:rPr lang="pt-BR" dirty="0" err="1">
+                <a:latin typeface="IBM Plex Sans" panose="020B0503050203000203" pitchFamily="34" charset="0"/>
+              </a:rPr>
+              <a:t>collection</a:t>
+            </a:r>
+            <a:r>
+              <a:rPr lang="pt-BR" dirty="0">
+                <a:latin typeface="IBM Plex Sans" panose="020B0503050203000203" pitchFamily="34" charset="0"/>
+              </a:rPr>
+              <a:t> for MTP-NT</a:t>
+            </a:r>
+          </a:p>
+          <a:p>
+            <a:pPr marL="514350" indent="-514350">
+              <a:buFont typeface="+mj-lt"/>
+              <a:buAutoNum type="arabicPeriod"/>
+            </a:pPr>
+            <a:r>
+              <a:rPr lang="pt-BR" dirty="0">
+                <a:latin typeface="IBM Plex Sans" panose="020B0503050203000203" pitchFamily="34" charset="0"/>
+              </a:rPr>
+              <a:t>Framework </a:t>
+            </a:r>
+            <a:r>
+              <a:rPr lang="pt-BR" dirty="0" err="1">
+                <a:latin typeface="IBM Plex Sans" panose="020B0503050203000203" pitchFamily="34" charset="0"/>
+              </a:rPr>
+              <a:t>structure</a:t>
+            </a:r>
+            <a:r>
+              <a:rPr lang="pt-BR" dirty="0">
+                <a:latin typeface="IBM Plex Sans" panose="020B0503050203000203" pitchFamily="34" charset="0"/>
+              </a:rPr>
+              <a:t> </a:t>
+            </a:r>
+            <a:r>
+              <a:rPr lang="pt-BR" dirty="0" err="1">
+                <a:latin typeface="IBM Plex Sans" panose="020B0503050203000203" pitchFamily="34" charset="0"/>
+              </a:rPr>
+              <a:t>and</a:t>
+            </a:r>
+            <a:r>
+              <a:rPr lang="pt-BR" dirty="0">
+                <a:latin typeface="IBM Plex Sans" panose="020B0503050203000203" pitchFamily="34" charset="0"/>
+              </a:rPr>
+              <a:t> </a:t>
+            </a:r>
+            <a:r>
+              <a:rPr lang="pt-BR" dirty="0" err="1">
+                <a:latin typeface="IBM Plex Sans" panose="020B0503050203000203" pitchFamily="34" charset="0"/>
+              </a:rPr>
+              <a:t>fundamentation</a:t>
+            </a:r>
+            <a:endParaRPr lang="pt-BR" dirty="0">
+              <a:latin typeface="IBM Plex Sans" panose="020B0503050203000203" pitchFamily="34" charset="0"/>
+            </a:endParaRPr>
+          </a:p>
+          <a:p>
+            <a:pPr marL="514350" indent="-514350">
+              <a:buFont typeface="+mj-lt"/>
+              <a:buAutoNum type="arabicPeriod"/>
+            </a:pPr>
+            <a:r>
+              <a:rPr lang="pt-BR" dirty="0">
+                <a:latin typeface="IBM Plex Sans" panose="020B0503050203000203" pitchFamily="34" charset="0"/>
+              </a:rPr>
+              <a:t>Experimental </a:t>
+            </a:r>
+            <a:r>
+              <a:rPr lang="pt-BR" dirty="0" err="1">
+                <a:latin typeface="IBM Plex Sans" panose="020B0503050203000203" pitchFamily="34" charset="0"/>
+              </a:rPr>
+              <a:t>results</a:t>
+            </a:r>
+            <a:endParaRPr lang="pt-BR" dirty="0">
+              <a:latin typeface="IBM Plex Sans" panose="020B0503050203000203" pitchFamily="34" charset="0"/>
+            </a:endParaRPr>
+          </a:p>
+          <a:p>
+            <a:pPr marL="514350" indent="-514350">
+              <a:buFont typeface="+mj-lt"/>
+              <a:buAutoNum type="arabicPeriod"/>
+            </a:pPr>
+            <a:r>
+              <a:rPr lang="pt-BR" dirty="0">
+                <a:latin typeface="IBM Plex Sans" panose="020B0503050203000203" pitchFamily="34" charset="0"/>
+              </a:rPr>
+              <a:t>Final </a:t>
+            </a:r>
+            <a:r>
+              <a:rPr lang="pt-BR" dirty="0" err="1">
+                <a:latin typeface="IBM Plex Sans" panose="020B0503050203000203" pitchFamily="34" charset="0"/>
+              </a:rPr>
+              <a:t>considerations</a:t>
+            </a:r>
+            <a:r>
+              <a:rPr lang="pt-BR" dirty="0">
+                <a:latin typeface="IBM Plex Sans" panose="020B0503050203000203" pitchFamily="34" charset="0"/>
+              </a:rPr>
+              <a:t> </a:t>
+            </a:r>
+            <a:r>
+              <a:rPr lang="pt-BR" dirty="0" err="1">
+                <a:latin typeface="IBM Plex Sans" panose="020B0503050203000203" pitchFamily="34" charset="0"/>
+              </a:rPr>
+              <a:t>and</a:t>
+            </a:r>
+            <a:r>
+              <a:rPr lang="pt-BR" dirty="0">
+                <a:latin typeface="IBM Plex Sans" panose="020B0503050203000203" pitchFamily="34" charset="0"/>
+              </a:rPr>
+              <a:t> future </a:t>
+            </a:r>
+            <a:r>
+              <a:rPr lang="pt-BR" dirty="0" err="1">
+                <a:latin typeface="IBM Plex Sans" panose="020B0503050203000203" pitchFamily="34" charset="0"/>
+              </a:rPr>
+              <a:t>work</a:t>
+            </a:r>
+            <a:endParaRPr lang="pt-BR" dirty="0">
+              <a:latin typeface="IBM Plex Sans" panose="020B0503050203000203" pitchFamily="34" charset="0"/>
+            </a:endParaRPr>
+          </a:p>
+        </p:txBody>
+      </p:sp>
+      <p:sp>
+        <p:nvSpPr>
+          <p:cNvPr id="6" name="Footer Placeholder 5">
+            <a:extLst>
+              <a:ext uri="{FF2B5EF4-FFF2-40B4-BE49-F238E27FC236}">
+                <a16:creationId xmlns:a16="http://schemas.microsoft.com/office/drawing/2014/main" id="{182D6A0A-E745-679D-60FF-B7C463A93737}"/>
+              </a:ext>
+            </a:extLst>
+          </p:cNvPr>
+          <p:cNvSpPr>
+            <a:spLocks noGrp="1"/>
+          </p:cNvSpPr>
+          <p:nvPr>
+            <p:ph type="ftr" sz="quarter" idx="11"/>
+          </p:nvPr>
+        </p:nvSpPr>
+        <p:spPr/>
+        <p:txBody>
+          <a:bodyPr/>
+          <a:lstStyle/>
+          <a:p>
+            <a:r>
+              <a:rPr lang="pt-BR"/>
+              <a:t>A Mobile Traffic Predictor Enhanced by Neighboring Transportation Data (MTP-NT)</a:t>
+            </a:r>
+          </a:p>
+        </p:txBody>
+      </p:sp>
+      <p:sp>
+        <p:nvSpPr>
+          <p:cNvPr id="7" name="Slide Number Placeholder 6">
+            <a:extLst>
+              <a:ext uri="{FF2B5EF4-FFF2-40B4-BE49-F238E27FC236}">
+                <a16:creationId xmlns:a16="http://schemas.microsoft.com/office/drawing/2014/main" id="{36E45A6A-468F-0755-DC86-F673816E518A}"/>
+              </a:ext>
+            </a:extLst>
+          </p:cNvPr>
+          <p:cNvSpPr>
+            <a:spLocks noGrp="1"/>
+          </p:cNvSpPr>
+          <p:nvPr>
             <p:ph type="sldNum" sz="quarter" idx="12"/>
           </p:nvPr>
         </p:nvSpPr>
@@ -12471,7 +16239,7 @@
           <a:p>
             <a:fld id="{C16D1434-241F-3E4A-8778-0F70095E40C3}" type="slidenum">
               <a:rPr lang="pt-BR" smtClean="0"/>
-              <a:t>8</a:t>
+              <a:t>9</a:t>
             </a:fld>
             <a:endParaRPr lang="pt-BR"/>
           </a:p>
@@ -12480,7 +16248,7 @@
     </p:spTree>
     <p:extLst>
       <p:ext uri="{BB962C8B-B14F-4D97-AF65-F5344CB8AC3E}">
-        <p14:creationId xmlns:p14="http://schemas.microsoft.com/office/powerpoint/2010/main" val="4280972039"/>
+        <p14:creationId xmlns:p14="http://schemas.microsoft.com/office/powerpoint/2010/main" val="4237798352"/>
       </p:ext>
     </p:extLst>
   </p:cSld>

--- a/defesa.pptx
+++ b/defesa.pptx
@@ -5,7 +5,7 @@
     <p:sldMasterId id="2147483648" r:id="rId1"/>
   </p:sldMasterIdLst>
   <p:notesMasterIdLst>
-    <p:notesMasterId r:id="rId15"/>
+    <p:notesMasterId r:id="rId18"/>
   </p:notesMasterIdLst>
   <p:sldIdLst>
     <p:sldId id="256" r:id="rId2"/>
@@ -20,7 +20,10 @@
     <p:sldId id="375" r:id="rId11"/>
     <p:sldId id="373" r:id="rId12"/>
     <p:sldId id="374" r:id="rId13"/>
-    <p:sldId id="257" r:id="rId14"/>
+    <p:sldId id="376" r:id="rId14"/>
+    <p:sldId id="377" r:id="rId15"/>
+    <p:sldId id="378" r:id="rId16"/>
+    <p:sldId id="257" r:id="rId17"/>
   </p:sldIdLst>
   <p:sldSz cx="12192000" cy="6858000"/>
   <p:notesSz cx="6858000" cy="9144000"/>
@@ -581,6 +584,180 @@
 </p:notes>
 </file>
 
+<file path=ppt/notesSlides/notesSlide10.xml><?xml version="1.0" encoding="utf-8"?>
+<p:notes xmlns:a="http://schemas.openxmlformats.org/drawingml/2006/main" xmlns:r="http://schemas.openxmlformats.org/officeDocument/2006/relationships" xmlns:p="http://schemas.openxmlformats.org/presentationml/2006/main">
+  <p:cSld>
+    <p:spTree>
+      <p:nvGrpSpPr>
+        <p:cNvPr id="1" name=""/>
+        <p:cNvGrpSpPr/>
+        <p:nvPr/>
+      </p:nvGrpSpPr>
+      <p:grpSpPr>
+        <a:xfrm>
+          <a:off x="0" y="0"/>
+          <a:ext cx="0" cy="0"/>
+          <a:chOff x="0" y="0"/>
+          <a:chExt cx="0" cy="0"/>
+        </a:xfrm>
+      </p:grpSpPr>
+      <p:sp>
+        <p:nvSpPr>
+          <p:cNvPr id="2" name="Slide Image Placeholder 1"/>
+          <p:cNvSpPr>
+            <a:spLocks noGrp="1" noRot="1" noChangeAspect="1"/>
+          </p:cNvSpPr>
+          <p:nvPr>
+            <p:ph type="sldImg"/>
+          </p:nvPr>
+        </p:nvSpPr>
+        <p:spPr/>
+      </p:sp>
+      <p:sp>
+        <p:nvSpPr>
+          <p:cNvPr id="3" name="Notes Placeholder 2"/>
+          <p:cNvSpPr>
+            <a:spLocks noGrp="1"/>
+          </p:cNvSpPr>
+          <p:nvPr>
+            <p:ph type="body" idx="1"/>
+          </p:nvPr>
+        </p:nvSpPr>
+        <p:spPr/>
+        <p:txBody>
+          <a:bodyPr/>
+          <a:lstStyle/>
+          <a:p>
+            <a:r>
+              <a:rPr lang="pt-BR" dirty="0"/>
+              <a:t>Correlações causadas por modais de transporte cada vez mais eficientes</a:t>
+            </a:r>
+          </a:p>
+        </p:txBody>
+      </p:sp>
+      <p:sp>
+        <p:nvSpPr>
+          <p:cNvPr id="4" name="Slide Number Placeholder 3"/>
+          <p:cNvSpPr>
+            <a:spLocks noGrp="1"/>
+          </p:cNvSpPr>
+          <p:nvPr>
+            <p:ph type="sldNum" sz="quarter" idx="5"/>
+          </p:nvPr>
+        </p:nvSpPr>
+        <p:spPr/>
+        <p:txBody>
+          <a:bodyPr/>
+          <a:lstStyle/>
+          <a:p>
+            <a:fld id="{11A34663-90A1-D846-8898-3C9F8D7E3213}" type="slidenum">
+              <a:rPr lang="pt-BR" smtClean="0"/>
+              <a:t>14</a:t>
+            </a:fld>
+            <a:endParaRPr lang="pt-BR"/>
+          </a:p>
+        </p:txBody>
+      </p:sp>
+    </p:spTree>
+    <p:extLst>
+      <p:ext uri="{BB962C8B-B14F-4D97-AF65-F5344CB8AC3E}">
+        <p14:creationId xmlns:p14="http://schemas.microsoft.com/office/powerpoint/2010/main" val="3003556362"/>
+      </p:ext>
+    </p:extLst>
+  </p:cSld>
+  <p:clrMapOvr>
+    <a:masterClrMapping/>
+  </p:clrMapOvr>
+</p:notes>
+</file>
+
+<file path=ppt/notesSlides/notesSlide11.xml><?xml version="1.0" encoding="utf-8"?>
+<p:notes xmlns:a="http://schemas.openxmlformats.org/drawingml/2006/main" xmlns:r="http://schemas.openxmlformats.org/officeDocument/2006/relationships" xmlns:p="http://schemas.openxmlformats.org/presentationml/2006/main">
+  <p:cSld>
+    <p:spTree>
+      <p:nvGrpSpPr>
+        <p:cNvPr id="1" name=""/>
+        <p:cNvGrpSpPr/>
+        <p:nvPr/>
+      </p:nvGrpSpPr>
+      <p:grpSpPr>
+        <a:xfrm>
+          <a:off x="0" y="0"/>
+          <a:ext cx="0" cy="0"/>
+          <a:chOff x="0" y="0"/>
+          <a:chExt cx="0" cy="0"/>
+        </a:xfrm>
+      </p:grpSpPr>
+      <p:sp>
+        <p:nvSpPr>
+          <p:cNvPr id="2" name="Slide Image Placeholder 1"/>
+          <p:cNvSpPr>
+            <a:spLocks noGrp="1" noRot="1" noChangeAspect="1"/>
+          </p:cNvSpPr>
+          <p:nvPr>
+            <p:ph type="sldImg"/>
+          </p:nvPr>
+        </p:nvSpPr>
+        <p:spPr/>
+      </p:sp>
+      <p:sp>
+        <p:nvSpPr>
+          <p:cNvPr id="3" name="Notes Placeholder 2"/>
+          <p:cNvSpPr>
+            <a:spLocks noGrp="1"/>
+          </p:cNvSpPr>
+          <p:nvPr>
+            <p:ph type="body" idx="1"/>
+          </p:nvPr>
+        </p:nvSpPr>
+        <p:spPr/>
+        <p:txBody>
+          <a:bodyPr/>
+          <a:lstStyle/>
+          <a:p>
+            <a:r>
+              <a:rPr lang="pt-BR" dirty="0"/>
+              <a:t>Correlações causadas por modais de transporte cada vez mais eficientes</a:t>
+            </a:r>
+          </a:p>
+        </p:txBody>
+      </p:sp>
+      <p:sp>
+        <p:nvSpPr>
+          <p:cNvPr id="4" name="Slide Number Placeholder 3"/>
+          <p:cNvSpPr>
+            <a:spLocks noGrp="1"/>
+          </p:cNvSpPr>
+          <p:nvPr>
+            <p:ph type="sldNum" sz="quarter" idx="5"/>
+          </p:nvPr>
+        </p:nvSpPr>
+        <p:spPr/>
+        <p:txBody>
+          <a:bodyPr/>
+          <a:lstStyle/>
+          <a:p>
+            <a:fld id="{11A34663-90A1-D846-8898-3C9F8D7E3213}" type="slidenum">
+              <a:rPr lang="pt-BR" smtClean="0"/>
+              <a:t>15</a:t>
+            </a:fld>
+            <a:endParaRPr lang="pt-BR"/>
+          </a:p>
+        </p:txBody>
+      </p:sp>
+    </p:spTree>
+    <p:extLst>
+      <p:ext uri="{BB962C8B-B14F-4D97-AF65-F5344CB8AC3E}">
+        <p14:creationId xmlns:p14="http://schemas.microsoft.com/office/powerpoint/2010/main" val="3352291771"/>
+      </p:ext>
+    </p:extLst>
+  </p:cSld>
+  <p:clrMapOvr>
+    <a:masterClrMapping/>
+  </p:clrMapOvr>
+</p:notes>
+</file>
+
 <file path=ppt/notesSlides/notesSlide2.xml><?xml version="1.0" encoding="utf-8"?>
 <p:notes xmlns:a="http://schemas.openxmlformats.org/drawingml/2006/main" xmlns:r="http://schemas.openxmlformats.org/officeDocument/2006/relationships" xmlns:p="http://schemas.openxmlformats.org/presentationml/2006/main">
   <p:cSld>
@@ -1465,32 +1642,6 @@
           <a:bodyPr/>
           <a:lstStyle/>
           <a:p>
-            <a:r>
-              <a:rPr lang="pt-BR" dirty="0"/>
-              <a:t>Em (1)</a:t>
-            </a:r>
-          </a:p>
-          <a:p>
-            <a:r>
-              <a:rPr lang="pt-BR" dirty="0"/>
-              <a:t>	Regiões da cidade são agrupadas com base no seu padrão de uso</a:t>
-            </a:r>
-          </a:p>
-          <a:p>
-            <a:r>
-              <a:rPr lang="pt-BR" dirty="0"/>
-              <a:t>	Padrão de uso evidenciam a natureza organizacional da cidade</a:t>
-            </a:r>
-          </a:p>
-          <a:p>
-            <a:r>
-              <a:rPr lang="pt-BR" dirty="0"/>
-              <a:t>	Indicando correlação e </a:t>
-            </a:r>
-            <a:r>
-              <a:rPr lang="pt-BR" dirty="0" err="1"/>
-              <a:t>causualidade</a:t>
-            </a:r>
             <a:endParaRPr lang="pt-BR" dirty="0"/>
           </a:p>
         </p:txBody>
@@ -1522,6 +1673,90 @@
     <p:extLst>
       <p:ext uri="{BB962C8B-B14F-4D97-AF65-F5344CB8AC3E}">
         <p14:creationId xmlns:p14="http://schemas.microsoft.com/office/powerpoint/2010/main" val="1250736510"/>
+      </p:ext>
+    </p:extLst>
+  </p:cSld>
+  <p:clrMapOvr>
+    <a:masterClrMapping/>
+  </p:clrMapOvr>
+</p:notes>
+</file>
+
+<file path=ppt/notesSlides/notesSlide9.xml><?xml version="1.0" encoding="utf-8"?>
+<p:notes xmlns:a="http://schemas.openxmlformats.org/drawingml/2006/main" xmlns:r="http://schemas.openxmlformats.org/officeDocument/2006/relationships" xmlns:p="http://schemas.openxmlformats.org/presentationml/2006/main">
+  <p:cSld>
+    <p:spTree>
+      <p:nvGrpSpPr>
+        <p:cNvPr id="1" name=""/>
+        <p:cNvGrpSpPr/>
+        <p:nvPr/>
+      </p:nvGrpSpPr>
+      <p:grpSpPr>
+        <a:xfrm>
+          <a:off x="0" y="0"/>
+          <a:ext cx="0" cy="0"/>
+          <a:chOff x="0" y="0"/>
+          <a:chExt cx="0" cy="0"/>
+        </a:xfrm>
+      </p:grpSpPr>
+      <p:sp>
+        <p:nvSpPr>
+          <p:cNvPr id="2" name="Slide Image Placeholder 1"/>
+          <p:cNvSpPr>
+            <a:spLocks noGrp="1" noRot="1" noChangeAspect="1"/>
+          </p:cNvSpPr>
+          <p:nvPr>
+            <p:ph type="sldImg"/>
+          </p:nvPr>
+        </p:nvSpPr>
+        <p:spPr/>
+      </p:sp>
+      <p:sp>
+        <p:nvSpPr>
+          <p:cNvPr id="3" name="Notes Placeholder 2"/>
+          <p:cNvSpPr>
+            <a:spLocks noGrp="1"/>
+          </p:cNvSpPr>
+          <p:nvPr>
+            <p:ph type="body" idx="1"/>
+          </p:nvPr>
+        </p:nvSpPr>
+        <p:spPr/>
+        <p:txBody>
+          <a:bodyPr/>
+          <a:lstStyle/>
+          <a:p>
+            <a:endParaRPr lang="pt-BR" dirty="0"/>
+          </a:p>
+        </p:txBody>
+      </p:sp>
+      <p:sp>
+        <p:nvSpPr>
+          <p:cNvPr id="4" name="Slide Number Placeholder 3"/>
+          <p:cNvSpPr>
+            <a:spLocks noGrp="1"/>
+          </p:cNvSpPr>
+          <p:nvPr>
+            <p:ph type="sldNum" sz="quarter" idx="5"/>
+          </p:nvPr>
+        </p:nvSpPr>
+        <p:spPr/>
+        <p:txBody>
+          <a:bodyPr/>
+          <a:lstStyle/>
+          <a:p>
+            <a:fld id="{11A34663-90A1-D846-8898-3C9F8D7E3213}" type="slidenum">
+              <a:rPr lang="pt-BR" smtClean="0"/>
+              <a:t>13</a:t>
+            </a:fld>
+            <a:endParaRPr lang="pt-BR"/>
+          </a:p>
+        </p:txBody>
+      </p:sp>
+    </p:spTree>
+    <p:extLst>
+      <p:ext uri="{BB962C8B-B14F-4D97-AF65-F5344CB8AC3E}">
+        <p14:creationId xmlns:p14="http://schemas.microsoft.com/office/powerpoint/2010/main" val="2507835729"/>
       </p:ext>
     </p:extLst>
   </p:cSld>
@@ -6756,7 +6991,7 @@
         <p:spPr>
           <a:xfrm>
             <a:off x="531346" y="1784768"/>
-            <a:ext cx="5374154" cy="3346032"/>
+            <a:ext cx="5374154" cy="4102324"/>
           </a:xfrm>
         </p:spPr>
         <p:txBody>
@@ -6769,27 +7004,22 @@
               <a:rPr lang="en-US" sz="1600" b="1" dirty="0">
                 <a:latin typeface="IBM Plex Sans" panose="020B0503050203000203" pitchFamily="34" charset="0"/>
               </a:rPr>
-              <a:t>[1]</a:t>
-            </a:r>
-            <a:br>
+              <a:t>Regions of the city grouped based on </a:t>
+            </a:r>
+            <a:r>
               <a:rPr lang="en-US" sz="1600" b="1" dirty="0">
-                <a:latin typeface="IBM Plex Sans" panose="020B0503050203000203" pitchFamily="34" charset="0"/>
-              </a:rPr>
-            </a:br>
-            <a:r>
-              <a:rPr lang="en-US" sz="1600" b="1" dirty="0">
-                <a:latin typeface="IBM Plex Sans" panose="020B0503050203000203" pitchFamily="34" charset="0"/>
-              </a:rPr>
-              <a:t>Regions of the city grouped based on </a:t>
-            </a:r>
-            <a:r>
-              <a:rPr lang="en-US" sz="1600" b="1" dirty="0">
-                <a:solidFill>
-                  <a:schemeClr val="accent1"/>
+                <a:solidFill>
+                  <a:srgbClr val="0F62FF"/>
                 </a:solidFill>
                 <a:latin typeface="IBM Plex Sans" panose="020B0503050203000203" pitchFamily="34" charset="0"/>
               </a:rPr>
               <a:t>network usage patterns</a:t>
+            </a:r>
+            <a:r>
+              <a:rPr lang="en-US" sz="1600" b="1" baseline="30000" dirty="0">
+                <a:latin typeface="IBM Plex Sans" panose="020B0503050203000203" pitchFamily="34" charset="0"/>
+              </a:rPr>
+              <a:t>1</a:t>
             </a:r>
             <a:br>
               <a:rPr lang="en-US" sz="1600" b="1" dirty="0">
@@ -6801,52 +7031,6 @@
                 <a:latin typeface="IBM Plex Sans" panose="020B0503050203000203" pitchFamily="34" charset="0"/>
               </a:rPr>
             </a:br>
-            <a:r>
-              <a:rPr lang="en-US" sz="1600" b="1" dirty="0">
-                <a:latin typeface="IBM Plex Sans" panose="020B0503050203000203" pitchFamily="34" charset="0"/>
-              </a:rPr>
-              <a:t>[2]</a:t>
-            </a:r>
-            <a:br>
-              <a:rPr lang="en-US" sz="1600" b="1" dirty="0">
-                <a:latin typeface="IBM Plex Sans" panose="020B0503050203000203" pitchFamily="34" charset="0"/>
-              </a:rPr>
-            </a:br>
-            <a:r>
-              <a:rPr lang="en-US" sz="1600" b="1" dirty="0">
-                <a:latin typeface="IBM Plex Sans" panose="020B0503050203000203" pitchFamily="34" charset="0"/>
-              </a:rPr>
-              <a:t>Composition of trimodal distributions to </a:t>
-            </a:r>
-            <a:r>
-              <a:rPr lang="en-US" sz="1600" b="1" dirty="0">
-                <a:solidFill>
-                  <a:schemeClr val="accent1"/>
-                </a:solidFill>
-                <a:latin typeface="IBM Plex Sans" panose="020B0503050203000203" pitchFamily="34" charset="0"/>
-              </a:rPr>
-              <a:t>describe the network traffic</a:t>
-            </a:r>
-            <a:br>
-              <a:rPr lang="en-US" sz="1600" b="1" u="sng" dirty="0">
-                <a:latin typeface="IBM Plex Sans" panose="020B0503050203000203" pitchFamily="34" charset="0"/>
-              </a:rPr>
-            </a:br>
-            <a:r>
-              <a:rPr lang="en-US" sz="1600" b="1" dirty="0">
-                <a:latin typeface="IBM Plex Sans" panose="020B0503050203000203" pitchFamily="34" charset="0"/>
-              </a:rPr>
-              <a:t>Sand temporal distribution of the network traffic results into </a:t>
-            </a:r>
-            <a:r>
-              <a:rPr lang="en-US" sz="1600" b="1" dirty="0">
-                <a:solidFill>
-                  <a:schemeClr val="accent1"/>
-                </a:solidFill>
-                <a:latin typeface="IBM Plex Sans" panose="020B0503050203000203" pitchFamily="34" charset="0"/>
-              </a:rPr>
-              <a:t>extremely insufficient utilization of network resources</a:t>
-            </a:r>
             <a:br>
               <a:rPr lang="en-US" sz="1600" b="1" dirty="0">
                 <a:latin typeface="IBM Plex Sans" panose="020B0503050203000203" pitchFamily="34" charset="0"/>
@@ -6861,23 +7045,132 @@
               <a:rPr lang="en-US" sz="1600" b="1" dirty="0">
                 <a:latin typeface="IBM Plex Sans" panose="020B0503050203000203" pitchFamily="34" charset="0"/>
               </a:rPr>
-              <a:t>[3]</a:t>
+              <a:t>Composition of trimodal distributions to </a:t>
+            </a:r>
+            <a:r>
+              <a:rPr lang="en-US" sz="1600" b="1" dirty="0">
+                <a:solidFill>
+                  <a:srgbClr val="0F62FF"/>
+                </a:solidFill>
+                <a:latin typeface="IBM Plex Sans" panose="020B0503050203000203" pitchFamily="34" charset="0"/>
+              </a:rPr>
+              <a:t>describe the network traffic</a:t>
+            </a:r>
+            <a:r>
+              <a:rPr lang="en-US" sz="1600" b="1" baseline="30000" dirty="0">
+                <a:latin typeface="IBM Plex Sans" panose="020B0503050203000203" pitchFamily="34" charset="0"/>
+              </a:rPr>
+              <a:t>2</a:t>
+            </a:r>
+            <a:br>
+              <a:rPr lang="en-US" sz="1600" b="1" u="sng" dirty="0">
+                <a:latin typeface="IBM Plex Sans" panose="020B0503050203000203" pitchFamily="34" charset="0"/>
+              </a:rPr>
+            </a:br>
+            <a:br>
+              <a:rPr lang="en-US" sz="1600" b="1" u="sng" dirty="0">
+                <a:latin typeface="IBM Plex Sans" panose="020B0503050203000203" pitchFamily="34" charset="0"/>
+              </a:rPr>
+            </a:br>
+            <a:r>
+              <a:rPr lang="en-US" sz="1600" b="1" dirty="0">
+                <a:latin typeface="IBM Plex Sans" panose="020B0503050203000203" pitchFamily="34" charset="0"/>
+              </a:rPr>
+              <a:t>Sand temporal distribution of the network traffic results into extremely</a:t>
+            </a:r>
+            <a:r>
+              <a:rPr lang="en-US" sz="1600" b="1" dirty="0">
+                <a:solidFill>
+                  <a:schemeClr val="accent1"/>
+                </a:solidFill>
+                <a:latin typeface="IBM Plex Sans" panose="020B0503050203000203" pitchFamily="34" charset="0"/>
+              </a:rPr>
+              <a:t> </a:t>
+            </a:r>
+            <a:r>
+              <a:rPr lang="en-US" sz="1600" b="1" dirty="0">
+                <a:solidFill>
+                  <a:srgbClr val="0F62FF"/>
+                </a:solidFill>
+                <a:latin typeface="IBM Plex Sans" panose="020B0503050203000203" pitchFamily="34" charset="0"/>
+              </a:rPr>
+              <a:t>insufficient utilization of</a:t>
+            </a:r>
+            <a:r>
+              <a:rPr lang="en-US" sz="1600" b="1" dirty="0">
+                <a:latin typeface="IBM Plex Sans" panose="020B0503050203000203" pitchFamily="34" charset="0"/>
+              </a:rPr>
+              <a:t> network</a:t>
+            </a:r>
+            <a:r>
+              <a:rPr lang="en-US" sz="1600" b="1" dirty="0">
+                <a:solidFill>
+                  <a:schemeClr val="accent1"/>
+                </a:solidFill>
+                <a:latin typeface="IBM Plex Sans" panose="020B0503050203000203" pitchFamily="34" charset="0"/>
+              </a:rPr>
+              <a:t> </a:t>
+            </a:r>
+            <a:r>
+              <a:rPr lang="en-US" sz="1600" b="1" dirty="0">
+                <a:solidFill>
+                  <a:srgbClr val="0F62FF"/>
+                </a:solidFill>
+                <a:latin typeface="IBM Plex Sans" panose="020B0503050203000203" pitchFamily="34" charset="0"/>
+              </a:rPr>
+              <a:t>resources</a:t>
+            </a:r>
+            <a:r>
+              <a:rPr lang="en-US" sz="1600" b="1" baseline="30000" dirty="0">
+                <a:latin typeface="IBM Plex Sans" panose="020B0503050203000203" pitchFamily="34" charset="0"/>
+              </a:rPr>
+              <a:t>2</a:t>
             </a:r>
             <a:br>
               <a:rPr lang="en-US" sz="1600" b="1" dirty="0">
                 <a:latin typeface="IBM Plex Sans" panose="020B0503050203000203" pitchFamily="34" charset="0"/>
               </a:rPr>
             </a:br>
-            <a:r>
+            <a:br>
               <a:rPr lang="en-US" sz="1600" b="1" dirty="0">
                 <a:latin typeface="IBM Plex Sans" panose="020B0503050203000203" pitchFamily="34" charset="0"/>
               </a:rPr>
-              <a:t>Traffic was concentrated in </a:t>
-            </a:r>
-            <a:r>
+            </a:br>
+            <a:br>
               <a:rPr lang="en-US" sz="1600" b="1" dirty="0">
-                <a:solidFill>
-                  <a:schemeClr val="accent1"/>
+                <a:latin typeface="IBM Plex Sans" panose="020B0503050203000203" pitchFamily="34" charset="0"/>
+              </a:rPr>
+            </a:br>
+            <a:br>
+              <a:rPr lang="en-US" sz="1600" b="1" dirty="0">
+                <a:latin typeface="IBM Plex Sans" panose="020B0503050203000203" pitchFamily="34" charset="0"/>
+              </a:rPr>
+            </a:br>
+            <a:r>
+              <a:rPr lang="en-US" sz="1600" b="1" dirty="0">
+                <a:latin typeface="IBM Plex Sans" panose="020B0503050203000203" pitchFamily="34" charset="0"/>
+              </a:rPr>
+              <a:t>Traffic was </a:t>
+            </a:r>
+            <a:r>
+              <a:rPr lang="en-US" sz="1600" b="1" dirty="0">
+                <a:solidFill>
+                  <a:srgbClr val="0F62FF"/>
+                </a:solidFill>
+                <a:latin typeface="IBM Plex Sans" panose="020B0503050203000203" pitchFamily="34" charset="0"/>
+              </a:rPr>
+              <a:t>concentrated</a:t>
+            </a:r>
+            <a:r>
+              <a:rPr lang="en-US" sz="1600" b="1" dirty="0">
+                <a:latin typeface="IBM Plex Sans" panose="020B0503050203000203" pitchFamily="34" charset="0"/>
+              </a:rPr>
+              <a:t> in </a:t>
+            </a:r>
+            <a:r>
+              <a:rPr lang="en-US" sz="1600" b="1" dirty="0">
+                <a:solidFill>
+                  <a:srgbClr val="0F62FF"/>
                 </a:solidFill>
                 <a:latin typeface="IBM Plex Sans" panose="020B0503050203000203" pitchFamily="34" charset="0"/>
               </a:rPr>
@@ -6892,12 +7185,21 @@
             <a:r>
               <a:rPr lang="en-US" sz="1600" b="1" dirty="0">
                 <a:solidFill>
-                  <a:schemeClr val="accent1"/>
-                </a:solidFill>
-                <a:latin typeface="IBM Plex Sans" panose="020B0503050203000203" pitchFamily="34" charset="0"/>
-              </a:rPr>
-              <a:t>and in peak hours</a:t>
-            </a:r>
+                  <a:srgbClr val="0F62FF"/>
+                </a:solidFill>
+                <a:latin typeface="IBM Plex Sans" panose="020B0503050203000203" pitchFamily="34" charset="0"/>
+              </a:rPr>
+              <a:t>and peak hours</a:t>
+            </a:r>
+            <a:r>
+              <a:rPr lang="en-US" sz="1600" b="1" baseline="30000" dirty="0">
+                <a:latin typeface="IBM Plex Sans" panose="020B0503050203000203" pitchFamily="34" charset="0"/>
+              </a:rPr>
+              <a:t>3</a:t>
+            </a:r>
+            <a:endParaRPr lang="en-US" sz="1600" b="1" dirty="0">
+              <a:latin typeface="IBM Plex Sans" panose="020B0503050203000203" pitchFamily="34" charset="0"/>
+            </a:endParaRPr>
           </a:p>
         </p:txBody>
       </p:sp>
@@ -7081,7 +7383,7 @@
         <p:spPr>
           <a:xfrm>
             <a:off x="6096000" y="4636548"/>
-            <a:ext cx="5257800" cy="430887"/>
+            <a:ext cx="5257800" cy="1446550"/>
           </a:xfrm>
           <a:prstGeom prst="rect">
             <a:avLst/>
@@ -7133,6 +7435,150 @@
               </a:rPr>
               <a:t>, 2018</a:t>
             </a:r>
+          </a:p>
+          <a:p>
+            <a:r>
+              <a:rPr lang="en-US" sz="1100" dirty="0">
+                <a:solidFill>
+                  <a:srgbClr val="898989"/>
+                </a:solidFill>
+                <a:latin typeface="IBM Plex Sans" panose="020B0503050203000203" pitchFamily="34" charset="0"/>
+              </a:rPr>
+              <a:t>[2] </a:t>
+            </a:r>
+            <a:r>
+              <a:rPr lang="en-US" sz="1100" dirty="0" err="1">
+                <a:solidFill>
+                  <a:srgbClr val="898989"/>
+                </a:solidFill>
+                <a:latin typeface="IBM Plex Sans" panose="020B0503050203000203" pitchFamily="34" charset="0"/>
+              </a:rPr>
+              <a:t>Cybenko</a:t>
+            </a:r>
+            <a:r>
+              <a:rPr lang="en-US" sz="1100" dirty="0">
+                <a:solidFill>
+                  <a:srgbClr val="898989"/>
+                </a:solidFill>
+                <a:latin typeface="IBM Plex Sans" panose="020B0503050203000203" pitchFamily="34" charset="0"/>
+              </a:rPr>
+              <a:t>, 1989</a:t>
+            </a:r>
+          </a:p>
+          <a:p>
+            <a:r>
+              <a:rPr lang="en-US" sz="1100" b="0" i="0" dirty="0">
+                <a:solidFill>
+                  <a:srgbClr val="898989"/>
+                </a:solidFill>
+                <a:effectLst/>
+                <a:latin typeface="IBM Plex Sans" panose="020B0503050203000203" pitchFamily="34" charset="0"/>
+              </a:rPr>
+              <a:t>[3] </a:t>
+            </a:r>
+            <a:r>
+              <a:rPr lang="en-US" sz="1100" b="0" i="0" dirty="0" err="1">
+                <a:solidFill>
+                  <a:srgbClr val="898989"/>
+                </a:solidFill>
+                <a:effectLst/>
+                <a:latin typeface="IBM Plex Sans" panose="020B0503050203000203" pitchFamily="34" charset="0"/>
+              </a:rPr>
+              <a:t>Funahashi</a:t>
+            </a:r>
+            <a:r>
+              <a:rPr lang="en-US" sz="1100" b="0" i="0" dirty="0">
+                <a:solidFill>
+                  <a:srgbClr val="898989"/>
+                </a:solidFill>
+                <a:effectLst/>
+                <a:latin typeface="IBM Plex Sans" panose="020B0503050203000203" pitchFamily="34" charset="0"/>
+              </a:rPr>
+              <a:t>, 1989</a:t>
+            </a:r>
+          </a:p>
+          <a:p>
+            <a:r>
+              <a:rPr lang="en-US" sz="1100" b="0" i="0" dirty="0">
+                <a:solidFill>
+                  <a:srgbClr val="898989"/>
+                </a:solidFill>
+                <a:effectLst/>
+                <a:latin typeface="IBM Plex Sans" panose="020B0503050203000203" pitchFamily="34" charset="0"/>
+              </a:rPr>
+              <a:t>[4] </a:t>
+            </a:r>
+            <a:r>
+              <a:rPr lang="en-US" sz="1100" b="0" i="0" dirty="0" err="1">
+                <a:solidFill>
+                  <a:srgbClr val="898989"/>
+                </a:solidFill>
+                <a:effectLst/>
+                <a:latin typeface="IBM Plex Sans" panose="020B0503050203000203" pitchFamily="34" charset="0"/>
+              </a:rPr>
+              <a:t>Hornik</a:t>
+            </a:r>
+            <a:r>
+              <a:rPr lang="en-US" sz="1100" b="0" i="0" dirty="0">
+                <a:solidFill>
+                  <a:srgbClr val="898989"/>
+                </a:solidFill>
+                <a:effectLst/>
+                <a:latin typeface="IBM Plex Sans" panose="020B0503050203000203" pitchFamily="34" charset="0"/>
+              </a:rPr>
+              <a:t>, 1991</a:t>
+            </a:r>
+          </a:p>
+          <a:p>
+            <a:r>
+              <a:rPr lang="en-US" sz="1100" dirty="0">
+                <a:solidFill>
+                  <a:srgbClr val="898989"/>
+                </a:solidFill>
+                <a:latin typeface="IBM Plex Sans" panose="020B0503050203000203" pitchFamily="34" charset="0"/>
+              </a:rPr>
+              <a:t>[5] Wang, 2017a</a:t>
+            </a:r>
+          </a:p>
+          <a:p>
+            <a:r>
+              <a:rPr lang="en-US" sz="1100" b="0" i="0" dirty="0">
+                <a:solidFill>
+                  <a:srgbClr val="898989"/>
+                </a:solidFill>
+                <a:effectLst/>
+                <a:latin typeface="IBM Plex Sans" panose="020B0503050203000203" pitchFamily="34" charset="0"/>
+              </a:rPr>
+              <a:t>[6] Wang, 2017b</a:t>
+            </a:r>
+          </a:p>
+          <a:p>
+            <a:r>
+              <a:rPr lang="en-US" sz="1100" b="0" i="0" dirty="0">
+                <a:solidFill>
+                  <a:srgbClr val="898989"/>
+                </a:solidFill>
+                <a:effectLst/>
+                <a:latin typeface="IBM Plex Sans" panose="020B0503050203000203" pitchFamily="34" charset="0"/>
+              </a:rPr>
+              <a:t>[7] Yang</a:t>
+            </a:r>
+            <a:r>
+              <a:rPr lang="en-US" sz="1100" dirty="0">
+                <a:solidFill>
+                  <a:srgbClr val="898989"/>
+                </a:solidFill>
+                <a:latin typeface="IBM Plex Sans" panose="020B0503050203000203" pitchFamily="34" charset="0"/>
+              </a:rPr>
+              <a:t>, 2021</a:t>
+            </a:r>
+            <a:endParaRPr lang="en-US" sz="1100" b="0" i="0" dirty="0">
+              <a:solidFill>
+                <a:srgbClr val="898989"/>
+              </a:solidFill>
+              <a:effectLst/>
+              <a:latin typeface="IBM Plex Sans" panose="020B0503050203000203" pitchFamily="34" charset="0"/>
+            </a:endParaRPr>
           </a:p>
           <a:p>
             <a:endParaRPr lang="pt-BR" sz="1100" dirty="0">
@@ -7296,8 +7742,8 @@
         </p:nvSpPr>
         <p:spPr>
           <a:xfrm>
-            <a:off x="531346" y="1784768"/>
-            <a:ext cx="5257800" cy="3346032"/>
+            <a:off x="239451" y="887720"/>
+            <a:ext cx="5257800" cy="562285"/>
           </a:xfrm>
           <a:prstGeom prst="rect">
             <a:avLst/>
@@ -7329,41 +7775,1766 @@
           <a:p>
             <a:r>
               <a:rPr lang="en-US" sz="1600" b="1" dirty="0">
-                <a:latin typeface="IBM Plex Sans" panose="020B0503050203000203" pitchFamily="34" charset="0"/>
-              </a:rPr>
-              <a:t>[1]</a:t>
-            </a:r>
-          </a:p>
-          <a:p>
+                <a:solidFill>
+                  <a:srgbClr val="0F62FF"/>
+                </a:solidFill>
+                <a:latin typeface="IBM Plex Sans" panose="020B0503050203000203" pitchFamily="34" charset="0"/>
+              </a:rPr>
+              <a:t>Pure Time Series Function (TSF) </a:t>
+            </a:r>
             <a:r>
               <a:rPr lang="en-US" sz="1600" b="1" dirty="0">
-                <a:solidFill>
-                  <a:schemeClr val="accent1"/>
-                </a:solidFill>
-                <a:latin typeface="IBM Plex Sans" panose="020B0503050203000203" pitchFamily="34" charset="0"/>
-              </a:rPr>
-              <a:t>Pure Time Series Function (TSF)</a:t>
-            </a:r>
-          </a:p>
-          <a:p>
-            <a:r>
-              <a:rPr lang="en-US" sz="1600" b="1">
-                <a:solidFill>
-                  <a:schemeClr val="accent1"/>
+                <a:latin typeface="IBM Plex Sans" panose="020B0503050203000203" pitchFamily="34" charset="0"/>
+              </a:rPr>
+              <a:t>and </a:t>
+            </a:r>
+            <a:r>
+              <a:rPr lang="en-US" sz="1600" b="1" dirty="0">
+                <a:solidFill>
+                  <a:srgbClr val="0F62FF"/>
                 </a:solidFill>
                 <a:latin typeface="IBM Plex Sans" panose="020B0503050203000203" pitchFamily="34" charset="0"/>
               </a:rPr>
               <a:t>Non-TSF problem</a:t>
             </a:r>
+            <a:r>
+              <a:rPr lang="en-US" sz="1600" b="1" baseline="30000" dirty="0">
+                <a:latin typeface="IBM Plex Sans" panose="020B0503050203000203" pitchFamily="34" charset="0"/>
+              </a:rPr>
+              <a:t>1</a:t>
+            </a:r>
+          </a:p>
+        </p:txBody>
+      </p:sp>
+      <p:sp>
+        <p:nvSpPr>
+          <p:cNvPr id="14" name="Oval 13">
+            <a:extLst>
+              <a:ext uri="{FF2B5EF4-FFF2-40B4-BE49-F238E27FC236}">
+                <a16:creationId xmlns:a16="http://schemas.microsoft.com/office/drawing/2014/main" id="{FB9B08C8-E6C1-BC5B-837F-4F45C3B2CD6C}"/>
+              </a:ext>
+            </a:extLst>
+          </p:cNvPr>
+          <p:cNvSpPr/>
+          <p:nvPr/>
+        </p:nvSpPr>
+        <p:spPr>
+          <a:xfrm>
+            <a:off x="290889" y="2176930"/>
+            <a:ext cx="310581" cy="308867"/>
+          </a:xfrm>
+          <a:prstGeom prst="ellipse">
+            <a:avLst/>
+          </a:prstGeom>
+          <a:solidFill>
+            <a:srgbClr val="0F62FF"/>
+          </a:solidFill>
+          <a:ln>
+            <a:solidFill>
+              <a:schemeClr val="tx1"/>
+            </a:solidFill>
+          </a:ln>
+        </p:spPr>
+        <p:style>
+          <a:lnRef idx="2">
+            <a:schemeClr val="accent1">
+              <a:shade val="15000"/>
+            </a:schemeClr>
+          </a:lnRef>
+          <a:fillRef idx="1">
+            <a:schemeClr val="accent1"/>
+          </a:fillRef>
+          <a:effectRef idx="0">
+            <a:schemeClr val="accent1"/>
+          </a:effectRef>
+          <a:fontRef idx="minor">
+            <a:schemeClr val="lt1"/>
+          </a:fontRef>
+        </p:style>
+        <p:txBody>
+          <a:bodyPr rtlCol="0" anchor="ctr"/>
+          <a:lstStyle/>
+          <a:p>
+            <a:pPr algn="ctr"/>
+            <a:endParaRPr lang="pt-BR"/>
+          </a:p>
+        </p:txBody>
+      </p:sp>
+      <p:sp>
+        <p:nvSpPr>
+          <p:cNvPr id="15" name="Oval 14">
+            <a:extLst>
+              <a:ext uri="{FF2B5EF4-FFF2-40B4-BE49-F238E27FC236}">
+                <a16:creationId xmlns:a16="http://schemas.microsoft.com/office/drawing/2014/main" id="{39D9A3A8-E16B-599C-E7F0-74F09E118597}"/>
+              </a:ext>
+            </a:extLst>
+          </p:cNvPr>
+          <p:cNvSpPr/>
+          <p:nvPr/>
+        </p:nvSpPr>
+        <p:spPr>
+          <a:xfrm>
+            <a:off x="813553" y="2181524"/>
+            <a:ext cx="310581" cy="308867"/>
+          </a:xfrm>
+          <a:prstGeom prst="ellipse">
+            <a:avLst/>
+          </a:prstGeom>
+          <a:solidFill>
+            <a:srgbClr val="0F62FF"/>
+          </a:solidFill>
+          <a:ln>
+            <a:solidFill>
+              <a:schemeClr val="tx1"/>
+            </a:solidFill>
+          </a:ln>
+        </p:spPr>
+        <p:style>
+          <a:lnRef idx="2">
+            <a:schemeClr val="accent1">
+              <a:shade val="15000"/>
+            </a:schemeClr>
+          </a:lnRef>
+          <a:fillRef idx="1">
+            <a:schemeClr val="accent1"/>
+          </a:fillRef>
+          <a:effectRef idx="0">
+            <a:schemeClr val="accent1"/>
+          </a:effectRef>
+          <a:fontRef idx="minor">
+            <a:schemeClr val="lt1"/>
+          </a:fontRef>
+        </p:style>
+        <p:txBody>
+          <a:bodyPr rtlCol="0" anchor="ctr"/>
+          <a:lstStyle/>
+          <a:p>
+            <a:pPr algn="ctr"/>
+            <a:endParaRPr lang="pt-BR"/>
+          </a:p>
+        </p:txBody>
+      </p:sp>
+      <p:sp>
+        <p:nvSpPr>
+          <p:cNvPr id="17" name="Oval 16">
+            <a:extLst>
+              <a:ext uri="{FF2B5EF4-FFF2-40B4-BE49-F238E27FC236}">
+                <a16:creationId xmlns:a16="http://schemas.microsoft.com/office/drawing/2014/main" id="{54BAB824-D7AA-6DA1-60F4-D0A203F693B4}"/>
+              </a:ext>
+            </a:extLst>
+          </p:cNvPr>
+          <p:cNvSpPr/>
+          <p:nvPr/>
+        </p:nvSpPr>
+        <p:spPr>
+          <a:xfrm>
+            <a:off x="4824652" y="2176930"/>
+            <a:ext cx="310581" cy="308867"/>
+          </a:xfrm>
+          <a:prstGeom prst="ellipse">
+            <a:avLst/>
+          </a:prstGeom>
+          <a:solidFill>
+            <a:srgbClr val="0F62FF"/>
+          </a:solidFill>
+          <a:ln>
+            <a:solidFill>
+              <a:schemeClr val="tx1"/>
+            </a:solidFill>
+          </a:ln>
+        </p:spPr>
+        <p:style>
+          <a:lnRef idx="2">
+            <a:schemeClr val="accent1">
+              <a:shade val="15000"/>
+            </a:schemeClr>
+          </a:lnRef>
+          <a:fillRef idx="1">
+            <a:schemeClr val="accent1"/>
+          </a:fillRef>
+          <a:effectRef idx="0">
+            <a:schemeClr val="accent1"/>
+          </a:effectRef>
+          <a:fontRef idx="minor">
+            <a:schemeClr val="lt1"/>
+          </a:fontRef>
+        </p:style>
+        <p:txBody>
+          <a:bodyPr rtlCol="0" anchor="ctr"/>
+          <a:lstStyle/>
+          <a:p>
+            <a:pPr algn="ctr"/>
+            <a:endParaRPr lang="pt-BR"/>
+          </a:p>
+        </p:txBody>
+      </p:sp>
+      <p:sp>
+        <p:nvSpPr>
+          <p:cNvPr id="18" name="Oval 17">
+            <a:extLst>
+              <a:ext uri="{FF2B5EF4-FFF2-40B4-BE49-F238E27FC236}">
+                <a16:creationId xmlns:a16="http://schemas.microsoft.com/office/drawing/2014/main" id="{22CADE2B-0279-DCA4-21B6-38807525A3B3}"/>
+              </a:ext>
+            </a:extLst>
+          </p:cNvPr>
+          <p:cNvSpPr/>
+          <p:nvPr/>
+        </p:nvSpPr>
+        <p:spPr>
+          <a:xfrm>
+            <a:off x="6328800" y="2181523"/>
+            <a:ext cx="310581" cy="308867"/>
+          </a:xfrm>
+          <a:prstGeom prst="ellipse">
+            <a:avLst/>
+          </a:prstGeom>
+          <a:solidFill>
+            <a:srgbClr val="0F62FF"/>
+          </a:solidFill>
+          <a:ln>
+            <a:solidFill>
+              <a:schemeClr val="tx1"/>
+            </a:solidFill>
+          </a:ln>
+        </p:spPr>
+        <p:style>
+          <a:lnRef idx="2">
+            <a:schemeClr val="accent1">
+              <a:shade val="15000"/>
+            </a:schemeClr>
+          </a:lnRef>
+          <a:fillRef idx="1">
+            <a:schemeClr val="accent1"/>
+          </a:fillRef>
+          <a:effectRef idx="0">
+            <a:schemeClr val="accent1"/>
+          </a:effectRef>
+          <a:fontRef idx="minor">
+            <a:schemeClr val="lt1"/>
+          </a:fontRef>
+        </p:style>
+        <p:txBody>
+          <a:bodyPr rtlCol="0" anchor="ctr"/>
+          <a:lstStyle/>
+          <a:p>
+            <a:pPr algn="ctr"/>
+            <a:endParaRPr lang="pt-BR"/>
+          </a:p>
+        </p:txBody>
+      </p:sp>
+      <p:sp>
+        <p:nvSpPr>
+          <p:cNvPr id="20" name="Title">
+            <a:extLst>
+              <a:ext uri="{FF2B5EF4-FFF2-40B4-BE49-F238E27FC236}">
+                <a16:creationId xmlns:a16="http://schemas.microsoft.com/office/drawing/2014/main" id="{76A601A4-3115-AE98-AB1C-37D9DCBB5320}"/>
+              </a:ext>
+            </a:extLst>
+          </p:cNvPr>
+          <p:cNvSpPr txBox="1">
+            <a:spLocks/>
+          </p:cNvSpPr>
+          <p:nvPr/>
+        </p:nvSpPr>
+        <p:spPr>
+          <a:xfrm>
+            <a:off x="446179" y="5609140"/>
+            <a:ext cx="5257800" cy="308867"/>
+          </a:xfrm>
+          <a:prstGeom prst="rect">
+            <a:avLst/>
+          </a:prstGeom>
+        </p:spPr>
+        <p:txBody>
+          <a:bodyPr vert="horz" lIns="91440" tIns="45720" rIns="91440" bIns="45720" rtlCol="0" anchor="t">
+            <a:normAutofit lnSpcReduction="10000"/>
+          </a:bodyPr>
+          <a:lstStyle>
+            <a:lvl1pPr algn="l" defTabSz="914400" rtl="0" eaLnBrk="1" latinLnBrk="0" hangingPunct="1">
+              <a:lnSpc>
+                <a:spcPct val="90000"/>
+              </a:lnSpc>
+              <a:spcBef>
+                <a:spcPct val="0"/>
+              </a:spcBef>
+              <a:buNone/>
+              <a:defRPr sz="4400" kern="1200">
+                <a:solidFill>
+                  <a:schemeClr val="tx1"/>
+                </a:solidFill>
+                <a:latin typeface="+mj-lt"/>
+                <a:ea typeface="+mj-ea"/>
+                <a:cs typeface="+mj-cs"/>
+              </a:defRPr>
+            </a:lvl1pPr>
+          </a:lstStyle>
+          <a:p>
+            <a:r>
+              <a:rPr lang="en-US" sz="1600" b="1" dirty="0">
+                <a:latin typeface="IBM Plex Sans" panose="020B0503050203000203" pitchFamily="34" charset="0"/>
+              </a:rPr>
+              <a:t>Multi Layer </a:t>
+            </a:r>
+            <a:r>
+              <a:rPr lang="en-US" sz="1600" b="1" dirty="0" err="1">
+                <a:latin typeface="IBM Plex Sans" panose="020B0503050203000203" pitchFamily="34" charset="0"/>
+              </a:rPr>
+              <a:t>Perceptrion</a:t>
+            </a:r>
+            <a:r>
+              <a:rPr lang="en-US" sz="1600" b="1" dirty="0">
+                <a:latin typeface="IBM Plex Sans" panose="020B0503050203000203" pitchFamily="34" charset="0"/>
+              </a:rPr>
+              <a:t> (MLP) to traffic perdiction</a:t>
+            </a:r>
+            <a:r>
+              <a:rPr lang="en-US" sz="1600" b="1" baseline="30000" dirty="0">
+                <a:latin typeface="IBM Plex Sans" panose="020B0503050203000203" pitchFamily="34" charset="0"/>
+              </a:rPr>
+              <a:t>2</a:t>
+            </a:r>
             <a:endParaRPr lang="en-US" sz="1600" b="1" dirty="0">
-              <a:solidFill>
-                <a:schemeClr val="accent1"/>
-              </a:solidFill>
               <a:latin typeface="IBM Plex Sans" panose="020B0503050203000203" pitchFamily="34" charset="0"/>
             </a:endParaRPr>
           </a:p>
         </p:txBody>
       </p:sp>
+      <p:sp>
+        <p:nvSpPr>
+          <p:cNvPr id="21" name="Title">
+            <a:extLst>
+              <a:ext uri="{FF2B5EF4-FFF2-40B4-BE49-F238E27FC236}">
+                <a16:creationId xmlns:a16="http://schemas.microsoft.com/office/drawing/2014/main" id="{C84622CA-C44A-416C-8E0F-BE21DE51C403}"/>
+              </a:ext>
+            </a:extLst>
+          </p:cNvPr>
+          <p:cNvSpPr txBox="1">
+            <a:spLocks/>
+          </p:cNvSpPr>
+          <p:nvPr/>
+        </p:nvSpPr>
+        <p:spPr>
+          <a:xfrm>
+            <a:off x="446179" y="5278041"/>
+            <a:ext cx="5257800" cy="308868"/>
+          </a:xfrm>
+          <a:prstGeom prst="rect">
+            <a:avLst/>
+          </a:prstGeom>
+        </p:spPr>
+        <p:txBody>
+          <a:bodyPr vert="horz" lIns="91440" tIns="45720" rIns="91440" bIns="45720" rtlCol="0" anchor="t">
+            <a:normAutofit lnSpcReduction="10000"/>
+          </a:bodyPr>
+          <a:lstStyle>
+            <a:lvl1pPr algn="l" defTabSz="914400" rtl="0" eaLnBrk="1" latinLnBrk="0" hangingPunct="1">
+              <a:lnSpc>
+                <a:spcPct val="90000"/>
+              </a:lnSpc>
+              <a:spcBef>
+                <a:spcPct val="0"/>
+              </a:spcBef>
+              <a:buNone/>
+              <a:defRPr sz="4400" kern="1200">
+                <a:solidFill>
+                  <a:schemeClr val="tx1"/>
+                </a:solidFill>
+                <a:latin typeface="+mj-lt"/>
+                <a:ea typeface="+mj-ea"/>
+                <a:cs typeface="+mj-cs"/>
+              </a:defRPr>
+            </a:lvl1pPr>
+          </a:lstStyle>
+          <a:p>
+            <a:r>
+              <a:rPr lang="en-US" sz="1600" b="1" dirty="0">
+                <a:latin typeface="IBM Plex Sans" panose="020B0503050203000203" pitchFamily="34" charset="0"/>
+              </a:rPr>
+              <a:t>Single Layer Perceptron (SLP) to traffic perdiction</a:t>
+            </a:r>
+            <a:r>
+              <a:rPr lang="en-US" sz="1600" b="1" baseline="30000" dirty="0">
+                <a:latin typeface="IBM Plex Sans" panose="020B0503050203000203" pitchFamily="34" charset="0"/>
+              </a:rPr>
+              <a:t>3</a:t>
+            </a:r>
+            <a:endParaRPr lang="en-US" sz="1600" b="1" dirty="0">
+              <a:latin typeface="IBM Plex Sans" panose="020B0503050203000203" pitchFamily="34" charset="0"/>
+            </a:endParaRPr>
+          </a:p>
+        </p:txBody>
+      </p:sp>
+      <p:sp>
+        <p:nvSpPr>
+          <p:cNvPr id="22" name="Title">
+            <a:extLst>
+              <a:ext uri="{FF2B5EF4-FFF2-40B4-BE49-F238E27FC236}">
+                <a16:creationId xmlns:a16="http://schemas.microsoft.com/office/drawing/2014/main" id="{B4642355-677F-29A4-1C26-541AC7D3AE96}"/>
+              </a:ext>
+            </a:extLst>
+          </p:cNvPr>
+          <p:cNvSpPr txBox="1">
+            <a:spLocks/>
+          </p:cNvSpPr>
+          <p:nvPr/>
+        </p:nvSpPr>
+        <p:spPr>
+          <a:xfrm>
+            <a:off x="973819" y="4526329"/>
+            <a:ext cx="5257800" cy="308867"/>
+          </a:xfrm>
+          <a:prstGeom prst="rect">
+            <a:avLst/>
+          </a:prstGeom>
+        </p:spPr>
+        <p:txBody>
+          <a:bodyPr vert="horz" lIns="91440" tIns="45720" rIns="91440" bIns="45720" rtlCol="0" anchor="t">
+            <a:normAutofit lnSpcReduction="10000"/>
+          </a:bodyPr>
+          <a:lstStyle>
+            <a:lvl1pPr algn="l" defTabSz="914400" rtl="0" eaLnBrk="1" latinLnBrk="0" hangingPunct="1">
+              <a:lnSpc>
+                <a:spcPct val="90000"/>
+              </a:lnSpc>
+              <a:spcBef>
+                <a:spcPct val="0"/>
+              </a:spcBef>
+              <a:buNone/>
+              <a:defRPr sz="4400" kern="1200">
+                <a:solidFill>
+                  <a:schemeClr val="tx1"/>
+                </a:solidFill>
+                <a:latin typeface="+mj-lt"/>
+                <a:ea typeface="+mj-ea"/>
+                <a:cs typeface="+mj-cs"/>
+              </a:defRPr>
+            </a:lvl1pPr>
+          </a:lstStyle>
+          <a:p>
+            <a:r>
+              <a:rPr lang="en-US" sz="1600" b="1" dirty="0">
+                <a:latin typeface="IBM Plex Sans" panose="020B0503050203000203" pitchFamily="34" charset="0"/>
+              </a:rPr>
+              <a:t>MLP to network traffic forecasting</a:t>
+            </a:r>
+            <a:r>
+              <a:rPr lang="en-US" sz="1600" b="1" baseline="30000" dirty="0">
+                <a:latin typeface="IBM Plex Sans" panose="020B0503050203000203" pitchFamily="34" charset="0"/>
+              </a:rPr>
+              <a:t>4</a:t>
+            </a:r>
+            <a:endParaRPr lang="en-US" sz="1600" b="1" dirty="0">
+              <a:latin typeface="IBM Plex Sans" panose="020B0503050203000203" pitchFamily="34" charset="0"/>
+            </a:endParaRPr>
+          </a:p>
+        </p:txBody>
+      </p:sp>
+      <p:sp>
+        <p:nvSpPr>
+          <p:cNvPr id="23" name="Title">
+            <a:extLst>
+              <a:ext uri="{FF2B5EF4-FFF2-40B4-BE49-F238E27FC236}">
+                <a16:creationId xmlns:a16="http://schemas.microsoft.com/office/drawing/2014/main" id="{C3108529-F1F8-76D7-8579-D296A7A702DB}"/>
+              </a:ext>
+            </a:extLst>
+          </p:cNvPr>
+          <p:cNvSpPr txBox="1">
+            <a:spLocks/>
+          </p:cNvSpPr>
+          <p:nvPr/>
+        </p:nvSpPr>
+        <p:spPr>
+          <a:xfrm>
+            <a:off x="4978431" y="3993419"/>
+            <a:ext cx="5257800" cy="568448"/>
+          </a:xfrm>
+          <a:prstGeom prst="rect">
+            <a:avLst/>
+          </a:prstGeom>
+        </p:spPr>
+        <p:txBody>
+          <a:bodyPr vert="horz" lIns="91440" tIns="45720" rIns="91440" bIns="45720" rtlCol="0" anchor="t">
+            <a:normAutofit/>
+          </a:bodyPr>
+          <a:lstStyle>
+            <a:lvl1pPr algn="l" defTabSz="914400" rtl="0" eaLnBrk="1" latinLnBrk="0" hangingPunct="1">
+              <a:lnSpc>
+                <a:spcPct val="90000"/>
+              </a:lnSpc>
+              <a:spcBef>
+                <a:spcPct val="0"/>
+              </a:spcBef>
+              <a:buNone/>
+              <a:defRPr sz="4400" kern="1200">
+                <a:solidFill>
+                  <a:schemeClr val="tx1"/>
+                </a:solidFill>
+                <a:latin typeface="+mj-lt"/>
+                <a:ea typeface="+mj-ea"/>
+                <a:cs typeface="+mj-cs"/>
+              </a:defRPr>
+            </a:lvl1pPr>
+          </a:lstStyle>
+          <a:p>
+            <a:r>
+              <a:rPr lang="en-US" sz="1600" b="1" dirty="0">
+                <a:latin typeface="IBM Plex Sans" panose="020B0503050203000203" pitchFamily="34" charset="0"/>
+              </a:rPr>
+              <a:t>Recurrent Neural Network and usage of global + local autoencoders</a:t>
+            </a:r>
+            <a:r>
+              <a:rPr lang="en-US" sz="1600" b="1" baseline="30000" dirty="0">
+                <a:latin typeface="IBM Plex Sans" panose="020B0503050203000203" pitchFamily="34" charset="0"/>
+              </a:rPr>
+              <a:t>5</a:t>
+            </a:r>
+            <a:endParaRPr lang="en-US" sz="1600" b="1" dirty="0">
+              <a:latin typeface="IBM Plex Sans" panose="020B0503050203000203" pitchFamily="34" charset="0"/>
+            </a:endParaRPr>
+          </a:p>
+        </p:txBody>
+      </p:sp>
+      <p:sp>
+        <p:nvSpPr>
+          <p:cNvPr id="24" name="Title">
+            <a:extLst>
+              <a:ext uri="{FF2B5EF4-FFF2-40B4-BE49-F238E27FC236}">
+                <a16:creationId xmlns:a16="http://schemas.microsoft.com/office/drawing/2014/main" id="{7A695264-A793-2E18-156B-F0A81C7AF2EF}"/>
+              </a:ext>
+            </a:extLst>
+          </p:cNvPr>
+          <p:cNvSpPr txBox="1">
+            <a:spLocks/>
+          </p:cNvSpPr>
+          <p:nvPr/>
+        </p:nvSpPr>
+        <p:spPr>
+          <a:xfrm>
+            <a:off x="4978431" y="3365288"/>
+            <a:ext cx="5257800" cy="568448"/>
+          </a:xfrm>
+          <a:prstGeom prst="rect">
+            <a:avLst/>
+          </a:prstGeom>
+        </p:spPr>
+        <p:txBody>
+          <a:bodyPr vert="horz" lIns="91440" tIns="45720" rIns="91440" bIns="45720" rtlCol="0" anchor="t">
+            <a:normAutofit/>
+          </a:bodyPr>
+          <a:lstStyle>
+            <a:lvl1pPr algn="l" defTabSz="914400" rtl="0" eaLnBrk="1" latinLnBrk="0" hangingPunct="1">
+              <a:lnSpc>
+                <a:spcPct val="90000"/>
+              </a:lnSpc>
+              <a:spcBef>
+                <a:spcPct val="0"/>
+              </a:spcBef>
+              <a:buNone/>
+              <a:defRPr sz="4400" kern="1200">
+                <a:solidFill>
+                  <a:schemeClr val="tx1"/>
+                </a:solidFill>
+                <a:latin typeface="+mj-lt"/>
+                <a:ea typeface="+mj-ea"/>
+                <a:cs typeface="+mj-cs"/>
+              </a:defRPr>
+            </a:lvl1pPr>
+          </a:lstStyle>
+          <a:p>
+            <a:r>
+              <a:rPr lang="en-US" sz="1600" b="1" dirty="0">
+                <a:latin typeface="IBM Plex Sans" panose="020B0503050203000203" pitchFamily="34" charset="0"/>
+              </a:rPr>
+              <a:t>In-tower and inter-tower traffic analysis through a Graph Neural Network (GNN)</a:t>
+            </a:r>
+            <a:r>
+              <a:rPr lang="en-US" sz="1600" b="1" baseline="30000" dirty="0">
+                <a:latin typeface="IBM Plex Sans" panose="020B0503050203000203" pitchFamily="34" charset="0"/>
+              </a:rPr>
+              <a:t>6</a:t>
+            </a:r>
+            <a:endParaRPr lang="en-US" sz="1600" b="1" dirty="0">
+              <a:latin typeface="IBM Plex Sans" panose="020B0503050203000203" pitchFamily="34" charset="0"/>
+            </a:endParaRPr>
+          </a:p>
+        </p:txBody>
+      </p:sp>
+      <p:sp>
+        <p:nvSpPr>
+          <p:cNvPr id="25" name="Title">
+            <a:extLst>
+              <a:ext uri="{FF2B5EF4-FFF2-40B4-BE49-F238E27FC236}">
+                <a16:creationId xmlns:a16="http://schemas.microsoft.com/office/drawing/2014/main" id="{90B0D232-02CC-D69F-D8FE-A4E2EBCD871E}"/>
+              </a:ext>
+            </a:extLst>
+          </p:cNvPr>
+          <p:cNvSpPr txBox="1">
+            <a:spLocks/>
+          </p:cNvSpPr>
+          <p:nvPr/>
+        </p:nvSpPr>
+        <p:spPr>
+          <a:xfrm>
+            <a:off x="6484090" y="2645732"/>
+            <a:ext cx="5257800" cy="720967"/>
+          </a:xfrm>
+          <a:prstGeom prst="rect">
+            <a:avLst/>
+          </a:prstGeom>
+        </p:spPr>
+        <p:txBody>
+          <a:bodyPr vert="horz" lIns="91440" tIns="45720" rIns="91440" bIns="45720" rtlCol="0" anchor="t">
+            <a:normAutofit lnSpcReduction="10000"/>
+          </a:bodyPr>
+          <a:lstStyle>
+            <a:lvl1pPr algn="l" defTabSz="914400" rtl="0" eaLnBrk="1" latinLnBrk="0" hangingPunct="1">
+              <a:lnSpc>
+                <a:spcPct val="90000"/>
+              </a:lnSpc>
+              <a:spcBef>
+                <a:spcPct val="0"/>
+              </a:spcBef>
+              <a:buNone/>
+              <a:defRPr sz="4400" kern="1200">
+                <a:solidFill>
+                  <a:schemeClr val="tx1"/>
+                </a:solidFill>
+                <a:latin typeface="+mj-lt"/>
+                <a:ea typeface="+mj-ea"/>
+                <a:cs typeface="+mj-cs"/>
+              </a:defRPr>
+            </a:lvl1pPr>
+          </a:lstStyle>
+          <a:p>
+            <a:r>
+              <a:rPr lang="en-US" sz="1600" b="1" dirty="0" err="1">
+                <a:latin typeface="IBM Plex Sans" panose="020B0503050203000203" pitchFamily="34" charset="0"/>
+              </a:rPr>
+              <a:t>AutoRegressive</a:t>
+            </a:r>
+            <a:r>
+              <a:rPr lang="en-US" sz="1600" b="1" dirty="0">
+                <a:latin typeface="IBM Plex Sans" panose="020B0503050203000203" pitchFamily="34" charset="0"/>
+              </a:rPr>
+              <a:t> Moving Average (ARIMA) and Neural Network model training with Simulated Annealing (SA)</a:t>
+            </a:r>
+            <a:r>
+              <a:rPr lang="en-US" sz="1600" b="1" baseline="30000" dirty="0">
+                <a:latin typeface="IBM Plex Sans" panose="020B0503050203000203" pitchFamily="34" charset="0"/>
+              </a:rPr>
+              <a:t>7</a:t>
+            </a:r>
+            <a:endParaRPr lang="en-US" sz="1600" b="1" dirty="0">
+              <a:latin typeface="IBM Plex Sans" panose="020B0503050203000203" pitchFamily="34" charset="0"/>
+            </a:endParaRPr>
+          </a:p>
+        </p:txBody>
+      </p:sp>
+      <p:sp>
+        <p:nvSpPr>
+          <p:cNvPr id="26" name="Title">
+            <a:extLst>
+              <a:ext uri="{FF2B5EF4-FFF2-40B4-BE49-F238E27FC236}">
+                <a16:creationId xmlns:a16="http://schemas.microsoft.com/office/drawing/2014/main" id="{0EFB8CE7-D8D4-007E-1DB4-1B9791210DC7}"/>
+              </a:ext>
+            </a:extLst>
+          </p:cNvPr>
+          <p:cNvSpPr txBox="1">
+            <a:spLocks/>
+          </p:cNvSpPr>
+          <p:nvPr/>
+        </p:nvSpPr>
+        <p:spPr>
+          <a:xfrm rot="16200000">
+            <a:off x="6252908" y="1758854"/>
+            <a:ext cx="547638" cy="225309"/>
+          </a:xfrm>
+          <a:prstGeom prst="rect">
+            <a:avLst/>
+          </a:prstGeom>
+        </p:spPr>
+        <p:txBody>
+          <a:bodyPr vert="horz" lIns="0" tIns="0" rIns="0" bIns="0" rtlCol="0" anchor="t">
+            <a:noAutofit/>
+          </a:bodyPr>
+          <a:lstStyle>
+            <a:lvl1pPr algn="l" rtl="0" eaLnBrk="1" fontAlgn="base" hangingPunct="1">
+              <a:lnSpc>
+                <a:spcPct val="90000"/>
+              </a:lnSpc>
+              <a:spcBef>
+                <a:spcPct val="0"/>
+              </a:spcBef>
+              <a:spcAft>
+                <a:spcPct val="0"/>
+              </a:spcAft>
+              <a:defRPr sz="1600" b="0">
+                <a:solidFill>
+                  <a:schemeClr val="bg1"/>
+                </a:solidFill>
+                <a:latin typeface="IBM Plex Sans" panose="020B0503050203000203" pitchFamily="34" charset="0"/>
+                <a:ea typeface="IBM Plex Sans" panose="020B0503050203000203" pitchFamily="34" charset="0"/>
+                <a:cs typeface="IBM Plex Sans" panose="020B0503050203000203" pitchFamily="34" charset="0"/>
+              </a:defRPr>
+            </a:lvl1pPr>
+            <a:lvl2pPr algn="l" rtl="0" eaLnBrk="1" fontAlgn="base" hangingPunct="1">
+              <a:lnSpc>
+                <a:spcPct val="90000"/>
+              </a:lnSpc>
+              <a:spcBef>
+                <a:spcPct val="0"/>
+              </a:spcBef>
+              <a:spcAft>
+                <a:spcPct val="0"/>
+              </a:spcAft>
+              <a:defRPr sz="2220">
+                <a:solidFill>
+                  <a:srgbClr val="191919"/>
+                </a:solidFill>
+                <a:latin typeface="IBM Plex Sans" pitchFamily="34" charset="0"/>
+              </a:defRPr>
+            </a:lvl2pPr>
+            <a:lvl3pPr algn="l" rtl="0" eaLnBrk="1" fontAlgn="base" hangingPunct="1">
+              <a:lnSpc>
+                <a:spcPct val="90000"/>
+              </a:lnSpc>
+              <a:spcBef>
+                <a:spcPct val="0"/>
+              </a:spcBef>
+              <a:spcAft>
+                <a:spcPct val="0"/>
+              </a:spcAft>
+              <a:defRPr sz="2220">
+                <a:solidFill>
+                  <a:srgbClr val="191919"/>
+                </a:solidFill>
+                <a:latin typeface="IBM Plex Sans" pitchFamily="34" charset="0"/>
+              </a:defRPr>
+            </a:lvl3pPr>
+            <a:lvl4pPr algn="l" rtl="0" eaLnBrk="1" fontAlgn="base" hangingPunct="1">
+              <a:lnSpc>
+                <a:spcPct val="90000"/>
+              </a:lnSpc>
+              <a:spcBef>
+                <a:spcPct val="0"/>
+              </a:spcBef>
+              <a:spcAft>
+                <a:spcPct val="0"/>
+              </a:spcAft>
+              <a:defRPr sz="2220">
+                <a:solidFill>
+                  <a:srgbClr val="191919"/>
+                </a:solidFill>
+                <a:latin typeface="IBM Plex Sans" pitchFamily="34" charset="0"/>
+              </a:defRPr>
+            </a:lvl4pPr>
+            <a:lvl5pPr algn="l" rtl="0" eaLnBrk="1" fontAlgn="base" hangingPunct="1">
+              <a:lnSpc>
+                <a:spcPct val="90000"/>
+              </a:lnSpc>
+              <a:spcBef>
+                <a:spcPct val="0"/>
+              </a:spcBef>
+              <a:spcAft>
+                <a:spcPct val="0"/>
+              </a:spcAft>
+              <a:defRPr sz="2220">
+                <a:solidFill>
+                  <a:srgbClr val="191919"/>
+                </a:solidFill>
+                <a:latin typeface="IBM Plex Sans" pitchFamily="34" charset="0"/>
+              </a:defRPr>
+            </a:lvl5pPr>
+            <a:lvl6pPr marL="362568" algn="l" rtl="0" eaLnBrk="1" fontAlgn="base" hangingPunct="1">
+              <a:lnSpc>
+                <a:spcPct val="90000"/>
+              </a:lnSpc>
+              <a:spcBef>
+                <a:spcPct val="0"/>
+              </a:spcBef>
+              <a:spcAft>
+                <a:spcPct val="0"/>
+              </a:spcAft>
+              <a:defRPr sz="2220">
+                <a:solidFill>
+                  <a:srgbClr val="191919"/>
+                </a:solidFill>
+                <a:latin typeface="IBM Plex Sans" pitchFamily="34" charset="0"/>
+              </a:defRPr>
+            </a:lvl6pPr>
+            <a:lvl7pPr marL="725139" algn="l" rtl="0" eaLnBrk="1" fontAlgn="base" hangingPunct="1">
+              <a:lnSpc>
+                <a:spcPct val="90000"/>
+              </a:lnSpc>
+              <a:spcBef>
+                <a:spcPct val="0"/>
+              </a:spcBef>
+              <a:spcAft>
+                <a:spcPct val="0"/>
+              </a:spcAft>
+              <a:defRPr sz="2220">
+                <a:solidFill>
+                  <a:srgbClr val="191919"/>
+                </a:solidFill>
+                <a:latin typeface="IBM Plex Sans" pitchFamily="34" charset="0"/>
+              </a:defRPr>
+            </a:lvl7pPr>
+            <a:lvl8pPr marL="1087707" algn="l" rtl="0" eaLnBrk="1" fontAlgn="base" hangingPunct="1">
+              <a:lnSpc>
+                <a:spcPct val="90000"/>
+              </a:lnSpc>
+              <a:spcBef>
+                <a:spcPct val="0"/>
+              </a:spcBef>
+              <a:spcAft>
+                <a:spcPct val="0"/>
+              </a:spcAft>
+              <a:defRPr sz="2220">
+                <a:solidFill>
+                  <a:srgbClr val="191919"/>
+                </a:solidFill>
+                <a:latin typeface="IBM Plex Sans" pitchFamily="34" charset="0"/>
+              </a:defRPr>
+            </a:lvl8pPr>
+            <a:lvl9pPr marL="1450276" algn="l" rtl="0" eaLnBrk="1" fontAlgn="base" hangingPunct="1">
+              <a:lnSpc>
+                <a:spcPct val="90000"/>
+              </a:lnSpc>
+              <a:spcBef>
+                <a:spcPct val="0"/>
+              </a:spcBef>
+              <a:spcAft>
+                <a:spcPct val="0"/>
+              </a:spcAft>
+              <a:defRPr sz="2220">
+                <a:solidFill>
+                  <a:srgbClr val="191919"/>
+                </a:solidFill>
+                <a:latin typeface="IBM Plex Sans" pitchFamily="34" charset="0"/>
+              </a:defRPr>
+            </a:lvl9pPr>
+          </a:lstStyle>
+          <a:p>
+            <a:pPr defTabSz="914400"/>
+            <a:r>
+              <a:rPr lang="en-US" sz="1200" b="1" kern="0" dirty="0">
+                <a:solidFill>
+                  <a:schemeClr val="tx1"/>
+                </a:solidFill>
+              </a:rPr>
+              <a:t>2021</a:t>
+            </a:r>
+          </a:p>
+        </p:txBody>
+      </p:sp>
+      <p:cxnSp>
+        <p:nvCxnSpPr>
+          <p:cNvPr id="28" name="Straight Connector 27">
+            <a:extLst>
+              <a:ext uri="{FF2B5EF4-FFF2-40B4-BE49-F238E27FC236}">
+                <a16:creationId xmlns:a16="http://schemas.microsoft.com/office/drawing/2014/main" id="{707D07B9-8CB5-3A1F-09C6-DDB0C8DE164B}"/>
+              </a:ext>
+            </a:extLst>
+          </p:cNvPr>
+          <p:cNvCxnSpPr>
+            <a:stCxn id="18" idx="4"/>
+            <a:endCxn id="25" idx="1"/>
+          </p:cNvCxnSpPr>
+          <p:nvPr/>
+        </p:nvCxnSpPr>
+        <p:spPr>
+          <a:xfrm flipH="1">
+            <a:off x="6484090" y="2490390"/>
+            <a:ext cx="1" cy="515826"/>
+          </a:xfrm>
+          <a:prstGeom prst="line">
+            <a:avLst/>
+          </a:prstGeom>
+          <a:ln w="38100">
+            <a:solidFill>
+              <a:srgbClr val="0F62FF"/>
+            </a:solidFill>
+          </a:ln>
+        </p:spPr>
+        <p:style>
+          <a:lnRef idx="1">
+            <a:schemeClr val="accent1"/>
+          </a:lnRef>
+          <a:fillRef idx="0">
+            <a:schemeClr val="accent1"/>
+          </a:fillRef>
+          <a:effectRef idx="0">
+            <a:schemeClr val="accent1"/>
+          </a:effectRef>
+          <a:fontRef idx="minor">
+            <a:schemeClr val="tx1"/>
+          </a:fontRef>
+        </p:style>
+      </p:cxnSp>
+      <p:cxnSp>
+        <p:nvCxnSpPr>
+          <p:cNvPr id="29" name="Straight Connector 28">
+            <a:extLst>
+              <a:ext uri="{FF2B5EF4-FFF2-40B4-BE49-F238E27FC236}">
+                <a16:creationId xmlns:a16="http://schemas.microsoft.com/office/drawing/2014/main" id="{E18B83C0-F0E2-E7A8-129E-3681F6DB4C3F}"/>
+              </a:ext>
+            </a:extLst>
+          </p:cNvPr>
+          <p:cNvCxnSpPr>
+            <a:cxnSpLocks/>
+            <a:stCxn id="17" idx="4"/>
+            <a:endCxn id="23" idx="1"/>
+          </p:cNvCxnSpPr>
+          <p:nvPr/>
+        </p:nvCxnSpPr>
+        <p:spPr>
+          <a:xfrm flipH="1">
+            <a:off x="4978431" y="2485797"/>
+            <a:ext cx="1512" cy="1791846"/>
+          </a:xfrm>
+          <a:prstGeom prst="line">
+            <a:avLst/>
+          </a:prstGeom>
+          <a:ln w="38100">
+            <a:solidFill>
+              <a:srgbClr val="0F62FF"/>
+            </a:solidFill>
+          </a:ln>
+        </p:spPr>
+        <p:style>
+          <a:lnRef idx="1">
+            <a:schemeClr val="accent1"/>
+          </a:lnRef>
+          <a:fillRef idx="0">
+            <a:schemeClr val="accent1"/>
+          </a:fillRef>
+          <a:effectRef idx="0">
+            <a:schemeClr val="accent1"/>
+          </a:effectRef>
+          <a:fontRef idx="minor">
+            <a:schemeClr val="tx1"/>
+          </a:fontRef>
+        </p:style>
+      </p:cxnSp>
+      <p:sp>
+        <p:nvSpPr>
+          <p:cNvPr id="35" name="Title">
+            <a:extLst>
+              <a:ext uri="{FF2B5EF4-FFF2-40B4-BE49-F238E27FC236}">
+                <a16:creationId xmlns:a16="http://schemas.microsoft.com/office/drawing/2014/main" id="{E15DBFF8-27BE-7A45-B230-5197A902D835}"/>
+              </a:ext>
+            </a:extLst>
+          </p:cNvPr>
+          <p:cNvSpPr txBox="1">
+            <a:spLocks/>
+          </p:cNvSpPr>
+          <p:nvPr/>
+        </p:nvSpPr>
+        <p:spPr>
+          <a:xfrm rot="16200000">
+            <a:off x="4758128" y="1749484"/>
+            <a:ext cx="528900" cy="225310"/>
+          </a:xfrm>
+          <a:prstGeom prst="rect">
+            <a:avLst/>
+          </a:prstGeom>
+        </p:spPr>
+        <p:txBody>
+          <a:bodyPr vert="horz" lIns="0" tIns="0" rIns="0" bIns="0" rtlCol="0" anchor="t">
+            <a:noAutofit/>
+          </a:bodyPr>
+          <a:lstStyle>
+            <a:lvl1pPr algn="l" rtl="0" eaLnBrk="1" fontAlgn="base" hangingPunct="1">
+              <a:lnSpc>
+                <a:spcPct val="90000"/>
+              </a:lnSpc>
+              <a:spcBef>
+                <a:spcPct val="0"/>
+              </a:spcBef>
+              <a:spcAft>
+                <a:spcPct val="0"/>
+              </a:spcAft>
+              <a:defRPr sz="1600" b="0">
+                <a:solidFill>
+                  <a:schemeClr val="bg1"/>
+                </a:solidFill>
+                <a:latin typeface="IBM Plex Sans" panose="020B0503050203000203" pitchFamily="34" charset="0"/>
+                <a:ea typeface="IBM Plex Sans" panose="020B0503050203000203" pitchFamily="34" charset="0"/>
+                <a:cs typeface="IBM Plex Sans" panose="020B0503050203000203" pitchFamily="34" charset="0"/>
+              </a:defRPr>
+            </a:lvl1pPr>
+            <a:lvl2pPr algn="l" rtl="0" eaLnBrk="1" fontAlgn="base" hangingPunct="1">
+              <a:lnSpc>
+                <a:spcPct val="90000"/>
+              </a:lnSpc>
+              <a:spcBef>
+                <a:spcPct val="0"/>
+              </a:spcBef>
+              <a:spcAft>
+                <a:spcPct val="0"/>
+              </a:spcAft>
+              <a:defRPr sz="2220">
+                <a:solidFill>
+                  <a:srgbClr val="191919"/>
+                </a:solidFill>
+                <a:latin typeface="IBM Plex Sans" pitchFamily="34" charset="0"/>
+              </a:defRPr>
+            </a:lvl2pPr>
+            <a:lvl3pPr algn="l" rtl="0" eaLnBrk="1" fontAlgn="base" hangingPunct="1">
+              <a:lnSpc>
+                <a:spcPct val="90000"/>
+              </a:lnSpc>
+              <a:spcBef>
+                <a:spcPct val="0"/>
+              </a:spcBef>
+              <a:spcAft>
+                <a:spcPct val="0"/>
+              </a:spcAft>
+              <a:defRPr sz="2220">
+                <a:solidFill>
+                  <a:srgbClr val="191919"/>
+                </a:solidFill>
+                <a:latin typeface="IBM Plex Sans" pitchFamily="34" charset="0"/>
+              </a:defRPr>
+            </a:lvl3pPr>
+            <a:lvl4pPr algn="l" rtl="0" eaLnBrk="1" fontAlgn="base" hangingPunct="1">
+              <a:lnSpc>
+                <a:spcPct val="90000"/>
+              </a:lnSpc>
+              <a:spcBef>
+                <a:spcPct val="0"/>
+              </a:spcBef>
+              <a:spcAft>
+                <a:spcPct val="0"/>
+              </a:spcAft>
+              <a:defRPr sz="2220">
+                <a:solidFill>
+                  <a:srgbClr val="191919"/>
+                </a:solidFill>
+                <a:latin typeface="IBM Plex Sans" pitchFamily="34" charset="0"/>
+              </a:defRPr>
+            </a:lvl4pPr>
+            <a:lvl5pPr algn="l" rtl="0" eaLnBrk="1" fontAlgn="base" hangingPunct="1">
+              <a:lnSpc>
+                <a:spcPct val="90000"/>
+              </a:lnSpc>
+              <a:spcBef>
+                <a:spcPct val="0"/>
+              </a:spcBef>
+              <a:spcAft>
+                <a:spcPct val="0"/>
+              </a:spcAft>
+              <a:defRPr sz="2220">
+                <a:solidFill>
+                  <a:srgbClr val="191919"/>
+                </a:solidFill>
+                <a:latin typeface="IBM Plex Sans" pitchFamily="34" charset="0"/>
+              </a:defRPr>
+            </a:lvl5pPr>
+            <a:lvl6pPr marL="362568" algn="l" rtl="0" eaLnBrk="1" fontAlgn="base" hangingPunct="1">
+              <a:lnSpc>
+                <a:spcPct val="90000"/>
+              </a:lnSpc>
+              <a:spcBef>
+                <a:spcPct val="0"/>
+              </a:spcBef>
+              <a:spcAft>
+                <a:spcPct val="0"/>
+              </a:spcAft>
+              <a:defRPr sz="2220">
+                <a:solidFill>
+                  <a:srgbClr val="191919"/>
+                </a:solidFill>
+                <a:latin typeface="IBM Plex Sans" pitchFamily="34" charset="0"/>
+              </a:defRPr>
+            </a:lvl6pPr>
+            <a:lvl7pPr marL="725139" algn="l" rtl="0" eaLnBrk="1" fontAlgn="base" hangingPunct="1">
+              <a:lnSpc>
+                <a:spcPct val="90000"/>
+              </a:lnSpc>
+              <a:spcBef>
+                <a:spcPct val="0"/>
+              </a:spcBef>
+              <a:spcAft>
+                <a:spcPct val="0"/>
+              </a:spcAft>
+              <a:defRPr sz="2220">
+                <a:solidFill>
+                  <a:srgbClr val="191919"/>
+                </a:solidFill>
+                <a:latin typeface="IBM Plex Sans" pitchFamily="34" charset="0"/>
+              </a:defRPr>
+            </a:lvl7pPr>
+            <a:lvl8pPr marL="1087707" algn="l" rtl="0" eaLnBrk="1" fontAlgn="base" hangingPunct="1">
+              <a:lnSpc>
+                <a:spcPct val="90000"/>
+              </a:lnSpc>
+              <a:spcBef>
+                <a:spcPct val="0"/>
+              </a:spcBef>
+              <a:spcAft>
+                <a:spcPct val="0"/>
+              </a:spcAft>
+              <a:defRPr sz="2220">
+                <a:solidFill>
+                  <a:srgbClr val="191919"/>
+                </a:solidFill>
+                <a:latin typeface="IBM Plex Sans" pitchFamily="34" charset="0"/>
+              </a:defRPr>
+            </a:lvl8pPr>
+            <a:lvl9pPr marL="1450276" algn="l" rtl="0" eaLnBrk="1" fontAlgn="base" hangingPunct="1">
+              <a:lnSpc>
+                <a:spcPct val="90000"/>
+              </a:lnSpc>
+              <a:spcBef>
+                <a:spcPct val="0"/>
+              </a:spcBef>
+              <a:spcAft>
+                <a:spcPct val="0"/>
+              </a:spcAft>
+              <a:defRPr sz="2220">
+                <a:solidFill>
+                  <a:srgbClr val="191919"/>
+                </a:solidFill>
+                <a:latin typeface="IBM Plex Sans" pitchFamily="34" charset="0"/>
+              </a:defRPr>
+            </a:lvl9pPr>
+          </a:lstStyle>
+          <a:p>
+            <a:pPr defTabSz="914400"/>
+            <a:r>
+              <a:rPr lang="en-US" sz="1200" b="1" kern="0" dirty="0">
+                <a:solidFill>
+                  <a:schemeClr val="tx1"/>
+                </a:solidFill>
+              </a:rPr>
+              <a:t>2017</a:t>
+            </a:r>
+          </a:p>
+        </p:txBody>
+      </p:sp>
+      <p:sp>
+        <p:nvSpPr>
+          <p:cNvPr id="38" name="Title">
+            <a:extLst>
+              <a:ext uri="{FF2B5EF4-FFF2-40B4-BE49-F238E27FC236}">
+                <a16:creationId xmlns:a16="http://schemas.microsoft.com/office/drawing/2014/main" id="{627A015B-B744-9BAD-CFC1-3D31A2DB5B87}"/>
+              </a:ext>
+            </a:extLst>
+          </p:cNvPr>
+          <p:cNvSpPr txBox="1">
+            <a:spLocks/>
+          </p:cNvSpPr>
+          <p:nvPr/>
+        </p:nvSpPr>
+        <p:spPr>
+          <a:xfrm rot="16200000">
+            <a:off x="737661" y="1760017"/>
+            <a:ext cx="547638" cy="225309"/>
+          </a:xfrm>
+          <a:prstGeom prst="rect">
+            <a:avLst/>
+          </a:prstGeom>
+        </p:spPr>
+        <p:txBody>
+          <a:bodyPr vert="horz" lIns="0" tIns="0" rIns="0" bIns="0" rtlCol="0" anchor="t">
+            <a:noAutofit/>
+          </a:bodyPr>
+          <a:lstStyle>
+            <a:lvl1pPr algn="l" rtl="0" eaLnBrk="1" fontAlgn="base" hangingPunct="1">
+              <a:lnSpc>
+                <a:spcPct val="90000"/>
+              </a:lnSpc>
+              <a:spcBef>
+                <a:spcPct val="0"/>
+              </a:spcBef>
+              <a:spcAft>
+                <a:spcPct val="0"/>
+              </a:spcAft>
+              <a:defRPr sz="1600" b="0">
+                <a:solidFill>
+                  <a:schemeClr val="bg1"/>
+                </a:solidFill>
+                <a:latin typeface="IBM Plex Sans" panose="020B0503050203000203" pitchFamily="34" charset="0"/>
+                <a:ea typeface="IBM Plex Sans" panose="020B0503050203000203" pitchFamily="34" charset="0"/>
+                <a:cs typeface="IBM Plex Sans" panose="020B0503050203000203" pitchFamily="34" charset="0"/>
+              </a:defRPr>
+            </a:lvl1pPr>
+            <a:lvl2pPr algn="l" rtl="0" eaLnBrk="1" fontAlgn="base" hangingPunct="1">
+              <a:lnSpc>
+                <a:spcPct val="90000"/>
+              </a:lnSpc>
+              <a:spcBef>
+                <a:spcPct val="0"/>
+              </a:spcBef>
+              <a:spcAft>
+                <a:spcPct val="0"/>
+              </a:spcAft>
+              <a:defRPr sz="2220">
+                <a:solidFill>
+                  <a:srgbClr val="191919"/>
+                </a:solidFill>
+                <a:latin typeface="IBM Plex Sans" pitchFamily="34" charset="0"/>
+              </a:defRPr>
+            </a:lvl2pPr>
+            <a:lvl3pPr algn="l" rtl="0" eaLnBrk="1" fontAlgn="base" hangingPunct="1">
+              <a:lnSpc>
+                <a:spcPct val="90000"/>
+              </a:lnSpc>
+              <a:spcBef>
+                <a:spcPct val="0"/>
+              </a:spcBef>
+              <a:spcAft>
+                <a:spcPct val="0"/>
+              </a:spcAft>
+              <a:defRPr sz="2220">
+                <a:solidFill>
+                  <a:srgbClr val="191919"/>
+                </a:solidFill>
+                <a:latin typeface="IBM Plex Sans" pitchFamily="34" charset="0"/>
+              </a:defRPr>
+            </a:lvl3pPr>
+            <a:lvl4pPr algn="l" rtl="0" eaLnBrk="1" fontAlgn="base" hangingPunct="1">
+              <a:lnSpc>
+                <a:spcPct val="90000"/>
+              </a:lnSpc>
+              <a:spcBef>
+                <a:spcPct val="0"/>
+              </a:spcBef>
+              <a:spcAft>
+                <a:spcPct val="0"/>
+              </a:spcAft>
+              <a:defRPr sz="2220">
+                <a:solidFill>
+                  <a:srgbClr val="191919"/>
+                </a:solidFill>
+                <a:latin typeface="IBM Plex Sans" pitchFamily="34" charset="0"/>
+              </a:defRPr>
+            </a:lvl4pPr>
+            <a:lvl5pPr algn="l" rtl="0" eaLnBrk="1" fontAlgn="base" hangingPunct="1">
+              <a:lnSpc>
+                <a:spcPct val="90000"/>
+              </a:lnSpc>
+              <a:spcBef>
+                <a:spcPct val="0"/>
+              </a:spcBef>
+              <a:spcAft>
+                <a:spcPct val="0"/>
+              </a:spcAft>
+              <a:defRPr sz="2220">
+                <a:solidFill>
+                  <a:srgbClr val="191919"/>
+                </a:solidFill>
+                <a:latin typeface="IBM Plex Sans" pitchFamily="34" charset="0"/>
+              </a:defRPr>
+            </a:lvl5pPr>
+            <a:lvl6pPr marL="362568" algn="l" rtl="0" eaLnBrk="1" fontAlgn="base" hangingPunct="1">
+              <a:lnSpc>
+                <a:spcPct val="90000"/>
+              </a:lnSpc>
+              <a:spcBef>
+                <a:spcPct val="0"/>
+              </a:spcBef>
+              <a:spcAft>
+                <a:spcPct val="0"/>
+              </a:spcAft>
+              <a:defRPr sz="2220">
+                <a:solidFill>
+                  <a:srgbClr val="191919"/>
+                </a:solidFill>
+                <a:latin typeface="IBM Plex Sans" pitchFamily="34" charset="0"/>
+              </a:defRPr>
+            </a:lvl6pPr>
+            <a:lvl7pPr marL="725139" algn="l" rtl="0" eaLnBrk="1" fontAlgn="base" hangingPunct="1">
+              <a:lnSpc>
+                <a:spcPct val="90000"/>
+              </a:lnSpc>
+              <a:spcBef>
+                <a:spcPct val="0"/>
+              </a:spcBef>
+              <a:spcAft>
+                <a:spcPct val="0"/>
+              </a:spcAft>
+              <a:defRPr sz="2220">
+                <a:solidFill>
+                  <a:srgbClr val="191919"/>
+                </a:solidFill>
+                <a:latin typeface="IBM Plex Sans" pitchFamily="34" charset="0"/>
+              </a:defRPr>
+            </a:lvl7pPr>
+            <a:lvl8pPr marL="1087707" algn="l" rtl="0" eaLnBrk="1" fontAlgn="base" hangingPunct="1">
+              <a:lnSpc>
+                <a:spcPct val="90000"/>
+              </a:lnSpc>
+              <a:spcBef>
+                <a:spcPct val="0"/>
+              </a:spcBef>
+              <a:spcAft>
+                <a:spcPct val="0"/>
+              </a:spcAft>
+              <a:defRPr sz="2220">
+                <a:solidFill>
+                  <a:srgbClr val="191919"/>
+                </a:solidFill>
+                <a:latin typeface="IBM Plex Sans" pitchFamily="34" charset="0"/>
+              </a:defRPr>
+            </a:lvl8pPr>
+            <a:lvl9pPr marL="1450276" algn="l" rtl="0" eaLnBrk="1" fontAlgn="base" hangingPunct="1">
+              <a:lnSpc>
+                <a:spcPct val="90000"/>
+              </a:lnSpc>
+              <a:spcBef>
+                <a:spcPct val="0"/>
+              </a:spcBef>
+              <a:spcAft>
+                <a:spcPct val="0"/>
+              </a:spcAft>
+              <a:defRPr sz="2220">
+                <a:solidFill>
+                  <a:srgbClr val="191919"/>
+                </a:solidFill>
+                <a:latin typeface="IBM Plex Sans" pitchFamily="34" charset="0"/>
+              </a:defRPr>
+            </a:lvl9pPr>
+          </a:lstStyle>
+          <a:p>
+            <a:pPr defTabSz="914400"/>
+            <a:r>
+              <a:rPr lang="en-US" sz="1200" b="1" kern="0" dirty="0">
+                <a:solidFill>
+                  <a:schemeClr val="tx1"/>
+                </a:solidFill>
+              </a:rPr>
+              <a:t>1991</a:t>
+            </a:r>
+          </a:p>
+        </p:txBody>
+      </p:sp>
+      <p:sp>
+        <p:nvSpPr>
+          <p:cNvPr id="39" name="Title">
+            <a:extLst>
+              <a:ext uri="{FF2B5EF4-FFF2-40B4-BE49-F238E27FC236}">
+                <a16:creationId xmlns:a16="http://schemas.microsoft.com/office/drawing/2014/main" id="{6C3C97D9-83A4-9C2F-A985-A96E46BDE1A5}"/>
+              </a:ext>
+            </a:extLst>
+          </p:cNvPr>
+          <p:cNvSpPr txBox="1">
+            <a:spLocks/>
+          </p:cNvSpPr>
+          <p:nvPr/>
+        </p:nvSpPr>
+        <p:spPr>
+          <a:xfrm rot="16200000">
+            <a:off x="236098" y="1764165"/>
+            <a:ext cx="547638" cy="225309"/>
+          </a:xfrm>
+          <a:prstGeom prst="rect">
+            <a:avLst/>
+          </a:prstGeom>
+        </p:spPr>
+        <p:txBody>
+          <a:bodyPr vert="horz" lIns="0" tIns="0" rIns="0" bIns="0" rtlCol="0" anchor="t">
+            <a:noAutofit/>
+          </a:bodyPr>
+          <a:lstStyle>
+            <a:lvl1pPr algn="l" rtl="0" eaLnBrk="1" fontAlgn="base" hangingPunct="1">
+              <a:lnSpc>
+                <a:spcPct val="90000"/>
+              </a:lnSpc>
+              <a:spcBef>
+                <a:spcPct val="0"/>
+              </a:spcBef>
+              <a:spcAft>
+                <a:spcPct val="0"/>
+              </a:spcAft>
+              <a:defRPr sz="1600" b="0">
+                <a:solidFill>
+                  <a:schemeClr val="bg1"/>
+                </a:solidFill>
+                <a:latin typeface="IBM Plex Sans" panose="020B0503050203000203" pitchFamily="34" charset="0"/>
+                <a:ea typeface="IBM Plex Sans" panose="020B0503050203000203" pitchFamily="34" charset="0"/>
+                <a:cs typeface="IBM Plex Sans" panose="020B0503050203000203" pitchFamily="34" charset="0"/>
+              </a:defRPr>
+            </a:lvl1pPr>
+            <a:lvl2pPr algn="l" rtl="0" eaLnBrk="1" fontAlgn="base" hangingPunct="1">
+              <a:lnSpc>
+                <a:spcPct val="90000"/>
+              </a:lnSpc>
+              <a:spcBef>
+                <a:spcPct val="0"/>
+              </a:spcBef>
+              <a:spcAft>
+                <a:spcPct val="0"/>
+              </a:spcAft>
+              <a:defRPr sz="2220">
+                <a:solidFill>
+                  <a:srgbClr val="191919"/>
+                </a:solidFill>
+                <a:latin typeface="IBM Plex Sans" pitchFamily="34" charset="0"/>
+              </a:defRPr>
+            </a:lvl2pPr>
+            <a:lvl3pPr algn="l" rtl="0" eaLnBrk="1" fontAlgn="base" hangingPunct="1">
+              <a:lnSpc>
+                <a:spcPct val="90000"/>
+              </a:lnSpc>
+              <a:spcBef>
+                <a:spcPct val="0"/>
+              </a:spcBef>
+              <a:spcAft>
+                <a:spcPct val="0"/>
+              </a:spcAft>
+              <a:defRPr sz="2220">
+                <a:solidFill>
+                  <a:srgbClr val="191919"/>
+                </a:solidFill>
+                <a:latin typeface="IBM Plex Sans" pitchFamily="34" charset="0"/>
+              </a:defRPr>
+            </a:lvl3pPr>
+            <a:lvl4pPr algn="l" rtl="0" eaLnBrk="1" fontAlgn="base" hangingPunct="1">
+              <a:lnSpc>
+                <a:spcPct val="90000"/>
+              </a:lnSpc>
+              <a:spcBef>
+                <a:spcPct val="0"/>
+              </a:spcBef>
+              <a:spcAft>
+                <a:spcPct val="0"/>
+              </a:spcAft>
+              <a:defRPr sz="2220">
+                <a:solidFill>
+                  <a:srgbClr val="191919"/>
+                </a:solidFill>
+                <a:latin typeface="IBM Plex Sans" pitchFamily="34" charset="0"/>
+              </a:defRPr>
+            </a:lvl4pPr>
+            <a:lvl5pPr algn="l" rtl="0" eaLnBrk="1" fontAlgn="base" hangingPunct="1">
+              <a:lnSpc>
+                <a:spcPct val="90000"/>
+              </a:lnSpc>
+              <a:spcBef>
+                <a:spcPct val="0"/>
+              </a:spcBef>
+              <a:spcAft>
+                <a:spcPct val="0"/>
+              </a:spcAft>
+              <a:defRPr sz="2220">
+                <a:solidFill>
+                  <a:srgbClr val="191919"/>
+                </a:solidFill>
+                <a:latin typeface="IBM Plex Sans" pitchFamily="34" charset="0"/>
+              </a:defRPr>
+            </a:lvl5pPr>
+            <a:lvl6pPr marL="362568" algn="l" rtl="0" eaLnBrk="1" fontAlgn="base" hangingPunct="1">
+              <a:lnSpc>
+                <a:spcPct val="90000"/>
+              </a:lnSpc>
+              <a:spcBef>
+                <a:spcPct val="0"/>
+              </a:spcBef>
+              <a:spcAft>
+                <a:spcPct val="0"/>
+              </a:spcAft>
+              <a:defRPr sz="2220">
+                <a:solidFill>
+                  <a:srgbClr val="191919"/>
+                </a:solidFill>
+                <a:latin typeface="IBM Plex Sans" pitchFamily="34" charset="0"/>
+              </a:defRPr>
+            </a:lvl6pPr>
+            <a:lvl7pPr marL="725139" algn="l" rtl="0" eaLnBrk="1" fontAlgn="base" hangingPunct="1">
+              <a:lnSpc>
+                <a:spcPct val="90000"/>
+              </a:lnSpc>
+              <a:spcBef>
+                <a:spcPct val="0"/>
+              </a:spcBef>
+              <a:spcAft>
+                <a:spcPct val="0"/>
+              </a:spcAft>
+              <a:defRPr sz="2220">
+                <a:solidFill>
+                  <a:srgbClr val="191919"/>
+                </a:solidFill>
+                <a:latin typeface="IBM Plex Sans" pitchFamily="34" charset="0"/>
+              </a:defRPr>
+            </a:lvl7pPr>
+            <a:lvl8pPr marL="1087707" algn="l" rtl="0" eaLnBrk="1" fontAlgn="base" hangingPunct="1">
+              <a:lnSpc>
+                <a:spcPct val="90000"/>
+              </a:lnSpc>
+              <a:spcBef>
+                <a:spcPct val="0"/>
+              </a:spcBef>
+              <a:spcAft>
+                <a:spcPct val="0"/>
+              </a:spcAft>
+              <a:defRPr sz="2220">
+                <a:solidFill>
+                  <a:srgbClr val="191919"/>
+                </a:solidFill>
+                <a:latin typeface="IBM Plex Sans" pitchFamily="34" charset="0"/>
+              </a:defRPr>
+            </a:lvl8pPr>
+            <a:lvl9pPr marL="1450276" algn="l" rtl="0" eaLnBrk="1" fontAlgn="base" hangingPunct="1">
+              <a:lnSpc>
+                <a:spcPct val="90000"/>
+              </a:lnSpc>
+              <a:spcBef>
+                <a:spcPct val="0"/>
+              </a:spcBef>
+              <a:spcAft>
+                <a:spcPct val="0"/>
+              </a:spcAft>
+              <a:defRPr sz="2220">
+                <a:solidFill>
+                  <a:srgbClr val="191919"/>
+                </a:solidFill>
+                <a:latin typeface="IBM Plex Sans" pitchFamily="34" charset="0"/>
+              </a:defRPr>
+            </a:lvl9pPr>
+          </a:lstStyle>
+          <a:p>
+            <a:pPr defTabSz="914400"/>
+            <a:r>
+              <a:rPr lang="en-US" sz="1200" b="1" kern="0" dirty="0">
+                <a:solidFill>
+                  <a:schemeClr val="tx1"/>
+                </a:solidFill>
+              </a:rPr>
+              <a:t>1989</a:t>
+            </a:r>
+          </a:p>
+        </p:txBody>
+      </p:sp>
+      <p:cxnSp>
+        <p:nvCxnSpPr>
+          <p:cNvPr id="41" name="Straight Connector 40">
+            <a:extLst>
+              <a:ext uri="{FF2B5EF4-FFF2-40B4-BE49-F238E27FC236}">
+                <a16:creationId xmlns:a16="http://schemas.microsoft.com/office/drawing/2014/main" id="{35F244F9-089A-D8D9-B920-2BB89D9D3026}"/>
+              </a:ext>
+            </a:extLst>
+          </p:cNvPr>
+          <p:cNvCxnSpPr>
+            <a:cxnSpLocks/>
+            <a:stCxn id="15" idx="4"/>
+            <a:endCxn id="22" idx="1"/>
+          </p:cNvCxnSpPr>
+          <p:nvPr/>
+        </p:nvCxnSpPr>
+        <p:spPr>
+          <a:xfrm>
+            <a:off x="968844" y="2490391"/>
+            <a:ext cx="4975" cy="2190372"/>
+          </a:xfrm>
+          <a:prstGeom prst="line">
+            <a:avLst/>
+          </a:prstGeom>
+          <a:ln w="38100">
+            <a:solidFill>
+              <a:srgbClr val="0F62FF"/>
+            </a:solidFill>
+          </a:ln>
+        </p:spPr>
+        <p:style>
+          <a:lnRef idx="1">
+            <a:schemeClr val="accent1"/>
+          </a:lnRef>
+          <a:fillRef idx="0">
+            <a:schemeClr val="accent1"/>
+          </a:fillRef>
+          <a:effectRef idx="0">
+            <a:schemeClr val="accent1"/>
+          </a:effectRef>
+          <a:fontRef idx="minor">
+            <a:schemeClr val="tx1"/>
+          </a:fontRef>
+        </p:style>
+      </p:cxnSp>
+      <p:cxnSp>
+        <p:nvCxnSpPr>
+          <p:cNvPr id="44" name="Straight Connector 43">
+            <a:extLst>
+              <a:ext uri="{FF2B5EF4-FFF2-40B4-BE49-F238E27FC236}">
+                <a16:creationId xmlns:a16="http://schemas.microsoft.com/office/drawing/2014/main" id="{648C0FC6-EC34-E22C-536E-CEB8C4894330}"/>
+              </a:ext>
+            </a:extLst>
+          </p:cNvPr>
+          <p:cNvCxnSpPr>
+            <a:cxnSpLocks/>
+            <a:stCxn id="14" idx="4"/>
+            <a:endCxn id="20" idx="1"/>
+          </p:cNvCxnSpPr>
+          <p:nvPr/>
+        </p:nvCxnSpPr>
+        <p:spPr>
+          <a:xfrm flipH="1">
+            <a:off x="446179" y="2485797"/>
+            <a:ext cx="1" cy="3277777"/>
+          </a:xfrm>
+          <a:prstGeom prst="line">
+            <a:avLst/>
+          </a:prstGeom>
+          <a:ln w="38100">
+            <a:solidFill>
+              <a:srgbClr val="0F62FF"/>
+            </a:solidFill>
+          </a:ln>
+        </p:spPr>
+        <p:style>
+          <a:lnRef idx="1">
+            <a:schemeClr val="accent1"/>
+          </a:lnRef>
+          <a:fillRef idx="0">
+            <a:schemeClr val="accent1"/>
+          </a:fillRef>
+          <a:effectRef idx="0">
+            <a:schemeClr val="accent1"/>
+          </a:effectRef>
+          <a:fontRef idx="minor">
+            <a:schemeClr val="tx1"/>
+          </a:fontRef>
+        </p:style>
+      </p:cxnSp>
+      <p:cxnSp>
+        <p:nvCxnSpPr>
+          <p:cNvPr id="48" name="Straight Connector 47">
+            <a:extLst>
+              <a:ext uri="{FF2B5EF4-FFF2-40B4-BE49-F238E27FC236}">
+                <a16:creationId xmlns:a16="http://schemas.microsoft.com/office/drawing/2014/main" id="{BC920AC0-9D5F-011A-B88E-A806C1AB9D25}"/>
+              </a:ext>
+            </a:extLst>
+          </p:cNvPr>
+          <p:cNvCxnSpPr>
+            <a:stCxn id="14" idx="6"/>
+            <a:endCxn id="15" idx="2"/>
+          </p:cNvCxnSpPr>
+          <p:nvPr/>
+        </p:nvCxnSpPr>
+        <p:spPr>
+          <a:xfrm>
+            <a:off x="601470" y="2331364"/>
+            <a:ext cx="212083" cy="4594"/>
+          </a:xfrm>
+          <a:prstGeom prst="line">
+            <a:avLst/>
+          </a:prstGeom>
+          <a:ln w="38100">
+            <a:solidFill>
+              <a:schemeClr val="tx1"/>
+            </a:solidFill>
+          </a:ln>
+        </p:spPr>
+        <p:style>
+          <a:lnRef idx="1">
+            <a:schemeClr val="accent1"/>
+          </a:lnRef>
+          <a:fillRef idx="0">
+            <a:schemeClr val="accent1"/>
+          </a:fillRef>
+          <a:effectRef idx="0">
+            <a:schemeClr val="accent1"/>
+          </a:effectRef>
+          <a:fontRef idx="minor">
+            <a:schemeClr val="tx1"/>
+          </a:fontRef>
+        </p:style>
+      </p:cxnSp>
+      <p:cxnSp>
+        <p:nvCxnSpPr>
+          <p:cNvPr id="54" name="Straight Connector 53">
+            <a:extLst>
+              <a:ext uri="{FF2B5EF4-FFF2-40B4-BE49-F238E27FC236}">
+                <a16:creationId xmlns:a16="http://schemas.microsoft.com/office/drawing/2014/main" id="{4C7C76DA-1BB5-D9B6-0288-EF875DA32FA6}"/>
+              </a:ext>
+            </a:extLst>
+          </p:cNvPr>
+          <p:cNvCxnSpPr>
+            <a:cxnSpLocks/>
+            <a:stCxn id="17" idx="6"/>
+            <a:endCxn id="18" idx="2"/>
+          </p:cNvCxnSpPr>
+          <p:nvPr/>
+        </p:nvCxnSpPr>
+        <p:spPr>
+          <a:xfrm>
+            <a:off x="5135233" y="2331364"/>
+            <a:ext cx="1193567" cy="4593"/>
+          </a:xfrm>
+          <a:prstGeom prst="line">
+            <a:avLst/>
+          </a:prstGeom>
+          <a:ln w="38100">
+            <a:solidFill>
+              <a:schemeClr val="tx1"/>
+            </a:solidFill>
+          </a:ln>
+        </p:spPr>
+        <p:style>
+          <a:lnRef idx="1">
+            <a:schemeClr val="accent1"/>
+          </a:lnRef>
+          <a:fillRef idx="0">
+            <a:schemeClr val="accent1"/>
+          </a:fillRef>
+          <a:effectRef idx="0">
+            <a:schemeClr val="accent1"/>
+          </a:effectRef>
+          <a:fontRef idx="minor">
+            <a:schemeClr val="tx1"/>
+          </a:fontRef>
+        </p:style>
+      </p:cxnSp>
+      <p:cxnSp>
+        <p:nvCxnSpPr>
+          <p:cNvPr id="73" name="Straight Connector 72">
+            <a:extLst>
+              <a:ext uri="{FF2B5EF4-FFF2-40B4-BE49-F238E27FC236}">
+                <a16:creationId xmlns:a16="http://schemas.microsoft.com/office/drawing/2014/main" id="{77A4814A-4625-E259-3E3B-9181390B59EA}"/>
+              </a:ext>
+            </a:extLst>
+          </p:cNvPr>
+          <p:cNvCxnSpPr>
+            <a:cxnSpLocks/>
+            <a:stCxn id="15" idx="6"/>
+            <a:endCxn id="17" idx="2"/>
+          </p:cNvCxnSpPr>
+          <p:nvPr/>
+        </p:nvCxnSpPr>
+        <p:spPr>
+          <a:xfrm flipV="1">
+            <a:off x="1124134" y="2331364"/>
+            <a:ext cx="3700518" cy="4594"/>
+          </a:xfrm>
+          <a:prstGeom prst="line">
+            <a:avLst/>
+          </a:prstGeom>
+          <a:ln w="38100" cap="flat" cmpd="sng" algn="ctr">
+            <a:solidFill>
+              <a:schemeClr val="dk1"/>
+            </a:solidFill>
+            <a:prstDash val="dash"/>
+            <a:round/>
+            <a:headEnd type="none" w="med" len="med"/>
+            <a:tailEnd type="none" w="med" len="med"/>
+          </a:ln>
+        </p:spPr>
+        <p:style>
+          <a:lnRef idx="0">
+            <a:scrgbClr r="0" g="0" b="0"/>
+          </a:lnRef>
+          <a:fillRef idx="0">
+            <a:scrgbClr r="0" g="0" b="0"/>
+          </a:fillRef>
+          <a:effectRef idx="0">
+            <a:scrgbClr r="0" g="0" b="0"/>
+          </a:effectRef>
+          <a:fontRef idx="minor">
+            <a:schemeClr val="tx1"/>
+          </a:fontRef>
+        </p:style>
+      </p:cxnSp>
     </p:spTree>
     <p:extLst>
       <p:ext uri="{BB962C8B-B14F-4D97-AF65-F5344CB8AC3E}">
@@ -7396,6 +9567,1279 @@
       </p:grpSpPr>
       <p:sp>
         <p:nvSpPr>
+          <p:cNvPr id="4" name="Footer Placeholder 3">
+            <a:extLst>
+              <a:ext uri="{FF2B5EF4-FFF2-40B4-BE49-F238E27FC236}">
+                <a16:creationId xmlns:a16="http://schemas.microsoft.com/office/drawing/2014/main" id="{ABC5BB99-6713-EE89-3895-F3148FABAE18}"/>
+              </a:ext>
+            </a:extLst>
+          </p:cNvPr>
+          <p:cNvSpPr>
+            <a:spLocks noGrp="1"/>
+          </p:cNvSpPr>
+          <p:nvPr>
+            <p:ph type="ftr" sz="quarter" idx="11"/>
+          </p:nvPr>
+        </p:nvSpPr>
+        <p:spPr/>
+        <p:txBody>
+          <a:bodyPr/>
+          <a:lstStyle/>
+          <a:p>
+            <a:r>
+              <a:rPr lang="pt-BR" dirty="0">
+                <a:latin typeface="IBM Plex Sans" panose="020B0503050203000203" pitchFamily="34" charset="0"/>
+              </a:rPr>
+              <a:t>A Mobile </a:t>
+            </a:r>
+            <a:r>
+              <a:rPr lang="pt-BR" dirty="0" err="1">
+                <a:latin typeface="IBM Plex Sans" panose="020B0503050203000203" pitchFamily="34" charset="0"/>
+              </a:rPr>
+              <a:t>Traffic</a:t>
+            </a:r>
+            <a:r>
+              <a:rPr lang="pt-BR" dirty="0">
+                <a:latin typeface="IBM Plex Sans" panose="020B0503050203000203" pitchFamily="34" charset="0"/>
+              </a:rPr>
+              <a:t> </a:t>
+            </a:r>
+            <a:r>
+              <a:rPr lang="pt-BR" dirty="0" err="1">
+                <a:latin typeface="IBM Plex Sans" panose="020B0503050203000203" pitchFamily="34" charset="0"/>
+              </a:rPr>
+              <a:t>Predictor</a:t>
+            </a:r>
+            <a:r>
+              <a:rPr lang="pt-BR" dirty="0">
+                <a:latin typeface="IBM Plex Sans" panose="020B0503050203000203" pitchFamily="34" charset="0"/>
+              </a:rPr>
+              <a:t> </a:t>
+            </a:r>
+            <a:r>
+              <a:rPr lang="pt-BR" dirty="0" err="1">
+                <a:latin typeface="IBM Plex Sans" panose="020B0503050203000203" pitchFamily="34" charset="0"/>
+              </a:rPr>
+              <a:t>Enhanced</a:t>
+            </a:r>
+            <a:r>
+              <a:rPr lang="pt-BR" dirty="0">
+                <a:latin typeface="IBM Plex Sans" panose="020B0503050203000203" pitchFamily="34" charset="0"/>
+              </a:rPr>
+              <a:t> </a:t>
+            </a:r>
+            <a:r>
+              <a:rPr lang="pt-BR" dirty="0" err="1">
+                <a:latin typeface="IBM Plex Sans" panose="020B0503050203000203" pitchFamily="34" charset="0"/>
+              </a:rPr>
+              <a:t>by</a:t>
+            </a:r>
+            <a:r>
+              <a:rPr lang="pt-BR" dirty="0">
+                <a:latin typeface="IBM Plex Sans" panose="020B0503050203000203" pitchFamily="34" charset="0"/>
+              </a:rPr>
+              <a:t> </a:t>
+            </a:r>
+            <a:r>
+              <a:rPr lang="pt-BR" dirty="0" err="1">
+                <a:latin typeface="IBM Plex Sans" panose="020B0503050203000203" pitchFamily="34" charset="0"/>
+              </a:rPr>
+              <a:t>Neighboring</a:t>
+            </a:r>
+            <a:r>
+              <a:rPr lang="pt-BR" dirty="0">
+                <a:latin typeface="IBM Plex Sans" panose="020B0503050203000203" pitchFamily="34" charset="0"/>
+              </a:rPr>
+              <a:t> </a:t>
+            </a:r>
+            <a:r>
+              <a:rPr lang="pt-BR" dirty="0" err="1">
+                <a:latin typeface="IBM Plex Sans" panose="020B0503050203000203" pitchFamily="34" charset="0"/>
+              </a:rPr>
+              <a:t>Transportation</a:t>
+            </a:r>
+            <a:r>
+              <a:rPr lang="pt-BR" dirty="0">
+                <a:latin typeface="IBM Plex Sans" panose="020B0503050203000203" pitchFamily="34" charset="0"/>
+              </a:rPr>
+              <a:t> Data (MTP-NT)</a:t>
+            </a:r>
+          </a:p>
+        </p:txBody>
+      </p:sp>
+      <p:sp>
+        <p:nvSpPr>
+          <p:cNvPr id="5" name="Slide Number Placeholder 4">
+            <a:extLst>
+              <a:ext uri="{FF2B5EF4-FFF2-40B4-BE49-F238E27FC236}">
+                <a16:creationId xmlns:a16="http://schemas.microsoft.com/office/drawing/2014/main" id="{DE4D7978-95DF-1BFB-E341-3759F4762F0C}"/>
+              </a:ext>
+            </a:extLst>
+          </p:cNvPr>
+          <p:cNvSpPr>
+            <a:spLocks noGrp="1"/>
+          </p:cNvSpPr>
+          <p:nvPr>
+            <p:ph type="sldNum" sz="quarter" idx="12"/>
+          </p:nvPr>
+        </p:nvSpPr>
+        <p:spPr/>
+        <p:txBody>
+          <a:bodyPr/>
+          <a:lstStyle/>
+          <a:p>
+            <a:fld id="{C16D1434-241F-3E4A-8778-0F70095E40C3}" type="slidenum">
+              <a:rPr lang="pt-BR" smtClean="0">
+                <a:latin typeface="IBM Plex Sans" panose="020B0503050203000203" pitchFamily="34" charset="0"/>
+              </a:rPr>
+              <a:t>13</a:t>
+            </a:fld>
+            <a:endParaRPr lang="pt-BR">
+              <a:latin typeface="IBM Plex Sans" panose="020B0503050203000203" pitchFamily="34" charset="0"/>
+            </a:endParaRPr>
+          </a:p>
+        </p:txBody>
+      </p:sp>
+      <p:sp>
+        <p:nvSpPr>
+          <p:cNvPr id="13" name="Text Placeholder">
+            <a:extLst>
+              <a:ext uri="{FF2B5EF4-FFF2-40B4-BE49-F238E27FC236}">
+                <a16:creationId xmlns:a16="http://schemas.microsoft.com/office/drawing/2014/main" id="{4D1EB361-A84D-E1BA-5887-29346BE14147}"/>
+              </a:ext>
+            </a:extLst>
+          </p:cNvPr>
+          <p:cNvSpPr txBox="1">
+            <a:spLocks/>
+          </p:cNvSpPr>
+          <p:nvPr/>
+        </p:nvSpPr>
+        <p:spPr>
+          <a:xfrm>
+            <a:off x="0" y="104751"/>
+            <a:ext cx="9398000" cy="633222"/>
+          </a:xfrm>
+          <a:prstGeom prst="rect">
+            <a:avLst/>
+          </a:prstGeom>
+        </p:spPr>
+        <p:txBody>
+          <a:bodyPr vert="horz" lIns="91440" tIns="45720" rIns="91440" bIns="45720" rtlCol="0" anchor="ctr"/>
+          <a:lstStyle>
+            <a:defPPr>
+              <a:defRPr lang="en-BR"/>
+            </a:defPPr>
+            <a:lvl1pPr marL="0" algn="r" defTabSz="914400" rtl="0" eaLnBrk="1" latinLnBrk="0" hangingPunct="1">
+              <a:defRPr sz="1200" kern="1200">
+                <a:solidFill>
+                  <a:schemeClr val="tx1">
+                    <a:tint val="75000"/>
+                  </a:schemeClr>
+                </a:solidFill>
+                <a:latin typeface="+mn-lt"/>
+                <a:ea typeface="+mn-ea"/>
+                <a:cs typeface="+mn-cs"/>
+              </a:defRPr>
+            </a:lvl1pPr>
+            <a:lvl2pPr marL="457200" algn="l" defTabSz="914400" rtl="0" eaLnBrk="1" latinLnBrk="0" hangingPunct="1">
+              <a:defRPr sz="1800" kern="1200">
+                <a:solidFill>
+                  <a:schemeClr val="tx1"/>
+                </a:solidFill>
+                <a:latin typeface="+mn-lt"/>
+                <a:ea typeface="+mn-ea"/>
+                <a:cs typeface="+mn-cs"/>
+              </a:defRPr>
+            </a:lvl2pPr>
+            <a:lvl3pPr marL="914400" algn="l" defTabSz="914400" rtl="0" eaLnBrk="1" latinLnBrk="0" hangingPunct="1">
+              <a:defRPr sz="1800" kern="1200">
+                <a:solidFill>
+                  <a:schemeClr val="tx1"/>
+                </a:solidFill>
+                <a:latin typeface="+mn-lt"/>
+                <a:ea typeface="+mn-ea"/>
+                <a:cs typeface="+mn-cs"/>
+              </a:defRPr>
+            </a:lvl3pPr>
+            <a:lvl4pPr marL="1371600" algn="l" defTabSz="914400" rtl="0" eaLnBrk="1" latinLnBrk="0" hangingPunct="1">
+              <a:defRPr sz="1800" kern="1200">
+                <a:solidFill>
+                  <a:schemeClr val="tx1"/>
+                </a:solidFill>
+                <a:latin typeface="+mn-lt"/>
+                <a:ea typeface="+mn-ea"/>
+                <a:cs typeface="+mn-cs"/>
+              </a:defRPr>
+            </a:lvl4pPr>
+            <a:lvl5pPr marL="1828800" algn="l" defTabSz="914400" rtl="0" eaLnBrk="1" latinLnBrk="0" hangingPunct="1">
+              <a:defRPr sz="1800" kern="1200">
+                <a:solidFill>
+                  <a:schemeClr val="tx1"/>
+                </a:solidFill>
+                <a:latin typeface="+mn-lt"/>
+                <a:ea typeface="+mn-ea"/>
+                <a:cs typeface="+mn-cs"/>
+              </a:defRPr>
+            </a:lvl5pPr>
+            <a:lvl6pPr marL="2286000" algn="l" defTabSz="914400" rtl="0" eaLnBrk="1" latinLnBrk="0" hangingPunct="1">
+              <a:defRPr sz="1800" kern="1200">
+                <a:solidFill>
+                  <a:schemeClr val="tx1"/>
+                </a:solidFill>
+                <a:latin typeface="+mn-lt"/>
+                <a:ea typeface="+mn-ea"/>
+                <a:cs typeface="+mn-cs"/>
+              </a:defRPr>
+            </a:lvl6pPr>
+            <a:lvl7pPr marL="2743200" algn="l" defTabSz="914400" rtl="0" eaLnBrk="1" latinLnBrk="0" hangingPunct="1">
+              <a:defRPr sz="1800" kern="1200">
+                <a:solidFill>
+                  <a:schemeClr val="tx1"/>
+                </a:solidFill>
+                <a:latin typeface="+mn-lt"/>
+                <a:ea typeface="+mn-ea"/>
+                <a:cs typeface="+mn-cs"/>
+              </a:defRPr>
+            </a:lvl7pPr>
+            <a:lvl8pPr marL="3200400" algn="l" defTabSz="914400" rtl="0" eaLnBrk="1" latinLnBrk="0" hangingPunct="1">
+              <a:defRPr sz="1800" kern="1200">
+                <a:solidFill>
+                  <a:schemeClr val="tx1"/>
+                </a:solidFill>
+                <a:latin typeface="+mn-lt"/>
+                <a:ea typeface="+mn-ea"/>
+                <a:cs typeface="+mn-cs"/>
+              </a:defRPr>
+            </a:lvl8pPr>
+            <a:lvl9pPr marL="3657600" algn="l" defTabSz="914400" rtl="0" eaLnBrk="1" latinLnBrk="0" hangingPunct="1">
+              <a:defRPr sz="1800" kern="1200">
+                <a:solidFill>
+                  <a:schemeClr val="tx1"/>
+                </a:solidFill>
+                <a:latin typeface="+mn-lt"/>
+                <a:ea typeface="+mn-ea"/>
+                <a:cs typeface="+mn-cs"/>
+              </a:defRPr>
+            </a:lvl9pPr>
+          </a:lstStyle>
+          <a:p>
+            <a:r>
+              <a:rPr lang="en-US" sz="4800" b="1" dirty="0">
+                <a:solidFill>
+                  <a:schemeClr val="tx1"/>
+                </a:solidFill>
+                <a:latin typeface="IBM Plex Sans" panose="020B0503050203000203" pitchFamily="34" charset="0"/>
+              </a:rPr>
+              <a:t>Related work – Wang 2017a</a:t>
+            </a:r>
+          </a:p>
+        </p:txBody>
+      </p:sp>
+      <p:sp>
+        <p:nvSpPr>
+          <p:cNvPr id="2" name="Title">
+            <a:extLst>
+              <a:ext uri="{FF2B5EF4-FFF2-40B4-BE49-F238E27FC236}">
+                <a16:creationId xmlns:a16="http://schemas.microsoft.com/office/drawing/2014/main" id="{8FE29A8C-DA4A-E4E8-59AE-3E42BD56A75B}"/>
+              </a:ext>
+            </a:extLst>
+          </p:cNvPr>
+          <p:cNvSpPr>
+            <a:spLocks noGrp="1"/>
+          </p:cNvSpPr>
+          <p:nvPr>
+            <p:ph type="title"/>
+          </p:nvPr>
+        </p:nvSpPr>
+        <p:spPr>
+          <a:xfrm>
+            <a:off x="531345" y="1784768"/>
+            <a:ext cx="10683501" cy="3091658"/>
+          </a:xfrm>
+        </p:spPr>
+        <p:txBody>
+          <a:bodyPr anchor="t">
+            <a:normAutofit/>
+          </a:bodyPr>
+          <a:lstStyle/>
+          <a:p>
+            <a:r>
+              <a:rPr lang="en-US" sz="1600" b="1" dirty="0">
+                <a:latin typeface="IBM Plex Sans" panose="020B0503050203000203" pitchFamily="34" charset="0"/>
+              </a:rPr>
+              <a:t>2844 Base Stations (BSs) in Suzhou</a:t>
+            </a:r>
+            <a:br>
+              <a:rPr lang="en-US" sz="1600" b="1" dirty="0">
+                <a:latin typeface="IBM Plex Sans" panose="020B0503050203000203" pitchFamily="34" charset="0"/>
+              </a:rPr>
+            </a:br>
+            <a:br>
+              <a:rPr lang="en-US" sz="1600" b="1" dirty="0">
+                <a:latin typeface="IBM Plex Sans" panose="020B0503050203000203" pitchFamily="34" charset="0"/>
+              </a:rPr>
+            </a:br>
+            <a:r>
+              <a:rPr lang="en-US" sz="1600" b="1" dirty="0">
+                <a:latin typeface="IBM Plex Sans" panose="020B0503050203000203" pitchFamily="34" charset="0"/>
+              </a:rPr>
+              <a:t>500m</a:t>
+            </a:r>
+            <a:r>
+              <a:rPr lang="en-US" sz="1600" b="1" baseline="30000" dirty="0">
+                <a:latin typeface="IBM Plex Sans" panose="020B0503050203000203" pitchFamily="34" charset="0"/>
+              </a:rPr>
+              <a:t>2</a:t>
+            </a:r>
+            <a:r>
+              <a:rPr lang="en-US" sz="1600" b="1" dirty="0">
+                <a:latin typeface="IBM Plex Sans" panose="020B0503050203000203" pitchFamily="34" charset="0"/>
+              </a:rPr>
+              <a:t>x 500m</a:t>
+            </a:r>
+            <a:r>
+              <a:rPr lang="en-US" sz="1600" b="1" baseline="30000" dirty="0">
+                <a:latin typeface="IBM Plex Sans" panose="020B0503050203000203" pitchFamily="34" charset="0"/>
+              </a:rPr>
+              <a:t>2</a:t>
+            </a:r>
+            <a:br>
+              <a:rPr lang="en-US" sz="1600" b="1" dirty="0">
+                <a:latin typeface="IBM Plex Sans" panose="020B0503050203000203" pitchFamily="34" charset="0"/>
+              </a:rPr>
+            </a:br>
+            <a:br>
+              <a:rPr lang="en-US" sz="1600" b="1" dirty="0">
+                <a:latin typeface="IBM Plex Sans" panose="020B0503050203000203" pitchFamily="34" charset="0"/>
+              </a:rPr>
+            </a:br>
+            <a:r>
+              <a:rPr lang="en-US" sz="1600" b="1" dirty="0">
+                <a:latin typeface="IBM Plex Sans" panose="020B0503050203000203" pitchFamily="34" charset="0"/>
+              </a:rPr>
+              <a:t>Uses the neighborhood concept</a:t>
+            </a:r>
+            <a:br>
+              <a:rPr lang="en-US" sz="1600" b="1" dirty="0">
+                <a:latin typeface="IBM Plex Sans" panose="020B0503050203000203" pitchFamily="34" charset="0"/>
+              </a:rPr>
+            </a:br>
+            <a:br>
+              <a:rPr lang="en-US" sz="1600" b="1" dirty="0">
+                <a:latin typeface="IBM Plex Sans" panose="020B0503050203000203" pitchFamily="34" charset="0"/>
+              </a:rPr>
+            </a:br>
+            <a:r>
+              <a:rPr lang="en-US" sz="1600" b="1" dirty="0">
+                <a:latin typeface="IBM Plex Sans" panose="020B0503050203000203" pitchFamily="34" charset="0"/>
+              </a:rPr>
+              <a:t>LSTM Cells</a:t>
+            </a:r>
+          </a:p>
+        </p:txBody>
+      </p:sp>
+      <p:sp>
+        <p:nvSpPr>
+          <p:cNvPr id="3" name="Title">
+            <a:extLst>
+              <a:ext uri="{FF2B5EF4-FFF2-40B4-BE49-F238E27FC236}">
+                <a16:creationId xmlns:a16="http://schemas.microsoft.com/office/drawing/2014/main" id="{40225234-3517-1C0D-62E0-154515DD1E3B}"/>
+              </a:ext>
+            </a:extLst>
+          </p:cNvPr>
+          <p:cNvSpPr txBox="1">
+            <a:spLocks/>
+          </p:cNvSpPr>
+          <p:nvPr/>
+        </p:nvSpPr>
+        <p:spPr>
+          <a:xfrm>
+            <a:off x="531344" y="5069541"/>
+            <a:ext cx="10683501" cy="1093694"/>
+          </a:xfrm>
+          <a:prstGeom prst="rect">
+            <a:avLst/>
+          </a:prstGeom>
+        </p:spPr>
+        <p:txBody>
+          <a:bodyPr vert="horz" lIns="91440" tIns="45720" rIns="91440" bIns="45720" rtlCol="0" anchor="t">
+            <a:normAutofit/>
+          </a:bodyPr>
+          <a:lstStyle>
+            <a:lvl1pPr algn="l" defTabSz="914400" rtl="0" eaLnBrk="1" latinLnBrk="0" hangingPunct="1">
+              <a:lnSpc>
+                <a:spcPct val="90000"/>
+              </a:lnSpc>
+              <a:spcBef>
+                <a:spcPct val="0"/>
+              </a:spcBef>
+              <a:buNone/>
+              <a:defRPr sz="4400" kern="1200">
+                <a:solidFill>
+                  <a:schemeClr val="tx1"/>
+                </a:solidFill>
+                <a:latin typeface="+mj-lt"/>
+                <a:ea typeface="+mj-ea"/>
+                <a:cs typeface="+mj-cs"/>
+              </a:defRPr>
+            </a:lvl1pPr>
+          </a:lstStyle>
+          <a:p>
+            <a:pPr algn="r"/>
+            <a:r>
+              <a:rPr lang="en-US" sz="1600" dirty="0">
+                <a:latin typeface="IBM Plex Sans" panose="020B0503050203000203" pitchFamily="34" charset="0"/>
+              </a:rPr>
+              <a:t>Source: Wang, 2017a</a:t>
+            </a:r>
+          </a:p>
+        </p:txBody>
+      </p:sp>
+    </p:spTree>
+    <p:extLst>
+      <p:ext uri="{BB962C8B-B14F-4D97-AF65-F5344CB8AC3E}">
+        <p14:creationId xmlns:p14="http://schemas.microsoft.com/office/powerpoint/2010/main" val="1433310681"/>
+      </p:ext>
+    </p:extLst>
+  </p:cSld>
+  <p:clrMapOvr>
+    <a:masterClrMapping/>
+  </p:clrMapOvr>
+</p:sld>
+</file>
+
+<file path=ppt/slides/slide14.xml><?xml version="1.0" encoding="utf-8"?>
+<p:sld xmlns:a="http://schemas.openxmlformats.org/drawingml/2006/main" xmlns:r="http://schemas.openxmlformats.org/officeDocument/2006/relationships" xmlns:p="http://schemas.openxmlformats.org/presentationml/2006/main">
+  <p:cSld>
+    <p:spTree>
+      <p:nvGrpSpPr>
+        <p:cNvPr id="1" name=""/>
+        <p:cNvGrpSpPr/>
+        <p:nvPr/>
+      </p:nvGrpSpPr>
+      <p:grpSpPr>
+        <a:xfrm>
+          <a:off x="0" y="0"/>
+          <a:ext cx="0" cy="0"/>
+          <a:chOff x="0" y="0"/>
+          <a:chExt cx="0" cy="0"/>
+        </a:xfrm>
+      </p:grpSpPr>
+      <p:sp>
+        <p:nvSpPr>
+          <p:cNvPr id="4" name="Footer Placeholder 3">
+            <a:extLst>
+              <a:ext uri="{FF2B5EF4-FFF2-40B4-BE49-F238E27FC236}">
+                <a16:creationId xmlns:a16="http://schemas.microsoft.com/office/drawing/2014/main" id="{ABC5BB99-6713-EE89-3895-F3148FABAE18}"/>
+              </a:ext>
+            </a:extLst>
+          </p:cNvPr>
+          <p:cNvSpPr>
+            <a:spLocks noGrp="1"/>
+          </p:cNvSpPr>
+          <p:nvPr>
+            <p:ph type="ftr" sz="quarter" idx="11"/>
+          </p:nvPr>
+        </p:nvSpPr>
+        <p:spPr/>
+        <p:txBody>
+          <a:bodyPr/>
+          <a:lstStyle/>
+          <a:p>
+            <a:r>
+              <a:rPr lang="pt-BR" dirty="0">
+                <a:latin typeface="IBM Plex Sans" panose="020B0503050203000203" pitchFamily="34" charset="0"/>
+              </a:rPr>
+              <a:t>A Mobile </a:t>
+            </a:r>
+            <a:r>
+              <a:rPr lang="pt-BR" dirty="0" err="1">
+                <a:latin typeface="IBM Plex Sans" panose="020B0503050203000203" pitchFamily="34" charset="0"/>
+              </a:rPr>
+              <a:t>Traffic</a:t>
+            </a:r>
+            <a:r>
+              <a:rPr lang="pt-BR" dirty="0">
+                <a:latin typeface="IBM Plex Sans" panose="020B0503050203000203" pitchFamily="34" charset="0"/>
+              </a:rPr>
+              <a:t> </a:t>
+            </a:r>
+            <a:r>
+              <a:rPr lang="pt-BR" dirty="0" err="1">
+                <a:latin typeface="IBM Plex Sans" panose="020B0503050203000203" pitchFamily="34" charset="0"/>
+              </a:rPr>
+              <a:t>Predictor</a:t>
+            </a:r>
+            <a:r>
+              <a:rPr lang="pt-BR" dirty="0">
+                <a:latin typeface="IBM Plex Sans" panose="020B0503050203000203" pitchFamily="34" charset="0"/>
+              </a:rPr>
+              <a:t> </a:t>
+            </a:r>
+            <a:r>
+              <a:rPr lang="pt-BR" dirty="0" err="1">
+                <a:latin typeface="IBM Plex Sans" panose="020B0503050203000203" pitchFamily="34" charset="0"/>
+              </a:rPr>
+              <a:t>Enhanced</a:t>
+            </a:r>
+            <a:r>
+              <a:rPr lang="pt-BR" dirty="0">
+                <a:latin typeface="IBM Plex Sans" panose="020B0503050203000203" pitchFamily="34" charset="0"/>
+              </a:rPr>
+              <a:t> </a:t>
+            </a:r>
+            <a:r>
+              <a:rPr lang="pt-BR" dirty="0" err="1">
+                <a:latin typeface="IBM Plex Sans" panose="020B0503050203000203" pitchFamily="34" charset="0"/>
+              </a:rPr>
+              <a:t>by</a:t>
+            </a:r>
+            <a:r>
+              <a:rPr lang="pt-BR" dirty="0">
+                <a:latin typeface="IBM Plex Sans" panose="020B0503050203000203" pitchFamily="34" charset="0"/>
+              </a:rPr>
+              <a:t> </a:t>
+            </a:r>
+            <a:r>
+              <a:rPr lang="pt-BR" dirty="0" err="1">
+                <a:latin typeface="IBM Plex Sans" panose="020B0503050203000203" pitchFamily="34" charset="0"/>
+              </a:rPr>
+              <a:t>Neighboring</a:t>
+            </a:r>
+            <a:r>
+              <a:rPr lang="pt-BR" dirty="0">
+                <a:latin typeface="IBM Plex Sans" panose="020B0503050203000203" pitchFamily="34" charset="0"/>
+              </a:rPr>
+              <a:t> </a:t>
+            </a:r>
+            <a:r>
+              <a:rPr lang="pt-BR" dirty="0" err="1">
+                <a:latin typeface="IBM Plex Sans" panose="020B0503050203000203" pitchFamily="34" charset="0"/>
+              </a:rPr>
+              <a:t>Transportation</a:t>
+            </a:r>
+            <a:r>
+              <a:rPr lang="pt-BR" dirty="0">
+                <a:latin typeface="IBM Plex Sans" panose="020B0503050203000203" pitchFamily="34" charset="0"/>
+              </a:rPr>
+              <a:t> Data (MTP-NT)</a:t>
+            </a:r>
+          </a:p>
+        </p:txBody>
+      </p:sp>
+      <p:sp>
+        <p:nvSpPr>
+          <p:cNvPr id="5" name="Slide Number Placeholder 4">
+            <a:extLst>
+              <a:ext uri="{FF2B5EF4-FFF2-40B4-BE49-F238E27FC236}">
+                <a16:creationId xmlns:a16="http://schemas.microsoft.com/office/drawing/2014/main" id="{DE4D7978-95DF-1BFB-E341-3759F4762F0C}"/>
+              </a:ext>
+            </a:extLst>
+          </p:cNvPr>
+          <p:cNvSpPr>
+            <a:spLocks noGrp="1"/>
+          </p:cNvSpPr>
+          <p:nvPr>
+            <p:ph type="sldNum" sz="quarter" idx="12"/>
+          </p:nvPr>
+        </p:nvSpPr>
+        <p:spPr/>
+        <p:txBody>
+          <a:bodyPr/>
+          <a:lstStyle/>
+          <a:p>
+            <a:fld id="{C16D1434-241F-3E4A-8778-0F70095E40C3}" type="slidenum">
+              <a:rPr lang="pt-BR" smtClean="0">
+                <a:latin typeface="IBM Plex Sans" panose="020B0503050203000203" pitchFamily="34" charset="0"/>
+              </a:rPr>
+              <a:t>14</a:t>
+            </a:fld>
+            <a:endParaRPr lang="pt-BR">
+              <a:latin typeface="IBM Plex Sans" panose="020B0503050203000203" pitchFamily="34" charset="0"/>
+            </a:endParaRPr>
+          </a:p>
+        </p:txBody>
+      </p:sp>
+      <p:sp>
+        <p:nvSpPr>
+          <p:cNvPr id="13" name="Text Placeholder">
+            <a:extLst>
+              <a:ext uri="{FF2B5EF4-FFF2-40B4-BE49-F238E27FC236}">
+                <a16:creationId xmlns:a16="http://schemas.microsoft.com/office/drawing/2014/main" id="{4D1EB361-A84D-E1BA-5887-29346BE14147}"/>
+              </a:ext>
+            </a:extLst>
+          </p:cNvPr>
+          <p:cNvSpPr txBox="1">
+            <a:spLocks/>
+          </p:cNvSpPr>
+          <p:nvPr/>
+        </p:nvSpPr>
+        <p:spPr>
+          <a:xfrm>
+            <a:off x="0" y="104751"/>
+            <a:ext cx="9398000" cy="633222"/>
+          </a:xfrm>
+          <a:prstGeom prst="rect">
+            <a:avLst/>
+          </a:prstGeom>
+        </p:spPr>
+        <p:txBody>
+          <a:bodyPr vert="horz" lIns="91440" tIns="45720" rIns="91440" bIns="45720" rtlCol="0" anchor="ctr"/>
+          <a:lstStyle>
+            <a:defPPr>
+              <a:defRPr lang="en-BR"/>
+            </a:defPPr>
+            <a:lvl1pPr marL="0" algn="r" defTabSz="914400" rtl="0" eaLnBrk="1" latinLnBrk="0" hangingPunct="1">
+              <a:defRPr sz="1200" kern="1200">
+                <a:solidFill>
+                  <a:schemeClr val="tx1">
+                    <a:tint val="75000"/>
+                  </a:schemeClr>
+                </a:solidFill>
+                <a:latin typeface="+mn-lt"/>
+                <a:ea typeface="+mn-ea"/>
+                <a:cs typeface="+mn-cs"/>
+              </a:defRPr>
+            </a:lvl1pPr>
+            <a:lvl2pPr marL="457200" algn="l" defTabSz="914400" rtl="0" eaLnBrk="1" latinLnBrk="0" hangingPunct="1">
+              <a:defRPr sz="1800" kern="1200">
+                <a:solidFill>
+                  <a:schemeClr val="tx1"/>
+                </a:solidFill>
+                <a:latin typeface="+mn-lt"/>
+                <a:ea typeface="+mn-ea"/>
+                <a:cs typeface="+mn-cs"/>
+              </a:defRPr>
+            </a:lvl2pPr>
+            <a:lvl3pPr marL="914400" algn="l" defTabSz="914400" rtl="0" eaLnBrk="1" latinLnBrk="0" hangingPunct="1">
+              <a:defRPr sz="1800" kern="1200">
+                <a:solidFill>
+                  <a:schemeClr val="tx1"/>
+                </a:solidFill>
+                <a:latin typeface="+mn-lt"/>
+                <a:ea typeface="+mn-ea"/>
+                <a:cs typeface="+mn-cs"/>
+              </a:defRPr>
+            </a:lvl3pPr>
+            <a:lvl4pPr marL="1371600" algn="l" defTabSz="914400" rtl="0" eaLnBrk="1" latinLnBrk="0" hangingPunct="1">
+              <a:defRPr sz="1800" kern="1200">
+                <a:solidFill>
+                  <a:schemeClr val="tx1"/>
+                </a:solidFill>
+                <a:latin typeface="+mn-lt"/>
+                <a:ea typeface="+mn-ea"/>
+                <a:cs typeface="+mn-cs"/>
+              </a:defRPr>
+            </a:lvl4pPr>
+            <a:lvl5pPr marL="1828800" algn="l" defTabSz="914400" rtl="0" eaLnBrk="1" latinLnBrk="0" hangingPunct="1">
+              <a:defRPr sz="1800" kern="1200">
+                <a:solidFill>
+                  <a:schemeClr val="tx1"/>
+                </a:solidFill>
+                <a:latin typeface="+mn-lt"/>
+                <a:ea typeface="+mn-ea"/>
+                <a:cs typeface="+mn-cs"/>
+              </a:defRPr>
+            </a:lvl5pPr>
+            <a:lvl6pPr marL="2286000" algn="l" defTabSz="914400" rtl="0" eaLnBrk="1" latinLnBrk="0" hangingPunct="1">
+              <a:defRPr sz="1800" kern="1200">
+                <a:solidFill>
+                  <a:schemeClr val="tx1"/>
+                </a:solidFill>
+                <a:latin typeface="+mn-lt"/>
+                <a:ea typeface="+mn-ea"/>
+                <a:cs typeface="+mn-cs"/>
+              </a:defRPr>
+            </a:lvl6pPr>
+            <a:lvl7pPr marL="2743200" algn="l" defTabSz="914400" rtl="0" eaLnBrk="1" latinLnBrk="0" hangingPunct="1">
+              <a:defRPr sz="1800" kern="1200">
+                <a:solidFill>
+                  <a:schemeClr val="tx1"/>
+                </a:solidFill>
+                <a:latin typeface="+mn-lt"/>
+                <a:ea typeface="+mn-ea"/>
+                <a:cs typeface="+mn-cs"/>
+              </a:defRPr>
+            </a:lvl7pPr>
+            <a:lvl8pPr marL="3200400" algn="l" defTabSz="914400" rtl="0" eaLnBrk="1" latinLnBrk="0" hangingPunct="1">
+              <a:defRPr sz="1800" kern="1200">
+                <a:solidFill>
+                  <a:schemeClr val="tx1"/>
+                </a:solidFill>
+                <a:latin typeface="+mn-lt"/>
+                <a:ea typeface="+mn-ea"/>
+                <a:cs typeface="+mn-cs"/>
+              </a:defRPr>
+            </a:lvl8pPr>
+            <a:lvl9pPr marL="3657600" algn="l" defTabSz="914400" rtl="0" eaLnBrk="1" latinLnBrk="0" hangingPunct="1">
+              <a:defRPr sz="1800" kern="1200">
+                <a:solidFill>
+                  <a:schemeClr val="tx1"/>
+                </a:solidFill>
+                <a:latin typeface="+mn-lt"/>
+                <a:ea typeface="+mn-ea"/>
+                <a:cs typeface="+mn-cs"/>
+              </a:defRPr>
+            </a:lvl9pPr>
+          </a:lstStyle>
+          <a:p>
+            <a:r>
+              <a:rPr lang="en-US" sz="4800" b="1" dirty="0">
+                <a:solidFill>
+                  <a:schemeClr val="tx1"/>
+                </a:solidFill>
+                <a:latin typeface="IBM Plex Sans" panose="020B0503050203000203" pitchFamily="34" charset="0"/>
+              </a:rPr>
+              <a:t>Related work – Wang 2017b</a:t>
+            </a:r>
+          </a:p>
+        </p:txBody>
+      </p:sp>
+      <p:sp>
+        <p:nvSpPr>
+          <p:cNvPr id="2" name="Title">
+            <a:extLst>
+              <a:ext uri="{FF2B5EF4-FFF2-40B4-BE49-F238E27FC236}">
+                <a16:creationId xmlns:a16="http://schemas.microsoft.com/office/drawing/2014/main" id="{8FE29A8C-DA4A-E4E8-59AE-3E42BD56A75B}"/>
+              </a:ext>
+            </a:extLst>
+          </p:cNvPr>
+          <p:cNvSpPr>
+            <a:spLocks noGrp="1"/>
+          </p:cNvSpPr>
+          <p:nvPr>
+            <p:ph type="title"/>
+          </p:nvPr>
+        </p:nvSpPr>
+        <p:spPr>
+          <a:xfrm>
+            <a:off x="531345" y="1784768"/>
+            <a:ext cx="10683501" cy="3091658"/>
+          </a:xfrm>
+        </p:spPr>
+        <p:txBody>
+          <a:bodyPr anchor="t">
+            <a:normAutofit/>
+          </a:bodyPr>
+          <a:lstStyle/>
+          <a:p>
+            <a:r>
+              <a:rPr lang="en-US" sz="1600" b="1" dirty="0">
+                <a:latin typeface="IBM Plex Sans" panose="020B0503050203000203" pitchFamily="34" charset="0"/>
+              </a:rPr>
+              <a:t>5929 Base Stations (BSs), 1.5 million users</a:t>
+            </a:r>
+            <a:br>
+              <a:rPr lang="en-US" sz="1600" b="1" dirty="0">
+                <a:latin typeface="IBM Plex Sans" panose="020B0503050203000203" pitchFamily="34" charset="0"/>
+              </a:rPr>
+            </a:br>
+            <a:br>
+              <a:rPr lang="en-US" sz="1600" b="1" dirty="0">
+                <a:latin typeface="IBM Plex Sans" panose="020B0503050203000203" pitchFamily="34" charset="0"/>
+              </a:rPr>
+            </a:br>
+            <a:r>
+              <a:rPr lang="en-US" sz="1600" b="1" dirty="0">
+                <a:latin typeface="IBM Plex Sans" panose="020B0503050203000203" pitchFamily="34" charset="0"/>
+              </a:rPr>
+              <a:t>In-tower and inter-tower traffic</a:t>
+            </a:r>
+            <a:br>
+              <a:rPr lang="en-US" sz="1600" b="1" dirty="0">
+                <a:latin typeface="IBM Plex Sans" panose="020B0503050203000203" pitchFamily="34" charset="0"/>
+              </a:rPr>
+            </a:br>
+            <a:br>
+              <a:rPr lang="en-US" sz="1600" b="1" dirty="0">
+                <a:latin typeface="IBM Plex Sans" panose="020B0503050203000203" pitchFamily="34" charset="0"/>
+              </a:rPr>
+            </a:br>
+            <a:r>
+              <a:rPr lang="en-US" sz="1600" b="1" dirty="0">
+                <a:latin typeface="IBM Plex Sans" panose="020B0503050203000203" pitchFamily="34" charset="0"/>
+              </a:rPr>
+              <a:t>Temporal correlations between physically distant towers</a:t>
+            </a:r>
+          </a:p>
+        </p:txBody>
+      </p:sp>
+      <p:sp>
+        <p:nvSpPr>
+          <p:cNvPr id="3" name="Title">
+            <a:extLst>
+              <a:ext uri="{FF2B5EF4-FFF2-40B4-BE49-F238E27FC236}">
+                <a16:creationId xmlns:a16="http://schemas.microsoft.com/office/drawing/2014/main" id="{40225234-3517-1C0D-62E0-154515DD1E3B}"/>
+              </a:ext>
+            </a:extLst>
+          </p:cNvPr>
+          <p:cNvSpPr txBox="1">
+            <a:spLocks/>
+          </p:cNvSpPr>
+          <p:nvPr/>
+        </p:nvSpPr>
+        <p:spPr>
+          <a:xfrm>
+            <a:off x="531344" y="5069541"/>
+            <a:ext cx="10683501" cy="1093694"/>
+          </a:xfrm>
+          <a:prstGeom prst="rect">
+            <a:avLst/>
+          </a:prstGeom>
+        </p:spPr>
+        <p:txBody>
+          <a:bodyPr vert="horz" lIns="91440" tIns="45720" rIns="91440" bIns="45720" rtlCol="0" anchor="t">
+            <a:normAutofit/>
+          </a:bodyPr>
+          <a:lstStyle>
+            <a:lvl1pPr algn="l" defTabSz="914400" rtl="0" eaLnBrk="1" latinLnBrk="0" hangingPunct="1">
+              <a:lnSpc>
+                <a:spcPct val="90000"/>
+              </a:lnSpc>
+              <a:spcBef>
+                <a:spcPct val="0"/>
+              </a:spcBef>
+              <a:buNone/>
+              <a:defRPr sz="4400" kern="1200">
+                <a:solidFill>
+                  <a:schemeClr val="tx1"/>
+                </a:solidFill>
+                <a:latin typeface="+mj-lt"/>
+                <a:ea typeface="+mj-ea"/>
+                <a:cs typeface="+mj-cs"/>
+              </a:defRPr>
+            </a:lvl1pPr>
+          </a:lstStyle>
+          <a:p>
+            <a:pPr algn="r"/>
+            <a:r>
+              <a:rPr lang="en-US" sz="1600" dirty="0">
+                <a:latin typeface="IBM Plex Sans" panose="020B0503050203000203" pitchFamily="34" charset="0"/>
+              </a:rPr>
+              <a:t>Source: Wang, 2017b</a:t>
+            </a:r>
+          </a:p>
+        </p:txBody>
+      </p:sp>
+    </p:spTree>
+    <p:extLst>
+      <p:ext uri="{BB962C8B-B14F-4D97-AF65-F5344CB8AC3E}">
+        <p14:creationId xmlns:p14="http://schemas.microsoft.com/office/powerpoint/2010/main" val="543043345"/>
+      </p:ext>
+    </p:extLst>
+  </p:cSld>
+  <p:clrMapOvr>
+    <a:masterClrMapping/>
+  </p:clrMapOvr>
+</p:sld>
+</file>
+
+<file path=ppt/slides/slide15.xml><?xml version="1.0" encoding="utf-8"?>
+<p:sld xmlns:a="http://schemas.openxmlformats.org/drawingml/2006/main" xmlns:r="http://schemas.openxmlformats.org/officeDocument/2006/relationships" xmlns:p="http://schemas.openxmlformats.org/presentationml/2006/main">
+  <p:cSld>
+    <p:spTree>
+      <p:nvGrpSpPr>
+        <p:cNvPr id="1" name=""/>
+        <p:cNvGrpSpPr/>
+        <p:nvPr/>
+      </p:nvGrpSpPr>
+      <p:grpSpPr>
+        <a:xfrm>
+          <a:off x="0" y="0"/>
+          <a:ext cx="0" cy="0"/>
+          <a:chOff x="0" y="0"/>
+          <a:chExt cx="0" cy="0"/>
+        </a:xfrm>
+      </p:grpSpPr>
+      <p:sp>
+        <p:nvSpPr>
+          <p:cNvPr id="4" name="Footer Placeholder 3">
+            <a:extLst>
+              <a:ext uri="{FF2B5EF4-FFF2-40B4-BE49-F238E27FC236}">
+                <a16:creationId xmlns:a16="http://schemas.microsoft.com/office/drawing/2014/main" id="{ABC5BB99-6713-EE89-3895-F3148FABAE18}"/>
+              </a:ext>
+            </a:extLst>
+          </p:cNvPr>
+          <p:cNvSpPr>
+            <a:spLocks noGrp="1"/>
+          </p:cNvSpPr>
+          <p:nvPr>
+            <p:ph type="ftr" sz="quarter" idx="11"/>
+          </p:nvPr>
+        </p:nvSpPr>
+        <p:spPr/>
+        <p:txBody>
+          <a:bodyPr/>
+          <a:lstStyle/>
+          <a:p>
+            <a:r>
+              <a:rPr lang="pt-BR" dirty="0">
+                <a:latin typeface="IBM Plex Sans" panose="020B0503050203000203" pitchFamily="34" charset="0"/>
+              </a:rPr>
+              <a:t>A Mobile </a:t>
+            </a:r>
+            <a:r>
+              <a:rPr lang="pt-BR" dirty="0" err="1">
+                <a:latin typeface="IBM Plex Sans" panose="020B0503050203000203" pitchFamily="34" charset="0"/>
+              </a:rPr>
+              <a:t>Traffic</a:t>
+            </a:r>
+            <a:r>
+              <a:rPr lang="pt-BR" dirty="0">
+                <a:latin typeface="IBM Plex Sans" panose="020B0503050203000203" pitchFamily="34" charset="0"/>
+              </a:rPr>
+              <a:t> </a:t>
+            </a:r>
+            <a:r>
+              <a:rPr lang="pt-BR" dirty="0" err="1">
+                <a:latin typeface="IBM Plex Sans" panose="020B0503050203000203" pitchFamily="34" charset="0"/>
+              </a:rPr>
+              <a:t>Predictor</a:t>
+            </a:r>
+            <a:r>
+              <a:rPr lang="pt-BR" dirty="0">
+                <a:latin typeface="IBM Plex Sans" panose="020B0503050203000203" pitchFamily="34" charset="0"/>
+              </a:rPr>
+              <a:t> </a:t>
+            </a:r>
+            <a:r>
+              <a:rPr lang="pt-BR" dirty="0" err="1">
+                <a:latin typeface="IBM Plex Sans" panose="020B0503050203000203" pitchFamily="34" charset="0"/>
+              </a:rPr>
+              <a:t>Enhanced</a:t>
+            </a:r>
+            <a:r>
+              <a:rPr lang="pt-BR" dirty="0">
+                <a:latin typeface="IBM Plex Sans" panose="020B0503050203000203" pitchFamily="34" charset="0"/>
+              </a:rPr>
+              <a:t> </a:t>
+            </a:r>
+            <a:r>
+              <a:rPr lang="pt-BR" dirty="0" err="1">
+                <a:latin typeface="IBM Plex Sans" panose="020B0503050203000203" pitchFamily="34" charset="0"/>
+              </a:rPr>
+              <a:t>by</a:t>
+            </a:r>
+            <a:r>
+              <a:rPr lang="pt-BR" dirty="0">
+                <a:latin typeface="IBM Plex Sans" panose="020B0503050203000203" pitchFamily="34" charset="0"/>
+              </a:rPr>
+              <a:t> </a:t>
+            </a:r>
+            <a:r>
+              <a:rPr lang="pt-BR" dirty="0" err="1">
+                <a:latin typeface="IBM Plex Sans" panose="020B0503050203000203" pitchFamily="34" charset="0"/>
+              </a:rPr>
+              <a:t>Neighboring</a:t>
+            </a:r>
+            <a:r>
+              <a:rPr lang="pt-BR" dirty="0">
+                <a:latin typeface="IBM Plex Sans" panose="020B0503050203000203" pitchFamily="34" charset="0"/>
+              </a:rPr>
+              <a:t> </a:t>
+            </a:r>
+            <a:r>
+              <a:rPr lang="pt-BR" dirty="0" err="1">
+                <a:latin typeface="IBM Plex Sans" panose="020B0503050203000203" pitchFamily="34" charset="0"/>
+              </a:rPr>
+              <a:t>Transportation</a:t>
+            </a:r>
+            <a:r>
+              <a:rPr lang="pt-BR" dirty="0">
+                <a:latin typeface="IBM Plex Sans" panose="020B0503050203000203" pitchFamily="34" charset="0"/>
+              </a:rPr>
+              <a:t> Data (MTP-NT)</a:t>
+            </a:r>
+          </a:p>
+        </p:txBody>
+      </p:sp>
+      <p:sp>
+        <p:nvSpPr>
+          <p:cNvPr id="5" name="Slide Number Placeholder 4">
+            <a:extLst>
+              <a:ext uri="{FF2B5EF4-FFF2-40B4-BE49-F238E27FC236}">
+                <a16:creationId xmlns:a16="http://schemas.microsoft.com/office/drawing/2014/main" id="{DE4D7978-95DF-1BFB-E341-3759F4762F0C}"/>
+              </a:ext>
+            </a:extLst>
+          </p:cNvPr>
+          <p:cNvSpPr>
+            <a:spLocks noGrp="1"/>
+          </p:cNvSpPr>
+          <p:nvPr>
+            <p:ph type="sldNum" sz="quarter" idx="12"/>
+          </p:nvPr>
+        </p:nvSpPr>
+        <p:spPr/>
+        <p:txBody>
+          <a:bodyPr/>
+          <a:lstStyle/>
+          <a:p>
+            <a:fld id="{C16D1434-241F-3E4A-8778-0F70095E40C3}" type="slidenum">
+              <a:rPr lang="pt-BR" smtClean="0">
+                <a:latin typeface="IBM Plex Sans" panose="020B0503050203000203" pitchFamily="34" charset="0"/>
+              </a:rPr>
+              <a:t>15</a:t>
+            </a:fld>
+            <a:endParaRPr lang="pt-BR">
+              <a:latin typeface="IBM Plex Sans" panose="020B0503050203000203" pitchFamily="34" charset="0"/>
+            </a:endParaRPr>
+          </a:p>
+        </p:txBody>
+      </p:sp>
+      <p:sp>
+        <p:nvSpPr>
+          <p:cNvPr id="13" name="Text Placeholder">
+            <a:extLst>
+              <a:ext uri="{FF2B5EF4-FFF2-40B4-BE49-F238E27FC236}">
+                <a16:creationId xmlns:a16="http://schemas.microsoft.com/office/drawing/2014/main" id="{4D1EB361-A84D-E1BA-5887-29346BE14147}"/>
+              </a:ext>
+            </a:extLst>
+          </p:cNvPr>
+          <p:cNvSpPr txBox="1">
+            <a:spLocks/>
+          </p:cNvSpPr>
+          <p:nvPr/>
+        </p:nvSpPr>
+        <p:spPr>
+          <a:xfrm>
+            <a:off x="0" y="104751"/>
+            <a:ext cx="9398000" cy="633222"/>
+          </a:xfrm>
+          <a:prstGeom prst="rect">
+            <a:avLst/>
+          </a:prstGeom>
+        </p:spPr>
+        <p:txBody>
+          <a:bodyPr vert="horz" lIns="91440" tIns="45720" rIns="91440" bIns="45720" rtlCol="0" anchor="ctr"/>
+          <a:lstStyle>
+            <a:defPPr>
+              <a:defRPr lang="en-BR"/>
+            </a:defPPr>
+            <a:lvl1pPr marL="0" algn="r" defTabSz="914400" rtl="0" eaLnBrk="1" latinLnBrk="0" hangingPunct="1">
+              <a:defRPr sz="1200" kern="1200">
+                <a:solidFill>
+                  <a:schemeClr val="tx1">
+                    <a:tint val="75000"/>
+                  </a:schemeClr>
+                </a:solidFill>
+                <a:latin typeface="+mn-lt"/>
+                <a:ea typeface="+mn-ea"/>
+                <a:cs typeface="+mn-cs"/>
+              </a:defRPr>
+            </a:lvl1pPr>
+            <a:lvl2pPr marL="457200" algn="l" defTabSz="914400" rtl="0" eaLnBrk="1" latinLnBrk="0" hangingPunct="1">
+              <a:defRPr sz="1800" kern="1200">
+                <a:solidFill>
+                  <a:schemeClr val="tx1"/>
+                </a:solidFill>
+                <a:latin typeface="+mn-lt"/>
+                <a:ea typeface="+mn-ea"/>
+                <a:cs typeface="+mn-cs"/>
+              </a:defRPr>
+            </a:lvl2pPr>
+            <a:lvl3pPr marL="914400" algn="l" defTabSz="914400" rtl="0" eaLnBrk="1" latinLnBrk="0" hangingPunct="1">
+              <a:defRPr sz="1800" kern="1200">
+                <a:solidFill>
+                  <a:schemeClr val="tx1"/>
+                </a:solidFill>
+                <a:latin typeface="+mn-lt"/>
+                <a:ea typeface="+mn-ea"/>
+                <a:cs typeface="+mn-cs"/>
+              </a:defRPr>
+            </a:lvl3pPr>
+            <a:lvl4pPr marL="1371600" algn="l" defTabSz="914400" rtl="0" eaLnBrk="1" latinLnBrk="0" hangingPunct="1">
+              <a:defRPr sz="1800" kern="1200">
+                <a:solidFill>
+                  <a:schemeClr val="tx1"/>
+                </a:solidFill>
+                <a:latin typeface="+mn-lt"/>
+                <a:ea typeface="+mn-ea"/>
+                <a:cs typeface="+mn-cs"/>
+              </a:defRPr>
+            </a:lvl4pPr>
+            <a:lvl5pPr marL="1828800" algn="l" defTabSz="914400" rtl="0" eaLnBrk="1" latinLnBrk="0" hangingPunct="1">
+              <a:defRPr sz="1800" kern="1200">
+                <a:solidFill>
+                  <a:schemeClr val="tx1"/>
+                </a:solidFill>
+                <a:latin typeface="+mn-lt"/>
+                <a:ea typeface="+mn-ea"/>
+                <a:cs typeface="+mn-cs"/>
+              </a:defRPr>
+            </a:lvl5pPr>
+            <a:lvl6pPr marL="2286000" algn="l" defTabSz="914400" rtl="0" eaLnBrk="1" latinLnBrk="0" hangingPunct="1">
+              <a:defRPr sz="1800" kern="1200">
+                <a:solidFill>
+                  <a:schemeClr val="tx1"/>
+                </a:solidFill>
+                <a:latin typeface="+mn-lt"/>
+                <a:ea typeface="+mn-ea"/>
+                <a:cs typeface="+mn-cs"/>
+              </a:defRPr>
+            </a:lvl6pPr>
+            <a:lvl7pPr marL="2743200" algn="l" defTabSz="914400" rtl="0" eaLnBrk="1" latinLnBrk="0" hangingPunct="1">
+              <a:defRPr sz="1800" kern="1200">
+                <a:solidFill>
+                  <a:schemeClr val="tx1"/>
+                </a:solidFill>
+                <a:latin typeface="+mn-lt"/>
+                <a:ea typeface="+mn-ea"/>
+                <a:cs typeface="+mn-cs"/>
+              </a:defRPr>
+            </a:lvl7pPr>
+            <a:lvl8pPr marL="3200400" algn="l" defTabSz="914400" rtl="0" eaLnBrk="1" latinLnBrk="0" hangingPunct="1">
+              <a:defRPr sz="1800" kern="1200">
+                <a:solidFill>
+                  <a:schemeClr val="tx1"/>
+                </a:solidFill>
+                <a:latin typeface="+mn-lt"/>
+                <a:ea typeface="+mn-ea"/>
+                <a:cs typeface="+mn-cs"/>
+              </a:defRPr>
+            </a:lvl8pPr>
+            <a:lvl9pPr marL="3657600" algn="l" defTabSz="914400" rtl="0" eaLnBrk="1" latinLnBrk="0" hangingPunct="1">
+              <a:defRPr sz="1800" kern="1200">
+                <a:solidFill>
+                  <a:schemeClr val="tx1"/>
+                </a:solidFill>
+                <a:latin typeface="+mn-lt"/>
+                <a:ea typeface="+mn-ea"/>
+                <a:cs typeface="+mn-cs"/>
+              </a:defRPr>
+            </a:lvl9pPr>
+          </a:lstStyle>
+          <a:p>
+            <a:r>
+              <a:rPr lang="en-US" sz="4800" b="1" dirty="0">
+                <a:solidFill>
+                  <a:schemeClr val="tx1"/>
+                </a:solidFill>
+                <a:latin typeface="IBM Plex Sans" panose="020B0503050203000203" pitchFamily="34" charset="0"/>
+              </a:rPr>
+              <a:t>Related work – Wang 2017b</a:t>
+            </a:r>
+          </a:p>
+        </p:txBody>
+      </p:sp>
+      <p:sp>
+        <p:nvSpPr>
+          <p:cNvPr id="3" name="Title">
+            <a:extLst>
+              <a:ext uri="{FF2B5EF4-FFF2-40B4-BE49-F238E27FC236}">
+                <a16:creationId xmlns:a16="http://schemas.microsoft.com/office/drawing/2014/main" id="{40225234-3517-1C0D-62E0-154515DD1E3B}"/>
+              </a:ext>
+            </a:extLst>
+          </p:cNvPr>
+          <p:cNvSpPr txBox="1">
+            <a:spLocks/>
+          </p:cNvSpPr>
+          <p:nvPr/>
+        </p:nvSpPr>
+        <p:spPr>
+          <a:xfrm>
+            <a:off x="531344" y="5798109"/>
+            <a:ext cx="10683501" cy="365126"/>
+          </a:xfrm>
+          <a:prstGeom prst="rect">
+            <a:avLst/>
+          </a:prstGeom>
+        </p:spPr>
+        <p:txBody>
+          <a:bodyPr vert="horz" lIns="91440" tIns="45720" rIns="91440" bIns="45720" rtlCol="0" anchor="t">
+            <a:normAutofit/>
+          </a:bodyPr>
+          <a:lstStyle>
+            <a:lvl1pPr algn="l" defTabSz="914400" rtl="0" eaLnBrk="1" latinLnBrk="0" hangingPunct="1">
+              <a:lnSpc>
+                <a:spcPct val="90000"/>
+              </a:lnSpc>
+              <a:spcBef>
+                <a:spcPct val="0"/>
+              </a:spcBef>
+              <a:buNone/>
+              <a:defRPr sz="4400" kern="1200">
+                <a:solidFill>
+                  <a:schemeClr val="tx1"/>
+                </a:solidFill>
+                <a:latin typeface="+mj-lt"/>
+                <a:ea typeface="+mj-ea"/>
+                <a:cs typeface="+mj-cs"/>
+              </a:defRPr>
+            </a:lvl1pPr>
+          </a:lstStyle>
+          <a:p>
+            <a:pPr algn="r"/>
+            <a:r>
+              <a:rPr lang="en-US" sz="1600" dirty="0">
+                <a:latin typeface="IBM Plex Sans" panose="020B0503050203000203" pitchFamily="34" charset="0"/>
+              </a:rPr>
+              <a:t>Source: Wang, 2017b</a:t>
+            </a:r>
+          </a:p>
+        </p:txBody>
+      </p:sp>
+      <p:pic>
+        <p:nvPicPr>
+          <p:cNvPr id="9" name="Picture 8" descr="A screenshot of a diagram&#10;&#10;Description automatically generated">
+            <a:extLst>
+              <a:ext uri="{FF2B5EF4-FFF2-40B4-BE49-F238E27FC236}">
+                <a16:creationId xmlns:a16="http://schemas.microsoft.com/office/drawing/2014/main" id="{E2E6A138-65FE-F896-F856-C93C0C851796}"/>
+              </a:ext>
+            </a:extLst>
+          </p:cNvPr>
+          <p:cNvPicPr>
+            <a:picLocks noChangeAspect="1"/>
+          </p:cNvPicPr>
+          <p:nvPr/>
+        </p:nvPicPr>
+        <p:blipFill>
+          <a:blip r:embed="rId3"/>
+          <a:stretch>
+            <a:fillRect/>
+          </a:stretch>
+        </p:blipFill>
+        <p:spPr>
+          <a:xfrm>
+            <a:off x="154393" y="737973"/>
+            <a:ext cx="11883213" cy="4997978"/>
+          </a:xfrm>
+          <a:prstGeom prst="rect">
+            <a:avLst/>
+          </a:prstGeom>
+        </p:spPr>
+      </p:pic>
+    </p:spTree>
+    <p:extLst>
+      <p:ext uri="{BB962C8B-B14F-4D97-AF65-F5344CB8AC3E}">
+        <p14:creationId xmlns:p14="http://schemas.microsoft.com/office/powerpoint/2010/main" val="3326518391"/>
+      </p:ext>
+    </p:extLst>
+  </p:cSld>
+  <p:clrMapOvr>
+    <a:masterClrMapping/>
+  </p:clrMapOvr>
+</p:sld>
+</file>
+
+<file path=ppt/slides/slide16.xml><?xml version="1.0" encoding="utf-8"?>
+<p:sld xmlns:a="http://schemas.openxmlformats.org/drawingml/2006/main" xmlns:r="http://schemas.openxmlformats.org/officeDocument/2006/relationships" xmlns:p="http://schemas.openxmlformats.org/presentationml/2006/main">
+  <p:cSld>
+    <p:spTree>
+      <p:nvGrpSpPr>
+        <p:cNvPr id="1" name=""/>
+        <p:cNvGrpSpPr/>
+        <p:nvPr/>
+      </p:nvGrpSpPr>
+      <p:grpSpPr>
+        <a:xfrm>
+          <a:off x="0" y="0"/>
+          <a:ext cx="0" cy="0"/>
+          <a:chOff x="0" y="0"/>
+          <a:chExt cx="0" cy="0"/>
+        </a:xfrm>
+      </p:grpSpPr>
+      <p:sp>
+        <p:nvSpPr>
           <p:cNvPr id="7" name="Title 1">
             <a:extLst>
               <a:ext uri="{FF2B5EF4-FFF2-40B4-BE49-F238E27FC236}">
@@ -8061,7 +11505,7 @@
           <a:p>
             <a:fld id="{C16D1434-241F-3E4A-8778-0F70095E40C3}" type="slidenum">
               <a:rPr lang="pt-BR" smtClean="0"/>
-              <a:t>13</a:t>
+              <a:t>16</a:t>
             </a:fld>
             <a:endParaRPr lang="pt-BR"/>
           </a:p>
@@ -8159,12 +11603,18 @@
               <a:buAutoNum type="arabicPeriod"/>
             </a:pPr>
             <a:r>
-              <a:rPr lang="pt-BR" u="sng" dirty="0" err="1">
+              <a:rPr lang="pt-BR" dirty="0" err="1">
+                <a:solidFill>
+                  <a:srgbClr val="0F62FF"/>
+                </a:solidFill>
                 <a:latin typeface="IBM Plex Sans" panose="020B0503050203000203" pitchFamily="34" charset="0"/>
               </a:rPr>
               <a:t>Introduction</a:t>
             </a:r>
-            <a:endParaRPr lang="pt-BR" u="sng" dirty="0">
+            <a:endParaRPr lang="pt-BR" dirty="0">
+              <a:solidFill>
+                <a:srgbClr val="0F62FF"/>
+              </a:solidFill>
               <a:latin typeface="IBM Plex Sans" panose="020B0503050203000203" pitchFamily="34" charset="0"/>
             </a:endParaRPr>
           </a:p>
@@ -15249,15 +18699,12 @@
             <a:r>
               <a:rPr lang="en-US" b="1" dirty="0">
                 <a:solidFill>
-                  <a:schemeClr val="accent1"/>
+                  <a:srgbClr val="0F62FF"/>
                 </a:solidFill>
                 <a:latin typeface="IBM Plex Sans" panose="020B0503050203000203" pitchFamily="34" charset="0"/>
               </a:rPr>
               <a:t>MTP-NT</a:t>
             </a:r>
-            <a:endParaRPr lang="en-US" b="1" dirty="0">
-              <a:latin typeface="IBM Plex Sans" panose="020B0503050203000203" pitchFamily="34" charset="0"/>
-            </a:endParaRPr>
           </a:p>
         </p:txBody>
       </p:sp>
@@ -16012,24 +19459,36 @@
               <a:buAutoNum type="arabicPeriod"/>
             </a:pPr>
             <a:r>
-              <a:rPr lang="pt-BR" u="sng" dirty="0" err="1">
+              <a:rPr lang="pt-BR" dirty="0" err="1">
+                <a:solidFill>
+                  <a:srgbClr val="0F62FF"/>
+                </a:solidFill>
                 <a:latin typeface="IBM Plex Sans" panose="020B0503050203000203" pitchFamily="34" charset="0"/>
               </a:rPr>
               <a:t>Related</a:t>
             </a:r>
             <a:r>
-              <a:rPr lang="pt-BR" u="sng" dirty="0">
+              <a:rPr lang="pt-BR" dirty="0">
+                <a:solidFill>
+                  <a:srgbClr val="0F62FF"/>
+                </a:solidFill>
                 <a:latin typeface="IBM Plex Sans" panose="020B0503050203000203" pitchFamily="34" charset="0"/>
               </a:rPr>
               <a:t> </a:t>
             </a:r>
             <a:r>
-              <a:rPr lang="pt-BR" u="sng" dirty="0" err="1">
+              <a:rPr lang="pt-BR" dirty="0" err="1">
+                <a:solidFill>
+                  <a:srgbClr val="0F62FF"/>
+                </a:solidFill>
                 <a:latin typeface="IBM Plex Sans" panose="020B0503050203000203" pitchFamily="34" charset="0"/>
               </a:rPr>
               <a:t>Work</a:t>
             </a:r>
-            <a:endParaRPr lang="pt-BR" u="sng" dirty="0">
+            <a:endParaRPr lang="pt-BR" dirty="0">
+              <a:solidFill>
+                <a:srgbClr val="0F62FF"/>
+              </a:solidFill>
               <a:latin typeface="IBM Plex Sans" panose="020B0503050203000203" pitchFamily="34" charset="0"/>
             </a:endParaRPr>
           </a:p>

--- a/defesa.pptx
+++ b/defesa.pptx
@@ -5,7 +5,7 @@
     <p:sldMasterId id="2147483648" r:id="rId1"/>
   </p:sldMasterIdLst>
   <p:notesMasterIdLst>
-    <p:notesMasterId r:id="rId18"/>
+    <p:notesMasterId r:id="rId23"/>
   </p:notesMasterIdLst>
   <p:sldIdLst>
     <p:sldId id="256" r:id="rId2"/>
@@ -21,9 +21,14 @@
     <p:sldId id="373" r:id="rId12"/>
     <p:sldId id="374" r:id="rId13"/>
     <p:sldId id="376" r:id="rId14"/>
-    <p:sldId id="377" r:id="rId15"/>
-    <p:sldId id="378" r:id="rId16"/>
-    <p:sldId id="257" r:id="rId17"/>
+    <p:sldId id="379" r:id="rId15"/>
+    <p:sldId id="377" r:id="rId16"/>
+    <p:sldId id="378" r:id="rId17"/>
+    <p:sldId id="380" r:id="rId18"/>
+    <p:sldId id="381" r:id="rId19"/>
+    <p:sldId id="382" r:id="rId20"/>
+    <p:sldId id="383" r:id="rId21"/>
+    <p:sldId id="257" r:id="rId22"/>
   </p:sldIdLst>
   <p:sldSz cx="12192000" cy="6858000"/>
   <p:notesSz cx="6858000" cy="9144000"/>
@@ -212,7 +217,7 @@
           <a:p>
             <a:fld id="{B6A12C11-4C9D-1F4A-951A-CE97512F563C}" type="datetimeFigureOut">
               <a:rPr lang="pt-BR" smtClean="0"/>
-              <a:t>15/07/2023</a:t>
+              <a:t>31/07/2023</a:t>
             </a:fld>
             <a:endParaRPr lang="pt-BR"/>
           </a:p>
@@ -628,10 +633,7 @@
           <a:bodyPr/>
           <a:lstStyle/>
           <a:p>
-            <a:r>
-              <a:rPr lang="pt-BR" dirty="0"/>
-              <a:t>Correlações causadas por modais de transporte cada vez mais eficientes</a:t>
-            </a:r>
+            <a:endParaRPr lang="pt-BR" dirty="0"/>
           </a:p>
         </p:txBody>
       </p:sp>
@@ -661,7 +663,7 @@
     </p:spTree>
     <p:extLst>
       <p:ext uri="{BB962C8B-B14F-4D97-AF65-F5344CB8AC3E}">
-        <p14:creationId xmlns:p14="http://schemas.microsoft.com/office/powerpoint/2010/main" val="3003556362"/>
+        <p14:creationId xmlns:p14="http://schemas.microsoft.com/office/powerpoint/2010/main" val="4136605864"/>
       </p:ext>
     </p:extLst>
   </p:cSld>
@@ -748,7 +750,370 @@
     </p:spTree>
     <p:extLst>
       <p:ext uri="{BB962C8B-B14F-4D97-AF65-F5344CB8AC3E}">
+        <p14:creationId xmlns:p14="http://schemas.microsoft.com/office/powerpoint/2010/main" val="3003556362"/>
+      </p:ext>
+    </p:extLst>
+  </p:cSld>
+  <p:clrMapOvr>
+    <a:masterClrMapping/>
+  </p:clrMapOvr>
+</p:notes>
+</file>
+
+<file path=ppt/notesSlides/notesSlide12.xml><?xml version="1.0" encoding="utf-8"?>
+<p:notes xmlns:a="http://schemas.openxmlformats.org/drawingml/2006/main" xmlns:r="http://schemas.openxmlformats.org/officeDocument/2006/relationships" xmlns:p="http://schemas.openxmlformats.org/presentationml/2006/main">
+  <p:cSld>
+    <p:spTree>
+      <p:nvGrpSpPr>
+        <p:cNvPr id="1" name=""/>
+        <p:cNvGrpSpPr/>
+        <p:nvPr/>
+      </p:nvGrpSpPr>
+      <p:grpSpPr>
+        <a:xfrm>
+          <a:off x="0" y="0"/>
+          <a:ext cx="0" cy="0"/>
+          <a:chOff x="0" y="0"/>
+          <a:chExt cx="0" cy="0"/>
+        </a:xfrm>
+      </p:grpSpPr>
+      <p:sp>
+        <p:nvSpPr>
+          <p:cNvPr id="2" name="Slide Image Placeholder 1"/>
+          <p:cNvSpPr>
+            <a:spLocks noGrp="1" noRot="1" noChangeAspect="1"/>
+          </p:cNvSpPr>
+          <p:nvPr>
+            <p:ph type="sldImg"/>
+          </p:nvPr>
+        </p:nvSpPr>
+        <p:spPr/>
+      </p:sp>
+      <p:sp>
+        <p:nvSpPr>
+          <p:cNvPr id="3" name="Notes Placeholder 2"/>
+          <p:cNvSpPr>
+            <a:spLocks noGrp="1"/>
+          </p:cNvSpPr>
+          <p:nvPr>
+            <p:ph type="body" idx="1"/>
+          </p:nvPr>
+        </p:nvSpPr>
+        <p:spPr/>
+        <p:txBody>
+          <a:bodyPr/>
+          <a:lstStyle/>
+          <a:p>
+            <a:r>
+              <a:rPr lang="pt-BR" dirty="0"/>
+              <a:t>Correlações causadas por modais de transporte cada vez mais eficientes</a:t>
+            </a:r>
+          </a:p>
+        </p:txBody>
+      </p:sp>
+      <p:sp>
+        <p:nvSpPr>
+          <p:cNvPr id="4" name="Slide Number Placeholder 3"/>
+          <p:cNvSpPr>
+            <a:spLocks noGrp="1"/>
+          </p:cNvSpPr>
+          <p:nvPr>
+            <p:ph type="sldNum" sz="quarter" idx="5"/>
+          </p:nvPr>
+        </p:nvSpPr>
+        <p:spPr/>
+        <p:txBody>
+          <a:bodyPr/>
+          <a:lstStyle/>
+          <a:p>
+            <a:fld id="{11A34663-90A1-D846-8898-3C9F8D7E3213}" type="slidenum">
+              <a:rPr lang="pt-BR" smtClean="0"/>
+              <a:t>16</a:t>
+            </a:fld>
+            <a:endParaRPr lang="pt-BR"/>
+          </a:p>
+        </p:txBody>
+      </p:sp>
+    </p:spTree>
+    <p:extLst>
+      <p:ext uri="{BB962C8B-B14F-4D97-AF65-F5344CB8AC3E}">
         <p14:creationId xmlns:p14="http://schemas.microsoft.com/office/powerpoint/2010/main" val="3352291771"/>
+      </p:ext>
+    </p:extLst>
+  </p:cSld>
+  <p:clrMapOvr>
+    <a:masterClrMapping/>
+  </p:clrMapOvr>
+</p:notes>
+</file>
+
+<file path=ppt/notesSlides/notesSlide13.xml><?xml version="1.0" encoding="utf-8"?>
+<p:notes xmlns:a="http://schemas.openxmlformats.org/drawingml/2006/main" xmlns:r="http://schemas.openxmlformats.org/officeDocument/2006/relationships" xmlns:p="http://schemas.openxmlformats.org/presentationml/2006/main">
+  <p:cSld>
+    <p:spTree>
+      <p:nvGrpSpPr>
+        <p:cNvPr id="1" name=""/>
+        <p:cNvGrpSpPr/>
+        <p:nvPr/>
+      </p:nvGrpSpPr>
+      <p:grpSpPr>
+        <a:xfrm>
+          <a:off x="0" y="0"/>
+          <a:ext cx="0" cy="0"/>
+          <a:chOff x="0" y="0"/>
+          <a:chExt cx="0" cy="0"/>
+        </a:xfrm>
+      </p:grpSpPr>
+      <p:sp>
+        <p:nvSpPr>
+          <p:cNvPr id="2" name="Slide Image Placeholder 1"/>
+          <p:cNvSpPr>
+            <a:spLocks noGrp="1" noRot="1" noChangeAspect="1"/>
+          </p:cNvSpPr>
+          <p:nvPr>
+            <p:ph type="sldImg"/>
+          </p:nvPr>
+        </p:nvSpPr>
+        <p:spPr/>
+      </p:sp>
+      <p:sp>
+        <p:nvSpPr>
+          <p:cNvPr id="3" name="Notes Placeholder 2"/>
+          <p:cNvSpPr>
+            <a:spLocks noGrp="1"/>
+          </p:cNvSpPr>
+          <p:nvPr>
+            <p:ph type="body" idx="1"/>
+          </p:nvPr>
+        </p:nvSpPr>
+        <p:spPr/>
+        <p:txBody>
+          <a:bodyPr/>
+          <a:lstStyle/>
+          <a:p>
+            <a:r>
+              <a:rPr lang="pt-BR" dirty="0"/>
+              <a:t>Cada um considera métodos de modelagem diferentes</a:t>
+            </a:r>
+          </a:p>
+          <a:p>
+            <a:endParaRPr lang="pt-BR" dirty="0"/>
+          </a:p>
+          <a:p>
+            <a:r>
+              <a:rPr lang="pt-BR" dirty="0"/>
+              <a:t>De qualquer forma, o custo computacional tende a ser maior com técnicas mais complexas</a:t>
+            </a:r>
+          </a:p>
+        </p:txBody>
+      </p:sp>
+      <p:sp>
+        <p:nvSpPr>
+          <p:cNvPr id="4" name="Slide Number Placeholder 3"/>
+          <p:cNvSpPr>
+            <a:spLocks noGrp="1"/>
+          </p:cNvSpPr>
+          <p:nvPr>
+            <p:ph type="sldNum" sz="quarter" idx="5"/>
+          </p:nvPr>
+        </p:nvSpPr>
+        <p:spPr/>
+        <p:txBody>
+          <a:bodyPr/>
+          <a:lstStyle/>
+          <a:p>
+            <a:fld id="{11A34663-90A1-D846-8898-3C9F8D7E3213}" type="slidenum">
+              <a:rPr lang="pt-BR" smtClean="0"/>
+              <a:t>17</a:t>
+            </a:fld>
+            <a:endParaRPr lang="pt-BR"/>
+          </a:p>
+        </p:txBody>
+      </p:sp>
+    </p:spTree>
+    <p:extLst>
+      <p:ext uri="{BB962C8B-B14F-4D97-AF65-F5344CB8AC3E}">
+        <p14:creationId xmlns:p14="http://schemas.microsoft.com/office/powerpoint/2010/main" val="4179276478"/>
+      </p:ext>
+    </p:extLst>
+  </p:cSld>
+  <p:clrMapOvr>
+    <a:masterClrMapping/>
+  </p:clrMapOvr>
+</p:notes>
+</file>
+
+<file path=ppt/notesSlides/notesSlide14.xml><?xml version="1.0" encoding="utf-8"?>
+<p:notes xmlns:a="http://schemas.openxmlformats.org/drawingml/2006/main" xmlns:r="http://schemas.openxmlformats.org/officeDocument/2006/relationships" xmlns:p="http://schemas.openxmlformats.org/presentationml/2006/main">
+  <p:cSld>
+    <p:spTree>
+      <p:nvGrpSpPr>
+        <p:cNvPr id="1" name=""/>
+        <p:cNvGrpSpPr/>
+        <p:nvPr/>
+      </p:nvGrpSpPr>
+      <p:grpSpPr>
+        <a:xfrm>
+          <a:off x="0" y="0"/>
+          <a:ext cx="0" cy="0"/>
+          <a:chOff x="0" y="0"/>
+          <a:chExt cx="0" cy="0"/>
+        </a:xfrm>
+      </p:grpSpPr>
+      <p:sp>
+        <p:nvSpPr>
+          <p:cNvPr id="2" name="Slide Image Placeholder 1"/>
+          <p:cNvSpPr>
+            <a:spLocks noGrp="1" noRot="1" noChangeAspect="1"/>
+          </p:cNvSpPr>
+          <p:nvPr>
+            <p:ph type="sldImg"/>
+          </p:nvPr>
+        </p:nvSpPr>
+        <p:spPr/>
+      </p:sp>
+      <p:sp>
+        <p:nvSpPr>
+          <p:cNvPr id="3" name="Notes Placeholder 2"/>
+          <p:cNvSpPr>
+            <a:spLocks noGrp="1"/>
+          </p:cNvSpPr>
+          <p:nvPr>
+            <p:ph type="body" idx="1"/>
+          </p:nvPr>
+        </p:nvSpPr>
+        <p:spPr/>
+        <p:txBody>
+          <a:bodyPr/>
+          <a:lstStyle/>
+          <a:p>
+            <a:r>
+              <a:rPr lang="pt-BR" dirty="0"/>
+              <a:t>Cada um considera métodos de modelagem diferentes</a:t>
+            </a:r>
+          </a:p>
+          <a:p>
+            <a:endParaRPr lang="pt-BR" dirty="0"/>
+          </a:p>
+          <a:p>
+            <a:r>
+              <a:rPr lang="pt-BR" dirty="0"/>
+              <a:t>De qualquer forma, o custo computacional tende a ser maior com técnicas mais complexas</a:t>
+            </a:r>
+          </a:p>
+        </p:txBody>
+      </p:sp>
+      <p:sp>
+        <p:nvSpPr>
+          <p:cNvPr id="4" name="Slide Number Placeholder 3"/>
+          <p:cNvSpPr>
+            <a:spLocks noGrp="1"/>
+          </p:cNvSpPr>
+          <p:nvPr>
+            <p:ph type="sldNum" sz="quarter" idx="5"/>
+          </p:nvPr>
+        </p:nvSpPr>
+        <p:spPr/>
+        <p:txBody>
+          <a:bodyPr/>
+          <a:lstStyle/>
+          <a:p>
+            <a:fld id="{11A34663-90A1-D846-8898-3C9F8D7E3213}" type="slidenum">
+              <a:rPr lang="pt-BR" smtClean="0"/>
+              <a:t>18</a:t>
+            </a:fld>
+            <a:endParaRPr lang="pt-BR"/>
+          </a:p>
+        </p:txBody>
+      </p:sp>
+    </p:spTree>
+    <p:extLst>
+      <p:ext uri="{BB962C8B-B14F-4D97-AF65-F5344CB8AC3E}">
+        <p14:creationId xmlns:p14="http://schemas.microsoft.com/office/powerpoint/2010/main" val="1837070594"/>
+      </p:ext>
+    </p:extLst>
+  </p:cSld>
+  <p:clrMapOvr>
+    <a:masterClrMapping/>
+  </p:clrMapOvr>
+</p:notes>
+</file>
+
+<file path=ppt/notesSlides/notesSlide15.xml><?xml version="1.0" encoding="utf-8"?>
+<p:notes xmlns:a="http://schemas.openxmlformats.org/drawingml/2006/main" xmlns:r="http://schemas.openxmlformats.org/officeDocument/2006/relationships" xmlns:p="http://schemas.openxmlformats.org/presentationml/2006/main">
+  <p:cSld>
+    <p:spTree>
+      <p:nvGrpSpPr>
+        <p:cNvPr id="1" name=""/>
+        <p:cNvGrpSpPr/>
+        <p:nvPr/>
+      </p:nvGrpSpPr>
+      <p:grpSpPr>
+        <a:xfrm>
+          <a:off x="0" y="0"/>
+          <a:ext cx="0" cy="0"/>
+          <a:chOff x="0" y="0"/>
+          <a:chExt cx="0" cy="0"/>
+        </a:xfrm>
+      </p:grpSpPr>
+      <p:sp>
+        <p:nvSpPr>
+          <p:cNvPr id="2" name="Slide Image Placeholder 1"/>
+          <p:cNvSpPr>
+            <a:spLocks noGrp="1" noRot="1" noChangeAspect="1"/>
+          </p:cNvSpPr>
+          <p:nvPr>
+            <p:ph type="sldImg"/>
+          </p:nvPr>
+        </p:nvSpPr>
+        <p:spPr/>
+      </p:sp>
+      <p:sp>
+        <p:nvSpPr>
+          <p:cNvPr id="3" name="Notes Placeholder 2"/>
+          <p:cNvSpPr>
+            <a:spLocks noGrp="1"/>
+          </p:cNvSpPr>
+          <p:nvPr>
+            <p:ph type="body" idx="1"/>
+          </p:nvPr>
+        </p:nvSpPr>
+        <p:spPr/>
+        <p:txBody>
+          <a:bodyPr/>
+          <a:lstStyle/>
+          <a:p>
+            <a:endParaRPr lang="pt-BR" dirty="0"/>
+          </a:p>
+        </p:txBody>
+      </p:sp>
+      <p:sp>
+        <p:nvSpPr>
+          <p:cNvPr id="4" name="Slide Number Placeholder 3"/>
+          <p:cNvSpPr>
+            <a:spLocks noGrp="1"/>
+          </p:cNvSpPr>
+          <p:nvPr>
+            <p:ph type="sldNum" sz="quarter" idx="5"/>
+          </p:nvPr>
+        </p:nvSpPr>
+        <p:spPr/>
+        <p:txBody>
+          <a:bodyPr/>
+          <a:lstStyle/>
+          <a:p>
+            <a:fld id="{11A34663-90A1-D846-8898-3C9F8D7E3213}" type="slidenum">
+              <a:rPr lang="pt-BR" smtClean="0"/>
+              <a:t>20</a:t>
+            </a:fld>
+            <a:endParaRPr lang="pt-BR"/>
+          </a:p>
+        </p:txBody>
+      </p:sp>
+    </p:spTree>
+    <p:extLst>
+      <p:ext uri="{BB962C8B-B14F-4D97-AF65-F5344CB8AC3E}">
+        <p14:creationId xmlns:p14="http://schemas.microsoft.com/office/powerpoint/2010/main" val="3986155839"/>
       </p:ext>
     </p:extLst>
   </p:cSld>
@@ -1915,7 +2280,7 @@
           <a:p>
             <a:fld id="{B7D7292B-FE83-8149-80C4-91AAECDA12E5}" type="datetime1">
               <a:rPr lang="en-US" smtClean="0"/>
-              <a:t>7/15/23</a:t>
+              <a:t>7/31/23</a:t>
             </a:fld>
             <a:endParaRPr lang="pt-BR"/>
           </a:p>
@@ -2118,7 +2483,7 @@
           <a:p>
             <a:fld id="{F727921A-E0AD-844D-AD8F-CAC84CE426DD}" type="datetime1">
               <a:rPr lang="en-US" smtClean="0"/>
-              <a:t>7/15/23</a:t>
+              <a:t>7/31/23</a:t>
             </a:fld>
             <a:endParaRPr lang="pt-BR"/>
           </a:p>
@@ -2331,7 +2696,7 @@
           <a:p>
             <a:fld id="{9CD9CF61-6AC0-B04A-8A79-63823834CBEC}" type="datetime1">
               <a:rPr lang="en-US" smtClean="0"/>
-              <a:t>7/15/23</a:t>
+              <a:t>7/31/23</a:t>
             </a:fld>
             <a:endParaRPr lang="pt-BR"/>
           </a:p>
@@ -2825,7 +3190,7 @@
           <a:p>
             <a:fld id="{CC831FFB-6350-8C44-9E91-19D97611BEA9}" type="datetime1">
               <a:rPr lang="en-US" smtClean="0"/>
-              <a:t>7/15/23</a:t>
+              <a:t>7/31/23</a:t>
             </a:fld>
             <a:endParaRPr lang="pt-BR"/>
           </a:p>
@@ -3104,7 +3469,7 @@
           <a:p>
             <a:fld id="{4EF76644-9B79-9F49-B469-1DC73161FED8}" type="datetime1">
               <a:rPr lang="en-US" smtClean="0"/>
-              <a:t>7/15/23</a:t>
+              <a:t>7/31/23</a:t>
             </a:fld>
             <a:endParaRPr lang="pt-BR"/>
           </a:p>
@@ -3375,7 +3740,7 @@
           <a:p>
             <a:fld id="{A6A5F312-EAA7-7D48-88BA-9918EFBF56FA}" type="datetime1">
               <a:rPr lang="en-US" smtClean="0"/>
-              <a:t>7/15/23</a:t>
+              <a:t>7/31/23</a:t>
             </a:fld>
             <a:endParaRPr lang="pt-BR"/>
           </a:p>
@@ -3793,7 +4158,7 @@
           <a:p>
             <a:fld id="{619E78BB-BB23-6E49-9BDB-7472C1355587}" type="datetime1">
               <a:rPr lang="en-US" smtClean="0"/>
-              <a:t>7/15/23</a:t>
+              <a:t>7/31/23</a:t>
             </a:fld>
             <a:endParaRPr lang="pt-BR"/>
           </a:p>
@@ -3938,7 +4303,7 @@
           <a:p>
             <a:fld id="{6ABA3EEC-C7DD-1B40-8728-972E1C9136C0}" type="datetime1">
               <a:rPr lang="en-US" smtClean="0"/>
-              <a:t>7/15/23</a:t>
+              <a:t>7/31/23</a:t>
             </a:fld>
             <a:endParaRPr lang="pt-BR"/>
           </a:p>
@@ -4054,7 +4419,7 @@
           <a:p>
             <a:fld id="{728EB19E-60F9-E347-B916-E0C6BA076179}" type="datetime1">
               <a:rPr lang="en-US" smtClean="0"/>
-              <a:t>7/15/23</a:t>
+              <a:t>7/31/23</a:t>
             </a:fld>
             <a:endParaRPr lang="pt-BR"/>
           </a:p>
@@ -4370,7 +4735,7 @@
           <a:p>
             <a:fld id="{15B4D956-4AC8-404F-A7CF-EC008BDE51B6}" type="datetime1">
               <a:rPr lang="en-US" smtClean="0"/>
-              <a:t>7/15/23</a:t>
+              <a:t>7/31/23</a:t>
             </a:fld>
             <a:endParaRPr lang="pt-BR"/>
           </a:p>
@@ -4662,7 +5027,7 @@
           <a:p>
             <a:fld id="{0939231F-1418-9A44-976B-E0F4BFB8DF25}" type="datetime1">
               <a:rPr lang="en-US" smtClean="0"/>
-              <a:t>7/15/23</a:t>
+              <a:t>7/31/23</a:t>
             </a:fld>
             <a:endParaRPr lang="pt-BR"/>
           </a:p>
@@ -4908,7 +5273,7 @@
           <a:p>
             <a:fld id="{488104F5-6E01-7F45-A19D-27FA7BCF2A7A}" type="datetime1">
               <a:rPr lang="en-US" smtClean="0"/>
-              <a:t>7/15/23</a:t>
+              <a:t>7/31/23</a:t>
             </a:fld>
             <a:endParaRPr lang="pt-BR"/>
           </a:p>
@@ -6896,8 +7261,8 @@
         </p:nvSpPr>
         <p:spPr>
           <a:xfrm>
-            <a:off x="6096000" y="4636548"/>
-            <a:ext cx="5257800" cy="600164"/>
+            <a:off x="5905500" y="4288680"/>
+            <a:ext cx="6001578" cy="1954381"/>
           </a:xfrm>
           <a:prstGeom prst="rect">
             <a:avLst/>
@@ -6927,7 +7292,7 @@
                 <a:effectLst/>
                 <a:latin typeface="IBM Plex Sans" panose="020B0503050203000203" pitchFamily="34" charset="0"/>
               </a:rPr>
-              <a:t> Xu, 2017</a:t>
+              <a:t> Xu, F. et al. Understanding mobile traffic patterns of large scale cellular towers in urban environment. IEEE/ACM Transactions on Networking, v. 25, n. 2, p. 1147–1161, 2017.</a:t>
             </a:r>
           </a:p>
           <a:p>
@@ -6938,7 +7303,137 @@
                 </a:solidFill>
                 <a:latin typeface="IBM Plex Sans" panose="020B0503050203000203" pitchFamily="34" charset="0"/>
               </a:rPr>
-              <a:t>[2] Wang 2015</a:t>
+              <a:t>[2] WANG, H. et al. Characterizing the </a:t>
+            </a:r>
+            <a:r>
+              <a:rPr lang="en-US" sz="1100" dirty="0" err="1">
+                <a:solidFill>
+                  <a:srgbClr val="898989"/>
+                </a:solidFill>
+                <a:latin typeface="IBM Plex Sans" panose="020B0503050203000203" pitchFamily="34" charset="0"/>
+              </a:rPr>
+              <a:t>spatio</a:t>
+            </a:r>
+            <a:r>
+              <a:rPr lang="en-US" sz="1100" dirty="0">
+                <a:solidFill>
+                  <a:srgbClr val="898989"/>
+                </a:solidFill>
+                <a:latin typeface="IBM Plex Sans" panose="020B0503050203000203" pitchFamily="34" charset="0"/>
+              </a:rPr>
+              <a:t>-temporal inhomogeneity of mobile traffic in large-scale cellular data networks. In: Proceedings of the 7th International Workshop on Hot Topics in Planet-Scale </a:t>
+            </a:r>
+            <a:r>
+              <a:rPr lang="en-US" sz="1100" dirty="0" err="1">
+                <a:solidFill>
+                  <a:srgbClr val="898989"/>
+                </a:solidFill>
+                <a:latin typeface="IBM Plex Sans" panose="020B0503050203000203" pitchFamily="34" charset="0"/>
+              </a:rPr>
+              <a:t>MObile</a:t>
+            </a:r>
+            <a:r>
+              <a:rPr lang="en-US" sz="1100" dirty="0">
+                <a:solidFill>
+                  <a:srgbClr val="898989"/>
+                </a:solidFill>
+                <a:latin typeface="IBM Plex Sans" panose="020B0503050203000203" pitchFamily="34" charset="0"/>
+              </a:rPr>
+              <a:t> Computing and</a:t>
+            </a:r>
+          </a:p>
+          <a:p>
+            <a:r>
+              <a:rPr lang="en-US" sz="1100" dirty="0">
+                <a:solidFill>
+                  <a:srgbClr val="898989"/>
+                </a:solidFill>
+                <a:latin typeface="IBM Plex Sans" panose="020B0503050203000203" pitchFamily="34" charset="0"/>
+              </a:rPr>
+              <a:t>Online Social </a:t>
+            </a:r>
+            <a:r>
+              <a:rPr lang="en-US" sz="1100" dirty="0" err="1">
+                <a:solidFill>
+                  <a:srgbClr val="898989"/>
+                </a:solidFill>
+                <a:latin typeface="IBM Plex Sans" panose="020B0503050203000203" pitchFamily="34" charset="0"/>
+              </a:rPr>
+              <a:t>NeTworking</a:t>
+            </a:r>
+            <a:r>
+              <a:rPr lang="en-US" sz="1100" dirty="0">
+                <a:solidFill>
+                  <a:srgbClr val="898989"/>
+                </a:solidFill>
+                <a:latin typeface="IBM Plex Sans" panose="020B0503050203000203" pitchFamily="34" charset="0"/>
+              </a:rPr>
+              <a:t>. New York, NY, USA: Association for Computing</a:t>
+            </a:r>
+          </a:p>
+          <a:p>
+            <a:r>
+              <a:rPr lang="en-US" sz="1100" dirty="0">
+                <a:solidFill>
+                  <a:srgbClr val="898989"/>
+                </a:solidFill>
+                <a:latin typeface="IBM Plex Sans" panose="020B0503050203000203" pitchFamily="34" charset="0"/>
+              </a:rPr>
+              <a:t>Machinery, 2015. (HOTPOST ’15), p. 19–24. ISBN 9781450335171. </a:t>
+            </a:r>
+            <a:r>
+              <a:rPr lang="en-US" sz="1100" dirty="0" err="1">
+                <a:solidFill>
+                  <a:srgbClr val="898989"/>
+                </a:solidFill>
+                <a:latin typeface="IBM Plex Sans" panose="020B0503050203000203" pitchFamily="34" charset="0"/>
+              </a:rPr>
+              <a:t>Disponível</a:t>
+            </a:r>
+            <a:r>
+              <a:rPr lang="en-US" sz="1100" dirty="0">
+                <a:solidFill>
+                  <a:srgbClr val="898989"/>
+                </a:solidFill>
+                <a:latin typeface="IBM Plex Sans" panose="020B0503050203000203" pitchFamily="34" charset="0"/>
+              </a:rPr>
+              <a:t> </a:t>
+            </a:r>
+            <a:r>
+              <a:rPr lang="en-US" sz="1100" dirty="0" err="1">
+                <a:solidFill>
+                  <a:srgbClr val="898989"/>
+                </a:solidFill>
+                <a:latin typeface="IBM Plex Sans" panose="020B0503050203000203" pitchFamily="34" charset="0"/>
+              </a:rPr>
+              <a:t>em</a:t>
+            </a:r>
+            <a:r>
+              <a:rPr lang="en-US" sz="1100" dirty="0">
+                <a:solidFill>
+                  <a:srgbClr val="898989"/>
+                </a:solidFill>
+                <a:latin typeface="IBM Plex Sans" panose="020B0503050203000203" pitchFamily="34" charset="0"/>
+              </a:rPr>
+              <a:t>: &lt;https://</a:t>
+            </a:r>
+            <a:r>
+              <a:rPr lang="en-US" sz="1100" dirty="0" err="1">
+                <a:solidFill>
+                  <a:srgbClr val="898989"/>
+                </a:solidFill>
+                <a:latin typeface="IBM Plex Sans" panose="020B0503050203000203" pitchFamily="34" charset="0"/>
+              </a:rPr>
+              <a:t>doi.org</a:t>
+            </a:r>
+            <a:r>
+              <a:rPr lang="en-US" sz="1100" dirty="0">
+                <a:solidFill>
+                  <a:srgbClr val="898989"/>
+                </a:solidFill>
+                <a:latin typeface="IBM Plex Sans" panose="020B0503050203000203" pitchFamily="34" charset="0"/>
+              </a:rPr>
+              <a:t>/10.1145/2757513.2757518&gt;.</a:t>
             </a:r>
           </a:p>
           <a:p>
@@ -6962,13 +7457,80 @@
               </a:rPr>
               <a:t>Gotzner</a:t>
             </a:r>
-            <a:endParaRPr lang="en-US" sz="1100" b="0" i="0" dirty="0">
-              <a:solidFill>
-                <a:srgbClr val="898989"/>
-              </a:solidFill>
-              <a:effectLst/>
-              <a:latin typeface="IBM Plex Sans" panose="020B0503050203000203" pitchFamily="34" charset="0"/>
-            </a:endParaRPr>
+            <a:r>
+              <a:rPr lang="en-US" sz="1100" b="0" i="0" dirty="0">
+                <a:solidFill>
+                  <a:srgbClr val="898989"/>
+                </a:solidFill>
+                <a:effectLst/>
+                <a:latin typeface="IBM Plex Sans" panose="020B0503050203000203" pitchFamily="34" charset="0"/>
+              </a:rPr>
+              <a:t>, U.; Rathgeber, R. Spatial traffic distribution in cellular networks. In: VTC</a:t>
+            </a:r>
+          </a:p>
+          <a:p>
+            <a:r>
+              <a:rPr lang="en-US" sz="1100" b="0" i="0" dirty="0">
+                <a:solidFill>
+                  <a:srgbClr val="898989"/>
+                </a:solidFill>
+                <a:effectLst/>
+                <a:latin typeface="IBM Plex Sans" panose="020B0503050203000203" pitchFamily="34" charset="0"/>
+              </a:rPr>
+              <a:t>’98. 48th IEEE Vehicular Technology Conference. Pathway to Global Wireless</a:t>
+            </a:r>
+          </a:p>
+          <a:p>
+            <a:r>
+              <a:rPr lang="en-US" sz="1100" b="0" i="0" dirty="0">
+                <a:solidFill>
+                  <a:srgbClr val="898989"/>
+                </a:solidFill>
+                <a:effectLst/>
+                <a:latin typeface="IBM Plex Sans" panose="020B0503050203000203" pitchFamily="34" charset="0"/>
+              </a:rPr>
+              <a:t>Revolution (Cat. No.98CH36151). [</a:t>
+            </a:r>
+            <a:r>
+              <a:rPr lang="en-US" sz="1100" b="0" i="0" dirty="0" err="1">
+                <a:solidFill>
+                  <a:srgbClr val="898989"/>
+                </a:solidFill>
+                <a:effectLst/>
+                <a:latin typeface="IBM Plex Sans" panose="020B0503050203000203" pitchFamily="34" charset="0"/>
+              </a:rPr>
+              <a:t>S.l.</a:t>
+            </a:r>
+            <a:r>
+              <a:rPr lang="en-US" sz="1100" b="0" i="0" dirty="0">
+                <a:solidFill>
+                  <a:srgbClr val="898989"/>
+                </a:solidFill>
+                <a:effectLst/>
+                <a:latin typeface="IBM Plex Sans" panose="020B0503050203000203" pitchFamily="34" charset="0"/>
+              </a:rPr>
+              <a:t>: </a:t>
+            </a:r>
+            <a:r>
+              <a:rPr lang="en-US" sz="1100" b="0" i="0" dirty="0" err="1">
+                <a:solidFill>
+                  <a:srgbClr val="898989"/>
+                </a:solidFill>
+                <a:effectLst/>
+                <a:latin typeface="IBM Plex Sans" panose="020B0503050203000203" pitchFamily="34" charset="0"/>
+              </a:rPr>
+              <a:t>s.n</a:t>
+            </a:r>
+            <a:r>
+              <a:rPr lang="en-US" sz="1100" b="0" i="0" dirty="0">
+                <a:solidFill>
+                  <a:srgbClr val="898989"/>
+                </a:solidFill>
+                <a:effectLst/>
+                <a:latin typeface="IBM Plex Sans" panose="020B0503050203000203" pitchFamily="34" charset="0"/>
+              </a:rPr>
+              <a:t>.], 1998. v. 3, p. 1994–1998 vol.3.</a:t>
+            </a:r>
           </a:p>
         </p:txBody>
       </p:sp>
@@ -7382,8 +7944,8 @@
         </p:nvSpPr>
         <p:spPr>
           <a:xfrm>
-            <a:off x="6096000" y="4636548"/>
-            <a:ext cx="5257800" cy="1446550"/>
+            <a:off x="6096000" y="4526329"/>
+            <a:ext cx="5257800" cy="1754326"/>
           </a:xfrm>
           <a:prstGeom prst="rect">
             <a:avLst/>
@@ -7397,7 +7959,7 @@
           <a:lstStyle/>
           <a:p>
             <a:r>
-              <a:rPr lang="pt-BR" sz="1100" dirty="0">
+              <a:rPr lang="pt-BR" sz="900" dirty="0">
                 <a:solidFill>
                   <a:srgbClr val="898989"/>
                 </a:solidFill>
@@ -7406,182 +7968,282 @@
               <a:t>[1]</a:t>
             </a:r>
             <a:r>
-              <a:rPr lang="en-US" sz="1100" b="0" i="0" dirty="0">
+              <a:rPr lang="en-US" sz="900" b="0" i="0" dirty="0">
                 <a:solidFill>
                   <a:srgbClr val="898989"/>
                 </a:solidFill>
                 <a:effectLst/>
                 <a:latin typeface="IBM Plex Sans" panose="020B0503050203000203" pitchFamily="34" charset="0"/>
               </a:rPr>
+              <a:t> BOUTABA, R. et al. A comprehensive survey on machine learning for networking: evolution, applications and research opportunities. Journal of Internet Services and Applications, Springer, v. 9, n. 1, p. 1–99, 2018.</a:t>
+            </a:r>
+          </a:p>
+          <a:p>
+            <a:r>
+              <a:rPr lang="en-US" sz="900" dirty="0">
+                <a:solidFill>
+                  <a:srgbClr val="898989"/>
+                </a:solidFill>
+                <a:latin typeface="IBM Plex Sans" panose="020B0503050203000203" pitchFamily="34" charset="0"/>
+              </a:rPr>
+              <a:t>[2] CYBENKO, G. Approximation by superpositions of a sigmoidal function. Mathematics of control, signals and systems, Springer, v. 2, n. 4, p. 303–314, 1989.</a:t>
+            </a:r>
+            <a:r>
+              <a:rPr lang="en-US" sz="900" b="0" i="0" dirty="0">
+                <a:solidFill>
+                  <a:srgbClr val="898989"/>
+                </a:solidFill>
+                <a:effectLst/>
+                <a:latin typeface="IBM Plex Sans" panose="020B0503050203000203" pitchFamily="34" charset="0"/>
+              </a:rPr>
+              <a:t>[3] </a:t>
+            </a:r>
+            <a:r>
+              <a:rPr lang="en-US" sz="900" b="0" i="0" dirty="0" err="1">
+                <a:solidFill>
+                  <a:srgbClr val="898989"/>
+                </a:solidFill>
+                <a:effectLst/>
+                <a:latin typeface="IBM Plex Sans" panose="020B0503050203000203" pitchFamily="34" charset="0"/>
+              </a:rPr>
+              <a:t>Funahashi</a:t>
+            </a:r>
+            <a:r>
+              <a:rPr lang="en-US" sz="900" b="0" i="0" dirty="0">
+                <a:solidFill>
+                  <a:srgbClr val="898989"/>
+                </a:solidFill>
+                <a:effectLst/>
+                <a:latin typeface="IBM Plex Sans" panose="020B0503050203000203" pitchFamily="34" charset="0"/>
+              </a:rPr>
+              <a:t>, 1989</a:t>
+            </a:r>
+          </a:p>
+          <a:p>
+            <a:r>
+              <a:rPr lang="en-US" sz="900" b="0" i="0" dirty="0">
+                <a:solidFill>
+                  <a:srgbClr val="898989"/>
+                </a:solidFill>
+                <a:effectLst/>
+                <a:latin typeface="IBM Plex Sans" panose="020B0503050203000203" pitchFamily="34" charset="0"/>
+              </a:rPr>
+              <a:t>[4] HORNIK, K. Approximation capabilities of multilayer feedforward networks. Neural networks, Elsevier, v. 4, n. 2, p. 251–257, 1991.</a:t>
+            </a:r>
+            <a:r>
+              <a:rPr lang="en-US" sz="900" dirty="0">
+                <a:solidFill>
+                  <a:srgbClr val="898989"/>
+                </a:solidFill>
+                <a:latin typeface="IBM Plex Sans" panose="020B0503050203000203" pitchFamily="34" charset="0"/>
+              </a:rPr>
+              <a:t>[5] Wang, 2017a</a:t>
+            </a:r>
+          </a:p>
+          <a:p>
+            <a:r>
+              <a:rPr lang="en-US" sz="900" b="0" i="0" dirty="0">
+                <a:solidFill>
+                  <a:srgbClr val="898989"/>
+                </a:solidFill>
+                <a:effectLst/>
+                <a:latin typeface="IBM Plex Sans" panose="020B0503050203000203" pitchFamily="34" charset="0"/>
+              </a:rPr>
+              <a:t>[6] Wang, X. et al. </a:t>
+            </a:r>
+            <a:r>
+              <a:rPr lang="en-US" sz="900" b="0" i="0" dirty="0" err="1">
+                <a:solidFill>
+                  <a:srgbClr val="898989"/>
+                </a:solidFill>
+                <a:effectLst/>
+                <a:latin typeface="IBM Plex Sans" panose="020B0503050203000203" pitchFamily="34" charset="0"/>
+              </a:rPr>
+              <a:t>Spatio</a:t>
+            </a:r>
+            <a:r>
+              <a:rPr lang="en-US" sz="900" b="0" i="0" dirty="0">
+                <a:solidFill>
+                  <a:srgbClr val="898989"/>
+                </a:solidFill>
+                <a:effectLst/>
+                <a:latin typeface="IBM Plex Sans" panose="020B0503050203000203" pitchFamily="34" charset="0"/>
+              </a:rPr>
+              <a:t>-temporal analysis and prediction of cellular traffic in metropolis. In: 2017 IEEE 25th International Conference on Network Protocols (ICNP). [</a:t>
+            </a:r>
+            <a:r>
+              <a:rPr lang="en-US" sz="900" b="0" i="0" dirty="0" err="1">
+                <a:solidFill>
+                  <a:srgbClr val="898989"/>
+                </a:solidFill>
+                <a:effectLst/>
+                <a:latin typeface="IBM Plex Sans" panose="020B0503050203000203" pitchFamily="34" charset="0"/>
+              </a:rPr>
+              <a:t>S.l.</a:t>
+            </a:r>
+            <a:r>
+              <a:rPr lang="en-US" sz="900" b="0" i="0" dirty="0">
+                <a:solidFill>
+                  <a:srgbClr val="898989"/>
+                </a:solidFill>
+                <a:effectLst/>
+                <a:latin typeface="IBM Plex Sans" panose="020B0503050203000203" pitchFamily="34" charset="0"/>
+              </a:rPr>
+              <a:t>: </a:t>
+            </a:r>
+            <a:r>
+              <a:rPr lang="en-US" sz="900" b="0" i="0" dirty="0" err="1">
+                <a:solidFill>
+                  <a:srgbClr val="898989"/>
+                </a:solidFill>
+                <a:effectLst/>
+                <a:latin typeface="IBM Plex Sans" panose="020B0503050203000203" pitchFamily="34" charset="0"/>
+              </a:rPr>
+              <a:t>s.n</a:t>
+            </a:r>
+            <a:r>
+              <a:rPr lang="en-US" sz="900" b="0" i="0" dirty="0">
+                <a:solidFill>
+                  <a:srgbClr val="898989"/>
+                </a:solidFill>
+                <a:effectLst/>
+                <a:latin typeface="IBM Plex Sans" panose="020B0503050203000203" pitchFamily="34" charset="0"/>
+              </a:rPr>
+              <a:t>.], 2017. p. 1–10.</a:t>
+            </a:r>
+          </a:p>
+          <a:p>
+            <a:r>
+              <a:rPr lang="en-US" sz="900" b="0" i="0" dirty="0">
+                <a:solidFill>
+                  <a:srgbClr val="898989"/>
+                </a:solidFill>
+                <a:effectLst/>
+                <a:latin typeface="IBM Plex Sans" panose="020B0503050203000203" pitchFamily="34" charset="0"/>
+              </a:rPr>
+              <a:t>[7] YANG, H. et al. A network traffic forecasting method based on </a:t>
+            </a:r>
+            <a:r>
+              <a:rPr lang="en-US" sz="900" b="0" i="0" dirty="0" err="1">
+                <a:solidFill>
+                  <a:srgbClr val="898989"/>
+                </a:solidFill>
+                <a:effectLst/>
+                <a:latin typeface="IBM Plex Sans" panose="020B0503050203000203" pitchFamily="34" charset="0"/>
+              </a:rPr>
+              <a:t>sa</a:t>
+            </a:r>
+            <a:r>
+              <a:rPr lang="en-US" sz="900" b="0" i="0" dirty="0">
+                <a:solidFill>
+                  <a:srgbClr val="898989"/>
+                </a:solidFill>
+                <a:effectLst/>
+                <a:latin typeface="IBM Plex Sans" panose="020B0503050203000203" pitchFamily="34" charset="0"/>
+              </a:rPr>
+              <a:t> optimized </a:t>
+            </a:r>
+            <a:r>
+              <a:rPr lang="en-US" sz="900" b="0" i="0" dirty="0" err="1">
+                <a:solidFill>
+                  <a:srgbClr val="898989"/>
+                </a:solidFill>
+                <a:effectLst/>
+                <a:latin typeface="IBM Plex Sans" panose="020B0503050203000203" pitchFamily="34" charset="0"/>
+              </a:rPr>
+              <a:t>arima</a:t>
+            </a:r>
+            <a:r>
+              <a:rPr lang="en-US" sz="900" b="0" i="0" dirty="0">
+                <a:solidFill>
+                  <a:srgbClr val="898989"/>
+                </a:solidFill>
+                <a:effectLst/>
+                <a:latin typeface="IBM Plex Sans" panose="020B0503050203000203" pitchFamily="34" charset="0"/>
+              </a:rPr>
+              <a:t>–bp neural network. Computer Networks, v. 193, p. 108102, 2021. ISSN 1389-1286. </a:t>
+            </a:r>
+            <a:r>
+              <a:rPr lang="en-US" sz="900" b="0" i="0" dirty="0" err="1">
+                <a:solidFill>
+                  <a:srgbClr val="898989"/>
+                </a:solidFill>
+                <a:effectLst/>
+                <a:latin typeface="IBM Plex Sans" panose="020B0503050203000203" pitchFamily="34" charset="0"/>
+              </a:rPr>
+              <a:t>Disponível</a:t>
+            </a:r>
+            <a:r>
+              <a:rPr lang="en-US" sz="900" b="0" i="0" dirty="0">
+                <a:solidFill>
+                  <a:srgbClr val="898989"/>
+                </a:solidFill>
+                <a:effectLst/>
+                <a:latin typeface="IBM Plex Sans" panose="020B0503050203000203" pitchFamily="34" charset="0"/>
+              </a:rPr>
               <a:t> </a:t>
             </a:r>
             <a:r>
-              <a:rPr lang="en-US" sz="1100" b="0" i="0" dirty="0" err="1">
+              <a:rPr lang="en-US" sz="900" b="0" i="0" dirty="0" err="1">
                 <a:solidFill>
                   <a:srgbClr val="898989"/>
                 </a:solidFill>
                 <a:effectLst/>
                 <a:latin typeface="IBM Plex Sans" panose="020B0503050203000203" pitchFamily="34" charset="0"/>
               </a:rPr>
-              <a:t>Boutaba</a:t>
-            </a:r>
-            <a:r>
-              <a:rPr lang="en-US" sz="1100" b="0" i="0" dirty="0">
+              <a:t>em</a:t>
+            </a:r>
+            <a:r>
+              <a:rPr lang="en-US" sz="900" b="0" i="0" dirty="0">
                 <a:solidFill>
                   <a:srgbClr val="898989"/>
                 </a:solidFill>
                 <a:effectLst/>
                 <a:latin typeface="IBM Plex Sans" panose="020B0503050203000203" pitchFamily="34" charset="0"/>
               </a:rPr>
-              <a:t>, 2018</a:t>
-            </a:r>
-          </a:p>
-          <a:p>
-            <a:r>
-              <a:rPr lang="en-US" sz="1100" dirty="0">
+              <a:t>: &lt;https://</a:t>
+            </a:r>
+            <a:r>
+              <a:rPr lang="en-US" sz="900" b="0" i="0" dirty="0" err="1">
                 <a:solidFill>
                   <a:srgbClr val="898989"/>
                 </a:solidFill>
-                <a:latin typeface="IBM Plex Sans" panose="020B0503050203000203" pitchFamily="34" charset="0"/>
-              </a:rPr>
-              <a:t>[2] </a:t>
-            </a:r>
-            <a:r>
-              <a:rPr lang="en-US" sz="1100" dirty="0" err="1">
+                <a:effectLst/>
+                <a:latin typeface="IBM Plex Sans" panose="020B0503050203000203" pitchFamily="34" charset="0"/>
+              </a:rPr>
+              <a:t>www.sciencedirect.com</a:t>
+            </a:r>
+            <a:r>
+              <a:rPr lang="en-US" sz="900" b="0" i="0" dirty="0">
                 <a:solidFill>
                   <a:srgbClr val="898989"/>
                 </a:solidFill>
-                <a:latin typeface="IBM Plex Sans" panose="020B0503050203000203" pitchFamily="34" charset="0"/>
-              </a:rPr>
-              <a:t>Cybenko</a:t>
-            </a:r>
-            <a:r>
-              <a:rPr lang="en-US" sz="1100" dirty="0">
+                <a:effectLst/>
+                <a:latin typeface="IBM Plex Sans" panose="020B0503050203000203" pitchFamily="34" charset="0"/>
+              </a:rPr>
+              <a:t>/science/article/</a:t>
+            </a:r>
+            <a:r>
+              <a:rPr lang="en-US" sz="900" b="0" i="0" dirty="0" err="1">
                 <a:solidFill>
                   <a:srgbClr val="898989"/>
                 </a:solidFill>
-                <a:latin typeface="IBM Plex Sans" panose="020B0503050203000203" pitchFamily="34" charset="0"/>
-              </a:rPr>
-              <a:t>, 1989</a:t>
-            </a:r>
-          </a:p>
-          <a:p>
-            <a:r>
-              <a:rPr lang="en-US" sz="1100" b="0" i="0" dirty="0">
+                <a:effectLst/>
+                <a:latin typeface="IBM Plex Sans" panose="020B0503050203000203" pitchFamily="34" charset="0"/>
+              </a:rPr>
+              <a:t>pii</a:t>
+            </a:r>
+            <a:r>
+              <a:rPr lang="en-US" sz="900" b="0" i="0" dirty="0">
                 <a:solidFill>
                   <a:srgbClr val="898989"/>
                 </a:solidFill>
                 <a:effectLst/>
                 <a:latin typeface="IBM Plex Sans" panose="020B0503050203000203" pitchFamily="34" charset="0"/>
               </a:rPr>
-              <a:t>[3] </a:t>
-            </a:r>
-            <a:r>
-              <a:rPr lang="en-US" sz="1100" b="0" i="0" dirty="0" err="1">
-                <a:solidFill>
-                  <a:srgbClr val="898989"/>
-                </a:solidFill>
-                <a:effectLst/>
-                <a:latin typeface="IBM Plex Sans" panose="020B0503050203000203" pitchFamily="34" charset="0"/>
-              </a:rPr>
-              <a:t>Funahashi</a:t>
-            </a:r>
-            <a:r>
-              <a:rPr lang="en-US" sz="1100" b="0" i="0" dirty="0">
-                <a:solidFill>
-                  <a:srgbClr val="898989"/>
-                </a:solidFill>
-                <a:effectLst/>
-                <a:latin typeface="IBM Plex Sans" panose="020B0503050203000203" pitchFamily="34" charset="0"/>
-              </a:rPr>
-              <a:t>, 1989</a:t>
-            </a:r>
-          </a:p>
-          <a:p>
-            <a:r>
-              <a:rPr lang="en-US" sz="1100" b="0" i="0" dirty="0">
-                <a:solidFill>
-                  <a:srgbClr val="898989"/>
-                </a:solidFill>
-                <a:effectLst/>
-                <a:latin typeface="IBM Plex Sans" panose="020B0503050203000203" pitchFamily="34" charset="0"/>
-              </a:rPr>
-              <a:t>[4] </a:t>
-            </a:r>
-            <a:r>
-              <a:rPr lang="en-US" sz="1100" b="0" i="0" dirty="0" err="1">
-                <a:solidFill>
-                  <a:srgbClr val="898989"/>
-                </a:solidFill>
-                <a:effectLst/>
-                <a:latin typeface="IBM Plex Sans" panose="020B0503050203000203" pitchFamily="34" charset="0"/>
-              </a:rPr>
-              <a:t>Hornik</a:t>
-            </a:r>
-            <a:r>
-              <a:rPr lang="en-US" sz="1100" b="0" i="0" dirty="0">
-                <a:solidFill>
-                  <a:srgbClr val="898989"/>
-                </a:solidFill>
-                <a:effectLst/>
-                <a:latin typeface="IBM Plex Sans" panose="020B0503050203000203" pitchFamily="34" charset="0"/>
-              </a:rPr>
-              <a:t>, 1991</a:t>
-            </a:r>
-          </a:p>
-          <a:p>
-            <a:r>
-              <a:rPr lang="en-US" sz="1100" dirty="0">
-                <a:solidFill>
-                  <a:srgbClr val="898989"/>
-                </a:solidFill>
-                <a:latin typeface="IBM Plex Sans" panose="020B0503050203000203" pitchFamily="34" charset="0"/>
-              </a:rPr>
-              <a:t>[5] Wang, 2017a</a:t>
-            </a:r>
-          </a:p>
-          <a:p>
-            <a:r>
-              <a:rPr lang="en-US" sz="1100" b="0" i="0" dirty="0">
-                <a:solidFill>
-                  <a:srgbClr val="898989"/>
-                </a:solidFill>
-                <a:effectLst/>
-                <a:latin typeface="IBM Plex Sans" panose="020B0503050203000203" pitchFamily="34" charset="0"/>
-              </a:rPr>
-              <a:t>[6] Wang, 2017b</a:t>
-            </a:r>
-          </a:p>
-          <a:p>
-            <a:r>
-              <a:rPr lang="en-US" sz="1100" b="0" i="0" dirty="0">
-                <a:solidFill>
-                  <a:srgbClr val="898989"/>
-                </a:solidFill>
-                <a:effectLst/>
-                <a:latin typeface="IBM Plex Sans" panose="020B0503050203000203" pitchFamily="34" charset="0"/>
-              </a:rPr>
-              <a:t>[7] Yang</a:t>
-            </a:r>
-            <a:r>
-              <a:rPr lang="en-US" sz="1100" dirty="0">
-                <a:solidFill>
-                  <a:srgbClr val="898989"/>
-                </a:solidFill>
-                <a:latin typeface="IBM Plex Sans" panose="020B0503050203000203" pitchFamily="34" charset="0"/>
-              </a:rPr>
-              <a:t>, 2021</a:t>
-            </a:r>
-            <a:endParaRPr lang="en-US" sz="1100" b="0" i="0" dirty="0">
-              <a:solidFill>
-                <a:srgbClr val="898989"/>
-              </a:solidFill>
-              <a:effectLst/>
-              <a:latin typeface="IBM Plex Sans" panose="020B0503050203000203" pitchFamily="34" charset="0"/>
-            </a:endParaRPr>
-          </a:p>
-          <a:p>
-            <a:endParaRPr lang="pt-BR" sz="1100" dirty="0">
+              <a:t>/ S1389128621001821&gt;.</a:t>
+            </a:r>
+            <a:endParaRPr lang="pt-BR" sz="900" dirty="0">
               <a:solidFill>
                 <a:srgbClr val="898989"/>
               </a:solidFill>
@@ -9823,6 +10485,7 @@
             </a:lvl9pPr>
           </a:lstStyle>
           <a:p>
+            <a:pPr algn="l"/>
             <a:r>
               <a:rPr lang="en-US" sz="4800" b="1" dirty="0">
                 <a:solidFill>
@@ -9933,7 +10596,7 @@
               <a:rPr lang="en-US" sz="1600" b="1" dirty="0">
                 <a:latin typeface="IBM Plex Sans" panose="020B0503050203000203" pitchFamily="34" charset="0"/>
               </a:rPr>
-              <a:t>LSTM Cells</a:t>
+              <a:t>LSTM Cells paired with Global and Local Autoencoders</a:t>
             </a:r>
           </a:p>
         </p:txBody>
@@ -10283,6 +10946,7 @@
             </a:lvl9pPr>
           </a:lstStyle>
           <a:p>
+            <a:pPr algn="l"/>
             <a:r>
               <a:rPr lang="en-US" sz="4800" b="1" dirty="0">
                 <a:solidFill>
@@ -10290,76 +10954,7 @@
                 </a:solidFill>
                 <a:latin typeface="IBM Plex Sans" panose="020B0503050203000203" pitchFamily="34" charset="0"/>
               </a:rPr>
-              <a:t>Related work – Wang 2017b</a:t>
-            </a:r>
-          </a:p>
-        </p:txBody>
-      </p:sp>
-      <p:sp>
-        <p:nvSpPr>
-          <p:cNvPr id="2" name="Title">
-            <a:extLst>
-              <a:ext uri="{FF2B5EF4-FFF2-40B4-BE49-F238E27FC236}">
-                <a16:creationId xmlns:a16="http://schemas.microsoft.com/office/drawing/2014/main" id="{8FE29A8C-DA4A-E4E8-59AE-3E42BD56A75B}"/>
-              </a:ext>
-            </a:extLst>
-          </p:cNvPr>
-          <p:cNvSpPr>
-            <a:spLocks noGrp="1"/>
-          </p:cNvSpPr>
-          <p:nvPr>
-            <p:ph type="title"/>
-          </p:nvPr>
-        </p:nvSpPr>
-        <p:spPr>
-          <a:xfrm>
-            <a:off x="531345" y="1784768"/>
-            <a:ext cx="10683501" cy="3091658"/>
-          </a:xfrm>
-        </p:spPr>
-        <p:txBody>
-          <a:bodyPr anchor="t">
-            <a:normAutofit/>
-          </a:bodyPr>
-          <a:lstStyle/>
-          <a:p>
-            <a:r>
-              <a:rPr lang="en-US" sz="1600" b="1" dirty="0">
-                <a:latin typeface="IBM Plex Sans" panose="020B0503050203000203" pitchFamily="34" charset="0"/>
-              </a:rPr>
-              <a:t>5929 Base Stations (BSs), 1.5 million users</a:t>
-            </a:r>
-            <a:br>
-              <a:rPr lang="en-US" sz="1600" b="1" dirty="0">
-                <a:latin typeface="IBM Plex Sans" panose="020B0503050203000203" pitchFamily="34" charset="0"/>
-              </a:rPr>
-            </a:br>
-            <a:br>
-              <a:rPr lang="en-US" sz="1600" b="1" dirty="0">
-                <a:latin typeface="IBM Plex Sans" panose="020B0503050203000203" pitchFamily="34" charset="0"/>
-              </a:rPr>
-            </a:br>
-            <a:r>
-              <a:rPr lang="en-US" sz="1600" b="1" dirty="0">
-                <a:latin typeface="IBM Plex Sans" panose="020B0503050203000203" pitchFamily="34" charset="0"/>
-              </a:rPr>
-              <a:t>In-tower and inter-tower traffic</a:t>
-            </a:r>
-            <a:br>
-              <a:rPr lang="en-US" sz="1600" b="1" dirty="0">
-                <a:latin typeface="IBM Plex Sans" panose="020B0503050203000203" pitchFamily="34" charset="0"/>
-              </a:rPr>
-            </a:br>
-            <a:br>
-              <a:rPr lang="en-US" sz="1600" b="1" dirty="0">
-                <a:latin typeface="IBM Plex Sans" panose="020B0503050203000203" pitchFamily="34" charset="0"/>
-              </a:rPr>
-            </a:br>
-            <a:r>
-              <a:rPr lang="en-US" sz="1600" b="1" dirty="0">
-                <a:latin typeface="IBM Plex Sans" panose="020B0503050203000203" pitchFamily="34" charset="0"/>
-              </a:rPr>
-              <a:t>Temporal correlations between physically distant towers</a:t>
+              <a:t>Related work – Wang 2017a</a:t>
             </a:r>
           </a:p>
         </p:txBody>
@@ -10380,8 +10975,8 @@
         </p:nvSpPr>
         <p:spPr>
           <a:xfrm>
-            <a:off x="531344" y="5069541"/>
-            <a:ext cx="10683501" cy="1093694"/>
+            <a:off x="531344" y="5765276"/>
+            <a:ext cx="10683501" cy="489623"/>
           </a:xfrm>
           <a:prstGeom prst="rect">
             <a:avLst/>
@@ -10411,20 +11006,50 @@
             </a:lvl1pPr>
           </a:lstStyle>
           <a:p>
-            <a:pPr algn="r"/>
+            <a:pPr algn="ctr"/>
             <a:r>
               <a:rPr lang="en-US" sz="1600" dirty="0">
                 <a:latin typeface="IBM Plex Sans" panose="020B0503050203000203" pitchFamily="34" charset="0"/>
               </a:rPr>
-              <a:t>Source: Wang, 2017b</a:t>
+              <a:t>Source: Wang, 2017a</a:t>
             </a:r>
           </a:p>
         </p:txBody>
       </p:sp>
+      <p:pic>
+        <p:nvPicPr>
+          <p:cNvPr id="8" name="Picture 7">
+            <a:extLst>
+              <a:ext uri="{FF2B5EF4-FFF2-40B4-BE49-F238E27FC236}">
+                <a16:creationId xmlns:a16="http://schemas.microsoft.com/office/drawing/2014/main" id="{8973D6C8-A9D4-8407-ACD7-20C351BB7427}"/>
+              </a:ext>
+            </a:extLst>
+          </p:cNvPr>
+          <p:cNvPicPr>
+            <a:picLocks noChangeAspect="1"/>
+          </p:cNvPicPr>
+          <p:nvPr/>
+        </p:nvPicPr>
+        <p:blipFill>
+          <a:blip r:embed="rId3"/>
+          <a:stretch>
+            <a:fillRect/>
+          </a:stretch>
+        </p:blipFill>
+        <p:spPr>
+          <a:xfrm>
+            <a:off x="1986894" y="1078695"/>
+            <a:ext cx="7772400" cy="4345858"/>
+          </a:xfrm>
+          <a:prstGeom prst="rect">
+            <a:avLst/>
+          </a:prstGeom>
+        </p:spPr>
+      </p:pic>
     </p:spTree>
     <p:extLst>
       <p:ext uri="{BB962C8B-B14F-4D97-AF65-F5344CB8AC3E}">
-        <p14:creationId xmlns:p14="http://schemas.microsoft.com/office/powerpoint/2010/main" val="543043345"/>
+        <p14:creationId xmlns:p14="http://schemas.microsoft.com/office/powerpoint/2010/main" val="4194170943"/>
       </p:ext>
     </p:extLst>
   </p:cSld>
@@ -10709,6 +11334,7 @@
             </a:lvl9pPr>
           </a:lstStyle>
           <a:p>
+            <a:pPr algn="l"/>
             <a:r>
               <a:rPr lang="en-US" sz="4800" b="1" dirty="0">
                 <a:solidFill>
@@ -10717,6 +11343,91 @@
                 <a:latin typeface="IBM Plex Sans" panose="020B0503050203000203" pitchFamily="34" charset="0"/>
               </a:rPr>
               <a:t>Related work – Wang 2017b</a:t>
+            </a:r>
+          </a:p>
+        </p:txBody>
+      </p:sp>
+      <p:sp>
+        <p:nvSpPr>
+          <p:cNvPr id="2" name="Title">
+            <a:extLst>
+              <a:ext uri="{FF2B5EF4-FFF2-40B4-BE49-F238E27FC236}">
+                <a16:creationId xmlns:a16="http://schemas.microsoft.com/office/drawing/2014/main" id="{8FE29A8C-DA4A-E4E8-59AE-3E42BD56A75B}"/>
+              </a:ext>
+            </a:extLst>
+          </p:cNvPr>
+          <p:cNvSpPr>
+            <a:spLocks noGrp="1"/>
+          </p:cNvSpPr>
+          <p:nvPr>
+            <p:ph type="title"/>
+          </p:nvPr>
+        </p:nvSpPr>
+        <p:spPr>
+          <a:xfrm>
+            <a:off x="531345" y="1784768"/>
+            <a:ext cx="10683501" cy="3091658"/>
+          </a:xfrm>
+        </p:spPr>
+        <p:txBody>
+          <a:bodyPr anchor="t">
+            <a:normAutofit/>
+          </a:bodyPr>
+          <a:lstStyle/>
+          <a:p>
+            <a:r>
+              <a:rPr lang="en-US" sz="1600" b="1" dirty="0">
+                <a:latin typeface="IBM Plex Sans" panose="020B0503050203000203" pitchFamily="34" charset="0"/>
+              </a:rPr>
+              <a:t>5929 Base Stations (BSs), 1.5 million users</a:t>
+            </a:r>
+            <a:br>
+              <a:rPr lang="en-US" sz="1600" b="1" dirty="0">
+                <a:latin typeface="IBM Plex Sans" panose="020B0503050203000203" pitchFamily="34" charset="0"/>
+              </a:rPr>
+            </a:br>
+            <a:br>
+              <a:rPr lang="en-US" sz="1600" b="1" dirty="0">
+                <a:latin typeface="IBM Plex Sans" panose="020B0503050203000203" pitchFamily="34" charset="0"/>
+              </a:rPr>
+            </a:br>
+            <a:r>
+              <a:rPr lang="en-US" sz="1600" b="1" dirty="0">
+                <a:latin typeface="IBM Plex Sans" panose="020B0503050203000203" pitchFamily="34" charset="0"/>
+              </a:rPr>
+              <a:t>In-tower and inter-tower traffic</a:t>
+            </a:r>
+            <a:br>
+              <a:rPr lang="en-US" sz="1600" b="1" dirty="0">
+                <a:latin typeface="IBM Plex Sans" panose="020B0503050203000203" pitchFamily="34" charset="0"/>
+              </a:rPr>
+            </a:br>
+            <a:br>
+              <a:rPr lang="en-US" sz="1600" b="1" dirty="0">
+                <a:latin typeface="IBM Plex Sans" panose="020B0503050203000203" pitchFamily="34" charset="0"/>
+              </a:rPr>
+            </a:br>
+            <a:r>
+              <a:rPr lang="en-US" sz="1600" b="1" dirty="0">
+                <a:latin typeface="IBM Plex Sans" panose="020B0503050203000203" pitchFamily="34" charset="0"/>
+              </a:rPr>
+              <a:t>Temporal correlations between physically distant towers</a:t>
+            </a:r>
+            <a:br>
+              <a:rPr lang="en-US" sz="1600" b="1" dirty="0">
+                <a:latin typeface="IBM Plex Sans" panose="020B0503050203000203" pitchFamily="34" charset="0"/>
+              </a:rPr>
+            </a:br>
+            <a:br>
+              <a:rPr lang="en-US" sz="1600" b="1" dirty="0">
+                <a:latin typeface="IBM Plex Sans" panose="020B0503050203000203" pitchFamily="34" charset="0"/>
+              </a:rPr>
+            </a:br>
+            <a:r>
+              <a:rPr lang="en-US" sz="1600" b="1" dirty="0">
+                <a:latin typeface="IBM Plex Sans" panose="020B0503050203000203" pitchFamily="34" charset="0"/>
+              </a:rPr>
+              <a:t>Graph Neural Network (GNN) architecture</a:t>
             </a:r>
           </a:p>
         </p:txBody>
@@ -10737,8 +11448,8 @@
         </p:nvSpPr>
         <p:spPr>
           <a:xfrm>
-            <a:off x="531344" y="5798109"/>
-            <a:ext cx="10683501" cy="365126"/>
+            <a:off x="531344" y="5069541"/>
+            <a:ext cx="10683501" cy="1093694"/>
           </a:xfrm>
           <a:prstGeom prst="rect">
             <a:avLst/>
@@ -10769,6 +11480,364 @@
           </a:lstStyle>
           <a:p>
             <a:pPr algn="r"/>
+            <a:r>
+              <a:rPr lang="en-US" sz="1600" dirty="0">
+                <a:latin typeface="IBM Plex Sans" panose="020B0503050203000203" pitchFamily="34" charset="0"/>
+              </a:rPr>
+              <a:t>Source: Wang, 2017b</a:t>
+            </a:r>
+          </a:p>
+        </p:txBody>
+      </p:sp>
+    </p:spTree>
+    <p:extLst>
+      <p:ext uri="{BB962C8B-B14F-4D97-AF65-F5344CB8AC3E}">
+        <p14:creationId xmlns:p14="http://schemas.microsoft.com/office/powerpoint/2010/main" val="543043345"/>
+      </p:ext>
+    </p:extLst>
+  </p:cSld>
+  <p:clrMapOvr>
+    <a:masterClrMapping/>
+  </p:clrMapOvr>
+</p:sld>
+</file>
+
+<file path=ppt/slides/slide16.xml><?xml version="1.0" encoding="utf-8"?>
+<p:sld xmlns:a="http://schemas.openxmlformats.org/drawingml/2006/main" xmlns:r="http://schemas.openxmlformats.org/officeDocument/2006/relationships" xmlns:p="http://schemas.openxmlformats.org/presentationml/2006/main">
+  <p:cSld>
+    <p:spTree>
+      <p:nvGrpSpPr>
+        <p:cNvPr id="1" name=""/>
+        <p:cNvGrpSpPr/>
+        <p:nvPr/>
+      </p:nvGrpSpPr>
+      <p:grpSpPr>
+        <a:xfrm>
+          <a:off x="0" y="0"/>
+          <a:ext cx="0" cy="0"/>
+          <a:chOff x="0" y="0"/>
+          <a:chExt cx="0" cy="0"/>
+        </a:xfrm>
+      </p:grpSpPr>
+      <p:sp>
+        <p:nvSpPr>
+          <p:cNvPr id="4" name="Footer Placeholder 3">
+            <a:extLst>
+              <a:ext uri="{FF2B5EF4-FFF2-40B4-BE49-F238E27FC236}">
+                <a16:creationId xmlns:a16="http://schemas.microsoft.com/office/drawing/2014/main" id="{ABC5BB99-6713-EE89-3895-F3148FABAE18}"/>
+              </a:ext>
+            </a:extLst>
+          </p:cNvPr>
+          <p:cNvSpPr>
+            <a:spLocks noGrp="1"/>
+          </p:cNvSpPr>
+          <p:nvPr>
+            <p:ph type="ftr" sz="quarter" idx="11"/>
+          </p:nvPr>
+        </p:nvSpPr>
+        <p:spPr/>
+        <p:txBody>
+          <a:bodyPr/>
+          <a:lstStyle/>
+          <a:p>
+            <a:r>
+              <a:rPr lang="pt-BR" dirty="0">
+                <a:latin typeface="IBM Plex Sans" panose="020B0503050203000203" pitchFamily="34" charset="0"/>
+              </a:rPr>
+              <a:t>A Mobile </a:t>
+            </a:r>
+            <a:r>
+              <a:rPr lang="pt-BR" dirty="0" err="1">
+                <a:latin typeface="IBM Plex Sans" panose="020B0503050203000203" pitchFamily="34" charset="0"/>
+              </a:rPr>
+              <a:t>Traffic</a:t>
+            </a:r>
+            <a:r>
+              <a:rPr lang="pt-BR" dirty="0">
+                <a:latin typeface="IBM Plex Sans" panose="020B0503050203000203" pitchFamily="34" charset="0"/>
+              </a:rPr>
+              <a:t> </a:t>
+            </a:r>
+            <a:r>
+              <a:rPr lang="pt-BR" dirty="0" err="1">
+                <a:latin typeface="IBM Plex Sans" panose="020B0503050203000203" pitchFamily="34" charset="0"/>
+              </a:rPr>
+              <a:t>Predictor</a:t>
+            </a:r>
+            <a:r>
+              <a:rPr lang="pt-BR" dirty="0">
+                <a:latin typeface="IBM Plex Sans" panose="020B0503050203000203" pitchFamily="34" charset="0"/>
+              </a:rPr>
+              <a:t> </a:t>
+            </a:r>
+            <a:r>
+              <a:rPr lang="pt-BR" dirty="0" err="1">
+                <a:latin typeface="IBM Plex Sans" panose="020B0503050203000203" pitchFamily="34" charset="0"/>
+              </a:rPr>
+              <a:t>Enhanced</a:t>
+            </a:r>
+            <a:r>
+              <a:rPr lang="pt-BR" dirty="0">
+                <a:latin typeface="IBM Plex Sans" panose="020B0503050203000203" pitchFamily="34" charset="0"/>
+              </a:rPr>
+              <a:t> </a:t>
+            </a:r>
+            <a:r>
+              <a:rPr lang="pt-BR" dirty="0" err="1">
+                <a:latin typeface="IBM Plex Sans" panose="020B0503050203000203" pitchFamily="34" charset="0"/>
+              </a:rPr>
+              <a:t>by</a:t>
+            </a:r>
+            <a:r>
+              <a:rPr lang="pt-BR" dirty="0">
+                <a:latin typeface="IBM Plex Sans" panose="020B0503050203000203" pitchFamily="34" charset="0"/>
+              </a:rPr>
+              <a:t> </a:t>
+            </a:r>
+            <a:r>
+              <a:rPr lang="pt-BR" dirty="0" err="1">
+                <a:latin typeface="IBM Plex Sans" panose="020B0503050203000203" pitchFamily="34" charset="0"/>
+              </a:rPr>
+              <a:t>Neighboring</a:t>
+            </a:r>
+            <a:r>
+              <a:rPr lang="pt-BR" dirty="0">
+                <a:latin typeface="IBM Plex Sans" panose="020B0503050203000203" pitchFamily="34" charset="0"/>
+              </a:rPr>
+              <a:t> </a:t>
+            </a:r>
+            <a:r>
+              <a:rPr lang="pt-BR" dirty="0" err="1">
+                <a:latin typeface="IBM Plex Sans" panose="020B0503050203000203" pitchFamily="34" charset="0"/>
+              </a:rPr>
+              <a:t>Transportation</a:t>
+            </a:r>
+            <a:r>
+              <a:rPr lang="pt-BR" dirty="0">
+                <a:latin typeface="IBM Plex Sans" panose="020B0503050203000203" pitchFamily="34" charset="0"/>
+              </a:rPr>
+              <a:t> Data (MTP-NT)</a:t>
+            </a:r>
+          </a:p>
+        </p:txBody>
+      </p:sp>
+      <p:sp>
+        <p:nvSpPr>
+          <p:cNvPr id="5" name="Slide Number Placeholder 4">
+            <a:extLst>
+              <a:ext uri="{FF2B5EF4-FFF2-40B4-BE49-F238E27FC236}">
+                <a16:creationId xmlns:a16="http://schemas.microsoft.com/office/drawing/2014/main" id="{DE4D7978-95DF-1BFB-E341-3759F4762F0C}"/>
+              </a:ext>
+            </a:extLst>
+          </p:cNvPr>
+          <p:cNvSpPr>
+            <a:spLocks noGrp="1"/>
+          </p:cNvSpPr>
+          <p:nvPr>
+            <p:ph type="sldNum" sz="quarter" idx="12"/>
+          </p:nvPr>
+        </p:nvSpPr>
+        <p:spPr/>
+        <p:txBody>
+          <a:bodyPr/>
+          <a:lstStyle/>
+          <a:p>
+            <a:fld id="{C16D1434-241F-3E4A-8778-0F70095E40C3}" type="slidenum">
+              <a:rPr lang="pt-BR" smtClean="0">
+                <a:latin typeface="IBM Plex Sans" panose="020B0503050203000203" pitchFamily="34" charset="0"/>
+              </a:rPr>
+              <a:t>16</a:t>
+            </a:fld>
+            <a:endParaRPr lang="pt-BR">
+              <a:latin typeface="IBM Plex Sans" panose="020B0503050203000203" pitchFamily="34" charset="0"/>
+            </a:endParaRPr>
+          </a:p>
+        </p:txBody>
+      </p:sp>
+      <p:sp>
+        <p:nvSpPr>
+          <p:cNvPr id="13" name="Text Placeholder">
+            <a:extLst>
+              <a:ext uri="{FF2B5EF4-FFF2-40B4-BE49-F238E27FC236}">
+                <a16:creationId xmlns:a16="http://schemas.microsoft.com/office/drawing/2014/main" id="{4D1EB361-A84D-E1BA-5887-29346BE14147}"/>
+              </a:ext>
+            </a:extLst>
+          </p:cNvPr>
+          <p:cNvSpPr txBox="1">
+            <a:spLocks/>
+          </p:cNvSpPr>
+          <p:nvPr/>
+        </p:nvSpPr>
+        <p:spPr>
+          <a:xfrm>
+            <a:off x="0" y="104751"/>
+            <a:ext cx="9398000" cy="633222"/>
+          </a:xfrm>
+          <a:prstGeom prst="rect">
+            <a:avLst/>
+          </a:prstGeom>
+        </p:spPr>
+        <p:txBody>
+          <a:bodyPr vert="horz" lIns="91440" tIns="45720" rIns="91440" bIns="45720" rtlCol="0" anchor="ctr"/>
+          <a:lstStyle>
+            <a:defPPr>
+              <a:defRPr lang="en-BR"/>
+            </a:defPPr>
+            <a:lvl1pPr marL="0" algn="r" defTabSz="914400" rtl="0" eaLnBrk="1" latinLnBrk="0" hangingPunct="1">
+              <a:defRPr sz="1200" kern="1200">
+                <a:solidFill>
+                  <a:schemeClr val="tx1">
+                    <a:tint val="75000"/>
+                  </a:schemeClr>
+                </a:solidFill>
+                <a:latin typeface="+mn-lt"/>
+                <a:ea typeface="+mn-ea"/>
+                <a:cs typeface="+mn-cs"/>
+              </a:defRPr>
+            </a:lvl1pPr>
+            <a:lvl2pPr marL="457200" algn="l" defTabSz="914400" rtl="0" eaLnBrk="1" latinLnBrk="0" hangingPunct="1">
+              <a:defRPr sz="1800" kern="1200">
+                <a:solidFill>
+                  <a:schemeClr val="tx1"/>
+                </a:solidFill>
+                <a:latin typeface="+mn-lt"/>
+                <a:ea typeface="+mn-ea"/>
+                <a:cs typeface="+mn-cs"/>
+              </a:defRPr>
+            </a:lvl2pPr>
+            <a:lvl3pPr marL="914400" algn="l" defTabSz="914400" rtl="0" eaLnBrk="1" latinLnBrk="0" hangingPunct="1">
+              <a:defRPr sz="1800" kern="1200">
+                <a:solidFill>
+                  <a:schemeClr val="tx1"/>
+                </a:solidFill>
+                <a:latin typeface="+mn-lt"/>
+                <a:ea typeface="+mn-ea"/>
+                <a:cs typeface="+mn-cs"/>
+              </a:defRPr>
+            </a:lvl3pPr>
+            <a:lvl4pPr marL="1371600" algn="l" defTabSz="914400" rtl="0" eaLnBrk="1" latinLnBrk="0" hangingPunct="1">
+              <a:defRPr sz="1800" kern="1200">
+                <a:solidFill>
+                  <a:schemeClr val="tx1"/>
+                </a:solidFill>
+                <a:latin typeface="+mn-lt"/>
+                <a:ea typeface="+mn-ea"/>
+                <a:cs typeface="+mn-cs"/>
+              </a:defRPr>
+            </a:lvl4pPr>
+            <a:lvl5pPr marL="1828800" algn="l" defTabSz="914400" rtl="0" eaLnBrk="1" latinLnBrk="0" hangingPunct="1">
+              <a:defRPr sz="1800" kern="1200">
+                <a:solidFill>
+                  <a:schemeClr val="tx1"/>
+                </a:solidFill>
+                <a:latin typeface="+mn-lt"/>
+                <a:ea typeface="+mn-ea"/>
+                <a:cs typeface="+mn-cs"/>
+              </a:defRPr>
+            </a:lvl5pPr>
+            <a:lvl6pPr marL="2286000" algn="l" defTabSz="914400" rtl="0" eaLnBrk="1" latinLnBrk="0" hangingPunct="1">
+              <a:defRPr sz="1800" kern="1200">
+                <a:solidFill>
+                  <a:schemeClr val="tx1"/>
+                </a:solidFill>
+                <a:latin typeface="+mn-lt"/>
+                <a:ea typeface="+mn-ea"/>
+                <a:cs typeface="+mn-cs"/>
+              </a:defRPr>
+            </a:lvl6pPr>
+            <a:lvl7pPr marL="2743200" algn="l" defTabSz="914400" rtl="0" eaLnBrk="1" latinLnBrk="0" hangingPunct="1">
+              <a:defRPr sz="1800" kern="1200">
+                <a:solidFill>
+                  <a:schemeClr val="tx1"/>
+                </a:solidFill>
+                <a:latin typeface="+mn-lt"/>
+                <a:ea typeface="+mn-ea"/>
+                <a:cs typeface="+mn-cs"/>
+              </a:defRPr>
+            </a:lvl7pPr>
+            <a:lvl8pPr marL="3200400" algn="l" defTabSz="914400" rtl="0" eaLnBrk="1" latinLnBrk="0" hangingPunct="1">
+              <a:defRPr sz="1800" kern="1200">
+                <a:solidFill>
+                  <a:schemeClr val="tx1"/>
+                </a:solidFill>
+                <a:latin typeface="+mn-lt"/>
+                <a:ea typeface="+mn-ea"/>
+                <a:cs typeface="+mn-cs"/>
+              </a:defRPr>
+            </a:lvl8pPr>
+            <a:lvl9pPr marL="3657600" algn="l" defTabSz="914400" rtl="0" eaLnBrk="1" latinLnBrk="0" hangingPunct="1">
+              <a:defRPr sz="1800" kern="1200">
+                <a:solidFill>
+                  <a:schemeClr val="tx1"/>
+                </a:solidFill>
+                <a:latin typeface="+mn-lt"/>
+                <a:ea typeface="+mn-ea"/>
+                <a:cs typeface="+mn-cs"/>
+              </a:defRPr>
+            </a:lvl9pPr>
+          </a:lstStyle>
+          <a:p>
+            <a:pPr algn="l"/>
+            <a:r>
+              <a:rPr lang="en-US" sz="4800" b="1" dirty="0">
+                <a:solidFill>
+                  <a:schemeClr val="tx1"/>
+                </a:solidFill>
+                <a:latin typeface="IBM Plex Sans" panose="020B0503050203000203" pitchFamily="34" charset="0"/>
+              </a:rPr>
+              <a:t>Related work – Wang 2017b</a:t>
+            </a:r>
+          </a:p>
+        </p:txBody>
+      </p:sp>
+      <p:sp>
+        <p:nvSpPr>
+          <p:cNvPr id="3" name="Title">
+            <a:extLst>
+              <a:ext uri="{FF2B5EF4-FFF2-40B4-BE49-F238E27FC236}">
+                <a16:creationId xmlns:a16="http://schemas.microsoft.com/office/drawing/2014/main" id="{40225234-3517-1C0D-62E0-154515DD1E3B}"/>
+              </a:ext>
+            </a:extLst>
+          </p:cNvPr>
+          <p:cNvSpPr txBox="1">
+            <a:spLocks/>
+          </p:cNvSpPr>
+          <p:nvPr/>
+        </p:nvSpPr>
+        <p:spPr>
+          <a:xfrm>
+            <a:off x="154393" y="5798109"/>
+            <a:ext cx="12037607" cy="365126"/>
+          </a:xfrm>
+          <a:prstGeom prst="rect">
+            <a:avLst/>
+          </a:prstGeom>
+        </p:spPr>
+        <p:txBody>
+          <a:bodyPr vert="horz" lIns="91440" tIns="45720" rIns="91440" bIns="45720" rtlCol="0" anchor="t">
+            <a:normAutofit/>
+          </a:bodyPr>
+          <a:lstStyle>
+            <a:lvl1pPr algn="l" defTabSz="914400" rtl="0" eaLnBrk="1" latinLnBrk="0" hangingPunct="1">
+              <a:lnSpc>
+                <a:spcPct val="90000"/>
+              </a:lnSpc>
+              <a:spcBef>
+                <a:spcPct val="0"/>
+              </a:spcBef>
+              <a:buNone/>
+              <a:defRPr sz="4400" kern="1200">
+                <a:solidFill>
+                  <a:schemeClr val="tx1"/>
+                </a:solidFill>
+                <a:latin typeface="+mj-lt"/>
+                <a:ea typeface="+mj-ea"/>
+                <a:cs typeface="+mj-cs"/>
+              </a:defRPr>
+            </a:lvl1pPr>
+          </a:lstStyle>
+          <a:p>
+            <a:pPr algn="ctr"/>
             <a:r>
               <a:rPr lang="en-US" sz="1600" dirty="0">
                 <a:latin typeface="IBM Plex Sans" panose="020B0503050203000203" pitchFamily="34" charset="0"/>
@@ -10821,7 +11890,7 @@
 </p:sld>
 </file>
 
-<file path=ppt/slides/slide16.xml><?xml version="1.0" encoding="utf-8"?>
+<file path=ppt/slides/slide17.xml><?xml version="1.0" encoding="utf-8"?>
 <p:sld xmlns:a="http://schemas.openxmlformats.org/drawingml/2006/main" xmlns:r="http://schemas.openxmlformats.org/officeDocument/2006/relationships" xmlns:p="http://schemas.openxmlformats.org/presentationml/2006/main">
   <p:cSld>
     <p:spTree>
@@ -10840,10 +11909,2370 @@
       </p:grpSpPr>
       <p:sp>
         <p:nvSpPr>
-          <p:cNvPr id="7" name="Title 1">
+          <p:cNvPr id="4" name="Footer Placeholder 3">
             <a:extLst>
               <a:ext uri="{FF2B5EF4-FFF2-40B4-BE49-F238E27FC236}">
-                <a16:creationId xmlns:a16="http://schemas.microsoft.com/office/drawing/2014/main" id="{5093AA27-F3BD-1820-3163-CF62B9DF394A}"/>
+                <a16:creationId xmlns:a16="http://schemas.microsoft.com/office/drawing/2014/main" id="{ABC5BB99-6713-EE89-3895-F3148FABAE18}"/>
+              </a:ext>
+            </a:extLst>
+          </p:cNvPr>
+          <p:cNvSpPr>
+            <a:spLocks noGrp="1"/>
+          </p:cNvSpPr>
+          <p:nvPr>
+            <p:ph type="ftr" sz="quarter" idx="11"/>
+          </p:nvPr>
+        </p:nvSpPr>
+        <p:spPr/>
+        <p:txBody>
+          <a:bodyPr/>
+          <a:lstStyle/>
+          <a:p>
+            <a:r>
+              <a:rPr lang="pt-BR" dirty="0">
+                <a:latin typeface="IBM Plex Sans" panose="020B0503050203000203" pitchFamily="34" charset="0"/>
+              </a:rPr>
+              <a:t>A Mobile </a:t>
+            </a:r>
+            <a:r>
+              <a:rPr lang="pt-BR" dirty="0" err="1">
+                <a:latin typeface="IBM Plex Sans" panose="020B0503050203000203" pitchFamily="34" charset="0"/>
+              </a:rPr>
+              <a:t>Traffic</a:t>
+            </a:r>
+            <a:r>
+              <a:rPr lang="pt-BR" dirty="0">
+                <a:latin typeface="IBM Plex Sans" panose="020B0503050203000203" pitchFamily="34" charset="0"/>
+              </a:rPr>
+              <a:t> </a:t>
+            </a:r>
+            <a:r>
+              <a:rPr lang="pt-BR" dirty="0" err="1">
+                <a:latin typeface="IBM Plex Sans" panose="020B0503050203000203" pitchFamily="34" charset="0"/>
+              </a:rPr>
+              <a:t>Predictor</a:t>
+            </a:r>
+            <a:r>
+              <a:rPr lang="pt-BR" dirty="0">
+                <a:latin typeface="IBM Plex Sans" panose="020B0503050203000203" pitchFamily="34" charset="0"/>
+              </a:rPr>
+              <a:t> </a:t>
+            </a:r>
+            <a:r>
+              <a:rPr lang="pt-BR" dirty="0" err="1">
+                <a:latin typeface="IBM Plex Sans" panose="020B0503050203000203" pitchFamily="34" charset="0"/>
+              </a:rPr>
+              <a:t>Enhanced</a:t>
+            </a:r>
+            <a:r>
+              <a:rPr lang="pt-BR" dirty="0">
+                <a:latin typeface="IBM Plex Sans" panose="020B0503050203000203" pitchFamily="34" charset="0"/>
+              </a:rPr>
+              <a:t> </a:t>
+            </a:r>
+            <a:r>
+              <a:rPr lang="pt-BR" dirty="0" err="1">
+                <a:latin typeface="IBM Plex Sans" panose="020B0503050203000203" pitchFamily="34" charset="0"/>
+              </a:rPr>
+              <a:t>by</a:t>
+            </a:r>
+            <a:r>
+              <a:rPr lang="pt-BR" dirty="0">
+                <a:latin typeface="IBM Plex Sans" panose="020B0503050203000203" pitchFamily="34" charset="0"/>
+              </a:rPr>
+              <a:t> </a:t>
+            </a:r>
+            <a:r>
+              <a:rPr lang="pt-BR" dirty="0" err="1">
+                <a:latin typeface="IBM Plex Sans" panose="020B0503050203000203" pitchFamily="34" charset="0"/>
+              </a:rPr>
+              <a:t>Neighboring</a:t>
+            </a:r>
+            <a:r>
+              <a:rPr lang="pt-BR" dirty="0">
+                <a:latin typeface="IBM Plex Sans" panose="020B0503050203000203" pitchFamily="34" charset="0"/>
+              </a:rPr>
+              <a:t> </a:t>
+            </a:r>
+            <a:r>
+              <a:rPr lang="pt-BR" dirty="0" err="1">
+                <a:latin typeface="IBM Plex Sans" panose="020B0503050203000203" pitchFamily="34" charset="0"/>
+              </a:rPr>
+              <a:t>Transportation</a:t>
+            </a:r>
+            <a:r>
+              <a:rPr lang="pt-BR" dirty="0">
+                <a:latin typeface="IBM Plex Sans" panose="020B0503050203000203" pitchFamily="34" charset="0"/>
+              </a:rPr>
+              <a:t> Data (MTP-NT)</a:t>
+            </a:r>
+          </a:p>
+        </p:txBody>
+      </p:sp>
+      <p:sp>
+        <p:nvSpPr>
+          <p:cNvPr id="5" name="Slide Number Placeholder 4">
+            <a:extLst>
+              <a:ext uri="{FF2B5EF4-FFF2-40B4-BE49-F238E27FC236}">
+                <a16:creationId xmlns:a16="http://schemas.microsoft.com/office/drawing/2014/main" id="{DE4D7978-95DF-1BFB-E341-3759F4762F0C}"/>
+              </a:ext>
+            </a:extLst>
+          </p:cNvPr>
+          <p:cNvSpPr>
+            <a:spLocks noGrp="1"/>
+          </p:cNvSpPr>
+          <p:nvPr>
+            <p:ph type="sldNum" sz="quarter" idx="12"/>
+          </p:nvPr>
+        </p:nvSpPr>
+        <p:spPr/>
+        <p:txBody>
+          <a:bodyPr/>
+          <a:lstStyle/>
+          <a:p>
+            <a:fld id="{C16D1434-241F-3E4A-8778-0F70095E40C3}" type="slidenum">
+              <a:rPr lang="pt-BR" smtClean="0">
+                <a:latin typeface="IBM Plex Sans" panose="020B0503050203000203" pitchFamily="34" charset="0"/>
+              </a:rPr>
+              <a:t>17</a:t>
+            </a:fld>
+            <a:endParaRPr lang="pt-BR">
+              <a:latin typeface="IBM Plex Sans" panose="020B0503050203000203" pitchFamily="34" charset="0"/>
+            </a:endParaRPr>
+          </a:p>
+        </p:txBody>
+      </p:sp>
+      <p:sp>
+        <p:nvSpPr>
+          <p:cNvPr id="13" name="Text Placeholder">
+            <a:extLst>
+              <a:ext uri="{FF2B5EF4-FFF2-40B4-BE49-F238E27FC236}">
+                <a16:creationId xmlns:a16="http://schemas.microsoft.com/office/drawing/2014/main" id="{4D1EB361-A84D-E1BA-5887-29346BE14147}"/>
+              </a:ext>
+            </a:extLst>
+          </p:cNvPr>
+          <p:cNvSpPr txBox="1">
+            <a:spLocks/>
+          </p:cNvSpPr>
+          <p:nvPr/>
+        </p:nvSpPr>
+        <p:spPr>
+          <a:xfrm>
+            <a:off x="0" y="104751"/>
+            <a:ext cx="9398000" cy="633222"/>
+          </a:xfrm>
+          <a:prstGeom prst="rect">
+            <a:avLst/>
+          </a:prstGeom>
+        </p:spPr>
+        <p:txBody>
+          <a:bodyPr vert="horz" lIns="91440" tIns="45720" rIns="91440" bIns="45720" rtlCol="0" anchor="ctr"/>
+          <a:lstStyle>
+            <a:defPPr>
+              <a:defRPr lang="en-BR"/>
+            </a:defPPr>
+            <a:lvl1pPr marL="0" algn="r" defTabSz="914400" rtl="0" eaLnBrk="1" latinLnBrk="0" hangingPunct="1">
+              <a:defRPr sz="1200" kern="1200">
+                <a:solidFill>
+                  <a:schemeClr val="tx1">
+                    <a:tint val="75000"/>
+                  </a:schemeClr>
+                </a:solidFill>
+                <a:latin typeface="+mn-lt"/>
+                <a:ea typeface="+mn-ea"/>
+                <a:cs typeface="+mn-cs"/>
+              </a:defRPr>
+            </a:lvl1pPr>
+            <a:lvl2pPr marL="457200" algn="l" defTabSz="914400" rtl="0" eaLnBrk="1" latinLnBrk="0" hangingPunct="1">
+              <a:defRPr sz="1800" kern="1200">
+                <a:solidFill>
+                  <a:schemeClr val="tx1"/>
+                </a:solidFill>
+                <a:latin typeface="+mn-lt"/>
+                <a:ea typeface="+mn-ea"/>
+                <a:cs typeface="+mn-cs"/>
+              </a:defRPr>
+            </a:lvl2pPr>
+            <a:lvl3pPr marL="914400" algn="l" defTabSz="914400" rtl="0" eaLnBrk="1" latinLnBrk="0" hangingPunct="1">
+              <a:defRPr sz="1800" kern="1200">
+                <a:solidFill>
+                  <a:schemeClr val="tx1"/>
+                </a:solidFill>
+                <a:latin typeface="+mn-lt"/>
+                <a:ea typeface="+mn-ea"/>
+                <a:cs typeface="+mn-cs"/>
+              </a:defRPr>
+            </a:lvl3pPr>
+            <a:lvl4pPr marL="1371600" algn="l" defTabSz="914400" rtl="0" eaLnBrk="1" latinLnBrk="0" hangingPunct="1">
+              <a:defRPr sz="1800" kern="1200">
+                <a:solidFill>
+                  <a:schemeClr val="tx1"/>
+                </a:solidFill>
+                <a:latin typeface="+mn-lt"/>
+                <a:ea typeface="+mn-ea"/>
+                <a:cs typeface="+mn-cs"/>
+              </a:defRPr>
+            </a:lvl4pPr>
+            <a:lvl5pPr marL="1828800" algn="l" defTabSz="914400" rtl="0" eaLnBrk="1" latinLnBrk="0" hangingPunct="1">
+              <a:defRPr sz="1800" kern="1200">
+                <a:solidFill>
+                  <a:schemeClr val="tx1"/>
+                </a:solidFill>
+                <a:latin typeface="+mn-lt"/>
+                <a:ea typeface="+mn-ea"/>
+                <a:cs typeface="+mn-cs"/>
+              </a:defRPr>
+            </a:lvl5pPr>
+            <a:lvl6pPr marL="2286000" algn="l" defTabSz="914400" rtl="0" eaLnBrk="1" latinLnBrk="0" hangingPunct="1">
+              <a:defRPr sz="1800" kern="1200">
+                <a:solidFill>
+                  <a:schemeClr val="tx1"/>
+                </a:solidFill>
+                <a:latin typeface="+mn-lt"/>
+                <a:ea typeface="+mn-ea"/>
+                <a:cs typeface="+mn-cs"/>
+              </a:defRPr>
+            </a:lvl6pPr>
+            <a:lvl7pPr marL="2743200" algn="l" defTabSz="914400" rtl="0" eaLnBrk="1" latinLnBrk="0" hangingPunct="1">
+              <a:defRPr sz="1800" kern="1200">
+                <a:solidFill>
+                  <a:schemeClr val="tx1"/>
+                </a:solidFill>
+                <a:latin typeface="+mn-lt"/>
+                <a:ea typeface="+mn-ea"/>
+                <a:cs typeface="+mn-cs"/>
+              </a:defRPr>
+            </a:lvl7pPr>
+            <a:lvl8pPr marL="3200400" algn="l" defTabSz="914400" rtl="0" eaLnBrk="1" latinLnBrk="0" hangingPunct="1">
+              <a:defRPr sz="1800" kern="1200">
+                <a:solidFill>
+                  <a:schemeClr val="tx1"/>
+                </a:solidFill>
+                <a:latin typeface="+mn-lt"/>
+                <a:ea typeface="+mn-ea"/>
+                <a:cs typeface="+mn-cs"/>
+              </a:defRPr>
+            </a:lvl8pPr>
+            <a:lvl9pPr marL="3657600" algn="l" defTabSz="914400" rtl="0" eaLnBrk="1" latinLnBrk="0" hangingPunct="1">
+              <a:defRPr sz="1800" kern="1200">
+                <a:solidFill>
+                  <a:schemeClr val="tx1"/>
+                </a:solidFill>
+                <a:latin typeface="+mn-lt"/>
+                <a:ea typeface="+mn-ea"/>
+                <a:cs typeface="+mn-cs"/>
+              </a:defRPr>
+            </a:lvl9pPr>
+          </a:lstStyle>
+          <a:p>
+            <a:pPr algn="l"/>
+            <a:r>
+              <a:rPr lang="en-US" sz="4800" b="1" dirty="0">
+                <a:solidFill>
+                  <a:schemeClr val="tx1"/>
+                </a:solidFill>
+                <a:latin typeface="IBM Plex Sans" panose="020B0503050203000203" pitchFamily="34" charset="0"/>
+              </a:rPr>
+              <a:t>Related work – Summary</a:t>
+            </a:r>
+          </a:p>
+        </p:txBody>
+      </p:sp>
+      <p:graphicFrame>
+        <p:nvGraphicFramePr>
+          <p:cNvPr id="8" name="Table 8">
+            <a:extLst>
+              <a:ext uri="{FF2B5EF4-FFF2-40B4-BE49-F238E27FC236}">
+                <a16:creationId xmlns:a16="http://schemas.microsoft.com/office/drawing/2014/main" id="{83FC98A3-5197-322A-7AE3-27886E00E890}"/>
+              </a:ext>
+            </a:extLst>
+          </p:cNvPr>
+          <p:cNvGraphicFramePr>
+            <a:graphicFrameLocks noGrp="1"/>
+          </p:cNvGraphicFramePr>
+          <p:nvPr>
+            <p:extLst>
+              <p:ext uri="{D42A27DB-BD31-4B8C-83A1-F6EECF244321}">
+                <p14:modId xmlns:p14="http://schemas.microsoft.com/office/powerpoint/2010/main" val="2861986471"/>
+              </p:ext>
+            </p:extLst>
+          </p:nvPr>
+        </p:nvGraphicFramePr>
+        <p:xfrm>
+          <a:off x="1653208" y="1912620"/>
+          <a:ext cx="8885583" cy="3032760"/>
+        </p:xfrm>
+        <a:graphic>
+          <a:graphicData uri="http://schemas.openxmlformats.org/drawingml/2006/table">
+            <a:tbl>
+              <a:tblPr firstRow="1" bandRow="1">
+                <a:tableStyleId>{5C22544A-7EE6-4342-B048-85BDC9FD1C3A}</a:tableStyleId>
+              </a:tblPr>
+              <a:tblGrid>
+                <a:gridCol w="2221396">
+                  <a:extLst>
+                    <a:ext uri="{9D8B030D-6E8A-4147-A177-3AD203B41FA5}">
+                      <a16:colId xmlns:a16="http://schemas.microsoft.com/office/drawing/2014/main" val="328373290"/>
+                    </a:ext>
+                  </a:extLst>
+                </a:gridCol>
+                <a:gridCol w="2221396">
+                  <a:extLst>
+                    <a:ext uri="{9D8B030D-6E8A-4147-A177-3AD203B41FA5}">
+                      <a16:colId xmlns:a16="http://schemas.microsoft.com/office/drawing/2014/main" val="1329037241"/>
+                    </a:ext>
+                  </a:extLst>
+                </a:gridCol>
+                <a:gridCol w="2006500">
+                  <a:extLst>
+                    <a:ext uri="{9D8B030D-6E8A-4147-A177-3AD203B41FA5}">
+                      <a16:colId xmlns:a16="http://schemas.microsoft.com/office/drawing/2014/main" val="898198900"/>
+                    </a:ext>
+                  </a:extLst>
+                </a:gridCol>
+                <a:gridCol w="2436291">
+                  <a:extLst>
+                    <a:ext uri="{9D8B030D-6E8A-4147-A177-3AD203B41FA5}">
+                      <a16:colId xmlns:a16="http://schemas.microsoft.com/office/drawing/2014/main" val="697380308"/>
+                    </a:ext>
+                  </a:extLst>
+                </a:gridCol>
+              </a:tblGrid>
+              <a:tr h="370840">
+                <a:tc>
+                  <a:txBody>
+                    <a:bodyPr/>
+                    <a:lstStyle/>
+                    <a:p>
+                      <a:pPr algn="ctr"/>
+                      <a:r>
+                        <a:rPr lang="pt-BR" dirty="0"/>
+                        <a:t>Ref.</a:t>
+                      </a:r>
+                    </a:p>
+                  </a:txBody>
+                  <a:tcPr>
+                    <a:solidFill>
+                      <a:srgbClr val="0F62FF"/>
+                    </a:solidFill>
+                  </a:tcPr>
+                </a:tc>
+                <a:tc>
+                  <a:txBody>
+                    <a:bodyPr/>
+                    <a:lstStyle/>
+                    <a:p>
+                      <a:pPr algn="ctr"/>
+                      <a:r>
+                        <a:rPr lang="pt-BR" dirty="0" err="1"/>
+                        <a:t>Method</a:t>
+                      </a:r>
+                      <a:endParaRPr lang="pt-BR" dirty="0"/>
+                    </a:p>
+                  </a:txBody>
+                  <a:tcPr>
+                    <a:solidFill>
+                      <a:srgbClr val="0F62FF"/>
+                    </a:solidFill>
+                  </a:tcPr>
+                </a:tc>
+                <a:tc>
+                  <a:txBody>
+                    <a:bodyPr/>
+                    <a:lstStyle/>
+                    <a:p>
+                      <a:pPr algn="ctr"/>
+                      <a:r>
+                        <a:rPr lang="pt-BR" dirty="0" err="1"/>
+                        <a:t>Dataset</a:t>
+                      </a:r>
+                      <a:r>
+                        <a:rPr lang="pt-BR" dirty="0"/>
+                        <a:t> </a:t>
+                      </a:r>
+                      <a:r>
+                        <a:rPr lang="pt-BR" dirty="0" err="1"/>
+                        <a:t>availability</a:t>
+                      </a:r>
+                      <a:endParaRPr lang="pt-BR" dirty="0"/>
+                    </a:p>
+                  </a:txBody>
+                  <a:tcPr>
+                    <a:solidFill>
+                      <a:srgbClr val="0F62FF"/>
+                    </a:solidFill>
+                  </a:tcPr>
+                </a:tc>
+                <a:tc>
+                  <a:txBody>
+                    <a:bodyPr/>
+                    <a:lstStyle/>
+                    <a:p>
+                      <a:pPr algn="ctr"/>
+                      <a:r>
+                        <a:rPr lang="pt-BR" dirty="0" err="1"/>
+                        <a:t>Sourcecode</a:t>
+                      </a:r>
+                      <a:r>
+                        <a:rPr lang="pt-BR" dirty="0"/>
+                        <a:t> </a:t>
+                      </a:r>
+                      <a:r>
+                        <a:rPr lang="pt-BR" dirty="0" err="1"/>
+                        <a:t>available</a:t>
+                      </a:r>
+                      <a:endParaRPr lang="pt-BR" dirty="0"/>
+                    </a:p>
+                  </a:txBody>
+                  <a:tcPr>
+                    <a:solidFill>
+                      <a:srgbClr val="0F62FF"/>
+                    </a:solidFill>
+                  </a:tcPr>
+                </a:tc>
+                <a:extLst>
+                  <a:ext uri="{0D108BD9-81ED-4DB2-BD59-A6C34878D82A}">
+                    <a16:rowId xmlns:a16="http://schemas.microsoft.com/office/drawing/2014/main" val="403447987"/>
+                  </a:ext>
+                </a:extLst>
+              </a:tr>
+              <a:tr h="370840">
+                <a:tc>
+                  <a:txBody>
+                    <a:bodyPr/>
+                    <a:lstStyle/>
+                    <a:p>
+                      <a:pPr algn="ctr"/>
+                      <a:r>
+                        <a:rPr lang="pt-BR" dirty="0"/>
+                        <a:t>(Wang et al., 2017a)</a:t>
+                      </a:r>
+                    </a:p>
+                  </a:txBody>
+                  <a:tcPr/>
+                </a:tc>
+                <a:tc>
+                  <a:txBody>
+                    <a:bodyPr/>
+                    <a:lstStyle/>
+                    <a:p>
+                      <a:pPr algn="ctr"/>
+                      <a:r>
+                        <a:rPr lang="pt-BR" dirty="0" err="1"/>
+                        <a:t>Autoencoders</a:t>
+                      </a:r>
+                      <a:endParaRPr lang="pt-BR" dirty="0"/>
+                    </a:p>
+                  </a:txBody>
+                  <a:tcPr/>
+                </a:tc>
+                <a:tc>
+                  <a:txBody>
+                    <a:bodyPr/>
+                    <a:lstStyle/>
+                    <a:p>
+                      <a:pPr algn="ctr"/>
+                      <a:r>
+                        <a:rPr lang="pt-BR" dirty="0" err="1"/>
+                        <a:t>X</a:t>
+                      </a:r>
+                      <a:endParaRPr lang="pt-BR" dirty="0"/>
+                    </a:p>
+                  </a:txBody>
+                  <a:tcPr/>
+                </a:tc>
+                <a:tc>
+                  <a:txBody>
+                    <a:bodyPr/>
+                    <a:lstStyle/>
+                    <a:p>
+                      <a:pPr algn="ctr"/>
+                      <a:r>
+                        <a:rPr lang="en-BR" sz="1800" b="0" i="0" kern="1200" dirty="0">
+                          <a:solidFill>
+                            <a:schemeClr val="dk1"/>
+                          </a:solidFill>
+                          <a:effectLst/>
+                          <a:latin typeface="+mn-lt"/>
+                          <a:ea typeface="+mn-ea"/>
+                          <a:cs typeface="+mn-cs"/>
+                        </a:rPr>
+                        <a:t>X</a:t>
+                      </a:r>
+                      <a:endParaRPr lang="pt-BR" dirty="0"/>
+                    </a:p>
+                  </a:txBody>
+                  <a:tcPr/>
+                </a:tc>
+                <a:extLst>
+                  <a:ext uri="{0D108BD9-81ED-4DB2-BD59-A6C34878D82A}">
+                    <a16:rowId xmlns:a16="http://schemas.microsoft.com/office/drawing/2014/main" val="495963213"/>
+                  </a:ext>
+                </a:extLst>
+              </a:tr>
+              <a:tr h="370840">
+                <a:tc>
+                  <a:txBody>
+                    <a:bodyPr/>
+                    <a:lstStyle/>
+                    <a:p>
+                      <a:pPr algn="ctr"/>
+                      <a:r>
+                        <a:rPr lang="pt-BR" dirty="0"/>
+                        <a:t>(Wang et al., 2017b)</a:t>
+                      </a:r>
+                    </a:p>
+                  </a:txBody>
+                  <a:tcPr/>
+                </a:tc>
+                <a:tc>
+                  <a:txBody>
+                    <a:bodyPr/>
+                    <a:lstStyle/>
+                    <a:p>
+                      <a:pPr algn="ctr"/>
+                      <a:r>
+                        <a:rPr lang="pt-BR" dirty="0" err="1"/>
+                        <a:t>Graph</a:t>
+                      </a:r>
+                      <a:r>
+                        <a:rPr lang="pt-BR" dirty="0"/>
+                        <a:t> Neural Networks</a:t>
+                      </a:r>
+                    </a:p>
+                  </a:txBody>
+                  <a:tcPr/>
+                </a:tc>
+                <a:tc>
+                  <a:txBody>
+                    <a:bodyPr/>
+                    <a:lstStyle/>
+                    <a:p>
+                      <a:pPr algn="ctr"/>
+                      <a:r>
+                        <a:rPr lang="pt-BR" dirty="0" err="1"/>
+                        <a:t>X</a:t>
+                      </a:r>
+                      <a:endParaRPr lang="pt-BR" dirty="0"/>
+                    </a:p>
+                  </a:txBody>
+                  <a:tcPr/>
+                </a:tc>
+                <a:tc>
+                  <a:txBody>
+                    <a:bodyPr/>
+                    <a:lstStyle/>
+                    <a:p>
+                      <a:pPr algn="ctr"/>
+                      <a:r>
+                        <a:rPr lang="pt-BR" dirty="0" err="1"/>
+                        <a:t>X</a:t>
+                      </a:r>
+                      <a:endParaRPr lang="pt-BR" dirty="0"/>
+                    </a:p>
+                  </a:txBody>
+                  <a:tcPr/>
+                </a:tc>
+                <a:extLst>
+                  <a:ext uri="{0D108BD9-81ED-4DB2-BD59-A6C34878D82A}">
+                    <a16:rowId xmlns:a16="http://schemas.microsoft.com/office/drawing/2014/main" val="1882428735"/>
+                  </a:ext>
+                </a:extLst>
+              </a:tr>
+              <a:tr h="370840">
+                <a:tc>
+                  <a:txBody>
+                    <a:bodyPr/>
+                    <a:lstStyle/>
+                    <a:p>
+                      <a:pPr algn="ctr"/>
+                      <a:r>
+                        <a:rPr lang="pt-BR" dirty="0"/>
+                        <a:t>(</a:t>
+                      </a:r>
+                      <a:r>
+                        <a:rPr lang="pt-BR" dirty="0" err="1"/>
+                        <a:t>Sciancalepore</a:t>
+                      </a:r>
+                      <a:r>
+                        <a:rPr lang="pt-BR" dirty="0"/>
+                        <a:t> et al., 2017)</a:t>
+                      </a:r>
+                    </a:p>
+                  </a:txBody>
+                  <a:tcPr/>
+                </a:tc>
+                <a:tc>
+                  <a:txBody>
+                    <a:bodyPr/>
+                    <a:lstStyle/>
+                    <a:p>
+                      <a:pPr algn="ctr"/>
+                      <a:r>
+                        <a:rPr lang="pt-BR" dirty="0"/>
+                        <a:t>Holt Winters</a:t>
+                      </a:r>
+                    </a:p>
+                  </a:txBody>
+                  <a:tcPr/>
+                </a:tc>
+                <a:tc>
+                  <a:txBody>
+                    <a:bodyPr/>
+                    <a:lstStyle/>
+                    <a:p>
+                      <a:pPr algn="ctr"/>
+                      <a:r>
+                        <a:rPr lang="pt-BR" dirty="0"/>
+                        <a:t>No </a:t>
+                      </a:r>
+                      <a:r>
+                        <a:rPr lang="pt-BR" dirty="0" err="1"/>
+                        <a:t>information</a:t>
+                      </a:r>
+                      <a:endParaRPr lang="pt-BR" dirty="0"/>
+                    </a:p>
+                  </a:txBody>
+                  <a:tcPr/>
+                </a:tc>
+                <a:tc>
+                  <a:txBody>
+                    <a:bodyPr/>
+                    <a:lstStyle/>
+                    <a:p>
+                      <a:pPr algn="ctr"/>
+                      <a:r>
+                        <a:rPr lang="pt-BR" dirty="0" err="1"/>
+                        <a:t>X</a:t>
+                      </a:r>
+                      <a:endParaRPr lang="pt-BR" dirty="0"/>
+                    </a:p>
+                  </a:txBody>
+                  <a:tcPr/>
+                </a:tc>
+                <a:extLst>
+                  <a:ext uri="{0D108BD9-81ED-4DB2-BD59-A6C34878D82A}">
+                    <a16:rowId xmlns:a16="http://schemas.microsoft.com/office/drawing/2014/main" val="1860080645"/>
+                  </a:ext>
+                </a:extLst>
+              </a:tr>
+              <a:tr h="370840">
+                <a:tc>
+                  <a:txBody>
+                    <a:bodyPr/>
+                    <a:lstStyle/>
+                    <a:p>
+                      <a:pPr algn="ctr"/>
+                      <a:r>
+                        <a:rPr lang="pt-BR" dirty="0"/>
+                        <a:t>(ALAWE et al., 2018)</a:t>
+                      </a:r>
+                    </a:p>
+                  </a:txBody>
+                  <a:tcPr/>
+                </a:tc>
+                <a:tc>
+                  <a:txBody>
+                    <a:bodyPr/>
+                    <a:lstStyle/>
+                    <a:p>
+                      <a:pPr algn="ctr"/>
+                      <a:r>
+                        <a:rPr lang="pt-BR" dirty="0" err="1"/>
+                        <a:t>Deep</a:t>
+                      </a:r>
+                      <a:r>
+                        <a:rPr lang="pt-BR" dirty="0"/>
+                        <a:t> Learning</a:t>
+                      </a:r>
+                    </a:p>
+                  </a:txBody>
+                  <a:tcPr/>
+                </a:tc>
+                <a:tc>
+                  <a:txBody>
+                    <a:bodyPr/>
+                    <a:lstStyle/>
+                    <a:p>
+                      <a:pPr algn="ctr"/>
+                      <a:r>
+                        <a:rPr lang="pt-BR" dirty="0" err="1"/>
+                        <a:t>X</a:t>
+                      </a:r>
+                      <a:endParaRPr lang="pt-BR" dirty="0"/>
+                    </a:p>
+                  </a:txBody>
+                  <a:tcPr/>
+                </a:tc>
+                <a:tc>
+                  <a:txBody>
+                    <a:bodyPr/>
+                    <a:lstStyle/>
+                    <a:p>
+                      <a:pPr algn="ctr"/>
+                      <a:r>
+                        <a:rPr lang="pt-BR" dirty="0" err="1"/>
+                        <a:t>X</a:t>
+                      </a:r>
+                      <a:endParaRPr lang="pt-BR" dirty="0"/>
+                    </a:p>
+                  </a:txBody>
+                  <a:tcPr/>
+                </a:tc>
+                <a:extLst>
+                  <a:ext uri="{0D108BD9-81ED-4DB2-BD59-A6C34878D82A}">
+                    <a16:rowId xmlns:a16="http://schemas.microsoft.com/office/drawing/2014/main" val="2246637107"/>
+                  </a:ext>
+                </a:extLst>
+              </a:tr>
+              <a:tr h="370840">
+                <a:tc>
+                  <a:txBody>
+                    <a:bodyPr/>
+                    <a:lstStyle/>
+                    <a:p>
+                      <a:pPr algn="ctr"/>
+                      <a:r>
+                        <a:rPr lang="pt-BR" dirty="0"/>
+                        <a:t>(YANG et al., 2021)</a:t>
+                      </a:r>
+                    </a:p>
+                  </a:txBody>
+                  <a:tcPr/>
+                </a:tc>
+                <a:tc>
+                  <a:txBody>
+                    <a:bodyPr/>
+                    <a:lstStyle/>
+                    <a:p>
+                      <a:pPr algn="ctr"/>
+                      <a:r>
+                        <a:rPr lang="pt-BR" dirty="0"/>
+                        <a:t>ARIMA </a:t>
+                      </a:r>
+                      <a:r>
+                        <a:rPr lang="pt-BR" dirty="0" err="1"/>
+                        <a:t>and</a:t>
+                      </a:r>
+                      <a:r>
+                        <a:rPr lang="pt-BR" dirty="0"/>
+                        <a:t> Neural Network</a:t>
+                      </a:r>
+                    </a:p>
+                  </a:txBody>
+                  <a:tcPr/>
+                </a:tc>
+                <a:tc>
+                  <a:txBody>
+                    <a:bodyPr/>
+                    <a:lstStyle/>
+                    <a:p>
+                      <a:pPr marL="0" marR="0" lvl="0" indent="0" algn="ctr" defTabSz="914400" rtl="0" eaLnBrk="1" fontAlgn="auto" latinLnBrk="0" hangingPunct="1">
+                        <a:lnSpc>
+                          <a:spcPct val="100000"/>
+                        </a:lnSpc>
+                        <a:spcBef>
+                          <a:spcPts val="0"/>
+                        </a:spcBef>
+                        <a:spcAft>
+                          <a:spcPts val="0"/>
+                        </a:spcAft>
+                        <a:buClrTx/>
+                        <a:buSzTx/>
+                        <a:buFontTx/>
+                        <a:buNone/>
+                        <a:tabLst/>
+                        <a:defRPr/>
+                      </a:pPr>
+                      <a:r>
+                        <a:rPr lang="en-BR" sz="1800" b="1" i="0" kern="1200" dirty="0">
+                          <a:solidFill>
+                            <a:srgbClr val="0F62FF"/>
+                          </a:solidFill>
+                          <a:effectLst/>
+                          <a:latin typeface="+mn-lt"/>
+                          <a:ea typeface="+mn-ea"/>
+                          <a:cs typeface="+mn-cs"/>
+                        </a:rPr>
+                        <a:t>✓</a:t>
+                      </a:r>
+                      <a:endParaRPr lang="pt-BR" b="1" dirty="0">
+                        <a:solidFill>
+                          <a:srgbClr val="0F62FF"/>
+                        </a:solidFill>
+                      </a:endParaRPr>
+                    </a:p>
+                  </a:txBody>
+                  <a:tcPr/>
+                </a:tc>
+                <a:tc>
+                  <a:txBody>
+                    <a:bodyPr/>
+                    <a:lstStyle/>
+                    <a:p>
+                      <a:pPr algn="ctr"/>
+                      <a:r>
+                        <a:rPr lang="pt-BR" dirty="0" err="1"/>
+                        <a:t>X</a:t>
+                      </a:r>
+                      <a:endParaRPr lang="pt-BR" dirty="0"/>
+                    </a:p>
+                  </a:txBody>
+                  <a:tcPr/>
+                </a:tc>
+                <a:extLst>
+                  <a:ext uri="{0D108BD9-81ED-4DB2-BD59-A6C34878D82A}">
+                    <a16:rowId xmlns:a16="http://schemas.microsoft.com/office/drawing/2014/main" val="1041310258"/>
+                  </a:ext>
+                </a:extLst>
+              </a:tr>
+            </a:tbl>
+          </a:graphicData>
+        </a:graphic>
+      </p:graphicFrame>
+    </p:spTree>
+    <p:extLst>
+      <p:ext uri="{BB962C8B-B14F-4D97-AF65-F5344CB8AC3E}">
+        <p14:creationId xmlns:p14="http://schemas.microsoft.com/office/powerpoint/2010/main" val="442675463"/>
+      </p:ext>
+    </p:extLst>
+  </p:cSld>
+  <p:clrMapOvr>
+    <a:masterClrMapping/>
+  </p:clrMapOvr>
+</p:sld>
+</file>
+
+<file path=ppt/slides/slide18.xml><?xml version="1.0" encoding="utf-8"?>
+<p:sld xmlns:a="http://schemas.openxmlformats.org/drawingml/2006/main" xmlns:r="http://schemas.openxmlformats.org/officeDocument/2006/relationships" xmlns:p="http://schemas.openxmlformats.org/presentationml/2006/main">
+  <p:cSld>
+    <p:spTree>
+      <p:nvGrpSpPr>
+        <p:cNvPr id="1" name=""/>
+        <p:cNvGrpSpPr/>
+        <p:nvPr/>
+      </p:nvGrpSpPr>
+      <p:grpSpPr>
+        <a:xfrm>
+          <a:off x="0" y="0"/>
+          <a:ext cx="0" cy="0"/>
+          <a:chOff x="0" y="0"/>
+          <a:chExt cx="0" cy="0"/>
+        </a:xfrm>
+      </p:grpSpPr>
+      <p:sp>
+        <p:nvSpPr>
+          <p:cNvPr id="4" name="Footer Placeholder 3">
+            <a:extLst>
+              <a:ext uri="{FF2B5EF4-FFF2-40B4-BE49-F238E27FC236}">
+                <a16:creationId xmlns:a16="http://schemas.microsoft.com/office/drawing/2014/main" id="{ABC5BB99-6713-EE89-3895-F3148FABAE18}"/>
+              </a:ext>
+            </a:extLst>
+          </p:cNvPr>
+          <p:cNvSpPr>
+            <a:spLocks noGrp="1"/>
+          </p:cNvSpPr>
+          <p:nvPr>
+            <p:ph type="ftr" sz="quarter" idx="11"/>
+          </p:nvPr>
+        </p:nvSpPr>
+        <p:spPr/>
+        <p:txBody>
+          <a:bodyPr/>
+          <a:lstStyle/>
+          <a:p>
+            <a:r>
+              <a:rPr lang="pt-BR" dirty="0">
+                <a:latin typeface="IBM Plex Sans" panose="020B0503050203000203" pitchFamily="34" charset="0"/>
+              </a:rPr>
+              <a:t>A Mobile </a:t>
+            </a:r>
+            <a:r>
+              <a:rPr lang="pt-BR" dirty="0" err="1">
+                <a:latin typeface="IBM Plex Sans" panose="020B0503050203000203" pitchFamily="34" charset="0"/>
+              </a:rPr>
+              <a:t>Traffic</a:t>
+            </a:r>
+            <a:r>
+              <a:rPr lang="pt-BR" dirty="0">
+                <a:latin typeface="IBM Plex Sans" panose="020B0503050203000203" pitchFamily="34" charset="0"/>
+              </a:rPr>
+              <a:t> </a:t>
+            </a:r>
+            <a:r>
+              <a:rPr lang="pt-BR" dirty="0" err="1">
+                <a:latin typeface="IBM Plex Sans" panose="020B0503050203000203" pitchFamily="34" charset="0"/>
+              </a:rPr>
+              <a:t>Predictor</a:t>
+            </a:r>
+            <a:r>
+              <a:rPr lang="pt-BR" dirty="0">
+                <a:latin typeface="IBM Plex Sans" panose="020B0503050203000203" pitchFamily="34" charset="0"/>
+              </a:rPr>
+              <a:t> </a:t>
+            </a:r>
+            <a:r>
+              <a:rPr lang="pt-BR" dirty="0" err="1">
+                <a:latin typeface="IBM Plex Sans" panose="020B0503050203000203" pitchFamily="34" charset="0"/>
+              </a:rPr>
+              <a:t>Enhanced</a:t>
+            </a:r>
+            <a:r>
+              <a:rPr lang="pt-BR" dirty="0">
+                <a:latin typeface="IBM Plex Sans" panose="020B0503050203000203" pitchFamily="34" charset="0"/>
+              </a:rPr>
+              <a:t> </a:t>
+            </a:r>
+            <a:r>
+              <a:rPr lang="pt-BR" dirty="0" err="1">
+                <a:latin typeface="IBM Plex Sans" panose="020B0503050203000203" pitchFamily="34" charset="0"/>
+              </a:rPr>
+              <a:t>by</a:t>
+            </a:r>
+            <a:r>
+              <a:rPr lang="pt-BR" dirty="0">
+                <a:latin typeface="IBM Plex Sans" panose="020B0503050203000203" pitchFamily="34" charset="0"/>
+              </a:rPr>
+              <a:t> </a:t>
+            </a:r>
+            <a:r>
+              <a:rPr lang="pt-BR" dirty="0" err="1">
+                <a:latin typeface="IBM Plex Sans" panose="020B0503050203000203" pitchFamily="34" charset="0"/>
+              </a:rPr>
+              <a:t>Neighboring</a:t>
+            </a:r>
+            <a:r>
+              <a:rPr lang="pt-BR" dirty="0">
+                <a:latin typeface="IBM Plex Sans" panose="020B0503050203000203" pitchFamily="34" charset="0"/>
+              </a:rPr>
+              <a:t> </a:t>
+            </a:r>
+            <a:r>
+              <a:rPr lang="pt-BR" dirty="0" err="1">
+                <a:latin typeface="IBM Plex Sans" panose="020B0503050203000203" pitchFamily="34" charset="0"/>
+              </a:rPr>
+              <a:t>Transportation</a:t>
+            </a:r>
+            <a:r>
+              <a:rPr lang="pt-BR" dirty="0">
+                <a:latin typeface="IBM Plex Sans" panose="020B0503050203000203" pitchFamily="34" charset="0"/>
+              </a:rPr>
+              <a:t> Data (MTP-NT)</a:t>
+            </a:r>
+          </a:p>
+        </p:txBody>
+      </p:sp>
+      <p:sp>
+        <p:nvSpPr>
+          <p:cNvPr id="5" name="Slide Number Placeholder 4">
+            <a:extLst>
+              <a:ext uri="{FF2B5EF4-FFF2-40B4-BE49-F238E27FC236}">
+                <a16:creationId xmlns:a16="http://schemas.microsoft.com/office/drawing/2014/main" id="{DE4D7978-95DF-1BFB-E341-3759F4762F0C}"/>
+              </a:ext>
+            </a:extLst>
+          </p:cNvPr>
+          <p:cNvSpPr>
+            <a:spLocks noGrp="1"/>
+          </p:cNvSpPr>
+          <p:nvPr>
+            <p:ph type="sldNum" sz="quarter" idx="12"/>
+          </p:nvPr>
+        </p:nvSpPr>
+        <p:spPr/>
+        <p:txBody>
+          <a:bodyPr/>
+          <a:lstStyle/>
+          <a:p>
+            <a:fld id="{C16D1434-241F-3E4A-8778-0F70095E40C3}" type="slidenum">
+              <a:rPr lang="pt-BR" smtClean="0">
+                <a:latin typeface="IBM Plex Sans" panose="020B0503050203000203" pitchFamily="34" charset="0"/>
+              </a:rPr>
+              <a:t>18</a:t>
+            </a:fld>
+            <a:endParaRPr lang="pt-BR">
+              <a:latin typeface="IBM Plex Sans" panose="020B0503050203000203" pitchFamily="34" charset="0"/>
+            </a:endParaRPr>
+          </a:p>
+        </p:txBody>
+      </p:sp>
+      <p:sp>
+        <p:nvSpPr>
+          <p:cNvPr id="13" name="Text Placeholder">
+            <a:extLst>
+              <a:ext uri="{FF2B5EF4-FFF2-40B4-BE49-F238E27FC236}">
+                <a16:creationId xmlns:a16="http://schemas.microsoft.com/office/drawing/2014/main" id="{4D1EB361-A84D-E1BA-5887-29346BE14147}"/>
+              </a:ext>
+            </a:extLst>
+          </p:cNvPr>
+          <p:cNvSpPr txBox="1">
+            <a:spLocks/>
+          </p:cNvSpPr>
+          <p:nvPr/>
+        </p:nvSpPr>
+        <p:spPr>
+          <a:xfrm>
+            <a:off x="0" y="104751"/>
+            <a:ext cx="9398000" cy="633222"/>
+          </a:xfrm>
+          <a:prstGeom prst="rect">
+            <a:avLst/>
+          </a:prstGeom>
+        </p:spPr>
+        <p:txBody>
+          <a:bodyPr vert="horz" lIns="91440" tIns="45720" rIns="91440" bIns="45720" rtlCol="0" anchor="ctr"/>
+          <a:lstStyle>
+            <a:defPPr>
+              <a:defRPr lang="en-BR"/>
+            </a:defPPr>
+            <a:lvl1pPr marL="0" algn="r" defTabSz="914400" rtl="0" eaLnBrk="1" latinLnBrk="0" hangingPunct="1">
+              <a:defRPr sz="1200" kern="1200">
+                <a:solidFill>
+                  <a:schemeClr val="tx1">
+                    <a:tint val="75000"/>
+                  </a:schemeClr>
+                </a:solidFill>
+                <a:latin typeface="+mn-lt"/>
+                <a:ea typeface="+mn-ea"/>
+                <a:cs typeface="+mn-cs"/>
+              </a:defRPr>
+            </a:lvl1pPr>
+            <a:lvl2pPr marL="457200" algn="l" defTabSz="914400" rtl="0" eaLnBrk="1" latinLnBrk="0" hangingPunct="1">
+              <a:defRPr sz="1800" kern="1200">
+                <a:solidFill>
+                  <a:schemeClr val="tx1"/>
+                </a:solidFill>
+                <a:latin typeface="+mn-lt"/>
+                <a:ea typeface="+mn-ea"/>
+                <a:cs typeface="+mn-cs"/>
+              </a:defRPr>
+            </a:lvl2pPr>
+            <a:lvl3pPr marL="914400" algn="l" defTabSz="914400" rtl="0" eaLnBrk="1" latinLnBrk="0" hangingPunct="1">
+              <a:defRPr sz="1800" kern="1200">
+                <a:solidFill>
+                  <a:schemeClr val="tx1"/>
+                </a:solidFill>
+                <a:latin typeface="+mn-lt"/>
+                <a:ea typeface="+mn-ea"/>
+                <a:cs typeface="+mn-cs"/>
+              </a:defRPr>
+            </a:lvl3pPr>
+            <a:lvl4pPr marL="1371600" algn="l" defTabSz="914400" rtl="0" eaLnBrk="1" latinLnBrk="0" hangingPunct="1">
+              <a:defRPr sz="1800" kern="1200">
+                <a:solidFill>
+                  <a:schemeClr val="tx1"/>
+                </a:solidFill>
+                <a:latin typeface="+mn-lt"/>
+                <a:ea typeface="+mn-ea"/>
+                <a:cs typeface="+mn-cs"/>
+              </a:defRPr>
+            </a:lvl4pPr>
+            <a:lvl5pPr marL="1828800" algn="l" defTabSz="914400" rtl="0" eaLnBrk="1" latinLnBrk="0" hangingPunct="1">
+              <a:defRPr sz="1800" kern="1200">
+                <a:solidFill>
+                  <a:schemeClr val="tx1"/>
+                </a:solidFill>
+                <a:latin typeface="+mn-lt"/>
+                <a:ea typeface="+mn-ea"/>
+                <a:cs typeface="+mn-cs"/>
+              </a:defRPr>
+            </a:lvl5pPr>
+            <a:lvl6pPr marL="2286000" algn="l" defTabSz="914400" rtl="0" eaLnBrk="1" latinLnBrk="0" hangingPunct="1">
+              <a:defRPr sz="1800" kern="1200">
+                <a:solidFill>
+                  <a:schemeClr val="tx1"/>
+                </a:solidFill>
+                <a:latin typeface="+mn-lt"/>
+                <a:ea typeface="+mn-ea"/>
+                <a:cs typeface="+mn-cs"/>
+              </a:defRPr>
+            </a:lvl6pPr>
+            <a:lvl7pPr marL="2743200" algn="l" defTabSz="914400" rtl="0" eaLnBrk="1" latinLnBrk="0" hangingPunct="1">
+              <a:defRPr sz="1800" kern="1200">
+                <a:solidFill>
+                  <a:schemeClr val="tx1"/>
+                </a:solidFill>
+                <a:latin typeface="+mn-lt"/>
+                <a:ea typeface="+mn-ea"/>
+                <a:cs typeface="+mn-cs"/>
+              </a:defRPr>
+            </a:lvl7pPr>
+            <a:lvl8pPr marL="3200400" algn="l" defTabSz="914400" rtl="0" eaLnBrk="1" latinLnBrk="0" hangingPunct="1">
+              <a:defRPr sz="1800" kern="1200">
+                <a:solidFill>
+                  <a:schemeClr val="tx1"/>
+                </a:solidFill>
+                <a:latin typeface="+mn-lt"/>
+                <a:ea typeface="+mn-ea"/>
+                <a:cs typeface="+mn-cs"/>
+              </a:defRPr>
+            </a:lvl8pPr>
+            <a:lvl9pPr marL="3657600" algn="l" defTabSz="914400" rtl="0" eaLnBrk="1" latinLnBrk="0" hangingPunct="1">
+              <a:defRPr sz="1800" kern="1200">
+                <a:solidFill>
+                  <a:schemeClr val="tx1"/>
+                </a:solidFill>
+                <a:latin typeface="+mn-lt"/>
+                <a:ea typeface="+mn-ea"/>
+                <a:cs typeface="+mn-cs"/>
+              </a:defRPr>
+            </a:lvl9pPr>
+          </a:lstStyle>
+          <a:p>
+            <a:pPr algn="l"/>
+            <a:r>
+              <a:rPr lang="en-US" sz="4800" b="1" dirty="0">
+                <a:solidFill>
+                  <a:schemeClr val="tx1"/>
+                </a:solidFill>
+                <a:latin typeface="IBM Plex Sans" panose="020B0503050203000203" pitchFamily="34" charset="0"/>
+              </a:rPr>
+              <a:t>Related work – Summary</a:t>
+            </a:r>
+          </a:p>
+        </p:txBody>
+      </p:sp>
+      <p:graphicFrame>
+        <p:nvGraphicFramePr>
+          <p:cNvPr id="8" name="Table 8">
+            <a:extLst>
+              <a:ext uri="{FF2B5EF4-FFF2-40B4-BE49-F238E27FC236}">
+                <a16:creationId xmlns:a16="http://schemas.microsoft.com/office/drawing/2014/main" id="{83FC98A3-5197-322A-7AE3-27886E00E890}"/>
+              </a:ext>
+            </a:extLst>
+          </p:cNvPr>
+          <p:cNvGraphicFramePr>
+            <a:graphicFrameLocks noGrp="1"/>
+          </p:cNvGraphicFramePr>
+          <p:nvPr>
+            <p:extLst>
+              <p:ext uri="{D42A27DB-BD31-4B8C-83A1-F6EECF244321}">
+                <p14:modId xmlns:p14="http://schemas.microsoft.com/office/powerpoint/2010/main" val="1282401013"/>
+              </p:ext>
+            </p:extLst>
+          </p:nvPr>
+        </p:nvGraphicFramePr>
+        <p:xfrm>
+          <a:off x="296474" y="1656080"/>
+          <a:ext cx="11599052" cy="3545840"/>
+        </p:xfrm>
+        <a:graphic>
+          <a:graphicData uri="http://schemas.openxmlformats.org/drawingml/2006/table">
+            <a:tbl>
+              <a:tblPr firstRow="1" bandRow="1">
+                <a:tableStyleId>{5C22544A-7EE6-4342-B048-85BDC9FD1C3A}</a:tableStyleId>
+              </a:tblPr>
+              <a:tblGrid>
+                <a:gridCol w="1515427">
+                  <a:extLst>
+                    <a:ext uri="{9D8B030D-6E8A-4147-A177-3AD203B41FA5}">
+                      <a16:colId xmlns:a16="http://schemas.microsoft.com/office/drawing/2014/main" val="328373290"/>
+                    </a:ext>
+                  </a:extLst>
+                </a:gridCol>
+                <a:gridCol w="675738">
+                  <a:extLst>
+                    <a:ext uri="{9D8B030D-6E8A-4147-A177-3AD203B41FA5}">
+                      <a16:colId xmlns:a16="http://schemas.microsoft.com/office/drawing/2014/main" val="1329037241"/>
+                    </a:ext>
+                  </a:extLst>
+                </a:gridCol>
+                <a:gridCol w="1056005">
+                  <a:extLst>
+                    <a:ext uri="{9D8B030D-6E8A-4147-A177-3AD203B41FA5}">
+                      <a16:colId xmlns:a16="http://schemas.microsoft.com/office/drawing/2014/main" val="898198900"/>
+                    </a:ext>
+                  </a:extLst>
+                </a:gridCol>
+                <a:gridCol w="1142238">
+                  <a:extLst>
+                    <a:ext uri="{9D8B030D-6E8A-4147-A177-3AD203B41FA5}">
+                      <a16:colId xmlns:a16="http://schemas.microsoft.com/office/drawing/2014/main" val="697380308"/>
+                    </a:ext>
+                  </a:extLst>
+                </a:gridCol>
+                <a:gridCol w="1911668">
+                  <a:extLst>
+                    <a:ext uri="{9D8B030D-6E8A-4147-A177-3AD203B41FA5}">
+                      <a16:colId xmlns:a16="http://schemas.microsoft.com/office/drawing/2014/main" val="577563443"/>
+                    </a:ext>
+                  </a:extLst>
+                </a:gridCol>
+                <a:gridCol w="1502029">
+                  <a:extLst>
+                    <a:ext uri="{9D8B030D-6E8A-4147-A177-3AD203B41FA5}">
+                      <a16:colId xmlns:a16="http://schemas.microsoft.com/office/drawing/2014/main" val="1413890513"/>
+                    </a:ext>
+                  </a:extLst>
+                </a:gridCol>
+                <a:gridCol w="1579434">
+                  <a:extLst>
+                    <a:ext uri="{9D8B030D-6E8A-4147-A177-3AD203B41FA5}">
+                      <a16:colId xmlns:a16="http://schemas.microsoft.com/office/drawing/2014/main" val="760251775"/>
+                    </a:ext>
+                  </a:extLst>
+                </a:gridCol>
+                <a:gridCol w="2216513">
+                  <a:extLst>
+                    <a:ext uri="{9D8B030D-6E8A-4147-A177-3AD203B41FA5}">
+                      <a16:colId xmlns:a16="http://schemas.microsoft.com/office/drawing/2014/main" val="4144141750"/>
+                    </a:ext>
+                  </a:extLst>
+                </a:gridCol>
+              </a:tblGrid>
+              <a:tr h="370840">
+                <a:tc>
+                  <a:txBody>
+                    <a:bodyPr/>
+                    <a:lstStyle/>
+                    <a:p>
+                      <a:pPr algn="ctr"/>
+                      <a:r>
+                        <a:rPr lang="pt-BR" sz="1400" dirty="0"/>
+                        <a:t>Ref.</a:t>
+                      </a:r>
+                    </a:p>
+                  </a:txBody>
+                  <a:tcPr>
+                    <a:solidFill>
+                      <a:srgbClr val="0F62FF"/>
+                    </a:solidFill>
+                  </a:tcPr>
+                </a:tc>
+                <a:tc>
+                  <a:txBody>
+                    <a:bodyPr/>
+                    <a:lstStyle/>
+                    <a:p>
+                      <a:pPr algn="ctr"/>
+                      <a:r>
+                        <a:rPr lang="pt-BR" sz="1400" dirty="0"/>
+                        <a:t>LSTM</a:t>
+                      </a:r>
+                    </a:p>
+                  </a:txBody>
+                  <a:tcPr>
+                    <a:solidFill>
+                      <a:srgbClr val="0F62FF"/>
+                    </a:solidFill>
+                  </a:tcPr>
+                </a:tc>
+                <a:tc>
+                  <a:txBody>
+                    <a:bodyPr/>
+                    <a:lstStyle/>
+                    <a:p>
+                      <a:pPr algn="ctr"/>
+                      <a:r>
+                        <a:rPr lang="pt-BR" sz="1400" dirty="0"/>
+                        <a:t>Time series</a:t>
+                      </a:r>
+                    </a:p>
+                  </a:txBody>
+                  <a:tcPr>
+                    <a:solidFill>
+                      <a:srgbClr val="0F62FF"/>
+                    </a:solidFill>
+                  </a:tcPr>
+                </a:tc>
+                <a:tc>
+                  <a:txBody>
+                    <a:bodyPr/>
+                    <a:lstStyle/>
+                    <a:p>
+                      <a:pPr algn="ctr"/>
+                      <a:r>
+                        <a:rPr lang="pt-BR" sz="1400" dirty="0"/>
+                        <a:t>Grid </a:t>
+                      </a:r>
+                      <a:r>
+                        <a:rPr lang="pt-BR" sz="1400" dirty="0" err="1"/>
+                        <a:t>arrange</a:t>
+                      </a:r>
+                      <a:endParaRPr lang="pt-BR" sz="1400" dirty="0"/>
+                    </a:p>
+                  </a:txBody>
+                  <a:tcPr>
+                    <a:solidFill>
+                      <a:srgbClr val="0F62FF"/>
+                    </a:solidFill>
+                  </a:tcPr>
+                </a:tc>
+                <a:tc>
+                  <a:txBody>
+                    <a:bodyPr/>
+                    <a:lstStyle/>
+                    <a:p>
+                      <a:pPr algn="ctr"/>
+                      <a:r>
+                        <a:rPr lang="pt-BR" sz="1400" dirty="0" err="1"/>
+                        <a:t>Neighborhood</a:t>
+                      </a:r>
+                      <a:r>
+                        <a:rPr lang="pt-BR" sz="1400" dirty="0"/>
+                        <a:t> </a:t>
+                      </a:r>
+                      <a:r>
+                        <a:rPr lang="pt-BR" sz="1400" dirty="0" err="1"/>
+                        <a:t>concept</a:t>
+                      </a:r>
+                      <a:endParaRPr lang="pt-BR" sz="1400" dirty="0"/>
+                    </a:p>
+                  </a:txBody>
+                  <a:tcPr>
+                    <a:solidFill>
+                      <a:srgbClr val="0F62FF"/>
+                    </a:solidFill>
+                  </a:tcPr>
+                </a:tc>
+                <a:tc>
+                  <a:txBody>
+                    <a:bodyPr/>
+                    <a:lstStyle/>
+                    <a:p>
+                      <a:pPr algn="ctr"/>
+                      <a:r>
+                        <a:rPr lang="pt-BR" sz="1400" dirty="0" err="1"/>
+                        <a:t>Spatial</a:t>
+                      </a:r>
+                      <a:r>
+                        <a:rPr lang="pt-BR" sz="1400" dirty="0"/>
+                        <a:t> </a:t>
+                      </a:r>
+                      <a:r>
+                        <a:rPr lang="pt-BR" sz="1400" dirty="0" err="1"/>
+                        <a:t>modelling</a:t>
+                      </a:r>
+                      <a:endParaRPr lang="pt-BR" sz="1400" dirty="0"/>
+                    </a:p>
+                  </a:txBody>
+                  <a:tcPr>
+                    <a:solidFill>
+                      <a:srgbClr val="0F62FF"/>
+                    </a:solidFill>
+                  </a:tcPr>
+                </a:tc>
+                <a:tc>
+                  <a:txBody>
+                    <a:bodyPr/>
+                    <a:lstStyle/>
+                    <a:p>
+                      <a:pPr algn="ctr"/>
+                      <a:r>
+                        <a:rPr lang="pt-BR" sz="1400" dirty="0"/>
+                        <a:t>Residual/</a:t>
+                      </a:r>
+                      <a:r>
+                        <a:rPr lang="pt-BR" sz="1400" dirty="0" err="1"/>
+                        <a:t>aperiodic</a:t>
+                      </a:r>
+                      <a:r>
+                        <a:rPr lang="pt-BR" sz="1400" dirty="0"/>
+                        <a:t> </a:t>
+                      </a:r>
+                      <a:r>
+                        <a:rPr lang="pt-BR" sz="1400" dirty="0" err="1"/>
+                        <a:t>events</a:t>
+                      </a:r>
+                      <a:endParaRPr lang="pt-BR" sz="1400" dirty="0"/>
+                    </a:p>
+                  </a:txBody>
+                  <a:tcPr>
+                    <a:solidFill>
+                      <a:srgbClr val="0F62FF"/>
+                    </a:solidFill>
+                  </a:tcPr>
+                </a:tc>
+                <a:tc>
+                  <a:txBody>
+                    <a:bodyPr/>
+                    <a:lstStyle/>
+                    <a:p>
+                      <a:pPr algn="ctr"/>
+                      <a:r>
+                        <a:rPr lang="pt-BR" sz="1400" dirty="0"/>
+                        <a:t>Network </a:t>
+                      </a:r>
+                      <a:r>
+                        <a:rPr lang="pt-BR" sz="1400" dirty="0" err="1"/>
+                        <a:t>traffic</a:t>
+                      </a:r>
+                      <a:r>
+                        <a:rPr lang="pt-BR" sz="1400" dirty="0"/>
+                        <a:t> </a:t>
+                      </a:r>
+                      <a:r>
+                        <a:rPr lang="pt-BR" sz="1400" dirty="0" err="1"/>
+                        <a:t>consumption</a:t>
+                      </a:r>
+                      <a:r>
+                        <a:rPr lang="pt-BR" sz="1400" dirty="0"/>
+                        <a:t> </a:t>
+                      </a:r>
+                      <a:r>
+                        <a:rPr lang="pt-BR" sz="1400" dirty="0" err="1"/>
+                        <a:t>characterization</a:t>
+                      </a:r>
+                      <a:endParaRPr lang="pt-BR" sz="1400" dirty="0"/>
+                    </a:p>
+                  </a:txBody>
+                  <a:tcPr>
+                    <a:solidFill>
+                      <a:srgbClr val="0F62FF"/>
+                    </a:solidFill>
+                  </a:tcPr>
+                </a:tc>
+                <a:extLst>
+                  <a:ext uri="{0D108BD9-81ED-4DB2-BD59-A6C34878D82A}">
+                    <a16:rowId xmlns:a16="http://schemas.microsoft.com/office/drawing/2014/main" val="403447987"/>
+                  </a:ext>
+                </a:extLst>
+              </a:tr>
+              <a:tr h="370840">
+                <a:tc>
+                  <a:txBody>
+                    <a:bodyPr/>
+                    <a:lstStyle/>
+                    <a:p>
+                      <a:pPr algn="ctr"/>
+                      <a:r>
+                        <a:rPr lang="pt-BR" sz="1400" dirty="0"/>
+                        <a:t>Wang et al., 2015</a:t>
+                      </a:r>
+                    </a:p>
+                  </a:txBody>
+                  <a:tcPr/>
+                </a:tc>
+                <a:tc>
+                  <a:txBody>
+                    <a:bodyPr/>
+                    <a:lstStyle/>
+                    <a:p>
+                      <a:pPr marL="0" marR="0" lvl="0" indent="0" algn="ctr" defTabSz="914400" rtl="0" eaLnBrk="1" fontAlgn="auto" latinLnBrk="0" hangingPunct="1">
+                        <a:lnSpc>
+                          <a:spcPct val="100000"/>
+                        </a:lnSpc>
+                        <a:spcBef>
+                          <a:spcPts val="0"/>
+                        </a:spcBef>
+                        <a:spcAft>
+                          <a:spcPts val="0"/>
+                        </a:spcAft>
+                        <a:buClrTx/>
+                        <a:buSzTx/>
+                        <a:buFontTx/>
+                        <a:buNone/>
+                        <a:tabLst/>
+                        <a:defRPr/>
+                      </a:pPr>
+                      <a:endParaRPr lang="en-BR" sz="1800" b="1" i="0" kern="1200" dirty="0">
+                        <a:solidFill>
+                          <a:srgbClr val="0F62FF"/>
+                        </a:solidFill>
+                        <a:effectLst/>
+                        <a:latin typeface="+mn-lt"/>
+                        <a:ea typeface="+mn-ea"/>
+                        <a:cs typeface="+mn-cs"/>
+                      </a:endParaRPr>
+                    </a:p>
+                  </a:txBody>
+                  <a:tcPr/>
+                </a:tc>
+                <a:tc>
+                  <a:txBody>
+                    <a:bodyPr/>
+                    <a:lstStyle/>
+                    <a:p>
+                      <a:pPr algn="ctr"/>
+                      <a:endParaRPr lang="pt-BR" dirty="0"/>
+                    </a:p>
+                  </a:txBody>
+                  <a:tcPr/>
+                </a:tc>
+                <a:tc>
+                  <a:txBody>
+                    <a:bodyPr/>
+                    <a:lstStyle/>
+                    <a:p>
+                      <a:pPr algn="ctr"/>
+                      <a:endParaRPr lang="pt-BR" dirty="0"/>
+                    </a:p>
+                  </a:txBody>
+                  <a:tcPr/>
+                </a:tc>
+                <a:tc>
+                  <a:txBody>
+                    <a:bodyPr/>
+                    <a:lstStyle/>
+                    <a:p>
+                      <a:pPr algn="ctr"/>
+                      <a:endParaRPr lang="pt-BR" dirty="0"/>
+                    </a:p>
+                  </a:txBody>
+                  <a:tcPr/>
+                </a:tc>
+                <a:tc>
+                  <a:txBody>
+                    <a:bodyPr/>
+                    <a:lstStyle/>
+                    <a:p>
+                      <a:pPr algn="ctr"/>
+                      <a:endParaRPr lang="pt-BR" dirty="0"/>
+                    </a:p>
+                  </a:txBody>
+                  <a:tcPr/>
+                </a:tc>
+                <a:tc>
+                  <a:txBody>
+                    <a:bodyPr/>
+                    <a:lstStyle/>
+                    <a:p>
+                      <a:pPr algn="ctr"/>
+                      <a:endParaRPr lang="pt-BR" dirty="0"/>
+                    </a:p>
+                  </a:txBody>
+                  <a:tcPr/>
+                </a:tc>
+                <a:tc>
+                  <a:txBody>
+                    <a:bodyPr/>
+                    <a:lstStyle/>
+                    <a:p>
+                      <a:pPr algn="ctr"/>
+                      <a:r>
+                        <a:rPr lang="en-BR" sz="1800" b="1" i="0" kern="1200" dirty="0">
+                          <a:solidFill>
+                            <a:srgbClr val="0F62FF"/>
+                          </a:solidFill>
+                          <a:effectLst/>
+                          <a:latin typeface="+mn-lt"/>
+                          <a:ea typeface="+mn-ea"/>
+                          <a:cs typeface="+mn-cs"/>
+                        </a:rPr>
+                        <a:t>✓</a:t>
+                      </a:r>
+                      <a:endParaRPr lang="pt-BR" dirty="0"/>
+                    </a:p>
+                  </a:txBody>
+                  <a:tcPr/>
+                </a:tc>
+                <a:extLst>
+                  <a:ext uri="{0D108BD9-81ED-4DB2-BD59-A6C34878D82A}">
+                    <a16:rowId xmlns:a16="http://schemas.microsoft.com/office/drawing/2014/main" val="697459592"/>
+                  </a:ext>
+                </a:extLst>
+              </a:tr>
+              <a:tr h="370840">
+                <a:tc>
+                  <a:txBody>
+                    <a:bodyPr/>
+                    <a:lstStyle/>
+                    <a:p>
+                      <a:pPr algn="ctr"/>
+                      <a:r>
+                        <a:rPr lang="pt-BR" sz="1400" dirty="0"/>
+                        <a:t>Wang et al., 2017a</a:t>
+                      </a:r>
+                    </a:p>
+                  </a:txBody>
+                  <a:tcPr/>
+                </a:tc>
+                <a:tc>
+                  <a:txBody>
+                    <a:bodyPr/>
+                    <a:lstStyle/>
+                    <a:p>
+                      <a:pPr marL="0" marR="0" lvl="0" indent="0" algn="ctr" defTabSz="914400" rtl="0" eaLnBrk="1" fontAlgn="auto" latinLnBrk="0" hangingPunct="1">
+                        <a:lnSpc>
+                          <a:spcPct val="100000"/>
+                        </a:lnSpc>
+                        <a:spcBef>
+                          <a:spcPts val="0"/>
+                        </a:spcBef>
+                        <a:spcAft>
+                          <a:spcPts val="0"/>
+                        </a:spcAft>
+                        <a:buClrTx/>
+                        <a:buSzTx/>
+                        <a:buFontTx/>
+                        <a:buNone/>
+                        <a:tabLst/>
+                        <a:defRPr/>
+                      </a:pPr>
+                      <a:r>
+                        <a:rPr lang="en-BR" sz="1800" b="1" i="0" kern="1200" dirty="0">
+                          <a:solidFill>
+                            <a:srgbClr val="0F62FF"/>
+                          </a:solidFill>
+                          <a:effectLst/>
+                          <a:latin typeface="+mn-lt"/>
+                          <a:ea typeface="+mn-ea"/>
+                          <a:cs typeface="+mn-cs"/>
+                        </a:rPr>
+                        <a:t>✓</a:t>
+                      </a:r>
+                    </a:p>
+                  </a:txBody>
+                  <a:tcPr/>
+                </a:tc>
+                <a:tc>
+                  <a:txBody>
+                    <a:bodyPr/>
+                    <a:lstStyle/>
+                    <a:p>
+                      <a:pPr algn="ctr"/>
+                      <a:endParaRPr lang="pt-BR" dirty="0"/>
+                    </a:p>
+                  </a:txBody>
+                  <a:tcPr/>
+                </a:tc>
+                <a:tc>
+                  <a:txBody>
+                    <a:bodyPr/>
+                    <a:lstStyle/>
+                    <a:p>
+                      <a:pPr algn="ctr"/>
+                      <a:r>
+                        <a:rPr lang="en-BR" sz="1800" b="1" i="0" kern="1200" dirty="0">
+                          <a:solidFill>
+                            <a:srgbClr val="0F62FF"/>
+                          </a:solidFill>
+                          <a:effectLst/>
+                          <a:latin typeface="+mn-lt"/>
+                          <a:ea typeface="+mn-ea"/>
+                          <a:cs typeface="+mn-cs"/>
+                        </a:rPr>
+                        <a:t>✓</a:t>
+                      </a:r>
+                      <a:endParaRPr lang="pt-BR" dirty="0"/>
+                    </a:p>
+                  </a:txBody>
+                  <a:tcPr/>
+                </a:tc>
+                <a:tc>
+                  <a:txBody>
+                    <a:bodyPr/>
+                    <a:lstStyle/>
+                    <a:p>
+                      <a:pPr algn="ctr"/>
+                      <a:r>
+                        <a:rPr lang="en-BR" sz="1800" b="1" i="0" kern="1200" dirty="0">
+                          <a:solidFill>
+                            <a:srgbClr val="0F62FF"/>
+                          </a:solidFill>
+                          <a:effectLst/>
+                          <a:latin typeface="+mn-lt"/>
+                          <a:ea typeface="+mn-ea"/>
+                          <a:cs typeface="+mn-cs"/>
+                        </a:rPr>
+                        <a:t>✓</a:t>
+                      </a:r>
+                      <a:endParaRPr lang="pt-BR" dirty="0"/>
+                    </a:p>
+                  </a:txBody>
+                  <a:tcPr/>
+                </a:tc>
+                <a:tc>
+                  <a:txBody>
+                    <a:bodyPr/>
+                    <a:lstStyle/>
+                    <a:p>
+                      <a:pPr algn="ctr"/>
+                      <a:r>
+                        <a:rPr lang="en-BR" sz="1800" b="1" i="0" kern="1200" dirty="0">
+                          <a:solidFill>
+                            <a:srgbClr val="0F62FF"/>
+                          </a:solidFill>
+                          <a:effectLst/>
+                          <a:latin typeface="+mn-lt"/>
+                          <a:ea typeface="+mn-ea"/>
+                          <a:cs typeface="+mn-cs"/>
+                        </a:rPr>
+                        <a:t>✓</a:t>
+                      </a:r>
+                      <a:endParaRPr lang="pt-BR" dirty="0"/>
+                    </a:p>
+                  </a:txBody>
+                  <a:tcPr/>
+                </a:tc>
+                <a:tc>
+                  <a:txBody>
+                    <a:bodyPr/>
+                    <a:lstStyle/>
+                    <a:p>
+                      <a:pPr algn="ctr"/>
+                      <a:endParaRPr lang="pt-BR" dirty="0"/>
+                    </a:p>
+                  </a:txBody>
+                  <a:tcPr/>
+                </a:tc>
+                <a:tc>
+                  <a:txBody>
+                    <a:bodyPr/>
+                    <a:lstStyle/>
+                    <a:p>
+                      <a:pPr algn="ctr"/>
+                      <a:endParaRPr lang="pt-BR" dirty="0"/>
+                    </a:p>
+                  </a:txBody>
+                  <a:tcPr/>
+                </a:tc>
+                <a:extLst>
+                  <a:ext uri="{0D108BD9-81ED-4DB2-BD59-A6C34878D82A}">
+                    <a16:rowId xmlns:a16="http://schemas.microsoft.com/office/drawing/2014/main" val="495963213"/>
+                  </a:ext>
+                </a:extLst>
+              </a:tr>
+              <a:tr h="370840">
+                <a:tc>
+                  <a:txBody>
+                    <a:bodyPr/>
+                    <a:lstStyle/>
+                    <a:p>
+                      <a:pPr algn="ctr"/>
+                      <a:r>
+                        <a:rPr lang="pt-BR" sz="1400" dirty="0"/>
+                        <a:t>Wang et al., 2017b</a:t>
+                      </a:r>
+                    </a:p>
+                  </a:txBody>
+                  <a:tcPr/>
+                </a:tc>
+                <a:tc>
+                  <a:txBody>
+                    <a:bodyPr/>
+                    <a:lstStyle/>
+                    <a:p>
+                      <a:pPr algn="ctr"/>
+                      <a:endParaRPr lang="pt-BR" dirty="0"/>
+                    </a:p>
+                  </a:txBody>
+                  <a:tcPr/>
+                </a:tc>
+                <a:tc>
+                  <a:txBody>
+                    <a:bodyPr/>
+                    <a:lstStyle/>
+                    <a:p>
+                      <a:pPr algn="ctr"/>
+                      <a:r>
+                        <a:rPr lang="en-BR" sz="1800" b="1" i="0" kern="1200" dirty="0">
+                          <a:solidFill>
+                            <a:srgbClr val="0F62FF"/>
+                          </a:solidFill>
+                          <a:effectLst/>
+                          <a:latin typeface="+mn-lt"/>
+                          <a:ea typeface="+mn-ea"/>
+                          <a:cs typeface="+mn-cs"/>
+                        </a:rPr>
+                        <a:t>✓</a:t>
+                      </a:r>
+                      <a:endParaRPr lang="pt-BR" dirty="0"/>
+                    </a:p>
+                  </a:txBody>
+                  <a:tcPr/>
+                </a:tc>
+                <a:tc>
+                  <a:txBody>
+                    <a:bodyPr/>
+                    <a:lstStyle/>
+                    <a:p>
+                      <a:pPr algn="ctr"/>
+                      <a:endParaRPr lang="pt-BR" dirty="0"/>
+                    </a:p>
+                  </a:txBody>
+                  <a:tcPr/>
+                </a:tc>
+                <a:tc>
+                  <a:txBody>
+                    <a:bodyPr/>
+                    <a:lstStyle/>
+                    <a:p>
+                      <a:pPr algn="ctr"/>
+                      <a:r>
+                        <a:rPr lang="en-BR" sz="1800" b="1" i="0" kern="1200" dirty="0">
+                          <a:solidFill>
+                            <a:srgbClr val="0F62FF"/>
+                          </a:solidFill>
+                          <a:effectLst/>
+                          <a:latin typeface="+mn-lt"/>
+                          <a:ea typeface="+mn-ea"/>
+                          <a:cs typeface="+mn-cs"/>
+                        </a:rPr>
+                        <a:t>✓</a:t>
+                      </a:r>
+                      <a:endParaRPr lang="pt-BR" dirty="0"/>
+                    </a:p>
+                  </a:txBody>
+                  <a:tcPr/>
+                </a:tc>
+                <a:tc>
+                  <a:txBody>
+                    <a:bodyPr/>
+                    <a:lstStyle/>
+                    <a:p>
+                      <a:pPr algn="ctr"/>
+                      <a:r>
+                        <a:rPr lang="en-BR" sz="1800" b="1" i="0" kern="1200" dirty="0">
+                          <a:solidFill>
+                            <a:srgbClr val="0F62FF"/>
+                          </a:solidFill>
+                          <a:effectLst/>
+                          <a:latin typeface="+mn-lt"/>
+                          <a:ea typeface="+mn-ea"/>
+                          <a:cs typeface="+mn-cs"/>
+                        </a:rPr>
+                        <a:t>✓</a:t>
+                      </a:r>
+                      <a:endParaRPr lang="pt-BR" dirty="0"/>
+                    </a:p>
+                  </a:txBody>
+                  <a:tcPr/>
+                </a:tc>
+                <a:tc>
+                  <a:txBody>
+                    <a:bodyPr/>
+                    <a:lstStyle/>
+                    <a:p>
+                      <a:pPr algn="ctr"/>
+                      <a:r>
+                        <a:rPr lang="en-BR" sz="1800" b="1" i="0" kern="1200" dirty="0">
+                          <a:solidFill>
+                            <a:srgbClr val="0F62FF"/>
+                          </a:solidFill>
+                          <a:effectLst/>
+                          <a:latin typeface="+mn-lt"/>
+                          <a:ea typeface="+mn-ea"/>
+                          <a:cs typeface="+mn-cs"/>
+                        </a:rPr>
+                        <a:t>✓</a:t>
+                      </a:r>
+                      <a:endParaRPr lang="pt-BR" dirty="0"/>
+                    </a:p>
+                  </a:txBody>
+                  <a:tcPr/>
+                </a:tc>
+                <a:tc>
+                  <a:txBody>
+                    <a:bodyPr/>
+                    <a:lstStyle/>
+                    <a:p>
+                      <a:pPr algn="ctr"/>
+                      <a:endParaRPr lang="pt-BR" dirty="0"/>
+                    </a:p>
+                  </a:txBody>
+                  <a:tcPr/>
+                </a:tc>
+                <a:extLst>
+                  <a:ext uri="{0D108BD9-81ED-4DB2-BD59-A6C34878D82A}">
+                    <a16:rowId xmlns:a16="http://schemas.microsoft.com/office/drawing/2014/main" val="1882428735"/>
+                  </a:ext>
+                </a:extLst>
+              </a:tr>
+              <a:tr h="370840">
+                <a:tc>
+                  <a:txBody>
+                    <a:bodyPr/>
+                    <a:lstStyle/>
+                    <a:p>
+                      <a:pPr algn="ctr"/>
+                      <a:r>
+                        <a:rPr lang="pt-BR" sz="1400" dirty="0"/>
+                        <a:t>YANG et al., 2021</a:t>
+                      </a:r>
+                    </a:p>
+                  </a:txBody>
+                  <a:tcPr/>
+                </a:tc>
+                <a:tc>
+                  <a:txBody>
+                    <a:bodyPr/>
+                    <a:lstStyle/>
+                    <a:p>
+                      <a:pPr marL="0" marR="0" lvl="0" indent="0" algn="ctr" defTabSz="914400" rtl="0" eaLnBrk="1" fontAlgn="auto" latinLnBrk="0" hangingPunct="1">
+                        <a:lnSpc>
+                          <a:spcPct val="100000"/>
+                        </a:lnSpc>
+                        <a:spcBef>
+                          <a:spcPts val="0"/>
+                        </a:spcBef>
+                        <a:spcAft>
+                          <a:spcPts val="0"/>
+                        </a:spcAft>
+                        <a:buClrTx/>
+                        <a:buSzTx/>
+                        <a:buFontTx/>
+                        <a:buNone/>
+                        <a:tabLst/>
+                        <a:defRPr/>
+                      </a:pPr>
+                      <a:endParaRPr lang="pt-BR" b="1" dirty="0">
+                        <a:solidFill>
+                          <a:srgbClr val="0F62FF"/>
+                        </a:solidFill>
+                      </a:endParaRPr>
+                    </a:p>
+                  </a:txBody>
+                  <a:tcPr/>
+                </a:tc>
+                <a:tc>
+                  <a:txBody>
+                    <a:bodyPr/>
+                    <a:lstStyle/>
+                    <a:p>
+                      <a:pPr marL="0" marR="0" lvl="0" indent="0" algn="ctr" defTabSz="914400" rtl="0" eaLnBrk="1" fontAlgn="auto" latinLnBrk="0" hangingPunct="1">
+                        <a:lnSpc>
+                          <a:spcPct val="100000"/>
+                        </a:lnSpc>
+                        <a:spcBef>
+                          <a:spcPts val="0"/>
+                        </a:spcBef>
+                        <a:spcAft>
+                          <a:spcPts val="0"/>
+                        </a:spcAft>
+                        <a:buClrTx/>
+                        <a:buSzTx/>
+                        <a:buFontTx/>
+                        <a:buNone/>
+                        <a:tabLst/>
+                        <a:defRPr/>
+                      </a:pPr>
+                      <a:r>
+                        <a:rPr lang="en-BR" sz="1800" b="1" i="0" kern="1200" dirty="0">
+                          <a:solidFill>
+                            <a:srgbClr val="0F62FF"/>
+                          </a:solidFill>
+                          <a:effectLst/>
+                          <a:latin typeface="+mn-lt"/>
+                          <a:ea typeface="+mn-ea"/>
+                          <a:cs typeface="+mn-cs"/>
+                        </a:rPr>
+                        <a:t>✓</a:t>
+                      </a:r>
+                      <a:endParaRPr lang="pt-BR" b="1" dirty="0">
+                        <a:solidFill>
+                          <a:srgbClr val="0F62FF"/>
+                        </a:solidFill>
+                      </a:endParaRPr>
+                    </a:p>
+                  </a:txBody>
+                  <a:tcPr/>
+                </a:tc>
+                <a:tc>
+                  <a:txBody>
+                    <a:bodyPr/>
+                    <a:lstStyle/>
+                    <a:p>
+                      <a:pPr algn="ctr"/>
+                      <a:endParaRPr lang="pt-BR" dirty="0"/>
+                    </a:p>
+                  </a:txBody>
+                  <a:tcPr/>
+                </a:tc>
+                <a:tc>
+                  <a:txBody>
+                    <a:bodyPr/>
+                    <a:lstStyle/>
+                    <a:p>
+                      <a:pPr algn="ctr"/>
+                      <a:endParaRPr lang="pt-BR" dirty="0"/>
+                    </a:p>
+                  </a:txBody>
+                  <a:tcPr/>
+                </a:tc>
+                <a:tc>
+                  <a:txBody>
+                    <a:bodyPr/>
+                    <a:lstStyle/>
+                    <a:p>
+                      <a:pPr algn="ctr"/>
+                      <a:endParaRPr lang="pt-BR" dirty="0"/>
+                    </a:p>
+                  </a:txBody>
+                  <a:tcPr/>
+                </a:tc>
+                <a:tc>
+                  <a:txBody>
+                    <a:bodyPr/>
+                    <a:lstStyle/>
+                    <a:p>
+                      <a:pPr algn="ctr"/>
+                      <a:endParaRPr lang="pt-BR" dirty="0"/>
+                    </a:p>
+                  </a:txBody>
+                  <a:tcPr/>
+                </a:tc>
+                <a:tc>
+                  <a:txBody>
+                    <a:bodyPr/>
+                    <a:lstStyle/>
+                    <a:p>
+                      <a:pPr algn="ctr"/>
+                      <a:endParaRPr lang="pt-BR" dirty="0"/>
+                    </a:p>
+                  </a:txBody>
+                  <a:tcPr/>
+                </a:tc>
+                <a:extLst>
+                  <a:ext uri="{0D108BD9-81ED-4DB2-BD59-A6C34878D82A}">
+                    <a16:rowId xmlns:a16="http://schemas.microsoft.com/office/drawing/2014/main" val="1041310258"/>
+                  </a:ext>
+                </a:extLst>
+              </a:tr>
+              <a:tr h="370840">
+                <a:tc>
+                  <a:txBody>
+                    <a:bodyPr/>
+                    <a:lstStyle/>
+                    <a:p>
+                      <a:pPr algn="ctr"/>
+                      <a:r>
+                        <a:rPr lang="pt-BR" sz="1400" dirty="0" err="1"/>
+                        <a:t>Gotzner</a:t>
+                      </a:r>
+                      <a:r>
+                        <a:rPr lang="pt-BR" sz="1400" dirty="0"/>
+                        <a:t>;</a:t>
+                      </a:r>
+                    </a:p>
+                    <a:p>
+                      <a:pPr algn="ctr"/>
+                      <a:r>
+                        <a:rPr lang="pt-BR" sz="1400" dirty="0" err="1"/>
+                        <a:t>Rathgeber</a:t>
+                      </a:r>
+                      <a:r>
+                        <a:rPr lang="pt-BR" sz="1400" dirty="0"/>
+                        <a:t>, 1998</a:t>
+                      </a:r>
+                    </a:p>
+                  </a:txBody>
+                  <a:tcPr/>
+                </a:tc>
+                <a:tc>
+                  <a:txBody>
+                    <a:bodyPr/>
+                    <a:lstStyle/>
+                    <a:p>
+                      <a:pPr marL="0" marR="0" lvl="0" indent="0" algn="ctr" defTabSz="914400" rtl="0" eaLnBrk="1" fontAlgn="auto" latinLnBrk="0" hangingPunct="1">
+                        <a:lnSpc>
+                          <a:spcPct val="100000"/>
+                        </a:lnSpc>
+                        <a:spcBef>
+                          <a:spcPts val="0"/>
+                        </a:spcBef>
+                        <a:spcAft>
+                          <a:spcPts val="0"/>
+                        </a:spcAft>
+                        <a:buClrTx/>
+                        <a:buSzTx/>
+                        <a:buFontTx/>
+                        <a:buNone/>
+                        <a:tabLst/>
+                        <a:defRPr/>
+                      </a:pPr>
+                      <a:endParaRPr lang="pt-BR" b="1" dirty="0">
+                        <a:solidFill>
+                          <a:srgbClr val="0F62FF"/>
+                        </a:solidFill>
+                      </a:endParaRPr>
+                    </a:p>
+                  </a:txBody>
+                  <a:tcPr/>
+                </a:tc>
+                <a:tc>
+                  <a:txBody>
+                    <a:bodyPr/>
+                    <a:lstStyle/>
+                    <a:p>
+                      <a:pPr marL="0" marR="0" lvl="0" indent="0" algn="ctr" defTabSz="914400" rtl="0" eaLnBrk="1" fontAlgn="auto" latinLnBrk="0" hangingPunct="1">
+                        <a:lnSpc>
+                          <a:spcPct val="100000"/>
+                        </a:lnSpc>
+                        <a:spcBef>
+                          <a:spcPts val="0"/>
+                        </a:spcBef>
+                        <a:spcAft>
+                          <a:spcPts val="0"/>
+                        </a:spcAft>
+                        <a:buClrTx/>
+                        <a:buSzTx/>
+                        <a:buFontTx/>
+                        <a:buNone/>
+                        <a:tabLst/>
+                        <a:defRPr/>
+                      </a:pPr>
+                      <a:endParaRPr lang="pt-BR" b="1" dirty="0">
+                        <a:solidFill>
+                          <a:srgbClr val="0F62FF"/>
+                        </a:solidFill>
+                      </a:endParaRPr>
+                    </a:p>
+                  </a:txBody>
+                  <a:tcPr/>
+                </a:tc>
+                <a:tc>
+                  <a:txBody>
+                    <a:bodyPr/>
+                    <a:lstStyle/>
+                    <a:p>
+                      <a:pPr algn="ctr"/>
+                      <a:endParaRPr lang="pt-BR" dirty="0"/>
+                    </a:p>
+                  </a:txBody>
+                  <a:tcPr/>
+                </a:tc>
+                <a:tc>
+                  <a:txBody>
+                    <a:bodyPr/>
+                    <a:lstStyle/>
+                    <a:p>
+                      <a:pPr algn="ctr"/>
+                      <a:endParaRPr lang="pt-BR" dirty="0"/>
+                    </a:p>
+                  </a:txBody>
+                  <a:tcPr/>
+                </a:tc>
+                <a:tc>
+                  <a:txBody>
+                    <a:bodyPr/>
+                    <a:lstStyle/>
+                    <a:p>
+                      <a:pPr algn="ctr"/>
+                      <a:endParaRPr lang="pt-BR" dirty="0"/>
+                    </a:p>
+                  </a:txBody>
+                  <a:tcPr/>
+                </a:tc>
+                <a:tc>
+                  <a:txBody>
+                    <a:bodyPr/>
+                    <a:lstStyle/>
+                    <a:p>
+                      <a:pPr algn="ctr"/>
+                      <a:endParaRPr lang="pt-BR" dirty="0"/>
+                    </a:p>
+                  </a:txBody>
+                  <a:tcPr/>
+                </a:tc>
+                <a:tc>
+                  <a:txBody>
+                    <a:bodyPr/>
+                    <a:lstStyle/>
+                    <a:p>
+                      <a:pPr algn="ctr"/>
+                      <a:r>
+                        <a:rPr lang="en-BR" sz="1800" b="1" i="0" kern="1200" dirty="0">
+                          <a:solidFill>
+                            <a:srgbClr val="0F62FF"/>
+                          </a:solidFill>
+                          <a:effectLst/>
+                          <a:latin typeface="+mn-lt"/>
+                          <a:ea typeface="+mn-ea"/>
+                          <a:cs typeface="+mn-cs"/>
+                        </a:rPr>
+                        <a:t>✓</a:t>
+                      </a:r>
+                      <a:endParaRPr lang="pt-BR" dirty="0"/>
+                    </a:p>
+                  </a:txBody>
+                  <a:tcPr/>
+                </a:tc>
+                <a:extLst>
+                  <a:ext uri="{0D108BD9-81ED-4DB2-BD59-A6C34878D82A}">
+                    <a16:rowId xmlns:a16="http://schemas.microsoft.com/office/drawing/2014/main" val="2726508334"/>
+                  </a:ext>
+                </a:extLst>
+              </a:tr>
+              <a:tr h="370840">
+                <a:tc>
+                  <a:txBody>
+                    <a:bodyPr/>
+                    <a:lstStyle/>
+                    <a:p>
+                      <a:pPr algn="ctr"/>
+                      <a:r>
+                        <a:rPr lang="pt-BR" sz="1400" dirty="0"/>
+                        <a:t>BOUTABA et al., 2018</a:t>
+                      </a:r>
+                    </a:p>
+                  </a:txBody>
+                  <a:tcPr/>
+                </a:tc>
+                <a:tc>
+                  <a:txBody>
+                    <a:bodyPr/>
+                    <a:lstStyle/>
+                    <a:p>
+                      <a:pPr marL="0" marR="0" lvl="0" indent="0" algn="ctr" defTabSz="914400" rtl="0" eaLnBrk="1" fontAlgn="auto" latinLnBrk="0" hangingPunct="1">
+                        <a:lnSpc>
+                          <a:spcPct val="100000"/>
+                        </a:lnSpc>
+                        <a:spcBef>
+                          <a:spcPts val="0"/>
+                        </a:spcBef>
+                        <a:spcAft>
+                          <a:spcPts val="0"/>
+                        </a:spcAft>
+                        <a:buClrTx/>
+                        <a:buSzTx/>
+                        <a:buFontTx/>
+                        <a:buNone/>
+                        <a:tabLst/>
+                        <a:defRPr/>
+                      </a:pPr>
+                      <a:endParaRPr lang="pt-BR" b="1" dirty="0">
+                        <a:solidFill>
+                          <a:srgbClr val="0F62FF"/>
+                        </a:solidFill>
+                      </a:endParaRPr>
+                    </a:p>
+                  </a:txBody>
+                  <a:tcPr/>
+                </a:tc>
+                <a:tc>
+                  <a:txBody>
+                    <a:bodyPr/>
+                    <a:lstStyle/>
+                    <a:p>
+                      <a:pPr marL="0" marR="0" lvl="0" indent="0" algn="ctr" defTabSz="914400" rtl="0" eaLnBrk="1" fontAlgn="auto" latinLnBrk="0" hangingPunct="1">
+                        <a:lnSpc>
+                          <a:spcPct val="100000"/>
+                        </a:lnSpc>
+                        <a:spcBef>
+                          <a:spcPts val="0"/>
+                        </a:spcBef>
+                        <a:spcAft>
+                          <a:spcPts val="0"/>
+                        </a:spcAft>
+                        <a:buClrTx/>
+                        <a:buSzTx/>
+                        <a:buFontTx/>
+                        <a:buNone/>
+                        <a:tabLst/>
+                        <a:defRPr/>
+                      </a:pPr>
+                      <a:endParaRPr lang="pt-BR" b="1" dirty="0">
+                        <a:solidFill>
+                          <a:srgbClr val="0F62FF"/>
+                        </a:solidFill>
+                      </a:endParaRPr>
+                    </a:p>
+                  </a:txBody>
+                  <a:tcPr/>
+                </a:tc>
+                <a:tc>
+                  <a:txBody>
+                    <a:bodyPr/>
+                    <a:lstStyle/>
+                    <a:p>
+                      <a:pPr algn="ctr"/>
+                      <a:endParaRPr lang="pt-BR" dirty="0"/>
+                    </a:p>
+                  </a:txBody>
+                  <a:tcPr/>
+                </a:tc>
+                <a:tc>
+                  <a:txBody>
+                    <a:bodyPr/>
+                    <a:lstStyle/>
+                    <a:p>
+                      <a:pPr algn="ctr"/>
+                      <a:endParaRPr lang="pt-BR" dirty="0"/>
+                    </a:p>
+                  </a:txBody>
+                  <a:tcPr/>
+                </a:tc>
+                <a:tc>
+                  <a:txBody>
+                    <a:bodyPr/>
+                    <a:lstStyle/>
+                    <a:p>
+                      <a:pPr algn="ctr"/>
+                      <a:endParaRPr lang="pt-BR" dirty="0"/>
+                    </a:p>
+                  </a:txBody>
+                  <a:tcPr/>
+                </a:tc>
+                <a:tc>
+                  <a:txBody>
+                    <a:bodyPr/>
+                    <a:lstStyle/>
+                    <a:p>
+                      <a:pPr algn="ctr"/>
+                      <a:endParaRPr lang="pt-BR" dirty="0"/>
+                    </a:p>
+                  </a:txBody>
+                  <a:tcPr/>
+                </a:tc>
+                <a:tc>
+                  <a:txBody>
+                    <a:bodyPr/>
+                    <a:lstStyle/>
+                    <a:p>
+                      <a:pPr algn="ctr"/>
+                      <a:r>
+                        <a:rPr lang="en-BR" sz="1800" b="1" i="0" kern="1200" dirty="0">
+                          <a:solidFill>
+                            <a:srgbClr val="0F62FF"/>
+                          </a:solidFill>
+                          <a:effectLst/>
+                          <a:latin typeface="+mn-lt"/>
+                          <a:ea typeface="+mn-ea"/>
+                          <a:cs typeface="+mn-cs"/>
+                        </a:rPr>
+                        <a:t>✓</a:t>
+                      </a:r>
+                      <a:endParaRPr lang="pt-BR" dirty="0"/>
+                    </a:p>
+                  </a:txBody>
+                  <a:tcPr/>
+                </a:tc>
+                <a:extLst>
+                  <a:ext uri="{0D108BD9-81ED-4DB2-BD59-A6C34878D82A}">
+                    <a16:rowId xmlns:a16="http://schemas.microsoft.com/office/drawing/2014/main" val="2933493343"/>
+                  </a:ext>
+                </a:extLst>
+              </a:tr>
+            </a:tbl>
+          </a:graphicData>
+        </a:graphic>
+      </p:graphicFrame>
+    </p:spTree>
+    <p:extLst>
+      <p:ext uri="{BB962C8B-B14F-4D97-AF65-F5344CB8AC3E}">
+        <p14:creationId xmlns:p14="http://schemas.microsoft.com/office/powerpoint/2010/main" val="943012937"/>
+      </p:ext>
+    </p:extLst>
+  </p:cSld>
+  <p:clrMapOvr>
+    <a:masterClrMapping/>
+  </p:clrMapOvr>
+</p:sld>
+</file>
+
+<file path=ppt/slides/slide19.xml><?xml version="1.0" encoding="utf-8"?>
+<p:sld xmlns:a="http://schemas.openxmlformats.org/drawingml/2006/main" xmlns:r="http://schemas.openxmlformats.org/officeDocument/2006/relationships" xmlns:p="http://schemas.openxmlformats.org/presentationml/2006/main">
+  <p:cSld>
+    <p:spTree>
+      <p:nvGrpSpPr>
+        <p:cNvPr id="1" name=""/>
+        <p:cNvGrpSpPr/>
+        <p:nvPr/>
+      </p:nvGrpSpPr>
+      <p:grpSpPr>
+        <a:xfrm>
+          <a:off x="0" y="0"/>
+          <a:ext cx="0" cy="0"/>
+          <a:chOff x="0" y="0"/>
+          <a:chExt cx="0" cy="0"/>
+        </a:xfrm>
+      </p:grpSpPr>
+      <p:sp>
+        <p:nvSpPr>
+          <p:cNvPr id="2" name="Title 1">
+            <a:extLst>
+              <a:ext uri="{FF2B5EF4-FFF2-40B4-BE49-F238E27FC236}">
+                <a16:creationId xmlns:a16="http://schemas.microsoft.com/office/drawing/2014/main" id="{CE4FF00A-1E98-87D1-4D8D-2603FC510239}"/>
               </a:ext>
             </a:extLst>
           </p:cNvPr>
@@ -10854,640 +14283,527 @@
             <p:ph type="title"/>
           </p:nvPr>
         </p:nvSpPr>
-        <p:spPr>
-          <a:xfrm>
-            <a:off x="838200" y="365125"/>
-            <a:ext cx="10515600" cy="1325563"/>
-          </a:xfrm>
-        </p:spPr>
+        <p:spPr/>
         <p:txBody>
           <a:bodyPr>
             <a:normAutofit/>
           </a:bodyPr>
           <a:lstStyle/>
           <a:p>
-            <a:pPr algn="ctr">
-              <a:lnSpc>
-                <a:spcPts val="2400"/>
-              </a:lnSpc>
-              <a:spcBef>
-                <a:spcPct val="20000"/>
-              </a:spcBef>
-            </a:pPr>
-            <a:r>
-              <a:rPr lang="pt-BR" sz="4000" b="1" dirty="0" err="1">
-                <a:latin typeface="IBM Plex Sans" panose="020B0503050203000203" pitchFamily="34" charset="0"/>
-                <a:ea typeface="+mn-ea"/>
-                <a:cs typeface="+mn-cs"/>
-              </a:rPr>
-              <a:t>Thanks</a:t>
-            </a:r>
-            <a:r>
-              <a:rPr lang="pt-BR" sz="4000" b="1" dirty="0">
-                <a:latin typeface="IBM Plex Sans" panose="020B0503050203000203" pitchFamily="34" charset="0"/>
-                <a:ea typeface="+mn-ea"/>
-                <a:cs typeface="+mn-cs"/>
-              </a:rPr>
-              <a:t>!</a:t>
-            </a:r>
+            <a:r>
+              <a:rPr lang="pt-BR" sz="4800" b="1" dirty="0" err="1">
+                <a:latin typeface="IBM Plex Sans" panose="020B0503050203000203" pitchFamily="34" charset="0"/>
+              </a:rPr>
+              <a:t>Contents</a:t>
+            </a:r>
+            <a:endParaRPr lang="pt-BR" sz="4800" b="1" dirty="0">
+              <a:latin typeface="IBM Plex Sans" panose="020B0503050203000203" pitchFamily="34" charset="0"/>
+            </a:endParaRPr>
           </a:p>
         </p:txBody>
       </p:sp>
       <p:sp>
         <p:nvSpPr>
-          <p:cNvPr id="8" name="Subtítulo 2">
+          <p:cNvPr id="3" name="Content Placeholder 2">
             <a:extLst>
               <a:ext uri="{FF2B5EF4-FFF2-40B4-BE49-F238E27FC236}">
-                <a16:creationId xmlns:a16="http://schemas.microsoft.com/office/drawing/2014/main" id="{9D04AA28-7C76-CB8E-7EA3-A9E15B100E85}"/>
+                <a16:creationId xmlns:a16="http://schemas.microsoft.com/office/drawing/2014/main" id="{5CC0BE7E-BBDD-73E9-E46F-0185B0BA8C22}"/>
               </a:ext>
             </a:extLst>
           </p:cNvPr>
-          <p:cNvSpPr txBox="1">
-            <a:spLocks/>
+          <p:cNvSpPr>
+            <a:spLocks noGrp="1"/>
           </p:cNvSpPr>
-          <p:nvPr/>
-        </p:nvSpPr>
-        <p:spPr>
-          <a:xfrm>
-            <a:off x="3689968" y="3454401"/>
-            <a:ext cx="7873140" cy="3033485"/>
-          </a:xfrm>
-          <a:prstGeom prst="rect">
-            <a:avLst/>
-          </a:prstGeom>
-        </p:spPr>
+          <p:nvPr>
+            <p:ph idx="1"/>
+          </p:nvPr>
+        </p:nvSpPr>
+        <p:spPr/>
         <p:txBody>
-          <a:bodyPr vert="horz" lIns="91440" tIns="45720" rIns="91440" bIns="45720" rtlCol="0">
-            <a:normAutofit fontScale="92500" lnSpcReduction="10000"/>
+          <a:bodyPr>
+            <a:noAutofit/>
           </a:bodyPr>
-          <a:lstStyle>
-            <a:lvl1pPr marL="228600" indent="-228600" algn="l" defTabSz="914400" rtl="0" eaLnBrk="1" latinLnBrk="0" hangingPunct="1">
-              <a:lnSpc>
-                <a:spcPct val="90000"/>
-              </a:lnSpc>
-              <a:spcBef>
-                <a:spcPts val="1000"/>
-              </a:spcBef>
-              <a:buFont typeface="Arial" panose="020B0604020202020204" pitchFamily="34" charset="0"/>
-              <a:buChar char="•"/>
-              <a:defRPr sz="2800" kern="1200">
-                <a:solidFill>
-                  <a:schemeClr val="tx1"/>
-                </a:solidFill>
-                <a:latin typeface="+mn-lt"/>
-                <a:ea typeface="+mn-ea"/>
-                <a:cs typeface="+mn-cs"/>
-              </a:defRPr>
-            </a:lvl1pPr>
-            <a:lvl2pPr marL="685800" indent="-228600" algn="l" defTabSz="914400" rtl="0" eaLnBrk="1" latinLnBrk="0" hangingPunct="1">
-              <a:lnSpc>
-                <a:spcPct val="90000"/>
-              </a:lnSpc>
-              <a:spcBef>
-                <a:spcPts val="500"/>
-              </a:spcBef>
-              <a:buFont typeface="Arial" panose="020B0604020202020204" pitchFamily="34" charset="0"/>
-              <a:buChar char="•"/>
-              <a:defRPr sz="2400" kern="1200">
-                <a:solidFill>
-                  <a:schemeClr val="tx1"/>
-                </a:solidFill>
-                <a:latin typeface="+mn-lt"/>
-                <a:ea typeface="+mn-ea"/>
-                <a:cs typeface="+mn-cs"/>
-              </a:defRPr>
-            </a:lvl2pPr>
-            <a:lvl3pPr marL="1143000" indent="-228600" algn="l" defTabSz="914400" rtl="0" eaLnBrk="1" latinLnBrk="0" hangingPunct="1">
-              <a:lnSpc>
-                <a:spcPct val="90000"/>
-              </a:lnSpc>
-              <a:spcBef>
-                <a:spcPts val="500"/>
-              </a:spcBef>
-              <a:buFont typeface="Arial" panose="020B0604020202020204" pitchFamily="34" charset="0"/>
-              <a:buChar char="•"/>
-              <a:defRPr sz="2000" kern="1200">
-                <a:solidFill>
-                  <a:schemeClr val="tx1"/>
-                </a:solidFill>
-                <a:latin typeface="+mn-lt"/>
-                <a:ea typeface="+mn-ea"/>
-                <a:cs typeface="+mn-cs"/>
-              </a:defRPr>
-            </a:lvl3pPr>
-            <a:lvl4pPr marL="1600200" indent="-228600" algn="l" defTabSz="914400" rtl="0" eaLnBrk="1" latinLnBrk="0" hangingPunct="1">
-              <a:lnSpc>
-                <a:spcPct val="90000"/>
-              </a:lnSpc>
-              <a:spcBef>
-                <a:spcPts val="500"/>
-              </a:spcBef>
-              <a:buFont typeface="Arial" panose="020B0604020202020204" pitchFamily="34" charset="0"/>
-              <a:buChar char="•"/>
-              <a:defRPr sz="1800" kern="1200">
-                <a:solidFill>
-                  <a:schemeClr val="tx1"/>
-                </a:solidFill>
-                <a:latin typeface="+mn-lt"/>
-                <a:ea typeface="+mn-ea"/>
-                <a:cs typeface="+mn-cs"/>
-              </a:defRPr>
-            </a:lvl4pPr>
-            <a:lvl5pPr marL="2057400" indent="-228600" algn="l" defTabSz="914400" rtl="0" eaLnBrk="1" latinLnBrk="0" hangingPunct="1">
-              <a:lnSpc>
-                <a:spcPct val="90000"/>
-              </a:lnSpc>
-              <a:spcBef>
-                <a:spcPts val="500"/>
-              </a:spcBef>
-              <a:buFont typeface="Arial" panose="020B0604020202020204" pitchFamily="34" charset="0"/>
-              <a:buChar char="•"/>
-              <a:defRPr sz="1800" kern="1200">
-                <a:solidFill>
-                  <a:schemeClr val="tx1"/>
-                </a:solidFill>
-                <a:latin typeface="+mn-lt"/>
-                <a:ea typeface="+mn-ea"/>
-                <a:cs typeface="+mn-cs"/>
-              </a:defRPr>
-            </a:lvl5pPr>
-            <a:lvl6pPr marL="2514600" indent="-228600" algn="l" defTabSz="914400" rtl="0" eaLnBrk="1" latinLnBrk="0" hangingPunct="1">
-              <a:lnSpc>
-                <a:spcPct val="90000"/>
-              </a:lnSpc>
-              <a:spcBef>
-                <a:spcPts val="500"/>
-              </a:spcBef>
-              <a:buFont typeface="Arial" panose="020B0604020202020204" pitchFamily="34" charset="0"/>
-              <a:buChar char="•"/>
-              <a:defRPr sz="1800" kern="1200">
-                <a:solidFill>
-                  <a:schemeClr val="tx1"/>
-                </a:solidFill>
-                <a:latin typeface="+mn-lt"/>
-                <a:ea typeface="+mn-ea"/>
-                <a:cs typeface="+mn-cs"/>
-              </a:defRPr>
-            </a:lvl6pPr>
-            <a:lvl7pPr marL="2971800" indent="-228600" algn="l" defTabSz="914400" rtl="0" eaLnBrk="1" latinLnBrk="0" hangingPunct="1">
-              <a:lnSpc>
-                <a:spcPct val="90000"/>
-              </a:lnSpc>
-              <a:spcBef>
-                <a:spcPts val="500"/>
-              </a:spcBef>
-              <a:buFont typeface="Arial" panose="020B0604020202020204" pitchFamily="34" charset="0"/>
-              <a:buChar char="•"/>
-              <a:defRPr sz="1800" kern="1200">
-                <a:solidFill>
-                  <a:schemeClr val="tx1"/>
-                </a:solidFill>
-                <a:latin typeface="+mn-lt"/>
-                <a:ea typeface="+mn-ea"/>
-                <a:cs typeface="+mn-cs"/>
-              </a:defRPr>
-            </a:lvl7pPr>
-            <a:lvl8pPr marL="3429000" indent="-228600" algn="l" defTabSz="914400" rtl="0" eaLnBrk="1" latinLnBrk="0" hangingPunct="1">
-              <a:lnSpc>
-                <a:spcPct val="90000"/>
-              </a:lnSpc>
-              <a:spcBef>
-                <a:spcPts val="500"/>
-              </a:spcBef>
-              <a:buFont typeface="Arial" panose="020B0604020202020204" pitchFamily="34" charset="0"/>
-              <a:buChar char="•"/>
-              <a:defRPr sz="1800" kern="1200">
-                <a:solidFill>
-                  <a:schemeClr val="tx1"/>
-                </a:solidFill>
-                <a:latin typeface="+mn-lt"/>
-                <a:ea typeface="+mn-ea"/>
-                <a:cs typeface="+mn-cs"/>
-              </a:defRPr>
-            </a:lvl8pPr>
-            <a:lvl9pPr marL="3886200" indent="-228600" algn="l" defTabSz="914400" rtl="0" eaLnBrk="1" latinLnBrk="0" hangingPunct="1">
-              <a:lnSpc>
-                <a:spcPct val="90000"/>
-              </a:lnSpc>
-              <a:spcBef>
-                <a:spcPts val="500"/>
-              </a:spcBef>
-              <a:buFont typeface="Arial" panose="020B0604020202020204" pitchFamily="34" charset="0"/>
-              <a:buChar char="•"/>
-              <a:defRPr sz="1800" kern="1200">
-                <a:solidFill>
-                  <a:schemeClr val="tx1"/>
-                </a:solidFill>
-                <a:latin typeface="+mn-lt"/>
-                <a:ea typeface="+mn-ea"/>
-                <a:cs typeface="+mn-cs"/>
-              </a:defRPr>
-            </a:lvl9pPr>
-          </a:lstStyle>
-          <a:p>
-            <a:pPr marL="0" indent="0" algn="r">
-              <a:buNone/>
+          <a:lstStyle/>
+          <a:p>
+            <a:pPr marL="514350" indent="-514350">
+              <a:buFont typeface="+mj-lt"/>
+              <a:buAutoNum type="arabicPeriod"/>
             </a:pPr>
             <a:r>
-              <a:rPr lang="pt-BR" dirty="0">
-                <a:solidFill>
-                  <a:schemeClr val="tx1">
-                    <a:lumMod val="65000"/>
-                    <a:lumOff val="35000"/>
-                  </a:schemeClr>
-                </a:solidFill>
-                <a:latin typeface="IBM Plex Sans" panose="020B0503050203000203" pitchFamily="34" charset="0"/>
-              </a:rPr>
-              <a:t>Patrick Luiz de Araújo</a:t>
-            </a:r>
-          </a:p>
-          <a:p>
-            <a:pPr marL="0" indent="0" algn="r">
-              <a:buNone/>
+              <a:rPr lang="pt-BR" sz="2000" dirty="0" err="1">
+                <a:latin typeface="IBM Plex Sans" panose="020B0503050203000203" pitchFamily="34" charset="0"/>
+              </a:rPr>
+              <a:t>Introduction</a:t>
+            </a:r>
+            <a:endParaRPr lang="pt-BR" sz="2000" dirty="0">
+              <a:latin typeface="IBM Plex Sans" panose="020B0503050203000203" pitchFamily="34" charset="0"/>
+            </a:endParaRPr>
+          </a:p>
+          <a:p>
+            <a:pPr marL="514350" indent="-514350">
+              <a:buFont typeface="+mj-lt"/>
+              <a:buAutoNum type="arabicPeriod"/>
             </a:pPr>
             <a:r>
-              <a:rPr lang="pt-BR" sz="1500" dirty="0">
-                <a:solidFill>
-                  <a:schemeClr val="tx1">
-                    <a:lumMod val="65000"/>
-                    <a:lumOff val="35000"/>
-                  </a:schemeClr>
-                </a:solidFill>
-                <a:latin typeface="IBM Plex Sans" panose="020B0503050203000203" pitchFamily="34" charset="0"/>
-                <a:hlinkClick r:id="rId2"/>
-              </a:rPr>
-              <a:t>patrick@ufu.br</a:t>
-            </a:r>
-            <a:endParaRPr lang="pt-BR" sz="1500" dirty="0">
+              <a:rPr lang="pt-BR" sz="2000" dirty="0" err="1">
+                <a:latin typeface="IBM Plex Sans" panose="020B0503050203000203" pitchFamily="34" charset="0"/>
+              </a:rPr>
+              <a:t>Related</a:t>
+            </a:r>
+            <a:r>
+              <a:rPr lang="pt-BR" sz="2000" dirty="0">
+                <a:latin typeface="IBM Plex Sans" panose="020B0503050203000203" pitchFamily="34" charset="0"/>
+              </a:rPr>
+              <a:t> </a:t>
+            </a:r>
+            <a:r>
+              <a:rPr lang="pt-BR" sz="2000" dirty="0" err="1">
+                <a:latin typeface="IBM Plex Sans" panose="020B0503050203000203" pitchFamily="34" charset="0"/>
+              </a:rPr>
+              <a:t>Work</a:t>
+            </a:r>
+            <a:endParaRPr lang="pt-BR" sz="2000" dirty="0">
+              <a:latin typeface="IBM Plex Sans" panose="020B0503050203000203" pitchFamily="34" charset="0"/>
+            </a:endParaRPr>
+          </a:p>
+          <a:p>
+            <a:pPr marL="514350" indent="-514350">
+              <a:buFont typeface="+mj-lt"/>
+              <a:buAutoNum type="arabicPeriod"/>
+            </a:pPr>
+            <a:r>
+              <a:rPr lang="pt-BR" sz="2000" dirty="0" err="1">
+                <a:solidFill>
+                  <a:srgbClr val="0F62FF"/>
+                </a:solidFill>
+                <a:latin typeface="IBM Plex Sans" panose="020B0503050203000203" pitchFamily="34" charset="0"/>
+              </a:rPr>
+              <a:t>Preliminaries</a:t>
+            </a:r>
+            <a:r>
+              <a:rPr lang="pt-BR" sz="2000" dirty="0">
+                <a:solidFill>
+                  <a:srgbClr val="0F62FF"/>
+                </a:solidFill>
+                <a:latin typeface="IBM Plex Sans" panose="020B0503050203000203" pitchFamily="34" charset="0"/>
+              </a:rPr>
+              <a:t> </a:t>
+            </a:r>
+            <a:r>
+              <a:rPr lang="pt-BR" sz="2000" dirty="0" err="1">
+                <a:solidFill>
+                  <a:srgbClr val="0F62FF"/>
+                </a:solidFill>
+                <a:latin typeface="IBM Plex Sans" panose="020B0503050203000203" pitchFamily="34" charset="0"/>
+              </a:rPr>
+              <a:t>on</a:t>
+            </a:r>
+            <a:r>
+              <a:rPr lang="pt-BR" sz="2000" dirty="0">
+                <a:solidFill>
+                  <a:srgbClr val="0F62FF"/>
+                </a:solidFill>
+                <a:latin typeface="IBM Plex Sans" panose="020B0503050203000203" pitchFamily="34" charset="0"/>
+              </a:rPr>
+              <a:t> data </a:t>
+            </a:r>
+            <a:r>
+              <a:rPr lang="pt-BR" sz="2000" dirty="0" err="1">
+                <a:solidFill>
+                  <a:srgbClr val="0F62FF"/>
+                </a:solidFill>
+                <a:latin typeface="IBM Plex Sans" panose="020B0503050203000203" pitchFamily="34" charset="0"/>
+              </a:rPr>
+              <a:t>collection</a:t>
+            </a:r>
+            <a:r>
+              <a:rPr lang="pt-BR" sz="2000" dirty="0">
+                <a:solidFill>
+                  <a:srgbClr val="0F62FF"/>
+                </a:solidFill>
+                <a:latin typeface="IBM Plex Sans" panose="020B0503050203000203" pitchFamily="34" charset="0"/>
+              </a:rPr>
+              <a:t> for MTP-NT</a:t>
+            </a:r>
+          </a:p>
+          <a:p>
+            <a:pPr marL="971550" lvl="1" indent="-514350">
+              <a:buFont typeface="+mj-lt"/>
+              <a:buAutoNum type="arabicPeriod"/>
+            </a:pPr>
+            <a:r>
+              <a:rPr lang="pt-BR" sz="2000" dirty="0" err="1">
+                <a:solidFill>
+                  <a:srgbClr val="0F62FF"/>
+                </a:solidFill>
+                <a:latin typeface="IBM Plex Sans" panose="020B0503050203000203" pitchFamily="34" charset="0"/>
+              </a:rPr>
+              <a:t>Preliminaries</a:t>
+            </a:r>
+            <a:endParaRPr lang="pt-BR" sz="2000" dirty="0">
               <a:solidFill>
-                <a:schemeClr val="tx1">
-                  <a:lumMod val="65000"/>
-                  <a:lumOff val="35000"/>
-                </a:schemeClr>
+                <a:srgbClr val="0F62FF"/>
               </a:solidFill>
               <a:latin typeface="IBM Plex Sans" panose="020B0503050203000203" pitchFamily="34" charset="0"/>
             </a:endParaRPr>
           </a:p>
           <a:p>
-            <a:pPr marL="0" indent="0" algn="r">
-              <a:buNone/>
+            <a:pPr marL="971550" lvl="1" indent="-514350">
+              <a:buFont typeface="+mj-lt"/>
+              <a:buAutoNum type="arabicPeriod"/>
             </a:pPr>
-            <a:endParaRPr lang="pt-BR" sz="1600" dirty="0">
+            <a:r>
+              <a:rPr lang="pt-BR" sz="2000" dirty="0">
+                <a:solidFill>
+                  <a:srgbClr val="0F62FF"/>
+                </a:solidFill>
+                <a:latin typeface="IBM Plex Sans" panose="020B0503050203000203" pitchFamily="34" charset="0"/>
+              </a:rPr>
+              <a:t>The </a:t>
+            </a:r>
+            <a:r>
+              <a:rPr lang="pt-BR" sz="2000" dirty="0" err="1">
+                <a:solidFill>
+                  <a:srgbClr val="0F62FF"/>
+                </a:solidFill>
+                <a:latin typeface="IBM Plex Sans" panose="020B0503050203000203" pitchFamily="34" charset="0"/>
+              </a:rPr>
+              <a:t>predictive</a:t>
+            </a:r>
+            <a:r>
+              <a:rPr lang="pt-BR" sz="2000" dirty="0">
+                <a:solidFill>
+                  <a:srgbClr val="0F62FF"/>
+                </a:solidFill>
+                <a:latin typeface="IBM Plex Sans" panose="020B0503050203000203" pitchFamily="34" charset="0"/>
+              </a:rPr>
+              <a:t> model in </a:t>
+            </a:r>
+            <a:r>
+              <a:rPr lang="pt-BR" sz="2000" dirty="0" err="1">
+                <a:solidFill>
+                  <a:srgbClr val="0F62FF"/>
+                </a:solidFill>
+                <a:latin typeface="IBM Plex Sans" panose="020B0503050203000203" pitchFamily="34" charset="0"/>
+              </a:rPr>
+              <a:t>the</a:t>
+            </a:r>
+            <a:r>
+              <a:rPr lang="pt-BR" sz="2000" dirty="0">
+                <a:solidFill>
+                  <a:srgbClr val="0F62FF"/>
+                </a:solidFill>
+                <a:latin typeface="IBM Plex Sans" panose="020B0503050203000203" pitchFamily="34" charset="0"/>
+              </a:rPr>
+              <a:t> 5G </a:t>
+            </a:r>
+            <a:r>
+              <a:rPr lang="pt-BR" sz="2000" dirty="0" err="1">
+                <a:solidFill>
+                  <a:srgbClr val="0F62FF"/>
+                </a:solidFill>
+                <a:latin typeface="IBM Plex Sans" panose="020B0503050203000203" pitchFamily="34" charset="0"/>
+              </a:rPr>
+              <a:t>infrastructure</a:t>
+            </a:r>
+            <a:endParaRPr lang="pt-BR" sz="2000" dirty="0">
               <a:solidFill>
-                <a:schemeClr val="tx1">
-                  <a:lumMod val="65000"/>
-                  <a:lumOff val="35000"/>
-                </a:schemeClr>
+                <a:srgbClr val="0F62FF"/>
               </a:solidFill>
               <a:latin typeface="IBM Plex Sans" panose="020B0503050203000203" pitchFamily="34" charset="0"/>
             </a:endParaRPr>
           </a:p>
           <a:p>
-            <a:pPr marL="0" indent="0" algn="r">
-              <a:buNone/>
+            <a:pPr marL="971550" lvl="1" indent="-514350">
+              <a:buFont typeface="+mj-lt"/>
+              <a:buAutoNum type="arabicPeriod"/>
             </a:pPr>
             <a:r>
-              <a:rPr lang="pt-BR" dirty="0">
-                <a:solidFill>
-                  <a:schemeClr val="tx1">
-                    <a:lumMod val="65000"/>
-                    <a:lumOff val="35000"/>
-                  </a:schemeClr>
-                </a:solidFill>
-                <a:latin typeface="IBM Plex Sans" panose="020B0503050203000203" pitchFamily="34" charset="0"/>
-              </a:rPr>
-              <a:t>Prof. Dr. Rafael Pasquini</a:t>
-            </a:r>
-          </a:p>
-          <a:p>
-            <a:pPr marL="0" indent="0" algn="r">
-              <a:buNone/>
-            </a:pPr>
-            <a:r>
-              <a:rPr lang="pt-BR" sz="1500" dirty="0">
-                <a:solidFill>
-                  <a:schemeClr val="tx1">
-                    <a:lumMod val="65000"/>
-                    <a:lumOff val="35000"/>
-                  </a:schemeClr>
-                </a:solidFill>
-                <a:latin typeface="IBM Plex Sans" panose="020B0503050203000203" pitchFamily="34" charset="0"/>
-                <a:hlinkClick r:id="rId3"/>
-              </a:rPr>
-              <a:t>rafael.pasquini@ufu.br</a:t>
-            </a:r>
-            <a:endParaRPr lang="pt-BR" sz="1500" dirty="0">
+              <a:rPr lang="pt-BR" sz="2000" dirty="0">
+                <a:solidFill>
+                  <a:srgbClr val="0F62FF"/>
+                </a:solidFill>
+                <a:latin typeface="IBM Plex Sans" panose="020B0503050203000203" pitchFamily="34" charset="0"/>
+              </a:rPr>
+              <a:t>Data </a:t>
+            </a:r>
+            <a:r>
+              <a:rPr lang="pt-BR" sz="2000" dirty="0" err="1">
+                <a:solidFill>
+                  <a:srgbClr val="0F62FF"/>
+                </a:solidFill>
+                <a:latin typeface="IBM Plex Sans" panose="020B0503050203000203" pitchFamily="34" charset="0"/>
+              </a:rPr>
+              <a:t>Flow</a:t>
+            </a:r>
+            <a:endParaRPr lang="pt-BR" sz="2000" dirty="0">
               <a:solidFill>
-                <a:schemeClr val="tx1">
-                  <a:lumMod val="65000"/>
-                  <a:lumOff val="35000"/>
-                </a:schemeClr>
+                <a:srgbClr val="0F62FF"/>
               </a:solidFill>
               <a:latin typeface="IBM Plex Sans" panose="020B0503050203000203" pitchFamily="34" charset="0"/>
             </a:endParaRPr>
           </a:p>
           <a:p>
-            <a:pPr marL="0" indent="0" algn="r">
-              <a:buNone/>
+            <a:pPr marL="971550" lvl="1" indent="-514350">
+              <a:buFont typeface="+mj-lt"/>
+              <a:buAutoNum type="arabicPeriod"/>
             </a:pPr>
-            <a:endParaRPr lang="pt-BR" sz="1800" dirty="0">
+            <a:r>
+              <a:rPr lang="pt-BR" sz="2000" dirty="0" err="1">
+                <a:solidFill>
+                  <a:srgbClr val="0F62FF"/>
+                </a:solidFill>
+                <a:latin typeface="IBM Plex Sans" panose="020B0503050203000203" pitchFamily="34" charset="0"/>
+              </a:rPr>
+              <a:t>Dataset</a:t>
+            </a:r>
+            <a:r>
+              <a:rPr lang="pt-BR" sz="2000" dirty="0">
+                <a:solidFill>
+                  <a:srgbClr val="0F62FF"/>
+                </a:solidFill>
+                <a:latin typeface="IBM Plex Sans" panose="020B0503050203000203" pitchFamily="34" charset="0"/>
+              </a:rPr>
+              <a:t> </a:t>
+            </a:r>
+            <a:r>
+              <a:rPr lang="pt-BR" sz="2000" dirty="0" err="1">
+                <a:solidFill>
+                  <a:srgbClr val="0F62FF"/>
+                </a:solidFill>
+                <a:latin typeface="IBM Plex Sans" panose="020B0503050203000203" pitchFamily="34" charset="0"/>
+              </a:rPr>
+              <a:t>used</a:t>
+            </a:r>
+            <a:r>
+              <a:rPr lang="pt-BR" sz="2000" dirty="0">
+                <a:solidFill>
+                  <a:srgbClr val="0F62FF"/>
+                </a:solidFill>
+                <a:latin typeface="IBM Plex Sans" panose="020B0503050203000203" pitchFamily="34" charset="0"/>
+              </a:rPr>
+              <a:t> in </a:t>
+            </a:r>
+            <a:r>
+              <a:rPr lang="pt-BR" sz="2000" dirty="0" err="1">
+                <a:solidFill>
+                  <a:srgbClr val="0F62FF"/>
+                </a:solidFill>
+                <a:latin typeface="IBM Plex Sans" panose="020B0503050203000203" pitchFamily="34" charset="0"/>
+              </a:rPr>
+              <a:t>this</a:t>
+            </a:r>
+            <a:r>
+              <a:rPr lang="pt-BR" sz="2000" dirty="0">
+                <a:solidFill>
+                  <a:srgbClr val="0F62FF"/>
+                </a:solidFill>
+                <a:latin typeface="IBM Plex Sans" panose="020B0503050203000203" pitchFamily="34" charset="0"/>
+              </a:rPr>
+              <a:t> </a:t>
+            </a:r>
+            <a:r>
+              <a:rPr lang="pt-BR" sz="2000" dirty="0" err="1">
+                <a:solidFill>
+                  <a:srgbClr val="0F62FF"/>
+                </a:solidFill>
+                <a:latin typeface="IBM Plex Sans" panose="020B0503050203000203" pitchFamily="34" charset="0"/>
+              </a:rPr>
+              <a:t>work</a:t>
+            </a:r>
+            <a:endParaRPr lang="pt-BR" sz="2000" dirty="0">
               <a:solidFill>
-                <a:schemeClr val="tx1">
-                  <a:lumMod val="65000"/>
-                  <a:lumOff val="35000"/>
-                </a:schemeClr>
+                <a:srgbClr val="0F62FF"/>
               </a:solidFill>
               <a:latin typeface="IBM Plex Sans" panose="020B0503050203000203" pitchFamily="34" charset="0"/>
             </a:endParaRPr>
           </a:p>
           <a:p>
-            <a:pPr marL="0" indent="0" algn="r">
-              <a:buNone/>
+            <a:pPr marL="971550" lvl="1" indent="-514350">
+              <a:buFont typeface="+mj-lt"/>
+              <a:buAutoNum type="arabicPeriod"/>
             </a:pPr>
             <a:r>
-              <a:rPr lang="pt-BR" dirty="0">
-                <a:solidFill>
-                  <a:schemeClr val="tx1">
-                    <a:lumMod val="65000"/>
-                    <a:lumOff val="35000"/>
-                  </a:schemeClr>
-                </a:solidFill>
-                <a:latin typeface="IBM Plex Sans" panose="020B0503050203000203" pitchFamily="34" charset="0"/>
-              </a:rPr>
-              <a:t>Prof. Dr. Murillo Guimarães Carneiro</a:t>
-            </a:r>
-          </a:p>
-          <a:p>
-            <a:pPr marL="0" indent="0" algn="r">
-              <a:buNone/>
-            </a:pPr>
-            <a:r>
-              <a:rPr lang="pt-BR" sz="1500" dirty="0">
-                <a:solidFill>
-                  <a:schemeClr val="tx1">
-                    <a:lumMod val="65000"/>
-                    <a:lumOff val="35000"/>
-                  </a:schemeClr>
-                </a:solidFill>
-                <a:latin typeface="IBM Plex Sans" panose="020B0503050203000203" pitchFamily="34" charset="0"/>
-                <a:hlinkClick r:id="rId4"/>
-              </a:rPr>
-              <a:t>mgcarneiro@ufu.br</a:t>
-            </a:r>
-            <a:endParaRPr lang="pt-BR" sz="1500" dirty="0">
+              <a:rPr lang="pt-BR" sz="2000" dirty="0" err="1">
+                <a:solidFill>
+                  <a:srgbClr val="0F62FF"/>
+                </a:solidFill>
+                <a:latin typeface="IBM Plex Sans" panose="020B0503050203000203" pitchFamily="34" charset="0"/>
+              </a:rPr>
+              <a:t>Mathematical</a:t>
+            </a:r>
+            <a:r>
+              <a:rPr lang="pt-BR" sz="2000" dirty="0">
+                <a:solidFill>
+                  <a:srgbClr val="0F62FF"/>
+                </a:solidFill>
+                <a:latin typeface="IBM Plex Sans" panose="020B0503050203000203" pitchFamily="34" charset="0"/>
+              </a:rPr>
+              <a:t> </a:t>
+            </a:r>
+            <a:r>
+              <a:rPr lang="pt-BR" sz="2000" dirty="0" err="1">
+                <a:solidFill>
+                  <a:srgbClr val="0F62FF"/>
+                </a:solidFill>
+                <a:latin typeface="IBM Plex Sans" panose="020B0503050203000203" pitchFamily="34" charset="0"/>
+              </a:rPr>
+              <a:t>formalization</a:t>
+            </a:r>
+            <a:endParaRPr lang="pt-BR" sz="2000" dirty="0">
               <a:solidFill>
-                <a:schemeClr val="tx1">
-                  <a:lumMod val="65000"/>
-                  <a:lumOff val="35000"/>
-                </a:schemeClr>
+                <a:srgbClr val="0F62FF"/>
               </a:solidFill>
               <a:latin typeface="IBM Plex Sans" panose="020B0503050203000203" pitchFamily="34" charset="0"/>
             </a:endParaRPr>
           </a:p>
           <a:p>
-            <a:pPr marL="0" indent="0" algn="r">
-              <a:buNone/>
+            <a:pPr marL="514350" indent="-514350">
+              <a:buFont typeface="+mj-lt"/>
+              <a:buAutoNum type="arabicPeriod"/>
             </a:pPr>
-            <a:endParaRPr lang="pt-BR" sz="1800" dirty="0">
-              <a:solidFill>
-                <a:schemeClr val="tx1">
-                  <a:lumMod val="65000"/>
-                  <a:lumOff val="35000"/>
-                </a:schemeClr>
-              </a:solidFill>
+            <a:r>
+              <a:rPr lang="pt-BR" sz="2000" dirty="0">
+                <a:latin typeface="IBM Plex Sans" panose="020B0503050203000203" pitchFamily="34" charset="0"/>
+              </a:rPr>
+              <a:t>Framework </a:t>
+            </a:r>
+            <a:r>
+              <a:rPr lang="pt-BR" sz="2000" dirty="0" err="1">
+                <a:latin typeface="IBM Plex Sans" panose="020B0503050203000203" pitchFamily="34" charset="0"/>
+              </a:rPr>
+              <a:t>structure</a:t>
+            </a:r>
+            <a:r>
+              <a:rPr lang="pt-BR" sz="2000" dirty="0">
+                <a:latin typeface="IBM Plex Sans" panose="020B0503050203000203" pitchFamily="34" charset="0"/>
+              </a:rPr>
+              <a:t> </a:t>
+            </a:r>
+            <a:r>
+              <a:rPr lang="pt-BR" sz="2000" dirty="0" err="1">
+                <a:latin typeface="IBM Plex Sans" panose="020B0503050203000203" pitchFamily="34" charset="0"/>
+              </a:rPr>
+              <a:t>and</a:t>
+            </a:r>
+            <a:r>
+              <a:rPr lang="pt-BR" sz="2000" dirty="0">
+                <a:latin typeface="IBM Plex Sans" panose="020B0503050203000203" pitchFamily="34" charset="0"/>
+              </a:rPr>
+              <a:t> </a:t>
+            </a:r>
+            <a:r>
+              <a:rPr lang="pt-BR" sz="2000" dirty="0" err="1">
+                <a:latin typeface="IBM Plex Sans" panose="020B0503050203000203" pitchFamily="34" charset="0"/>
+              </a:rPr>
+              <a:t>fundamentation</a:t>
+            </a:r>
+            <a:endParaRPr lang="pt-BR" sz="2000" dirty="0">
               <a:latin typeface="IBM Plex Sans" panose="020B0503050203000203" pitchFamily="34" charset="0"/>
             </a:endParaRPr>
           </a:p>
           <a:p>
-            <a:pPr marL="0" indent="0" algn="r">
-              <a:buNone/>
+            <a:pPr marL="514350" indent="-514350">
+              <a:buFont typeface="+mj-lt"/>
+              <a:buAutoNum type="arabicPeriod"/>
             </a:pPr>
-            <a:endParaRPr lang="pt-BR" sz="1800" dirty="0">
-              <a:solidFill>
-                <a:schemeClr val="tx1">
-                  <a:lumMod val="65000"/>
-                  <a:lumOff val="35000"/>
-                </a:schemeClr>
-              </a:solidFill>
+            <a:r>
+              <a:rPr lang="pt-BR" sz="2000" dirty="0">
+                <a:latin typeface="IBM Plex Sans" panose="020B0503050203000203" pitchFamily="34" charset="0"/>
+              </a:rPr>
+              <a:t>Experimental </a:t>
+            </a:r>
+            <a:r>
+              <a:rPr lang="pt-BR" sz="2000" dirty="0" err="1">
+                <a:latin typeface="IBM Plex Sans" panose="020B0503050203000203" pitchFamily="34" charset="0"/>
+              </a:rPr>
+              <a:t>results</a:t>
+            </a:r>
+            <a:endParaRPr lang="pt-BR" sz="2000" dirty="0">
               <a:latin typeface="IBM Plex Sans" panose="020B0503050203000203" pitchFamily="34" charset="0"/>
             </a:endParaRPr>
           </a:p>
+          <a:p>
+            <a:pPr marL="514350" indent="-514350">
+              <a:buFont typeface="+mj-lt"/>
+              <a:buAutoNum type="arabicPeriod"/>
+            </a:pPr>
+            <a:r>
+              <a:rPr lang="pt-BR" sz="2000" dirty="0">
+                <a:latin typeface="IBM Plex Sans" panose="020B0503050203000203" pitchFamily="34" charset="0"/>
+              </a:rPr>
+              <a:t>Final </a:t>
+            </a:r>
+            <a:r>
+              <a:rPr lang="pt-BR" sz="2000" dirty="0" err="1">
+                <a:latin typeface="IBM Plex Sans" panose="020B0503050203000203" pitchFamily="34" charset="0"/>
+              </a:rPr>
+              <a:t>considerations</a:t>
+            </a:r>
+            <a:r>
+              <a:rPr lang="pt-BR" sz="2000" dirty="0">
+                <a:latin typeface="IBM Plex Sans" panose="020B0503050203000203" pitchFamily="34" charset="0"/>
+              </a:rPr>
+              <a:t> </a:t>
+            </a:r>
+            <a:r>
+              <a:rPr lang="pt-BR" sz="2000" dirty="0" err="1">
+                <a:latin typeface="IBM Plex Sans" panose="020B0503050203000203" pitchFamily="34" charset="0"/>
+              </a:rPr>
+              <a:t>and</a:t>
+            </a:r>
+            <a:r>
+              <a:rPr lang="pt-BR" sz="2000" dirty="0">
+                <a:latin typeface="IBM Plex Sans" panose="020B0503050203000203" pitchFamily="34" charset="0"/>
+              </a:rPr>
+              <a:t> future </a:t>
+            </a:r>
+            <a:r>
+              <a:rPr lang="pt-BR" sz="2000" dirty="0" err="1">
+                <a:latin typeface="IBM Plex Sans" panose="020B0503050203000203" pitchFamily="34" charset="0"/>
+              </a:rPr>
+              <a:t>work</a:t>
+            </a:r>
+            <a:endParaRPr lang="pt-BR" sz="2000" dirty="0">
+              <a:latin typeface="IBM Plex Sans" panose="020B0503050203000203" pitchFamily="34" charset="0"/>
+            </a:endParaRPr>
+          </a:p>
         </p:txBody>
       </p:sp>
       <p:sp>
         <p:nvSpPr>
-          <p:cNvPr id="9" name="Subtitle 2">
+          <p:cNvPr id="6" name="Footer Placeholder 5">
             <a:extLst>
               <a:ext uri="{FF2B5EF4-FFF2-40B4-BE49-F238E27FC236}">
-                <a16:creationId xmlns:a16="http://schemas.microsoft.com/office/drawing/2014/main" id="{DF5869F0-7AB5-C3CD-7AA5-73BAFA20B1CD}"/>
+                <a16:creationId xmlns:a16="http://schemas.microsoft.com/office/drawing/2014/main" id="{182D6A0A-E745-679D-60FF-B7C463A93737}"/>
               </a:ext>
             </a:extLst>
           </p:cNvPr>
-          <p:cNvSpPr txBox="1">
-            <a:spLocks/>
+          <p:cNvSpPr>
+            <a:spLocks noGrp="1"/>
           </p:cNvSpPr>
-          <p:nvPr/>
-        </p:nvSpPr>
-        <p:spPr>
-          <a:xfrm>
-            <a:off x="794658" y="1959846"/>
-            <a:ext cx="10681366" cy="1494555"/>
-          </a:xfrm>
-          <a:prstGeom prst="rect">
-            <a:avLst/>
-          </a:prstGeom>
-        </p:spPr>
+          <p:nvPr>
+            <p:ph type="ftr" sz="quarter" idx="11"/>
+          </p:nvPr>
+        </p:nvSpPr>
+        <p:spPr/>
         <p:txBody>
-          <a:bodyPr vert="horz" lIns="91440" tIns="45720" rIns="91440" bIns="45720" rtlCol="0">
-            <a:noAutofit/>
-          </a:bodyPr>
-          <a:lstStyle>
-            <a:lvl1pPr marL="228600" indent="-228600" algn="l" defTabSz="914400" rtl="0" eaLnBrk="1" latinLnBrk="0" hangingPunct="1">
-              <a:lnSpc>
-                <a:spcPct val="90000"/>
-              </a:lnSpc>
-              <a:spcBef>
-                <a:spcPts val="1000"/>
-              </a:spcBef>
-              <a:buFont typeface="Arial" panose="020B0604020202020204" pitchFamily="34" charset="0"/>
-              <a:buChar char="•"/>
-              <a:defRPr sz="2800" kern="1200">
-                <a:solidFill>
-                  <a:schemeClr val="tx1"/>
-                </a:solidFill>
-                <a:latin typeface="+mn-lt"/>
-                <a:ea typeface="+mn-ea"/>
-                <a:cs typeface="+mn-cs"/>
-              </a:defRPr>
-            </a:lvl1pPr>
-            <a:lvl2pPr marL="685800" indent="-228600" algn="l" defTabSz="914400" rtl="0" eaLnBrk="1" latinLnBrk="0" hangingPunct="1">
-              <a:lnSpc>
-                <a:spcPct val="90000"/>
-              </a:lnSpc>
-              <a:spcBef>
-                <a:spcPts val="500"/>
-              </a:spcBef>
-              <a:buFont typeface="Arial" panose="020B0604020202020204" pitchFamily="34" charset="0"/>
-              <a:buChar char="•"/>
-              <a:defRPr sz="2400" kern="1200">
-                <a:solidFill>
-                  <a:schemeClr val="tx1"/>
-                </a:solidFill>
-                <a:latin typeface="+mn-lt"/>
-                <a:ea typeface="+mn-ea"/>
-                <a:cs typeface="+mn-cs"/>
-              </a:defRPr>
-            </a:lvl2pPr>
-            <a:lvl3pPr marL="1143000" indent="-228600" algn="l" defTabSz="914400" rtl="0" eaLnBrk="1" latinLnBrk="0" hangingPunct="1">
-              <a:lnSpc>
-                <a:spcPct val="90000"/>
-              </a:lnSpc>
-              <a:spcBef>
-                <a:spcPts val="500"/>
-              </a:spcBef>
-              <a:buFont typeface="Arial" panose="020B0604020202020204" pitchFamily="34" charset="0"/>
-              <a:buChar char="•"/>
-              <a:defRPr sz="2000" kern="1200">
-                <a:solidFill>
-                  <a:schemeClr val="tx1"/>
-                </a:solidFill>
-                <a:latin typeface="+mn-lt"/>
-                <a:ea typeface="+mn-ea"/>
-                <a:cs typeface="+mn-cs"/>
-              </a:defRPr>
-            </a:lvl3pPr>
-            <a:lvl4pPr marL="1600200" indent="-228600" algn="l" defTabSz="914400" rtl="0" eaLnBrk="1" latinLnBrk="0" hangingPunct="1">
-              <a:lnSpc>
-                <a:spcPct val="90000"/>
-              </a:lnSpc>
-              <a:spcBef>
-                <a:spcPts val="500"/>
-              </a:spcBef>
-              <a:buFont typeface="Arial" panose="020B0604020202020204" pitchFamily="34" charset="0"/>
-              <a:buChar char="•"/>
-              <a:defRPr sz="1800" kern="1200">
-                <a:solidFill>
-                  <a:schemeClr val="tx1"/>
-                </a:solidFill>
-                <a:latin typeface="+mn-lt"/>
-                <a:ea typeface="+mn-ea"/>
-                <a:cs typeface="+mn-cs"/>
-              </a:defRPr>
-            </a:lvl4pPr>
-            <a:lvl5pPr marL="2057400" indent="-228600" algn="l" defTabSz="914400" rtl="0" eaLnBrk="1" latinLnBrk="0" hangingPunct="1">
-              <a:lnSpc>
-                <a:spcPct val="90000"/>
-              </a:lnSpc>
-              <a:spcBef>
-                <a:spcPts val="500"/>
-              </a:spcBef>
-              <a:buFont typeface="Arial" panose="020B0604020202020204" pitchFamily="34" charset="0"/>
-              <a:buChar char="•"/>
-              <a:defRPr sz="1800" kern="1200">
-                <a:solidFill>
-                  <a:schemeClr val="tx1"/>
-                </a:solidFill>
-                <a:latin typeface="+mn-lt"/>
-                <a:ea typeface="+mn-ea"/>
-                <a:cs typeface="+mn-cs"/>
-              </a:defRPr>
-            </a:lvl5pPr>
-            <a:lvl6pPr marL="2514600" indent="-228600" algn="l" defTabSz="914400" rtl="0" eaLnBrk="1" latinLnBrk="0" hangingPunct="1">
-              <a:lnSpc>
-                <a:spcPct val="90000"/>
-              </a:lnSpc>
-              <a:spcBef>
-                <a:spcPts val="500"/>
-              </a:spcBef>
-              <a:buFont typeface="Arial" panose="020B0604020202020204" pitchFamily="34" charset="0"/>
-              <a:buChar char="•"/>
-              <a:defRPr sz="1800" kern="1200">
-                <a:solidFill>
-                  <a:schemeClr val="tx1"/>
-                </a:solidFill>
-                <a:latin typeface="+mn-lt"/>
-                <a:ea typeface="+mn-ea"/>
-                <a:cs typeface="+mn-cs"/>
-              </a:defRPr>
-            </a:lvl6pPr>
-            <a:lvl7pPr marL="2971800" indent="-228600" algn="l" defTabSz="914400" rtl="0" eaLnBrk="1" latinLnBrk="0" hangingPunct="1">
-              <a:lnSpc>
-                <a:spcPct val="90000"/>
-              </a:lnSpc>
-              <a:spcBef>
-                <a:spcPts val="500"/>
-              </a:spcBef>
-              <a:buFont typeface="Arial" panose="020B0604020202020204" pitchFamily="34" charset="0"/>
-              <a:buChar char="•"/>
-              <a:defRPr sz="1800" kern="1200">
-                <a:solidFill>
-                  <a:schemeClr val="tx1"/>
-                </a:solidFill>
-                <a:latin typeface="+mn-lt"/>
-                <a:ea typeface="+mn-ea"/>
-                <a:cs typeface="+mn-cs"/>
-              </a:defRPr>
-            </a:lvl7pPr>
-            <a:lvl8pPr marL="3429000" indent="-228600" algn="l" defTabSz="914400" rtl="0" eaLnBrk="1" latinLnBrk="0" hangingPunct="1">
-              <a:lnSpc>
-                <a:spcPct val="90000"/>
-              </a:lnSpc>
-              <a:spcBef>
-                <a:spcPts val="500"/>
-              </a:spcBef>
-              <a:buFont typeface="Arial" panose="020B0604020202020204" pitchFamily="34" charset="0"/>
-              <a:buChar char="•"/>
-              <a:defRPr sz="1800" kern="1200">
-                <a:solidFill>
-                  <a:schemeClr val="tx1"/>
-                </a:solidFill>
-                <a:latin typeface="+mn-lt"/>
-                <a:ea typeface="+mn-ea"/>
-                <a:cs typeface="+mn-cs"/>
-              </a:defRPr>
-            </a:lvl8pPr>
-            <a:lvl9pPr marL="3886200" indent="-228600" algn="l" defTabSz="914400" rtl="0" eaLnBrk="1" latinLnBrk="0" hangingPunct="1">
-              <a:lnSpc>
-                <a:spcPct val="90000"/>
-              </a:lnSpc>
-              <a:spcBef>
-                <a:spcPts val="500"/>
-              </a:spcBef>
-              <a:buFont typeface="Arial" panose="020B0604020202020204" pitchFamily="34" charset="0"/>
-              <a:buChar char="•"/>
-              <a:defRPr sz="1800" kern="1200">
-                <a:solidFill>
-                  <a:schemeClr val="tx1"/>
-                </a:solidFill>
-                <a:latin typeface="+mn-lt"/>
-                <a:ea typeface="+mn-ea"/>
-                <a:cs typeface="+mn-cs"/>
-              </a:defRPr>
-            </a:lvl9pPr>
-          </a:lstStyle>
-          <a:p>
-            <a:pPr marL="0" indent="0" algn="ctr">
-              <a:buNone/>
-            </a:pPr>
-            <a:r>
-              <a:rPr lang="en-US" b="1" i="0" dirty="0">
-                <a:effectLst/>
-                <a:latin typeface="IBM Plex Sans" panose="020B0503050203000203" pitchFamily="34" charset="0"/>
-              </a:rPr>
+          <a:bodyPr/>
+          <a:lstStyle/>
+          <a:p>
+            <a:r>
+              <a:rPr lang="pt-BR"/>
               <a:t>A Mobile Traffic Predictor Enhanced by Neighboring Transportation Data (MTP-NT)</a:t>
             </a:r>
-            <a:endParaRPr lang="pt-BR" b="1" dirty="0">
-              <a:latin typeface="IBM Plex Sans" panose="020B0503050203000203" pitchFamily="34" charset="0"/>
-            </a:endParaRPr>
           </a:p>
         </p:txBody>
       </p:sp>
       <p:sp>
         <p:nvSpPr>
-          <p:cNvPr id="3" name="Slide Number Placeholder 2">
+          <p:cNvPr id="7" name="Slide Number Placeholder 6">
             <a:extLst>
               <a:ext uri="{FF2B5EF4-FFF2-40B4-BE49-F238E27FC236}">
-                <a16:creationId xmlns:a16="http://schemas.microsoft.com/office/drawing/2014/main" id="{A3A1D4C2-A873-78C4-5BB9-10481FBEC11D}"/>
+                <a16:creationId xmlns:a16="http://schemas.microsoft.com/office/drawing/2014/main" id="{36E45A6A-468F-0755-DC86-F673816E518A}"/>
               </a:ext>
             </a:extLst>
           </p:cNvPr>
@@ -11505,7 +14821,7 @@
           <a:p>
             <a:fld id="{C16D1434-241F-3E4A-8778-0F70095E40C3}" type="slidenum">
               <a:rPr lang="pt-BR" smtClean="0"/>
-              <a:t>16</a:t>
+              <a:t>19</a:t>
             </a:fld>
             <a:endParaRPr lang="pt-BR"/>
           </a:p>
@@ -11514,7 +14830,7 @@
     </p:spTree>
     <p:extLst>
       <p:ext uri="{BB962C8B-B14F-4D97-AF65-F5344CB8AC3E}">
-        <p14:creationId xmlns:p14="http://schemas.microsoft.com/office/powerpoint/2010/main" val="4280972039"/>
+        <p14:creationId xmlns:p14="http://schemas.microsoft.com/office/powerpoint/2010/main" val="3863392829"/>
       </p:ext>
     </p:extLst>
   </p:cSld>
@@ -11564,7 +14880,6 @@
           </a:bodyPr>
           <a:lstStyle/>
           <a:p>
-            <a:pPr algn="ctr"/>
             <a:r>
               <a:rPr lang="pt-BR" sz="4800" b="1" dirty="0" err="1">
                 <a:latin typeface="IBM Plex Sans" panose="020B0503050203000203" pitchFamily="34" charset="0"/>
@@ -11861,6 +15176,1069 @@
     <p:extLst>
       <p:ext uri="{BB962C8B-B14F-4D97-AF65-F5344CB8AC3E}">
         <p14:creationId xmlns:p14="http://schemas.microsoft.com/office/powerpoint/2010/main" val="1714397077"/>
+      </p:ext>
+    </p:extLst>
+  </p:cSld>
+  <p:clrMapOvr>
+    <a:masterClrMapping/>
+  </p:clrMapOvr>
+</p:sld>
+</file>
+
+<file path=ppt/slides/slide20.xml><?xml version="1.0" encoding="utf-8"?>
+<p:sld xmlns:a="http://schemas.openxmlformats.org/drawingml/2006/main" xmlns:r="http://schemas.openxmlformats.org/officeDocument/2006/relationships" xmlns:p="http://schemas.openxmlformats.org/presentationml/2006/main">
+  <p:cSld>
+    <p:spTree>
+      <p:nvGrpSpPr>
+        <p:cNvPr id="1" name=""/>
+        <p:cNvGrpSpPr/>
+        <p:nvPr/>
+      </p:nvGrpSpPr>
+      <p:grpSpPr>
+        <a:xfrm>
+          <a:off x="0" y="0"/>
+          <a:ext cx="0" cy="0"/>
+          <a:chOff x="0" y="0"/>
+          <a:chExt cx="0" cy="0"/>
+        </a:xfrm>
+      </p:grpSpPr>
+      <p:sp>
+        <p:nvSpPr>
+          <p:cNvPr id="4" name="Footer Placeholder 3">
+            <a:extLst>
+              <a:ext uri="{FF2B5EF4-FFF2-40B4-BE49-F238E27FC236}">
+                <a16:creationId xmlns:a16="http://schemas.microsoft.com/office/drawing/2014/main" id="{ABC5BB99-6713-EE89-3895-F3148FABAE18}"/>
+              </a:ext>
+            </a:extLst>
+          </p:cNvPr>
+          <p:cNvSpPr>
+            <a:spLocks noGrp="1"/>
+          </p:cNvSpPr>
+          <p:nvPr>
+            <p:ph type="ftr" sz="quarter" idx="11"/>
+          </p:nvPr>
+        </p:nvSpPr>
+        <p:spPr/>
+        <p:txBody>
+          <a:bodyPr/>
+          <a:lstStyle/>
+          <a:p>
+            <a:r>
+              <a:rPr lang="pt-BR" dirty="0">
+                <a:latin typeface="IBM Plex Sans" panose="020B0503050203000203" pitchFamily="34" charset="0"/>
+              </a:rPr>
+              <a:t>A Mobile </a:t>
+            </a:r>
+            <a:r>
+              <a:rPr lang="pt-BR" dirty="0" err="1">
+                <a:latin typeface="IBM Plex Sans" panose="020B0503050203000203" pitchFamily="34" charset="0"/>
+              </a:rPr>
+              <a:t>Traffic</a:t>
+            </a:r>
+            <a:r>
+              <a:rPr lang="pt-BR" dirty="0">
+                <a:latin typeface="IBM Plex Sans" panose="020B0503050203000203" pitchFamily="34" charset="0"/>
+              </a:rPr>
+              <a:t> </a:t>
+            </a:r>
+            <a:r>
+              <a:rPr lang="pt-BR" dirty="0" err="1">
+                <a:latin typeface="IBM Plex Sans" panose="020B0503050203000203" pitchFamily="34" charset="0"/>
+              </a:rPr>
+              <a:t>Predictor</a:t>
+            </a:r>
+            <a:r>
+              <a:rPr lang="pt-BR" dirty="0">
+                <a:latin typeface="IBM Plex Sans" panose="020B0503050203000203" pitchFamily="34" charset="0"/>
+              </a:rPr>
+              <a:t> </a:t>
+            </a:r>
+            <a:r>
+              <a:rPr lang="pt-BR" dirty="0" err="1">
+                <a:latin typeface="IBM Plex Sans" panose="020B0503050203000203" pitchFamily="34" charset="0"/>
+              </a:rPr>
+              <a:t>Enhanced</a:t>
+            </a:r>
+            <a:r>
+              <a:rPr lang="pt-BR" dirty="0">
+                <a:latin typeface="IBM Plex Sans" panose="020B0503050203000203" pitchFamily="34" charset="0"/>
+              </a:rPr>
+              <a:t> </a:t>
+            </a:r>
+            <a:r>
+              <a:rPr lang="pt-BR" dirty="0" err="1">
+                <a:latin typeface="IBM Plex Sans" panose="020B0503050203000203" pitchFamily="34" charset="0"/>
+              </a:rPr>
+              <a:t>by</a:t>
+            </a:r>
+            <a:r>
+              <a:rPr lang="pt-BR" dirty="0">
+                <a:latin typeface="IBM Plex Sans" panose="020B0503050203000203" pitchFamily="34" charset="0"/>
+              </a:rPr>
+              <a:t> </a:t>
+            </a:r>
+            <a:r>
+              <a:rPr lang="pt-BR" dirty="0" err="1">
+                <a:latin typeface="IBM Plex Sans" panose="020B0503050203000203" pitchFamily="34" charset="0"/>
+              </a:rPr>
+              <a:t>Neighboring</a:t>
+            </a:r>
+            <a:r>
+              <a:rPr lang="pt-BR" dirty="0">
+                <a:latin typeface="IBM Plex Sans" panose="020B0503050203000203" pitchFamily="34" charset="0"/>
+              </a:rPr>
+              <a:t> </a:t>
+            </a:r>
+            <a:r>
+              <a:rPr lang="pt-BR" dirty="0" err="1">
+                <a:latin typeface="IBM Plex Sans" panose="020B0503050203000203" pitchFamily="34" charset="0"/>
+              </a:rPr>
+              <a:t>Transportation</a:t>
+            </a:r>
+            <a:r>
+              <a:rPr lang="pt-BR" dirty="0">
+                <a:latin typeface="IBM Plex Sans" panose="020B0503050203000203" pitchFamily="34" charset="0"/>
+              </a:rPr>
+              <a:t> Data (MTP-NT)</a:t>
+            </a:r>
+          </a:p>
+        </p:txBody>
+      </p:sp>
+      <p:sp>
+        <p:nvSpPr>
+          <p:cNvPr id="5" name="Slide Number Placeholder 4">
+            <a:extLst>
+              <a:ext uri="{FF2B5EF4-FFF2-40B4-BE49-F238E27FC236}">
+                <a16:creationId xmlns:a16="http://schemas.microsoft.com/office/drawing/2014/main" id="{DE4D7978-95DF-1BFB-E341-3759F4762F0C}"/>
+              </a:ext>
+            </a:extLst>
+          </p:cNvPr>
+          <p:cNvSpPr>
+            <a:spLocks noGrp="1"/>
+          </p:cNvSpPr>
+          <p:nvPr>
+            <p:ph type="sldNum" sz="quarter" idx="12"/>
+          </p:nvPr>
+        </p:nvSpPr>
+        <p:spPr/>
+        <p:txBody>
+          <a:bodyPr/>
+          <a:lstStyle/>
+          <a:p>
+            <a:fld id="{C16D1434-241F-3E4A-8778-0F70095E40C3}" type="slidenum">
+              <a:rPr lang="pt-BR" smtClean="0">
+                <a:latin typeface="IBM Plex Sans" panose="020B0503050203000203" pitchFamily="34" charset="0"/>
+              </a:rPr>
+              <a:t>20</a:t>
+            </a:fld>
+            <a:endParaRPr lang="pt-BR">
+              <a:latin typeface="IBM Plex Sans" panose="020B0503050203000203" pitchFamily="34" charset="0"/>
+            </a:endParaRPr>
+          </a:p>
+        </p:txBody>
+      </p:sp>
+      <p:sp>
+        <p:nvSpPr>
+          <p:cNvPr id="13" name="Text Placeholder">
+            <a:extLst>
+              <a:ext uri="{FF2B5EF4-FFF2-40B4-BE49-F238E27FC236}">
+                <a16:creationId xmlns:a16="http://schemas.microsoft.com/office/drawing/2014/main" id="{4D1EB361-A84D-E1BA-5887-29346BE14147}"/>
+              </a:ext>
+            </a:extLst>
+          </p:cNvPr>
+          <p:cNvSpPr txBox="1">
+            <a:spLocks/>
+          </p:cNvSpPr>
+          <p:nvPr/>
+        </p:nvSpPr>
+        <p:spPr>
+          <a:xfrm>
+            <a:off x="-1" y="104751"/>
+            <a:ext cx="12056165" cy="1296666"/>
+          </a:xfrm>
+          <a:prstGeom prst="rect">
+            <a:avLst/>
+          </a:prstGeom>
+        </p:spPr>
+        <p:txBody>
+          <a:bodyPr vert="horz" lIns="91440" tIns="45720" rIns="91440" bIns="45720" rtlCol="0" anchor="ctr"/>
+          <a:lstStyle>
+            <a:defPPr>
+              <a:defRPr lang="en-BR"/>
+            </a:defPPr>
+            <a:lvl1pPr marL="0" algn="r" defTabSz="914400" rtl="0" eaLnBrk="1" latinLnBrk="0" hangingPunct="1">
+              <a:defRPr sz="1200" kern="1200">
+                <a:solidFill>
+                  <a:schemeClr val="tx1">
+                    <a:tint val="75000"/>
+                  </a:schemeClr>
+                </a:solidFill>
+                <a:latin typeface="+mn-lt"/>
+                <a:ea typeface="+mn-ea"/>
+                <a:cs typeface="+mn-cs"/>
+              </a:defRPr>
+            </a:lvl1pPr>
+            <a:lvl2pPr marL="457200" algn="l" defTabSz="914400" rtl="0" eaLnBrk="1" latinLnBrk="0" hangingPunct="1">
+              <a:defRPr sz="1800" kern="1200">
+                <a:solidFill>
+                  <a:schemeClr val="tx1"/>
+                </a:solidFill>
+                <a:latin typeface="+mn-lt"/>
+                <a:ea typeface="+mn-ea"/>
+                <a:cs typeface="+mn-cs"/>
+              </a:defRPr>
+            </a:lvl2pPr>
+            <a:lvl3pPr marL="914400" algn="l" defTabSz="914400" rtl="0" eaLnBrk="1" latinLnBrk="0" hangingPunct="1">
+              <a:defRPr sz="1800" kern="1200">
+                <a:solidFill>
+                  <a:schemeClr val="tx1"/>
+                </a:solidFill>
+                <a:latin typeface="+mn-lt"/>
+                <a:ea typeface="+mn-ea"/>
+                <a:cs typeface="+mn-cs"/>
+              </a:defRPr>
+            </a:lvl3pPr>
+            <a:lvl4pPr marL="1371600" algn="l" defTabSz="914400" rtl="0" eaLnBrk="1" latinLnBrk="0" hangingPunct="1">
+              <a:defRPr sz="1800" kern="1200">
+                <a:solidFill>
+                  <a:schemeClr val="tx1"/>
+                </a:solidFill>
+                <a:latin typeface="+mn-lt"/>
+                <a:ea typeface="+mn-ea"/>
+                <a:cs typeface="+mn-cs"/>
+              </a:defRPr>
+            </a:lvl4pPr>
+            <a:lvl5pPr marL="1828800" algn="l" defTabSz="914400" rtl="0" eaLnBrk="1" latinLnBrk="0" hangingPunct="1">
+              <a:defRPr sz="1800" kern="1200">
+                <a:solidFill>
+                  <a:schemeClr val="tx1"/>
+                </a:solidFill>
+                <a:latin typeface="+mn-lt"/>
+                <a:ea typeface="+mn-ea"/>
+                <a:cs typeface="+mn-cs"/>
+              </a:defRPr>
+            </a:lvl5pPr>
+            <a:lvl6pPr marL="2286000" algn="l" defTabSz="914400" rtl="0" eaLnBrk="1" latinLnBrk="0" hangingPunct="1">
+              <a:defRPr sz="1800" kern="1200">
+                <a:solidFill>
+                  <a:schemeClr val="tx1"/>
+                </a:solidFill>
+                <a:latin typeface="+mn-lt"/>
+                <a:ea typeface="+mn-ea"/>
+                <a:cs typeface="+mn-cs"/>
+              </a:defRPr>
+            </a:lvl6pPr>
+            <a:lvl7pPr marL="2743200" algn="l" defTabSz="914400" rtl="0" eaLnBrk="1" latinLnBrk="0" hangingPunct="1">
+              <a:defRPr sz="1800" kern="1200">
+                <a:solidFill>
+                  <a:schemeClr val="tx1"/>
+                </a:solidFill>
+                <a:latin typeface="+mn-lt"/>
+                <a:ea typeface="+mn-ea"/>
+                <a:cs typeface="+mn-cs"/>
+              </a:defRPr>
+            </a:lvl7pPr>
+            <a:lvl8pPr marL="3200400" algn="l" defTabSz="914400" rtl="0" eaLnBrk="1" latinLnBrk="0" hangingPunct="1">
+              <a:defRPr sz="1800" kern="1200">
+                <a:solidFill>
+                  <a:schemeClr val="tx1"/>
+                </a:solidFill>
+                <a:latin typeface="+mn-lt"/>
+                <a:ea typeface="+mn-ea"/>
+                <a:cs typeface="+mn-cs"/>
+              </a:defRPr>
+            </a:lvl8pPr>
+            <a:lvl9pPr marL="3657600" algn="l" defTabSz="914400" rtl="0" eaLnBrk="1" latinLnBrk="0" hangingPunct="1">
+              <a:defRPr sz="1800" kern="1200">
+                <a:solidFill>
+                  <a:schemeClr val="tx1"/>
+                </a:solidFill>
+                <a:latin typeface="+mn-lt"/>
+                <a:ea typeface="+mn-ea"/>
+                <a:cs typeface="+mn-cs"/>
+              </a:defRPr>
+            </a:lvl9pPr>
+          </a:lstStyle>
+          <a:p>
+            <a:pPr algn="l"/>
+            <a:r>
+              <a:rPr lang="en-US" sz="4800" b="1" dirty="0">
+                <a:solidFill>
+                  <a:schemeClr val="tx1"/>
+                </a:solidFill>
+                <a:latin typeface="IBM Plex Sans" panose="020B0503050203000203" pitchFamily="34" charset="0"/>
+              </a:rPr>
+              <a:t>Preliminaries on data Collection for MTP-NT - Preliminaries</a:t>
+            </a:r>
+          </a:p>
+        </p:txBody>
+      </p:sp>
+      <p:sp>
+        <p:nvSpPr>
+          <p:cNvPr id="8" name="Title">
+            <a:extLst>
+              <a:ext uri="{FF2B5EF4-FFF2-40B4-BE49-F238E27FC236}">
+                <a16:creationId xmlns:a16="http://schemas.microsoft.com/office/drawing/2014/main" id="{C3FEDE76-F9A0-0EE7-AE0C-CBFFC7A2FF66}"/>
+              </a:ext>
+            </a:extLst>
+          </p:cNvPr>
+          <p:cNvSpPr txBox="1">
+            <a:spLocks/>
+          </p:cNvSpPr>
+          <p:nvPr/>
+        </p:nvSpPr>
+        <p:spPr>
+          <a:xfrm>
+            <a:off x="531345" y="1784768"/>
+            <a:ext cx="10683501" cy="3091658"/>
+          </a:xfrm>
+          <a:prstGeom prst="rect">
+            <a:avLst/>
+          </a:prstGeom>
+        </p:spPr>
+        <p:txBody>
+          <a:bodyPr vert="horz" lIns="91440" tIns="45720" rIns="91440" bIns="45720" rtlCol="0" anchor="t">
+            <a:normAutofit/>
+          </a:bodyPr>
+          <a:lstStyle>
+            <a:lvl1pPr algn="l" defTabSz="914400" rtl="0" eaLnBrk="1" latinLnBrk="0" hangingPunct="1">
+              <a:lnSpc>
+                <a:spcPct val="90000"/>
+              </a:lnSpc>
+              <a:spcBef>
+                <a:spcPct val="0"/>
+              </a:spcBef>
+              <a:buNone/>
+              <a:defRPr sz="4400" kern="1200">
+                <a:solidFill>
+                  <a:schemeClr val="tx1"/>
+                </a:solidFill>
+                <a:latin typeface="+mj-lt"/>
+                <a:ea typeface="+mj-ea"/>
+                <a:cs typeface="+mj-cs"/>
+              </a:defRPr>
+            </a:lvl1pPr>
+          </a:lstStyle>
+          <a:p>
+            <a:r>
+              <a:rPr lang="en-US" sz="1600" b="1" dirty="0" err="1">
+                <a:latin typeface="IBM Plex Sans" panose="020B0503050203000203" pitchFamily="34" charset="0"/>
+              </a:rPr>
+              <a:t>Lipsum</a:t>
+            </a:r>
+            <a:endParaRPr lang="en-US" sz="1600" b="1" dirty="0">
+              <a:latin typeface="IBM Plex Sans" panose="020B0503050203000203" pitchFamily="34" charset="0"/>
+            </a:endParaRPr>
+          </a:p>
+        </p:txBody>
+      </p:sp>
+    </p:spTree>
+    <p:extLst>
+      <p:ext uri="{BB962C8B-B14F-4D97-AF65-F5344CB8AC3E}">
+        <p14:creationId xmlns:p14="http://schemas.microsoft.com/office/powerpoint/2010/main" val="3860864982"/>
+      </p:ext>
+    </p:extLst>
+  </p:cSld>
+  <p:clrMapOvr>
+    <a:masterClrMapping/>
+  </p:clrMapOvr>
+</p:sld>
+</file>
+
+<file path=ppt/slides/slide21.xml><?xml version="1.0" encoding="utf-8"?>
+<p:sld xmlns:a="http://schemas.openxmlformats.org/drawingml/2006/main" xmlns:r="http://schemas.openxmlformats.org/officeDocument/2006/relationships" xmlns:p="http://schemas.openxmlformats.org/presentationml/2006/main">
+  <p:cSld>
+    <p:spTree>
+      <p:nvGrpSpPr>
+        <p:cNvPr id="1" name=""/>
+        <p:cNvGrpSpPr/>
+        <p:nvPr/>
+      </p:nvGrpSpPr>
+      <p:grpSpPr>
+        <a:xfrm>
+          <a:off x="0" y="0"/>
+          <a:ext cx="0" cy="0"/>
+          <a:chOff x="0" y="0"/>
+          <a:chExt cx="0" cy="0"/>
+        </a:xfrm>
+      </p:grpSpPr>
+      <p:sp>
+        <p:nvSpPr>
+          <p:cNvPr id="7" name="Title 1">
+            <a:extLst>
+              <a:ext uri="{FF2B5EF4-FFF2-40B4-BE49-F238E27FC236}">
+                <a16:creationId xmlns:a16="http://schemas.microsoft.com/office/drawing/2014/main" id="{5093AA27-F3BD-1820-3163-CF62B9DF394A}"/>
+              </a:ext>
+            </a:extLst>
+          </p:cNvPr>
+          <p:cNvSpPr>
+            <a:spLocks noGrp="1"/>
+          </p:cNvSpPr>
+          <p:nvPr>
+            <p:ph type="title"/>
+          </p:nvPr>
+        </p:nvSpPr>
+        <p:spPr>
+          <a:xfrm>
+            <a:off x="838200" y="365125"/>
+            <a:ext cx="10515600" cy="1325563"/>
+          </a:xfrm>
+        </p:spPr>
+        <p:txBody>
+          <a:bodyPr>
+            <a:normAutofit/>
+          </a:bodyPr>
+          <a:lstStyle/>
+          <a:p>
+            <a:pPr algn="ctr">
+              <a:lnSpc>
+                <a:spcPts val="2400"/>
+              </a:lnSpc>
+              <a:spcBef>
+                <a:spcPct val="20000"/>
+              </a:spcBef>
+            </a:pPr>
+            <a:r>
+              <a:rPr lang="pt-BR" sz="4000" b="1" dirty="0" err="1">
+                <a:latin typeface="IBM Plex Sans" panose="020B0503050203000203" pitchFamily="34" charset="0"/>
+                <a:ea typeface="+mn-ea"/>
+                <a:cs typeface="+mn-cs"/>
+              </a:rPr>
+              <a:t>Thanks</a:t>
+            </a:r>
+            <a:r>
+              <a:rPr lang="pt-BR" sz="4000" b="1" dirty="0">
+                <a:latin typeface="IBM Plex Sans" panose="020B0503050203000203" pitchFamily="34" charset="0"/>
+                <a:ea typeface="+mn-ea"/>
+                <a:cs typeface="+mn-cs"/>
+              </a:rPr>
+              <a:t>!</a:t>
+            </a:r>
+          </a:p>
+        </p:txBody>
+      </p:sp>
+      <p:sp>
+        <p:nvSpPr>
+          <p:cNvPr id="8" name="Subtítulo 2">
+            <a:extLst>
+              <a:ext uri="{FF2B5EF4-FFF2-40B4-BE49-F238E27FC236}">
+                <a16:creationId xmlns:a16="http://schemas.microsoft.com/office/drawing/2014/main" id="{9D04AA28-7C76-CB8E-7EA3-A9E15B100E85}"/>
+              </a:ext>
+            </a:extLst>
+          </p:cNvPr>
+          <p:cNvSpPr txBox="1">
+            <a:spLocks/>
+          </p:cNvSpPr>
+          <p:nvPr/>
+        </p:nvSpPr>
+        <p:spPr>
+          <a:xfrm>
+            <a:off x="3689968" y="3454401"/>
+            <a:ext cx="7873140" cy="3033485"/>
+          </a:xfrm>
+          <a:prstGeom prst="rect">
+            <a:avLst/>
+          </a:prstGeom>
+        </p:spPr>
+        <p:txBody>
+          <a:bodyPr vert="horz" lIns="91440" tIns="45720" rIns="91440" bIns="45720" rtlCol="0">
+            <a:normAutofit fontScale="92500" lnSpcReduction="10000"/>
+          </a:bodyPr>
+          <a:lstStyle>
+            <a:lvl1pPr marL="228600" indent="-228600" algn="l" defTabSz="914400" rtl="0" eaLnBrk="1" latinLnBrk="0" hangingPunct="1">
+              <a:lnSpc>
+                <a:spcPct val="90000"/>
+              </a:lnSpc>
+              <a:spcBef>
+                <a:spcPts val="1000"/>
+              </a:spcBef>
+              <a:buFont typeface="Arial" panose="020B0604020202020204" pitchFamily="34" charset="0"/>
+              <a:buChar char="•"/>
+              <a:defRPr sz="2800" kern="1200">
+                <a:solidFill>
+                  <a:schemeClr val="tx1"/>
+                </a:solidFill>
+                <a:latin typeface="+mn-lt"/>
+                <a:ea typeface="+mn-ea"/>
+                <a:cs typeface="+mn-cs"/>
+              </a:defRPr>
+            </a:lvl1pPr>
+            <a:lvl2pPr marL="685800" indent="-228600" algn="l" defTabSz="914400" rtl="0" eaLnBrk="1" latinLnBrk="0" hangingPunct="1">
+              <a:lnSpc>
+                <a:spcPct val="90000"/>
+              </a:lnSpc>
+              <a:spcBef>
+                <a:spcPts val="500"/>
+              </a:spcBef>
+              <a:buFont typeface="Arial" panose="020B0604020202020204" pitchFamily="34" charset="0"/>
+              <a:buChar char="•"/>
+              <a:defRPr sz="2400" kern="1200">
+                <a:solidFill>
+                  <a:schemeClr val="tx1"/>
+                </a:solidFill>
+                <a:latin typeface="+mn-lt"/>
+                <a:ea typeface="+mn-ea"/>
+                <a:cs typeface="+mn-cs"/>
+              </a:defRPr>
+            </a:lvl2pPr>
+            <a:lvl3pPr marL="1143000" indent="-228600" algn="l" defTabSz="914400" rtl="0" eaLnBrk="1" latinLnBrk="0" hangingPunct="1">
+              <a:lnSpc>
+                <a:spcPct val="90000"/>
+              </a:lnSpc>
+              <a:spcBef>
+                <a:spcPts val="500"/>
+              </a:spcBef>
+              <a:buFont typeface="Arial" panose="020B0604020202020204" pitchFamily="34" charset="0"/>
+              <a:buChar char="•"/>
+              <a:defRPr sz="2000" kern="1200">
+                <a:solidFill>
+                  <a:schemeClr val="tx1"/>
+                </a:solidFill>
+                <a:latin typeface="+mn-lt"/>
+                <a:ea typeface="+mn-ea"/>
+                <a:cs typeface="+mn-cs"/>
+              </a:defRPr>
+            </a:lvl3pPr>
+            <a:lvl4pPr marL="1600200" indent="-228600" algn="l" defTabSz="914400" rtl="0" eaLnBrk="1" latinLnBrk="0" hangingPunct="1">
+              <a:lnSpc>
+                <a:spcPct val="90000"/>
+              </a:lnSpc>
+              <a:spcBef>
+                <a:spcPts val="500"/>
+              </a:spcBef>
+              <a:buFont typeface="Arial" panose="020B0604020202020204" pitchFamily="34" charset="0"/>
+              <a:buChar char="•"/>
+              <a:defRPr sz="1800" kern="1200">
+                <a:solidFill>
+                  <a:schemeClr val="tx1"/>
+                </a:solidFill>
+                <a:latin typeface="+mn-lt"/>
+                <a:ea typeface="+mn-ea"/>
+                <a:cs typeface="+mn-cs"/>
+              </a:defRPr>
+            </a:lvl4pPr>
+            <a:lvl5pPr marL="2057400" indent="-228600" algn="l" defTabSz="914400" rtl="0" eaLnBrk="1" latinLnBrk="0" hangingPunct="1">
+              <a:lnSpc>
+                <a:spcPct val="90000"/>
+              </a:lnSpc>
+              <a:spcBef>
+                <a:spcPts val="500"/>
+              </a:spcBef>
+              <a:buFont typeface="Arial" panose="020B0604020202020204" pitchFamily="34" charset="0"/>
+              <a:buChar char="•"/>
+              <a:defRPr sz="1800" kern="1200">
+                <a:solidFill>
+                  <a:schemeClr val="tx1"/>
+                </a:solidFill>
+                <a:latin typeface="+mn-lt"/>
+                <a:ea typeface="+mn-ea"/>
+                <a:cs typeface="+mn-cs"/>
+              </a:defRPr>
+            </a:lvl5pPr>
+            <a:lvl6pPr marL="2514600" indent="-228600" algn="l" defTabSz="914400" rtl="0" eaLnBrk="1" latinLnBrk="0" hangingPunct="1">
+              <a:lnSpc>
+                <a:spcPct val="90000"/>
+              </a:lnSpc>
+              <a:spcBef>
+                <a:spcPts val="500"/>
+              </a:spcBef>
+              <a:buFont typeface="Arial" panose="020B0604020202020204" pitchFamily="34" charset="0"/>
+              <a:buChar char="•"/>
+              <a:defRPr sz="1800" kern="1200">
+                <a:solidFill>
+                  <a:schemeClr val="tx1"/>
+                </a:solidFill>
+                <a:latin typeface="+mn-lt"/>
+                <a:ea typeface="+mn-ea"/>
+                <a:cs typeface="+mn-cs"/>
+              </a:defRPr>
+            </a:lvl6pPr>
+            <a:lvl7pPr marL="2971800" indent="-228600" algn="l" defTabSz="914400" rtl="0" eaLnBrk="1" latinLnBrk="0" hangingPunct="1">
+              <a:lnSpc>
+                <a:spcPct val="90000"/>
+              </a:lnSpc>
+              <a:spcBef>
+                <a:spcPts val="500"/>
+              </a:spcBef>
+              <a:buFont typeface="Arial" panose="020B0604020202020204" pitchFamily="34" charset="0"/>
+              <a:buChar char="•"/>
+              <a:defRPr sz="1800" kern="1200">
+                <a:solidFill>
+                  <a:schemeClr val="tx1"/>
+                </a:solidFill>
+                <a:latin typeface="+mn-lt"/>
+                <a:ea typeface="+mn-ea"/>
+                <a:cs typeface="+mn-cs"/>
+              </a:defRPr>
+            </a:lvl7pPr>
+            <a:lvl8pPr marL="3429000" indent="-228600" algn="l" defTabSz="914400" rtl="0" eaLnBrk="1" latinLnBrk="0" hangingPunct="1">
+              <a:lnSpc>
+                <a:spcPct val="90000"/>
+              </a:lnSpc>
+              <a:spcBef>
+                <a:spcPts val="500"/>
+              </a:spcBef>
+              <a:buFont typeface="Arial" panose="020B0604020202020204" pitchFamily="34" charset="0"/>
+              <a:buChar char="•"/>
+              <a:defRPr sz="1800" kern="1200">
+                <a:solidFill>
+                  <a:schemeClr val="tx1"/>
+                </a:solidFill>
+                <a:latin typeface="+mn-lt"/>
+                <a:ea typeface="+mn-ea"/>
+                <a:cs typeface="+mn-cs"/>
+              </a:defRPr>
+            </a:lvl8pPr>
+            <a:lvl9pPr marL="3886200" indent="-228600" algn="l" defTabSz="914400" rtl="0" eaLnBrk="1" latinLnBrk="0" hangingPunct="1">
+              <a:lnSpc>
+                <a:spcPct val="90000"/>
+              </a:lnSpc>
+              <a:spcBef>
+                <a:spcPts val="500"/>
+              </a:spcBef>
+              <a:buFont typeface="Arial" panose="020B0604020202020204" pitchFamily="34" charset="0"/>
+              <a:buChar char="•"/>
+              <a:defRPr sz="1800" kern="1200">
+                <a:solidFill>
+                  <a:schemeClr val="tx1"/>
+                </a:solidFill>
+                <a:latin typeface="+mn-lt"/>
+                <a:ea typeface="+mn-ea"/>
+                <a:cs typeface="+mn-cs"/>
+              </a:defRPr>
+            </a:lvl9pPr>
+          </a:lstStyle>
+          <a:p>
+            <a:pPr marL="0" indent="0" algn="r">
+              <a:buNone/>
+            </a:pPr>
+            <a:r>
+              <a:rPr lang="pt-BR" dirty="0">
+                <a:solidFill>
+                  <a:schemeClr val="tx1">
+                    <a:lumMod val="65000"/>
+                    <a:lumOff val="35000"/>
+                  </a:schemeClr>
+                </a:solidFill>
+                <a:latin typeface="IBM Plex Sans" panose="020B0503050203000203" pitchFamily="34" charset="0"/>
+              </a:rPr>
+              <a:t>Patrick Luiz de Araújo</a:t>
+            </a:r>
+          </a:p>
+          <a:p>
+            <a:pPr marL="0" indent="0" algn="r">
+              <a:buNone/>
+            </a:pPr>
+            <a:r>
+              <a:rPr lang="pt-BR" sz="1500" dirty="0">
+                <a:solidFill>
+                  <a:schemeClr val="tx1">
+                    <a:lumMod val="65000"/>
+                    <a:lumOff val="35000"/>
+                  </a:schemeClr>
+                </a:solidFill>
+                <a:latin typeface="IBM Plex Sans" panose="020B0503050203000203" pitchFamily="34" charset="0"/>
+                <a:hlinkClick r:id="rId2"/>
+              </a:rPr>
+              <a:t>patrick@ufu.br</a:t>
+            </a:r>
+            <a:endParaRPr lang="pt-BR" sz="1500" dirty="0">
+              <a:solidFill>
+                <a:schemeClr val="tx1">
+                  <a:lumMod val="65000"/>
+                  <a:lumOff val="35000"/>
+                </a:schemeClr>
+              </a:solidFill>
+              <a:latin typeface="IBM Plex Sans" panose="020B0503050203000203" pitchFamily="34" charset="0"/>
+            </a:endParaRPr>
+          </a:p>
+          <a:p>
+            <a:pPr marL="0" indent="0" algn="r">
+              <a:buNone/>
+            </a:pPr>
+            <a:endParaRPr lang="pt-BR" sz="1600" dirty="0">
+              <a:solidFill>
+                <a:schemeClr val="tx1">
+                  <a:lumMod val="65000"/>
+                  <a:lumOff val="35000"/>
+                </a:schemeClr>
+              </a:solidFill>
+              <a:latin typeface="IBM Plex Sans" panose="020B0503050203000203" pitchFamily="34" charset="0"/>
+            </a:endParaRPr>
+          </a:p>
+          <a:p>
+            <a:pPr marL="0" indent="0" algn="r">
+              <a:buNone/>
+            </a:pPr>
+            <a:r>
+              <a:rPr lang="pt-BR" dirty="0">
+                <a:solidFill>
+                  <a:schemeClr val="tx1">
+                    <a:lumMod val="65000"/>
+                    <a:lumOff val="35000"/>
+                  </a:schemeClr>
+                </a:solidFill>
+                <a:latin typeface="IBM Plex Sans" panose="020B0503050203000203" pitchFamily="34" charset="0"/>
+              </a:rPr>
+              <a:t>Prof. Dr. Rafael Pasquini</a:t>
+            </a:r>
+          </a:p>
+          <a:p>
+            <a:pPr marL="0" indent="0" algn="r">
+              <a:buNone/>
+            </a:pPr>
+            <a:r>
+              <a:rPr lang="pt-BR" sz="1500" dirty="0">
+                <a:solidFill>
+                  <a:schemeClr val="tx1">
+                    <a:lumMod val="65000"/>
+                    <a:lumOff val="35000"/>
+                  </a:schemeClr>
+                </a:solidFill>
+                <a:latin typeface="IBM Plex Sans" panose="020B0503050203000203" pitchFamily="34" charset="0"/>
+                <a:hlinkClick r:id="rId3"/>
+              </a:rPr>
+              <a:t>rafael.pasquini@ufu.br</a:t>
+            </a:r>
+            <a:endParaRPr lang="pt-BR" sz="1500" dirty="0">
+              <a:solidFill>
+                <a:schemeClr val="tx1">
+                  <a:lumMod val="65000"/>
+                  <a:lumOff val="35000"/>
+                </a:schemeClr>
+              </a:solidFill>
+              <a:latin typeface="IBM Plex Sans" panose="020B0503050203000203" pitchFamily="34" charset="0"/>
+            </a:endParaRPr>
+          </a:p>
+          <a:p>
+            <a:pPr marL="0" indent="0" algn="r">
+              <a:buNone/>
+            </a:pPr>
+            <a:endParaRPr lang="pt-BR" sz="1800" dirty="0">
+              <a:solidFill>
+                <a:schemeClr val="tx1">
+                  <a:lumMod val="65000"/>
+                  <a:lumOff val="35000"/>
+                </a:schemeClr>
+              </a:solidFill>
+              <a:latin typeface="IBM Plex Sans" panose="020B0503050203000203" pitchFamily="34" charset="0"/>
+            </a:endParaRPr>
+          </a:p>
+          <a:p>
+            <a:pPr marL="0" indent="0" algn="r">
+              <a:buNone/>
+            </a:pPr>
+            <a:r>
+              <a:rPr lang="pt-BR" dirty="0">
+                <a:solidFill>
+                  <a:schemeClr val="tx1">
+                    <a:lumMod val="65000"/>
+                    <a:lumOff val="35000"/>
+                  </a:schemeClr>
+                </a:solidFill>
+                <a:latin typeface="IBM Plex Sans" panose="020B0503050203000203" pitchFamily="34" charset="0"/>
+              </a:rPr>
+              <a:t>Prof. Dr. Murillo Guimarães Carneiro</a:t>
+            </a:r>
+          </a:p>
+          <a:p>
+            <a:pPr marL="0" indent="0" algn="r">
+              <a:buNone/>
+            </a:pPr>
+            <a:r>
+              <a:rPr lang="pt-BR" sz="1500" dirty="0">
+                <a:solidFill>
+                  <a:schemeClr val="tx1">
+                    <a:lumMod val="65000"/>
+                    <a:lumOff val="35000"/>
+                  </a:schemeClr>
+                </a:solidFill>
+                <a:latin typeface="IBM Plex Sans" panose="020B0503050203000203" pitchFamily="34" charset="0"/>
+                <a:hlinkClick r:id="rId4"/>
+              </a:rPr>
+              <a:t>mgcarneiro@ufu.br</a:t>
+            </a:r>
+            <a:endParaRPr lang="pt-BR" sz="1500" dirty="0">
+              <a:solidFill>
+                <a:schemeClr val="tx1">
+                  <a:lumMod val="65000"/>
+                  <a:lumOff val="35000"/>
+                </a:schemeClr>
+              </a:solidFill>
+              <a:latin typeface="IBM Plex Sans" panose="020B0503050203000203" pitchFamily="34" charset="0"/>
+            </a:endParaRPr>
+          </a:p>
+          <a:p>
+            <a:pPr marL="0" indent="0" algn="r">
+              <a:buNone/>
+            </a:pPr>
+            <a:endParaRPr lang="pt-BR" sz="1800" dirty="0">
+              <a:solidFill>
+                <a:schemeClr val="tx1">
+                  <a:lumMod val="65000"/>
+                  <a:lumOff val="35000"/>
+                </a:schemeClr>
+              </a:solidFill>
+              <a:latin typeface="IBM Plex Sans" panose="020B0503050203000203" pitchFamily="34" charset="0"/>
+            </a:endParaRPr>
+          </a:p>
+          <a:p>
+            <a:pPr marL="0" indent="0" algn="r">
+              <a:buNone/>
+            </a:pPr>
+            <a:endParaRPr lang="pt-BR" sz="1800" dirty="0">
+              <a:solidFill>
+                <a:schemeClr val="tx1">
+                  <a:lumMod val="65000"/>
+                  <a:lumOff val="35000"/>
+                </a:schemeClr>
+              </a:solidFill>
+              <a:latin typeface="IBM Plex Sans" panose="020B0503050203000203" pitchFamily="34" charset="0"/>
+            </a:endParaRPr>
+          </a:p>
+        </p:txBody>
+      </p:sp>
+      <p:sp>
+        <p:nvSpPr>
+          <p:cNvPr id="9" name="Subtitle 2">
+            <a:extLst>
+              <a:ext uri="{FF2B5EF4-FFF2-40B4-BE49-F238E27FC236}">
+                <a16:creationId xmlns:a16="http://schemas.microsoft.com/office/drawing/2014/main" id="{DF5869F0-7AB5-C3CD-7AA5-73BAFA20B1CD}"/>
+              </a:ext>
+            </a:extLst>
+          </p:cNvPr>
+          <p:cNvSpPr txBox="1">
+            <a:spLocks/>
+          </p:cNvSpPr>
+          <p:nvPr/>
+        </p:nvSpPr>
+        <p:spPr>
+          <a:xfrm>
+            <a:off x="794658" y="1959846"/>
+            <a:ext cx="10681366" cy="1494555"/>
+          </a:xfrm>
+          <a:prstGeom prst="rect">
+            <a:avLst/>
+          </a:prstGeom>
+        </p:spPr>
+        <p:txBody>
+          <a:bodyPr vert="horz" lIns="91440" tIns="45720" rIns="91440" bIns="45720" rtlCol="0">
+            <a:noAutofit/>
+          </a:bodyPr>
+          <a:lstStyle>
+            <a:lvl1pPr marL="228600" indent="-228600" algn="l" defTabSz="914400" rtl="0" eaLnBrk="1" latinLnBrk="0" hangingPunct="1">
+              <a:lnSpc>
+                <a:spcPct val="90000"/>
+              </a:lnSpc>
+              <a:spcBef>
+                <a:spcPts val="1000"/>
+              </a:spcBef>
+              <a:buFont typeface="Arial" panose="020B0604020202020204" pitchFamily="34" charset="0"/>
+              <a:buChar char="•"/>
+              <a:defRPr sz="2800" kern="1200">
+                <a:solidFill>
+                  <a:schemeClr val="tx1"/>
+                </a:solidFill>
+                <a:latin typeface="+mn-lt"/>
+                <a:ea typeface="+mn-ea"/>
+                <a:cs typeface="+mn-cs"/>
+              </a:defRPr>
+            </a:lvl1pPr>
+            <a:lvl2pPr marL="685800" indent="-228600" algn="l" defTabSz="914400" rtl="0" eaLnBrk="1" latinLnBrk="0" hangingPunct="1">
+              <a:lnSpc>
+                <a:spcPct val="90000"/>
+              </a:lnSpc>
+              <a:spcBef>
+                <a:spcPts val="500"/>
+              </a:spcBef>
+              <a:buFont typeface="Arial" panose="020B0604020202020204" pitchFamily="34" charset="0"/>
+              <a:buChar char="•"/>
+              <a:defRPr sz="2400" kern="1200">
+                <a:solidFill>
+                  <a:schemeClr val="tx1"/>
+                </a:solidFill>
+                <a:latin typeface="+mn-lt"/>
+                <a:ea typeface="+mn-ea"/>
+                <a:cs typeface="+mn-cs"/>
+              </a:defRPr>
+            </a:lvl2pPr>
+            <a:lvl3pPr marL="1143000" indent="-228600" algn="l" defTabSz="914400" rtl="0" eaLnBrk="1" latinLnBrk="0" hangingPunct="1">
+              <a:lnSpc>
+                <a:spcPct val="90000"/>
+              </a:lnSpc>
+              <a:spcBef>
+                <a:spcPts val="500"/>
+              </a:spcBef>
+              <a:buFont typeface="Arial" panose="020B0604020202020204" pitchFamily="34" charset="0"/>
+              <a:buChar char="•"/>
+              <a:defRPr sz="2000" kern="1200">
+                <a:solidFill>
+                  <a:schemeClr val="tx1"/>
+                </a:solidFill>
+                <a:latin typeface="+mn-lt"/>
+                <a:ea typeface="+mn-ea"/>
+                <a:cs typeface="+mn-cs"/>
+              </a:defRPr>
+            </a:lvl3pPr>
+            <a:lvl4pPr marL="1600200" indent="-228600" algn="l" defTabSz="914400" rtl="0" eaLnBrk="1" latinLnBrk="0" hangingPunct="1">
+              <a:lnSpc>
+                <a:spcPct val="90000"/>
+              </a:lnSpc>
+              <a:spcBef>
+                <a:spcPts val="500"/>
+              </a:spcBef>
+              <a:buFont typeface="Arial" panose="020B0604020202020204" pitchFamily="34" charset="0"/>
+              <a:buChar char="•"/>
+              <a:defRPr sz="1800" kern="1200">
+                <a:solidFill>
+                  <a:schemeClr val="tx1"/>
+                </a:solidFill>
+                <a:latin typeface="+mn-lt"/>
+                <a:ea typeface="+mn-ea"/>
+                <a:cs typeface="+mn-cs"/>
+              </a:defRPr>
+            </a:lvl4pPr>
+            <a:lvl5pPr marL="2057400" indent="-228600" algn="l" defTabSz="914400" rtl="0" eaLnBrk="1" latinLnBrk="0" hangingPunct="1">
+              <a:lnSpc>
+                <a:spcPct val="90000"/>
+              </a:lnSpc>
+              <a:spcBef>
+                <a:spcPts val="500"/>
+              </a:spcBef>
+              <a:buFont typeface="Arial" panose="020B0604020202020204" pitchFamily="34" charset="0"/>
+              <a:buChar char="•"/>
+              <a:defRPr sz="1800" kern="1200">
+                <a:solidFill>
+                  <a:schemeClr val="tx1"/>
+                </a:solidFill>
+                <a:latin typeface="+mn-lt"/>
+                <a:ea typeface="+mn-ea"/>
+                <a:cs typeface="+mn-cs"/>
+              </a:defRPr>
+            </a:lvl5pPr>
+            <a:lvl6pPr marL="2514600" indent="-228600" algn="l" defTabSz="914400" rtl="0" eaLnBrk="1" latinLnBrk="0" hangingPunct="1">
+              <a:lnSpc>
+                <a:spcPct val="90000"/>
+              </a:lnSpc>
+              <a:spcBef>
+                <a:spcPts val="500"/>
+              </a:spcBef>
+              <a:buFont typeface="Arial" panose="020B0604020202020204" pitchFamily="34" charset="0"/>
+              <a:buChar char="•"/>
+              <a:defRPr sz="1800" kern="1200">
+                <a:solidFill>
+                  <a:schemeClr val="tx1"/>
+                </a:solidFill>
+                <a:latin typeface="+mn-lt"/>
+                <a:ea typeface="+mn-ea"/>
+                <a:cs typeface="+mn-cs"/>
+              </a:defRPr>
+            </a:lvl6pPr>
+            <a:lvl7pPr marL="2971800" indent="-228600" algn="l" defTabSz="914400" rtl="0" eaLnBrk="1" latinLnBrk="0" hangingPunct="1">
+              <a:lnSpc>
+                <a:spcPct val="90000"/>
+              </a:lnSpc>
+              <a:spcBef>
+                <a:spcPts val="500"/>
+              </a:spcBef>
+              <a:buFont typeface="Arial" panose="020B0604020202020204" pitchFamily="34" charset="0"/>
+              <a:buChar char="•"/>
+              <a:defRPr sz="1800" kern="1200">
+                <a:solidFill>
+                  <a:schemeClr val="tx1"/>
+                </a:solidFill>
+                <a:latin typeface="+mn-lt"/>
+                <a:ea typeface="+mn-ea"/>
+                <a:cs typeface="+mn-cs"/>
+              </a:defRPr>
+            </a:lvl7pPr>
+            <a:lvl8pPr marL="3429000" indent="-228600" algn="l" defTabSz="914400" rtl="0" eaLnBrk="1" latinLnBrk="0" hangingPunct="1">
+              <a:lnSpc>
+                <a:spcPct val="90000"/>
+              </a:lnSpc>
+              <a:spcBef>
+                <a:spcPts val="500"/>
+              </a:spcBef>
+              <a:buFont typeface="Arial" panose="020B0604020202020204" pitchFamily="34" charset="0"/>
+              <a:buChar char="•"/>
+              <a:defRPr sz="1800" kern="1200">
+                <a:solidFill>
+                  <a:schemeClr val="tx1"/>
+                </a:solidFill>
+                <a:latin typeface="+mn-lt"/>
+                <a:ea typeface="+mn-ea"/>
+                <a:cs typeface="+mn-cs"/>
+              </a:defRPr>
+            </a:lvl8pPr>
+            <a:lvl9pPr marL="3886200" indent="-228600" algn="l" defTabSz="914400" rtl="0" eaLnBrk="1" latinLnBrk="0" hangingPunct="1">
+              <a:lnSpc>
+                <a:spcPct val="90000"/>
+              </a:lnSpc>
+              <a:spcBef>
+                <a:spcPts val="500"/>
+              </a:spcBef>
+              <a:buFont typeface="Arial" panose="020B0604020202020204" pitchFamily="34" charset="0"/>
+              <a:buChar char="•"/>
+              <a:defRPr sz="1800" kern="1200">
+                <a:solidFill>
+                  <a:schemeClr val="tx1"/>
+                </a:solidFill>
+                <a:latin typeface="+mn-lt"/>
+                <a:ea typeface="+mn-ea"/>
+                <a:cs typeface="+mn-cs"/>
+              </a:defRPr>
+            </a:lvl9pPr>
+          </a:lstStyle>
+          <a:p>
+            <a:pPr marL="0" indent="0" algn="ctr">
+              <a:buNone/>
+            </a:pPr>
+            <a:r>
+              <a:rPr lang="en-US" b="1" i="0" dirty="0">
+                <a:effectLst/>
+                <a:latin typeface="IBM Plex Sans" panose="020B0503050203000203" pitchFamily="34" charset="0"/>
+              </a:rPr>
+              <a:t>A Mobile Traffic Predictor Enhanced by Neighboring Transportation Data (MTP-NT)</a:t>
+            </a:r>
+            <a:endParaRPr lang="pt-BR" b="1" dirty="0">
+              <a:latin typeface="IBM Plex Sans" panose="020B0503050203000203" pitchFamily="34" charset="0"/>
+            </a:endParaRPr>
+          </a:p>
+        </p:txBody>
+      </p:sp>
+      <p:sp>
+        <p:nvSpPr>
+          <p:cNvPr id="3" name="Slide Number Placeholder 2">
+            <a:extLst>
+              <a:ext uri="{FF2B5EF4-FFF2-40B4-BE49-F238E27FC236}">
+                <a16:creationId xmlns:a16="http://schemas.microsoft.com/office/drawing/2014/main" id="{A3A1D4C2-A873-78C4-5BB9-10481FBEC11D}"/>
+              </a:ext>
+            </a:extLst>
+          </p:cNvPr>
+          <p:cNvSpPr>
+            <a:spLocks noGrp="1"/>
+          </p:cNvSpPr>
+          <p:nvPr>
+            <p:ph type="sldNum" sz="quarter" idx="12"/>
+          </p:nvPr>
+        </p:nvSpPr>
+        <p:spPr/>
+        <p:txBody>
+          <a:bodyPr/>
+          <a:lstStyle/>
+          <a:p>
+            <a:fld id="{C16D1434-241F-3E4A-8778-0F70095E40C3}" type="slidenum">
+              <a:rPr lang="pt-BR" smtClean="0"/>
+              <a:t>21</a:t>
+            </a:fld>
+            <a:endParaRPr lang="pt-BR"/>
+          </a:p>
+        </p:txBody>
+      </p:sp>
+    </p:spTree>
+    <p:extLst>
+      <p:ext uri="{BB962C8B-B14F-4D97-AF65-F5344CB8AC3E}">
+        <p14:creationId xmlns:p14="http://schemas.microsoft.com/office/powerpoint/2010/main" val="4280972039"/>
       </p:ext>
     </p:extLst>
   </p:cSld>
@@ -14662,11 +19040,8 @@
             <a:r>
               <a:rPr lang="en-US" sz="1600" kern="0" dirty="0">
                 <a:solidFill>
-                  <a:schemeClr val="tx1"/>
-                </a:solidFill>
-                <a:highlight>
-                  <a:srgbClr val="FFFF00"/>
-                </a:highlight>
+                  <a:srgbClr val="0F62FF"/>
+                </a:solidFill>
               </a:rPr>
               <a:t>Use Machine Learning (ML) and other predictive tools</a:t>
             </a:r>
@@ -15693,11 +20068,8 @@
             <a:r>
               <a:rPr lang="en-US" sz="1200" kern="0" dirty="0">
                 <a:solidFill>
-                  <a:schemeClr val="tx1"/>
-                </a:solidFill>
-                <a:highlight>
-                  <a:srgbClr val="FFFF00"/>
-                </a:highlight>
+                  <a:srgbClr val="0F62FF"/>
+                </a:solidFill>
               </a:rPr>
               <a:t>Cloud computing optimization</a:t>
             </a:r>
@@ -19405,7 +23777,6 @@
           </a:bodyPr>
           <a:lstStyle/>
           <a:p>
-            <a:pPr algn="ctr"/>
             <a:r>
               <a:rPr lang="pt-BR" sz="4800" b="1" dirty="0" err="1">
                 <a:latin typeface="IBM Plex Sans" panose="020B0503050203000203" pitchFamily="34" charset="0"/>
@@ -19444,12 +23815,12 @@
               <a:buAutoNum type="arabicPeriod"/>
             </a:pPr>
             <a:r>
-              <a:rPr lang="pt-BR" dirty="0" err="1">
+              <a:rPr lang="pt-BR" sz="2400" dirty="0" err="1">
                 <a:latin typeface="IBM Plex Sans" panose="020B0503050203000203" pitchFamily="34" charset="0"/>
               </a:rPr>
               <a:t>Introduction</a:t>
             </a:r>
-            <a:endParaRPr lang="pt-BR" dirty="0">
+            <a:endParaRPr lang="pt-BR" sz="2400" dirty="0">
               <a:latin typeface="IBM Plex Sans" panose="020B0503050203000203" pitchFamily="34" charset="0"/>
             </a:endParaRPr>
           </a:p>

--- a/defesa.pptx
+++ b/defesa.pptx
@@ -12193,7 +12193,7 @@
           <p:nvPr>
             <p:extLst>
               <p:ext uri="{D42A27DB-BD31-4B8C-83A1-F6EECF244321}">
-                <p14:modId xmlns:p14="http://schemas.microsoft.com/office/powerpoint/2010/main" val="2861986471"/>
+                <p14:modId xmlns:p14="http://schemas.microsoft.com/office/powerpoint/2010/main" val="1324273680"/>
               </p:ext>
             </p:extLst>
           </p:nvPr>
@@ -12311,7 +12311,11 @@
                       <a:pPr algn="ctr"/>
                       <a:r>
                         <a:rPr lang="pt-BR" dirty="0" err="1"/>
-                        <a:t>Sourcecode</a:t>
+                        <a:t>Source</a:t>
+                      </a:r>
+                      <a:r>
+                        <a:rPr lang="pt-BR"/>
+                        <a:t> code</a:t>
                       </a:r>
                       <a:r>
                         <a:rPr lang="pt-BR" dirty="0"/>

--- a/defesa.pptx
+++ b/defesa.pptx
@@ -5,7 +5,7 @@
     <p:sldMasterId id="2147483648" r:id="rId1"/>
   </p:sldMasterIdLst>
   <p:notesMasterIdLst>
-    <p:notesMasterId r:id="rId23"/>
+    <p:notesMasterId r:id="rId33"/>
   </p:notesMasterIdLst>
   <p:sldIdLst>
     <p:sldId id="256" r:id="rId2"/>
@@ -28,7 +28,17 @@
     <p:sldId id="381" r:id="rId19"/>
     <p:sldId id="382" r:id="rId20"/>
     <p:sldId id="383" r:id="rId21"/>
-    <p:sldId id="257" r:id="rId22"/>
+    <p:sldId id="385" r:id="rId22"/>
+    <p:sldId id="384" r:id="rId23"/>
+    <p:sldId id="386" r:id="rId24"/>
+    <p:sldId id="387" r:id="rId25"/>
+    <p:sldId id="389" r:id="rId26"/>
+    <p:sldId id="390" r:id="rId27"/>
+    <p:sldId id="396" r:id="rId28"/>
+    <p:sldId id="397" r:id="rId29"/>
+    <p:sldId id="398" r:id="rId30"/>
+    <p:sldId id="399" r:id="rId31"/>
+    <p:sldId id="257" r:id="rId32"/>
   </p:sldIdLst>
   <p:sldSz cx="12192000" cy="6858000"/>
   <p:notesSz cx="6858000" cy="9144000"/>
@@ -217,7 +227,7 @@
           <a:p>
             <a:fld id="{B6A12C11-4C9D-1F4A-951A-CE97512F563C}" type="datetimeFigureOut">
               <a:rPr lang="pt-BR" smtClean="0"/>
-              <a:t>31/07/2023</a:t>
+              <a:t>16/08/2023</a:t>
             </a:fld>
             <a:endParaRPr lang="pt-BR"/>
           </a:p>
@@ -1083,7 +1093,125 @@
           <a:bodyPr/>
           <a:lstStyle/>
           <a:p>
+            <a:r>
+              <a:rPr lang="pt-BR" dirty="0"/>
+              <a:t>Serviços baseados em hardware proprietário, tais como:</a:t>
+            </a:r>
+          </a:p>
+          <a:p>
+            <a:pPr marL="171450" indent="-171450">
+              <a:buFontTx/>
+              <a:buChar char="-"/>
+            </a:pPr>
+            <a:r>
+              <a:rPr lang="pt-BR" dirty="0"/>
+              <a:t>IDS</a:t>
+            </a:r>
+          </a:p>
+          <a:p>
+            <a:pPr marL="171450" indent="-171450">
+              <a:buFontTx/>
+              <a:buChar char="-"/>
+            </a:pPr>
+            <a:r>
+              <a:rPr lang="pt-BR" dirty="0"/>
+              <a:t>Proxy</a:t>
+            </a:r>
+          </a:p>
+          <a:p>
+            <a:pPr marL="171450" indent="-171450">
+              <a:buFontTx/>
+              <a:buChar char="-"/>
+            </a:pPr>
+            <a:r>
+              <a:rPr lang="pt-BR" dirty="0"/>
+              <a:t>Criptografia</a:t>
+            </a:r>
+          </a:p>
+          <a:p>
+            <a:pPr marL="171450" indent="-171450">
+              <a:buFontTx/>
+              <a:buChar char="-"/>
+            </a:pPr>
+            <a:r>
+              <a:rPr lang="pt-BR" dirty="0"/>
+              <a:t>Monitoramento de rede</a:t>
+            </a:r>
+          </a:p>
+          <a:p>
+            <a:pPr marL="171450" indent="-171450">
+              <a:buFontTx/>
+              <a:buChar char="-"/>
+            </a:pPr>
             <a:endParaRPr lang="pt-BR" dirty="0"/>
+          </a:p>
+          <a:p>
+            <a:pPr marL="0" indent="0">
+              <a:buFontTx/>
+              <a:buNone/>
+            </a:pPr>
+            <a:r>
+              <a:rPr lang="pt-BR" dirty="0"/>
+              <a:t>Desvantagens</a:t>
+            </a:r>
+          </a:p>
+          <a:p>
+            <a:pPr marL="171450" indent="-171450">
+              <a:buFontTx/>
+              <a:buChar char="-"/>
+            </a:pPr>
+            <a:r>
+              <a:rPr lang="pt-BR" dirty="0"/>
+              <a:t>Ciclo de aquisição -&gt; treinamento -&gt; </a:t>
+            </a:r>
+            <a:r>
+              <a:rPr lang="pt-BR" dirty="0" err="1"/>
+              <a:t>deploy</a:t>
+            </a:r>
+            <a:r>
+              <a:rPr lang="pt-BR" dirty="0"/>
+              <a:t> custosos e rápidos</a:t>
+            </a:r>
+          </a:p>
+          <a:p>
+            <a:pPr marL="171450" indent="-171450">
+              <a:buFontTx/>
+              <a:buChar char="-"/>
+            </a:pPr>
+            <a:r>
+              <a:rPr lang="pt-BR" dirty="0"/>
+              <a:t>Sistema estático</a:t>
+            </a:r>
+          </a:p>
+          <a:p>
+            <a:pPr marL="171450" indent="-171450">
+              <a:buFontTx/>
+              <a:buChar char="-"/>
+            </a:pPr>
+            <a:r>
+              <a:rPr lang="pt-BR" dirty="0"/>
+              <a:t>Não escalável</a:t>
+            </a:r>
+          </a:p>
+          <a:p>
+            <a:pPr marL="171450" indent="-171450">
+              <a:buFontTx/>
+              <a:buChar char="-"/>
+            </a:pPr>
+            <a:r>
+              <a:rPr lang="pt-BR" dirty="0"/>
+              <a:t>Dependente do fornecedor</a:t>
+            </a:r>
+          </a:p>
+          <a:p>
+            <a:pPr marL="171450" indent="-171450">
+              <a:buFontTx/>
+              <a:buChar char="-"/>
+            </a:pPr>
+            <a:r>
+              <a:rPr lang="pt-BR" dirty="0"/>
+              <a:t>Padrões fechados</a:t>
+            </a:r>
           </a:p>
         </p:txBody>
       </p:sp>
@@ -1114,6 +1242,644 @@
     <p:extLst>
       <p:ext uri="{BB962C8B-B14F-4D97-AF65-F5344CB8AC3E}">
         <p14:creationId xmlns:p14="http://schemas.microsoft.com/office/powerpoint/2010/main" val="3986155839"/>
+      </p:ext>
+    </p:extLst>
+  </p:cSld>
+  <p:clrMapOvr>
+    <a:masterClrMapping/>
+  </p:clrMapOvr>
+</p:notes>
+</file>
+
+<file path=ppt/notesSlides/notesSlide16.xml><?xml version="1.0" encoding="utf-8"?>
+<p:notes xmlns:a="http://schemas.openxmlformats.org/drawingml/2006/main" xmlns:r="http://schemas.openxmlformats.org/officeDocument/2006/relationships" xmlns:p="http://schemas.openxmlformats.org/presentationml/2006/main">
+  <p:cSld>
+    <p:spTree>
+      <p:nvGrpSpPr>
+        <p:cNvPr id="1" name=""/>
+        <p:cNvGrpSpPr/>
+        <p:nvPr/>
+      </p:nvGrpSpPr>
+      <p:grpSpPr>
+        <a:xfrm>
+          <a:off x="0" y="0"/>
+          <a:ext cx="0" cy="0"/>
+          <a:chOff x="0" y="0"/>
+          <a:chExt cx="0" cy="0"/>
+        </a:xfrm>
+      </p:grpSpPr>
+      <p:sp>
+        <p:nvSpPr>
+          <p:cNvPr id="2" name="Slide Image Placeholder 1"/>
+          <p:cNvSpPr>
+            <a:spLocks noGrp="1" noRot="1" noChangeAspect="1"/>
+          </p:cNvSpPr>
+          <p:nvPr>
+            <p:ph type="sldImg"/>
+          </p:nvPr>
+        </p:nvSpPr>
+        <p:spPr/>
+      </p:sp>
+      <p:sp>
+        <p:nvSpPr>
+          <p:cNvPr id="3" name="Notes Placeholder 2"/>
+          <p:cNvSpPr>
+            <a:spLocks noGrp="1"/>
+          </p:cNvSpPr>
+          <p:nvPr>
+            <p:ph type="body" idx="1"/>
+          </p:nvPr>
+        </p:nvSpPr>
+        <p:spPr/>
+        <p:txBody>
+          <a:bodyPr/>
+          <a:lstStyle/>
+          <a:p>
+            <a:r>
+              <a:rPr lang="pt-BR" dirty="0"/>
+              <a:t>Serviços baseados em hardware proprietário, tais como:</a:t>
+            </a:r>
+          </a:p>
+          <a:p>
+            <a:pPr marL="171450" indent="-171450">
+              <a:buFontTx/>
+              <a:buChar char="-"/>
+            </a:pPr>
+            <a:r>
+              <a:rPr lang="pt-BR" dirty="0"/>
+              <a:t>IDS</a:t>
+            </a:r>
+          </a:p>
+          <a:p>
+            <a:pPr marL="171450" indent="-171450">
+              <a:buFontTx/>
+              <a:buChar char="-"/>
+            </a:pPr>
+            <a:r>
+              <a:rPr lang="pt-BR" dirty="0"/>
+              <a:t>Proxy</a:t>
+            </a:r>
+          </a:p>
+          <a:p>
+            <a:pPr marL="171450" indent="-171450">
+              <a:buFontTx/>
+              <a:buChar char="-"/>
+            </a:pPr>
+            <a:r>
+              <a:rPr lang="pt-BR" dirty="0"/>
+              <a:t>Criptografia</a:t>
+            </a:r>
+          </a:p>
+          <a:p>
+            <a:pPr marL="171450" indent="-171450">
+              <a:buFontTx/>
+              <a:buChar char="-"/>
+            </a:pPr>
+            <a:r>
+              <a:rPr lang="pt-BR" dirty="0"/>
+              <a:t>Monitoramento de rede</a:t>
+            </a:r>
+          </a:p>
+          <a:p>
+            <a:pPr marL="171450" indent="-171450">
+              <a:buFontTx/>
+              <a:buChar char="-"/>
+            </a:pPr>
+            <a:endParaRPr lang="pt-BR" dirty="0"/>
+          </a:p>
+          <a:p>
+            <a:pPr marL="0" indent="0">
+              <a:buFontTx/>
+              <a:buNone/>
+            </a:pPr>
+            <a:r>
+              <a:rPr lang="pt-BR" dirty="0"/>
+              <a:t>Desvantagens</a:t>
+            </a:r>
+          </a:p>
+          <a:p>
+            <a:pPr marL="171450" indent="-171450">
+              <a:buFontTx/>
+              <a:buChar char="-"/>
+            </a:pPr>
+            <a:r>
+              <a:rPr lang="pt-BR" dirty="0"/>
+              <a:t>Ciclo de aquisição -&gt; treinamento -&gt; </a:t>
+            </a:r>
+            <a:r>
+              <a:rPr lang="pt-BR" dirty="0" err="1"/>
+              <a:t>deploy</a:t>
+            </a:r>
+            <a:r>
+              <a:rPr lang="pt-BR" dirty="0"/>
+              <a:t> custosos e rápidos</a:t>
+            </a:r>
+          </a:p>
+          <a:p>
+            <a:pPr marL="171450" indent="-171450">
+              <a:buFontTx/>
+              <a:buChar char="-"/>
+            </a:pPr>
+            <a:r>
+              <a:rPr lang="pt-BR" dirty="0"/>
+              <a:t>Sistema estático</a:t>
+            </a:r>
+          </a:p>
+          <a:p>
+            <a:pPr marL="171450" indent="-171450">
+              <a:buFontTx/>
+              <a:buChar char="-"/>
+            </a:pPr>
+            <a:r>
+              <a:rPr lang="pt-BR" dirty="0"/>
+              <a:t>Não escalável</a:t>
+            </a:r>
+          </a:p>
+        </p:txBody>
+      </p:sp>
+      <p:sp>
+        <p:nvSpPr>
+          <p:cNvPr id="4" name="Slide Number Placeholder 3"/>
+          <p:cNvSpPr>
+            <a:spLocks noGrp="1"/>
+          </p:cNvSpPr>
+          <p:nvPr>
+            <p:ph type="sldNum" sz="quarter" idx="5"/>
+          </p:nvPr>
+        </p:nvSpPr>
+        <p:spPr/>
+        <p:txBody>
+          <a:bodyPr/>
+          <a:lstStyle/>
+          <a:p>
+            <a:fld id="{11A34663-90A1-D846-8898-3C9F8D7E3213}" type="slidenum">
+              <a:rPr lang="pt-BR" smtClean="0"/>
+              <a:t>21</a:t>
+            </a:fld>
+            <a:endParaRPr lang="pt-BR"/>
+          </a:p>
+        </p:txBody>
+      </p:sp>
+    </p:spTree>
+    <p:extLst>
+      <p:ext uri="{BB962C8B-B14F-4D97-AF65-F5344CB8AC3E}">
+        <p14:creationId xmlns:p14="http://schemas.microsoft.com/office/powerpoint/2010/main" val="696950139"/>
+      </p:ext>
+    </p:extLst>
+  </p:cSld>
+  <p:clrMapOvr>
+    <a:masterClrMapping/>
+  </p:clrMapOvr>
+</p:notes>
+</file>
+
+<file path=ppt/notesSlides/notesSlide17.xml><?xml version="1.0" encoding="utf-8"?>
+<p:notes xmlns:a="http://schemas.openxmlformats.org/drawingml/2006/main" xmlns:r="http://schemas.openxmlformats.org/officeDocument/2006/relationships" xmlns:p="http://schemas.openxmlformats.org/presentationml/2006/main">
+  <p:cSld>
+    <p:spTree>
+      <p:nvGrpSpPr>
+        <p:cNvPr id="1" name=""/>
+        <p:cNvGrpSpPr/>
+        <p:nvPr/>
+      </p:nvGrpSpPr>
+      <p:grpSpPr>
+        <a:xfrm>
+          <a:off x="0" y="0"/>
+          <a:ext cx="0" cy="0"/>
+          <a:chOff x="0" y="0"/>
+          <a:chExt cx="0" cy="0"/>
+        </a:xfrm>
+      </p:grpSpPr>
+      <p:sp>
+        <p:nvSpPr>
+          <p:cNvPr id="2" name="Slide Image Placeholder 1"/>
+          <p:cNvSpPr>
+            <a:spLocks noGrp="1" noRot="1" noChangeAspect="1"/>
+          </p:cNvSpPr>
+          <p:nvPr>
+            <p:ph type="sldImg"/>
+          </p:nvPr>
+        </p:nvSpPr>
+        <p:spPr/>
+      </p:sp>
+      <p:sp>
+        <p:nvSpPr>
+          <p:cNvPr id="3" name="Notes Placeholder 2"/>
+          <p:cNvSpPr>
+            <a:spLocks noGrp="1"/>
+          </p:cNvSpPr>
+          <p:nvPr>
+            <p:ph type="body" idx="1"/>
+          </p:nvPr>
+        </p:nvSpPr>
+        <p:spPr/>
+        <p:txBody>
+          <a:bodyPr/>
+          <a:lstStyle/>
+          <a:p>
+            <a:r>
+              <a:rPr lang="pt-BR" dirty="0"/>
+              <a:t>Nessa nova infraestrutura, um novo recurso passa a ser valioso: os recursos computacionais</a:t>
+            </a:r>
+          </a:p>
+          <a:p>
+            <a:endParaRPr lang="pt-BR" dirty="0"/>
+          </a:p>
+          <a:p>
+            <a:r>
+              <a:rPr lang="pt-BR" dirty="0"/>
+              <a:t>Orquestrador</a:t>
+            </a:r>
+          </a:p>
+          <a:p>
+            <a:pPr marL="171450" indent="-171450">
+              <a:buFontTx/>
+              <a:buChar char="-"/>
+            </a:pPr>
+            <a:r>
+              <a:rPr lang="pt-BR" dirty="0"/>
+              <a:t>Encontra o melhor arranjo com base em métricas</a:t>
+            </a:r>
+          </a:p>
+          <a:p>
+            <a:pPr marL="171450" indent="-171450">
+              <a:buFontTx/>
+              <a:buChar char="-"/>
+            </a:pPr>
+            <a:endParaRPr lang="pt-BR" dirty="0"/>
+          </a:p>
+          <a:p>
+            <a:pPr marL="0" indent="0">
+              <a:buFontTx/>
+              <a:buNone/>
+            </a:pPr>
+            <a:r>
+              <a:rPr lang="pt-BR" dirty="0"/>
+              <a:t>Network </a:t>
+            </a:r>
+            <a:r>
+              <a:rPr lang="pt-BR" dirty="0" err="1"/>
+              <a:t>Traffic</a:t>
+            </a:r>
+            <a:r>
+              <a:rPr lang="pt-BR" dirty="0"/>
+              <a:t> </a:t>
+            </a:r>
+            <a:r>
+              <a:rPr lang="pt-BR" dirty="0" err="1"/>
+              <a:t>Monitoring</a:t>
+            </a:r>
+            <a:r>
+              <a:rPr lang="pt-BR" dirty="0"/>
+              <a:t> </a:t>
+            </a:r>
+            <a:r>
+              <a:rPr lang="pt-BR" dirty="0" err="1"/>
+              <a:t>and</a:t>
+            </a:r>
+            <a:r>
+              <a:rPr lang="pt-BR" dirty="0"/>
+              <a:t> </a:t>
+            </a:r>
+            <a:r>
+              <a:rPr lang="pt-BR" dirty="0" err="1"/>
+              <a:t>Analysis</a:t>
+            </a:r>
+            <a:r>
+              <a:rPr lang="pt-BR" dirty="0"/>
+              <a:t> (NTMA)</a:t>
+            </a:r>
+          </a:p>
+          <a:p>
+            <a:pPr marL="171450" indent="-171450">
+              <a:buFontTx/>
+              <a:buChar char="-"/>
+            </a:pPr>
+            <a:r>
+              <a:rPr lang="pt-BR" dirty="0"/>
+              <a:t>VNF</a:t>
+            </a:r>
+          </a:p>
+          <a:p>
+            <a:pPr marL="171450" indent="-171450">
+              <a:buFontTx/>
+              <a:buChar char="-"/>
+            </a:pPr>
+            <a:r>
+              <a:rPr lang="pt-BR" dirty="0"/>
+              <a:t>Previsão de tráfego de rede</a:t>
+            </a:r>
+          </a:p>
+        </p:txBody>
+      </p:sp>
+      <p:sp>
+        <p:nvSpPr>
+          <p:cNvPr id="4" name="Slide Number Placeholder 3"/>
+          <p:cNvSpPr>
+            <a:spLocks noGrp="1"/>
+          </p:cNvSpPr>
+          <p:nvPr>
+            <p:ph type="sldNum" sz="quarter" idx="5"/>
+          </p:nvPr>
+        </p:nvSpPr>
+        <p:spPr/>
+        <p:txBody>
+          <a:bodyPr/>
+          <a:lstStyle/>
+          <a:p>
+            <a:fld id="{11A34663-90A1-D846-8898-3C9F8D7E3213}" type="slidenum">
+              <a:rPr lang="pt-BR" smtClean="0"/>
+              <a:t>22</a:t>
+            </a:fld>
+            <a:endParaRPr lang="pt-BR"/>
+          </a:p>
+        </p:txBody>
+      </p:sp>
+    </p:spTree>
+    <p:extLst>
+      <p:ext uri="{BB962C8B-B14F-4D97-AF65-F5344CB8AC3E}">
+        <p14:creationId xmlns:p14="http://schemas.microsoft.com/office/powerpoint/2010/main" val="1014478719"/>
+      </p:ext>
+    </p:extLst>
+  </p:cSld>
+  <p:clrMapOvr>
+    <a:masterClrMapping/>
+  </p:clrMapOvr>
+</p:notes>
+</file>
+
+<file path=ppt/notesSlides/notesSlide18.xml><?xml version="1.0" encoding="utf-8"?>
+<p:notes xmlns:a="http://schemas.openxmlformats.org/drawingml/2006/main" xmlns:r="http://schemas.openxmlformats.org/officeDocument/2006/relationships" xmlns:p="http://schemas.openxmlformats.org/presentationml/2006/main">
+  <p:cSld>
+    <p:spTree>
+      <p:nvGrpSpPr>
+        <p:cNvPr id="1" name=""/>
+        <p:cNvGrpSpPr/>
+        <p:nvPr/>
+      </p:nvGrpSpPr>
+      <p:grpSpPr>
+        <a:xfrm>
+          <a:off x="0" y="0"/>
+          <a:ext cx="0" cy="0"/>
+          <a:chOff x="0" y="0"/>
+          <a:chExt cx="0" cy="0"/>
+        </a:xfrm>
+      </p:grpSpPr>
+      <p:sp>
+        <p:nvSpPr>
+          <p:cNvPr id="2" name="Slide Image Placeholder 1"/>
+          <p:cNvSpPr>
+            <a:spLocks noGrp="1" noRot="1" noChangeAspect="1"/>
+          </p:cNvSpPr>
+          <p:nvPr>
+            <p:ph type="sldImg"/>
+          </p:nvPr>
+        </p:nvSpPr>
+        <p:spPr/>
+      </p:sp>
+      <p:sp>
+        <p:nvSpPr>
+          <p:cNvPr id="3" name="Notes Placeholder 2"/>
+          <p:cNvSpPr>
+            <a:spLocks noGrp="1"/>
+          </p:cNvSpPr>
+          <p:nvPr>
+            <p:ph type="body" idx="1"/>
+          </p:nvPr>
+        </p:nvSpPr>
+        <p:spPr/>
+        <p:txBody>
+          <a:bodyPr/>
+          <a:lstStyle/>
+          <a:p>
+            <a:r>
+              <a:rPr lang="pt-BR" dirty="0"/>
+              <a:t>Alguns pontos de atenção</a:t>
+            </a:r>
+          </a:p>
+          <a:p>
+            <a:r>
+              <a:rPr lang="pt-BR" dirty="0"/>
+              <a:t>- </a:t>
+            </a:r>
+            <a:r>
+              <a:rPr lang="pt-BR" dirty="0" err="1"/>
+              <a:t>Latêcia</a:t>
+            </a:r>
+            <a:r>
+              <a:rPr lang="pt-BR" dirty="0"/>
+              <a:t> geral de uma cadeia de </a:t>
+            </a:r>
+            <a:r>
+              <a:rPr lang="pt-BR" dirty="0" err="1"/>
+              <a:t>middleboxes</a:t>
+            </a:r>
+            <a:endParaRPr lang="pt-BR" dirty="0"/>
+          </a:p>
+        </p:txBody>
+      </p:sp>
+      <p:sp>
+        <p:nvSpPr>
+          <p:cNvPr id="4" name="Slide Number Placeholder 3"/>
+          <p:cNvSpPr>
+            <a:spLocks noGrp="1"/>
+          </p:cNvSpPr>
+          <p:nvPr>
+            <p:ph type="sldNum" sz="quarter" idx="5"/>
+          </p:nvPr>
+        </p:nvSpPr>
+        <p:spPr/>
+        <p:txBody>
+          <a:bodyPr/>
+          <a:lstStyle/>
+          <a:p>
+            <a:fld id="{11A34663-90A1-D846-8898-3C9F8D7E3213}" type="slidenum">
+              <a:rPr lang="pt-BR" smtClean="0"/>
+              <a:t>23</a:t>
+            </a:fld>
+            <a:endParaRPr lang="pt-BR"/>
+          </a:p>
+        </p:txBody>
+      </p:sp>
+    </p:spTree>
+    <p:extLst>
+      <p:ext uri="{BB962C8B-B14F-4D97-AF65-F5344CB8AC3E}">
+        <p14:creationId xmlns:p14="http://schemas.microsoft.com/office/powerpoint/2010/main" val="3624675000"/>
+      </p:ext>
+    </p:extLst>
+  </p:cSld>
+  <p:clrMapOvr>
+    <a:masterClrMapping/>
+  </p:clrMapOvr>
+</p:notes>
+</file>
+
+<file path=ppt/notesSlides/notesSlide19.xml><?xml version="1.0" encoding="utf-8"?>
+<p:notes xmlns:a="http://schemas.openxmlformats.org/drawingml/2006/main" xmlns:r="http://schemas.openxmlformats.org/officeDocument/2006/relationships" xmlns:p="http://schemas.openxmlformats.org/presentationml/2006/main">
+  <p:cSld>
+    <p:spTree>
+      <p:nvGrpSpPr>
+        <p:cNvPr id="1" name=""/>
+        <p:cNvGrpSpPr/>
+        <p:nvPr/>
+      </p:nvGrpSpPr>
+      <p:grpSpPr>
+        <a:xfrm>
+          <a:off x="0" y="0"/>
+          <a:ext cx="0" cy="0"/>
+          <a:chOff x="0" y="0"/>
+          <a:chExt cx="0" cy="0"/>
+        </a:xfrm>
+      </p:grpSpPr>
+      <p:sp>
+        <p:nvSpPr>
+          <p:cNvPr id="2" name="Slide Image Placeholder 1"/>
+          <p:cNvSpPr>
+            <a:spLocks noGrp="1" noRot="1" noChangeAspect="1"/>
+          </p:cNvSpPr>
+          <p:nvPr>
+            <p:ph type="sldImg"/>
+          </p:nvPr>
+        </p:nvSpPr>
+        <p:spPr/>
+      </p:sp>
+      <p:sp>
+        <p:nvSpPr>
+          <p:cNvPr id="3" name="Notes Placeholder 2"/>
+          <p:cNvSpPr>
+            <a:spLocks noGrp="1"/>
+          </p:cNvSpPr>
+          <p:nvPr>
+            <p:ph type="body" idx="1"/>
+          </p:nvPr>
+        </p:nvSpPr>
+        <p:spPr/>
+        <p:txBody>
+          <a:bodyPr/>
+          <a:lstStyle/>
+          <a:p>
+            <a:r>
+              <a:rPr lang="pt-BR" dirty="0"/>
+              <a:t>Nessa nova infraestrutura, um novo recurso passa a ser valioso: os recursos computacionais</a:t>
+            </a:r>
+          </a:p>
+          <a:p>
+            <a:endParaRPr lang="pt-BR" dirty="0"/>
+          </a:p>
+          <a:p>
+            <a:r>
+              <a:rPr lang="pt-BR" dirty="0"/>
+              <a:t>Orquestrador</a:t>
+            </a:r>
+          </a:p>
+          <a:p>
+            <a:pPr marL="171450" indent="-171450">
+              <a:buFontTx/>
+              <a:buChar char="-"/>
+            </a:pPr>
+            <a:r>
+              <a:rPr lang="pt-BR" dirty="0"/>
+              <a:t>Encontra o melhor arranjo com base em métricas</a:t>
+            </a:r>
+          </a:p>
+          <a:p>
+            <a:pPr marL="171450" indent="-171450">
+              <a:buFontTx/>
+              <a:buChar char="-"/>
+            </a:pPr>
+            <a:endParaRPr lang="pt-BR" dirty="0"/>
+          </a:p>
+          <a:p>
+            <a:pPr marL="0" indent="0">
+              <a:buFontTx/>
+              <a:buNone/>
+            </a:pPr>
+            <a:r>
+              <a:rPr lang="pt-BR" dirty="0"/>
+              <a:t>Network </a:t>
+            </a:r>
+            <a:r>
+              <a:rPr lang="pt-BR" dirty="0" err="1"/>
+              <a:t>Traffic</a:t>
+            </a:r>
+            <a:r>
+              <a:rPr lang="pt-BR" dirty="0"/>
+              <a:t> </a:t>
+            </a:r>
+            <a:r>
+              <a:rPr lang="pt-BR" dirty="0" err="1"/>
+              <a:t>Monitoring</a:t>
+            </a:r>
+            <a:r>
+              <a:rPr lang="pt-BR" dirty="0"/>
+              <a:t> </a:t>
+            </a:r>
+            <a:r>
+              <a:rPr lang="pt-BR" dirty="0" err="1"/>
+              <a:t>and</a:t>
+            </a:r>
+            <a:r>
+              <a:rPr lang="pt-BR" dirty="0"/>
+              <a:t> </a:t>
+            </a:r>
+            <a:r>
+              <a:rPr lang="pt-BR" dirty="0" err="1"/>
+              <a:t>Analysis</a:t>
+            </a:r>
+            <a:r>
+              <a:rPr lang="pt-BR" dirty="0"/>
+              <a:t> (NTMA)</a:t>
+            </a:r>
+          </a:p>
+          <a:p>
+            <a:pPr marL="171450" indent="-171450">
+              <a:buFontTx/>
+              <a:buChar char="-"/>
+            </a:pPr>
+            <a:r>
+              <a:rPr lang="pt-BR" dirty="0"/>
+              <a:t>VNF</a:t>
+            </a:r>
+          </a:p>
+          <a:p>
+            <a:pPr marL="171450" indent="-171450">
+              <a:buFontTx/>
+              <a:buChar char="-"/>
+            </a:pPr>
+            <a:r>
+              <a:rPr lang="pt-BR" dirty="0"/>
+              <a:t>Previsão de tráfego de rede</a:t>
+            </a:r>
+          </a:p>
+        </p:txBody>
+      </p:sp>
+      <p:sp>
+        <p:nvSpPr>
+          <p:cNvPr id="4" name="Slide Number Placeholder 3"/>
+          <p:cNvSpPr>
+            <a:spLocks noGrp="1"/>
+          </p:cNvSpPr>
+          <p:nvPr>
+            <p:ph type="sldNum" sz="quarter" idx="5"/>
+          </p:nvPr>
+        </p:nvSpPr>
+        <p:spPr/>
+        <p:txBody>
+          <a:bodyPr/>
+          <a:lstStyle/>
+          <a:p>
+            <a:fld id="{11A34663-90A1-D846-8898-3C9F8D7E3213}" type="slidenum">
+              <a:rPr lang="pt-BR" smtClean="0"/>
+              <a:t>24</a:t>
+            </a:fld>
+            <a:endParaRPr lang="pt-BR"/>
+          </a:p>
+        </p:txBody>
+      </p:sp>
+    </p:spTree>
+    <p:extLst>
+      <p:ext uri="{BB962C8B-B14F-4D97-AF65-F5344CB8AC3E}">
+        <p14:creationId xmlns:p14="http://schemas.microsoft.com/office/powerpoint/2010/main" val="3738351100"/>
       </p:ext>
     </p:extLst>
   </p:cSld>
@@ -1245,6 +2011,955 @@
     <p:extLst>
       <p:ext uri="{BB962C8B-B14F-4D97-AF65-F5344CB8AC3E}">
         <p14:creationId xmlns:p14="http://schemas.microsoft.com/office/powerpoint/2010/main" val="1797925592"/>
+      </p:ext>
+    </p:extLst>
+  </p:cSld>
+  <p:clrMapOvr>
+    <a:masterClrMapping/>
+  </p:clrMapOvr>
+</p:notes>
+</file>
+
+<file path=ppt/notesSlides/notesSlide20.xml><?xml version="1.0" encoding="utf-8"?>
+<p:notes xmlns:a="http://schemas.openxmlformats.org/drawingml/2006/main" xmlns:r="http://schemas.openxmlformats.org/officeDocument/2006/relationships" xmlns:p="http://schemas.openxmlformats.org/presentationml/2006/main">
+  <p:cSld>
+    <p:spTree>
+      <p:nvGrpSpPr>
+        <p:cNvPr id="1" name=""/>
+        <p:cNvGrpSpPr/>
+        <p:nvPr/>
+      </p:nvGrpSpPr>
+      <p:grpSpPr>
+        <a:xfrm>
+          <a:off x="0" y="0"/>
+          <a:ext cx="0" cy="0"/>
+          <a:chOff x="0" y="0"/>
+          <a:chExt cx="0" cy="0"/>
+        </a:xfrm>
+      </p:grpSpPr>
+      <p:sp>
+        <p:nvSpPr>
+          <p:cNvPr id="2" name="Slide Image Placeholder 1"/>
+          <p:cNvSpPr>
+            <a:spLocks noGrp="1" noRot="1" noChangeAspect="1"/>
+          </p:cNvSpPr>
+          <p:nvPr>
+            <p:ph type="sldImg"/>
+          </p:nvPr>
+        </p:nvSpPr>
+        <p:spPr/>
+      </p:sp>
+      <p:sp>
+        <p:nvSpPr>
+          <p:cNvPr id="3" name="Notes Placeholder 2"/>
+          <p:cNvSpPr>
+            <a:spLocks noGrp="1"/>
+          </p:cNvSpPr>
+          <p:nvPr>
+            <p:ph type="body" idx="1"/>
+          </p:nvPr>
+        </p:nvSpPr>
+        <p:spPr/>
+        <p:txBody>
+          <a:bodyPr/>
+          <a:lstStyle/>
+          <a:p>
+            <a:r>
+              <a:rPr lang="pt-BR" dirty="0"/>
+              <a:t>Nessa nova infraestrutura, um novo recurso passa a ser valioso: os recursos computacionais</a:t>
+            </a:r>
+          </a:p>
+          <a:p>
+            <a:endParaRPr lang="pt-BR" dirty="0"/>
+          </a:p>
+          <a:p>
+            <a:r>
+              <a:rPr lang="pt-BR" dirty="0"/>
+              <a:t>Orquestrador</a:t>
+            </a:r>
+          </a:p>
+          <a:p>
+            <a:pPr marL="171450" indent="-171450">
+              <a:buFontTx/>
+              <a:buChar char="-"/>
+            </a:pPr>
+            <a:r>
+              <a:rPr lang="pt-BR" dirty="0"/>
+              <a:t>Encontra o melhor arranjo com base em métricas</a:t>
+            </a:r>
+          </a:p>
+          <a:p>
+            <a:pPr marL="171450" indent="-171450">
+              <a:buFontTx/>
+              <a:buChar char="-"/>
+            </a:pPr>
+            <a:endParaRPr lang="pt-BR" dirty="0"/>
+          </a:p>
+          <a:p>
+            <a:pPr marL="0" indent="0">
+              <a:buFontTx/>
+              <a:buNone/>
+            </a:pPr>
+            <a:r>
+              <a:rPr lang="pt-BR" dirty="0"/>
+              <a:t>Network </a:t>
+            </a:r>
+            <a:r>
+              <a:rPr lang="pt-BR" dirty="0" err="1"/>
+              <a:t>Traffic</a:t>
+            </a:r>
+            <a:r>
+              <a:rPr lang="pt-BR" dirty="0"/>
+              <a:t> </a:t>
+            </a:r>
+            <a:r>
+              <a:rPr lang="pt-BR" dirty="0" err="1"/>
+              <a:t>Monitoring</a:t>
+            </a:r>
+            <a:r>
+              <a:rPr lang="pt-BR" dirty="0"/>
+              <a:t> </a:t>
+            </a:r>
+            <a:r>
+              <a:rPr lang="pt-BR" dirty="0" err="1"/>
+              <a:t>and</a:t>
+            </a:r>
+            <a:r>
+              <a:rPr lang="pt-BR" dirty="0"/>
+              <a:t> </a:t>
+            </a:r>
+            <a:r>
+              <a:rPr lang="pt-BR" dirty="0" err="1"/>
+              <a:t>Analysis</a:t>
+            </a:r>
+            <a:r>
+              <a:rPr lang="pt-BR" dirty="0"/>
+              <a:t> (NTMA)</a:t>
+            </a:r>
+          </a:p>
+          <a:p>
+            <a:pPr marL="171450" indent="-171450">
+              <a:buFontTx/>
+              <a:buChar char="-"/>
+            </a:pPr>
+            <a:r>
+              <a:rPr lang="pt-BR" dirty="0"/>
+              <a:t>VNF</a:t>
+            </a:r>
+          </a:p>
+          <a:p>
+            <a:pPr marL="171450" indent="-171450">
+              <a:buFontTx/>
+              <a:buChar char="-"/>
+            </a:pPr>
+            <a:r>
+              <a:rPr lang="pt-BR" dirty="0"/>
+              <a:t>Previsão de tráfego de rede</a:t>
+            </a:r>
+          </a:p>
+        </p:txBody>
+      </p:sp>
+      <p:sp>
+        <p:nvSpPr>
+          <p:cNvPr id="4" name="Slide Number Placeholder 3"/>
+          <p:cNvSpPr>
+            <a:spLocks noGrp="1"/>
+          </p:cNvSpPr>
+          <p:nvPr>
+            <p:ph type="sldNum" sz="quarter" idx="5"/>
+          </p:nvPr>
+        </p:nvSpPr>
+        <p:spPr/>
+        <p:txBody>
+          <a:bodyPr/>
+          <a:lstStyle/>
+          <a:p>
+            <a:fld id="{11A34663-90A1-D846-8898-3C9F8D7E3213}" type="slidenum">
+              <a:rPr lang="pt-BR" smtClean="0"/>
+              <a:t>25</a:t>
+            </a:fld>
+            <a:endParaRPr lang="pt-BR"/>
+          </a:p>
+        </p:txBody>
+      </p:sp>
+    </p:spTree>
+    <p:extLst>
+      <p:ext uri="{BB962C8B-B14F-4D97-AF65-F5344CB8AC3E}">
+        <p14:creationId xmlns:p14="http://schemas.microsoft.com/office/powerpoint/2010/main" val="4044769900"/>
+      </p:ext>
+    </p:extLst>
+  </p:cSld>
+  <p:clrMapOvr>
+    <a:masterClrMapping/>
+  </p:clrMapOvr>
+</p:notes>
+</file>
+
+<file path=ppt/notesSlides/notesSlide21.xml><?xml version="1.0" encoding="utf-8"?>
+<p:notes xmlns:a="http://schemas.openxmlformats.org/drawingml/2006/main" xmlns:r="http://schemas.openxmlformats.org/officeDocument/2006/relationships" xmlns:p="http://schemas.openxmlformats.org/presentationml/2006/main">
+  <p:cSld>
+    <p:spTree>
+      <p:nvGrpSpPr>
+        <p:cNvPr id="1" name=""/>
+        <p:cNvGrpSpPr/>
+        <p:nvPr/>
+      </p:nvGrpSpPr>
+      <p:grpSpPr>
+        <a:xfrm>
+          <a:off x="0" y="0"/>
+          <a:ext cx="0" cy="0"/>
+          <a:chOff x="0" y="0"/>
+          <a:chExt cx="0" cy="0"/>
+        </a:xfrm>
+      </p:grpSpPr>
+      <p:sp>
+        <p:nvSpPr>
+          <p:cNvPr id="2" name="Slide Image Placeholder 1"/>
+          <p:cNvSpPr>
+            <a:spLocks noGrp="1" noRot="1" noChangeAspect="1"/>
+          </p:cNvSpPr>
+          <p:nvPr>
+            <p:ph type="sldImg"/>
+          </p:nvPr>
+        </p:nvSpPr>
+        <p:spPr/>
+      </p:sp>
+      <p:sp>
+        <p:nvSpPr>
+          <p:cNvPr id="3" name="Notes Placeholder 2"/>
+          <p:cNvSpPr>
+            <a:spLocks noGrp="1"/>
+          </p:cNvSpPr>
+          <p:nvPr>
+            <p:ph type="body" idx="1"/>
+          </p:nvPr>
+        </p:nvSpPr>
+        <p:spPr/>
+        <p:txBody>
+          <a:bodyPr/>
+          <a:lstStyle/>
+          <a:p>
+            <a:r>
+              <a:rPr lang="pt-BR" dirty="0"/>
+              <a:t>Alguns pontos de atenção</a:t>
+            </a:r>
+          </a:p>
+          <a:p>
+            <a:r>
+              <a:rPr lang="pt-BR" dirty="0"/>
+              <a:t>- </a:t>
+            </a:r>
+            <a:r>
+              <a:rPr lang="pt-BR" dirty="0" err="1"/>
+              <a:t>Latêcia</a:t>
+            </a:r>
+            <a:r>
+              <a:rPr lang="pt-BR" dirty="0"/>
+              <a:t> geral de uma cadeia de </a:t>
+            </a:r>
+            <a:r>
+              <a:rPr lang="pt-BR" dirty="0" err="1"/>
+              <a:t>middleboxes</a:t>
+            </a:r>
+            <a:endParaRPr lang="pt-BR" dirty="0"/>
+          </a:p>
+        </p:txBody>
+      </p:sp>
+      <p:sp>
+        <p:nvSpPr>
+          <p:cNvPr id="4" name="Slide Number Placeholder 3"/>
+          <p:cNvSpPr>
+            <a:spLocks noGrp="1"/>
+          </p:cNvSpPr>
+          <p:nvPr>
+            <p:ph type="sldNum" sz="quarter" idx="5"/>
+          </p:nvPr>
+        </p:nvSpPr>
+        <p:spPr/>
+        <p:txBody>
+          <a:bodyPr/>
+          <a:lstStyle/>
+          <a:p>
+            <a:fld id="{11A34663-90A1-D846-8898-3C9F8D7E3213}" type="slidenum">
+              <a:rPr lang="pt-BR" smtClean="0"/>
+              <a:t>26</a:t>
+            </a:fld>
+            <a:endParaRPr lang="pt-BR"/>
+          </a:p>
+        </p:txBody>
+      </p:sp>
+    </p:spTree>
+    <p:extLst>
+      <p:ext uri="{BB962C8B-B14F-4D97-AF65-F5344CB8AC3E}">
+        <p14:creationId xmlns:p14="http://schemas.microsoft.com/office/powerpoint/2010/main" val="167473840"/>
+      </p:ext>
+    </p:extLst>
+  </p:cSld>
+  <p:clrMapOvr>
+    <a:masterClrMapping/>
+  </p:clrMapOvr>
+</p:notes>
+</file>
+
+<file path=ppt/notesSlides/notesSlide22.xml><?xml version="1.0" encoding="utf-8"?>
+<p:notes xmlns:a="http://schemas.openxmlformats.org/drawingml/2006/main" xmlns:r="http://schemas.openxmlformats.org/officeDocument/2006/relationships" xmlns:p="http://schemas.openxmlformats.org/presentationml/2006/main">
+  <p:cSld>
+    <p:spTree>
+      <p:nvGrpSpPr>
+        <p:cNvPr id="1" name=""/>
+        <p:cNvGrpSpPr/>
+        <p:nvPr/>
+      </p:nvGrpSpPr>
+      <p:grpSpPr>
+        <a:xfrm>
+          <a:off x="0" y="0"/>
+          <a:ext cx="0" cy="0"/>
+          <a:chOff x="0" y="0"/>
+          <a:chExt cx="0" cy="0"/>
+        </a:xfrm>
+      </p:grpSpPr>
+      <p:sp>
+        <p:nvSpPr>
+          <p:cNvPr id="2" name="Slide Image Placeholder 1"/>
+          <p:cNvSpPr>
+            <a:spLocks noGrp="1" noRot="1" noChangeAspect="1"/>
+          </p:cNvSpPr>
+          <p:nvPr>
+            <p:ph type="sldImg"/>
+          </p:nvPr>
+        </p:nvSpPr>
+        <p:spPr/>
+      </p:sp>
+      <p:sp>
+        <p:nvSpPr>
+          <p:cNvPr id="3" name="Notes Placeholder 2"/>
+          <p:cNvSpPr>
+            <a:spLocks noGrp="1"/>
+          </p:cNvSpPr>
+          <p:nvPr>
+            <p:ph type="body" idx="1"/>
+          </p:nvPr>
+        </p:nvSpPr>
+        <p:spPr/>
+        <p:txBody>
+          <a:bodyPr/>
+          <a:lstStyle/>
+          <a:p>
+            <a:r>
+              <a:rPr lang="pt-BR" dirty="0"/>
+              <a:t>NWDAF é uma interface padrão do 5G</a:t>
+            </a:r>
+          </a:p>
+          <a:p>
+            <a:pPr marL="171450" indent="-171450">
+              <a:buFontTx/>
+              <a:buChar char="-"/>
+            </a:pPr>
+            <a:r>
+              <a:rPr lang="pt-BR" dirty="0"/>
+              <a:t>Pode se comunicar com a camada </a:t>
+            </a:r>
+            <a:r>
+              <a:rPr lang="pt-BR" dirty="0" err="1"/>
+              <a:t>Policy</a:t>
+            </a:r>
+            <a:r>
+              <a:rPr lang="pt-BR" dirty="0"/>
+              <a:t> </a:t>
+            </a:r>
+            <a:r>
+              <a:rPr lang="pt-BR" dirty="0" err="1"/>
+              <a:t>Control</a:t>
+            </a:r>
+            <a:r>
+              <a:rPr lang="pt-BR" dirty="0"/>
+              <a:t> </a:t>
+            </a:r>
+            <a:r>
+              <a:rPr lang="pt-BR" dirty="0" err="1"/>
+              <a:t>Function</a:t>
+            </a:r>
+            <a:r>
+              <a:rPr lang="pt-BR" dirty="0"/>
+              <a:t> (PCF)</a:t>
+            </a:r>
+          </a:p>
+          <a:p>
+            <a:pPr marL="171450" indent="-171450">
+              <a:buFontTx/>
+              <a:buChar char="-"/>
+            </a:pPr>
+            <a:r>
+              <a:rPr lang="pt-BR" dirty="0"/>
+              <a:t>PCF: camada de gestão de políticas de fatiamento</a:t>
+            </a:r>
+          </a:p>
+          <a:p>
+            <a:pPr marL="171450" indent="-171450">
+              <a:buFontTx/>
+              <a:buChar char="-"/>
+            </a:pPr>
+            <a:r>
+              <a:rPr lang="pt-BR" dirty="0"/>
+              <a:t>Podem se comunicar por uma interface N23</a:t>
+            </a:r>
+          </a:p>
+          <a:p>
+            <a:pPr marL="171450" indent="-171450">
+              <a:buFontTx/>
+              <a:buChar char="-"/>
+            </a:pPr>
+            <a:endParaRPr lang="pt-BR" dirty="0"/>
+          </a:p>
+          <a:p>
+            <a:pPr marL="171450" indent="-171450">
+              <a:buFontTx/>
+              <a:buChar char="-"/>
+            </a:pPr>
+            <a:r>
+              <a:rPr lang="pt-BR" dirty="0"/>
+              <a:t>Também pode se comunicar com uma função Network </a:t>
+            </a:r>
+            <a:r>
+              <a:rPr lang="pt-BR" dirty="0" err="1"/>
+              <a:t>Slice</a:t>
+            </a:r>
+            <a:r>
+              <a:rPr lang="pt-BR" dirty="0"/>
+              <a:t> </a:t>
+            </a:r>
+            <a:r>
+              <a:rPr lang="pt-BR" dirty="0" err="1"/>
+              <a:t>Selection</a:t>
+            </a:r>
+            <a:r>
+              <a:rPr lang="pt-BR" dirty="0"/>
+              <a:t> </a:t>
+            </a:r>
+            <a:r>
+              <a:rPr lang="pt-BR" dirty="0" err="1"/>
+              <a:t>Function</a:t>
+            </a:r>
+            <a:r>
+              <a:rPr lang="pt-BR" dirty="0"/>
+              <a:t> (NSSF)</a:t>
+            </a:r>
+          </a:p>
+          <a:p>
+            <a:pPr marL="171450" indent="-171450">
+              <a:buFontTx/>
+              <a:buChar char="-"/>
+            </a:pPr>
+            <a:r>
+              <a:rPr lang="pt-BR" dirty="0"/>
+              <a:t>Pode se comunicar por uma interface N34</a:t>
+            </a:r>
+          </a:p>
+        </p:txBody>
+      </p:sp>
+      <p:sp>
+        <p:nvSpPr>
+          <p:cNvPr id="4" name="Slide Number Placeholder 3"/>
+          <p:cNvSpPr>
+            <a:spLocks noGrp="1"/>
+          </p:cNvSpPr>
+          <p:nvPr>
+            <p:ph type="sldNum" sz="quarter" idx="5"/>
+          </p:nvPr>
+        </p:nvSpPr>
+        <p:spPr/>
+        <p:txBody>
+          <a:bodyPr/>
+          <a:lstStyle/>
+          <a:p>
+            <a:fld id="{11A34663-90A1-D846-8898-3C9F8D7E3213}" type="slidenum">
+              <a:rPr lang="pt-BR" smtClean="0"/>
+              <a:t>27</a:t>
+            </a:fld>
+            <a:endParaRPr lang="pt-BR"/>
+          </a:p>
+        </p:txBody>
+      </p:sp>
+    </p:spTree>
+    <p:extLst>
+      <p:ext uri="{BB962C8B-B14F-4D97-AF65-F5344CB8AC3E}">
+        <p14:creationId xmlns:p14="http://schemas.microsoft.com/office/powerpoint/2010/main" val="3809013038"/>
+      </p:ext>
+    </p:extLst>
+  </p:cSld>
+  <p:clrMapOvr>
+    <a:masterClrMapping/>
+  </p:clrMapOvr>
+</p:notes>
+</file>
+
+<file path=ppt/notesSlides/notesSlide23.xml><?xml version="1.0" encoding="utf-8"?>
+<p:notes xmlns:a="http://schemas.openxmlformats.org/drawingml/2006/main" xmlns:r="http://schemas.openxmlformats.org/officeDocument/2006/relationships" xmlns:p="http://schemas.openxmlformats.org/presentationml/2006/main">
+  <p:cSld>
+    <p:spTree>
+      <p:nvGrpSpPr>
+        <p:cNvPr id="1" name=""/>
+        <p:cNvGrpSpPr/>
+        <p:nvPr/>
+      </p:nvGrpSpPr>
+      <p:grpSpPr>
+        <a:xfrm>
+          <a:off x="0" y="0"/>
+          <a:ext cx="0" cy="0"/>
+          <a:chOff x="0" y="0"/>
+          <a:chExt cx="0" cy="0"/>
+        </a:xfrm>
+      </p:grpSpPr>
+      <p:sp>
+        <p:nvSpPr>
+          <p:cNvPr id="2" name="Slide Image Placeholder 1"/>
+          <p:cNvSpPr>
+            <a:spLocks noGrp="1" noRot="1" noChangeAspect="1"/>
+          </p:cNvSpPr>
+          <p:nvPr>
+            <p:ph type="sldImg"/>
+          </p:nvPr>
+        </p:nvSpPr>
+        <p:spPr/>
+      </p:sp>
+      <p:sp>
+        <p:nvSpPr>
+          <p:cNvPr id="3" name="Notes Placeholder 2"/>
+          <p:cNvSpPr>
+            <a:spLocks noGrp="1"/>
+          </p:cNvSpPr>
+          <p:nvPr>
+            <p:ph type="body" idx="1"/>
+          </p:nvPr>
+        </p:nvSpPr>
+        <p:spPr/>
+        <p:txBody>
+          <a:bodyPr/>
+          <a:lstStyle/>
+          <a:p>
+            <a:r>
+              <a:rPr lang="pt-BR" dirty="0"/>
+              <a:t>Armazenado para </a:t>
+            </a:r>
+            <a:r>
+              <a:rPr lang="pt-BR"/>
+              <a:t>análises futuras</a:t>
+            </a:r>
+            <a:endParaRPr lang="pt-BR" dirty="0"/>
+          </a:p>
+        </p:txBody>
+      </p:sp>
+      <p:sp>
+        <p:nvSpPr>
+          <p:cNvPr id="4" name="Slide Number Placeholder 3"/>
+          <p:cNvSpPr>
+            <a:spLocks noGrp="1"/>
+          </p:cNvSpPr>
+          <p:nvPr>
+            <p:ph type="sldNum" sz="quarter" idx="5"/>
+          </p:nvPr>
+        </p:nvSpPr>
+        <p:spPr/>
+        <p:txBody>
+          <a:bodyPr/>
+          <a:lstStyle/>
+          <a:p>
+            <a:fld id="{11A34663-90A1-D846-8898-3C9F8D7E3213}" type="slidenum">
+              <a:rPr lang="pt-BR" smtClean="0"/>
+              <a:t>28</a:t>
+            </a:fld>
+            <a:endParaRPr lang="pt-BR"/>
+          </a:p>
+        </p:txBody>
+      </p:sp>
+    </p:spTree>
+    <p:extLst>
+      <p:ext uri="{BB962C8B-B14F-4D97-AF65-F5344CB8AC3E}">
+        <p14:creationId xmlns:p14="http://schemas.microsoft.com/office/powerpoint/2010/main" val="1073332051"/>
+      </p:ext>
+    </p:extLst>
+  </p:cSld>
+  <p:clrMapOvr>
+    <a:masterClrMapping/>
+  </p:clrMapOvr>
+</p:notes>
+</file>
+
+<file path=ppt/notesSlides/notesSlide24.xml><?xml version="1.0" encoding="utf-8"?>
+<p:notes xmlns:a="http://schemas.openxmlformats.org/drawingml/2006/main" xmlns:r="http://schemas.openxmlformats.org/officeDocument/2006/relationships" xmlns:p="http://schemas.openxmlformats.org/presentationml/2006/main">
+  <p:cSld>
+    <p:spTree>
+      <p:nvGrpSpPr>
+        <p:cNvPr id="1" name=""/>
+        <p:cNvGrpSpPr/>
+        <p:nvPr/>
+      </p:nvGrpSpPr>
+      <p:grpSpPr>
+        <a:xfrm>
+          <a:off x="0" y="0"/>
+          <a:ext cx="0" cy="0"/>
+          <a:chOff x="0" y="0"/>
+          <a:chExt cx="0" cy="0"/>
+        </a:xfrm>
+      </p:grpSpPr>
+      <p:sp>
+        <p:nvSpPr>
+          <p:cNvPr id="2" name="Slide Image Placeholder 1"/>
+          <p:cNvSpPr>
+            <a:spLocks noGrp="1" noRot="1" noChangeAspect="1"/>
+          </p:cNvSpPr>
+          <p:nvPr>
+            <p:ph type="sldImg"/>
+          </p:nvPr>
+        </p:nvSpPr>
+        <p:spPr/>
+      </p:sp>
+      <p:sp>
+        <p:nvSpPr>
+          <p:cNvPr id="3" name="Notes Placeholder 2"/>
+          <p:cNvSpPr>
+            <a:spLocks noGrp="1"/>
+          </p:cNvSpPr>
+          <p:nvPr>
+            <p:ph type="body" idx="1"/>
+          </p:nvPr>
+        </p:nvSpPr>
+        <p:spPr/>
+        <p:txBody>
+          <a:bodyPr/>
+          <a:lstStyle/>
+          <a:p>
+            <a:r>
+              <a:rPr lang="pt-BR" dirty="0"/>
+              <a:t>NWDAF é uma interface padrão do 5G</a:t>
+            </a:r>
+          </a:p>
+          <a:p>
+            <a:pPr marL="171450" indent="-171450">
+              <a:buFontTx/>
+              <a:buChar char="-"/>
+            </a:pPr>
+            <a:r>
+              <a:rPr lang="pt-BR" dirty="0"/>
+              <a:t>Pode se comunicar com a camada </a:t>
+            </a:r>
+            <a:r>
+              <a:rPr lang="pt-BR" dirty="0" err="1"/>
+              <a:t>Policy</a:t>
+            </a:r>
+            <a:r>
+              <a:rPr lang="pt-BR" dirty="0"/>
+              <a:t> </a:t>
+            </a:r>
+            <a:r>
+              <a:rPr lang="pt-BR" dirty="0" err="1"/>
+              <a:t>Control</a:t>
+            </a:r>
+            <a:r>
+              <a:rPr lang="pt-BR" dirty="0"/>
+              <a:t> </a:t>
+            </a:r>
+            <a:r>
+              <a:rPr lang="pt-BR" dirty="0" err="1"/>
+              <a:t>Function</a:t>
+            </a:r>
+            <a:r>
+              <a:rPr lang="pt-BR" dirty="0"/>
+              <a:t> (PCF)</a:t>
+            </a:r>
+          </a:p>
+          <a:p>
+            <a:pPr marL="171450" indent="-171450">
+              <a:buFontTx/>
+              <a:buChar char="-"/>
+            </a:pPr>
+            <a:r>
+              <a:rPr lang="pt-BR" dirty="0"/>
+              <a:t>PCF: camada de gestão de políticas de fatiamento</a:t>
+            </a:r>
+          </a:p>
+          <a:p>
+            <a:pPr marL="171450" indent="-171450">
+              <a:buFontTx/>
+              <a:buChar char="-"/>
+            </a:pPr>
+            <a:r>
+              <a:rPr lang="pt-BR" dirty="0"/>
+              <a:t>Podem se comunicar por uma interface N23</a:t>
+            </a:r>
+          </a:p>
+          <a:p>
+            <a:pPr marL="171450" indent="-171450">
+              <a:buFontTx/>
+              <a:buChar char="-"/>
+            </a:pPr>
+            <a:endParaRPr lang="pt-BR" dirty="0"/>
+          </a:p>
+          <a:p>
+            <a:pPr marL="171450" indent="-171450">
+              <a:buFontTx/>
+              <a:buChar char="-"/>
+            </a:pPr>
+            <a:r>
+              <a:rPr lang="pt-BR" dirty="0"/>
+              <a:t>Também pode se comunicar com uma função Network </a:t>
+            </a:r>
+            <a:r>
+              <a:rPr lang="pt-BR" dirty="0" err="1"/>
+              <a:t>Slice</a:t>
+            </a:r>
+            <a:r>
+              <a:rPr lang="pt-BR" dirty="0"/>
+              <a:t> </a:t>
+            </a:r>
+            <a:r>
+              <a:rPr lang="pt-BR" dirty="0" err="1"/>
+              <a:t>Selection</a:t>
+            </a:r>
+            <a:r>
+              <a:rPr lang="pt-BR" dirty="0"/>
+              <a:t> </a:t>
+            </a:r>
+            <a:r>
+              <a:rPr lang="pt-BR" dirty="0" err="1"/>
+              <a:t>Function</a:t>
+            </a:r>
+            <a:r>
+              <a:rPr lang="pt-BR" dirty="0"/>
+              <a:t> (NSSF)</a:t>
+            </a:r>
+          </a:p>
+          <a:p>
+            <a:pPr marL="171450" indent="-171450">
+              <a:buFontTx/>
+              <a:buChar char="-"/>
+            </a:pPr>
+            <a:r>
+              <a:rPr lang="pt-BR" dirty="0"/>
+              <a:t>Pode se comunicar por uma interface N34</a:t>
+            </a:r>
+          </a:p>
+        </p:txBody>
+      </p:sp>
+      <p:sp>
+        <p:nvSpPr>
+          <p:cNvPr id="4" name="Slide Number Placeholder 3"/>
+          <p:cNvSpPr>
+            <a:spLocks noGrp="1"/>
+          </p:cNvSpPr>
+          <p:nvPr>
+            <p:ph type="sldNum" sz="quarter" idx="5"/>
+          </p:nvPr>
+        </p:nvSpPr>
+        <p:spPr/>
+        <p:txBody>
+          <a:bodyPr/>
+          <a:lstStyle/>
+          <a:p>
+            <a:fld id="{11A34663-90A1-D846-8898-3C9F8D7E3213}" type="slidenum">
+              <a:rPr lang="pt-BR" smtClean="0"/>
+              <a:t>29</a:t>
+            </a:fld>
+            <a:endParaRPr lang="pt-BR"/>
+          </a:p>
+        </p:txBody>
+      </p:sp>
+    </p:spTree>
+    <p:extLst>
+      <p:ext uri="{BB962C8B-B14F-4D97-AF65-F5344CB8AC3E}">
+        <p14:creationId xmlns:p14="http://schemas.microsoft.com/office/powerpoint/2010/main" val="941013275"/>
+      </p:ext>
+    </p:extLst>
+  </p:cSld>
+  <p:clrMapOvr>
+    <a:masterClrMapping/>
+  </p:clrMapOvr>
+</p:notes>
+</file>
+
+<file path=ppt/notesSlides/notesSlide25.xml><?xml version="1.0" encoding="utf-8"?>
+<p:notes xmlns:a="http://schemas.openxmlformats.org/drawingml/2006/main" xmlns:r="http://schemas.openxmlformats.org/officeDocument/2006/relationships" xmlns:p="http://schemas.openxmlformats.org/presentationml/2006/main">
+  <p:cSld>
+    <p:spTree>
+      <p:nvGrpSpPr>
+        <p:cNvPr id="1" name=""/>
+        <p:cNvGrpSpPr/>
+        <p:nvPr/>
+      </p:nvGrpSpPr>
+      <p:grpSpPr>
+        <a:xfrm>
+          <a:off x="0" y="0"/>
+          <a:ext cx="0" cy="0"/>
+          <a:chOff x="0" y="0"/>
+          <a:chExt cx="0" cy="0"/>
+        </a:xfrm>
+      </p:grpSpPr>
+      <p:sp>
+        <p:nvSpPr>
+          <p:cNvPr id="2" name="Slide Image Placeholder 1"/>
+          <p:cNvSpPr>
+            <a:spLocks noGrp="1" noRot="1" noChangeAspect="1"/>
+          </p:cNvSpPr>
+          <p:nvPr>
+            <p:ph type="sldImg"/>
+          </p:nvPr>
+        </p:nvSpPr>
+        <p:spPr/>
+      </p:sp>
+      <p:sp>
+        <p:nvSpPr>
+          <p:cNvPr id="3" name="Notes Placeholder 2"/>
+          <p:cNvSpPr>
+            <a:spLocks noGrp="1"/>
+          </p:cNvSpPr>
+          <p:nvPr>
+            <p:ph type="body" idx="1"/>
+          </p:nvPr>
+        </p:nvSpPr>
+        <p:spPr/>
+        <p:txBody>
+          <a:bodyPr/>
+          <a:lstStyle/>
+          <a:p>
+            <a:r>
+              <a:rPr lang="pt-BR" dirty="0"/>
+              <a:t>NWDAF é uma interface padrão do 5G</a:t>
+            </a:r>
+          </a:p>
+          <a:p>
+            <a:pPr marL="171450" indent="-171450">
+              <a:buFontTx/>
+              <a:buChar char="-"/>
+            </a:pPr>
+            <a:r>
+              <a:rPr lang="pt-BR" dirty="0"/>
+              <a:t>Pode se comunicar com a camada </a:t>
+            </a:r>
+            <a:r>
+              <a:rPr lang="pt-BR" dirty="0" err="1"/>
+              <a:t>Policy</a:t>
+            </a:r>
+            <a:r>
+              <a:rPr lang="pt-BR" dirty="0"/>
+              <a:t> </a:t>
+            </a:r>
+            <a:r>
+              <a:rPr lang="pt-BR" dirty="0" err="1"/>
+              <a:t>Control</a:t>
+            </a:r>
+            <a:r>
+              <a:rPr lang="pt-BR" dirty="0"/>
+              <a:t> </a:t>
+            </a:r>
+            <a:r>
+              <a:rPr lang="pt-BR" dirty="0" err="1"/>
+              <a:t>Function</a:t>
+            </a:r>
+            <a:r>
+              <a:rPr lang="pt-BR" dirty="0"/>
+              <a:t> (PCF)</a:t>
+            </a:r>
+          </a:p>
+          <a:p>
+            <a:pPr marL="171450" indent="-171450">
+              <a:buFontTx/>
+              <a:buChar char="-"/>
+            </a:pPr>
+            <a:r>
+              <a:rPr lang="pt-BR" dirty="0"/>
+              <a:t>PCF: camada de gestão de políticas de fatiamento</a:t>
+            </a:r>
+          </a:p>
+          <a:p>
+            <a:pPr marL="171450" indent="-171450">
+              <a:buFontTx/>
+              <a:buChar char="-"/>
+            </a:pPr>
+            <a:r>
+              <a:rPr lang="pt-BR" dirty="0"/>
+              <a:t>Podem se comunicar por uma interface N23</a:t>
+            </a:r>
+          </a:p>
+          <a:p>
+            <a:pPr marL="171450" indent="-171450">
+              <a:buFontTx/>
+              <a:buChar char="-"/>
+            </a:pPr>
+            <a:endParaRPr lang="pt-BR" dirty="0"/>
+          </a:p>
+          <a:p>
+            <a:pPr marL="171450" indent="-171450">
+              <a:buFontTx/>
+              <a:buChar char="-"/>
+            </a:pPr>
+            <a:r>
+              <a:rPr lang="pt-BR" dirty="0"/>
+              <a:t>Também pode se comunicar com uma função Network </a:t>
+            </a:r>
+            <a:r>
+              <a:rPr lang="pt-BR" dirty="0" err="1"/>
+              <a:t>Slice</a:t>
+            </a:r>
+            <a:r>
+              <a:rPr lang="pt-BR" dirty="0"/>
+              <a:t> </a:t>
+            </a:r>
+            <a:r>
+              <a:rPr lang="pt-BR" dirty="0" err="1"/>
+              <a:t>Selection</a:t>
+            </a:r>
+            <a:r>
+              <a:rPr lang="pt-BR" dirty="0"/>
+              <a:t> </a:t>
+            </a:r>
+            <a:r>
+              <a:rPr lang="pt-BR" dirty="0" err="1"/>
+              <a:t>Function</a:t>
+            </a:r>
+            <a:r>
+              <a:rPr lang="pt-BR" dirty="0"/>
+              <a:t> (NSSF)</a:t>
+            </a:r>
+          </a:p>
+          <a:p>
+            <a:pPr marL="171450" indent="-171450">
+              <a:buFontTx/>
+              <a:buChar char="-"/>
+            </a:pPr>
+            <a:r>
+              <a:rPr lang="pt-BR" dirty="0"/>
+              <a:t>Pode se comunicar por uma interface N34</a:t>
+            </a:r>
+          </a:p>
+        </p:txBody>
+      </p:sp>
+      <p:sp>
+        <p:nvSpPr>
+          <p:cNvPr id="4" name="Slide Number Placeholder 3"/>
+          <p:cNvSpPr>
+            <a:spLocks noGrp="1"/>
+          </p:cNvSpPr>
+          <p:nvPr>
+            <p:ph type="sldNum" sz="quarter" idx="5"/>
+          </p:nvPr>
+        </p:nvSpPr>
+        <p:spPr/>
+        <p:txBody>
+          <a:bodyPr/>
+          <a:lstStyle/>
+          <a:p>
+            <a:fld id="{11A34663-90A1-D846-8898-3C9F8D7E3213}" type="slidenum">
+              <a:rPr lang="pt-BR" smtClean="0"/>
+              <a:t>30</a:t>
+            </a:fld>
+            <a:endParaRPr lang="pt-BR"/>
+          </a:p>
+        </p:txBody>
+      </p:sp>
+    </p:spTree>
+    <p:extLst>
+      <p:ext uri="{BB962C8B-B14F-4D97-AF65-F5344CB8AC3E}">
+        <p14:creationId xmlns:p14="http://schemas.microsoft.com/office/powerpoint/2010/main" val="2181297702"/>
       </p:ext>
     </p:extLst>
   </p:cSld>
@@ -2280,7 +3995,7 @@
           <a:p>
             <a:fld id="{B7D7292B-FE83-8149-80C4-91AAECDA12E5}" type="datetime1">
               <a:rPr lang="en-US" smtClean="0"/>
-              <a:t>7/31/23</a:t>
+              <a:t>8/16/23</a:t>
             </a:fld>
             <a:endParaRPr lang="pt-BR"/>
           </a:p>
@@ -2483,7 +4198,7 @@
           <a:p>
             <a:fld id="{F727921A-E0AD-844D-AD8F-CAC84CE426DD}" type="datetime1">
               <a:rPr lang="en-US" smtClean="0"/>
-              <a:t>7/31/23</a:t>
+              <a:t>8/16/23</a:t>
             </a:fld>
             <a:endParaRPr lang="pt-BR"/>
           </a:p>
@@ -2696,7 +4411,7 @@
           <a:p>
             <a:fld id="{9CD9CF61-6AC0-B04A-8A79-63823834CBEC}" type="datetime1">
               <a:rPr lang="en-US" smtClean="0"/>
-              <a:t>7/31/23</a:t>
+              <a:t>8/16/23</a:t>
             </a:fld>
             <a:endParaRPr lang="pt-BR"/>
           </a:p>
@@ -3190,7 +4905,7 @@
           <a:p>
             <a:fld id="{CC831FFB-6350-8C44-9E91-19D97611BEA9}" type="datetime1">
               <a:rPr lang="en-US" smtClean="0"/>
-              <a:t>7/31/23</a:t>
+              <a:t>8/16/23</a:t>
             </a:fld>
             <a:endParaRPr lang="pt-BR"/>
           </a:p>
@@ -3469,7 +5184,7 @@
           <a:p>
             <a:fld id="{4EF76644-9B79-9F49-B469-1DC73161FED8}" type="datetime1">
               <a:rPr lang="en-US" smtClean="0"/>
-              <a:t>7/31/23</a:t>
+              <a:t>8/16/23</a:t>
             </a:fld>
             <a:endParaRPr lang="pt-BR"/>
           </a:p>
@@ -3740,7 +5455,7 @@
           <a:p>
             <a:fld id="{A6A5F312-EAA7-7D48-88BA-9918EFBF56FA}" type="datetime1">
               <a:rPr lang="en-US" smtClean="0"/>
-              <a:t>7/31/23</a:t>
+              <a:t>8/16/23</a:t>
             </a:fld>
             <a:endParaRPr lang="pt-BR"/>
           </a:p>
@@ -4158,7 +5873,7 @@
           <a:p>
             <a:fld id="{619E78BB-BB23-6E49-9BDB-7472C1355587}" type="datetime1">
               <a:rPr lang="en-US" smtClean="0"/>
-              <a:t>7/31/23</a:t>
+              <a:t>8/16/23</a:t>
             </a:fld>
             <a:endParaRPr lang="pt-BR"/>
           </a:p>
@@ -4303,7 +6018,7 @@
           <a:p>
             <a:fld id="{6ABA3EEC-C7DD-1B40-8728-972E1C9136C0}" type="datetime1">
               <a:rPr lang="en-US" smtClean="0"/>
-              <a:t>7/31/23</a:t>
+              <a:t>8/16/23</a:t>
             </a:fld>
             <a:endParaRPr lang="pt-BR"/>
           </a:p>
@@ -4419,7 +6134,7 @@
           <a:p>
             <a:fld id="{728EB19E-60F9-E347-B916-E0C6BA076179}" type="datetime1">
               <a:rPr lang="en-US" smtClean="0"/>
-              <a:t>7/31/23</a:t>
+              <a:t>8/16/23</a:t>
             </a:fld>
             <a:endParaRPr lang="pt-BR"/>
           </a:p>
@@ -4735,7 +6450,7 @@
           <a:p>
             <a:fld id="{15B4D956-4AC8-404F-A7CF-EC008BDE51B6}" type="datetime1">
               <a:rPr lang="en-US" smtClean="0"/>
-              <a:t>7/31/23</a:t>
+              <a:t>8/16/23</a:t>
             </a:fld>
             <a:endParaRPr lang="pt-BR"/>
           </a:p>
@@ -5027,7 +6742,7 @@
           <a:p>
             <a:fld id="{0939231F-1418-9A44-976B-E0F4BFB8DF25}" type="datetime1">
               <a:rPr lang="en-US" smtClean="0"/>
-              <a:t>7/31/23</a:t>
+              <a:t>8/16/23</a:t>
             </a:fld>
             <a:endParaRPr lang="pt-BR"/>
           </a:p>
@@ -5273,7 +6988,7 @@
           <a:p>
             <a:fld id="{488104F5-6E01-7F45-A19D-27FA7BCF2A7A}" type="datetime1">
               <a:rPr lang="en-US" smtClean="0"/>
-              <a:t>7/31/23</a:t>
+              <a:t>8/16/23</a:t>
             </a:fld>
             <a:endParaRPr lang="pt-BR"/>
           </a:p>
@@ -15466,23 +17181,53 @@
           <a:p>
             <a:pPr algn="l"/>
             <a:r>
-              <a:rPr lang="en-US" sz="4800" b="1" dirty="0">
-                <a:solidFill>
-                  <a:schemeClr val="tx1"/>
-                </a:solidFill>
-                <a:latin typeface="IBM Plex Sans" panose="020B0503050203000203" pitchFamily="34" charset="0"/>
-              </a:rPr>
-              <a:t>Preliminaries on data Collection for MTP-NT - Preliminaries</a:t>
+              <a:rPr lang="en-US" sz="4000" b="1" dirty="0">
+                <a:solidFill>
+                  <a:schemeClr val="tx1"/>
+                </a:solidFill>
+                <a:latin typeface="IBM Plex Sans" panose="020B0503050203000203" pitchFamily="34" charset="0"/>
+              </a:rPr>
+              <a:t>Preliminaries on data Collection for MTP-NT – The predictive model in the 5G Infrastructure</a:t>
             </a:r>
           </a:p>
         </p:txBody>
       </p:sp>
-      <p:sp>
-        <p:nvSpPr>
-          <p:cNvPr id="8" name="Title">
+      <p:pic>
+        <p:nvPicPr>
+          <p:cNvPr id="7" name="Picture 6" descr="A diagram of a computer network&#10;&#10;Description automatically generated">
             <a:extLst>
               <a:ext uri="{FF2B5EF4-FFF2-40B4-BE49-F238E27FC236}">
-                <a16:creationId xmlns:a16="http://schemas.microsoft.com/office/drawing/2014/main" id="{C3FEDE76-F9A0-0EE7-AE0C-CBFFC7A2FF66}"/>
+                <a16:creationId xmlns:a16="http://schemas.microsoft.com/office/drawing/2014/main" id="{7FC00FEF-B681-B804-286E-6110AD809622}"/>
+              </a:ext>
+            </a:extLst>
+          </p:cNvPr>
+          <p:cNvPicPr>
+            <a:picLocks noChangeAspect="1"/>
+          </p:cNvPicPr>
+          <p:nvPr/>
+        </p:nvPicPr>
+        <p:blipFill>
+          <a:blip r:embed="rId3"/>
+          <a:stretch>
+            <a:fillRect/>
+          </a:stretch>
+        </p:blipFill>
+        <p:spPr>
+          <a:xfrm>
+            <a:off x="2832652" y="1784768"/>
+            <a:ext cx="6526696" cy="3929266"/>
+          </a:xfrm>
+          <a:prstGeom prst="rect">
+            <a:avLst/>
+          </a:prstGeom>
+        </p:spPr>
+      </p:pic>
+      <p:sp>
+        <p:nvSpPr>
+          <p:cNvPr id="9" name="Title">
+            <a:extLst>
+              <a:ext uri="{FF2B5EF4-FFF2-40B4-BE49-F238E27FC236}">
+                <a16:creationId xmlns:a16="http://schemas.microsoft.com/office/drawing/2014/main" id="{D6C95485-1D57-EF62-FBA5-AE0493DB6C88}"/>
               </a:ext>
             </a:extLst>
           </p:cNvPr>
@@ -15493,8 +17238,8 @@
         </p:nvSpPr>
         <p:spPr>
           <a:xfrm>
-            <a:off x="531345" y="1784768"/>
-            <a:ext cx="10683501" cy="3091658"/>
+            <a:off x="531344" y="5765276"/>
+            <a:ext cx="10683501" cy="489623"/>
           </a:xfrm>
           <a:prstGeom prst="rect">
             <a:avLst/>
@@ -15524,15 +17269,13 @@
             </a:lvl1pPr>
           </a:lstStyle>
           <a:p>
-            <a:r>
-              <a:rPr lang="en-US" sz="1600" b="1" dirty="0" err="1">
-                <a:latin typeface="IBM Plex Sans" panose="020B0503050203000203" pitchFamily="34" charset="0"/>
-              </a:rPr>
-              <a:t>Lipsum</a:t>
-            </a:r>
-            <a:endParaRPr lang="en-US" sz="1600" b="1" dirty="0">
-              <a:latin typeface="IBM Plex Sans" panose="020B0503050203000203" pitchFamily="34" charset="0"/>
-            </a:endParaRPr>
+            <a:pPr algn="ctr"/>
+            <a:r>
+              <a:rPr lang="en-US" sz="1600" dirty="0">
+                <a:latin typeface="IBM Plex Sans" panose="020B0503050203000203" pitchFamily="34" charset="0"/>
+              </a:rPr>
+              <a:t>Source: the author</a:t>
+            </a:r>
           </a:p>
         </p:txBody>
       </p:sp>
@@ -15568,10 +17311,416 @@
       </p:grpSpPr>
       <p:sp>
         <p:nvSpPr>
-          <p:cNvPr id="7" name="Title 1">
+          <p:cNvPr id="4" name="Footer Placeholder 3">
             <a:extLst>
               <a:ext uri="{FF2B5EF4-FFF2-40B4-BE49-F238E27FC236}">
-                <a16:creationId xmlns:a16="http://schemas.microsoft.com/office/drawing/2014/main" id="{5093AA27-F3BD-1820-3163-CF62B9DF394A}"/>
+                <a16:creationId xmlns:a16="http://schemas.microsoft.com/office/drawing/2014/main" id="{ABC5BB99-6713-EE89-3895-F3148FABAE18}"/>
+              </a:ext>
+            </a:extLst>
+          </p:cNvPr>
+          <p:cNvSpPr>
+            <a:spLocks noGrp="1"/>
+          </p:cNvSpPr>
+          <p:nvPr>
+            <p:ph type="ftr" sz="quarter" idx="11"/>
+          </p:nvPr>
+        </p:nvSpPr>
+        <p:spPr/>
+        <p:txBody>
+          <a:bodyPr/>
+          <a:lstStyle/>
+          <a:p>
+            <a:r>
+              <a:rPr lang="pt-BR" dirty="0">
+                <a:latin typeface="IBM Plex Sans" panose="020B0503050203000203" pitchFamily="34" charset="0"/>
+              </a:rPr>
+              <a:t>A Mobile </a:t>
+            </a:r>
+            <a:r>
+              <a:rPr lang="pt-BR" dirty="0" err="1">
+                <a:latin typeface="IBM Plex Sans" panose="020B0503050203000203" pitchFamily="34" charset="0"/>
+              </a:rPr>
+              <a:t>Traffic</a:t>
+            </a:r>
+            <a:r>
+              <a:rPr lang="pt-BR" dirty="0">
+                <a:latin typeface="IBM Plex Sans" panose="020B0503050203000203" pitchFamily="34" charset="0"/>
+              </a:rPr>
+              <a:t> </a:t>
+            </a:r>
+            <a:r>
+              <a:rPr lang="pt-BR" dirty="0" err="1">
+                <a:latin typeface="IBM Plex Sans" panose="020B0503050203000203" pitchFamily="34" charset="0"/>
+              </a:rPr>
+              <a:t>Predictor</a:t>
+            </a:r>
+            <a:r>
+              <a:rPr lang="pt-BR" dirty="0">
+                <a:latin typeface="IBM Plex Sans" panose="020B0503050203000203" pitchFamily="34" charset="0"/>
+              </a:rPr>
+              <a:t> </a:t>
+            </a:r>
+            <a:r>
+              <a:rPr lang="pt-BR" dirty="0" err="1">
+                <a:latin typeface="IBM Plex Sans" panose="020B0503050203000203" pitchFamily="34" charset="0"/>
+              </a:rPr>
+              <a:t>Enhanced</a:t>
+            </a:r>
+            <a:r>
+              <a:rPr lang="pt-BR" dirty="0">
+                <a:latin typeface="IBM Plex Sans" panose="020B0503050203000203" pitchFamily="34" charset="0"/>
+              </a:rPr>
+              <a:t> </a:t>
+            </a:r>
+            <a:r>
+              <a:rPr lang="pt-BR" dirty="0" err="1">
+                <a:latin typeface="IBM Plex Sans" panose="020B0503050203000203" pitchFamily="34" charset="0"/>
+              </a:rPr>
+              <a:t>by</a:t>
+            </a:r>
+            <a:r>
+              <a:rPr lang="pt-BR" dirty="0">
+                <a:latin typeface="IBM Plex Sans" panose="020B0503050203000203" pitchFamily="34" charset="0"/>
+              </a:rPr>
+              <a:t> </a:t>
+            </a:r>
+            <a:r>
+              <a:rPr lang="pt-BR" dirty="0" err="1">
+                <a:latin typeface="IBM Plex Sans" panose="020B0503050203000203" pitchFamily="34" charset="0"/>
+              </a:rPr>
+              <a:t>Neighboring</a:t>
+            </a:r>
+            <a:r>
+              <a:rPr lang="pt-BR" dirty="0">
+                <a:latin typeface="IBM Plex Sans" panose="020B0503050203000203" pitchFamily="34" charset="0"/>
+              </a:rPr>
+              <a:t> </a:t>
+            </a:r>
+            <a:r>
+              <a:rPr lang="pt-BR" dirty="0" err="1">
+                <a:latin typeface="IBM Plex Sans" panose="020B0503050203000203" pitchFamily="34" charset="0"/>
+              </a:rPr>
+              <a:t>Transportation</a:t>
+            </a:r>
+            <a:r>
+              <a:rPr lang="pt-BR" dirty="0">
+                <a:latin typeface="IBM Plex Sans" panose="020B0503050203000203" pitchFamily="34" charset="0"/>
+              </a:rPr>
+              <a:t> Data (MTP-NT)</a:t>
+            </a:r>
+          </a:p>
+        </p:txBody>
+      </p:sp>
+      <p:sp>
+        <p:nvSpPr>
+          <p:cNvPr id="5" name="Slide Number Placeholder 4">
+            <a:extLst>
+              <a:ext uri="{FF2B5EF4-FFF2-40B4-BE49-F238E27FC236}">
+                <a16:creationId xmlns:a16="http://schemas.microsoft.com/office/drawing/2014/main" id="{DE4D7978-95DF-1BFB-E341-3759F4762F0C}"/>
+              </a:ext>
+            </a:extLst>
+          </p:cNvPr>
+          <p:cNvSpPr>
+            <a:spLocks noGrp="1"/>
+          </p:cNvSpPr>
+          <p:nvPr>
+            <p:ph type="sldNum" sz="quarter" idx="12"/>
+          </p:nvPr>
+        </p:nvSpPr>
+        <p:spPr/>
+        <p:txBody>
+          <a:bodyPr/>
+          <a:lstStyle/>
+          <a:p>
+            <a:fld id="{C16D1434-241F-3E4A-8778-0F70095E40C3}" type="slidenum">
+              <a:rPr lang="pt-BR" smtClean="0">
+                <a:latin typeface="IBM Plex Sans" panose="020B0503050203000203" pitchFamily="34" charset="0"/>
+              </a:rPr>
+              <a:t>21</a:t>
+            </a:fld>
+            <a:endParaRPr lang="pt-BR">
+              <a:latin typeface="IBM Plex Sans" panose="020B0503050203000203" pitchFamily="34" charset="0"/>
+            </a:endParaRPr>
+          </a:p>
+        </p:txBody>
+      </p:sp>
+      <p:sp>
+        <p:nvSpPr>
+          <p:cNvPr id="13" name="Text Placeholder">
+            <a:extLst>
+              <a:ext uri="{FF2B5EF4-FFF2-40B4-BE49-F238E27FC236}">
+                <a16:creationId xmlns:a16="http://schemas.microsoft.com/office/drawing/2014/main" id="{4D1EB361-A84D-E1BA-5887-29346BE14147}"/>
+              </a:ext>
+            </a:extLst>
+          </p:cNvPr>
+          <p:cNvSpPr txBox="1">
+            <a:spLocks/>
+          </p:cNvSpPr>
+          <p:nvPr/>
+        </p:nvSpPr>
+        <p:spPr>
+          <a:xfrm>
+            <a:off x="-1" y="104751"/>
+            <a:ext cx="12056165" cy="1296666"/>
+          </a:xfrm>
+          <a:prstGeom prst="rect">
+            <a:avLst/>
+          </a:prstGeom>
+        </p:spPr>
+        <p:txBody>
+          <a:bodyPr vert="horz" lIns="91440" tIns="45720" rIns="91440" bIns="45720" rtlCol="0" anchor="ctr"/>
+          <a:lstStyle>
+            <a:defPPr>
+              <a:defRPr lang="en-BR"/>
+            </a:defPPr>
+            <a:lvl1pPr marL="0" algn="r" defTabSz="914400" rtl="0" eaLnBrk="1" latinLnBrk="0" hangingPunct="1">
+              <a:defRPr sz="1200" kern="1200">
+                <a:solidFill>
+                  <a:schemeClr val="tx1">
+                    <a:tint val="75000"/>
+                  </a:schemeClr>
+                </a:solidFill>
+                <a:latin typeface="+mn-lt"/>
+                <a:ea typeface="+mn-ea"/>
+                <a:cs typeface="+mn-cs"/>
+              </a:defRPr>
+            </a:lvl1pPr>
+            <a:lvl2pPr marL="457200" algn="l" defTabSz="914400" rtl="0" eaLnBrk="1" latinLnBrk="0" hangingPunct="1">
+              <a:defRPr sz="1800" kern="1200">
+                <a:solidFill>
+                  <a:schemeClr val="tx1"/>
+                </a:solidFill>
+                <a:latin typeface="+mn-lt"/>
+                <a:ea typeface="+mn-ea"/>
+                <a:cs typeface="+mn-cs"/>
+              </a:defRPr>
+            </a:lvl2pPr>
+            <a:lvl3pPr marL="914400" algn="l" defTabSz="914400" rtl="0" eaLnBrk="1" latinLnBrk="0" hangingPunct="1">
+              <a:defRPr sz="1800" kern="1200">
+                <a:solidFill>
+                  <a:schemeClr val="tx1"/>
+                </a:solidFill>
+                <a:latin typeface="+mn-lt"/>
+                <a:ea typeface="+mn-ea"/>
+                <a:cs typeface="+mn-cs"/>
+              </a:defRPr>
+            </a:lvl3pPr>
+            <a:lvl4pPr marL="1371600" algn="l" defTabSz="914400" rtl="0" eaLnBrk="1" latinLnBrk="0" hangingPunct="1">
+              <a:defRPr sz="1800" kern="1200">
+                <a:solidFill>
+                  <a:schemeClr val="tx1"/>
+                </a:solidFill>
+                <a:latin typeface="+mn-lt"/>
+                <a:ea typeface="+mn-ea"/>
+                <a:cs typeface="+mn-cs"/>
+              </a:defRPr>
+            </a:lvl4pPr>
+            <a:lvl5pPr marL="1828800" algn="l" defTabSz="914400" rtl="0" eaLnBrk="1" latinLnBrk="0" hangingPunct="1">
+              <a:defRPr sz="1800" kern="1200">
+                <a:solidFill>
+                  <a:schemeClr val="tx1"/>
+                </a:solidFill>
+                <a:latin typeface="+mn-lt"/>
+                <a:ea typeface="+mn-ea"/>
+                <a:cs typeface="+mn-cs"/>
+              </a:defRPr>
+            </a:lvl5pPr>
+            <a:lvl6pPr marL="2286000" algn="l" defTabSz="914400" rtl="0" eaLnBrk="1" latinLnBrk="0" hangingPunct="1">
+              <a:defRPr sz="1800" kern="1200">
+                <a:solidFill>
+                  <a:schemeClr val="tx1"/>
+                </a:solidFill>
+                <a:latin typeface="+mn-lt"/>
+                <a:ea typeface="+mn-ea"/>
+                <a:cs typeface="+mn-cs"/>
+              </a:defRPr>
+            </a:lvl6pPr>
+            <a:lvl7pPr marL="2743200" algn="l" defTabSz="914400" rtl="0" eaLnBrk="1" latinLnBrk="0" hangingPunct="1">
+              <a:defRPr sz="1800" kern="1200">
+                <a:solidFill>
+                  <a:schemeClr val="tx1"/>
+                </a:solidFill>
+                <a:latin typeface="+mn-lt"/>
+                <a:ea typeface="+mn-ea"/>
+                <a:cs typeface="+mn-cs"/>
+              </a:defRPr>
+            </a:lvl7pPr>
+            <a:lvl8pPr marL="3200400" algn="l" defTabSz="914400" rtl="0" eaLnBrk="1" latinLnBrk="0" hangingPunct="1">
+              <a:defRPr sz="1800" kern="1200">
+                <a:solidFill>
+                  <a:schemeClr val="tx1"/>
+                </a:solidFill>
+                <a:latin typeface="+mn-lt"/>
+                <a:ea typeface="+mn-ea"/>
+                <a:cs typeface="+mn-cs"/>
+              </a:defRPr>
+            </a:lvl8pPr>
+            <a:lvl9pPr marL="3657600" algn="l" defTabSz="914400" rtl="0" eaLnBrk="1" latinLnBrk="0" hangingPunct="1">
+              <a:defRPr sz="1800" kern="1200">
+                <a:solidFill>
+                  <a:schemeClr val="tx1"/>
+                </a:solidFill>
+                <a:latin typeface="+mn-lt"/>
+                <a:ea typeface="+mn-ea"/>
+                <a:cs typeface="+mn-cs"/>
+              </a:defRPr>
+            </a:lvl9pPr>
+          </a:lstStyle>
+          <a:p>
+            <a:pPr algn="l"/>
+            <a:r>
+              <a:rPr lang="en-US" sz="4000" b="1" dirty="0">
+                <a:solidFill>
+                  <a:schemeClr val="tx1"/>
+                </a:solidFill>
+                <a:latin typeface="IBM Plex Sans" panose="020B0503050203000203" pitchFamily="34" charset="0"/>
+              </a:rPr>
+              <a:t>Preliminaries on data Collection for MTP-NT – The predictive model in the 5G Infrastructure</a:t>
+            </a:r>
+          </a:p>
+        </p:txBody>
+      </p:sp>
+      <p:sp>
+        <p:nvSpPr>
+          <p:cNvPr id="2" name="AutoShape 4" descr="Open Source Hardware Vector Logo - Download Free SVG Icon | Worldvectorlogo">
+            <a:extLst>
+              <a:ext uri="{FF2B5EF4-FFF2-40B4-BE49-F238E27FC236}">
+                <a16:creationId xmlns:a16="http://schemas.microsoft.com/office/drawing/2014/main" id="{59C10DDC-2CD3-A083-8A41-015517136C10}"/>
+              </a:ext>
+            </a:extLst>
+          </p:cNvPr>
+          <p:cNvSpPr>
+            <a:spLocks noChangeAspect="1" noChangeArrowheads="1"/>
+          </p:cNvSpPr>
+          <p:nvPr/>
+        </p:nvSpPr>
+        <p:spPr bwMode="auto">
+          <a:xfrm>
+            <a:off x="5943600" y="1371600"/>
+            <a:ext cx="2209800" cy="2209800"/>
+          </a:xfrm>
+          <a:prstGeom prst="rect">
+            <a:avLst/>
+          </a:prstGeom>
+          <a:noFill/>
+          <a:extLst>
+            <a:ext uri="{909E8E84-426E-40DD-AFC4-6F175D3DCCD1}">
+              <a14:hiddenFill xmlns:a14="http://schemas.microsoft.com/office/drawing/2010/main">
+                <a:solidFill>
+                  <a:srgbClr val="FFFFFF"/>
+                </a:solidFill>
+              </a14:hiddenFill>
+            </a:ext>
+          </a:extLst>
+        </p:spPr>
+        <p:txBody>
+          <a:bodyPr vert="horz" wrap="square" lIns="91440" tIns="45720" rIns="91440" bIns="45720" numCol="1" anchor="t" anchorCtr="0" compatLnSpc="1">
+            <a:prstTxWarp prst="textNoShape">
+              <a:avLst/>
+            </a:prstTxWarp>
+          </a:bodyPr>
+          <a:lstStyle/>
+          <a:p>
+            <a:endParaRPr lang="pt-BR"/>
+          </a:p>
+        </p:txBody>
+      </p:sp>
+      <p:pic>
+        <p:nvPicPr>
+          <p:cNvPr id="1032" name="Picture 8" descr="Server icon vector logo template 10754503 Vector Art at Vecteezy">
+            <a:extLst>
+              <a:ext uri="{FF2B5EF4-FFF2-40B4-BE49-F238E27FC236}">
+                <a16:creationId xmlns:a16="http://schemas.microsoft.com/office/drawing/2014/main" id="{A4A3ED6C-A9D0-31AB-C25A-9A0EF39D0844}"/>
+              </a:ext>
+            </a:extLst>
+          </p:cNvPr>
+          <p:cNvPicPr>
+            <a:picLocks noChangeAspect="1" noChangeArrowheads="1"/>
+          </p:cNvPicPr>
+          <p:nvPr/>
+        </p:nvPicPr>
+        <p:blipFill rotWithShape="1">
+          <a:blip r:embed="rId3">
+            <a:extLst>
+              <a:ext uri="{28A0092B-C50C-407E-A947-70E740481C1C}">
+                <a14:useLocalDpi xmlns:a14="http://schemas.microsoft.com/office/drawing/2010/main" val="0"/>
+              </a:ext>
+            </a:extLst>
+          </a:blip>
+          <a:srcRect l="15924" t="13986" r="15491" b="15409"/>
+          <a:stretch/>
+        </p:blipFill>
+        <p:spPr bwMode="auto">
+          <a:xfrm>
+            <a:off x="2468037" y="2261207"/>
+            <a:ext cx="1699591" cy="1590261"/>
+          </a:xfrm>
+          <a:prstGeom prst="rect">
+            <a:avLst/>
+          </a:prstGeom>
+          <a:noFill/>
+          <a:extLst>
+            <a:ext uri="{909E8E84-426E-40DD-AFC4-6F175D3DCCD1}">
+              <a14:hiddenFill xmlns:a14="http://schemas.microsoft.com/office/drawing/2010/main">
+                <a:solidFill>
+                  <a:srgbClr val="FFFFFF"/>
+                </a:solidFill>
+              </a14:hiddenFill>
+            </a:ext>
+          </a:extLst>
+        </p:spPr>
+      </p:pic>
+      <p:pic>
+        <p:nvPicPr>
+          <p:cNvPr id="1034" name="Picture 10" descr="Code Logo Graphic by Friendesigns · Creative Fabrica">
+            <a:extLst>
+              <a:ext uri="{FF2B5EF4-FFF2-40B4-BE49-F238E27FC236}">
+                <a16:creationId xmlns:a16="http://schemas.microsoft.com/office/drawing/2014/main" id="{31310A10-0974-8544-EB61-2E915B9F172E}"/>
+              </a:ext>
+            </a:extLst>
+          </p:cNvPr>
+          <p:cNvPicPr>
+            <a:picLocks noChangeAspect="1" noChangeArrowheads="1"/>
+          </p:cNvPicPr>
+          <p:nvPr/>
+        </p:nvPicPr>
+        <p:blipFill rotWithShape="1">
+          <a:blip r:embed="rId4">
+            <a:extLst>
+              <a:ext uri="{28A0092B-C50C-407E-A947-70E740481C1C}">
+                <a14:useLocalDpi xmlns:a14="http://schemas.microsoft.com/office/drawing/2010/main" val="0"/>
+              </a:ext>
+            </a:extLst>
+          </a:blip>
+          <a:srcRect l="21159" r="25137"/>
+          <a:stretch/>
+        </p:blipFill>
+        <p:spPr bwMode="auto">
+          <a:xfrm>
+            <a:off x="8382019" y="1687062"/>
+            <a:ext cx="2209800" cy="2738552"/>
+          </a:xfrm>
+          <a:prstGeom prst="rect">
+            <a:avLst/>
+          </a:prstGeom>
+          <a:noFill/>
+          <a:extLst>
+            <a:ext uri="{909E8E84-426E-40DD-AFC4-6F175D3DCCD1}">
+              <a14:hiddenFill xmlns:a14="http://schemas.microsoft.com/office/drawing/2010/main">
+                <a:solidFill>
+                  <a:srgbClr val="FFFFFF"/>
+                </a:solidFill>
+              </a14:hiddenFill>
+            </a:ext>
+          </a:extLst>
+        </p:spPr>
+      </p:pic>
+      <p:sp>
+        <p:nvSpPr>
+          <p:cNvPr id="9" name="Title">
+            <a:extLst>
+              <a:ext uri="{FF2B5EF4-FFF2-40B4-BE49-F238E27FC236}">
+                <a16:creationId xmlns:a16="http://schemas.microsoft.com/office/drawing/2014/main" id="{7C225443-A9A3-C0AE-520C-3A0EB7F0CAB0}"/>
               </a:ext>
             </a:extLst>
           </p:cNvPr>
@@ -15584,49 +17733,117 @@
         </p:nvSpPr>
         <p:spPr>
           <a:xfrm>
-            <a:off x="838200" y="365125"/>
-            <a:ext cx="10515600" cy="1325563"/>
+            <a:off x="3098324" y="4067641"/>
+            <a:ext cx="5690551" cy="2387708"/>
           </a:xfrm>
         </p:spPr>
         <p:txBody>
-          <a:bodyPr>
+          <a:bodyPr anchor="t">
             <a:normAutofit/>
           </a:bodyPr>
           <a:lstStyle/>
           <a:p>
-            <a:pPr algn="ctr">
-              <a:lnSpc>
-                <a:spcPts val="2400"/>
-              </a:lnSpc>
-              <a:spcBef>
-                <a:spcPct val="20000"/>
-              </a:spcBef>
-            </a:pPr>
-            <a:r>
-              <a:rPr lang="pt-BR" sz="4000" b="1" dirty="0" err="1">
-                <a:latin typeface="IBM Plex Sans" panose="020B0503050203000203" pitchFamily="34" charset="0"/>
-                <a:ea typeface="+mn-ea"/>
-                <a:cs typeface="+mn-cs"/>
-              </a:rPr>
-              <a:t>Thanks</a:t>
-            </a:r>
-            <a:r>
-              <a:rPr lang="pt-BR" sz="4000" b="1" dirty="0">
-                <a:latin typeface="IBM Plex Sans" panose="020B0503050203000203" pitchFamily="34" charset="0"/>
-                <a:ea typeface="+mn-ea"/>
-                <a:cs typeface="+mn-cs"/>
-              </a:rPr>
-              <a:t>!</a:t>
+            <a:pPr algn="ctr"/>
+            <a:r>
+              <a:rPr lang="en-US" sz="1600" b="1" dirty="0">
+                <a:latin typeface="IBM Plex Sans" panose="020B0503050203000203" pitchFamily="34" charset="0"/>
+              </a:rPr>
+              <a:t>Hardware middleboxes become </a:t>
+            </a:r>
+            <a:r>
+              <a:rPr lang="en-US" sz="1600" b="1" dirty="0">
+                <a:solidFill>
+                  <a:srgbClr val="0F62FF"/>
+                </a:solidFill>
+                <a:latin typeface="IBM Plex Sans" panose="020B0503050203000203" pitchFamily="34" charset="0"/>
+              </a:rPr>
+              <a:t>software functions</a:t>
+            </a:r>
+            <a:br>
+              <a:rPr lang="en-US" sz="1600" b="1" dirty="0">
+                <a:solidFill>
+                  <a:srgbClr val="0F62FF"/>
+                </a:solidFill>
+                <a:latin typeface="IBM Plex Sans" panose="020B0503050203000203" pitchFamily="34" charset="0"/>
+              </a:rPr>
+            </a:br>
+            <a:br>
+              <a:rPr lang="en-US" sz="1600" b="1" dirty="0">
+                <a:solidFill>
+                  <a:srgbClr val="0F62FF"/>
+                </a:solidFill>
+                <a:latin typeface="IBM Plex Sans" panose="020B0503050203000203" pitchFamily="34" charset="0"/>
+              </a:rPr>
+            </a:br>
+            <a:r>
+              <a:rPr lang="en-US" sz="1600" b="1" dirty="0">
+                <a:latin typeface="IBM Plex Sans" panose="020B0503050203000203" pitchFamily="34" charset="0"/>
+              </a:rPr>
+              <a:t>Rely on dedicated hardware or </a:t>
+            </a:r>
+            <a:r>
+              <a:rPr lang="en-US" sz="1600" b="1" dirty="0">
+                <a:solidFill>
+                  <a:srgbClr val="0F62FF"/>
+                </a:solidFill>
+                <a:latin typeface="IBM Plex Sans" panose="020B0503050203000203" pitchFamily="34" charset="0"/>
+              </a:rPr>
+              <a:t>cloud</a:t>
             </a:r>
           </a:p>
         </p:txBody>
       </p:sp>
-      <p:sp>
-        <p:nvSpPr>
-          <p:cNvPr id="8" name="Subtítulo 2">
+      <p:cxnSp>
+        <p:nvCxnSpPr>
+          <p:cNvPr id="11" name="Straight Arrow Connector 10">
             <a:extLst>
               <a:ext uri="{FF2B5EF4-FFF2-40B4-BE49-F238E27FC236}">
-                <a16:creationId xmlns:a16="http://schemas.microsoft.com/office/drawing/2014/main" id="{9D04AA28-7C76-CB8E-7EA3-A9E15B100E85}"/>
+                <a16:creationId xmlns:a16="http://schemas.microsoft.com/office/drawing/2014/main" id="{69800359-0CF5-CC0B-F4BD-6A6957098C6B}"/>
+              </a:ext>
+            </a:extLst>
+          </p:cNvPr>
+          <p:cNvCxnSpPr>
+            <a:stCxn id="1032" idx="3"/>
+            <a:endCxn id="1034" idx="1"/>
+          </p:cNvCxnSpPr>
+          <p:nvPr/>
+        </p:nvCxnSpPr>
+        <p:spPr>
+          <a:xfrm>
+            <a:off x="4167628" y="3056338"/>
+            <a:ext cx="4214391" cy="0"/>
+          </a:xfrm>
+          <a:prstGeom prst="straightConnector1">
+            <a:avLst/>
+          </a:prstGeom>
+          <a:ln w="38100">
+            <a:solidFill>
+              <a:schemeClr val="tx1"/>
+            </a:solidFill>
+            <a:tailEnd type="triangle"/>
+          </a:ln>
+        </p:spPr>
+        <p:style>
+          <a:lnRef idx="1">
+            <a:schemeClr val="accent1"/>
+          </a:lnRef>
+          <a:fillRef idx="0">
+            <a:schemeClr val="accent1"/>
+          </a:fillRef>
+          <a:effectRef idx="0">
+            <a:schemeClr val="accent1"/>
+          </a:effectRef>
+          <a:fontRef idx="minor">
+            <a:schemeClr val="tx1"/>
+          </a:fontRef>
+        </p:style>
+      </p:cxnSp>
+      <p:sp>
+        <p:nvSpPr>
+          <p:cNvPr id="12" name="Title">
+            <a:extLst>
+              <a:ext uri="{FF2B5EF4-FFF2-40B4-BE49-F238E27FC236}">
+                <a16:creationId xmlns:a16="http://schemas.microsoft.com/office/drawing/2014/main" id="{97E55E9E-1E0A-3BA2-0DA1-99A35DE0872D}"/>
               </a:ext>
             </a:extLst>
           </p:cNvPr>
@@ -15637,585 +17854,184 @@
         </p:nvSpPr>
         <p:spPr>
           <a:xfrm>
-            <a:off x="3689968" y="3454401"/>
-            <a:ext cx="7873140" cy="3033485"/>
+            <a:off x="4325114" y="2684376"/>
+            <a:ext cx="3899417" cy="349569"/>
           </a:xfrm>
           <a:prstGeom prst="rect">
             <a:avLst/>
           </a:prstGeom>
         </p:spPr>
         <p:txBody>
-          <a:bodyPr vert="horz" lIns="91440" tIns="45720" rIns="91440" bIns="45720" rtlCol="0">
-            <a:normAutofit fontScale="92500" lnSpcReduction="10000"/>
+          <a:bodyPr vert="horz" lIns="91440" tIns="45720" rIns="91440" bIns="45720" rtlCol="0" anchor="t">
+            <a:normAutofit/>
           </a:bodyPr>
           <a:lstStyle>
-            <a:lvl1pPr marL="228600" indent="-228600" algn="l" defTabSz="914400" rtl="0" eaLnBrk="1" latinLnBrk="0" hangingPunct="1">
+            <a:lvl1pPr algn="l" defTabSz="914400" rtl="0" eaLnBrk="1" latinLnBrk="0" hangingPunct="1">
               <a:lnSpc>
                 <a:spcPct val="90000"/>
               </a:lnSpc>
               <a:spcBef>
-                <a:spcPts val="1000"/>
+                <a:spcPct val="0"/>
               </a:spcBef>
-              <a:buFont typeface="Arial" panose="020B0604020202020204" pitchFamily="34" charset="0"/>
-              <a:buChar char="•"/>
-              <a:defRPr sz="2800" kern="1200">
-                <a:solidFill>
-                  <a:schemeClr val="tx1"/>
-                </a:solidFill>
-                <a:latin typeface="+mn-lt"/>
-                <a:ea typeface="+mn-ea"/>
-                <a:cs typeface="+mn-cs"/>
+              <a:buNone/>
+              <a:defRPr sz="4400" kern="1200">
+                <a:solidFill>
+                  <a:schemeClr val="tx1"/>
+                </a:solidFill>
+                <a:latin typeface="+mj-lt"/>
+                <a:ea typeface="+mj-ea"/>
+                <a:cs typeface="+mj-cs"/>
               </a:defRPr>
             </a:lvl1pPr>
-            <a:lvl2pPr marL="685800" indent="-228600" algn="l" defTabSz="914400" rtl="0" eaLnBrk="1" latinLnBrk="0" hangingPunct="1">
-              <a:lnSpc>
-                <a:spcPct val="90000"/>
-              </a:lnSpc>
-              <a:spcBef>
-                <a:spcPts val="500"/>
-              </a:spcBef>
-              <a:buFont typeface="Arial" panose="020B0604020202020204" pitchFamily="34" charset="0"/>
-              <a:buChar char="•"/>
-              <a:defRPr sz="2400" kern="1200">
-                <a:solidFill>
-                  <a:schemeClr val="tx1"/>
-                </a:solidFill>
-                <a:latin typeface="+mn-lt"/>
-                <a:ea typeface="+mn-ea"/>
-                <a:cs typeface="+mn-cs"/>
-              </a:defRPr>
-            </a:lvl2pPr>
-            <a:lvl3pPr marL="1143000" indent="-228600" algn="l" defTabSz="914400" rtl="0" eaLnBrk="1" latinLnBrk="0" hangingPunct="1">
-              <a:lnSpc>
-                <a:spcPct val="90000"/>
-              </a:lnSpc>
-              <a:spcBef>
-                <a:spcPts val="500"/>
-              </a:spcBef>
-              <a:buFont typeface="Arial" panose="020B0604020202020204" pitchFamily="34" charset="0"/>
-              <a:buChar char="•"/>
-              <a:defRPr sz="2000" kern="1200">
-                <a:solidFill>
-                  <a:schemeClr val="tx1"/>
-                </a:solidFill>
-                <a:latin typeface="+mn-lt"/>
-                <a:ea typeface="+mn-ea"/>
-                <a:cs typeface="+mn-cs"/>
-              </a:defRPr>
-            </a:lvl3pPr>
-            <a:lvl4pPr marL="1600200" indent="-228600" algn="l" defTabSz="914400" rtl="0" eaLnBrk="1" latinLnBrk="0" hangingPunct="1">
-              <a:lnSpc>
-                <a:spcPct val="90000"/>
-              </a:lnSpc>
-              <a:spcBef>
-                <a:spcPts val="500"/>
-              </a:spcBef>
-              <a:buFont typeface="Arial" panose="020B0604020202020204" pitchFamily="34" charset="0"/>
-              <a:buChar char="•"/>
-              <a:defRPr sz="1800" kern="1200">
-                <a:solidFill>
-                  <a:schemeClr val="tx1"/>
-                </a:solidFill>
-                <a:latin typeface="+mn-lt"/>
-                <a:ea typeface="+mn-ea"/>
-                <a:cs typeface="+mn-cs"/>
-              </a:defRPr>
-            </a:lvl4pPr>
-            <a:lvl5pPr marL="2057400" indent="-228600" algn="l" defTabSz="914400" rtl="0" eaLnBrk="1" latinLnBrk="0" hangingPunct="1">
-              <a:lnSpc>
-                <a:spcPct val="90000"/>
-              </a:lnSpc>
-              <a:spcBef>
-                <a:spcPts val="500"/>
-              </a:spcBef>
-              <a:buFont typeface="Arial" panose="020B0604020202020204" pitchFamily="34" charset="0"/>
-              <a:buChar char="•"/>
-              <a:defRPr sz="1800" kern="1200">
-                <a:solidFill>
-                  <a:schemeClr val="tx1"/>
-                </a:solidFill>
-                <a:latin typeface="+mn-lt"/>
-                <a:ea typeface="+mn-ea"/>
-                <a:cs typeface="+mn-cs"/>
-              </a:defRPr>
-            </a:lvl5pPr>
-            <a:lvl6pPr marL="2514600" indent="-228600" algn="l" defTabSz="914400" rtl="0" eaLnBrk="1" latinLnBrk="0" hangingPunct="1">
-              <a:lnSpc>
-                <a:spcPct val="90000"/>
-              </a:lnSpc>
-              <a:spcBef>
-                <a:spcPts val="500"/>
-              </a:spcBef>
-              <a:buFont typeface="Arial" panose="020B0604020202020204" pitchFamily="34" charset="0"/>
-              <a:buChar char="•"/>
-              <a:defRPr sz="1800" kern="1200">
-                <a:solidFill>
-                  <a:schemeClr val="tx1"/>
-                </a:solidFill>
-                <a:latin typeface="+mn-lt"/>
-                <a:ea typeface="+mn-ea"/>
-                <a:cs typeface="+mn-cs"/>
-              </a:defRPr>
-            </a:lvl6pPr>
-            <a:lvl7pPr marL="2971800" indent="-228600" algn="l" defTabSz="914400" rtl="0" eaLnBrk="1" latinLnBrk="0" hangingPunct="1">
-              <a:lnSpc>
-                <a:spcPct val="90000"/>
-              </a:lnSpc>
-              <a:spcBef>
-                <a:spcPts val="500"/>
-              </a:spcBef>
-              <a:buFont typeface="Arial" panose="020B0604020202020204" pitchFamily="34" charset="0"/>
-              <a:buChar char="•"/>
-              <a:defRPr sz="1800" kern="1200">
-                <a:solidFill>
-                  <a:schemeClr val="tx1"/>
-                </a:solidFill>
-                <a:latin typeface="+mn-lt"/>
-                <a:ea typeface="+mn-ea"/>
-                <a:cs typeface="+mn-cs"/>
-              </a:defRPr>
-            </a:lvl7pPr>
-            <a:lvl8pPr marL="3429000" indent="-228600" algn="l" defTabSz="914400" rtl="0" eaLnBrk="1" latinLnBrk="0" hangingPunct="1">
-              <a:lnSpc>
-                <a:spcPct val="90000"/>
-              </a:lnSpc>
-              <a:spcBef>
-                <a:spcPts val="500"/>
-              </a:spcBef>
-              <a:buFont typeface="Arial" panose="020B0604020202020204" pitchFamily="34" charset="0"/>
-              <a:buChar char="•"/>
-              <a:defRPr sz="1800" kern="1200">
-                <a:solidFill>
-                  <a:schemeClr val="tx1"/>
-                </a:solidFill>
-                <a:latin typeface="+mn-lt"/>
-                <a:ea typeface="+mn-ea"/>
-                <a:cs typeface="+mn-cs"/>
-              </a:defRPr>
-            </a:lvl8pPr>
-            <a:lvl9pPr marL="3886200" indent="-228600" algn="l" defTabSz="914400" rtl="0" eaLnBrk="1" latinLnBrk="0" hangingPunct="1">
-              <a:lnSpc>
-                <a:spcPct val="90000"/>
-              </a:lnSpc>
-              <a:spcBef>
-                <a:spcPts val="500"/>
-              </a:spcBef>
-              <a:buFont typeface="Arial" panose="020B0604020202020204" pitchFamily="34" charset="0"/>
-              <a:buChar char="•"/>
-              <a:defRPr sz="1800" kern="1200">
-                <a:solidFill>
-                  <a:schemeClr val="tx1"/>
-                </a:solidFill>
-                <a:latin typeface="+mn-lt"/>
-                <a:ea typeface="+mn-ea"/>
-                <a:cs typeface="+mn-cs"/>
-              </a:defRPr>
-            </a:lvl9pPr>
           </a:lstStyle>
           <a:p>
-            <a:pPr marL="0" indent="0" algn="r">
-              <a:buNone/>
-            </a:pPr>
-            <a:r>
-              <a:rPr lang="pt-BR" dirty="0">
-                <a:solidFill>
-                  <a:schemeClr val="tx1">
-                    <a:lumMod val="65000"/>
-                    <a:lumOff val="35000"/>
-                  </a:schemeClr>
-                </a:solidFill>
-                <a:latin typeface="IBM Plex Sans" panose="020B0503050203000203" pitchFamily="34" charset="0"/>
-              </a:rPr>
-              <a:t>Patrick Luiz de Araújo</a:t>
-            </a:r>
-          </a:p>
-          <a:p>
-            <a:pPr marL="0" indent="0" algn="r">
-              <a:buNone/>
-            </a:pPr>
-            <a:r>
-              <a:rPr lang="pt-BR" sz="1500" dirty="0">
-                <a:solidFill>
-                  <a:schemeClr val="tx1">
-                    <a:lumMod val="65000"/>
-                    <a:lumOff val="35000"/>
-                  </a:schemeClr>
-                </a:solidFill>
-                <a:latin typeface="IBM Plex Sans" panose="020B0503050203000203" pitchFamily="34" charset="0"/>
-                <a:hlinkClick r:id="rId2"/>
-              </a:rPr>
-              <a:t>patrick@ufu.br</a:t>
-            </a:r>
-            <a:endParaRPr lang="pt-BR" sz="1500" dirty="0">
-              <a:solidFill>
-                <a:schemeClr val="tx1">
-                  <a:lumMod val="65000"/>
-                  <a:lumOff val="35000"/>
-                </a:schemeClr>
-              </a:solidFill>
-              <a:latin typeface="IBM Plex Sans" panose="020B0503050203000203" pitchFamily="34" charset="0"/>
-            </a:endParaRPr>
-          </a:p>
-          <a:p>
-            <a:pPr marL="0" indent="0" algn="r">
-              <a:buNone/>
-            </a:pPr>
-            <a:endParaRPr lang="pt-BR" sz="1600" dirty="0">
-              <a:solidFill>
-                <a:schemeClr val="tx1">
-                  <a:lumMod val="65000"/>
-                  <a:lumOff val="35000"/>
-                </a:schemeClr>
-              </a:solidFill>
-              <a:latin typeface="IBM Plex Sans" panose="020B0503050203000203" pitchFamily="34" charset="0"/>
-            </a:endParaRPr>
-          </a:p>
-          <a:p>
-            <a:pPr marL="0" indent="0" algn="r">
-              <a:buNone/>
-            </a:pPr>
-            <a:r>
-              <a:rPr lang="pt-BR" dirty="0">
-                <a:solidFill>
-                  <a:schemeClr val="tx1">
-                    <a:lumMod val="65000"/>
-                    <a:lumOff val="35000"/>
-                  </a:schemeClr>
-                </a:solidFill>
-                <a:latin typeface="IBM Plex Sans" panose="020B0503050203000203" pitchFamily="34" charset="0"/>
-              </a:rPr>
-              <a:t>Prof. Dr. Rafael Pasquini</a:t>
-            </a:r>
-          </a:p>
-          <a:p>
-            <a:pPr marL="0" indent="0" algn="r">
-              <a:buNone/>
-            </a:pPr>
-            <a:r>
-              <a:rPr lang="pt-BR" sz="1500" dirty="0">
-                <a:solidFill>
-                  <a:schemeClr val="tx1">
-                    <a:lumMod val="65000"/>
-                    <a:lumOff val="35000"/>
-                  </a:schemeClr>
-                </a:solidFill>
-                <a:latin typeface="IBM Plex Sans" panose="020B0503050203000203" pitchFamily="34" charset="0"/>
-                <a:hlinkClick r:id="rId3"/>
-              </a:rPr>
-              <a:t>rafael.pasquini@ufu.br</a:t>
-            </a:r>
-            <a:endParaRPr lang="pt-BR" sz="1500" dirty="0">
-              <a:solidFill>
-                <a:schemeClr val="tx1">
-                  <a:lumMod val="65000"/>
-                  <a:lumOff val="35000"/>
-                </a:schemeClr>
-              </a:solidFill>
-              <a:latin typeface="IBM Plex Sans" panose="020B0503050203000203" pitchFamily="34" charset="0"/>
-            </a:endParaRPr>
-          </a:p>
-          <a:p>
-            <a:pPr marL="0" indent="0" algn="r">
-              <a:buNone/>
-            </a:pPr>
-            <a:endParaRPr lang="pt-BR" sz="1800" dirty="0">
-              <a:solidFill>
-                <a:schemeClr val="tx1">
-                  <a:lumMod val="65000"/>
-                  <a:lumOff val="35000"/>
-                </a:schemeClr>
-              </a:solidFill>
-              <a:latin typeface="IBM Plex Sans" panose="020B0503050203000203" pitchFamily="34" charset="0"/>
-            </a:endParaRPr>
-          </a:p>
-          <a:p>
-            <a:pPr marL="0" indent="0" algn="r">
-              <a:buNone/>
-            </a:pPr>
-            <a:r>
-              <a:rPr lang="pt-BR" dirty="0">
-                <a:solidFill>
-                  <a:schemeClr val="tx1">
-                    <a:lumMod val="65000"/>
-                    <a:lumOff val="35000"/>
-                  </a:schemeClr>
-                </a:solidFill>
-                <a:latin typeface="IBM Plex Sans" panose="020B0503050203000203" pitchFamily="34" charset="0"/>
-              </a:rPr>
-              <a:t>Prof. Dr. Murillo Guimarães Carneiro</a:t>
-            </a:r>
-          </a:p>
-          <a:p>
-            <a:pPr marL="0" indent="0" algn="r">
-              <a:buNone/>
-            </a:pPr>
-            <a:r>
-              <a:rPr lang="pt-BR" sz="1500" dirty="0">
-                <a:solidFill>
-                  <a:schemeClr val="tx1">
-                    <a:lumMod val="65000"/>
-                    <a:lumOff val="35000"/>
-                  </a:schemeClr>
-                </a:solidFill>
-                <a:latin typeface="IBM Plex Sans" panose="020B0503050203000203" pitchFamily="34" charset="0"/>
-                <a:hlinkClick r:id="rId4"/>
-              </a:rPr>
-              <a:t>mgcarneiro@ufu.br</a:t>
-            </a:r>
-            <a:endParaRPr lang="pt-BR" sz="1500" dirty="0">
-              <a:solidFill>
-                <a:schemeClr val="tx1">
-                  <a:lumMod val="65000"/>
-                  <a:lumOff val="35000"/>
-                </a:schemeClr>
-              </a:solidFill>
-              <a:latin typeface="IBM Plex Sans" panose="020B0503050203000203" pitchFamily="34" charset="0"/>
-            </a:endParaRPr>
-          </a:p>
-          <a:p>
-            <a:pPr marL="0" indent="0" algn="r">
-              <a:buNone/>
-            </a:pPr>
-            <a:endParaRPr lang="pt-BR" sz="1800" dirty="0">
-              <a:solidFill>
-                <a:schemeClr val="tx1">
-                  <a:lumMod val="65000"/>
-                  <a:lumOff val="35000"/>
-                </a:schemeClr>
-              </a:solidFill>
-              <a:latin typeface="IBM Plex Sans" panose="020B0503050203000203" pitchFamily="34" charset="0"/>
-            </a:endParaRPr>
-          </a:p>
-          <a:p>
-            <a:pPr marL="0" indent="0" algn="r">
-              <a:buNone/>
-            </a:pPr>
-            <a:endParaRPr lang="pt-BR" sz="1800" dirty="0">
-              <a:solidFill>
-                <a:schemeClr val="tx1">
-                  <a:lumMod val="65000"/>
-                  <a:lumOff val="35000"/>
-                </a:schemeClr>
-              </a:solidFill>
-              <a:latin typeface="IBM Plex Sans" panose="020B0503050203000203" pitchFamily="34" charset="0"/>
-            </a:endParaRPr>
+            <a:r>
+              <a:rPr lang="en-US" sz="1600" b="1" dirty="0">
+                <a:latin typeface="IBM Plex Sans" panose="020B0503050203000203" pitchFamily="34" charset="0"/>
+              </a:rPr>
+              <a:t>Network Function Virtualization (NFV)</a:t>
+            </a:r>
           </a:p>
         </p:txBody>
       </p:sp>
-      <p:sp>
-        <p:nvSpPr>
-          <p:cNvPr id="9" name="Subtitle 2">
+    </p:spTree>
+    <p:extLst>
+      <p:ext uri="{BB962C8B-B14F-4D97-AF65-F5344CB8AC3E}">
+        <p14:creationId xmlns:p14="http://schemas.microsoft.com/office/powerpoint/2010/main" val="2160648308"/>
+      </p:ext>
+    </p:extLst>
+  </p:cSld>
+  <p:clrMapOvr>
+    <a:masterClrMapping/>
+  </p:clrMapOvr>
+</p:sld>
+</file>
+
+<file path=ppt/slides/slide22.xml><?xml version="1.0" encoding="utf-8"?>
+<p:sld xmlns:a="http://schemas.openxmlformats.org/drawingml/2006/main" xmlns:r="http://schemas.openxmlformats.org/officeDocument/2006/relationships" xmlns:p="http://schemas.openxmlformats.org/presentationml/2006/main">
+  <p:cSld>
+    <p:spTree>
+      <p:nvGrpSpPr>
+        <p:cNvPr id="1" name=""/>
+        <p:cNvGrpSpPr/>
+        <p:nvPr/>
+      </p:nvGrpSpPr>
+      <p:grpSpPr>
+        <a:xfrm>
+          <a:off x="0" y="0"/>
+          <a:ext cx="0" cy="0"/>
+          <a:chOff x="0" y="0"/>
+          <a:chExt cx="0" cy="0"/>
+        </a:xfrm>
+      </p:grpSpPr>
+      <p:sp>
+        <p:nvSpPr>
+          <p:cNvPr id="4" name="Footer Placeholder 3">
             <a:extLst>
               <a:ext uri="{FF2B5EF4-FFF2-40B4-BE49-F238E27FC236}">
-                <a16:creationId xmlns:a16="http://schemas.microsoft.com/office/drawing/2014/main" id="{DF5869F0-7AB5-C3CD-7AA5-73BAFA20B1CD}"/>
+                <a16:creationId xmlns:a16="http://schemas.microsoft.com/office/drawing/2014/main" id="{ABC5BB99-6713-EE89-3895-F3148FABAE18}"/>
               </a:ext>
             </a:extLst>
           </p:cNvPr>
-          <p:cNvSpPr txBox="1">
-            <a:spLocks/>
+          <p:cNvSpPr>
+            <a:spLocks noGrp="1"/>
           </p:cNvSpPr>
-          <p:nvPr/>
-        </p:nvSpPr>
-        <p:spPr>
-          <a:xfrm>
-            <a:off x="794658" y="1959846"/>
-            <a:ext cx="10681366" cy="1494555"/>
-          </a:xfrm>
-          <a:prstGeom prst="rect">
-            <a:avLst/>
-          </a:prstGeom>
-        </p:spPr>
+          <p:nvPr>
+            <p:ph type="ftr" sz="quarter" idx="11"/>
+          </p:nvPr>
+        </p:nvSpPr>
+        <p:spPr/>
         <p:txBody>
-          <a:bodyPr vert="horz" lIns="91440" tIns="45720" rIns="91440" bIns="45720" rtlCol="0">
-            <a:noAutofit/>
-          </a:bodyPr>
-          <a:lstStyle>
-            <a:lvl1pPr marL="228600" indent="-228600" algn="l" defTabSz="914400" rtl="0" eaLnBrk="1" latinLnBrk="0" hangingPunct="1">
-              <a:lnSpc>
-                <a:spcPct val="90000"/>
-              </a:lnSpc>
-              <a:spcBef>
-                <a:spcPts val="1000"/>
-              </a:spcBef>
-              <a:buFont typeface="Arial" panose="020B0604020202020204" pitchFamily="34" charset="0"/>
-              <a:buChar char="•"/>
-              <a:defRPr sz="2800" kern="1200">
-                <a:solidFill>
-                  <a:schemeClr val="tx1"/>
-                </a:solidFill>
-                <a:latin typeface="+mn-lt"/>
-                <a:ea typeface="+mn-ea"/>
-                <a:cs typeface="+mn-cs"/>
-              </a:defRPr>
-            </a:lvl1pPr>
-            <a:lvl2pPr marL="685800" indent="-228600" algn="l" defTabSz="914400" rtl="0" eaLnBrk="1" latinLnBrk="0" hangingPunct="1">
-              <a:lnSpc>
-                <a:spcPct val="90000"/>
-              </a:lnSpc>
-              <a:spcBef>
-                <a:spcPts val="500"/>
-              </a:spcBef>
-              <a:buFont typeface="Arial" panose="020B0604020202020204" pitchFamily="34" charset="0"/>
-              <a:buChar char="•"/>
-              <a:defRPr sz="2400" kern="1200">
-                <a:solidFill>
-                  <a:schemeClr val="tx1"/>
-                </a:solidFill>
-                <a:latin typeface="+mn-lt"/>
-                <a:ea typeface="+mn-ea"/>
-                <a:cs typeface="+mn-cs"/>
-              </a:defRPr>
-            </a:lvl2pPr>
-            <a:lvl3pPr marL="1143000" indent="-228600" algn="l" defTabSz="914400" rtl="0" eaLnBrk="1" latinLnBrk="0" hangingPunct="1">
-              <a:lnSpc>
-                <a:spcPct val="90000"/>
-              </a:lnSpc>
-              <a:spcBef>
-                <a:spcPts val="500"/>
-              </a:spcBef>
-              <a:buFont typeface="Arial" panose="020B0604020202020204" pitchFamily="34" charset="0"/>
-              <a:buChar char="•"/>
-              <a:defRPr sz="2000" kern="1200">
-                <a:solidFill>
-                  <a:schemeClr val="tx1"/>
-                </a:solidFill>
-                <a:latin typeface="+mn-lt"/>
-                <a:ea typeface="+mn-ea"/>
-                <a:cs typeface="+mn-cs"/>
-              </a:defRPr>
-            </a:lvl3pPr>
-            <a:lvl4pPr marL="1600200" indent="-228600" algn="l" defTabSz="914400" rtl="0" eaLnBrk="1" latinLnBrk="0" hangingPunct="1">
-              <a:lnSpc>
-                <a:spcPct val="90000"/>
-              </a:lnSpc>
-              <a:spcBef>
-                <a:spcPts val="500"/>
-              </a:spcBef>
-              <a:buFont typeface="Arial" panose="020B0604020202020204" pitchFamily="34" charset="0"/>
-              <a:buChar char="•"/>
-              <a:defRPr sz="1800" kern="1200">
-                <a:solidFill>
-                  <a:schemeClr val="tx1"/>
-                </a:solidFill>
-                <a:latin typeface="+mn-lt"/>
-                <a:ea typeface="+mn-ea"/>
-                <a:cs typeface="+mn-cs"/>
-              </a:defRPr>
-            </a:lvl4pPr>
-            <a:lvl5pPr marL="2057400" indent="-228600" algn="l" defTabSz="914400" rtl="0" eaLnBrk="1" latinLnBrk="0" hangingPunct="1">
-              <a:lnSpc>
-                <a:spcPct val="90000"/>
-              </a:lnSpc>
-              <a:spcBef>
-                <a:spcPts val="500"/>
-              </a:spcBef>
-              <a:buFont typeface="Arial" panose="020B0604020202020204" pitchFamily="34" charset="0"/>
-              <a:buChar char="•"/>
-              <a:defRPr sz="1800" kern="1200">
-                <a:solidFill>
-                  <a:schemeClr val="tx1"/>
-                </a:solidFill>
-                <a:latin typeface="+mn-lt"/>
-                <a:ea typeface="+mn-ea"/>
-                <a:cs typeface="+mn-cs"/>
-              </a:defRPr>
-            </a:lvl5pPr>
-            <a:lvl6pPr marL="2514600" indent="-228600" algn="l" defTabSz="914400" rtl="0" eaLnBrk="1" latinLnBrk="0" hangingPunct="1">
-              <a:lnSpc>
-                <a:spcPct val="90000"/>
-              </a:lnSpc>
-              <a:spcBef>
-                <a:spcPts val="500"/>
-              </a:spcBef>
-              <a:buFont typeface="Arial" panose="020B0604020202020204" pitchFamily="34" charset="0"/>
-              <a:buChar char="•"/>
-              <a:defRPr sz="1800" kern="1200">
-                <a:solidFill>
-                  <a:schemeClr val="tx1"/>
-                </a:solidFill>
-                <a:latin typeface="+mn-lt"/>
-                <a:ea typeface="+mn-ea"/>
-                <a:cs typeface="+mn-cs"/>
-              </a:defRPr>
-            </a:lvl6pPr>
-            <a:lvl7pPr marL="2971800" indent="-228600" algn="l" defTabSz="914400" rtl="0" eaLnBrk="1" latinLnBrk="0" hangingPunct="1">
-              <a:lnSpc>
-                <a:spcPct val="90000"/>
-              </a:lnSpc>
-              <a:spcBef>
-                <a:spcPts val="500"/>
-              </a:spcBef>
-              <a:buFont typeface="Arial" panose="020B0604020202020204" pitchFamily="34" charset="0"/>
-              <a:buChar char="•"/>
-              <a:defRPr sz="1800" kern="1200">
-                <a:solidFill>
-                  <a:schemeClr val="tx1"/>
-                </a:solidFill>
-                <a:latin typeface="+mn-lt"/>
-                <a:ea typeface="+mn-ea"/>
-                <a:cs typeface="+mn-cs"/>
-              </a:defRPr>
-            </a:lvl7pPr>
-            <a:lvl8pPr marL="3429000" indent="-228600" algn="l" defTabSz="914400" rtl="0" eaLnBrk="1" latinLnBrk="0" hangingPunct="1">
-              <a:lnSpc>
-                <a:spcPct val="90000"/>
-              </a:lnSpc>
-              <a:spcBef>
-                <a:spcPts val="500"/>
-              </a:spcBef>
-              <a:buFont typeface="Arial" panose="020B0604020202020204" pitchFamily="34" charset="0"/>
-              <a:buChar char="•"/>
-              <a:defRPr sz="1800" kern="1200">
-                <a:solidFill>
-                  <a:schemeClr val="tx1"/>
-                </a:solidFill>
-                <a:latin typeface="+mn-lt"/>
-                <a:ea typeface="+mn-ea"/>
-                <a:cs typeface="+mn-cs"/>
-              </a:defRPr>
-            </a:lvl8pPr>
-            <a:lvl9pPr marL="3886200" indent="-228600" algn="l" defTabSz="914400" rtl="0" eaLnBrk="1" latinLnBrk="0" hangingPunct="1">
-              <a:lnSpc>
-                <a:spcPct val="90000"/>
-              </a:lnSpc>
-              <a:spcBef>
-                <a:spcPts val="500"/>
-              </a:spcBef>
-              <a:buFont typeface="Arial" panose="020B0604020202020204" pitchFamily="34" charset="0"/>
-              <a:buChar char="•"/>
-              <a:defRPr sz="1800" kern="1200">
-                <a:solidFill>
-                  <a:schemeClr val="tx1"/>
-                </a:solidFill>
-                <a:latin typeface="+mn-lt"/>
-                <a:ea typeface="+mn-ea"/>
-                <a:cs typeface="+mn-cs"/>
-              </a:defRPr>
-            </a:lvl9pPr>
-          </a:lstStyle>
-          <a:p>
-            <a:pPr marL="0" indent="0" algn="ctr">
-              <a:buNone/>
-            </a:pPr>
-            <a:r>
-              <a:rPr lang="en-US" b="1" i="0" dirty="0">
-                <a:effectLst/>
-                <a:latin typeface="IBM Plex Sans" panose="020B0503050203000203" pitchFamily="34" charset="0"/>
-              </a:rPr>
-              <a:t>A Mobile Traffic Predictor Enhanced by Neighboring Transportation Data (MTP-NT)</a:t>
-            </a:r>
-            <a:endParaRPr lang="pt-BR" b="1" dirty="0">
-              <a:latin typeface="IBM Plex Sans" panose="020B0503050203000203" pitchFamily="34" charset="0"/>
-            </a:endParaRPr>
+          <a:bodyPr/>
+          <a:lstStyle/>
+          <a:p>
+            <a:r>
+              <a:rPr lang="pt-BR" dirty="0">
+                <a:latin typeface="IBM Plex Sans" panose="020B0503050203000203" pitchFamily="34" charset="0"/>
+              </a:rPr>
+              <a:t>A Mobile </a:t>
+            </a:r>
+            <a:r>
+              <a:rPr lang="pt-BR" dirty="0" err="1">
+                <a:latin typeface="IBM Plex Sans" panose="020B0503050203000203" pitchFamily="34" charset="0"/>
+              </a:rPr>
+              <a:t>Traffic</a:t>
+            </a:r>
+            <a:r>
+              <a:rPr lang="pt-BR" dirty="0">
+                <a:latin typeface="IBM Plex Sans" panose="020B0503050203000203" pitchFamily="34" charset="0"/>
+              </a:rPr>
+              <a:t> </a:t>
+            </a:r>
+            <a:r>
+              <a:rPr lang="pt-BR" dirty="0" err="1">
+                <a:latin typeface="IBM Plex Sans" panose="020B0503050203000203" pitchFamily="34" charset="0"/>
+              </a:rPr>
+              <a:t>Predictor</a:t>
+            </a:r>
+            <a:r>
+              <a:rPr lang="pt-BR" dirty="0">
+                <a:latin typeface="IBM Plex Sans" panose="020B0503050203000203" pitchFamily="34" charset="0"/>
+              </a:rPr>
+              <a:t> </a:t>
+            </a:r>
+            <a:r>
+              <a:rPr lang="pt-BR" dirty="0" err="1">
+                <a:latin typeface="IBM Plex Sans" panose="020B0503050203000203" pitchFamily="34" charset="0"/>
+              </a:rPr>
+              <a:t>Enhanced</a:t>
+            </a:r>
+            <a:r>
+              <a:rPr lang="pt-BR" dirty="0">
+                <a:latin typeface="IBM Plex Sans" panose="020B0503050203000203" pitchFamily="34" charset="0"/>
+              </a:rPr>
+              <a:t> </a:t>
+            </a:r>
+            <a:r>
+              <a:rPr lang="pt-BR" dirty="0" err="1">
+                <a:latin typeface="IBM Plex Sans" panose="020B0503050203000203" pitchFamily="34" charset="0"/>
+              </a:rPr>
+              <a:t>by</a:t>
+            </a:r>
+            <a:r>
+              <a:rPr lang="pt-BR" dirty="0">
+                <a:latin typeface="IBM Plex Sans" panose="020B0503050203000203" pitchFamily="34" charset="0"/>
+              </a:rPr>
+              <a:t> </a:t>
+            </a:r>
+            <a:r>
+              <a:rPr lang="pt-BR" dirty="0" err="1">
+                <a:latin typeface="IBM Plex Sans" panose="020B0503050203000203" pitchFamily="34" charset="0"/>
+              </a:rPr>
+              <a:t>Neighboring</a:t>
+            </a:r>
+            <a:r>
+              <a:rPr lang="pt-BR" dirty="0">
+                <a:latin typeface="IBM Plex Sans" panose="020B0503050203000203" pitchFamily="34" charset="0"/>
+              </a:rPr>
+              <a:t> </a:t>
+            </a:r>
+            <a:r>
+              <a:rPr lang="pt-BR" dirty="0" err="1">
+                <a:latin typeface="IBM Plex Sans" panose="020B0503050203000203" pitchFamily="34" charset="0"/>
+              </a:rPr>
+              <a:t>Transportation</a:t>
+            </a:r>
+            <a:r>
+              <a:rPr lang="pt-BR" dirty="0">
+                <a:latin typeface="IBM Plex Sans" panose="020B0503050203000203" pitchFamily="34" charset="0"/>
+              </a:rPr>
+              <a:t> Data (MTP-NT)</a:t>
+            </a:r>
           </a:p>
         </p:txBody>
       </p:sp>
       <p:sp>
         <p:nvSpPr>
-          <p:cNvPr id="3" name="Slide Number Placeholder 2">
+          <p:cNvPr id="5" name="Slide Number Placeholder 4">
             <a:extLst>
               <a:ext uri="{FF2B5EF4-FFF2-40B4-BE49-F238E27FC236}">
-                <a16:creationId xmlns:a16="http://schemas.microsoft.com/office/drawing/2014/main" id="{A3A1D4C2-A873-78C4-5BB9-10481FBEC11D}"/>
+                <a16:creationId xmlns:a16="http://schemas.microsoft.com/office/drawing/2014/main" id="{DE4D7978-95DF-1BFB-E341-3759F4762F0C}"/>
               </a:ext>
             </a:extLst>
           </p:cNvPr>
@@ -16232,17 +18048,4777 @@
           <a:lstStyle/>
           <a:p>
             <a:fld id="{C16D1434-241F-3E4A-8778-0F70095E40C3}" type="slidenum">
-              <a:rPr lang="pt-BR" smtClean="0"/>
-              <a:t>21</a:t>
+              <a:rPr lang="pt-BR" smtClean="0">
+                <a:latin typeface="IBM Plex Sans" panose="020B0503050203000203" pitchFamily="34" charset="0"/>
+              </a:rPr>
+              <a:t>22</a:t>
             </a:fld>
-            <a:endParaRPr lang="pt-BR"/>
+            <a:endParaRPr lang="pt-BR">
+              <a:latin typeface="IBM Plex Sans" panose="020B0503050203000203" pitchFamily="34" charset="0"/>
+            </a:endParaRPr>
+          </a:p>
+        </p:txBody>
+      </p:sp>
+      <p:sp>
+        <p:nvSpPr>
+          <p:cNvPr id="13" name="Text Placeholder">
+            <a:extLst>
+              <a:ext uri="{FF2B5EF4-FFF2-40B4-BE49-F238E27FC236}">
+                <a16:creationId xmlns:a16="http://schemas.microsoft.com/office/drawing/2014/main" id="{4D1EB361-A84D-E1BA-5887-29346BE14147}"/>
+              </a:ext>
+            </a:extLst>
+          </p:cNvPr>
+          <p:cNvSpPr txBox="1">
+            <a:spLocks/>
+          </p:cNvSpPr>
+          <p:nvPr/>
+        </p:nvSpPr>
+        <p:spPr>
+          <a:xfrm>
+            <a:off x="-1" y="104751"/>
+            <a:ext cx="12056165" cy="1296666"/>
+          </a:xfrm>
+          <a:prstGeom prst="rect">
+            <a:avLst/>
+          </a:prstGeom>
+        </p:spPr>
+        <p:txBody>
+          <a:bodyPr vert="horz" lIns="91440" tIns="45720" rIns="91440" bIns="45720" rtlCol="0" anchor="ctr"/>
+          <a:lstStyle>
+            <a:defPPr>
+              <a:defRPr lang="en-BR"/>
+            </a:defPPr>
+            <a:lvl1pPr marL="0" algn="r" defTabSz="914400" rtl="0" eaLnBrk="1" latinLnBrk="0" hangingPunct="1">
+              <a:defRPr sz="1200" kern="1200">
+                <a:solidFill>
+                  <a:schemeClr val="tx1">
+                    <a:tint val="75000"/>
+                  </a:schemeClr>
+                </a:solidFill>
+                <a:latin typeface="+mn-lt"/>
+                <a:ea typeface="+mn-ea"/>
+                <a:cs typeface="+mn-cs"/>
+              </a:defRPr>
+            </a:lvl1pPr>
+            <a:lvl2pPr marL="457200" algn="l" defTabSz="914400" rtl="0" eaLnBrk="1" latinLnBrk="0" hangingPunct="1">
+              <a:defRPr sz="1800" kern="1200">
+                <a:solidFill>
+                  <a:schemeClr val="tx1"/>
+                </a:solidFill>
+                <a:latin typeface="+mn-lt"/>
+                <a:ea typeface="+mn-ea"/>
+                <a:cs typeface="+mn-cs"/>
+              </a:defRPr>
+            </a:lvl2pPr>
+            <a:lvl3pPr marL="914400" algn="l" defTabSz="914400" rtl="0" eaLnBrk="1" latinLnBrk="0" hangingPunct="1">
+              <a:defRPr sz="1800" kern="1200">
+                <a:solidFill>
+                  <a:schemeClr val="tx1"/>
+                </a:solidFill>
+                <a:latin typeface="+mn-lt"/>
+                <a:ea typeface="+mn-ea"/>
+                <a:cs typeface="+mn-cs"/>
+              </a:defRPr>
+            </a:lvl3pPr>
+            <a:lvl4pPr marL="1371600" algn="l" defTabSz="914400" rtl="0" eaLnBrk="1" latinLnBrk="0" hangingPunct="1">
+              <a:defRPr sz="1800" kern="1200">
+                <a:solidFill>
+                  <a:schemeClr val="tx1"/>
+                </a:solidFill>
+                <a:latin typeface="+mn-lt"/>
+                <a:ea typeface="+mn-ea"/>
+                <a:cs typeface="+mn-cs"/>
+              </a:defRPr>
+            </a:lvl4pPr>
+            <a:lvl5pPr marL="1828800" algn="l" defTabSz="914400" rtl="0" eaLnBrk="1" latinLnBrk="0" hangingPunct="1">
+              <a:defRPr sz="1800" kern="1200">
+                <a:solidFill>
+                  <a:schemeClr val="tx1"/>
+                </a:solidFill>
+                <a:latin typeface="+mn-lt"/>
+                <a:ea typeface="+mn-ea"/>
+                <a:cs typeface="+mn-cs"/>
+              </a:defRPr>
+            </a:lvl5pPr>
+            <a:lvl6pPr marL="2286000" algn="l" defTabSz="914400" rtl="0" eaLnBrk="1" latinLnBrk="0" hangingPunct="1">
+              <a:defRPr sz="1800" kern="1200">
+                <a:solidFill>
+                  <a:schemeClr val="tx1"/>
+                </a:solidFill>
+                <a:latin typeface="+mn-lt"/>
+                <a:ea typeface="+mn-ea"/>
+                <a:cs typeface="+mn-cs"/>
+              </a:defRPr>
+            </a:lvl6pPr>
+            <a:lvl7pPr marL="2743200" algn="l" defTabSz="914400" rtl="0" eaLnBrk="1" latinLnBrk="0" hangingPunct="1">
+              <a:defRPr sz="1800" kern="1200">
+                <a:solidFill>
+                  <a:schemeClr val="tx1"/>
+                </a:solidFill>
+                <a:latin typeface="+mn-lt"/>
+                <a:ea typeface="+mn-ea"/>
+                <a:cs typeface="+mn-cs"/>
+              </a:defRPr>
+            </a:lvl7pPr>
+            <a:lvl8pPr marL="3200400" algn="l" defTabSz="914400" rtl="0" eaLnBrk="1" latinLnBrk="0" hangingPunct="1">
+              <a:defRPr sz="1800" kern="1200">
+                <a:solidFill>
+                  <a:schemeClr val="tx1"/>
+                </a:solidFill>
+                <a:latin typeface="+mn-lt"/>
+                <a:ea typeface="+mn-ea"/>
+                <a:cs typeface="+mn-cs"/>
+              </a:defRPr>
+            </a:lvl8pPr>
+            <a:lvl9pPr marL="3657600" algn="l" defTabSz="914400" rtl="0" eaLnBrk="1" latinLnBrk="0" hangingPunct="1">
+              <a:defRPr sz="1800" kern="1200">
+                <a:solidFill>
+                  <a:schemeClr val="tx1"/>
+                </a:solidFill>
+                <a:latin typeface="+mn-lt"/>
+                <a:ea typeface="+mn-ea"/>
+                <a:cs typeface="+mn-cs"/>
+              </a:defRPr>
+            </a:lvl9pPr>
+          </a:lstStyle>
+          <a:p>
+            <a:pPr algn="l"/>
+            <a:r>
+              <a:rPr lang="en-US" sz="4000" b="1" dirty="0">
+                <a:solidFill>
+                  <a:schemeClr val="tx1"/>
+                </a:solidFill>
+                <a:latin typeface="IBM Plex Sans" panose="020B0503050203000203" pitchFamily="34" charset="0"/>
+              </a:rPr>
+              <a:t>Preliminaries on data Collection for MTP-NT – The predictive model in the 5G Infrastructure</a:t>
+            </a:r>
+          </a:p>
+        </p:txBody>
+      </p:sp>
+      <p:pic>
+        <p:nvPicPr>
+          <p:cNvPr id="3" name="Picture 2" descr="A diagram of a network&#10;&#10;Description automatically generated">
+            <a:extLst>
+              <a:ext uri="{FF2B5EF4-FFF2-40B4-BE49-F238E27FC236}">
+                <a16:creationId xmlns:a16="http://schemas.microsoft.com/office/drawing/2014/main" id="{BC19144E-2A5A-5731-9960-016E72ACBEB0}"/>
+              </a:ext>
+            </a:extLst>
+          </p:cNvPr>
+          <p:cNvPicPr>
+            <a:picLocks noChangeAspect="1"/>
+          </p:cNvPicPr>
+          <p:nvPr/>
+        </p:nvPicPr>
+        <p:blipFill>
+          <a:blip r:embed="rId3"/>
+          <a:stretch>
+            <a:fillRect/>
+          </a:stretch>
+        </p:blipFill>
+        <p:spPr>
+          <a:xfrm>
+            <a:off x="3658798" y="1691994"/>
+            <a:ext cx="4874403" cy="4378296"/>
+          </a:xfrm>
+          <a:prstGeom prst="rect">
+            <a:avLst/>
+          </a:prstGeom>
+        </p:spPr>
+      </p:pic>
+      <p:sp>
+        <p:nvSpPr>
+          <p:cNvPr id="6" name="Title">
+            <a:extLst>
+              <a:ext uri="{FF2B5EF4-FFF2-40B4-BE49-F238E27FC236}">
+                <a16:creationId xmlns:a16="http://schemas.microsoft.com/office/drawing/2014/main" id="{23DCB8CB-97A8-6B19-2264-53D911AB8E32}"/>
+              </a:ext>
+            </a:extLst>
+          </p:cNvPr>
+          <p:cNvSpPr txBox="1">
+            <a:spLocks/>
+          </p:cNvSpPr>
+          <p:nvPr/>
+        </p:nvSpPr>
+        <p:spPr>
+          <a:xfrm>
+            <a:off x="531344" y="5765276"/>
+            <a:ext cx="10683501" cy="489623"/>
+          </a:xfrm>
+          <a:prstGeom prst="rect">
+            <a:avLst/>
+          </a:prstGeom>
+        </p:spPr>
+        <p:txBody>
+          <a:bodyPr vert="horz" lIns="91440" tIns="45720" rIns="91440" bIns="45720" rtlCol="0" anchor="t">
+            <a:normAutofit/>
+          </a:bodyPr>
+          <a:lstStyle>
+            <a:lvl1pPr algn="l" defTabSz="914400" rtl="0" eaLnBrk="1" latinLnBrk="0" hangingPunct="1">
+              <a:lnSpc>
+                <a:spcPct val="90000"/>
+              </a:lnSpc>
+              <a:spcBef>
+                <a:spcPct val="0"/>
+              </a:spcBef>
+              <a:buNone/>
+              <a:defRPr sz="4400" kern="1200">
+                <a:solidFill>
+                  <a:schemeClr val="tx1"/>
+                </a:solidFill>
+                <a:latin typeface="+mj-lt"/>
+                <a:ea typeface="+mj-ea"/>
+                <a:cs typeface="+mj-cs"/>
+              </a:defRPr>
+            </a:lvl1pPr>
+          </a:lstStyle>
+          <a:p>
+            <a:pPr algn="ctr"/>
+            <a:r>
+              <a:rPr lang="en-US" sz="1600" dirty="0">
+                <a:latin typeface="IBM Plex Sans" panose="020B0503050203000203" pitchFamily="34" charset="0"/>
+              </a:rPr>
+              <a:t>Source: the author</a:t>
+            </a:r>
           </a:p>
         </p:txBody>
       </p:sp>
     </p:spTree>
     <p:extLst>
       <p:ext uri="{BB962C8B-B14F-4D97-AF65-F5344CB8AC3E}">
-        <p14:creationId xmlns:p14="http://schemas.microsoft.com/office/powerpoint/2010/main" val="4280972039"/>
+        <p14:creationId xmlns:p14="http://schemas.microsoft.com/office/powerpoint/2010/main" val="2365338843"/>
+      </p:ext>
+    </p:extLst>
+  </p:cSld>
+  <p:clrMapOvr>
+    <a:masterClrMapping/>
+  </p:clrMapOvr>
+</p:sld>
+</file>
+
+<file path=ppt/slides/slide23.xml><?xml version="1.0" encoding="utf-8"?>
+<p:sld xmlns:a="http://schemas.openxmlformats.org/drawingml/2006/main" xmlns:r="http://schemas.openxmlformats.org/officeDocument/2006/relationships" xmlns:p="http://schemas.openxmlformats.org/presentationml/2006/main">
+  <p:cSld>
+    <p:spTree>
+      <p:nvGrpSpPr>
+        <p:cNvPr id="1" name=""/>
+        <p:cNvGrpSpPr/>
+        <p:nvPr/>
+      </p:nvGrpSpPr>
+      <p:grpSpPr>
+        <a:xfrm>
+          <a:off x="0" y="0"/>
+          <a:ext cx="0" cy="0"/>
+          <a:chOff x="0" y="0"/>
+          <a:chExt cx="0" cy="0"/>
+        </a:xfrm>
+      </p:grpSpPr>
+      <p:sp>
+        <p:nvSpPr>
+          <p:cNvPr id="4" name="Footer Placeholder 3">
+            <a:extLst>
+              <a:ext uri="{FF2B5EF4-FFF2-40B4-BE49-F238E27FC236}">
+                <a16:creationId xmlns:a16="http://schemas.microsoft.com/office/drawing/2014/main" id="{ABC5BB99-6713-EE89-3895-F3148FABAE18}"/>
+              </a:ext>
+            </a:extLst>
+          </p:cNvPr>
+          <p:cNvSpPr>
+            <a:spLocks noGrp="1"/>
+          </p:cNvSpPr>
+          <p:nvPr>
+            <p:ph type="ftr" sz="quarter" idx="11"/>
+          </p:nvPr>
+        </p:nvSpPr>
+        <p:spPr/>
+        <p:txBody>
+          <a:bodyPr/>
+          <a:lstStyle/>
+          <a:p>
+            <a:r>
+              <a:rPr lang="pt-BR" dirty="0">
+                <a:latin typeface="IBM Plex Sans" panose="020B0503050203000203" pitchFamily="34" charset="0"/>
+              </a:rPr>
+              <a:t>A Mobile </a:t>
+            </a:r>
+            <a:r>
+              <a:rPr lang="pt-BR" dirty="0" err="1">
+                <a:latin typeface="IBM Plex Sans" panose="020B0503050203000203" pitchFamily="34" charset="0"/>
+              </a:rPr>
+              <a:t>Traffic</a:t>
+            </a:r>
+            <a:r>
+              <a:rPr lang="pt-BR" dirty="0">
+                <a:latin typeface="IBM Plex Sans" panose="020B0503050203000203" pitchFamily="34" charset="0"/>
+              </a:rPr>
+              <a:t> </a:t>
+            </a:r>
+            <a:r>
+              <a:rPr lang="pt-BR" dirty="0" err="1">
+                <a:latin typeface="IBM Plex Sans" panose="020B0503050203000203" pitchFamily="34" charset="0"/>
+              </a:rPr>
+              <a:t>Predictor</a:t>
+            </a:r>
+            <a:r>
+              <a:rPr lang="pt-BR" dirty="0">
+                <a:latin typeface="IBM Plex Sans" panose="020B0503050203000203" pitchFamily="34" charset="0"/>
+              </a:rPr>
+              <a:t> </a:t>
+            </a:r>
+            <a:r>
+              <a:rPr lang="pt-BR" dirty="0" err="1">
+                <a:latin typeface="IBM Plex Sans" panose="020B0503050203000203" pitchFamily="34" charset="0"/>
+              </a:rPr>
+              <a:t>Enhanced</a:t>
+            </a:r>
+            <a:r>
+              <a:rPr lang="pt-BR" dirty="0">
+                <a:latin typeface="IBM Plex Sans" panose="020B0503050203000203" pitchFamily="34" charset="0"/>
+              </a:rPr>
+              <a:t> </a:t>
+            </a:r>
+            <a:r>
+              <a:rPr lang="pt-BR" dirty="0" err="1">
+                <a:latin typeface="IBM Plex Sans" panose="020B0503050203000203" pitchFamily="34" charset="0"/>
+              </a:rPr>
+              <a:t>by</a:t>
+            </a:r>
+            <a:r>
+              <a:rPr lang="pt-BR" dirty="0">
+                <a:latin typeface="IBM Plex Sans" panose="020B0503050203000203" pitchFamily="34" charset="0"/>
+              </a:rPr>
+              <a:t> </a:t>
+            </a:r>
+            <a:r>
+              <a:rPr lang="pt-BR" dirty="0" err="1">
+                <a:latin typeface="IBM Plex Sans" panose="020B0503050203000203" pitchFamily="34" charset="0"/>
+              </a:rPr>
+              <a:t>Neighboring</a:t>
+            </a:r>
+            <a:r>
+              <a:rPr lang="pt-BR" dirty="0">
+                <a:latin typeface="IBM Plex Sans" panose="020B0503050203000203" pitchFamily="34" charset="0"/>
+              </a:rPr>
+              <a:t> </a:t>
+            </a:r>
+            <a:r>
+              <a:rPr lang="pt-BR" dirty="0" err="1">
+                <a:latin typeface="IBM Plex Sans" panose="020B0503050203000203" pitchFamily="34" charset="0"/>
+              </a:rPr>
+              <a:t>Transportation</a:t>
+            </a:r>
+            <a:r>
+              <a:rPr lang="pt-BR" dirty="0">
+                <a:latin typeface="IBM Plex Sans" panose="020B0503050203000203" pitchFamily="34" charset="0"/>
+              </a:rPr>
+              <a:t> Data (MTP-NT)</a:t>
+            </a:r>
+          </a:p>
+        </p:txBody>
+      </p:sp>
+      <p:sp>
+        <p:nvSpPr>
+          <p:cNvPr id="5" name="Slide Number Placeholder 4">
+            <a:extLst>
+              <a:ext uri="{FF2B5EF4-FFF2-40B4-BE49-F238E27FC236}">
+                <a16:creationId xmlns:a16="http://schemas.microsoft.com/office/drawing/2014/main" id="{DE4D7978-95DF-1BFB-E341-3759F4762F0C}"/>
+              </a:ext>
+            </a:extLst>
+          </p:cNvPr>
+          <p:cNvSpPr>
+            <a:spLocks noGrp="1"/>
+          </p:cNvSpPr>
+          <p:nvPr>
+            <p:ph type="sldNum" sz="quarter" idx="12"/>
+          </p:nvPr>
+        </p:nvSpPr>
+        <p:spPr/>
+        <p:txBody>
+          <a:bodyPr/>
+          <a:lstStyle/>
+          <a:p>
+            <a:fld id="{C16D1434-241F-3E4A-8778-0F70095E40C3}" type="slidenum">
+              <a:rPr lang="pt-BR" smtClean="0">
+                <a:latin typeface="IBM Plex Sans" panose="020B0503050203000203" pitchFamily="34" charset="0"/>
+              </a:rPr>
+              <a:t>23</a:t>
+            </a:fld>
+            <a:endParaRPr lang="pt-BR">
+              <a:latin typeface="IBM Plex Sans" panose="020B0503050203000203" pitchFamily="34" charset="0"/>
+            </a:endParaRPr>
+          </a:p>
+        </p:txBody>
+      </p:sp>
+      <p:sp>
+        <p:nvSpPr>
+          <p:cNvPr id="2" name="Title">
+            <a:extLst>
+              <a:ext uri="{FF2B5EF4-FFF2-40B4-BE49-F238E27FC236}">
+                <a16:creationId xmlns:a16="http://schemas.microsoft.com/office/drawing/2014/main" id="{8FE29A8C-DA4A-E4E8-59AE-3E42BD56A75B}"/>
+              </a:ext>
+            </a:extLst>
+          </p:cNvPr>
+          <p:cNvSpPr>
+            <a:spLocks noGrp="1"/>
+          </p:cNvSpPr>
+          <p:nvPr>
+            <p:ph type="title"/>
+          </p:nvPr>
+        </p:nvSpPr>
+        <p:spPr>
+          <a:xfrm>
+            <a:off x="531345" y="1784768"/>
+            <a:ext cx="10683501" cy="546903"/>
+          </a:xfrm>
+        </p:spPr>
+        <p:txBody>
+          <a:bodyPr anchor="t">
+            <a:normAutofit/>
+          </a:bodyPr>
+          <a:lstStyle/>
+          <a:p>
+            <a:r>
+              <a:rPr lang="en-US" sz="1600" b="1" dirty="0">
+                <a:latin typeface="IBM Plex Sans" panose="020B0503050203000203" pitchFamily="34" charset="0"/>
+              </a:rPr>
+              <a:t>Main advantages according to European Telecommunications Standards (ETSI)</a:t>
+            </a:r>
+            <a:r>
+              <a:rPr lang="en-US" sz="1600" b="1" baseline="30000" dirty="0">
+                <a:latin typeface="IBM Plex Sans" panose="020B0503050203000203" pitchFamily="34" charset="0"/>
+              </a:rPr>
+              <a:t>1</a:t>
+            </a:r>
+            <a:br>
+              <a:rPr lang="en-US" sz="1600" b="1" dirty="0">
+                <a:latin typeface="IBM Plex Sans" panose="020B0503050203000203" pitchFamily="34" charset="0"/>
+              </a:rPr>
+            </a:br>
+            <a:endParaRPr lang="en-US" sz="1600" b="1" dirty="0">
+              <a:latin typeface="IBM Plex Sans" panose="020B0503050203000203" pitchFamily="34" charset="0"/>
+            </a:endParaRPr>
+          </a:p>
+        </p:txBody>
+      </p:sp>
+      <p:sp>
+        <p:nvSpPr>
+          <p:cNvPr id="6" name="TextBox 5">
+            <a:extLst>
+              <a:ext uri="{FF2B5EF4-FFF2-40B4-BE49-F238E27FC236}">
+                <a16:creationId xmlns:a16="http://schemas.microsoft.com/office/drawing/2014/main" id="{D4CFAE64-9E07-DC8F-0875-D5BA61C8EC87}"/>
+              </a:ext>
+            </a:extLst>
+          </p:cNvPr>
+          <p:cNvSpPr txBox="1"/>
+          <p:nvPr/>
+        </p:nvSpPr>
+        <p:spPr>
+          <a:xfrm>
+            <a:off x="6096000" y="4526329"/>
+            <a:ext cx="5257800" cy="923330"/>
+          </a:xfrm>
+          <a:prstGeom prst="rect">
+            <a:avLst/>
+          </a:prstGeom>
+          <a:noFill/>
+        </p:spPr>
+        <p:txBody>
+          <a:bodyPr wrap="square" rtlCol="0">
+            <a:spAutoFit/>
+          </a:bodyPr>
+          <a:lstStyle/>
+          <a:p>
+            <a:r>
+              <a:rPr lang="pt-BR" sz="900" dirty="0">
+                <a:solidFill>
+                  <a:srgbClr val="898989"/>
+                </a:solidFill>
+                <a:latin typeface="IBM Plex Sans" panose="020B0503050203000203" pitchFamily="34" charset="0"/>
+              </a:rPr>
+              <a:t>[1]</a:t>
+            </a:r>
+            <a:r>
+              <a:rPr lang="en-US" sz="900" b="0" i="0" dirty="0">
+                <a:solidFill>
+                  <a:srgbClr val="898989"/>
+                </a:solidFill>
+                <a:effectLst/>
+                <a:latin typeface="IBM Plex Sans" panose="020B0503050203000203" pitchFamily="34" charset="0"/>
+              </a:rPr>
+              <a:t> ETSI</a:t>
+            </a:r>
+          </a:p>
+          <a:p>
+            <a:r>
+              <a:rPr lang="en-US" sz="900" dirty="0">
+                <a:solidFill>
+                  <a:srgbClr val="898989"/>
+                </a:solidFill>
+                <a:latin typeface="IBM Plex Sans" panose="020B0503050203000203" pitchFamily="34" charset="0"/>
+              </a:rPr>
+              <a:t>[2] </a:t>
+            </a:r>
+            <a:r>
+              <a:rPr lang="en-US" sz="900" dirty="0" err="1">
+                <a:solidFill>
+                  <a:srgbClr val="898989"/>
+                </a:solidFill>
+                <a:latin typeface="IBM Plex Sans" panose="020B0503050203000203" pitchFamily="34" charset="0"/>
+              </a:rPr>
+              <a:t>Rankothge</a:t>
+            </a:r>
+            <a:endParaRPr lang="en-US" sz="900" dirty="0">
+              <a:solidFill>
+                <a:srgbClr val="898989"/>
+              </a:solidFill>
+              <a:latin typeface="IBM Plex Sans" panose="020B0503050203000203" pitchFamily="34" charset="0"/>
+            </a:endParaRPr>
+          </a:p>
+          <a:p>
+            <a:r>
+              <a:rPr lang="en-US" sz="900" dirty="0">
+                <a:solidFill>
+                  <a:srgbClr val="898989"/>
+                </a:solidFill>
+                <a:latin typeface="IBM Plex Sans" panose="020B0503050203000203" pitchFamily="34" charset="0"/>
+              </a:rPr>
+              <a:t>[3] Basta</a:t>
+            </a:r>
+          </a:p>
+          <a:p>
+            <a:r>
+              <a:rPr lang="en-US" sz="900" dirty="0">
+                <a:solidFill>
+                  <a:srgbClr val="898989"/>
+                </a:solidFill>
+                <a:latin typeface="IBM Plex Sans" panose="020B0503050203000203" pitchFamily="34" charset="0"/>
+              </a:rPr>
+              <a:t>[4] Bronstein</a:t>
+            </a:r>
+          </a:p>
+          <a:p>
+            <a:r>
+              <a:rPr lang="en-US" sz="900" dirty="0">
+                <a:solidFill>
+                  <a:srgbClr val="898989"/>
+                </a:solidFill>
+                <a:latin typeface="IBM Plex Sans" panose="020B0503050203000203" pitchFamily="34" charset="0"/>
+              </a:rPr>
+              <a:t>[5] </a:t>
+            </a:r>
+            <a:r>
+              <a:rPr lang="en-US" sz="900" dirty="0" err="1">
+                <a:solidFill>
+                  <a:srgbClr val="898989"/>
+                </a:solidFill>
+                <a:latin typeface="IBM Plex Sans" panose="020B0503050203000203" pitchFamily="34" charset="0"/>
+              </a:rPr>
+              <a:t>Manglini</a:t>
+            </a:r>
+            <a:endParaRPr lang="en-US" sz="900" dirty="0">
+              <a:solidFill>
+                <a:srgbClr val="898989"/>
+              </a:solidFill>
+              <a:latin typeface="IBM Plex Sans" panose="020B0503050203000203" pitchFamily="34" charset="0"/>
+            </a:endParaRPr>
+          </a:p>
+          <a:p>
+            <a:r>
+              <a:rPr lang="en-US" sz="900" dirty="0">
+                <a:solidFill>
+                  <a:srgbClr val="898989"/>
+                </a:solidFill>
+                <a:latin typeface="IBM Plex Sans" panose="020B0503050203000203" pitchFamily="34" charset="0"/>
+              </a:rPr>
+              <a:t>[6] Kim, Lee</a:t>
+            </a:r>
+            <a:endParaRPr lang="pt-BR" sz="900" dirty="0">
+              <a:solidFill>
+                <a:srgbClr val="898989"/>
+              </a:solidFill>
+              <a:latin typeface="IBM Plex Sans" panose="020B0503050203000203" pitchFamily="34" charset="0"/>
+            </a:endParaRPr>
+          </a:p>
+        </p:txBody>
+      </p:sp>
+      <p:sp>
+        <p:nvSpPr>
+          <p:cNvPr id="7" name="Title">
+            <a:extLst>
+              <a:ext uri="{FF2B5EF4-FFF2-40B4-BE49-F238E27FC236}">
+                <a16:creationId xmlns:a16="http://schemas.microsoft.com/office/drawing/2014/main" id="{48CFCC32-A6C6-4CD1-E85B-A358EE513708}"/>
+              </a:ext>
+            </a:extLst>
+          </p:cNvPr>
+          <p:cNvSpPr txBox="1">
+            <a:spLocks/>
+          </p:cNvSpPr>
+          <p:nvPr/>
+        </p:nvSpPr>
+        <p:spPr>
+          <a:xfrm>
+            <a:off x="531344" y="2249894"/>
+            <a:ext cx="10683501" cy="2257144"/>
+          </a:xfrm>
+          <a:prstGeom prst="rect">
+            <a:avLst/>
+          </a:prstGeom>
+        </p:spPr>
+        <p:txBody>
+          <a:bodyPr vert="horz" lIns="91440" tIns="45720" rIns="91440" bIns="45720" rtlCol="0" anchor="t">
+            <a:normAutofit/>
+          </a:bodyPr>
+          <a:lstStyle>
+            <a:lvl1pPr algn="l" defTabSz="914400" rtl="0" eaLnBrk="1" latinLnBrk="0" hangingPunct="1">
+              <a:lnSpc>
+                <a:spcPct val="90000"/>
+              </a:lnSpc>
+              <a:spcBef>
+                <a:spcPct val="0"/>
+              </a:spcBef>
+              <a:buNone/>
+              <a:defRPr sz="4400" kern="1200">
+                <a:solidFill>
+                  <a:schemeClr val="tx1"/>
+                </a:solidFill>
+                <a:latin typeface="+mj-lt"/>
+                <a:ea typeface="+mj-ea"/>
+                <a:cs typeface="+mj-cs"/>
+              </a:defRPr>
+            </a:lvl1pPr>
+          </a:lstStyle>
+          <a:p>
+            <a:pPr marL="342900" indent="-342900">
+              <a:buFont typeface="+mj-lt"/>
+              <a:buAutoNum type="arabicPeriod"/>
+            </a:pPr>
+            <a:r>
+              <a:rPr lang="en-US" sz="1600" b="1" dirty="0">
+                <a:latin typeface="IBM Plex Sans" panose="020B0503050203000203" pitchFamily="34" charset="0"/>
+              </a:rPr>
+              <a:t>NFV as a service</a:t>
+            </a:r>
+            <a:r>
+              <a:rPr lang="en-US" sz="1600" b="1" baseline="30000" dirty="0">
+                <a:latin typeface="IBM Plex Sans" panose="020B0503050203000203" pitchFamily="34" charset="0"/>
+              </a:rPr>
+              <a:t>2</a:t>
+            </a:r>
+          </a:p>
+          <a:p>
+            <a:pPr marL="342900" indent="-342900">
+              <a:buFont typeface="+mj-lt"/>
+              <a:buAutoNum type="arabicPeriod"/>
+            </a:pPr>
+            <a:endParaRPr lang="en-US" sz="1600" b="1" dirty="0">
+              <a:latin typeface="IBM Plex Sans" panose="020B0503050203000203" pitchFamily="34" charset="0"/>
+            </a:endParaRPr>
+          </a:p>
+          <a:p>
+            <a:pPr marL="342900" indent="-342900">
+              <a:buFont typeface="+mj-lt"/>
+              <a:buAutoNum type="arabicPeriod"/>
+            </a:pPr>
+            <a:r>
+              <a:rPr lang="en-US" sz="1600" b="1" dirty="0">
+                <a:latin typeface="IBM Plex Sans" panose="020B0503050203000203" pitchFamily="34" charset="0"/>
+              </a:rPr>
+              <a:t>Virtualization of  Core Network (CN) and Base Stations (BSs)</a:t>
+            </a:r>
+            <a:r>
+              <a:rPr lang="en-US" sz="1600" b="1" baseline="30000" dirty="0">
+                <a:latin typeface="IBM Plex Sans" panose="020B0503050203000203" pitchFamily="34" charset="0"/>
+              </a:rPr>
+              <a:t>3</a:t>
+            </a:r>
+          </a:p>
+          <a:p>
+            <a:pPr marL="342900" indent="-342900">
+              <a:buFont typeface="+mj-lt"/>
+              <a:buAutoNum type="arabicPeriod"/>
+            </a:pPr>
+            <a:endParaRPr lang="en-US" sz="1600" b="1" dirty="0">
+              <a:latin typeface="IBM Plex Sans" panose="020B0503050203000203" pitchFamily="34" charset="0"/>
+            </a:endParaRPr>
+          </a:p>
+          <a:p>
+            <a:pPr marL="342900" indent="-342900">
+              <a:buFont typeface="+mj-lt"/>
+              <a:buAutoNum type="arabicPeriod"/>
+            </a:pPr>
+            <a:r>
+              <a:rPr lang="en-US" sz="1600" b="1" dirty="0">
+                <a:latin typeface="IBM Plex Sans" panose="020B0503050203000203" pitchFamily="34" charset="0"/>
+              </a:rPr>
+              <a:t>Virtualization of home environment</a:t>
+            </a:r>
+            <a:r>
+              <a:rPr lang="en-US" sz="1600" b="1" baseline="30000" dirty="0">
+                <a:latin typeface="IBM Plex Sans" panose="020B0503050203000203" pitchFamily="34" charset="0"/>
+              </a:rPr>
+              <a:t>4</a:t>
+            </a:r>
+          </a:p>
+          <a:p>
+            <a:pPr marL="342900" indent="-342900">
+              <a:buFont typeface="+mj-lt"/>
+              <a:buAutoNum type="arabicPeriod"/>
+            </a:pPr>
+            <a:endParaRPr lang="en-US" sz="1600" b="1" dirty="0">
+              <a:latin typeface="IBM Plex Sans" panose="020B0503050203000203" pitchFamily="34" charset="0"/>
+            </a:endParaRPr>
+          </a:p>
+          <a:p>
+            <a:pPr marL="342900" indent="-342900">
+              <a:buFont typeface="+mj-lt"/>
+              <a:buAutoNum type="arabicPeriod"/>
+            </a:pPr>
+            <a:r>
+              <a:rPr lang="en-US" sz="1600" b="1" dirty="0">
+                <a:latin typeface="IBM Plex Sans" panose="020B0503050203000203" pitchFamily="34" charset="0"/>
+              </a:rPr>
+              <a:t>Virtualization of CDNs</a:t>
+            </a:r>
+            <a:r>
+              <a:rPr lang="en-US" sz="1600" b="1" baseline="30000" dirty="0">
+                <a:latin typeface="IBM Plex Sans" panose="020B0503050203000203" pitchFamily="34" charset="0"/>
+              </a:rPr>
+              <a:t>5,6</a:t>
+            </a:r>
+            <a:endParaRPr lang="en-US" sz="1600" b="1" dirty="0">
+              <a:latin typeface="IBM Plex Sans" panose="020B0503050203000203" pitchFamily="34" charset="0"/>
+            </a:endParaRPr>
+          </a:p>
+        </p:txBody>
+      </p:sp>
+      <p:sp>
+        <p:nvSpPr>
+          <p:cNvPr id="8" name="Text Placeholder">
+            <a:extLst>
+              <a:ext uri="{FF2B5EF4-FFF2-40B4-BE49-F238E27FC236}">
+                <a16:creationId xmlns:a16="http://schemas.microsoft.com/office/drawing/2014/main" id="{5EA019E9-4BFE-FD86-7DD4-328DEB414A44}"/>
+              </a:ext>
+            </a:extLst>
+          </p:cNvPr>
+          <p:cNvSpPr txBox="1">
+            <a:spLocks/>
+          </p:cNvSpPr>
+          <p:nvPr/>
+        </p:nvSpPr>
+        <p:spPr>
+          <a:xfrm>
+            <a:off x="-1" y="104751"/>
+            <a:ext cx="12056165" cy="1296666"/>
+          </a:xfrm>
+          <a:prstGeom prst="rect">
+            <a:avLst/>
+          </a:prstGeom>
+        </p:spPr>
+        <p:txBody>
+          <a:bodyPr vert="horz" lIns="91440" tIns="45720" rIns="91440" bIns="45720" rtlCol="0" anchor="ctr"/>
+          <a:lstStyle>
+            <a:defPPr>
+              <a:defRPr lang="en-BR"/>
+            </a:defPPr>
+            <a:lvl1pPr marL="0" algn="r" defTabSz="914400" rtl="0" eaLnBrk="1" latinLnBrk="0" hangingPunct="1">
+              <a:defRPr sz="1200" kern="1200">
+                <a:solidFill>
+                  <a:schemeClr val="tx1">
+                    <a:tint val="75000"/>
+                  </a:schemeClr>
+                </a:solidFill>
+                <a:latin typeface="+mn-lt"/>
+                <a:ea typeface="+mn-ea"/>
+                <a:cs typeface="+mn-cs"/>
+              </a:defRPr>
+            </a:lvl1pPr>
+            <a:lvl2pPr marL="457200" algn="l" defTabSz="914400" rtl="0" eaLnBrk="1" latinLnBrk="0" hangingPunct="1">
+              <a:defRPr sz="1800" kern="1200">
+                <a:solidFill>
+                  <a:schemeClr val="tx1"/>
+                </a:solidFill>
+                <a:latin typeface="+mn-lt"/>
+                <a:ea typeface="+mn-ea"/>
+                <a:cs typeface="+mn-cs"/>
+              </a:defRPr>
+            </a:lvl2pPr>
+            <a:lvl3pPr marL="914400" algn="l" defTabSz="914400" rtl="0" eaLnBrk="1" latinLnBrk="0" hangingPunct="1">
+              <a:defRPr sz="1800" kern="1200">
+                <a:solidFill>
+                  <a:schemeClr val="tx1"/>
+                </a:solidFill>
+                <a:latin typeface="+mn-lt"/>
+                <a:ea typeface="+mn-ea"/>
+                <a:cs typeface="+mn-cs"/>
+              </a:defRPr>
+            </a:lvl3pPr>
+            <a:lvl4pPr marL="1371600" algn="l" defTabSz="914400" rtl="0" eaLnBrk="1" latinLnBrk="0" hangingPunct="1">
+              <a:defRPr sz="1800" kern="1200">
+                <a:solidFill>
+                  <a:schemeClr val="tx1"/>
+                </a:solidFill>
+                <a:latin typeface="+mn-lt"/>
+                <a:ea typeface="+mn-ea"/>
+                <a:cs typeface="+mn-cs"/>
+              </a:defRPr>
+            </a:lvl4pPr>
+            <a:lvl5pPr marL="1828800" algn="l" defTabSz="914400" rtl="0" eaLnBrk="1" latinLnBrk="0" hangingPunct="1">
+              <a:defRPr sz="1800" kern="1200">
+                <a:solidFill>
+                  <a:schemeClr val="tx1"/>
+                </a:solidFill>
+                <a:latin typeface="+mn-lt"/>
+                <a:ea typeface="+mn-ea"/>
+                <a:cs typeface="+mn-cs"/>
+              </a:defRPr>
+            </a:lvl5pPr>
+            <a:lvl6pPr marL="2286000" algn="l" defTabSz="914400" rtl="0" eaLnBrk="1" latinLnBrk="0" hangingPunct="1">
+              <a:defRPr sz="1800" kern="1200">
+                <a:solidFill>
+                  <a:schemeClr val="tx1"/>
+                </a:solidFill>
+                <a:latin typeface="+mn-lt"/>
+                <a:ea typeface="+mn-ea"/>
+                <a:cs typeface="+mn-cs"/>
+              </a:defRPr>
+            </a:lvl6pPr>
+            <a:lvl7pPr marL="2743200" algn="l" defTabSz="914400" rtl="0" eaLnBrk="1" latinLnBrk="0" hangingPunct="1">
+              <a:defRPr sz="1800" kern="1200">
+                <a:solidFill>
+                  <a:schemeClr val="tx1"/>
+                </a:solidFill>
+                <a:latin typeface="+mn-lt"/>
+                <a:ea typeface="+mn-ea"/>
+                <a:cs typeface="+mn-cs"/>
+              </a:defRPr>
+            </a:lvl7pPr>
+            <a:lvl8pPr marL="3200400" algn="l" defTabSz="914400" rtl="0" eaLnBrk="1" latinLnBrk="0" hangingPunct="1">
+              <a:defRPr sz="1800" kern="1200">
+                <a:solidFill>
+                  <a:schemeClr val="tx1"/>
+                </a:solidFill>
+                <a:latin typeface="+mn-lt"/>
+                <a:ea typeface="+mn-ea"/>
+                <a:cs typeface="+mn-cs"/>
+              </a:defRPr>
+            </a:lvl8pPr>
+            <a:lvl9pPr marL="3657600" algn="l" defTabSz="914400" rtl="0" eaLnBrk="1" latinLnBrk="0" hangingPunct="1">
+              <a:defRPr sz="1800" kern="1200">
+                <a:solidFill>
+                  <a:schemeClr val="tx1"/>
+                </a:solidFill>
+                <a:latin typeface="+mn-lt"/>
+                <a:ea typeface="+mn-ea"/>
+                <a:cs typeface="+mn-cs"/>
+              </a:defRPr>
+            </a:lvl9pPr>
+          </a:lstStyle>
+          <a:p>
+            <a:pPr algn="l"/>
+            <a:r>
+              <a:rPr lang="en-US" sz="4000" b="1" dirty="0">
+                <a:solidFill>
+                  <a:schemeClr val="tx1"/>
+                </a:solidFill>
+                <a:latin typeface="IBM Plex Sans" panose="020B0503050203000203" pitchFamily="34" charset="0"/>
+              </a:rPr>
+              <a:t>Preliminaries on data Collection for MTP-NT – The predictive model in the 5G Infrastructure</a:t>
+            </a:r>
+          </a:p>
+        </p:txBody>
+      </p:sp>
+    </p:spTree>
+    <p:extLst>
+      <p:ext uri="{BB962C8B-B14F-4D97-AF65-F5344CB8AC3E}">
+        <p14:creationId xmlns:p14="http://schemas.microsoft.com/office/powerpoint/2010/main" val="4169325599"/>
+      </p:ext>
+    </p:extLst>
+  </p:cSld>
+  <p:clrMapOvr>
+    <a:masterClrMapping/>
+  </p:clrMapOvr>
+</p:sld>
+</file>
+
+<file path=ppt/slides/slide24.xml><?xml version="1.0" encoding="utf-8"?>
+<p:sld xmlns:a="http://schemas.openxmlformats.org/drawingml/2006/main" xmlns:r="http://schemas.openxmlformats.org/officeDocument/2006/relationships" xmlns:p="http://schemas.openxmlformats.org/presentationml/2006/main">
+  <p:cSld>
+    <p:spTree>
+      <p:nvGrpSpPr>
+        <p:cNvPr id="1" name=""/>
+        <p:cNvGrpSpPr/>
+        <p:nvPr/>
+      </p:nvGrpSpPr>
+      <p:grpSpPr>
+        <a:xfrm>
+          <a:off x="0" y="0"/>
+          <a:ext cx="0" cy="0"/>
+          <a:chOff x="0" y="0"/>
+          <a:chExt cx="0" cy="0"/>
+        </a:xfrm>
+      </p:grpSpPr>
+      <p:sp>
+        <p:nvSpPr>
+          <p:cNvPr id="4" name="Footer Placeholder 3">
+            <a:extLst>
+              <a:ext uri="{FF2B5EF4-FFF2-40B4-BE49-F238E27FC236}">
+                <a16:creationId xmlns:a16="http://schemas.microsoft.com/office/drawing/2014/main" id="{ABC5BB99-6713-EE89-3895-F3148FABAE18}"/>
+              </a:ext>
+            </a:extLst>
+          </p:cNvPr>
+          <p:cNvSpPr>
+            <a:spLocks noGrp="1"/>
+          </p:cNvSpPr>
+          <p:nvPr>
+            <p:ph type="ftr" sz="quarter" idx="11"/>
+          </p:nvPr>
+        </p:nvSpPr>
+        <p:spPr/>
+        <p:txBody>
+          <a:bodyPr/>
+          <a:lstStyle/>
+          <a:p>
+            <a:r>
+              <a:rPr lang="pt-BR" dirty="0">
+                <a:latin typeface="IBM Plex Sans" panose="020B0503050203000203" pitchFamily="34" charset="0"/>
+              </a:rPr>
+              <a:t>A Mobile </a:t>
+            </a:r>
+            <a:r>
+              <a:rPr lang="pt-BR" dirty="0" err="1">
+                <a:latin typeface="IBM Plex Sans" panose="020B0503050203000203" pitchFamily="34" charset="0"/>
+              </a:rPr>
+              <a:t>Traffic</a:t>
+            </a:r>
+            <a:r>
+              <a:rPr lang="pt-BR" dirty="0">
+                <a:latin typeface="IBM Plex Sans" panose="020B0503050203000203" pitchFamily="34" charset="0"/>
+              </a:rPr>
+              <a:t> </a:t>
+            </a:r>
+            <a:r>
+              <a:rPr lang="pt-BR" dirty="0" err="1">
+                <a:latin typeface="IBM Plex Sans" panose="020B0503050203000203" pitchFamily="34" charset="0"/>
+              </a:rPr>
+              <a:t>Predictor</a:t>
+            </a:r>
+            <a:r>
+              <a:rPr lang="pt-BR" dirty="0">
+                <a:latin typeface="IBM Plex Sans" panose="020B0503050203000203" pitchFamily="34" charset="0"/>
+              </a:rPr>
+              <a:t> </a:t>
+            </a:r>
+            <a:r>
+              <a:rPr lang="pt-BR" dirty="0" err="1">
+                <a:latin typeface="IBM Plex Sans" panose="020B0503050203000203" pitchFamily="34" charset="0"/>
+              </a:rPr>
+              <a:t>Enhanced</a:t>
+            </a:r>
+            <a:r>
+              <a:rPr lang="pt-BR" dirty="0">
+                <a:latin typeface="IBM Plex Sans" panose="020B0503050203000203" pitchFamily="34" charset="0"/>
+              </a:rPr>
+              <a:t> </a:t>
+            </a:r>
+            <a:r>
+              <a:rPr lang="pt-BR" dirty="0" err="1">
+                <a:latin typeface="IBM Plex Sans" panose="020B0503050203000203" pitchFamily="34" charset="0"/>
+              </a:rPr>
+              <a:t>by</a:t>
+            </a:r>
+            <a:r>
+              <a:rPr lang="pt-BR" dirty="0">
+                <a:latin typeface="IBM Plex Sans" panose="020B0503050203000203" pitchFamily="34" charset="0"/>
+              </a:rPr>
+              <a:t> </a:t>
+            </a:r>
+            <a:r>
+              <a:rPr lang="pt-BR" dirty="0" err="1">
+                <a:latin typeface="IBM Plex Sans" panose="020B0503050203000203" pitchFamily="34" charset="0"/>
+              </a:rPr>
+              <a:t>Neighboring</a:t>
+            </a:r>
+            <a:r>
+              <a:rPr lang="pt-BR" dirty="0">
+                <a:latin typeface="IBM Plex Sans" panose="020B0503050203000203" pitchFamily="34" charset="0"/>
+              </a:rPr>
+              <a:t> </a:t>
+            </a:r>
+            <a:r>
+              <a:rPr lang="pt-BR" dirty="0" err="1">
+                <a:latin typeface="IBM Plex Sans" panose="020B0503050203000203" pitchFamily="34" charset="0"/>
+              </a:rPr>
+              <a:t>Transportation</a:t>
+            </a:r>
+            <a:r>
+              <a:rPr lang="pt-BR" dirty="0">
+                <a:latin typeface="IBM Plex Sans" panose="020B0503050203000203" pitchFamily="34" charset="0"/>
+              </a:rPr>
+              <a:t> Data (MTP-NT)</a:t>
+            </a:r>
+          </a:p>
+        </p:txBody>
+      </p:sp>
+      <p:sp>
+        <p:nvSpPr>
+          <p:cNvPr id="5" name="Slide Number Placeholder 4">
+            <a:extLst>
+              <a:ext uri="{FF2B5EF4-FFF2-40B4-BE49-F238E27FC236}">
+                <a16:creationId xmlns:a16="http://schemas.microsoft.com/office/drawing/2014/main" id="{DE4D7978-95DF-1BFB-E341-3759F4762F0C}"/>
+              </a:ext>
+            </a:extLst>
+          </p:cNvPr>
+          <p:cNvSpPr>
+            <a:spLocks noGrp="1"/>
+          </p:cNvSpPr>
+          <p:nvPr>
+            <p:ph type="sldNum" sz="quarter" idx="12"/>
+          </p:nvPr>
+        </p:nvSpPr>
+        <p:spPr/>
+        <p:txBody>
+          <a:bodyPr/>
+          <a:lstStyle/>
+          <a:p>
+            <a:fld id="{C16D1434-241F-3E4A-8778-0F70095E40C3}" type="slidenum">
+              <a:rPr lang="pt-BR" smtClean="0">
+                <a:latin typeface="IBM Plex Sans" panose="020B0503050203000203" pitchFamily="34" charset="0"/>
+              </a:rPr>
+              <a:t>24</a:t>
+            </a:fld>
+            <a:endParaRPr lang="pt-BR">
+              <a:latin typeface="IBM Plex Sans" panose="020B0503050203000203" pitchFamily="34" charset="0"/>
+            </a:endParaRPr>
+          </a:p>
+        </p:txBody>
+      </p:sp>
+      <p:sp>
+        <p:nvSpPr>
+          <p:cNvPr id="8" name="Text Placeholder">
+            <a:extLst>
+              <a:ext uri="{FF2B5EF4-FFF2-40B4-BE49-F238E27FC236}">
+                <a16:creationId xmlns:a16="http://schemas.microsoft.com/office/drawing/2014/main" id="{5EA019E9-4BFE-FD86-7DD4-328DEB414A44}"/>
+              </a:ext>
+            </a:extLst>
+          </p:cNvPr>
+          <p:cNvSpPr txBox="1">
+            <a:spLocks/>
+          </p:cNvSpPr>
+          <p:nvPr/>
+        </p:nvSpPr>
+        <p:spPr>
+          <a:xfrm>
+            <a:off x="-1" y="104751"/>
+            <a:ext cx="12056165" cy="1296666"/>
+          </a:xfrm>
+          <a:prstGeom prst="rect">
+            <a:avLst/>
+          </a:prstGeom>
+        </p:spPr>
+        <p:txBody>
+          <a:bodyPr vert="horz" lIns="91440" tIns="45720" rIns="91440" bIns="45720" rtlCol="0" anchor="ctr"/>
+          <a:lstStyle>
+            <a:defPPr>
+              <a:defRPr lang="en-BR"/>
+            </a:defPPr>
+            <a:lvl1pPr marL="0" algn="r" defTabSz="914400" rtl="0" eaLnBrk="1" latinLnBrk="0" hangingPunct="1">
+              <a:defRPr sz="1200" kern="1200">
+                <a:solidFill>
+                  <a:schemeClr val="tx1">
+                    <a:tint val="75000"/>
+                  </a:schemeClr>
+                </a:solidFill>
+                <a:latin typeface="+mn-lt"/>
+                <a:ea typeface="+mn-ea"/>
+                <a:cs typeface="+mn-cs"/>
+              </a:defRPr>
+            </a:lvl1pPr>
+            <a:lvl2pPr marL="457200" algn="l" defTabSz="914400" rtl="0" eaLnBrk="1" latinLnBrk="0" hangingPunct="1">
+              <a:defRPr sz="1800" kern="1200">
+                <a:solidFill>
+                  <a:schemeClr val="tx1"/>
+                </a:solidFill>
+                <a:latin typeface="+mn-lt"/>
+                <a:ea typeface="+mn-ea"/>
+                <a:cs typeface="+mn-cs"/>
+              </a:defRPr>
+            </a:lvl2pPr>
+            <a:lvl3pPr marL="914400" algn="l" defTabSz="914400" rtl="0" eaLnBrk="1" latinLnBrk="0" hangingPunct="1">
+              <a:defRPr sz="1800" kern="1200">
+                <a:solidFill>
+                  <a:schemeClr val="tx1"/>
+                </a:solidFill>
+                <a:latin typeface="+mn-lt"/>
+                <a:ea typeface="+mn-ea"/>
+                <a:cs typeface="+mn-cs"/>
+              </a:defRPr>
+            </a:lvl3pPr>
+            <a:lvl4pPr marL="1371600" algn="l" defTabSz="914400" rtl="0" eaLnBrk="1" latinLnBrk="0" hangingPunct="1">
+              <a:defRPr sz="1800" kern="1200">
+                <a:solidFill>
+                  <a:schemeClr val="tx1"/>
+                </a:solidFill>
+                <a:latin typeface="+mn-lt"/>
+                <a:ea typeface="+mn-ea"/>
+                <a:cs typeface="+mn-cs"/>
+              </a:defRPr>
+            </a:lvl4pPr>
+            <a:lvl5pPr marL="1828800" algn="l" defTabSz="914400" rtl="0" eaLnBrk="1" latinLnBrk="0" hangingPunct="1">
+              <a:defRPr sz="1800" kern="1200">
+                <a:solidFill>
+                  <a:schemeClr val="tx1"/>
+                </a:solidFill>
+                <a:latin typeface="+mn-lt"/>
+                <a:ea typeface="+mn-ea"/>
+                <a:cs typeface="+mn-cs"/>
+              </a:defRPr>
+            </a:lvl5pPr>
+            <a:lvl6pPr marL="2286000" algn="l" defTabSz="914400" rtl="0" eaLnBrk="1" latinLnBrk="0" hangingPunct="1">
+              <a:defRPr sz="1800" kern="1200">
+                <a:solidFill>
+                  <a:schemeClr val="tx1"/>
+                </a:solidFill>
+                <a:latin typeface="+mn-lt"/>
+                <a:ea typeface="+mn-ea"/>
+                <a:cs typeface="+mn-cs"/>
+              </a:defRPr>
+            </a:lvl6pPr>
+            <a:lvl7pPr marL="2743200" algn="l" defTabSz="914400" rtl="0" eaLnBrk="1" latinLnBrk="0" hangingPunct="1">
+              <a:defRPr sz="1800" kern="1200">
+                <a:solidFill>
+                  <a:schemeClr val="tx1"/>
+                </a:solidFill>
+                <a:latin typeface="+mn-lt"/>
+                <a:ea typeface="+mn-ea"/>
+                <a:cs typeface="+mn-cs"/>
+              </a:defRPr>
+            </a:lvl7pPr>
+            <a:lvl8pPr marL="3200400" algn="l" defTabSz="914400" rtl="0" eaLnBrk="1" latinLnBrk="0" hangingPunct="1">
+              <a:defRPr sz="1800" kern="1200">
+                <a:solidFill>
+                  <a:schemeClr val="tx1"/>
+                </a:solidFill>
+                <a:latin typeface="+mn-lt"/>
+                <a:ea typeface="+mn-ea"/>
+                <a:cs typeface="+mn-cs"/>
+              </a:defRPr>
+            </a:lvl8pPr>
+            <a:lvl9pPr marL="3657600" algn="l" defTabSz="914400" rtl="0" eaLnBrk="1" latinLnBrk="0" hangingPunct="1">
+              <a:defRPr sz="1800" kern="1200">
+                <a:solidFill>
+                  <a:schemeClr val="tx1"/>
+                </a:solidFill>
+                <a:latin typeface="+mn-lt"/>
+                <a:ea typeface="+mn-ea"/>
+                <a:cs typeface="+mn-cs"/>
+              </a:defRPr>
+            </a:lvl9pPr>
+          </a:lstStyle>
+          <a:p>
+            <a:pPr algn="l"/>
+            <a:r>
+              <a:rPr lang="en-US" sz="4000" b="1" dirty="0">
+                <a:solidFill>
+                  <a:schemeClr val="tx1"/>
+                </a:solidFill>
+                <a:latin typeface="IBM Plex Sans" panose="020B0503050203000203" pitchFamily="34" charset="0"/>
+              </a:rPr>
+              <a:t>Preliminaries on data Collection for MTP-NT – The predictive model in the 5G Infrastructure</a:t>
+            </a:r>
+          </a:p>
+        </p:txBody>
+      </p:sp>
+      <p:sp>
+        <p:nvSpPr>
+          <p:cNvPr id="10" name="Rounded Rectangle 9">
+            <a:extLst>
+              <a:ext uri="{FF2B5EF4-FFF2-40B4-BE49-F238E27FC236}">
+                <a16:creationId xmlns:a16="http://schemas.microsoft.com/office/drawing/2014/main" id="{EC5CB9B9-6D52-4359-7655-C0B16422E482}"/>
+              </a:ext>
+            </a:extLst>
+          </p:cNvPr>
+          <p:cNvSpPr/>
+          <p:nvPr/>
+        </p:nvSpPr>
+        <p:spPr>
+          <a:xfrm>
+            <a:off x="9322904" y="1848678"/>
+            <a:ext cx="2173356" cy="983974"/>
+          </a:xfrm>
+          <a:prstGeom prst="roundRect">
+            <a:avLst/>
+          </a:prstGeom>
+          <a:solidFill>
+            <a:srgbClr val="0F62FF"/>
+          </a:solidFill>
+          <a:ln w="28575"/>
+        </p:spPr>
+        <p:style>
+          <a:lnRef idx="2">
+            <a:schemeClr val="accent1">
+              <a:shade val="15000"/>
+            </a:schemeClr>
+          </a:lnRef>
+          <a:fillRef idx="1">
+            <a:schemeClr val="accent1"/>
+          </a:fillRef>
+          <a:effectRef idx="0">
+            <a:schemeClr val="accent1"/>
+          </a:effectRef>
+          <a:fontRef idx="minor">
+            <a:schemeClr val="lt1"/>
+          </a:fontRef>
+        </p:style>
+        <p:txBody>
+          <a:bodyPr rtlCol="0" anchor="ctr"/>
+          <a:lstStyle/>
+          <a:p>
+            <a:pPr algn="ctr"/>
+            <a:r>
+              <a:rPr lang="pt-BR" b="1" dirty="0" err="1">
+                <a:latin typeface="IBM Plex Sans" panose="020B0503050203000203" pitchFamily="34" charset="0"/>
+              </a:rPr>
+              <a:t>Orchestrator</a:t>
+            </a:r>
+            <a:endParaRPr lang="pt-BR" b="1" dirty="0">
+              <a:latin typeface="IBM Plex Sans" panose="020B0503050203000203" pitchFamily="34" charset="0"/>
+            </a:endParaRPr>
+          </a:p>
+        </p:txBody>
+      </p:sp>
+      <p:sp>
+        <p:nvSpPr>
+          <p:cNvPr id="12" name="Rounded Rectangle 11">
+            <a:extLst>
+              <a:ext uri="{FF2B5EF4-FFF2-40B4-BE49-F238E27FC236}">
+                <a16:creationId xmlns:a16="http://schemas.microsoft.com/office/drawing/2014/main" id="{0E310695-AA31-615A-8570-8DD8A6B5A6A4}"/>
+              </a:ext>
+            </a:extLst>
+          </p:cNvPr>
+          <p:cNvSpPr/>
+          <p:nvPr/>
+        </p:nvSpPr>
+        <p:spPr>
+          <a:xfrm>
+            <a:off x="5128594" y="2201518"/>
+            <a:ext cx="2173356" cy="631134"/>
+          </a:xfrm>
+          <a:prstGeom prst="roundRect">
+            <a:avLst/>
+          </a:prstGeom>
+          <a:solidFill>
+            <a:srgbClr val="0F62FF"/>
+          </a:solidFill>
+          <a:ln w="28575"/>
+        </p:spPr>
+        <p:style>
+          <a:lnRef idx="2">
+            <a:schemeClr val="accent1">
+              <a:shade val="15000"/>
+            </a:schemeClr>
+          </a:lnRef>
+          <a:fillRef idx="1">
+            <a:schemeClr val="accent1"/>
+          </a:fillRef>
+          <a:effectRef idx="0">
+            <a:schemeClr val="accent1"/>
+          </a:effectRef>
+          <a:fontRef idx="minor">
+            <a:schemeClr val="lt1"/>
+          </a:fontRef>
+        </p:style>
+        <p:txBody>
+          <a:bodyPr rtlCol="0" anchor="ctr"/>
+          <a:lstStyle/>
+          <a:p>
+            <a:pPr algn="ctr"/>
+            <a:r>
+              <a:rPr lang="pt-BR" b="1" dirty="0">
+                <a:latin typeface="IBM Plex Sans" panose="020B0503050203000203" pitchFamily="34" charset="0"/>
+              </a:rPr>
+              <a:t>NTMA</a:t>
+            </a:r>
+          </a:p>
+        </p:txBody>
+      </p:sp>
+      <p:sp>
+        <p:nvSpPr>
+          <p:cNvPr id="13" name="Title">
+            <a:extLst>
+              <a:ext uri="{FF2B5EF4-FFF2-40B4-BE49-F238E27FC236}">
+                <a16:creationId xmlns:a16="http://schemas.microsoft.com/office/drawing/2014/main" id="{31114510-B7BB-EC89-95A7-C3BE0833F23A}"/>
+              </a:ext>
+            </a:extLst>
+          </p:cNvPr>
+          <p:cNvSpPr>
+            <a:spLocks noGrp="1"/>
+          </p:cNvSpPr>
+          <p:nvPr>
+            <p:ph type="title"/>
+          </p:nvPr>
+        </p:nvSpPr>
+        <p:spPr>
+          <a:xfrm>
+            <a:off x="5128594" y="3168099"/>
+            <a:ext cx="3985590" cy="1453598"/>
+          </a:xfrm>
+        </p:spPr>
+        <p:txBody>
+          <a:bodyPr anchor="t">
+            <a:normAutofit/>
+          </a:bodyPr>
+          <a:lstStyle/>
+          <a:p>
+            <a:r>
+              <a:rPr lang="en-US" sz="1600" b="1" dirty="0">
+                <a:latin typeface="IBM Plex Sans" panose="020B0503050203000203" pitchFamily="34" charset="0"/>
+              </a:rPr>
+              <a:t>Network Traffic Monitoring and Analysis</a:t>
+            </a:r>
+            <a:br>
+              <a:rPr lang="en-US" sz="1600" b="1" dirty="0">
+                <a:latin typeface="IBM Plex Sans" panose="020B0503050203000203" pitchFamily="34" charset="0"/>
+              </a:rPr>
+            </a:br>
+            <a:br>
+              <a:rPr lang="en-US" sz="1600" b="1" dirty="0">
+                <a:latin typeface="IBM Plex Sans" panose="020B0503050203000203" pitchFamily="34" charset="0"/>
+              </a:rPr>
+            </a:br>
+            <a:r>
+              <a:rPr lang="en-US" sz="1600" b="1" dirty="0">
+                <a:latin typeface="IBM Plex Sans" panose="020B0503050203000203" pitchFamily="34" charset="0"/>
+              </a:rPr>
+              <a:t>Also a NFV</a:t>
+            </a:r>
+            <a:br>
+              <a:rPr lang="en-US" sz="1600" b="1" dirty="0">
+                <a:latin typeface="IBM Plex Sans" panose="020B0503050203000203" pitchFamily="34" charset="0"/>
+              </a:rPr>
+            </a:br>
+            <a:br>
+              <a:rPr lang="en-US" sz="1600" b="1" dirty="0">
+                <a:latin typeface="IBM Plex Sans" panose="020B0503050203000203" pitchFamily="34" charset="0"/>
+              </a:rPr>
+            </a:br>
+            <a:r>
+              <a:rPr lang="en-US" sz="1600" b="1" dirty="0">
+                <a:latin typeface="IBM Plex Sans" panose="020B0503050203000203" pitchFamily="34" charset="0"/>
+              </a:rPr>
+              <a:t>Problems</a:t>
+            </a:r>
+          </a:p>
+        </p:txBody>
+      </p:sp>
+      <p:sp>
+        <p:nvSpPr>
+          <p:cNvPr id="14" name="Title">
+            <a:extLst>
+              <a:ext uri="{FF2B5EF4-FFF2-40B4-BE49-F238E27FC236}">
+                <a16:creationId xmlns:a16="http://schemas.microsoft.com/office/drawing/2014/main" id="{3D51ED54-4F4D-7428-A93E-8242B49296BB}"/>
+              </a:ext>
+            </a:extLst>
+          </p:cNvPr>
+          <p:cNvSpPr txBox="1">
+            <a:spLocks/>
+          </p:cNvSpPr>
+          <p:nvPr/>
+        </p:nvSpPr>
+        <p:spPr>
+          <a:xfrm>
+            <a:off x="5400264" y="4642405"/>
+            <a:ext cx="3985590" cy="1453598"/>
+          </a:xfrm>
+          <a:prstGeom prst="rect">
+            <a:avLst/>
+          </a:prstGeom>
+        </p:spPr>
+        <p:txBody>
+          <a:bodyPr vert="horz" lIns="91440" tIns="45720" rIns="91440" bIns="45720" rtlCol="0" anchor="t">
+            <a:normAutofit/>
+          </a:bodyPr>
+          <a:lstStyle>
+            <a:lvl1pPr algn="l" defTabSz="914400" rtl="0" eaLnBrk="1" latinLnBrk="0" hangingPunct="1">
+              <a:lnSpc>
+                <a:spcPct val="90000"/>
+              </a:lnSpc>
+              <a:spcBef>
+                <a:spcPct val="0"/>
+              </a:spcBef>
+              <a:buNone/>
+              <a:defRPr sz="4400" kern="1200">
+                <a:solidFill>
+                  <a:schemeClr val="tx1"/>
+                </a:solidFill>
+                <a:latin typeface="+mj-lt"/>
+                <a:ea typeface="+mj-ea"/>
+                <a:cs typeface="+mj-cs"/>
+              </a:defRPr>
+            </a:lvl1pPr>
+          </a:lstStyle>
+          <a:p>
+            <a:r>
+              <a:rPr lang="en-US" sz="1200" dirty="0">
+                <a:latin typeface="IBM Plex Sans" panose="020B0503050203000203" pitchFamily="34" charset="0"/>
+              </a:rPr>
+              <a:t>Volume</a:t>
+            </a:r>
+          </a:p>
+          <a:p>
+            <a:endParaRPr lang="en-US" sz="1200" dirty="0">
+              <a:latin typeface="IBM Plex Sans" panose="020B0503050203000203" pitchFamily="34" charset="0"/>
+            </a:endParaRPr>
+          </a:p>
+          <a:p>
+            <a:r>
+              <a:rPr lang="en-US" sz="1200" dirty="0">
+                <a:latin typeface="IBM Plex Sans" panose="020B0503050203000203" pitchFamily="34" charset="0"/>
+              </a:rPr>
+              <a:t>Velocity</a:t>
+            </a:r>
+          </a:p>
+        </p:txBody>
+      </p:sp>
+      <p:cxnSp>
+        <p:nvCxnSpPr>
+          <p:cNvPr id="15" name="Straight Arrow Connector 14">
+            <a:extLst>
+              <a:ext uri="{FF2B5EF4-FFF2-40B4-BE49-F238E27FC236}">
+                <a16:creationId xmlns:a16="http://schemas.microsoft.com/office/drawing/2014/main" id="{A8EAE0E1-65D8-9AF3-DB02-8A6DE848A463}"/>
+              </a:ext>
+            </a:extLst>
+          </p:cNvPr>
+          <p:cNvCxnSpPr>
+            <a:cxnSpLocks/>
+            <a:stCxn id="12" idx="3"/>
+          </p:cNvCxnSpPr>
+          <p:nvPr/>
+        </p:nvCxnSpPr>
+        <p:spPr>
+          <a:xfrm flipV="1">
+            <a:off x="7301950" y="2517084"/>
+            <a:ext cx="2020954" cy="1"/>
+          </a:xfrm>
+          <a:prstGeom prst="straightConnector1">
+            <a:avLst/>
+          </a:prstGeom>
+          <a:ln w="38100">
+            <a:solidFill>
+              <a:schemeClr val="tx1"/>
+            </a:solidFill>
+            <a:tailEnd type="triangle"/>
+          </a:ln>
+        </p:spPr>
+        <p:style>
+          <a:lnRef idx="1">
+            <a:schemeClr val="accent1"/>
+          </a:lnRef>
+          <a:fillRef idx="0">
+            <a:schemeClr val="accent1"/>
+          </a:fillRef>
+          <a:effectRef idx="0">
+            <a:schemeClr val="accent1"/>
+          </a:effectRef>
+          <a:fontRef idx="minor">
+            <a:schemeClr val="tx1"/>
+          </a:fontRef>
+        </p:style>
+      </p:cxnSp>
+      <p:sp>
+        <p:nvSpPr>
+          <p:cNvPr id="18" name="Rounded Rectangle 17">
+            <a:extLst>
+              <a:ext uri="{FF2B5EF4-FFF2-40B4-BE49-F238E27FC236}">
+                <a16:creationId xmlns:a16="http://schemas.microsoft.com/office/drawing/2014/main" id="{D88D28F5-1E32-0826-E5D2-EAECC722A87E}"/>
+              </a:ext>
+            </a:extLst>
+          </p:cNvPr>
+          <p:cNvSpPr/>
+          <p:nvPr/>
+        </p:nvSpPr>
+        <p:spPr>
+          <a:xfrm>
+            <a:off x="410821" y="1848678"/>
+            <a:ext cx="2173356" cy="983974"/>
+          </a:xfrm>
+          <a:prstGeom prst="roundRect">
+            <a:avLst/>
+          </a:prstGeom>
+          <a:solidFill>
+            <a:srgbClr val="0F62FF"/>
+          </a:solidFill>
+          <a:ln w="28575"/>
+        </p:spPr>
+        <p:style>
+          <a:lnRef idx="2">
+            <a:schemeClr val="accent1">
+              <a:shade val="15000"/>
+            </a:schemeClr>
+          </a:lnRef>
+          <a:fillRef idx="1">
+            <a:schemeClr val="accent1"/>
+          </a:fillRef>
+          <a:effectRef idx="0">
+            <a:schemeClr val="accent1"/>
+          </a:effectRef>
+          <a:fontRef idx="minor">
+            <a:schemeClr val="lt1"/>
+          </a:fontRef>
+        </p:style>
+        <p:txBody>
+          <a:bodyPr rtlCol="0" anchor="ctr"/>
+          <a:lstStyle/>
+          <a:p>
+            <a:pPr algn="ctr"/>
+            <a:r>
+              <a:rPr lang="pt-BR" b="1" dirty="0">
+                <a:latin typeface="IBM Plex Sans" panose="020B0503050203000203" pitchFamily="34" charset="0"/>
+              </a:rPr>
+              <a:t>Network </a:t>
+            </a:r>
+            <a:r>
+              <a:rPr lang="pt-BR" b="1" dirty="0" err="1">
+                <a:latin typeface="IBM Plex Sans" panose="020B0503050203000203" pitchFamily="34" charset="0"/>
+              </a:rPr>
+              <a:t>usage</a:t>
+            </a:r>
+            <a:endParaRPr lang="pt-BR" b="1" dirty="0">
+              <a:latin typeface="IBM Plex Sans" panose="020B0503050203000203" pitchFamily="34" charset="0"/>
+            </a:endParaRPr>
+          </a:p>
+        </p:txBody>
+      </p:sp>
+      <p:cxnSp>
+        <p:nvCxnSpPr>
+          <p:cNvPr id="19" name="Straight Connector 18">
+            <a:extLst>
+              <a:ext uri="{FF2B5EF4-FFF2-40B4-BE49-F238E27FC236}">
+                <a16:creationId xmlns:a16="http://schemas.microsoft.com/office/drawing/2014/main" id="{9AB26A38-13EB-7349-6D62-EFB70EDBE683}"/>
+              </a:ext>
+            </a:extLst>
+          </p:cNvPr>
+          <p:cNvCxnSpPr>
+            <a:cxnSpLocks/>
+            <a:endCxn id="12" idx="1"/>
+          </p:cNvCxnSpPr>
+          <p:nvPr/>
+        </p:nvCxnSpPr>
+        <p:spPr>
+          <a:xfrm>
+            <a:off x="2584177" y="2517085"/>
+            <a:ext cx="2544417" cy="0"/>
+          </a:xfrm>
+          <a:prstGeom prst="line">
+            <a:avLst/>
+          </a:prstGeom>
+          <a:ln w="38100" cap="flat" cmpd="sng" algn="ctr">
+            <a:solidFill>
+              <a:schemeClr val="dk1"/>
+            </a:solidFill>
+            <a:prstDash val="dash"/>
+            <a:round/>
+            <a:headEnd type="none" w="med" len="med"/>
+            <a:tailEnd type="none" w="med" len="med"/>
+          </a:ln>
+        </p:spPr>
+        <p:style>
+          <a:lnRef idx="0">
+            <a:scrgbClr r="0" g="0" b="0"/>
+          </a:lnRef>
+          <a:fillRef idx="0">
+            <a:scrgbClr r="0" g="0" b="0"/>
+          </a:fillRef>
+          <a:effectRef idx="0">
+            <a:scrgbClr r="0" g="0" b="0"/>
+          </a:effectRef>
+          <a:fontRef idx="minor">
+            <a:schemeClr val="tx1"/>
+          </a:fontRef>
+        </p:style>
+      </p:cxnSp>
+      <p:cxnSp>
+        <p:nvCxnSpPr>
+          <p:cNvPr id="22" name="Straight Arrow Connector 21">
+            <a:extLst>
+              <a:ext uri="{FF2B5EF4-FFF2-40B4-BE49-F238E27FC236}">
+                <a16:creationId xmlns:a16="http://schemas.microsoft.com/office/drawing/2014/main" id="{39262278-1A5B-5D34-7E9C-D8FB18020CAA}"/>
+              </a:ext>
+            </a:extLst>
+          </p:cNvPr>
+          <p:cNvCxnSpPr>
+            <a:cxnSpLocks/>
+          </p:cNvCxnSpPr>
+          <p:nvPr/>
+        </p:nvCxnSpPr>
+        <p:spPr>
+          <a:xfrm>
+            <a:off x="4442791" y="2517085"/>
+            <a:ext cx="685803" cy="0"/>
+          </a:xfrm>
+          <a:prstGeom prst="straightConnector1">
+            <a:avLst/>
+          </a:prstGeom>
+          <a:ln w="38100">
+            <a:solidFill>
+              <a:schemeClr val="tx1"/>
+            </a:solidFill>
+            <a:tailEnd type="triangle"/>
+          </a:ln>
+        </p:spPr>
+        <p:style>
+          <a:lnRef idx="1">
+            <a:schemeClr val="accent1"/>
+          </a:lnRef>
+          <a:fillRef idx="0">
+            <a:schemeClr val="accent1"/>
+          </a:fillRef>
+          <a:effectRef idx="0">
+            <a:schemeClr val="accent1"/>
+          </a:effectRef>
+          <a:fontRef idx="minor">
+            <a:schemeClr val="tx1"/>
+          </a:fontRef>
+        </p:style>
+      </p:cxnSp>
+      <p:cxnSp>
+        <p:nvCxnSpPr>
+          <p:cNvPr id="26" name="Straight Arrow Connector 25">
+            <a:extLst>
+              <a:ext uri="{FF2B5EF4-FFF2-40B4-BE49-F238E27FC236}">
+                <a16:creationId xmlns:a16="http://schemas.microsoft.com/office/drawing/2014/main" id="{115CF37F-8283-D660-92D5-F4F34C304803}"/>
+              </a:ext>
+            </a:extLst>
+          </p:cNvPr>
+          <p:cNvCxnSpPr>
+            <a:cxnSpLocks/>
+          </p:cNvCxnSpPr>
+          <p:nvPr/>
+        </p:nvCxnSpPr>
+        <p:spPr>
+          <a:xfrm>
+            <a:off x="5039139" y="2029651"/>
+            <a:ext cx="4283765" cy="0"/>
+          </a:xfrm>
+          <a:prstGeom prst="straightConnector1">
+            <a:avLst/>
+          </a:prstGeom>
+          <a:ln w="38100">
+            <a:solidFill>
+              <a:schemeClr val="tx1"/>
+            </a:solidFill>
+            <a:tailEnd type="triangle"/>
+          </a:ln>
+        </p:spPr>
+        <p:style>
+          <a:lnRef idx="1">
+            <a:schemeClr val="accent1"/>
+          </a:lnRef>
+          <a:fillRef idx="0">
+            <a:schemeClr val="accent1"/>
+          </a:fillRef>
+          <a:effectRef idx="0">
+            <a:schemeClr val="accent1"/>
+          </a:effectRef>
+          <a:fontRef idx="minor">
+            <a:schemeClr val="tx1"/>
+          </a:fontRef>
+        </p:style>
+      </p:cxnSp>
+      <p:sp>
+        <p:nvSpPr>
+          <p:cNvPr id="29" name="Title">
+            <a:extLst>
+              <a:ext uri="{FF2B5EF4-FFF2-40B4-BE49-F238E27FC236}">
+                <a16:creationId xmlns:a16="http://schemas.microsoft.com/office/drawing/2014/main" id="{A1D69956-4CCF-0B52-51FC-3EC300CD2C2F}"/>
+              </a:ext>
+            </a:extLst>
+          </p:cNvPr>
+          <p:cNvSpPr txBox="1">
+            <a:spLocks/>
+          </p:cNvSpPr>
+          <p:nvPr/>
+        </p:nvSpPr>
+        <p:spPr>
+          <a:xfrm>
+            <a:off x="9382537" y="2969592"/>
+            <a:ext cx="3985590" cy="1453598"/>
+          </a:xfrm>
+          <a:prstGeom prst="rect">
+            <a:avLst/>
+          </a:prstGeom>
+        </p:spPr>
+        <p:txBody>
+          <a:bodyPr vert="horz" lIns="91440" tIns="45720" rIns="91440" bIns="45720" rtlCol="0" anchor="t">
+            <a:normAutofit/>
+          </a:bodyPr>
+          <a:lstStyle>
+            <a:lvl1pPr algn="l" defTabSz="914400" rtl="0" eaLnBrk="1" latinLnBrk="0" hangingPunct="1">
+              <a:lnSpc>
+                <a:spcPct val="90000"/>
+              </a:lnSpc>
+              <a:spcBef>
+                <a:spcPct val="0"/>
+              </a:spcBef>
+              <a:buNone/>
+              <a:defRPr sz="4400" kern="1200">
+                <a:solidFill>
+                  <a:schemeClr val="tx1"/>
+                </a:solidFill>
+                <a:latin typeface="+mj-lt"/>
+                <a:ea typeface="+mj-ea"/>
+                <a:cs typeface="+mj-cs"/>
+              </a:defRPr>
+            </a:lvl1pPr>
+          </a:lstStyle>
+          <a:p>
+            <a:r>
+              <a:rPr lang="en-US" sz="1600" b="1" dirty="0">
+                <a:latin typeface="IBM Plex Sans" panose="020B0503050203000203" pitchFamily="34" charset="0"/>
+              </a:rPr>
+              <a:t>Problems</a:t>
+            </a:r>
+          </a:p>
+        </p:txBody>
+      </p:sp>
+      <p:sp>
+        <p:nvSpPr>
+          <p:cNvPr id="30" name="Title">
+            <a:extLst>
+              <a:ext uri="{FF2B5EF4-FFF2-40B4-BE49-F238E27FC236}">
+                <a16:creationId xmlns:a16="http://schemas.microsoft.com/office/drawing/2014/main" id="{E69F9CB8-CEF0-720F-54DC-6C12D9BC254D}"/>
+              </a:ext>
+            </a:extLst>
+          </p:cNvPr>
+          <p:cNvSpPr txBox="1">
+            <a:spLocks/>
+          </p:cNvSpPr>
+          <p:nvPr/>
+        </p:nvSpPr>
+        <p:spPr>
+          <a:xfrm>
+            <a:off x="10250553" y="3389247"/>
+            <a:ext cx="3985590" cy="1453598"/>
+          </a:xfrm>
+          <a:prstGeom prst="rect">
+            <a:avLst/>
+          </a:prstGeom>
+        </p:spPr>
+        <p:txBody>
+          <a:bodyPr vert="horz" lIns="91440" tIns="45720" rIns="91440" bIns="45720" rtlCol="0" anchor="t">
+            <a:normAutofit/>
+          </a:bodyPr>
+          <a:lstStyle>
+            <a:lvl1pPr algn="l" defTabSz="914400" rtl="0" eaLnBrk="1" latinLnBrk="0" hangingPunct="1">
+              <a:lnSpc>
+                <a:spcPct val="90000"/>
+              </a:lnSpc>
+              <a:spcBef>
+                <a:spcPct val="0"/>
+              </a:spcBef>
+              <a:buNone/>
+              <a:defRPr sz="4400" kern="1200">
+                <a:solidFill>
+                  <a:schemeClr val="tx1"/>
+                </a:solidFill>
+                <a:latin typeface="+mj-lt"/>
+                <a:ea typeface="+mj-ea"/>
+                <a:cs typeface="+mj-cs"/>
+              </a:defRPr>
+            </a:lvl1pPr>
+          </a:lstStyle>
+          <a:p>
+            <a:r>
+              <a:rPr lang="en-US" sz="1200" dirty="0">
+                <a:latin typeface="IBM Plex Sans" panose="020B0503050203000203" pitchFamily="34" charset="0"/>
+              </a:rPr>
+              <a:t>Volume</a:t>
+            </a:r>
+          </a:p>
+          <a:p>
+            <a:endParaRPr lang="en-US" sz="1200" dirty="0">
+              <a:latin typeface="IBM Plex Sans" panose="020B0503050203000203" pitchFamily="34" charset="0"/>
+            </a:endParaRPr>
+          </a:p>
+          <a:p>
+            <a:r>
+              <a:rPr lang="en-US" sz="1200" dirty="0">
+                <a:latin typeface="IBM Plex Sans" panose="020B0503050203000203" pitchFamily="34" charset="0"/>
+              </a:rPr>
+              <a:t>Velocity</a:t>
+            </a:r>
+          </a:p>
+        </p:txBody>
+      </p:sp>
+      <p:cxnSp>
+        <p:nvCxnSpPr>
+          <p:cNvPr id="31" name="Straight Connector 30">
+            <a:extLst>
+              <a:ext uri="{FF2B5EF4-FFF2-40B4-BE49-F238E27FC236}">
+                <a16:creationId xmlns:a16="http://schemas.microsoft.com/office/drawing/2014/main" id="{C90328DF-8101-D4D2-9791-B8459861AE93}"/>
+              </a:ext>
+            </a:extLst>
+          </p:cNvPr>
+          <p:cNvCxnSpPr>
+            <a:cxnSpLocks/>
+          </p:cNvCxnSpPr>
+          <p:nvPr/>
+        </p:nvCxnSpPr>
+        <p:spPr>
+          <a:xfrm>
+            <a:off x="2637187" y="2023443"/>
+            <a:ext cx="2544417" cy="0"/>
+          </a:xfrm>
+          <a:prstGeom prst="line">
+            <a:avLst/>
+          </a:prstGeom>
+          <a:ln w="38100" cap="flat" cmpd="sng" algn="ctr">
+            <a:solidFill>
+              <a:schemeClr val="dk1"/>
+            </a:solidFill>
+            <a:prstDash val="dash"/>
+            <a:round/>
+            <a:headEnd type="none" w="med" len="med"/>
+            <a:tailEnd type="none" w="med" len="med"/>
+          </a:ln>
+        </p:spPr>
+        <p:style>
+          <a:lnRef idx="0">
+            <a:scrgbClr r="0" g="0" b="0"/>
+          </a:lnRef>
+          <a:fillRef idx="0">
+            <a:scrgbClr r="0" g="0" b="0"/>
+          </a:fillRef>
+          <a:effectRef idx="0">
+            <a:scrgbClr r="0" g="0" b="0"/>
+          </a:effectRef>
+          <a:fontRef idx="minor">
+            <a:schemeClr val="tx1"/>
+          </a:fontRef>
+        </p:style>
+      </p:cxnSp>
+    </p:spTree>
+    <p:extLst>
+      <p:ext uri="{BB962C8B-B14F-4D97-AF65-F5344CB8AC3E}">
+        <p14:creationId xmlns:p14="http://schemas.microsoft.com/office/powerpoint/2010/main" val="847112616"/>
+      </p:ext>
+    </p:extLst>
+  </p:cSld>
+  <p:clrMapOvr>
+    <a:masterClrMapping/>
+  </p:clrMapOvr>
+</p:sld>
+</file>
+
+<file path=ppt/slides/slide25.xml><?xml version="1.0" encoding="utf-8"?>
+<p:sld xmlns:a="http://schemas.openxmlformats.org/drawingml/2006/main" xmlns:r="http://schemas.openxmlformats.org/officeDocument/2006/relationships" xmlns:p="http://schemas.openxmlformats.org/presentationml/2006/main">
+  <p:cSld>
+    <p:spTree>
+      <p:nvGrpSpPr>
+        <p:cNvPr id="1" name=""/>
+        <p:cNvGrpSpPr/>
+        <p:nvPr/>
+      </p:nvGrpSpPr>
+      <p:grpSpPr>
+        <a:xfrm>
+          <a:off x="0" y="0"/>
+          <a:ext cx="0" cy="0"/>
+          <a:chOff x="0" y="0"/>
+          <a:chExt cx="0" cy="0"/>
+        </a:xfrm>
+      </p:grpSpPr>
+      <p:sp>
+        <p:nvSpPr>
+          <p:cNvPr id="4" name="Footer Placeholder 3">
+            <a:extLst>
+              <a:ext uri="{FF2B5EF4-FFF2-40B4-BE49-F238E27FC236}">
+                <a16:creationId xmlns:a16="http://schemas.microsoft.com/office/drawing/2014/main" id="{ABC5BB99-6713-EE89-3895-F3148FABAE18}"/>
+              </a:ext>
+            </a:extLst>
+          </p:cNvPr>
+          <p:cNvSpPr>
+            <a:spLocks noGrp="1"/>
+          </p:cNvSpPr>
+          <p:nvPr>
+            <p:ph type="ftr" sz="quarter" idx="11"/>
+          </p:nvPr>
+        </p:nvSpPr>
+        <p:spPr/>
+        <p:txBody>
+          <a:bodyPr/>
+          <a:lstStyle/>
+          <a:p>
+            <a:r>
+              <a:rPr lang="pt-BR" dirty="0">
+                <a:latin typeface="IBM Plex Sans" panose="020B0503050203000203" pitchFamily="34" charset="0"/>
+              </a:rPr>
+              <a:t>A Mobile </a:t>
+            </a:r>
+            <a:r>
+              <a:rPr lang="pt-BR" dirty="0" err="1">
+                <a:latin typeface="IBM Plex Sans" panose="020B0503050203000203" pitchFamily="34" charset="0"/>
+              </a:rPr>
+              <a:t>Traffic</a:t>
+            </a:r>
+            <a:r>
+              <a:rPr lang="pt-BR" dirty="0">
+                <a:latin typeface="IBM Plex Sans" panose="020B0503050203000203" pitchFamily="34" charset="0"/>
+              </a:rPr>
+              <a:t> </a:t>
+            </a:r>
+            <a:r>
+              <a:rPr lang="pt-BR" dirty="0" err="1">
+                <a:latin typeface="IBM Plex Sans" panose="020B0503050203000203" pitchFamily="34" charset="0"/>
+              </a:rPr>
+              <a:t>Predictor</a:t>
+            </a:r>
+            <a:r>
+              <a:rPr lang="pt-BR" dirty="0">
+                <a:latin typeface="IBM Plex Sans" panose="020B0503050203000203" pitchFamily="34" charset="0"/>
+              </a:rPr>
+              <a:t> </a:t>
+            </a:r>
+            <a:r>
+              <a:rPr lang="pt-BR" dirty="0" err="1">
+                <a:latin typeface="IBM Plex Sans" panose="020B0503050203000203" pitchFamily="34" charset="0"/>
+              </a:rPr>
+              <a:t>Enhanced</a:t>
+            </a:r>
+            <a:r>
+              <a:rPr lang="pt-BR" dirty="0">
+                <a:latin typeface="IBM Plex Sans" panose="020B0503050203000203" pitchFamily="34" charset="0"/>
+              </a:rPr>
+              <a:t> </a:t>
+            </a:r>
+            <a:r>
+              <a:rPr lang="pt-BR" dirty="0" err="1">
+                <a:latin typeface="IBM Plex Sans" panose="020B0503050203000203" pitchFamily="34" charset="0"/>
+              </a:rPr>
+              <a:t>by</a:t>
+            </a:r>
+            <a:r>
+              <a:rPr lang="pt-BR" dirty="0">
+                <a:latin typeface="IBM Plex Sans" panose="020B0503050203000203" pitchFamily="34" charset="0"/>
+              </a:rPr>
+              <a:t> </a:t>
+            </a:r>
+            <a:r>
+              <a:rPr lang="pt-BR" dirty="0" err="1">
+                <a:latin typeface="IBM Plex Sans" panose="020B0503050203000203" pitchFamily="34" charset="0"/>
+              </a:rPr>
+              <a:t>Neighboring</a:t>
+            </a:r>
+            <a:r>
+              <a:rPr lang="pt-BR" dirty="0">
+                <a:latin typeface="IBM Plex Sans" panose="020B0503050203000203" pitchFamily="34" charset="0"/>
+              </a:rPr>
+              <a:t> </a:t>
+            </a:r>
+            <a:r>
+              <a:rPr lang="pt-BR" dirty="0" err="1">
+                <a:latin typeface="IBM Plex Sans" panose="020B0503050203000203" pitchFamily="34" charset="0"/>
+              </a:rPr>
+              <a:t>Transportation</a:t>
+            </a:r>
+            <a:r>
+              <a:rPr lang="pt-BR" dirty="0">
+                <a:latin typeface="IBM Plex Sans" panose="020B0503050203000203" pitchFamily="34" charset="0"/>
+              </a:rPr>
+              <a:t> Data (MTP-NT)</a:t>
+            </a:r>
+          </a:p>
+        </p:txBody>
+      </p:sp>
+      <p:sp>
+        <p:nvSpPr>
+          <p:cNvPr id="5" name="Slide Number Placeholder 4">
+            <a:extLst>
+              <a:ext uri="{FF2B5EF4-FFF2-40B4-BE49-F238E27FC236}">
+                <a16:creationId xmlns:a16="http://schemas.microsoft.com/office/drawing/2014/main" id="{DE4D7978-95DF-1BFB-E341-3759F4762F0C}"/>
+              </a:ext>
+            </a:extLst>
+          </p:cNvPr>
+          <p:cNvSpPr>
+            <a:spLocks noGrp="1"/>
+          </p:cNvSpPr>
+          <p:nvPr>
+            <p:ph type="sldNum" sz="quarter" idx="12"/>
+          </p:nvPr>
+        </p:nvSpPr>
+        <p:spPr/>
+        <p:txBody>
+          <a:bodyPr/>
+          <a:lstStyle/>
+          <a:p>
+            <a:fld id="{C16D1434-241F-3E4A-8778-0F70095E40C3}" type="slidenum">
+              <a:rPr lang="pt-BR" smtClean="0">
+                <a:latin typeface="IBM Plex Sans" panose="020B0503050203000203" pitchFamily="34" charset="0"/>
+              </a:rPr>
+              <a:t>25</a:t>
+            </a:fld>
+            <a:endParaRPr lang="pt-BR">
+              <a:latin typeface="IBM Plex Sans" panose="020B0503050203000203" pitchFamily="34" charset="0"/>
+            </a:endParaRPr>
+          </a:p>
+        </p:txBody>
+      </p:sp>
+      <p:sp>
+        <p:nvSpPr>
+          <p:cNvPr id="8" name="Text Placeholder">
+            <a:extLst>
+              <a:ext uri="{FF2B5EF4-FFF2-40B4-BE49-F238E27FC236}">
+                <a16:creationId xmlns:a16="http://schemas.microsoft.com/office/drawing/2014/main" id="{5EA019E9-4BFE-FD86-7DD4-328DEB414A44}"/>
+              </a:ext>
+            </a:extLst>
+          </p:cNvPr>
+          <p:cNvSpPr txBox="1">
+            <a:spLocks/>
+          </p:cNvSpPr>
+          <p:nvPr/>
+        </p:nvSpPr>
+        <p:spPr>
+          <a:xfrm>
+            <a:off x="-1" y="104751"/>
+            <a:ext cx="12056165" cy="1296666"/>
+          </a:xfrm>
+          <a:prstGeom prst="rect">
+            <a:avLst/>
+          </a:prstGeom>
+        </p:spPr>
+        <p:txBody>
+          <a:bodyPr vert="horz" lIns="91440" tIns="45720" rIns="91440" bIns="45720" rtlCol="0" anchor="ctr"/>
+          <a:lstStyle>
+            <a:defPPr>
+              <a:defRPr lang="en-BR"/>
+            </a:defPPr>
+            <a:lvl1pPr marL="0" algn="r" defTabSz="914400" rtl="0" eaLnBrk="1" latinLnBrk="0" hangingPunct="1">
+              <a:defRPr sz="1200" kern="1200">
+                <a:solidFill>
+                  <a:schemeClr val="tx1">
+                    <a:tint val="75000"/>
+                  </a:schemeClr>
+                </a:solidFill>
+                <a:latin typeface="+mn-lt"/>
+                <a:ea typeface="+mn-ea"/>
+                <a:cs typeface="+mn-cs"/>
+              </a:defRPr>
+            </a:lvl1pPr>
+            <a:lvl2pPr marL="457200" algn="l" defTabSz="914400" rtl="0" eaLnBrk="1" latinLnBrk="0" hangingPunct="1">
+              <a:defRPr sz="1800" kern="1200">
+                <a:solidFill>
+                  <a:schemeClr val="tx1"/>
+                </a:solidFill>
+                <a:latin typeface="+mn-lt"/>
+                <a:ea typeface="+mn-ea"/>
+                <a:cs typeface="+mn-cs"/>
+              </a:defRPr>
+            </a:lvl2pPr>
+            <a:lvl3pPr marL="914400" algn="l" defTabSz="914400" rtl="0" eaLnBrk="1" latinLnBrk="0" hangingPunct="1">
+              <a:defRPr sz="1800" kern="1200">
+                <a:solidFill>
+                  <a:schemeClr val="tx1"/>
+                </a:solidFill>
+                <a:latin typeface="+mn-lt"/>
+                <a:ea typeface="+mn-ea"/>
+                <a:cs typeface="+mn-cs"/>
+              </a:defRPr>
+            </a:lvl3pPr>
+            <a:lvl4pPr marL="1371600" algn="l" defTabSz="914400" rtl="0" eaLnBrk="1" latinLnBrk="0" hangingPunct="1">
+              <a:defRPr sz="1800" kern="1200">
+                <a:solidFill>
+                  <a:schemeClr val="tx1"/>
+                </a:solidFill>
+                <a:latin typeface="+mn-lt"/>
+                <a:ea typeface="+mn-ea"/>
+                <a:cs typeface="+mn-cs"/>
+              </a:defRPr>
+            </a:lvl4pPr>
+            <a:lvl5pPr marL="1828800" algn="l" defTabSz="914400" rtl="0" eaLnBrk="1" latinLnBrk="0" hangingPunct="1">
+              <a:defRPr sz="1800" kern="1200">
+                <a:solidFill>
+                  <a:schemeClr val="tx1"/>
+                </a:solidFill>
+                <a:latin typeface="+mn-lt"/>
+                <a:ea typeface="+mn-ea"/>
+                <a:cs typeface="+mn-cs"/>
+              </a:defRPr>
+            </a:lvl5pPr>
+            <a:lvl6pPr marL="2286000" algn="l" defTabSz="914400" rtl="0" eaLnBrk="1" latinLnBrk="0" hangingPunct="1">
+              <a:defRPr sz="1800" kern="1200">
+                <a:solidFill>
+                  <a:schemeClr val="tx1"/>
+                </a:solidFill>
+                <a:latin typeface="+mn-lt"/>
+                <a:ea typeface="+mn-ea"/>
+                <a:cs typeface="+mn-cs"/>
+              </a:defRPr>
+            </a:lvl6pPr>
+            <a:lvl7pPr marL="2743200" algn="l" defTabSz="914400" rtl="0" eaLnBrk="1" latinLnBrk="0" hangingPunct="1">
+              <a:defRPr sz="1800" kern="1200">
+                <a:solidFill>
+                  <a:schemeClr val="tx1"/>
+                </a:solidFill>
+                <a:latin typeface="+mn-lt"/>
+                <a:ea typeface="+mn-ea"/>
+                <a:cs typeface="+mn-cs"/>
+              </a:defRPr>
+            </a:lvl7pPr>
+            <a:lvl8pPr marL="3200400" algn="l" defTabSz="914400" rtl="0" eaLnBrk="1" latinLnBrk="0" hangingPunct="1">
+              <a:defRPr sz="1800" kern="1200">
+                <a:solidFill>
+                  <a:schemeClr val="tx1"/>
+                </a:solidFill>
+                <a:latin typeface="+mn-lt"/>
+                <a:ea typeface="+mn-ea"/>
+                <a:cs typeface="+mn-cs"/>
+              </a:defRPr>
+            </a:lvl8pPr>
+            <a:lvl9pPr marL="3657600" algn="l" defTabSz="914400" rtl="0" eaLnBrk="1" latinLnBrk="0" hangingPunct="1">
+              <a:defRPr sz="1800" kern="1200">
+                <a:solidFill>
+                  <a:schemeClr val="tx1"/>
+                </a:solidFill>
+                <a:latin typeface="+mn-lt"/>
+                <a:ea typeface="+mn-ea"/>
+                <a:cs typeface="+mn-cs"/>
+              </a:defRPr>
+            </a:lvl9pPr>
+          </a:lstStyle>
+          <a:p>
+            <a:pPr algn="l"/>
+            <a:r>
+              <a:rPr lang="en-US" sz="4000" b="1" dirty="0">
+                <a:solidFill>
+                  <a:schemeClr val="tx1"/>
+                </a:solidFill>
+                <a:latin typeface="IBM Plex Sans" panose="020B0503050203000203" pitchFamily="34" charset="0"/>
+              </a:rPr>
+              <a:t>Preliminaries on data Collection for MTP-NT – The predictive model in the 5G Infrastructure</a:t>
+            </a:r>
+          </a:p>
+        </p:txBody>
+      </p:sp>
+      <p:sp>
+        <p:nvSpPr>
+          <p:cNvPr id="10" name="Rounded Rectangle 9">
+            <a:extLst>
+              <a:ext uri="{FF2B5EF4-FFF2-40B4-BE49-F238E27FC236}">
+                <a16:creationId xmlns:a16="http://schemas.microsoft.com/office/drawing/2014/main" id="{EC5CB9B9-6D52-4359-7655-C0B16422E482}"/>
+              </a:ext>
+            </a:extLst>
+          </p:cNvPr>
+          <p:cNvSpPr/>
+          <p:nvPr/>
+        </p:nvSpPr>
+        <p:spPr>
+          <a:xfrm>
+            <a:off x="9322904" y="1848678"/>
+            <a:ext cx="2173356" cy="983974"/>
+          </a:xfrm>
+          <a:prstGeom prst="roundRect">
+            <a:avLst/>
+          </a:prstGeom>
+          <a:solidFill>
+            <a:schemeClr val="tx1">
+              <a:lumMod val="50000"/>
+              <a:lumOff val="50000"/>
+            </a:schemeClr>
+          </a:solidFill>
+          <a:ln w="28575">
+            <a:solidFill>
+              <a:schemeClr val="tx1">
+                <a:lumMod val="50000"/>
+                <a:lumOff val="50000"/>
+              </a:schemeClr>
+            </a:solidFill>
+          </a:ln>
+        </p:spPr>
+        <p:style>
+          <a:lnRef idx="2">
+            <a:schemeClr val="accent1">
+              <a:shade val="15000"/>
+            </a:schemeClr>
+          </a:lnRef>
+          <a:fillRef idx="1">
+            <a:schemeClr val="accent1"/>
+          </a:fillRef>
+          <a:effectRef idx="0">
+            <a:schemeClr val="accent1"/>
+          </a:effectRef>
+          <a:fontRef idx="minor">
+            <a:schemeClr val="lt1"/>
+          </a:fontRef>
+        </p:style>
+        <p:txBody>
+          <a:bodyPr rtlCol="0" anchor="ctr"/>
+          <a:lstStyle/>
+          <a:p>
+            <a:pPr algn="ctr"/>
+            <a:r>
+              <a:rPr lang="pt-BR" b="1" dirty="0" err="1">
+                <a:latin typeface="IBM Plex Sans" panose="020B0503050203000203" pitchFamily="34" charset="0"/>
+              </a:rPr>
+              <a:t>Orchestrator</a:t>
+            </a:r>
+            <a:endParaRPr lang="pt-BR" b="1" dirty="0">
+              <a:latin typeface="IBM Plex Sans" panose="020B0503050203000203" pitchFamily="34" charset="0"/>
+            </a:endParaRPr>
+          </a:p>
+        </p:txBody>
+      </p:sp>
+      <p:sp>
+        <p:nvSpPr>
+          <p:cNvPr id="12" name="Rounded Rectangle 11">
+            <a:extLst>
+              <a:ext uri="{FF2B5EF4-FFF2-40B4-BE49-F238E27FC236}">
+                <a16:creationId xmlns:a16="http://schemas.microsoft.com/office/drawing/2014/main" id="{0E310695-AA31-615A-8570-8DD8A6B5A6A4}"/>
+              </a:ext>
+            </a:extLst>
+          </p:cNvPr>
+          <p:cNvSpPr/>
+          <p:nvPr/>
+        </p:nvSpPr>
+        <p:spPr>
+          <a:xfrm>
+            <a:off x="5128594" y="2201518"/>
+            <a:ext cx="2173356" cy="631134"/>
+          </a:xfrm>
+          <a:prstGeom prst="roundRect">
+            <a:avLst/>
+          </a:prstGeom>
+          <a:solidFill>
+            <a:schemeClr val="tx1">
+              <a:lumMod val="50000"/>
+              <a:lumOff val="50000"/>
+            </a:schemeClr>
+          </a:solidFill>
+          <a:ln w="28575">
+            <a:solidFill>
+              <a:schemeClr val="tx1">
+                <a:lumMod val="50000"/>
+                <a:lumOff val="50000"/>
+              </a:schemeClr>
+            </a:solidFill>
+          </a:ln>
+        </p:spPr>
+        <p:style>
+          <a:lnRef idx="2">
+            <a:schemeClr val="accent1">
+              <a:shade val="15000"/>
+            </a:schemeClr>
+          </a:lnRef>
+          <a:fillRef idx="1">
+            <a:schemeClr val="accent1"/>
+          </a:fillRef>
+          <a:effectRef idx="0">
+            <a:schemeClr val="accent1"/>
+          </a:effectRef>
+          <a:fontRef idx="minor">
+            <a:schemeClr val="lt1"/>
+          </a:fontRef>
+        </p:style>
+        <p:txBody>
+          <a:bodyPr rtlCol="0" anchor="ctr"/>
+          <a:lstStyle/>
+          <a:p>
+            <a:pPr algn="ctr"/>
+            <a:r>
+              <a:rPr lang="pt-BR" b="1" dirty="0">
+                <a:latin typeface="IBM Plex Sans" panose="020B0503050203000203" pitchFamily="34" charset="0"/>
+              </a:rPr>
+              <a:t>NTMA</a:t>
+            </a:r>
+          </a:p>
+        </p:txBody>
+      </p:sp>
+      <p:sp>
+        <p:nvSpPr>
+          <p:cNvPr id="13" name="Title">
+            <a:extLst>
+              <a:ext uri="{FF2B5EF4-FFF2-40B4-BE49-F238E27FC236}">
+                <a16:creationId xmlns:a16="http://schemas.microsoft.com/office/drawing/2014/main" id="{31114510-B7BB-EC89-95A7-C3BE0833F23A}"/>
+              </a:ext>
+            </a:extLst>
+          </p:cNvPr>
+          <p:cNvSpPr>
+            <a:spLocks noGrp="1"/>
+          </p:cNvSpPr>
+          <p:nvPr>
+            <p:ph type="title"/>
+          </p:nvPr>
+        </p:nvSpPr>
+        <p:spPr>
+          <a:xfrm>
+            <a:off x="2792897" y="3068847"/>
+            <a:ext cx="3985590" cy="1453598"/>
+          </a:xfrm>
+        </p:spPr>
+        <p:txBody>
+          <a:bodyPr anchor="t">
+            <a:normAutofit/>
+          </a:bodyPr>
+          <a:lstStyle/>
+          <a:p>
+            <a:r>
+              <a:rPr lang="en-US" sz="1600" b="1" dirty="0">
+                <a:latin typeface="IBM Plex Sans" panose="020B0503050203000203" pitchFamily="34" charset="0"/>
+              </a:rPr>
+              <a:t>How does it </a:t>
+            </a:r>
+            <a:r>
+              <a:rPr lang="en-US" sz="1600" b="1" dirty="0">
+                <a:solidFill>
+                  <a:srgbClr val="0F62FF"/>
+                </a:solidFill>
+                <a:latin typeface="IBM Plex Sans" panose="020B0503050203000203" pitchFamily="34" charset="0"/>
+              </a:rPr>
+              <a:t>flow</a:t>
+            </a:r>
+            <a:r>
+              <a:rPr lang="en-US" sz="1600" b="1" dirty="0">
+                <a:latin typeface="IBM Plex Sans" panose="020B0503050203000203" pitchFamily="34" charset="0"/>
+              </a:rPr>
+              <a:t>?</a:t>
+            </a:r>
+            <a:br>
+              <a:rPr lang="en-US" sz="1600" b="1" dirty="0">
+                <a:latin typeface="IBM Plex Sans" panose="020B0503050203000203" pitchFamily="34" charset="0"/>
+              </a:rPr>
+            </a:br>
+            <a:br>
+              <a:rPr lang="en-US" sz="1600" b="1" dirty="0">
+                <a:latin typeface="IBM Plex Sans" panose="020B0503050203000203" pitchFamily="34" charset="0"/>
+              </a:rPr>
+            </a:br>
+            <a:r>
+              <a:rPr lang="en-US" sz="1600" b="1" dirty="0">
+                <a:latin typeface="IBM Plex Sans" panose="020B0503050203000203" pitchFamily="34" charset="0"/>
+              </a:rPr>
+              <a:t>How to </a:t>
+            </a:r>
+            <a:r>
+              <a:rPr lang="en-US" sz="1600" b="1" dirty="0">
+                <a:solidFill>
+                  <a:srgbClr val="0F62FF"/>
+                </a:solidFill>
+                <a:latin typeface="IBM Plex Sans" panose="020B0503050203000203" pitchFamily="34" charset="0"/>
+              </a:rPr>
+              <a:t>store</a:t>
+            </a:r>
+            <a:r>
+              <a:rPr lang="en-US" sz="1600" b="1" dirty="0">
+                <a:latin typeface="IBM Plex Sans" panose="020B0503050203000203" pitchFamily="34" charset="0"/>
+              </a:rPr>
+              <a:t>?</a:t>
+            </a:r>
+            <a:br>
+              <a:rPr lang="en-US" sz="1600" b="1" dirty="0">
+                <a:latin typeface="IBM Plex Sans" panose="020B0503050203000203" pitchFamily="34" charset="0"/>
+              </a:rPr>
+            </a:br>
+            <a:br>
+              <a:rPr lang="en-US" sz="1600" b="1" dirty="0">
+                <a:latin typeface="IBM Plex Sans" panose="020B0503050203000203" pitchFamily="34" charset="0"/>
+              </a:rPr>
+            </a:br>
+            <a:r>
+              <a:rPr lang="en-US" sz="1600" b="1" dirty="0">
+                <a:latin typeface="IBM Plex Sans" panose="020B0503050203000203" pitchFamily="34" charset="0"/>
+              </a:rPr>
+              <a:t>Is there a open </a:t>
+            </a:r>
+            <a:r>
+              <a:rPr lang="en-US" sz="1600" b="1" dirty="0">
+                <a:solidFill>
+                  <a:srgbClr val="0F62FF"/>
+                </a:solidFill>
+                <a:latin typeface="IBM Plex Sans" panose="020B0503050203000203" pitchFamily="34" charset="0"/>
+              </a:rPr>
+              <a:t>standard</a:t>
+            </a:r>
+            <a:r>
+              <a:rPr lang="en-US" sz="1600" b="1" dirty="0">
+                <a:latin typeface="IBM Plex Sans" panose="020B0503050203000203" pitchFamily="34" charset="0"/>
+              </a:rPr>
+              <a:t>?</a:t>
+            </a:r>
+          </a:p>
+        </p:txBody>
+      </p:sp>
+      <p:sp>
+        <p:nvSpPr>
+          <p:cNvPr id="14" name="Title">
+            <a:extLst>
+              <a:ext uri="{FF2B5EF4-FFF2-40B4-BE49-F238E27FC236}">
+                <a16:creationId xmlns:a16="http://schemas.microsoft.com/office/drawing/2014/main" id="{3D51ED54-4F4D-7428-A93E-8242B49296BB}"/>
+              </a:ext>
+            </a:extLst>
+          </p:cNvPr>
+          <p:cNvSpPr txBox="1">
+            <a:spLocks/>
+          </p:cNvSpPr>
+          <p:nvPr/>
+        </p:nvSpPr>
+        <p:spPr>
+          <a:xfrm>
+            <a:off x="5400264" y="4642405"/>
+            <a:ext cx="3985590" cy="1453598"/>
+          </a:xfrm>
+          <a:prstGeom prst="rect">
+            <a:avLst/>
+          </a:prstGeom>
+        </p:spPr>
+        <p:txBody>
+          <a:bodyPr vert="horz" lIns="91440" tIns="45720" rIns="91440" bIns="45720" rtlCol="0" anchor="t">
+            <a:normAutofit/>
+          </a:bodyPr>
+          <a:lstStyle>
+            <a:lvl1pPr algn="l" defTabSz="914400" rtl="0" eaLnBrk="1" latinLnBrk="0" hangingPunct="1">
+              <a:lnSpc>
+                <a:spcPct val="90000"/>
+              </a:lnSpc>
+              <a:spcBef>
+                <a:spcPct val="0"/>
+              </a:spcBef>
+              <a:buNone/>
+              <a:defRPr sz="4400" kern="1200">
+                <a:solidFill>
+                  <a:schemeClr val="tx1"/>
+                </a:solidFill>
+                <a:latin typeface="+mj-lt"/>
+                <a:ea typeface="+mj-ea"/>
+                <a:cs typeface="+mj-cs"/>
+              </a:defRPr>
+            </a:lvl1pPr>
+          </a:lstStyle>
+          <a:p>
+            <a:endParaRPr lang="en-US" sz="1200" dirty="0">
+              <a:latin typeface="IBM Plex Sans" panose="020B0503050203000203" pitchFamily="34" charset="0"/>
+            </a:endParaRPr>
+          </a:p>
+        </p:txBody>
+      </p:sp>
+      <p:cxnSp>
+        <p:nvCxnSpPr>
+          <p:cNvPr id="15" name="Straight Arrow Connector 14">
+            <a:extLst>
+              <a:ext uri="{FF2B5EF4-FFF2-40B4-BE49-F238E27FC236}">
+                <a16:creationId xmlns:a16="http://schemas.microsoft.com/office/drawing/2014/main" id="{A8EAE0E1-65D8-9AF3-DB02-8A6DE848A463}"/>
+              </a:ext>
+            </a:extLst>
+          </p:cNvPr>
+          <p:cNvCxnSpPr>
+            <a:cxnSpLocks/>
+            <a:stCxn id="12" idx="3"/>
+          </p:cNvCxnSpPr>
+          <p:nvPr/>
+        </p:nvCxnSpPr>
+        <p:spPr>
+          <a:xfrm flipV="1">
+            <a:off x="7301950" y="2517084"/>
+            <a:ext cx="2020954" cy="1"/>
+          </a:xfrm>
+          <a:prstGeom prst="straightConnector1">
+            <a:avLst/>
+          </a:prstGeom>
+          <a:ln w="38100">
+            <a:solidFill>
+              <a:schemeClr val="tx1">
+                <a:lumMod val="50000"/>
+                <a:lumOff val="50000"/>
+              </a:schemeClr>
+            </a:solidFill>
+            <a:tailEnd type="triangle"/>
+          </a:ln>
+        </p:spPr>
+        <p:style>
+          <a:lnRef idx="1">
+            <a:schemeClr val="accent1"/>
+          </a:lnRef>
+          <a:fillRef idx="0">
+            <a:schemeClr val="accent1"/>
+          </a:fillRef>
+          <a:effectRef idx="0">
+            <a:schemeClr val="accent1"/>
+          </a:effectRef>
+          <a:fontRef idx="minor">
+            <a:schemeClr val="tx1"/>
+          </a:fontRef>
+        </p:style>
+      </p:cxnSp>
+      <p:sp>
+        <p:nvSpPr>
+          <p:cNvPr id="18" name="Rounded Rectangle 17">
+            <a:extLst>
+              <a:ext uri="{FF2B5EF4-FFF2-40B4-BE49-F238E27FC236}">
+                <a16:creationId xmlns:a16="http://schemas.microsoft.com/office/drawing/2014/main" id="{D88D28F5-1E32-0826-E5D2-EAECC722A87E}"/>
+              </a:ext>
+            </a:extLst>
+          </p:cNvPr>
+          <p:cNvSpPr/>
+          <p:nvPr/>
+        </p:nvSpPr>
+        <p:spPr>
+          <a:xfrm>
+            <a:off x="410821" y="1848678"/>
+            <a:ext cx="2173356" cy="983974"/>
+          </a:xfrm>
+          <a:prstGeom prst="roundRect">
+            <a:avLst/>
+          </a:prstGeom>
+          <a:solidFill>
+            <a:schemeClr val="tx1">
+              <a:lumMod val="50000"/>
+              <a:lumOff val="50000"/>
+            </a:schemeClr>
+          </a:solidFill>
+          <a:ln w="28575">
+            <a:solidFill>
+              <a:schemeClr val="tx1">
+                <a:lumMod val="50000"/>
+                <a:lumOff val="50000"/>
+              </a:schemeClr>
+            </a:solidFill>
+          </a:ln>
+        </p:spPr>
+        <p:style>
+          <a:lnRef idx="2">
+            <a:schemeClr val="accent1">
+              <a:shade val="15000"/>
+            </a:schemeClr>
+          </a:lnRef>
+          <a:fillRef idx="1">
+            <a:schemeClr val="accent1"/>
+          </a:fillRef>
+          <a:effectRef idx="0">
+            <a:schemeClr val="accent1"/>
+          </a:effectRef>
+          <a:fontRef idx="minor">
+            <a:schemeClr val="lt1"/>
+          </a:fontRef>
+        </p:style>
+        <p:txBody>
+          <a:bodyPr rtlCol="0" anchor="ctr"/>
+          <a:lstStyle/>
+          <a:p>
+            <a:pPr algn="ctr"/>
+            <a:r>
+              <a:rPr lang="pt-BR" b="1" dirty="0">
+                <a:latin typeface="IBM Plex Sans" panose="020B0503050203000203" pitchFamily="34" charset="0"/>
+              </a:rPr>
+              <a:t>Network </a:t>
+            </a:r>
+            <a:r>
+              <a:rPr lang="pt-BR" b="1" dirty="0" err="1">
+                <a:latin typeface="IBM Plex Sans" panose="020B0503050203000203" pitchFamily="34" charset="0"/>
+              </a:rPr>
+              <a:t>usage</a:t>
+            </a:r>
+            <a:endParaRPr lang="pt-BR" b="1" dirty="0">
+              <a:latin typeface="IBM Plex Sans" panose="020B0503050203000203" pitchFamily="34" charset="0"/>
+            </a:endParaRPr>
+          </a:p>
+        </p:txBody>
+      </p:sp>
+      <p:cxnSp>
+        <p:nvCxnSpPr>
+          <p:cNvPr id="19" name="Straight Connector 18">
+            <a:extLst>
+              <a:ext uri="{FF2B5EF4-FFF2-40B4-BE49-F238E27FC236}">
+                <a16:creationId xmlns:a16="http://schemas.microsoft.com/office/drawing/2014/main" id="{9AB26A38-13EB-7349-6D62-EFB70EDBE683}"/>
+              </a:ext>
+            </a:extLst>
+          </p:cNvPr>
+          <p:cNvCxnSpPr>
+            <a:cxnSpLocks/>
+          </p:cNvCxnSpPr>
+          <p:nvPr/>
+        </p:nvCxnSpPr>
+        <p:spPr>
+          <a:xfrm>
+            <a:off x="2584177" y="2517085"/>
+            <a:ext cx="1938127" cy="0"/>
+          </a:xfrm>
+          <a:prstGeom prst="line">
+            <a:avLst/>
+          </a:prstGeom>
+          <a:ln w="38100" cap="flat" cmpd="sng" algn="ctr">
+            <a:solidFill>
+              <a:srgbClr val="0F62FF"/>
+            </a:solidFill>
+            <a:prstDash val="dash"/>
+            <a:round/>
+            <a:headEnd type="none" w="med" len="med"/>
+            <a:tailEnd type="none" w="med" len="med"/>
+          </a:ln>
+        </p:spPr>
+        <p:style>
+          <a:lnRef idx="0">
+            <a:scrgbClr r="0" g="0" b="0"/>
+          </a:lnRef>
+          <a:fillRef idx="0">
+            <a:scrgbClr r="0" g="0" b="0"/>
+          </a:fillRef>
+          <a:effectRef idx="0">
+            <a:scrgbClr r="0" g="0" b="0"/>
+          </a:effectRef>
+          <a:fontRef idx="minor">
+            <a:schemeClr val="tx1"/>
+          </a:fontRef>
+        </p:style>
+      </p:cxnSp>
+      <p:cxnSp>
+        <p:nvCxnSpPr>
+          <p:cNvPr id="22" name="Straight Arrow Connector 21">
+            <a:extLst>
+              <a:ext uri="{FF2B5EF4-FFF2-40B4-BE49-F238E27FC236}">
+                <a16:creationId xmlns:a16="http://schemas.microsoft.com/office/drawing/2014/main" id="{39262278-1A5B-5D34-7E9C-D8FB18020CAA}"/>
+              </a:ext>
+            </a:extLst>
+          </p:cNvPr>
+          <p:cNvCxnSpPr>
+            <a:cxnSpLocks/>
+            <a:endCxn id="12" idx="1"/>
+          </p:cNvCxnSpPr>
+          <p:nvPr/>
+        </p:nvCxnSpPr>
+        <p:spPr>
+          <a:xfrm>
+            <a:off x="4442791" y="2517085"/>
+            <a:ext cx="685803" cy="0"/>
+          </a:xfrm>
+          <a:prstGeom prst="straightConnector1">
+            <a:avLst/>
+          </a:prstGeom>
+          <a:ln w="38100">
+            <a:solidFill>
+              <a:schemeClr val="tx1">
+                <a:lumMod val="50000"/>
+                <a:lumOff val="50000"/>
+              </a:schemeClr>
+            </a:solidFill>
+            <a:tailEnd type="triangle"/>
+          </a:ln>
+        </p:spPr>
+        <p:style>
+          <a:lnRef idx="1">
+            <a:schemeClr val="accent1"/>
+          </a:lnRef>
+          <a:fillRef idx="0">
+            <a:schemeClr val="accent1"/>
+          </a:fillRef>
+          <a:effectRef idx="0">
+            <a:schemeClr val="accent1"/>
+          </a:effectRef>
+          <a:fontRef idx="minor">
+            <a:schemeClr val="tx1"/>
+          </a:fontRef>
+        </p:style>
+      </p:cxnSp>
+      <p:cxnSp>
+        <p:nvCxnSpPr>
+          <p:cNvPr id="26" name="Straight Arrow Connector 25">
+            <a:extLst>
+              <a:ext uri="{FF2B5EF4-FFF2-40B4-BE49-F238E27FC236}">
+                <a16:creationId xmlns:a16="http://schemas.microsoft.com/office/drawing/2014/main" id="{115CF37F-8283-D660-92D5-F4F34C304803}"/>
+              </a:ext>
+            </a:extLst>
+          </p:cNvPr>
+          <p:cNvCxnSpPr>
+            <a:cxnSpLocks/>
+          </p:cNvCxnSpPr>
+          <p:nvPr/>
+        </p:nvCxnSpPr>
+        <p:spPr>
+          <a:xfrm>
+            <a:off x="5128594" y="2029651"/>
+            <a:ext cx="4194310" cy="0"/>
+          </a:xfrm>
+          <a:prstGeom prst="straightConnector1">
+            <a:avLst/>
+          </a:prstGeom>
+          <a:ln w="38100">
+            <a:solidFill>
+              <a:schemeClr val="tx1">
+                <a:lumMod val="50000"/>
+                <a:lumOff val="50000"/>
+              </a:schemeClr>
+            </a:solidFill>
+            <a:tailEnd type="triangle"/>
+          </a:ln>
+        </p:spPr>
+        <p:style>
+          <a:lnRef idx="1">
+            <a:schemeClr val="accent1"/>
+          </a:lnRef>
+          <a:fillRef idx="0">
+            <a:schemeClr val="accent1"/>
+          </a:fillRef>
+          <a:effectRef idx="0">
+            <a:schemeClr val="accent1"/>
+          </a:effectRef>
+          <a:fontRef idx="minor">
+            <a:schemeClr val="tx1"/>
+          </a:fontRef>
+        </p:style>
+      </p:cxnSp>
+      <p:cxnSp>
+        <p:nvCxnSpPr>
+          <p:cNvPr id="3" name="Straight Connector 2">
+            <a:extLst>
+              <a:ext uri="{FF2B5EF4-FFF2-40B4-BE49-F238E27FC236}">
+                <a16:creationId xmlns:a16="http://schemas.microsoft.com/office/drawing/2014/main" id="{26FF5690-65AD-882D-6B67-43034F672789}"/>
+              </a:ext>
+            </a:extLst>
+          </p:cNvPr>
+          <p:cNvCxnSpPr>
+            <a:cxnSpLocks/>
+          </p:cNvCxnSpPr>
+          <p:nvPr/>
+        </p:nvCxnSpPr>
+        <p:spPr>
+          <a:xfrm>
+            <a:off x="2657064" y="2025926"/>
+            <a:ext cx="2544417" cy="0"/>
+          </a:xfrm>
+          <a:prstGeom prst="line">
+            <a:avLst/>
+          </a:prstGeom>
+          <a:ln w="38100" cap="flat" cmpd="sng" algn="ctr">
+            <a:solidFill>
+              <a:srgbClr val="0F62FF"/>
+            </a:solidFill>
+            <a:prstDash val="dash"/>
+            <a:round/>
+            <a:headEnd type="none" w="med" len="med"/>
+            <a:tailEnd type="none" w="med" len="med"/>
+          </a:ln>
+        </p:spPr>
+        <p:style>
+          <a:lnRef idx="0">
+            <a:scrgbClr r="0" g="0" b="0"/>
+          </a:lnRef>
+          <a:fillRef idx="0">
+            <a:scrgbClr r="0" g="0" b="0"/>
+          </a:fillRef>
+          <a:effectRef idx="0">
+            <a:scrgbClr r="0" g="0" b="0"/>
+          </a:effectRef>
+          <a:fontRef idx="minor">
+            <a:schemeClr val="tx1"/>
+          </a:fontRef>
+        </p:style>
+      </p:cxnSp>
+    </p:spTree>
+    <p:extLst>
+      <p:ext uri="{BB962C8B-B14F-4D97-AF65-F5344CB8AC3E}">
+        <p14:creationId xmlns:p14="http://schemas.microsoft.com/office/powerpoint/2010/main" val="2053107980"/>
+      </p:ext>
+    </p:extLst>
+  </p:cSld>
+  <p:clrMapOvr>
+    <a:masterClrMapping/>
+  </p:clrMapOvr>
+</p:sld>
+</file>
+
+<file path=ppt/slides/slide26.xml><?xml version="1.0" encoding="utf-8"?>
+<p:sld xmlns:a="http://schemas.openxmlformats.org/drawingml/2006/main" xmlns:r="http://schemas.openxmlformats.org/officeDocument/2006/relationships" xmlns:p="http://schemas.openxmlformats.org/presentationml/2006/main">
+  <p:cSld>
+    <p:spTree>
+      <p:nvGrpSpPr>
+        <p:cNvPr id="1" name=""/>
+        <p:cNvGrpSpPr/>
+        <p:nvPr/>
+      </p:nvGrpSpPr>
+      <p:grpSpPr>
+        <a:xfrm>
+          <a:off x="0" y="0"/>
+          <a:ext cx="0" cy="0"/>
+          <a:chOff x="0" y="0"/>
+          <a:chExt cx="0" cy="0"/>
+        </a:xfrm>
+      </p:grpSpPr>
+      <p:sp>
+        <p:nvSpPr>
+          <p:cNvPr id="4" name="Footer Placeholder 3">
+            <a:extLst>
+              <a:ext uri="{FF2B5EF4-FFF2-40B4-BE49-F238E27FC236}">
+                <a16:creationId xmlns:a16="http://schemas.microsoft.com/office/drawing/2014/main" id="{ABC5BB99-6713-EE89-3895-F3148FABAE18}"/>
+              </a:ext>
+            </a:extLst>
+          </p:cNvPr>
+          <p:cNvSpPr>
+            <a:spLocks noGrp="1"/>
+          </p:cNvSpPr>
+          <p:nvPr>
+            <p:ph type="ftr" sz="quarter" idx="11"/>
+          </p:nvPr>
+        </p:nvSpPr>
+        <p:spPr/>
+        <p:txBody>
+          <a:bodyPr/>
+          <a:lstStyle/>
+          <a:p>
+            <a:r>
+              <a:rPr lang="pt-BR" dirty="0">
+                <a:latin typeface="IBM Plex Sans" panose="020B0503050203000203" pitchFamily="34" charset="0"/>
+              </a:rPr>
+              <a:t>A Mobile </a:t>
+            </a:r>
+            <a:r>
+              <a:rPr lang="pt-BR" dirty="0" err="1">
+                <a:latin typeface="IBM Plex Sans" panose="020B0503050203000203" pitchFamily="34" charset="0"/>
+              </a:rPr>
+              <a:t>Traffic</a:t>
+            </a:r>
+            <a:r>
+              <a:rPr lang="pt-BR" dirty="0">
+                <a:latin typeface="IBM Plex Sans" panose="020B0503050203000203" pitchFamily="34" charset="0"/>
+              </a:rPr>
+              <a:t> </a:t>
+            </a:r>
+            <a:r>
+              <a:rPr lang="pt-BR" dirty="0" err="1">
+                <a:latin typeface="IBM Plex Sans" panose="020B0503050203000203" pitchFamily="34" charset="0"/>
+              </a:rPr>
+              <a:t>Predictor</a:t>
+            </a:r>
+            <a:r>
+              <a:rPr lang="pt-BR" dirty="0">
+                <a:latin typeface="IBM Plex Sans" panose="020B0503050203000203" pitchFamily="34" charset="0"/>
+              </a:rPr>
+              <a:t> </a:t>
+            </a:r>
+            <a:r>
+              <a:rPr lang="pt-BR" dirty="0" err="1">
+                <a:latin typeface="IBM Plex Sans" panose="020B0503050203000203" pitchFamily="34" charset="0"/>
+              </a:rPr>
+              <a:t>Enhanced</a:t>
+            </a:r>
+            <a:r>
+              <a:rPr lang="pt-BR" dirty="0">
+                <a:latin typeface="IBM Plex Sans" panose="020B0503050203000203" pitchFamily="34" charset="0"/>
+              </a:rPr>
+              <a:t> </a:t>
+            </a:r>
+            <a:r>
+              <a:rPr lang="pt-BR" dirty="0" err="1">
+                <a:latin typeface="IBM Plex Sans" panose="020B0503050203000203" pitchFamily="34" charset="0"/>
+              </a:rPr>
+              <a:t>by</a:t>
+            </a:r>
+            <a:r>
+              <a:rPr lang="pt-BR" dirty="0">
+                <a:latin typeface="IBM Plex Sans" panose="020B0503050203000203" pitchFamily="34" charset="0"/>
+              </a:rPr>
+              <a:t> </a:t>
+            </a:r>
+            <a:r>
+              <a:rPr lang="pt-BR" dirty="0" err="1">
+                <a:latin typeface="IBM Plex Sans" panose="020B0503050203000203" pitchFamily="34" charset="0"/>
+              </a:rPr>
+              <a:t>Neighboring</a:t>
+            </a:r>
+            <a:r>
+              <a:rPr lang="pt-BR" dirty="0">
+                <a:latin typeface="IBM Plex Sans" panose="020B0503050203000203" pitchFamily="34" charset="0"/>
+              </a:rPr>
+              <a:t> </a:t>
+            </a:r>
+            <a:r>
+              <a:rPr lang="pt-BR" dirty="0" err="1">
+                <a:latin typeface="IBM Plex Sans" panose="020B0503050203000203" pitchFamily="34" charset="0"/>
+              </a:rPr>
+              <a:t>Transportation</a:t>
+            </a:r>
+            <a:r>
+              <a:rPr lang="pt-BR" dirty="0">
+                <a:latin typeface="IBM Plex Sans" panose="020B0503050203000203" pitchFamily="34" charset="0"/>
+              </a:rPr>
+              <a:t> Data (MTP-NT)</a:t>
+            </a:r>
+          </a:p>
+        </p:txBody>
+      </p:sp>
+      <p:sp>
+        <p:nvSpPr>
+          <p:cNvPr id="5" name="Slide Number Placeholder 4">
+            <a:extLst>
+              <a:ext uri="{FF2B5EF4-FFF2-40B4-BE49-F238E27FC236}">
+                <a16:creationId xmlns:a16="http://schemas.microsoft.com/office/drawing/2014/main" id="{DE4D7978-95DF-1BFB-E341-3759F4762F0C}"/>
+              </a:ext>
+            </a:extLst>
+          </p:cNvPr>
+          <p:cNvSpPr>
+            <a:spLocks noGrp="1"/>
+          </p:cNvSpPr>
+          <p:nvPr>
+            <p:ph type="sldNum" sz="quarter" idx="12"/>
+          </p:nvPr>
+        </p:nvSpPr>
+        <p:spPr/>
+        <p:txBody>
+          <a:bodyPr/>
+          <a:lstStyle/>
+          <a:p>
+            <a:fld id="{C16D1434-241F-3E4A-8778-0F70095E40C3}" type="slidenum">
+              <a:rPr lang="pt-BR" smtClean="0">
+                <a:latin typeface="IBM Plex Sans" panose="020B0503050203000203" pitchFamily="34" charset="0"/>
+              </a:rPr>
+              <a:t>26</a:t>
+            </a:fld>
+            <a:endParaRPr lang="pt-BR">
+              <a:latin typeface="IBM Plex Sans" panose="020B0503050203000203" pitchFamily="34" charset="0"/>
+            </a:endParaRPr>
+          </a:p>
+        </p:txBody>
+      </p:sp>
+      <p:sp>
+        <p:nvSpPr>
+          <p:cNvPr id="8" name="Text Placeholder">
+            <a:extLst>
+              <a:ext uri="{FF2B5EF4-FFF2-40B4-BE49-F238E27FC236}">
+                <a16:creationId xmlns:a16="http://schemas.microsoft.com/office/drawing/2014/main" id="{5EA019E9-4BFE-FD86-7DD4-328DEB414A44}"/>
+              </a:ext>
+            </a:extLst>
+          </p:cNvPr>
+          <p:cNvSpPr txBox="1">
+            <a:spLocks/>
+          </p:cNvSpPr>
+          <p:nvPr/>
+        </p:nvSpPr>
+        <p:spPr>
+          <a:xfrm>
+            <a:off x="-1" y="104751"/>
+            <a:ext cx="12056165" cy="1296666"/>
+          </a:xfrm>
+          <a:prstGeom prst="rect">
+            <a:avLst/>
+          </a:prstGeom>
+        </p:spPr>
+        <p:txBody>
+          <a:bodyPr vert="horz" lIns="91440" tIns="45720" rIns="91440" bIns="45720" rtlCol="0" anchor="ctr"/>
+          <a:lstStyle>
+            <a:defPPr>
+              <a:defRPr lang="en-BR"/>
+            </a:defPPr>
+            <a:lvl1pPr marL="0" algn="r" defTabSz="914400" rtl="0" eaLnBrk="1" latinLnBrk="0" hangingPunct="1">
+              <a:defRPr sz="1200" kern="1200">
+                <a:solidFill>
+                  <a:schemeClr val="tx1">
+                    <a:tint val="75000"/>
+                  </a:schemeClr>
+                </a:solidFill>
+                <a:latin typeface="+mn-lt"/>
+                <a:ea typeface="+mn-ea"/>
+                <a:cs typeface="+mn-cs"/>
+              </a:defRPr>
+            </a:lvl1pPr>
+            <a:lvl2pPr marL="457200" algn="l" defTabSz="914400" rtl="0" eaLnBrk="1" latinLnBrk="0" hangingPunct="1">
+              <a:defRPr sz="1800" kern="1200">
+                <a:solidFill>
+                  <a:schemeClr val="tx1"/>
+                </a:solidFill>
+                <a:latin typeface="+mn-lt"/>
+                <a:ea typeface="+mn-ea"/>
+                <a:cs typeface="+mn-cs"/>
+              </a:defRPr>
+            </a:lvl2pPr>
+            <a:lvl3pPr marL="914400" algn="l" defTabSz="914400" rtl="0" eaLnBrk="1" latinLnBrk="0" hangingPunct="1">
+              <a:defRPr sz="1800" kern="1200">
+                <a:solidFill>
+                  <a:schemeClr val="tx1"/>
+                </a:solidFill>
+                <a:latin typeface="+mn-lt"/>
+                <a:ea typeface="+mn-ea"/>
+                <a:cs typeface="+mn-cs"/>
+              </a:defRPr>
+            </a:lvl3pPr>
+            <a:lvl4pPr marL="1371600" algn="l" defTabSz="914400" rtl="0" eaLnBrk="1" latinLnBrk="0" hangingPunct="1">
+              <a:defRPr sz="1800" kern="1200">
+                <a:solidFill>
+                  <a:schemeClr val="tx1"/>
+                </a:solidFill>
+                <a:latin typeface="+mn-lt"/>
+                <a:ea typeface="+mn-ea"/>
+                <a:cs typeface="+mn-cs"/>
+              </a:defRPr>
+            </a:lvl4pPr>
+            <a:lvl5pPr marL="1828800" algn="l" defTabSz="914400" rtl="0" eaLnBrk="1" latinLnBrk="0" hangingPunct="1">
+              <a:defRPr sz="1800" kern="1200">
+                <a:solidFill>
+                  <a:schemeClr val="tx1"/>
+                </a:solidFill>
+                <a:latin typeface="+mn-lt"/>
+                <a:ea typeface="+mn-ea"/>
+                <a:cs typeface="+mn-cs"/>
+              </a:defRPr>
+            </a:lvl5pPr>
+            <a:lvl6pPr marL="2286000" algn="l" defTabSz="914400" rtl="0" eaLnBrk="1" latinLnBrk="0" hangingPunct="1">
+              <a:defRPr sz="1800" kern="1200">
+                <a:solidFill>
+                  <a:schemeClr val="tx1"/>
+                </a:solidFill>
+                <a:latin typeface="+mn-lt"/>
+                <a:ea typeface="+mn-ea"/>
+                <a:cs typeface="+mn-cs"/>
+              </a:defRPr>
+            </a:lvl6pPr>
+            <a:lvl7pPr marL="2743200" algn="l" defTabSz="914400" rtl="0" eaLnBrk="1" latinLnBrk="0" hangingPunct="1">
+              <a:defRPr sz="1800" kern="1200">
+                <a:solidFill>
+                  <a:schemeClr val="tx1"/>
+                </a:solidFill>
+                <a:latin typeface="+mn-lt"/>
+                <a:ea typeface="+mn-ea"/>
+                <a:cs typeface="+mn-cs"/>
+              </a:defRPr>
+            </a:lvl7pPr>
+            <a:lvl8pPr marL="3200400" algn="l" defTabSz="914400" rtl="0" eaLnBrk="1" latinLnBrk="0" hangingPunct="1">
+              <a:defRPr sz="1800" kern="1200">
+                <a:solidFill>
+                  <a:schemeClr val="tx1"/>
+                </a:solidFill>
+                <a:latin typeface="+mn-lt"/>
+                <a:ea typeface="+mn-ea"/>
+                <a:cs typeface="+mn-cs"/>
+              </a:defRPr>
+            </a:lvl8pPr>
+            <a:lvl9pPr marL="3657600" algn="l" defTabSz="914400" rtl="0" eaLnBrk="1" latinLnBrk="0" hangingPunct="1">
+              <a:defRPr sz="1800" kern="1200">
+                <a:solidFill>
+                  <a:schemeClr val="tx1"/>
+                </a:solidFill>
+                <a:latin typeface="+mn-lt"/>
+                <a:ea typeface="+mn-ea"/>
+                <a:cs typeface="+mn-cs"/>
+              </a:defRPr>
+            </a:lvl9pPr>
+          </a:lstStyle>
+          <a:p>
+            <a:pPr algn="l"/>
+            <a:r>
+              <a:rPr lang="en-US" sz="4000" b="1" dirty="0">
+                <a:solidFill>
+                  <a:schemeClr val="tx1"/>
+                </a:solidFill>
+                <a:latin typeface="IBM Plex Sans" panose="020B0503050203000203" pitchFamily="34" charset="0"/>
+              </a:rPr>
+              <a:t>Preliminaries on data Collection for MTP-NT – Data flow</a:t>
+            </a:r>
+          </a:p>
+        </p:txBody>
+      </p:sp>
+      <p:pic>
+        <p:nvPicPr>
+          <p:cNvPr id="11" name="Picture 10" descr="A close-up of a cloud&#10;&#10;Description automatically generated">
+            <a:extLst>
+              <a:ext uri="{FF2B5EF4-FFF2-40B4-BE49-F238E27FC236}">
+                <a16:creationId xmlns:a16="http://schemas.microsoft.com/office/drawing/2014/main" id="{35A4F2E1-0C3F-70C8-C5ED-C1D447DB379D}"/>
+              </a:ext>
+            </a:extLst>
+          </p:cNvPr>
+          <p:cNvPicPr>
+            <a:picLocks noChangeAspect="1"/>
+          </p:cNvPicPr>
+          <p:nvPr/>
+        </p:nvPicPr>
+        <p:blipFill rotWithShape="1">
+          <a:blip r:embed="rId3"/>
+          <a:srcRect t="9663"/>
+          <a:stretch/>
+        </p:blipFill>
+        <p:spPr>
+          <a:xfrm>
+            <a:off x="663836" y="1401417"/>
+            <a:ext cx="10864328" cy="2782956"/>
+          </a:xfrm>
+          <a:prstGeom prst="rect">
+            <a:avLst/>
+          </a:prstGeom>
+        </p:spPr>
+      </p:pic>
+    </p:spTree>
+    <p:extLst>
+      <p:ext uri="{BB962C8B-B14F-4D97-AF65-F5344CB8AC3E}">
+        <p14:creationId xmlns:p14="http://schemas.microsoft.com/office/powerpoint/2010/main" val="2341048875"/>
+      </p:ext>
+    </p:extLst>
+  </p:cSld>
+  <p:clrMapOvr>
+    <a:masterClrMapping/>
+  </p:clrMapOvr>
+</p:sld>
+</file>
+
+<file path=ppt/slides/slide27.xml><?xml version="1.0" encoding="utf-8"?>
+<p:sld xmlns:a="http://schemas.openxmlformats.org/drawingml/2006/main" xmlns:r="http://schemas.openxmlformats.org/officeDocument/2006/relationships" xmlns:p="http://schemas.openxmlformats.org/presentationml/2006/main">
+  <p:cSld>
+    <p:spTree>
+      <p:nvGrpSpPr>
+        <p:cNvPr id="1" name=""/>
+        <p:cNvGrpSpPr/>
+        <p:nvPr/>
+      </p:nvGrpSpPr>
+      <p:grpSpPr>
+        <a:xfrm>
+          <a:off x="0" y="0"/>
+          <a:ext cx="0" cy="0"/>
+          <a:chOff x="0" y="0"/>
+          <a:chExt cx="0" cy="0"/>
+        </a:xfrm>
+      </p:grpSpPr>
+      <p:sp>
+        <p:nvSpPr>
+          <p:cNvPr id="4" name="Footer Placeholder 3">
+            <a:extLst>
+              <a:ext uri="{FF2B5EF4-FFF2-40B4-BE49-F238E27FC236}">
+                <a16:creationId xmlns:a16="http://schemas.microsoft.com/office/drawing/2014/main" id="{ABC5BB99-6713-EE89-3895-F3148FABAE18}"/>
+              </a:ext>
+            </a:extLst>
+          </p:cNvPr>
+          <p:cNvSpPr>
+            <a:spLocks noGrp="1"/>
+          </p:cNvSpPr>
+          <p:nvPr>
+            <p:ph type="ftr" sz="quarter" idx="11"/>
+          </p:nvPr>
+        </p:nvSpPr>
+        <p:spPr/>
+        <p:txBody>
+          <a:bodyPr/>
+          <a:lstStyle/>
+          <a:p>
+            <a:r>
+              <a:rPr lang="pt-BR" dirty="0">
+                <a:latin typeface="IBM Plex Sans" panose="020B0503050203000203" pitchFamily="34" charset="0"/>
+              </a:rPr>
+              <a:t>A Mobile </a:t>
+            </a:r>
+            <a:r>
+              <a:rPr lang="pt-BR" dirty="0" err="1">
+                <a:latin typeface="IBM Plex Sans" panose="020B0503050203000203" pitchFamily="34" charset="0"/>
+              </a:rPr>
+              <a:t>Traffic</a:t>
+            </a:r>
+            <a:r>
+              <a:rPr lang="pt-BR" dirty="0">
+                <a:latin typeface="IBM Plex Sans" panose="020B0503050203000203" pitchFamily="34" charset="0"/>
+              </a:rPr>
+              <a:t> </a:t>
+            </a:r>
+            <a:r>
+              <a:rPr lang="pt-BR" dirty="0" err="1">
+                <a:latin typeface="IBM Plex Sans" panose="020B0503050203000203" pitchFamily="34" charset="0"/>
+              </a:rPr>
+              <a:t>Predictor</a:t>
+            </a:r>
+            <a:r>
+              <a:rPr lang="pt-BR" dirty="0">
+                <a:latin typeface="IBM Plex Sans" panose="020B0503050203000203" pitchFamily="34" charset="0"/>
+              </a:rPr>
+              <a:t> </a:t>
+            </a:r>
+            <a:r>
+              <a:rPr lang="pt-BR" dirty="0" err="1">
+                <a:latin typeface="IBM Plex Sans" panose="020B0503050203000203" pitchFamily="34" charset="0"/>
+              </a:rPr>
+              <a:t>Enhanced</a:t>
+            </a:r>
+            <a:r>
+              <a:rPr lang="pt-BR" dirty="0">
+                <a:latin typeface="IBM Plex Sans" panose="020B0503050203000203" pitchFamily="34" charset="0"/>
+              </a:rPr>
+              <a:t> </a:t>
+            </a:r>
+            <a:r>
+              <a:rPr lang="pt-BR" dirty="0" err="1">
+                <a:latin typeface="IBM Plex Sans" panose="020B0503050203000203" pitchFamily="34" charset="0"/>
+              </a:rPr>
+              <a:t>by</a:t>
+            </a:r>
+            <a:r>
+              <a:rPr lang="pt-BR" dirty="0">
+                <a:latin typeface="IBM Plex Sans" panose="020B0503050203000203" pitchFamily="34" charset="0"/>
+              </a:rPr>
+              <a:t> </a:t>
+            </a:r>
+            <a:r>
+              <a:rPr lang="pt-BR" dirty="0" err="1">
+                <a:latin typeface="IBM Plex Sans" panose="020B0503050203000203" pitchFamily="34" charset="0"/>
+              </a:rPr>
+              <a:t>Neighboring</a:t>
+            </a:r>
+            <a:r>
+              <a:rPr lang="pt-BR" dirty="0">
+                <a:latin typeface="IBM Plex Sans" panose="020B0503050203000203" pitchFamily="34" charset="0"/>
+              </a:rPr>
+              <a:t> </a:t>
+            </a:r>
+            <a:r>
+              <a:rPr lang="pt-BR" dirty="0" err="1">
+                <a:latin typeface="IBM Plex Sans" panose="020B0503050203000203" pitchFamily="34" charset="0"/>
+              </a:rPr>
+              <a:t>Transportation</a:t>
+            </a:r>
+            <a:r>
+              <a:rPr lang="pt-BR" dirty="0">
+                <a:latin typeface="IBM Plex Sans" panose="020B0503050203000203" pitchFamily="34" charset="0"/>
+              </a:rPr>
+              <a:t> Data (MTP-NT)</a:t>
+            </a:r>
+          </a:p>
+        </p:txBody>
+      </p:sp>
+      <p:sp>
+        <p:nvSpPr>
+          <p:cNvPr id="5" name="Slide Number Placeholder 4">
+            <a:extLst>
+              <a:ext uri="{FF2B5EF4-FFF2-40B4-BE49-F238E27FC236}">
+                <a16:creationId xmlns:a16="http://schemas.microsoft.com/office/drawing/2014/main" id="{DE4D7978-95DF-1BFB-E341-3759F4762F0C}"/>
+              </a:ext>
+            </a:extLst>
+          </p:cNvPr>
+          <p:cNvSpPr>
+            <a:spLocks noGrp="1"/>
+          </p:cNvSpPr>
+          <p:nvPr>
+            <p:ph type="sldNum" sz="quarter" idx="12"/>
+          </p:nvPr>
+        </p:nvSpPr>
+        <p:spPr/>
+        <p:txBody>
+          <a:bodyPr/>
+          <a:lstStyle/>
+          <a:p>
+            <a:fld id="{C16D1434-241F-3E4A-8778-0F70095E40C3}" type="slidenum">
+              <a:rPr lang="pt-BR" smtClean="0">
+                <a:latin typeface="IBM Plex Sans" panose="020B0503050203000203" pitchFamily="34" charset="0"/>
+              </a:rPr>
+              <a:t>27</a:t>
+            </a:fld>
+            <a:endParaRPr lang="pt-BR">
+              <a:latin typeface="IBM Plex Sans" panose="020B0503050203000203" pitchFamily="34" charset="0"/>
+            </a:endParaRPr>
+          </a:p>
+        </p:txBody>
+      </p:sp>
+      <p:sp>
+        <p:nvSpPr>
+          <p:cNvPr id="8" name="Text Placeholder">
+            <a:extLst>
+              <a:ext uri="{FF2B5EF4-FFF2-40B4-BE49-F238E27FC236}">
+                <a16:creationId xmlns:a16="http://schemas.microsoft.com/office/drawing/2014/main" id="{5EA019E9-4BFE-FD86-7DD4-328DEB414A44}"/>
+              </a:ext>
+            </a:extLst>
+          </p:cNvPr>
+          <p:cNvSpPr txBox="1">
+            <a:spLocks/>
+          </p:cNvSpPr>
+          <p:nvPr/>
+        </p:nvSpPr>
+        <p:spPr>
+          <a:xfrm>
+            <a:off x="-1" y="104751"/>
+            <a:ext cx="12056165" cy="1296666"/>
+          </a:xfrm>
+          <a:prstGeom prst="rect">
+            <a:avLst/>
+          </a:prstGeom>
+        </p:spPr>
+        <p:txBody>
+          <a:bodyPr vert="horz" lIns="91440" tIns="45720" rIns="91440" bIns="45720" rtlCol="0" anchor="ctr"/>
+          <a:lstStyle>
+            <a:defPPr>
+              <a:defRPr lang="en-BR"/>
+            </a:defPPr>
+            <a:lvl1pPr marL="0" algn="r" defTabSz="914400" rtl="0" eaLnBrk="1" latinLnBrk="0" hangingPunct="1">
+              <a:defRPr sz="1200" kern="1200">
+                <a:solidFill>
+                  <a:schemeClr val="tx1">
+                    <a:tint val="75000"/>
+                  </a:schemeClr>
+                </a:solidFill>
+                <a:latin typeface="+mn-lt"/>
+                <a:ea typeface="+mn-ea"/>
+                <a:cs typeface="+mn-cs"/>
+              </a:defRPr>
+            </a:lvl1pPr>
+            <a:lvl2pPr marL="457200" algn="l" defTabSz="914400" rtl="0" eaLnBrk="1" latinLnBrk="0" hangingPunct="1">
+              <a:defRPr sz="1800" kern="1200">
+                <a:solidFill>
+                  <a:schemeClr val="tx1"/>
+                </a:solidFill>
+                <a:latin typeface="+mn-lt"/>
+                <a:ea typeface="+mn-ea"/>
+                <a:cs typeface="+mn-cs"/>
+              </a:defRPr>
+            </a:lvl2pPr>
+            <a:lvl3pPr marL="914400" algn="l" defTabSz="914400" rtl="0" eaLnBrk="1" latinLnBrk="0" hangingPunct="1">
+              <a:defRPr sz="1800" kern="1200">
+                <a:solidFill>
+                  <a:schemeClr val="tx1"/>
+                </a:solidFill>
+                <a:latin typeface="+mn-lt"/>
+                <a:ea typeface="+mn-ea"/>
+                <a:cs typeface="+mn-cs"/>
+              </a:defRPr>
+            </a:lvl3pPr>
+            <a:lvl4pPr marL="1371600" algn="l" defTabSz="914400" rtl="0" eaLnBrk="1" latinLnBrk="0" hangingPunct="1">
+              <a:defRPr sz="1800" kern="1200">
+                <a:solidFill>
+                  <a:schemeClr val="tx1"/>
+                </a:solidFill>
+                <a:latin typeface="+mn-lt"/>
+                <a:ea typeface="+mn-ea"/>
+                <a:cs typeface="+mn-cs"/>
+              </a:defRPr>
+            </a:lvl4pPr>
+            <a:lvl5pPr marL="1828800" algn="l" defTabSz="914400" rtl="0" eaLnBrk="1" latinLnBrk="0" hangingPunct="1">
+              <a:defRPr sz="1800" kern="1200">
+                <a:solidFill>
+                  <a:schemeClr val="tx1"/>
+                </a:solidFill>
+                <a:latin typeface="+mn-lt"/>
+                <a:ea typeface="+mn-ea"/>
+                <a:cs typeface="+mn-cs"/>
+              </a:defRPr>
+            </a:lvl5pPr>
+            <a:lvl6pPr marL="2286000" algn="l" defTabSz="914400" rtl="0" eaLnBrk="1" latinLnBrk="0" hangingPunct="1">
+              <a:defRPr sz="1800" kern="1200">
+                <a:solidFill>
+                  <a:schemeClr val="tx1"/>
+                </a:solidFill>
+                <a:latin typeface="+mn-lt"/>
+                <a:ea typeface="+mn-ea"/>
+                <a:cs typeface="+mn-cs"/>
+              </a:defRPr>
+            </a:lvl6pPr>
+            <a:lvl7pPr marL="2743200" algn="l" defTabSz="914400" rtl="0" eaLnBrk="1" latinLnBrk="0" hangingPunct="1">
+              <a:defRPr sz="1800" kern="1200">
+                <a:solidFill>
+                  <a:schemeClr val="tx1"/>
+                </a:solidFill>
+                <a:latin typeface="+mn-lt"/>
+                <a:ea typeface="+mn-ea"/>
+                <a:cs typeface="+mn-cs"/>
+              </a:defRPr>
+            </a:lvl7pPr>
+            <a:lvl8pPr marL="3200400" algn="l" defTabSz="914400" rtl="0" eaLnBrk="1" latinLnBrk="0" hangingPunct="1">
+              <a:defRPr sz="1800" kern="1200">
+                <a:solidFill>
+                  <a:schemeClr val="tx1"/>
+                </a:solidFill>
+                <a:latin typeface="+mn-lt"/>
+                <a:ea typeface="+mn-ea"/>
+                <a:cs typeface="+mn-cs"/>
+              </a:defRPr>
+            </a:lvl8pPr>
+            <a:lvl9pPr marL="3657600" algn="l" defTabSz="914400" rtl="0" eaLnBrk="1" latinLnBrk="0" hangingPunct="1">
+              <a:defRPr sz="1800" kern="1200">
+                <a:solidFill>
+                  <a:schemeClr val="tx1"/>
+                </a:solidFill>
+                <a:latin typeface="+mn-lt"/>
+                <a:ea typeface="+mn-ea"/>
+                <a:cs typeface="+mn-cs"/>
+              </a:defRPr>
+            </a:lvl9pPr>
+          </a:lstStyle>
+          <a:p>
+            <a:pPr algn="l"/>
+            <a:r>
+              <a:rPr lang="en-US" sz="4000" b="1" dirty="0">
+                <a:solidFill>
+                  <a:schemeClr val="tx1"/>
+                </a:solidFill>
+                <a:latin typeface="IBM Plex Sans" panose="020B0503050203000203" pitchFamily="34" charset="0"/>
+              </a:rPr>
+              <a:t>Preliminaries on data Collection for MTP-NT – Data flow</a:t>
+            </a:r>
+          </a:p>
+        </p:txBody>
+      </p:sp>
+      <p:pic>
+        <p:nvPicPr>
+          <p:cNvPr id="11" name="Picture 10" descr="A close-up of a cloud&#10;&#10;Description automatically generated">
+            <a:extLst>
+              <a:ext uri="{FF2B5EF4-FFF2-40B4-BE49-F238E27FC236}">
+                <a16:creationId xmlns:a16="http://schemas.microsoft.com/office/drawing/2014/main" id="{35A4F2E1-0C3F-70C8-C5ED-C1D447DB379D}"/>
+              </a:ext>
+            </a:extLst>
+          </p:cNvPr>
+          <p:cNvPicPr>
+            <a:picLocks noChangeAspect="1"/>
+          </p:cNvPicPr>
+          <p:nvPr/>
+        </p:nvPicPr>
+        <p:blipFill rotWithShape="1">
+          <a:blip r:embed="rId3"/>
+          <a:srcRect t="9663"/>
+          <a:stretch/>
+        </p:blipFill>
+        <p:spPr>
+          <a:xfrm>
+            <a:off x="663836" y="1252332"/>
+            <a:ext cx="10864328" cy="2782956"/>
+          </a:xfrm>
+          <a:prstGeom prst="rect">
+            <a:avLst/>
+          </a:prstGeom>
+        </p:spPr>
+      </p:pic>
+      <p:sp>
+        <p:nvSpPr>
+          <p:cNvPr id="2" name="Rectangle 1">
+            <a:extLst>
+              <a:ext uri="{FF2B5EF4-FFF2-40B4-BE49-F238E27FC236}">
+                <a16:creationId xmlns:a16="http://schemas.microsoft.com/office/drawing/2014/main" id="{49BD43EF-4AB1-B5A0-D393-2EA168950E49}"/>
+              </a:ext>
+            </a:extLst>
+          </p:cNvPr>
+          <p:cNvSpPr/>
+          <p:nvPr/>
+        </p:nvSpPr>
+        <p:spPr>
+          <a:xfrm>
+            <a:off x="3031434" y="1212640"/>
+            <a:ext cx="8637104" cy="2782956"/>
+          </a:xfrm>
+          <a:prstGeom prst="rect">
+            <a:avLst/>
+          </a:prstGeom>
+          <a:solidFill>
+            <a:schemeClr val="bg1">
+              <a:alpha val="92925"/>
+            </a:schemeClr>
+          </a:solidFill>
+          <a:ln>
+            <a:noFill/>
+          </a:ln>
+        </p:spPr>
+        <p:style>
+          <a:lnRef idx="2">
+            <a:schemeClr val="accent1">
+              <a:shade val="15000"/>
+            </a:schemeClr>
+          </a:lnRef>
+          <a:fillRef idx="1">
+            <a:schemeClr val="accent1"/>
+          </a:fillRef>
+          <a:effectRef idx="0">
+            <a:schemeClr val="accent1"/>
+          </a:effectRef>
+          <a:fontRef idx="minor">
+            <a:schemeClr val="lt1"/>
+          </a:fontRef>
+        </p:style>
+        <p:txBody>
+          <a:bodyPr rtlCol="0" anchor="ctr"/>
+          <a:lstStyle/>
+          <a:p>
+            <a:pPr algn="ctr"/>
+            <a:endParaRPr lang="pt-BR"/>
+          </a:p>
+        </p:txBody>
+      </p:sp>
+      <p:sp>
+        <p:nvSpPr>
+          <p:cNvPr id="3" name="Title">
+            <a:extLst>
+              <a:ext uri="{FF2B5EF4-FFF2-40B4-BE49-F238E27FC236}">
+                <a16:creationId xmlns:a16="http://schemas.microsoft.com/office/drawing/2014/main" id="{2170016D-54DD-5008-2F36-6AC29276D5E4}"/>
+              </a:ext>
+            </a:extLst>
+          </p:cNvPr>
+          <p:cNvSpPr>
+            <a:spLocks noGrp="1"/>
+          </p:cNvSpPr>
+          <p:nvPr>
+            <p:ph type="title"/>
+          </p:nvPr>
+        </p:nvSpPr>
+        <p:spPr>
+          <a:xfrm>
+            <a:off x="748749" y="4267362"/>
+            <a:ext cx="3985590" cy="2485887"/>
+          </a:xfrm>
+        </p:spPr>
+        <p:txBody>
+          <a:bodyPr anchor="t">
+            <a:normAutofit/>
+          </a:bodyPr>
+          <a:lstStyle/>
+          <a:p>
+            <a:r>
+              <a:rPr lang="en-US" sz="1600" b="1" dirty="0">
+                <a:latin typeface="IBM Plex Sans" panose="020B0503050203000203" pitchFamily="34" charset="0"/>
+              </a:rPr>
+              <a:t>Flow collectors/Network exporters and collectors</a:t>
+            </a:r>
+            <a:br>
+              <a:rPr lang="en-US" sz="1600" b="1" dirty="0">
+                <a:latin typeface="IBM Plex Sans" panose="020B0503050203000203" pitchFamily="34" charset="0"/>
+              </a:rPr>
+            </a:br>
+            <a:br>
+              <a:rPr lang="en-US" sz="1600" b="1" dirty="0">
+                <a:latin typeface="IBM Plex Sans" panose="020B0503050203000203" pitchFamily="34" charset="0"/>
+              </a:rPr>
+            </a:br>
+            <a:r>
+              <a:rPr lang="en-US" sz="1600" b="1" dirty="0">
+                <a:latin typeface="IBM Plex Sans" panose="020B0503050203000203" pitchFamily="34" charset="0"/>
+              </a:rPr>
+              <a:t>Radio Access Network (RAN) layer</a:t>
+            </a:r>
+            <a:br>
+              <a:rPr lang="en-US" sz="1600" b="1" dirty="0">
+                <a:latin typeface="IBM Plex Sans" panose="020B0503050203000203" pitchFamily="34" charset="0"/>
+              </a:rPr>
+            </a:br>
+            <a:br>
+              <a:rPr lang="en-US" sz="1600" b="1" dirty="0">
+                <a:latin typeface="IBM Plex Sans" panose="020B0503050203000203" pitchFamily="34" charset="0"/>
+              </a:rPr>
+            </a:br>
+            <a:r>
+              <a:rPr lang="en-US" sz="1600" b="1" dirty="0">
+                <a:latin typeface="IBM Plex Sans" panose="020B0503050203000203" pitchFamily="34" charset="0"/>
+              </a:rPr>
+              <a:t>Network Data Analytics Function (NWDAF)</a:t>
+            </a:r>
+            <a:r>
+              <a:rPr lang="en-US" sz="1600" b="1" baseline="30000" dirty="0">
+                <a:latin typeface="IBM Plex Sans" panose="020B0503050203000203" pitchFamily="34" charset="0"/>
+              </a:rPr>
+              <a:t>1</a:t>
+            </a:r>
+            <a:endParaRPr lang="en-US" sz="1600" b="1" dirty="0">
+              <a:latin typeface="IBM Plex Sans" panose="020B0503050203000203" pitchFamily="34" charset="0"/>
+            </a:endParaRPr>
+          </a:p>
+        </p:txBody>
+      </p:sp>
+      <p:sp>
+        <p:nvSpPr>
+          <p:cNvPr id="6" name="TextBox 5">
+            <a:extLst>
+              <a:ext uri="{FF2B5EF4-FFF2-40B4-BE49-F238E27FC236}">
+                <a16:creationId xmlns:a16="http://schemas.microsoft.com/office/drawing/2014/main" id="{4E338357-CE59-7DCB-2624-633E69BEF748}"/>
+              </a:ext>
+            </a:extLst>
+          </p:cNvPr>
+          <p:cNvSpPr txBox="1"/>
+          <p:nvPr/>
+        </p:nvSpPr>
+        <p:spPr>
+          <a:xfrm>
+            <a:off x="6096000" y="4526329"/>
+            <a:ext cx="5257800" cy="230832"/>
+          </a:xfrm>
+          <a:prstGeom prst="rect">
+            <a:avLst/>
+          </a:prstGeom>
+          <a:noFill/>
+        </p:spPr>
+        <p:txBody>
+          <a:bodyPr wrap="square" rtlCol="0">
+            <a:spAutoFit/>
+          </a:bodyPr>
+          <a:lstStyle/>
+          <a:p>
+            <a:r>
+              <a:rPr lang="pt-BR" sz="900" dirty="0">
+                <a:solidFill>
+                  <a:srgbClr val="898989"/>
+                </a:solidFill>
+                <a:latin typeface="IBM Plex Sans" panose="020B0503050203000203" pitchFamily="34" charset="0"/>
+              </a:rPr>
+              <a:t>[1]</a:t>
+            </a:r>
+            <a:r>
+              <a:rPr lang="en-US" sz="900" b="0" i="0" dirty="0">
+                <a:solidFill>
+                  <a:srgbClr val="898989"/>
+                </a:solidFill>
+                <a:effectLst/>
+                <a:latin typeface="IBM Plex Sans" panose="020B0503050203000203" pitchFamily="34" charset="0"/>
+              </a:rPr>
+              <a:t> 3GPP, 2022</a:t>
+            </a:r>
+            <a:endParaRPr lang="pt-BR" sz="900" dirty="0">
+              <a:solidFill>
+                <a:srgbClr val="898989"/>
+              </a:solidFill>
+              <a:latin typeface="IBM Plex Sans" panose="020B0503050203000203" pitchFamily="34" charset="0"/>
+            </a:endParaRPr>
+          </a:p>
+        </p:txBody>
+      </p:sp>
+    </p:spTree>
+    <p:extLst>
+      <p:ext uri="{BB962C8B-B14F-4D97-AF65-F5344CB8AC3E}">
+        <p14:creationId xmlns:p14="http://schemas.microsoft.com/office/powerpoint/2010/main" val="257679096"/>
+      </p:ext>
+    </p:extLst>
+  </p:cSld>
+  <p:clrMapOvr>
+    <a:masterClrMapping/>
+  </p:clrMapOvr>
+</p:sld>
+</file>
+
+<file path=ppt/slides/slide28.xml><?xml version="1.0" encoding="utf-8"?>
+<p:sld xmlns:a="http://schemas.openxmlformats.org/drawingml/2006/main" xmlns:r="http://schemas.openxmlformats.org/officeDocument/2006/relationships" xmlns:p="http://schemas.openxmlformats.org/presentationml/2006/main">
+  <p:cSld>
+    <p:spTree>
+      <p:nvGrpSpPr>
+        <p:cNvPr id="1" name=""/>
+        <p:cNvGrpSpPr/>
+        <p:nvPr/>
+      </p:nvGrpSpPr>
+      <p:grpSpPr>
+        <a:xfrm>
+          <a:off x="0" y="0"/>
+          <a:ext cx="0" cy="0"/>
+          <a:chOff x="0" y="0"/>
+          <a:chExt cx="0" cy="0"/>
+        </a:xfrm>
+      </p:grpSpPr>
+      <p:sp>
+        <p:nvSpPr>
+          <p:cNvPr id="4" name="Footer Placeholder 3">
+            <a:extLst>
+              <a:ext uri="{FF2B5EF4-FFF2-40B4-BE49-F238E27FC236}">
+                <a16:creationId xmlns:a16="http://schemas.microsoft.com/office/drawing/2014/main" id="{ABC5BB99-6713-EE89-3895-F3148FABAE18}"/>
+              </a:ext>
+            </a:extLst>
+          </p:cNvPr>
+          <p:cNvSpPr>
+            <a:spLocks noGrp="1"/>
+          </p:cNvSpPr>
+          <p:nvPr>
+            <p:ph type="ftr" sz="quarter" idx="11"/>
+          </p:nvPr>
+        </p:nvSpPr>
+        <p:spPr/>
+        <p:txBody>
+          <a:bodyPr/>
+          <a:lstStyle/>
+          <a:p>
+            <a:r>
+              <a:rPr lang="pt-BR" dirty="0">
+                <a:latin typeface="IBM Plex Sans" panose="020B0503050203000203" pitchFamily="34" charset="0"/>
+              </a:rPr>
+              <a:t>A Mobile </a:t>
+            </a:r>
+            <a:r>
+              <a:rPr lang="pt-BR" dirty="0" err="1">
+                <a:latin typeface="IBM Plex Sans" panose="020B0503050203000203" pitchFamily="34" charset="0"/>
+              </a:rPr>
+              <a:t>Traffic</a:t>
+            </a:r>
+            <a:r>
+              <a:rPr lang="pt-BR" dirty="0">
+                <a:latin typeface="IBM Plex Sans" panose="020B0503050203000203" pitchFamily="34" charset="0"/>
+              </a:rPr>
+              <a:t> </a:t>
+            </a:r>
+            <a:r>
+              <a:rPr lang="pt-BR" dirty="0" err="1">
+                <a:latin typeface="IBM Plex Sans" panose="020B0503050203000203" pitchFamily="34" charset="0"/>
+              </a:rPr>
+              <a:t>Predictor</a:t>
+            </a:r>
+            <a:r>
+              <a:rPr lang="pt-BR" dirty="0">
+                <a:latin typeface="IBM Plex Sans" panose="020B0503050203000203" pitchFamily="34" charset="0"/>
+              </a:rPr>
+              <a:t> </a:t>
+            </a:r>
+            <a:r>
+              <a:rPr lang="pt-BR" dirty="0" err="1">
+                <a:latin typeface="IBM Plex Sans" panose="020B0503050203000203" pitchFamily="34" charset="0"/>
+              </a:rPr>
+              <a:t>Enhanced</a:t>
+            </a:r>
+            <a:r>
+              <a:rPr lang="pt-BR" dirty="0">
+                <a:latin typeface="IBM Plex Sans" panose="020B0503050203000203" pitchFamily="34" charset="0"/>
+              </a:rPr>
+              <a:t> </a:t>
+            </a:r>
+            <a:r>
+              <a:rPr lang="pt-BR" dirty="0" err="1">
+                <a:latin typeface="IBM Plex Sans" panose="020B0503050203000203" pitchFamily="34" charset="0"/>
+              </a:rPr>
+              <a:t>by</a:t>
+            </a:r>
+            <a:r>
+              <a:rPr lang="pt-BR" dirty="0">
+                <a:latin typeface="IBM Plex Sans" panose="020B0503050203000203" pitchFamily="34" charset="0"/>
+              </a:rPr>
+              <a:t> </a:t>
+            </a:r>
+            <a:r>
+              <a:rPr lang="pt-BR" dirty="0" err="1">
+                <a:latin typeface="IBM Plex Sans" panose="020B0503050203000203" pitchFamily="34" charset="0"/>
+              </a:rPr>
+              <a:t>Neighboring</a:t>
+            </a:r>
+            <a:r>
+              <a:rPr lang="pt-BR" dirty="0">
+                <a:latin typeface="IBM Plex Sans" panose="020B0503050203000203" pitchFamily="34" charset="0"/>
+              </a:rPr>
+              <a:t> </a:t>
+            </a:r>
+            <a:r>
+              <a:rPr lang="pt-BR" dirty="0" err="1">
+                <a:latin typeface="IBM Plex Sans" panose="020B0503050203000203" pitchFamily="34" charset="0"/>
+              </a:rPr>
+              <a:t>Transportation</a:t>
+            </a:r>
+            <a:r>
+              <a:rPr lang="pt-BR" dirty="0">
+                <a:latin typeface="IBM Plex Sans" panose="020B0503050203000203" pitchFamily="34" charset="0"/>
+              </a:rPr>
+              <a:t> Data (MTP-NT)</a:t>
+            </a:r>
+          </a:p>
+        </p:txBody>
+      </p:sp>
+      <p:sp>
+        <p:nvSpPr>
+          <p:cNvPr id="5" name="Slide Number Placeholder 4">
+            <a:extLst>
+              <a:ext uri="{FF2B5EF4-FFF2-40B4-BE49-F238E27FC236}">
+                <a16:creationId xmlns:a16="http://schemas.microsoft.com/office/drawing/2014/main" id="{DE4D7978-95DF-1BFB-E341-3759F4762F0C}"/>
+              </a:ext>
+            </a:extLst>
+          </p:cNvPr>
+          <p:cNvSpPr>
+            <a:spLocks noGrp="1"/>
+          </p:cNvSpPr>
+          <p:nvPr>
+            <p:ph type="sldNum" sz="quarter" idx="12"/>
+          </p:nvPr>
+        </p:nvSpPr>
+        <p:spPr/>
+        <p:txBody>
+          <a:bodyPr/>
+          <a:lstStyle/>
+          <a:p>
+            <a:fld id="{C16D1434-241F-3E4A-8778-0F70095E40C3}" type="slidenum">
+              <a:rPr lang="pt-BR" smtClean="0">
+                <a:latin typeface="IBM Plex Sans" panose="020B0503050203000203" pitchFamily="34" charset="0"/>
+              </a:rPr>
+              <a:t>28</a:t>
+            </a:fld>
+            <a:endParaRPr lang="pt-BR">
+              <a:latin typeface="IBM Plex Sans" panose="020B0503050203000203" pitchFamily="34" charset="0"/>
+            </a:endParaRPr>
+          </a:p>
+        </p:txBody>
+      </p:sp>
+      <p:sp>
+        <p:nvSpPr>
+          <p:cNvPr id="8" name="Text Placeholder">
+            <a:extLst>
+              <a:ext uri="{FF2B5EF4-FFF2-40B4-BE49-F238E27FC236}">
+                <a16:creationId xmlns:a16="http://schemas.microsoft.com/office/drawing/2014/main" id="{5EA019E9-4BFE-FD86-7DD4-328DEB414A44}"/>
+              </a:ext>
+            </a:extLst>
+          </p:cNvPr>
+          <p:cNvSpPr txBox="1">
+            <a:spLocks/>
+          </p:cNvSpPr>
+          <p:nvPr/>
+        </p:nvSpPr>
+        <p:spPr>
+          <a:xfrm>
+            <a:off x="-1" y="104751"/>
+            <a:ext cx="12056165" cy="1296666"/>
+          </a:xfrm>
+          <a:prstGeom prst="rect">
+            <a:avLst/>
+          </a:prstGeom>
+        </p:spPr>
+        <p:txBody>
+          <a:bodyPr vert="horz" lIns="91440" tIns="45720" rIns="91440" bIns="45720" rtlCol="0" anchor="ctr"/>
+          <a:lstStyle>
+            <a:defPPr>
+              <a:defRPr lang="en-BR"/>
+            </a:defPPr>
+            <a:lvl1pPr marL="0" algn="r" defTabSz="914400" rtl="0" eaLnBrk="1" latinLnBrk="0" hangingPunct="1">
+              <a:defRPr sz="1200" kern="1200">
+                <a:solidFill>
+                  <a:schemeClr val="tx1">
+                    <a:tint val="75000"/>
+                  </a:schemeClr>
+                </a:solidFill>
+                <a:latin typeface="+mn-lt"/>
+                <a:ea typeface="+mn-ea"/>
+                <a:cs typeface="+mn-cs"/>
+              </a:defRPr>
+            </a:lvl1pPr>
+            <a:lvl2pPr marL="457200" algn="l" defTabSz="914400" rtl="0" eaLnBrk="1" latinLnBrk="0" hangingPunct="1">
+              <a:defRPr sz="1800" kern="1200">
+                <a:solidFill>
+                  <a:schemeClr val="tx1"/>
+                </a:solidFill>
+                <a:latin typeface="+mn-lt"/>
+                <a:ea typeface="+mn-ea"/>
+                <a:cs typeface="+mn-cs"/>
+              </a:defRPr>
+            </a:lvl2pPr>
+            <a:lvl3pPr marL="914400" algn="l" defTabSz="914400" rtl="0" eaLnBrk="1" latinLnBrk="0" hangingPunct="1">
+              <a:defRPr sz="1800" kern="1200">
+                <a:solidFill>
+                  <a:schemeClr val="tx1"/>
+                </a:solidFill>
+                <a:latin typeface="+mn-lt"/>
+                <a:ea typeface="+mn-ea"/>
+                <a:cs typeface="+mn-cs"/>
+              </a:defRPr>
+            </a:lvl3pPr>
+            <a:lvl4pPr marL="1371600" algn="l" defTabSz="914400" rtl="0" eaLnBrk="1" latinLnBrk="0" hangingPunct="1">
+              <a:defRPr sz="1800" kern="1200">
+                <a:solidFill>
+                  <a:schemeClr val="tx1"/>
+                </a:solidFill>
+                <a:latin typeface="+mn-lt"/>
+                <a:ea typeface="+mn-ea"/>
+                <a:cs typeface="+mn-cs"/>
+              </a:defRPr>
+            </a:lvl4pPr>
+            <a:lvl5pPr marL="1828800" algn="l" defTabSz="914400" rtl="0" eaLnBrk="1" latinLnBrk="0" hangingPunct="1">
+              <a:defRPr sz="1800" kern="1200">
+                <a:solidFill>
+                  <a:schemeClr val="tx1"/>
+                </a:solidFill>
+                <a:latin typeface="+mn-lt"/>
+                <a:ea typeface="+mn-ea"/>
+                <a:cs typeface="+mn-cs"/>
+              </a:defRPr>
+            </a:lvl5pPr>
+            <a:lvl6pPr marL="2286000" algn="l" defTabSz="914400" rtl="0" eaLnBrk="1" latinLnBrk="0" hangingPunct="1">
+              <a:defRPr sz="1800" kern="1200">
+                <a:solidFill>
+                  <a:schemeClr val="tx1"/>
+                </a:solidFill>
+                <a:latin typeface="+mn-lt"/>
+                <a:ea typeface="+mn-ea"/>
+                <a:cs typeface="+mn-cs"/>
+              </a:defRPr>
+            </a:lvl6pPr>
+            <a:lvl7pPr marL="2743200" algn="l" defTabSz="914400" rtl="0" eaLnBrk="1" latinLnBrk="0" hangingPunct="1">
+              <a:defRPr sz="1800" kern="1200">
+                <a:solidFill>
+                  <a:schemeClr val="tx1"/>
+                </a:solidFill>
+                <a:latin typeface="+mn-lt"/>
+                <a:ea typeface="+mn-ea"/>
+                <a:cs typeface="+mn-cs"/>
+              </a:defRPr>
+            </a:lvl7pPr>
+            <a:lvl8pPr marL="3200400" algn="l" defTabSz="914400" rtl="0" eaLnBrk="1" latinLnBrk="0" hangingPunct="1">
+              <a:defRPr sz="1800" kern="1200">
+                <a:solidFill>
+                  <a:schemeClr val="tx1"/>
+                </a:solidFill>
+                <a:latin typeface="+mn-lt"/>
+                <a:ea typeface="+mn-ea"/>
+                <a:cs typeface="+mn-cs"/>
+              </a:defRPr>
+            </a:lvl8pPr>
+            <a:lvl9pPr marL="3657600" algn="l" defTabSz="914400" rtl="0" eaLnBrk="1" latinLnBrk="0" hangingPunct="1">
+              <a:defRPr sz="1800" kern="1200">
+                <a:solidFill>
+                  <a:schemeClr val="tx1"/>
+                </a:solidFill>
+                <a:latin typeface="+mn-lt"/>
+                <a:ea typeface="+mn-ea"/>
+                <a:cs typeface="+mn-cs"/>
+              </a:defRPr>
+            </a:lvl9pPr>
+          </a:lstStyle>
+          <a:p>
+            <a:pPr algn="l"/>
+            <a:r>
+              <a:rPr lang="en-US" sz="4000" b="1" dirty="0">
+                <a:solidFill>
+                  <a:schemeClr val="tx1"/>
+                </a:solidFill>
+                <a:latin typeface="IBM Plex Sans" panose="020B0503050203000203" pitchFamily="34" charset="0"/>
+              </a:rPr>
+              <a:t>Preliminaries on data Collection for MTP-NT – Data flow</a:t>
+            </a:r>
+          </a:p>
+        </p:txBody>
+      </p:sp>
+      <p:pic>
+        <p:nvPicPr>
+          <p:cNvPr id="11" name="Picture 10" descr="A close-up of a cloud&#10;&#10;Description automatically generated">
+            <a:extLst>
+              <a:ext uri="{FF2B5EF4-FFF2-40B4-BE49-F238E27FC236}">
+                <a16:creationId xmlns:a16="http://schemas.microsoft.com/office/drawing/2014/main" id="{35A4F2E1-0C3F-70C8-C5ED-C1D447DB379D}"/>
+              </a:ext>
+            </a:extLst>
+          </p:cNvPr>
+          <p:cNvPicPr>
+            <a:picLocks noChangeAspect="1"/>
+          </p:cNvPicPr>
+          <p:nvPr/>
+        </p:nvPicPr>
+        <p:blipFill rotWithShape="1">
+          <a:blip r:embed="rId3"/>
+          <a:srcRect t="9663"/>
+          <a:stretch/>
+        </p:blipFill>
+        <p:spPr>
+          <a:xfrm>
+            <a:off x="663836" y="1252332"/>
+            <a:ext cx="10864328" cy="2782956"/>
+          </a:xfrm>
+          <a:prstGeom prst="rect">
+            <a:avLst/>
+          </a:prstGeom>
+        </p:spPr>
+      </p:pic>
+      <p:sp>
+        <p:nvSpPr>
+          <p:cNvPr id="2" name="Rectangle 1">
+            <a:extLst>
+              <a:ext uri="{FF2B5EF4-FFF2-40B4-BE49-F238E27FC236}">
+                <a16:creationId xmlns:a16="http://schemas.microsoft.com/office/drawing/2014/main" id="{49BD43EF-4AB1-B5A0-D393-2EA168950E49}"/>
+              </a:ext>
+            </a:extLst>
+          </p:cNvPr>
+          <p:cNvSpPr/>
+          <p:nvPr/>
+        </p:nvSpPr>
+        <p:spPr>
+          <a:xfrm>
+            <a:off x="5764696" y="1212640"/>
+            <a:ext cx="5903842" cy="2782956"/>
+          </a:xfrm>
+          <a:prstGeom prst="rect">
+            <a:avLst/>
+          </a:prstGeom>
+          <a:solidFill>
+            <a:schemeClr val="bg1">
+              <a:alpha val="92925"/>
+            </a:schemeClr>
+          </a:solidFill>
+          <a:ln>
+            <a:noFill/>
+          </a:ln>
+        </p:spPr>
+        <p:style>
+          <a:lnRef idx="2">
+            <a:schemeClr val="accent1">
+              <a:shade val="15000"/>
+            </a:schemeClr>
+          </a:lnRef>
+          <a:fillRef idx="1">
+            <a:schemeClr val="accent1"/>
+          </a:fillRef>
+          <a:effectRef idx="0">
+            <a:schemeClr val="accent1"/>
+          </a:effectRef>
+          <a:fontRef idx="minor">
+            <a:schemeClr val="lt1"/>
+          </a:fontRef>
+        </p:style>
+        <p:txBody>
+          <a:bodyPr rtlCol="0" anchor="ctr"/>
+          <a:lstStyle/>
+          <a:p>
+            <a:pPr algn="ctr"/>
+            <a:endParaRPr lang="pt-BR"/>
+          </a:p>
+        </p:txBody>
+      </p:sp>
+      <p:sp>
+        <p:nvSpPr>
+          <p:cNvPr id="3" name="Title">
+            <a:extLst>
+              <a:ext uri="{FF2B5EF4-FFF2-40B4-BE49-F238E27FC236}">
+                <a16:creationId xmlns:a16="http://schemas.microsoft.com/office/drawing/2014/main" id="{2170016D-54DD-5008-2F36-6AC29276D5E4}"/>
+              </a:ext>
+            </a:extLst>
+          </p:cNvPr>
+          <p:cNvSpPr>
+            <a:spLocks noGrp="1"/>
+          </p:cNvSpPr>
+          <p:nvPr>
+            <p:ph type="title"/>
+          </p:nvPr>
+        </p:nvSpPr>
+        <p:spPr>
+          <a:xfrm>
+            <a:off x="748749" y="4267362"/>
+            <a:ext cx="3985590" cy="2485887"/>
+          </a:xfrm>
+        </p:spPr>
+        <p:txBody>
+          <a:bodyPr anchor="t">
+            <a:normAutofit/>
+          </a:bodyPr>
+          <a:lstStyle/>
+          <a:p>
+            <a:r>
+              <a:rPr lang="en-US" sz="1600" b="1" dirty="0">
+                <a:latin typeface="IBM Plex Sans" panose="020B0503050203000203" pitchFamily="34" charset="0"/>
+              </a:rPr>
+              <a:t>NoSQL</a:t>
+            </a:r>
+            <a:r>
+              <a:rPr lang="en-US" sz="1600" b="1" baseline="30000" dirty="0">
+                <a:latin typeface="IBM Plex Sans" panose="020B0503050203000203" pitchFamily="34" charset="0"/>
+              </a:rPr>
+              <a:t>12</a:t>
+            </a:r>
+            <a:br>
+              <a:rPr lang="en-US" sz="1600" b="1" baseline="30000" dirty="0">
+                <a:latin typeface="IBM Plex Sans" panose="020B0503050203000203" pitchFamily="34" charset="0"/>
+              </a:rPr>
+            </a:br>
+            <a:br>
+              <a:rPr lang="en-US" sz="1600" b="1" baseline="30000" dirty="0">
+                <a:latin typeface="IBM Plex Sans" panose="020B0503050203000203" pitchFamily="34" charset="0"/>
+              </a:rPr>
+            </a:br>
+            <a:r>
+              <a:rPr lang="en-US" sz="1600" b="1" dirty="0">
+                <a:latin typeface="IBM Plex Sans" panose="020B0503050203000203" pitchFamily="34" charset="0"/>
+              </a:rPr>
+              <a:t>Less performance penalties with large datasets</a:t>
+            </a:r>
+            <a:br>
+              <a:rPr lang="en-US" sz="1600" b="1" dirty="0">
+                <a:latin typeface="IBM Plex Sans" panose="020B0503050203000203" pitchFamily="34" charset="0"/>
+              </a:rPr>
+            </a:br>
+            <a:br>
+              <a:rPr lang="en-US" sz="1600" b="1" dirty="0">
+                <a:latin typeface="IBM Plex Sans" panose="020B0503050203000203" pitchFamily="34" charset="0"/>
+              </a:rPr>
+            </a:br>
+            <a:r>
+              <a:rPr lang="en-US" sz="1600" b="1" dirty="0">
+                <a:latin typeface="IBM Plex Sans" panose="020B0503050203000203" pitchFamily="34" charset="0"/>
+              </a:rPr>
+              <a:t>Popular open source solutions</a:t>
+            </a:r>
+          </a:p>
+        </p:txBody>
+      </p:sp>
+      <p:sp>
+        <p:nvSpPr>
+          <p:cNvPr id="6" name="TextBox 5">
+            <a:extLst>
+              <a:ext uri="{FF2B5EF4-FFF2-40B4-BE49-F238E27FC236}">
+                <a16:creationId xmlns:a16="http://schemas.microsoft.com/office/drawing/2014/main" id="{4E338357-CE59-7DCB-2624-633E69BEF748}"/>
+              </a:ext>
+            </a:extLst>
+          </p:cNvPr>
+          <p:cNvSpPr txBox="1"/>
+          <p:nvPr/>
+        </p:nvSpPr>
+        <p:spPr>
+          <a:xfrm>
+            <a:off x="6096000" y="4526329"/>
+            <a:ext cx="5257800" cy="369332"/>
+          </a:xfrm>
+          <a:prstGeom prst="rect">
+            <a:avLst/>
+          </a:prstGeom>
+          <a:noFill/>
+        </p:spPr>
+        <p:txBody>
+          <a:bodyPr wrap="square" rtlCol="0">
+            <a:spAutoFit/>
+          </a:bodyPr>
+          <a:lstStyle/>
+          <a:p>
+            <a:r>
+              <a:rPr lang="pt-BR" sz="900" dirty="0">
+                <a:solidFill>
+                  <a:srgbClr val="898989"/>
+                </a:solidFill>
+                <a:latin typeface="IBM Plex Sans" panose="020B0503050203000203" pitchFamily="34" charset="0"/>
+              </a:rPr>
+              <a:t>[1]</a:t>
+            </a:r>
+            <a:r>
+              <a:rPr lang="en-US" sz="900" b="0" i="0" dirty="0">
+                <a:solidFill>
+                  <a:srgbClr val="898989"/>
+                </a:solidFill>
+                <a:effectLst/>
+                <a:latin typeface="IBM Plex Sans" panose="020B0503050203000203" pitchFamily="34" charset="0"/>
+              </a:rPr>
+              <a:t> Han</a:t>
+            </a:r>
+            <a:r>
+              <a:rPr lang="pt-BR" sz="900" b="0" i="0" dirty="0">
+                <a:solidFill>
+                  <a:srgbClr val="898989"/>
+                </a:solidFill>
+                <a:effectLst/>
+                <a:latin typeface="IBM Plex Sans" panose="020B0503050203000203" pitchFamily="34" charset="0"/>
+              </a:rPr>
+              <a:t> 2011</a:t>
+            </a:r>
+          </a:p>
+          <a:p>
+            <a:r>
+              <a:rPr lang="pt-BR" sz="900" dirty="0">
+                <a:solidFill>
+                  <a:srgbClr val="898989"/>
+                </a:solidFill>
+                <a:latin typeface="IBM Plex Sans" panose="020B0503050203000203" pitchFamily="34" charset="0"/>
+              </a:rPr>
+              <a:t>[2] </a:t>
+            </a:r>
+            <a:r>
+              <a:rPr lang="pt-BR" sz="900" dirty="0" err="1">
+                <a:solidFill>
+                  <a:srgbClr val="898989"/>
+                </a:solidFill>
+                <a:latin typeface="IBM Plex Sans" panose="020B0503050203000203" pitchFamily="34" charset="0"/>
+              </a:rPr>
+              <a:t>D</a:t>
+            </a:r>
+            <a:r>
+              <a:rPr lang="pt-BR" sz="900" dirty="0">
+                <a:solidFill>
+                  <a:srgbClr val="898989"/>
+                </a:solidFill>
+                <a:latin typeface="IBM Plex Sans" panose="020B0503050203000203" pitchFamily="34" charset="0"/>
+              </a:rPr>
+              <a:t> </a:t>
+            </a:r>
+            <a:r>
+              <a:rPr lang="pt-BR" sz="900" dirty="0" err="1">
+                <a:solidFill>
+                  <a:srgbClr val="898989"/>
+                </a:solidFill>
+                <a:latin typeface="IBM Plex Sans" panose="020B0503050203000203" pitchFamily="34" charset="0"/>
+              </a:rPr>
+              <a:t>Alconzo</a:t>
+            </a:r>
+            <a:r>
+              <a:rPr lang="pt-BR" sz="900" dirty="0">
+                <a:solidFill>
+                  <a:srgbClr val="898989"/>
+                </a:solidFill>
+                <a:latin typeface="IBM Plex Sans" panose="020B0503050203000203" pitchFamily="34" charset="0"/>
+              </a:rPr>
+              <a:t> 2019a</a:t>
+            </a:r>
+            <a:endParaRPr lang="en-US" sz="900" b="0" i="0" dirty="0">
+              <a:solidFill>
+                <a:srgbClr val="898989"/>
+              </a:solidFill>
+              <a:effectLst/>
+              <a:latin typeface="IBM Plex Sans" panose="020B0503050203000203" pitchFamily="34" charset="0"/>
+            </a:endParaRPr>
+          </a:p>
+        </p:txBody>
+      </p:sp>
+      <p:sp>
+        <p:nvSpPr>
+          <p:cNvPr id="7" name="Rectangle 6">
+            <a:extLst>
+              <a:ext uri="{FF2B5EF4-FFF2-40B4-BE49-F238E27FC236}">
+                <a16:creationId xmlns:a16="http://schemas.microsoft.com/office/drawing/2014/main" id="{F275480B-7CEE-3A4E-D5F4-493E998F3D78}"/>
+              </a:ext>
+            </a:extLst>
+          </p:cNvPr>
+          <p:cNvSpPr/>
+          <p:nvPr/>
+        </p:nvSpPr>
+        <p:spPr>
+          <a:xfrm>
+            <a:off x="523462" y="1238885"/>
+            <a:ext cx="2367598" cy="2915671"/>
+          </a:xfrm>
+          <a:prstGeom prst="rect">
+            <a:avLst/>
+          </a:prstGeom>
+          <a:solidFill>
+            <a:schemeClr val="bg1">
+              <a:alpha val="92925"/>
+            </a:schemeClr>
+          </a:solidFill>
+          <a:ln>
+            <a:noFill/>
+          </a:ln>
+        </p:spPr>
+        <p:style>
+          <a:lnRef idx="2">
+            <a:schemeClr val="accent1">
+              <a:shade val="15000"/>
+            </a:schemeClr>
+          </a:lnRef>
+          <a:fillRef idx="1">
+            <a:schemeClr val="accent1"/>
+          </a:fillRef>
+          <a:effectRef idx="0">
+            <a:schemeClr val="accent1"/>
+          </a:effectRef>
+          <a:fontRef idx="minor">
+            <a:schemeClr val="lt1"/>
+          </a:fontRef>
+        </p:style>
+        <p:txBody>
+          <a:bodyPr rtlCol="0" anchor="ctr"/>
+          <a:lstStyle/>
+          <a:p>
+            <a:pPr algn="ctr"/>
+            <a:endParaRPr lang="pt-BR"/>
+          </a:p>
+        </p:txBody>
+      </p:sp>
+    </p:spTree>
+    <p:extLst>
+      <p:ext uri="{BB962C8B-B14F-4D97-AF65-F5344CB8AC3E}">
+        <p14:creationId xmlns:p14="http://schemas.microsoft.com/office/powerpoint/2010/main" val="4015198494"/>
+      </p:ext>
+    </p:extLst>
+  </p:cSld>
+  <p:clrMapOvr>
+    <a:masterClrMapping/>
+  </p:clrMapOvr>
+</p:sld>
+</file>
+
+<file path=ppt/slides/slide29.xml><?xml version="1.0" encoding="utf-8"?>
+<p:sld xmlns:a="http://schemas.openxmlformats.org/drawingml/2006/main" xmlns:r="http://schemas.openxmlformats.org/officeDocument/2006/relationships" xmlns:p="http://schemas.openxmlformats.org/presentationml/2006/main">
+  <p:cSld>
+    <p:spTree>
+      <p:nvGrpSpPr>
+        <p:cNvPr id="1" name=""/>
+        <p:cNvGrpSpPr/>
+        <p:nvPr/>
+      </p:nvGrpSpPr>
+      <p:grpSpPr>
+        <a:xfrm>
+          <a:off x="0" y="0"/>
+          <a:ext cx="0" cy="0"/>
+          <a:chOff x="0" y="0"/>
+          <a:chExt cx="0" cy="0"/>
+        </a:xfrm>
+      </p:grpSpPr>
+      <p:sp>
+        <p:nvSpPr>
+          <p:cNvPr id="4" name="Footer Placeholder 3">
+            <a:extLst>
+              <a:ext uri="{FF2B5EF4-FFF2-40B4-BE49-F238E27FC236}">
+                <a16:creationId xmlns:a16="http://schemas.microsoft.com/office/drawing/2014/main" id="{ABC5BB99-6713-EE89-3895-F3148FABAE18}"/>
+              </a:ext>
+            </a:extLst>
+          </p:cNvPr>
+          <p:cNvSpPr>
+            <a:spLocks noGrp="1"/>
+          </p:cNvSpPr>
+          <p:nvPr>
+            <p:ph type="ftr" sz="quarter" idx="11"/>
+          </p:nvPr>
+        </p:nvSpPr>
+        <p:spPr/>
+        <p:txBody>
+          <a:bodyPr/>
+          <a:lstStyle/>
+          <a:p>
+            <a:r>
+              <a:rPr lang="pt-BR" dirty="0">
+                <a:latin typeface="IBM Plex Sans" panose="020B0503050203000203" pitchFamily="34" charset="0"/>
+              </a:rPr>
+              <a:t>A Mobile </a:t>
+            </a:r>
+            <a:r>
+              <a:rPr lang="pt-BR" dirty="0" err="1">
+                <a:latin typeface="IBM Plex Sans" panose="020B0503050203000203" pitchFamily="34" charset="0"/>
+              </a:rPr>
+              <a:t>Traffic</a:t>
+            </a:r>
+            <a:r>
+              <a:rPr lang="pt-BR" dirty="0">
+                <a:latin typeface="IBM Plex Sans" panose="020B0503050203000203" pitchFamily="34" charset="0"/>
+              </a:rPr>
+              <a:t> </a:t>
+            </a:r>
+            <a:r>
+              <a:rPr lang="pt-BR" dirty="0" err="1">
+                <a:latin typeface="IBM Plex Sans" panose="020B0503050203000203" pitchFamily="34" charset="0"/>
+              </a:rPr>
+              <a:t>Predictor</a:t>
+            </a:r>
+            <a:r>
+              <a:rPr lang="pt-BR" dirty="0">
+                <a:latin typeface="IBM Plex Sans" panose="020B0503050203000203" pitchFamily="34" charset="0"/>
+              </a:rPr>
+              <a:t> </a:t>
+            </a:r>
+            <a:r>
+              <a:rPr lang="pt-BR" dirty="0" err="1">
+                <a:latin typeface="IBM Plex Sans" panose="020B0503050203000203" pitchFamily="34" charset="0"/>
+              </a:rPr>
+              <a:t>Enhanced</a:t>
+            </a:r>
+            <a:r>
+              <a:rPr lang="pt-BR" dirty="0">
+                <a:latin typeface="IBM Plex Sans" panose="020B0503050203000203" pitchFamily="34" charset="0"/>
+              </a:rPr>
+              <a:t> </a:t>
+            </a:r>
+            <a:r>
+              <a:rPr lang="pt-BR" dirty="0" err="1">
+                <a:latin typeface="IBM Plex Sans" panose="020B0503050203000203" pitchFamily="34" charset="0"/>
+              </a:rPr>
+              <a:t>by</a:t>
+            </a:r>
+            <a:r>
+              <a:rPr lang="pt-BR" dirty="0">
+                <a:latin typeface="IBM Plex Sans" panose="020B0503050203000203" pitchFamily="34" charset="0"/>
+              </a:rPr>
+              <a:t> </a:t>
+            </a:r>
+            <a:r>
+              <a:rPr lang="pt-BR" dirty="0" err="1">
+                <a:latin typeface="IBM Plex Sans" panose="020B0503050203000203" pitchFamily="34" charset="0"/>
+              </a:rPr>
+              <a:t>Neighboring</a:t>
+            </a:r>
+            <a:r>
+              <a:rPr lang="pt-BR" dirty="0">
+                <a:latin typeface="IBM Plex Sans" panose="020B0503050203000203" pitchFamily="34" charset="0"/>
+              </a:rPr>
+              <a:t> </a:t>
+            </a:r>
+            <a:r>
+              <a:rPr lang="pt-BR" dirty="0" err="1">
+                <a:latin typeface="IBM Plex Sans" panose="020B0503050203000203" pitchFamily="34" charset="0"/>
+              </a:rPr>
+              <a:t>Transportation</a:t>
+            </a:r>
+            <a:r>
+              <a:rPr lang="pt-BR" dirty="0">
+                <a:latin typeface="IBM Plex Sans" panose="020B0503050203000203" pitchFamily="34" charset="0"/>
+              </a:rPr>
+              <a:t> Data (MTP-NT)</a:t>
+            </a:r>
+          </a:p>
+        </p:txBody>
+      </p:sp>
+      <p:sp>
+        <p:nvSpPr>
+          <p:cNvPr id="5" name="Slide Number Placeholder 4">
+            <a:extLst>
+              <a:ext uri="{FF2B5EF4-FFF2-40B4-BE49-F238E27FC236}">
+                <a16:creationId xmlns:a16="http://schemas.microsoft.com/office/drawing/2014/main" id="{DE4D7978-95DF-1BFB-E341-3759F4762F0C}"/>
+              </a:ext>
+            </a:extLst>
+          </p:cNvPr>
+          <p:cNvSpPr>
+            <a:spLocks noGrp="1"/>
+          </p:cNvSpPr>
+          <p:nvPr>
+            <p:ph type="sldNum" sz="quarter" idx="12"/>
+          </p:nvPr>
+        </p:nvSpPr>
+        <p:spPr/>
+        <p:txBody>
+          <a:bodyPr/>
+          <a:lstStyle/>
+          <a:p>
+            <a:fld id="{C16D1434-241F-3E4A-8778-0F70095E40C3}" type="slidenum">
+              <a:rPr lang="pt-BR" smtClean="0">
+                <a:latin typeface="IBM Plex Sans" panose="020B0503050203000203" pitchFamily="34" charset="0"/>
+              </a:rPr>
+              <a:t>29</a:t>
+            </a:fld>
+            <a:endParaRPr lang="pt-BR">
+              <a:latin typeface="IBM Plex Sans" panose="020B0503050203000203" pitchFamily="34" charset="0"/>
+            </a:endParaRPr>
+          </a:p>
+        </p:txBody>
+      </p:sp>
+      <p:sp>
+        <p:nvSpPr>
+          <p:cNvPr id="8" name="Text Placeholder">
+            <a:extLst>
+              <a:ext uri="{FF2B5EF4-FFF2-40B4-BE49-F238E27FC236}">
+                <a16:creationId xmlns:a16="http://schemas.microsoft.com/office/drawing/2014/main" id="{5EA019E9-4BFE-FD86-7DD4-328DEB414A44}"/>
+              </a:ext>
+            </a:extLst>
+          </p:cNvPr>
+          <p:cNvSpPr txBox="1">
+            <a:spLocks/>
+          </p:cNvSpPr>
+          <p:nvPr/>
+        </p:nvSpPr>
+        <p:spPr>
+          <a:xfrm>
+            <a:off x="-1" y="104751"/>
+            <a:ext cx="12056165" cy="1296666"/>
+          </a:xfrm>
+          <a:prstGeom prst="rect">
+            <a:avLst/>
+          </a:prstGeom>
+        </p:spPr>
+        <p:txBody>
+          <a:bodyPr vert="horz" lIns="91440" tIns="45720" rIns="91440" bIns="45720" rtlCol="0" anchor="ctr"/>
+          <a:lstStyle>
+            <a:defPPr>
+              <a:defRPr lang="en-BR"/>
+            </a:defPPr>
+            <a:lvl1pPr marL="0" algn="r" defTabSz="914400" rtl="0" eaLnBrk="1" latinLnBrk="0" hangingPunct="1">
+              <a:defRPr sz="1200" kern="1200">
+                <a:solidFill>
+                  <a:schemeClr val="tx1">
+                    <a:tint val="75000"/>
+                  </a:schemeClr>
+                </a:solidFill>
+                <a:latin typeface="+mn-lt"/>
+                <a:ea typeface="+mn-ea"/>
+                <a:cs typeface="+mn-cs"/>
+              </a:defRPr>
+            </a:lvl1pPr>
+            <a:lvl2pPr marL="457200" algn="l" defTabSz="914400" rtl="0" eaLnBrk="1" latinLnBrk="0" hangingPunct="1">
+              <a:defRPr sz="1800" kern="1200">
+                <a:solidFill>
+                  <a:schemeClr val="tx1"/>
+                </a:solidFill>
+                <a:latin typeface="+mn-lt"/>
+                <a:ea typeface="+mn-ea"/>
+                <a:cs typeface="+mn-cs"/>
+              </a:defRPr>
+            </a:lvl2pPr>
+            <a:lvl3pPr marL="914400" algn="l" defTabSz="914400" rtl="0" eaLnBrk="1" latinLnBrk="0" hangingPunct="1">
+              <a:defRPr sz="1800" kern="1200">
+                <a:solidFill>
+                  <a:schemeClr val="tx1"/>
+                </a:solidFill>
+                <a:latin typeface="+mn-lt"/>
+                <a:ea typeface="+mn-ea"/>
+                <a:cs typeface="+mn-cs"/>
+              </a:defRPr>
+            </a:lvl3pPr>
+            <a:lvl4pPr marL="1371600" algn="l" defTabSz="914400" rtl="0" eaLnBrk="1" latinLnBrk="0" hangingPunct="1">
+              <a:defRPr sz="1800" kern="1200">
+                <a:solidFill>
+                  <a:schemeClr val="tx1"/>
+                </a:solidFill>
+                <a:latin typeface="+mn-lt"/>
+                <a:ea typeface="+mn-ea"/>
+                <a:cs typeface="+mn-cs"/>
+              </a:defRPr>
+            </a:lvl4pPr>
+            <a:lvl5pPr marL="1828800" algn="l" defTabSz="914400" rtl="0" eaLnBrk="1" latinLnBrk="0" hangingPunct="1">
+              <a:defRPr sz="1800" kern="1200">
+                <a:solidFill>
+                  <a:schemeClr val="tx1"/>
+                </a:solidFill>
+                <a:latin typeface="+mn-lt"/>
+                <a:ea typeface="+mn-ea"/>
+                <a:cs typeface="+mn-cs"/>
+              </a:defRPr>
+            </a:lvl5pPr>
+            <a:lvl6pPr marL="2286000" algn="l" defTabSz="914400" rtl="0" eaLnBrk="1" latinLnBrk="0" hangingPunct="1">
+              <a:defRPr sz="1800" kern="1200">
+                <a:solidFill>
+                  <a:schemeClr val="tx1"/>
+                </a:solidFill>
+                <a:latin typeface="+mn-lt"/>
+                <a:ea typeface="+mn-ea"/>
+                <a:cs typeface="+mn-cs"/>
+              </a:defRPr>
+            </a:lvl6pPr>
+            <a:lvl7pPr marL="2743200" algn="l" defTabSz="914400" rtl="0" eaLnBrk="1" latinLnBrk="0" hangingPunct="1">
+              <a:defRPr sz="1800" kern="1200">
+                <a:solidFill>
+                  <a:schemeClr val="tx1"/>
+                </a:solidFill>
+                <a:latin typeface="+mn-lt"/>
+                <a:ea typeface="+mn-ea"/>
+                <a:cs typeface="+mn-cs"/>
+              </a:defRPr>
+            </a:lvl7pPr>
+            <a:lvl8pPr marL="3200400" algn="l" defTabSz="914400" rtl="0" eaLnBrk="1" latinLnBrk="0" hangingPunct="1">
+              <a:defRPr sz="1800" kern="1200">
+                <a:solidFill>
+                  <a:schemeClr val="tx1"/>
+                </a:solidFill>
+                <a:latin typeface="+mn-lt"/>
+                <a:ea typeface="+mn-ea"/>
+                <a:cs typeface="+mn-cs"/>
+              </a:defRPr>
+            </a:lvl8pPr>
+            <a:lvl9pPr marL="3657600" algn="l" defTabSz="914400" rtl="0" eaLnBrk="1" latinLnBrk="0" hangingPunct="1">
+              <a:defRPr sz="1800" kern="1200">
+                <a:solidFill>
+                  <a:schemeClr val="tx1"/>
+                </a:solidFill>
+                <a:latin typeface="+mn-lt"/>
+                <a:ea typeface="+mn-ea"/>
+                <a:cs typeface="+mn-cs"/>
+              </a:defRPr>
+            </a:lvl9pPr>
+          </a:lstStyle>
+          <a:p>
+            <a:pPr algn="l"/>
+            <a:r>
+              <a:rPr lang="en-US" sz="4000" b="1" dirty="0">
+                <a:solidFill>
+                  <a:schemeClr val="tx1"/>
+                </a:solidFill>
+                <a:latin typeface="IBM Plex Sans" panose="020B0503050203000203" pitchFamily="34" charset="0"/>
+              </a:rPr>
+              <a:t>Preliminaries on data Collection for MTP-NT – Data flow</a:t>
+            </a:r>
+          </a:p>
+        </p:txBody>
+      </p:sp>
+      <p:pic>
+        <p:nvPicPr>
+          <p:cNvPr id="11" name="Picture 10" descr="A close-up of a cloud&#10;&#10;Description automatically generated">
+            <a:extLst>
+              <a:ext uri="{FF2B5EF4-FFF2-40B4-BE49-F238E27FC236}">
+                <a16:creationId xmlns:a16="http://schemas.microsoft.com/office/drawing/2014/main" id="{35A4F2E1-0C3F-70C8-C5ED-C1D447DB379D}"/>
+              </a:ext>
+            </a:extLst>
+          </p:cNvPr>
+          <p:cNvPicPr>
+            <a:picLocks noChangeAspect="1"/>
+          </p:cNvPicPr>
+          <p:nvPr/>
+        </p:nvPicPr>
+        <p:blipFill rotWithShape="1">
+          <a:blip r:embed="rId3"/>
+          <a:srcRect t="9663"/>
+          <a:stretch/>
+        </p:blipFill>
+        <p:spPr>
+          <a:xfrm>
+            <a:off x="663836" y="1252332"/>
+            <a:ext cx="10864328" cy="2782956"/>
+          </a:xfrm>
+          <a:prstGeom prst="rect">
+            <a:avLst/>
+          </a:prstGeom>
+        </p:spPr>
+      </p:pic>
+      <p:sp>
+        <p:nvSpPr>
+          <p:cNvPr id="2" name="Rectangle 1">
+            <a:extLst>
+              <a:ext uri="{FF2B5EF4-FFF2-40B4-BE49-F238E27FC236}">
+                <a16:creationId xmlns:a16="http://schemas.microsoft.com/office/drawing/2014/main" id="{49BD43EF-4AB1-B5A0-D393-2EA168950E49}"/>
+              </a:ext>
+            </a:extLst>
+          </p:cNvPr>
+          <p:cNvSpPr/>
+          <p:nvPr/>
+        </p:nvSpPr>
+        <p:spPr>
+          <a:xfrm>
+            <a:off x="9044608" y="1212640"/>
+            <a:ext cx="2623929" cy="2782956"/>
+          </a:xfrm>
+          <a:prstGeom prst="rect">
+            <a:avLst/>
+          </a:prstGeom>
+          <a:solidFill>
+            <a:schemeClr val="bg1">
+              <a:alpha val="92925"/>
+            </a:schemeClr>
+          </a:solidFill>
+          <a:ln>
+            <a:noFill/>
+          </a:ln>
+        </p:spPr>
+        <p:style>
+          <a:lnRef idx="2">
+            <a:schemeClr val="accent1">
+              <a:shade val="15000"/>
+            </a:schemeClr>
+          </a:lnRef>
+          <a:fillRef idx="1">
+            <a:schemeClr val="accent1"/>
+          </a:fillRef>
+          <a:effectRef idx="0">
+            <a:schemeClr val="accent1"/>
+          </a:effectRef>
+          <a:fontRef idx="minor">
+            <a:schemeClr val="lt1"/>
+          </a:fontRef>
+        </p:style>
+        <p:txBody>
+          <a:bodyPr rtlCol="0" anchor="ctr"/>
+          <a:lstStyle/>
+          <a:p>
+            <a:pPr algn="ctr"/>
+            <a:endParaRPr lang="pt-BR"/>
+          </a:p>
+        </p:txBody>
+      </p:sp>
+      <p:sp>
+        <p:nvSpPr>
+          <p:cNvPr id="3" name="Title">
+            <a:extLst>
+              <a:ext uri="{FF2B5EF4-FFF2-40B4-BE49-F238E27FC236}">
+                <a16:creationId xmlns:a16="http://schemas.microsoft.com/office/drawing/2014/main" id="{2170016D-54DD-5008-2F36-6AC29276D5E4}"/>
+              </a:ext>
+            </a:extLst>
+          </p:cNvPr>
+          <p:cNvSpPr>
+            <a:spLocks noGrp="1"/>
+          </p:cNvSpPr>
+          <p:nvPr>
+            <p:ph type="title"/>
+          </p:nvPr>
+        </p:nvSpPr>
+        <p:spPr>
+          <a:xfrm>
+            <a:off x="748749" y="4267362"/>
+            <a:ext cx="3985590" cy="2485887"/>
+          </a:xfrm>
+        </p:spPr>
+        <p:txBody>
+          <a:bodyPr anchor="t">
+            <a:normAutofit/>
+          </a:bodyPr>
+          <a:lstStyle/>
+          <a:p>
+            <a:r>
+              <a:rPr lang="en-US" sz="1600" b="1" dirty="0" err="1">
+                <a:latin typeface="IBM Plex Sans" panose="020B0503050203000203" pitchFamily="34" charset="0"/>
+              </a:rPr>
+              <a:t>Lipsum</a:t>
+            </a:r>
+            <a:endParaRPr lang="en-US" sz="1600" b="1" dirty="0">
+              <a:latin typeface="IBM Plex Sans" panose="020B0503050203000203" pitchFamily="34" charset="0"/>
+            </a:endParaRPr>
+          </a:p>
+        </p:txBody>
+      </p:sp>
+      <p:sp>
+        <p:nvSpPr>
+          <p:cNvPr id="6" name="TextBox 5">
+            <a:extLst>
+              <a:ext uri="{FF2B5EF4-FFF2-40B4-BE49-F238E27FC236}">
+                <a16:creationId xmlns:a16="http://schemas.microsoft.com/office/drawing/2014/main" id="{4E338357-CE59-7DCB-2624-633E69BEF748}"/>
+              </a:ext>
+            </a:extLst>
+          </p:cNvPr>
+          <p:cNvSpPr txBox="1"/>
+          <p:nvPr/>
+        </p:nvSpPr>
+        <p:spPr>
+          <a:xfrm>
+            <a:off x="6096000" y="4526329"/>
+            <a:ext cx="5257800" cy="230832"/>
+          </a:xfrm>
+          <a:prstGeom prst="rect">
+            <a:avLst/>
+          </a:prstGeom>
+          <a:noFill/>
+        </p:spPr>
+        <p:txBody>
+          <a:bodyPr wrap="square" rtlCol="0">
+            <a:spAutoFit/>
+          </a:bodyPr>
+          <a:lstStyle/>
+          <a:p>
+            <a:r>
+              <a:rPr lang="pt-BR" sz="900" dirty="0">
+                <a:solidFill>
+                  <a:srgbClr val="898989"/>
+                </a:solidFill>
+                <a:latin typeface="IBM Plex Sans" panose="020B0503050203000203" pitchFamily="34" charset="0"/>
+              </a:rPr>
+              <a:t>[1]</a:t>
+            </a:r>
+            <a:r>
+              <a:rPr lang="en-US" sz="900" b="0" i="0" dirty="0">
+                <a:solidFill>
+                  <a:srgbClr val="898989"/>
+                </a:solidFill>
+                <a:effectLst/>
+                <a:latin typeface="IBM Plex Sans" panose="020B0503050203000203" pitchFamily="34" charset="0"/>
+              </a:rPr>
+              <a:t> 3GPP, 2022</a:t>
+            </a:r>
+            <a:endParaRPr lang="pt-BR" sz="900" dirty="0">
+              <a:solidFill>
+                <a:srgbClr val="898989"/>
+              </a:solidFill>
+              <a:latin typeface="IBM Plex Sans" panose="020B0503050203000203" pitchFamily="34" charset="0"/>
+            </a:endParaRPr>
+          </a:p>
+        </p:txBody>
+      </p:sp>
+      <p:sp>
+        <p:nvSpPr>
+          <p:cNvPr id="7" name="Rectangle 6">
+            <a:extLst>
+              <a:ext uri="{FF2B5EF4-FFF2-40B4-BE49-F238E27FC236}">
+                <a16:creationId xmlns:a16="http://schemas.microsoft.com/office/drawing/2014/main" id="{F275480B-7CEE-3A4E-D5F4-493E998F3D78}"/>
+              </a:ext>
+            </a:extLst>
+          </p:cNvPr>
+          <p:cNvSpPr/>
+          <p:nvPr/>
+        </p:nvSpPr>
+        <p:spPr>
+          <a:xfrm>
+            <a:off x="523462" y="1238886"/>
+            <a:ext cx="5191538" cy="2782956"/>
+          </a:xfrm>
+          <a:prstGeom prst="rect">
+            <a:avLst/>
+          </a:prstGeom>
+          <a:solidFill>
+            <a:schemeClr val="bg1">
+              <a:alpha val="92925"/>
+            </a:schemeClr>
+          </a:solidFill>
+          <a:ln>
+            <a:noFill/>
+          </a:ln>
+        </p:spPr>
+        <p:style>
+          <a:lnRef idx="2">
+            <a:schemeClr val="accent1">
+              <a:shade val="15000"/>
+            </a:schemeClr>
+          </a:lnRef>
+          <a:fillRef idx="1">
+            <a:schemeClr val="accent1"/>
+          </a:fillRef>
+          <a:effectRef idx="0">
+            <a:schemeClr val="accent1"/>
+          </a:effectRef>
+          <a:fontRef idx="minor">
+            <a:schemeClr val="lt1"/>
+          </a:fontRef>
+        </p:style>
+        <p:txBody>
+          <a:bodyPr rtlCol="0" anchor="ctr"/>
+          <a:lstStyle/>
+          <a:p>
+            <a:pPr algn="ctr"/>
+            <a:endParaRPr lang="pt-BR"/>
+          </a:p>
+        </p:txBody>
+      </p:sp>
+    </p:spTree>
+    <p:extLst>
+      <p:ext uri="{BB962C8B-B14F-4D97-AF65-F5344CB8AC3E}">
+        <p14:creationId xmlns:p14="http://schemas.microsoft.com/office/powerpoint/2010/main" val="680318653"/>
       </p:ext>
     </p:extLst>
   </p:cSld>
@@ -17827,6 +24403,1189 @@
     <p:extLst>
       <p:ext uri="{BB962C8B-B14F-4D97-AF65-F5344CB8AC3E}">
         <p14:creationId xmlns:p14="http://schemas.microsoft.com/office/powerpoint/2010/main" val="2153896958"/>
+      </p:ext>
+    </p:extLst>
+  </p:cSld>
+  <p:clrMapOvr>
+    <a:masterClrMapping/>
+  </p:clrMapOvr>
+</p:sld>
+</file>
+
+<file path=ppt/slides/slide30.xml><?xml version="1.0" encoding="utf-8"?>
+<p:sld xmlns:a="http://schemas.openxmlformats.org/drawingml/2006/main" xmlns:r="http://schemas.openxmlformats.org/officeDocument/2006/relationships" xmlns:p="http://schemas.openxmlformats.org/presentationml/2006/main">
+  <p:cSld>
+    <p:spTree>
+      <p:nvGrpSpPr>
+        <p:cNvPr id="1" name=""/>
+        <p:cNvGrpSpPr/>
+        <p:nvPr/>
+      </p:nvGrpSpPr>
+      <p:grpSpPr>
+        <a:xfrm>
+          <a:off x="0" y="0"/>
+          <a:ext cx="0" cy="0"/>
+          <a:chOff x="0" y="0"/>
+          <a:chExt cx="0" cy="0"/>
+        </a:xfrm>
+      </p:grpSpPr>
+      <p:sp>
+        <p:nvSpPr>
+          <p:cNvPr id="4" name="Footer Placeholder 3">
+            <a:extLst>
+              <a:ext uri="{FF2B5EF4-FFF2-40B4-BE49-F238E27FC236}">
+                <a16:creationId xmlns:a16="http://schemas.microsoft.com/office/drawing/2014/main" id="{ABC5BB99-6713-EE89-3895-F3148FABAE18}"/>
+              </a:ext>
+            </a:extLst>
+          </p:cNvPr>
+          <p:cNvSpPr>
+            <a:spLocks noGrp="1"/>
+          </p:cNvSpPr>
+          <p:nvPr>
+            <p:ph type="ftr" sz="quarter" idx="11"/>
+          </p:nvPr>
+        </p:nvSpPr>
+        <p:spPr/>
+        <p:txBody>
+          <a:bodyPr/>
+          <a:lstStyle/>
+          <a:p>
+            <a:r>
+              <a:rPr lang="pt-BR" dirty="0">
+                <a:latin typeface="IBM Plex Sans" panose="020B0503050203000203" pitchFamily="34" charset="0"/>
+              </a:rPr>
+              <a:t>A Mobile </a:t>
+            </a:r>
+            <a:r>
+              <a:rPr lang="pt-BR" dirty="0" err="1">
+                <a:latin typeface="IBM Plex Sans" panose="020B0503050203000203" pitchFamily="34" charset="0"/>
+              </a:rPr>
+              <a:t>Traffic</a:t>
+            </a:r>
+            <a:r>
+              <a:rPr lang="pt-BR" dirty="0">
+                <a:latin typeface="IBM Plex Sans" panose="020B0503050203000203" pitchFamily="34" charset="0"/>
+              </a:rPr>
+              <a:t> </a:t>
+            </a:r>
+            <a:r>
+              <a:rPr lang="pt-BR" dirty="0" err="1">
+                <a:latin typeface="IBM Plex Sans" panose="020B0503050203000203" pitchFamily="34" charset="0"/>
+              </a:rPr>
+              <a:t>Predictor</a:t>
+            </a:r>
+            <a:r>
+              <a:rPr lang="pt-BR" dirty="0">
+                <a:latin typeface="IBM Plex Sans" panose="020B0503050203000203" pitchFamily="34" charset="0"/>
+              </a:rPr>
+              <a:t> </a:t>
+            </a:r>
+            <a:r>
+              <a:rPr lang="pt-BR" dirty="0" err="1">
+                <a:latin typeface="IBM Plex Sans" panose="020B0503050203000203" pitchFamily="34" charset="0"/>
+              </a:rPr>
+              <a:t>Enhanced</a:t>
+            </a:r>
+            <a:r>
+              <a:rPr lang="pt-BR" dirty="0">
+                <a:latin typeface="IBM Plex Sans" panose="020B0503050203000203" pitchFamily="34" charset="0"/>
+              </a:rPr>
+              <a:t> </a:t>
+            </a:r>
+            <a:r>
+              <a:rPr lang="pt-BR" dirty="0" err="1">
+                <a:latin typeface="IBM Plex Sans" panose="020B0503050203000203" pitchFamily="34" charset="0"/>
+              </a:rPr>
+              <a:t>by</a:t>
+            </a:r>
+            <a:r>
+              <a:rPr lang="pt-BR" dirty="0">
+                <a:latin typeface="IBM Plex Sans" panose="020B0503050203000203" pitchFamily="34" charset="0"/>
+              </a:rPr>
+              <a:t> </a:t>
+            </a:r>
+            <a:r>
+              <a:rPr lang="pt-BR" dirty="0" err="1">
+                <a:latin typeface="IBM Plex Sans" panose="020B0503050203000203" pitchFamily="34" charset="0"/>
+              </a:rPr>
+              <a:t>Neighboring</a:t>
+            </a:r>
+            <a:r>
+              <a:rPr lang="pt-BR" dirty="0">
+                <a:latin typeface="IBM Plex Sans" panose="020B0503050203000203" pitchFamily="34" charset="0"/>
+              </a:rPr>
+              <a:t> </a:t>
+            </a:r>
+            <a:r>
+              <a:rPr lang="pt-BR" dirty="0" err="1">
+                <a:latin typeface="IBM Plex Sans" panose="020B0503050203000203" pitchFamily="34" charset="0"/>
+              </a:rPr>
+              <a:t>Transportation</a:t>
+            </a:r>
+            <a:r>
+              <a:rPr lang="pt-BR" dirty="0">
+                <a:latin typeface="IBM Plex Sans" panose="020B0503050203000203" pitchFamily="34" charset="0"/>
+              </a:rPr>
+              <a:t> Data (MTP-NT)</a:t>
+            </a:r>
+          </a:p>
+        </p:txBody>
+      </p:sp>
+      <p:sp>
+        <p:nvSpPr>
+          <p:cNvPr id="5" name="Slide Number Placeholder 4">
+            <a:extLst>
+              <a:ext uri="{FF2B5EF4-FFF2-40B4-BE49-F238E27FC236}">
+                <a16:creationId xmlns:a16="http://schemas.microsoft.com/office/drawing/2014/main" id="{DE4D7978-95DF-1BFB-E341-3759F4762F0C}"/>
+              </a:ext>
+            </a:extLst>
+          </p:cNvPr>
+          <p:cNvSpPr>
+            <a:spLocks noGrp="1"/>
+          </p:cNvSpPr>
+          <p:nvPr>
+            <p:ph type="sldNum" sz="quarter" idx="12"/>
+          </p:nvPr>
+        </p:nvSpPr>
+        <p:spPr/>
+        <p:txBody>
+          <a:bodyPr/>
+          <a:lstStyle/>
+          <a:p>
+            <a:fld id="{C16D1434-241F-3E4A-8778-0F70095E40C3}" type="slidenum">
+              <a:rPr lang="pt-BR" smtClean="0">
+                <a:latin typeface="IBM Plex Sans" panose="020B0503050203000203" pitchFamily="34" charset="0"/>
+              </a:rPr>
+              <a:t>30</a:t>
+            </a:fld>
+            <a:endParaRPr lang="pt-BR">
+              <a:latin typeface="IBM Plex Sans" panose="020B0503050203000203" pitchFamily="34" charset="0"/>
+            </a:endParaRPr>
+          </a:p>
+        </p:txBody>
+      </p:sp>
+      <p:sp>
+        <p:nvSpPr>
+          <p:cNvPr id="8" name="Text Placeholder">
+            <a:extLst>
+              <a:ext uri="{FF2B5EF4-FFF2-40B4-BE49-F238E27FC236}">
+                <a16:creationId xmlns:a16="http://schemas.microsoft.com/office/drawing/2014/main" id="{5EA019E9-4BFE-FD86-7DD4-328DEB414A44}"/>
+              </a:ext>
+            </a:extLst>
+          </p:cNvPr>
+          <p:cNvSpPr txBox="1">
+            <a:spLocks/>
+          </p:cNvSpPr>
+          <p:nvPr/>
+        </p:nvSpPr>
+        <p:spPr>
+          <a:xfrm>
+            <a:off x="-1" y="104751"/>
+            <a:ext cx="12056165" cy="1296666"/>
+          </a:xfrm>
+          <a:prstGeom prst="rect">
+            <a:avLst/>
+          </a:prstGeom>
+        </p:spPr>
+        <p:txBody>
+          <a:bodyPr vert="horz" lIns="91440" tIns="45720" rIns="91440" bIns="45720" rtlCol="0" anchor="ctr"/>
+          <a:lstStyle>
+            <a:defPPr>
+              <a:defRPr lang="en-BR"/>
+            </a:defPPr>
+            <a:lvl1pPr marL="0" algn="r" defTabSz="914400" rtl="0" eaLnBrk="1" latinLnBrk="0" hangingPunct="1">
+              <a:defRPr sz="1200" kern="1200">
+                <a:solidFill>
+                  <a:schemeClr val="tx1">
+                    <a:tint val="75000"/>
+                  </a:schemeClr>
+                </a:solidFill>
+                <a:latin typeface="+mn-lt"/>
+                <a:ea typeface="+mn-ea"/>
+                <a:cs typeface="+mn-cs"/>
+              </a:defRPr>
+            </a:lvl1pPr>
+            <a:lvl2pPr marL="457200" algn="l" defTabSz="914400" rtl="0" eaLnBrk="1" latinLnBrk="0" hangingPunct="1">
+              <a:defRPr sz="1800" kern="1200">
+                <a:solidFill>
+                  <a:schemeClr val="tx1"/>
+                </a:solidFill>
+                <a:latin typeface="+mn-lt"/>
+                <a:ea typeface="+mn-ea"/>
+                <a:cs typeface="+mn-cs"/>
+              </a:defRPr>
+            </a:lvl2pPr>
+            <a:lvl3pPr marL="914400" algn="l" defTabSz="914400" rtl="0" eaLnBrk="1" latinLnBrk="0" hangingPunct="1">
+              <a:defRPr sz="1800" kern="1200">
+                <a:solidFill>
+                  <a:schemeClr val="tx1"/>
+                </a:solidFill>
+                <a:latin typeface="+mn-lt"/>
+                <a:ea typeface="+mn-ea"/>
+                <a:cs typeface="+mn-cs"/>
+              </a:defRPr>
+            </a:lvl3pPr>
+            <a:lvl4pPr marL="1371600" algn="l" defTabSz="914400" rtl="0" eaLnBrk="1" latinLnBrk="0" hangingPunct="1">
+              <a:defRPr sz="1800" kern="1200">
+                <a:solidFill>
+                  <a:schemeClr val="tx1"/>
+                </a:solidFill>
+                <a:latin typeface="+mn-lt"/>
+                <a:ea typeface="+mn-ea"/>
+                <a:cs typeface="+mn-cs"/>
+              </a:defRPr>
+            </a:lvl4pPr>
+            <a:lvl5pPr marL="1828800" algn="l" defTabSz="914400" rtl="0" eaLnBrk="1" latinLnBrk="0" hangingPunct="1">
+              <a:defRPr sz="1800" kern="1200">
+                <a:solidFill>
+                  <a:schemeClr val="tx1"/>
+                </a:solidFill>
+                <a:latin typeface="+mn-lt"/>
+                <a:ea typeface="+mn-ea"/>
+                <a:cs typeface="+mn-cs"/>
+              </a:defRPr>
+            </a:lvl5pPr>
+            <a:lvl6pPr marL="2286000" algn="l" defTabSz="914400" rtl="0" eaLnBrk="1" latinLnBrk="0" hangingPunct="1">
+              <a:defRPr sz="1800" kern="1200">
+                <a:solidFill>
+                  <a:schemeClr val="tx1"/>
+                </a:solidFill>
+                <a:latin typeface="+mn-lt"/>
+                <a:ea typeface="+mn-ea"/>
+                <a:cs typeface="+mn-cs"/>
+              </a:defRPr>
+            </a:lvl6pPr>
+            <a:lvl7pPr marL="2743200" algn="l" defTabSz="914400" rtl="0" eaLnBrk="1" latinLnBrk="0" hangingPunct="1">
+              <a:defRPr sz="1800" kern="1200">
+                <a:solidFill>
+                  <a:schemeClr val="tx1"/>
+                </a:solidFill>
+                <a:latin typeface="+mn-lt"/>
+                <a:ea typeface="+mn-ea"/>
+                <a:cs typeface="+mn-cs"/>
+              </a:defRPr>
+            </a:lvl7pPr>
+            <a:lvl8pPr marL="3200400" algn="l" defTabSz="914400" rtl="0" eaLnBrk="1" latinLnBrk="0" hangingPunct="1">
+              <a:defRPr sz="1800" kern="1200">
+                <a:solidFill>
+                  <a:schemeClr val="tx1"/>
+                </a:solidFill>
+                <a:latin typeface="+mn-lt"/>
+                <a:ea typeface="+mn-ea"/>
+                <a:cs typeface="+mn-cs"/>
+              </a:defRPr>
+            </a:lvl8pPr>
+            <a:lvl9pPr marL="3657600" algn="l" defTabSz="914400" rtl="0" eaLnBrk="1" latinLnBrk="0" hangingPunct="1">
+              <a:defRPr sz="1800" kern="1200">
+                <a:solidFill>
+                  <a:schemeClr val="tx1"/>
+                </a:solidFill>
+                <a:latin typeface="+mn-lt"/>
+                <a:ea typeface="+mn-ea"/>
+                <a:cs typeface="+mn-cs"/>
+              </a:defRPr>
+            </a:lvl9pPr>
+          </a:lstStyle>
+          <a:p>
+            <a:pPr algn="l"/>
+            <a:r>
+              <a:rPr lang="en-US" sz="4000" b="1" dirty="0">
+                <a:solidFill>
+                  <a:schemeClr val="tx1"/>
+                </a:solidFill>
+                <a:latin typeface="IBM Plex Sans" panose="020B0503050203000203" pitchFamily="34" charset="0"/>
+              </a:rPr>
+              <a:t>Preliminaries on data Collection for MTP-NT – Data flow</a:t>
+            </a:r>
+          </a:p>
+        </p:txBody>
+      </p:sp>
+      <p:pic>
+        <p:nvPicPr>
+          <p:cNvPr id="11" name="Picture 10" descr="A close-up of a cloud&#10;&#10;Description automatically generated">
+            <a:extLst>
+              <a:ext uri="{FF2B5EF4-FFF2-40B4-BE49-F238E27FC236}">
+                <a16:creationId xmlns:a16="http://schemas.microsoft.com/office/drawing/2014/main" id="{35A4F2E1-0C3F-70C8-C5ED-C1D447DB379D}"/>
+              </a:ext>
+            </a:extLst>
+          </p:cNvPr>
+          <p:cNvPicPr>
+            <a:picLocks noChangeAspect="1"/>
+          </p:cNvPicPr>
+          <p:nvPr/>
+        </p:nvPicPr>
+        <p:blipFill rotWithShape="1">
+          <a:blip r:embed="rId3"/>
+          <a:srcRect t="9663"/>
+          <a:stretch/>
+        </p:blipFill>
+        <p:spPr>
+          <a:xfrm>
+            <a:off x="663836" y="1252332"/>
+            <a:ext cx="10864328" cy="2782956"/>
+          </a:xfrm>
+          <a:prstGeom prst="rect">
+            <a:avLst/>
+          </a:prstGeom>
+        </p:spPr>
+      </p:pic>
+      <p:sp>
+        <p:nvSpPr>
+          <p:cNvPr id="3" name="Title">
+            <a:extLst>
+              <a:ext uri="{FF2B5EF4-FFF2-40B4-BE49-F238E27FC236}">
+                <a16:creationId xmlns:a16="http://schemas.microsoft.com/office/drawing/2014/main" id="{2170016D-54DD-5008-2F36-6AC29276D5E4}"/>
+              </a:ext>
+            </a:extLst>
+          </p:cNvPr>
+          <p:cNvSpPr>
+            <a:spLocks noGrp="1"/>
+          </p:cNvSpPr>
+          <p:nvPr>
+            <p:ph type="title"/>
+          </p:nvPr>
+        </p:nvSpPr>
+        <p:spPr>
+          <a:xfrm>
+            <a:off x="748749" y="4267362"/>
+            <a:ext cx="3985590" cy="2485887"/>
+          </a:xfrm>
+        </p:spPr>
+        <p:txBody>
+          <a:bodyPr anchor="t">
+            <a:normAutofit/>
+          </a:bodyPr>
+          <a:lstStyle/>
+          <a:p>
+            <a:r>
+              <a:rPr lang="en-US" sz="1600" b="1" dirty="0" err="1">
+                <a:latin typeface="IBM Plex Sans" panose="020B0503050203000203" pitchFamily="34" charset="0"/>
+              </a:rPr>
+              <a:t>Lipsum</a:t>
+            </a:r>
+            <a:endParaRPr lang="en-US" sz="1600" b="1" dirty="0">
+              <a:latin typeface="IBM Plex Sans" panose="020B0503050203000203" pitchFamily="34" charset="0"/>
+            </a:endParaRPr>
+          </a:p>
+        </p:txBody>
+      </p:sp>
+      <p:sp>
+        <p:nvSpPr>
+          <p:cNvPr id="6" name="TextBox 5">
+            <a:extLst>
+              <a:ext uri="{FF2B5EF4-FFF2-40B4-BE49-F238E27FC236}">
+                <a16:creationId xmlns:a16="http://schemas.microsoft.com/office/drawing/2014/main" id="{4E338357-CE59-7DCB-2624-633E69BEF748}"/>
+              </a:ext>
+            </a:extLst>
+          </p:cNvPr>
+          <p:cNvSpPr txBox="1"/>
+          <p:nvPr/>
+        </p:nvSpPr>
+        <p:spPr>
+          <a:xfrm>
+            <a:off x="6096000" y="4526329"/>
+            <a:ext cx="5257800" cy="230832"/>
+          </a:xfrm>
+          <a:prstGeom prst="rect">
+            <a:avLst/>
+          </a:prstGeom>
+          <a:noFill/>
+        </p:spPr>
+        <p:txBody>
+          <a:bodyPr wrap="square" rtlCol="0">
+            <a:spAutoFit/>
+          </a:bodyPr>
+          <a:lstStyle/>
+          <a:p>
+            <a:r>
+              <a:rPr lang="pt-BR" sz="900" dirty="0">
+                <a:solidFill>
+                  <a:srgbClr val="898989"/>
+                </a:solidFill>
+                <a:latin typeface="IBM Plex Sans" panose="020B0503050203000203" pitchFamily="34" charset="0"/>
+              </a:rPr>
+              <a:t>[1]</a:t>
+            </a:r>
+            <a:r>
+              <a:rPr lang="en-US" sz="900" b="0" i="0" dirty="0">
+                <a:solidFill>
+                  <a:srgbClr val="898989"/>
+                </a:solidFill>
+                <a:effectLst/>
+                <a:latin typeface="IBM Plex Sans" panose="020B0503050203000203" pitchFamily="34" charset="0"/>
+              </a:rPr>
+              <a:t> 3GPP, 2022</a:t>
+            </a:r>
+            <a:endParaRPr lang="pt-BR" sz="900" dirty="0">
+              <a:solidFill>
+                <a:srgbClr val="898989"/>
+              </a:solidFill>
+              <a:latin typeface="IBM Plex Sans" panose="020B0503050203000203" pitchFamily="34" charset="0"/>
+            </a:endParaRPr>
+          </a:p>
+        </p:txBody>
+      </p:sp>
+      <p:sp>
+        <p:nvSpPr>
+          <p:cNvPr id="7" name="Rectangle 6">
+            <a:extLst>
+              <a:ext uri="{FF2B5EF4-FFF2-40B4-BE49-F238E27FC236}">
+                <a16:creationId xmlns:a16="http://schemas.microsoft.com/office/drawing/2014/main" id="{F275480B-7CEE-3A4E-D5F4-493E998F3D78}"/>
+              </a:ext>
+            </a:extLst>
+          </p:cNvPr>
+          <p:cNvSpPr/>
+          <p:nvPr/>
+        </p:nvSpPr>
+        <p:spPr>
+          <a:xfrm>
+            <a:off x="523462" y="1238886"/>
+            <a:ext cx="8461512" cy="2782956"/>
+          </a:xfrm>
+          <a:prstGeom prst="rect">
+            <a:avLst/>
+          </a:prstGeom>
+          <a:solidFill>
+            <a:schemeClr val="bg1">
+              <a:alpha val="92925"/>
+            </a:schemeClr>
+          </a:solidFill>
+          <a:ln>
+            <a:noFill/>
+          </a:ln>
+        </p:spPr>
+        <p:style>
+          <a:lnRef idx="2">
+            <a:schemeClr val="accent1">
+              <a:shade val="15000"/>
+            </a:schemeClr>
+          </a:lnRef>
+          <a:fillRef idx="1">
+            <a:schemeClr val="accent1"/>
+          </a:fillRef>
+          <a:effectRef idx="0">
+            <a:schemeClr val="accent1"/>
+          </a:effectRef>
+          <a:fontRef idx="minor">
+            <a:schemeClr val="lt1"/>
+          </a:fontRef>
+        </p:style>
+        <p:txBody>
+          <a:bodyPr rtlCol="0" anchor="ctr"/>
+          <a:lstStyle/>
+          <a:p>
+            <a:pPr algn="ctr"/>
+            <a:endParaRPr lang="pt-BR"/>
+          </a:p>
+        </p:txBody>
+      </p:sp>
+    </p:spTree>
+    <p:extLst>
+      <p:ext uri="{BB962C8B-B14F-4D97-AF65-F5344CB8AC3E}">
+        <p14:creationId xmlns:p14="http://schemas.microsoft.com/office/powerpoint/2010/main" val="3882006331"/>
+      </p:ext>
+    </p:extLst>
+  </p:cSld>
+  <p:clrMapOvr>
+    <a:masterClrMapping/>
+  </p:clrMapOvr>
+</p:sld>
+</file>
+
+<file path=ppt/slides/slide31.xml><?xml version="1.0" encoding="utf-8"?>
+<p:sld xmlns:a="http://schemas.openxmlformats.org/drawingml/2006/main" xmlns:r="http://schemas.openxmlformats.org/officeDocument/2006/relationships" xmlns:p="http://schemas.openxmlformats.org/presentationml/2006/main">
+  <p:cSld>
+    <p:spTree>
+      <p:nvGrpSpPr>
+        <p:cNvPr id="1" name=""/>
+        <p:cNvGrpSpPr/>
+        <p:nvPr/>
+      </p:nvGrpSpPr>
+      <p:grpSpPr>
+        <a:xfrm>
+          <a:off x="0" y="0"/>
+          <a:ext cx="0" cy="0"/>
+          <a:chOff x="0" y="0"/>
+          <a:chExt cx="0" cy="0"/>
+        </a:xfrm>
+      </p:grpSpPr>
+      <p:sp>
+        <p:nvSpPr>
+          <p:cNvPr id="7" name="Title 1">
+            <a:extLst>
+              <a:ext uri="{FF2B5EF4-FFF2-40B4-BE49-F238E27FC236}">
+                <a16:creationId xmlns:a16="http://schemas.microsoft.com/office/drawing/2014/main" id="{5093AA27-F3BD-1820-3163-CF62B9DF394A}"/>
+              </a:ext>
+            </a:extLst>
+          </p:cNvPr>
+          <p:cNvSpPr>
+            <a:spLocks noGrp="1"/>
+          </p:cNvSpPr>
+          <p:nvPr>
+            <p:ph type="title"/>
+          </p:nvPr>
+        </p:nvSpPr>
+        <p:spPr>
+          <a:xfrm>
+            <a:off x="838200" y="365125"/>
+            <a:ext cx="10515600" cy="1325563"/>
+          </a:xfrm>
+        </p:spPr>
+        <p:txBody>
+          <a:bodyPr>
+            <a:normAutofit/>
+          </a:bodyPr>
+          <a:lstStyle/>
+          <a:p>
+            <a:pPr algn="ctr">
+              <a:lnSpc>
+                <a:spcPts val="2400"/>
+              </a:lnSpc>
+              <a:spcBef>
+                <a:spcPct val="20000"/>
+              </a:spcBef>
+            </a:pPr>
+            <a:r>
+              <a:rPr lang="pt-BR" sz="4000" b="1" dirty="0" err="1">
+                <a:latin typeface="IBM Plex Sans" panose="020B0503050203000203" pitchFamily="34" charset="0"/>
+                <a:ea typeface="+mn-ea"/>
+                <a:cs typeface="+mn-cs"/>
+              </a:rPr>
+              <a:t>Thanks</a:t>
+            </a:r>
+            <a:r>
+              <a:rPr lang="pt-BR" sz="4000" b="1" dirty="0">
+                <a:latin typeface="IBM Plex Sans" panose="020B0503050203000203" pitchFamily="34" charset="0"/>
+                <a:ea typeface="+mn-ea"/>
+                <a:cs typeface="+mn-cs"/>
+              </a:rPr>
+              <a:t>!</a:t>
+            </a:r>
+          </a:p>
+        </p:txBody>
+      </p:sp>
+      <p:sp>
+        <p:nvSpPr>
+          <p:cNvPr id="8" name="Subtítulo 2">
+            <a:extLst>
+              <a:ext uri="{FF2B5EF4-FFF2-40B4-BE49-F238E27FC236}">
+                <a16:creationId xmlns:a16="http://schemas.microsoft.com/office/drawing/2014/main" id="{9D04AA28-7C76-CB8E-7EA3-A9E15B100E85}"/>
+              </a:ext>
+            </a:extLst>
+          </p:cNvPr>
+          <p:cNvSpPr txBox="1">
+            <a:spLocks/>
+          </p:cNvSpPr>
+          <p:nvPr/>
+        </p:nvSpPr>
+        <p:spPr>
+          <a:xfrm>
+            <a:off x="3689968" y="3454401"/>
+            <a:ext cx="7873140" cy="3033485"/>
+          </a:xfrm>
+          <a:prstGeom prst="rect">
+            <a:avLst/>
+          </a:prstGeom>
+        </p:spPr>
+        <p:txBody>
+          <a:bodyPr vert="horz" lIns="91440" tIns="45720" rIns="91440" bIns="45720" rtlCol="0">
+            <a:normAutofit fontScale="92500" lnSpcReduction="10000"/>
+          </a:bodyPr>
+          <a:lstStyle>
+            <a:lvl1pPr marL="228600" indent="-228600" algn="l" defTabSz="914400" rtl="0" eaLnBrk="1" latinLnBrk="0" hangingPunct="1">
+              <a:lnSpc>
+                <a:spcPct val="90000"/>
+              </a:lnSpc>
+              <a:spcBef>
+                <a:spcPts val="1000"/>
+              </a:spcBef>
+              <a:buFont typeface="Arial" panose="020B0604020202020204" pitchFamily="34" charset="0"/>
+              <a:buChar char="•"/>
+              <a:defRPr sz="2800" kern="1200">
+                <a:solidFill>
+                  <a:schemeClr val="tx1"/>
+                </a:solidFill>
+                <a:latin typeface="+mn-lt"/>
+                <a:ea typeface="+mn-ea"/>
+                <a:cs typeface="+mn-cs"/>
+              </a:defRPr>
+            </a:lvl1pPr>
+            <a:lvl2pPr marL="685800" indent="-228600" algn="l" defTabSz="914400" rtl="0" eaLnBrk="1" latinLnBrk="0" hangingPunct="1">
+              <a:lnSpc>
+                <a:spcPct val="90000"/>
+              </a:lnSpc>
+              <a:spcBef>
+                <a:spcPts val="500"/>
+              </a:spcBef>
+              <a:buFont typeface="Arial" panose="020B0604020202020204" pitchFamily="34" charset="0"/>
+              <a:buChar char="•"/>
+              <a:defRPr sz="2400" kern="1200">
+                <a:solidFill>
+                  <a:schemeClr val="tx1"/>
+                </a:solidFill>
+                <a:latin typeface="+mn-lt"/>
+                <a:ea typeface="+mn-ea"/>
+                <a:cs typeface="+mn-cs"/>
+              </a:defRPr>
+            </a:lvl2pPr>
+            <a:lvl3pPr marL="1143000" indent="-228600" algn="l" defTabSz="914400" rtl="0" eaLnBrk="1" latinLnBrk="0" hangingPunct="1">
+              <a:lnSpc>
+                <a:spcPct val="90000"/>
+              </a:lnSpc>
+              <a:spcBef>
+                <a:spcPts val="500"/>
+              </a:spcBef>
+              <a:buFont typeface="Arial" panose="020B0604020202020204" pitchFamily="34" charset="0"/>
+              <a:buChar char="•"/>
+              <a:defRPr sz="2000" kern="1200">
+                <a:solidFill>
+                  <a:schemeClr val="tx1"/>
+                </a:solidFill>
+                <a:latin typeface="+mn-lt"/>
+                <a:ea typeface="+mn-ea"/>
+                <a:cs typeface="+mn-cs"/>
+              </a:defRPr>
+            </a:lvl3pPr>
+            <a:lvl4pPr marL="1600200" indent="-228600" algn="l" defTabSz="914400" rtl="0" eaLnBrk="1" latinLnBrk="0" hangingPunct="1">
+              <a:lnSpc>
+                <a:spcPct val="90000"/>
+              </a:lnSpc>
+              <a:spcBef>
+                <a:spcPts val="500"/>
+              </a:spcBef>
+              <a:buFont typeface="Arial" panose="020B0604020202020204" pitchFamily="34" charset="0"/>
+              <a:buChar char="•"/>
+              <a:defRPr sz="1800" kern="1200">
+                <a:solidFill>
+                  <a:schemeClr val="tx1"/>
+                </a:solidFill>
+                <a:latin typeface="+mn-lt"/>
+                <a:ea typeface="+mn-ea"/>
+                <a:cs typeface="+mn-cs"/>
+              </a:defRPr>
+            </a:lvl4pPr>
+            <a:lvl5pPr marL="2057400" indent="-228600" algn="l" defTabSz="914400" rtl="0" eaLnBrk="1" latinLnBrk="0" hangingPunct="1">
+              <a:lnSpc>
+                <a:spcPct val="90000"/>
+              </a:lnSpc>
+              <a:spcBef>
+                <a:spcPts val="500"/>
+              </a:spcBef>
+              <a:buFont typeface="Arial" panose="020B0604020202020204" pitchFamily="34" charset="0"/>
+              <a:buChar char="•"/>
+              <a:defRPr sz="1800" kern="1200">
+                <a:solidFill>
+                  <a:schemeClr val="tx1"/>
+                </a:solidFill>
+                <a:latin typeface="+mn-lt"/>
+                <a:ea typeface="+mn-ea"/>
+                <a:cs typeface="+mn-cs"/>
+              </a:defRPr>
+            </a:lvl5pPr>
+            <a:lvl6pPr marL="2514600" indent="-228600" algn="l" defTabSz="914400" rtl="0" eaLnBrk="1" latinLnBrk="0" hangingPunct="1">
+              <a:lnSpc>
+                <a:spcPct val="90000"/>
+              </a:lnSpc>
+              <a:spcBef>
+                <a:spcPts val="500"/>
+              </a:spcBef>
+              <a:buFont typeface="Arial" panose="020B0604020202020204" pitchFamily="34" charset="0"/>
+              <a:buChar char="•"/>
+              <a:defRPr sz="1800" kern="1200">
+                <a:solidFill>
+                  <a:schemeClr val="tx1"/>
+                </a:solidFill>
+                <a:latin typeface="+mn-lt"/>
+                <a:ea typeface="+mn-ea"/>
+                <a:cs typeface="+mn-cs"/>
+              </a:defRPr>
+            </a:lvl6pPr>
+            <a:lvl7pPr marL="2971800" indent="-228600" algn="l" defTabSz="914400" rtl="0" eaLnBrk="1" latinLnBrk="0" hangingPunct="1">
+              <a:lnSpc>
+                <a:spcPct val="90000"/>
+              </a:lnSpc>
+              <a:spcBef>
+                <a:spcPts val="500"/>
+              </a:spcBef>
+              <a:buFont typeface="Arial" panose="020B0604020202020204" pitchFamily="34" charset="0"/>
+              <a:buChar char="•"/>
+              <a:defRPr sz="1800" kern="1200">
+                <a:solidFill>
+                  <a:schemeClr val="tx1"/>
+                </a:solidFill>
+                <a:latin typeface="+mn-lt"/>
+                <a:ea typeface="+mn-ea"/>
+                <a:cs typeface="+mn-cs"/>
+              </a:defRPr>
+            </a:lvl7pPr>
+            <a:lvl8pPr marL="3429000" indent="-228600" algn="l" defTabSz="914400" rtl="0" eaLnBrk="1" latinLnBrk="0" hangingPunct="1">
+              <a:lnSpc>
+                <a:spcPct val="90000"/>
+              </a:lnSpc>
+              <a:spcBef>
+                <a:spcPts val="500"/>
+              </a:spcBef>
+              <a:buFont typeface="Arial" panose="020B0604020202020204" pitchFamily="34" charset="0"/>
+              <a:buChar char="•"/>
+              <a:defRPr sz="1800" kern="1200">
+                <a:solidFill>
+                  <a:schemeClr val="tx1"/>
+                </a:solidFill>
+                <a:latin typeface="+mn-lt"/>
+                <a:ea typeface="+mn-ea"/>
+                <a:cs typeface="+mn-cs"/>
+              </a:defRPr>
+            </a:lvl8pPr>
+            <a:lvl9pPr marL="3886200" indent="-228600" algn="l" defTabSz="914400" rtl="0" eaLnBrk="1" latinLnBrk="0" hangingPunct="1">
+              <a:lnSpc>
+                <a:spcPct val="90000"/>
+              </a:lnSpc>
+              <a:spcBef>
+                <a:spcPts val="500"/>
+              </a:spcBef>
+              <a:buFont typeface="Arial" panose="020B0604020202020204" pitchFamily="34" charset="0"/>
+              <a:buChar char="•"/>
+              <a:defRPr sz="1800" kern="1200">
+                <a:solidFill>
+                  <a:schemeClr val="tx1"/>
+                </a:solidFill>
+                <a:latin typeface="+mn-lt"/>
+                <a:ea typeface="+mn-ea"/>
+                <a:cs typeface="+mn-cs"/>
+              </a:defRPr>
+            </a:lvl9pPr>
+          </a:lstStyle>
+          <a:p>
+            <a:pPr marL="0" indent="0" algn="r">
+              <a:buNone/>
+            </a:pPr>
+            <a:r>
+              <a:rPr lang="pt-BR" dirty="0">
+                <a:solidFill>
+                  <a:schemeClr val="tx1">
+                    <a:lumMod val="65000"/>
+                    <a:lumOff val="35000"/>
+                  </a:schemeClr>
+                </a:solidFill>
+                <a:latin typeface="IBM Plex Sans" panose="020B0503050203000203" pitchFamily="34" charset="0"/>
+              </a:rPr>
+              <a:t>Patrick Luiz de Araújo</a:t>
+            </a:r>
+          </a:p>
+          <a:p>
+            <a:pPr marL="0" indent="0" algn="r">
+              <a:buNone/>
+            </a:pPr>
+            <a:r>
+              <a:rPr lang="pt-BR" sz="1500" dirty="0">
+                <a:solidFill>
+                  <a:schemeClr val="tx1">
+                    <a:lumMod val="65000"/>
+                    <a:lumOff val="35000"/>
+                  </a:schemeClr>
+                </a:solidFill>
+                <a:latin typeface="IBM Plex Sans" panose="020B0503050203000203" pitchFamily="34" charset="0"/>
+                <a:hlinkClick r:id="rId2"/>
+              </a:rPr>
+              <a:t>patrick@ufu.br</a:t>
+            </a:r>
+            <a:endParaRPr lang="pt-BR" sz="1500" dirty="0">
+              <a:solidFill>
+                <a:schemeClr val="tx1">
+                  <a:lumMod val="65000"/>
+                  <a:lumOff val="35000"/>
+                </a:schemeClr>
+              </a:solidFill>
+              <a:latin typeface="IBM Plex Sans" panose="020B0503050203000203" pitchFamily="34" charset="0"/>
+            </a:endParaRPr>
+          </a:p>
+          <a:p>
+            <a:pPr marL="0" indent="0" algn="r">
+              <a:buNone/>
+            </a:pPr>
+            <a:endParaRPr lang="pt-BR" sz="1600" dirty="0">
+              <a:solidFill>
+                <a:schemeClr val="tx1">
+                  <a:lumMod val="65000"/>
+                  <a:lumOff val="35000"/>
+                </a:schemeClr>
+              </a:solidFill>
+              <a:latin typeface="IBM Plex Sans" panose="020B0503050203000203" pitchFamily="34" charset="0"/>
+            </a:endParaRPr>
+          </a:p>
+          <a:p>
+            <a:pPr marL="0" indent="0" algn="r">
+              <a:buNone/>
+            </a:pPr>
+            <a:r>
+              <a:rPr lang="pt-BR" dirty="0">
+                <a:solidFill>
+                  <a:schemeClr val="tx1">
+                    <a:lumMod val="65000"/>
+                    <a:lumOff val="35000"/>
+                  </a:schemeClr>
+                </a:solidFill>
+                <a:latin typeface="IBM Plex Sans" panose="020B0503050203000203" pitchFamily="34" charset="0"/>
+              </a:rPr>
+              <a:t>Prof. Dr. Rafael Pasquini</a:t>
+            </a:r>
+          </a:p>
+          <a:p>
+            <a:pPr marL="0" indent="0" algn="r">
+              <a:buNone/>
+            </a:pPr>
+            <a:r>
+              <a:rPr lang="pt-BR" sz="1500" dirty="0">
+                <a:solidFill>
+                  <a:schemeClr val="tx1">
+                    <a:lumMod val="65000"/>
+                    <a:lumOff val="35000"/>
+                  </a:schemeClr>
+                </a:solidFill>
+                <a:latin typeface="IBM Plex Sans" panose="020B0503050203000203" pitchFamily="34" charset="0"/>
+                <a:hlinkClick r:id="rId3"/>
+              </a:rPr>
+              <a:t>rafael.pasquini@ufu.br</a:t>
+            </a:r>
+            <a:endParaRPr lang="pt-BR" sz="1500" dirty="0">
+              <a:solidFill>
+                <a:schemeClr val="tx1">
+                  <a:lumMod val="65000"/>
+                  <a:lumOff val="35000"/>
+                </a:schemeClr>
+              </a:solidFill>
+              <a:latin typeface="IBM Plex Sans" panose="020B0503050203000203" pitchFamily="34" charset="0"/>
+            </a:endParaRPr>
+          </a:p>
+          <a:p>
+            <a:pPr marL="0" indent="0" algn="r">
+              <a:buNone/>
+            </a:pPr>
+            <a:endParaRPr lang="pt-BR" sz="1800" dirty="0">
+              <a:solidFill>
+                <a:schemeClr val="tx1">
+                  <a:lumMod val="65000"/>
+                  <a:lumOff val="35000"/>
+                </a:schemeClr>
+              </a:solidFill>
+              <a:latin typeface="IBM Plex Sans" panose="020B0503050203000203" pitchFamily="34" charset="0"/>
+            </a:endParaRPr>
+          </a:p>
+          <a:p>
+            <a:pPr marL="0" indent="0" algn="r">
+              <a:buNone/>
+            </a:pPr>
+            <a:r>
+              <a:rPr lang="pt-BR" dirty="0">
+                <a:solidFill>
+                  <a:schemeClr val="tx1">
+                    <a:lumMod val="65000"/>
+                    <a:lumOff val="35000"/>
+                  </a:schemeClr>
+                </a:solidFill>
+                <a:latin typeface="IBM Plex Sans" panose="020B0503050203000203" pitchFamily="34" charset="0"/>
+              </a:rPr>
+              <a:t>Prof. Dr. Murillo Guimarães Carneiro</a:t>
+            </a:r>
+          </a:p>
+          <a:p>
+            <a:pPr marL="0" indent="0" algn="r">
+              <a:buNone/>
+            </a:pPr>
+            <a:r>
+              <a:rPr lang="pt-BR" sz="1500" dirty="0">
+                <a:solidFill>
+                  <a:schemeClr val="tx1">
+                    <a:lumMod val="65000"/>
+                    <a:lumOff val="35000"/>
+                  </a:schemeClr>
+                </a:solidFill>
+                <a:latin typeface="IBM Plex Sans" panose="020B0503050203000203" pitchFamily="34" charset="0"/>
+                <a:hlinkClick r:id="rId4"/>
+              </a:rPr>
+              <a:t>mgcarneiro@ufu.br</a:t>
+            </a:r>
+            <a:endParaRPr lang="pt-BR" sz="1500" dirty="0">
+              <a:solidFill>
+                <a:schemeClr val="tx1">
+                  <a:lumMod val="65000"/>
+                  <a:lumOff val="35000"/>
+                </a:schemeClr>
+              </a:solidFill>
+              <a:latin typeface="IBM Plex Sans" panose="020B0503050203000203" pitchFamily="34" charset="0"/>
+            </a:endParaRPr>
+          </a:p>
+          <a:p>
+            <a:pPr marL="0" indent="0" algn="r">
+              <a:buNone/>
+            </a:pPr>
+            <a:endParaRPr lang="pt-BR" sz="1800" dirty="0">
+              <a:solidFill>
+                <a:schemeClr val="tx1">
+                  <a:lumMod val="65000"/>
+                  <a:lumOff val="35000"/>
+                </a:schemeClr>
+              </a:solidFill>
+              <a:latin typeface="IBM Plex Sans" panose="020B0503050203000203" pitchFamily="34" charset="0"/>
+            </a:endParaRPr>
+          </a:p>
+          <a:p>
+            <a:pPr marL="0" indent="0" algn="r">
+              <a:buNone/>
+            </a:pPr>
+            <a:endParaRPr lang="pt-BR" sz="1800" dirty="0">
+              <a:solidFill>
+                <a:schemeClr val="tx1">
+                  <a:lumMod val="65000"/>
+                  <a:lumOff val="35000"/>
+                </a:schemeClr>
+              </a:solidFill>
+              <a:latin typeface="IBM Plex Sans" panose="020B0503050203000203" pitchFamily="34" charset="0"/>
+            </a:endParaRPr>
+          </a:p>
+        </p:txBody>
+      </p:sp>
+      <p:sp>
+        <p:nvSpPr>
+          <p:cNvPr id="9" name="Subtitle 2">
+            <a:extLst>
+              <a:ext uri="{FF2B5EF4-FFF2-40B4-BE49-F238E27FC236}">
+                <a16:creationId xmlns:a16="http://schemas.microsoft.com/office/drawing/2014/main" id="{DF5869F0-7AB5-C3CD-7AA5-73BAFA20B1CD}"/>
+              </a:ext>
+            </a:extLst>
+          </p:cNvPr>
+          <p:cNvSpPr txBox="1">
+            <a:spLocks/>
+          </p:cNvSpPr>
+          <p:nvPr/>
+        </p:nvSpPr>
+        <p:spPr>
+          <a:xfrm>
+            <a:off x="794658" y="1959846"/>
+            <a:ext cx="10681366" cy="1494555"/>
+          </a:xfrm>
+          <a:prstGeom prst="rect">
+            <a:avLst/>
+          </a:prstGeom>
+        </p:spPr>
+        <p:txBody>
+          <a:bodyPr vert="horz" lIns="91440" tIns="45720" rIns="91440" bIns="45720" rtlCol="0">
+            <a:noAutofit/>
+          </a:bodyPr>
+          <a:lstStyle>
+            <a:lvl1pPr marL="228600" indent="-228600" algn="l" defTabSz="914400" rtl="0" eaLnBrk="1" latinLnBrk="0" hangingPunct="1">
+              <a:lnSpc>
+                <a:spcPct val="90000"/>
+              </a:lnSpc>
+              <a:spcBef>
+                <a:spcPts val="1000"/>
+              </a:spcBef>
+              <a:buFont typeface="Arial" panose="020B0604020202020204" pitchFamily="34" charset="0"/>
+              <a:buChar char="•"/>
+              <a:defRPr sz="2800" kern="1200">
+                <a:solidFill>
+                  <a:schemeClr val="tx1"/>
+                </a:solidFill>
+                <a:latin typeface="+mn-lt"/>
+                <a:ea typeface="+mn-ea"/>
+                <a:cs typeface="+mn-cs"/>
+              </a:defRPr>
+            </a:lvl1pPr>
+            <a:lvl2pPr marL="685800" indent="-228600" algn="l" defTabSz="914400" rtl="0" eaLnBrk="1" latinLnBrk="0" hangingPunct="1">
+              <a:lnSpc>
+                <a:spcPct val="90000"/>
+              </a:lnSpc>
+              <a:spcBef>
+                <a:spcPts val="500"/>
+              </a:spcBef>
+              <a:buFont typeface="Arial" panose="020B0604020202020204" pitchFamily="34" charset="0"/>
+              <a:buChar char="•"/>
+              <a:defRPr sz="2400" kern="1200">
+                <a:solidFill>
+                  <a:schemeClr val="tx1"/>
+                </a:solidFill>
+                <a:latin typeface="+mn-lt"/>
+                <a:ea typeface="+mn-ea"/>
+                <a:cs typeface="+mn-cs"/>
+              </a:defRPr>
+            </a:lvl2pPr>
+            <a:lvl3pPr marL="1143000" indent="-228600" algn="l" defTabSz="914400" rtl="0" eaLnBrk="1" latinLnBrk="0" hangingPunct="1">
+              <a:lnSpc>
+                <a:spcPct val="90000"/>
+              </a:lnSpc>
+              <a:spcBef>
+                <a:spcPts val="500"/>
+              </a:spcBef>
+              <a:buFont typeface="Arial" panose="020B0604020202020204" pitchFamily="34" charset="0"/>
+              <a:buChar char="•"/>
+              <a:defRPr sz="2000" kern="1200">
+                <a:solidFill>
+                  <a:schemeClr val="tx1"/>
+                </a:solidFill>
+                <a:latin typeface="+mn-lt"/>
+                <a:ea typeface="+mn-ea"/>
+                <a:cs typeface="+mn-cs"/>
+              </a:defRPr>
+            </a:lvl3pPr>
+            <a:lvl4pPr marL="1600200" indent="-228600" algn="l" defTabSz="914400" rtl="0" eaLnBrk="1" latinLnBrk="0" hangingPunct="1">
+              <a:lnSpc>
+                <a:spcPct val="90000"/>
+              </a:lnSpc>
+              <a:spcBef>
+                <a:spcPts val="500"/>
+              </a:spcBef>
+              <a:buFont typeface="Arial" panose="020B0604020202020204" pitchFamily="34" charset="0"/>
+              <a:buChar char="•"/>
+              <a:defRPr sz="1800" kern="1200">
+                <a:solidFill>
+                  <a:schemeClr val="tx1"/>
+                </a:solidFill>
+                <a:latin typeface="+mn-lt"/>
+                <a:ea typeface="+mn-ea"/>
+                <a:cs typeface="+mn-cs"/>
+              </a:defRPr>
+            </a:lvl4pPr>
+            <a:lvl5pPr marL="2057400" indent="-228600" algn="l" defTabSz="914400" rtl="0" eaLnBrk="1" latinLnBrk="0" hangingPunct="1">
+              <a:lnSpc>
+                <a:spcPct val="90000"/>
+              </a:lnSpc>
+              <a:spcBef>
+                <a:spcPts val="500"/>
+              </a:spcBef>
+              <a:buFont typeface="Arial" panose="020B0604020202020204" pitchFamily="34" charset="0"/>
+              <a:buChar char="•"/>
+              <a:defRPr sz="1800" kern="1200">
+                <a:solidFill>
+                  <a:schemeClr val="tx1"/>
+                </a:solidFill>
+                <a:latin typeface="+mn-lt"/>
+                <a:ea typeface="+mn-ea"/>
+                <a:cs typeface="+mn-cs"/>
+              </a:defRPr>
+            </a:lvl5pPr>
+            <a:lvl6pPr marL="2514600" indent="-228600" algn="l" defTabSz="914400" rtl="0" eaLnBrk="1" latinLnBrk="0" hangingPunct="1">
+              <a:lnSpc>
+                <a:spcPct val="90000"/>
+              </a:lnSpc>
+              <a:spcBef>
+                <a:spcPts val="500"/>
+              </a:spcBef>
+              <a:buFont typeface="Arial" panose="020B0604020202020204" pitchFamily="34" charset="0"/>
+              <a:buChar char="•"/>
+              <a:defRPr sz="1800" kern="1200">
+                <a:solidFill>
+                  <a:schemeClr val="tx1"/>
+                </a:solidFill>
+                <a:latin typeface="+mn-lt"/>
+                <a:ea typeface="+mn-ea"/>
+                <a:cs typeface="+mn-cs"/>
+              </a:defRPr>
+            </a:lvl6pPr>
+            <a:lvl7pPr marL="2971800" indent="-228600" algn="l" defTabSz="914400" rtl="0" eaLnBrk="1" latinLnBrk="0" hangingPunct="1">
+              <a:lnSpc>
+                <a:spcPct val="90000"/>
+              </a:lnSpc>
+              <a:spcBef>
+                <a:spcPts val="500"/>
+              </a:spcBef>
+              <a:buFont typeface="Arial" panose="020B0604020202020204" pitchFamily="34" charset="0"/>
+              <a:buChar char="•"/>
+              <a:defRPr sz="1800" kern="1200">
+                <a:solidFill>
+                  <a:schemeClr val="tx1"/>
+                </a:solidFill>
+                <a:latin typeface="+mn-lt"/>
+                <a:ea typeface="+mn-ea"/>
+                <a:cs typeface="+mn-cs"/>
+              </a:defRPr>
+            </a:lvl7pPr>
+            <a:lvl8pPr marL="3429000" indent="-228600" algn="l" defTabSz="914400" rtl="0" eaLnBrk="1" latinLnBrk="0" hangingPunct="1">
+              <a:lnSpc>
+                <a:spcPct val="90000"/>
+              </a:lnSpc>
+              <a:spcBef>
+                <a:spcPts val="500"/>
+              </a:spcBef>
+              <a:buFont typeface="Arial" panose="020B0604020202020204" pitchFamily="34" charset="0"/>
+              <a:buChar char="•"/>
+              <a:defRPr sz="1800" kern="1200">
+                <a:solidFill>
+                  <a:schemeClr val="tx1"/>
+                </a:solidFill>
+                <a:latin typeface="+mn-lt"/>
+                <a:ea typeface="+mn-ea"/>
+                <a:cs typeface="+mn-cs"/>
+              </a:defRPr>
+            </a:lvl8pPr>
+            <a:lvl9pPr marL="3886200" indent="-228600" algn="l" defTabSz="914400" rtl="0" eaLnBrk="1" latinLnBrk="0" hangingPunct="1">
+              <a:lnSpc>
+                <a:spcPct val="90000"/>
+              </a:lnSpc>
+              <a:spcBef>
+                <a:spcPts val="500"/>
+              </a:spcBef>
+              <a:buFont typeface="Arial" panose="020B0604020202020204" pitchFamily="34" charset="0"/>
+              <a:buChar char="•"/>
+              <a:defRPr sz="1800" kern="1200">
+                <a:solidFill>
+                  <a:schemeClr val="tx1"/>
+                </a:solidFill>
+                <a:latin typeface="+mn-lt"/>
+                <a:ea typeface="+mn-ea"/>
+                <a:cs typeface="+mn-cs"/>
+              </a:defRPr>
+            </a:lvl9pPr>
+          </a:lstStyle>
+          <a:p>
+            <a:pPr marL="0" indent="0" algn="ctr">
+              <a:buNone/>
+            </a:pPr>
+            <a:r>
+              <a:rPr lang="en-US" b="1" i="0" dirty="0">
+                <a:effectLst/>
+                <a:latin typeface="IBM Plex Sans" panose="020B0503050203000203" pitchFamily="34" charset="0"/>
+              </a:rPr>
+              <a:t>A Mobile Traffic Predictor Enhanced by Neighboring Transportation Data (MTP-NT)</a:t>
+            </a:r>
+            <a:endParaRPr lang="pt-BR" b="1" dirty="0">
+              <a:latin typeface="IBM Plex Sans" panose="020B0503050203000203" pitchFamily="34" charset="0"/>
+            </a:endParaRPr>
+          </a:p>
+        </p:txBody>
+      </p:sp>
+      <p:sp>
+        <p:nvSpPr>
+          <p:cNvPr id="3" name="Slide Number Placeholder 2">
+            <a:extLst>
+              <a:ext uri="{FF2B5EF4-FFF2-40B4-BE49-F238E27FC236}">
+                <a16:creationId xmlns:a16="http://schemas.microsoft.com/office/drawing/2014/main" id="{A3A1D4C2-A873-78C4-5BB9-10481FBEC11D}"/>
+              </a:ext>
+            </a:extLst>
+          </p:cNvPr>
+          <p:cNvSpPr>
+            <a:spLocks noGrp="1"/>
+          </p:cNvSpPr>
+          <p:nvPr>
+            <p:ph type="sldNum" sz="quarter" idx="12"/>
+          </p:nvPr>
+        </p:nvSpPr>
+        <p:spPr/>
+        <p:txBody>
+          <a:bodyPr/>
+          <a:lstStyle/>
+          <a:p>
+            <a:fld id="{C16D1434-241F-3E4A-8778-0F70095E40C3}" type="slidenum">
+              <a:rPr lang="pt-BR" smtClean="0"/>
+              <a:t>31</a:t>
+            </a:fld>
+            <a:endParaRPr lang="pt-BR"/>
+          </a:p>
+        </p:txBody>
+      </p:sp>
+    </p:spTree>
+    <p:extLst>
+      <p:ext uri="{BB962C8B-B14F-4D97-AF65-F5344CB8AC3E}">
+        <p14:creationId xmlns:p14="http://schemas.microsoft.com/office/powerpoint/2010/main" val="4280972039"/>
       </p:ext>
     </p:extLst>
   </p:cSld>

--- a/defesa.pptx
+++ b/defesa.pptx
@@ -5,7 +5,7 @@
     <p:sldMasterId id="2147483648" r:id="rId1"/>
   </p:sldMasterIdLst>
   <p:notesMasterIdLst>
-    <p:notesMasterId r:id="rId33"/>
+    <p:notesMasterId r:id="rId38"/>
   </p:notesMasterIdLst>
   <p:sldIdLst>
     <p:sldId id="256" r:id="rId2"/>
@@ -38,7 +38,12 @@
     <p:sldId id="397" r:id="rId29"/>
     <p:sldId id="398" r:id="rId30"/>
     <p:sldId id="399" r:id="rId31"/>
-    <p:sldId id="257" r:id="rId32"/>
+    <p:sldId id="400" r:id="rId32"/>
+    <p:sldId id="401" r:id="rId33"/>
+    <p:sldId id="402" r:id="rId34"/>
+    <p:sldId id="403" r:id="rId35"/>
+    <p:sldId id="404" r:id="rId36"/>
+    <p:sldId id="257" r:id="rId37"/>
   </p:sldIdLst>
   <p:sldSz cx="12192000" cy="6858000"/>
   <p:notesSz cx="6858000" cy="9144000"/>
@@ -2539,13 +2544,8 @@
           <a:p>
             <a:r>
               <a:rPr lang="pt-BR" dirty="0"/>
-              <a:t>Armazenado para </a:t>
-            </a:r>
-            <a:r>
-              <a:rPr lang="pt-BR"/>
-              <a:t>análises futuras</a:t>
-            </a:r>
-            <a:endParaRPr lang="pt-BR" dirty="0"/>
+              <a:t>Armazenado para análises futuras</a:t>
+            </a:r>
           </a:p>
         </p:txBody>
       </p:sp>
@@ -2629,115 +2629,7 @@
           <a:bodyPr/>
           <a:lstStyle/>
           <a:p>
-            <a:r>
-              <a:rPr lang="pt-BR" dirty="0"/>
-              <a:t>NWDAF é uma interface padrão do 5G</a:t>
-            </a:r>
-          </a:p>
-          <a:p>
-            <a:pPr marL="171450" indent="-171450">
-              <a:buFontTx/>
-              <a:buChar char="-"/>
-            </a:pPr>
-            <a:r>
-              <a:rPr lang="pt-BR" dirty="0"/>
-              <a:t>Pode se comunicar com a camada </a:t>
-            </a:r>
-            <a:r>
-              <a:rPr lang="pt-BR" dirty="0" err="1"/>
-              <a:t>Policy</a:t>
-            </a:r>
-            <a:r>
-              <a:rPr lang="pt-BR" dirty="0"/>
-              <a:t> </a:t>
-            </a:r>
-            <a:r>
-              <a:rPr lang="pt-BR" dirty="0" err="1"/>
-              <a:t>Control</a:t>
-            </a:r>
-            <a:r>
-              <a:rPr lang="pt-BR" dirty="0"/>
-              <a:t> </a:t>
-            </a:r>
-            <a:r>
-              <a:rPr lang="pt-BR" dirty="0" err="1"/>
-              <a:t>Function</a:t>
-            </a:r>
-            <a:r>
-              <a:rPr lang="pt-BR" dirty="0"/>
-              <a:t> (PCF)</a:t>
-            </a:r>
-          </a:p>
-          <a:p>
-            <a:pPr marL="171450" indent="-171450">
-              <a:buFontTx/>
-              <a:buChar char="-"/>
-            </a:pPr>
-            <a:r>
-              <a:rPr lang="pt-BR" dirty="0"/>
-              <a:t>PCF: camada de gestão de políticas de fatiamento</a:t>
-            </a:r>
-          </a:p>
-          <a:p>
-            <a:pPr marL="171450" indent="-171450">
-              <a:buFontTx/>
-              <a:buChar char="-"/>
-            </a:pPr>
-            <a:r>
-              <a:rPr lang="pt-BR" dirty="0"/>
-              <a:t>Podem se comunicar por uma interface N23</a:t>
-            </a:r>
-          </a:p>
-          <a:p>
-            <a:pPr marL="171450" indent="-171450">
-              <a:buFontTx/>
-              <a:buChar char="-"/>
-            </a:pPr>
             <a:endParaRPr lang="pt-BR" dirty="0"/>
-          </a:p>
-          <a:p>
-            <a:pPr marL="171450" indent="-171450">
-              <a:buFontTx/>
-              <a:buChar char="-"/>
-            </a:pPr>
-            <a:r>
-              <a:rPr lang="pt-BR" dirty="0"/>
-              <a:t>Também pode se comunicar com uma função Network </a:t>
-            </a:r>
-            <a:r>
-              <a:rPr lang="pt-BR" dirty="0" err="1"/>
-              <a:t>Slice</a:t>
-            </a:r>
-            <a:r>
-              <a:rPr lang="pt-BR" dirty="0"/>
-              <a:t> </a:t>
-            </a:r>
-            <a:r>
-              <a:rPr lang="pt-BR" dirty="0" err="1"/>
-              <a:t>Selection</a:t>
-            </a:r>
-            <a:r>
-              <a:rPr lang="pt-BR" dirty="0"/>
-              <a:t> </a:t>
-            </a:r>
-            <a:r>
-              <a:rPr lang="pt-BR" dirty="0" err="1"/>
-              <a:t>Function</a:t>
-            </a:r>
-            <a:r>
-              <a:rPr lang="pt-BR" dirty="0"/>
-              <a:t> (NSSF)</a:t>
-            </a:r>
-          </a:p>
-          <a:p>
-            <a:pPr marL="171450" indent="-171450">
-              <a:buFontTx/>
-              <a:buChar char="-"/>
-            </a:pPr>
-            <a:r>
-              <a:rPr lang="pt-BR" dirty="0"/>
-              <a:t>Pode se comunicar por uma interface N34</a:t>
-            </a:r>
           </a:p>
         </p:txBody>
       </p:sp>
@@ -2823,21 +2715,16 @@
           <a:p>
             <a:r>
               <a:rPr lang="pt-BR" dirty="0"/>
-              <a:t>NWDAF é uma interface padrão do 5G</a:t>
-            </a:r>
-          </a:p>
-          <a:p>
-            <a:pPr marL="171450" indent="-171450">
-              <a:buFontTx/>
-              <a:buChar char="-"/>
-            </a:pPr>
-            <a:r>
-              <a:rPr lang="pt-BR" dirty="0"/>
-              <a:t>Pode se comunicar com a camada </a:t>
-            </a:r>
+              <a:t>Bases para registro das predições</a:t>
+            </a:r>
+          </a:p>
+          <a:p>
+            <a:endParaRPr lang="pt-BR" dirty="0"/>
+          </a:p>
+          <a:p>
             <a:r>
               <a:rPr lang="pt-BR" dirty="0" err="1"/>
-              <a:t>Policy</a:t>
+              <a:t>Nnwdaf_AnalyticsSubscription</a:t>
             </a:r>
             <a:r>
               <a:rPr lang="pt-BR" dirty="0"/>
@@ -2845,90 +2732,25 @@
             </a:r>
             <a:r>
               <a:rPr lang="pt-BR" dirty="0" err="1"/>
-              <a:t>Control</a:t>
-            </a:r>
+              <a:t>service</a:t>
+            </a:r>
+            <a:endParaRPr lang="pt-BR" dirty="0"/>
+          </a:p>
+          <a:p>
             <a:r>
               <a:rPr lang="pt-BR" dirty="0"/>
-              <a:t> </a:t>
+              <a:t>- Serviço Publisher-</a:t>
             </a:r>
             <a:r>
               <a:rPr lang="pt-BR" dirty="0" err="1"/>
-              <a:t>Function</a:t>
-            </a:r>
+              <a:t>subscriber</a:t>
+            </a:r>
+            <a:endParaRPr lang="pt-BR" dirty="0"/>
+          </a:p>
+          <a:p>
             <a:r>
               <a:rPr lang="pt-BR" dirty="0"/>
-              <a:t> (PCF)</a:t>
-            </a:r>
-          </a:p>
-          <a:p>
-            <a:pPr marL="171450" indent="-171450">
-              <a:buFontTx/>
-              <a:buChar char="-"/>
-            </a:pPr>
-            <a:r>
-              <a:rPr lang="pt-BR" dirty="0"/>
-              <a:t>PCF: camada de gestão de políticas de fatiamento</a:t>
-            </a:r>
-          </a:p>
-          <a:p>
-            <a:pPr marL="171450" indent="-171450">
-              <a:buFontTx/>
-              <a:buChar char="-"/>
-            </a:pPr>
-            <a:r>
-              <a:rPr lang="pt-BR" dirty="0"/>
-              <a:t>Podem se comunicar por uma interface N23</a:t>
-            </a:r>
-          </a:p>
-          <a:p>
-            <a:pPr marL="171450" indent="-171450">
-              <a:buFontTx/>
-              <a:buChar char="-"/>
-            </a:pPr>
-            <a:endParaRPr lang="pt-BR" dirty="0"/>
-          </a:p>
-          <a:p>
-            <a:pPr marL="171450" indent="-171450">
-              <a:buFontTx/>
-              <a:buChar char="-"/>
-            </a:pPr>
-            <a:r>
-              <a:rPr lang="pt-BR" dirty="0"/>
-              <a:t>Também pode se comunicar com uma função Network </a:t>
-            </a:r>
-            <a:r>
-              <a:rPr lang="pt-BR" dirty="0" err="1"/>
-              <a:t>Slice</a:t>
-            </a:r>
-            <a:r>
-              <a:rPr lang="pt-BR" dirty="0"/>
-              <a:t> </a:t>
-            </a:r>
-            <a:r>
-              <a:rPr lang="pt-BR" dirty="0" err="1"/>
-              <a:t>Selection</a:t>
-            </a:r>
-            <a:r>
-              <a:rPr lang="pt-BR" dirty="0"/>
-              <a:t> </a:t>
-            </a:r>
-            <a:r>
-              <a:rPr lang="pt-BR" dirty="0" err="1"/>
-              <a:t>Function</a:t>
-            </a:r>
-            <a:r>
-              <a:rPr lang="pt-BR" dirty="0"/>
-              <a:t> (NSSF)</a:t>
-            </a:r>
-          </a:p>
-          <a:p>
-            <a:pPr marL="171450" indent="-171450">
-              <a:buFontTx/>
-              <a:buChar char="-"/>
-            </a:pPr>
-            <a:r>
-              <a:rPr lang="pt-BR" dirty="0"/>
-              <a:t>Pode se comunicar por uma interface N34</a:t>
+              <a:t>- Uso interno no core 5G</a:t>
             </a:r>
           </a:p>
         </p:txBody>
@@ -2960,6 +2782,403 @@
     <p:extLst>
       <p:ext uri="{BB962C8B-B14F-4D97-AF65-F5344CB8AC3E}">
         <p14:creationId xmlns:p14="http://schemas.microsoft.com/office/powerpoint/2010/main" val="2181297702"/>
+      </p:ext>
+    </p:extLst>
+  </p:cSld>
+  <p:clrMapOvr>
+    <a:masterClrMapping/>
+  </p:clrMapOvr>
+</p:notes>
+</file>
+
+<file path=ppt/notesSlides/notesSlide26.xml><?xml version="1.0" encoding="utf-8"?>
+<p:notes xmlns:a="http://schemas.openxmlformats.org/drawingml/2006/main" xmlns:r="http://schemas.openxmlformats.org/officeDocument/2006/relationships" xmlns:p="http://schemas.openxmlformats.org/presentationml/2006/main">
+  <p:cSld>
+    <p:spTree>
+      <p:nvGrpSpPr>
+        <p:cNvPr id="1" name=""/>
+        <p:cNvGrpSpPr/>
+        <p:nvPr/>
+      </p:nvGrpSpPr>
+      <p:grpSpPr>
+        <a:xfrm>
+          <a:off x="0" y="0"/>
+          <a:ext cx="0" cy="0"/>
+          <a:chOff x="0" y="0"/>
+          <a:chExt cx="0" cy="0"/>
+        </a:xfrm>
+      </p:grpSpPr>
+      <p:sp>
+        <p:nvSpPr>
+          <p:cNvPr id="2" name="Slide Image Placeholder 1"/>
+          <p:cNvSpPr>
+            <a:spLocks noGrp="1" noRot="1" noChangeAspect="1"/>
+          </p:cNvSpPr>
+          <p:nvPr>
+            <p:ph type="sldImg"/>
+          </p:nvPr>
+        </p:nvSpPr>
+        <p:spPr/>
+      </p:sp>
+      <p:sp>
+        <p:nvSpPr>
+          <p:cNvPr id="3" name="Notes Placeholder 2"/>
+          <p:cNvSpPr>
+            <a:spLocks noGrp="1"/>
+          </p:cNvSpPr>
+          <p:nvPr>
+            <p:ph type="body" idx="1"/>
+          </p:nvPr>
+        </p:nvSpPr>
+        <p:spPr/>
+        <p:txBody>
+          <a:bodyPr/>
+          <a:lstStyle/>
+          <a:p>
+            <a:r>
+              <a:rPr lang="pt-BR" dirty="0"/>
+              <a:t>Nem todas as bases de dados foram exploradas</a:t>
+            </a:r>
+          </a:p>
+          <a:p>
+            <a:endParaRPr lang="pt-BR" dirty="0"/>
+          </a:p>
+          <a:p>
+            <a:r>
+              <a:rPr lang="pt-BR" dirty="0"/>
+              <a:t>Escolheu-se a cidade de Milão</a:t>
+            </a:r>
+          </a:p>
+          <a:p>
+            <a:endParaRPr lang="pt-BR" dirty="0"/>
+          </a:p>
+          <a:p>
+            <a:endParaRPr lang="pt-BR" dirty="0"/>
+          </a:p>
+        </p:txBody>
+      </p:sp>
+      <p:sp>
+        <p:nvSpPr>
+          <p:cNvPr id="4" name="Slide Number Placeholder 3"/>
+          <p:cNvSpPr>
+            <a:spLocks noGrp="1"/>
+          </p:cNvSpPr>
+          <p:nvPr>
+            <p:ph type="sldNum" sz="quarter" idx="5"/>
+          </p:nvPr>
+        </p:nvSpPr>
+        <p:spPr/>
+        <p:txBody>
+          <a:bodyPr/>
+          <a:lstStyle/>
+          <a:p>
+            <a:fld id="{11A34663-90A1-D846-8898-3C9F8D7E3213}" type="slidenum">
+              <a:rPr lang="pt-BR" smtClean="0"/>
+              <a:t>31</a:t>
+            </a:fld>
+            <a:endParaRPr lang="pt-BR"/>
+          </a:p>
+        </p:txBody>
+      </p:sp>
+    </p:spTree>
+    <p:extLst>
+      <p:ext uri="{BB962C8B-B14F-4D97-AF65-F5344CB8AC3E}">
+        <p14:creationId xmlns:p14="http://schemas.microsoft.com/office/powerpoint/2010/main" val="1907012590"/>
+      </p:ext>
+    </p:extLst>
+  </p:cSld>
+  <p:clrMapOvr>
+    <a:masterClrMapping/>
+  </p:clrMapOvr>
+</p:notes>
+</file>
+
+<file path=ppt/notesSlides/notesSlide27.xml><?xml version="1.0" encoding="utf-8"?>
+<p:notes xmlns:a="http://schemas.openxmlformats.org/drawingml/2006/main" xmlns:r="http://schemas.openxmlformats.org/officeDocument/2006/relationships" xmlns:p="http://schemas.openxmlformats.org/presentationml/2006/main">
+  <p:cSld>
+    <p:spTree>
+      <p:nvGrpSpPr>
+        <p:cNvPr id="1" name=""/>
+        <p:cNvGrpSpPr/>
+        <p:nvPr/>
+      </p:nvGrpSpPr>
+      <p:grpSpPr>
+        <a:xfrm>
+          <a:off x="0" y="0"/>
+          <a:ext cx="0" cy="0"/>
+          <a:chOff x="0" y="0"/>
+          <a:chExt cx="0" cy="0"/>
+        </a:xfrm>
+      </p:grpSpPr>
+      <p:sp>
+        <p:nvSpPr>
+          <p:cNvPr id="2" name="Slide Image Placeholder 1"/>
+          <p:cNvSpPr>
+            <a:spLocks noGrp="1" noRot="1" noChangeAspect="1"/>
+          </p:cNvSpPr>
+          <p:nvPr>
+            <p:ph type="sldImg"/>
+          </p:nvPr>
+        </p:nvSpPr>
+        <p:spPr/>
+      </p:sp>
+      <p:sp>
+        <p:nvSpPr>
+          <p:cNvPr id="3" name="Notes Placeholder 2"/>
+          <p:cNvSpPr>
+            <a:spLocks noGrp="1"/>
+          </p:cNvSpPr>
+          <p:nvPr>
+            <p:ph type="body" idx="1"/>
+          </p:nvPr>
+        </p:nvSpPr>
+        <p:spPr/>
+        <p:txBody>
+          <a:bodyPr/>
+          <a:lstStyle/>
+          <a:p>
+            <a:r>
+              <a:rPr lang="pt-BR" dirty="0"/>
+              <a:t>Os grids são regulares apesar da cobertura das torres não ser</a:t>
+            </a:r>
+          </a:p>
+          <a:p>
+            <a:r>
+              <a:rPr lang="pt-BR" dirty="0"/>
+              <a:t>- Anonimização dos dados que será explorada mais adiante</a:t>
+            </a:r>
+          </a:p>
+        </p:txBody>
+      </p:sp>
+      <p:sp>
+        <p:nvSpPr>
+          <p:cNvPr id="4" name="Slide Number Placeholder 3"/>
+          <p:cNvSpPr>
+            <a:spLocks noGrp="1"/>
+          </p:cNvSpPr>
+          <p:nvPr>
+            <p:ph type="sldNum" sz="quarter" idx="5"/>
+          </p:nvPr>
+        </p:nvSpPr>
+        <p:spPr/>
+        <p:txBody>
+          <a:bodyPr/>
+          <a:lstStyle/>
+          <a:p>
+            <a:fld id="{11A34663-90A1-D846-8898-3C9F8D7E3213}" type="slidenum">
+              <a:rPr lang="pt-BR" smtClean="0"/>
+              <a:t>32</a:t>
+            </a:fld>
+            <a:endParaRPr lang="pt-BR"/>
+          </a:p>
+        </p:txBody>
+      </p:sp>
+    </p:spTree>
+    <p:extLst>
+      <p:ext uri="{BB962C8B-B14F-4D97-AF65-F5344CB8AC3E}">
+        <p14:creationId xmlns:p14="http://schemas.microsoft.com/office/powerpoint/2010/main" val="1292190282"/>
+      </p:ext>
+    </p:extLst>
+  </p:cSld>
+  <p:clrMapOvr>
+    <a:masterClrMapping/>
+  </p:clrMapOvr>
+</p:notes>
+</file>
+
+<file path=ppt/notesSlides/notesSlide28.xml><?xml version="1.0" encoding="utf-8"?>
+<p:notes xmlns:a="http://schemas.openxmlformats.org/drawingml/2006/main" xmlns:r="http://schemas.openxmlformats.org/officeDocument/2006/relationships" xmlns:p="http://schemas.openxmlformats.org/presentationml/2006/main">
+  <p:cSld>
+    <p:spTree>
+      <p:nvGrpSpPr>
+        <p:cNvPr id="1" name=""/>
+        <p:cNvGrpSpPr/>
+        <p:nvPr/>
+      </p:nvGrpSpPr>
+      <p:grpSpPr>
+        <a:xfrm>
+          <a:off x="0" y="0"/>
+          <a:ext cx="0" cy="0"/>
+          <a:chOff x="0" y="0"/>
+          <a:chExt cx="0" cy="0"/>
+        </a:xfrm>
+      </p:grpSpPr>
+      <p:sp>
+        <p:nvSpPr>
+          <p:cNvPr id="2" name="Slide Image Placeholder 1"/>
+          <p:cNvSpPr>
+            <a:spLocks noGrp="1" noRot="1" noChangeAspect="1"/>
+          </p:cNvSpPr>
+          <p:nvPr>
+            <p:ph type="sldImg"/>
+          </p:nvPr>
+        </p:nvSpPr>
+        <p:spPr/>
+      </p:sp>
+      <p:sp>
+        <p:nvSpPr>
+          <p:cNvPr id="3" name="Notes Placeholder 2"/>
+          <p:cNvSpPr>
+            <a:spLocks noGrp="1"/>
+          </p:cNvSpPr>
+          <p:nvPr>
+            <p:ph type="body" idx="1"/>
+          </p:nvPr>
+        </p:nvSpPr>
+        <p:spPr/>
+        <p:txBody>
+          <a:bodyPr/>
+          <a:lstStyle/>
+          <a:p>
+            <a:r>
+              <a:rPr lang="pt-BR" dirty="0"/>
+              <a:t>De acordo com a GDPR: não possibilita rastreamento de um único usuário</a:t>
+            </a:r>
+          </a:p>
+          <a:p>
+            <a:endParaRPr lang="pt-BR" dirty="0"/>
+          </a:p>
+          <a:p>
+            <a:r>
+              <a:rPr lang="pt-BR" dirty="0"/>
+              <a:t>Também mantém reservado a capacidade real da infraestrutura da Telecom </a:t>
+            </a:r>
+            <a:r>
+              <a:rPr lang="pt-BR" dirty="0" err="1"/>
+              <a:t>Italia</a:t>
+            </a:r>
+            <a:endParaRPr lang="pt-BR" dirty="0"/>
+          </a:p>
+        </p:txBody>
+      </p:sp>
+      <p:sp>
+        <p:nvSpPr>
+          <p:cNvPr id="4" name="Slide Number Placeholder 3"/>
+          <p:cNvSpPr>
+            <a:spLocks noGrp="1"/>
+          </p:cNvSpPr>
+          <p:nvPr>
+            <p:ph type="sldNum" sz="quarter" idx="5"/>
+          </p:nvPr>
+        </p:nvSpPr>
+        <p:spPr/>
+        <p:txBody>
+          <a:bodyPr/>
+          <a:lstStyle/>
+          <a:p>
+            <a:fld id="{11A34663-90A1-D846-8898-3C9F8D7E3213}" type="slidenum">
+              <a:rPr lang="pt-BR" smtClean="0"/>
+              <a:t>33</a:t>
+            </a:fld>
+            <a:endParaRPr lang="pt-BR"/>
+          </a:p>
+        </p:txBody>
+      </p:sp>
+    </p:spTree>
+    <p:extLst>
+      <p:ext uri="{BB962C8B-B14F-4D97-AF65-F5344CB8AC3E}">
+        <p14:creationId xmlns:p14="http://schemas.microsoft.com/office/powerpoint/2010/main" val="3082326471"/>
+      </p:ext>
+    </p:extLst>
+  </p:cSld>
+  <p:clrMapOvr>
+    <a:masterClrMapping/>
+  </p:clrMapOvr>
+</p:notes>
+</file>
+
+<file path=ppt/notesSlides/notesSlide29.xml><?xml version="1.0" encoding="utf-8"?>
+<p:notes xmlns:a="http://schemas.openxmlformats.org/drawingml/2006/main" xmlns:r="http://schemas.openxmlformats.org/officeDocument/2006/relationships" xmlns:p="http://schemas.openxmlformats.org/presentationml/2006/main">
+  <p:cSld>
+    <p:spTree>
+      <p:nvGrpSpPr>
+        <p:cNvPr id="1" name=""/>
+        <p:cNvGrpSpPr/>
+        <p:nvPr/>
+      </p:nvGrpSpPr>
+      <p:grpSpPr>
+        <a:xfrm>
+          <a:off x="0" y="0"/>
+          <a:ext cx="0" cy="0"/>
+          <a:chOff x="0" y="0"/>
+          <a:chExt cx="0" cy="0"/>
+        </a:xfrm>
+      </p:grpSpPr>
+      <p:sp>
+        <p:nvSpPr>
+          <p:cNvPr id="2" name="Slide Image Placeholder 1"/>
+          <p:cNvSpPr>
+            <a:spLocks noGrp="1" noRot="1" noChangeAspect="1"/>
+          </p:cNvSpPr>
+          <p:nvPr>
+            <p:ph type="sldImg"/>
+          </p:nvPr>
+        </p:nvSpPr>
+        <p:spPr/>
+      </p:sp>
+      <p:sp>
+        <p:nvSpPr>
+          <p:cNvPr id="3" name="Notes Placeholder 2"/>
+          <p:cNvSpPr>
+            <a:spLocks noGrp="1"/>
+          </p:cNvSpPr>
+          <p:nvPr>
+            <p:ph type="body" idx="1"/>
+          </p:nvPr>
+        </p:nvSpPr>
+        <p:spPr/>
+        <p:txBody>
+          <a:bodyPr/>
+          <a:lstStyle/>
+          <a:p>
+            <a:r>
+              <a:rPr lang="pt-BR" dirty="0"/>
+              <a:t>De acordo com a GDPR: não possibilita rastreamento de um único usuário</a:t>
+            </a:r>
+          </a:p>
+          <a:p>
+            <a:endParaRPr lang="pt-BR" dirty="0"/>
+          </a:p>
+          <a:p>
+            <a:r>
+              <a:rPr lang="pt-BR" dirty="0"/>
+              <a:t>Também mantém reservado a capacidade real da infraestrutura da Telecom </a:t>
+            </a:r>
+            <a:r>
+              <a:rPr lang="pt-BR" dirty="0" err="1"/>
+              <a:t>Italia</a:t>
+            </a:r>
+            <a:endParaRPr lang="pt-BR" dirty="0"/>
+          </a:p>
+        </p:txBody>
+      </p:sp>
+      <p:sp>
+        <p:nvSpPr>
+          <p:cNvPr id="4" name="Slide Number Placeholder 3"/>
+          <p:cNvSpPr>
+            <a:spLocks noGrp="1"/>
+          </p:cNvSpPr>
+          <p:nvPr>
+            <p:ph type="sldNum" sz="quarter" idx="5"/>
+          </p:nvPr>
+        </p:nvSpPr>
+        <p:spPr/>
+        <p:txBody>
+          <a:bodyPr/>
+          <a:lstStyle/>
+          <a:p>
+            <a:fld id="{11A34663-90A1-D846-8898-3C9F8D7E3213}" type="slidenum">
+              <a:rPr lang="pt-BR" smtClean="0"/>
+              <a:t>34</a:t>
+            </a:fld>
+            <a:endParaRPr lang="pt-BR"/>
+          </a:p>
+        </p:txBody>
+      </p:sp>
+    </p:spTree>
+    <p:extLst>
+      <p:ext uri="{BB962C8B-B14F-4D97-AF65-F5344CB8AC3E}">
+        <p14:creationId xmlns:p14="http://schemas.microsoft.com/office/powerpoint/2010/main" val="2967025476"/>
       </p:ext>
     </p:extLst>
   </p:cSld>
@@ -3091,6 +3310,107 @@
     <p:extLst>
       <p:ext uri="{BB962C8B-B14F-4D97-AF65-F5344CB8AC3E}">
         <p14:creationId xmlns:p14="http://schemas.microsoft.com/office/powerpoint/2010/main" val="3530442620"/>
+      </p:ext>
+    </p:extLst>
+  </p:cSld>
+  <p:clrMapOvr>
+    <a:masterClrMapping/>
+  </p:clrMapOvr>
+</p:notes>
+</file>
+
+<file path=ppt/notesSlides/notesSlide30.xml><?xml version="1.0" encoding="utf-8"?>
+<p:notes xmlns:a="http://schemas.openxmlformats.org/drawingml/2006/main" xmlns:r="http://schemas.openxmlformats.org/officeDocument/2006/relationships" xmlns:p="http://schemas.openxmlformats.org/presentationml/2006/main">
+  <p:cSld>
+    <p:spTree>
+      <p:nvGrpSpPr>
+        <p:cNvPr id="1" name=""/>
+        <p:cNvGrpSpPr/>
+        <p:nvPr/>
+      </p:nvGrpSpPr>
+      <p:grpSpPr>
+        <a:xfrm>
+          <a:off x="0" y="0"/>
+          <a:ext cx="0" cy="0"/>
+          <a:chOff x="0" y="0"/>
+          <a:chExt cx="0" cy="0"/>
+        </a:xfrm>
+      </p:grpSpPr>
+      <p:sp>
+        <p:nvSpPr>
+          <p:cNvPr id="2" name="Slide Image Placeholder 1"/>
+          <p:cNvSpPr>
+            <a:spLocks noGrp="1" noRot="1" noChangeAspect="1"/>
+          </p:cNvSpPr>
+          <p:nvPr>
+            <p:ph type="sldImg"/>
+          </p:nvPr>
+        </p:nvSpPr>
+        <p:spPr/>
+      </p:sp>
+      <p:sp>
+        <p:nvSpPr>
+          <p:cNvPr id="3" name="Notes Placeholder 2"/>
+          <p:cNvSpPr>
+            <a:spLocks noGrp="1"/>
+          </p:cNvSpPr>
+          <p:nvPr>
+            <p:ph type="body" idx="1"/>
+          </p:nvPr>
+        </p:nvSpPr>
+        <p:spPr/>
+        <p:txBody>
+          <a:bodyPr/>
+          <a:lstStyle/>
+          <a:p>
+            <a:r>
+              <a:rPr lang="pt-BR" dirty="0"/>
+              <a:t>De acordo com a GDPR: não possibilita rastreamento de um único usuário</a:t>
+            </a:r>
+          </a:p>
+          <a:p>
+            <a:endParaRPr lang="pt-BR" dirty="0"/>
+          </a:p>
+          <a:p>
+            <a:r>
+              <a:rPr lang="pt-BR" dirty="0"/>
+              <a:t>Também mantém reservado a capacidade real da infraestrutura da Telecom </a:t>
+            </a:r>
+            <a:r>
+              <a:rPr lang="pt-BR" dirty="0" err="1"/>
+              <a:t>Italia</a:t>
+            </a:r>
+            <a:endParaRPr lang="pt-BR" dirty="0"/>
+          </a:p>
+        </p:txBody>
+      </p:sp>
+      <p:sp>
+        <p:nvSpPr>
+          <p:cNvPr id="4" name="Slide Number Placeholder 3"/>
+          <p:cNvSpPr>
+            <a:spLocks noGrp="1"/>
+          </p:cNvSpPr>
+          <p:nvPr>
+            <p:ph type="sldNum" sz="quarter" idx="5"/>
+          </p:nvPr>
+        </p:nvSpPr>
+        <p:spPr/>
+        <p:txBody>
+          <a:bodyPr/>
+          <a:lstStyle/>
+          <a:p>
+            <a:fld id="{11A34663-90A1-D846-8898-3C9F8D7E3213}" type="slidenum">
+              <a:rPr lang="pt-BR" smtClean="0"/>
+              <a:t>35</a:t>
+            </a:fld>
+            <a:endParaRPr lang="pt-BR"/>
+          </a:p>
+        </p:txBody>
+      </p:sp>
+    </p:spTree>
+    <p:extLst>
+      <p:ext uri="{BB962C8B-B14F-4D97-AF65-F5344CB8AC3E}">
+        <p14:creationId xmlns:p14="http://schemas.microsoft.com/office/powerpoint/2010/main" val="313368850"/>
       </p:ext>
     </p:extLst>
   </p:cSld>
@@ -22694,14 +23014,20 @@
           <a:lstStyle/>
           <a:p>
             <a:r>
-              <a:rPr lang="en-US" sz="1600" b="1" dirty="0" err="1">
-                <a:latin typeface="IBM Plex Sans" panose="020B0503050203000203" pitchFamily="34" charset="0"/>
-              </a:rPr>
-              <a:t>Lipsum</a:t>
-            </a:r>
-            <a:endParaRPr lang="en-US" sz="1600" b="1" dirty="0">
-              <a:latin typeface="IBM Plex Sans" panose="020B0503050203000203" pitchFamily="34" charset="0"/>
-            </a:endParaRPr>
+              <a:rPr lang="en-US" sz="1600" b="1" dirty="0">
+                <a:latin typeface="IBM Plex Sans" panose="020B0503050203000203" pitchFamily="34" charset="0"/>
+              </a:rPr>
+              <a:t>The data is pulled by the MTP-NT, which can be seen as </a:t>
+            </a:r>
+            <a:r>
+              <a:rPr lang="en-US" sz="1600" b="1" dirty="0">
+                <a:solidFill>
+                  <a:srgbClr val="0F62FF"/>
+                </a:solidFill>
+                <a:latin typeface="IBM Plex Sans" panose="020B0503050203000203" pitchFamily="34" charset="0"/>
+              </a:rPr>
+              <a:t>a NTMA</a:t>
+            </a:r>
           </a:p>
         </p:txBody>
       </p:sp>
@@ -24731,102 +25057,6 @@
       </p:pic>
       <p:sp>
         <p:nvSpPr>
-          <p:cNvPr id="3" name="Title">
-            <a:extLst>
-              <a:ext uri="{FF2B5EF4-FFF2-40B4-BE49-F238E27FC236}">
-                <a16:creationId xmlns:a16="http://schemas.microsoft.com/office/drawing/2014/main" id="{2170016D-54DD-5008-2F36-6AC29276D5E4}"/>
-              </a:ext>
-            </a:extLst>
-          </p:cNvPr>
-          <p:cNvSpPr>
-            <a:spLocks noGrp="1"/>
-          </p:cNvSpPr>
-          <p:nvPr>
-            <p:ph type="title"/>
-          </p:nvPr>
-        </p:nvSpPr>
-        <p:spPr>
-          <a:xfrm>
-            <a:off x="748749" y="4267362"/>
-            <a:ext cx="3985590" cy="2485887"/>
-          </a:xfrm>
-        </p:spPr>
-        <p:txBody>
-          <a:bodyPr anchor="t">
-            <a:normAutofit/>
-          </a:bodyPr>
-          <a:lstStyle/>
-          <a:p>
-            <a:r>
-              <a:rPr lang="en-US" sz="1600" b="1" dirty="0" err="1">
-                <a:latin typeface="IBM Plex Sans" panose="020B0503050203000203" pitchFamily="34" charset="0"/>
-              </a:rPr>
-              <a:t>Lipsum</a:t>
-            </a:r>
-            <a:endParaRPr lang="en-US" sz="1600" b="1" dirty="0">
-              <a:latin typeface="IBM Plex Sans" panose="020B0503050203000203" pitchFamily="34" charset="0"/>
-            </a:endParaRPr>
-          </a:p>
-        </p:txBody>
-      </p:sp>
-      <p:sp>
-        <p:nvSpPr>
-          <p:cNvPr id="6" name="TextBox 5">
-            <a:extLst>
-              <a:ext uri="{FF2B5EF4-FFF2-40B4-BE49-F238E27FC236}">
-                <a16:creationId xmlns:a16="http://schemas.microsoft.com/office/drawing/2014/main" id="{4E338357-CE59-7DCB-2624-633E69BEF748}"/>
-              </a:ext>
-            </a:extLst>
-          </p:cNvPr>
-          <p:cNvSpPr txBox="1"/>
-          <p:nvPr/>
-        </p:nvSpPr>
-        <p:spPr>
-          <a:xfrm>
-            <a:off x="6096000" y="4526329"/>
-            <a:ext cx="5257800" cy="230832"/>
-          </a:xfrm>
-          <a:prstGeom prst="rect">
-            <a:avLst/>
-          </a:prstGeom>
-          <a:noFill/>
-        </p:spPr>
-        <p:txBody>
-          <a:bodyPr wrap="square" rtlCol="0">
-            <a:spAutoFit/>
-          </a:bodyPr>
-          <a:lstStyle/>
-          <a:p>
-            <a:r>
-              <a:rPr lang="pt-BR" sz="900" dirty="0">
-                <a:solidFill>
-                  <a:srgbClr val="898989"/>
-                </a:solidFill>
-                <a:latin typeface="IBM Plex Sans" panose="020B0503050203000203" pitchFamily="34" charset="0"/>
-              </a:rPr>
-              <a:t>[1]</a:t>
-            </a:r>
-            <a:r>
-              <a:rPr lang="en-US" sz="900" b="0" i="0" dirty="0">
-                <a:solidFill>
-                  <a:srgbClr val="898989"/>
-                </a:solidFill>
-                <a:effectLst/>
-                <a:latin typeface="IBM Plex Sans" panose="020B0503050203000203" pitchFamily="34" charset="0"/>
-              </a:rPr>
-              <a:t> 3GPP, 2022</a:t>
-            </a:r>
-            <a:endParaRPr lang="pt-BR" sz="900" dirty="0">
-              <a:solidFill>
-                <a:srgbClr val="898989"/>
-              </a:solidFill>
-              <a:latin typeface="IBM Plex Sans" panose="020B0503050203000203" pitchFamily="34" charset="0"/>
-            </a:endParaRPr>
-          </a:p>
-        </p:txBody>
-      </p:sp>
-      <p:sp>
-        <p:nvSpPr>
           <p:cNvPr id="7" name="Rectangle 6">
             <a:extLst>
               <a:ext uri="{FF2B5EF4-FFF2-40B4-BE49-F238E27FC236}">
@@ -24911,6 +25141,2709 @@
       </p:grpSpPr>
       <p:sp>
         <p:nvSpPr>
+          <p:cNvPr id="4" name="Footer Placeholder 3">
+            <a:extLst>
+              <a:ext uri="{FF2B5EF4-FFF2-40B4-BE49-F238E27FC236}">
+                <a16:creationId xmlns:a16="http://schemas.microsoft.com/office/drawing/2014/main" id="{ABC5BB99-6713-EE89-3895-F3148FABAE18}"/>
+              </a:ext>
+            </a:extLst>
+          </p:cNvPr>
+          <p:cNvSpPr>
+            <a:spLocks noGrp="1"/>
+          </p:cNvSpPr>
+          <p:nvPr>
+            <p:ph type="ftr" sz="quarter" idx="11"/>
+          </p:nvPr>
+        </p:nvSpPr>
+        <p:spPr/>
+        <p:txBody>
+          <a:bodyPr/>
+          <a:lstStyle/>
+          <a:p>
+            <a:r>
+              <a:rPr lang="pt-BR" dirty="0">
+                <a:latin typeface="IBM Plex Sans" panose="020B0503050203000203" pitchFamily="34" charset="0"/>
+              </a:rPr>
+              <a:t>A Mobile </a:t>
+            </a:r>
+            <a:r>
+              <a:rPr lang="pt-BR" dirty="0" err="1">
+                <a:latin typeface="IBM Plex Sans" panose="020B0503050203000203" pitchFamily="34" charset="0"/>
+              </a:rPr>
+              <a:t>Traffic</a:t>
+            </a:r>
+            <a:r>
+              <a:rPr lang="pt-BR" dirty="0">
+                <a:latin typeface="IBM Plex Sans" panose="020B0503050203000203" pitchFamily="34" charset="0"/>
+              </a:rPr>
+              <a:t> </a:t>
+            </a:r>
+            <a:r>
+              <a:rPr lang="pt-BR" dirty="0" err="1">
+                <a:latin typeface="IBM Plex Sans" panose="020B0503050203000203" pitchFamily="34" charset="0"/>
+              </a:rPr>
+              <a:t>Predictor</a:t>
+            </a:r>
+            <a:r>
+              <a:rPr lang="pt-BR" dirty="0">
+                <a:latin typeface="IBM Plex Sans" panose="020B0503050203000203" pitchFamily="34" charset="0"/>
+              </a:rPr>
+              <a:t> </a:t>
+            </a:r>
+            <a:r>
+              <a:rPr lang="pt-BR" dirty="0" err="1">
+                <a:latin typeface="IBM Plex Sans" panose="020B0503050203000203" pitchFamily="34" charset="0"/>
+              </a:rPr>
+              <a:t>Enhanced</a:t>
+            </a:r>
+            <a:r>
+              <a:rPr lang="pt-BR" dirty="0">
+                <a:latin typeface="IBM Plex Sans" panose="020B0503050203000203" pitchFamily="34" charset="0"/>
+              </a:rPr>
+              <a:t> </a:t>
+            </a:r>
+            <a:r>
+              <a:rPr lang="pt-BR" dirty="0" err="1">
+                <a:latin typeface="IBM Plex Sans" panose="020B0503050203000203" pitchFamily="34" charset="0"/>
+              </a:rPr>
+              <a:t>by</a:t>
+            </a:r>
+            <a:r>
+              <a:rPr lang="pt-BR" dirty="0">
+                <a:latin typeface="IBM Plex Sans" panose="020B0503050203000203" pitchFamily="34" charset="0"/>
+              </a:rPr>
+              <a:t> </a:t>
+            </a:r>
+            <a:r>
+              <a:rPr lang="pt-BR" dirty="0" err="1">
+                <a:latin typeface="IBM Plex Sans" panose="020B0503050203000203" pitchFamily="34" charset="0"/>
+              </a:rPr>
+              <a:t>Neighboring</a:t>
+            </a:r>
+            <a:r>
+              <a:rPr lang="pt-BR" dirty="0">
+                <a:latin typeface="IBM Plex Sans" panose="020B0503050203000203" pitchFamily="34" charset="0"/>
+              </a:rPr>
+              <a:t> </a:t>
+            </a:r>
+            <a:r>
+              <a:rPr lang="pt-BR" dirty="0" err="1">
+                <a:latin typeface="IBM Plex Sans" panose="020B0503050203000203" pitchFamily="34" charset="0"/>
+              </a:rPr>
+              <a:t>Transportation</a:t>
+            </a:r>
+            <a:r>
+              <a:rPr lang="pt-BR" dirty="0">
+                <a:latin typeface="IBM Plex Sans" panose="020B0503050203000203" pitchFamily="34" charset="0"/>
+              </a:rPr>
+              <a:t> Data (MTP-NT)</a:t>
+            </a:r>
+          </a:p>
+        </p:txBody>
+      </p:sp>
+      <p:sp>
+        <p:nvSpPr>
+          <p:cNvPr id="5" name="Slide Number Placeholder 4">
+            <a:extLst>
+              <a:ext uri="{FF2B5EF4-FFF2-40B4-BE49-F238E27FC236}">
+                <a16:creationId xmlns:a16="http://schemas.microsoft.com/office/drawing/2014/main" id="{DE4D7978-95DF-1BFB-E341-3759F4762F0C}"/>
+              </a:ext>
+            </a:extLst>
+          </p:cNvPr>
+          <p:cNvSpPr>
+            <a:spLocks noGrp="1"/>
+          </p:cNvSpPr>
+          <p:nvPr>
+            <p:ph type="sldNum" sz="quarter" idx="12"/>
+          </p:nvPr>
+        </p:nvSpPr>
+        <p:spPr/>
+        <p:txBody>
+          <a:bodyPr/>
+          <a:lstStyle/>
+          <a:p>
+            <a:fld id="{C16D1434-241F-3E4A-8778-0F70095E40C3}" type="slidenum">
+              <a:rPr lang="pt-BR" smtClean="0">
+                <a:latin typeface="IBM Plex Sans" panose="020B0503050203000203" pitchFamily="34" charset="0"/>
+              </a:rPr>
+              <a:t>31</a:t>
+            </a:fld>
+            <a:endParaRPr lang="pt-BR">
+              <a:latin typeface="IBM Plex Sans" panose="020B0503050203000203" pitchFamily="34" charset="0"/>
+            </a:endParaRPr>
+          </a:p>
+        </p:txBody>
+      </p:sp>
+      <p:sp>
+        <p:nvSpPr>
+          <p:cNvPr id="2" name="Title">
+            <a:extLst>
+              <a:ext uri="{FF2B5EF4-FFF2-40B4-BE49-F238E27FC236}">
+                <a16:creationId xmlns:a16="http://schemas.microsoft.com/office/drawing/2014/main" id="{8FE29A8C-DA4A-E4E8-59AE-3E42BD56A75B}"/>
+              </a:ext>
+            </a:extLst>
+          </p:cNvPr>
+          <p:cNvSpPr>
+            <a:spLocks noGrp="1"/>
+          </p:cNvSpPr>
+          <p:nvPr>
+            <p:ph type="title"/>
+          </p:nvPr>
+        </p:nvSpPr>
+        <p:spPr>
+          <a:xfrm>
+            <a:off x="531345" y="1784768"/>
+            <a:ext cx="10683501" cy="546903"/>
+          </a:xfrm>
+        </p:spPr>
+        <p:txBody>
+          <a:bodyPr anchor="t">
+            <a:normAutofit/>
+          </a:bodyPr>
+          <a:lstStyle/>
+          <a:p>
+            <a:r>
+              <a:rPr lang="en-US" sz="1600" b="1" dirty="0">
+                <a:latin typeface="IBM Plex Sans" panose="020B0503050203000203" pitchFamily="34" charset="0"/>
+              </a:rPr>
+              <a:t>Database to </a:t>
+            </a:r>
+            <a:r>
+              <a:rPr lang="en-US" sz="1600" b="1" dirty="0">
+                <a:solidFill>
+                  <a:srgbClr val="0F62FF"/>
+                </a:solidFill>
+                <a:latin typeface="IBM Plex Sans" panose="020B0503050203000203" pitchFamily="34" charset="0"/>
+              </a:rPr>
+              <a:t>Milan</a:t>
+            </a:r>
+            <a:r>
+              <a:rPr lang="en-US" sz="1600" b="1" dirty="0">
+                <a:latin typeface="IBM Plex Sans" panose="020B0503050203000203" pitchFamily="34" charset="0"/>
+              </a:rPr>
+              <a:t> and Trento from November 1</a:t>
+            </a:r>
+            <a:r>
+              <a:rPr lang="en-US" sz="1600" b="1" baseline="30000" dirty="0">
+                <a:latin typeface="IBM Plex Sans" panose="020B0503050203000203" pitchFamily="34" charset="0"/>
+              </a:rPr>
+              <a:t>st</a:t>
+            </a:r>
+            <a:r>
+              <a:rPr lang="en-US" sz="1600" b="1" dirty="0">
+                <a:latin typeface="IBM Plex Sans" panose="020B0503050203000203" pitchFamily="34" charset="0"/>
+              </a:rPr>
+              <a:t> to December 31</a:t>
+            </a:r>
+            <a:r>
+              <a:rPr lang="en-US" sz="1600" b="1" baseline="30000" dirty="0">
+                <a:latin typeface="IBM Plex Sans" panose="020B0503050203000203" pitchFamily="34" charset="0"/>
+              </a:rPr>
+              <a:t>st</a:t>
+            </a:r>
+            <a:r>
+              <a:rPr lang="en-US" sz="1600" b="1" dirty="0">
+                <a:latin typeface="IBM Plex Sans" panose="020B0503050203000203" pitchFamily="34" charset="0"/>
+              </a:rPr>
+              <a:t> of 2013</a:t>
+            </a:r>
+            <a:r>
+              <a:rPr lang="en-US" sz="1600" b="1" baseline="30000" dirty="0">
+                <a:latin typeface="IBM Plex Sans" panose="020B0503050203000203" pitchFamily="34" charset="0"/>
+              </a:rPr>
+              <a:t>1</a:t>
+            </a:r>
+            <a:endParaRPr lang="en-US" sz="1600" b="1" dirty="0">
+              <a:latin typeface="IBM Plex Sans" panose="020B0503050203000203" pitchFamily="34" charset="0"/>
+            </a:endParaRPr>
+          </a:p>
+        </p:txBody>
+      </p:sp>
+      <p:sp>
+        <p:nvSpPr>
+          <p:cNvPr id="6" name="TextBox 5">
+            <a:extLst>
+              <a:ext uri="{FF2B5EF4-FFF2-40B4-BE49-F238E27FC236}">
+                <a16:creationId xmlns:a16="http://schemas.microsoft.com/office/drawing/2014/main" id="{D4CFAE64-9E07-DC8F-0875-D5BA61C8EC87}"/>
+              </a:ext>
+            </a:extLst>
+          </p:cNvPr>
+          <p:cNvSpPr txBox="1"/>
+          <p:nvPr/>
+        </p:nvSpPr>
+        <p:spPr>
+          <a:xfrm>
+            <a:off x="6096000" y="4526329"/>
+            <a:ext cx="5257800" cy="230832"/>
+          </a:xfrm>
+          <a:prstGeom prst="rect">
+            <a:avLst/>
+          </a:prstGeom>
+          <a:noFill/>
+        </p:spPr>
+        <p:txBody>
+          <a:bodyPr wrap="square" rtlCol="0">
+            <a:spAutoFit/>
+          </a:bodyPr>
+          <a:lstStyle/>
+          <a:p>
+            <a:r>
+              <a:rPr lang="pt-BR" sz="900" dirty="0">
+                <a:solidFill>
+                  <a:srgbClr val="898989"/>
+                </a:solidFill>
+                <a:latin typeface="IBM Plex Sans" panose="020B0503050203000203" pitchFamily="34" charset="0"/>
+              </a:rPr>
+              <a:t>[1]</a:t>
+            </a:r>
+            <a:r>
+              <a:rPr lang="en-US" sz="900" b="0" i="0" dirty="0">
+                <a:solidFill>
+                  <a:srgbClr val="898989"/>
+                </a:solidFill>
+                <a:effectLst/>
+                <a:latin typeface="IBM Plex Sans" panose="020B0503050203000203" pitchFamily="34" charset="0"/>
+              </a:rPr>
+              <a:t> Dataset</a:t>
+            </a:r>
+            <a:endParaRPr lang="pt-BR" sz="900" dirty="0">
+              <a:solidFill>
+                <a:srgbClr val="898989"/>
+              </a:solidFill>
+              <a:latin typeface="IBM Plex Sans" panose="020B0503050203000203" pitchFamily="34" charset="0"/>
+            </a:endParaRPr>
+          </a:p>
+        </p:txBody>
+      </p:sp>
+      <p:sp>
+        <p:nvSpPr>
+          <p:cNvPr id="7" name="Title">
+            <a:extLst>
+              <a:ext uri="{FF2B5EF4-FFF2-40B4-BE49-F238E27FC236}">
+                <a16:creationId xmlns:a16="http://schemas.microsoft.com/office/drawing/2014/main" id="{48CFCC32-A6C6-4CD1-E85B-A358EE513708}"/>
+              </a:ext>
+            </a:extLst>
+          </p:cNvPr>
+          <p:cNvSpPr txBox="1">
+            <a:spLocks/>
+          </p:cNvSpPr>
+          <p:nvPr/>
+        </p:nvSpPr>
+        <p:spPr>
+          <a:xfrm>
+            <a:off x="531344" y="2249894"/>
+            <a:ext cx="10683501" cy="3821122"/>
+          </a:xfrm>
+          <a:prstGeom prst="rect">
+            <a:avLst/>
+          </a:prstGeom>
+        </p:spPr>
+        <p:txBody>
+          <a:bodyPr vert="horz" lIns="91440" tIns="45720" rIns="91440" bIns="45720" rtlCol="0" anchor="t">
+            <a:normAutofit/>
+          </a:bodyPr>
+          <a:lstStyle>
+            <a:lvl1pPr algn="l" defTabSz="914400" rtl="0" eaLnBrk="1" latinLnBrk="0" hangingPunct="1">
+              <a:lnSpc>
+                <a:spcPct val="90000"/>
+              </a:lnSpc>
+              <a:spcBef>
+                <a:spcPct val="0"/>
+              </a:spcBef>
+              <a:buNone/>
+              <a:defRPr sz="4400" kern="1200">
+                <a:solidFill>
+                  <a:schemeClr val="tx1"/>
+                </a:solidFill>
+                <a:latin typeface="+mj-lt"/>
+                <a:ea typeface="+mj-ea"/>
+                <a:cs typeface="+mj-cs"/>
+              </a:defRPr>
+            </a:lvl1pPr>
+          </a:lstStyle>
+          <a:p>
+            <a:pPr marL="342900" indent="-342900">
+              <a:buFont typeface="+mj-lt"/>
+              <a:buAutoNum type="arabicPeriod"/>
+            </a:pPr>
+            <a:r>
+              <a:rPr lang="en-US" sz="1600" b="1" dirty="0">
+                <a:latin typeface="IBM Plex Sans" panose="020B0503050203000203" pitchFamily="34" charset="0"/>
+              </a:rPr>
+              <a:t>Grid (Telecom Italia)</a:t>
+            </a:r>
+          </a:p>
+          <a:p>
+            <a:pPr marL="342900" indent="-342900">
+              <a:buFont typeface="+mj-lt"/>
+              <a:buAutoNum type="arabicPeriod"/>
+            </a:pPr>
+            <a:endParaRPr lang="en-US" sz="1600" b="1" dirty="0">
+              <a:latin typeface="IBM Plex Sans" panose="020B0503050203000203" pitchFamily="34" charset="0"/>
+            </a:endParaRPr>
+          </a:p>
+          <a:p>
+            <a:pPr marL="342900" indent="-342900">
+              <a:buFont typeface="+mj-lt"/>
+              <a:buAutoNum type="arabicPeriod"/>
+            </a:pPr>
+            <a:r>
+              <a:rPr lang="en-US" sz="1600" b="1" dirty="0">
+                <a:latin typeface="IBM Plex Sans" panose="020B0503050203000203" pitchFamily="34" charset="0"/>
+              </a:rPr>
+              <a:t>Social Pulse (</a:t>
+            </a:r>
+            <a:r>
+              <a:rPr lang="en-US" sz="1600" b="1" dirty="0" err="1">
+                <a:latin typeface="IBM Plex Sans" panose="020B0503050203000203" pitchFamily="34" charset="0"/>
+              </a:rPr>
+              <a:t>Spazio</a:t>
+            </a:r>
+            <a:r>
+              <a:rPr lang="en-US" sz="1600" b="1" dirty="0">
+                <a:latin typeface="IBM Plex Sans" panose="020B0503050203000203" pitchFamily="34" charset="0"/>
+              </a:rPr>
+              <a:t> </a:t>
+            </a:r>
+            <a:r>
+              <a:rPr lang="en-US" sz="1600" b="1" dirty="0" err="1">
+                <a:latin typeface="IBM Plex Sans" panose="020B0503050203000203" pitchFamily="34" charset="0"/>
+              </a:rPr>
+              <a:t>Dati</a:t>
+            </a:r>
+            <a:r>
+              <a:rPr lang="en-US" sz="1600" b="1" dirty="0">
+                <a:latin typeface="IBM Plex Sans" panose="020B0503050203000203" pitchFamily="34" charset="0"/>
+              </a:rPr>
+              <a:t>, DEIB)</a:t>
+            </a:r>
+          </a:p>
+          <a:p>
+            <a:pPr marL="342900" indent="-342900">
+              <a:buFont typeface="+mj-lt"/>
+              <a:buAutoNum type="arabicPeriod"/>
+            </a:pPr>
+            <a:endParaRPr lang="en-US" sz="1600" b="1" dirty="0">
+              <a:latin typeface="IBM Plex Sans" panose="020B0503050203000203" pitchFamily="34" charset="0"/>
+            </a:endParaRPr>
+          </a:p>
+          <a:p>
+            <a:pPr marL="342900" indent="-342900">
+              <a:buFont typeface="+mj-lt"/>
+              <a:buAutoNum type="arabicPeriod"/>
+            </a:pPr>
+            <a:r>
+              <a:rPr lang="en-US" sz="1600" b="1" dirty="0">
+                <a:solidFill>
+                  <a:srgbClr val="0F62FF"/>
+                </a:solidFill>
+                <a:latin typeface="IBM Plex Sans" panose="020B0503050203000203" pitchFamily="34" charset="0"/>
+              </a:rPr>
+              <a:t>Telecommunications</a:t>
+            </a:r>
+            <a:r>
+              <a:rPr lang="en-US" sz="1600" b="1" dirty="0">
+                <a:latin typeface="IBM Plex Sans" panose="020B0503050203000203" pitchFamily="34" charset="0"/>
+              </a:rPr>
+              <a:t> (Telecom Italia)</a:t>
+            </a:r>
+          </a:p>
+          <a:p>
+            <a:pPr marL="342900" indent="-342900">
+              <a:buFont typeface="+mj-lt"/>
+              <a:buAutoNum type="arabicPeriod"/>
+            </a:pPr>
+            <a:endParaRPr lang="en-US" sz="1600" b="1" dirty="0">
+              <a:latin typeface="IBM Plex Sans" panose="020B0503050203000203" pitchFamily="34" charset="0"/>
+            </a:endParaRPr>
+          </a:p>
+          <a:p>
+            <a:pPr marL="342900" indent="-342900">
+              <a:buFont typeface="+mj-lt"/>
+              <a:buAutoNum type="arabicPeriod"/>
+            </a:pPr>
+            <a:r>
+              <a:rPr lang="en-US" sz="1600" b="1" dirty="0">
+                <a:latin typeface="IBM Plex Sans" panose="020B0503050203000203" pitchFamily="34" charset="0"/>
+              </a:rPr>
+              <a:t>Precipitations (</a:t>
+            </a:r>
+            <a:r>
+              <a:rPr lang="en-US" sz="1600" b="1" dirty="0" err="1">
+                <a:latin typeface="IBM Plex Sans" panose="020B0503050203000203" pitchFamily="34" charset="0"/>
+              </a:rPr>
+              <a:t>Metereotrentino</a:t>
+            </a:r>
+            <a:r>
+              <a:rPr lang="en-US" sz="1600" b="1" dirty="0">
+                <a:latin typeface="IBM Plex Sans" panose="020B0503050203000203" pitchFamily="34" charset="0"/>
+              </a:rPr>
+              <a:t>, ARPA)</a:t>
+            </a:r>
+          </a:p>
+          <a:p>
+            <a:pPr marL="342900" indent="-342900">
+              <a:buFont typeface="+mj-lt"/>
+              <a:buAutoNum type="arabicPeriod"/>
+            </a:pPr>
+            <a:endParaRPr lang="en-US" sz="1600" b="1" dirty="0">
+              <a:latin typeface="IBM Plex Sans" panose="020B0503050203000203" pitchFamily="34" charset="0"/>
+            </a:endParaRPr>
+          </a:p>
+          <a:p>
+            <a:pPr marL="342900" indent="-342900">
+              <a:buFont typeface="+mj-lt"/>
+              <a:buAutoNum type="arabicPeriod"/>
+            </a:pPr>
+            <a:r>
+              <a:rPr lang="en-US" sz="1600" b="1" dirty="0">
+                <a:latin typeface="IBM Plex Sans" panose="020B0503050203000203" pitchFamily="34" charset="0"/>
+              </a:rPr>
+              <a:t>Weather (ARPA)</a:t>
+            </a:r>
+          </a:p>
+          <a:p>
+            <a:pPr marL="342900" indent="-342900">
+              <a:buFont typeface="+mj-lt"/>
+              <a:buAutoNum type="arabicPeriod"/>
+            </a:pPr>
+            <a:endParaRPr lang="en-US" sz="1600" b="1" dirty="0">
+              <a:latin typeface="IBM Plex Sans" panose="020B0503050203000203" pitchFamily="34" charset="0"/>
+            </a:endParaRPr>
+          </a:p>
+          <a:p>
+            <a:pPr marL="342900" indent="-342900">
+              <a:buFont typeface="+mj-lt"/>
+              <a:buAutoNum type="arabicPeriod"/>
+            </a:pPr>
+            <a:r>
+              <a:rPr lang="en-US" sz="1600" b="1" dirty="0">
+                <a:latin typeface="IBM Plex Sans" panose="020B0503050203000203" pitchFamily="34" charset="0"/>
+              </a:rPr>
+              <a:t>Electricity (SET </a:t>
+            </a:r>
+            <a:r>
+              <a:rPr lang="en-US" sz="1600" b="1" dirty="0" err="1">
+                <a:latin typeface="IBM Plex Sans" panose="020B0503050203000203" pitchFamily="34" charset="0"/>
+              </a:rPr>
+              <a:t>Distribuizione</a:t>
+            </a:r>
+            <a:r>
+              <a:rPr lang="en-US" sz="1600" b="1" dirty="0">
+                <a:latin typeface="IBM Plex Sans" panose="020B0503050203000203" pitchFamily="34" charset="0"/>
+              </a:rPr>
+              <a:t> SPA)</a:t>
+            </a:r>
+          </a:p>
+          <a:p>
+            <a:pPr marL="342900" indent="-342900">
+              <a:buFont typeface="+mj-lt"/>
+              <a:buAutoNum type="arabicPeriod"/>
+            </a:pPr>
+            <a:endParaRPr lang="en-US" sz="1600" b="1" dirty="0">
+              <a:latin typeface="IBM Plex Sans" panose="020B0503050203000203" pitchFamily="34" charset="0"/>
+            </a:endParaRPr>
+          </a:p>
+          <a:p>
+            <a:pPr marL="342900" indent="-342900">
+              <a:buFont typeface="+mj-lt"/>
+              <a:buAutoNum type="arabicPeriod"/>
+            </a:pPr>
+            <a:r>
+              <a:rPr lang="en-US" sz="1600" b="1" dirty="0">
+                <a:latin typeface="IBM Plex Sans" panose="020B0503050203000203" pitchFamily="34" charset="0"/>
+              </a:rPr>
+              <a:t>News (</a:t>
+            </a:r>
+            <a:r>
+              <a:rPr lang="en-US" sz="1600" b="1" dirty="0" err="1">
+                <a:latin typeface="IBM Plex Sans" panose="020B0503050203000203" pitchFamily="34" charset="0"/>
+              </a:rPr>
+              <a:t>Citynews</a:t>
+            </a:r>
+            <a:r>
+              <a:rPr lang="en-US" sz="1600" b="1" dirty="0">
+                <a:latin typeface="IBM Plex Sans" panose="020B0503050203000203" pitchFamily="34" charset="0"/>
+              </a:rPr>
+              <a:t>)</a:t>
+            </a:r>
+          </a:p>
+          <a:p>
+            <a:pPr marL="342900" indent="-342900">
+              <a:buFont typeface="+mj-lt"/>
+              <a:buAutoNum type="arabicPeriod"/>
+            </a:pPr>
+            <a:endParaRPr lang="en-US" sz="1600" b="1" dirty="0">
+              <a:latin typeface="IBM Plex Sans" panose="020B0503050203000203" pitchFamily="34" charset="0"/>
+            </a:endParaRPr>
+          </a:p>
+        </p:txBody>
+      </p:sp>
+      <p:sp>
+        <p:nvSpPr>
+          <p:cNvPr id="8" name="Text Placeholder">
+            <a:extLst>
+              <a:ext uri="{FF2B5EF4-FFF2-40B4-BE49-F238E27FC236}">
+                <a16:creationId xmlns:a16="http://schemas.microsoft.com/office/drawing/2014/main" id="{5EA019E9-4BFE-FD86-7DD4-328DEB414A44}"/>
+              </a:ext>
+            </a:extLst>
+          </p:cNvPr>
+          <p:cNvSpPr txBox="1">
+            <a:spLocks/>
+          </p:cNvSpPr>
+          <p:nvPr/>
+        </p:nvSpPr>
+        <p:spPr>
+          <a:xfrm>
+            <a:off x="-1" y="104751"/>
+            <a:ext cx="12056165" cy="1296666"/>
+          </a:xfrm>
+          <a:prstGeom prst="rect">
+            <a:avLst/>
+          </a:prstGeom>
+        </p:spPr>
+        <p:txBody>
+          <a:bodyPr vert="horz" lIns="91440" tIns="45720" rIns="91440" bIns="45720" rtlCol="0" anchor="ctr"/>
+          <a:lstStyle>
+            <a:defPPr>
+              <a:defRPr lang="en-BR"/>
+            </a:defPPr>
+            <a:lvl1pPr marL="0" algn="r" defTabSz="914400" rtl="0" eaLnBrk="1" latinLnBrk="0" hangingPunct="1">
+              <a:defRPr sz="1200" kern="1200">
+                <a:solidFill>
+                  <a:schemeClr val="tx1">
+                    <a:tint val="75000"/>
+                  </a:schemeClr>
+                </a:solidFill>
+                <a:latin typeface="+mn-lt"/>
+                <a:ea typeface="+mn-ea"/>
+                <a:cs typeface="+mn-cs"/>
+              </a:defRPr>
+            </a:lvl1pPr>
+            <a:lvl2pPr marL="457200" algn="l" defTabSz="914400" rtl="0" eaLnBrk="1" latinLnBrk="0" hangingPunct="1">
+              <a:defRPr sz="1800" kern="1200">
+                <a:solidFill>
+                  <a:schemeClr val="tx1"/>
+                </a:solidFill>
+                <a:latin typeface="+mn-lt"/>
+                <a:ea typeface="+mn-ea"/>
+                <a:cs typeface="+mn-cs"/>
+              </a:defRPr>
+            </a:lvl2pPr>
+            <a:lvl3pPr marL="914400" algn="l" defTabSz="914400" rtl="0" eaLnBrk="1" latinLnBrk="0" hangingPunct="1">
+              <a:defRPr sz="1800" kern="1200">
+                <a:solidFill>
+                  <a:schemeClr val="tx1"/>
+                </a:solidFill>
+                <a:latin typeface="+mn-lt"/>
+                <a:ea typeface="+mn-ea"/>
+                <a:cs typeface="+mn-cs"/>
+              </a:defRPr>
+            </a:lvl3pPr>
+            <a:lvl4pPr marL="1371600" algn="l" defTabSz="914400" rtl="0" eaLnBrk="1" latinLnBrk="0" hangingPunct="1">
+              <a:defRPr sz="1800" kern="1200">
+                <a:solidFill>
+                  <a:schemeClr val="tx1"/>
+                </a:solidFill>
+                <a:latin typeface="+mn-lt"/>
+                <a:ea typeface="+mn-ea"/>
+                <a:cs typeface="+mn-cs"/>
+              </a:defRPr>
+            </a:lvl4pPr>
+            <a:lvl5pPr marL="1828800" algn="l" defTabSz="914400" rtl="0" eaLnBrk="1" latinLnBrk="0" hangingPunct="1">
+              <a:defRPr sz="1800" kern="1200">
+                <a:solidFill>
+                  <a:schemeClr val="tx1"/>
+                </a:solidFill>
+                <a:latin typeface="+mn-lt"/>
+                <a:ea typeface="+mn-ea"/>
+                <a:cs typeface="+mn-cs"/>
+              </a:defRPr>
+            </a:lvl5pPr>
+            <a:lvl6pPr marL="2286000" algn="l" defTabSz="914400" rtl="0" eaLnBrk="1" latinLnBrk="0" hangingPunct="1">
+              <a:defRPr sz="1800" kern="1200">
+                <a:solidFill>
+                  <a:schemeClr val="tx1"/>
+                </a:solidFill>
+                <a:latin typeface="+mn-lt"/>
+                <a:ea typeface="+mn-ea"/>
+                <a:cs typeface="+mn-cs"/>
+              </a:defRPr>
+            </a:lvl6pPr>
+            <a:lvl7pPr marL="2743200" algn="l" defTabSz="914400" rtl="0" eaLnBrk="1" latinLnBrk="0" hangingPunct="1">
+              <a:defRPr sz="1800" kern="1200">
+                <a:solidFill>
+                  <a:schemeClr val="tx1"/>
+                </a:solidFill>
+                <a:latin typeface="+mn-lt"/>
+                <a:ea typeface="+mn-ea"/>
+                <a:cs typeface="+mn-cs"/>
+              </a:defRPr>
+            </a:lvl7pPr>
+            <a:lvl8pPr marL="3200400" algn="l" defTabSz="914400" rtl="0" eaLnBrk="1" latinLnBrk="0" hangingPunct="1">
+              <a:defRPr sz="1800" kern="1200">
+                <a:solidFill>
+                  <a:schemeClr val="tx1"/>
+                </a:solidFill>
+                <a:latin typeface="+mn-lt"/>
+                <a:ea typeface="+mn-ea"/>
+                <a:cs typeface="+mn-cs"/>
+              </a:defRPr>
+            </a:lvl8pPr>
+            <a:lvl9pPr marL="3657600" algn="l" defTabSz="914400" rtl="0" eaLnBrk="1" latinLnBrk="0" hangingPunct="1">
+              <a:defRPr sz="1800" kern="1200">
+                <a:solidFill>
+                  <a:schemeClr val="tx1"/>
+                </a:solidFill>
+                <a:latin typeface="+mn-lt"/>
+                <a:ea typeface="+mn-ea"/>
+                <a:cs typeface="+mn-cs"/>
+              </a:defRPr>
+            </a:lvl9pPr>
+          </a:lstStyle>
+          <a:p>
+            <a:pPr algn="l"/>
+            <a:r>
+              <a:rPr lang="en-US" sz="4000" b="1" dirty="0">
+                <a:solidFill>
+                  <a:schemeClr val="tx1"/>
+                </a:solidFill>
+                <a:latin typeface="IBM Plex Sans" panose="020B0503050203000203" pitchFamily="34" charset="0"/>
+              </a:rPr>
+              <a:t>Preliminaries on data Collection for MTP-NT – Dataset used in this work</a:t>
+            </a:r>
+          </a:p>
+        </p:txBody>
+      </p:sp>
+    </p:spTree>
+    <p:extLst>
+      <p:ext uri="{BB962C8B-B14F-4D97-AF65-F5344CB8AC3E}">
+        <p14:creationId xmlns:p14="http://schemas.microsoft.com/office/powerpoint/2010/main" val="2853662324"/>
+      </p:ext>
+    </p:extLst>
+  </p:cSld>
+  <p:clrMapOvr>
+    <a:masterClrMapping/>
+  </p:clrMapOvr>
+</p:sld>
+</file>
+
+<file path=ppt/slides/slide32.xml><?xml version="1.0" encoding="utf-8"?>
+<p:sld xmlns:a="http://schemas.openxmlformats.org/drawingml/2006/main" xmlns:r="http://schemas.openxmlformats.org/officeDocument/2006/relationships" xmlns:p="http://schemas.openxmlformats.org/presentationml/2006/main">
+  <p:cSld>
+    <p:spTree>
+      <p:nvGrpSpPr>
+        <p:cNvPr id="1" name=""/>
+        <p:cNvGrpSpPr/>
+        <p:nvPr/>
+      </p:nvGrpSpPr>
+      <p:grpSpPr>
+        <a:xfrm>
+          <a:off x="0" y="0"/>
+          <a:ext cx="0" cy="0"/>
+          <a:chOff x="0" y="0"/>
+          <a:chExt cx="0" cy="0"/>
+        </a:xfrm>
+      </p:grpSpPr>
+      <p:sp>
+        <p:nvSpPr>
+          <p:cNvPr id="4" name="Footer Placeholder 3">
+            <a:extLst>
+              <a:ext uri="{FF2B5EF4-FFF2-40B4-BE49-F238E27FC236}">
+                <a16:creationId xmlns:a16="http://schemas.microsoft.com/office/drawing/2014/main" id="{ABC5BB99-6713-EE89-3895-F3148FABAE18}"/>
+              </a:ext>
+            </a:extLst>
+          </p:cNvPr>
+          <p:cNvSpPr>
+            <a:spLocks noGrp="1"/>
+          </p:cNvSpPr>
+          <p:nvPr>
+            <p:ph type="ftr" sz="quarter" idx="11"/>
+          </p:nvPr>
+        </p:nvSpPr>
+        <p:spPr/>
+        <p:txBody>
+          <a:bodyPr/>
+          <a:lstStyle/>
+          <a:p>
+            <a:r>
+              <a:rPr lang="pt-BR" dirty="0">
+                <a:latin typeface="IBM Plex Sans" panose="020B0503050203000203" pitchFamily="34" charset="0"/>
+              </a:rPr>
+              <a:t>A Mobile </a:t>
+            </a:r>
+            <a:r>
+              <a:rPr lang="pt-BR" dirty="0" err="1">
+                <a:latin typeface="IBM Plex Sans" panose="020B0503050203000203" pitchFamily="34" charset="0"/>
+              </a:rPr>
+              <a:t>Traffic</a:t>
+            </a:r>
+            <a:r>
+              <a:rPr lang="pt-BR" dirty="0">
+                <a:latin typeface="IBM Plex Sans" panose="020B0503050203000203" pitchFamily="34" charset="0"/>
+              </a:rPr>
+              <a:t> </a:t>
+            </a:r>
+            <a:r>
+              <a:rPr lang="pt-BR" dirty="0" err="1">
+                <a:latin typeface="IBM Plex Sans" panose="020B0503050203000203" pitchFamily="34" charset="0"/>
+              </a:rPr>
+              <a:t>Predictor</a:t>
+            </a:r>
+            <a:r>
+              <a:rPr lang="pt-BR" dirty="0">
+                <a:latin typeface="IBM Plex Sans" panose="020B0503050203000203" pitchFamily="34" charset="0"/>
+              </a:rPr>
+              <a:t> </a:t>
+            </a:r>
+            <a:r>
+              <a:rPr lang="pt-BR" dirty="0" err="1">
+                <a:latin typeface="IBM Plex Sans" panose="020B0503050203000203" pitchFamily="34" charset="0"/>
+              </a:rPr>
+              <a:t>Enhanced</a:t>
+            </a:r>
+            <a:r>
+              <a:rPr lang="pt-BR" dirty="0">
+                <a:latin typeface="IBM Plex Sans" panose="020B0503050203000203" pitchFamily="34" charset="0"/>
+              </a:rPr>
+              <a:t> </a:t>
+            </a:r>
+            <a:r>
+              <a:rPr lang="pt-BR" dirty="0" err="1">
+                <a:latin typeface="IBM Plex Sans" panose="020B0503050203000203" pitchFamily="34" charset="0"/>
+              </a:rPr>
+              <a:t>by</a:t>
+            </a:r>
+            <a:r>
+              <a:rPr lang="pt-BR" dirty="0">
+                <a:latin typeface="IBM Plex Sans" panose="020B0503050203000203" pitchFamily="34" charset="0"/>
+              </a:rPr>
+              <a:t> </a:t>
+            </a:r>
+            <a:r>
+              <a:rPr lang="pt-BR" dirty="0" err="1">
+                <a:latin typeface="IBM Plex Sans" panose="020B0503050203000203" pitchFamily="34" charset="0"/>
+              </a:rPr>
+              <a:t>Neighboring</a:t>
+            </a:r>
+            <a:r>
+              <a:rPr lang="pt-BR" dirty="0">
+                <a:latin typeface="IBM Plex Sans" panose="020B0503050203000203" pitchFamily="34" charset="0"/>
+              </a:rPr>
+              <a:t> </a:t>
+            </a:r>
+            <a:r>
+              <a:rPr lang="pt-BR" dirty="0" err="1">
+                <a:latin typeface="IBM Plex Sans" panose="020B0503050203000203" pitchFamily="34" charset="0"/>
+              </a:rPr>
+              <a:t>Transportation</a:t>
+            </a:r>
+            <a:r>
+              <a:rPr lang="pt-BR" dirty="0">
+                <a:latin typeface="IBM Plex Sans" panose="020B0503050203000203" pitchFamily="34" charset="0"/>
+              </a:rPr>
+              <a:t> Data (MTP-NT)</a:t>
+            </a:r>
+          </a:p>
+        </p:txBody>
+      </p:sp>
+      <p:sp>
+        <p:nvSpPr>
+          <p:cNvPr id="5" name="Slide Number Placeholder 4">
+            <a:extLst>
+              <a:ext uri="{FF2B5EF4-FFF2-40B4-BE49-F238E27FC236}">
+                <a16:creationId xmlns:a16="http://schemas.microsoft.com/office/drawing/2014/main" id="{DE4D7978-95DF-1BFB-E341-3759F4762F0C}"/>
+              </a:ext>
+            </a:extLst>
+          </p:cNvPr>
+          <p:cNvSpPr>
+            <a:spLocks noGrp="1"/>
+          </p:cNvSpPr>
+          <p:nvPr>
+            <p:ph type="sldNum" sz="quarter" idx="12"/>
+          </p:nvPr>
+        </p:nvSpPr>
+        <p:spPr/>
+        <p:txBody>
+          <a:bodyPr/>
+          <a:lstStyle/>
+          <a:p>
+            <a:fld id="{C16D1434-241F-3E4A-8778-0F70095E40C3}" type="slidenum">
+              <a:rPr lang="pt-BR" smtClean="0">
+                <a:latin typeface="IBM Plex Sans" panose="020B0503050203000203" pitchFamily="34" charset="0"/>
+              </a:rPr>
+              <a:t>32</a:t>
+            </a:fld>
+            <a:endParaRPr lang="pt-BR">
+              <a:latin typeface="IBM Plex Sans" panose="020B0503050203000203" pitchFamily="34" charset="0"/>
+            </a:endParaRPr>
+          </a:p>
+        </p:txBody>
+      </p:sp>
+      <p:sp>
+        <p:nvSpPr>
+          <p:cNvPr id="2" name="Title">
+            <a:extLst>
+              <a:ext uri="{FF2B5EF4-FFF2-40B4-BE49-F238E27FC236}">
+                <a16:creationId xmlns:a16="http://schemas.microsoft.com/office/drawing/2014/main" id="{8FE29A8C-DA4A-E4E8-59AE-3E42BD56A75B}"/>
+              </a:ext>
+            </a:extLst>
+          </p:cNvPr>
+          <p:cNvSpPr>
+            <a:spLocks noGrp="1"/>
+          </p:cNvSpPr>
+          <p:nvPr>
+            <p:ph type="title"/>
+          </p:nvPr>
+        </p:nvSpPr>
+        <p:spPr>
+          <a:xfrm>
+            <a:off x="531345" y="1784768"/>
+            <a:ext cx="10683501" cy="546903"/>
+          </a:xfrm>
+        </p:spPr>
+        <p:txBody>
+          <a:bodyPr anchor="t">
+            <a:normAutofit/>
+          </a:bodyPr>
+          <a:lstStyle/>
+          <a:p>
+            <a:r>
+              <a:rPr lang="en-US" sz="1600" b="1" dirty="0">
+                <a:latin typeface="IBM Plex Sans" panose="020B0503050203000203" pitchFamily="34" charset="0"/>
+              </a:rPr>
+              <a:t>Telecommunications dataset from Milan</a:t>
+            </a:r>
+          </a:p>
+        </p:txBody>
+      </p:sp>
+      <p:sp>
+        <p:nvSpPr>
+          <p:cNvPr id="7" name="Title">
+            <a:extLst>
+              <a:ext uri="{FF2B5EF4-FFF2-40B4-BE49-F238E27FC236}">
+                <a16:creationId xmlns:a16="http://schemas.microsoft.com/office/drawing/2014/main" id="{48CFCC32-A6C6-4CD1-E85B-A358EE513708}"/>
+              </a:ext>
+            </a:extLst>
+          </p:cNvPr>
+          <p:cNvSpPr txBox="1">
+            <a:spLocks/>
+          </p:cNvSpPr>
+          <p:nvPr/>
+        </p:nvSpPr>
+        <p:spPr>
+          <a:xfrm>
+            <a:off x="531344" y="2249894"/>
+            <a:ext cx="10683501" cy="3821122"/>
+          </a:xfrm>
+          <a:prstGeom prst="rect">
+            <a:avLst/>
+          </a:prstGeom>
+        </p:spPr>
+        <p:txBody>
+          <a:bodyPr vert="horz" lIns="91440" tIns="45720" rIns="91440" bIns="45720" rtlCol="0" anchor="t">
+            <a:normAutofit/>
+          </a:bodyPr>
+          <a:lstStyle>
+            <a:lvl1pPr algn="l" defTabSz="914400" rtl="0" eaLnBrk="1" latinLnBrk="0" hangingPunct="1">
+              <a:lnSpc>
+                <a:spcPct val="90000"/>
+              </a:lnSpc>
+              <a:spcBef>
+                <a:spcPct val="0"/>
+              </a:spcBef>
+              <a:buNone/>
+              <a:defRPr sz="4400" kern="1200">
+                <a:solidFill>
+                  <a:schemeClr val="tx1"/>
+                </a:solidFill>
+                <a:latin typeface="+mj-lt"/>
+                <a:ea typeface="+mj-ea"/>
+                <a:cs typeface="+mj-cs"/>
+              </a:defRPr>
+            </a:lvl1pPr>
+          </a:lstStyle>
+          <a:p>
+            <a:pPr marL="342900" indent="-342900">
+              <a:buFont typeface="Arial" panose="020B0604020202020204" pitchFamily="34" charset="0"/>
+              <a:buChar char="•"/>
+            </a:pPr>
+            <a:r>
+              <a:rPr lang="en-US" sz="1600" b="1" dirty="0">
+                <a:solidFill>
+                  <a:srgbClr val="0F62FF"/>
+                </a:solidFill>
+                <a:latin typeface="IBM Plex Sans" panose="020B0503050203000203" pitchFamily="34" charset="0"/>
+              </a:rPr>
+              <a:t>10,000 zonal regions </a:t>
+            </a:r>
+            <a:r>
+              <a:rPr lang="en-US" sz="1600" b="1" dirty="0">
+                <a:latin typeface="IBM Plex Sans" panose="020B0503050203000203" pitchFamily="34" charset="0"/>
+              </a:rPr>
+              <a:t>in a 100x100 </a:t>
+            </a:r>
+            <a:r>
+              <a:rPr lang="en-US" sz="1600" b="1" dirty="0">
+                <a:solidFill>
+                  <a:srgbClr val="0F62FF"/>
+                </a:solidFill>
+                <a:latin typeface="IBM Plex Sans" panose="020B0503050203000203" pitchFamily="34" charset="0"/>
+              </a:rPr>
+              <a:t>regular</a:t>
+            </a:r>
+            <a:r>
+              <a:rPr lang="en-US" sz="1600" b="1" dirty="0">
+                <a:latin typeface="IBM Plex Sans" panose="020B0503050203000203" pitchFamily="34" charset="0"/>
+              </a:rPr>
+              <a:t> grid</a:t>
+            </a:r>
+          </a:p>
+          <a:p>
+            <a:pPr marL="342900" indent="-342900">
+              <a:buFont typeface="Arial" panose="020B0604020202020204" pitchFamily="34" charset="0"/>
+              <a:buChar char="•"/>
+            </a:pPr>
+            <a:endParaRPr lang="en-US" sz="1600" b="1" dirty="0">
+              <a:latin typeface="IBM Plex Sans" panose="020B0503050203000203" pitchFamily="34" charset="0"/>
+            </a:endParaRPr>
+          </a:p>
+          <a:p>
+            <a:pPr marL="342900" indent="-342900">
+              <a:buFont typeface="Arial" panose="020B0604020202020204" pitchFamily="34" charset="0"/>
+              <a:buChar char="•"/>
+            </a:pPr>
+            <a:r>
+              <a:rPr lang="en-US" sz="1600" b="1" dirty="0">
+                <a:latin typeface="IBM Plex Sans" panose="020B0503050203000203" pitchFamily="34" charset="0"/>
+              </a:rPr>
+              <a:t>Each regions is a square of 0.06km</a:t>
+            </a:r>
+            <a:r>
+              <a:rPr lang="en-US" sz="1600" b="1" baseline="30000" dirty="0">
+                <a:latin typeface="IBM Plex Sans" panose="020B0503050203000203" pitchFamily="34" charset="0"/>
+              </a:rPr>
+              <a:t>2</a:t>
+            </a:r>
+            <a:endParaRPr lang="en-US" sz="1600" b="1" dirty="0">
+              <a:latin typeface="IBM Plex Sans" panose="020B0503050203000203" pitchFamily="34" charset="0"/>
+            </a:endParaRPr>
+          </a:p>
+          <a:p>
+            <a:pPr marL="342900" indent="-342900">
+              <a:buFont typeface="Arial" panose="020B0604020202020204" pitchFamily="34" charset="0"/>
+              <a:buChar char="•"/>
+            </a:pPr>
+            <a:endParaRPr lang="en-US" sz="1600" b="1" dirty="0">
+              <a:latin typeface="IBM Plex Sans" panose="020B0503050203000203" pitchFamily="34" charset="0"/>
+            </a:endParaRPr>
+          </a:p>
+          <a:p>
+            <a:pPr marL="342900" indent="-342900">
+              <a:buFont typeface="Arial" panose="020B0604020202020204" pitchFamily="34" charset="0"/>
+              <a:buChar char="•"/>
+            </a:pPr>
+            <a:r>
+              <a:rPr lang="en-US" sz="1600" b="1" dirty="0">
+                <a:latin typeface="IBM Plex Sans" panose="020B0503050203000203" pitchFamily="34" charset="0"/>
+              </a:rPr>
+              <a:t>One log at every </a:t>
+            </a:r>
+            <a:r>
+              <a:rPr lang="en-US" sz="1600" b="1" dirty="0">
+                <a:solidFill>
+                  <a:srgbClr val="0F62FF"/>
+                </a:solidFill>
+                <a:latin typeface="IBM Plex Sans" panose="020B0503050203000203" pitchFamily="34" charset="0"/>
+              </a:rPr>
+              <a:t>10 minutes </a:t>
+            </a:r>
+            <a:r>
+              <a:rPr lang="en-US" sz="1600" b="1" dirty="0">
+                <a:latin typeface="IBM Plex Sans" panose="020B0503050203000203" pitchFamily="34" charset="0"/>
+              </a:rPr>
+              <a:t>in every region</a:t>
+            </a:r>
+          </a:p>
+          <a:p>
+            <a:pPr marL="342900" indent="-342900">
+              <a:buFont typeface="Arial" panose="020B0604020202020204" pitchFamily="34" charset="0"/>
+              <a:buChar char="•"/>
+            </a:pPr>
+            <a:endParaRPr lang="en-US" sz="1600" b="1" dirty="0">
+              <a:latin typeface="IBM Plex Sans" panose="020B0503050203000203" pitchFamily="34" charset="0"/>
+            </a:endParaRPr>
+          </a:p>
+          <a:p>
+            <a:pPr marL="342900" indent="-342900">
+              <a:buFont typeface="Arial" panose="020B0604020202020204" pitchFamily="34" charset="0"/>
+              <a:buChar char="•"/>
+            </a:pPr>
+            <a:r>
+              <a:rPr lang="en-US" sz="1600" b="1" dirty="0">
+                <a:solidFill>
+                  <a:srgbClr val="0F62FF"/>
+                </a:solidFill>
+                <a:latin typeface="IBM Plex Sans" panose="020B0503050203000203" pitchFamily="34" charset="0"/>
+              </a:rPr>
+              <a:t>Call Detail Records (CDRs)</a:t>
+            </a:r>
+          </a:p>
+          <a:p>
+            <a:pPr marL="342900" indent="-342900">
+              <a:buFont typeface="Arial" panose="020B0604020202020204" pitchFamily="34" charset="0"/>
+              <a:buChar char="•"/>
+            </a:pPr>
+            <a:endParaRPr lang="en-US" sz="1600" b="1" dirty="0">
+              <a:latin typeface="IBM Plex Sans" panose="020B0503050203000203" pitchFamily="34" charset="0"/>
+            </a:endParaRPr>
+          </a:p>
+          <a:p>
+            <a:pPr marL="342900" indent="-342900">
+              <a:buFont typeface="Arial" panose="020B0604020202020204" pitchFamily="34" charset="0"/>
+              <a:buChar char="•"/>
+            </a:pPr>
+            <a:endParaRPr lang="en-US" sz="1600" b="1" dirty="0">
+              <a:latin typeface="IBM Plex Sans" panose="020B0503050203000203" pitchFamily="34" charset="0"/>
+            </a:endParaRPr>
+          </a:p>
+        </p:txBody>
+      </p:sp>
+      <p:sp>
+        <p:nvSpPr>
+          <p:cNvPr id="8" name="Text Placeholder">
+            <a:extLst>
+              <a:ext uri="{FF2B5EF4-FFF2-40B4-BE49-F238E27FC236}">
+                <a16:creationId xmlns:a16="http://schemas.microsoft.com/office/drawing/2014/main" id="{5EA019E9-4BFE-FD86-7DD4-328DEB414A44}"/>
+              </a:ext>
+            </a:extLst>
+          </p:cNvPr>
+          <p:cNvSpPr txBox="1">
+            <a:spLocks/>
+          </p:cNvSpPr>
+          <p:nvPr/>
+        </p:nvSpPr>
+        <p:spPr>
+          <a:xfrm>
+            <a:off x="-1" y="104751"/>
+            <a:ext cx="12056165" cy="1296666"/>
+          </a:xfrm>
+          <a:prstGeom prst="rect">
+            <a:avLst/>
+          </a:prstGeom>
+        </p:spPr>
+        <p:txBody>
+          <a:bodyPr vert="horz" lIns="91440" tIns="45720" rIns="91440" bIns="45720" rtlCol="0" anchor="ctr"/>
+          <a:lstStyle>
+            <a:defPPr>
+              <a:defRPr lang="en-BR"/>
+            </a:defPPr>
+            <a:lvl1pPr marL="0" algn="r" defTabSz="914400" rtl="0" eaLnBrk="1" latinLnBrk="0" hangingPunct="1">
+              <a:defRPr sz="1200" kern="1200">
+                <a:solidFill>
+                  <a:schemeClr val="tx1">
+                    <a:tint val="75000"/>
+                  </a:schemeClr>
+                </a:solidFill>
+                <a:latin typeface="+mn-lt"/>
+                <a:ea typeface="+mn-ea"/>
+                <a:cs typeface="+mn-cs"/>
+              </a:defRPr>
+            </a:lvl1pPr>
+            <a:lvl2pPr marL="457200" algn="l" defTabSz="914400" rtl="0" eaLnBrk="1" latinLnBrk="0" hangingPunct="1">
+              <a:defRPr sz="1800" kern="1200">
+                <a:solidFill>
+                  <a:schemeClr val="tx1"/>
+                </a:solidFill>
+                <a:latin typeface="+mn-lt"/>
+                <a:ea typeface="+mn-ea"/>
+                <a:cs typeface="+mn-cs"/>
+              </a:defRPr>
+            </a:lvl2pPr>
+            <a:lvl3pPr marL="914400" algn="l" defTabSz="914400" rtl="0" eaLnBrk="1" latinLnBrk="0" hangingPunct="1">
+              <a:defRPr sz="1800" kern="1200">
+                <a:solidFill>
+                  <a:schemeClr val="tx1"/>
+                </a:solidFill>
+                <a:latin typeface="+mn-lt"/>
+                <a:ea typeface="+mn-ea"/>
+                <a:cs typeface="+mn-cs"/>
+              </a:defRPr>
+            </a:lvl3pPr>
+            <a:lvl4pPr marL="1371600" algn="l" defTabSz="914400" rtl="0" eaLnBrk="1" latinLnBrk="0" hangingPunct="1">
+              <a:defRPr sz="1800" kern="1200">
+                <a:solidFill>
+                  <a:schemeClr val="tx1"/>
+                </a:solidFill>
+                <a:latin typeface="+mn-lt"/>
+                <a:ea typeface="+mn-ea"/>
+                <a:cs typeface="+mn-cs"/>
+              </a:defRPr>
+            </a:lvl4pPr>
+            <a:lvl5pPr marL="1828800" algn="l" defTabSz="914400" rtl="0" eaLnBrk="1" latinLnBrk="0" hangingPunct="1">
+              <a:defRPr sz="1800" kern="1200">
+                <a:solidFill>
+                  <a:schemeClr val="tx1"/>
+                </a:solidFill>
+                <a:latin typeface="+mn-lt"/>
+                <a:ea typeface="+mn-ea"/>
+                <a:cs typeface="+mn-cs"/>
+              </a:defRPr>
+            </a:lvl5pPr>
+            <a:lvl6pPr marL="2286000" algn="l" defTabSz="914400" rtl="0" eaLnBrk="1" latinLnBrk="0" hangingPunct="1">
+              <a:defRPr sz="1800" kern="1200">
+                <a:solidFill>
+                  <a:schemeClr val="tx1"/>
+                </a:solidFill>
+                <a:latin typeface="+mn-lt"/>
+                <a:ea typeface="+mn-ea"/>
+                <a:cs typeface="+mn-cs"/>
+              </a:defRPr>
+            </a:lvl6pPr>
+            <a:lvl7pPr marL="2743200" algn="l" defTabSz="914400" rtl="0" eaLnBrk="1" latinLnBrk="0" hangingPunct="1">
+              <a:defRPr sz="1800" kern="1200">
+                <a:solidFill>
+                  <a:schemeClr val="tx1"/>
+                </a:solidFill>
+                <a:latin typeface="+mn-lt"/>
+                <a:ea typeface="+mn-ea"/>
+                <a:cs typeface="+mn-cs"/>
+              </a:defRPr>
+            </a:lvl7pPr>
+            <a:lvl8pPr marL="3200400" algn="l" defTabSz="914400" rtl="0" eaLnBrk="1" latinLnBrk="0" hangingPunct="1">
+              <a:defRPr sz="1800" kern="1200">
+                <a:solidFill>
+                  <a:schemeClr val="tx1"/>
+                </a:solidFill>
+                <a:latin typeface="+mn-lt"/>
+                <a:ea typeface="+mn-ea"/>
+                <a:cs typeface="+mn-cs"/>
+              </a:defRPr>
+            </a:lvl8pPr>
+            <a:lvl9pPr marL="3657600" algn="l" defTabSz="914400" rtl="0" eaLnBrk="1" latinLnBrk="0" hangingPunct="1">
+              <a:defRPr sz="1800" kern="1200">
+                <a:solidFill>
+                  <a:schemeClr val="tx1"/>
+                </a:solidFill>
+                <a:latin typeface="+mn-lt"/>
+                <a:ea typeface="+mn-ea"/>
+                <a:cs typeface="+mn-cs"/>
+              </a:defRPr>
+            </a:lvl9pPr>
+          </a:lstStyle>
+          <a:p>
+            <a:pPr algn="l"/>
+            <a:r>
+              <a:rPr lang="en-US" sz="4000" b="1" dirty="0">
+                <a:solidFill>
+                  <a:schemeClr val="tx1"/>
+                </a:solidFill>
+                <a:latin typeface="IBM Plex Sans" panose="020B0503050203000203" pitchFamily="34" charset="0"/>
+              </a:rPr>
+              <a:t>Preliminaries on data Collection for MTP-NT – Dataset used in this work</a:t>
+            </a:r>
+          </a:p>
+        </p:txBody>
+      </p:sp>
+    </p:spTree>
+    <p:extLst>
+      <p:ext uri="{BB962C8B-B14F-4D97-AF65-F5344CB8AC3E}">
+        <p14:creationId xmlns:p14="http://schemas.microsoft.com/office/powerpoint/2010/main" val="2351990544"/>
+      </p:ext>
+    </p:extLst>
+  </p:cSld>
+  <p:clrMapOvr>
+    <a:masterClrMapping/>
+  </p:clrMapOvr>
+</p:sld>
+</file>
+
+<file path=ppt/slides/slide33.xml><?xml version="1.0" encoding="utf-8"?>
+<p:sld xmlns:a="http://schemas.openxmlformats.org/drawingml/2006/main" xmlns:r="http://schemas.openxmlformats.org/officeDocument/2006/relationships" xmlns:p="http://schemas.openxmlformats.org/presentationml/2006/main">
+  <p:cSld>
+    <p:spTree>
+      <p:nvGrpSpPr>
+        <p:cNvPr id="1" name=""/>
+        <p:cNvGrpSpPr/>
+        <p:nvPr/>
+      </p:nvGrpSpPr>
+      <p:grpSpPr>
+        <a:xfrm>
+          <a:off x="0" y="0"/>
+          <a:ext cx="0" cy="0"/>
+          <a:chOff x="0" y="0"/>
+          <a:chExt cx="0" cy="0"/>
+        </a:xfrm>
+      </p:grpSpPr>
+      <p:sp>
+        <p:nvSpPr>
+          <p:cNvPr id="4" name="Footer Placeholder 3">
+            <a:extLst>
+              <a:ext uri="{FF2B5EF4-FFF2-40B4-BE49-F238E27FC236}">
+                <a16:creationId xmlns:a16="http://schemas.microsoft.com/office/drawing/2014/main" id="{ABC5BB99-6713-EE89-3895-F3148FABAE18}"/>
+              </a:ext>
+            </a:extLst>
+          </p:cNvPr>
+          <p:cNvSpPr>
+            <a:spLocks noGrp="1"/>
+          </p:cNvSpPr>
+          <p:nvPr>
+            <p:ph type="ftr" sz="quarter" idx="11"/>
+          </p:nvPr>
+        </p:nvSpPr>
+        <p:spPr/>
+        <p:txBody>
+          <a:bodyPr/>
+          <a:lstStyle/>
+          <a:p>
+            <a:r>
+              <a:rPr lang="pt-BR" dirty="0">
+                <a:latin typeface="IBM Plex Sans" panose="020B0503050203000203" pitchFamily="34" charset="0"/>
+              </a:rPr>
+              <a:t>A Mobile </a:t>
+            </a:r>
+            <a:r>
+              <a:rPr lang="pt-BR" dirty="0" err="1">
+                <a:latin typeface="IBM Plex Sans" panose="020B0503050203000203" pitchFamily="34" charset="0"/>
+              </a:rPr>
+              <a:t>Traffic</a:t>
+            </a:r>
+            <a:r>
+              <a:rPr lang="pt-BR" dirty="0">
+                <a:latin typeface="IBM Plex Sans" panose="020B0503050203000203" pitchFamily="34" charset="0"/>
+              </a:rPr>
+              <a:t> </a:t>
+            </a:r>
+            <a:r>
+              <a:rPr lang="pt-BR" dirty="0" err="1">
+                <a:latin typeface="IBM Plex Sans" panose="020B0503050203000203" pitchFamily="34" charset="0"/>
+              </a:rPr>
+              <a:t>Predictor</a:t>
+            </a:r>
+            <a:r>
+              <a:rPr lang="pt-BR" dirty="0">
+                <a:latin typeface="IBM Plex Sans" panose="020B0503050203000203" pitchFamily="34" charset="0"/>
+              </a:rPr>
+              <a:t> </a:t>
+            </a:r>
+            <a:r>
+              <a:rPr lang="pt-BR" dirty="0" err="1">
+                <a:latin typeface="IBM Plex Sans" panose="020B0503050203000203" pitchFamily="34" charset="0"/>
+              </a:rPr>
+              <a:t>Enhanced</a:t>
+            </a:r>
+            <a:r>
+              <a:rPr lang="pt-BR" dirty="0">
+                <a:latin typeface="IBM Plex Sans" panose="020B0503050203000203" pitchFamily="34" charset="0"/>
+              </a:rPr>
+              <a:t> </a:t>
+            </a:r>
+            <a:r>
+              <a:rPr lang="pt-BR" dirty="0" err="1">
+                <a:latin typeface="IBM Plex Sans" panose="020B0503050203000203" pitchFamily="34" charset="0"/>
+              </a:rPr>
+              <a:t>by</a:t>
+            </a:r>
+            <a:r>
+              <a:rPr lang="pt-BR" dirty="0">
+                <a:latin typeface="IBM Plex Sans" panose="020B0503050203000203" pitchFamily="34" charset="0"/>
+              </a:rPr>
+              <a:t> </a:t>
+            </a:r>
+            <a:r>
+              <a:rPr lang="pt-BR" dirty="0" err="1">
+                <a:latin typeface="IBM Plex Sans" panose="020B0503050203000203" pitchFamily="34" charset="0"/>
+              </a:rPr>
+              <a:t>Neighboring</a:t>
+            </a:r>
+            <a:r>
+              <a:rPr lang="pt-BR" dirty="0">
+                <a:latin typeface="IBM Plex Sans" panose="020B0503050203000203" pitchFamily="34" charset="0"/>
+              </a:rPr>
+              <a:t> </a:t>
+            </a:r>
+            <a:r>
+              <a:rPr lang="pt-BR" dirty="0" err="1">
+                <a:latin typeface="IBM Plex Sans" panose="020B0503050203000203" pitchFamily="34" charset="0"/>
+              </a:rPr>
+              <a:t>Transportation</a:t>
+            </a:r>
+            <a:r>
+              <a:rPr lang="pt-BR" dirty="0">
+                <a:latin typeface="IBM Plex Sans" panose="020B0503050203000203" pitchFamily="34" charset="0"/>
+              </a:rPr>
+              <a:t> Data (MTP-NT)</a:t>
+            </a:r>
+          </a:p>
+        </p:txBody>
+      </p:sp>
+      <p:sp>
+        <p:nvSpPr>
+          <p:cNvPr id="5" name="Slide Number Placeholder 4">
+            <a:extLst>
+              <a:ext uri="{FF2B5EF4-FFF2-40B4-BE49-F238E27FC236}">
+                <a16:creationId xmlns:a16="http://schemas.microsoft.com/office/drawing/2014/main" id="{DE4D7978-95DF-1BFB-E341-3759F4762F0C}"/>
+              </a:ext>
+            </a:extLst>
+          </p:cNvPr>
+          <p:cNvSpPr>
+            <a:spLocks noGrp="1"/>
+          </p:cNvSpPr>
+          <p:nvPr>
+            <p:ph type="sldNum" sz="quarter" idx="12"/>
+          </p:nvPr>
+        </p:nvSpPr>
+        <p:spPr/>
+        <p:txBody>
+          <a:bodyPr/>
+          <a:lstStyle/>
+          <a:p>
+            <a:fld id="{C16D1434-241F-3E4A-8778-0F70095E40C3}" type="slidenum">
+              <a:rPr lang="pt-BR" smtClean="0">
+                <a:latin typeface="IBM Plex Sans" panose="020B0503050203000203" pitchFamily="34" charset="0"/>
+              </a:rPr>
+              <a:t>33</a:t>
+            </a:fld>
+            <a:endParaRPr lang="pt-BR">
+              <a:latin typeface="IBM Plex Sans" panose="020B0503050203000203" pitchFamily="34" charset="0"/>
+            </a:endParaRPr>
+          </a:p>
+        </p:txBody>
+      </p:sp>
+      <p:sp>
+        <p:nvSpPr>
+          <p:cNvPr id="2" name="Title">
+            <a:extLst>
+              <a:ext uri="{FF2B5EF4-FFF2-40B4-BE49-F238E27FC236}">
+                <a16:creationId xmlns:a16="http://schemas.microsoft.com/office/drawing/2014/main" id="{8FE29A8C-DA4A-E4E8-59AE-3E42BD56A75B}"/>
+              </a:ext>
+            </a:extLst>
+          </p:cNvPr>
+          <p:cNvSpPr>
+            <a:spLocks noGrp="1"/>
+          </p:cNvSpPr>
+          <p:nvPr>
+            <p:ph type="title"/>
+          </p:nvPr>
+        </p:nvSpPr>
+        <p:spPr>
+          <a:xfrm>
+            <a:off x="531345" y="1784768"/>
+            <a:ext cx="10683501" cy="546903"/>
+          </a:xfrm>
+        </p:spPr>
+        <p:txBody>
+          <a:bodyPr anchor="t">
+            <a:normAutofit/>
+          </a:bodyPr>
+          <a:lstStyle/>
+          <a:p>
+            <a:r>
+              <a:rPr lang="en-US" sz="1600" b="1" dirty="0">
+                <a:latin typeface="IBM Plex Sans" panose="020B0503050203000203" pitchFamily="34" charset="0"/>
+              </a:rPr>
+              <a:t>Anonymization of data</a:t>
+            </a:r>
+          </a:p>
+        </p:txBody>
+      </p:sp>
+      <mc:AlternateContent xmlns:mc="http://schemas.openxmlformats.org/markup-compatibility/2006">
+        <mc:Choice xmlns:a14="http://schemas.microsoft.com/office/drawing/2010/main" Requires="a14">
+          <p:sp>
+            <p:nvSpPr>
+              <p:cNvPr id="7" name="Title">
+                <a:extLst>
+                  <a:ext uri="{FF2B5EF4-FFF2-40B4-BE49-F238E27FC236}">
+                    <a16:creationId xmlns:a16="http://schemas.microsoft.com/office/drawing/2014/main" id="{48CFCC32-A6C6-4CD1-E85B-A358EE513708}"/>
+                  </a:ext>
+                </a:extLst>
+              </p:cNvPr>
+              <p:cNvSpPr txBox="1">
+                <a:spLocks/>
+              </p:cNvSpPr>
+              <p:nvPr/>
+            </p:nvSpPr>
+            <p:spPr>
+              <a:xfrm>
+                <a:off x="531344" y="2249894"/>
+                <a:ext cx="10683501" cy="3821122"/>
+              </a:xfrm>
+              <a:prstGeom prst="rect">
+                <a:avLst/>
+              </a:prstGeom>
+            </p:spPr>
+            <p:txBody>
+              <a:bodyPr vert="horz" lIns="91440" tIns="45720" rIns="91440" bIns="45720" rtlCol="0" anchor="t">
+                <a:normAutofit/>
+              </a:bodyPr>
+              <a:lstStyle>
+                <a:lvl1pPr algn="l" defTabSz="914400" rtl="0" eaLnBrk="1" latinLnBrk="0" hangingPunct="1">
+                  <a:lnSpc>
+                    <a:spcPct val="90000"/>
+                  </a:lnSpc>
+                  <a:spcBef>
+                    <a:spcPct val="0"/>
+                  </a:spcBef>
+                  <a:buNone/>
+                  <a:defRPr sz="4400" kern="1200">
+                    <a:solidFill>
+                      <a:schemeClr val="tx1"/>
+                    </a:solidFill>
+                    <a:latin typeface="+mj-lt"/>
+                    <a:ea typeface="+mj-ea"/>
+                    <a:cs typeface="+mj-cs"/>
+                  </a:defRPr>
+                </a:lvl1pPr>
+              </a:lstStyle>
+              <a:p>
+                <a:pPr marL="342900" indent="-342900">
+                  <a:buFont typeface="Arial" panose="020B0604020202020204" pitchFamily="34" charset="0"/>
+                  <a:buChar char="•"/>
+                </a:pPr>
+                <a:r>
+                  <a:rPr lang="en-US" sz="1600" b="1" dirty="0">
+                    <a:latin typeface="IBM Plex Sans" panose="020B0503050203000203" pitchFamily="34" charset="0"/>
+                  </a:rPr>
+                  <a:t>GDPR compliant</a:t>
+                </a:r>
+              </a:p>
+              <a:p>
+                <a:pPr marL="342900" indent="-342900">
+                  <a:buFont typeface="Arial" panose="020B0604020202020204" pitchFamily="34" charset="0"/>
+                  <a:buChar char="•"/>
+                </a:pPr>
+                <a:endParaRPr lang="en-US" sz="1600" b="1" dirty="0">
+                  <a:latin typeface="IBM Plex Sans" panose="020B0503050203000203" pitchFamily="34" charset="0"/>
+                </a:endParaRPr>
+              </a:p>
+              <a:p>
+                <a:pPr marL="342900" indent="-342900">
+                  <a:buFont typeface="Arial" panose="020B0604020202020204" pitchFamily="34" charset="0"/>
+                  <a:buChar char="•"/>
+                </a:pPr>
+                <a:r>
+                  <a:rPr lang="en-US" sz="1600" b="1" dirty="0">
+                    <a:latin typeface="IBM Plex Sans" panose="020B0503050203000203" pitchFamily="34" charset="0"/>
+                  </a:rPr>
+                  <a:t>Protects the real infrastructure capabilities</a:t>
+                </a:r>
+              </a:p>
+              <a:p>
+                <a:pPr marL="342900" indent="-342900">
+                  <a:buFont typeface="Arial" panose="020B0604020202020204" pitchFamily="34" charset="0"/>
+                  <a:buChar char="•"/>
+                </a:pPr>
+                <a:endParaRPr lang="en-US" sz="1600" b="1" dirty="0">
+                  <a:latin typeface="IBM Plex Sans" panose="020B0503050203000203" pitchFamily="34" charset="0"/>
+                </a:endParaRPr>
+              </a:p>
+              <a:p>
+                <a:pPr marL="342900" indent="-342900">
+                  <a:buFont typeface="Arial" panose="020B0604020202020204" pitchFamily="34" charset="0"/>
+                  <a:buChar char="•"/>
+                </a:pPr>
+                <a:r>
+                  <a:rPr lang="en-US" sz="1600" b="1" dirty="0">
+                    <a:latin typeface="IBM Plex Sans" panose="020B0503050203000203" pitchFamily="34" charset="0"/>
+                  </a:rPr>
+                  <a:t>Each parameter </a:t>
+                </a:r>
+                <a14:m>
+                  <m:oMath xmlns:m="http://schemas.openxmlformats.org/officeDocument/2006/math">
+                    <m:r>
+                      <a:rPr lang="pt-BR" sz="1600" b="1" i="1" smtClean="0">
+                        <a:latin typeface="Cambria Math" panose="02040503050406030204" pitchFamily="18" charset="0"/>
+                      </a:rPr>
+                      <m:t>𝒇</m:t>
+                    </m:r>
+                  </m:oMath>
+                </a14:m>
+                <a:r>
+                  <a:rPr lang="en-US" sz="1600" b="1" dirty="0">
+                    <a:latin typeface="IBM Plex Sans" panose="020B0503050203000203" pitchFamily="34" charset="0"/>
+                  </a:rPr>
+                  <a:t> is multiplied by a anonymization constant </a:t>
+                </a:r>
+                <a14:m>
+                  <m:oMath xmlns:m="http://schemas.openxmlformats.org/officeDocument/2006/math">
+                    <m:sSub>
+                      <m:sSubPr>
+                        <m:ctrlPr>
+                          <a:rPr lang="pt-BR" sz="1600" b="1" i="1" smtClean="0">
+                            <a:latin typeface="Cambria Math" panose="02040503050406030204" pitchFamily="18" charset="0"/>
+                          </a:rPr>
+                        </m:ctrlPr>
+                      </m:sSubPr>
+                      <m:e>
+                        <m:r>
+                          <a:rPr lang="pt-BR" sz="1600" b="1" i="1" smtClean="0">
+                            <a:latin typeface="Cambria Math" panose="02040503050406030204" pitchFamily="18" charset="0"/>
+                          </a:rPr>
+                          <m:t>𝒌</m:t>
+                        </m:r>
+                      </m:e>
+                      <m:sub>
+                        <m:r>
+                          <a:rPr lang="pt-BR" sz="1600" b="1" i="1" smtClean="0">
+                            <a:latin typeface="Cambria Math" panose="02040503050406030204" pitchFamily="18" charset="0"/>
+                          </a:rPr>
+                          <m:t>𝒇</m:t>
+                        </m:r>
+                      </m:sub>
+                    </m:sSub>
+                  </m:oMath>
+                </a14:m>
+                <a:endParaRPr lang="en-US" sz="1600" b="1" dirty="0">
+                  <a:latin typeface="IBM Plex Sans" panose="020B0503050203000203" pitchFamily="34" charset="0"/>
+                </a:endParaRPr>
+              </a:p>
+              <a:p>
+                <a:pPr marL="342900" indent="-342900">
+                  <a:buFont typeface="Arial" panose="020B0604020202020204" pitchFamily="34" charset="0"/>
+                  <a:buChar char="•"/>
+                </a:pPr>
+                <a:endParaRPr lang="en-US" sz="1600" b="1" dirty="0">
+                  <a:latin typeface="IBM Plex Sans" panose="020B0503050203000203" pitchFamily="34" charset="0"/>
+                </a:endParaRPr>
+              </a:p>
+            </p:txBody>
+          </p:sp>
+        </mc:Choice>
+        <mc:Fallback>
+          <p:sp>
+            <p:nvSpPr>
+              <p:cNvPr id="7" name="Title">
+                <a:extLst>
+                  <a:ext uri="{FF2B5EF4-FFF2-40B4-BE49-F238E27FC236}">
+                    <a16:creationId xmlns:a16="http://schemas.microsoft.com/office/drawing/2014/main" id="{48CFCC32-A6C6-4CD1-E85B-A358EE513708}"/>
+                  </a:ext>
+                </a:extLst>
+              </p:cNvPr>
+              <p:cNvSpPr txBox="1">
+                <a:spLocks noRot="1" noChangeAspect="1" noMove="1" noResize="1" noEditPoints="1" noAdjustHandles="1" noChangeArrowheads="1" noChangeShapeType="1" noTextEdit="1"/>
+              </p:cNvSpPr>
+              <p:nvPr/>
+            </p:nvSpPr>
+            <p:spPr>
+              <a:xfrm>
+                <a:off x="531344" y="2249894"/>
+                <a:ext cx="10683501" cy="3821122"/>
+              </a:xfrm>
+              <a:prstGeom prst="rect">
+                <a:avLst/>
+              </a:prstGeom>
+              <a:blipFill>
+                <a:blip r:embed="rId3"/>
+                <a:stretch>
+                  <a:fillRect l="-237" t="-1325"/>
+                </a:stretch>
+              </a:blipFill>
+            </p:spPr>
+            <p:txBody>
+              <a:bodyPr/>
+              <a:lstStyle/>
+              <a:p>
+                <a:r>
+                  <a:rPr lang="pt-BR">
+                    <a:noFill/>
+                  </a:rPr>
+                  <a:t> </a:t>
+                </a:r>
+              </a:p>
+            </p:txBody>
+          </p:sp>
+        </mc:Fallback>
+      </mc:AlternateContent>
+      <p:sp>
+        <p:nvSpPr>
+          <p:cNvPr id="8" name="Text Placeholder">
+            <a:extLst>
+              <a:ext uri="{FF2B5EF4-FFF2-40B4-BE49-F238E27FC236}">
+                <a16:creationId xmlns:a16="http://schemas.microsoft.com/office/drawing/2014/main" id="{5EA019E9-4BFE-FD86-7DD4-328DEB414A44}"/>
+              </a:ext>
+            </a:extLst>
+          </p:cNvPr>
+          <p:cNvSpPr txBox="1">
+            <a:spLocks/>
+          </p:cNvSpPr>
+          <p:nvPr/>
+        </p:nvSpPr>
+        <p:spPr>
+          <a:xfrm>
+            <a:off x="-1" y="104751"/>
+            <a:ext cx="12056165" cy="1296666"/>
+          </a:xfrm>
+          <a:prstGeom prst="rect">
+            <a:avLst/>
+          </a:prstGeom>
+        </p:spPr>
+        <p:txBody>
+          <a:bodyPr vert="horz" lIns="91440" tIns="45720" rIns="91440" bIns="45720" rtlCol="0" anchor="ctr"/>
+          <a:lstStyle>
+            <a:defPPr>
+              <a:defRPr lang="en-BR"/>
+            </a:defPPr>
+            <a:lvl1pPr marL="0" algn="r" defTabSz="914400" rtl="0" eaLnBrk="1" latinLnBrk="0" hangingPunct="1">
+              <a:defRPr sz="1200" kern="1200">
+                <a:solidFill>
+                  <a:schemeClr val="tx1">
+                    <a:tint val="75000"/>
+                  </a:schemeClr>
+                </a:solidFill>
+                <a:latin typeface="+mn-lt"/>
+                <a:ea typeface="+mn-ea"/>
+                <a:cs typeface="+mn-cs"/>
+              </a:defRPr>
+            </a:lvl1pPr>
+            <a:lvl2pPr marL="457200" algn="l" defTabSz="914400" rtl="0" eaLnBrk="1" latinLnBrk="0" hangingPunct="1">
+              <a:defRPr sz="1800" kern="1200">
+                <a:solidFill>
+                  <a:schemeClr val="tx1"/>
+                </a:solidFill>
+                <a:latin typeface="+mn-lt"/>
+                <a:ea typeface="+mn-ea"/>
+                <a:cs typeface="+mn-cs"/>
+              </a:defRPr>
+            </a:lvl2pPr>
+            <a:lvl3pPr marL="914400" algn="l" defTabSz="914400" rtl="0" eaLnBrk="1" latinLnBrk="0" hangingPunct="1">
+              <a:defRPr sz="1800" kern="1200">
+                <a:solidFill>
+                  <a:schemeClr val="tx1"/>
+                </a:solidFill>
+                <a:latin typeface="+mn-lt"/>
+                <a:ea typeface="+mn-ea"/>
+                <a:cs typeface="+mn-cs"/>
+              </a:defRPr>
+            </a:lvl3pPr>
+            <a:lvl4pPr marL="1371600" algn="l" defTabSz="914400" rtl="0" eaLnBrk="1" latinLnBrk="0" hangingPunct="1">
+              <a:defRPr sz="1800" kern="1200">
+                <a:solidFill>
+                  <a:schemeClr val="tx1"/>
+                </a:solidFill>
+                <a:latin typeface="+mn-lt"/>
+                <a:ea typeface="+mn-ea"/>
+                <a:cs typeface="+mn-cs"/>
+              </a:defRPr>
+            </a:lvl4pPr>
+            <a:lvl5pPr marL="1828800" algn="l" defTabSz="914400" rtl="0" eaLnBrk="1" latinLnBrk="0" hangingPunct="1">
+              <a:defRPr sz="1800" kern="1200">
+                <a:solidFill>
+                  <a:schemeClr val="tx1"/>
+                </a:solidFill>
+                <a:latin typeface="+mn-lt"/>
+                <a:ea typeface="+mn-ea"/>
+                <a:cs typeface="+mn-cs"/>
+              </a:defRPr>
+            </a:lvl5pPr>
+            <a:lvl6pPr marL="2286000" algn="l" defTabSz="914400" rtl="0" eaLnBrk="1" latinLnBrk="0" hangingPunct="1">
+              <a:defRPr sz="1800" kern="1200">
+                <a:solidFill>
+                  <a:schemeClr val="tx1"/>
+                </a:solidFill>
+                <a:latin typeface="+mn-lt"/>
+                <a:ea typeface="+mn-ea"/>
+                <a:cs typeface="+mn-cs"/>
+              </a:defRPr>
+            </a:lvl6pPr>
+            <a:lvl7pPr marL="2743200" algn="l" defTabSz="914400" rtl="0" eaLnBrk="1" latinLnBrk="0" hangingPunct="1">
+              <a:defRPr sz="1800" kern="1200">
+                <a:solidFill>
+                  <a:schemeClr val="tx1"/>
+                </a:solidFill>
+                <a:latin typeface="+mn-lt"/>
+                <a:ea typeface="+mn-ea"/>
+                <a:cs typeface="+mn-cs"/>
+              </a:defRPr>
+            </a:lvl7pPr>
+            <a:lvl8pPr marL="3200400" algn="l" defTabSz="914400" rtl="0" eaLnBrk="1" latinLnBrk="0" hangingPunct="1">
+              <a:defRPr sz="1800" kern="1200">
+                <a:solidFill>
+                  <a:schemeClr val="tx1"/>
+                </a:solidFill>
+                <a:latin typeface="+mn-lt"/>
+                <a:ea typeface="+mn-ea"/>
+                <a:cs typeface="+mn-cs"/>
+              </a:defRPr>
+            </a:lvl8pPr>
+            <a:lvl9pPr marL="3657600" algn="l" defTabSz="914400" rtl="0" eaLnBrk="1" latinLnBrk="0" hangingPunct="1">
+              <a:defRPr sz="1800" kern="1200">
+                <a:solidFill>
+                  <a:schemeClr val="tx1"/>
+                </a:solidFill>
+                <a:latin typeface="+mn-lt"/>
+                <a:ea typeface="+mn-ea"/>
+                <a:cs typeface="+mn-cs"/>
+              </a:defRPr>
+            </a:lvl9pPr>
+          </a:lstStyle>
+          <a:p>
+            <a:pPr algn="l"/>
+            <a:r>
+              <a:rPr lang="en-US" sz="4000" b="1" dirty="0">
+                <a:solidFill>
+                  <a:schemeClr val="tx1"/>
+                </a:solidFill>
+                <a:latin typeface="IBM Plex Sans" panose="020B0503050203000203" pitchFamily="34" charset="0"/>
+              </a:rPr>
+              <a:t>Preliminaries on data Collection for MTP-NT – Dataset used in this work</a:t>
+            </a:r>
+          </a:p>
+        </p:txBody>
+      </p:sp>
+    </p:spTree>
+    <p:extLst>
+      <p:ext uri="{BB962C8B-B14F-4D97-AF65-F5344CB8AC3E}">
+        <p14:creationId xmlns:p14="http://schemas.microsoft.com/office/powerpoint/2010/main" val="2602195461"/>
+      </p:ext>
+    </p:extLst>
+  </p:cSld>
+  <p:clrMapOvr>
+    <a:masterClrMapping/>
+  </p:clrMapOvr>
+</p:sld>
+</file>
+
+<file path=ppt/slides/slide34.xml><?xml version="1.0" encoding="utf-8"?>
+<p:sld xmlns:a="http://schemas.openxmlformats.org/drawingml/2006/main" xmlns:r="http://schemas.openxmlformats.org/officeDocument/2006/relationships" xmlns:p="http://schemas.openxmlformats.org/presentationml/2006/main">
+  <p:cSld>
+    <p:spTree>
+      <p:nvGrpSpPr>
+        <p:cNvPr id="1" name=""/>
+        <p:cNvGrpSpPr/>
+        <p:nvPr/>
+      </p:nvGrpSpPr>
+      <p:grpSpPr>
+        <a:xfrm>
+          <a:off x="0" y="0"/>
+          <a:ext cx="0" cy="0"/>
+          <a:chOff x="0" y="0"/>
+          <a:chExt cx="0" cy="0"/>
+        </a:xfrm>
+      </p:grpSpPr>
+      <p:sp>
+        <p:nvSpPr>
+          <p:cNvPr id="4" name="Footer Placeholder 3">
+            <a:extLst>
+              <a:ext uri="{FF2B5EF4-FFF2-40B4-BE49-F238E27FC236}">
+                <a16:creationId xmlns:a16="http://schemas.microsoft.com/office/drawing/2014/main" id="{ABC5BB99-6713-EE89-3895-F3148FABAE18}"/>
+              </a:ext>
+            </a:extLst>
+          </p:cNvPr>
+          <p:cNvSpPr>
+            <a:spLocks noGrp="1"/>
+          </p:cNvSpPr>
+          <p:nvPr>
+            <p:ph type="ftr" sz="quarter" idx="11"/>
+          </p:nvPr>
+        </p:nvSpPr>
+        <p:spPr/>
+        <p:txBody>
+          <a:bodyPr/>
+          <a:lstStyle/>
+          <a:p>
+            <a:r>
+              <a:rPr lang="pt-BR" dirty="0">
+                <a:latin typeface="IBM Plex Sans" panose="020B0503050203000203" pitchFamily="34" charset="0"/>
+              </a:rPr>
+              <a:t>A Mobile </a:t>
+            </a:r>
+            <a:r>
+              <a:rPr lang="pt-BR" dirty="0" err="1">
+                <a:latin typeface="IBM Plex Sans" panose="020B0503050203000203" pitchFamily="34" charset="0"/>
+              </a:rPr>
+              <a:t>Traffic</a:t>
+            </a:r>
+            <a:r>
+              <a:rPr lang="pt-BR" dirty="0">
+                <a:latin typeface="IBM Plex Sans" panose="020B0503050203000203" pitchFamily="34" charset="0"/>
+              </a:rPr>
+              <a:t> </a:t>
+            </a:r>
+            <a:r>
+              <a:rPr lang="pt-BR" dirty="0" err="1">
+                <a:latin typeface="IBM Plex Sans" panose="020B0503050203000203" pitchFamily="34" charset="0"/>
+              </a:rPr>
+              <a:t>Predictor</a:t>
+            </a:r>
+            <a:r>
+              <a:rPr lang="pt-BR" dirty="0">
+                <a:latin typeface="IBM Plex Sans" panose="020B0503050203000203" pitchFamily="34" charset="0"/>
+              </a:rPr>
+              <a:t> </a:t>
+            </a:r>
+            <a:r>
+              <a:rPr lang="pt-BR" dirty="0" err="1">
+                <a:latin typeface="IBM Plex Sans" panose="020B0503050203000203" pitchFamily="34" charset="0"/>
+              </a:rPr>
+              <a:t>Enhanced</a:t>
+            </a:r>
+            <a:r>
+              <a:rPr lang="pt-BR" dirty="0">
+                <a:latin typeface="IBM Plex Sans" panose="020B0503050203000203" pitchFamily="34" charset="0"/>
+              </a:rPr>
+              <a:t> </a:t>
+            </a:r>
+            <a:r>
+              <a:rPr lang="pt-BR" dirty="0" err="1">
+                <a:latin typeface="IBM Plex Sans" panose="020B0503050203000203" pitchFamily="34" charset="0"/>
+              </a:rPr>
+              <a:t>by</a:t>
+            </a:r>
+            <a:r>
+              <a:rPr lang="pt-BR" dirty="0">
+                <a:latin typeface="IBM Plex Sans" panose="020B0503050203000203" pitchFamily="34" charset="0"/>
+              </a:rPr>
+              <a:t> </a:t>
+            </a:r>
+            <a:r>
+              <a:rPr lang="pt-BR" dirty="0" err="1">
+                <a:latin typeface="IBM Plex Sans" panose="020B0503050203000203" pitchFamily="34" charset="0"/>
+              </a:rPr>
+              <a:t>Neighboring</a:t>
+            </a:r>
+            <a:r>
+              <a:rPr lang="pt-BR" dirty="0">
+                <a:latin typeface="IBM Plex Sans" panose="020B0503050203000203" pitchFamily="34" charset="0"/>
+              </a:rPr>
+              <a:t> </a:t>
+            </a:r>
+            <a:r>
+              <a:rPr lang="pt-BR" dirty="0" err="1">
+                <a:latin typeface="IBM Plex Sans" panose="020B0503050203000203" pitchFamily="34" charset="0"/>
+              </a:rPr>
+              <a:t>Transportation</a:t>
+            </a:r>
+            <a:r>
+              <a:rPr lang="pt-BR" dirty="0">
+                <a:latin typeface="IBM Plex Sans" panose="020B0503050203000203" pitchFamily="34" charset="0"/>
+              </a:rPr>
+              <a:t> Data (MTP-NT)</a:t>
+            </a:r>
+          </a:p>
+        </p:txBody>
+      </p:sp>
+      <p:sp>
+        <p:nvSpPr>
+          <p:cNvPr id="5" name="Slide Number Placeholder 4">
+            <a:extLst>
+              <a:ext uri="{FF2B5EF4-FFF2-40B4-BE49-F238E27FC236}">
+                <a16:creationId xmlns:a16="http://schemas.microsoft.com/office/drawing/2014/main" id="{DE4D7978-95DF-1BFB-E341-3759F4762F0C}"/>
+              </a:ext>
+            </a:extLst>
+          </p:cNvPr>
+          <p:cNvSpPr>
+            <a:spLocks noGrp="1"/>
+          </p:cNvSpPr>
+          <p:nvPr>
+            <p:ph type="sldNum" sz="quarter" idx="12"/>
+          </p:nvPr>
+        </p:nvSpPr>
+        <p:spPr/>
+        <p:txBody>
+          <a:bodyPr/>
+          <a:lstStyle/>
+          <a:p>
+            <a:fld id="{C16D1434-241F-3E4A-8778-0F70095E40C3}" type="slidenum">
+              <a:rPr lang="pt-BR" smtClean="0">
+                <a:latin typeface="IBM Plex Sans" panose="020B0503050203000203" pitchFamily="34" charset="0"/>
+              </a:rPr>
+              <a:t>34</a:t>
+            </a:fld>
+            <a:endParaRPr lang="pt-BR">
+              <a:latin typeface="IBM Plex Sans" panose="020B0503050203000203" pitchFamily="34" charset="0"/>
+            </a:endParaRPr>
+          </a:p>
+        </p:txBody>
+      </p:sp>
+      <p:sp>
+        <p:nvSpPr>
+          <p:cNvPr id="8" name="Text Placeholder">
+            <a:extLst>
+              <a:ext uri="{FF2B5EF4-FFF2-40B4-BE49-F238E27FC236}">
+                <a16:creationId xmlns:a16="http://schemas.microsoft.com/office/drawing/2014/main" id="{5EA019E9-4BFE-FD86-7DD4-328DEB414A44}"/>
+              </a:ext>
+            </a:extLst>
+          </p:cNvPr>
+          <p:cNvSpPr txBox="1">
+            <a:spLocks/>
+          </p:cNvSpPr>
+          <p:nvPr/>
+        </p:nvSpPr>
+        <p:spPr>
+          <a:xfrm>
+            <a:off x="-1" y="104751"/>
+            <a:ext cx="12056165" cy="1296666"/>
+          </a:xfrm>
+          <a:prstGeom prst="rect">
+            <a:avLst/>
+          </a:prstGeom>
+        </p:spPr>
+        <p:txBody>
+          <a:bodyPr vert="horz" lIns="91440" tIns="45720" rIns="91440" bIns="45720" rtlCol="0" anchor="ctr"/>
+          <a:lstStyle>
+            <a:defPPr>
+              <a:defRPr lang="en-BR"/>
+            </a:defPPr>
+            <a:lvl1pPr marL="0" algn="r" defTabSz="914400" rtl="0" eaLnBrk="1" latinLnBrk="0" hangingPunct="1">
+              <a:defRPr sz="1200" kern="1200">
+                <a:solidFill>
+                  <a:schemeClr val="tx1">
+                    <a:tint val="75000"/>
+                  </a:schemeClr>
+                </a:solidFill>
+                <a:latin typeface="+mn-lt"/>
+                <a:ea typeface="+mn-ea"/>
+                <a:cs typeface="+mn-cs"/>
+              </a:defRPr>
+            </a:lvl1pPr>
+            <a:lvl2pPr marL="457200" algn="l" defTabSz="914400" rtl="0" eaLnBrk="1" latinLnBrk="0" hangingPunct="1">
+              <a:defRPr sz="1800" kern="1200">
+                <a:solidFill>
+                  <a:schemeClr val="tx1"/>
+                </a:solidFill>
+                <a:latin typeface="+mn-lt"/>
+                <a:ea typeface="+mn-ea"/>
+                <a:cs typeface="+mn-cs"/>
+              </a:defRPr>
+            </a:lvl2pPr>
+            <a:lvl3pPr marL="914400" algn="l" defTabSz="914400" rtl="0" eaLnBrk="1" latinLnBrk="0" hangingPunct="1">
+              <a:defRPr sz="1800" kern="1200">
+                <a:solidFill>
+                  <a:schemeClr val="tx1"/>
+                </a:solidFill>
+                <a:latin typeface="+mn-lt"/>
+                <a:ea typeface="+mn-ea"/>
+                <a:cs typeface="+mn-cs"/>
+              </a:defRPr>
+            </a:lvl3pPr>
+            <a:lvl4pPr marL="1371600" algn="l" defTabSz="914400" rtl="0" eaLnBrk="1" latinLnBrk="0" hangingPunct="1">
+              <a:defRPr sz="1800" kern="1200">
+                <a:solidFill>
+                  <a:schemeClr val="tx1"/>
+                </a:solidFill>
+                <a:latin typeface="+mn-lt"/>
+                <a:ea typeface="+mn-ea"/>
+                <a:cs typeface="+mn-cs"/>
+              </a:defRPr>
+            </a:lvl4pPr>
+            <a:lvl5pPr marL="1828800" algn="l" defTabSz="914400" rtl="0" eaLnBrk="1" latinLnBrk="0" hangingPunct="1">
+              <a:defRPr sz="1800" kern="1200">
+                <a:solidFill>
+                  <a:schemeClr val="tx1"/>
+                </a:solidFill>
+                <a:latin typeface="+mn-lt"/>
+                <a:ea typeface="+mn-ea"/>
+                <a:cs typeface="+mn-cs"/>
+              </a:defRPr>
+            </a:lvl5pPr>
+            <a:lvl6pPr marL="2286000" algn="l" defTabSz="914400" rtl="0" eaLnBrk="1" latinLnBrk="0" hangingPunct="1">
+              <a:defRPr sz="1800" kern="1200">
+                <a:solidFill>
+                  <a:schemeClr val="tx1"/>
+                </a:solidFill>
+                <a:latin typeface="+mn-lt"/>
+                <a:ea typeface="+mn-ea"/>
+                <a:cs typeface="+mn-cs"/>
+              </a:defRPr>
+            </a:lvl6pPr>
+            <a:lvl7pPr marL="2743200" algn="l" defTabSz="914400" rtl="0" eaLnBrk="1" latinLnBrk="0" hangingPunct="1">
+              <a:defRPr sz="1800" kern="1200">
+                <a:solidFill>
+                  <a:schemeClr val="tx1"/>
+                </a:solidFill>
+                <a:latin typeface="+mn-lt"/>
+                <a:ea typeface="+mn-ea"/>
+                <a:cs typeface="+mn-cs"/>
+              </a:defRPr>
+            </a:lvl7pPr>
+            <a:lvl8pPr marL="3200400" algn="l" defTabSz="914400" rtl="0" eaLnBrk="1" latinLnBrk="0" hangingPunct="1">
+              <a:defRPr sz="1800" kern="1200">
+                <a:solidFill>
+                  <a:schemeClr val="tx1"/>
+                </a:solidFill>
+                <a:latin typeface="+mn-lt"/>
+                <a:ea typeface="+mn-ea"/>
+                <a:cs typeface="+mn-cs"/>
+              </a:defRPr>
+            </a:lvl8pPr>
+            <a:lvl9pPr marL="3657600" algn="l" defTabSz="914400" rtl="0" eaLnBrk="1" latinLnBrk="0" hangingPunct="1">
+              <a:defRPr sz="1800" kern="1200">
+                <a:solidFill>
+                  <a:schemeClr val="tx1"/>
+                </a:solidFill>
+                <a:latin typeface="+mn-lt"/>
+                <a:ea typeface="+mn-ea"/>
+                <a:cs typeface="+mn-cs"/>
+              </a:defRPr>
+            </a:lvl9pPr>
+          </a:lstStyle>
+          <a:p>
+            <a:pPr algn="l"/>
+            <a:r>
+              <a:rPr lang="en-US" sz="4000" b="1" dirty="0">
+                <a:solidFill>
+                  <a:schemeClr val="tx1"/>
+                </a:solidFill>
+                <a:latin typeface="IBM Plex Sans" panose="020B0503050203000203" pitchFamily="34" charset="0"/>
+              </a:rPr>
+              <a:t>Preliminaries on data Collection for MTP-NT – Dataset used in this work</a:t>
+            </a:r>
+          </a:p>
+        </p:txBody>
+      </p:sp>
+      <p:pic>
+        <p:nvPicPr>
+          <p:cNvPr id="11" name="Picture 10">
+            <a:extLst>
+              <a:ext uri="{FF2B5EF4-FFF2-40B4-BE49-F238E27FC236}">
+                <a16:creationId xmlns:a16="http://schemas.microsoft.com/office/drawing/2014/main" id="{C5FB7649-6E4B-A202-D16A-CBB9C4A7CDE9}"/>
+              </a:ext>
+            </a:extLst>
+          </p:cNvPr>
+          <p:cNvPicPr>
+            <a:picLocks noChangeAspect="1"/>
+          </p:cNvPicPr>
+          <p:nvPr/>
+        </p:nvPicPr>
+        <p:blipFill>
+          <a:blip r:embed="rId3"/>
+          <a:stretch>
+            <a:fillRect/>
+          </a:stretch>
+        </p:blipFill>
+        <p:spPr>
+          <a:xfrm>
+            <a:off x="250698" y="1645271"/>
+            <a:ext cx="11690604" cy="1442703"/>
+          </a:xfrm>
+          <a:prstGeom prst="rect">
+            <a:avLst/>
+          </a:prstGeom>
+        </p:spPr>
+      </p:pic>
+      <p:pic>
+        <p:nvPicPr>
+          <p:cNvPr id="12" name="Picture 11">
+            <a:extLst>
+              <a:ext uri="{FF2B5EF4-FFF2-40B4-BE49-F238E27FC236}">
+                <a16:creationId xmlns:a16="http://schemas.microsoft.com/office/drawing/2014/main" id="{FCC07A38-602C-671F-20E9-1108086CF923}"/>
+              </a:ext>
+            </a:extLst>
+          </p:cNvPr>
+          <p:cNvPicPr>
+            <a:picLocks noChangeAspect="1"/>
+          </p:cNvPicPr>
+          <p:nvPr/>
+        </p:nvPicPr>
+        <p:blipFill>
+          <a:blip r:embed="rId4"/>
+          <a:stretch>
+            <a:fillRect/>
+          </a:stretch>
+        </p:blipFill>
+        <p:spPr>
+          <a:xfrm>
+            <a:off x="261883" y="4225893"/>
+            <a:ext cx="11668234" cy="887800"/>
+          </a:xfrm>
+          <a:prstGeom prst="rect">
+            <a:avLst/>
+          </a:prstGeom>
+        </p:spPr>
+      </p:pic>
+      <p:sp>
+        <p:nvSpPr>
+          <p:cNvPr id="13" name="Rounded Rectangle 12">
+            <a:extLst>
+              <a:ext uri="{FF2B5EF4-FFF2-40B4-BE49-F238E27FC236}">
+                <a16:creationId xmlns:a16="http://schemas.microsoft.com/office/drawing/2014/main" id="{1168861E-3F37-99D2-8CF4-2F71803DA5C6}"/>
+              </a:ext>
+            </a:extLst>
+          </p:cNvPr>
+          <p:cNvSpPr/>
+          <p:nvPr/>
+        </p:nvSpPr>
+        <p:spPr>
+          <a:xfrm>
+            <a:off x="1304360" y="1984507"/>
+            <a:ext cx="1050562" cy="659567"/>
+          </a:xfrm>
+          <a:prstGeom prst="roundRect">
+            <a:avLst/>
+          </a:prstGeom>
+          <a:noFill/>
+          <a:ln w="38100">
+            <a:solidFill>
+              <a:srgbClr val="0F62FF"/>
+            </a:solidFill>
+          </a:ln>
+        </p:spPr>
+        <p:style>
+          <a:lnRef idx="2">
+            <a:schemeClr val="accent1">
+              <a:shade val="15000"/>
+            </a:schemeClr>
+          </a:lnRef>
+          <a:fillRef idx="1">
+            <a:schemeClr val="accent1"/>
+          </a:fillRef>
+          <a:effectRef idx="0">
+            <a:schemeClr val="accent1"/>
+          </a:effectRef>
+          <a:fontRef idx="minor">
+            <a:schemeClr val="lt1"/>
+          </a:fontRef>
+        </p:style>
+        <p:txBody>
+          <a:bodyPr rtlCol="0" anchor="ctr"/>
+          <a:lstStyle/>
+          <a:p>
+            <a:pPr algn="ctr"/>
+            <a:endParaRPr lang="pt-BR"/>
+          </a:p>
+        </p:txBody>
+      </p:sp>
+      <p:cxnSp>
+        <p:nvCxnSpPr>
+          <p:cNvPr id="17" name="Straight Arrow Connector 16">
+            <a:extLst>
+              <a:ext uri="{FF2B5EF4-FFF2-40B4-BE49-F238E27FC236}">
+                <a16:creationId xmlns:a16="http://schemas.microsoft.com/office/drawing/2014/main" id="{CB74092D-6E7E-6021-F86A-23ADDD1B2F90}"/>
+              </a:ext>
+            </a:extLst>
+          </p:cNvPr>
+          <p:cNvCxnSpPr>
+            <a:cxnSpLocks/>
+          </p:cNvCxnSpPr>
+          <p:nvPr/>
+        </p:nvCxnSpPr>
+        <p:spPr>
+          <a:xfrm>
+            <a:off x="1304360" y="2441643"/>
+            <a:ext cx="0" cy="2191317"/>
+          </a:xfrm>
+          <a:prstGeom prst="straightConnector1">
+            <a:avLst/>
+          </a:prstGeom>
+          <a:ln w="38100">
+            <a:solidFill>
+              <a:srgbClr val="0F62FF"/>
+            </a:solidFill>
+            <a:tailEnd type="triangle"/>
+          </a:ln>
+        </p:spPr>
+        <p:style>
+          <a:lnRef idx="1">
+            <a:schemeClr val="accent1"/>
+          </a:lnRef>
+          <a:fillRef idx="0">
+            <a:schemeClr val="accent1"/>
+          </a:fillRef>
+          <a:effectRef idx="0">
+            <a:schemeClr val="accent1"/>
+          </a:effectRef>
+          <a:fontRef idx="minor">
+            <a:schemeClr val="tx1"/>
+          </a:fontRef>
+        </p:style>
+      </p:cxnSp>
+    </p:spTree>
+    <p:extLst>
+      <p:ext uri="{BB962C8B-B14F-4D97-AF65-F5344CB8AC3E}">
+        <p14:creationId xmlns:p14="http://schemas.microsoft.com/office/powerpoint/2010/main" val="1225322511"/>
+      </p:ext>
+    </p:extLst>
+  </p:cSld>
+  <p:clrMapOvr>
+    <a:masterClrMapping/>
+  </p:clrMapOvr>
+</p:sld>
+</file>
+
+<file path=ppt/slides/slide35.xml><?xml version="1.0" encoding="utf-8"?>
+<p:sld xmlns:a="http://schemas.openxmlformats.org/drawingml/2006/main" xmlns:r="http://schemas.openxmlformats.org/officeDocument/2006/relationships" xmlns:p="http://schemas.openxmlformats.org/presentationml/2006/main">
+  <p:cSld>
+    <p:spTree>
+      <p:nvGrpSpPr>
+        <p:cNvPr id="1" name=""/>
+        <p:cNvGrpSpPr/>
+        <p:nvPr/>
+      </p:nvGrpSpPr>
+      <p:grpSpPr>
+        <a:xfrm>
+          <a:off x="0" y="0"/>
+          <a:ext cx="0" cy="0"/>
+          <a:chOff x="0" y="0"/>
+          <a:chExt cx="0" cy="0"/>
+        </a:xfrm>
+      </p:grpSpPr>
+      <p:sp>
+        <p:nvSpPr>
+          <p:cNvPr id="4" name="Footer Placeholder 3">
+            <a:extLst>
+              <a:ext uri="{FF2B5EF4-FFF2-40B4-BE49-F238E27FC236}">
+                <a16:creationId xmlns:a16="http://schemas.microsoft.com/office/drawing/2014/main" id="{ABC5BB99-6713-EE89-3895-F3148FABAE18}"/>
+              </a:ext>
+            </a:extLst>
+          </p:cNvPr>
+          <p:cNvSpPr>
+            <a:spLocks noGrp="1"/>
+          </p:cNvSpPr>
+          <p:nvPr>
+            <p:ph type="ftr" sz="quarter" idx="11"/>
+          </p:nvPr>
+        </p:nvSpPr>
+        <p:spPr/>
+        <p:txBody>
+          <a:bodyPr/>
+          <a:lstStyle/>
+          <a:p>
+            <a:r>
+              <a:rPr lang="pt-BR" dirty="0">
+                <a:latin typeface="IBM Plex Sans" panose="020B0503050203000203" pitchFamily="34" charset="0"/>
+              </a:rPr>
+              <a:t>A Mobile </a:t>
+            </a:r>
+            <a:r>
+              <a:rPr lang="pt-BR" dirty="0" err="1">
+                <a:latin typeface="IBM Plex Sans" panose="020B0503050203000203" pitchFamily="34" charset="0"/>
+              </a:rPr>
+              <a:t>Traffic</a:t>
+            </a:r>
+            <a:r>
+              <a:rPr lang="pt-BR" dirty="0">
+                <a:latin typeface="IBM Plex Sans" panose="020B0503050203000203" pitchFamily="34" charset="0"/>
+              </a:rPr>
+              <a:t> </a:t>
+            </a:r>
+            <a:r>
+              <a:rPr lang="pt-BR" dirty="0" err="1">
+                <a:latin typeface="IBM Plex Sans" panose="020B0503050203000203" pitchFamily="34" charset="0"/>
+              </a:rPr>
+              <a:t>Predictor</a:t>
+            </a:r>
+            <a:r>
+              <a:rPr lang="pt-BR" dirty="0">
+                <a:latin typeface="IBM Plex Sans" panose="020B0503050203000203" pitchFamily="34" charset="0"/>
+              </a:rPr>
+              <a:t> </a:t>
+            </a:r>
+            <a:r>
+              <a:rPr lang="pt-BR" dirty="0" err="1">
+                <a:latin typeface="IBM Plex Sans" panose="020B0503050203000203" pitchFamily="34" charset="0"/>
+              </a:rPr>
+              <a:t>Enhanced</a:t>
+            </a:r>
+            <a:r>
+              <a:rPr lang="pt-BR" dirty="0">
+                <a:latin typeface="IBM Plex Sans" panose="020B0503050203000203" pitchFamily="34" charset="0"/>
+              </a:rPr>
+              <a:t> </a:t>
+            </a:r>
+            <a:r>
+              <a:rPr lang="pt-BR" dirty="0" err="1">
+                <a:latin typeface="IBM Plex Sans" panose="020B0503050203000203" pitchFamily="34" charset="0"/>
+              </a:rPr>
+              <a:t>by</a:t>
+            </a:r>
+            <a:r>
+              <a:rPr lang="pt-BR" dirty="0">
+                <a:latin typeface="IBM Plex Sans" panose="020B0503050203000203" pitchFamily="34" charset="0"/>
+              </a:rPr>
+              <a:t> </a:t>
+            </a:r>
+            <a:r>
+              <a:rPr lang="pt-BR" dirty="0" err="1">
+                <a:latin typeface="IBM Plex Sans" panose="020B0503050203000203" pitchFamily="34" charset="0"/>
+              </a:rPr>
+              <a:t>Neighboring</a:t>
+            </a:r>
+            <a:r>
+              <a:rPr lang="pt-BR" dirty="0">
+                <a:latin typeface="IBM Plex Sans" panose="020B0503050203000203" pitchFamily="34" charset="0"/>
+              </a:rPr>
+              <a:t> </a:t>
+            </a:r>
+            <a:r>
+              <a:rPr lang="pt-BR" dirty="0" err="1">
+                <a:latin typeface="IBM Plex Sans" panose="020B0503050203000203" pitchFamily="34" charset="0"/>
+              </a:rPr>
+              <a:t>Transportation</a:t>
+            </a:r>
+            <a:r>
+              <a:rPr lang="pt-BR" dirty="0">
+                <a:latin typeface="IBM Plex Sans" panose="020B0503050203000203" pitchFamily="34" charset="0"/>
+              </a:rPr>
+              <a:t> Data (MTP-NT)</a:t>
+            </a:r>
+          </a:p>
+        </p:txBody>
+      </p:sp>
+      <p:sp>
+        <p:nvSpPr>
+          <p:cNvPr id="5" name="Slide Number Placeholder 4">
+            <a:extLst>
+              <a:ext uri="{FF2B5EF4-FFF2-40B4-BE49-F238E27FC236}">
+                <a16:creationId xmlns:a16="http://schemas.microsoft.com/office/drawing/2014/main" id="{DE4D7978-95DF-1BFB-E341-3759F4762F0C}"/>
+              </a:ext>
+            </a:extLst>
+          </p:cNvPr>
+          <p:cNvSpPr>
+            <a:spLocks noGrp="1"/>
+          </p:cNvSpPr>
+          <p:nvPr>
+            <p:ph type="sldNum" sz="quarter" idx="12"/>
+          </p:nvPr>
+        </p:nvSpPr>
+        <p:spPr/>
+        <p:txBody>
+          <a:bodyPr/>
+          <a:lstStyle/>
+          <a:p>
+            <a:fld id="{C16D1434-241F-3E4A-8778-0F70095E40C3}" type="slidenum">
+              <a:rPr lang="pt-BR" smtClean="0">
+                <a:latin typeface="IBM Plex Sans" panose="020B0503050203000203" pitchFamily="34" charset="0"/>
+              </a:rPr>
+              <a:t>35</a:t>
+            </a:fld>
+            <a:endParaRPr lang="pt-BR">
+              <a:latin typeface="IBM Plex Sans" panose="020B0503050203000203" pitchFamily="34" charset="0"/>
+            </a:endParaRPr>
+          </a:p>
+        </p:txBody>
+      </p:sp>
+      <p:sp>
+        <p:nvSpPr>
+          <p:cNvPr id="8" name="Text Placeholder">
+            <a:extLst>
+              <a:ext uri="{FF2B5EF4-FFF2-40B4-BE49-F238E27FC236}">
+                <a16:creationId xmlns:a16="http://schemas.microsoft.com/office/drawing/2014/main" id="{5EA019E9-4BFE-FD86-7DD4-328DEB414A44}"/>
+              </a:ext>
+            </a:extLst>
+          </p:cNvPr>
+          <p:cNvSpPr txBox="1">
+            <a:spLocks/>
+          </p:cNvSpPr>
+          <p:nvPr/>
+        </p:nvSpPr>
+        <p:spPr>
+          <a:xfrm>
+            <a:off x="-1" y="104751"/>
+            <a:ext cx="12056165" cy="1296666"/>
+          </a:xfrm>
+          <a:prstGeom prst="rect">
+            <a:avLst/>
+          </a:prstGeom>
+        </p:spPr>
+        <p:txBody>
+          <a:bodyPr vert="horz" lIns="91440" tIns="45720" rIns="91440" bIns="45720" rtlCol="0" anchor="ctr"/>
+          <a:lstStyle>
+            <a:defPPr>
+              <a:defRPr lang="en-BR"/>
+            </a:defPPr>
+            <a:lvl1pPr marL="0" algn="r" defTabSz="914400" rtl="0" eaLnBrk="1" latinLnBrk="0" hangingPunct="1">
+              <a:defRPr sz="1200" kern="1200">
+                <a:solidFill>
+                  <a:schemeClr val="tx1">
+                    <a:tint val="75000"/>
+                  </a:schemeClr>
+                </a:solidFill>
+                <a:latin typeface="+mn-lt"/>
+                <a:ea typeface="+mn-ea"/>
+                <a:cs typeface="+mn-cs"/>
+              </a:defRPr>
+            </a:lvl1pPr>
+            <a:lvl2pPr marL="457200" algn="l" defTabSz="914400" rtl="0" eaLnBrk="1" latinLnBrk="0" hangingPunct="1">
+              <a:defRPr sz="1800" kern="1200">
+                <a:solidFill>
+                  <a:schemeClr val="tx1"/>
+                </a:solidFill>
+                <a:latin typeface="+mn-lt"/>
+                <a:ea typeface="+mn-ea"/>
+                <a:cs typeface="+mn-cs"/>
+              </a:defRPr>
+            </a:lvl2pPr>
+            <a:lvl3pPr marL="914400" algn="l" defTabSz="914400" rtl="0" eaLnBrk="1" latinLnBrk="0" hangingPunct="1">
+              <a:defRPr sz="1800" kern="1200">
+                <a:solidFill>
+                  <a:schemeClr val="tx1"/>
+                </a:solidFill>
+                <a:latin typeface="+mn-lt"/>
+                <a:ea typeface="+mn-ea"/>
+                <a:cs typeface="+mn-cs"/>
+              </a:defRPr>
+            </a:lvl3pPr>
+            <a:lvl4pPr marL="1371600" algn="l" defTabSz="914400" rtl="0" eaLnBrk="1" latinLnBrk="0" hangingPunct="1">
+              <a:defRPr sz="1800" kern="1200">
+                <a:solidFill>
+                  <a:schemeClr val="tx1"/>
+                </a:solidFill>
+                <a:latin typeface="+mn-lt"/>
+                <a:ea typeface="+mn-ea"/>
+                <a:cs typeface="+mn-cs"/>
+              </a:defRPr>
+            </a:lvl4pPr>
+            <a:lvl5pPr marL="1828800" algn="l" defTabSz="914400" rtl="0" eaLnBrk="1" latinLnBrk="0" hangingPunct="1">
+              <a:defRPr sz="1800" kern="1200">
+                <a:solidFill>
+                  <a:schemeClr val="tx1"/>
+                </a:solidFill>
+                <a:latin typeface="+mn-lt"/>
+                <a:ea typeface="+mn-ea"/>
+                <a:cs typeface="+mn-cs"/>
+              </a:defRPr>
+            </a:lvl5pPr>
+            <a:lvl6pPr marL="2286000" algn="l" defTabSz="914400" rtl="0" eaLnBrk="1" latinLnBrk="0" hangingPunct="1">
+              <a:defRPr sz="1800" kern="1200">
+                <a:solidFill>
+                  <a:schemeClr val="tx1"/>
+                </a:solidFill>
+                <a:latin typeface="+mn-lt"/>
+                <a:ea typeface="+mn-ea"/>
+                <a:cs typeface="+mn-cs"/>
+              </a:defRPr>
+            </a:lvl6pPr>
+            <a:lvl7pPr marL="2743200" algn="l" defTabSz="914400" rtl="0" eaLnBrk="1" latinLnBrk="0" hangingPunct="1">
+              <a:defRPr sz="1800" kern="1200">
+                <a:solidFill>
+                  <a:schemeClr val="tx1"/>
+                </a:solidFill>
+                <a:latin typeface="+mn-lt"/>
+                <a:ea typeface="+mn-ea"/>
+                <a:cs typeface="+mn-cs"/>
+              </a:defRPr>
+            </a:lvl7pPr>
+            <a:lvl8pPr marL="3200400" algn="l" defTabSz="914400" rtl="0" eaLnBrk="1" latinLnBrk="0" hangingPunct="1">
+              <a:defRPr sz="1800" kern="1200">
+                <a:solidFill>
+                  <a:schemeClr val="tx1"/>
+                </a:solidFill>
+                <a:latin typeface="+mn-lt"/>
+                <a:ea typeface="+mn-ea"/>
+                <a:cs typeface="+mn-cs"/>
+              </a:defRPr>
+            </a:lvl8pPr>
+            <a:lvl9pPr marL="3657600" algn="l" defTabSz="914400" rtl="0" eaLnBrk="1" latinLnBrk="0" hangingPunct="1">
+              <a:defRPr sz="1800" kern="1200">
+                <a:solidFill>
+                  <a:schemeClr val="tx1"/>
+                </a:solidFill>
+                <a:latin typeface="+mn-lt"/>
+                <a:ea typeface="+mn-ea"/>
+                <a:cs typeface="+mn-cs"/>
+              </a:defRPr>
+            </a:lvl9pPr>
+          </a:lstStyle>
+          <a:p>
+            <a:pPr algn="l"/>
+            <a:r>
+              <a:rPr lang="en-US" sz="4000" b="1" dirty="0">
+                <a:solidFill>
+                  <a:schemeClr val="tx1"/>
+                </a:solidFill>
+                <a:latin typeface="IBM Plex Sans" panose="020B0503050203000203" pitchFamily="34" charset="0"/>
+              </a:rPr>
+              <a:t>Preliminaries on data Collection for MTP-NT – Dataset used in this work</a:t>
+            </a:r>
+          </a:p>
+        </p:txBody>
+      </p:sp>
+      <p:pic>
+        <p:nvPicPr>
+          <p:cNvPr id="11" name="Picture 10">
+            <a:extLst>
+              <a:ext uri="{FF2B5EF4-FFF2-40B4-BE49-F238E27FC236}">
+                <a16:creationId xmlns:a16="http://schemas.microsoft.com/office/drawing/2014/main" id="{C5FB7649-6E4B-A202-D16A-CBB9C4A7CDE9}"/>
+              </a:ext>
+            </a:extLst>
+          </p:cNvPr>
+          <p:cNvPicPr>
+            <a:picLocks noChangeAspect="1"/>
+          </p:cNvPicPr>
+          <p:nvPr/>
+        </p:nvPicPr>
+        <p:blipFill>
+          <a:blip r:embed="rId3"/>
+          <a:stretch>
+            <a:fillRect/>
+          </a:stretch>
+        </p:blipFill>
+        <p:spPr>
+          <a:xfrm>
+            <a:off x="250698" y="1645271"/>
+            <a:ext cx="11690604" cy="1442703"/>
+          </a:xfrm>
+          <a:prstGeom prst="rect">
+            <a:avLst/>
+          </a:prstGeom>
+        </p:spPr>
+      </p:pic>
+      <p:pic>
+        <p:nvPicPr>
+          <p:cNvPr id="12" name="Picture 11">
+            <a:extLst>
+              <a:ext uri="{FF2B5EF4-FFF2-40B4-BE49-F238E27FC236}">
+                <a16:creationId xmlns:a16="http://schemas.microsoft.com/office/drawing/2014/main" id="{FCC07A38-602C-671F-20E9-1108086CF923}"/>
+              </a:ext>
+            </a:extLst>
+          </p:cNvPr>
+          <p:cNvPicPr>
+            <a:picLocks noChangeAspect="1"/>
+          </p:cNvPicPr>
+          <p:nvPr/>
+        </p:nvPicPr>
+        <p:blipFill>
+          <a:blip r:embed="rId4"/>
+          <a:stretch>
+            <a:fillRect/>
+          </a:stretch>
+        </p:blipFill>
+        <p:spPr>
+          <a:xfrm>
+            <a:off x="261883" y="4225893"/>
+            <a:ext cx="11668234" cy="887800"/>
+          </a:xfrm>
+          <a:prstGeom prst="rect">
+            <a:avLst/>
+          </a:prstGeom>
+        </p:spPr>
+      </p:pic>
+      <p:sp>
+        <p:nvSpPr>
+          <p:cNvPr id="13" name="Rounded Rectangle 12">
+            <a:extLst>
+              <a:ext uri="{FF2B5EF4-FFF2-40B4-BE49-F238E27FC236}">
+                <a16:creationId xmlns:a16="http://schemas.microsoft.com/office/drawing/2014/main" id="{1168861E-3F37-99D2-8CF4-2F71803DA5C6}"/>
+              </a:ext>
+            </a:extLst>
+          </p:cNvPr>
+          <p:cNvSpPr/>
+          <p:nvPr/>
+        </p:nvSpPr>
+        <p:spPr>
+          <a:xfrm>
+            <a:off x="9607445" y="1984507"/>
+            <a:ext cx="1050562" cy="659567"/>
+          </a:xfrm>
+          <a:prstGeom prst="roundRect">
+            <a:avLst/>
+          </a:prstGeom>
+          <a:noFill/>
+          <a:ln w="38100">
+            <a:solidFill>
+              <a:srgbClr val="0F62FF"/>
+            </a:solidFill>
+          </a:ln>
+        </p:spPr>
+        <p:style>
+          <a:lnRef idx="2">
+            <a:schemeClr val="accent1">
+              <a:shade val="15000"/>
+            </a:schemeClr>
+          </a:lnRef>
+          <a:fillRef idx="1">
+            <a:schemeClr val="accent1"/>
+          </a:fillRef>
+          <a:effectRef idx="0">
+            <a:schemeClr val="accent1"/>
+          </a:effectRef>
+          <a:fontRef idx="minor">
+            <a:schemeClr val="lt1"/>
+          </a:fontRef>
+        </p:style>
+        <p:txBody>
+          <a:bodyPr rtlCol="0" anchor="ctr"/>
+          <a:lstStyle/>
+          <a:p>
+            <a:pPr algn="ctr"/>
+            <a:endParaRPr lang="pt-BR"/>
+          </a:p>
+        </p:txBody>
+      </p:sp>
+      <p:sp>
+        <p:nvSpPr>
+          <p:cNvPr id="14" name="Rounded Rectangle 13">
+            <a:extLst>
+              <a:ext uri="{FF2B5EF4-FFF2-40B4-BE49-F238E27FC236}">
+                <a16:creationId xmlns:a16="http://schemas.microsoft.com/office/drawing/2014/main" id="{841DBCB3-2E19-454F-B09C-5941DEB89FA9}"/>
+              </a:ext>
+            </a:extLst>
+          </p:cNvPr>
+          <p:cNvSpPr/>
+          <p:nvPr/>
+        </p:nvSpPr>
+        <p:spPr>
+          <a:xfrm>
+            <a:off x="9849785" y="4610282"/>
+            <a:ext cx="613349" cy="216552"/>
+          </a:xfrm>
+          <a:prstGeom prst="roundRect">
+            <a:avLst/>
+          </a:prstGeom>
+          <a:noFill/>
+          <a:ln w="38100">
+            <a:solidFill>
+              <a:srgbClr val="0F62FF"/>
+            </a:solidFill>
+          </a:ln>
+        </p:spPr>
+        <p:style>
+          <a:lnRef idx="2">
+            <a:schemeClr val="accent1">
+              <a:shade val="15000"/>
+            </a:schemeClr>
+          </a:lnRef>
+          <a:fillRef idx="1">
+            <a:schemeClr val="accent1"/>
+          </a:fillRef>
+          <a:effectRef idx="0">
+            <a:schemeClr val="accent1"/>
+          </a:effectRef>
+          <a:fontRef idx="minor">
+            <a:schemeClr val="lt1"/>
+          </a:fontRef>
+        </p:style>
+        <p:txBody>
+          <a:bodyPr rtlCol="0" anchor="ctr"/>
+          <a:lstStyle/>
+          <a:p>
+            <a:pPr algn="ctr"/>
+            <a:endParaRPr lang="pt-BR"/>
+          </a:p>
+        </p:txBody>
+      </p:sp>
+    </p:spTree>
+    <p:extLst>
+      <p:ext uri="{BB962C8B-B14F-4D97-AF65-F5344CB8AC3E}">
+        <p14:creationId xmlns:p14="http://schemas.microsoft.com/office/powerpoint/2010/main" val="3085883571"/>
+      </p:ext>
+    </p:extLst>
+  </p:cSld>
+  <p:clrMapOvr>
+    <a:masterClrMapping/>
+  </p:clrMapOvr>
+</p:sld>
+</file>
+
+<file path=ppt/slides/slide36.xml><?xml version="1.0" encoding="utf-8"?>
+<p:sld xmlns:a="http://schemas.openxmlformats.org/drawingml/2006/main" xmlns:r="http://schemas.openxmlformats.org/officeDocument/2006/relationships" xmlns:p="http://schemas.openxmlformats.org/presentationml/2006/main">
+  <p:cSld>
+    <p:spTree>
+      <p:nvGrpSpPr>
+        <p:cNvPr id="1" name=""/>
+        <p:cNvGrpSpPr/>
+        <p:nvPr/>
+      </p:nvGrpSpPr>
+      <p:grpSpPr>
+        <a:xfrm>
+          <a:off x="0" y="0"/>
+          <a:ext cx="0" cy="0"/>
+          <a:chOff x="0" y="0"/>
+          <a:chExt cx="0" cy="0"/>
+        </a:xfrm>
+      </p:grpSpPr>
+      <p:sp>
+        <p:nvSpPr>
           <p:cNvPr id="7" name="Title 1">
             <a:extLst>
               <a:ext uri="{FF2B5EF4-FFF2-40B4-BE49-F238E27FC236}">
@@ -25576,7 +28509,7 @@
           <a:p>
             <a:fld id="{C16D1434-241F-3E4A-8778-0F70095E40C3}" type="slidenum">
               <a:rPr lang="pt-BR" smtClean="0"/>
-              <a:t>31</a:t>
+              <a:t>36</a:t>
             </a:fld>
             <a:endParaRPr lang="pt-BR"/>
           </a:p>
@@ -27818,7 +30751,7 @@
           <a:p>
             <a:pPr defTabSz="914400"/>
             <a:r>
-              <a:rPr lang="en-US" sz="1200" kern="0" dirty="0">
+              <a:rPr lang="en-US" sz="1200" b="1" kern="0" dirty="0">
                 <a:solidFill>
                   <a:schemeClr val="tx1"/>
                 </a:solidFill>
@@ -27829,7 +30762,7 @@
           <a:p>
             <a:pPr defTabSz="914400"/>
             <a:r>
-              <a:rPr lang="en-US" sz="1200" kern="0" dirty="0">
+              <a:rPr lang="en-US" sz="1200" b="1" kern="0" dirty="0">
                 <a:solidFill>
                   <a:srgbClr val="0F62FF"/>
                 </a:solidFill>
